--- a/tex/figures/ApplyingNewtonsLaws/Figures.pptx
+++ b/tex/figures/ApplyingNewtonsLaws/Figures.pptx
@@ -244,7 +244,7 @@
           <a:p>
             <a:fld id="{F7249F8D-641B-4CAF-BAE5-10524742F6F1}" type="datetimeFigureOut">
               <a:rPr lang="en-CA" smtClean="0"/>
-              <a:t>2018-05-25</a:t>
+              <a:t>2018-05-28</a:t>
             </a:fld>
             <a:endParaRPr lang="en-CA"/>
           </a:p>
@@ -414,7 +414,7 @@
           <a:p>
             <a:fld id="{F7249F8D-641B-4CAF-BAE5-10524742F6F1}" type="datetimeFigureOut">
               <a:rPr lang="en-CA" smtClean="0"/>
-              <a:t>2018-05-25</a:t>
+              <a:t>2018-05-28</a:t>
             </a:fld>
             <a:endParaRPr lang="en-CA"/>
           </a:p>
@@ -594,7 +594,7 @@
           <a:p>
             <a:fld id="{F7249F8D-641B-4CAF-BAE5-10524742F6F1}" type="datetimeFigureOut">
               <a:rPr lang="en-CA" smtClean="0"/>
-              <a:t>2018-05-25</a:t>
+              <a:t>2018-05-28</a:t>
             </a:fld>
             <a:endParaRPr lang="en-CA"/>
           </a:p>
@@ -764,7 +764,7 @@
           <a:p>
             <a:fld id="{F7249F8D-641B-4CAF-BAE5-10524742F6F1}" type="datetimeFigureOut">
               <a:rPr lang="en-CA" smtClean="0"/>
-              <a:t>2018-05-25</a:t>
+              <a:t>2018-05-28</a:t>
             </a:fld>
             <a:endParaRPr lang="en-CA"/>
           </a:p>
@@ -1010,7 +1010,7 @@
           <a:p>
             <a:fld id="{F7249F8D-641B-4CAF-BAE5-10524742F6F1}" type="datetimeFigureOut">
               <a:rPr lang="en-CA" smtClean="0"/>
-              <a:t>2018-05-25</a:t>
+              <a:t>2018-05-28</a:t>
             </a:fld>
             <a:endParaRPr lang="en-CA"/>
           </a:p>
@@ -1242,7 +1242,7 @@
           <a:p>
             <a:fld id="{F7249F8D-641B-4CAF-BAE5-10524742F6F1}" type="datetimeFigureOut">
               <a:rPr lang="en-CA" smtClean="0"/>
-              <a:t>2018-05-25</a:t>
+              <a:t>2018-05-28</a:t>
             </a:fld>
             <a:endParaRPr lang="en-CA"/>
           </a:p>
@@ -1609,7 +1609,7 @@
           <a:p>
             <a:fld id="{F7249F8D-641B-4CAF-BAE5-10524742F6F1}" type="datetimeFigureOut">
               <a:rPr lang="en-CA" smtClean="0"/>
-              <a:t>2018-05-25</a:t>
+              <a:t>2018-05-28</a:t>
             </a:fld>
             <a:endParaRPr lang="en-CA"/>
           </a:p>
@@ -1727,7 +1727,7 @@
           <a:p>
             <a:fld id="{F7249F8D-641B-4CAF-BAE5-10524742F6F1}" type="datetimeFigureOut">
               <a:rPr lang="en-CA" smtClean="0"/>
-              <a:t>2018-05-25</a:t>
+              <a:t>2018-05-28</a:t>
             </a:fld>
             <a:endParaRPr lang="en-CA"/>
           </a:p>
@@ -1822,7 +1822,7 @@
           <a:p>
             <a:fld id="{F7249F8D-641B-4CAF-BAE5-10524742F6F1}" type="datetimeFigureOut">
               <a:rPr lang="en-CA" smtClean="0"/>
-              <a:t>2018-05-25</a:t>
+              <a:t>2018-05-28</a:t>
             </a:fld>
             <a:endParaRPr lang="en-CA"/>
           </a:p>
@@ -2099,7 +2099,7 @@
           <a:p>
             <a:fld id="{F7249F8D-641B-4CAF-BAE5-10524742F6F1}" type="datetimeFigureOut">
               <a:rPr lang="en-CA" smtClean="0"/>
-              <a:t>2018-05-25</a:t>
+              <a:t>2018-05-28</a:t>
             </a:fld>
             <a:endParaRPr lang="en-CA"/>
           </a:p>
@@ -2352,7 +2352,7 @@
           <a:p>
             <a:fld id="{F7249F8D-641B-4CAF-BAE5-10524742F6F1}" type="datetimeFigureOut">
               <a:rPr lang="en-CA" smtClean="0"/>
-              <a:t>2018-05-25</a:t>
+              <a:t>2018-05-28</a:t>
             </a:fld>
             <a:endParaRPr lang="en-CA"/>
           </a:p>
@@ -2565,7 +2565,7 @@
           <a:p>
             <a:fld id="{F7249F8D-641B-4CAF-BAE5-10524742F6F1}" type="datetimeFigureOut">
               <a:rPr lang="en-CA" smtClean="0"/>
-              <a:t>2018-05-25</a:t>
+              <a:t>2018-05-28</a:t>
             </a:fld>
             <a:endParaRPr lang="en-CA"/>
           </a:p>
@@ -4628,8 +4628,8 @@
             </p:sp>
           </mc:Fallback>
         </mc:AlternateContent>
-        <mc:AlternateContent xmlns:mc="http://schemas.openxmlformats.org/markup-compatibility/2006">
-          <mc:Choice xmlns:a14="http://schemas.microsoft.com/office/drawing/2010/main" Requires="a14">
+        <mc:AlternateContent xmlns:mc="http://schemas.openxmlformats.org/markup-compatibility/2006" xmlns:a14="http://schemas.microsoft.com/office/drawing/2010/main">
+          <mc:Choice Requires="a14">
             <p:sp>
               <p:nvSpPr>
                 <p:cNvPr id="24" name="TextBox 23"/>
@@ -4711,7 +4711,7 @@
               </p:txBody>
             </p:sp>
           </mc:Choice>
-          <mc:Fallback>
+          <mc:Fallback xmlns="">
             <p:sp>
               <p:nvSpPr>
                 <p:cNvPr id="24" name="TextBox 23"/>
@@ -4750,8 +4750,8 @@
             </p:sp>
           </mc:Fallback>
         </mc:AlternateContent>
-        <mc:AlternateContent xmlns:mc="http://schemas.openxmlformats.org/markup-compatibility/2006">
-          <mc:Choice xmlns:a14="http://schemas.microsoft.com/office/drawing/2010/main" Requires="a14">
+        <mc:AlternateContent xmlns:mc="http://schemas.openxmlformats.org/markup-compatibility/2006" xmlns:a14="http://schemas.microsoft.com/office/drawing/2010/main">
+          <mc:Choice Requires="a14">
             <p:sp>
               <p:nvSpPr>
                 <p:cNvPr id="25" name="TextBox 24"/>
@@ -4833,7 +4833,7 @@
               </p:txBody>
             </p:sp>
           </mc:Choice>
-          <mc:Fallback>
+          <mc:Fallback xmlns="">
             <p:sp>
               <p:nvSpPr>
                 <p:cNvPr id="25" name="TextBox 24"/>
@@ -4872,8 +4872,8 @@
             </p:sp>
           </mc:Fallback>
         </mc:AlternateContent>
-        <mc:AlternateContent xmlns:mc="http://schemas.openxmlformats.org/markup-compatibility/2006">
-          <mc:Choice xmlns:a14="http://schemas.microsoft.com/office/drawing/2010/main" Requires="a14">
+        <mc:AlternateContent xmlns:mc="http://schemas.openxmlformats.org/markup-compatibility/2006" xmlns:a14="http://schemas.microsoft.com/office/drawing/2010/main">
+          <mc:Choice Requires="a14">
             <p:sp>
               <p:nvSpPr>
                 <p:cNvPr id="27" name="TextBox 26"/>
@@ -4921,7 +4921,7 @@
               </p:txBody>
             </p:sp>
           </mc:Choice>
-          <mc:Fallback>
+          <mc:Fallback xmlns="">
             <p:sp>
               <p:nvSpPr>
                 <p:cNvPr id="27" name="TextBox 26"/>
@@ -5008,8 +5008,8 @@
             </a:p>
           </p:txBody>
         </p:sp>
-        <mc:AlternateContent xmlns:mc="http://schemas.openxmlformats.org/markup-compatibility/2006">
-          <mc:Choice xmlns:a14="http://schemas.microsoft.com/office/drawing/2010/main" Requires="a14">
+        <mc:AlternateContent xmlns:mc="http://schemas.openxmlformats.org/markup-compatibility/2006" xmlns:a14="http://schemas.microsoft.com/office/drawing/2010/main">
+          <mc:Choice Requires="a14">
             <p:sp>
               <p:nvSpPr>
                 <p:cNvPr id="29" name="TextBox 28"/>
@@ -5091,7 +5091,7 @@
               </p:txBody>
             </p:sp>
           </mc:Choice>
-          <mc:Fallback>
+          <mc:Fallback xmlns="">
             <p:sp>
               <p:nvSpPr>
                 <p:cNvPr id="29" name="TextBox 28"/>
@@ -5798,8 +5798,8 @@
             </a:fontRef>
           </p:style>
         </p:cxnSp>
-        <mc:AlternateContent xmlns:mc="http://schemas.openxmlformats.org/markup-compatibility/2006">
-          <mc:Choice xmlns:a14="http://schemas.microsoft.com/office/drawing/2010/main" Requires="a14">
+        <mc:AlternateContent xmlns:mc="http://schemas.openxmlformats.org/markup-compatibility/2006" xmlns:a14="http://schemas.microsoft.com/office/drawing/2010/main">
+          <mc:Choice Requires="a14">
             <p:sp>
               <p:nvSpPr>
                 <p:cNvPr id="45" name="TextBox 44"/>
@@ -5888,7 +5888,7 @@
               </p:txBody>
             </p:sp>
           </mc:Choice>
-          <mc:Fallback>
+          <mc:Fallback xmlns="">
             <p:sp>
               <p:nvSpPr>
                 <p:cNvPr id="45" name="TextBox 44"/>
@@ -5927,8 +5927,8 @@
             </p:sp>
           </mc:Fallback>
         </mc:AlternateContent>
-        <mc:AlternateContent xmlns:mc="http://schemas.openxmlformats.org/markup-compatibility/2006">
-          <mc:Choice xmlns:a14="http://schemas.microsoft.com/office/drawing/2010/main" Requires="a14">
+        <mc:AlternateContent xmlns:mc="http://schemas.openxmlformats.org/markup-compatibility/2006" xmlns:a14="http://schemas.microsoft.com/office/drawing/2010/main">
+          <mc:Choice Requires="a14">
             <p:sp>
               <p:nvSpPr>
                 <p:cNvPr id="46" name="TextBox 45"/>
@@ -5961,7 +5961,7 @@
                         <m:sSub>
                           <m:sSubPr>
                             <m:ctrlPr>
-                              <a:rPr lang="en-US" sz="2000" b="0" i="0" smtClean="0">
+                              <a:rPr lang="en-US" sz="2000" b="0" i="1" smtClean="0">
                                 <a:latin typeface="Cambria Math" panose="02040503050406030204" pitchFamily="18" charset="0"/>
                                 <a:cs typeface="Arial" panose="020B0604020202020204" pitchFamily="34" charset="0"/>
                               </a:rPr>
@@ -6010,7 +6010,7 @@
               </p:txBody>
             </p:sp>
           </mc:Choice>
-          <mc:Fallback>
+          <mc:Fallback xmlns="">
             <p:sp>
               <p:nvSpPr>
                 <p:cNvPr id="46" name="TextBox 45"/>
@@ -6049,8 +6049,8 @@
             </p:sp>
           </mc:Fallback>
         </mc:AlternateContent>
-        <mc:AlternateContent xmlns:mc="http://schemas.openxmlformats.org/markup-compatibility/2006">
-          <mc:Choice xmlns:a14="http://schemas.microsoft.com/office/drawing/2010/main" Requires="a14">
+        <mc:AlternateContent xmlns:mc="http://schemas.openxmlformats.org/markup-compatibility/2006" xmlns:a14="http://schemas.microsoft.com/office/drawing/2010/main">
+          <mc:Choice Requires="a14">
             <p:sp>
               <p:nvSpPr>
                 <p:cNvPr id="47" name="TextBox 46"/>
@@ -6132,7 +6132,7 @@
               </p:txBody>
             </p:sp>
           </mc:Choice>
-          <mc:Fallback>
+          <mc:Fallback xmlns="">
             <p:sp>
               <p:nvSpPr>
                 <p:cNvPr id="47" name="TextBox 46"/>
@@ -6171,8 +6171,8 @@
             </p:sp>
           </mc:Fallback>
         </mc:AlternateContent>
-        <mc:AlternateContent xmlns:mc="http://schemas.openxmlformats.org/markup-compatibility/2006">
-          <mc:Choice xmlns:a14="http://schemas.microsoft.com/office/drawing/2010/main" Requires="a14">
+        <mc:AlternateContent xmlns:mc="http://schemas.openxmlformats.org/markup-compatibility/2006" xmlns:a14="http://schemas.microsoft.com/office/drawing/2010/main">
+          <mc:Choice Requires="a14">
             <p:sp>
               <p:nvSpPr>
                 <p:cNvPr id="49" name="TextBox 48"/>
@@ -6220,7 +6220,7 @@
               </p:txBody>
             </p:sp>
           </mc:Choice>
-          <mc:Fallback>
+          <mc:Fallback xmlns="">
             <p:sp>
               <p:nvSpPr>
                 <p:cNvPr id="49" name="TextBox 48"/>
@@ -6307,8 +6307,8 @@
             </a:p>
           </p:txBody>
         </p:sp>
-        <mc:AlternateContent xmlns:mc="http://schemas.openxmlformats.org/markup-compatibility/2006">
-          <mc:Choice xmlns:a14="http://schemas.microsoft.com/office/drawing/2010/main" Requires="a14">
+        <mc:AlternateContent xmlns:mc="http://schemas.openxmlformats.org/markup-compatibility/2006" xmlns:a14="http://schemas.microsoft.com/office/drawing/2010/main">
+          <mc:Choice Requires="a14">
             <p:sp>
               <p:nvSpPr>
                 <p:cNvPr id="51" name="TextBox 50"/>
@@ -6390,7 +6390,7 @@
               </p:txBody>
             </p:sp>
           </mc:Choice>
-          <mc:Fallback>
+          <mc:Fallback xmlns="">
             <p:sp>
               <p:nvSpPr>
                 <p:cNvPr id="51" name="TextBox 50"/>
@@ -6698,8 +6698,8 @@
                 </p:sp>
               </mc:Fallback>
             </mc:AlternateContent>
-            <mc:AlternateContent xmlns:mc="http://schemas.openxmlformats.org/markup-compatibility/2006">
-              <mc:Choice xmlns:a14="http://schemas.microsoft.com/office/drawing/2010/main" Requires="a14">
+            <mc:AlternateContent xmlns:mc="http://schemas.openxmlformats.org/markup-compatibility/2006" xmlns:a14="http://schemas.microsoft.com/office/drawing/2010/main">
+              <mc:Choice Requires="a14">
                 <p:sp>
                   <p:nvSpPr>
                     <p:cNvPr id="61" name="Rectangle 60"/>
@@ -6743,7 +6743,7 @@
                   </p:txBody>
                 </p:sp>
               </mc:Choice>
-              <mc:Fallback>
+              <mc:Fallback xmlns="">
                 <p:sp>
                   <p:nvSpPr>
                     <p:cNvPr id="61" name="Rectangle 60"/>
@@ -7022,8 +7022,8 @@
               </a:fontRef>
             </p:style>
           </p:cxnSp>
-          <mc:AlternateContent xmlns:mc="http://schemas.openxmlformats.org/markup-compatibility/2006">
-            <mc:Choice xmlns:a14="http://schemas.microsoft.com/office/drawing/2010/main" Requires="a14">
+          <mc:AlternateContent xmlns:mc="http://schemas.openxmlformats.org/markup-compatibility/2006" xmlns:a14="http://schemas.microsoft.com/office/drawing/2010/main">
+            <mc:Choice Requires="a14">
               <p:sp>
                 <p:nvSpPr>
                   <p:cNvPr id="14" name="TextBox 13"/>
@@ -7046,6 +7046,7 @@
                   </a:bodyPr>
                   <a:lstStyle/>
                   <a:p>
+                    <a:pPr/>
                     <a14:m>
                       <m:oMathPara xmlns:m="http://schemas.openxmlformats.org/officeDocument/2006/math">
                         <m:oMathParaPr>
@@ -7070,7 +7071,7 @@
                 </p:txBody>
               </p:sp>
             </mc:Choice>
-            <mc:Fallback>
+            <mc:Fallback xmlns="">
               <p:sp>
                 <p:nvSpPr>
                   <p:cNvPr id="14" name="TextBox 13"/>
@@ -7109,8 +7110,8 @@
               </p:sp>
             </mc:Fallback>
           </mc:AlternateContent>
-          <mc:AlternateContent xmlns:mc="http://schemas.openxmlformats.org/markup-compatibility/2006">
-            <mc:Choice xmlns:a14="http://schemas.microsoft.com/office/drawing/2010/main" Requires="a14">
+          <mc:AlternateContent xmlns:mc="http://schemas.openxmlformats.org/markup-compatibility/2006" xmlns:a14="http://schemas.microsoft.com/office/drawing/2010/main">
+            <mc:Choice Requires="a14">
               <p:sp>
                 <p:nvSpPr>
                   <p:cNvPr id="15" name="TextBox 14"/>
@@ -7133,6 +7134,7 @@
                   </a:bodyPr>
                   <a:lstStyle/>
                   <a:p>
+                    <a:pPr/>
                     <a14:m>
                       <m:oMathPara xmlns:m="http://schemas.openxmlformats.org/officeDocument/2006/math">
                         <m:oMathParaPr>
@@ -7157,7 +7159,7 @@
                 </p:txBody>
               </p:sp>
             </mc:Choice>
-            <mc:Fallback>
+            <mc:Fallback xmlns="">
               <p:sp>
                 <p:nvSpPr>
                   <p:cNvPr id="15" name="TextBox 14"/>
@@ -7248,8 +7250,8 @@
             </a:p>
           </p:txBody>
         </p:sp>
-        <mc:AlternateContent xmlns:mc="http://schemas.openxmlformats.org/markup-compatibility/2006">
-          <mc:Choice xmlns:a14="http://schemas.microsoft.com/office/drawing/2010/main" Requires="a14">
+        <mc:AlternateContent xmlns:mc="http://schemas.openxmlformats.org/markup-compatibility/2006" xmlns:a14="http://schemas.microsoft.com/office/drawing/2010/main">
+          <mc:Choice Requires="a14">
             <p:sp>
               <p:nvSpPr>
                 <p:cNvPr id="68" name="TextBox 67"/>
@@ -7272,6 +7274,7 @@
                 </a:bodyPr>
                 <a:lstStyle/>
                 <a:p>
+                  <a:pPr/>
                   <a14:m>
                     <m:oMathPara xmlns:m="http://schemas.openxmlformats.org/officeDocument/2006/math">
                       <m:oMathParaPr>
@@ -7296,7 +7299,7 @@
               </p:txBody>
             </p:sp>
           </mc:Choice>
-          <mc:Fallback>
+          <mc:Fallback xmlns="">
             <p:sp>
               <p:nvSpPr>
                 <p:cNvPr id="68" name="TextBox 67"/>
@@ -7374,8 +7377,8 @@
             </a:fontRef>
           </p:style>
         </p:cxnSp>
-        <mc:AlternateContent xmlns:mc="http://schemas.openxmlformats.org/markup-compatibility/2006">
-          <mc:Choice xmlns:a14="http://schemas.microsoft.com/office/drawing/2010/main" Requires="a14">
+        <mc:AlternateContent xmlns:mc="http://schemas.openxmlformats.org/markup-compatibility/2006" xmlns:a14="http://schemas.microsoft.com/office/drawing/2010/main">
+          <mc:Choice Requires="a14">
             <p:sp>
               <p:nvSpPr>
                 <p:cNvPr id="73" name="TextBox 72"/>
@@ -7398,6 +7401,7 @@
                 </a:bodyPr>
                 <a:lstStyle/>
                 <a:p>
+                  <a:pPr/>
                   <a14:m>
                     <m:oMathPara xmlns:m="http://schemas.openxmlformats.org/officeDocument/2006/math">
                       <m:oMathParaPr>
@@ -7422,7 +7426,7 @@
               </p:txBody>
             </p:sp>
           </mc:Choice>
-          <mc:Fallback>
+          <mc:Fallback xmlns="">
             <p:sp>
               <p:nvSpPr>
                 <p:cNvPr id="73" name="TextBox 72"/>

--- a/tex/figures/ApplyingNewtonsLaws/Figures.pptx
+++ b/tex/figures/ApplyingNewtonsLaws/Figures.pptx
@@ -7,6 +7,7 @@
   <p:sldIdLst>
     <p:sldId id="271" r:id="rId2"/>
     <p:sldId id="270" r:id="rId3"/>
+    <p:sldId id="272" r:id="rId4"/>
   </p:sldIdLst>
   <p:sldSz cx="12192000" cy="6858000"/>
   <p:notesSz cx="6858000" cy="9144000"/>
@@ -7479,6 +7480,1501 @@
 </p:sld>
 </file>
 
+<file path=ppt/slides/slide3.xml><?xml version="1.0" encoding="utf-8"?>
+<p:sld xmlns:a="http://schemas.openxmlformats.org/drawingml/2006/main" xmlns:r="http://schemas.openxmlformats.org/officeDocument/2006/relationships" xmlns:p="http://schemas.openxmlformats.org/presentationml/2006/main">
+  <p:cSld>
+    <p:spTree>
+      <p:nvGrpSpPr>
+        <p:cNvPr id="1" name=""/>
+        <p:cNvGrpSpPr/>
+        <p:nvPr/>
+      </p:nvGrpSpPr>
+      <p:grpSpPr>
+        <a:xfrm>
+          <a:off x="0" y="0"/>
+          <a:ext cx="0" cy="0"/>
+          <a:chOff x="0" y="0"/>
+          <a:chExt cx="0" cy="0"/>
+        </a:xfrm>
+      </p:grpSpPr>
+      <p:grpSp>
+        <p:nvGrpSpPr>
+          <p:cNvPr id="26" name="Group 25"/>
+          <p:cNvGrpSpPr/>
+          <p:nvPr/>
+        </p:nvGrpSpPr>
+        <p:grpSpPr>
+          <a:xfrm>
+            <a:off x="2040673" y="1739590"/>
+            <a:ext cx="1626352" cy="2040673"/>
+            <a:chOff x="2040673" y="1739590"/>
+            <a:chExt cx="1626352" cy="2040673"/>
+          </a:xfrm>
+        </p:grpSpPr>
+        <p:sp>
+          <p:nvSpPr>
+            <p:cNvPr id="4" name="Rectangle 3"/>
+            <p:cNvSpPr/>
+            <p:nvPr/>
+          </p:nvSpPr>
+          <p:spPr>
+            <a:xfrm>
+              <a:off x="3434576" y="1739590"/>
+              <a:ext cx="232449" cy="2040673"/>
+            </a:xfrm>
+            <a:prstGeom prst="rect">
+              <a:avLst/>
+            </a:prstGeom>
+            <a:solidFill>
+              <a:schemeClr val="bg2">
+                <a:lumMod val="50000"/>
+              </a:schemeClr>
+            </a:solidFill>
+            <a:ln w="38100">
+              <a:solidFill>
+                <a:schemeClr val="tx1"/>
+              </a:solidFill>
+            </a:ln>
+          </p:spPr>
+          <p:style>
+            <a:lnRef idx="2">
+              <a:schemeClr val="accent1">
+                <a:shade val="50000"/>
+              </a:schemeClr>
+            </a:lnRef>
+            <a:fillRef idx="1">
+              <a:schemeClr val="accent1"/>
+            </a:fillRef>
+            <a:effectRef idx="0">
+              <a:schemeClr val="accent1"/>
+            </a:effectRef>
+            <a:fontRef idx="minor">
+              <a:schemeClr val="lt1"/>
+            </a:fontRef>
+          </p:style>
+          <p:txBody>
+            <a:bodyPr rtlCol="0" anchor="ctr"/>
+            <a:lstStyle/>
+            <a:p>
+              <a:pPr algn="ctr"/>
+              <a:endParaRPr lang="en-US"/>
+            </a:p>
+          </p:txBody>
+        </p:sp>
+        <p:sp>
+          <p:nvSpPr>
+            <p:cNvPr id="5" name="Rectangle 4"/>
+            <p:cNvSpPr/>
+            <p:nvPr/>
+          </p:nvSpPr>
+          <p:spPr>
+            <a:xfrm>
+              <a:off x="2787805" y="2509024"/>
+              <a:ext cx="646771" cy="602166"/>
+            </a:xfrm>
+            <a:prstGeom prst="rect">
+              <a:avLst/>
+            </a:prstGeom>
+            <a:solidFill>
+              <a:schemeClr val="bg2">
+                <a:lumMod val="90000"/>
+              </a:schemeClr>
+            </a:solidFill>
+            <a:ln w="38100">
+              <a:solidFill>
+                <a:schemeClr val="tx1"/>
+              </a:solidFill>
+            </a:ln>
+          </p:spPr>
+          <p:style>
+            <a:lnRef idx="2">
+              <a:schemeClr val="accent1">
+                <a:shade val="50000"/>
+              </a:schemeClr>
+            </a:lnRef>
+            <a:fillRef idx="1">
+              <a:schemeClr val="accent1"/>
+            </a:fillRef>
+            <a:effectRef idx="0">
+              <a:schemeClr val="accent1"/>
+            </a:effectRef>
+            <a:fontRef idx="minor">
+              <a:schemeClr val="lt1"/>
+            </a:fontRef>
+          </p:style>
+          <p:txBody>
+            <a:bodyPr rtlCol="0" anchor="ctr"/>
+            <a:lstStyle/>
+            <a:p>
+              <a:pPr algn="ctr"/>
+              <a:endParaRPr lang="en-US"/>
+            </a:p>
+          </p:txBody>
+        </p:sp>
+        <p:cxnSp>
+          <p:nvCxnSpPr>
+            <p:cNvPr id="7" name="Straight Arrow Connector 6"/>
+            <p:cNvCxnSpPr>
+              <a:endCxn id="5" idx="1"/>
+            </p:cNvCxnSpPr>
+            <p:nvPr/>
+          </p:nvCxnSpPr>
+          <p:spPr>
+            <a:xfrm>
+              <a:off x="2040673" y="2810107"/>
+              <a:ext cx="747132" cy="0"/>
+            </a:xfrm>
+            <a:prstGeom prst="straightConnector1">
+              <a:avLst/>
+            </a:prstGeom>
+            <a:ln w="38100">
+              <a:solidFill>
+                <a:schemeClr val="tx1"/>
+              </a:solidFill>
+              <a:tailEnd type="triangle"/>
+            </a:ln>
+          </p:spPr>
+          <p:style>
+            <a:lnRef idx="1">
+              <a:schemeClr val="accent1"/>
+            </a:lnRef>
+            <a:fillRef idx="0">
+              <a:schemeClr val="accent1"/>
+            </a:fillRef>
+            <a:effectRef idx="0">
+              <a:schemeClr val="accent1"/>
+            </a:effectRef>
+            <a:fontRef idx="minor">
+              <a:schemeClr val="tx1"/>
+            </a:fontRef>
+          </p:style>
+        </p:cxnSp>
+        <mc:AlternateContent xmlns:mc="http://schemas.openxmlformats.org/markup-compatibility/2006">
+          <mc:Choice xmlns:a14="http://schemas.microsoft.com/office/drawing/2010/main" Requires="a14">
+            <p:sp>
+              <p:nvSpPr>
+                <p:cNvPr id="8" name="TextBox 7"/>
+                <p:cNvSpPr txBox="1"/>
+                <p:nvPr/>
+              </p:nvSpPr>
+              <p:spPr>
+                <a:xfrm>
+                  <a:off x="2317727" y="2414501"/>
+                  <a:ext cx="237629" cy="345159"/>
+                </a:xfrm>
+                <a:prstGeom prst="rect">
+                  <a:avLst/>
+                </a:prstGeom>
+                <a:noFill/>
+              </p:spPr>
+              <p:txBody>
+                <a:bodyPr wrap="none" lIns="0" tIns="0" rIns="0" bIns="0" rtlCol="0">
+                  <a:spAutoFit/>
+                </a:bodyPr>
+                <a:lstStyle/>
+                <a:p>
+                  <a14:m>
+                    <m:oMathPara xmlns:m="http://schemas.openxmlformats.org/officeDocument/2006/math">
+                      <m:oMathParaPr>
+                        <m:jc m:val="centerGroup"/>
+                      </m:oMathParaPr>
+                      <m:oMath xmlns:m="http://schemas.openxmlformats.org/officeDocument/2006/math">
+                        <m:acc>
+                          <m:accPr>
+                            <m:chr m:val="⃗"/>
+                            <m:ctrlPr>
+                              <a:rPr lang="en-US" sz="2000" b="0" i="1" smtClean="0">
+                                <a:latin typeface="Cambria Math" panose="02040503050406030204" pitchFamily="18" charset="0"/>
+                                <a:cs typeface="Arial" panose="020B0604020202020204" pitchFamily="34" charset="0"/>
+                              </a:rPr>
+                            </m:ctrlPr>
+                          </m:accPr>
+                          <m:e>
+                            <m:r>
+                              <a:rPr lang="en-US" sz="2000" b="0" i="1" smtClean="0">
+                                <a:latin typeface="Cambria Math" panose="02040503050406030204" pitchFamily="18" charset="0"/>
+                                <a:cs typeface="Arial" panose="020B0604020202020204" pitchFamily="34" charset="0"/>
+                              </a:rPr>
+                              <m:t>𝐹</m:t>
+                            </m:r>
+                          </m:e>
+                        </m:acc>
+                      </m:oMath>
+                    </m:oMathPara>
+                  </a14:m>
+                  <a:endParaRPr lang="en-US" sz="2000" dirty="0" smtClean="0">
+                    <a:latin typeface="Arial" panose="020B0604020202020204" pitchFamily="34" charset="0"/>
+                    <a:cs typeface="Arial" panose="020B0604020202020204" pitchFamily="34" charset="0"/>
+                  </a:endParaRPr>
+                </a:p>
+              </p:txBody>
+            </p:sp>
+          </mc:Choice>
+          <mc:Fallback>
+            <p:sp>
+              <p:nvSpPr>
+                <p:cNvPr id="8" name="TextBox 7"/>
+                <p:cNvSpPr txBox="1">
+                  <a:spLocks noRot="1" noChangeAspect="1" noMove="1" noResize="1" noEditPoints="1" noAdjustHandles="1" noChangeArrowheads="1" noChangeShapeType="1" noTextEdit="1"/>
+                </p:cNvSpPr>
+                <p:nvPr/>
+              </p:nvSpPr>
+              <p:spPr>
+                <a:xfrm>
+                  <a:off x="2317727" y="2414501"/>
+                  <a:ext cx="237629" cy="345159"/>
+                </a:xfrm>
+                <a:prstGeom prst="rect">
+                  <a:avLst/>
+                </a:prstGeom>
+                <a:blipFill>
+                  <a:blip r:embed="rId2"/>
+                  <a:stretch>
+                    <a:fillRect l="-20513" t="-33333" r="-92308" b="-8772"/>
+                  </a:stretch>
+                </a:blipFill>
+              </p:spPr>
+              <p:txBody>
+                <a:bodyPr/>
+                <a:lstStyle/>
+                <a:p>
+                  <a:r>
+                    <a:rPr lang="en-US">
+                      <a:noFill/>
+                    </a:rPr>
+                    <a:t> </a:t>
+                  </a:r>
+                </a:p>
+              </p:txBody>
+            </p:sp>
+          </mc:Fallback>
+        </mc:AlternateContent>
+      </p:grpSp>
+      <p:grpSp>
+        <p:nvGrpSpPr>
+          <p:cNvPr id="35" name="Group 34"/>
+          <p:cNvGrpSpPr/>
+          <p:nvPr/>
+        </p:nvGrpSpPr>
+        <p:grpSpPr>
+          <a:xfrm>
+            <a:off x="4521593" y="1721217"/>
+            <a:ext cx="2020456" cy="2331060"/>
+            <a:chOff x="4521593" y="1721217"/>
+            <a:chExt cx="2020456" cy="2331060"/>
+          </a:xfrm>
+        </p:grpSpPr>
+        <p:grpSp>
+          <p:nvGrpSpPr>
+            <p:cNvPr id="25" name="Group 24"/>
+            <p:cNvGrpSpPr/>
+            <p:nvPr/>
+          </p:nvGrpSpPr>
+          <p:grpSpPr>
+            <a:xfrm>
+              <a:off x="4885274" y="1721217"/>
+              <a:ext cx="1656775" cy="2153565"/>
+              <a:chOff x="4885274" y="1721217"/>
+              <a:chExt cx="1656775" cy="2153565"/>
+            </a:xfrm>
+          </p:grpSpPr>
+          <p:sp>
+            <p:nvSpPr>
+              <p:cNvPr id="9" name="Oval 8"/>
+              <p:cNvSpPr/>
+              <p:nvPr/>
+            </p:nvSpPr>
+            <p:spPr>
+              <a:xfrm>
+                <a:off x="5664861" y="2772009"/>
+                <a:ext cx="120943" cy="119766"/>
+              </a:xfrm>
+              <a:prstGeom prst="ellipse">
+                <a:avLst/>
+              </a:prstGeom>
+              <a:solidFill>
+                <a:schemeClr val="tx1"/>
+              </a:solidFill>
+              <a:ln w="38100">
+                <a:solidFill>
+                  <a:schemeClr val="tx1"/>
+                </a:solidFill>
+              </a:ln>
+            </p:spPr>
+            <p:style>
+              <a:lnRef idx="2">
+                <a:schemeClr val="accent1">
+                  <a:shade val="50000"/>
+                </a:schemeClr>
+              </a:lnRef>
+              <a:fillRef idx="1">
+                <a:schemeClr val="accent1"/>
+              </a:fillRef>
+              <a:effectRef idx="0">
+                <a:schemeClr val="accent1"/>
+              </a:effectRef>
+              <a:fontRef idx="minor">
+                <a:schemeClr val="lt1"/>
+              </a:fontRef>
+            </p:style>
+            <p:txBody>
+              <a:bodyPr rtlCol="0" anchor="ctr"/>
+              <a:lstStyle/>
+              <a:p>
+                <a:pPr algn="ctr"/>
+                <a:endParaRPr lang="en-US"/>
+              </a:p>
+            </p:txBody>
+          </p:sp>
+          <p:cxnSp>
+            <p:nvCxnSpPr>
+              <p:cNvPr id="10" name="Straight Arrow Connector 9"/>
+              <p:cNvCxnSpPr/>
+              <p:nvPr/>
+            </p:nvCxnSpPr>
+            <p:spPr>
+              <a:xfrm>
+                <a:off x="5794917" y="2830181"/>
+                <a:ext cx="747132" cy="0"/>
+              </a:xfrm>
+              <a:prstGeom prst="straightConnector1">
+                <a:avLst/>
+              </a:prstGeom>
+              <a:ln w="38100">
+                <a:solidFill>
+                  <a:schemeClr val="tx1"/>
+                </a:solidFill>
+                <a:tailEnd type="triangle"/>
+              </a:ln>
+            </p:spPr>
+            <p:style>
+              <a:lnRef idx="1">
+                <a:schemeClr val="accent1"/>
+              </a:lnRef>
+              <a:fillRef idx="0">
+                <a:schemeClr val="accent1"/>
+              </a:fillRef>
+              <a:effectRef idx="0">
+                <a:schemeClr val="accent1"/>
+              </a:effectRef>
+              <a:fontRef idx="minor">
+                <a:schemeClr val="tx1"/>
+              </a:fontRef>
+            </p:style>
+          </p:cxnSp>
+          <mc:AlternateContent xmlns:mc="http://schemas.openxmlformats.org/markup-compatibility/2006">
+            <mc:Choice xmlns:a14="http://schemas.microsoft.com/office/drawing/2010/main" Requires="a14">
+              <p:sp>
+                <p:nvSpPr>
+                  <p:cNvPr id="11" name="TextBox 10"/>
+                  <p:cNvSpPr txBox="1"/>
+                  <p:nvPr/>
+                </p:nvSpPr>
+                <p:spPr>
+                  <a:xfrm>
+                    <a:off x="6202242" y="2503710"/>
+                    <a:ext cx="237629" cy="345159"/>
+                  </a:xfrm>
+                  <a:prstGeom prst="rect">
+                    <a:avLst/>
+                  </a:prstGeom>
+                  <a:noFill/>
+                </p:spPr>
+                <p:txBody>
+                  <a:bodyPr wrap="none" lIns="0" tIns="0" rIns="0" bIns="0" rtlCol="0">
+                    <a:spAutoFit/>
+                  </a:bodyPr>
+                  <a:lstStyle/>
+                  <a:p>
+                    <a14:m>
+                      <m:oMathPara xmlns:m="http://schemas.openxmlformats.org/officeDocument/2006/math">
+                        <m:oMathParaPr>
+                          <m:jc m:val="centerGroup"/>
+                        </m:oMathParaPr>
+                        <m:oMath xmlns:m="http://schemas.openxmlformats.org/officeDocument/2006/math">
+                          <m:acc>
+                            <m:accPr>
+                              <m:chr m:val="⃗"/>
+                              <m:ctrlPr>
+                                <a:rPr lang="en-US" sz="2000" b="0" i="1" smtClean="0">
+                                  <a:latin typeface="Cambria Math" panose="02040503050406030204" pitchFamily="18" charset="0"/>
+                                  <a:cs typeface="Arial" panose="020B0604020202020204" pitchFamily="34" charset="0"/>
+                                </a:rPr>
+                              </m:ctrlPr>
+                            </m:accPr>
+                            <m:e>
+                              <m:r>
+                                <a:rPr lang="en-US" sz="2000" b="0" i="1" smtClean="0">
+                                  <a:latin typeface="Cambria Math" panose="02040503050406030204" pitchFamily="18" charset="0"/>
+                                  <a:cs typeface="Arial" panose="020B0604020202020204" pitchFamily="34" charset="0"/>
+                                </a:rPr>
+                                <m:t>𝐹</m:t>
+                              </m:r>
+                            </m:e>
+                          </m:acc>
+                        </m:oMath>
+                      </m:oMathPara>
+                    </a14:m>
+                    <a:endParaRPr lang="en-US" sz="2000" dirty="0" smtClean="0">
+                      <a:latin typeface="Arial" panose="020B0604020202020204" pitchFamily="34" charset="0"/>
+                      <a:cs typeface="Arial" panose="020B0604020202020204" pitchFamily="34" charset="0"/>
+                    </a:endParaRPr>
+                  </a:p>
+                </p:txBody>
+              </p:sp>
+            </mc:Choice>
+            <mc:Fallback>
+              <p:sp>
+                <p:nvSpPr>
+                  <p:cNvPr id="11" name="TextBox 10"/>
+                  <p:cNvSpPr txBox="1">
+                    <a:spLocks noRot="1" noChangeAspect="1" noMove="1" noResize="1" noEditPoints="1" noAdjustHandles="1" noChangeArrowheads="1" noChangeShapeType="1" noTextEdit="1"/>
+                  </p:cNvSpPr>
+                  <p:nvPr/>
+                </p:nvSpPr>
+                <p:spPr>
+                  <a:xfrm>
+                    <a:off x="6202242" y="2503710"/>
+                    <a:ext cx="237629" cy="345159"/>
+                  </a:xfrm>
+                  <a:prstGeom prst="rect">
+                    <a:avLst/>
+                  </a:prstGeom>
+                  <a:blipFill>
+                    <a:blip r:embed="rId3"/>
+                    <a:stretch>
+                      <a:fillRect l="-20513" t="-35714" r="-92308" b="-8929"/>
+                    </a:stretch>
+                  </a:blipFill>
+                </p:spPr>
+                <p:txBody>
+                  <a:bodyPr/>
+                  <a:lstStyle/>
+                  <a:p>
+                    <a:r>
+                      <a:rPr lang="en-US">
+                        <a:noFill/>
+                      </a:rPr>
+                      <a:t> </a:t>
+                    </a:r>
+                  </a:p>
+                </p:txBody>
+              </p:sp>
+            </mc:Fallback>
+          </mc:AlternateContent>
+          <p:cxnSp>
+            <p:nvCxnSpPr>
+              <p:cNvPr id="12" name="Straight Arrow Connector 11"/>
+              <p:cNvCxnSpPr/>
+              <p:nvPr/>
+            </p:nvCxnSpPr>
+            <p:spPr>
+              <a:xfrm flipH="1">
+                <a:off x="4885274" y="2841332"/>
+                <a:ext cx="817756" cy="5946"/>
+              </a:xfrm>
+              <a:prstGeom prst="straightConnector1">
+                <a:avLst/>
+              </a:prstGeom>
+              <a:ln w="38100">
+                <a:solidFill>
+                  <a:schemeClr val="tx1"/>
+                </a:solidFill>
+                <a:tailEnd type="triangle"/>
+              </a:ln>
+            </p:spPr>
+            <p:style>
+              <a:lnRef idx="1">
+                <a:schemeClr val="accent1"/>
+              </a:lnRef>
+              <a:fillRef idx="0">
+                <a:schemeClr val="accent1"/>
+              </a:fillRef>
+              <a:effectRef idx="0">
+                <a:schemeClr val="accent1"/>
+              </a:effectRef>
+              <a:fontRef idx="minor">
+                <a:schemeClr val="tx1"/>
+              </a:fontRef>
+            </p:style>
+          </p:cxnSp>
+          <p:cxnSp>
+            <p:nvCxnSpPr>
+              <p:cNvPr id="14" name="Straight Arrow Connector 13"/>
+              <p:cNvCxnSpPr/>
+              <p:nvPr/>
+            </p:nvCxnSpPr>
+            <p:spPr>
+              <a:xfrm flipH="1">
+                <a:off x="5714181" y="2891775"/>
+                <a:ext cx="16908" cy="983007"/>
+              </a:xfrm>
+              <a:prstGeom prst="straightConnector1">
+                <a:avLst/>
+              </a:prstGeom>
+              <a:ln w="38100">
+                <a:solidFill>
+                  <a:schemeClr val="tx1"/>
+                </a:solidFill>
+                <a:tailEnd type="triangle"/>
+              </a:ln>
+            </p:spPr>
+            <p:style>
+              <a:lnRef idx="1">
+                <a:schemeClr val="accent1"/>
+              </a:lnRef>
+              <a:fillRef idx="0">
+                <a:schemeClr val="accent1"/>
+              </a:fillRef>
+              <a:effectRef idx="0">
+                <a:schemeClr val="accent1"/>
+              </a:effectRef>
+              <a:fontRef idx="minor">
+                <a:schemeClr val="tx1"/>
+              </a:fontRef>
+            </p:style>
+          </p:cxnSp>
+          <p:cxnSp>
+            <p:nvCxnSpPr>
+              <p:cNvPr id="19" name="Straight Arrow Connector 18"/>
+              <p:cNvCxnSpPr/>
+              <p:nvPr/>
+            </p:nvCxnSpPr>
+            <p:spPr>
+              <a:xfrm flipV="1">
+                <a:off x="5730050" y="1796727"/>
+                <a:ext cx="12190" cy="983007"/>
+              </a:xfrm>
+              <a:prstGeom prst="straightConnector1">
+                <a:avLst/>
+              </a:prstGeom>
+              <a:ln w="38100">
+                <a:solidFill>
+                  <a:schemeClr val="tx1"/>
+                </a:solidFill>
+                <a:tailEnd type="triangle"/>
+              </a:ln>
+            </p:spPr>
+            <p:style>
+              <a:lnRef idx="1">
+                <a:schemeClr val="accent1"/>
+              </a:lnRef>
+              <a:fillRef idx="0">
+                <a:schemeClr val="accent1"/>
+              </a:fillRef>
+              <a:effectRef idx="0">
+                <a:schemeClr val="accent1"/>
+              </a:effectRef>
+              <a:fontRef idx="minor">
+                <a:schemeClr val="tx1"/>
+              </a:fontRef>
+            </p:style>
+          </p:cxnSp>
+          <mc:AlternateContent xmlns:mc="http://schemas.openxmlformats.org/markup-compatibility/2006">
+            <mc:Choice xmlns:a14="http://schemas.microsoft.com/office/drawing/2010/main" Requires="a14">
+              <p:sp>
+                <p:nvSpPr>
+                  <p:cNvPr id="22" name="TextBox 21"/>
+                  <p:cNvSpPr txBox="1"/>
+                  <p:nvPr/>
+                </p:nvSpPr>
+                <p:spPr>
+                  <a:xfrm>
+                    <a:off x="4970988" y="2485022"/>
+                    <a:ext cx="264367" cy="345159"/>
+                  </a:xfrm>
+                  <a:prstGeom prst="rect">
+                    <a:avLst/>
+                  </a:prstGeom>
+                  <a:noFill/>
+                </p:spPr>
+                <p:txBody>
+                  <a:bodyPr wrap="none" lIns="0" tIns="0" rIns="0" bIns="0" rtlCol="0">
+                    <a:spAutoFit/>
+                  </a:bodyPr>
+                  <a:lstStyle/>
+                  <a:p>
+                    <a14:m>
+                      <m:oMathPara xmlns:m="http://schemas.openxmlformats.org/officeDocument/2006/math">
+                        <m:oMathParaPr>
+                          <m:jc m:val="centerGroup"/>
+                        </m:oMathParaPr>
+                        <m:oMath xmlns:m="http://schemas.openxmlformats.org/officeDocument/2006/math">
+                          <m:acc>
+                            <m:accPr>
+                              <m:chr m:val="⃗"/>
+                              <m:ctrlPr>
+                                <a:rPr lang="en-US" sz="2000" b="0" i="1" smtClean="0">
+                                  <a:latin typeface="Cambria Math" panose="02040503050406030204" pitchFamily="18" charset="0"/>
+                                  <a:cs typeface="Arial" panose="020B0604020202020204" pitchFamily="34" charset="0"/>
+                                </a:rPr>
+                              </m:ctrlPr>
+                            </m:accPr>
+                            <m:e>
+                              <m:r>
+                                <a:rPr lang="en-US" sz="2000" b="0" i="1" smtClean="0">
+                                  <a:latin typeface="Cambria Math" panose="02040503050406030204" pitchFamily="18" charset="0"/>
+                                  <a:cs typeface="Arial" panose="020B0604020202020204" pitchFamily="34" charset="0"/>
+                                </a:rPr>
+                                <m:t>𝑁</m:t>
+                              </m:r>
+                            </m:e>
+                          </m:acc>
+                        </m:oMath>
+                      </m:oMathPara>
+                    </a14:m>
+                    <a:endParaRPr lang="en-US" sz="2000" dirty="0" smtClean="0">
+                      <a:latin typeface="Arial" panose="020B0604020202020204" pitchFamily="34" charset="0"/>
+                      <a:cs typeface="Arial" panose="020B0604020202020204" pitchFamily="34" charset="0"/>
+                    </a:endParaRPr>
+                  </a:p>
+                </p:txBody>
+              </p:sp>
+            </mc:Choice>
+            <mc:Fallback>
+              <p:sp>
+                <p:nvSpPr>
+                  <p:cNvPr id="22" name="TextBox 21"/>
+                  <p:cNvSpPr txBox="1">
+                    <a:spLocks noRot="1" noChangeAspect="1" noMove="1" noResize="1" noEditPoints="1" noAdjustHandles="1" noChangeArrowheads="1" noChangeShapeType="1" noTextEdit="1"/>
+                  </p:cNvSpPr>
+                  <p:nvPr/>
+                </p:nvSpPr>
+                <p:spPr>
+                  <a:xfrm>
+                    <a:off x="4970988" y="2485022"/>
+                    <a:ext cx="264367" cy="345159"/>
+                  </a:xfrm>
+                  <a:prstGeom prst="rect">
+                    <a:avLst/>
+                  </a:prstGeom>
+                  <a:blipFill>
+                    <a:blip r:embed="rId4"/>
+                    <a:stretch>
+                      <a:fillRect l="-18182" r="-18182" b="-8929"/>
+                    </a:stretch>
+                  </a:blipFill>
+                </p:spPr>
+                <p:txBody>
+                  <a:bodyPr/>
+                  <a:lstStyle/>
+                  <a:p>
+                    <a:r>
+                      <a:rPr lang="en-US">
+                        <a:noFill/>
+                      </a:rPr>
+                      <a:t> </a:t>
+                    </a:r>
+                  </a:p>
+                </p:txBody>
+              </p:sp>
+            </mc:Fallback>
+          </mc:AlternateContent>
+          <mc:AlternateContent xmlns:mc="http://schemas.openxmlformats.org/markup-compatibility/2006">
+            <mc:Choice xmlns:a14="http://schemas.microsoft.com/office/drawing/2010/main" Requires="a14">
+              <p:sp>
+                <p:nvSpPr>
+                  <p:cNvPr id="23" name="TextBox 22"/>
+                  <p:cNvSpPr txBox="1"/>
+                  <p:nvPr/>
+                </p:nvSpPr>
+                <p:spPr>
+                  <a:xfrm>
+                    <a:off x="5385656" y="3383278"/>
+                    <a:ext cx="303865" cy="377219"/>
+                  </a:xfrm>
+                  <a:prstGeom prst="rect">
+                    <a:avLst/>
+                  </a:prstGeom>
+                  <a:noFill/>
+                </p:spPr>
+                <p:txBody>
+                  <a:bodyPr wrap="none" lIns="0" tIns="0" rIns="0" bIns="0" rtlCol="0">
+                    <a:spAutoFit/>
+                  </a:bodyPr>
+                  <a:lstStyle/>
+                  <a:p>
+                    <a14:m>
+                      <m:oMathPara xmlns:m="http://schemas.openxmlformats.org/officeDocument/2006/math">
+                        <m:oMathParaPr>
+                          <m:jc m:val="centerGroup"/>
+                        </m:oMathParaPr>
+                        <m:oMath xmlns:m="http://schemas.openxmlformats.org/officeDocument/2006/math">
+                          <m:sSub>
+                            <m:sSubPr>
+                              <m:ctrlPr>
+                                <a:rPr lang="en-US" sz="2000" b="0" i="1" smtClean="0">
+                                  <a:latin typeface="Cambria Math" panose="02040503050406030204" pitchFamily="18" charset="0"/>
+                                  <a:cs typeface="Arial" panose="020B0604020202020204" pitchFamily="34" charset="0"/>
+                                </a:rPr>
+                              </m:ctrlPr>
+                            </m:sSubPr>
+                            <m:e>
+                              <m:acc>
+                                <m:accPr>
+                                  <m:chr m:val="⃗"/>
+                                  <m:ctrlPr>
+                                    <a:rPr lang="en-US" sz="2000" b="0" i="1" smtClean="0">
+                                      <a:latin typeface="Cambria Math" panose="02040503050406030204" pitchFamily="18" charset="0"/>
+                                      <a:cs typeface="Arial" panose="020B0604020202020204" pitchFamily="34" charset="0"/>
+                                    </a:rPr>
+                                  </m:ctrlPr>
+                                </m:accPr>
+                                <m:e>
+                                  <m:r>
+                                    <a:rPr lang="en-US" sz="2000" b="0" i="1" smtClean="0">
+                                      <a:latin typeface="Cambria Math" panose="02040503050406030204" pitchFamily="18" charset="0"/>
+                                      <a:cs typeface="Arial" panose="020B0604020202020204" pitchFamily="34" charset="0"/>
+                                    </a:rPr>
+                                    <m:t>𝐹</m:t>
+                                  </m:r>
+                                </m:e>
+                              </m:acc>
+                            </m:e>
+                            <m:sub>
+                              <m:r>
+                                <a:rPr lang="en-US" sz="2000" b="0" i="1" smtClean="0">
+                                  <a:latin typeface="Cambria Math" panose="02040503050406030204" pitchFamily="18" charset="0"/>
+                                  <a:cs typeface="Arial" panose="020B0604020202020204" pitchFamily="34" charset="0"/>
+                                </a:rPr>
+                                <m:t>𝑔</m:t>
+                              </m:r>
+                            </m:sub>
+                          </m:sSub>
+                        </m:oMath>
+                      </m:oMathPara>
+                    </a14:m>
+                    <a:endParaRPr lang="en-US" sz="2000" dirty="0" smtClean="0">
+                      <a:latin typeface="Arial" panose="020B0604020202020204" pitchFamily="34" charset="0"/>
+                      <a:cs typeface="Arial" panose="020B0604020202020204" pitchFamily="34" charset="0"/>
+                    </a:endParaRPr>
+                  </a:p>
+                </p:txBody>
+              </p:sp>
+            </mc:Choice>
+            <mc:Fallback>
+              <p:sp>
+                <p:nvSpPr>
+                  <p:cNvPr id="23" name="TextBox 22"/>
+                  <p:cNvSpPr txBox="1">
+                    <a:spLocks noRot="1" noChangeAspect="1" noMove="1" noResize="1" noEditPoints="1" noAdjustHandles="1" noChangeArrowheads="1" noChangeShapeType="1" noTextEdit="1"/>
+                  </p:cNvSpPr>
+                  <p:nvPr/>
+                </p:nvSpPr>
+                <p:spPr>
+                  <a:xfrm>
+                    <a:off x="5385656" y="3383278"/>
+                    <a:ext cx="303865" cy="377219"/>
+                  </a:xfrm>
+                  <a:prstGeom prst="rect">
+                    <a:avLst/>
+                  </a:prstGeom>
+                  <a:blipFill>
+                    <a:blip r:embed="rId5"/>
+                    <a:stretch>
+                      <a:fillRect l="-16000" t="-30645" r="-72000" b="-17742"/>
+                    </a:stretch>
+                  </a:blipFill>
+                </p:spPr>
+                <p:txBody>
+                  <a:bodyPr/>
+                  <a:lstStyle/>
+                  <a:p>
+                    <a:r>
+                      <a:rPr lang="en-US">
+                        <a:noFill/>
+                      </a:rPr>
+                      <a:t> </a:t>
+                    </a:r>
+                  </a:p>
+                </p:txBody>
+              </p:sp>
+            </mc:Fallback>
+          </mc:AlternateContent>
+          <mc:AlternateContent xmlns:mc="http://schemas.openxmlformats.org/markup-compatibility/2006">
+            <mc:Choice xmlns:a14="http://schemas.microsoft.com/office/drawing/2010/main" Requires="a14">
+              <p:sp>
+                <p:nvSpPr>
+                  <p:cNvPr id="24" name="TextBox 23"/>
+                  <p:cNvSpPr txBox="1"/>
+                  <p:nvPr/>
+                </p:nvSpPr>
+                <p:spPr>
+                  <a:xfrm>
+                    <a:off x="5812530" y="1721217"/>
+                    <a:ext cx="267381" cy="354071"/>
+                  </a:xfrm>
+                  <a:prstGeom prst="rect">
+                    <a:avLst/>
+                  </a:prstGeom>
+                  <a:noFill/>
+                </p:spPr>
+                <p:txBody>
+                  <a:bodyPr wrap="none" lIns="0" tIns="0" rIns="0" bIns="0" rtlCol="0">
+                    <a:spAutoFit/>
+                  </a:bodyPr>
+                  <a:lstStyle/>
+                  <a:p>
+                    <a14:m>
+                      <m:oMathPara xmlns:m="http://schemas.openxmlformats.org/officeDocument/2006/math">
+                        <m:oMathParaPr>
+                          <m:jc m:val="centerGroup"/>
+                        </m:oMathParaPr>
+                        <m:oMath xmlns:m="http://schemas.openxmlformats.org/officeDocument/2006/math">
+                          <m:sSub>
+                            <m:sSubPr>
+                              <m:ctrlPr>
+                                <a:rPr lang="en-US" sz="2000" b="0" i="1" smtClean="0">
+                                  <a:latin typeface="Cambria Math" panose="02040503050406030204" pitchFamily="18" charset="0"/>
+                                  <a:cs typeface="Arial" panose="020B0604020202020204" pitchFamily="34" charset="0"/>
+                                </a:rPr>
+                              </m:ctrlPr>
+                            </m:sSubPr>
+                            <m:e>
+                              <m:acc>
+                                <m:accPr>
+                                  <m:chr m:val="⃗"/>
+                                  <m:ctrlPr>
+                                    <a:rPr lang="en-US" sz="2000" b="0" i="1" smtClean="0">
+                                      <a:latin typeface="Cambria Math" panose="02040503050406030204" pitchFamily="18" charset="0"/>
+                                      <a:cs typeface="Arial" panose="020B0604020202020204" pitchFamily="34" charset="0"/>
+                                    </a:rPr>
+                                  </m:ctrlPr>
+                                </m:accPr>
+                                <m:e>
+                                  <m:r>
+                                    <a:rPr lang="en-US" sz="2000" b="0" i="1" smtClean="0">
+                                      <a:latin typeface="Cambria Math" panose="02040503050406030204" pitchFamily="18" charset="0"/>
+                                      <a:cs typeface="Arial" panose="020B0604020202020204" pitchFamily="34" charset="0"/>
+                                    </a:rPr>
+                                    <m:t>𝑓</m:t>
+                                  </m:r>
+                                </m:e>
+                              </m:acc>
+                            </m:e>
+                            <m:sub>
+                              <m:r>
+                                <a:rPr lang="en-US" sz="2000" b="0" i="1" smtClean="0">
+                                  <a:latin typeface="Cambria Math" panose="02040503050406030204" pitchFamily="18" charset="0"/>
+                                  <a:cs typeface="Arial" panose="020B0604020202020204" pitchFamily="34" charset="0"/>
+                                </a:rPr>
+                                <m:t>𝑠</m:t>
+                              </m:r>
+                            </m:sub>
+                          </m:sSub>
+                        </m:oMath>
+                      </m:oMathPara>
+                    </a14:m>
+                    <a:endParaRPr lang="en-US" sz="2000" dirty="0" smtClean="0">
+                      <a:latin typeface="Arial" panose="020B0604020202020204" pitchFamily="34" charset="0"/>
+                      <a:cs typeface="Arial" panose="020B0604020202020204" pitchFamily="34" charset="0"/>
+                    </a:endParaRPr>
+                  </a:p>
+                </p:txBody>
+              </p:sp>
+            </mc:Choice>
+            <mc:Fallback>
+              <p:sp>
+                <p:nvSpPr>
+                  <p:cNvPr id="24" name="TextBox 23"/>
+                  <p:cNvSpPr txBox="1">
+                    <a:spLocks noRot="1" noChangeAspect="1" noMove="1" noResize="1" noEditPoints="1" noAdjustHandles="1" noChangeArrowheads="1" noChangeShapeType="1" noTextEdit="1"/>
+                  </p:cNvSpPr>
+                  <p:nvPr/>
+                </p:nvSpPr>
+                <p:spPr>
+                  <a:xfrm>
+                    <a:off x="5812530" y="1721217"/>
+                    <a:ext cx="267381" cy="354071"/>
+                  </a:xfrm>
+                  <a:prstGeom prst="rect">
+                    <a:avLst/>
+                  </a:prstGeom>
+                  <a:blipFill>
+                    <a:blip r:embed="rId6"/>
+                    <a:stretch>
+                      <a:fillRect l="-29545" t="-32759" r="-84091" b="-32759"/>
+                    </a:stretch>
+                  </a:blipFill>
+                </p:spPr>
+                <p:txBody>
+                  <a:bodyPr/>
+                  <a:lstStyle/>
+                  <a:p>
+                    <a:r>
+                      <a:rPr lang="en-US">
+                        <a:noFill/>
+                      </a:rPr>
+                      <a:t> </a:t>
+                    </a:r>
+                  </a:p>
+                </p:txBody>
+              </p:sp>
+            </mc:Fallback>
+          </mc:AlternateContent>
+        </p:grpSp>
+        <p:grpSp>
+          <p:nvGrpSpPr>
+            <p:cNvPr id="27" name="Group 26"/>
+            <p:cNvGrpSpPr/>
+            <p:nvPr/>
+          </p:nvGrpSpPr>
+          <p:grpSpPr>
+            <a:xfrm>
+              <a:off x="4521593" y="3342282"/>
+              <a:ext cx="898789" cy="709995"/>
+              <a:chOff x="758520" y="708040"/>
+              <a:chExt cx="2596102" cy="2135605"/>
+            </a:xfrm>
+          </p:grpSpPr>
+          <p:grpSp>
+            <p:nvGrpSpPr>
+              <p:cNvPr id="28" name="Group 27"/>
+              <p:cNvGrpSpPr/>
+              <p:nvPr/>
+            </p:nvGrpSpPr>
+            <p:grpSpPr>
+              <a:xfrm>
+                <a:off x="758520" y="708040"/>
+                <a:ext cx="2596102" cy="2135605"/>
+                <a:chOff x="785815" y="680744"/>
+                <a:chExt cx="2596102" cy="2135605"/>
+              </a:xfrm>
+            </p:grpSpPr>
+            <p:cxnSp>
+              <p:nvCxnSpPr>
+                <p:cNvPr id="30" name="Straight Arrow Connector 29"/>
+                <p:cNvCxnSpPr/>
+                <p:nvPr/>
+              </p:nvCxnSpPr>
+              <p:spPr>
+                <a:xfrm flipV="1">
+                  <a:off x="1516583" y="680744"/>
+                  <a:ext cx="7683" cy="1859535"/>
+                </a:xfrm>
+                <a:prstGeom prst="straightConnector1">
+                  <a:avLst/>
+                </a:prstGeom>
+                <a:ln w="38100">
+                  <a:solidFill>
+                    <a:schemeClr val="tx1"/>
+                  </a:solidFill>
+                  <a:tailEnd type="triangle"/>
+                </a:ln>
+              </p:spPr>
+              <p:style>
+                <a:lnRef idx="1">
+                  <a:schemeClr val="accent1"/>
+                </a:lnRef>
+                <a:fillRef idx="0">
+                  <a:schemeClr val="accent1"/>
+                </a:fillRef>
+                <a:effectRef idx="0">
+                  <a:schemeClr val="accent1"/>
+                </a:effectRef>
+                <a:fontRef idx="minor">
+                  <a:schemeClr val="tx1"/>
+                </a:fontRef>
+              </p:style>
+            </p:cxnSp>
+            <p:cxnSp>
+              <p:nvCxnSpPr>
+                <p:cNvPr id="31" name="Straight Arrow Connector 30"/>
+                <p:cNvCxnSpPr/>
+                <p:nvPr/>
+              </p:nvCxnSpPr>
+              <p:spPr>
+                <a:xfrm flipV="1">
+                  <a:off x="1507013" y="2535259"/>
+                  <a:ext cx="1874904" cy="1"/>
+                </a:xfrm>
+                <a:prstGeom prst="straightConnector1">
+                  <a:avLst/>
+                </a:prstGeom>
+                <a:ln w="38100">
+                  <a:solidFill>
+                    <a:schemeClr val="tx1"/>
+                  </a:solidFill>
+                  <a:tailEnd type="triangle"/>
+                </a:ln>
+              </p:spPr>
+              <p:style>
+                <a:lnRef idx="1">
+                  <a:schemeClr val="accent1"/>
+                </a:lnRef>
+                <a:fillRef idx="0">
+                  <a:schemeClr val="accent1"/>
+                </a:fillRef>
+                <a:effectRef idx="0">
+                  <a:schemeClr val="accent1"/>
+                </a:effectRef>
+                <a:fontRef idx="minor">
+                  <a:schemeClr val="tx1"/>
+                </a:fontRef>
+              </p:style>
+            </p:cxnSp>
+            <mc:AlternateContent xmlns:mc="http://schemas.openxmlformats.org/markup-compatibility/2006" xmlns:a14="http://schemas.microsoft.com/office/drawing/2010/main">
+              <mc:Choice Requires="a14">
+                <p:sp>
+                  <p:nvSpPr>
+                    <p:cNvPr id="32" name="Rectangle 31"/>
+                    <p:cNvSpPr/>
+                    <p:nvPr/>
+                  </p:nvSpPr>
+                  <p:spPr>
+                    <a:xfrm>
+                      <a:off x="2697555" y="2447016"/>
+                      <a:ext cx="367985" cy="369333"/>
+                    </a:xfrm>
+                    <a:prstGeom prst="rect">
+                      <a:avLst/>
+                    </a:prstGeom>
+                  </p:spPr>
+                  <p:txBody>
+                    <a:bodyPr wrap="none">
+                      <a:spAutoFit/>
+                    </a:bodyPr>
+                    <a:lstStyle/>
+                    <a:p>
+                      <a:pPr/>
+                      <a14:m>
+                        <m:oMathPara xmlns:m="http://schemas.openxmlformats.org/officeDocument/2006/math">
+                          <m:oMathParaPr>
+                            <m:jc m:val="centerGroup"/>
+                          </m:oMathParaPr>
+                          <m:oMath xmlns:m="http://schemas.openxmlformats.org/officeDocument/2006/math">
+                            <m:r>
+                              <a:rPr lang="en-US" i="1">
+                                <a:latin typeface="Cambria Math" panose="02040503050406030204" pitchFamily="18" charset="0"/>
+                                <a:cs typeface="Arial" panose="020B0604020202020204" pitchFamily="34" charset="0"/>
+                              </a:rPr>
+                              <m:t>𝑥</m:t>
+                            </m:r>
+                          </m:oMath>
+                        </m:oMathPara>
+                      </a14:m>
+                      <a:endParaRPr lang="en-CA" dirty="0"/>
+                    </a:p>
+                  </p:txBody>
+                </p:sp>
+              </mc:Choice>
+              <mc:Fallback xmlns="">
+                <p:sp>
+                  <p:nvSpPr>
+                    <p:cNvPr id="107" name="Rectangle 106"/>
+                    <p:cNvSpPr>
+                      <a:spLocks noRot="1" noChangeAspect="1" noMove="1" noResize="1" noEditPoints="1" noAdjustHandles="1" noChangeArrowheads="1" noChangeShapeType="1" noTextEdit="1"/>
+                    </p:cNvSpPr>
+                    <p:nvPr/>
+                  </p:nvSpPr>
+                  <p:spPr>
+                    <a:xfrm>
+                      <a:off x="2697555" y="2447016"/>
+                      <a:ext cx="367985" cy="369333"/>
+                    </a:xfrm>
+                    <a:prstGeom prst="rect">
+                      <a:avLst/>
+                    </a:prstGeom>
+                    <a:blipFill>
+                      <a:blip r:embed="rId27"/>
+                      <a:stretch>
+                        <a:fillRect r="-95238" b="-160000"/>
+                      </a:stretch>
+                    </a:blipFill>
+                  </p:spPr>
+                  <p:txBody>
+                    <a:bodyPr/>
+                    <a:lstStyle/>
+                    <a:p>
+                      <a:r>
+                        <a:rPr lang="en-US">
+                          <a:noFill/>
+                        </a:rPr>
+                        <a:t> </a:t>
+                      </a:r>
+                    </a:p>
+                  </p:txBody>
+                </p:sp>
+              </mc:Fallback>
+            </mc:AlternateContent>
+            <mc:AlternateContent xmlns:mc="http://schemas.openxmlformats.org/markup-compatibility/2006" xmlns:a14="http://schemas.microsoft.com/office/drawing/2010/main">
+              <mc:Choice Requires="a14">
+                <p:sp>
+                  <p:nvSpPr>
+                    <p:cNvPr id="33" name="Rectangle 32"/>
+                    <p:cNvSpPr/>
+                    <p:nvPr/>
+                  </p:nvSpPr>
+                  <p:spPr>
+                    <a:xfrm>
+                      <a:off x="785815" y="912420"/>
+                      <a:ext cx="371385" cy="369333"/>
+                    </a:xfrm>
+                    <a:prstGeom prst="rect">
+                      <a:avLst/>
+                    </a:prstGeom>
+                  </p:spPr>
+                  <p:txBody>
+                    <a:bodyPr wrap="none">
+                      <a:spAutoFit/>
+                    </a:bodyPr>
+                    <a:lstStyle/>
+                    <a:p>
+                      <a:pPr/>
+                      <a14:m>
+                        <m:oMathPara xmlns:m="http://schemas.openxmlformats.org/officeDocument/2006/math">
+                          <m:oMathParaPr>
+                            <m:jc m:val="centerGroup"/>
+                          </m:oMathParaPr>
+                          <m:oMath xmlns:m="http://schemas.openxmlformats.org/officeDocument/2006/math">
+                            <m:r>
+                              <a:rPr lang="en-US" b="0" i="1" smtClean="0">
+                                <a:latin typeface="Cambria Math" panose="02040503050406030204" pitchFamily="18" charset="0"/>
+                              </a:rPr>
+                              <m:t>𝑦</m:t>
+                            </m:r>
+                          </m:oMath>
+                        </m:oMathPara>
+                      </a14:m>
+                      <a:endParaRPr lang="en-CA" dirty="0"/>
+                    </a:p>
+                  </p:txBody>
+                </p:sp>
+              </mc:Choice>
+              <mc:Fallback xmlns="">
+                <p:sp>
+                  <p:nvSpPr>
+                    <p:cNvPr id="108" name="Rectangle 107"/>
+                    <p:cNvSpPr>
+                      <a:spLocks noRot="1" noChangeAspect="1" noMove="1" noResize="1" noEditPoints="1" noAdjustHandles="1" noChangeArrowheads="1" noChangeShapeType="1" noTextEdit="1"/>
+                    </p:cNvSpPr>
+                    <p:nvPr/>
+                  </p:nvSpPr>
+                  <p:spPr>
+                    <a:xfrm>
+                      <a:off x="785815" y="912420"/>
+                      <a:ext cx="371385" cy="369333"/>
+                    </a:xfrm>
+                    <a:prstGeom prst="rect">
+                      <a:avLst/>
+                    </a:prstGeom>
+                    <a:blipFill>
+                      <a:blip r:embed="rId28"/>
+                      <a:stretch>
+                        <a:fillRect l="-19048" r="-114286" b="-220000"/>
+                      </a:stretch>
+                    </a:blipFill>
+                  </p:spPr>
+                  <p:txBody>
+                    <a:bodyPr/>
+                    <a:lstStyle/>
+                    <a:p>
+                      <a:r>
+                        <a:rPr lang="en-US">
+                          <a:noFill/>
+                        </a:rPr>
+                        <a:t> </a:t>
+                      </a:r>
+                    </a:p>
+                  </p:txBody>
+                </p:sp>
+              </mc:Fallback>
+            </mc:AlternateContent>
+            <mc:AlternateContent xmlns:mc="http://schemas.openxmlformats.org/markup-compatibility/2006" xmlns:a14="http://schemas.microsoft.com/office/drawing/2010/main">
+              <mc:Choice Requires="a14">
+                <p:sp>
+                  <p:nvSpPr>
+                    <p:cNvPr id="34" name="Rectangle 33"/>
+                    <p:cNvSpPr/>
+                    <p:nvPr/>
+                  </p:nvSpPr>
+                  <p:spPr>
+                    <a:xfrm>
+                      <a:off x="1006642" y="2350591"/>
+                      <a:ext cx="367985" cy="369333"/>
+                    </a:xfrm>
+                    <a:prstGeom prst="rect">
+                      <a:avLst/>
+                    </a:prstGeom>
+                  </p:spPr>
+                  <p:txBody>
+                    <a:bodyPr wrap="none">
+                      <a:spAutoFit/>
+                    </a:bodyPr>
+                    <a:lstStyle/>
+                    <a:p>
+                      <a:pPr/>
+                      <a14:m>
+                        <m:oMathPara xmlns:m="http://schemas.openxmlformats.org/officeDocument/2006/math">
+                          <m:oMathParaPr>
+                            <m:jc m:val="centerGroup"/>
+                          </m:oMathParaPr>
+                          <m:oMath xmlns:m="http://schemas.openxmlformats.org/officeDocument/2006/math">
+                            <m:r>
+                              <a:rPr lang="en-US" b="0" i="1" smtClean="0">
+                                <a:latin typeface="Cambria Math" panose="02040503050406030204" pitchFamily="18" charset="0"/>
+                                <a:cs typeface="Arial" panose="020B0604020202020204" pitchFamily="34" charset="0"/>
+                              </a:rPr>
+                              <m:t>0</m:t>
+                            </m:r>
+                          </m:oMath>
+                        </m:oMathPara>
+                      </a14:m>
+                      <a:endParaRPr lang="en-CA" dirty="0"/>
+                    </a:p>
+                  </p:txBody>
+                </p:sp>
+              </mc:Choice>
+              <mc:Fallback xmlns="">
+                <p:sp>
+                  <p:nvSpPr>
+                    <p:cNvPr id="109" name="Rectangle 108"/>
+                    <p:cNvSpPr>
+                      <a:spLocks noRot="1" noChangeAspect="1" noMove="1" noResize="1" noEditPoints="1" noAdjustHandles="1" noChangeArrowheads="1" noChangeShapeType="1" noTextEdit="1"/>
+                    </p:cNvSpPr>
+                    <p:nvPr/>
+                  </p:nvSpPr>
+                  <p:spPr>
+                    <a:xfrm>
+                      <a:off x="1006642" y="2350591"/>
+                      <a:ext cx="367985" cy="369333"/>
+                    </a:xfrm>
+                    <a:prstGeom prst="rect">
+                      <a:avLst/>
+                    </a:prstGeom>
+                    <a:blipFill>
+                      <a:blip r:embed="rId29"/>
+                      <a:stretch>
+                        <a:fillRect l="-14286" r="-114286" b="-180000"/>
+                      </a:stretch>
+                    </a:blipFill>
+                  </p:spPr>
+                  <p:txBody>
+                    <a:bodyPr/>
+                    <a:lstStyle/>
+                    <a:p>
+                      <a:r>
+                        <a:rPr lang="en-US">
+                          <a:noFill/>
+                        </a:rPr>
+                        <a:t> </a:t>
+                      </a:r>
+                    </a:p>
+                  </p:txBody>
+                </p:sp>
+              </mc:Fallback>
+            </mc:AlternateContent>
+          </p:grpSp>
+          <p:sp>
+            <p:nvSpPr>
+              <p:cNvPr id="29" name="Rectangle 28"/>
+              <p:cNvSpPr/>
+              <p:nvPr/>
+            </p:nvSpPr>
+            <p:spPr>
+              <a:xfrm>
+                <a:off x="1129904" y="1614682"/>
+                <a:ext cx="184731" cy="369332"/>
+              </a:xfrm>
+              <a:prstGeom prst="rect">
+                <a:avLst/>
+              </a:prstGeom>
+            </p:spPr>
+            <p:txBody>
+              <a:bodyPr wrap="none">
+                <a:spAutoFit/>
+              </a:bodyPr>
+              <a:lstStyle/>
+              <a:p>
+                <a:endParaRPr lang="en-CA" dirty="0"/>
+              </a:p>
+            </p:txBody>
+          </p:sp>
+        </p:grpSp>
+      </p:grpSp>
+      <mc:AlternateContent xmlns:mc="http://schemas.openxmlformats.org/markup-compatibility/2006">
+        <mc:Choice xmlns:a14="http://schemas.microsoft.com/office/drawing/2010/main" Requires="a14">
+          <p:sp>
+            <p:nvSpPr>
+              <p:cNvPr id="36" name="TextBox 35"/>
+              <p:cNvSpPr txBox="1"/>
+              <p:nvPr/>
+            </p:nvSpPr>
+            <p:spPr>
+              <a:xfrm>
+                <a:off x="7534277" y="3188393"/>
+                <a:ext cx="933845" cy="527067"/>
+              </a:xfrm>
+              <a:prstGeom prst="rect">
+                <a:avLst/>
+              </a:prstGeom>
+              <a:noFill/>
+            </p:spPr>
+            <p:txBody>
+              <a:bodyPr wrap="none" lIns="0" tIns="0" rIns="0" bIns="0" rtlCol="0">
+                <a:spAutoFit/>
+              </a:bodyPr>
+              <a:lstStyle/>
+              <a:p>
+                <a14:m>
+                  <m:oMathPara xmlns:m="http://schemas.openxmlformats.org/officeDocument/2006/math">
+                    <m:oMathParaPr>
+                      <m:jc m:val="centerGroup"/>
+                    </m:oMathParaPr>
+                    <m:oMath xmlns:m="http://schemas.openxmlformats.org/officeDocument/2006/math">
+                      <m:r>
+                        <a:rPr lang="en-US" sz="2000" b="0" i="1" smtClean="0">
+                          <a:latin typeface="Cambria Math" panose="02040503050406030204" pitchFamily="18" charset="0"/>
+                          <a:cs typeface="Arial" panose="020B0604020202020204" pitchFamily="34" charset="0"/>
+                        </a:rPr>
+                        <m:t>𝛼</m:t>
+                      </m:r>
+                      <m:r>
+                        <a:rPr lang="en-US" sz="2000" b="0" i="1" smtClean="0">
+                          <a:latin typeface="Cambria Math" panose="02040503050406030204" pitchFamily="18" charset="0"/>
+                          <a:cs typeface="Arial" panose="020B0604020202020204" pitchFamily="34" charset="0"/>
+                        </a:rPr>
+                        <m:t> </m:t>
+                      </m:r>
+                      <m:f>
+                        <m:fPr>
+                          <m:ctrlPr>
+                            <a:rPr lang="en-US" sz="2000" b="0" i="1" smtClean="0">
+                              <a:latin typeface="Cambria Math" panose="02040503050406030204" pitchFamily="18" charset="0"/>
+                              <a:cs typeface="Arial" panose="020B0604020202020204" pitchFamily="34" charset="0"/>
+                            </a:rPr>
+                          </m:ctrlPr>
+                        </m:fPr>
+                        <m:num>
+                          <m:r>
+                            <a:rPr lang="en-US" sz="2000" b="0" i="1" smtClean="0">
+                              <a:latin typeface="Cambria Math" panose="02040503050406030204" pitchFamily="18" charset="0"/>
+                              <a:cs typeface="Arial" panose="020B0604020202020204" pitchFamily="34" charset="0"/>
+                            </a:rPr>
+                            <m:t>𝑎</m:t>
+                          </m:r>
+                        </m:num>
+                        <m:den>
+                          <m:r>
+                            <a:rPr lang="en-US" sz="2000" b="0" i="1" smtClean="0">
+                              <a:latin typeface="Cambria Math" panose="02040503050406030204" pitchFamily="18" charset="0"/>
+                              <a:cs typeface="Arial" panose="020B0604020202020204" pitchFamily="34" charset="0"/>
+                            </a:rPr>
+                            <m:t>𝑏</m:t>
+                          </m:r>
+                        </m:den>
+                      </m:f>
+                      <m:r>
+                        <a:rPr lang="en-US" sz="2000" b="0" i="1" smtClean="0">
+                          <a:latin typeface="Cambria Math" panose="02040503050406030204" pitchFamily="18" charset="0"/>
+                          <a:cs typeface="Arial" panose="020B0604020202020204" pitchFamily="34" charset="0"/>
+                        </a:rPr>
+                        <m:t>   </m:t>
+                      </m:r>
+                      <m:sSub>
+                        <m:sSubPr>
+                          <m:ctrlPr>
+                            <a:rPr lang="en-US" sz="2000" b="0" i="1" smtClean="0">
+                              <a:latin typeface="Cambria Math" panose="02040503050406030204" pitchFamily="18" charset="0"/>
+                              <a:cs typeface="Arial" panose="020B0604020202020204" pitchFamily="34" charset="0"/>
+                            </a:rPr>
+                          </m:ctrlPr>
+                        </m:sSubPr>
+                        <m:e>
+                          <m:acc>
+                            <m:accPr>
+                              <m:chr m:val="⃗"/>
+                              <m:ctrlPr>
+                                <a:rPr lang="en-US" sz="2000" b="0" i="1" smtClean="0">
+                                  <a:latin typeface="Cambria Math" panose="02040503050406030204" pitchFamily="18" charset="0"/>
+                                  <a:cs typeface="Arial" panose="020B0604020202020204" pitchFamily="34" charset="0"/>
+                                </a:rPr>
+                              </m:ctrlPr>
+                            </m:accPr>
+                            <m:e>
+                              <m:r>
+                                <a:rPr lang="en-US" sz="2000" b="0" i="1" smtClean="0">
+                                  <a:latin typeface="Cambria Math" panose="02040503050406030204" pitchFamily="18" charset="0"/>
+                                  <a:cs typeface="Arial" panose="020B0604020202020204" pitchFamily="34" charset="0"/>
+                                </a:rPr>
+                                <m:t>𝐹</m:t>
+                              </m:r>
+                            </m:e>
+                          </m:acc>
+                        </m:e>
+                        <m:sub>
+                          <m:r>
+                            <a:rPr lang="en-US" sz="2000" b="0" i="1" smtClean="0">
+                              <a:latin typeface="Cambria Math" panose="02040503050406030204" pitchFamily="18" charset="0"/>
+                              <a:cs typeface="Arial" panose="020B0604020202020204" pitchFamily="34" charset="0"/>
+                            </a:rPr>
+                            <m:t>1</m:t>
+                          </m:r>
+                        </m:sub>
+                      </m:sSub>
+                    </m:oMath>
+                  </m:oMathPara>
+                </a14:m>
+                <a:endParaRPr lang="en-US" sz="2000" dirty="0" smtClean="0">
+                  <a:latin typeface="Arial" panose="020B0604020202020204" pitchFamily="34" charset="0"/>
+                  <a:cs typeface="Arial" panose="020B0604020202020204" pitchFamily="34" charset="0"/>
+                </a:endParaRPr>
+              </a:p>
+            </p:txBody>
+          </p:sp>
+        </mc:Choice>
+        <mc:Fallback>
+          <p:sp>
+            <p:nvSpPr>
+              <p:cNvPr id="36" name="TextBox 35"/>
+              <p:cNvSpPr txBox="1">
+                <a:spLocks noRot="1" noChangeAspect="1" noMove="1" noResize="1" noEditPoints="1" noAdjustHandles="1" noChangeArrowheads="1" noChangeShapeType="1" noTextEdit="1"/>
+              </p:cNvSpPr>
+              <p:nvPr/>
+            </p:nvSpPr>
+            <p:spPr>
+              <a:xfrm>
+                <a:off x="7534277" y="3188393"/>
+                <a:ext cx="933845" cy="527067"/>
+              </a:xfrm>
+              <a:prstGeom prst="rect">
+                <a:avLst/>
+              </a:prstGeom>
+              <a:blipFill>
+                <a:blip r:embed="rId30"/>
+                <a:stretch>
+                  <a:fillRect/>
+                </a:stretch>
+              </a:blipFill>
+            </p:spPr>
+            <p:txBody>
+              <a:bodyPr/>
+              <a:lstStyle/>
+              <a:p>
+                <a:r>
+                  <a:rPr lang="en-US">
+                    <a:noFill/>
+                  </a:rPr>
+                  <a:t> </a:t>
+                </a:r>
+              </a:p>
+            </p:txBody>
+          </p:sp>
+        </mc:Fallback>
+      </mc:AlternateContent>
+    </p:spTree>
+    <p:extLst>
+      <p:ext uri="{BB962C8B-B14F-4D97-AF65-F5344CB8AC3E}">
+        <p14:creationId xmlns:p14="http://schemas.microsoft.com/office/powerpoint/2010/main" val="2818547824"/>
+      </p:ext>
+    </p:extLst>
+  </p:cSld>
+  <p:clrMapOvr>
+    <a:masterClrMapping/>
+  </p:clrMapOvr>
+</p:sld>
+</file>
+
 <file path=ppt/theme/theme1.xml><?xml version="1.0" encoding="utf-8"?>
 <a:theme xmlns:a="http://schemas.openxmlformats.org/drawingml/2006/main" name="Office Theme">
   <a:themeElements>

--- a/tex/figures/ApplyingNewtonsLaws/Figures.pptx
+++ b/tex/figures/ApplyingNewtonsLaws/Figures.pptx
@@ -6,8 +6,9 @@
   </p:sldMasterIdLst>
   <p:sldIdLst>
     <p:sldId id="271" r:id="rId2"/>
-    <p:sldId id="270" r:id="rId3"/>
-    <p:sldId id="272" r:id="rId4"/>
+    <p:sldId id="272" r:id="rId3"/>
+    <p:sldId id="270" r:id="rId4"/>
+    <p:sldId id="273" r:id="rId5"/>
   </p:sldIdLst>
   <p:sldSz cx="12192000" cy="6858000"/>
   <p:notesSz cx="6858000" cy="9144000"/>
@@ -245,7 +246,7 @@
           <a:p>
             <a:fld id="{F7249F8D-641B-4CAF-BAE5-10524742F6F1}" type="datetimeFigureOut">
               <a:rPr lang="en-CA" smtClean="0"/>
-              <a:t>2018-05-28</a:t>
+              <a:t>2018-05-29</a:t>
             </a:fld>
             <a:endParaRPr lang="en-CA"/>
           </a:p>
@@ -415,7 +416,7 @@
           <a:p>
             <a:fld id="{F7249F8D-641B-4CAF-BAE5-10524742F6F1}" type="datetimeFigureOut">
               <a:rPr lang="en-CA" smtClean="0"/>
-              <a:t>2018-05-28</a:t>
+              <a:t>2018-05-29</a:t>
             </a:fld>
             <a:endParaRPr lang="en-CA"/>
           </a:p>
@@ -595,7 +596,7 @@
           <a:p>
             <a:fld id="{F7249F8D-641B-4CAF-BAE5-10524742F6F1}" type="datetimeFigureOut">
               <a:rPr lang="en-CA" smtClean="0"/>
-              <a:t>2018-05-28</a:t>
+              <a:t>2018-05-29</a:t>
             </a:fld>
             <a:endParaRPr lang="en-CA"/>
           </a:p>
@@ -765,7 +766,7 @@
           <a:p>
             <a:fld id="{F7249F8D-641B-4CAF-BAE5-10524742F6F1}" type="datetimeFigureOut">
               <a:rPr lang="en-CA" smtClean="0"/>
-              <a:t>2018-05-28</a:t>
+              <a:t>2018-05-29</a:t>
             </a:fld>
             <a:endParaRPr lang="en-CA"/>
           </a:p>
@@ -1011,7 +1012,7 @@
           <a:p>
             <a:fld id="{F7249F8D-641B-4CAF-BAE5-10524742F6F1}" type="datetimeFigureOut">
               <a:rPr lang="en-CA" smtClean="0"/>
-              <a:t>2018-05-28</a:t>
+              <a:t>2018-05-29</a:t>
             </a:fld>
             <a:endParaRPr lang="en-CA"/>
           </a:p>
@@ -1243,7 +1244,7 @@
           <a:p>
             <a:fld id="{F7249F8D-641B-4CAF-BAE5-10524742F6F1}" type="datetimeFigureOut">
               <a:rPr lang="en-CA" smtClean="0"/>
-              <a:t>2018-05-28</a:t>
+              <a:t>2018-05-29</a:t>
             </a:fld>
             <a:endParaRPr lang="en-CA"/>
           </a:p>
@@ -1610,7 +1611,7 @@
           <a:p>
             <a:fld id="{F7249F8D-641B-4CAF-BAE5-10524742F6F1}" type="datetimeFigureOut">
               <a:rPr lang="en-CA" smtClean="0"/>
-              <a:t>2018-05-28</a:t>
+              <a:t>2018-05-29</a:t>
             </a:fld>
             <a:endParaRPr lang="en-CA"/>
           </a:p>
@@ -1728,7 +1729,7 @@
           <a:p>
             <a:fld id="{F7249F8D-641B-4CAF-BAE5-10524742F6F1}" type="datetimeFigureOut">
               <a:rPr lang="en-CA" smtClean="0"/>
-              <a:t>2018-05-28</a:t>
+              <a:t>2018-05-29</a:t>
             </a:fld>
             <a:endParaRPr lang="en-CA"/>
           </a:p>
@@ -1823,7 +1824,7 @@
           <a:p>
             <a:fld id="{F7249F8D-641B-4CAF-BAE5-10524742F6F1}" type="datetimeFigureOut">
               <a:rPr lang="en-CA" smtClean="0"/>
-              <a:t>2018-05-28</a:t>
+              <a:t>2018-05-29</a:t>
             </a:fld>
             <a:endParaRPr lang="en-CA"/>
           </a:p>
@@ -2100,7 +2101,7 @@
           <a:p>
             <a:fld id="{F7249F8D-641B-4CAF-BAE5-10524742F6F1}" type="datetimeFigureOut">
               <a:rPr lang="en-CA" smtClean="0"/>
-              <a:t>2018-05-28</a:t>
+              <a:t>2018-05-29</a:t>
             </a:fld>
             <a:endParaRPr lang="en-CA"/>
           </a:p>
@@ -2353,7 +2354,7 @@
           <a:p>
             <a:fld id="{F7249F8D-641B-4CAF-BAE5-10524742F6F1}" type="datetimeFigureOut">
               <a:rPr lang="en-CA" smtClean="0"/>
-              <a:t>2018-05-28</a:t>
+              <a:t>2018-05-29</a:t>
             </a:fld>
             <a:endParaRPr lang="en-CA"/>
           </a:p>
@@ -2566,7 +2567,7 @@
           <a:p>
             <a:fld id="{F7249F8D-641B-4CAF-BAE5-10524742F6F1}" type="datetimeFigureOut">
               <a:rPr lang="en-CA" smtClean="0"/>
-              <a:t>2018-05-28</a:t>
+              <a:t>2018-05-29</a:t>
             </a:fld>
             <a:endParaRPr lang="en-CA"/>
           </a:p>
@@ -4143,6 +4144,1336 @@
 </file>
 
 <file path=ppt/slides/slide2.xml><?xml version="1.0" encoding="utf-8"?>
+<p:sld xmlns:a="http://schemas.openxmlformats.org/drawingml/2006/main" xmlns:r="http://schemas.openxmlformats.org/officeDocument/2006/relationships" xmlns:p="http://schemas.openxmlformats.org/presentationml/2006/main">
+  <p:cSld>
+    <p:spTree>
+      <p:nvGrpSpPr>
+        <p:cNvPr id="1" name=""/>
+        <p:cNvGrpSpPr/>
+        <p:nvPr/>
+      </p:nvGrpSpPr>
+      <p:grpSpPr>
+        <a:xfrm>
+          <a:off x="0" y="0"/>
+          <a:ext cx="0" cy="0"/>
+          <a:chOff x="0" y="0"/>
+          <a:chExt cx="0" cy="0"/>
+        </a:xfrm>
+      </p:grpSpPr>
+      <p:grpSp>
+        <p:nvGrpSpPr>
+          <p:cNvPr id="26" name="Group 25"/>
+          <p:cNvGrpSpPr/>
+          <p:nvPr/>
+        </p:nvGrpSpPr>
+        <p:grpSpPr>
+          <a:xfrm>
+            <a:off x="245327" y="613317"/>
+            <a:ext cx="1626352" cy="2040673"/>
+            <a:chOff x="2040673" y="1739590"/>
+            <a:chExt cx="1626352" cy="2040673"/>
+          </a:xfrm>
+        </p:grpSpPr>
+        <p:sp>
+          <p:nvSpPr>
+            <p:cNvPr id="4" name="Rectangle 3"/>
+            <p:cNvSpPr/>
+            <p:nvPr/>
+          </p:nvSpPr>
+          <p:spPr>
+            <a:xfrm>
+              <a:off x="3434576" y="1739590"/>
+              <a:ext cx="232449" cy="2040673"/>
+            </a:xfrm>
+            <a:prstGeom prst="rect">
+              <a:avLst/>
+            </a:prstGeom>
+            <a:solidFill>
+              <a:schemeClr val="bg2">
+                <a:lumMod val="50000"/>
+              </a:schemeClr>
+            </a:solidFill>
+            <a:ln w="38100">
+              <a:solidFill>
+                <a:schemeClr val="tx1"/>
+              </a:solidFill>
+            </a:ln>
+          </p:spPr>
+          <p:style>
+            <a:lnRef idx="2">
+              <a:schemeClr val="accent1">
+                <a:shade val="50000"/>
+              </a:schemeClr>
+            </a:lnRef>
+            <a:fillRef idx="1">
+              <a:schemeClr val="accent1"/>
+            </a:fillRef>
+            <a:effectRef idx="0">
+              <a:schemeClr val="accent1"/>
+            </a:effectRef>
+            <a:fontRef idx="minor">
+              <a:schemeClr val="lt1"/>
+            </a:fontRef>
+          </p:style>
+          <p:txBody>
+            <a:bodyPr rtlCol="0" anchor="ctr"/>
+            <a:lstStyle/>
+            <a:p>
+              <a:pPr algn="ctr"/>
+              <a:endParaRPr lang="en-US"/>
+            </a:p>
+          </p:txBody>
+        </p:sp>
+        <p:sp>
+          <p:nvSpPr>
+            <p:cNvPr id="5" name="Rectangle 4"/>
+            <p:cNvSpPr/>
+            <p:nvPr/>
+          </p:nvSpPr>
+          <p:spPr>
+            <a:xfrm>
+              <a:off x="2787805" y="2509024"/>
+              <a:ext cx="646771" cy="602166"/>
+            </a:xfrm>
+            <a:prstGeom prst="rect">
+              <a:avLst/>
+            </a:prstGeom>
+            <a:solidFill>
+              <a:schemeClr val="bg2">
+                <a:lumMod val="90000"/>
+              </a:schemeClr>
+            </a:solidFill>
+            <a:ln w="38100">
+              <a:solidFill>
+                <a:schemeClr val="tx1"/>
+              </a:solidFill>
+            </a:ln>
+          </p:spPr>
+          <p:style>
+            <a:lnRef idx="2">
+              <a:schemeClr val="accent1">
+                <a:shade val="50000"/>
+              </a:schemeClr>
+            </a:lnRef>
+            <a:fillRef idx="1">
+              <a:schemeClr val="accent1"/>
+            </a:fillRef>
+            <a:effectRef idx="0">
+              <a:schemeClr val="accent1"/>
+            </a:effectRef>
+            <a:fontRef idx="minor">
+              <a:schemeClr val="lt1"/>
+            </a:fontRef>
+          </p:style>
+          <p:txBody>
+            <a:bodyPr rtlCol="0" anchor="ctr"/>
+            <a:lstStyle/>
+            <a:p>
+              <a:pPr algn="ctr"/>
+              <a:endParaRPr lang="en-US"/>
+            </a:p>
+          </p:txBody>
+        </p:sp>
+        <p:cxnSp>
+          <p:nvCxnSpPr>
+            <p:cNvPr id="7" name="Straight Arrow Connector 6"/>
+            <p:cNvCxnSpPr>
+              <a:endCxn id="5" idx="1"/>
+            </p:cNvCxnSpPr>
+            <p:nvPr/>
+          </p:nvCxnSpPr>
+          <p:spPr>
+            <a:xfrm>
+              <a:off x="2040673" y="2810107"/>
+              <a:ext cx="747132" cy="0"/>
+            </a:xfrm>
+            <a:prstGeom prst="straightConnector1">
+              <a:avLst/>
+            </a:prstGeom>
+            <a:ln w="38100">
+              <a:solidFill>
+                <a:schemeClr val="tx1"/>
+              </a:solidFill>
+              <a:tailEnd type="triangle"/>
+            </a:ln>
+          </p:spPr>
+          <p:style>
+            <a:lnRef idx="1">
+              <a:schemeClr val="accent1"/>
+            </a:lnRef>
+            <a:fillRef idx="0">
+              <a:schemeClr val="accent1"/>
+            </a:fillRef>
+            <a:effectRef idx="0">
+              <a:schemeClr val="accent1"/>
+            </a:effectRef>
+            <a:fontRef idx="minor">
+              <a:schemeClr val="tx1"/>
+            </a:fontRef>
+          </p:style>
+        </p:cxnSp>
+        <mc:AlternateContent xmlns:mc="http://schemas.openxmlformats.org/markup-compatibility/2006" xmlns:a14="http://schemas.microsoft.com/office/drawing/2010/main">
+          <mc:Choice Requires="a14">
+            <p:sp>
+              <p:nvSpPr>
+                <p:cNvPr id="8" name="TextBox 7"/>
+                <p:cNvSpPr txBox="1"/>
+                <p:nvPr/>
+              </p:nvSpPr>
+              <p:spPr>
+                <a:xfrm>
+                  <a:off x="2317727" y="2414501"/>
+                  <a:ext cx="237629" cy="345159"/>
+                </a:xfrm>
+                <a:prstGeom prst="rect">
+                  <a:avLst/>
+                </a:prstGeom>
+                <a:noFill/>
+              </p:spPr>
+              <p:txBody>
+                <a:bodyPr wrap="none" lIns="0" tIns="0" rIns="0" bIns="0" rtlCol="0">
+                  <a:spAutoFit/>
+                </a:bodyPr>
+                <a:lstStyle/>
+                <a:p>
+                  <a:pPr/>
+                  <a14:m>
+                    <m:oMathPara xmlns:m="http://schemas.openxmlformats.org/officeDocument/2006/math">
+                      <m:oMathParaPr>
+                        <m:jc m:val="centerGroup"/>
+                      </m:oMathParaPr>
+                      <m:oMath xmlns:m="http://schemas.openxmlformats.org/officeDocument/2006/math">
+                        <m:acc>
+                          <m:accPr>
+                            <m:chr m:val="⃗"/>
+                            <m:ctrlPr>
+                              <a:rPr lang="en-US" sz="2000" b="0" i="1" smtClean="0">
+                                <a:latin typeface="Cambria Math" panose="02040503050406030204" pitchFamily="18" charset="0"/>
+                                <a:cs typeface="Arial" panose="020B0604020202020204" pitchFamily="34" charset="0"/>
+                              </a:rPr>
+                            </m:ctrlPr>
+                          </m:accPr>
+                          <m:e>
+                            <m:r>
+                              <a:rPr lang="en-US" sz="2000" b="0" i="1" smtClean="0">
+                                <a:latin typeface="Cambria Math" panose="02040503050406030204" pitchFamily="18" charset="0"/>
+                                <a:cs typeface="Arial" panose="020B0604020202020204" pitchFamily="34" charset="0"/>
+                              </a:rPr>
+                              <m:t>𝐹</m:t>
+                            </m:r>
+                          </m:e>
+                        </m:acc>
+                      </m:oMath>
+                    </m:oMathPara>
+                  </a14:m>
+                  <a:endParaRPr lang="en-US" sz="2000" dirty="0" smtClean="0">
+                    <a:latin typeface="Arial" panose="020B0604020202020204" pitchFamily="34" charset="0"/>
+                    <a:cs typeface="Arial" panose="020B0604020202020204" pitchFamily="34" charset="0"/>
+                  </a:endParaRPr>
+                </a:p>
+              </p:txBody>
+            </p:sp>
+          </mc:Choice>
+          <mc:Fallback xmlns="">
+            <p:sp>
+              <p:nvSpPr>
+                <p:cNvPr id="8" name="TextBox 7"/>
+                <p:cNvSpPr txBox="1">
+                  <a:spLocks noRot="1" noChangeAspect="1" noMove="1" noResize="1" noEditPoints="1" noAdjustHandles="1" noChangeArrowheads="1" noChangeShapeType="1" noTextEdit="1"/>
+                </p:cNvSpPr>
+                <p:nvPr/>
+              </p:nvSpPr>
+              <p:spPr>
+                <a:xfrm>
+                  <a:off x="2317727" y="2414501"/>
+                  <a:ext cx="237629" cy="345159"/>
+                </a:xfrm>
+                <a:prstGeom prst="rect">
+                  <a:avLst/>
+                </a:prstGeom>
+                <a:blipFill>
+                  <a:blip r:embed="rId2"/>
+                  <a:stretch>
+                    <a:fillRect l="-20513" t="-33333" r="-92308" b="-8772"/>
+                  </a:stretch>
+                </a:blipFill>
+              </p:spPr>
+              <p:txBody>
+                <a:bodyPr/>
+                <a:lstStyle/>
+                <a:p>
+                  <a:r>
+                    <a:rPr lang="en-US">
+                      <a:noFill/>
+                    </a:rPr>
+                    <a:t> </a:t>
+                  </a:r>
+                </a:p>
+              </p:txBody>
+            </p:sp>
+          </mc:Fallback>
+        </mc:AlternateContent>
+      </p:grpSp>
+      <p:grpSp>
+        <p:nvGrpSpPr>
+          <p:cNvPr id="35" name="Group 34"/>
+          <p:cNvGrpSpPr/>
+          <p:nvPr/>
+        </p:nvGrpSpPr>
+        <p:grpSpPr>
+          <a:xfrm>
+            <a:off x="2726247" y="594944"/>
+            <a:ext cx="2020456" cy="2331060"/>
+            <a:chOff x="4521593" y="1721217"/>
+            <a:chExt cx="2020456" cy="2331060"/>
+          </a:xfrm>
+        </p:grpSpPr>
+        <p:grpSp>
+          <p:nvGrpSpPr>
+            <p:cNvPr id="25" name="Group 24"/>
+            <p:cNvGrpSpPr/>
+            <p:nvPr/>
+          </p:nvGrpSpPr>
+          <p:grpSpPr>
+            <a:xfrm>
+              <a:off x="4885274" y="1721217"/>
+              <a:ext cx="1656775" cy="2153565"/>
+              <a:chOff x="4885274" y="1721217"/>
+              <a:chExt cx="1656775" cy="2153565"/>
+            </a:xfrm>
+          </p:grpSpPr>
+          <p:sp>
+            <p:nvSpPr>
+              <p:cNvPr id="9" name="Oval 8"/>
+              <p:cNvSpPr/>
+              <p:nvPr/>
+            </p:nvSpPr>
+            <p:spPr>
+              <a:xfrm>
+                <a:off x="5664861" y="2772009"/>
+                <a:ext cx="120943" cy="119766"/>
+              </a:xfrm>
+              <a:prstGeom prst="ellipse">
+                <a:avLst/>
+              </a:prstGeom>
+              <a:solidFill>
+                <a:schemeClr val="tx1"/>
+              </a:solidFill>
+              <a:ln w="38100">
+                <a:solidFill>
+                  <a:schemeClr val="tx1"/>
+                </a:solidFill>
+              </a:ln>
+            </p:spPr>
+            <p:style>
+              <a:lnRef idx="2">
+                <a:schemeClr val="accent1">
+                  <a:shade val="50000"/>
+                </a:schemeClr>
+              </a:lnRef>
+              <a:fillRef idx="1">
+                <a:schemeClr val="accent1"/>
+              </a:fillRef>
+              <a:effectRef idx="0">
+                <a:schemeClr val="accent1"/>
+              </a:effectRef>
+              <a:fontRef idx="minor">
+                <a:schemeClr val="lt1"/>
+              </a:fontRef>
+            </p:style>
+            <p:txBody>
+              <a:bodyPr rtlCol="0" anchor="ctr"/>
+              <a:lstStyle/>
+              <a:p>
+                <a:pPr algn="ctr"/>
+                <a:endParaRPr lang="en-US"/>
+              </a:p>
+            </p:txBody>
+          </p:sp>
+          <p:cxnSp>
+            <p:nvCxnSpPr>
+              <p:cNvPr id="10" name="Straight Arrow Connector 9"/>
+              <p:cNvCxnSpPr/>
+              <p:nvPr/>
+            </p:nvCxnSpPr>
+            <p:spPr>
+              <a:xfrm>
+                <a:off x="5794917" y="2830181"/>
+                <a:ext cx="747132" cy="0"/>
+              </a:xfrm>
+              <a:prstGeom prst="straightConnector1">
+                <a:avLst/>
+              </a:prstGeom>
+              <a:ln w="38100">
+                <a:solidFill>
+                  <a:schemeClr val="tx1"/>
+                </a:solidFill>
+                <a:tailEnd type="triangle"/>
+              </a:ln>
+            </p:spPr>
+            <p:style>
+              <a:lnRef idx="1">
+                <a:schemeClr val="accent1"/>
+              </a:lnRef>
+              <a:fillRef idx="0">
+                <a:schemeClr val="accent1"/>
+              </a:fillRef>
+              <a:effectRef idx="0">
+                <a:schemeClr val="accent1"/>
+              </a:effectRef>
+              <a:fontRef idx="minor">
+                <a:schemeClr val="tx1"/>
+              </a:fontRef>
+            </p:style>
+          </p:cxnSp>
+          <mc:AlternateContent xmlns:mc="http://schemas.openxmlformats.org/markup-compatibility/2006" xmlns:a14="http://schemas.microsoft.com/office/drawing/2010/main">
+            <mc:Choice Requires="a14">
+              <p:sp>
+                <p:nvSpPr>
+                  <p:cNvPr id="11" name="TextBox 10"/>
+                  <p:cNvSpPr txBox="1"/>
+                  <p:nvPr/>
+                </p:nvSpPr>
+                <p:spPr>
+                  <a:xfrm>
+                    <a:off x="6202242" y="2503710"/>
+                    <a:ext cx="237629" cy="345159"/>
+                  </a:xfrm>
+                  <a:prstGeom prst="rect">
+                    <a:avLst/>
+                  </a:prstGeom>
+                  <a:noFill/>
+                </p:spPr>
+                <p:txBody>
+                  <a:bodyPr wrap="none" lIns="0" tIns="0" rIns="0" bIns="0" rtlCol="0">
+                    <a:spAutoFit/>
+                  </a:bodyPr>
+                  <a:lstStyle/>
+                  <a:p>
+                    <a:pPr/>
+                    <a14:m>
+                      <m:oMathPara xmlns:m="http://schemas.openxmlformats.org/officeDocument/2006/math">
+                        <m:oMathParaPr>
+                          <m:jc m:val="centerGroup"/>
+                        </m:oMathParaPr>
+                        <m:oMath xmlns:m="http://schemas.openxmlformats.org/officeDocument/2006/math">
+                          <m:acc>
+                            <m:accPr>
+                              <m:chr m:val="⃗"/>
+                              <m:ctrlPr>
+                                <a:rPr lang="en-US" sz="2000" b="0" i="1" smtClean="0">
+                                  <a:latin typeface="Cambria Math" panose="02040503050406030204" pitchFamily="18" charset="0"/>
+                                  <a:cs typeface="Arial" panose="020B0604020202020204" pitchFamily="34" charset="0"/>
+                                </a:rPr>
+                              </m:ctrlPr>
+                            </m:accPr>
+                            <m:e>
+                              <m:r>
+                                <a:rPr lang="en-US" sz="2000" b="0" i="1" smtClean="0">
+                                  <a:latin typeface="Cambria Math" panose="02040503050406030204" pitchFamily="18" charset="0"/>
+                                  <a:cs typeface="Arial" panose="020B0604020202020204" pitchFamily="34" charset="0"/>
+                                </a:rPr>
+                                <m:t>𝐹</m:t>
+                              </m:r>
+                            </m:e>
+                          </m:acc>
+                        </m:oMath>
+                      </m:oMathPara>
+                    </a14:m>
+                    <a:endParaRPr lang="en-US" sz="2000" dirty="0" smtClean="0">
+                      <a:latin typeface="Arial" panose="020B0604020202020204" pitchFamily="34" charset="0"/>
+                      <a:cs typeface="Arial" panose="020B0604020202020204" pitchFamily="34" charset="0"/>
+                    </a:endParaRPr>
+                  </a:p>
+                </p:txBody>
+              </p:sp>
+            </mc:Choice>
+            <mc:Fallback xmlns="">
+              <p:sp>
+                <p:nvSpPr>
+                  <p:cNvPr id="11" name="TextBox 10"/>
+                  <p:cNvSpPr txBox="1">
+                    <a:spLocks noRot="1" noChangeAspect="1" noMove="1" noResize="1" noEditPoints="1" noAdjustHandles="1" noChangeArrowheads="1" noChangeShapeType="1" noTextEdit="1"/>
+                  </p:cNvSpPr>
+                  <p:nvPr/>
+                </p:nvSpPr>
+                <p:spPr>
+                  <a:xfrm>
+                    <a:off x="6202242" y="2503710"/>
+                    <a:ext cx="237629" cy="345159"/>
+                  </a:xfrm>
+                  <a:prstGeom prst="rect">
+                    <a:avLst/>
+                  </a:prstGeom>
+                  <a:blipFill>
+                    <a:blip r:embed="rId3"/>
+                    <a:stretch>
+                      <a:fillRect l="-20513" t="-35714" r="-92308" b="-8929"/>
+                    </a:stretch>
+                  </a:blipFill>
+                </p:spPr>
+                <p:txBody>
+                  <a:bodyPr/>
+                  <a:lstStyle/>
+                  <a:p>
+                    <a:r>
+                      <a:rPr lang="en-US">
+                        <a:noFill/>
+                      </a:rPr>
+                      <a:t> </a:t>
+                    </a:r>
+                  </a:p>
+                </p:txBody>
+              </p:sp>
+            </mc:Fallback>
+          </mc:AlternateContent>
+          <p:cxnSp>
+            <p:nvCxnSpPr>
+              <p:cNvPr id="12" name="Straight Arrow Connector 11"/>
+              <p:cNvCxnSpPr/>
+              <p:nvPr/>
+            </p:nvCxnSpPr>
+            <p:spPr>
+              <a:xfrm flipH="1">
+                <a:off x="4885274" y="2841332"/>
+                <a:ext cx="817756" cy="5946"/>
+              </a:xfrm>
+              <a:prstGeom prst="straightConnector1">
+                <a:avLst/>
+              </a:prstGeom>
+              <a:ln w="38100">
+                <a:solidFill>
+                  <a:schemeClr val="tx1"/>
+                </a:solidFill>
+                <a:tailEnd type="triangle"/>
+              </a:ln>
+            </p:spPr>
+            <p:style>
+              <a:lnRef idx="1">
+                <a:schemeClr val="accent1"/>
+              </a:lnRef>
+              <a:fillRef idx="0">
+                <a:schemeClr val="accent1"/>
+              </a:fillRef>
+              <a:effectRef idx="0">
+                <a:schemeClr val="accent1"/>
+              </a:effectRef>
+              <a:fontRef idx="minor">
+                <a:schemeClr val="tx1"/>
+              </a:fontRef>
+            </p:style>
+          </p:cxnSp>
+          <p:cxnSp>
+            <p:nvCxnSpPr>
+              <p:cNvPr id="14" name="Straight Arrow Connector 13"/>
+              <p:cNvCxnSpPr/>
+              <p:nvPr/>
+            </p:nvCxnSpPr>
+            <p:spPr>
+              <a:xfrm flipH="1">
+                <a:off x="5714181" y="2891775"/>
+                <a:ext cx="16908" cy="983007"/>
+              </a:xfrm>
+              <a:prstGeom prst="straightConnector1">
+                <a:avLst/>
+              </a:prstGeom>
+              <a:ln w="38100">
+                <a:solidFill>
+                  <a:schemeClr val="tx1"/>
+                </a:solidFill>
+                <a:tailEnd type="triangle"/>
+              </a:ln>
+            </p:spPr>
+            <p:style>
+              <a:lnRef idx="1">
+                <a:schemeClr val="accent1"/>
+              </a:lnRef>
+              <a:fillRef idx="0">
+                <a:schemeClr val="accent1"/>
+              </a:fillRef>
+              <a:effectRef idx="0">
+                <a:schemeClr val="accent1"/>
+              </a:effectRef>
+              <a:fontRef idx="minor">
+                <a:schemeClr val="tx1"/>
+              </a:fontRef>
+            </p:style>
+          </p:cxnSp>
+          <p:cxnSp>
+            <p:nvCxnSpPr>
+              <p:cNvPr id="19" name="Straight Arrow Connector 18"/>
+              <p:cNvCxnSpPr/>
+              <p:nvPr/>
+            </p:nvCxnSpPr>
+            <p:spPr>
+              <a:xfrm flipV="1">
+                <a:off x="5730050" y="1796727"/>
+                <a:ext cx="12190" cy="983007"/>
+              </a:xfrm>
+              <a:prstGeom prst="straightConnector1">
+                <a:avLst/>
+              </a:prstGeom>
+              <a:ln w="38100">
+                <a:solidFill>
+                  <a:schemeClr val="tx1"/>
+                </a:solidFill>
+                <a:tailEnd type="triangle"/>
+              </a:ln>
+            </p:spPr>
+            <p:style>
+              <a:lnRef idx="1">
+                <a:schemeClr val="accent1"/>
+              </a:lnRef>
+              <a:fillRef idx="0">
+                <a:schemeClr val="accent1"/>
+              </a:fillRef>
+              <a:effectRef idx="0">
+                <a:schemeClr val="accent1"/>
+              </a:effectRef>
+              <a:fontRef idx="minor">
+                <a:schemeClr val="tx1"/>
+              </a:fontRef>
+            </p:style>
+          </p:cxnSp>
+          <mc:AlternateContent xmlns:mc="http://schemas.openxmlformats.org/markup-compatibility/2006" xmlns:a14="http://schemas.microsoft.com/office/drawing/2010/main">
+            <mc:Choice Requires="a14">
+              <p:sp>
+                <p:nvSpPr>
+                  <p:cNvPr id="22" name="TextBox 21"/>
+                  <p:cNvSpPr txBox="1"/>
+                  <p:nvPr/>
+                </p:nvSpPr>
+                <p:spPr>
+                  <a:xfrm>
+                    <a:off x="4970988" y="2485022"/>
+                    <a:ext cx="264367" cy="345159"/>
+                  </a:xfrm>
+                  <a:prstGeom prst="rect">
+                    <a:avLst/>
+                  </a:prstGeom>
+                  <a:noFill/>
+                </p:spPr>
+                <p:txBody>
+                  <a:bodyPr wrap="none" lIns="0" tIns="0" rIns="0" bIns="0" rtlCol="0">
+                    <a:spAutoFit/>
+                  </a:bodyPr>
+                  <a:lstStyle/>
+                  <a:p>
+                    <a:pPr/>
+                    <a14:m>
+                      <m:oMathPara xmlns:m="http://schemas.openxmlformats.org/officeDocument/2006/math">
+                        <m:oMathParaPr>
+                          <m:jc m:val="centerGroup"/>
+                        </m:oMathParaPr>
+                        <m:oMath xmlns:m="http://schemas.openxmlformats.org/officeDocument/2006/math">
+                          <m:acc>
+                            <m:accPr>
+                              <m:chr m:val="⃗"/>
+                              <m:ctrlPr>
+                                <a:rPr lang="en-US" sz="2000" b="0" i="1" smtClean="0">
+                                  <a:latin typeface="Cambria Math" panose="02040503050406030204" pitchFamily="18" charset="0"/>
+                                  <a:cs typeface="Arial" panose="020B0604020202020204" pitchFamily="34" charset="0"/>
+                                </a:rPr>
+                              </m:ctrlPr>
+                            </m:accPr>
+                            <m:e>
+                              <m:r>
+                                <a:rPr lang="en-US" sz="2000" b="0" i="1" smtClean="0">
+                                  <a:latin typeface="Cambria Math" panose="02040503050406030204" pitchFamily="18" charset="0"/>
+                                  <a:cs typeface="Arial" panose="020B0604020202020204" pitchFamily="34" charset="0"/>
+                                </a:rPr>
+                                <m:t>𝑁</m:t>
+                              </m:r>
+                            </m:e>
+                          </m:acc>
+                        </m:oMath>
+                      </m:oMathPara>
+                    </a14:m>
+                    <a:endParaRPr lang="en-US" sz="2000" dirty="0" smtClean="0">
+                      <a:latin typeface="Arial" panose="020B0604020202020204" pitchFamily="34" charset="0"/>
+                      <a:cs typeface="Arial" panose="020B0604020202020204" pitchFamily="34" charset="0"/>
+                    </a:endParaRPr>
+                  </a:p>
+                </p:txBody>
+              </p:sp>
+            </mc:Choice>
+            <mc:Fallback xmlns="">
+              <p:sp>
+                <p:nvSpPr>
+                  <p:cNvPr id="22" name="TextBox 21"/>
+                  <p:cNvSpPr txBox="1">
+                    <a:spLocks noRot="1" noChangeAspect="1" noMove="1" noResize="1" noEditPoints="1" noAdjustHandles="1" noChangeArrowheads="1" noChangeShapeType="1" noTextEdit="1"/>
+                  </p:cNvSpPr>
+                  <p:nvPr/>
+                </p:nvSpPr>
+                <p:spPr>
+                  <a:xfrm>
+                    <a:off x="4970988" y="2485022"/>
+                    <a:ext cx="264367" cy="345159"/>
+                  </a:xfrm>
+                  <a:prstGeom prst="rect">
+                    <a:avLst/>
+                  </a:prstGeom>
+                  <a:blipFill>
+                    <a:blip r:embed="rId4"/>
+                    <a:stretch>
+                      <a:fillRect l="-18182" r="-18182" b="-8929"/>
+                    </a:stretch>
+                  </a:blipFill>
+                </p:spPr>
+                <p:txBody>
+                  <a:bodyPr/>
+                  <a:lstStyle/>
+                  <a:p>
+                    <a:r>
+                      <a:rPr lang="en-US">
+                        <a:noFill/>
+                      </a:rPr>
+                      <a:t> </a:t>
+                    </a:r>
+                  </a:p>
+                </p:txBody>
+              </p:sp>
+            </mc:Fallback>
+          </mc:AlternateContent>
+          <mc:AlternateContent xmlns:mc="http://schemas.openxmlformats.org/markup-compatibility/2006" xmlns:a14="http://schemas.microsoft.com/office/drawing/2010/main">
+            <mc:Choice Requires="a14">
+              <p:sp>
+                <p:nvSpPr>
+                  <p:cNvPr id="23" name="TextBox 22"/>
+                  <p:cNvSpPr txBox="1"/>
+                  <p:nvPr/>
+                </p:nvSpPr>
+                <p:spPr>
+                  <a:xfrm>
+                    <a:off x="5385656" y="3383278"/>
+                    <a:ext cx="303865" cy="377219"/>
+                  </a:xfrm>
+                  <a:prstGeom prst="rect">
+                    <a:avLst/>
+                  </a:prstGeom>
+                  <a:noFill/>
+                </p:spPr>
+                <p:txBody>
+                  <a:bodyPr wrap="none" lIns="0" tIns="0" rIns="0" bIns="0" rtlCol="0">
+                    <a:spAutoFit/>
+                  </a:bodyPr>
+                  <a:lstStyle/>
+                  <a:p>
+                    <a:pPr/>
+                    <a14:m>
+                      <m:oMathPara xmlns:m="http://schemas.openxmlformats.org/officeDocument/2006/math">
+                        <m:oMathParaPr>
+                          <m:jc m:val="centerGroup"/>
+                        </m:oMathParaPr>
+                        <m:oMath xmlns:m="http://schemas.openxmlformats.org/officeDocument/2006/math">
+                          <m:sSub>
+                            <m:sSubPr>
+                              <m:ctrlPr>
+                                <a:rPr lang="en-US" sz="2000" b="0" i="1" smtClean="0">
+                                  <a:latin typeface="Cambria Math" panose="02040503050406030204" pitchFamily="18" charset="0"/>
+                                  <a:cs typeface="Arial" panose="020B0604020202020204" pitchFamily="34" charset="0"/>
+                                </a:rPr>
+                              </m:ctrlPr>
+                            </m:sSubPr>
+                            <m:e>
+                              <m:acc>
+                                <m:accPr>
+                                  <m:chr m:val="⃗"/>
+                                  <m:ctrlPr>
+                                    <a:rPr lang="en-US" sz="2000" b="0" i="1" smtClean="0">
+                                      <a:latin typeface="Cambria Math" panose="02040503050406030204" pitchFamily="18" charset="0"/>
+                                      <a:cs typeface="Arial" panose="020B0604020202020204" pitchFamily="34" charset="0"/>
+                                    </a:rPr>
+                                  </m:ctrlPr>
+                                </m:accPr>
+                                <m:e>
+                                  <m:r>
+                                    <a:rPr lang="en-US" sz="2000" b="0" i="1" smtClean="0">
+                                      <a:latin typeface="Cambria Math" panose="02040503050406030204" pitchFamily="18" charset="0"/>
+                                      <a:cs typeface="Arial" panose="020B0604020202020204" pitchFamily="34" charset="0"/>
+                                    </a:rPr>
+                                    <m:t>𝐹</m:t>
+                                  </m:r>
+                                </m:e>
+                              </m:acc>
+                            </m:e>
+                            <m:sub>
+                              <m:r>
+                                <a:rPr lang="en-US" sz="2000" b="0" i="1" smtClean="0">
+                                  <a:latin typeface="Cambria Math" panose="02040503050406030204" pitchFamily="18" charset="0"/>
+                                  <a:cs typeface="Arial" panose="020B0604020202020204" pitchFamily="34" charset="0"/>
+                                </a:rPr>
+                                <m:t>𝑔</m:t>
+                              </m:r>
+                            </m:sub>
+                          </m:sSub>
+                        </m:oMath>
+                      </m:oMathPara>
+                    </a14:m>
+                    <a:endParaRPr lang="en-US" sz="2000" dirty="0" smtClean="0">
+                      <a:latin typeface="Arial" panose="020B0604020202020204" pitchFamily="34" charset="0"/>
+                      <a:cs typeface="Arial" panose="020B0604020202020204" pitchFamily="34" charset="0"/>
+                    </a:endParaRPr>
+                  </a:p>
+                </p:txBody>
+              </p:sp>
+            </mc:Choice>
+            <mc:Fallback xmlns="">
+              <p:sp>
+                <p:nvSpPr>
+                  <p:cNvPr id="23" name="TextBox 22"/>
+                  <p:cNvSpPr txBox="1">
+                    <a:spLocks noRot="1" noChangeAspect="1" noMove="1" noResize="1" noEditPoints="1" noAdjustHandles="1" noChangeArrowheads="1" noChangeShapeType="1" noTextEdit="1"/>
+                  </p:cNvSpPr>
+                  <p:nvPr/>
+                </p:nvSpPr>
+                <p:spPr>
+                  <a:xfrm>
+                    <a:off x="5385656" y="3383278"/>
+                    <a:ext cx="303865" cy="377219"/>
+                  </a:xfrm>
+                  <a:prstGeom prst="rect">
+                    <a:avLst/>
+                  </a:prstGeom>
+                  <a:blipFill>
+                    <a:blip r:embed="rId5"/>
+                    <a:stretch>
+                      <a:fillRect l="-16000" t="-30645" r="-72000" b="-17742"/>
+                    </a:stretch>
+                  </a:blipFill>
+                </p:spPr>
+                <p:txBody>
+                  <a:bodyPr/>
+                  <a:lstStyle/>
+                  <a:p>
+                    <a:r>
+                      <a:rPr lang="en-US">
+                        <a:noFill/>
+                      </a:rPr>
+                      <a:t> </a:t>
+                    </a:r>
+                  </a:p>
+                </p:txBody>
+              </p:sp>
+            </mc:Fallback>
+          </mc:AlternateContent>
+          <mc:AlternateContent xmlns:mc="http://schemas.openxmlformats.org/markup-compatibility/2006" xmlns:a14="http://schemas.microsoft.com/office/drawing/2010/main">
+            <mc:Choice Requires="a14">
+              <p:sp>
+                <p:nvSpPr>
+                  <p:cNvPr id="24" name="TextBox 23"/>
+                  <p:cNvSpPr txBox="1"/>
+                  <p:nvPr/>
+                </p:nvSpPr>
+                <p:spPr>
+                  <a:xfrm>
+                    <a:off x="5812530" y="1721217"/>
+                    <a:ext cx="267381" cy="354071"/>
+                  </a:xfrm>
+                  <a:prstGeom prst="rect">
+                    <a:avLst/>
+                  </a:prstGeom>
+                  <a:noFill/>
+                </p:spPr>
+                <p:txBody>
+                  <a:bodyPr wrap="none" lIns="0" tIns="0" rIns="0" bIns="0" rtlCol="0">
+                    <a:spAutoFit/>
+                  </a:bodyPr>
+                  <a:lstStyle/>
+                  <a:p>
+                    <a:pPr/>
+                    <a14:m>
+                      <m:oMathPara xmlns:m="http://schemas.openxmlformats.org/officeDocument/2006/math">
+                        <m:oMathParaPr>
+                          <m:jc m:val="centerGroup"/>
+                        </m:oMathParaPr>
+                        <m:oMath xmlns:m="http://schemas.openxmlformats.org/officeDocument/2006/math">
+                          <m:sSub>
+                            <m:sSubPr>
+                              <m:ctrlPr>
+                                <a:rPr lang="en-US" sz="2000" b="0" i="1" smtClean="0">
+                                  <a:latin typeface="Cambria Math" panose="02040503050406030204" pitchFamily="18" charset="0"/>
+                                  <a:cs typeface="Arial" panose="020B0604020202020204" pitchFamily="34" charset="0"/>
+                                </a:rPr>
+                              </m:ctrlPr>
+                            </m:sSubPr>
+                            <m:e>
+                              <m:acc>
+                                <m:accPr>
+                                  <m:chr m:val="⃗"/>
+                                  <m:ctrlPr>
+                                    <a:rPr lang="en-US" sz="2000" b="0" i="1" smtClean="0">
+                                      <a:latin typeface="Cambria Math" panose="02040503050406030204" pitchFamily="18" charset="0"/>
+                                      <a:cs typeface="Arial" panose="020B0604020202020204" pitchFamily="34" charset="0"/>
+                                    </a:rPr>
+                                  </m:ctrlPr>
+                                </m:accPr>
+                                <m:e>
+                                  <m:r>
+                                    <a:rPr lang="en-US" sz="2000" b="0" i="1" smtClean="0">
+                                      <a:latin typeface="Cambria Math" panose="02040503050406030204" pitchFamily="18" charset="0"/>
+                                      <a:cs typeface="Arial" panose="020B0604020202020204" pitchFamily="34" charset="0"/>
+                                    </a:rPr>
+                                    <m:t>𝑓</m:t>
+                                  </m:r>
+                                </m:e>
+                              </m:acc>
+                            </m:e>
+                            <m:sub>
+                              <m:r>
+                                <a:rPr lang="en-US" sz="2000" b="0" i="1" smtClean="0">
+                                  <a:latin typeface="Cambria Math" panose="02040503050406030204" pitchFamily="18" charset="0"/>
+                                  <a:cs typeface="Arial" panose="020B0604020202020204" pitchFamily="34" charset="0"/>
+                                </a:rPr>
+                                <m:t>𝑠</m:t>
+                              </m:r>
+                            </m:sub>
+                          </m:sSub>
+                        </m:oMath>
+                      </m:oMathPara>
+                    </a14:m>
+                    <a:endParaRPr lang="en-US" sz="2000" dirty="0" smtClean="0">
+                      <a:latin typeface="Arial" panose="020B0604020202020204" pitchFamily="34" charset="0"/>
+                      <a:cs typeface="Arial" panose="020B0604020202020204" pitchFamily="34" charset="0"/>
+                    </a:endParaRPr>
+                  </a:p>
+                </p:txBody>
+              </p:sp>
+            </mc:Choice>
+            <mc:Fallback xmlns="">
+              <p:sp>
+                <p:nvSpPr>
+                  <p:cNvPr id="24" name="TextBox 23"/>
+                  <p:cNvSpPr txBox="1">
+                    <a:spLocks noRot="1" noChangeAspect="1" noMove="1" noResize="1" noEditPoints="1" noAdjustHandles="1" noChangeArrowheads="1" noChangeShapeType="1" noTextEdit="1"/>
+                  </p:cNvSpPr>
+                  <p:nvPr/>
+                </p:nvSpPr>
+                <p:spPr>
+                  <a:xfrm>
+                    <a:off x="5812530" y="1721217"/>
+                    <a:ext cx="267381" cy="354071"/>
+                  </a:xfrm>
+                  <a:prstGeom prst="rect">
+                    <a:avLst/>
+                  </a:prstGeom>
+                  <a:blipFill>
+                    <a:blip r:embed="rId6"/>
+                    <a:stretch>
+                      <a:fillRect l="-29545" t="-32759" r="-84091" b="-32759"/>
+                    </a:stretch>
+                  </a:blipFill>
+                </p:spPr>
+                <p:txBody>
+                  <a:bodyPr/>
+                  <a:lstStyle/>
+                  <a:p>
+                    <a:r>
+                      <a:rPr lang="en-US">
+                        <a:noFill/>
+                      </a:rPr>
+                      <a:t> </a:t>
+                    </a:r>
+                  </a:p>
+                </p:txBody>
+              </p:sp>
+            </mc:Fallback>
+          </mc:AlternateContent>
+        </p:grpSp>
+        <p:grpSp>
+          <p:nvGrpSpPr>
+            <p:cNvPr id="27" name="Group 26"/>
+            <p:cNvGrpSpPr/>
+            <p:nvPr/>
+          </p:nvGrpSpPr>
+          <p:grpSpPr>
+            <a:xfrm>
+              <a:off x="4521593" y="3342282"/>
+              <a:ext cx="898789" cy="709995"/>
+              <a:chOff x="758520" y="708040"/>
+              <a:chExt cx="2596102" cy="2135605"/>
+            </a:xfrm>
+          </p:grpSpPr>
+          <p:grpSp>
+            <p:nvGrpSpPr>
+              <p:cNvPr id="28" name="Group 27"/>
+              <p:cNvGrpSpPr/>
+              <p:nvPr/>
+            </p:nvGrpSpPr>
+            <p:grpSpPr>
+              <a:xfrm>
+                <a:off x="758520" y="708040"/>
+                <a:ext cx="2596102" cy="2135605"/>
+                <a:chOff x="785815" y="680744"/>
+                <a:chExt cx="2596102" cy="2135605"/>
+              </a:xfrm>
+            </p:grpSpPr>
+            <p:cxnSp>
+              <p:nvCxnSpPr>
+                <p:cNvPr id="30" name="Straight Arrow Connector 29"/>
+                <p:cNvCxnSpPr/>
+                <p:nvPr/>
+              </p:nvCxnSpPr>
+              <p:spPr>
+                <a:xfrm flipV="1">
+                  <a:off x="1516583" y="680744"/>
+                  <a:ext cx="7683" cy="1859535"/>
+                </a:xfrm>
+                <a:prstGeom prst="straightConnector1">
+                  <a:avLst/>
+                </a:prstGeom>
+                <a:ln w="38100">
+                  <a:solidFill>
+                    <a:schemeClr val="tx1"/>
+                  </a:solidFill>
+                  <a:tailEnd type="triangle"/>
+                </a:ln>
+              </p:spPr>
+              <p:style>
+                <a:lnRef idx="1">
+                  <a:schemeClr val="accent1"/>
+                </a:lnRef>
+                <a:fillRef idx="0">
+                  <a:schemeClr val="accent1"/>
+                </a:fillRef>
+                <a:effectRef idx="0">
+                  <a:schemeClr val="accent1"/>
+                </a:effectRef>
+                <a:fontRef idx="minor">
+                  <a:schemeClr val="tx1"/>
+                </a:fontRef>
+              </p:style>
+            </p:cxnSp>
+            <p:cxnSp>
+              <p:nvCxnSpPr>
+                <p:cNvPr id="31" name="Straight Arrow Connector 30"/>
+                <p:cNvCxnSpPr/>
+                <p:nvPr/>
+              </p:nvCxnSpPr>
+              <p:spPr>
+                <a:xfrm flipV="1">
+                  <a:off x="1507013" y="2535259"/>
+                  <a:ext cx="1874904" cy="1"/>
+                </a:xfrm>
+                <a:prstGeom prst="straightConnector1">
+                  <a:avLst/>
+                </a:prstGeom>
+                <a:ln w="38100">
+                  <a:solidFill>
+                    <a:schemeClr val="tx1"/>
+                  </a:solidFill>
+                  <a:tailEnd type="triangle"/>
+                </a:ln>
+              </p:spPr>
+              <p:style>
+                <a:lnRef idx="1">
+                  <a:schemeClr val="accent1"/>
+                </a:lnRef>
+                <a:fillRef idx="0">
+                  <a:schemeClr val="accent1"/>
+                </a:fillRef>
+                <a:effectRef idx="0">
+                  <a:schemeClr val="accent1"/>
+                </a:effectRef>
+                <a:fontRef idx="minor">
+                  <a:schemeClr val="tx1"/>
+                </a:fontRef>
+              </p:style>
+            </p:cxnSp>
+            <mc:AlternateContent xmlns:mc="http://schemas.openxmlformats.org/markup-compatibility/2006" xmlns:a14="http://schemas.microsoft.com/office/drawing/2010/main">
+              <mc:Choice Requires="a14">
+                <p:sp>
+                  <p:nvSpPr>
+                    <p:cNvPr id="32" name="Rectangle 31"/>
+                    <p:cNvSpPr/>
+                    <p:nvPr/>
+                  </p:nvSpPr>
+                  <p:spPr>
+                    <a:xfrm>
+                      <a:off x="2697555" y="2447016"/>
+                      <a:ext cx="367985" cy="369333"/>
+                    </a:xfrm>
+                    <a:prstGeom prst="rect">
+                      <a:avLst/>
+                    </a:prstGeom>
+                  </p:spPr>
+                  <p:txBody>
+                    <a:bodyPr wrap="none">
+                      <a:spAutoFit/>
+                    </a:bodyPr>
+                    <a:lstStyle/>
+                    <a:p>
+                      <a:pPr/>
+                      <a14:m>
+                        <m:oMathPara xmlns:m="http://schemas.openxmlformats.org/officeDocument/2006/math">
+                          <m:oMathParaPr>
+                            <m:jc m:val="centerGroup"/>
+                          </m:oMathParaPr>
+                          <m:oMath xmlns:m="http://schemas.openxmlformats.org/officeDocument/2006/math">
+                            <m:r>
+                              <a:rPr lang="en-US" i="1">
+                                <a:latin typeface="Cambria Math" panose="02040503050406030204" pitchFamily="18" charset="0"/>
+                                <a:cs typeface="Arial" panose="020B0604020202020204" pitchFamily="34" charset="0"/>
+                              </a:rPr>
+                              <m:t>𝑥</m:t>
+                            </m:r>
+                          </m:oMath>
+                        </m:oMathPara>
+                      </a14:m>
+                      <a:endParaRPr lang="en-CA" dirty="0"/>
+                    </a:p>
+                  </p:txBody>
+                </p:sp>
+              </mc:Choice>
+              <mc:Fallback xmlns="">
+                <p:sp>
+                  <p:nvSpPr>
+                    <p:cNvPr id="107" name="Rectangle 106"/>
+                    <p:cNvSpPr>
+                      <a:spLocks noRot="1" noChangeAspect="1" noMove="1" noResize="1" noEditPoints="1" noAdjustHandles="1" noChangeArrowheads="1" noChangeShapeType="1" noTextEdit="1"/>
+                    </p:cNvSpPr>
+                    <p:nvPr/>
+                  </p:nvSpPr>
+                  <p:spPr>
+                    <a:xfrm>
+                      <a:off x="2697555" y="2447016"/>
+                      <a:ext cx="367985" cy="369333"/>
+                    </a:xfrm>
+                    <a:prstGeom prst="rect">
+                      <a:avLst/>
+                    </a:prstGeom>
+                    <a:blipFill>
+                      <a:blip r:embed="rId27"/>
+                      <a:stretch>
+                        <a:fillRect r="-95238" b="-160000"/>
+                      </a:stretch>
+                    </a:blipFill>
+                  </p:spPr>
+                  <p:txBody>
+                    <a:bodyPr/>
+                    <a:lstStyle/>
+                    <a:p>
+                      <a:r>
+                        <a:rPr lang="en-US">
+                          <a:noFill/>
+                        </a:rPr>
+                        <a:t> </a:t>
+                      </a:r>
+                    </a:p>
+                  </p:txBody>
+                </p:sp>
+              </mc:Fallback>
+            </mc:AlternateContent>
+            <mc:AlternateContent xmlns:mc="http://schemas.openxmlformats.org/markup-compatibility/2006" xmlns:a14="http://schemas.microsoft.com/office/drawing/2010/main">
+              <mc:Choice Requires="a14">
+                <p:sp>
+                  <p:nvSpPr>
+                    <p:cNvPr id="33" name="Rectangle 32"/>
+                    <p:cNvSpPr/>
+                    <p:nvPr/>
+                  </p:nvSpPr>
+                  <p:spPr>
+                    <a:xfrm>
+                      <a:off x="785815" y="912420"/>
+                      <a:ext cx="371385" cy="369333"/>
+                    </a:xfrm>
+                    <a:prstGeom prst="rect">
+                      <a:avLst/>
+                    </a:prstGeom>
+                  </p:spPr>
+                  <p:txBody>
+                    <a:bodyPr wrap="none">
+                      <a:spAutoFit/>
+                    </a:bodyPr>
+                    <a:lstStyle/>
+                    <a:p>
+                      <a:pPr/>
+                      <a14:m>
+                        <m:oMathPara xmlns:m="http://schemas.openxmlformats.org/officeDocument/2006/math">
+                          <m:oMathParaPr>
+                            <m:jc m:val="centerGroup"/>
+                          </m:oMathParaPr>
+                          <m:oMath xmlns:m="http://schemas.openxmlformats.org/officeDocument/2006/math">
+                            <m:r>
+                              <a:rPr lang="en-US" b="0" i="1" smtClean="0">
+                                <a:latin typeface="Cambria Math" panose="02040503050406030204" pitchFamily="18" charset="0"/>
+                              </a:rPr>
+                              <m:t>𝑦</m:t>
+                            </m:r>
+                          </m:oMath>
+                        </m:oMathPara>
+                      </a14:m>
+                      <a:endParaRPr lang="en-CA" dirty="0"/>
+                    </a:p>
+                  </p:txBody>
+                </p:sp>
+              </mc:Choice>
+              <mc:Fallback xmlns="">
+                <p:sp>
+                  <p:nvSpPr>
+                    <p:cNvPr id="108" name="Rectangle 107"/>
+                    <p:cNvSpPr>
+                      <a:spLocks noRot="1" noChangeAspect="1" noMove="1" noResize="1" noEditPoints="1" noAdjustHandles="1" noChangeArrowheads="1" noChangeShapeType="1" noTextEdit="1"/>
+                    </p:cNvSpPr>
+                    <p:nvPr/>
+                  </p:nvSpPr>
+                  <p:spPr>
+                    <a:xfrm>
+                      <a:off x="785815" y="912420"/>
+                      <a:ext cx="371385" cy="369333"/>
+                    </a:xfrm>
+                    <a:prstGeom prst="rect">
+                      <a:avLst/>
+                    </a:prstGeom>
+                    <a:blipFill>
+                      <a:blip r:embed="rId28"/>
+                      <a:stretch>
+                        <a:fillRect l="-19048" r="-114286" b="-220000"/>
+                      </a:stretch>
+                    </a:blipFill>
+                  </p:spPr>
+                  <p:txBody>
+                    <a:bodyPr/>
+                    <a:lstStyle/>
+                    <a:p>
+                      <a:r>
+                        <a:rPr lang="en-US">
+                          <a:noFill/>
+                        </a:rPr>
+                        <a:t> </a:t>
+                      </a:r>
+                    </a:p>
+                  </p:txBody>
+                </p:sp>
+              </mc:Fallback>
+            </mc:AlternateContent>
+            <mc:AlternateContent xmlns:mc="http://schemas.openxmlformats.org/markup-compatibility/2006" xmlns:a14="http://schemas.microsoft.com/office/drawing/2010/main">
+              <mc:Choice Requires="a14">
+                <p:sp>
+                  <p:nvSpPr>
+                    <p:cNvPr id="34" name="Rectangle 33"/>
+                    <p:cNvSpPr/>
+                    <p:nvPr/>
+                  </p:nvSpPr>
+                  <p:spPr>
+                    <a:xfrm>
+                      <a:off x="1006642" y="2350591"/>
+                      <a:ext cx="367985" cy="369333"/>
+                    </a:xfrm>
+                    <a:prstGeom prst="rect">
+                      <a:avLst/>
+                    </a:prstGeom>
+                  </p:spPr>
+                  <p:txBody>
+                    <a:bodyPr wrap="none">
+                      <a:spAutoFit/>
+                    </a:bodyPr>
+                    <a:lstStyle/>
+                    <a:p>
+                      <a:pPr/>
+                      <a14:m>
+                        <m:oMathPara xmlns:m="http://schemas.openxmlformats.org/officeDocument/2006/math">
+                          <m:oMathParaPr>
+                            <m:jc m:val="centerGroup"/>
+                          </m:oMathParaPr>
+                          <m:oMath xmlns:m="http://schemas.openxmlformats.org/officeDocument/2006/math">
+                            <m:r>
+                              <a:rPr lang="en-US" b="0" i="1" smtClean="0">
+                                <a:latin typeface="Cambria Math" panose="02040503050406030204" pitchFamily="18" charset="0"/>
+                                <a:cs typeface="Arial" panose="020B0604020202020204" pitchFamily="34" charset="0"/>
+                              </a:rPr>
+                              <m:t>0</m:t>
+                            </m:r>
+                          </m:oMath>
+                        </m:oMathPara>
+                      </a14:m>
+                      <a:endParaRPr lang="en-CA" dirty="0"/>
+                    </a:p>
+                  </p:txBody>
+                </p:sp>
+              </mc:Choice>
+              <mc:Fallback xmlns="">
+                <p:sp>
+                  <p:nvSpPr>
+                    <p:cNvPr id="109" name="Rectangle 108"/>
+                    <p:cNvSpPr>
+                      <a:spLocks noRot="1" noChangeAspect="1" noMove="1" noResize="1" noEditPoints="1" noAdjustHandles="1" noChangeArrowheads="1" noChangeShapeType="1" noTextEdit="1"/>
+                    </p:cNvSpPr>
+                    <p:nvPr/>
+                  </p:nvSpPr>
+                  <p:spPr>
+                    <a:xfrm>
+                      <a:off x="1006642" y="2350591"/>
+                      <a:ext cx="367985" cy="369333"/>
+                    </a:xfrm>
+                    <a:prstGeom prst="rect">
+                      <a:avLst/>
+                    </a:prstGeom>
+                    <a:blipFill>
+                      <a:blip r:embed="rId29"/>
+                      <a:stretch>
+                        <a:fillRect l="-14286" r="-114286" b="-180000"/>
+                      </a:stretch>
+                    </a:blipFill>
+                  </p:spPr>
+                  <p:txBody>
+                    <a:bodyPr/>
+                    <a:lstStyle/>
+                    <a:p>
+                      <a:r>
+                        <a:rPr lang="en-US">
+                          <a:noFill/>
+                        </a:rPr>
+                        <a:t> </a:t>
+                      </a:r>
+                    </a:p>
+                  </p:txBody>
+                </p:sp>
+              </mc:Fallback>
+            </mc:AlternateContent>
+          </p:grpSp>
+          <p:sp>
+            <p:nvSpPr>
+              <p:cNvPr id="29" name="Rectangle 28"/>
+              <p:cNvSpPr/>
+              <p:nvPr/>
+            </p:nvSpPr>
+            <p:spPr>
+              <a:xfrm>
+                <a:off x="1129904" y="1614682"/>
+                <a:ext cx="184731" cy="369332"/>
+              </a:xfrm>
+              <a:prstGeom prst="rect">
+                <a:avLst/>
+              </a:prstGeom>
+            </p:spPr>
+            <p:txBody>
+              <a:bodyPr wrap="none">
+                <a:spAutoFit/>
+              </a:bodyPr>
+              <a:lstStyle/>
+              <a:p>
+                <a:endParaRPr lang="en-CA" dirty="0"/>
+              </a:p>
+            </p:txBody>
+          </p:sp>
+        </p:grpSp>
+      </p:grpSp>
+    </p:spTree>
+    <p:extLst>
+      <p:ext uri="{BB962C8B-B14F-4D97-AF65-F5344CB8AC3E}">
+        <p14:creationId xmlns:p14="http://schemas.microsoft.com/office/powerpoint/2010/main" val="2818547824"/>
+      </p:ext>
+    </p:extLst>
+  </p:cSld>
+  <p:clrMapOvr>
+    <a:masterClrMapping/>
+  </p:clrMapOvr>
+</p:sld>
+</file>
+
+<file path=ppt/slides/slide3.xml><?xml version="1.0" encoding="utf-8"?>
 <p:sld xmlns:a="http://schemas.openxmlformats.org/drawingml/2006/main" xmlns:r="http://schemas.openxmlformats.org/officeDocument/2006/relationships" xmlns:p="http://schemas.openxmlformats.org/presentationml/2006/main">
   <p:cSld>
     <p:spTree>
@@ -7480,7 +8811,7 @@
 </p:sld>
 </file>
 
-<file path=ppt/slides/slide3.xml><?xml version="1.0" encoding="utf-8"?>
+<file path=ppt/slides/slide4.xml><?xml version="1.0" encoding="utf-8"?>
 <p:sld xmlns:a="http://schemas.openxmlformats.org/drawingml/2006/main" xmlns:r="http://schemas.openxmlformats.org/officeDocument/2006/relationships" xmlns:p="http://schemas.openxmlformats.org/presentationml/2006/main">
   <p:cSld>
     <p:spTree>
@@ -7499,86 +8830,34 @@
       </p:grpSpPr>
       <p:grpSp>
         <p:nvGrpSpPr>
-          <p:cNvPr id="26" name="Group 25"/>
+          <p:cNvPr id="60" name="Group 59"/>
           <p:cNvGrpSpPr/>
           <p:nvPr/>
         </p:nvGrpSpPr>
         <p:grpSpPr>
           <a:xfrm>
-            <a:off x="2040673" y="1739590"/>
-            <a:ext cx="1626352" cy="2040673"/>
-            <a:chOff x="2040673" y="1739590"/>
-            <a:chExt cx="1626352" cy="2040673"/>
+            <a:off x="7935626" y="295492"/>
+            <a:ext cx="1388070" cy="2423815"/>
+            <a:chOff x="7935626" y="295492"/>
+            <a:chExt cx="1388070" cy="2423815"/>
           </a:xfrm>
         </p:grpSpPr>
         <p:sp>
           <p:nvSpPr>
-            <p:cNvPr id="4" name="Rectangle 3"/>
+            <p:cNvPr id="39" name="Oval 38"/>
             <p:cNvSpPr/>
             <p:nvPr/>
           </p:nvSpPr>
           <p:spPr>
             <a:xfrm>
-              <a:off x="3434576" y="1739590"/>
-              <a:ext cx="232449" cy="2040673"/>
+              <a:off x="8642236" y="1533452"/>
+              <a:ext cx="120943" cy="119766"/>
             </a:xfrm>
-            <a:prstGeom prst="rect">
+            <a:prstGeom prst="ellipse">
               <a:avLst/>
             </a:prstGeom>
             <a:solidFill>
-              <a:schemeClr val="bg2">
-                <a:lumMod val="50000"/>
-              </a:schemeClr>
-            </a:solidFill>
-            <a:ln w="38100">
-              <a:solidFill>
-                <a:schemeClr val="tx1"/>
-              </a:solidFill>
-            </a:ln>
-          </p:spPr>
-          <p:style>
-            <a:lnRef idx="2">
-              <a:schemeClr val="accent1">
-                <a:shade val="50000"/>
-              </a:schemeClr>
-            </a:lnRef>
-            <a:fillRef idx="1">
-              <a:schemeClr val="accent1"/>
-            </a:fillRef>
-            <a:effectRef idx="0">
-              <a:schemeClr val="accent1"/>
-            </a:effectRef>
-            <a:fontRef idx="minor">
-              <a:schemeClr val="lt1"/>
-            </a:fontRef>
-          </p:style>
-          <p:txBody>
-            <a:bodyPr rtlCol="0" anchor="ctr"/>
-            <a:lstStyle/>
-            <a:p>
-              <a:pPr algn="ctr"/>
-              <a:endParaRPr lang="en-US"/>
-            </a:p>
-          </p:txBody>
-        </p:sp>
-        <p:sp>
-          <p:nvSpPr>
-            <p:cNvPr id="5" name="Rectangle 4"/>
-            <p:cNvSpPr/>
-            <p:nvPr/>
-          </p:nvSpPr>
-          <p:spPr>
-            <a:xfrm>
-              <a:off x="2787805" y="2509024"/>
-              <a:ext cx="646771" cy="602166"/>
-            </a:xfrm>
-            <a:prstGeom prst="rect">
-              <a:avLst/>
-            </a:prstGeom>
-            <a:solidFill>
-              <a:schemeClr val="bg2">
-                <a:lumMod val="90000"/>
-              </a:schemeClr>
+              <a:schemeClr val="tx1"/>
             </a:solidFill>
             <a:ln w="38100">
               <a:solidFill>
@@ -7613,16 +8892,86 @@
         </p:sp>
         <p:cxnSp>
           <p:nvCxnSpPr>
-            <p:cNvPr id="7" name="Straight Arrow Connector 6"/>
-            <p:cNvCxnSpPr>
-              <a:endCxn id="5" idx="1"/>
-            </p:cNvCxnSpPr>
+            <p:cNvPr id="41" name="Straight Arrow Connector 40"/>
+            <p:cNvCxnSpPr/>
+            <p:nvPr/>
+          </p:nvCxnSpPr>
+          <p:spPr>
+            <a:xfrm flipH="1" flipV="1">
+              <a:off x="8691558" y="843308"/>
+              <a:ext cx="11149" cy="682795"/>
+            </a:xfrm>
+            <a:prstGeom prst="straightConnector1">
+              <a:avLst/>
+            </a:prstGeom>
+            <a:ln w="38100">
+              <a:solidFill>
+                <a:schemeClr val="tx1"/>
+              </a:solidFill>
+              <a:tailEnd type="triangle"/>
+            </a:ln>
+          </p:spPr>
+          <p:style>
+            <a:lnRef idx="1">
+              <a:schemeClr val="accent1"/>
+            </a:lnRef>
+            <a:fillRef idx="0">
+              <a:schemeClr val="accent1"/>
+            </a:fillRef>
+            <a:effectRef idx="0">
+              <a:schemeClr val="accent1"/>
+            </a:effectRef>
+            <a:fontRef idx="minor">
+              <a:schemeClr val="tx1"/>
+            </a:fontRef>
+          </p:style>
+        </p:cxnSp>
+        <p:cxnSp>
+          <p:nvCxnSpPr>
+            <p:cNvPr id="43" name="Straight Arrow Connector 42"/>
+            <p:cNvCxnSpPr/>
             <p:nvPr/>
           </p:nvCxnSpPr>
           <p:spPr>
             <a:xfrm>
-              <a:off x="2040673" y="2810107"/>
-              <a:ext cx="747132" cy="0"/>
+              <a:off x="8702707" y="1667915"/>
+              <a:ext cx="3716" cy="682795"/>
+            </a:xfrm>
+            <a:prstGeom prst="straightConnector1">
+              <a:avLst/>
+            </a:prstGeom>
+            <a:ln w="38100">
+              <a:solidFill>
+                <a:schemeClr val="tx1"/>
+              </a:solidFill>
+              <a:tailEnd type="triangle"/>
+            </a:ln>
+          </p:spPr>
+          <p:style>
+            <a:lnRef idx="1">
+              <a:schemeClr val="accent1"/>
+            </a:lnRef>
+            <a:fillRef idx="0">
+              <a:schemeClr val="accent1"/>
+            </a:fillRef>
+            <a:effectRef idx="0">
+              <a:schemeClr val="accent1"/>
+            </a:effectRef>
+            <a:fontRef idx="minor">
+              <a:schemeClr val="tx1"/>
+            </a:fontRef>
+          </p:style>
+        </p:cxnSp>
+        <p:cxnSp>
+          <p:nvCxnSpPr>
+            <p:cNvPr id="46" name="Straight Arrow Connector 45"/>
+            <p:cNvCxnSpPr/>
+            <p:nvPr/>
+          </p:nvCxnSpPr>
+          <p:spPr>
+            <a:xfrm flipV="1">
+              <a:off x="8777286" y="1581436"/>
+              <a:ext cx="546410" cy="11151"/>
             </a:xfrm>
             <a:prstGeom prst="straightConnector1">
               <a:avLst/>
@@ -7653,13 +9002,234 @@
           <mc:Choice xmlns:a14="http://schemas.microsoft.com/office/drawing/2010/main" Requires="a14">
             <p:sp>
               <p:nvSpPr>
-                <p:cNvPr id="8" name="TextBox 7"/>
+                <p:cNvPr id="47" name="TextBox 46"/>
                 <p:cNvSpPr txBox="1"/>
                 <p:nvPr/>
               </p:nvSpPr>
               <p:spPr>
                 <a:xfrm>
-                  <a:off x="2317727" y="2414501"/>
+                  <a:off x="8338371" y="1959817"/>
+                  <a:ext cx="303865" cy="377219"/>
+                </a:xfrm>
+                <a:prstGeom prst="rect">
+                  <a:avLst/>
+                </a:prstGeom>
+                <a:noFill/>
+              </p:spPr>
+              <p:txBody>
+                <a:bodyPr wrap="none" lIns="0" tIns="0" rIns="0" bIns="0" rtlCol="0">
+                  <a:spAutoFit/>
+                </a:bodyPr>
+                <a:lstStyle/>
+                <a:p>
+                  <a14:m>
+                    <m:oMathPara xmlns:m="http://schemas.openxmlformats.org/officeDocument/2006/math">
+                      <m:oMathParaPr>
+                        <m:jc m:val="centerGroup"/>
+                      </m:oMathParaPr>
+                      <m:oMath xmlns:m="http://schemas.openxmlformats.org/officeDocument/2006/math">
+                        <m:sSub>
+                          <m:sSubPr>
+                            <m:ctrlPr>
+                              <a:rPr lang="en-US" sz="2000" b="0" i="1" smtClean="0">
+                                <a:latin typeface="Cambria Math" panose="02040503050406030204" pitchFamily="18" charset="0"/>
+                                <a:cs typeface="Arial" panose="020B0604020202020204" pitchFamily="34" charset="0"/>
+                              </a:rPr>
+                            </m:ctrlPr>
+                          </m:sSubPr>
+                          <m:e>
+                            <m:acc>
+                              <m:accPr>
+                                <m:chr m:val="⃗"/>
+                                <m:ctrlPr>
+                                  <a:rPr lang="en-US" sz="2000" b="0" i="1" smtClean="0">
+                                    <a:latin typeface="Cambria Math" panose="02040503050406030204" pitchFamily="18" charset="0"/>
+                                    <a:cs typeface="Arial" panose="020B0604020202020204" pitchFamily="34" charset="0"/>
+                                  </a:rPr>
+                                </m:ctrlPr>
+                              </m:accPr>
+                              <m:e>
+                                <m:r>
+                                  <a:rPr lang="en-US" sz="2000" b="0" i="1" smtClean="0">
+                                    <a:latin typeface="Cambria Math" panose="02040503050406030204" pitchFamily="18" charset="0"/>
+                                    <a:cs typeface="Arial" panose="020B0604020202020204" pitchFamily="34" charset="0"/>
+                                  </a:rPr>
+                                  <m:t>𝐹</m:t>
+                                </m:r>
+                              </m:e>
+                            </m:acc>
+                          </m:e>
+                          <m:sub>
+                            <m:r>
+                              <a:rPr lang="en-US" sz="2000" b="0" i="1" smtClean="0">
+                                <a:latin typeface="Cambria Math" panose="02040503050406030204" pitchFamily="18" charset="0"/>
+                                <a:cs typeface="Arial" panose="020B0604020202020204" pitchFamily="34" charset="0"/>
+                              </a:rPr>
+                              <m:t>𝑔</m:t>
+                            </m:r>
+                          </m:sub>
+                        </m:sSub>
+                      </m:oMath>
+                    </m:oMathPara>
+                  </a14:m>
+                  <a:endParaRPr lang="en-US" sz="2000" dirty="0" smtClean="0">
+                    <a:latin typeface="Arial" panose="020B0604020202020204" pitchFamily="34" charset="0"/>
+                    <a:cs typeface="Arial" panose="020B0604020202020204" pitchFamily="34" charset="0"/>
+                  </a:endParaRPr>
+                </a:p>
+              </p:txBody>
+            </p:sp>
+          </mc:Choice>
+          <mc:Fallback>
+            <p:sp>
+              <p:nvSpPr>
+                <p:cNvPr id="47" name="TextBox 46"/>
+                <p:cNvSpPr txBox="1">
+                  <a:spLocks noRot="1" noChangeAspect="1" noMove="1" noResize="1" noEditPoints="1" noAdjustHandles="1" noChangeArrowheads="1" noChangeShapeType="1" noTextEdit="1"/>
+                </p:cNvSpPr>
+                <p:nvPr/>
+              </p:nvSpPr>
+              <p:spPr>
+                <a:xfrm>
+                  <a:off x="8338371" y="1959817"/>
+                  <a:ext cx="303865" cy="377219"/>
+                </a:xfrm>
+                <a:prstGeom prst="rect">
+                  <a:avLst/>
+                </a:prstGeom>
+                <a:blipFill>
+                  <a:blip r:embed="rId2"/>
+                  <a:stretch>
+                    <a:fillRect l="-18000" t="-30645" r="-70000" b="-17742"/>
+                  </a:stretch>
+                </a:blipFill>
+              </p:spPr>
+              <p:txBody>
+                <a:bodyPr/>
+                <a:lstStyle/>
+                <a:p>
+                  <a:r>
+                    <a:rPr lang="en-US">
+                      <a:noFill/>
+                    </a:rPr>
+                    <a:t> </a:t>
+                  </a:r>
+                </a:p>
+              </p:txBody>
+            </p:sp>
+          </mc:Fallback>
+        </mc:AlternateContent>
+        <mc:AlternateContent xmlns:mc="http://schemas.openxmlformats.org/markup-compatibility/2006">
+          <mc:Choice xmlns:a14="http://schemas.microsoft.com/office/drawing/2010/main" Requires="a14">
+            <p:sp>
+              <p:nvSpPr>
+                <p:cNvPr id="48" name="TextBox 47"/>
+                <p:cNvSpPr txBox="1"/>
+                <p:nvPr/>
+              </p:nvSpPr>
+              <p:spPr>
+                <a:xfrm>
+                  <a:off x="8385021" y="940399"/>
+                  <a:ext cx="264367" cy="345159"/>
+                </a:xfrm>
+                <a:prstGeom prst="rect">
+                  <a:avLst/>
+                </a:prstGeom>
+                <a:noFill/>
+              </p:spPr>
+              <p:txBody>
+                <a:bodyPr wrap="none" lIns="0" tIns="0" rIns="0" bIns="0" rtlCol="0">
+                  <a:spAutoFit/>
+                </a:bodyPr>
+                <a:lstStyle/>
+                <a:p>
+                  <a14:m>
+                    <m:oMathPara xmlns:m="http://schemas.openxmlformats.org/officeDocument/2006/math">
+                      <m:oMathParaPr>
+                        <m:jc m:val="centerGroup"/>
+                      </m:oMathParaPr>
+                      <m:oMath xmlns:m="http://schemas.openxmlformats.org/officeDocument/2006/math">
+                        <m:acc>
+                          <m:accPr>
+                            <m:chr m:val="⃗"/>
+                            <m:ctrlPr>
+                              <a:rPr lang="en-US" sz="2000" b="0" i="1" smtClean="0">
+                                <a:latin typeface="Cambria Math" panose="02040503050406030204" pitchFamily="18" charset="0"/>
+                                <a:cs typeface="Arial" panose="020B0604020202020204" pitchFamily="34" charset="0"/>
+                              </a:rPr>
+                            </m:ctrlPr>
+                          </m:accPr>
+                          <m:e>
+                            <m:r>
+                              <a:rPr lang="en-US" sz="2000" b="0" i="1" smtClean="0">
+                                <a:latin typeface="Cambria Math" panose="02040503050406030204" pitchFamily="18" charset="0"/>
+                                <a:cs typeface="Arial" panose="020B0604020202020204" pitchFamily="34" charset="0"/>
+                              </a:rPr>
+                              <m:t>𝑁</m:t>
+                            </m:r>
+                          </m:e>
+                        </m:acc>
+                      </m:oMath>
+                    </m:oMathPara>
+                  </a14:m>
+                  <a:endParaRPr lang="en-US" sz="2000" dirty="0" smtClean="0">
+                    <a:latin typeface="Arial" panose="020B0604020202020204" pitchFamily="34" charset="0"/>
+                    <a:cs typeface="Arial" panose="020B0604020202020204" pitchFamily="34" charset="0"/>
+                  </a:endParaRPr>
+                </a:p>
+              </p:txBody>
+            </p:sp>
+          </mc:Choice>
+          <mc:Fallback>
+            <p:sp>
+              <p:nvSpPr>
+                <p:cNvPr id="48" name="TextBox 47"/>
+                <p:cNvSpPr txBox="1">
+                  <a:spLocks noRot="1" noChangeAspect="1" noMove="1" noResize="1" noEditPoints="1" noAdjustHandles="1" noChangeArrowheads="1" noChangeShapeType="1" noTextEdit="1"/>
+                </p:cNvSpPr>
+                <p:nvPr/>
+              </p:nvSpPr>
+              <p:spPr>
+                <a:xfrm>
+                  <a:off x="8385021" y="940399"/>
+                  <a:ext cx="264367" cy="345159"/>
+                </a:xfrm>
+                <a:prstGeom prst="rect">
+                  <a:avLst/>
+                </a:prstGeom>
+                <a:blipFill>
+                  <a:blip r:embed="rId3"/>
+                  <a:stretch>
+                    <a:fillRect l="-18182" r="-18182" b="-8772"/>
+                  </a:stretch>
+                </a:blipFill>
+              </p:spPr>
+              <p:txBody>
+                <a:bodyPr/>
+                <a:lstStyle/>
+                <a:p>
+                  <a:r>
+                    <a:rPr lang="en-US">
+                      <a:noFill/>
+                    </a:rPr>
+                    <a:t> </a:t>
+                  </a:r>
+                </a:p>
+              </p:txBody>
+            </p:sp>
+          </mc:Fallback>
+        </mc:AlternateContent>
+        <mc:AlternateContent xmlns:mc="http://schemas.openxmlformats.org/markup-compatibility/2006">
+          <mc:Choice xmlns:a14="http://schemas.microsoft.com/office/drawing/2010/main" Requires="a14">
+            <p:sp>
+              <p:nvSpPr>
+                <p:cNvPr id="49" name="TextBox 48"/>
+                <p:cNvSpPr txBox="1"/>
+                <p:nvPr/>
+              </p:nvSpPr>
+              <p:spPr>
+                <a:xfrm>
+                  <a:off x="9050491" y="1156939"/>
                   <a:ext cx="237629" cy="345159"/>
                 </a:xfrm>
                 <a:prstGeom prst="rect">
@@ -7713,7 +9283,7 @@
           <mc:Fallback>
             <p:sp>
               <p:nvSpPr>
-                <p:cNvPr id="8" name="TextBox 7"/>
+                <p:cNvPr id="49" name="TextBox 48"/>
                 <p:cNvSpPr txBox="1">
                   <a:spLocks noRot="1" noChangeAspect="1" noMove="1" noResize="1" noEditPoints="1" noAdjustHandles="1" noChangeArrowheads="1" noChangeShapeType="1" noTextEdit="1"/>
                 </p:cNvSpPr>
@@ -7721,16 +9291,16 @@
               </p:nvSpPr>
               <p:spPr>
                 <a:xfrm>
-                  <a:off x="2317727" y="2414501"/>
+                  <a:off x="9050491" y="1156939"/>
                   <a:ext cx="237629" cy="345159"/>
                 </a:xfrm>
                 <a:prstGeom prst="rect">
                   <a:avLst/>
                 </a:prstGeom>
                 <a:blipFill>
-                  <a:blip r:embed="rId2"/>
+                  <a:blip r:embed="rId4"/>
                   <a:stretch>
-                    <a:fillRect l="-20513" t="-33333" r="-92308" b="-8772"/>
+                    <a:fillRect l="-23077" t="-35714" r="-89744" b="-8929"/>
                   </a:stretch>
                 </a:blipFill>
               </p:spPr>
@@ -7749,679 +9319,15 @@
             </p:sp>
           </mc:Fallback>
         </mc:AlternateContent>
-      </p:grpSp>
-      <p:grpSp>
-        <p:nvGrpSpPr>
-          <p:cNvPr id="35" name="Group 34"/>
-          <p:cNvGrpSpPr/>
-          <p:nvPr/>
-        </p:nvGrpSpPr>
-        <p:grpSpPr>
-          <a:xfrm>
-            <a:off x="4521593" y="1721217"/>
-            <a:ext cx="2020456" cy="2331060"/>
-            <a:chOff x="4521593" y="1721217"/>
-            <a:chExt cx="2020456" cy="2331060"/>
-          </a:xfrm>
-        </p:grpSpPr>
         <p:grpSp>
           <p:nvGrpSpPr>
-            <p:cNvPr id="25" name="Group 24"/>
+            <p:cNvPr id="50" name="Group 49"/>
             <p:cNvGrpSpPr/>
             <p:nvPr/>
           </p:nvGrpSpPr>
           <p:grpSpPr>
             <a:xfrm>
-              <a:off x="4885274" y="1721217"/>
-              <a:ext cx="1656775" cy="2153565"/>
-              <a:chOff x="4885274" y="1721217"/>
-              <a:chExt cx="1656775" cy="2153565"/>
-            </a:xfrm>
-          </p:grpSpPr>
-          <p:sp>
-            <p:nvSpPr>
-              <p:cNvPr id="9" name="Oval 8"/>
-              <p:cNvSpPr/>
-              <p:nvPr/>
-            </p:nvSpPr>
-            <p:spPr>
-              <a:xfrm>
-                <a:off x="5664861" y="2772009"/>
-                <a:ext cx="120943" cy="119766"/>
-              </a:xfrm>
-              <a:prstGeom prst="ellipse">
-                <a:avLst/>
-              </a:prstGeom>
-              <a:solidFill>
-                <a:schemeClr val="tx1"/>
-              </a:solidFill>
-              <a:ln w="38100">
-                <a:solidFill>
-                  <a:schemeClr val="tx1"/>
-                </a:solidFill>
-              </a:ln>
-            </p:spPr>
-            <p:style>
-              <a:lnRef idx="2">
-                <a:schemeClr val="accent1">
-                  <a:shade val="50000"/>
-                </a:schemeClr>
-              </a:lnRef>
-              <a:fillRef idx="1">
-                <a:schemeClr val="accent1"/>
-              </a:fillRef>
-              <a:effectRef idx="0">
-                <a:schemeClr val="accent1"/>
-              </a:effectRef>
-              <a:fontRef idx="minor">
-                <a:schemeClr val="lt1"/>
-              </a:fontRef>
-            </p:style>
-            <p:txBody>
-              <a:bodyPr rtlCol="0" anchor="ctr"/>
-              <a:lstStyle/>
-              <a:p>
-                <a:pPr algn="ctr"/>
-                <a:endParaRPr lang="en-US"/>
-              </a:p>
-            </p:txBody>
-          </p:sp>
-          <p:cxnSp>
-            <p:nvCxnSpPr>
-              <p:cNvPr id="10" name="Straight Arrow Connector 9"/>
-              <p:cNvCxnSpPr/>
-              <p:nvPr/>
-            </p:nvCxnSpPr>
-            <p:spPr>
-              <a:xfrm>
-                <a:off x="5794917" y="2830181"/>
-                <a:ext cx="747132" cy="0"/>
-              </a:xfrm>
-              <a:prstGeom prst="straightConnector1">
-                <a:avLst/>
-              </a:prstGeom>
-              <a:ln w="38100">
-                <a:solidFill>
-                  <a:schemeClr val="tx1"/>
-                </a:solidFill>
-                <a:tailEnd type="triangle"/>
-              </a:ln>
-            </p:spPr>
-            <p:style>
-              <a:lnRef idx="1">
-                <a:schemeClr val="accent1"/>
-              </a:lnRef>
-              <a:fillRef idx="0">
-                <a:schemeClr val="accent1"/>
-              </a:fillRef>
-              <a:effectRef idx="0">
-                <a:schemeClr val="accent1"/>
-              </a:effectRef>
-              <a:fontRef idx="minor">
-                <a:schemeClr val="tx1"/>
-              </a:fontRef>
-            </p:style>
-          </p:cxnSp>
-          <mc:AlternateContent xmlns:mc="http://schemas.openxmlformats.org/markup-compatibility/2006">
-            <mc:Choice xmlns:a14="http://schemas.microsoft.com/office/drawing/2010/main" Requires="a14">
-              <p:sp>
-                <p:nvSpPr>
-                  <p:cNvPr id="11" name="TextBox 10"/>
-                  <p:cNvSpPr txBox="1"/>
-                  <p:nvPr/>
-                </p:nvSpPr>
-                <p:spPr>
-                  <a:xfrm>
-                    <a:off x="6202242" y="2503710"/>
-                    <a:ext cx="237629" cy="345159"/>
-                  </a:xfrm>
-                  <a:prstGeom prst="rect">
-                    <a:avLst/>
-                  </a:prstGeom>
-                  <a:noFill/>
-                </p:spPr>
-                <p:txBody>
-                  <a:bodyPr wrap="none" lIns="0" tIns="0" rIns="0" bIns="0" rtlCol="0">
-                    <a:spAutoFit/>
-                  </a:bodyPr>
-                  <a:lstStyle/>
-                  <a:p>
-                    <a14:m>
-                      <m:oMathPara xmlns:m="http://schemas.openxmlformats.org/officeDocument/2006/math">
-                        <m:oMathParaPr>
-                          <m:jc m:val="centerGroup"/>
-                        </m:oMathParaPr>
-                        <m:oMath xmlns:m="http://schemas.openxmlformats.org/officeDocument/2006/math">
-                          <m:acc>
-                            <m:accPr>
-                              <m:chr m:val="⃗"/>
-                              <m:ctrlPr>
-                                <a:rPr lang="en-US" sz="2000" b="0" i="1" smtClean="0">
-                                  <a:latin typeface="Cambria Math" panose="02040503050406030204" pitchFamily="18" charset="0"/>
-                                  <a:cs typeface="Arial" panose="020B0604020202020204" pitchFamily="34" charset="0"/>
-                                </a:rPr>
-                              </m:ctrlPr>
-                            </m:accPr>
-                            <m:e>
-                              <m:r>
-                                <a:rPr lang="en-US" sz="2000" b="0" i="1" smtClean="0">
-                                  <a:latin typeface="Cambria Math" panose="02040503050406030204" pitchFamily="18" charset="0"/>
-                                  <a:cs typeface="Arial" panose="020B0604020202020204" pitchFamily="34" charset="0"/>
-                                </a:rPr>
-                                <m:t>𝐹</m:t>
-                              </m:r>
-                            </m:e>
-                          </m:acc>
-                        </m:oMath>
-                      </m:oMathPara>
-                    </a14:m>
-                    <a:endParaRPr lang="en-US" sz="2000" dirty="0" smtClean="0">
-                      <a:latin typeface="Arial" panose="020B0604020202020204" pitchFamily="34" charset="0"/>
-                      <a:cs typeface="Arial" panose="020B0604020202020204" pitchFamily="34" charset="0"/>
-                    </a:endParaRPr>
-                  </a:p>
-                </p:txBody>
-              </p:sp>
-            </mc:Choice>
-            <mc:Fallback>
-              <p:sp>
-                <p:nvSpPr>
-                  <p:cNvPr id="11" name="TextBox 10"/>
-                  <p:cNvSpPr txBox="1">
-                    <a:spLocks noRot="1" noChangeAspect="1" noMove="1" noResize="1" noEditPoints="1" noAdjustHandles="1" noChangeArrowheads="1" noChangeShapeType="1" noTextEdit="1"/>
-                  </p:cNvSpPr>
-                  <p:nvPr/>
-                </p:nvSpPr>
-                <p:spPr>
-                  <a:xfrm>
-                    <a:off x="6202242" y="2503710"/>
-                    <a:ext cx="237629" cy="345159"/>
-                  </a:xfrm>
-                  <a:prstGeom prst="rect">
-                    <a:avLst/>
-                  </a:prstGeom>
-                  <a:blipFill>
-                    <a:blip r:embed="rId3"/>
-                    <a:stretch>
-                      <a:fillRect l="-20513" t="-35714" r="-92308" b="-8929"/>
-                    </a:stretch>
-                  </a:blipFill>
-                </p:spPr>
-                <p:txBody>
-                  <a:bodyPr/>
-                  <a:lstStyle/>
-                  <a:p>
-                    <a:r>
-                      <a:rPr lang="en-US">
-                        <a:noFill/>
-                      </a:rPr>
-                      <a:t> </a:t>
-                    </a:r>
-                  </a:p>
-                </p:txBody>
-              </p:sp>
-            </mc:Fallback>
-          </mc:AlternateContent>
-          <p:cxnSp>
-            <p:nvCxnSpPr>
-              <p:cNvPr id="12" name="Straight Arrow Connector 11"/>
-              <p:cNvCxnSpPr/>
-              <p:nvPr/>
-            </p:nvCxnSpPr>
-            <p:spPr>
-              <a:xfrm flipH="1">
-                <a:off x="4885274" y="2841332"/>
-                <a:ext cx="817756" cy="5946"/>
-              </a:xfrm>
-              <a:prstGeom prst="straightConnector1">
-                <a:avLst/>
-              </a:prstGeom>
-              <a:ln w="38100">
-                <a:solidFill>
-                  <a:schemeClr val="tx1"/>
-                </a:solidFill>
-                <a:tailEnd type="triangle"/>
-              </a:ln>
-            </p:spPr>
-            <p:style>
-              <a:lnRef idx="1">
-                <a:schemeClr val="accent1"/>
-              </a:lnRef>
-              <a:fillRef idx="0">
-                <a:schemeClr val="accent1"/>
-              </a:fillRef>
-              <a:effectRef idx="0">
-                <a:schemeClr val="accent1"/>
-              </a:effectRef>
-              <a:fontRef idx="minor">
-                <a:schemeClr val="tx1"/>
-              </a:fontRef>
-            </p:style>
-          </p:cxnSp>
-          <p:cxnSp>
-            <p:nvCxnSpPr>
-              <p:cNvPr id="14" name="Straight Arrow Connector 13"/>
-              <p:cNvCxnSpPr/>
-              <p:nvPr/>
-            </p:nvCxnSpPr>
-            <p:spPr>
-              <a:xfrm flipH="1">
-                <a:off x="5714181" y="2891775"/>
-                <a:ext cx="16908" cy="983007"/>
-              </a:xfrm>
-              <a:prstGeom prst="straightConnector1">
-                <a:avLst/>
-              </a:prstGeom>
-              <a:ln w="38100">
-                <a:solidFill>
-                  <a:schemeClr val="tx1"/>
-                </a:solidFill>
-                <a:tailEnd type="triangle"/>
-              </a:ln>
-            </p:spPr>
-            <p:style>
-              <a:lnRef idx="1">
-                <a:schemeClr val="accent1"/>
-              </a:lnRef>
-              <a:fillRef idx="0">
-                <a:schemeClr val="accent1"/>
-              </a:fillRef>
-              <a:effectRef idx="0">
-                <a:schemeClr val="accent1"/>
-              </a:effectRef>
-              <a:fontRef idx="minor">
-                <a:schemeClr val="tx1"/>
-              </a:fontRef>
-            </p:style>
-          </p:cxnSp>
-          <p:cxnSp>
-            <p:nvCxnSpPr>
-              <p:cNvPr id="19" name="Straight Arrow Connector 18"/>
-              <p:cNvCxnSpPr/>
-              <p:nvPr/>
-            </p:nvCxnSpPr>
-            <p:spPr>
-              <a:xfrm flipV="1">
-                <a:off x="5730050" y="1796727"/>
-                <a:ext cx="12190" cy="983007"/>
-              </a:xfrm>
-              <a:prstGeom prst="straightConnector1">
-                <a:avLst/>
-              </a:prstGeom>
-              <a:ln w="38100">
-                <a:solidFill>
-                  <a:schemeClr val="tx1"/>
-                </a:solidFill>
-                <a:tailEnd type="triangle"/>
-              </a:ln>
-            </p:spPr>
-            <p:style>
-              <a:lnRef idx="1">
-                <a:schemeClr val="accent1"/>
-              </a:lnRef>
-              <a:fillRef idx="0">
-                <a:schemeClr val="accent1"/>
-              </a:fillRef>
-              <a:effectRef idx="0">
-                <a:schemeClr val="accent1"/>
-              </a:effectRef>
-              <a:fontRef idx="minor">
-                <a:schemeClr val="tx1"/>
-              </a:fontRef>
-            </p:style>
-          </p:cxnSp>
-          <mc:AlternateContent xmlns:mc="http://schemas.openxmlformats.org/markup-compatibility/2006">
-            <mc:Choice xmlns:a14="http://schemas.microsoft.com/office/drawing/2010/main" Requires="a14">
-              <p:sp>
-                <p:nvSpPr>
-                  <p:cNvPr id="22" name="TextBox 21"/>
-                  <p:cNvSpPr txBox="1"/>
-                  <p:nvPr/>
-                </p:nvSpPr>
-                <p:spPr>
-                  <a:xfrm>
-                    <a:off x="4970988" y="2485022"/>
-                    <a:ext cx="264367" cy="345159"/>
-                  </a:xfrm>
-                  <a:prstGeom prst="rect">
-                    <a:avLst/>
-                  </a:prstGeom>
-                  <a:noFill/>
-                </p:spPr>
-                <p:txBody>
-                  <a:bodyPr wrap="none" lIns="0" tIns="0" rIns="0" bIns="0" rtlCol="0">
-                    <a:spAutoFit/>
-                  </a:bodyPr>
-                  <a:lstStyle/>
-                  <a:p>
-                    <a14:m>
-                      <m:oMathPara xmlns:m="http://schemas.openxmlformats.org/officeDocument/2006/math">
-                        <m:oMathParaPr>
-                          <m:jc m:val="centerGroup"/>
-                        </m:oMathParaPr>
-                        <m:oMath xmlns:m="http://schemas.openxmlformats.org/officeDocument/2006/math">
-                          <m:acc>
-                            <m:accPr>
-                              <m:chr m:val="⃗"/>
-                              <m:ctrlPr>
-                                <a:rPr lang="en-US" sz="2000" b="0" i="1" smtClean="0">
-                                  <a:latin typeface="Cambria Math" panose="02040503050406030204" pitchFamily="18" charset="0"/>
-                                  <a:cs typeface="Arial" panose="020B0604020202020204" pitchFamily="34" charset="0"/>
-                                </a:rPr>
-                              </m:ctrlPr>
-                            </m:accPr>
-                            <m:e>
-                              <m:r>
-                                <a:rPr lang="en-US" sz="2000" b="0" i="1" smtClean="0">
-                                  <a:latin typeface="Cambria Math" panose="02040503050406030204" pitchFamily="18" charset="0"/>
-                                  <a:cs typeface="Arial" panose="020B0604020202020204" pitchFamily="34" charset="0"/>
-                                </a:rPr>
-                                <m:t>𝑁</m:t>
-                              </m:r>
-                            </m:e>
-                          </m:acc>
-                        </m:oMath>
-                      </m:oMathPara>
-                    </a14:m>
-                    <a:endParaRPr lang="en-US" sz="2000" dirty="0" smtClean="0">
-                      <a:latin typeface="Arial" panose="020B0604020202020204" pitchFamily="34" charset="0"/>
-                      <a:cs typeface="Arial" panose="020B0604020202020204" pitchFamily="34" charset="0"/>
-                    </a:endParaRPr>
-                  </a:p>
-                </p:txBody>
-              </p:sp>
-            </mc:Choice>
-            <mc:Fallback>
-              <p:sp>
-                <p:nvSpPr>
-                  <p:cNvPr id="22" name="TextBox 21"/>
-                  <p:cNvSpPr txBox="1">
-                    <a:spLocks noRot="1" noChangeAspect="1" noMove="1" noResize="1" noEditPoints="1" noAdjustHandles="1" noChangeArrowheads="1" noChangeShapeType="1" noTextEdit="1"/>
-                  </p:cNvSpPr>
-                  <p:nvPr/>
-                </p:nvSpPr>
-                <p:spPr>
-                  <a:xfrm>
-                    <a:off x="4970988" y="2485022"/>
-                    <a:ext cx="264367" cy="345159"/>
-                  </a:xfrm>
-                  <a:prstGeom prst="rect">
-                    <a:avLst/>
-                  </a:prstGeom>
-                  <a:blipFill>
-                    <a:blip r:embed="rId4"/>
-                    <a:stretch>
-                      <a:fillRect l="-18182" r="-18182" b="-8929"/>
-                    </a:stretch>
-                  </a:blipFill>
-                </p:spPr>
-                <p:txBody>
-                  <a:bodyPr/>
-                  <a:lstStyle/>
-                  <a:p>
-                    <a:r>
-                      <a:rPr lang="en-US">
-                        <a:noFill/>
-                      </a:rPr>
-                      <a:t> </a:t>
-                    </a:r>
-                  </a:p>
-                </p:txBody>
-              </p:sp>
-            </mc:Fallback>
-          </mc:AlternateContent>
-          <mc:AlternateContent xmlns:mc="http://schemas.openxmlformats.org/markup-compatibility/2006">
-            <mc:Choice xmlns:a14="http://schemas.microsoft.com/office/drawing/2010/main" Requires="a14">
-              <p:sp>
-                <p:nvSpPr>
-                  <p:cNvPr id="23" name="TextBox 22"/>
-                  <p:cNvSpPr txBox="1"/>
-                  <p:nvPr/>
-                </p:nvSpPr>
-                <p:spPr>
-                  <a:xfrm>
-                    <a:off x="5385656" y="3383278"/>
-                    <a:ext cx="303865" cy="377219"/>
-                  </a:xfrm>
-                  <a:prstGeom prst="rect">
-                    <a:avLst/>
-                  </a:prstGeom>
-                  <a:noFill/>
-                </p:spPr>
-                <p:txBody>
-                  <a:bodyPr wrap="none" lIns="0" tIns="0" rIns="0" bIns="0" rtlCol="0">
-                    <a:spAutoFit/>
-                  </a:bodyPr>
-                  <a:lstStyle/>
-                  <a:p>
-                    <a14:m>
-                      <m:oMathPara xmlns:m="http://schemas.openxmlformats.org/officeDocument/2006/math">
-                        <m:oMathParaPr>
-                          <m:jc m:val="centerGroup"/>
-                        </m:oMathParaPr>
-                        <m:oMath xmlns:m="http://schemas.openxmlformats.org/officeDocument/2006/math">
-                          <m:sSub>
-                            <m:sSubPr>
-                              <m:ctrlPr>
-                                <a:rPr lang="en-US" sz="2000" b="0" i="1" smtClean="0">
-                                  <a:latin typeface="Cambria Math" panose="02040503050406030204" pitchFamily="18" charset="0"/>
-                                  <a:cs typeface="Arial" panose="020B0604020202020204" pitchFamily="34" charset="0"/>
-                                </a:rPr>
-                              </m:ctrlPr>
-                            </m:sSubPr>
-                            <m:e>
-                              <m:acc>
-                                <m:accPr>
-                                  <m:chr m:val="⃗"/>
-                                  <m:ctrlPr>
-                                    <a:rPr lang="en-US" sz="2000" b="0" i="1" smtClean="0">
-                                      <a:latin typeface="Cambria Math" panose="02040503050406030204" pitchFamily="18" charset="0"/>
-                                      <a:cs typeface="Arial" panose="020B0604020202020204" pitchFamily="34" charset="0"/>
-                                    </a:rPr>
-                                  </m:ctrlPr>
-                                </m:accPr>
-                                <m:e>
-                                  <m:r>
-                                    <a:rPr lang="en-US" sz="2000" b="0" i="1" smtClean="0">
-                                      <a:latin typeface="Cambria Math" panose="02040503050406030204" pitchFamily="18" charset="0"/>
-                                      <a:cs typeface="Arial" panose="020B0604020202020204" pitchFamily="34" charset="0"/>
-                                    </a:rPr>
-                                    <m:t>𝐹</m:t>
-                                  </m:r>
-                                </m:e>
-                              </m:acc>
-                            </m:e>
-                            <m:sub>
-                              <m:r>
-                                <a:rPr lang="en-US" sz="2000" b="0" i="1" smtClean="0">
-                                  <a:latin typeface="Cambria Math" panose="02040503050406030204" pitchFamily="18" charset="0"/>
-                                  <a:cs typeface="Arial" panose="020B0604020202020204" pitchFamily="34" charset="0"/>
-                                </a:rPr>
-                                <m:t>𝑔</m:t>
-                              </m:r>
-                            </m:sub>
-                          </m:sSub>
-                        </m:oMath>
-                      </m:oMathPara>
-                    </a14:m>
-                    <a:endParaRPr lang="en-US" sz="2000" dirty="0" smtClean="0">
-                      <a:latin typeface="Arial" panose="020B0604020202020204" pitchFamily="34" charset="0"/>
-                      <a:cs typeface="Arial" panose="020B0604020202020204" pitchFamily="34" charset="0"/>
-                    </a:endParaRPr>
-                  </a:p>
-                </p:txBody>
-              </p:sp>
-            </mc:Choice>
-            <mc:Fallback>
-              <p:sp>
-                <p:nvSpPr>
-                  <p:cNvPr id="23" name="TextBox 22"/>
-                  <p:cNvSpPr txBox="1">
-                    <a:spLocks noRot="1" noChangeAspect="1" noMove="1" noResize="1" noEditPoints="1" noAdjustHandles="1" noChangeArrowheads="1" noChangeShapeType="1" noTextEdit="1"/>
-                  </p:cNvSpPr>
-                  <p:nvPr/>
-                </p:nvSpPr>
-                <p:spPr>
-                  <a:xfrm>
-                    <a:off x="5385656" y="3383278"/>
-                    <a:ext cx="303865" cy="377219"/>
-                  </a:xfrm>
-                  <a:prstGeom prst="rect">
-                    <a:avLst/>
-                  </a:prstGeom>
-                  <a:blipFill>
-                    <a:blip r:embed="rId5"/>
-                    <a:stretch>
-                      <a:fillRect l="-16000" t="-30645" r="-72000" b="-17742"/>
-                    </a:stretch>
-                  </a:blipFill>
-                </p:spPr>
-                <p:txBody>
-                  <a:bodyPr/>
-                  <a:lstStyle/>
-                  <a:p>
-                    <a:r>
-                      <a:rPr lang="en-US">
-                        <a:noFill/>
-                      </a:rPr>
-                      <a:t> </a:t>
-                    </a:r>
-                  </a:p>
-                </p:txBody>
-              </p:sp>
-            </mc:Fallback>
-          </mc:AlternateContent>
-          <mc:AlternateContent xmlns:mc="http://schemas.openxmlformats.org/markup-compatibility/2006">
-            <mc:Choice xmlns:a14="http://schemas.microsoft.com/office/drawing/2010/main" Requires="a14">
-              <p:sp>
-                <p:nvSpPr>
-                  <p:cNvPr id="24" name="TextBox 23"/>
-                  <p:cNvSpPr txBox="1"/>
-                  <p:nvPr/>
-                </p:nvSpPr>
-                <p:spPr>
-                  <a:xfrm>
-                    <a:off x="5812530" y="1721217"/>
-                    <a:ext cx="267381" cy="354071"/>
-                  </a:xfrm>
-                  <a:prstGeom prst="rect">
-                    <a:avLst/>
-                  </a:prstGeom>
-                  <a:noFill/>
-                </p:spPr>
-                <p:txBody>
-                  <a:bodyPr wrap="none" lIns="0" tIns="0" rIns="0" bIns="0" rtlCol="0">
-                    <a:spAutoFit/>
-                  </a:bodyPr>
-                  <a:lstStyle/>
-                  <a:p>
-                    <a14:m>
-                      <m:oMathPara xmlns:m="http://schemas.openxmlformats.org/officeDocument/2006/math">
-                        <m:oMathParaPr>
-                          <m:jc m:val="centerGroup"/>
-                        </m:oMathParaPr>
-                        <m:oMath xmlns:m="http://schemas.openxmlformats.org/officeDocument/2006/math">
-                          <m:sSub>
-                            <m:sSubPr>
-                              <m:ctrlPr>
-                                <a:rPr lang="en-US" sz="2000" b="0" i="1" smtClean="0">
-                                  <a:latin typeface="Cambria Math" panose="02040503050406030204" pitchFamily="18" charset="0"/>
-                                  <a:cs typeface="Arial" panose="020B0604020202020204" pitchFamily="34" charset="0"/>
-                                </a:rPr>
-                              </m:ctrlPr>
-                            </m:sSubPr>
-                            <m:e>
-                              <m:acc>
-                                <m:accPr>
-                                  <m:chr m:val="⃗"/>
-                                  <m:ctrlPr>
-                                    <a:rPr lang="en-US" sz="2000" b="0" i="1" smtClean="0">
-                                      <a:latin typeface="Cambria Math" panose="02040503050406030204" pitchFamily="18" charset="0"/>
-                                      <a:cs typeface="Arial" panose="020B0604020202020204" pitchFamily="34" charset="0"/>
-                                    </a:rPr>
-                                  </m:ctrlPr>
-                                </m:accPr>
-                                <m:e>
-                                  <m:r>
-                                    <a:rPr lang="en-US" sz="2000" b="0" i="1" smtClean="0">
-                                      <a:latin typeface="Cambria Math" panose="02040503050406030204" pitchFamily="18" charset="0"/>
-                                      <a:cs typeface="Arial" panose="020B0604020202020204" pitchFamily="34" charset="0"/>
-                                    </a:rPr>
-                                    <m:t>𝑓</m:t>
-                                  </m:r>
-                                </m:e>
-                              </m:acc>
-                            </m:e>
-                            <m:sub>
-                              <m:r>
-                                <a:rPr lang="en-US" sz="2000" b="0" i="1" smtClean="0">
-                                  <a:latin typeface="Cambria Math" panose="02040503050406030204" pitchFamily="18" charset="0"/>
-                                  <a:cs typeface="Arial" panose="020B0604020202020204" pitchFamily="34" charset="0"/>
-                                </a:rPr>
-                                <m:t>𝑠</m:t>
-                              </m:r>
-                            </m:sub>
-                          </m:sSub>
-                        </m:oMath>
-                      </m:oMathPara>
-                    </a14:m>
-                    <a:endParaRPr lang="en-US" sz="2000" dirty="0" smtClean="0">
-                      <a:latin typeface="Arial" panose="020B0604020202020204" pitchFamily="34" charset="0"/>
-                      <a:cs typeface="Arial" panose="020B0604020202020204" pitchFamily="34" charset="0"/>
-                    </a:endParaRPr>
-                  </a:p>
-                </p:txBody>
-              </p:sp>
-            </mc:Choice>
-            <mc:Fallback>
-              <p:sp>
-                <p:nvSpPr>
-                  <p:cNvPr id="24" name="TextBox 23"/>
-                  <p:cNvSpPr txBox="1">
-                    <a:spLocks noRot="1" noChangeAspect="1" noMove="1" noResize="1" noEditPoints="1" noAdjustHandles="1" noChangeArrowheads="1" noChangeShapeType="1" noTextEdit="1"/>
-                  </p:cNvSpPr>
-                  <p:nvPr/>
-                </p:nvSpPr>
-                <p:spPr>
-                  <a:xfrm>
-                    <a:off x="5812530" y="1721217"/>
-                    <a:ext cx="267381" cy="354071"/>
-                  </a:xfrm>
-                  <a:prstGeom prst="rect">
-                    <a:avLst/>
-                  </a:prstGeom>
-                  <a:blipFill>
-                    <a:blip r:embed="rId6"/>
-                    <a:stretch>
-                      <a:fillRect l="-29545" t="-32759" r="-84091" b="-32759"/>
-                    </a:stretch>
-                  </a:blipFill>
-                </p:spPr>
-                <p:txBody>
-                  <a:bodyPr/>
-                  <a:lstStyle/>
-                  <a:p>
-                    <a:r>
-                      <a:rPr lang="en-US">
-                        <a:noFill/>
-                      </a:rPr>
-                      <a:t> </a:t>
-                    </a:r>
-                  </a:p>
-                </p:txBody>
-              </p:sp>
-            </mc:Fallback>
-          </mc:AlternateContent>
-        </p:grpSp>
-        <p:grpSp>
-          <p:nvGrpSpPr>
-            <p:cNvPr id="27" name="Group 26"/>
-            <p:cNvGrpSpPr/>
-            <p:nvPr/>
-          </p:nvGrpSpPr>
-          <p:grpSpPr>
-            <a:xfrm>
-              <a:off x="4521593" y="3342282"/>
+              <a:off x="7935626" y="2009312"/>
               <a:ext cx="898789" cy="709995"/>
               <a:chOff x="758520" y="708040"/>
               <a:chExt cx="2596102" cy="2135605"/>
@@ -8429,7 +9335,7 @@
           </p:grpSpPr>
           <p:grpSp>
             <p:nvGrpSpPr>
-              <p:cNvPr id="28" name="Group 27"/>
+              <p:cNvPr id="51" name="Group 50"/>
               <p:cNvGrpSpPr/>
               <p:nvPr/>
             </p:nvGrpSpPr>
@@ -8443,7 +9349,7 @@
             </p:grpSpPr>
             <p:cxnSp>
               <p:nvCxnSpPr>
-                <p:cNvPr id="30" name="Straight Arrow Connector 29"/>
+                <p:cNvPr id="53" name="Straight Arrow Connector 52"/>
                 <p:cNvCxnSpPr/>
                 <p:nvPr/>
               </p:nvCxnSpPr>
@@ -8479,7 +9385,7 @@
             </p:cxnSp>
             <p:cxnSp>
               <p:nvCxnSpPr>
-                <p:cNvPr id="31" name="Straight Arrow Connector 30"/>
+                <p:cNvPr id="54" name="Straight Arrow Connector 53"/>
                 <p:cNvCxnSpPr/>
                 <p:nvPr/>
               </p:nvCxnSpPr>
@@ -8517,7 +9423,7 @@
               <mc:Choice Requires="a14">
                 <p:sp>
                   <p:nvSpPr>
-                    <p:cNvPr id="32" name="Rectangle 31"/>
+                    <p:cNvPr id="55" name="Rectangle 54"/>
                     <p:cNvSpPr/>
                     <p:nvPr/>
                   </p:nvSpPr>
@@ -8601,7 +9507,7 @@
               <mc:Choice Requires="a14">
                 <p:sp>
                   <p:nvSpPr>
-                    <p:cNvPr id="33" name="Rectangle 32"/>
+                    <p:cNvPr id="56" name="Rectangle 55"/>
                     <p:cNvSpPr/>
                     <p:nvPr/>
                   </p:nvSpPr>
@@ -8684,7 +9590,7 @@
               <mc:Choice Requires="a14">
                 <p:sp>
                   <p:nvSpPr>
-                    <p:cNvPr id="34" name="Rectangle 33"/>
+                    <p:cNvPr id="57" name="Rectangle 56"/>
                     <p:cNvSpPr/>
                     <p:nvPr/>
                   </p:nvSpPr>
@@ -8767,7 +9673,7 @@
           </p:grpSp>
           <p:sp>
             <p:nvSpPr>
-              <p:cNvPr id="29" name="Rectangle 28"/>
+              <p:cNvPr id="52" name="Rectangle 51"/>
               <p:cNvSpPr/>
               <p:nvPr/>
             </p:nvSpPr>
@@ -8791,181 +9697,2759 @@
             </p:txBody>
           </p:sp>
         </p:grpSp>
+        <p:sp>
+          <p:nvSpPr>
+            <p:cNvPr id="58" name="Right Arrow 57"/>
+            <p:cNvSpPr/>
+            <p:nvPr/>
+          </p:nvSpPr>
+          <p:spPr>
+            <a:xfrm rot="10800000" flipH="1">
+              <a:off x="8388270" y="631368"/>
+              <a:ext cx="606575" cy="107622"/>
+            </a:xfrm>
+            <a:prstGeom prst="rightArrow">
+              <a:avLst/>
+            </a:prstGeom>
+            <a:solidFill>
+              <a:schemeClr val="tx1"/>
+            </a:solidFill>
+            <a:ln w="38100">
+              <a:solidFill>
+                <a:schemeClr val="tx1"/>
+              </a:solidFill>
+            </a:ln>
+          </p:spPr>
+          <p:style>
+            <a:lnRef idx="2">
+              <a:schemeClr val="accent1">
+                <a:shade val="50000"/>
+              </a:schemeClr>
+            </a:lnRef>
+            <a:fillRef idx="1">
+              <a:schemeClr val="accent1"/>
+            </a:fillRef>
+            <a:effectRef idx="0">
+              <a:schemeClr val="accent1"/>
+            </a:effectRef>
+            <a:fontRef idx="minor">
+              <a:schemeClr val="lt1"/>
+            </a:fontRef>
+          </p:style>
+          <p:txBody>
+            <a:bodyPr rtlCol="0" anchor="ctr"/>
+            <a:lstStyle/>
+            <a:p>
+              <a:pPr algn="ctr"/>
+              <a:endParaRPr lang="en-US"/>
+            </a:p>
+          </p:txBody>
+        </p:sp>
+        <mc:AlternateContent xmlns:mc="http://schemas.openxmlformats.org/markup-compatibility/2006">
+          <mc:Choice xmlns:a14="http://schemas.microsoft.com/office/drawing/2010/main" Requires="a14">
+            <p:sp>
+              <p:nvSpPr>
+                <p:cNvPr id="59" name="TextBox 58"/>
+                <p:cNvSpPr txBox="1"/>
+                <p:nvPr/>
+              </p:nvSpPr>
+              <p:spPr>
+                <a:xfrm>
+                  <a:off x="8614932" y="295492"/>
+                  <a:ext cx="219483" cy="307777"/>
+                </a:xfrm>
+                <a:prstGeom prst="rect">
+                  <a:avLst/>
+                </a:prstGeom>
+                <a:noFill/>
+              </p:spPr>
+              <p:txBody>
+                <a:bodyPr wrap="none" lIns="0" tIns="0" rIns="0" bIns="0" rtlCol="0">
+                  <a:spAutoFit/>
+                </a:bodyPr>
+                <a:lstStyle/>
+                <a:p>
+                  <a14:m>
+                    <m:oMathPara xmlns:m="http://schemas.openxmlformats.org/officeDocument/2006/math">
+                      <m:oMathParaPr>
+                        <m:jc m:val="centerGroup"/>
+                      </m:oMathParaPr>
+                      <m:oMath xmlns:m="http://schemas.openxmlformats.org/officeDocument/2006/math">
+                        <m:acc>
+                          <m:accPr>
+                            <m:chr m:val="⃗"/>
+                            <m:ctrlPr>
+                              <a:rPr lang="en-US" sz="2000" b="0" i="1" smtClean="0">
+                                <a:latin typeface="Cambria Math" panose="02040503050406030204" pitchFamily="18" charset="0"/>
+                                <a:cs typeface="Arial" panose="020B0604020202020204" pitchFamily="34" charset="0"/>
+                              </a:rPr>
+                            </m:ctrlPr>
+                          </m:accPr>
+                          <m:e>
+                            <m:r>
+                              <a:rPr lang="en-US" sz="2000" b="0" i="1" smtClean="0">
+                                <a:latin typeface="Cambria Math" panose="02040503050406030204" pitchFamily="18" charset="0"/>
+                                <a:cs typeface="Arial" panose="020B0604020202020204" pitchFamily="34" charset="0"/>
+                              </a:rPr>
+                              <m:t>𝑎</m:t>
+                            </m:r>
+                          </m:e>
+                        </m:acc>
+                      </m:oMath>
+                    </m:oMathPara>
+                  </a14:m>
+                  <a:endParaRPr lang="en-US" sz="2000" dirty="0" smtClean="0">
+                    <a:latin typeface="Arial" panose="020B0604020202020204" pitchFamily="34" charset="0"/>
+                    <a:cs typeface="Arial" panose="020B0604020202020204" pitchFamily="34" charset="0"/>
+                  </a:endParaRPr>
+                </a:p>
+              </p:txBody>
+            </p:sp>
+          </mc:Choice>
+          <mc:Fallback>
+            <p:sp>
+              <p:nvSpPr>
+                <p:cNvPr id="59" name="TextBox 58"/>
+                <p:cNvSpPr txBox="1">
+                  <a:spLocks noRot="1" noChangeAspect="1" noMove="1" noResize="1" noEditPoints="1" noAdjustHandles="1" noChangeArrowheads="1" noChangeShapeType="1" noTextEdit="1"/>
+                </p:cNvSpPr>
+                <p:nvPr/>
+              </p:nvSpPr>
+              <p:spPr>
+                <a:xfrm>
+                  <a:off x="8614932" y="295492"/>
+                  <a:ext cx="219483" cy="307777"/>
+                </a:xfrm>
+                <a:prstGeom prst="rect">
+                  <a:avLst/>
+                </a:prstGeom>
+                <a:blipFill>
+                  <a:blip r:embed="rId30"/>
+                  <a:stretch>
+                    <a:fillRect l="-19444" t="-33333" r="-94444" b="-5882"/>
+                  </a:stretch>
+                </a:blipFill>
+              </p:spPr>
+              <p:txBody>
+                <a:bodyPr/>
+                <a:lstStyle/>
+                <a:p>
+                  <a:r>
+                    <a:rPr lang="en-US">
+                      <a:noFill/>
+                    </a:rPr>
+                    <a:t> </a:t>
+                  </a:r>
+                </a:p>
+              </p:txBody>
+            </p:sp>
+          </mc:Fallback>
+        </mc:AlternateContent>
       </p:grpSp>
-      <mc:AlternateContent xmlns:mc="http://schemas.openxmlformats.org/markup-compatibility/2006">
-        <mc:Choice xmlns:a14="http://schemas.microsoft.com/office/drawing/2010/main" Requires="a14">
-          <p:sp>
-            <p:nvSpPr>
-              <p:cNvPr id="36" name="TextBox 35"/>
-              <p:cNvSpPr txBox="1"/>
+      <p:grpSp>
+        <p:nvGrpSpPr>
+          <p:cNvPr id="75" name="Group 74"/>
+          <p:cNvGrpSpPr/>
+          <p:nvPr/>
+        </p:nvGrpSpPr>
+        <p:grpSpPr>
+          <a:xfrm>
+            <a:off x="524107" y="615322"/>
+            <a:ext cx="7138848" cy="2655517"/>
+            <a:chOff x="524107" y="615322"/>
+            <a:chExt cx="7138848" cy="2655517"/>
+          </a:xfrm>
+        </p:grpSpPr>
+        <p:grpSp>
+          <p:nvGrpSpPr>
+            <p:cNvPr id="64" name="Group 63"/>
+            <p:cNvGrpSpPr/>
+            <p:nvPr/>
+          </p:nvGrpSpPr>
+          <p:grpSpPr>
+            <a:xfrm>
+              <a:off x="524107" y="615322"/>
+              <a:ext cx="7138848" cy="2631429"/>
+              <a:chOff x="524107" y="615322"/>
+              <a:chExt cx="7138848" cy="2631429"/>
+            </a:xfrm>
+          </p:grpSpPr>
+          <p:grpSp>
+            <p:nvGrpSpPr>
+              <p:cNvPr id="38" name="Group 37"/>
+              <p:cNvGrpSpPr/>
               <p:nvPr/>
-            </p:nvSpPr>
-            <p:spPr>
+            </p:nvGrpSpPr>
+            <p:grpSpPr>
               <a:xfrm>
-                <a:off x="7534277" y="3188393"/>
-                <a:ext cx="933845" cy="527067"/>
+                <a:off x="524107" y="1083326"/>
+                <a:ext cx="7138848" cy="2163425"/>
+                <a:chOff x="524107" y="1083326"/>
+                <a:chExt cx="7138848" cy="2163425"/>
               </a:xfrm>
-              <a:prstGeom prst="rect">
-                <a:avLst/>
-              </a:prstGeom>
-              <a:noFill/>
-            </p:spPr>
-            <p:txBody>
-              <a:bodyPr wrap="none" lIns="0" tIns="0" rIns="0" bIns="0" rtlCol="0">
-                <a:spAutoFit/>
-              </a:bodyPr>
-              <a:lstStyle/>
-              <a:p>
-                <a14:m>
-                  <m:oMathPara xmlns:m="http://schemas.openxmlformats.org/officeDocument/2006/math">
-                    <m:oMathParaPr>
-                      <m:jc m:val="centerGroup"/>
-                    </m:oMathParaPr>
-                    <m:oMath xmlns:m="http://schemas.openxmlformats.org/officeDocument/2006/math">
-                      <m:r>
-                        <a:rPr lang="en-US" sz="2000" b="0" i="1" smtClean="0">
-                          <a:latin typeface="Cambria Math" panose="02040503050406030204" pitchFamily="18" charset="0"/>
-                          <a:cs typeface="Arial" panose="020B0604020202020204" pitchFamily="34" charset="0"/>
+            </p:grpSpPr>
+            <p:grpSp>
+              <p:nvGrpSpPr>
+                <p:cNvPr id="34" name="Group 33"/>
+                <p:cNvGrpSpPr/>
+                <p:nvPr/>
+              </p:nvGrpSpPr>
+              <p:grpSpPr>
+                <a:xfrm>
+                  <a:off x="524107" y="1083326"/>
+                  <a:ext cx="7138848" cy="2163425"/>
+                  <a:chOff x="524107" y="1083326"/>
+                  <a:chExt cx="7138848" cy="2163425"/>
+                </a:xfrm>
+              </p:grpSpPr>
+              <p:grpSp>
+                <p:nvGrpSpPr>
+                  <p:cNvPr id="22" name="Group 21"/>
+                  <p:cNvGrpSpPr/>
+                  <p:nvPr/>
+                </p:nvGrpSpPr>
+                <p:grpSpPr>
+                  <a:xfrm>
+                    <a:off x="524107" y="1083326"/>
+                    <a:ext cx="6378497" cy="1418455"/>
+                    <a:chOff x="769434" y="1908516"/>
+                    <a:chExt cx="6378497" cy="1418455"/>
+                  </a:xfrm>
+                </p:grpSpPr>
+                <p:sp>
+                  <p:nvSpPr>
+                    <p:cNvPr id="4" name="Rectangle 3"/>
+                    <p:cNvSpPr/>
+                    <p:nvPr/>
+                  </p:nvSpPr>
+                  <p:spPr>
+                    <a:xfrm>
+                      <a:off x="1315844" y="2587084"/>
+                      <a:ext cx="5832087" cy="167268"/>
+                    </a:xfrm>
+                    <a:prstGeom prst="rect">
+                      <a:avLst/>
+                    </a:prstGeom>
+                    <a:solidFill>
+                      <a:schemeClr val="bg2">
+                        <a:lumMod val="90000"/>
+                      </a:schemeClr>
+                    </a:solidFill>
+                    <a:ln w="38100">
+                      <a:solidFill>
+                        <a:schemeClr val="tx1"/>
+                      </a:solidFill>
+                    </a:ln>
+                  </p:spPr>
+                  <p:style>
+                    <a:lnRef idx="2">
+                      <a:schemeClr val="accent1">
+                        <a:shade val="50000"/>
+                      </a:schemeClr>
+                    </a:lnRef>
+                    <a:fillRef idx="1">
+                      <a:schemeClr val="accent1"/>
+                    </a:fillRef>
+                    <a:effectRef idx="0">
+                      <a:schemeClr val="accent1"/>
+                    </a:effectRef>
+                    <a:fontRef idx="minor">
+                      <a:schemeClr val="lt1"/>
+                    </a:fontRef>
+                  </p:style>
+                  <p:txBody>
+                    <a:bodyPr rtlCol="0" anchor="ctr"/>
+                    <a:lstStyle/>
+                    <a:p>
+                      <a:pPr algn="ctr"/>
+                      <a:endParaRPr lang="en-US"/>
+                    </a:p>
+                  </p:txBody>
+                </p:sp>
+                <p:sp>
+                  <p:nvSpPr>
+                    <p:cNvPr id="5" name="Rectangle 4"/>
+                    <p:cNvSpPr/>
+                    <p:nvPr/>
+                  </p:nvSpPr>
+                  <p:spPr>
+                    <a:xfrm>
+                      <a:off x="1315844" y="1984917"/>
+                      <a:ext cx="657922" cy="602166"/>
+                    </a:xfrm>
+                    <a:prstGeom prst="rect">
+                      <a:avLst/>
+                    </a:prstGeom>
+                    <a:solidFill>
+                      <a:schemeClr val="bg2"/>
+                    </a:solidFill>
+                    <a:ln w="38100">
+                      <a:solidFill>
+                        <a:schemeClr val="tx1"/>
+                      </a:solidFill>
+                    </a:ln>
+                  </p:spPr>
+                  <p:style>
+                    <a:lnRef idx="2">
+                      <a:schemeClr val="accent1">
+                        <a:shade val="50000"/>
+                      </a:schemeClr>
+                    </a:lnRef>
+                    <a:fillRef idx="1">
+                      <a:schemeClr val="accent1"/>
+                    </a:fillRef>
+                    <a:effectRef idx="0">
+                      <a:schemeClr val="accent1"/>
+                    </a:effectRef>
+                    <a:fontRef idx="minor">
+                      <a:schemeClr val="lt1"/>
+                    </a:fontRef>
+                  </p:style>
+                  <p:txBody>
+                    <a:bodyPr rtlCol="0" anchor="ctr"/>
+                    <a:lstStyle/>
+                    <a:p>
+                      <a:pPr algn="ctr"/>
+                      <a:endParaRPr lang="en-US"/>
+                    </a:p>
+                  </p:txBody>
+                </p:sp>
+                <p:cxnSp>
+                  <p:nvCxnSpPr>
+                    <p:cNvPr id="7" name="Straight Arrow Connector 6"/>
+                    <p:cNvCxnSpPr/>
+                    <p:nvPr/>
+                  </p:nvCxnSpPr>
+                  <p:spPr>
+                    <a:xfrm flipV="1">
+                      <a:off x="769434" y="2280425"/>
+                      <a:ext cx="546410" cy="11151"/>
+                    </a:xfrm>
+                    <a:prstGeom prst="straightConnector1">
+                      <a:avLst/>
+                    </a:prstGeom>
+                    <a:ln w="38100">
+                      <a:solidFill>
+                        <a:schemeClr val="tx1"/>
+                      </a:solidFill>
+                      <a:tailEnd type="triangle"/>
+                    </a:ln>
+                  </p:spPr>
+                  <p:style>
+                    <a:lnRef idx="1">
+                      <a:schemeClr val="accent1"/>
+                    </a:lnRef>
+                    <a:fillRef idx="0">
+                      <a:schemeClr val="accent1"/>
+                    </a:fillRef>
+                    <a:effectRef idx="0">
+                      <a:schemeClr val="accent1"/>
+                    </a:effectRef>
+                    <a:fontRef idx="minor">
+                      <a:schemeClr val="tx1"/>
+                    </a:fontRef>
+                  </p:style>
+                </p:cxnSp>
+                <p:sp>
+                  <p:nvSpPr>
+                    <p:cNvPr id="8" name="Rectangle 7"/>
+                    <p:cNvSpPr/>
+                    <p:nvPr/>
+                  </p:nvSpPr>
+                  <p:spPr>
+                    <a:xfrm>
+                      <a:off x="3263590" y="1982129"/>
+                      <a:ext cx="657922" cy="602166"/>
+                    </a:xfrm>
+                    <a:prstGeom prst="rect">
+                      <a:avLst/>
+                    </a:prstGeom>
+                    <a:solidFill>
+                      <a:schemeClr val="bg2"/>
+                    </a:solidFill>
+                    <a:ln w="38100">
+                      <a:solidFill>
+                        <a:schemeClr val="tx1"/>
+                      </a:solidFill>
+                    </a:ln>
+                  </p:spPr>
+                  <p:style>
+                    <a:lnRef idx="2">
+                      <a:schemeClr val="accent1">
+                        <a:shade val="50000"/>
+                      </a:schemeClr>
+                    </a:lnRef>
+                    <a:fillRef idx="1">
+                      <a:schemeClr val="accent1"/>
+                    </a:fillRef>
+                    <a:effectRef idx="0">
+                      <a:schemeClr val="accent1"/>
+                    </a:effectRef>
+                    <a:fontRef idx="minor">
+                      <a:schemeClr val="lt1"/>
+                    </a:fontRef>
+                  </p:style>
+                  <p:txBody>
+                    <a:bodyPr rtlCol="0" anchor="ctr"/>
+                    <a:lstStyle/>
+                    <a:p>
+                      <a:pPr algn="ctr"/>
+                      <a:endParaRPr lang="en-US"/>
+                    </a:p>
+                  </p:txBody>
+                </p:sp>
+                <p:cxnSp>
+                  <p:nvCxnSpPr>
+                    <p:cNvPr id="9" name="Straight Arrow Connector 8"/>
+                    <p:cNvCxnSpPr/>
+                    <p:nvPr/>
+                  </p:nvCxnSpPr>
+                  <p:spPr>
+                    <a:xfrm flipV="1">
+                      <a:off x="2448886" y="2277639"/>
+                      <a:ext cx="814704" cy="11149"/>
+                    </a:xfrm>
+                    <a:prstGeom prst="straightConnector1">
+                      <a:avLst/>
+                    </a:prstGeom>
+                    <a:ln w="38100">
+                      <a:solidFill>
+                        <a:schemeClr val="tx1"/>
+                      </a:solidFill>
+                      <a:tailEnd type="triangle"/>
+                    </a:ln>
+                  </p:spPr>
+                  <p:style>
+                    <a:lnRef idx="1">
+                      <a:schemeClr val="accent1"/>
+                    </a:lnRef>
+                    <a:fillRef idx="0">
+                      <a:schemeClr val="accent1"/>
+                    </a:fillRef>
+                    <a:effectRef idx="0">
+                      <a:schemeClr val="accent1"/>
+                    </a:effectRef>
+                    <a:fontRef idx="minor">
+                      <a:schemeClr val="tx1"/>
+                    </a:fontRef>
+                  </p:style>
+                </p:cxnSp>
+                <p:sp>
+                  <p:nvSpPr>
+                    <p:cNvPr id="10" name="Rectangle 9"/>
+                    <p:cNvSpPr/>
+                    <p:nvPr/>
+                  </p:nvSpPr>
+                  <p:spPr>
+                    <a:xfrm>
+                      <a:off x="5211336" y="1987705"/>
+                      <a:ext cx="657922" cy="602166"/>
+                    </a:xfrm>
+                    <a:prstGeom prst="rect">
+                      <a:avLst/>
+                    </a:prstGeom>
+                    <a:solidFill>
+                      <a:schemeClr val="bg2"/>
+                    </a:solidFill>
+                    <a:ln w="38100">
+                      <a:solidFill>
+                        <a:schemeClr val="tx1"/>
+                      </a:solidFill>
+                    </a:ln>
+                  </p:spPr>
+                  <p:style>
+                    <a:lnRef idx="2">
+                      <a:schemeClr val="accent1">
+                        <a:shade val="50000"/>
+                      </a:schemeClr>
+                    </a:lnRef>
+                    <a:fillRef idx="1">
+                      <a:schemeClr val="accent1"/>
+                    </a:fillRef>
+                    <a:effectRef idx="0">
+                      <a:schemeClr val="accent1"/>
+                    </a:effectRef>
+                    <a:fontRef idx="minor">
+                      <a:schemeClr val="lt1"/>
+                    </a:fontRef>
+                  </p:style>
+                  <p:txBody>
+                    <a:bodyPr rtlCol="0" anchor="ctr"/>
+                    <a:lstStyle/>
+                    <a:p>
+                      <a:pPr algn="ctr"/>
+                      <a:endParaRPr lang="en-US"/>
+                    </a:p>
+                  </p:txBody>
+                </p:sp>
+                <p:cxnSp>
+                  <p:nvCxnSpPr>
+                    <p:cNvPr id="11" name="Straight Arrow Connector 10"/>
+                    <p:cNvCxnSpPr/>
+                    <p:nvPr/>
+                  </p:nvCxnSpPr>
+                  <p:spPr>
+                    <a:xfrm flipV="1">
+                      <a:off x="4078294" y="2283214"/>
+                      <a:ext cx="1133042" cy="16181"/>
+                    </a:xfrm>
+                    <a:prstGeom prst="straightConnector1">
+                      <a:avLst/>
+                    </a:prstGeom>
+                    <a:ln w="38100">
+                      <a:solidFill>
+                        <a:schemeClr val="tx1"/>
+                      </a:solidFill>
+                      <a:tailEnd type="triangle"/>
+                    </a:ln>
+                  </p:spPr>
+                  <p:style>
+                    <a:lnRef idx="1">
+                      <a:schemeClr val="accent1"/>
+                    </a:lnRef>
+                    <a:fillRef idx="0">
+                      <a:schemeClr val="accent1"/>
+                    </a:fillRef>
+                    <a:effectRef idx="0">
+                      <a:schemeClr val="accent1"/>
+                    </a:effectRef>
+                    <a:fontRef idx="minor">
+                      <a:schemeClr val="tx1"/>
+                    </a:fontRef>
+                  </p:style>
+                </p:cxnSp>
+                <mc:AlternateContent xmlns:mc="http://schemas.openxmlformats.org/markup-compatibility/2006">
+                  <mc:Choice xmlns:a14="http://schemas.microsoft.com/office/drawing/2010/main" Requires="a14">
+                    <p:sp>
+                      <p:nvSpPr>
+                        <p:cNvPr id="12" name="TextBox 11"/>
+                        <p:cNvSpPr txBox="1"/>
+                        <p:nvPr/>
+                      </p:nvSpPr>
+                      <p:spPr>
+                        <a:xfrm>
+                          <a:off x="845908" y="1910440"/>
+                          <a:ext cx="313291" cy="345159"/>
+                        </a:xfrm>
+                        <a:prstGeom prst="rect">
+                          <a:avLst/>
+                        </a:prstGeom>
+                        <a:noFill/>
+                      </p:spPr>
+                      <p:txBody>
+                        <a:bodyPr wrap="none" lIns="0" tIns="0" rIns="0" bIns="0" rtlCol="0">
+                          <a:spAutoFit/>
+                        </a:bodyPr>
+                        <a:lstStyle/>
+                        <a:p>
+                          <a14:m>
+                            <m:oMathPara xmlns:m="http://schemas.openxmlformats.org/officeDocument/2006/math">
+                              <m:oMathParaPr>
+                                <m:jc m:val="centerGroup"/>
+                              </m:oMathParaPr>
+                              <m:oMath xmlns:m="http://schemas.openxmlformats.org/officeDocument/2006/math">
+                                <m:sSub>
+                                  <m:sSubPr>
+                                    <m:ctrlPr>
+                                      <a:rPr lang="en-US" sz="2000" b="0" i="1" smtClean="0">
+                                        <a:latin typeface="Cambria Math" panose="02040503050406030204" pitchFamily="18" charset="0"/>
+                                        <a:cs typeface="Arial" panose="020B0604020202020204" pitchFamily="34" charset="0"/>
+                                      </a:rPr>
+                                    </m:ctrlPr>
+                                  </m:sSubPr>
+                                  <m:e>
+                                    <m:acc>
+                                      <m:accPr>
+                                        <m:chr m:val="⃗"/>
+                                        <m:ctrlPr>
+                                          <a:rPr lang="en-US" sz="2000" b="0" i="1" smtClean="0">
+                                            <a:latin typeface="Cambria Math" panose="02040503050406030204" pitchFamily="18" charset="0"/>
+                                            <a:cs typeface="Arial" panose="020B0604020202020204" pitchFamily="34" charset="0"/>
+                                          </a:rPr>
+                                        </m:ctrlPr>
+                                      </m:accPr>
+                                      <m:e>
+                                        <m:r>
+                                          <a:rPr lang="en-US" sz="2000" b="0" i="1" smtClean="0">
+                                            <a:latin typeface="Cambria Math" panose="02040503050406030204" pitchFamily="18" charset="0"/>
+                                            <a:cs typeface="Arial" panose="020B0604020202020204" pitchFamily="34" charset="0"/>
+                                          </a:rPr>
+                                          <m:t>𝐹</m:t>
+                                        </m:r>
+                                      </m:e>
+                                    </m:acc>
+                                  </m:e>
+                                  <m:sub>
+                                    <m:r>
+                                      <a:rPr lang="en-US" sz="2000" b="0" i="1" smtClean="0">
+                                        <a:latin typeface="Cambria Math" panose="02040503050406030204" pitchFamily="18" charset="0"/>
+                                        <a:cs typeface="Arial" panose="020B0604020202020204" pitchFamily="34" charset="0"/>
+                                      </a:rPr>
+                                      <m:t>1</m:t>
+                                    </m:r>
+                                  </m:sub>
+                                </m:sSub>
+                              </m:oMath>
+                            </m:oMathPara>
+                          </a14:m>
+                          <a:endParaRPr lang="en-US" sz="2000" dirty="0" smtClean="0">
+                            <a:latin typeface="Arial" panose="020B0604020202020204" pitchFamily="34" charset="0"/>
+                            <a:cs typeface="Arial" panose="020B0604020202020204" pitchFamily="34" charset="0"/>
+                          </a:endParaRPr>
+                        </a:p>
+                      </p:txBody>
+                    </p:sp>
+                  </mc:Choice>
+                  <mc:Fallback>
+                    <p:sp>
+                      <p:nvSpPr>
+                        <p:cNvPr id="12" name="TextBox 11"/>
+                        <p:cNvSpPr txBox="1">
+                          <a:spLocks noRot="1" noChangeAspect="1" noMove="1" noResize="1" noEditPoints="1" noAdjustHandles="1" noChangeArrowheads="1" noChangeShapeType="1" noTextEdit="1"/>
+                        </p:cNvSpPr>
+                        <p:nvPr/>
+                      </p:nvSpPr>
+                      <p:spPr>
+                        <a:xfrm>
+                          <a:off x="845908" y="1910440"/>
+                          <a:ext cx="313291" cy="345159"/>
+                        </a:xfrm>
+                        <a:prstGeom prst="rect">
+                          <a:avLst/>
+                        </a:prstGeom>
+                        <a:blipFill>
+                          <a:blip r:embed="rId31"/>
+                          <a:stretch>
+                            <a:fillRect l="-17647" t="-33333" r="-68627" b="-15789"/>
+                          </a:stretch>
+                        </a:blipFill>
+                      </p:spPr>
+                      <p:txBody>
+                        <a:bodyPr/>
+                        <a:lstStyle/>
+                        <a:p>
+                          <a:r>
+                            <a:rPr lang="en-US">
+                              <a:noFill/>
+                            </a:rPr>
+                            <a:t> </a:t>
+                          </a:r>
+                        </a:p>
+                      </p:txBody>
+                    </p:sp>
+                  </mc:Fallback>
+                </mc:AlternateContent>
+                <mc:AlternateContent xmlns:mc="http://schemas.openxmlformats.org/markup-compatibility/2006">
+                  <mc:Choice xmlns:a14="http://schemas.microsoft.com/office/drawing/2010/main" Requires="a14">
+                    <p:sp>
+                      <p:nvSpPr>
+                        <p:cNvPr id="13" name="TextBox 12"/>
+                        <p:cNvSpPr txBox="1"/>
+                        <p:nvPr/>
+                      </p:nvSpPr>
+                      <p:spPr>
+                        <a:xfrm>
+                          <a:off x="2856238" y="1908516"/>
+                          <a:ext cx="319254" cy="345159"/>
+                        </a:xfrm>
+                        <a:prstGeom prst="rect">
+                          <a:avLst/>
+                        </a:prstGeom>
+                        <a:noFill/>
+                      </p:spPr>
+                      <p:txBody>
+                        <a:bodyPr wrap="none" lIns="0" tIns="0" rIns="0" bIns="0" rtlCol="0">
+                          <a:spAutoFit/>
+                        </a:bodyPr>
+                        <a:lstStyle/>
+                        <a:p>
+                          <a14:m>
+                            <m:oMathPara xmlns:m="http://schemas.openxmlformats.org/officeDocument/2006/math">
+                              <m:oMathParaPr>
+                                <m:jc m:val="centerGroup"/>
+                              </m:oMathParaPr>
+                              <m:oMath xmlns:m="http://schemas.openxmlformats.org/officeDocument/2006/math">
+                                <m:sSub>
+                                  <m:sSubPr>
+                                    <m:ctrlPr>
+                                      <a:rPr lang="en-US" sz="2000" b="0" i="1" smtClean="0">
+                                        <a:latin typeface="Cambria Math" panose="02040503050406030204" pitchFamily="18" charset="0"/>
+                                        <a:cs typeface="Arial" panose="020B0604020202020204" pitchFamily="34" charset="0"/>
+                                      </a:rPr>
+                                    </m:ctrlPr>
+                                  </m:sSubPr>
+                                  <m:e>
+                                    <m:acc>
+                                      <m:accPr>
+                                        <m:chr m:val="⃗"/>
+                                        <m:ctrlPr>
+                                          <a:rPr lang="en-US" sz="2000" b="0" i="1" smtClean="0">
+                                            <a:latin typeface="Cambria Math" panose="02040503050406030204" pitchFamily="18" charset="0"/>
+                                            <a:cs typeface="Arial" panose="020B0604020202020204" pitchFamily="34" charset="0"/>
+                                          </a:rPr>
+                                        </m:ctrlPr>
+                                      </m:accPr>
+                                      <m:e>
+                                        <m:r>
+                                          <a:rPr lang="en-US" sz="2000" b="0" i="1" smtClean="0">
+                                            <a:latin typeface="Cambria Math" panose="02040503050406030204" pitchFamily="18" charset="0"/>
+                                            <a:cs typeface="Arial" panose="020B0604020202020204" pitchFamily="34" charset="0"/>
+                                          </a:rPr>
+                                          <m:t>𝐹</m:t>
+                                        </m:r>
+                                      </m:e>
+                                    </m:acc>
+                                  </m:e>
+                                  <m:sub>
+                                    <m:r>
+                                      <a:rPr lang="en-US" sz="2000" b="0" i="1" smtClean="0">
+                                        <a:latin typeface="Cambria Math" panose="02040503050406030204" pitchFamily="18" charset="0"/>
+                                        <a:cs typeface="Arial" panose="020B0604020202020204" pitchFamily="34" charset="0"/>
+                                      </a:rPr>
+                                      <m:t>2</m:t>
+                                    </m:r>
+                                  </m:sub>
+                                </m:sSub>
+                              </m:oMath>
+                            </m:oMathPara>
+                          </a14:m>
+                          <a:endParaRPr lang="en-US" sz="2000" dirty="0" smtClean="0">
+                            <a:latin typeface="Arial" panose="020B0604020202020204" pitchFamily="34" charset="0"/>
+                            <a:cs typeface="Arial" panose="020B0604020202020204" pitchFamily="34" charset="0"/>
+                          </a:endParaRPr>
+                        </a:p>
+                      </p:txBody>
+                    </p:sp>
+                  </mc:Choice>
+                  <mc:Fallback>
+                    <p:sp>
+                      <p:nvSpPr>
+                        <p:cNvPr id="13" name="TextBox 12"/>
+                        <p:cNvSpPr txBox="1">
+                          <a:spLocks noRot="1" noChangeAspect="1" noMove="1" noResize="1" noEditPoints="1" noAdjustHandles="1" noChangeArrowheads="1" noChangeShapeType="1" noTextEdit="1"/>
+                        </p:cNvSpPr>
+                        <p:nvPr/>
+                      </p:nvSpPr>
+                      <p:spPr>
+                        <a:xfrm>
+                          <a:off x="2856238" y="1908516"/>
+                          <a:ext cx="319254" cy="345159"/>
+                        </a:xfrm>
+                        <a:prstGeom prst="rect">
+                          <a:avLst/>
+                        </a:prstGeom>
+                        <a:blipFill>
+                          <a:blip r:embed="rId32"/>
+                          <a:stretch>
+                            <a:fillRect l="-15094" t="-35714" r="-66038" b="-17857"/>
+                          </a:stretch>
+                        </a:blipFill>
+                      </p:spPr>
+                      <p:txBody>
+                        <a:bodyPr/>
+                        <a:lstStyle/>
+                        <a:p>
+                          <a:r>
+                            <a:rPr lang="en-US">
+                              <a:noFill/>
+                            </a:rPr>
+                            <a:t> </a:t>
+                          </a:r>
+                        </a:p>
+                      </p:txBody>
+                    </p:sp>
+                  </mc:Fallback>
+                </mc:AlternateContent>
+                <mc:AlternateContent xmlns:mc="http://schemas.openxmlformats.org/markup-compatibility/2006">
+                  <mc:Choice xmlns:a14="http://schemas.microsoft.com/office/drawing/2010/main" Requires="a14">
+                    <p:sp>
+                      <p:nvSpPr>
+                        <p:cNvPr id="14" name="TextBox 13"/>
+                        <p:cNvSpPr txBox="1"/>
+                        <p:nvPr/>
+                      </p:nvSpPr>
+                      <p:spPr>
+                        <a:xfrm>
+                          <a:off x="4781486" y="1908516"/>
+                          <a:ext cx="319254" cy="345159"/>
+                        </a:xfrm>
+                        <a:prstGeom prst="rect">
+                          <a:avLst/>
+                        </a:prstGeom>
+                        <a:noFill/>
+                      </p:spPr>
+                      <p:txBody>
+                        <a:bodyPr wrap="none" lIns="0" tIns="0" rIns="0" bIns="0" rtlCol="0">
+                          <a:spAutoFit/>
+                        </a:bodyPr>
+                        <a:lstStyle/>
+                        <a:p>
+                          <a14:m>
+                            <m:oMathPara xmlns:m="http://schemas.openxmlformats.org/officeDocument/2006/math">
+                              <m:oMathParaPr>
+                                <m:jc m:val="centerGroup"/>
+                              </m:oMathParaPr>
+                              <m:oMath xmlns:m="http://schemas.openxmlformats.org/officeDocument/2006/math">
+                                <m:sSub>
+                                  <m:sSubPr>
+                                    <m:ctrlPr>
+                                      <a:rPr lang="en-US" sz="2000" b="0" i="1" smtClean="0">
+                                        <a:latin typeface="Cambria Math" panose="02040503050406030204" pitchFamily="18" charset="0"/>
+                                        <a:cs typeface="Arial" panose="020B0604020202020204" pitchFamily="34" charset="0"/>
+                                      </a:rPr>
+                                    </m:ctrlPr>
+                                  </m:sSubPr>
+                                  <m:e>
+                                    <m:acc>
+                                      <m:accPr>
+                                        <m:chr m:val="⃗"/>
+                                        <m:ctrlPr>
+                                          <a:rPr lang="en-US" sz="2000" b="0" i="1" smtClean="0">
+                                            <a:latin typeface="Cambria Math" panose="02040503050406030204" pitchFamily="18" charset="0"/>
+                                            <a:cs typeface="Arial" panose="020B0604020202020204" pitchFamily="34" charset="0"/>
+                                          </a:rPr>
+                                        </m:ctrlPr>
+                                      </m:accPr>
+                                      <m:e>
+                                        <m:r>
+                                          <a:rPr lang="en-US" sz="2000" b="0" i="1" smtClean="0">
+                                            <a:latin typeface="Cambria Math" panose="02040503050406030204" pitchFamily="18" charset="0"/>
+                                            <a:cs typeface="Arial" panose="020B0604020202020204" pitchFamily="34" charset="0"/>
+                                          </a:rPr>
+                                          <m:t>𝐹</m:t>
+                                        </m:r>
+                                      </m:e>
+                                    </m:acc>
+                                  </m:e>
+                                  <m:sub>
+                                    <m:r>
+                                      <a:rPr lang="en-US" sz="2000" b="0" i="1" smtClean="0">
+                                        <a:latin typeface="Cambria Math" panose="02040503050406030204" pitchFamily="18" charset="0"/>
+                                        <a:cs typeface="Arial" panose="020B0604020202020204" pitchFamily="34" charset="0"/>
+                                      </a:rPr>
+                                      <m:t>3</m:t>
+                                    </m:r>
+                                  </m:sub>
+                                </m:sSub>
+                              </m:oMath>
+                            </m:oMathPara>
+                          </a14:m>
+                          <a:endParaRPr lang="en-US" sz="2000" dirty="0" smtClean="0">
+                            <a:latin typeface="Arial" panose="020B0604020202020204" pitchFamily="34" charset="0"/>
+                            <a:cs typeface="Arial" panose="020B0604020202020204" pitchFamily="34" charset="0"/>
+                          </a:endParaRPr>
+                        </a:p>
+                      </p:txBody>
+                    </p:sp>
+                  </mc:Choice>
+                  <mc:Fallback>
+                    <p:sp>
+                      <p:nvSpPr>
+                        <p:cNvPr id="14" name="TextBox 13"/>
+                        <p:cNvSpPr txBox="1">
+                          <a:spLocks noRot="1" noChangeAspect="1" noMove="1" noResize="1" noEditPoints="1" noAdjustHandles="1" noChangeArrowheads="1" noChangeShapeType="1" noTextEdit="1"/>
+                        </p:cNvSpPr>
+                        <p:nvPr/>
+                      </p:nvSpPr>
+                      <p:spPr>
+                        <a:xfrm>
+                          <a:off x="4781486" y="1908516"/>
+                          <a:ext cx="319254" cy="345159"/>
+                        </a:xfrm>
+                        <a:prstGeom prst="rect">
+                          <a:avLst/>
+                        </a:prstGeom>
+                        <a:blipFill>
+                          <a:blip r:embed="rId33"/>
+                          <a:stretch>
+                            <a:fillRect l="-15385" t="-35714" r="-69231" b="-17857"/>
+                          </a:stretch>
+                        </a:blipFill>
+                      </p:spPr>
+                      <p:txBody>
+                        <a:bodyPr/>
+                        <a:lstStyle/>
+                        <a:p>
+                          <a:r>
+                            <a:rPr lang="en-US">
+                              <a:noFill/>
+                            </a:rPr>
+                            <a:t> </a:t>
+                          </a:r>
+                        </a:p>
+                      </p:txBody>
+                    </p:sp>
+                  </mc:Fallback>
+                </mc:AlternateContent>
+                <p:cxnSp>
+                  <p:nvCxnSpPr>
+                    <p:cNvPr id="16" name="Straight Arrow Connector 15"/>
+                    <p:cNvCxnSpPr/>
+                    <p:nvPr/>
+                  </p:nvCxnSpPr>
+                  <p:spPr>
+                    <a:xfrm flipV="1">
+                      <a:off x="1315844" y="2932771"/>
+                      <a:ext cx="1947746" cy="22302"/>
+                    </a:xfrm>
+                    <a:prstGeom prst="straightConnector1">
+                      <a:avLst/>
+                    </a:prstGeom>
+                    <a:ln w="38100">
+                      <a:solidFill>
+                        <a:schemeClr val="tx1"/>
+                      </a:solidFill>
+                      <a:headEnd type="triangle"/>
+                      <a:tailEnd type="triangle"/>
+                    </a:ln>
+                  </p:spPr>
+                  <p:style>
+                    <a:lnRef idx="1">
+                      <a:schemeClr val="accent1"/>
+                    </a:lnRef>
+                    <a:fillRef idx="0">
+                      <a:schemeClr val="accent1"/>
+                    </a:fillRef>
+                    <a:effectRef idx="0">
+                      <a:schemeClr val="accent1"/>
+                    </a:effectRef>
+                    <a:fontRef idx="minor">
+                      <a:schemeClr val="tx1"/>
+                    </a:fontRef>
+                  </p:style>
+                </p:cxnSp>
+                <p:cxnSp>
+                  <p:nvCxnSpPr>
+                    <p:cNvPr id="17" name="Straight Arrow Connector 16"/>
+                    <p:cNvCxnSpPr/>
+                    <p:nvPr/>
+                  </p:nvCxnSpPr>
+                  <p:spPr>
+                    <a:xfrm flipV="1">
+                      <a:off x="3263590" y="2921620"/>
+                      <a:ext cx="1947746" cy="22302"/>
+                    </a:xfrm>
+                    <a:prstGeom prst="straightConnector1">
+                      <a:avLst/>
+                    </a:prstGeom>
+                    <a:ln w="38100">
+                      <a:solidFill>
+                        <a:schemeClr val="tx1"/>
+                      </a:solidFill>
+                      <a:headEnd type="triangle"/>
+                      <a:tailEnd type="triangle"/>
+                    </a:ln>
+                  </p:spPr>
+                  <p:style>
+                    <a:lnRef idx="1">
+                      <a:schemeClr val="accent1"/>
+                    </a:lnRef>
+                    <a:fillRef idx="0">
+                      <a:schemeClr val="accent1"/>
+                    </a:fillRef>
+                    <a:effectRef idx="0">
+                      <a:schemeClr val="accent1"/>
+                    </a:effectRef>
+                    <a:fontRef idx="minor">
+                      <a:schemeClr val="tx1"/>
+                    </a:fontRef>
+                  </p:style>
+                </p:cxnSp>
+                <p:cxnSp>
+                  <p:nvCxnSpPr>
+                    <p:cNvPr id="18" name="Straight Arrow Connector 17"/>
+                    <p:cNvCxnSpPr/>
+                    <p:nvPr/>
+                  </p:nvCxnSpPr>
+                  <p:spPr>
+                    <a:xfrm flipV="1">
+                      <a:off x="5200185" y="2893743"/>
+                      <a:ext cx="1947746" cy="22302"/>
+                    </a:xfrm>
+                    <a:prstGeom prst="straightConnector1">
+                      <a:avLst/>
+                    </a:prstGeom>
+                    <a:ln w="38100">
+                      <a:solidFill>
+                        <a:schemeClr val="tx1"/>
+                      </a:solidFill>
+                      <a:headEnd type="triangle"/>
+                      <a:tailEnd type="triangle"/>
+                    </a:ln>
+                  </p:spPr>
+                  <p:style>
+                    <a:lnRef idx="1">
+                      <a:schemeClr val="accent1"/>
+                    </a:lnRef>
+                    <a:fillRef idx="0">
+                      <a:schemeClr val="accent1"/>
+                    </a:fillRef>
+                    <a:effectRef idx="0">
+                      <a:schemeClr val="accent1"/>
+                    </a:effectRef>
+                    <a:fontRef idx="minor">
+                      <a:schemeClr val="tx1"/>
+                    </a:fontRef>
+                  </p:style>
+                </p:cxnSp>
+                <mc:AlternateContent xmlns:mc="http://schemas.openxmlformats.org/markup-compatibility/2006">
+                  <mc:Choice xmlns:a14="http://schemas.microsoft.com/office/drawing/2010/main" Requires="a14">
+                    <p:sp>
+                      <p:nvSpPr>
+                        <p:cNvPr id="19" name="TextBox 18"/>
+                        <p:cNvSpPr txBox="1"/>
+                        <p:nvPr/>
+                      </p:nvSpPr>
+                      <p:spPr>
+                        <a:xfrm>
+                          <a:off x="2106301" y="3019194"/>
+                          <a:ext cx="366832" cy="307777"/>
+                        </a:xfrm>
+                        <a:prstGeom prst="rect">
+                          <a:avLst/>
+                        </a:prstGeom>
+                        <a:noFill/>
+                      </p:spPr>
+                      <p:txBody>
+                        <a:bodyPr wrap="none" lIns="0" tIns="0" rIns="0" bIns="0" rtlCol="0">
+                          <a:spAutoFit/>
+                        </a:bodyPr>
+                        <a:lstStyle/>
+                        <a:p>
+                          <a14:m>
+                            <m:oMathPara xmlns:m="http://schemas.openxmlformats.org/officeDocument/2006/math">
+                              <m:oMathParaPr>
+                                <m:jc m:val="centerGroup"/>
+                              </m:oMathParaPr>
+                              <m:oMath xmlns:m="http://schemas.openxmlformats.org/officeDocument/2006/math">
+                                <m:r>
+                                  <m:rPr>
+                                    <m:sty m:val="p"/>
+                                  </m:rPr>
+                                  <a:rPr lang="en-US" sz="2000" b="0" i="0" smtClean="0">
+                                    <a:latin typeface="Cambria Math" panose="02040503050406030204" pitchFamily="18" charset="0"/>
+                                    <a:cs typeface="Arial" panose="020B0604020202020204" pitchFamily="34" charset="0"/>
+                                  </a:rPr>
+                                  <m:t>Δ</m:t>
+                                </m:r>
+                                <m:r>
+                                  <a:rPr lang="en-US" sz="2000" b="0" i="1" smtClean="0">
+                                    <a:latin typeface="Cambria Math" panose="02040503050406030204" pitchFamily="18" charset="0"/>
+                                    <a:cs typeface="Arial" panose="020B0604020202020204" pitchFamily="34" charset="0"/>
+                                  </a:rPr>
+                                  <m:t>𝑥</m:t>
+                                </m:r>
+                              </m:oMath>
+                            </m:oMathPara>
+                          </a14:m>
+                          <a:endParaRPr lang="en-US" sz="2000" dirty="0" smtClean="0">
+                            <a:latin typeface="Arial" panose="020B0604020202020204" pitchFamily="34" charset="0"/>
+                            <a:cs typeface="Arial" panose="020B0604020202020204" pitchFamily="34" charset="0"/>
+                          </a:endParaRPr>
+                        </a:p>
+                      </p:txBody>
+                    </p:sp>
+                  </mc:Choice>
+                  <mc:Fallback>
+                    <p:sp>
+                      <p:nvSpPr>
+                        <p:cNvPr id="19" name="TextBox 18"/>
+                        <p:cNvSpPr txBox="1">
+                          <a:spLocks noRot="1" noChangeAspect="1" noMove="1" noResize="1" noEditPoints="1" noAdjustHandles="1" noChangeArrowheads="1" noChangeShapeType="1" noTextEdit="1"/>
+                        </p:cNvSpPr>
+                        <p:nvPr/>
+                      </p:nvSpPr>
+                      <p:spPr>
+                        <a:xfrm>
+                          <a:off x="2106301" y="3019194"/>
+                          <a:ext cx="366832" cy="307777"/>
+                        </a:xfrm>
+                        <a:prstGeom prst="rect">
+                          <a:avLst/>
+                        </a:prstGeom>
+                        <a:blipFill>
+                          <a:blip r:embed="rId34"/>
+                          <a:stretch>
+                            <a:fillRect l="-13333" r="-6667" b="-10000"/>
+                          </a:stretch>
+                        </a:blipFill>
+                      </p:spPr>
+                      <p:txBody>
+                        <a:bodyPr/>
+                        <a:lstStyle/>
+                        <a:p>
+                          <a:r>
+                            <a:rPr lang="en-US">
+                              <a:noFill/>
+                            </a:rPr>
+                            <a:t> </a:t>
+                          </a:r>
+                        </a:p>
+                      </p:txBody>
+                    </p:sp>
+                  </mc:Fallback>
+                </mc:AlternateContent>
+                <mc:AlternateContent xmlns:mc="http://schemas.openxmlformats.org/markup-compatibility/2006">
+                  <mc:Choice xmlns:a14="http://schemas.microsoft.com/office/drawing/2010/main" Requires="a14">
+                    <p:sp>
+                      <p:nvSpPr>
+                        <p:cNvPr id="20" name="TextBox 19"/>
+                        <p:cNvSpPr txBox="1"/>
+                        <p:nvPr/>
+                      </p:nvSpPr>
+                      <p:spPr>
+                        <a:xfrm>
+                          <a:off x="4048471" y="3018636"/>
+                          <a:ext cx="366832" cy="307777"/>
+                        </a:xfrm>
+                        <a:prstGeom prst="rect">
+                          <a:avLst/>
+                        </a:prstGeom>
+                        <a:noFill/>
+                      </p:spPr>
+                      <p:txBody>
+                        <a:bodyPr wrap="none" lIns="0" tIns="0" rIns="0" bIns="0" rtlCol="0">
+                          <a:spAutoFit/>
+                        </a:bodyPr>
+                        <a:lstStyle/>
+                        <a:p>
+                          <a14:m>
+                            <m:oMathPara xmlns:m="http://schemas.openxmlformats.org/officeDocument/2006/math">
+                              <m:oMathParaPr>
+                                <m:jc m:val="centerGroup"/>
+                              </m:oMathParaPr>
+                              <m:oMath xmlns:m="http://schemas.openxmlformats.org/officeDocument/2006/math">
+                                <m:r>
+                                  <m:rPr>
+                                    <m:sty m:val="p"/>
+                                  </m:rPr>
+                                  <a:rPr lang="en-US" sz="2000" b="0" i="0" smtClean="0">
+                                    <a:latin typeface="Cambria Math" panose="02040503050406030204" pitchFamily="18" charset="0"/>
+                                    <a:cs typeface="Arial" panose="020B0604020202020204" pitchFamily="34" charset="0"/>
+                                  </a:rPr>
+                                  <m:t>Δ</m:t>
+                                </m:r>
+                                <m:r>
+                                  <a:rPr lang="en-US" sz="2000" b="0" i="1" smtClean="0">
+                                    <a:latin typeface="Cambria Math" panose="02040503050406030204" pitchFamily="18" charset="0"/>
+                                    <a:cs typeface="Arial" panose="020B0604020202020204" pitchFamily="34" charset="0"/>
+                                  </a:rPr>
+                                  <m:t>𝑥</m:t>
+                                </m:r>
+                              </m:oMath>
+                            </m:oMathPara>
+                          </a14:m>
+                          <a:endParaRPr lang="en-US" sz="2000" dirty="0" smtClean="0">
+                            <a:latin typeface="Arial" panose="020B0604020202020204" pitchFamily="34" charset="0"/>
+                            <a:cs typeface="Arial" panose="020B0604020202020204" pitchFamily="34" charset="0"/>
+                          </a:endParaRPr>
+                        </a:p>
+                      </p:txBody>
+                    </p:sp>
+                  </mc:Choice>
+                  <mc:Fallback>
+                    <p:sp>
+                      <p:nvSpPr>
+                        <p:cNvPr id="20" name="TextBox 19"/>
+                        <p:cNvSpPr txBox="1">
+                          <a:spLocks noRot="1" noChangeAspect="1" noMove="1" noResize="1" noEditPoints="1" noAdjustHandles="1" noChangeArrowheads="1" noChangeShapeType="1" noTextEdit="1"/>
+                        </p:cNvSpPr>
+                        <p:nvPr/>
+                      </p:nvSpPr>
+                      <p:spPr>
+                        <a:xfrm>
+                          <a:off x="4048471" y="3018636"/>
+                          <a:ext cx="366832" cy="307777"/>
+                        </a:xfrm>
+                        <a:prstGeom prst="rect">
+                          <a:avLst/>
+                        </a:prstGeom>
+                        <a:blipFill>
+                          <a:blip r:embed="rId35"/>
+                          <a:stretch>
+                            <a:fillRect l="-15000" r="-5000" b="-10000"/>
+                          </a:stretch>
+                        </a:blipFill>
+                      </p:spPr>
+                      <p:txBody>
+                        <a:bodyPr/>
+                        <a:lstStyle/>
+                        <a:p>
+                          <a:r>
+                            <a:rPr lang="en-US">
+                              <a:noFill/>
+                            </a:rPr>
+                            <a:t> </a:t>
+                          </a:r>
+                        </a:p>
+                      </p:txBody>
+                    </p:sp>
+                  </mc:Fallback>
+                </mc:AlternateContent>
+                <mc:AlternateContent xmlns:mc="http://schemas.openxmlformats.org/markup-compatibility/2006">
+                  <mc:Choice xmlns:a14="http://schemas.microsoft.com/office/drawing/2010/main" Requires="a14">
+                    <p:sp>
+                      <p:nvSpPr>
+                        <p:cNvPr id="21" name="TextBox 20"/>
+                        <p:cNvSpPr txBox="1"/>
+                        <p:nvPr/>
+                      </p:nvSpPr>
+                      <p:spPr>
+                        <a:xfrm>
+                          <a:off x="5990642" y="3018636"/>
+                          <a:ext cx="366832" cy="307777"/>
+                        </a:xfrm>
+                        <a:prstGeom prst="rect">
+                          <a:avLst/>
+                        </a:prstGeom>
+                        <a:noFill/>
+                      </p:spPr>
+                      <p:txBody>
+                        <a:bodyPr wrap="none" lIns="0" tIns="0" rIns="0" bIns="0" rtlCol="0">
+                          <a:spAutoFit/>
+                        </a:bodyPr>
+                        <a:lstStyle/>
+                        <a:p>
+                          <a14:m>
+                            <m:oMathPara xmlns:m="http://schemas.openxmlformats.org/officeDocument/2006/math">
+                              <m:oMathParaPr>
+                                <m:jc m:val="centerGroup"/>
+                              </m:oMathParaPr>
+                              <m:oMath xmlns:m="http://schemas.openxmlformats.org/officeDocument/2006/math">
+                                <m:r>
+                                  <m:rPr>
+                                    <m:sty m:val="p"/>
+                                  </m:rPr>
+                                  <a:rPr lang="en-US" sz="2000" b="0" i="0" smtClean="0">
+                                    <a:latin typeface="Cambria Math" panose="02040503050406030204" pitchFamily="18" charset="0"/>
+                                    <a:cs typeface="Arial" panose="020B0604020202020204" pitchFamily="34" charset="0"/>
+                                  </a:rPr>
+                                  <m:t>Δ</m:t>
+                                </m:r>
+                                <m:r>
+                                  <a:rPr lang="en-US" sz="2000" b="0" i="1" smtClean="0">
+                                    <a:latin typeface="Cambria Math" panose="02040503050406030204" pitchFamily="18" charset="0"/>
+                                    <a:cs typeface="Arial" panose="020B0604020202020204" pitchFamily="34" charset="0"/>
+                                  </a:rPr>
+                                  <m:t>𝑥</m:t>
+                                </m:r>
+                              </m:oMath>
+                            </m:oMathPara>
+                          </a14:m>
+                          <a:endParaRPr lang="en-US" sz="2000" dirty="0" smtClean="0">
+                            <a:latin typeface="Arial" panose="020B0604020202020204" pitchFamily="34" charset="0"/>
+                            <a:cs typeface="Arial" panose="020B0604020202020204" pitchFamily="34" charset="0"/>
+                          </a:endParaRPr>
+                        </a:p>
+                      </p:txBody>
+                    </p:sp>
+                  </mc:Choice>
+                  <mc:Fallback>
+                    <p:sp>
+                      <p:nvSpPr>
+                        <p:cNvPr id="21" name="TextBox 20"/>
+                        <p:cNvSpPr txBox="1">
+                          <a:spLocks noRot="1" noChangeAspect="1" noMove="1" noResize="1" noEditPoints="1" noAdjustHandles="1" noChangeArrowheads="1" noChangeShapeType="1" noTextEdit="1"/>
+                        </p:cNvSpPr>
+                        <p:nvPr/>
+                      </p:nvSpPr>
+                      <p:spPr>
+                        <a:xfrm>
+                          <a:off x="5990642" y="3018636"/>
+                          <a:ext cx="366832" cy="307777"/>
+                        </a:xfrm>
+                        <a:prstGeom prst="rect">
+                          <a:avLst/>
+                        </a:prstGeom>
+                        <a:blipFill>
+                          <a:blip r:embed="rId36"/>
+                          <a:stretch>
+                            <a:fillRect l="-13115" r="-4918" b="-10000"/>
+                          </a:stretch>
+                        </a:blipFill>
+                      </p:spPr>
+                      <p:txBody>
+                        <a:bodyPr/>
+                        <a:lstStyle/>
+                        <a:p>
+                          <a:r>
+                            <a:rPr lang="en-US">
+                              <a:noFill/>
+                            </a:rPr>
+                            <a:t> </a:t>
+                          </a:r>
+                        </a:p>
+                      </p:txBody>
+                    </p:sp>
+                  </mc:Fallback>
+                </mc:AlternateContent>
+              </p:grpSp>
+              <p:grpSp>
+                <p:nvGrpSpPr>
+                  <p:cNvPr id="26" name="Group 25"/>
+                  <p:cNvGrpSpPr/>
+                  <p:nvPr/>
+                </p:nvGrpSpPr>
+                <p:grpSpPr>
+                  <a:xfrm>
+                    <a:off x="797312" y="2308302"/>
+                    <a:ext cx="6865643" cy="938449"/>
+                    <a:chOff x="758520" y="708040"/>
+                    <a:chExt cx="19831027" cy="2822775"/>
+                  </a:xfrm>
+                </p:grpSpPr>
+                <p:grpSp>
+                  <p:nvGrpSpPr>
+                    <p:cNvPr id="27" name="Group 26"/>
+                    <p:cNvGrpSpPr/>
+                    <p:nvPr/>
+                  </p:nvGrpSpPr>
+                  <p:grpSpPr>
+                    <a:xfrm>
+                      <a:off x="758520" y="708040"/>
+                      <a:ext cx="19831027" cy="2822775"/>
+                      <a:chOff x="785815" y="680744"/>
+                      <a:chExt cx="19831027" cy="2822775"/>
+                    </a:xfrm>
+                  </p:grpSpPr>
+                  <p:cxnSp>
+                    <p:nvCxnSpPr>
+                      <p:cNvPr id="29" name="Straight Arrow Connector 28"/>
+                      <p:cNvCxnSpPr/>
+                      <p:nvPr/>
+                    </p:nvCxnSpPr>
+                    <p:spPr>
+                      <a:xfrm flipV="1">
+                        <a:off x="1516583" y="680744"/>
+                        <a:ext cx="7683" cy="1859535"/>
+                      </a:xfrm>
+                      <a:prstGeom prst="straightConnector1">
+                        <a:avLst/>
+                      </a:prstGeom>
+                      <a:ln w="38100">
+                        <a:solidFill>
+                          <a:schemeClr val="tx1"/>
+                        </a:solidFill>
+                        <a:tailEnd type="triangle"/>
+                      </a:ln>
+                    </p:spPr>
+                    <p:style>
+                      <a:lnRef idx="1">
+                        <a:schemeClr val="accent1"/>
+                      </a:lnRef>
+                      <a:fillRef idx="0">
+                        <a:schemeClr val="accent1"/>
+                      </a:fillRef>
+                      <a:effectRef idx="0">
+                        <a:schemeClr val="accent1"/>
+                      </a:effectRef>
+                      <a:fontRef idx="minor">
+                        <a:schemeClr val="tx1"/>
+                      </a:fontRef>
+                    </p:style>
+                  </p:cxnSp>
+                  <p:cxnSp>
+                    <p:nvCxnSpPr>
+                      <p:cNvPr id="30" name="Straight Arrow Connector 29"/>
+                      <p:cNvCxnSpPr/>
+                      <p:nvPr/>
+                    </p:nvCxnSpPr>
+                    <p:spPr>
+                      <a:xfrm flipV="1">
+                        <a:off x="1507013" y="2473843"/>
+                        <a:ext cx="18491875" cy="61419"/>
+                      </a:xfrm>
+                      <a:prstGeom prst="straightConnector1">
+                        <a:avLst/>
+                      </a:prstGeom>
+                      <a:ln w="38100">
+                        <a:solidFill>
+                          <a:schemeClr val="tx1"/>
+                        </a:solidFill>
+                        <a:tailEnd type="triangle"/>
+                      </a:ln>
+                    </p:spPr>
+                    <p:style>
+                      <a:lnRef idx="1">
+                        <a:schemeClr val="accent1"/>
+                      </a:lnRef>
+                      <a:fillRef idx="0">
+                        <a:schemeClr val="accent1"/>
+                      </a:fillRef>
+                      <a:effectRef idx="0">
+                        <a:schemeClr val="accent1"/>
+                      </a:effectRef>
+                      <a:fontRef idx="minor">
+                        <a:schemeClr val="tx1"/>
+                      </a:fontRef>
+                    </p:style>
+                  </p:cxnSp>
+                  <mc:AlternateContent xmlns:mc="http://schemas.openxmlformats.org/markup-compatibility/2006">
+                    <mc:Choice xmlns:a14="http://schemas.microsoft.com/office/drawing/2010/main" Requires="a14">
+                      <p:sp>
+                        <p:nvSpPr>
+                          <p:cNvPr id="31" name="Rectangle 30"/>
+                          <p:cNvSpPr/>
+                          <p:nvPr/>
+                        </p:nvSpPr>
+                        <p:spPr>
+                          <a:xfrm>
+                            <a:off x="19098251" y="2392600"/>
+                            <a:ext cx="1518591" cy="1110919"/>
+                          </a:xfrm>
+                          <a:prstGeom prst="rect">
+                            <a:avLst/>
+                          </a:prstGeom>
+                        </p:spPr>
+                        <p:txBody>
+                          <a:bodyPr wrap="square">
+                            <a:spAutoFit/>
+                          </a:bodyPr>
+                          <a:lstStyle/>
+                          <a:p>
+                            <a:pPr/>
+                            <a14:m>
+                              <m:oMathPara xmlns:m="http://schemas.openxmlformats.org/officeDocument/2006/math">
+                                <m:oMathParaPr>
+                                  <m:jc m:val="centerGroup"/>
+                                </m:oMathParaPr>
+                                <m:oMath xmlns:m="http://schemas.openxmlformats.org/officeDocument/2006/math">
+                                  <m:r>
+                                    <a:rPr lang="en-US" i="1">
+                                      <a:latin typeface="Cambria Math" panose="02040503050406030204" pitchFamily="18" charset="0"/>
+                                      <a:cs typeface="Arial" panose="020B0604020202020204" pitchFamily="34" charset="0"/>
+                                    </a:rPr>
+                                    <m:t>𝑥</m:t>
+                                  </m:r>
+                                </m:oMath>
+                              </m:oMathPara>
+                            </a14:m>
+                            <a:endParaRPr lang="en-CA" dirty="0"/>
+                          </a:p>
+                        </p:txBody>
+                      </p:sp>
+                    </mc:Choice>
+                    <mc:Fallback>
+                      <p:sp>
+                        <p:nvSpPr>
+                          <p:cNvPr id="31" name="Rectangle 30"/>
+                          <p:cNvSpPr>
+                            <a:spLocks noRot="1" noChangeAspect="1" noMove="1" noResize="1" noEditPoints="1" noAdjustHandles="1" noChangeArrowheads="1" noChangeShapeType="1" noTextEdit="1"/>
+                          </p:cNvSpPr>
+                          <p:nvPr/>
+                        </p:nvSpPr>
+                        <p:spPr>
+                          <a:xfrm>
+                            <a:off x="19098251" y="2392600"/>
+                            <a:ext cx="1518591" cy="1110919"/>
+                          </a:xfrm>
+                          <a:prstGeom prst="rect">
+                            <a:avLst/>
+                          </a:prstGeom>
+                          <a:blipFill>
+                            <a:blip r:embed="rId37"/>
+                            <a:stretch>
+                              <a:fillRect/>
+                            </a:stretch>
+                          </a:blipFill>
+                        </p:spPr>
+                        <p:txBody>
+                          <a:bodyPr/>
+                          <a:lstStyle/>
+                          <a:p>
+                            <a:r>
+                              <a:rPr lang="en-US">
+                                <a:noFill/>
+                              </a:rPr>
+                              <a:t> </a:t>
+                            </a:r>
+                          </a:p>
+                        </p:txBody>
+                      </p:sp>
+                    </mc:Fallback>
+                  </mc:AlternateContent>
+                  <mc:AlternateContent xmlns:mc="http://schemas.openxmlformats.org/markup-compatibility/2006" xmlns:a14="http://schemas.microsoft.com/office/drawing/2010/main">
+                    <mc:Choice Requires="a14">
+                      <p:sp>
+                        <p:nvSpPr>
+                          <p:cNvPr id="32" name="Rectangle 31"/>
+                          <p:cNvSpPr/>
+                          <p:nvPr/>
+                        </p:nvSpPr>
+                        <p:spPr>
+                          <a:xfrm>
+                            <a:off x="785815" y="912420"/>
+                            <a:ext cx="371385" cy="369333"/>
+                          </a:xfrm>
+                          <a:prstGeom prst="rect">
+                            <a:avLst/>
+                          </a:prstGeom>
+                        </p:spPr>
+                        <p:txBody>
+                          <a:bodyPr wrap="none">
+                            <a:spAutoFit/>
+                          </a:bodyPr>
+                          <a:lstStyle/>
+                          <a:p>
+                            <a:pPr/>
+                            <a14:m>
+                              <m:oMathPara xmlns:m="http://schemas.openxmlformats.org/officeDocument/2006/math">
+                                <m:oMathParaPr>
+                                  <m:jc m:val="centerGroup"/>
+                                </m:oMathParaPr>
+                                <m:oMath xmlns:m="http://schemas.openxmlformats.org/officeDocument/2006/math">
+                                  <m:r>
+                                    <a:rPr lang="en-US" b="0" i="1" smtClean="0">
+                                      <a:latin typeface="Cambria Math" panose="02040503050406030204" pitchFamily="18" charset="0"/>
+                                    </a:rPr>
+                                    <m:t>𝑦</m:t>
+                                  </m:r>
+                                </m:oMath>
+                              </m:oMathPara>
+                            </a14:m>
+                            <a:endParaRPr lang="en-CA" dirty="0"/>
+                          </a:p>
+                        </p:txBody>
+                      </p:sp>
+                    </mc:Choice>
+                    <mc:Fallback xmlns="">
+                      <p:sp>
+                        <p:nvSpPr>
+                          <p:cNvPr id="108" name="Rectangle 107"/>
+                          <p:cNvSpPr>
+                            <a:spLocks noRot="1" noChangeAspect="1" noMove="1" noResize="1" noEditPoints="1" noAdjustHandles="1" noChangeArrowheads="1" noChangeShapeType="1" noTextEdit="1"/>
+                          </p:cNvSpPr>
+                          <p:nvPr/>
+                        </p:nvSpPr>
+                        <p:spPr>
+                          <a:xfrm>
+                            <a:off x="785815" y="912420"/>
+                            <a:ext cx="371385" cy="369333"/>
+                          </a:xfrm>
+                          <a:prstGeom prst="rect">
+                            <a:avLst/>
+                          </a:prstGeom>
+                          <a:blipFill>
+                            <a:blip r:embed="rId28"/>
+                            <a:stretch>
+                              <a:fillRect l="-19048" r="-114286" b="-220000"/>
+                            </a:stretch>
+                          </a:blipFill>
+                        </p:spPr>
+                        <p:txBody>
+                          <a:bodyPr/>
+                          <a:lstStyle/>
+                          <a:p>
+                            <a:r>
+                              <a:rPr lang="en-US">
+                                <a:noFill/>
+                              </a:rPr>
+                              <a:t> </a:t>
+                            </a:r>
+                          </a:p>
+                        </p:txBody>
+                      </p:sp>
+                    </mc:Fallback>
+                  </mc:AlternateContent>
+                  <mc:AlternateContent xmlns:mc="http://schemas.openxmlformats.org/markup-compatibility/2006">
+                    <mc:Choice xmlns:a14="http://schemas.microsoft.com/office/drawing/2010/main" Requires="a14">
+                      <p:sp>
+                        <p:nvSpPr>
+                          <p:cNvPr id="33" name="Rectangle 32"/>
+                          <p:cNvSpPr/>
+                          <p:nvPr/>
+                        </p:nvSpPr>
+                        <p:spPr>
+                          <a:xfrm>
+                            <a:off x="828630" y="1748951"/>
+                            <a:ext cx="804975" cy="1110919"/>
+                          </a:xfrm>
+                          <a:prstGeom prst="rect">
+                            <a:avLst/>
+                          </a:prstGeom>
+                        </p:spPr>
+                        <p:txBody>
+                          <a:bodyPr wrap="square">
+                            <a:spAutoFit/>
+                          </a:bodyPr>
+                          <a:lstStyle/>
+                          <a:p>
+                            <a:pPr/>
+                            <a14:m>
+                              <m:oMathPara xmlns:m="http://schemas.openxmlformats.org/officeDocument/2006/math">
+                                <m:oMathParaPr>
+                                  <m:jc m:val="centerGroup"/>
+                                </m:oMathParaPr>
+                                <m:oMath xmlns:m="http://schemas.openxmlformats.org/officeDocument/2006/math">
+                                  <m:r>
+                                    <a:rPr lang="en-US" b="0" i="1" smtClean="0">
+                                      <a:latin typeface="Cambria Math" panose="02040503050406030204" pitchFamily="18" charset="0"/>
+                                      <a:cs typeface="Arial" panose="020B0604020202020204" pitchFamily="34" charset="0"/>
+                                    </a:rPr>
+                                    <m:t>0</m:t>
+                                  </m:r>
+                                </m:oMath>
+                              </m:oMathPara>
+                            </a14:m>
+                            <a:endParaRPr lang="en-CA" dirty="0"/>
+                          </a:p>
+                        </p:txBody>
+                      </p:sp>
+                    </mc:Choice>
+                    <mc:Fallback>
+                      <p:sp>
+                        <p:nvSpPr>
+                          <p:cNvPr id="33" name="Rectangle 32"/>
+                          <p:cNvSpPr>
+                            <a:spLocks noRot="1" noChangeAspect="1" noMove="1" noResize="1" noEditPoints="1" noAdjustHandles="1" noChangeArrowheads="1" noChangeShapeType="1" noTextEdit="1"/>
+                          </p:cNvSpPr>
+                          <p:nvPr/>
+                        </p:nvSpPr>
+                        <p:spPr>
+                          <a:xfrm>
+                            <a:off x="828630" y="1748951"/>
+                            <a:ext cx="804975" cy="1110919"/>
+                          </a:xfrm>
+                          <a:prstGeom prst="rect">
+                            <a:avLst/>
+                          </a:prstGeom>
+                          <a:blipFill>
+                            <a:blip r:embed="rId38"/>
+                            <a:stretch>
+                              <a:fillRect r="-8696"/>
+                            </a:stretch>
+                          </a:blipFill>
+                        </p:spPr>
+                        <p:txBody>
+                          <a:bodyPr/>
+                          <a:lstStyle/>
+                          <a:p>
+                            <a:r>
+                              <a:rPr lang="en-US">
+                                <a:noFill/>
+                              </a:rPr>
+                              <a:t> </a:t>
+                            </a:r>
+                          </a:p>
+                        </p:txBody>
+                      </p:sp>
+                    </mc:Fallback>
+                  </mc:AlternateContent>
+                </p:grpSp>
+                <p:sp>
+                  <p:nvSpPr>
+                    <p:cNvPr id="28" name="Rectangle 27"/>
+                    <p:cNvSpPr/>
+                    <p:nvPr/>
+                  </p:nvSpPr>
+                  <p:spPr>
+                    <a:xfrm>
+                      <a:off x="1129904" y="1614682"/>
+                      <a:ext cx="184731" cy="369332"/>
+                    </a:xfrm>
+                    <a:prstGeom prst="rect">
+                      <a:avLst/>
+                    </a:prstGeom>
+                  </p:spPr>
+                  <p:txBody>
+                    <a:bodyPr wrap="none">
+                      <a:spAutoFit/>
+                    </a:bodyPr>
+                    <a:lstStyle/>
+                    <a:p>
+                      <a:endParaRPr lang="en-CA" dirty="0"/>
+                    </a:p>
+                  </p:txBody>
+                </p:sp>
+              </p:grpSp>
+            </p:grpSp>
+            <mc:AlternateContent xmlns:mc="http://schemas.openxmlformats.org/markup-compatibility/2006">
+              <mc:Choice xmlns:a14="http://schemas.microsoft.com/office/drawing/2010/main" Requires="a14">
+                <p:sp>
+                  <p:nvSpPr>
+                    <p:cNvPr id="35" name="TextBox 34"/>
+                    <p:cNvSpPr txBox="1"/>
+                    <p:nvPr/>
+                  </p:nvSpPr>
+                  <p:spPr>
+                    <a:xfrm>
+                      <a:off x="1107542" y="1285560"/>
+                      <a:ext cx="562899" cy="307777"/>
+                    </a:xfrm>
+                    <a:prstGeom prst="rect">
+                      <a:avLst/>
+                    </a:prstGeom>
+                    <a:noFill/>
+                  </p:spPr>
+                  <p:txBody>
+                    <a:bodyPr wrap="square" lIns="0" tIns="0" rIns="0" bIns="0" rtlCol="0">
+                      <a:spAutoFit/>
+                    </a:bodyPr>
+                    <a:lstStyle/>
+                    <a:p>
+                      <a14:m>
+                        <m:oMathPara xmlns:m="http://schemas.openxmlformats.org/officeDocument/2006/math">
+                          <m:oMathParaPr>
+                            <m:jc m:val="centerGroup"/>
+                          </m:oMathParaPr>
+                          <m:oMath xmlns:m="http://schemas.openxmlformats.org/officeDocument/2006/math">
+                            <m:r>
+                              <a:rPr lang="en-US" sz="2000" b="0" i="1" smtClean="0">
+                                <a:latin typeface="Cambria Math" panose="02040503050406030204" pitchFamily="18" charset="0"/>
+                                <a:cs typeface="Arial" panose="020B0604020202020204" pitchFamily="34" charset="0"/>
+                              </a:rPr>
+                              <m:t>𝑚</m:t>
+                            </m:r>
+                          </m:oMath>
+                        </m:oMathPara>
+                      </a14:m>
+                      <a:endParaRPr lang="en-US" sz="2000" dirty="0" smtClean="0">
+                        <a:latin typeface="Arial" panose="020B0604020202020204" pitchFamily="34" charset="0"/>
+                        <a:cs typeface="Arial" panose="020B0604020202020204" pitchFamily="34" charset="0"/>
+                      </a:endParaRPr>
+                    </a:p>
+                  </p:txBody>
+                </p:sp>
+              </mc:Choice>
+              <mc:Fallback>
+                <p:sp>
+                  <p:nvSpPr>
+                    <p:cNvPr id="35" name="TextBox 34"/>
+                    <p:cNvSpPr txBox="1">
+                      <a:spLocks noRot="1" noChangeAspect="1" noMove="1" noResize="1" noEditPoints="1" noAdjustHandles="1" noChangeArrowheads="1" noChangeShapeType="1" noTextEdit="1"/>
+                    </p:cNvSpPr>
+                    <p:nvPr/>
+                  </p:nvSpPr>
+                  <p:spPr>
+                    <a:xfrm>
+                      <a:off x="1107542" y="1285560"/>
+                      <a:ext cx="562899" cy="307777"/>
+                    </a:xfrm>
+                    <a:prstGeom prst="rect">
+                      <a:avLst/>
+                    </a:prstGeom>
+                    <a:blipFill>
+                      <a:blip r:embed="rId39"/>
+                      <a:stretch>
+                        <a:fillRect b="-2000"/>
+                      </a:stretch>
+                    </a:blipFill>
+                  </p:spPr>
+                  <p:txBody>
+                    <a:bodyPr/>
+                    <a:lstStyle/>
+                    <a:p>
+                      <a:r>
+                        <a:rPr lang="en-US">
+                          <a:noFill/>
                         </a:rPr>
-                        <m:t>𝛼</m:t>
-                      </m:r>
-                      <m:r>
-                        <a:rPr lang="en-US" sz="2000" b="0" i="1" smtClean="0">
-                          <a:latin typeface="Cambria Math" panose="02040503050406030204" pitchFamily="18" charset="0"/>
-                          <a:cs typeface="Arial" panose="020B0604020202020204" pitchFamily="34" charset="0"/>
+                        <a:t> </a:t>
+                      </a:r>
+                    </a:p>
+                  </p:txBody>
+                </p:sp>
+              </mc:Fallback>
+            </mc:AlternateContent>
+            <mc:AlternateContent xmlns:mc="http://schemas.openxmlformats.org/markup-compatibility/2006">
+              <mc:Choice xmlns:a14="http://schemas.microsoft.com/office/drawing/2010/main" Requires="a14">
+                <p:sp>
+                  <p:nvSpPr>
+                    <p:cNvPr id="36" name="TextBox 35"/>
+                    <p:cNvSpPr txBox="1"/>
+                    <p:nvPr/>
+                  </p:nvSpPr>
+                  <p:spPr>
+                    <a:xfrm>
+                      <a:off x="3066490" y="1285559"/>
+                      <a:ext cx="562899" cy="307777"/>
+                    </a:xfrm>
+                    <a:prstGeom prst="rect">
+                      <a:avLst/>
+                    </a:prstGeom>
+                    <a:noFill/>
+                  </p:spPr>
+                  <p:txBody>
+                    <a:bodyPr wrap="square" lIns="0" tIns="0" rIns="0" bIns="0" rtlCol="0">
+                      <a:spAutoFit/>
+                    </a:bodyPr>
+                    <a:lstStyle/>
+                    <a:p>
+                      <a14:m>
+                        <m:oMathPara xmlns:m="http://schemas.openxmlformats.org/officeDocument/2006/math">
+                          <m:oMathParaPr>
+                            <m:jc m:val="centerGroup"/>
+                          </m:oMathParaPr>
+                          <m:oMath xmlns:m="http://schemas.openxmlformats.org/officeDocument/2006/math">
+                            <m:r>
+                              <a:rPr lang="en-US" sz="2000" b="0" i="1" smtClean="0">
+                                <a:latin typeface="Cambria Math" panose="02040503050406030204" pitchFamily="18" charset="0"/>
+                                <a:cs typeface="Arial" panose="020B0604020202020204" pitchFamily="34" charset="0"/>
+                              </a:rPr>
+                              <m:t>𝑚</m:t>
+                            </m:r>
+                          </m:oMath>
+                        </m:oMathPara>
+                      </a14:m>
+                      <a:endParaRPr lang="en-US" sz="2000" dirty="0" smtClean="0">
+                        <a:latin typeface="Arial" panose="020B0604020202020204" pitchFamily="34" charset="0"/>
+                        <a:cs typeface="Arial" panose="020B0604020202020204" pitchFamily="34" charset="0"/>
+                      </a:endParaRPr>
+                    </a:p>
+                  </p:txBody>
+                </p:sp>
+              </mc:Choice>
+              <mc:Fallback>
+                <p:sp>
+                  <p:nvSpPr>
+                    <p:cNvPr id="36" name="TextBox 35"/>
+                    <p:cNvSpPr txBox="1">
+                      <a:spLocks noRot="1" noChangeAspect="1" noMove="1" noResize="1" noEditPoints="1" noAdjustHandles="1" noChangeArrowheads="1" noChangeShapeType="1" noTextEdit="1"/>
+                    </p:cNvSpPr>
+                    <p:nvPr/>
+                  </p:nvSpPr>
+                  <p:spPr>
+                    <a:xfrm>
+                      <a:off x="3066490" y="1285559"/>
+                      <a:ext cx="562899" cy="307777"/>
+                    </a:xfrm>
+                    <a:prstGeom prst="rect">
+                      <a:avLst/>
+                    </a:prstGeom>
+                    <a:blipFill>
+                      <a:blip r:embed="rId40"/>
+                      <a:stretch>
+                        <a:fillRect b="-2000"/>
+                      </a:stretch>
+                    </a:blipFill>
+                  </p:spPr>
+                  <p:txBody>
+                    <a:bodyPr/>
+                    <a:lstStyle/>
+                    <a:p>
+                      <a:r>
+                        <a:rPr lang="en-US">
+                          <a:noFill/>
                         </a:rPr>
-                        <m:t> </m:t>
-                      </m:r>
-                      <m:f>
-                        <m:fPr>
-                          <m:ctrlPr>
-                            <a:rPr lang="en-US" sz="2000" b="0" i="1" smtClean="0">
-                              <a:latin typeface="Cambria Math" panose="02040503050406030204" pitchFamily="18" charset="0"/>
-                              <a:cs typeface="Arial" panose="020B0604020202020204" pitchFamily="34" charset="0"/>
-                            </a:rPr>
-                          </m:ctrlPr>
-                        </m:fPr>
-                        <m:num>
+                        <a:t> </a:t>
+                      </a:r>
+                    </a:p>
+                  </p:txBody>
+                </p:sp>
+              </mc:Fallback>
+            </mc:AlternateContent>
+            <mc:AlternateContent xmlns:mc="http://schemas.openxmlformats.org/markup-compatibility/2006">
+              <mc:Choice xmlns:a14="http://schemas.microsoft.com/office/drawing/2010/main" Requires="a14">
+                <p:sp>
+                  <p:nvSpPr>
+                    <p:cNvPr id="37" name="TextBox 36"/>
+                    <p:cNvSpPr txBox="1"/>
+                    <p:nvPr/>
+                  </p:nvSpPr>
+                  <p:spPr>
+                    <a:xfrm>
+                      <a:off x="5013520" y="1285558"/>
+                      <a:ext cx="562899" cy="307777"/>
+                    </a:xfrm>
+                    <a:prstGeom prst="rect">
+                      <a:avLst/>
+                    </a:prstGeom>
+                    <a:noFill/>
+                  </p:spPr>
+                  <p:txBody>
+                    <a:bodyPr wrap="square" lIns="0" tIns="0" rIns="0" bIns="0" rtlCol="0">
+                      <a:spAutoFit/>
+                    </a:bodyPr>
+                    <a:lstStyle/>
+                    <a:p>
+                      <a14:m>
+                        <m:oMathPara xmlns:m="http://schemas.openxmlformats.org/officeDocument/2006/math">
+                          <m:oMathParaPr>
+                            <m:jc m:val="centerGroup"/>
+                          </m:oMathParaPr>
+                          <m:oMath xmlns:m="http://schemas.openxmlformats.org/officeDocument/2006/math">
+                            <m:r>
+                              <a:rPr lang="en-US" sz="2000" b="0" i="1" smtClean="0">
+                                <a:latin typeface="Cambria Math" panose="02040503050406030204" pitchFamily="18" charset="0"/>
+                                <a:cs typeface="Arial" panose="020B0604020202020204" pitchFamily="34" charset="0"/>
+                              </a:rPr>
+                              <m:t>𝑚</m:t>
+                            </m:r>
+                          </m:oMath>
+                        </m:oMathPara>
+                      </a14:m>
+                      <a:endParaRPr lang="en-US" sz="2000" dirty="0" smtClean="0">
+                        <a:latin typeface="Arial" panose="020B0604020202020204" pitchFamily="34" charset="0"/>
+                        <a:cs typeface="Arial" panose="020B0604020202020204" pitchFamily="34" charset="0"/>
+                      </a:endParaRPr>
+                    </a:p>
+                  </p:txBody>
+                </p:sp>
+              </mc:Choice>
+              <mc:Fallback>
+                <p:sp>
+                  <p:nvSpPr>
+                    <p:cNvPr id="37" name="TextBox 36"/>
+                    <p:cNvSpPr txBox="1">
+                      <a:spLocks noRot="1" noChangeAspect="1" noMove="1" noResize="1" noEditPoints="1" noAdjustHandles="1" noChangeArrowheads="1" noChangeShapeType="1" noTextEdit="1"/>
+                    </p:cNvSpPr>
+                    <p:nvPr/>
+                  </p:nvSpPr>
+                  <p:spPr>
+                    <a:xfrm>
+                      <a:off x="5013520" y="1285558"/>
+                      <a:ext cx="562899" cy="307777"/>
+                    </a:xfrm>
+                    <a:prstGeom prst="rect">
+                      <a:avLst/>
+                    </a:prstGeom>
+                    <a:blipFill>
+                      <a:blip r:embed="rId41"/>
+                      <a:stretch>
+                        <a:fillRect b="-2000"/>
+                      </a:stretch>
+                    </a:blipFill>
+                  </p:spPr>
+                  <p:txBody>
+                    <a:bodyPr/>
+                    <a:lstStyle/>
+                    <a:p>
+                      <a:r>
+                        <a:rPr lang="en-US">
+                          <a:noFill/>
+                        </a:rPr>
+                        <a:t> </a:t>
+                      </a:r>
+                    </a:p>
+                  </p:txBody>
+                </p:sp>
+              </mc:Fallback>
+            </mc:AlternateContent>
+          </p:grpSp>
+          <mc:AlternateContent xmlns:mc="http://schemas.openxmlformats.org/markup-compatibility/2006">
+            <mc:Choice xmlns:a14="http://schemas.microsoft.com/office/drawing/2010/main" Requires="a14">
+              <p:sp>
+                <p:nvSpPr>
+                  <p:cNvPr id="61" name="TextBox 60"/>
+                  <p:cNvSpPr txBox="1"/>
+                  <p:nvPr/>
+                </p:nvSpPr>
+                <p:spPr>
+                  <a:xfrm>
+                    <a:off x="1415508" y="620266"/>
+                    <a:ext cx="1267848" cy="307777"/>
+                  </a:xfrm>
+                  <a:prstGeom prst="rect">
+                    <a:avLst/>
+                  </a:prstGeom>
+                  <a:noFill/>
+                </p:spPr>
+                <p:txBody>
+                  <a:bodyPr wrap="none" lIns="0" tIns="0" rIns="0" bIns="0" rtlCol="0">
+                    <a:spAutoFit/>
+                  </a:bodyPr>
+                  <a:lstStyle/>
+                  <a:p>
+                    <a14:m>
+                      <m:oMathPara xmlns:m="http://schemas.openxmlformats.org/officeDocument/2006/math">
+                        <m:oMathParaPr>
+                          <m:jc m:val="centerGroup"/>
+                        </m:oMathParaPr>
+                        <m:oMath xmlns:m="http://schemas.openxmlformats.org/officeDocument/2006/math">
                           <m:r>
                             <a:rPr lang="en-US" sz="2000" b="0" i="1" smtClean="0">
                               <a:latin typeface="Cambria Math" panose="02040503050406030204" pitchFamily="18" charset="0"/>
                               <a:cs typeface="Arial" panose="020B0604020202020204" pitchFamily="34" charset="0"/>
                             </a:rPr>
-                            <m:t>𝑎</m:t>
+                            <m:t>𝑠𝑒𝑔𝑚𝑒𝑛𝑡</m:t>
                           </m:r>
-                        </m:num>
-                        <m:den>
                           <m:r>
                             <a:rPr lang="en-US" sz="2000" b="0" i="1" smtClean="0">
                               <a:latin typeface="Cambria Math" panose="02040503050406030204" pitchFamily="18" charset="0"/>
                               <a:cs typeface="Arial" panose="020B0604020202020204" pitchFamily="34" charset="0"/>
                             </a:rPr>
-                            <m:t>𝑏</m:t>
+                            <m:t> 1</m:t>
                           </m:r>
-                        </m:den>
-                      </m:f>
-                      <m:r>
-                        <a:rPr lang="en-US" sz="2000" b="0" i="1" smtClean="0">
-                          <a:latin typeface="Cambria Math" panose="02040503050406030204" pitchFamily="18" charset="0"/>
-                          <a:cs typeface="Arial" panose="020B0604020202020204" pitchFamily="34" charset="0"/>
-                        </a:rPr>
-                        <m:t>   </m:t>
-                      </m:r>
-                      <m:sSub>
-                        <m:sSubPr>
-                          <m:ctrlPr>
-                            <a:rPr lang="en-US" sz="2000" b="0" i="1" smtClean="0">
-                              <a:latin typeface="Cambria Math" panose="02040503050406030204" pitchFamily="18" charset="0"/>
-                              <a:cs typeface="Arial" panose="020B0604020202020204" pitchFamily="34" charset="0"/>
-                            </a:rPr>
-                          </m:ctrlPr>
-                        </m:sSubPr>
-                        <m:e>
-                          <m:acc>
-                            <m:accPr>
-                              <m:chr m:val="⃗"/>
-                              <m:ctrlPr>
-                                <a:rPr lang="en-US" sz="2000" b="0" i="1" smtClean="0">
-                                  <a:latin typeface="Cambria Math" panose="02040503050406030204" pitchFamily="18" charset="0"/>
-                                  <a:cs typeface="Arial" panose="020B0604020202020204" pitchFamily="34" charset="0"/>
-                                </a:rPr>
-                              </m:ctrlPr>
-                            </m:accPr>
-                            <m:e>
-                              <m:r>
-                                <a:rPr lang="en-US" sz="2000" b="0" i="1" smtClean="0">
-                                  <a:latin typeface="Cambria Math" panose="02040503050406030204" pitchFamily="18" charset="0"/>
-                                  <a:cs typeface="Arial" panose="020B0604020202020204" pitchFamily="34" charset="0"/>
-                                </a:rPr>
-                                <m:t>𝐹</m:t>
-                              </m:r>
-                            </m:e>
-                          </m:acc>
-                        </m:e>
-                        <m:sub>
+                        </m:oMath>
+                      </m:oMathPara>
+                    </a14:m>
+                    <a:endParaRPr lang="en-US" sz="2000" dirty="0" smtClean="0">
+                      <a:latin typeface="Arial" panose="020B0604020202020204" pitchFamily="34" charset="0"/>
+                      <a:cs typeface="Arial" panose="020B0604020202020204" pitchFamily="34" charset="0"/>
+                    </a:endParaRPr>
+                  </a:p>
+                </p:txBody>
+              </p:sp>
+            </mc:Choice>
+            <mc:Fallback>
+              <p:sp>
+                <p:nvSpPr>
+                  <p:cNvPr id="61" name="TextBox 60"/>
+                  <p:cNvSpPr txBox="1">
+                    <a:spLocks noRot="1" noChangeAspect="1" noMove="1" noResize="1" noEditPoints="1" noAdjustHandles="1" noChangeArrowheads="1" noChangeShapeType="1" noTextEdit="1"/>
+                  </p:cNvSpPr>
+                  <p:nvPr/>
+                </p:nvSpPr>
+                <p:spPr>
+                  <a:xfrm>
+                    <a:off x="1415508" y="620266"/>
+                    <a:ext cx="1267848" cy="307777"/>
+                  </a:xfrm>
+                  <a:prstGeom prst="rect">
+                    <a:avLst/>
+                  </a:prstGeom>
+                  <a:blipFill>
+                    <a:blip r:embed="rId42"/>
+                    <a:stretch>
+                      <a:fillRect l="-4808" r="-3846" b="-34000"/>
+                    </a:stretch>
+                  </a:blipFill>
+                </p:spPr>
+                <p:txBody>
+                  <a:bodyPr/>
+                  <a:lstStyle/>
+                  <a:p>
+                    <a:r>
+                      <a:rPr lang="en-US">
+                        <a:noFill/>
+                      </a:rPr>
+                      <a:t> </a:t>
+                    </a:r>
+                  </a:p>
+                </p:txBody>
+              </p:sp>
+            </mc:Fallback>
+          </mc:AlternateContent>
+          <mc:AlternateContent xmlns:mc="http://schemas.openxmlformats.org/markup-compatibility/2006">
+            <mc:Choice xmlns:a14="http://schemas.microsoft.com/office/drawing/2010/main" Requires="a14">
+              <p:sp>
+                <p:nvSpPr>
+                  <p:cNvPr id="62" name="TextBox 61"/>
+                  <p:cNvSpPr txBox="1"/>
+                  <p:nvPr/>
+                </p:nvSpPr>
+                <p:spPr>
+                  <a:xfrm>
+                    <a:off x="3352636" y="616453"/>
+                    <a:ext cx="1267848" cy="307777"/>
+                  </a:xfrm>
+                  <a:prstGeom prst="rect">
+                    <a:avLst/>
+                  </a:prstGeom>
+                  <a:noFill/>
+                </p:spPr>
+                <p:txBody>
+                  <a:bodyPr wrap="none" lIns="0" tIns="0" rIns="0" bIns="0" rtlCol="0">
+                    <a:spAutoFit/>
+                  </a:bodyPr>
+                  <a:lstStyle/>
+                  <a:p>
+                    <a14:m>
+                      <m:oMathPara xmlns:m="http://schemas.openxmlformats.org/officeDocument/2006/math">
+                        <m:oMathParaPr>
+                          <m:jc m:val="centerGroup"/>
+                        </m:oMathParaPr>
+                        <m:oMath xmlns:m="http://schemas.openxmlformats.org/officeDocument/2006/math">
                           <m:r>
                             <a:rPr lang="en-US" sz="2000" b="0" i="1" smtClean="0">
                               <a:latin typeface="Cambria Math" panose="02040503050406030204" pitchFamily="18" charset="0"/>
                               <a:cs typeface="Arial" panose="020B0604020202020204" pitchFamily="34" charset="0"/>
                             </a:rPr>
-                            <m:t>1</m:t>
+                            <m:t>𝑠𝑒𝑔𝑚𝑒𝑛𝑡</m:t>
                           </m:r>
-                        </m:sub>
-                      </m:sSub>
-                    </m:oMath>
-                  </m:oMathPara>
-                </a14:m>
-                <a:endParaRPr lang="en-US" sz="2000" dirty="0" smtClean="0">
-                  <a:latin typeface="Arial" panose="020B0604020202020204" pitchFamily="34" charset="0"/>
-                  <a:cs typeface="Arial" panose="020B0604020202020204" pitchFamily="34" charset="0"/>
-                </a:endParaRPr>
-              </a:p>
-            </p:txBody>
-          </p:sp>
-        </mc:Choice>
-        <mc:Fallback>
-          <p:sp>
-            <p:nvSpPr>
-              <p:cNvPr id="36" name="TextBox 35"/>
-              <p:cNvSpPr txBox="1">
-                <a:spLocks noRot="1" noChangeAspect="1" noMove="1" noResize="1" noEditPoints="1" noAdjustHandles="1" noChangeArrowheads="1" noChangeShapeType="1" noTextEdit="1"/>
-              </p:cNvSpPr>
-              <p:nvPr/>
-            </p:nvSpPr>
-            <p:spPr>
-              <a:xfrm>
-                <a:off x="7534277" y="3188393"/>
-                <a:ext cx="933845" cy="527067"/>
-              </a:xfrm>
-              <a:prstGeom prst="rect">
-                <a:avLst/>
-              </a:prstGeom>
-              <a:blipFill>
-                <a:blip r:embed="rId30"/>
-                <a:stretch>
-                  <a:fillRect/>
-                </a:stretch>
-              </a:blipFill>
-            </p:spPr>
-            <p:txBody>
-              <a:bodyPr/>
-              <a:lstStyle/>
-              <a:p>
-                <a:r>
-                  <a:rPr lang="en-US">
-                    <a:noFill/>
-                  </a:rPr>
-                  <a:t> </a:t>
-                </a:r>
-              </a:p>
-            </p:txBody>
-          </p:sp>
-        </mc:Fallback>
-      </mc:AlternateContent>
+                          <m:r>
+                            <a:rPr lang="en-US" sz="2000" b="0" i="1" smtClean="0">
+                              <a:latin typeface="Cambria Math" panose="02040503050406030204" pitchFamily="18" charset="0"/>
+                              <a:cs typeface="Arial" panose="020B0604020202020204" pitchFamily="34" charset="0"/>
+                            </a:rPr>
+                            <m:t> 2</m:t>
+                          </m:r>
+                        </m:oMath>
+                      </m:oMathPara>
+                    </a14:m>
+                    <a:endParaRPr lang="en-US" sz="2000" dirty="0" smtClean="0">
+                      <a:latin typeface="Arial" panose="020B0604020202020204" pitchFamily="34" charset="0"/>
+                      <a:cs typeface="Arial" panose="020B0604020202020204" pitchFamily="34" charset="0"/>
+                    </a:endParaRPr>
+                  </a:p>
+                </p:txBody>
+              </p:sp>
+            </mc:Choice>
+            <mc:Fallback>
+              <p:sp>
+                <p:nvSpPr>
+                  <p:cNvPr id="62" name="TextBox 61"/>
+                  <p:cNvSpPr txBox="1">
+                    <a:spLocks noRot="1" noChangeAspect="1" noMove="1" noResize="1" noEditPoints="1" noAdjustHandles="1" noChangeArrowheads="1" noChangeShapeType="1" noTextEdit="1"/>
+                  </p:cNvSpPr>
+                  <p:nvPr/>
+                </p:nvSpPr>
+                <p:spPr>
+                  <a:xfrm>
+                    <a:off x="3352636" y="616453"/>
+                    <a:ext cx="1267848" cy="307777"/>
+                  </a:xfrm>
+                  <a:prstGeom prst="rect">
+                    <a:avLst/>
+                  </a:prstGeom>
+                  <a:blipFill>
+                    <a:blip r:embed="rId43"/>
+                    <a:stretch>
+                      <a:fillRect l="-5288" r="-3365" b="-33333"/>
+                    </a:stretch>
+                  </a:blipFill>
+                </p:spPr>
+                <p:txBody>
+                  <a:bodyPr/>
+                  <a:lstStyle/>
+                  <a:p>
+                    <a:r>
+                      <a:rPr lang="en-US">
+                        <a:noFill/>
+                      </a:rPr>
+                      <a:t> </a:t>
+                    </a:r>
+                  </a:p>
+                </p:txBody>
+              </p:sp>
+            </mc:Fallback>
+          </mc:AlternateContent>
+          <mc:AlternateContent xmlns:mc="http://schemas.openxmlformats.org/markup-compatibility/2006">
+            <mc:Choice xmlns:a14="http://schemas.microsoft.com/office/drawing/2010/main" Requires="a14">
+              <p:sp>
+                <p:nvSpPr>
+                  <p:cNvPr id="63" name="TextBox 62"/>
+                  <p:cNvSpPr txBox="1"/>
+                  <p:nvPr/>
+                </p:nvSpPr>
+                <p:spPr>
+                  <a:xfrm>
+                    <a:off x="5289764" y="615322"/>
+                    <a:ext cx="1267848" cy="307777"/>
+                  </a:xfrm>
+                  <a:prstGeom prst="rect">
+                    <a:avLst/>
+                  </a:prstGeom>
+                  <a:noFill/>
+                </p:spPr>
+                <p:txBody>
+                  <a:bodyPr wrap="none" lIns="0" tIns="0" rIns="0" bIns="0" rtlCol="0">
+                    <a:spAutoFit/>
+                  </a:bodyPr>
+                  <a:lstStyle/>
+                  <a:p>
+                    <a14:m>
+                      <m:oMathPara xmlns:m="http://schemas.openxmlformats.org/officeDocument/2006/math">
+                        <m:oMathParaPr>
+                          <m:jc m:val="centerGroup"/>
+                        </m:oMathParaPr>
+                        <m:oMath xmlns:m="http://schemas.openxmlformats.org/officeDocument/2006/math">
+                          <m:r>
+                            <a:rPr lang="en-US" sz="2000" b="0" i="1" smtClean="0">
+                              <a:latin typeface="Cambria Math" panose="02040503050406030204" pitchFamily="18" charset="0"/>
+                              <a:cs typeface="Arial" panose="020B0604020202020204" pitchFamily="34" charset="0"/>
+                            </a:rPr>
+                            <m:t>𝑠𝑒𝑔𝑚𝑒𝑛𝑡</m:t>
+                          </m:r>
+                          <m:r>
+                            <a:rPr lang="en-US" sz="2000" b="0" i="1" smtClean="0">
+                              <a:latin typeface="Cambria Math" panose="02040503050406030204" pitchFamily="18" charset="0"/>
+                              <a:cs typeface="Arial" panose="020B0604020202020204" pitchFamily="34" charset="0"/>
+                            </a:rPr>
+                            <m:t> 3</m:t>
+                          </m:r>
+                        </m:oMath>
+                      </m:oMathPara>
+                    </a14:m>
+                    <a:endParaRPr lang="en-US" sz="2000" dirty="0" smtClean="0">
+                      <a:latin typeface="Arial" panose="020B0604020202020204" pitchFamily="34" charset="0"/>
+                      <a:cs typeface="Arial" panose="020B0604020202020204" pitchFamily="34" charset="0"/>
+                    </a:endParaRPr>
+                  </a:p>
+                </p:txBody>
+              </p:sp>
+            </mc:Choice>
+            <mc:Fallback>
+              <p:sp>
+                <p:nvSpPr>
+                  <p:cNvPr id="63" name="TextBox 62"/>
+                  <p:cNvSpPr txBox="1">
+                    <a:spLocks noRot="1" noChangeAspect="1" noMove="1" noResize="1" noEditPoints="1" noAdjustHandles="1" noChangeArrowheads="1" noChangeShapeType="1" noTextEdit="1"/>
+                  </p:cNvSpPr>
+                  <p:nvPr/>
+                </p:nvSpPr>
+                <p:spPr>
+                  <a:xfrm>
+                    <a:off x="5289764" y="615322"/>
+                    <a:ext cx="1267848" cy="307777"/>
+                  </a:xfrm>
+                  <a:prstGeom prst="rect">
+                    <a:avLst/>
+                  </a:prstGeom>
+                  <a:blipFill>
+                    <a:blip r:embed="rId44"/>
+                    <a:stretch>
+                      <a:fillRect l="-5288" r="-3365" b="-34000"/>
+                    </a:stretch>
+                  </a:blipFill>
+                </p:spPr>
+                <p:txBody>
+                  <a:bodyPr/>
+                  <a:lstStyle/>
+                  <a:p>
+                    <a:r>
+                      <a:rPr lang="en-US">
+                        <a:noFill/>
+                      </a:rPr>
+                      <a:t> </a:t>
+                    </a:r>
+                  </a:p>
+                </p:txBody>
+              </p:sp>
+            </mc:Fallback>
+          </mc:AlternateContent>
+        </p:grpSp>
+        <mc:AlternateContent xmlns:mc="http://schemas.openxmlformats.org/markup-compatibility/2006">
+          <mc:Choice xmlns:a14="http://schemas.microsoft.com/office/drawing/2010/main" Requires="a14">
+            <p:sp>
+              <p:nvSpPr>
+                <p:cNvPr id="65" name="TextBox 64"/>
+                <p:cNvSpPr txBox="1"/>
+                <p:nvPr/>
+              </p:nvSpPr>
+              <p:spPr>
+                <a:xfrm>
+                  <a:off x="951479" y="2953599"/>
+                  <a:ext cx="261343" cy="317240"/>
+                </a:xfrm>
+                <a:prstGeom prst="rect">
+                  <a:avLst/>
+                </a:prstGeom>
+                <a:noFill/>
+              </p:spPr>
+              <p:txBody>
+                <a:bodyPr wrap="square" lIns="0" tIns="0" rIns="0" bIns="0" rtlCol="0">
+                  <a:spAutoFit/>
+                </a:bodyPr>
+                <a:lstStyle/>
+                <a:p>
+                  <a14:m>
+                    <m:oMathPara xmlns:m="http://schemas.openxmlformats.org/officeDocument/2006/math">
+                      <m:oMathParaPr>
+                        <m:jc m:val="centerGroup"/>
+                      </m:oMathParaPr>
+                      <m:oMath xmlns:m="http://schemas.openxmlformats.org/officeDocument/2006/math">
+                        <m:sSub>
+                          <m:sSubPr>
+                            <m:ctrlPr>
+                              <a:rPr lang="en-US" sz="2000" b="0" i="1" smtClean="0">
+                                <a:latin typeface="Cambria Math" panose="02040503050406030204" pitchFamily="18" charset="0"/>
+                                <a:cs typeface="Arial" panose="020B0604020202020204" pitchFamily="34" charset="0"/>
+                              </a:rPr>
+                            </m:ctrlPr>
+                          </m:sSubPr>
+                          <m:e>
+                            <m:r>
+                              <a:rPr lang="en-US" sz="2000" b="0" i="1" smtClean="0">
+                                <a:latin typeface="Cambria Math" panose="02040503050406030204" pitchFamily="18" charset="0"/>
+                                <a:cs typeface="Arial" panose="020B0604020202020204" pitchFamily="34" charset="0"/>
+                              </a:rPr>
+                              <m:t>𝑥</m:t>
+                            </m:r>
+                          </m:e>
+                          <m:sub>
+                            <m:r>
+                              <a:rPr lang="en-US" sz="2000" b="0" i="1" smtClean="0">
+                                <a:latin typeface="Cambria Math" panose="02040503050406030204" pitchFamily="18" charset="0"/>
+                                <a:cs typeface="Arial" panose="020B0604020202020204" pitchFamily="34" charset="0"/>
+                              </a:rPr>
+                              <m:t>0</m:t>
+                            </m:r>
+                          </m:sub>
+                        </m:sSub>
+                      </m:oMath>
+                    </m:oMathPara>
+                  </a14:m>
+                  <a:endParaRPr lang="en-US" sz="2000" dirty="0" smtClean="0">
+                    <a:latin typeface="Arial" panose="020B0604020202020204" pitchFamily="34" charset="0"/>
+                    <a:cs typeface="Arial" panose="020B0604020202020204" pitchFamily="34" charset="0"/>
+                  </a:endParaRPr>
+                </a:p>
+              </p:txBody>
+            </p:sp>
+          </mc:Choice>
+          <mc:Fallback>
+            <p:sp>
+              <p:nvSpPr>
+                <p:cNvPr id="65" name="TextBox 64"/>
+                <p:cNvSpPr txBox="1">
+                  <a:spLocks noRot="1" noChangeAspect="1" noMove="1" noResize="1" noEditPoints="1" noAdjustHandles="1" noChangeArrowheads="1" noChangeShapeType="1" noTextEdit="1"/>
+                </p:cNvSpPr>
+                <p:nvPr/>
+              </p:nvSpPr>
+              <p:spPr>
+                <a:xfrm>
+                  <a:off x="951479" y="2953599"/>
+                  <a:ext cx="261343" cy="317240"/>
+                </a:xfrm>
+                <a:prstGeom prst="rect">
+                  <a:avLst/>
+                </a:prstGeom>
+                <a:blipFill>
+                  <a:blip r:embed="rId45"/>
+                  <a:stretch>
+                    <a:fillRect l="-20930" r="-20930" b="-15385"/>
+                  </a:stretch>
+                </a:blipFill>
+              </p:spPr>
+              <p:txBody>
+                <a:bodyPr/>
+                <a:lstStyle/>
+                <a:p>
+                  <a:r>
+                    <a:rPr lang="en-US">
+                      <a:noFill/>
+                    </a:rPr>
+                    <a:t> </a:t>
+                  </a:r>
+                </a:p>
+              </p:txBody>
+            </p:sp>
+          </mc:Fallback>
+        </mc:AlternateContent>
+        <mc:AlternateContent xmlns:mc="http://schemas.openxmlformats.org/markup-compatibility/2006">
+          <mc:Choice xmlns:a14="http://schemas.microsoft.com/office/drawing/2010/main" Requires="a14">
+            <p:sp>
+              <p:nvSpPr>
+                <p:cNvPr id="67" name="TextBox 66"/>
+                <p:cNvSpPr txBox="1"/>
+                <p:nvPr/>
+              </p:nvSpPr>
+              <p:spPr>
+                <a:xfrm>
+                  <a:off x="2930165" y="2958330"/>
+                  <a:ext cx="317972" cy="307777"/>
+                </a:xfrm>
+                <a:prstGeom prst="rect">
+                  <a:avLst/>
+                </a:prstGeom>
+                <a:noFill/>
+              </p:spPr>
+              <p:txBody>
+                <a:bodyPr wrap="none" lIns="0" tIns="0" rIns="0" bIns="0" rtlCol="0">
+                  <a:spAutoFit/>
+                </a:bodyPr>
+                <a:lstStyle/>
+                <a:p>
+                  <a14:m>
+                    <m:oMathPara xmlns:m="http://schemas.openxmlformats.org/officeDocument/2006/math">
+                      <m:oMathParaPr>
+                        <m:jc m:val="centerGroup"/>
+                      </m:oMathParaPr>
+                      <m:oMath xmlns:m="http://schemas.openxmlformats.org/officeDocument/2006/math">
+                        <m:sSub>
+                          <m:sSubPr>
+                            <m:ctrlPr>
+                              <a:rPr lang="en-US" sz="2000" b="0" i="1" smtClean="0">
+                                <a:latin typeface="Cambria Math" panose="02040503050406030204" pitchFamily="18" charset="0"/>
+                                <a:cs typeface="Arial" panose="020B0604020202020204" pitchFamily="34" charset="0"/>
+                              </a:rPr>
+                            </m:ctrlPr>
+                          </m:sSubPr>
+                          <m:e>
+                            <m:r>
+                              <a:rPr lang="en-US" sz="2000" b="0" i="1" smtClean="0">
+                                <a:latin typeface="Cambria Math" panose="02040503050406030204" pitchFamily="18" charset="0"/>
+                                <a:cs typeface="Arial" panose="020B0604020202020204" pitchFamily="34" charset="0"/>
+                              </a:rPr>
+                              <m:t>𝑥</m:t>
+                            </m:r>
+                          </m:e>
+                          <m:sub>
+                            <m:r>
+                              <a:rPr lang="en-US" sz="2000" b="0" i="1" smtClean="0">
+                                <a:latin typeface="Cambria Math" panose="02040503050406030204" pitchFamily="18" charset="0"/>
+                                <a:cs typeface="Arial" panose="020B0604020202020204" pitchFamily="34" charset="0"/>
+                              </a:rPr>
+                              <m:t>1</m:t>
+                            </m:r>
+                          </m:sub>
+                        </m:sSub>
+                      </m:oMath>
+                    </m:oMathPara>
+                  </a14:m>
+                  <a:endParaRPr lang="en-US" sz="2000" dirty="0" smtClean="0">
+                    <a:latin typeface="Arial" panose="020B0604020202020204" pitchFamily="34" charset="0"/>
+                    <a:cs typeface="Arial" panose="020B0604020202020204" pitchFamily="34" charset="0"/>
+                  </a:endParaRPr>
+                </a:p>
+              </p:txBody>
+            </p:sp>
+          </mc:Choice>
+          <mc:Fallback>
+            <p:sp>
+              <p:nvSpPr>
+                <p:cNvPr id="67" name="TextBox 66"/>
+                <p:cNvSpPr txBox="1">
+                  <a:spLocks noRot="1" noChangeAspect="1" noMove="1" noResize="1" noEditPoints="1" noAdjustHandles="1" noChangeArrowheads="1" noChangeShapeType="1" noTextEdit="1"/>
+                </p:cNvSpPr>
+                <p:nvPr/>
+              </p:nvSpPr>
+              <p:spPr>
+                <a:xfrm>
+                  <a:off x="2930165" y="2958330"/>
+                  <a:ext cx="317972" cy="307777"/>
+                </a:xfrm>
+                <a:prstGeom prst="rect">
+                  <a:avLst/>
+                </a:prstGeom>
+                <a:blipFill>
+                  <a:blip r:embed="rId46"/>
+                  <a:stretch>
+                    <a:fillRect l="-9615" r="-5769" b="-17647"/>
+                  </a:stretch>
+                </a:blipFill>
+              </p:spPr>
+              <p:txBody>
+                <a:bodyPr/>
+                <a:lstStyle/>
+                <a:p>
+                  <a:r>
+                    <a:rPr lang="en-US">
+                      <a:noFill/>
+                    </a:rPr>
+                    <a:t> </a:t>
+                  </a:r>
+                </a:p>
+              </p:txBody>
+            </p:sp>
+          </mc:Fallback>
+        </mc:AlternateContent>
+        <mc:AlternateContent xmlns:mc="http://schemas.openxmlformats.org/markup-compatibility/2006">
+          <mc:Choice xmlns:a14="http://schemas.microsoft.com/office/drawing/2010/main" Requires="a14">
+            <p:sp>
+              <p:nvSpPr>
+                <p:cNvPr id="68" name="TextBox 67"/>
+                <p:cNvSpPr txBox="1"/>
+                <p:nvPr/>
+              </p:nvSpPr>
+              <p:spPr>
+                <a:xfrm>
+                  <a:off x="4855104" y="2955396"/>
+                  <a:ext cx="323935" cy="307777"/>
+                </a:xfrm>
+                <a:prstGeom prst="rect">
+                  <a:avLst/>
+                </a:prstGeom>
+                <a:noFill/>
+              </p:spPr>
+              <p:txBody>
+                <a:bodyPr wrap="none" lIns="0" tIns="0" rIns="0" bIns="0" rtlCol="0">
+                  <a:spAutoFit/>
+                </a:bodyPr>
+                <a:lstStyle/>
+                <a:p>
+                  <a14:m>
+                    <m:oMathPara xmlns:m="http://schemas.openxmlformats.org/officeDocument/2006/math">
+                      <m:oMathParaPr>
+                        <m:jc m:val="centerGroup"/>
+                      </m:oMathParaPr>
+                      <m:oMath xmlns:m="http://schemas.openxmlformats.org/officeDocument/2006/math">
+                        <m:sSub>
+                          <m:sSubPr>
+                            <m:ctrlPr>
+                              <a:rPr lang="en-US" sz="2000" b="0" i="1" smtClean="0">
+                                <a:latin typeface="Cambria Math" panose="02040503050406030204" pitchFamily="18" charset="0"/>
+                                <a:cs typeface="Arial" panose="020B0604020202020204" pitchFamily="34" charset="0"/>
+                              </a:rPr>
+                            </m:ctrlPr>
+                          </m:sSubPr>
+                          <m:e>
+                            <m:r>
+                              <a:rPr lang="en-US" sz="2000" b="0" i="1" smtClean="0">
+                                <a:latin typeface="Cambria Math" panose="02040503050406030204" pitchFamily="18" charset="0"/>
+                                <a:cs typeface="Arial" panose="020B0604020202020204" pitchFamily="34" charset="0"/>
+                              </a:rPr>
+                              <m:t>𝑥</m:t>
+                            </m:r>
+                          </m:e>
+                          <m:sub>
+                            <m:r>
+                              <a:rPr lang="en-US" sz="2000" b="0" i="1" smtClean="0">
+                                <a:latin typeface="Cambria Math" panose="02040503050406030204" pitchFamily="18" charset="0"/>
+                                <a:cs typeface="Arial" panose="020B0604020202020204" pitchFamily="34" charset="0"/>
+                              </a:rPr>
+                              <m:t>2</m:t>
+                            </m:r>
+                          </m:sub>
+                        </m:sSub>
+                      </m:oMath>
+                    </m:oMathPara>
+                  </a14:m>
+                  <a:endParaRPr lang="en-US" sz="2000" dirty="0" smtClean="0">
+                    <a:latin typeface="Arial" panose="020B0604020202020204" pitchFamily="34" charset="0"/>
+                    <a:cs typeface="Arial" panose="020B0604020202020204" pitchFamily="34" charset="0"/>
+                  </a:endParaRPr>
+                </a:p>
+              </p:txBody>
+            </p:sp>
+          </mc:Choice>
+          <mc:Fallback>
+            <p:sp>
+              <p:nvSpPr>
+                <p:cNvPr id="68" name="TextBox 67"/>
+                <p:cNvSpPr txBox="1">
+                  <a:spLocks noRot="1" noChangeAspect="1" noMove="1" noResize="1" noEditPoints="1" noAdjustHandles="1" noChangeArrowheads="1" noChangeShapeType="1" noTextEdit="1"/>
+                </p:cNvSpPr>
+                <p:nvPr/>
+              </p:nvSpPr>
+              <p:spPr>
+                <a:xfrm>
+                  <a:off x="4855104" y="2955396"/>
+                  <a:ext cx="323935" cy="307777"/>
+                </a:xfrm>
+                <a:prstGeom prst="rect">
+                  <a:avLst/>
+                </a:prstGeom>
+                <a:blipFill>
+                  <a:blip r:embed="rId47"/>
+                  <a:stretch>
+                    <a:fillRect l="-7407" r="-5556" b="-20000"/>
+                  </a:stretch>
+                </a:blipFill>
+              </p:spPr>
+              <p:txBody>
+                <a:bodyPr/>
+                <a:lstStyle/>
+                <a:p>
+                  <a:r>
+                    <a:rPr lang="en-US">
+                      <a:noFill/>
+                    </a:rPr>
+                    <a:t> </a:t>
+                  </a:r>
+                </a:p>
+              </p:txBody>
+            </p:sp>
+          </mc:Fallback>
+        </mc:AlternateContent>
+        <mc:AlternateContent xmlns:mc="http://schemas.openxmlformats.org/markup-compatibility/2006">
+          <mc:Choice xmlns:a14="http://schemas.microsoft.com/office/drawing/2010/main" Requires="a14">
+            <p:sp>
+              <p:nvSpPr>
+                <p:cNvPr id="69" name="TextBox 68"/>
+                <p:cNvSpPr txBox="1"/>
+                <p:nvPr/>
+              </p:nvSpPr>
+              <p:spPr>
+                <a:xfrm>
+                  <a:off x="6743056" y="2962844"/>
+                  <a:ext cx="323935" cy="307777"/>
+                </a:xfrm>
+                <a:prstGeom prst="rect">
+                  <a:avLst/>
+                </a:prstGeom>
+                <a:noFill/>
+              </p:spPr>
+              <p:txBody>
+                <a:bodyPr wrap="none" lIns="0" tIns="0" rIns="0" bIns="0" rtlCol="0">
+                  <a:spAutoFit/>
+                </a:bodyPr>
+                <a:lstStyle/>
+                <a:p>
+                  <a14:m>
+                    <m:oMathPara xmlns:m="http://schemas.openxmlformats.org/officeDocument/2006/math">
+                      <m:oMathParaPr>
+                        <m:jc m:val="centerGroup"/>
+                      </m:oMathParaPr>
+                      <m:oMath xmlns:m="http://schemas.openxmlformats.org/officeDocument/2006/math">
+                        <m:sSub>
+                          <m:sSubPr>
+                            <m:ctrlPr>
+                              <a:rPr lang="en-US" sz="2000" b="0" i="1" smtClean="0">
+                                <a:latin typeface="Cambria Math" panose="02040503050406030204" pitchFamily="18" charset="0"/>
+                                <a:cs typeface="Arial" panose="020B0604020202020204" pitchFamily="34" charset="0"/>
+                              </a:rPr>
+                            </m:ctrlPr>
+                          </m:sSubPr>
+                          <m:e>
+                            <m:r>
+                              <a:rPr lang="en-US" sz="2000" b="0" i="1" smtClean="0">
+                                <a:latin typeface="Cambria Math" panose="02040503050406030204" pitchFamily="18" charset="0"/>
+                                <a:cs typeface="Arial" panose="020B0604020202020204" pitchFamily="34" charset="0"/>
+                              </a:rPr>
+                              <m:t>𝑥</m:t>
+                            </m:r>
+                          </m:e>
+                          <m:sub>
+                            <m:r>
+                              <a:rPr lang="en-US" sz="2000" b="0" i="1" smtClean="0">
+                                <a:latin typeface="Cambria Math" panose="02040503050406030204" pitchFamily="18" charset="0"/>
+                                <a:cs typeface="Arial" panose="020B0604020202020204" pitchFamily="34" charset="0"/>
+                              </a:rPr>
+                              <m:t>3</m:t>
+                            </m:r>
+                          </m:sub>
+                        </m:sSub>
+                      </m:oMath>
+                    </m:oMathPara>
+                  </a14:m>
+                  <a:endParaRPr lang="en-US" sz="2000" dirty="0" smtClean="0">
+                    <a:latin typeface="Arial" panose="020B0604020202020204" pitchFamily="34" charset="0"/>
+                    <a:cs typeface="Arial" panose="020B0604020202020204" pitchFamily="34" charset="0"/>
+                  </a:endParaRPr>
+                </a:p>
+              </p:txBody>
+            </p:sp>
+          </mc:Choice>
+          <mc:Fallback>
+            <p:sp>
+              <p:nvSpPr>
+                <p:cNvPr id="69" name="TextBox 68"/>
+                <p:cNvSpPr txBox="1">
+                  <a:spLocks noRot="1" noChangeAspect="1" noMove="1" noResize="1" noEditPoints="1" noAdjustHandles="1" noChangeArrowheads="1" noChangeShapeType="1" noTextEdit="1"/>
+                </p:cNvSpPr>
+                <p:nvPr/>
+              </p:nvSpPr>
+              <p:spPr>
+                <a:xfrm>
+                  <a:off x="6743056" y="2962844"/>
+                  <a:ext cx="323935" cy="307777"/>
+                </a:xfrm>
+                <a:prstGeom prst="rect">
+                  <a:avLst/>
+                </a:prstGeom>
+                <a:blipFill>
+                  <a:blip r:embed="rId48"/>
+                  <a:stretch>
+                    <a:fillRect l="-7547" r="-7547" b="-19608"/>
+                  </a:stretch>
+                </a:blipFill>
+              </p:spPr>
+              <p:txBody>
+                <a:bodyPr/>
+                <a:lstStyle/>
+                <a:p>
+                  <a:r>
+                    <a:rPr lang="en-US">
+                      <a:noFill/>
+                    </a:rPr>
+                    <a:t> </a:t>
+                  </a:r>
+                </a:p>
+              </p:txBody>
+            </p:sp>
+          </mc:Fallback>
+        </mc:AlternateContent>
+        <p:cxnSp>
+          <p:nvCxnSpPr>
+            <p:cNvPr id="72" name="Straight Connector 71"/>
+            <p:cNvCxnSpPr/>
+            <p:nvPr/>
+          </p:nvCxnSpPr>
+          <p:spPr>
+            <a:xfrm flipV="1">
+              <a:off x="3044188" y="2819853"/>
+              <a:ext cx="0" cy="189570"/>
+            </a:xfrm>
+            <a:prstGeom prst="line">
+              <a:avLst/>
+            </a:prstGeom>
+            <a:ln w="38100">
+              <a:solidFill>
+                <a:schemeClr val="tx1"/>
+              </a:solidFill>
+            </a:ln>
+          </p:spPr>
+          <p:style>
+            <a:lnRef idx="1">
+              <a:schemeClr val="accent1"/>
+            </a:lnRef>
+            <a:fillRef idx="0">
+              <a:schemeClr val="accent1"/>
+            </a:fillRef>
+            <a:effectRef idx="0">
+              <a:schemeClr val="accent1"/>
+            </a:effectRef>
+            <a:fontRef idx="minor">
+              <a:schemeClr val="tx1"/>
+            </a:fontRef>
+          </p:style>
+        </p:cxnSp>
+        <p:cxnSp>
+          <p:nvCxnSpPr>
+            <p:cNvPr id="73" name="Straight Connector 72"/>
+            <p:cNvCxnSpPr/>
+            <p:nvPr/>
+          </p:nvCxnSpPr>
+          <p:spPr>
+            <a:xfrm flipV="1">
+              <a:off x="4954858" y="2819853"/>
+              <a:ext cx="0" cy="189570"/>
+            </a:xfrm>
+            <a:prstGeom prst="line">
+              <a:avLst/>
+            </a:prstGeom>
+            <a:ln w="38100">
+              <a:solidFill>
+                <a:schemeClr val="tx1"/>
+              </a:solidFill>
+            </a:ln>
+          </p:spPr>
+          <p:style>
+            <a:lnRef idx="1">
+              <a:schemeClr val="accent1"/>
+            </a:lnRef>
+            <a:fillRef idx="0">
+              <a:schemeClr val="accent1"/>
+            </a:fillRef>
+            <a:effectRef idx="0">
+              <a:schemeClr val="accent1"/>
+            </a:effectRef>
+            <a:fontRef idx="minor">
+              <a:schemeClr val="tx1"/>
+            </a:fontRef>
+          </p:style>
+        </p:cxnSp>
+        <p:cxnSp>
+          <p:nvCxnSpPr>
+            <p:cNvPr id="74" name="Straight Connector 73"/>
+            <p:cNvCxnSpPr/>
+            <p:nvPr/>
+          </p:nvCxnSpPr>
+          <p:spPr>
+            <a:xfrm flipV="1">
+              <a:off x="6902042" y="2782634"/>
+              <a:ext cx="0" cy="189570"/>
+            </a:xfrm>
+            <a:prstGeom prst="line">
+              <a:avLst/>
+            </a:prstGeom>
+            <a:ln w="38100">
+              <a:solidFill>
+                <a:schemeClr val="tx1"/>
+              </a:solidFill>
+            </a:ln>
+          </p:spPr>
+          <p:style>
+            <a:lnRef idx="1">
+              <a:schemeClr val="accent1"/>
+            </a:lnRef>
+            <a:fillRef idx="0">
+              <a:schemeClr val="accent1"/>
+            </a:fillRef>
+            <a:effectRef idx="0">
+              <a:schemeClr val="accent1"/>
+            </a:effectRef>
+            <a:fontRef idx="minor">
+              <a:schemeClr val="tx1"/>
+            </a:fontRef>
+          </p:style>
+        </p:cxnSp>
+      </p:grpSp>
     </p:spTree>
     <p:extLst>
       <p:ext uri="{BB962C8B-B14F-4D97-AF65-F5344CB8AC3E}">
-        <p14:creationId xmlns:p14="http://schemas.microsoft.com/office/powerpoint/2010/main" val="2818547824"/>
+        <p14:creationId xmlns:p14="http://schemas.microsoft.com/office/powerpoint/2010/main" val="4060488833"/>
       </p:ext>
     </p:extLst>
   </p:cSld>

--- a/tex/figures/ApplyingNewtonsLaws/Figures.pptx
+++ b/tex/figures/ApplyingNewtonsLaws/Figures.pptx
@@ -8998,8 +8998,8 @@
             </a:fontRef>
           </p:style>
         </p:cxnSp>
-        <mc:AlternateContent xmlns:mc="http://schemas.openxmlformats.org/markup-compatibility/2006">
-          <mc:Choice xmlns:a14="http://schemas.microsoft.com/office/drawing/2010/main" Requires="a14">
+        <mc:AlternateContent xmlns:mc="http://schemas.openxmlformats.org/markup-compatibility/2006" xmlns:a14="http://schemas.microsoft.com/office/drawing/2010/main">
+          <mc:Choice Requires="a14">
             <p:sp>
               <p:nvSpPr>
                 <p:cNvPr id="47" name="TextBox 46"/>
@@ -9022,6 +9022,7 @@
                 </a:bodyPr>
                 <a:lstStyle/>
                 <a:p>
+                  <a:pPr/>
                   <a14:m>
                     <m:oMathPara xmlns:m="http://schemas.openxmlformats.org/officeDocument/2006/math">
                       <m:oMathParaPr>
@@ -9080,7 +9081,7 @@
               </p:txBody>
             </p:sp>
           </mc:Choice>
-          <mc:Fallback>
+          <mc:Fallback xmlns="">
             <p:sp>
               <p:nvSpPr>
                 <p:cNvPr id="47" name="TextBox 46"/>
@@ -9119,8 +9120,8 @@
             </p:sp>
           </mc:Fallback>
         </mc:AlternateContent>
-        <mc:AlternateContent xmlns:mc="http://schemas.openxmlformats.org/markup-compatibility/2006">
-          <mc:Choice xmlns:a14="http://schemas.microsoft.com/office/drawing/2010/main" Requires="a14">
+        <mc:AlternateContent xmlns:mc="http://schemas.openxmlformats.org/markup-compatibility/2006" xmlns:a14="http://schemas.microsoft.com/office/drawing/2010/main">
+          <mc:Choice Requires="a14">
             <p:sp>
               <p:nvSpPr>
                 <p:cNvPr id="48" name="TextBox 47"/>
@@ -9143,6 +9144,7 @@
                 </a:bodyPr>
                 <a:lstStyle/>
                 <a:p>
+                  <a:pPr/>
                   <a14:m>
                     <m:oMathPara xmlns:m="http://schemas.openxmlformats.org/officeDocument/2006/math">
                       <m:oMathParaPr>
@@ -9180,7 +9182,7 @@
               </p:txBody>
             </p:sp>
           </mc:Choice>
-          <mc:Fallback>
+          <mc:Fallback xmlns="">
             <p:sp>
               <p:nvSpPr>
                 <p:cNvPr id="48" name="TextBox 47"/>
@@ -9219,8 +9221,8 @@
             </p:sp>
           </mc:Fallback>
         </mc:AlternateContent>
-        <mc:AlternateContent xmlns:mc="http://schemas.openxmlformats.org/markup-compatibility/2006">
-          <mc:Choice xmlns:a14="http://schemas.microsoft.com/office/drawing/2010/main" Requires="a14">
+        <mc:AlternateContent xmlns:mc="http://schemas.openxmlformats.org/markup-compatibility/2006" xmlns:a14="http://schemas.microsoft.com/office/drawing/2010/main">
+          <mc:Choice Requires="a14">
             <p:sp>
               <p:nvSpPr>
                 <p:cNvPr id="49" name="TextBox 48"/>
@@ -9243,6 +9245,7 @@
                 </a:bodyPr>
                 <a:lstStyle/>
                 <a:p>
+                  <a:pPr/>
                   <a14:m>
                     <m:oMathPara xmlns:m="http://schemas.openxmlformats.org/officeDocument/2006/math">
                       <m:oMathParaPr>
@@ -9280,7 +9283,7 @@
               </p:txBody>
             </p:sp>
           </mc:Choice>
-          <mc:Fallback>
+          <mc:Fallback xmlns="">
             <p:sp>
               <p:nvSpPr>
                 <p:cNvPr id="49" name="TextBox 48"/>
@@ -9745,8 +9748,8 @@
             </a:p>
           </p:txBody>
         </p:sp>
-        <mc:AlternateContent xmlns:mc="http://schemas.openxmlformats.org/markup-compatibility/2006">
-          <mc:Choice xmlns:a14="http://schemas.microsoft.com/office/drawing/2010/main" Requires="a14">
+        <mc:AlternateContent xmlns:mc="http://schemas.openxmlformats.org/markup-compatibility/2006" xmlns:a14="http://schemas.microsoft.com/office/drawing/2010/main">
+          <mc:Choice Requires="a14">
             <p:sp>
               <p:nvSpPr>
                 <p:cNvPr id="59" name="TextBox 58"/>
@@ -9769,6 +9772,7 @@
                 </a:bodyPr>
                 <a:lstStyle/>
                 <a:p>
+                  <a:pPr/>
                   <a14:m>
                     <m:oMathPara xmlns:m="http://schemas.openxmlformats.org/officeDocument/2006/math">
                       <m:oMathParaPr>
@@ -9806,7 +9810,7 @@
               </p:txBody>
             </p:sp>
           </mc:Choice>
-          <mc:Fallback>
+          <mc:Fallback xmlns="">
             <p:sp>
               <p:nvSpPr>
                 <p:cNvPr id="59" name="TextBox 58"/>
@@ -10218,8 +10222,8 @@
                     </a:fontRef>
                   </p:style>
                 </p:cxnSp>
-                <mc:AlternateContent xmlns:mc="http://schemas.openxmlformats.org/markup-compatibility/2006">
-                  <mc:Choice xmlns:a14="http://schemas.microsoft.com/office/drawing/2010/main" Requires="a14">
+                <mc:AlternateContent xmlns:mc="http://schemas.openxmlformats.org/markup-compatibility/2006" xmlns:a14="http://schemas.microsoft.com/office/drawing/2010/main">
+                  <mc:Choice Requires="a14">
                     <p:sp>
                       <p:nvSpPr>
                         <p:cNvPr id="12" name="TextBox 11"/>
@@ -10242,6 +10246,7 @@
                         </a:bodyPr>
                         <a:lstStyle/>
                         <a:p>
+                          <a:pPr/>
                           <a14:m>
                             <m:oMathPara xmlns:m="http://schemas.openxmlformats.org/officeDocument/2006/math">
                               <m:oMathParaPr>
@@ -10300,7 +10305,7 @@
                       </p:txBody>
                     </p:sp>
                   </mc:Choice>
-                  <mc:Fallback>
+                  <mc:Fallback xmlns="">
                     <p:sp>
                       <p:nvSpPr>
                         <p:cNvPr id="12" name="TextBox 11"/>
@@ -10339,8 +10344,8 @@
                     </p:sp>
                   </mc:Fallback>
                 </mc:AlternateContent>
-                <mc:AlternateContent xmlns:mc="http://schemas.openxmlformats.org/markup-compatibility/2006">
-                  <mc:Choice xmlns:a14="http://schemas.microsoft.com/office/drawing/2010/main" Requires="a14">
+                <mc:AlternateContent xmlns:mc="http://schemas.openxmlformats.org/markup-compatibility/2006" xmlns:a14="http://schemas.microsoft.com/office/drawing/2010/main">
+                  <mc:Choice Requires="a14">
                     <p:sp>
                       <p:nvSpPr>
                         <p:cNvPr id="13" name="TextBox 12"/>
@@ -10363,6 +10368,7 @@
                         </a:bodyPr>
                         <a:lstStyle/>
                         <a:p>
+                          <a:pPr/>
                           <a14:m>
                             <m:oMathPara xmlns:m="http://schemas.openxmlformats.org/officeDocument/2006/math">
                               <m:oMathParaPr>
@@ -10421,7 +10427,7 @@
                       </p:txBody>
                     </p:sp>
                   </mc:Choice>
-                  <mc:Fallback>
+                  <mc:Fallback xmlns="">
                     <p:sp>
                       <p:nvSpPr>
                         <p:cNvPr id="13" name="TextBox 12"/>
@@ -10460,8 +10466,8 @@
                     </p:sp>
                   </mc:Fallback>
                 </mc:AlternateContent>
-                <mc:AlternateContent xmlns:mc="http://schemas.openxmlformats.org/markup-compatibility/2006">
-                  <mc:Choice xmlns:a14="http://schemas.microsoft.com/office/drawing/2010/main" Requires="a14">
+                <mc:AlternateContent xmlns:mc="http://schemas.openxmlformats.org/markup-compatibility/2006" xmlns:a14="http://schemas.microsoft.com/office/drawing/2010/main">
+                  <mc:Choice Requires="a14">
                     <p:sp>
                       <p:nvSpPr>
                         <p:cNvPr id="14" name="TextBox 13"/>
@@ -10484,6 +10490,7 @@
                         </a:bodyPr>
                         <a:lstStyle/>
                         <a:p>
+                          <a:pPr/>
                           <a14:m>
                             <m:oMathPara xmlns:m="http://schemas.openxmlformats.org/officeDocument/2006/math">
                               <m:oMathParaPr>
@@ -10542,7 +10549,7 @@
                       </p:txBody>
                     </p:sp>
                   </mc:Choice>
-                  <mc:Fallback>
+                  <mc:Fallback xmlns="">
                     <p:sp>
                       <p:nvSpPr>
                         <p:cNvPr id="14" name="TextBox 13"/>
@@ -10692,8 +10699,8 @@
                     </a:fontRef>
                   </p:style>
                 </p:cxnSp>
-                <mc:AlternateContent xmlns:mc="http://schemas.openxmlformats.org/markup-compatibility/2006">
-                  <mc:Choice xmlns:a14="http://schemas.microsoft.com/office/drawing/2010/main" Requires="a14">
+                <mc:AlternateContent xmlns:mc="http://schemas.openxmlformats.org/markup-compatibility/2006" xmlns:a14="http://schemas.microsoft.com/office/drawing/2010/main">
+                  <mc:Choice Requires="a14">
                     <p:sp>
                       <p:nvSpPr>
                         <p:cNvPr id="19" name="TextBox 18"/>
@@ -10716,6 +10723,7 @@
                         </a:bodyPr>
                         <a:lstStyle/>
                         <a:p>
+                          <a:pPr/>
                           <a14:m>
                             <m:oMathPara xmlns:m="http://schemas.openxmlformats.org/officeDocument/2006/math">
                               <m:oMathParaPr>
@@ -10750,7 +10758,7 @@
                       </p:txBody>
                     </p:sp>
                   </mc:Choice>
-                  <mc:Fallback>
+                  <mc:Fallback xmlns="">
                     <p:sp>
                       <p:nvSpPr>
                         <p:cNvPr id="19" name="TextBox 18"/>
@@ -10789,8 +10797,8 @@
                     </p:sp>
                   </mc:Fallback>
                 </mc:AlternateContent>
-                <mc:AlternateContent xmlns:mc="http://schemas.openxmlformats.org/markup-compatibility/2006">
-                  <mc:Choice xmlns:a14="http://schemas.microsoft.com/office/drawing/2010/main" Requires="a14">
+                <mc:AlternateContent xmlns:mc="http://schemas.openxmlformats.org/markup-compatibility/2006" xmlns:a14="http://schemas.microsoft.com/office/drawing/2010/main">
+                  <mc:Choice Requires="a14">
                     <p:sp>
                       <p:nvSpPr>
                         <p:cNvPr id="20" name="TextBox 19"/>
@@ -10813,6 +10821,7 @@
                         </a:bodyPr>
                         <a:lstStyle/>
                         <a:p>
+                          <a:pPr/>
                           <a14:m>
                             <m:oMathPara xmlns:m="http://schemas.openxmlformats.org/officeDocument/2006/math">
                               <m:oMathParaPr>
@@ -10847,7 +10856,7 @@
                       </p:txBody>
                     </p:sp>
                   </mc:Choice>
-                  <mc:Fallback>
+                  <mc:Fallback xmlns="">
                     <p:sp>
                       <p:nvSpPr>
                         <p:cNvPr id="20" name="TextBox 19"/>
@@ -10886,8 +10895,8 @@
                     </p:sp>
                   </mc:Fallback>
                 </mc:AlternateContent>
-                <mc:AlternateContent xmlns:mc="http://schemas.openxmlformats.org/markup-compatibility/2006">
-                  <mc:Choice xmlns:a14="http://schemas.microsoft.com/office/drawing/2010/main" Requires="a14">
+                <mc:AlternateContent xmlns:mc="http://schemas.openxmlformats.org/markup-compatibility/2006" xmlns:a14="http://schemas.microsoft.com/office/drawing/2010/main">
+                  <mc:Choice Requires="a14">
                     <p:sp>
                       <p:nvSpPr>
                         <p:cNvPr id="21" name="TextBox 20"/>
@@ -10910,6 +10919,7 @@
                         </a:bodyPr>
                         <a:lstStyle/>
                         <a:p>
+                          <a:pPr/>
                           <a14:m>
                             <m:oMathPara xmlns:m="http://schemas.openxmlformats.org/officeDocument/2006/math">
                               <m:oMathParaPr>
@@ -10944,7 +10954,7 @@
                       </p:txBody>
                     </p:sp>
                   </mc:Choice>
-                  <mc:Fallback>
+                  <mc:Fallback xmlns="">
                     <p:sp>
                       <p:nvSpPr>
                         <p:cNvPr id="21" name="TextBox 20"/>
@@ -11084,8 +11094,8 @@
                       </a:fontRef>
                     </p:style>
                   </p:cxnSp>
-                  <mc:AlternateContent xmlns:mc="http://schemas.openxmlformats.org/markup-compatibility/2006">
-                    <mc:Choice xmlns:a14="http://schemas.microsoft.com/office/drawing/2010/main" Requires="a14">
+                  <mc:AlternateContent xmlns:mc="http://schemas.openxmlformats.org/markup-compatibility/2006" xmlns:a14="http://schemas.microsoft.com/office/drawing/2010/main">
+                    <mc:Choice Requires="a14">
                       <p:sp>
                         <p:nvSpPr>
                           <p:cNvPr id="31" name="Rectangle 30"/>
@@ -11129,7 +11139,7 @@
                         </p:txBody>
                       </p:sp>
                     </mc:Choice>
-                    <mc:Fallback>
+                    <mc:Fallback xmlns="">
                       <p:sp>
                         <p:nvSpPr>
                           <p:cNvPr id="31" name="Rectangle 30"/>
@@ -11251,8 +11261,8 @@
                       </p:sp>
                     </mc:Fallback>
                   </mc:AlternateContent>
-                  <mc:AlternateContent xmlns:mc="http://schemas.openxmlformats.org/markup-compatibility/2006">
-                    <mc:Choice xmlns:a14="http://schemas.microsoft.com/office/drawing/2010/main" Requires="a14">
+                  <mc:AlternateContent xmlns:mc="http://schemas.openxmlformats.org/markup-compatibility/2006" xmlns:a14="http://schemas.microsoft.com/office/drawing/2010/main">
+                    <mc:Choice Requires="a14">
                       <p:sp>
                         <p:nvSpPr>
                           <p:cNvPr id="33" name="Rectangle 32"/>
@@ -11296,7 +11306,7 @@
                         </p:txBody>
                       </p:sp>
                     </mc:Choice>
-                    <mc:Fallback>
+                    <mc:Fallback xmlns="">
                       <p:sp>
                         <p:nvSpPr>
                           <p:cNvPr id="33" name="Rectangle 32"/>
@@ -11363,8 +11373,8 @@
                 </p:sp>
               </p:grpSp>
             </p:grpSp>
-            <mc:AlternateContent xmlns:mc="http://schemas.openxmlformats.org/markup-compatibility/2006">
-              <mc:Choice xmlns:a14="http://schemas.microsoft.com/office/drawing/2010/main" Requires="a14">
+            <mc:AlternateContent xmlns:mc="http://schemas.openxmlformats.org/markup-compatibility/2006" xmlns:a14="http://schemas.microsoft.com/office/drawing/2010/main">
+              <mc:Choice Requires="a14">
                 <p:sp>
                   <p:nvSpPr>
                     <p:cNvPr id="35" name="TextBox 34"/>
@@ -11387,6 +11397,7 @@
                     </a:bodyPr>
                     <a:lstStyle/>
                     <a:p>
+                      <a:pPr/>
                       <a14:m>
                         <m:oMathPara xmlns:m="http://schemas.openxmlformats.org/officeDocument/2006/math">
                           <m:oMathParaPr>
@@ -11411,7 +11422,7 @@
                   </p:txBody>
                 </p:sp>
               </mc:Choice>
-              <mc:Fallback>
+              <mc:Fallback xmlns="">
                 <p:sp>
                   <p:nvSpPr>
                     <p:cNvPr id="35" name="TextBox 34"/>
@@ -11450,8 +11461,8 @@
                 </p:sp>
               </mc:Fallback>
             </mc:AlternateContent>
-            <mc:AlternateContent xmlns:mc="http://schemas.openxmlformats.org/markup-compatibility/2006">
-              <mc:Choice xmlns:a14="http://schemas.microsoft.com/office/drawing/2010/main" Requires="a14">
+            <mc:AlternateContent xmlns:mc="http://schemas.openxmlformats.org/markup-compatibility/2006" xmlns:a14="http://schemas.microsoft.com/office/drawing/2010/main">
+              <mc:Choice Requires="a14">
                 <p:sp>
                   <p:nvSpPr>
                     <p:cNvPr id="36" name="TextBox 35"/>
@@ -11474,6 +11485,7 @@
                     </a:bodyPr>
                     <a:lstStyle/>
                     <a:p>
+                      <a:pPr/>
                       <a14:m>
                         <m:oMathPara xmlns:m="http://schemas.openxmlformats.org/officeDocument/2006/math">
                           <m:oMathParaPr>
@@ -11498,7 +11510,7 @@
                   </p:txBody>
                 </p:sp>
               </mc:Choice>
-              <mc:Fallback>
+              <mc:Fallback xmlns="">
                 <p:sp>
                   <p:nvSpPr>
                     <p:cNvPr id="36" name="TextBox 35"/>
@@ -11537,8 +11549,8 @@
                 </p:sp>
               </mc:Fallback>
             </mc:AlternateContent>
-            <mc:AlternateContent xmlns:mc="http://schemas.openxmlformats.org/markup-compatibility/2006">
-              <mc:Choice xmlns:a14="http://schemas.microsoft.com/office/drawing/2010/main" Requires="a14">
+            <mc:AlternateContent xmlns:mc="http://schemas.openxmlformats.org/markup-compatibility/2006" xmlns:a14="http://schemas.microsoft.com/office/drawing/2010/main">
+              <mc:Choice Requires="a14">
                 <p:sp>
                   <p:nvSpPr>
                     <p:cNvPr id="37" name="TextBox 36"/>
@@ -11561,6 +11573,7 @@
                     </a:bodyPr>
                     <a:lstStyle/>
                     <a:p>
+                      <a:pPr/>
                       <a14:m>
                         <m:oMathPara xmlns:m="http://schemas.openxmlformats.org/officeDocument/2006/math">
                           <m:oMathParaPr>
@@ -11585,7 +11598,7 @@
                   </p:txBody>
                 </p:sp>
               </mc:Choice>
-              <mc:Fallback>
+              <mc:Fallback xmlns="">
                 <p:sp>
                   <p:nvSpPr>
                     <p:cNvPr id="37" name="TextBox 36"/>
@@ -11625,8 +11638,8 @@
               </mc:Fallback>
             </mc:AlternateContent>
           </p:grpSp>
-          <mc:AlternateContent xmlns:mc="http://schemas.openxmlformats.org/markup-compatibility/2006">
-            <mc:Choice xmlns:a14="http://schemas.microsoft.com/office/drawing/2010/main" Requires="a14">
+          <mc:AlternateContent xmlns:mc="http://schemas.openxmlformats.org/markup-compatibility/2006" xmlns:a14="http://schemas.microsoft.com/office/drawing/2010/main">
+            <mc:Choice Requires="a14">
               <p:sp>
                 <p:nvSpPr>
                   <p:cNvPr id="61" name="TextBox 60"/>
@@ -11649,6 +11662,7 @@
                   </a:bodyPr>
                   <a:lstStyle/>
                   <a:p>
+                    <a:pPr/>
                     <a14:m>
                       <m:oMathPara xmlns:m="http://schemas.openxmlformats.org/officeDocument/2006/math">
                         <m:oMathParaPr>
@@ -11680,7 +11694,7 @@
                 </p:txBody>
               </p:sp>
             </mc:Choice>
-            <mc:Fallback>
+            <mc:Fallback xmlns="">
               <p:sp>
                 <p:nvSpPr>
                   <p:cNvPr id="61" name="TextBox 60"/>
@@ -11719,8 +11733,8 @@
               </p:sp>
             </mc:Fallback>
           </mc:AlternateContent>
-          <mc:AlternateContent xmlns:mc="http://schemas.openxmlformats.org/markup-compatibility/2006">
-            <mc:Choice xmlns:a14="http://schemas.microsoft.com/office/drawing/2010/main" Requires="a14">
+          <mc:AlternateContent xmlns:mc="http://schemas.openxmlformats.org/markup-compatibility/2006" xmlns:a14="http://schemas.microsoft.com/office/drawing/2010/main">
+            <mc:Choice Requires="a14">
               <p:sp>
                 <p:nvSpPr>
                   <p:cNvPr id="62" name="TextBox 61"/>
@@ -11743,6 +11757,7 @@
                   </a:bodyPr>
                   <a:lstStyle/>
                   <a:p>
+                    <a:pPr/>
                     <a14:m>
                       <m:oMathPara xmlns:m="http://schemas.openxmlformats.org/officeDocument/2006/math">
                         <m:oMathParaPr>
@@ -11774,7 +11789,7 @@
                 </p:txBody>
               </p:sp>
             </mc:Choice>
-            <mc:Fallback>
+            <mc:Fallback xmlns="">
               <p:sp>
                 <p:nvSpPr>
                   <p:cNvPr id="62" name="TextBox 61"/>
@@ -11813,8 +11828,8 @@
               </p:sp>
             </mc:Fallback>
           </mc:AlternateContent>
-          <mc:AlternateContent xmlns:mc="http://schemas.openxmlformats.org/markup-compatibility/2006">
-            <mc:Choice xmlns:a14="http://schemas.microsoft.com/office/drawing/2010/main" Requires="a14">
+          <mc:AlternateContent xmlns:mc="http://schemas.openxmlformats.org/markup-compatibility/2006" xmlns:a14="http://schemas.microsoft.com/office/drawing/2010/main">
+            <mc:Choice Requires="a14">
               <p:sp>
                 <p:nvSpPr>
                   <p:cNvPr id="63" name="TextBox 62"/>
@@ -11837,6 +11852,7 @@
                   </a:bodyPr>
                   <a:lstStyle/>
                   <a:p>
+                    <a:pPr/>
                     <a14:m>
                       <m:oMathPara xmlns:m="http://schemas.openxmlformats.org/officeDocument/2006/math">
                         <m:oMathParaPr>
@@ -11868,7 +11884,7 @@
                 </p:txBody>
               </p:sp>
             </mc:Choice>
-            <mc:Fallback>
+            <mc:Fallback xmlns="">
               <p:sp>
                 <p:nvSpPr>
                   <p:cNvPr id="63" name="TextBox 62"/>
@@ -11908,8 +11924,8 @@
             </mc:Fallback>
           </mc:AlternateContent>
         </p:grpSp>
-        <mc:AlternateContent xmlns:mc="http://schemas.openxmlformats.org/markup-compatibility/2006">
-          <mc:Choice xmlns:a14="http://schemas.microsoft.com/office/drawing/2010/main" Requires="a14">
+        <mc:AlternateContent xmlns:mc="http://schemas.openxmlformats.org/markup-compatibility/2006" xmlns:a14="http://schemas.microsoft.com/office/drawing/2010/main">
+          <mc:Choice Requires="a14">
             <p:sp>
               <p:nvSpPr>
                 <p:cNvPr id="65" name="TextBox 64"/>
@@ -11932,6 +11948,7 @@
                 </a:bodyPr>
                 <a:lstStyle/>
                 <a:p>
+                  <a:pPr/>
                   <a14:m>
                     <m:oMathPara xmlns:m="http://schemas.openxmlformats.org/officeDocument/2006/math">
                       <m:oMathParaPr>
@@ -11977,7 +11994,7 @@
               </p:txBody>
             </p:sp>
           </mc:Choice>
-          <mc:Fallback>
+          <mc:Fallback xmlns="">
             <p:sp>
               <p:nvSpPr>
                 <p:cNvPr id="65" name="TextBox 64"/>
@@ -12016,8 +12033,8 @@
             </p:sp>
           </mc:Fallback>
         </mc:AlternateContent>
-        <mc:AlternateContent xmlns:mc="http://schemas.openxmlformats.org/markup-compatibility/2006">
-          <mc:Choice xmlns:a14="http://schemas.microsoft.com/office/drawing/2010/main" Requires="a14">
+        <mc:AlternateContent xmlns:mc="http://schemas.openxmlformats.org/markup-compatibility/2006" xmlns:a14="http://schemas.microsoft.com/office/drawing/2010/main">
+          <mc:Choice Requires="a14">
             <p:sp>
               <p:nvSpPr>
                 <p:cNvPr id="67" name="TextBox 66"/>
@@ -12040,6 +12057,7 @@
                 </a:bodyPr>
                 <a:lstStyle/>
                 <a:p>
+                  <a:pPr/>
                   <a14:m>
                     <m:oMathPara xmlns:m="http://schemas.openxmlformats.org/officeDocument/2006/math">
                       <m:oMathParaPr>
@@ -12085,7 +12103,7 @@
               </p:txBody>
             </p:sp>
           </mc:Choice>
-          <mc:Fallback>
+          <mc:Fallback xmlns="">
             <p:sp>
               <p:nvSpPr>
                 <p:cNvPr id="67" name="TextBox 66"/>
@@ -12124,8 +12142,8 @@
             </p:sp>
           </mc:Fallback>
         </mc:AlternateContent>
-        <mc:AlternateContent xmlns:mc="http://schemas.openxmlformats.org/markup-compatibility/2006">
-          <mc:Choice xmlns:a14="http://schemas.microsoft.com/office/drawing/2010/main" Requires="a14">
+        <mc:AlternateContent xmlns:mc="http://schemas.openxmlformats.org/markup-compatibility/2006" xmlns:a14="http://schemas.microsoft.com/office/drawing/2010/main">
+          <mc:Choice Requires="a14">
             <p:sp>
               <p:nvSpPr>
                 <p:cNvPr id="68" name="TextBox 67"/>
@@ -12148,6 +12166,7 @@
                 </a:bodyPr>
                 <a:lstStyle/>
                 <a:p>
+                  <a:pPr/>
                   <a14:m>
                     <m:oMathPara xmlns:m="http://schemas.openxmlformats.org/officeDocument/2006/math">
                       <m:oMathParaPr>
@@ -12193,7 +12212,7 @@
               </p:txBody>
             </p:sp>
           </mc:Choice>
-          <mc:Fallback>
+          <mc:Fallback xmlns="">
             <p:sp>
               <p:nvSpPr>
                 <p:cNvPr id="68" name="TextBox 67"/>
@@ -12232,8 +12251,8 @@
             </p:sp>
           </mc:Fallback>
         </mc:AlternateContent>
-        <mc:AlternateContent xmlns:mc="http://schemas.openxmlformats.org/markup-compatibility/2006">
-          <mc:Choice xmlns:a14="http://schemas.microsoft.com/office/drawing/2010/main" Requires="a14">
+        <mc:AlternateContent xmlns:mc="http://schemas.openxmlformats.org/markup-compatibility/2006" xmlns:a14="http://schemas.microsoft.com/office/drawing/2010/main">
+          <mc:Choice Requires="a14">
             <p:sp>
               <p:nvSpPr>
                 <p:cNvPr id="69" name="TextBox 68"/>
@@ -12256,6 +12275,7 @@
                 </a:bodyPr>
                 <a:lstStyle/>
                 <a:p>
+                  <a:pPr/>
                   <a14:m>
                     <m:oMathPara xmlns:m="http://schemas.openxmlformats.org/officeDocument/2006/math">
                       <m:oMathParaPr>
@@ -12301,7 +12321,7 @@
               </p:txBody>
             </p:sp>
           </mc:Choice>
-          <mc:Fallback>
+          <mc:Fallback xmlns="">
             <p:sp>
               <p:nvSpPr>
                 <p:cNvPr id="69" name="TextBox 68"/>
@@ -12428,6 +12448,1126 @@
               <a:solidFill>
                 <a:schemeClr val="tx1"/>
               </a:solidFill>
+            </a:ln>
+          </p:spPr>
+          <p:style>
+            <a:lnRef idx="1">
+              <a:schemeClr val="accent1"/>
+            </a:lnRef>
+            <a:fillRef idx="0">
+              <a:schemeClr val="accent1"/>
+            </a:fillRef>
+            <a:effectRef idx="0">
+              <a:schemeClr val="accent1"/>
+            </a:effectRef>
+            <a:fontRef idx="minor">
+              <a:schemeClr val="tx1"/>
+            </a:fontRef>
+          </p:style>
+        </p:cxnSp>
+      </p:grpSp>
+      <p:grpSp>
+        <p:nvGrpSpPr>
+          <p:cNvPr id="23" name="Group 22"/>
+          <p:cNvGrpSpPr/>
+          <p:nvPr/>
+        </p:nvGrpSpPr>
+        <p:grpSpPr>
+          <a:xfrm>
+            <a:off x="957865" y="3767038"/>
+            <a:ext cx="3159937" cy="2478188"/>
+            <a:chOff x="957865" y="3767038"/>
+            <a:chExt cx="3159937" cy="2478188"/>
+          </a:xfrm>
+        </p:grpSpPr>
+        <p:grpSp>
+          <p:nvGrpSpPr>
+            <p:cNvPr id="2" name="Group 1"/>
+            <p:cNvGrpSpPr/>
+            <p:nvPr/>
+          </p:nvGrpSpPr>
+          <p:grpSpPr>
+            <a:xfrm>
+              <a:off x="957865" y="3767038"/>
+              <a:ext cx="3159937" cy="2478188"/>
+              <a:chOff x="957865" y="3767038"/>
+              <a:chExt cx="3159937" cy="2478188"/>
+            </a:xfrm>
+          </p:grpSpPr>
+          <p:grpSp>
+            <p:nvGrpSpPr>
+              <p:cNvPr id="107" name="Group 106"/>
+              <p:cNvGrpSpPr/>
+              <p:nvPr/>
+            </p:nvGrpSpPr>
+            <p:grpSpPr>
+              <a:xfrm>
+                <a:off x="957865" y="3767038"/>
+                <a:ext cx="3159937" cy="2361444"/>
+                <a:chOff x="4347417" y="3636364"/>
+                <a:chExt cx="3159937" cy="2361444"/>
+              </a:xfrm>
+            </p:grpSpPr>
+            <p:grpSp>
+              <p:nvGrpSpPr>
+                <p:cNvPr id="87" name="Group 86"/>
+                <p:cNvGrpSpPr/>
+                <p:nvPr/>
+              </p:nvGrpSpPr>
+              <p:grpSpPr>
+                <a:xfrm>
+                  <a:off x="4350893" y="3636364"/>
+                  <a:ext cx="1707460" cy="841883"/>
+                  <a:chOff x="2317785" y="1008668"/>
+                  <a:chExt cx="1707460" cy="841883"/>
+                </a:xfrm>
+              </p:grpSpPr>
+              <p:sp>
+                <p:nvSpPr>
+                  <p:cNvPr id="100" name="Freeform 99"/>
+                  <p:cNvSpPr/>
+                  <p:nvPr/>
+                </p:nvSpPr>
+                <p:spPr>
+                  <a:xfrm>
+                    <a:off x="2441542" y="1252980"/>
+                    <a:ext cx="1583703" cy="537328"/>
+                  </a:xfrm>
+                  <a:custGeom>
+                    <a:avLst/>
+                    <a:gdLst>
+                      <a:gd name="connsiteX0" fmla="*/ 0 w 10086681"/>
+                      <a:gd name="connsiteY0" fmla="*/ 931129 h 1873809"/>
+                      <a:gd name="connsiteX1" fmla="*/ 923827 w 10086681"/>
+                      <a:gd name="connsiteY1" fmla="*/ 26156 h 1873809"/>
+                      <a:gd name="connsiteX2" fmla="*/ 1838227 w 10086681"/>
+                      <a:gd name="connsiteY2" fmla="*/ 1836102 h 1873809"/>
+                      <a:gd name="connsiteX3" fmla="*/ 2771481 w 10086681"/>
+                      <a:gd name="connsiteY3" fmla="*/ 26156 h 1873809"/>
+                      <a:gd name="connsiteX4" fmla="*/ 3667027 w 10086681"/>
+                      <a:gd name="connsiteY4" fmla="*/ 1873809 h 1873809"/>
+                      <a:gd name="connsiteX5" fmla="*/ 4600281 w 10086681"/>
+                      <a:gd name="connsiteY5" fmla="*/ 26156 h 1873809"/>
+                      <a:gd name="connsiteX6" fmla="*/ 5486400 w 10086681"/>
+                      <a:gd name="connsiteY6" fmla="*/ 1854956 h 1873809"/>
+                      <a:gd name="connsiteX7" fmla="*/ 6400800 w 10086681"/>
+                      <a:gd name="connsiteY7" fmla="*/ 26156 h 1873809"/>
+                      <a:gd name="connsiteX8" fmla="*/ 7324627 w 10086681"/>
+                      <a:gd name="connsiteY8" fmla="*/ 1854956 h 1873809"/>
+                      <a:gd name="connsiteX9" fmla="*/ 8229600 w 10086681"/>
+                      <a:gd name="connsiteY9" fmla="*/ 26156 h 1873809"/>
+                      <a:gd name="connsiteX10" fmla="*/ 9134574 w 10086681"/>
+                      <a:gd name="connsiteY10" fmla="*/ 1854956 h 1873809"/>
+                      <a:gd name="connsiteX11" fmla="*/ 10086681 w 10086681"/>
+                      <a:gd name="connsiteY11" fmla="*/ 931129 h 1873809"/>
+                      <a:gd name="connsiteX12" fmla="*/ 10086681 w 10086681"/>
+                      <a:gd name="connsiteY12" fmla="*/ 931129 h 1873809"/>
+                    </a:gdLst>
+                    <a:ahLst/>
+                    <a:cxnLst>
+                      <a:cxn ang="0">
+                        <a:pos x="connsiteX0" y="connsiteY0"/>
+                      </a:cxn>
+                      <a:cxn ang="0">
+                        <a:pos x="connsiteX1" y="connsiteY1"/>
+                      </a:cxn>
+                      <a:cxn ang="0">
+                        <a:pos x="connsiteX2" y="connsiteY2"/>
+                      </a:cxn>
+                      <a:cxn ang="0">
+                        <a:pos x="connsiteX3" y="connsiteY3"/>
+                      </a:cxn>
+                      <a:cxn ang="0">
+                        <a:pos x="connsiteX4" y="connsiteY4"/>
+                      </a:cxn>
+                      <a:cxn ang="0">
+                        <a:pos x="connsiteX5" y="connsiteY5"/>
+                      </a:cxn>
+                      <a:cxn ang="0">
+                        <a:pos x="connsiteX6" y="connsiteY6"/>
+                      </a:cxn>
+                      <a:cxn ang="0">
+                        <a:pos x="connsiteX7" y="connsiteY7"/>
+                      </a:cxn>
+                      <a:cxn ang="0">
+                        <a:pos x="connsiteX8" y="connsiteY8"/>
+                      </a:cxn>
+                      <a:cxn ang="0">
+                        <a:pos x="connsiteX9" y="connsiteY9"/>
+                      </a:cxn>
+                      <a:cxn ang="0">
+                        <a:pos x="connsiteX10" y="connsiteY10"/>
+                      </a:cxn>
+                      <a:cxn ang="0">
+                        <a:pos x="connsiteX11" y="connsiteY11"/>
+                      </a:cxn>
+                      <a:cxn ang="0">
+                        <a:pos x="connsiteX12" y="connsiteY12"/>
+                      </a:cxn>
+                    </a:cxnLst>
+                    <a:rect l="l" t="t" r="r" b="b"/>
+                    <a:pathLst>
+                      <a:path w="10086681" h="1873809">
+                        <a:moveTo>
+                          <a:pt x="0" y="931129"/>
+                        </a:moveTo>
+                        <a:cubicBezTo>
+                          <a:pt x="308728" y="403228"/>
+                          <a:pt x="617456" y="-124673"/>
+                          <a:pt x="923827" y="26156"/>
+                        </a:cubicBezTo>
+                        <a:cubicBezTo>
+                          <a:pt x="1230198" y="176985"/>
+                          <a:pt x="1530285" y="1836102"/>
+                          <a:pt x="1838227" y="1836102"/>
+                        </a:cubicBezTo>
+                        <a:cubicBezTo>
+                          <a:pt x="2146169" y="1836102"/>
+                          <a:pt x="2466681" y="19871"/>
+                          <a:pt x="2771481" y="26156"/>
+                        </a:cubicBezTo>
+                        <a:cubicBezTo>
+                          <a:pt x="3076281" y="32440"/>
+                          <a:pt x="3362227" y="1873809"/>
+                          <a:pt x="3667027" y="1873809"/>
+                        </a:cubicBezTo>
+                        <a:cubicBezTo>
+                          <a:pt x="3971827" y="1873809"/>
+                          <a:pt x="4297052" y="29298"/>
+                          <a:pt x="4600281" y="26156"/>
+                        </a:cubicBezTo>
+                        <a:cubicBezTo>
+                          <a:pt x="4903510" y="23014"/>
+                          <a:pt x="5186314" y="1854956"/>
+                          <a:pt x="5486400" y="1854956"/>
+                        </a:cubicBezTo>
+                        <a:cubicBezTo>
+                          <a:pt x="5786486" y="1854956"/>
+                          <a:pt x="6094429" y="26156"/>
+                          <a:pt x="6400800" y="26156"/>
+                        </a:cubicBezTo>
+                        <a:cubicBezTo>
+                          <a:pt x="6707171" y="26156"/>
+                          <a:pt x="7019827" y="1854956"/>
+                          <a:pt x="7324627" y="1854956"/>
+                        </a:cubicBezTo>
+                        <a:cubicBezTo>
+                          <a:pt x="7629427" y="1854956"/>
+                          <a:pt x="7927942" y="26156"/>
+                          <a:pt x="8229600" y="26156"/>
+                        </a:cubicBezTo>
+                        <a:cubicBezTo>
+                          <a:pt x="8531258" y="26156"/>
+                          <a:pt x="8825061" y="1704127"/>
+                          <a:pt x="9134574" y="1854956"/>
+                        </a:cubicBezTo>
+                        <a:cubicBezTo>
+                          <a:pt x="9444087" y="2005785"/>
+                          <a:pt x="10086681" y="931129"/>
+                          <a:pt x="10086681" y="931129"/>
+                        </a:cubicBezTo>
+                        <a:lnTo>
+                          <a:pt x="10086681" y="931129"/>
+                        </a:lnTo>
+                      </a:path>
+                    </a:pathLst>
+                  </a:custGeom>
+                  <a:noFill/>
+                  <a:ln w="38100">
+                    <a:solidFill>
+                      <a:schemeClr val="tx1"/>
+                    </a:solidFill>
+                  </a:ln>
+                </p:spPr>
+                <p:style>
+                  <a:lnRef idx="2">
+                    <a:schemeClr val="accent1">
+                      <a:shade val="50000"/>
+                    </a:schemeClr>
+                  </a:lnRef>
+                  <a:fillRef idx="1">
+                    <a:schemeClr val="accent1"/>
+                  </a:fillRef>
+                  <a:effectRef idx="0">
+                    <a:schemeClr val="accent1"/>
+                  </a:effectRef>
+                  <a:fontRef idx="minor">
+                    <a:schemeClr val="lt1"/>
+                  </a:fontRef>
+                </p:style>
+                <p:txBody>
+                  <a:bodyPr rtlCol="0" anchor="ctr"/>
+                  <a:lstStyle/>
+                  <a:p>
+                    <a:pPr algn="ctr"/>
+                    <a:endParaRPr lang="en-US"/>
+                  </a:p>
+                </p:txBody>
+              </p:sp>
+              <p:sp>
+                <p:nvSpPr>
+                  <p:cNvPr id="101" name="Rectangle 100"/>
+                  <p:cNvSpPr/>
+                  <p:nvPr/>
+                </p:nvSpPr>
+                <p:spPr>
+                  <a:xfrm>
+                    <a:off x="2317785" y="1008668"/>
+                    <a:ext cx="123757" cy="841883"/>
+                  </a:xfrm>
+                  <a:prstGeom prst="rect">
+                    <a:avLst/>
+                  </a:prstGeom>
+                  <a:solidFill>
+                    <a:schemeClr val="tx1"/>
+                  </a:solidFill>
+                  <a:ln w="38100">
+                    <a:solidFill>
+                      <a:schemeClr val="tx1"/>
+                    </a:solidFill>
+                  </a:ln>
+                </p:spPr>
+                <p:style>
+                  <a:lnRef idx="2">
+                    <a:schemeClr val="accent1">
+                      <a:shade val="50000"/>
+                    </a:schemeClr>
+                  </a:lnRef>
+                  <a:fillRef idx="1">
+                    <a:schemeClr val="accent1"/>
+                  </a:fillRef>
+                  <a:effectRef idx="0">
+                    <a:schemeClr val="accent1"/>
+                  </a:effectRef>
+                  <a:fontRef idx="minor">
+                    <a:schemeClr val="lt1"/>
+                  </a:fontRef>
+                </p:style>
+                <p:txBody>
+                  <a:bodyPr rtlCol="0" anchor="ctr"/>
+                  <a:lstStyle/>
+                  <a:p>
+                    <a:pPr algn="ctr"/>
+                    <a:endParaRPr lang="en-US"/>
+                  </a:p>
+                </p:txBody>
+              </p:sp>
+            </p:grpSp>
+            <p:cxnSp>
+              <p:nvCxnSpPr>
+                <p:cNvPr id="88" name="Straight Arrow Connector 87"/>
+                <p:cNvCxnSpPr/>
+                <p:nvPr/>
+              </p:nvCxnSpPr>
+              <p:spPr>
+                <a:xfrm>
+                  <a:off x="4471175" y="4854077"/>
+                  <a:ext cx="2977840" cy="9975"/>
+                </a:xfrm>
+                <a:prstGeom prst="straightConnector1">
+                  <a:avLst/>
+                </a:prstGeom>
+                <a:ln w="38100">
+                  <a:solidFill>
+                    <a:schemeClr val="tx1"/>
+                  </a:solidFill>
+                  <a:tailEnd type="triangle"/>
+                </a:ln>
+              </p:spPr>
+              <p:style>
+                <a:lnRef idx="1">
+                  <a:schemeClr val="accent1"/>
+                </a:lnRef>
+                <a:fillRef idx="0">
+                  <a:schemeClr val="accent1"/>
+                </a:fillRef>
+                <a:effectRef idx="0">
+                  <a:schemeClr val="accent1"/>
+                </a:effectRef>
+                <a:fontRef idx="minor">
+                  <a:schemeClr val="tx1"/>
+                </a:fontRef>
+              </p:style>
+            </p:cxnSp>
+            <p:cxnSp>
+              <p:nvCxnSpPr>
+                <p:cNvPr id="89" name="Straight Connector 88"/>
+                <p:cNvCxnSpPr/>
+                <p:nvPr/>
+              </p:nvCxnSpPr>
+              <p:spPr>
+                <a:xfrm>
+                  <a:off x="6058353" y="4444704"/>
+                  <a:ext cx="0" cy="419348"/>
+                </a:xfrm>
+                <a:prstGeom prst="line">
+                  <a:avLst/>
+                </a:prstGeom>
+                <a:ln w="38100">
+                  <a:solidFill>
+                    <a:schemeClr val="tx1"/>
+                  </a:solidFill>
+                  <a:prstDash val="sysDot"/>
+                </a:ln>
+              </p:spPr>
+              <p:style>
+                <a:lnRef idx="1">
+                  <a:schemeClr val="accent1"/>
+                </a:lnRef>
+                <a:fillRef idx="0">
+                  <a:schemeClr val="accent1"/>
+                </a:fillRef>
+                <a:effectRef idx="0">
+                  <a:schemeClr val="accent1"/>
+                </a:effectRef>
+                <a:fontRef idx="minor">
+                  <a:schemeClr val="tx1"/>
+                </a:fontRef>
+              </p:style>
+            </p:cxnSp>
+            <mc:AlternateContent xmlns:mc="http://schemas.openxmlformats.org/markup-compatibility/2006" xmlns:a14="http://schemas.microsoft.com/office/drawing/2010/main">
+              <mc:Choice Requires="a14">
+                <p:sp>
+                  <p:nvSpPr>
+                    <p:cNvPr id="90" name="TextBox 89"/>
+                    <p:cNvSpPr txBox="1"/>
+                    <p:nvPr/>
+                  </p:nvSpPr>
+                  <p:spPr>
+                    <a:xfrm>
+                      <a:off x="5876122" y="4894698"/>
+                      <a:ext cx="384907" cy="307777"/>
+                    </a:xfrm>
+                    <a:prstGeom prst="rect">
+                      <a:avLst/>
+                    </a:prstGeom>
+                    <a:noFill/>
+                  </p:spPr>
+                  <p:txBody>
+                    <a:bodyPr wrap="square" lIns="0" tIns="0" rIns="0" bIns="0" rtlCol="0">
+                      <a:spAutoFit/>
+                    </a:bodyPr>
+                    <a:lstStyle/>
+                    <a:p>
+                      <a:pPr/>
+                      <a14:m>
+                        <m:oMathPara xmlns:m="http://schemas.openxmlformats.org/officeDocument/2006/math">
+                          <m:oMathParaPr>
+                            <m:jc m:val="centerGroup"/>
+                          </m:oMathParaPr>
+                          <m:oMath xmlns:m="http://schemas.openxmlformats.org/officeDocument/2006/math">
+                            <m:r>
+                              <a:rPr lang="en-US" sz="2000" b="0" i="1" smtClean="0">
+                                <a:latin typeface="Cambria Math" panose="02040503050406030204" pitchFamily="18" charset="0"/>
+                                <a:cs typeface="Arial" panose="020B0604020202020204" pitchFamily="34" charset="0"/>
+                              </a:rPr>
+                              <m:t>0</m:t>
+                            </m:r>
+                          </m:oMath>
+                        </m:oMathPara>
+                      </a14:m>
+                      <a:endParaRPr lang="en-US" sz="2000" dirty="0">
+                        <a:latin typeface="Arial" panose="020B0604020202020204" pitchFamily="34" charset="0"/>
+                        <a:cs typeface="Arial" panose="020B0604020202020204" pitchFamily="34" charset="0"/>
+                      </a:endParaRPr>
+                    </a:p>
+                  </p:txBody>
+                </p:sp>
+              </mc:Choice>
+              <mc:Fallback xmlns="">
+                <p:sp>
+                  <p:nvSpPr>
+                    <p:cNvPr id="90" name="TextBox 89"/>
+                    <p:cNvSpPr txBox="1">
+                      <a:spLocks noRot="1" noChangeAspect="1" noMove="1" noResize="1" noEditPoints="1" noAdjustHandles="1" noChangeArrowheads="1" noChangeShapeType="1" noTextEdit="1"/>
+                    </p:cNvSpPr>
+                    <p:nvPr/>
+                  </p:nvSpPr>
+                  <p:spPr>
+                    <a:xfrm>
+                      <a:off x="5876122" y="4894698"/>
+                      <a:ext cx="384907" cy="307777"/>
+                    </a:xfrm>
+                    <a:prstGeom prst="rect">
+                      <a:avLst/>
+                    </a:prstGeom>
+                    <a:blipFill>
+                      <a:blip r:embed="rId49"/>
+                      <a:stretch>
+                        <a:fillRect b="-9804"/>
+                      </a:stretch>
+                    </a:blipFill>
+                  </p:spPr>
+                  <p:txBody>
+                    <a:bodyPr/>
+                    <a:lstStyle/>
+                    <a:p>
+                      <a:r>
+                        <a:rPr lang="en-US">
+                          <a:noFill/>
+                        </a:rPr>
+                        <a:t> </a:t>
+                      </a:r>
+                    </a:p>
+                  </p:txBody>
+                </p:sp>
+              </mc:Fallback>
+            </mc:AlternateContent>
+            <p:sp>
+              <p:nvSpPr>
+                <p:cNvPr id="91" name="Freeform 90"/>
+                <p:cNvSpPr/>
+                <p:nvPr/>
+              </p:nvSpPr>
+              <p:spPr>
+                <a:xfrm>
+                  <a:off x="4503113" y="5405883"/>
+                  <a:ext cx="761679" cy="537328"/>
+                </a:xfrm>
+                <a:custGeom>
+                  <a:avLst/>
+                  <a:gdLst>
+                    <a:gd name="connsiteX0" fmla="*/ 0 w 10086681"/>
+                    <a:gd name="connsiteY0" fmla="*/ 931129 h 1873809"/>
+                    <a:gd name="connsiteX1" fmla="*/ 923827 w 10086681"/>
+                    <a:gd name="connsiteY1" fmla="*/ 26156 h 1873809"/>
+                    <a:gd name="connsiteX2" fmla="*/ 1838227 w 10086681"/>
+                    <a:gd name="connsiteY2" fmla="*/ 1836102 h 1873809"/>
+                    <a:gd name="connsiteX3" fmla="*/ 2771481 w 10086681"/>
+                    <a:gd name="connsiteY3" fmla="*/ 26156 h 1873809"/>
+                    <a:gd name="connsiteX4" fmla="*/ 3667027 w 10086681"/>
+                    <a:gd name="connsiteY4" fmla="*/ 1873809 h 1873809"/>
+                    <a:gd name="connsiteX5" fmla="*/ 4600281 w 10086681"/>
+                    <a:gd name="connsiteY5" fmla="*/ 26156 h 1873809"/>
+                    <a:gd name="connsiteX6" fmla="*/ 5486400 w 10086681"/>
+                    <a:gd name="connsiteY6" fmla="*/ 1854956 h 1873809"/>
+                    <a:gd name="connsiteX7" fmla="*/ 6400800 w 10086681"/>
+                    <a:gd name="connsiteY7" fmla="*/ 26156 h 1873809"/>
+                    <a:gd name="connsiteX8" fmla="*/ 7324627 w 10086681"/>
+                    <a:gd name="connsiteY8" fmla="*/ 1854956 h 1873809"/>
+                    <a:gd name="connsiteX9" fmla="*/ 8229600 w 10086681"/>
+                    <a:gd name="connsiteY9" fmla="*/ 26156 h 1873809"/>
+                    <a:gd name="connsiteX10" fmla="*/ 9134574 w 10086681"/>
+                    <a:gd name="connsiteY10" fmla="*/ 1854956 h 1873809"/>
+                    <a:gd name="connsiteX11" fmla="*/ 10086681 w 10086681"/>
+                    <a:gd name="connsiteY11" fmla="*/ 931129 h 1873809"/>
+                    <a:gd name="connsiteX12" fmla="*/ 10086681 w 10086681"/>
+                    <a:gd name="connsiteY12" fmla="*/ 931129 h 1873809"/>
+                  </a:gdLst>
+                  <a:ahLst/>
+                  <a:cxnLst>
+                    <a:cxn ang="0">
+                      <a:pos x="connsiteX0" y="connsiteY0"/>
+                    </a:cxn>
+                    <a:cxn ang="0">
+                      <a:pos x="connsiteX1" y="connsiteY1"/>
+                    </a:cxn>
+                    <a:cxn ang="0">
+                      <a:pos x="connsiteX2" y="connsiteY2"/>
+                    </a:cxn>
+                    <a:cxn ang="0">
+                      <a:pos x="connsiteX3" y="connsiteY3"/>
+                    </a:cxn>
+                    <a:cxn ang="0">
+                      <a:pos x="connsiteX4" y="connsiteY4"/>
+                    </a:cxn>
+                    <a:cxn ang="0">
+                      <a:pos x="connsiteX5" y="connsiteY5"/>
+                    </a:cxn>
+                    <a:cxn ang="0">
+                      <a:pos x="connsiteX6" y="connsiteY6"/>
+                    </a:cxn>
+                    <a:cxn ang="0">
+                      <a:pos x="connsiteX7" y="connsiteY7"/>
+                    </a:cxn>
+                    <a:cxn ang="0">
+                      <a:pos x="connsiteX8" y="connsiteY8"/>
+                    </a:cxn>
+                    <a:cxn ang="0">
+                      <a:pos x="connsiteX9" y="connsiteY9"/>
+                    </a:cxn>
+                    <a:cxn ang="0">
+                      <a:pos x="connsiteX10" y="connsiteY10"/>
+                    </a:cxn>
+                    <a:cxn ang="0">
+                      <a:pos x="connsiteX11" y="connsiteY11"/>
+                    </a:cxn>
+                    <a:cxn ang="0">
+                      <a:pos x="connsiteX12" y="connsiteY12"/>
+                    </a:cxn>
+                  </a:cxnLst>
+                  <a:rect l="l" t="t" r="r" b="b"/>
+                  <a:pathLst>
+                    <a:path w="10086681" h="1873809">
+                      <a:moveTo>
+                        <a:pt x="0" y="931129"/>
+                      </a:moveTo>
+                      <a:cubicBezTo>
+                        <a:pt x="308728" y="403228"/>
+                        <a:pt x="617456" y="-124673"/>
+                        <a:pt x="923827" y="26156"/>
+                      </a:cubicBezTo>
+                      <a:cubicBezTo>
+                        <a:pt x="1230198" y="176985"/>
+                        <a:pt x="1530285" y="1836102"/>
+                        <a:pt x="1838227" y="1836102"/>
+                      </a:cubicBezTo>
+                      <a:cubicBezTo>
+                        <a:pt x="2146169" y="1836102"/>
+                        <a:pt x="2466681" y="19871"/>
+                        <a:pt x="2771481" y="26156"/>
+                      </a:cubicBezTo>
+                      <a:cubicBezTo>
+                        <a:pt x="3076281" y="32440"/>
+                        <a:pt x="3362227" y="1873809"/>
+                        <a:pt x="3667027" y="1873809"/>
+                      </a:cubicBezTo>
+                      <a:cubicBezTo>
+                        <a:pt x="3971827" y="1873809"/>
+                        <a:pt x="4297052" y="29298"/>
+                        <a:pt x="4600281" y="26156"/>
+                      </a:cubicBezTo>
+                      <a:cubicBezTo>
+                        <a:pt x="4903510" y="23014"/>
+                        <a:pt x="5186314" y="1854956"/>
+                        <a:pt x="5486400" y="1854956"/>
+                      </a:cubicBezTo>
+                      <a:cubicBezTo>
+                        <a:pt x="5786486" y="1854956"/>
+                        <a:pt x="6094429" y="26156"/>
+                        <a:pt x="6400800" y="26156"/>
+                      </a:cubicBezTo>
+                      <a:cubicBezTo>
+                        <a:pt x="6707171" y="26156"/>
+                        <a:pt x="7019827" y="1854956"/>
+                        <a:pt x="7324627" y="1854956"/>
+                      </a:cubicBezTo>
+                      <a:cubicBezTo>
+                        <a:pt x="7629427" y="1854956"/>
+                        <a:pt x="7927942" y="26156"/>
+                        <a:pt x="8229600" y="26156"/>
+                      </a:cubicBezTo>
+                      <a:cubicBezTo>
+                        <a:pt x="8531258" y="26156"/>
+                        <a:pt x="8825061" y="1704127"/>
+                        <a:pt x="9134574" y="1854956"/>
+                      </a:cubicBezTo>
+                      <a:cubicBezTo>
+                        <a:pt x="9444087" y="2005785"/>
+                        <a:pt x="10086681" y="931129"/>
+                        <a:pt x="10086681" y="931129"/>
+                      </a:cubicBezTo>
+                      <a:lnTo>
+                        <a:pt x="10086681" y="931129"/>
+                      </a:lnTo>
+                    </a:path>
+                  </a:pathLst>
+                </a:custGeom>
+                <a:noFill/>
+                <a:ln w="38100">
+                  <a:solidFill>
+                    <a:schemeClr val="tx1"/>
+                  </a:solidFill>
+                </a:ln>
+              </p:spPr>
+              <p:style>
+                <a:lnRef idx="2">
+                  <a:schemeClr val="accent1">
+                    <a:shade val="50000"/>
+                  </a:schemeClr>
+                </a:lnRef>
+                <a:fillRef idx="1">
+                  <a:schemeClr val="accent1"/>
+                </a:fillRef>
+                <a:effectRef idx="0">
+                  <a:schemeClr val="accent1"/>
+                </a:effectRef>
+                <a:fontRef idx="minor">
+                  <a:schemeClr val="lt1"/>
+                </a:fontRef>
+              </p:style>
+              <p:txBody>
+                <a:bodyPr rtlCol="0" anchor="ctr"/>
+                <a:lstStyle/>
+                <a:p>
+                  <a:pPr algn="ctr"/>
+                  <a:endParaRPr lang="en-US"/>
+                </a:p>
+              </p:txBody>
+            </p:sp>
+            <p:sp>
+              <p:nvSpPr>
+                <p:cNvPr id="92" name="Rectangle 91"/>
+                <p:cNvSpPr/>
+                <p:nvPr/>
+              </p:nvSpPr>
+              <p:spPr>
+                <a:xfrm>
+                  <a:off x="6058353" y="3929380"/>
+                  <a:ext cx="405353" cy="488624"/>
+                </a:xfrm>
+                <a:prstGeom prst="rect">
+                  <a:avLst/>
+                </a:prstGeom>
+                <a:solidFill>
+                  <a:schemeClr val="bg2">
+                    <a:lumMod val="90000"/>
+                  </a:schemeClr>
+                </a:solidFill>
+                <a:ln w="38100">
+                  <a:solidFill>
+                    <a:schemeClr val="tx1"/>
+                  </a:solidFill>
+                </a:ln>
+              </p:spPr>
+              <p:style>
+                <a:lnRef idx="2">
+                  <a:schemeClr val="accent1">
+                    <a:shade val="50000"/>
+                  </a:schemeClr>
+                </a:lnRef>
+                <a:fillRef idx="1">
+                  <a:schemeClr val="accent1"/>
+                </a:fillRef>
+                <a:effectRef idx="0">
+                  <a:schemeClr val="accent1"/>
+                </a:effectRef>
+                <a:fontRef idx="minor">
+                  <a:schemeClr val="lt1"/>
+                </a:fontRef>
+              </p:style>
+              <p:txBody>
+                <a:bodyPr rtlCol="0" anchor="ctr"/>
+                <a:lstStyle/>
+                <a:p>
+                  <a:pPr algn="ctr"/>
+                  <a:endParaRPr lang="en-US"/>
+                </a:p>
+              </p:txBody>
+            </p:sp>
+            <p:sp>
+              <p:nvSpPr>
+                <p:cNvPr id="93" name="Rectangle 92"/>
+                <p:cNvSpPr/>
+                <p:nvPr/>
+              </p:nvSpPr>
+              <p:spPr>
+                <a:xfrm>
+                  <a:off x="5263629" y="5452875"/>
+                  <a:ext cx="405353" cy="488624"/>
+                </a:xfrm>
+                <a:prstGeom prst="rect">
+                  <a:avLst/>
+                </a:prstGeom>
+                <a:solidFill>
+                  <a:schemeClr val="bg2">
+                    <a:lumMod val="90000"/>
+                  </a:schemeClr>
+                </a:solidFill>
+                <a:ln w="38100">
+                  <a:solidFill>
+                    <a:schemeClr val="tx1"/>
+                  </a:solidFill>
+                </a:ln>
+              </p:spPr>
+              <p:style>
+                <a:lnRef idx="2">
+                  <a:schemeClr val="accent1">
+                    <a:shade val="50000"/>
+                  </a:schemeClr>
+                </a:lnRef>
+                <a:fillRef idx="1">
+                  <a:schemeClr val="accent1"/>
+                </a:fillRef>
+                <a:effectRef idx="0">
+                  <a:schemeClr val="accent1"/>
+                </a:effectRef>
+                <a:fontRef idx="minor">
+                  <a:schemeClr val="lt1"/>
+                </a:fontRef>
+              </p:style>
+              <p:txBody>
+                <a:bodyPr rtlCol="0" anchor="ctr"/>
+                <a:lstStyle/>
+                <a:p>
+                  <a:pPr algn="ctr"/>
+                  <a:endParaRPr lang="en-US"/>
+                </a:p>
+              </p:txBody>
+            </p:sp>
+            <mc:AlternateContent xmlns:mc="http://schemas.openxmlformats.org/markup-compatibility/2006">
+              <mc:Choice xmlns:a14="http://schemas.microsoft.com/office/drawing/2010/main" Requires="a14">
+                <p:sp>
+                  <p:nvSpPr>
+                    <p:cNvPr id="94" name="Rectangle 93"/>
+                    <p:cNvSpPr/>
+                    <p:nvPr/>
+                  </p:nvSpPr>
+                  <p:spPr>
+                    <a:xfrm>
+                      <a:off x="5446486" y="4808235"/>
+                      <a:ext cx="404598" cy="369332"/>
+                    </a:xfrm>
+                    <a:prstGeom prst="rect">
+                      <a:avLst/>
+                    </a:prstGeom>
+                  </p:spPr>
+                  <p:txBody>
+                    <a:bodyPr wrap="none">
+                      <a:spAutoFit/>
+                    </a:bodyPr>
+                    <a:lstStyle/>
+                    <a:p>
+                      <a:pPr/>
+                      <a14:m>
+                        <m:oMathPara xmlns:m="http://schemas.openxmlformats.org/officeDocument/2006/math">
+                          <m:oMathParaPr>
+                            <m:jc m:val="centerGroup"/>
+                          </m:oMathParaPr>
+                          <m:oMath xmlns:m="http://schemas.openxmlformats.org/officeDocument/2006/math">
+                            <m:r>
+                              <a:rPr lang="en-US" b="0" i="1" smtClean="0">
+                                <a:latin typeface="Cambria Math" panose="02040503050406030204" pitchFamily="18" charset="0"/>
+                              </a:rPr>
+                              <m:t>𝐷</m:t>
+                            </m:r>
+                          </m:oMath>
+                        </m:oMathPara>
+                      </a14:m>
+                      <a:endParaRPr lang="en-CA" dirty="0"/>
+                    </a:p>
+                  </p:txBody>
+                </p:sp>
+              </mc:Choice>
+              <mc:Fallback>
+                <p:sp>
+                  <p:nvSpPr>
+                    <p:cNvPr id="94" name="Rectangle 93"/>
+                    <p:cNvSpPr>
+                      <a:spLocks noRot="1" noChangeAspect="1" noMove="1" noResize="1" noEditPoints="1" noAdjustHandles="1" noChangeArrowheads="1" noChangeShapeType="1" noTextEdit="1"/>
+                    </p:cNvSpPr>
+                    <p:nvPr/>
+                  </p:nvSpPr>
+                  <p:spPr>
+                    <a:xfrm>
+                      <a:off x="5446486" y="4808235"/>
+                      <a:ext cx="404598" cy="369332"/>
+                    </a:xfrm>
+                    <a:prstGeom prst="rect">
+                      <a:avLst/>
+                    </a:prstGeom>
+                    <a:blipFill rotWithShape="0">
+                      <a:blip r:embed="rId50"/>
+                      <a:stretch>
+                        <a:fillRect/>
+                      </a:stretch>
+                    </a:blipFill>
+                  </p:spPr>
+                  <p:txBody>
+                    <a:bodyPr/>
+                    <a:lstStyle/>
+                    <a:p>
+                      <a:r>
+                        <a:rPr lang="en-CA">
+                          <a:noFill/>
+                        </a:rPr>
+                        <a:t> </a:t>
+                      </a:r>
+                    </a:p>
+                  </p:txBody>
+                </p:sp>
+              </mc:Fallback>
+            </mc:AlternateContent>
+            <p:cxnSp>
+              <p:nvCxnSpPr>
+                <p:cNvPr id="95" name="Straight Connector 94"/>
+                <p:cNvCxnSpPr/>
+                <p:nvPr/>
+              </p:nvCxnSpPr>
+              <p:spPr>
+                <a:xfrm>
+                  <a:off x="5264792" y="4838297"/>
+                  <a:ext cx="0" cy="843194"/>
+                </a:xfrm>
+                <a:prstGeom prst="line">
+                  <a:avLst/>
+                </a:prstGeom>
+                <a:ln w="38100">
+                  <a:solidFill>
+                    <a:schemeClr val="tx1"/>
+                  </a:solidFill>
+                  <a:prstDash val="sysDot"/>
+                </a:ln>
+              </p:spPr>
+              <p:style>
+                <a:lnRef idx="1">
+                  <a:schemeClr val="accent1"/>
+                </a:lnRef>
+                <a:fillRef idx="0">
+                  <a:schemeClr val="accent1"/>
+                </a:fillRef>
+                <a:effectRef idx="0">
+                  <a:schemeClr val="accent1"/>
+                </a:effectRef>
+                <a:fontRef idx="minor">
+                  <a:schemeClr val="tx1"/>
+                </a:fontRef>
+              </p:style>
+            </p:cxnSp>
+            <p:sp>
+              <p:nvSpPr>
+                <p:cNvPr id="99" name="Rectangle 98"/>
+                <p:cNvSpPr/>
+                <p:nvPr/>
+              </p:nvSpPr>
+              <p:spPr>
+                <a:xfrm>
+                  <a:off x="4347417" y="5155925"/>
+                  <a:ext cx="123757" cy="841883"/>
+                </a:xfrm>
+                <a:prstGeom prst="rect">
+                  <a:avLst/>
+                </a:prstGeom>
+                <a:solidFill>
+                  <a:schemeClr val="tx1"/>
+                </a:solidFill>
+                <a:ln w="38100">
+                  <a:solidFill>
+                    <a:schemeClr val="tx1"/>
+                  </a:solidFill>
+                </a:ln>
+              </p:spPr>
+              <p:style>
+                <a:lnRef idx="2">
+                  <a:schemeClr val="accent1">
+                    <a:shade val="50000"/>
+                  </a:schemeClr>
+                </a:lnRef>
+                <a:fillRef idx="1">
+                  <a:schemeClr val="accent1"/>
+                </a:fillRef>
+                <a:effectRef idx="0">
+                  <a:schemeClr val="accent1"/>
+                </a:effectRef>
+                <a:fontRef idx="minor">
+                  <a:schemeClr val="lt1"/>
+                </a:fontRef>
+              </p:style>
+              <p:txBody>
+                <a:bodyPr rtlCol="0" anchor="ctr"/>
+                <a:lstStyle/>
+                <a:p>
+                  <a:pPr algn="ctr"/>
+                  <a:endParaRPr lang="en-US"/>
+                </a:p>
+              </p:txBody>
+            </p:sp>
+            <mc:AlternateContent xmlns:mc="http://schemas.openxmlformats.org/markup-compatibility/2006" xmlns:a14="http://schemas.microsoft.com/office/drawing/2010/main">
+              <mc:Choice Requires="a14">
+                <p:sp>
+                  <p:nvSpPr>
+                    <p:cNvPr id="106" name="TextBox 105"/>
+                    <p:cNvSpPr txBox="1"/>
+                    <p:nvPr/>
+                  </p:nvSpPr>
+                  <p:spPr>
+                    <a:xfrm>
+                      <a:off x="7292808" y="4924267"/>
+                      <a:ext cx="214546" cy="307777"/>
+                    </a:xfrm>
+                    <a:prstGeom prst="rect">
+                      <a:avLst/>
+                    </a:prstGeom>
+                    <a:noFill/>
+                  </p:spPr>
+                  <p:txBody>
+                    <a:bodyPr wrap="none" lIns="0" tIns="0" rIns="0" bIns="0" rtlCol="0">
+                      <a:spAutoFit/>
+                    </a:bodyPr>
+                    <a:lstStyle/>
+                    <a:p>
+                      <a:pPr/>
+                      <a14:m>
+                        <m:oMathPara xmlns:m="http://schemas.openxmlformats.org/officeDocument/2006/math">
+                          <m:oMathParaPr>
+                            <m:jc m:val="centerGroup"/>
+                          </m:oMathParaPr>
+                          <m:oMath xmlns:m="http://schemas.openxmlformats.org/officeDocument/2006/math">
+                            <m:r>
+                              <a:rPr lang="en-US" sz="2000" b="0" i="1" smtClean="0">
+                                <a:latin typeface="Cambria Math" panose="02040503050406030204" pitchFamily="18" charset="0"/>
+                                <a:cs typeface="Arial" panose="020B0604020202020204" pitchFamily="34" charset="0"/>
+                              </a:rPr>
+                              <m:t>𝑥</m:t>
+                            </m:r>
+                          </m:oMath>
+                        </m:oMathPara>
+                      </a14:m>
+                      <a:endParaRPr lang="en-US" sz="2000" dirty="0" smtClean="0">
+                        <a:latin typeface="Arial" panose="020B0604020202020204" pitchFamily="34" charset="0"/>
+                        <a:cs typeface="Arial" panose="020B0604020202020204" pitchFamily="34" charset="0"/>
+                      </a:endParaRPr>
+                    </a:p>
+                  </p:txBody>
+                </p:sp>
+              </mc:Choice>
+              <mc:Fallback xmlns="">
+                <p:sp>
+                  <p:nvSpPr>
+                    <p:cNvPr id="106" name="TextBox 105"/>
+                    <p:cNvSpPr txBox="1">
+                      <a:spLocks noRot="1" noChangeAspect="1" noMove="1" noResize="1" noEditPoints="1" noAdjustHandles="1" noChangeArrowheads="1" noChangeShapeType="1" noTextEdit="1"/>
+                    </p:cNvSpPr>
+                    <p:nvPr/>
+                  </p:nvSpPr>
+                  <p:spPr>
+                    <a:xfrm>
+                      <a:off x="7292808" y="4924267"/>
+                      <a:ext cx="214546" cy="307777"/>
+                    </a:xfrm>
+                    <a:prstGeom prst="rect">
+                      <a:avLst/>
+                    </a:prstGeom>
+                    <a:blipFill>
+                      <a:blip r:embed="rId52"/>
+                      <a:stretch>
+                        <a:fillRect l="-11429" r="-11429" b="-1961"/>
+                      </a:stretch>
+                    </a:blipFill>
+                  </p:spPr>
+                  <p:txBody>
+                    <a:bodyPr/>
+                    <a:lstStyle/>
+                    <a:p>
+                      <a:r>
+                        <a:rPr lang="en-US">
+                          <a:noFill/>
+                        </a:rPr>
+                        <a:t> </a:t>
+                      </a:r>
+                    </a:p>
+                  </p:txBody>
+                </p:sp>
+              </mc:Fallback>
+            </mc:AlternateContent>
+          </p:grpSp>
+          <p:sp>
+            <p:nvSpPr>
+              <p:cNvPr id="78" name="Rectangle 77"/>
+              <p:cNvSpPr/>
+              <p:nvPr/>
+            </p:nvSpPr>
+            <p:spPr>
+              <a:xfrm flipH="1">
+                <a:off x="961881" y="4561127"/>
+                <a:ext cx="2911564" cy="141188"/>
+              </a:xfrm>
+              <a:prstGeom prst="rect">
+                <a:avLst/>
+              </a:prstGeom>
+              <a:solidFill>
+                <a:schemeClr val="tx1"/>
+              </a:solidFill>
+              <a:ln w="38100">
+                <a:solidFill>
+                  <a:schemeClr val="tx1"/>
+                </a:solidFill>
+              </a:ln>
+            </p:spPr>
+            <p:style>
+              <a:lnRef idx="2">
+                <a:schemeClr val="accent1">
+                  <a:shade val="50000"/>
+                </a:schemeClr>
+              </a:lnRef>
+              <a:fillRef idx="1">
+                <a:schemeClr val="accent1"/>
+              </a:fillRef>
+              <a:effectRef idx="0">
+                <a:schemeClr val="accent1"/>
+              </a:effectRef>
+              <a:fontRef idx="minor">
+                <a:schemeClr val="lt1"/>
+              </a:fontRef>
+            </p:style>
+            <p:txBody>
+              <a:bodyPr rtlCol="0" anchor="ctr"/>
+              <a:lstStyle/>
+              <a:p>
+                <a:pPr algn="ctr"/>
+                <a:endParaRPr lang="en-US"/>
+              </a:p>
+            </p:txBody>
+          </p:sp>
+          <p:sp>
+            <p:nvSpPr>
+              <p:cNvPr id="79" name="Rectangle 78"/>
+              <p:cNvSpPr/>
+              <p:nvPr/>
+            </p:nvSpPr>
+            <p:spPr>
+              <a:xfrm flipH="1">
+                <a:off x="957865" y="6104038"/>
+                <a:ext cx="2911564" cy="141188"/>
+              </a:xfrm>
+              <a:prstGeom prst="rect">
+                <a:avLst/>
+              </a:prstGeom>
+              <a:solidFill>
+                <a:schemeClr val="tx1"/>
+              </a:solidFill>
+              <a:ln w="38100">
+                <a:solidFill>
+                  <a:schemeClr val="tx1"/>
+                </a:solidFill>
+              </a:ln>
+            </p:spPr>
+            <p:style>
+              <a:lnRef idx="2">
+                <a:schemeClr val="accent1">
+                  <a:shade val="50000"/>
+                </a:schemeClr>
+              </a:lnRef>
+              <a:fillRef idx="1">
+                <a:schemeClr val="accent1"/>
+              </a:fillRef>
+              <a:effectRef idx="0">
+                <a:schemeClr val="accent1"/>
+              </a:effectRef>
+              <a:fontRef idx="minor">
+                <a:schemeClr val="lt1"/>
+              </a:fontRef>
+            </p:style>
+            <p:txBody>
+              <a:bodyPr rtlCol="0" anchor="ctr"/>
+              <a:lstStyle/>
+              <a:p>
+                <a:pPr algn="ctr"/>
+                <a:endParaRPr lang="en-US"/>
+              </a:p>
+            </p:txBody>
+          </p:sp>
+        </p:grpSp>
+        <p:cxnSp>
+          <p:nvCxnSpPr>
+            <p:cNvPr id="6" name="Straight Arrow Connector 5"/>
+            <p:cNvCxnSpPr/>
+            <p:nvPr/>
+          </p:nvCxnSpPr>
+          <p:spPr>
+            <a:xfrm>
+              <a:off x="1880882" y="4900051"/>
+              <a:ext cx="730029" cy="8705"/>
+            </a:xfrm>
+            <a:prstGeom prst="straightConnector1">
+              <a:avLst/>
+            </a:prstGeom>
+            <a:ln w="38100">
+              <a:solidFill>
+                <a:schemeClr val="tx1"/>
+              </a:solidFill>
+              <a:headEnd type="triangle"/>
+              <a:tailEnd type="triangle"/>
             </a:ln>
           </p:spPr>
           <p:style>

--- a/tex/figures/ApplyingNewtonsLaws/Figures.pptx
+++ b/tex/figures/ApplyingNewtonsLaws/Figures.pptx
@@ -9,6 +9,8 @@
     <p:sldId id="272" r:id="rId3"/>
     <p:sldId id="270" r:id="rId4"/>
     <p:sldId id="273" r:id="rId5"/>
+    <p:sldId id="274" r:id="rId6"/>
+    <p:sldId id="275" r:id="rId7"/>
   </p:sldIdLst>
   <p:sldSz cx="12192000" cy="6858000"/>
   <p:notesSz cx="6858000" cy="9144000"/>
@@ -246,7 +248,7 @@
           <a:p>
             <a:fld id="{F7249F8D-641B-4CAF-BAE5-10524742F6F1}" type="datetimeFigureOut">
               <a:rPr lang="en-CA" smtClean="0"/>
-              <a:t>2018-05-29</a:t>
+              <a:t>2018-05-30</a:t>
             </a:fld>
             <a:endParaRPr lang="en-CA"/>
           </a:p>
@@ -416,7 +418,7 @@
           <a:p>
             <a:fld id="{F7249F8D-641B-4CAF-BAE5-10524742F6F1}" type="datetimeFigureOut">
               <a:rPr lang="en-CA" smtClean="0"/>
-              <a:t>2018-05-29</a:t>
+              <a:t>2018-05-30</a:t>
             </a:fld>
             <a:endParaRPr lang="en-CA"/>
           </a:p>
@@ -596,7 +598,7 @@
           <a:p>
             <a:fld id="{F7249F8D-641B-4CAF-BAE5-10524742F6F1}" type="datetimeFigureOut">
               <a:rPr lang="en-CA" smtClean="0"/>
-              <a:t>2018-05-29</a:t>
+              <a:t>2018-05-30</a:t>
             </a:fld>
             <a:endParaRPr lang="en-CA"/>
           </a:p>
@@ -766,7 +768,7 @@
           <a:p>
             <a:fld id="{F7249F8D-641B-4CAF-BAE5-10524742F6F1}" type="datetimeFigureOut">
               <a:rPr lang="en-CA" smtClean="0"/>
-              <a:t>2018-05-29</a:t>
+              <a:t>2018-05-30</a:t>
             </a:fld>
             <a:endParaRPr lang="en-CA"/>
           </a:p>
@@ -1012,7 +1014,7 @@
           <a:p>
             <a:fld id="{F7249F8D-641B-4CAF-BAE5-10524742F6F1}" type="datetimeFigureOut">
               <a:rPr lang="en-CA" smtClean="0"/>
-              <a:t>2018-05-29</a:t>
+              <a:t>2018-05-30</a:t>
             </a:fld>
             <a:endParaRPr lang="en-CA"/>
           </a:p>
@@ -1244,7 +1246,7 @@
           <a:p>
             <a:fld id="{F7249F8D-641B-4CAF-BAE5-10524742F6F1}" type="datetimeFigureOut">
               <a:rPr lang="en-CA" smtClean="0"/>
-              <a:t>2018-05-29</a:t>
+              <a:t>2018-05-30</a:t>
             </a:fld>
             <a:endParaRPr lang="en-CA"/>
           </a:p>
@@ -1611,7 +1613,7 @@
           <a:p>
             <a:fld id="{F7249F8D-641B-4CAF-BAE5-10524742F6F1}" type="datetimeFigureOut">
               <a:rPr lang="en-CA" smtClean="0"/>
-              <a:t>2018-05-29</a:t>
+              <a:t>2018-05-30</a:t>
             </a:fld>
             <a:endParaRPr lang="en-CA"/>
           </a:p>
@@ -1729,7 +1731,7 @@
           <a:p>
             <a:fld id="{F7249F8D-641B-4CAF-BAE5-10524742F6F1}" type="datetimeFigureOut">
               <a:rPr lang="en-CA" smtClean="0"/>
-              <a:t>2018-05-29</a:t>
+              <a:t>2018-05-30</a:t>
             </a:fld>
             <a:endParaRPr lang="en-CA"/>
           </a:p>
@@ -1824,7 +1826,7 @@
           <a:p>
             <a:fld id="{F7249F8D-641B-4CAF-BAE5-10524742F6F1}" type="datetimeFigureOut">
               <a:rPr lang="en-CA" smtClean="0"/>
-              <a:t>2018-05-29</a:t>
+              <a:t>2018-05-30</a:t>
             </a:fld>
             <a:endParaRPr lang="en-CA"/>
           </a:p>
@@ -2101,7 +2103,7 @@
           <a:p>
             <a:fld id="{F7249F8D-641B-4CAF-BAE5-10524742F6F1}" type="datetimeFigureOut">
               <a:rPr lang="en-CA" smtClean="0"/>
-              <a:t>2018-05-29</a:t>
+              <a:t>2018-05-30</a:t>
             </a:fld>
             <a:endParaRPr lang="en-CA"/>
           </a:p>
@@ -2354,7 +2356,7 @@
           <a:p>
             <a:fld id="{F7249F8D-641B-4CAF-BAE5-10524742F6F1}" type="datetimeFigureOut">
               <a:rPr lang="en-CA" smtClean="0"/>
-              <a:t>2018-05-29</a:t>
+              <a:t>2018-05-30</a:t>
             </a:fld>
             <a:endParaRPr lang="en-CA"/>
           </a:p>
@@ -2567,7 +2569,7 @@
           <a:p>
             <a:fld id="{F7249F8D-641B-4CAF-BAE5-10524742F6F1}" type="datetimeFigureOut">
               <a:rPr lang="en-CA" smtClean="0"/>
-              <a:t>2018-05-29</a:t>
+              <a:t>2018-05-30</a:t>
             </a:fld>
             <a:endParaRPr lang="en-CA"/>
           </a:p>
@@ -13195,8 +13197,8 @@
                 </a:p>
               </p:txBody>
             </p:sp>
-            <mc:AlternateContent xmlns:mc="http://schemas.openxmlformats.org/markup-compatibility/2006">
-              <mc:Choice xmlns:a14="http://schemas.microsoft.com/office/drawing/2010/main" Requires="a14">
+            <mc:AlternateContent xmlns:mc="http://schemas.openxmlformats.org/markup-compatibility/2006" xmlns:a14="http://schemas.microsoft.com/office/drawing/2010/main">
+              <mc:Choice Requires="a14">
                 <p:sp>
                   <p:nvSpPr>
                     <p:cNvPr id="94" name="Rectangle 93"/>
@@ -13239,7 +13241,7 @@
                   </p:txBody>
                 </p:sp>
               </mc:Choice>
-              <mc:Fallback>
+              <mc:Fallback xmlns="">
                 <p:sp>
                   <p:nvSpPr>
                     <p:cNvPr id="94" name="Rectangle 93"/>
@@ -13586,10 +13588,6392 @@
           </p:style>
         </p:cxnSp>
       </p:grpSp>
+      <p:grpSp>
+        <p:nvGrpSpPr>
+          <p:cNvPr id="42" name="Group 41"/>
+          <p:cNvGrpSpPr/>
+          <p:nvPr/>
+        </p:nvGrpSpPr>
+        <p:grpSpPr>
+          <a:xfrm>
+            <a:off x="6145817" y="4369142"/>
+            <a:ext cx="1606473" cy="1878198"/>
+            <a:chOff x="6264313" y="4598085"/>
+            <a:chExt cx="1606473" cy="1878198"/>
+          </a:xfrm>
+        </p:grpSpPr>
+        <p:sp>
+          <p:nvSpPr>
+            <p:cNvPr id="82" name="Oval 81"/>
+            <p:cNvSpPr/>
+            <p:nvPr/>
+          </p:nvSpPr>
+          <p:spPr>
+            <a:xfrm>
+              <a:off x="6981495" y="5103975"/>
+              <a:ext cx="120943" cy="119766"/>
+            </a:xfrm>
+            <a:prstGeom prst="ellipse">
+              <a:avLst/>
+            </a:prstGeom>
+            <a:solidFill>
+              <a:schemeClr val="tx1"/>
+            </a:solidFill>
+            <a:ln w="38100">
+              <a:solidFill>
+                <a:schemeClr val="tx1"/>
+              </a:solidFill>
+            </a:ln>
+          </p:spPr>
+          <p:style>
+            <a:lnRef idx="2">
+              <a:schemeClr val="accent1">
+                <a:shade val="50000"/>
+              </a:schemeClr>
+            </a:lnRef>
+            <a:fillRef idx="1">
+              <a:schemeClr val="accent1"/>
+            </a:fillRef>
+            <a:effectRef idx="0">
+              <a:schemeClr val="accent1"/>
+            </a:effectRef>
+            <a:fontRef idx="minor">
+              <a:schemeClr val="lt1"/>
+            </a:fontRef>
+          </p:style>
+          <p:txBody>
+            <a:bodyPr rtlCol="0" anchor="ctr"/>
+            <a:lstStyle/>
+            <a:p>
+              <a:pPr algn="ctr"/>
+              <a:endParaRPr lang="en-US"/>
+            </a:p>
+          </p:txBody>
+        </p:sp>
+        <p:cxnSp>
+          <p:nvCxnSpPr>
+            <p:cNvPr id="83" name="Straight Arrow Connector 82"/>
+            <p:cNvCxnSpPr/>
+            <p:nvPr/>
+          </p:nvCxnSpPr>
+          <p:spPr>
+            <a:xfrm flipH="1" flipV="1">
+              <a:off x="7041966" y="4702315"/>
+              <a:ext cx="1" cy="394312"/>
+            </a:xfrm>
+            <a:prstGeom prst="straightConnector1">
+              <a:avLst/>
+            </a:prstGeom>
+            <a:ln w="38100">
+              <a:solidFill>
+                <a:schemeClr val="tx1"/>
+              </a:solidFill>
+              <a:tailEnd type="triangle"/>
+            </a:ln>
+          </p:spPr>
+          <p:style>
+            <a:lnRef idx="1">
+              <a:schemeClr val="accent1"/>
+            </a:lnRef>
+            <a:fillRef idx="0">
+              <a:schemeClr val="accent1"/>
+            </a:fillRef>
+            <a:effectRef idx="0">
+              <a:schemeClr val="accent1"/>
+            </a:effectRef>
+            <a:fontRef idx="minor">
+              <a:schemeClr val="tx1"/>
+            </a:fontRef>
+          </p:style>
+        </p:cxnSp>
+        <p:cxnSp>
+          <p:nvCxnSpPr>
+            <p:cNvPr id="84" name="Straight Arrow Connector 83"/>
+            <p:cNvCxnSpPr/>
+            <p:nvPr/>
+          </p:nvCxnSpPr>
+          <p:spPr>
+            <a:xfrm>
+              <a:off x="7041966" y="5238438"/>
+              <a:ext cx="3716" cy="682795"/>
+            </a:xfrm>
+            <a:prstGeom prst="straightConnector1">
+              <a:avLst/>
+            </a:prstGeom>
+            <a:ln w="38100">
+              <a:solidFill>
+                <a:schemeClr val="tx1"/>
+              </a:solidFill>
+              <a:tailEnd type="triangle"/>
+            </a:ln>
+          </p:spPr>
+          <p:style>
+            <a:lnRef idx="1">
+              <a:schemeClr val="accent1"/>
+            </a:lnRef>
+            <a:fillRef idx="0">
+              <a:schemeClr val="accent1"/>
+            </a:fillRef>
+            <a:effectRef idx="0">
+              <a:schemeClr val="accent1"/>
+            </a:effectRef>
+            <a:fontRef idx="minor">
+              <a:schemeClr val="tx1"/>
+            </a:fontRef>
+          </p:style>
+        </p:cxnSp>
+        <mc:AlternateContent xmlns:mc="http://schemas.openxmlformats.org/markup-compatibility/2006">
+          <mc:Choice xmlns:a14="http://schemas.microsoft.com/office/drawing/2010/main" Requires="a14">
+            <p:sp>
+              <p:nvSpPr>
+                <p:cNvPr id="86" name="TextBox 85"/>
+                <p:cNvSpPr txBox="1"/>
+                <p:nvPr/>
+              </p:nvSpPr>
+              <p:spPr>
+                <a:xfrm>
+                  <a:off x="6677630" y="5530340"/>
+                  <a:ext cx="303865" cy="377219"/>
+                </a:xfrm>
+                <a:prstGeom prst="rect">
+                  <a:avLst/>
+                </a:prstGeom>
+                <a:noFill/>
+              </p:spPr>
+              <p:txBody>
+                <a:bodyPr wrap="none" lIns="0" tIns="0" rIns="0" bIns="0" rtlCol="0">
+                  <a:spAutoFit/>
+                </a:bodyPr>
+                <a:lstStyle/>
+                <a:p>
+                  <a:pPr/>
+                  <a14:m>
+                    <m:oMathPara xmlns:m="http://schemas.openxmlformats.org/officeDocument/2006/math">
+                      <m:oMathParaPr>
+                        <m:jc m:val="centerGroup"/>
+                      </m:oMathParaPr>
+                      <m:oMath xmlns:m="http://schemas.openxmlformats.org/officeDocument/2006/math">
+                        <m:sSub>
+                          <m:sSubPr>
+                            <m:ctrlPr>
+                              <a:rPr lang="en-US" sz="2000" b="0" i="1" smtClean="0">
+                                <a:latin typeface="Cambria Math" panose="02040503050406030204" pitchFamily="18" charset="0"/>
+                                <a:cs typeface="Arial" panose="020B0604020202020204" pitchFamily="34" charset="0"/>
+                              </a:rPr>
+                            </m:ctrlPr>
+                          </m:sSubPr>
+                          <m:e>
+                            <m:acc>
+                              <m:accPr>
+                                <m:chr m:val="⃗"/>
+                                <m:ctrlPr>
+                                  <a:rPr lang="en-US" sz="2000" b="0" i="1" smtClean="0">
+                                    <a:latin typeface="Cambria Math" panose="02040503050406030204" pitchFamily="18" charset="0"/>
+                                    <a:cs typeface="Arial" panose="020B0604020202020204" pitchFamily="34" charset="0"/>
+                                  </a:rPr>
+                                </m:ctrlPr>
+                              </m:accPr>
+                              <m:e>
+                                <m:r>
+                                  <a:rPr lang="en-US" sz="2000" b="0" i="1" smtClean="0">
+                                    <a:latin typeface="Cambria Math" panose="02040503050406030204" pitchFamily="18" charset="0"/>
+                                    <a:cs typeface="Arial" panose="020B0604020202020204" pitchFamily="34" charset="0"/>
+                                  </a:rPr>
+                                  <m:t>𝐹</m:t>
+                                </m:r>
+                              </m:e>
+                            </m:acc>
+                          </m:e>
+                          <m:sub>
+                            <m:r>
+                              <a:rPr lang="en-US" sz="2000" b="0" i="1" smtClean="0">
+                                <a:latin typeface="Cambria Math" panose="02040503050406030204" pitchFamily="18" charset="0"/>
+                                <a:cs typeface="Arial" panose="020B0604020202020204" pitchFamily="34" charset="0"/>
+                              </a:rPr>
+                              <m:t>𝑔</m:t>
+                            </m:r>
+                          </m:sub>
+                        </m:sSub>
+                      </m:oMath>
+                    </m:oMathPara>
+                  </a14:m>
+                  <a:endParaRPr lang="en-US" sz="2000" dirty="0" smtClean="0">
+                    <a:latin typeface="Arial" panose="020B0604020202020204" pitchFamily="34" charset="0"/>
+                    <a:cs typeface="Arial" panose="020B0604020202020204" pitchFamily="34" charset="0"/>
+                  </a:endParaRPr>
+                </a:p>
+              </p:txBody>
+            </p:sp>
+          </mc:Choice>
+          <mc:Fallback>
+            <p:sp>
+              <p:nvSpPr>
+                <p:cNvPr id="86" name="TextBox 85"/>
+                <p:cNvSpPr txBox="1">
+                  <a:spLocks noRot="1" noChangeAspect="1" noMove="1" noResize="1" noEditPoints="1" noAdjustHandles="1" noChangeArrowheads="1" noChangeShapeType="1" noTextEdit="1"/>
+                </p:cNvSpPr>
+                <p:nvPr/>
+              </p:nvSpPr>
+              <p:spPr>
+                <a:xfrm>
+                  <a:off x="6677630" y="5530340"/>
+                  <a:ext cx="303865" cy="377219"/>
+                </a:xfrm>
+                <a:prstGeom prst="rect">
+                  <a:avLst/>
+                </a:prstGeom>
+                <a:blipFill>
+                  <a:blip r:embed="rId53"/>
+                  <a:stretch>
+                    <a:fillRect l="-18000" t="-32258" r="-70000" b="-17742"/>
+                  </a:stretch>
+                </a:blipFill>
+              </p:spPr>
+              <p:txBody>
+                <a:bodyPr/>
+                <a:lstStyle/>
+                <a:p>
+                  <a:r>
+                    <a:rPr lang="en-US">
+                      <a:noFill/>
+                    </a:rPr>
+                    <a:t> </a:t>
+                  </a:r>
+                </a:p>
+              </p:txBody>
+            </p:sp>
+          </mc:Fallback>
+        </mc:AlternateContent>
+        <mc:AlternateContent xmlns:mc="http://schemas.openxmlformats.org/markup-compatibility/2006">
+          <mc:Choice xmlns:a14="http://schemas.microsoft.com/office/drawing/2010/main" Requires="a14">
+            <p:sp>
+              <p:nvSpPr>
+                <p:cNvPr id="96" name="TextBox 95"/>
+                <p:cNvSpPr txBox="1"/>
+                <p:nvPr/>
+              </p:nvSpPr>
+              <p:spPr>
+                <a:xfrm>
+                  <a:off x="6671071" y="4598085"/>
+                  <a:ext cx="336439" cy="345159"/>
+                </a:xfrm>
+                <a:prstGeom prst="rect">
+                  <a:avLst/>
+                </a:prstGeom>
+                <a:noFill/>
+              </p:spPr>
+              <p:txBody>
+                <a:bodyPr wrap="none" lIns="0" tIns="0" rIns="0" bIns="0" rtlCol="0">
+                  <a:spAutoFit/>
+                </a:bodyPr>
+                <a:lstStyle/>
+                <a:p>
+                  <a:pPr/>
+                  <a14:m>
+                    <m:oMathPara xmlns:m="http://schemas.openxmlformats.org/officeDocument/2006/math">
+                      <m:oMathParaPr>
+                        <m:jc m:val="centerGroup"/>
+                      </m:oMathParaPr>
+                      <m:oMath xmlns:m="http://schemas.openxmlformats.org/officeDocument/2006/math">
+                        <m:sSub>
+                          <m:sSubPr>
+                            <m:ctrlPr>
+                              <a:rPr lang="en-US" sz="2000" b="0" i="1" smtClean="0">
+                                <a:latin typeface="Cambria Math" panose="02040503050406030204" pitchFamily="18" charset="0"/>
+                                <a:cs typeface="Arial" panose="020B0604020202020204" pitchFamily="34" charset="0"/>
+                              </a:rPr>
+                            </m:ctrlPr>
+                          </m:sSubPr>
+                          <m:e>
+                            <m:acc>
+                              <m:accPr>
+                                <m:chr m:val="⃗"/>
+                                <m:ctrlPr>
+                                  <a:rPr lang="en-US" sz="2000" b="0" i="1" smtClean="0">
+                                    <a:latin typeface="Cambria Math" panose="02040503050406030204" pitchFamily="18" charset="0"/>
+                                    <a:cs typeface="Arial" panose="020B0604020202020204" pitchFamily="34" charset="0"/>
+                                  </a:rPr>
+                                </m:ctrlPr>
+                              </m:accPr>
+                              <m:e>
+                                <m:r>
+                                  <a:rPr lang="en-US" sz="2000" b="0" i="1" smtClean="0">
+                                    <a:latin typeface="Cambria Math" panose="02040503050406030204" pitchFamily="18" charset="0"/>
+                                    <a:cs typeface="Arial" panose="020B0604020202020204" pitchFamily="34" charset="0"/>
+                                  </a:rPr>
+                                  <m:t>𝐹</m:t>
+                                </m:r>
+                              </m:e>
+                            </m:acc>
+                          </m:e>
+                          <m:sub>
+                            <m:r>
+                              <a:rPr lang="en-US" sz="2000" b="0" i="1" smtClean="0">
+                                <a:latin typeface="Cambria Math" panose="02040503050406030204" pitchFamily="18" charset="0"/>
+                                <a:cs typeface="Arial" panose="020B0604020202020204" pitchFamily="34" charset="0"/>
+                              </a:rPr>
+                              <m:t>𝑑</m:t>
+                            </m:r>
+                          </m:sub>
+                        </m:sSub>
+                      </m:oMath>
+                    </m:oMathPara>
+                  </a14:m>
+                  <a:endParaRPr lang="en-US" sz="2000" dirty="0" smtClean="0">
+                    <a:latin typeface="Arial" panose="020B0604020202020204" pitchFamily="34" charset="0"/>
+                    <a:cs typeface="Arial" panose="020B0604020202020204" pitchFamily="34" charset="0"/>
+                  </a:endParaRPr>
+                </a:p>
+              </p:txBody>
+            </p:sp>
+          </mc:Choice>
+          <mc:Fallback>
+            <p:sp>
+              <p:nvSpPr>
+                <p:cNvPr id="96" name="TextBox 95"/>
+                <p:cNvSpPr txBox="1">
+                  <a:spLocks noRot="1" noChangeAspect="1" noMove="1" noResize="1" noEditPoints="1" noAdjustHandles="1" noChangeArrowheads="1" noChangeShapeType="1" noTextEdit="1"/>
+                </p:cNvSpPr>
+                <p:nvPr/>
+              </p:nvSpPr>
+              <p:spPr>
+                <a:xfrm>
+                  <a:off x="6671071" y="4598085"/>
+                  <a:ext cx="336439" cy="345159"/>
+                </a:xfrm>
+                <a:prstGeom prst="rect">
+                  <a:avLst/>
+                </a:prstGeom>
+                <a:blipFill>
+                  <a:blip r:embed="rId54"/>
+                  <a:stretch>
+                    <a:fillRect l="-16364" t="-35714" r="-63636" b="-19643"/>
+                  </a:stretch>
+                </a:blipFill>
+              </p:spPr>
+              <p:txBody>
+                <a:bodyPr/>
+                <a:lstStyle/>
+                <a:p>
+                  <a:r>
+                    <a:rPr lang="en-US">
+                      <a:noFill/>
+                    </a:rPr>
+                    <a:t> </a:t>
+                  </a:r>
+                </a:p>
+              </p:txBody>
+            </p:sp>
+          </mc:Fallback>
+        </mc:AlternateContent>
+        <p:sp>
+          <p:nvSpPr>
+            <p:cNvPr id="102" name="Right Arrow 101"/>
+            <p:cNvSpPr/>
+            <p:nvPr/>
+          </p:nvSpPr>
+          <p:spPr>
+            <a:xfrm rot="16200000" flipH="1">
+              <a:off x="7176231" y="5110047"/>
+              <a:ext cx="606575" cy="107622"/>
+            </a:xfrm>
+            <a:prstGeom prst="rightArrow">
+              <a:avLst/>
+            </a:prstGeom>
+            <a:solidFill>
+              <a:schemeClr val="tx1"/>
+            </a:solidFill>
+            <a:ln w="38100">
+              <a:solidFill>
+                <a:schemeClr val="tx1"/>
+              </a:solidFill>
+            </a:ln>
+          </p:spPr>
+          <p:style>
+            <a:lnRef idx="2">
+              <a:schemeClr val="accent1">
+                <a:shade val="50000"/>
+              </a:schemeClr>
+            </a:lnRef>
+            <a:fillRef idx="1">
+              <a:schemeClr val="accent1"/>
+            </a:fillRef>
+            <a:effectRef idx="0">
+              <a:schemeClr val="accent1"/>
+            </a:effectRef>
+            <a:fontRef idx="minor">
+              <a:schemeClr val="lt1"/>
+            </a:fontRef>
+          </p:style>
+          <p:txBody>
+            <a:bodyPr rtlCol="0" anchor="ctr"/>
+            <a:lstStyle/>
+            <a:p>
+              <a:pPr algn="ctr"/>
+              <a:endParaRPr lang="en-US"/>
+            </a:p>
+          </p:txBody>
+        </p:sp>
+        <mc:AlternateContent xmlns:mc="http://schemas.openxmlformats.org/markup-compatibility/2006">
+          <mc:Choice xmlns:a14="http://schemas.microsoft.com/office/drawing/2010/main" Requires="a14">
+            <p:sp>
+              <p:nvSpPr>
+                <p:cNvPr id="103" name="TextBox 102"/>
+                <p:cNvSpPr txBox="1"/>
+                <p:nvPr/>
+              </p:nvSpPr>
+              <p:spPr>
+                <a:xfrm>
+                  <a:off x="7651303" y="5025371"/>
+                  <a:ext cx="219483" cy="307777"/>
+                </a:xfrm>
+                <a:prstGeom prst="rect">
+                  <a:avLst/>
+                </a:prstGeom>
+                <a:noFill/>
+              </p:spPr>
+              <p:txBody>
+                <a:bodyPr wrap="none" lIns="0" tIns="0" rIns="0" bIns="0" rtlCol="0">
+                  <a:spAutoFit/>
+                </a:bodyPr>
+                <a:lstStyle/>
+                <a:p>
+                  <a:pPr/>
+                  <a14:m>
+                    <m:oMathPara xmlns:m="http://schemas.openxmlformats.org/officeDocument/2006/math">
+                      <m:oMathParaPr>
+                        <m:jc m:val="centerGroup"/>
+                      </m:oMathParaPr>
+                      <m:oMath xmlns:m="http://schemas.openxmlformats.org/officeDocument/2006/math">
+                        <m:acc>
+                          <m:accPr>
+                            <m:chr m:val="⃗"/>
+                            <m:ctrlPr>
+                              <a:rPr lang="en-US" sz="2000" b="0" i="1" smtClean="0">
+                                <a:latin typeface="Cambria Math" panose="02040503050406030204" pitchFamily="18" charset="0"/>
+                                <a:cs typeface="Arial" panose="020B0604020202020204" pitchFamily="34" charset="0"/>
+                              </a:rPr>
+                            </m:ctrlPr>
+                          </m:accPr>
+                          <m:e>
+                            <m:r>
+                              <a:rPr lang="en-US" sz="2000" b="0" i="1" smtClean="0">
+                                <a:latin typeface="Cambria Math" panose="02040503050406030204" pitchFamily="18" charset="0"/>
+                                <a:cs typeface="Arial" panose="020B0604020202020204" pitchFamily="34" charset="0"/>
+                              </a:rPr>
+                              <m:t>𝑎</m:t>
+                            </m:r>
+                          </m:e>
+                        </m:acc>
+                      </m:oMath>
+                    </m:oMathPara>
+                  </a14:m>
+                  <a:endParaRPr lang="en-US" sz="2000" dirty="0" smtClean="0">
+                    <a:latin typeface="Arial" panose="020B0604020202020204" pitchFamily="34" charset="0"/>
+                    <a:cs typeface="Arial" panose="020B0604020202020204" pitchFamily="34" charset="0"/>
+                  </a:endParaRPr>
+                </a:p>
+              </p:txBody>
+            </p:sp>
+          </mc:Choice>
+          <mc:Fallback>
+            <p:sp>
+              <p:nvSpPr>
+                <p:cNvPr id="103" name="TextBox 102"/>
+                <p:cNvSpPr txBox="1">
+                  <a:spLocks noRot="1" noChangeAspect="1" noMove="1" noResize="1" noEditPoints="1" noAdjustHandles="1" noChangeArrowheads="1" noChangeShapeType="1" noTextEdit="1"/>
+                </p:cNvSpPr>
+                <p:nvPr/>
+              </p:nvSpPr>
+              <p:spPr>
+                <a:xfrm>
+                  <a:off x="7651303" y="5025371"/>
+                  <a:ext cx="219483" cy="307777"/>
+                </a:xfrm>
+                <a:prstGeom prst="rect">
+                  <a:avLst/>
+                </a:prstGeom>
+                <a:blipFill>
+                  <a:blip r:embed="rId55"/>
+                  <a:stretch>
+                    <a:fillRect l="-22222" t="-36000" r="-91667" b="-6000"/>
+                  </a:stretch>
+                </a:blipFill>
+              </p:spPr>
+              <p:txBody>
+                <a:bodyPr/>
+                <a:lstStyle/>
+                <a:p>
+                  <a:r>
+                    <a:rPr lang="en-US">
+                      <a:noFill/>
+                    </a:rPr>
+                    <a:t> </a:t>
+                  </a:r>
+                </a:p>
+              </p:txBody>
+            </p:sp>
+          </mc:Fallback>
+        </mc:AlternateContent>
+        <p:cxnSp>
+          <p:nvCxnSpPr>
+            <p:cNvPr id="25" name="Straight Arrow Connector 24"/>
+            <p:cNvCxnSpPr/>
+            <p:nvPr/>
+          </p:nvCxnSpPr>
+          <p:spPr>
+            <a:xfrm>
+              <a:off x="6478859" y="5780681"/>
+              <a:ext cx="0" cy="695602"/>
+            </a:xfrm>
+            <a:prstGeom prst="straightConnector1">
+              <a:avLst/>
+            </a:prstGeom>
+            <a:ln w="38100">
+              <a:solidFill>
+                <a:schemeClr val="tx1"/>
+              </a:solidFill>
+              <a:tailEnd type="triangle"/>
+            </a:ln>
+          </p:spPr>
+          <p:style>
+            <a:lnRef idx="1">
+              <a:schemeClr val="accent1"/>
+            </a:lnRef>
+            <a:fillRef idx="0">
+              <a:schemeClr val="accent1"/>
+            </a:fillRef>
+            <a:effectRef idx="0">
+              <a:schemeClr val="accent1"/>
+            </a:effectRef>
+            <a:fontRef idx="minor">
+              <a:schemeClr val="tx1"/>
+            </a:fontRef>
+          </p:style>
+        </p:cxnSp>
+        <mc:AlternateContent xmlns:mc="http://schemas.openxmlformats.org/markup-compatibility/2006">
+          <mc:Choice xmlns:a14="http://schemas.microsoft.com/office/drawing/2010/main" Requires="a14">
+            <p:sp>
+              <p:nvSpPr>
+                <p:cNvPr id="40" name="TextBox 39"/>
+                <p:cNvSpPr txBox="1"/>
+                <p:nvPr/>
+              </p:nvSpPr>
+              <p:spPr>
+                <a:xfrm>
+                  <a:off x="6264313" y="6119614"/>
+                  <a:ext cx="214546" cy="307777"/>
+                </a:xfrm>
+                <a:prstGeom prst="rect">
+                  <a:avLst/>
+                </a:prstGeom>
+                <a:noFill/>
+              </p:spPr>
+              <p:txBody>
+                <a:bodyPr wrap="none" lIns="0" tIns="0" rIns="0" bIns="0" rtlCol="0">
+                  <a:spAutoFit/>
+                </a:bodyPr>
+                <a:lstStyle/>
+                <a:p>
+                  <a14:m>
+                    <m:oMathPara xmlns:m="http://schemas.openxmlformats.org/officeDocument/2006/math">
+                      <m:oMathParaPr>
+                        <m:jc m:val="centerGroup"/>
+                      </m:oMathParaPr>
+                      <m:oMath xmlns:m="http://schemas.openxmlformats.org/officeDocument/2006/math">
+                        <m:r>
+                          <a:rPr lang="en-US" sz="2000" b="0" i="1" smtClean="0">
+                            <a:latin typeface="Cambria Math" panose="02040503050406030204" pitchFamily="18" charset="0"/>
+                            <a:cs typeface="Arial" panose="020B0604020202020204" pitchFamily="34" charset="0"/>
+                          </a:rPr>
+                          <m:t>𝑥</m:t>
+                        </m:r>
+                      </m:oMath>
+                    </m:oMathPara>
+                  </a14:m>
+                  <a:endParaRPr lang="en-US" sz="2000" dirty="0" smtClean="0">
+                    <a:latin typeface="Arial" panose="020B0604020202020204" pitchFamily="34" charset="0"/>
+                    <a:cs typeface="Arial" panose="020B0604020202020204" pitchFamily="34" charset="0"/>
+                  </a:endParaRPr>
+                </a:p>
+              </p:txBody>
+            </p:sp>
+          </mc:Choice>
+          <mc:Fallback>
+            <p:sp>
+              <p:nvSpPr>
+                <p:cNvPr id="40" name="TextBox 39"/>
+                <p:cNvSpPr txBox="1">
+                  <a:spLocks noRot="1" noChangeAspect="1" noMove="1" noResize="1" noEditPoints="1" noAdjustHandles="1" noChangeArrowheads="1" noChangeShapeType="1" noTextEdit="1"/>
+                </p:cNvSpPr>
+                <p:nvPr/>
+              </p:nvSpPr>
+              <p:spPr>
+                <a:xfrm>
+                  <a:off x="6264313" y="6119614"/>
+                  <a:ext cx="214546" cy="307777"/>
+                </a:xfrm>
+                <a:prstGeom prst="rect">
+                  <a:avLst/>
+                </a:prstGeom>
+                <a:blipFill>
+                  <a:blip r:embed="rId56"/>
+                  <a:stretch>
+                    <a:fillRect l="-11429" r="-11429" b="-1961"/>
+                  </a:stretch>
+                </a:blipFill>
+              </p:spPr>
+              <p:txBody>
+                <a:bodyPr/>
+                <a:lstStyle/>
+                <a:p>
+                  <a:r>
+                    <a:rPr lang="en-US">
+                      <a:noFill/>
+                    </a:rPr>
+                    <a:t> </a:t>
+                  </a:r>
+                </a:p>
+              </p:txBody>
+            </p:sp>
+          </mc:Fallback>
+        </mc:AlternateContent>
+      </p:grpSp>
     </p:spTree>
     <p:extLst>
       <p:ext uri="{BB962C8B-B14F-4D97-AF65-F5344CB8AC3E}">
         <p14:creationId xmlns:p14="http://schemas.microsoft.com/office/powerpoint/2010/main" val="4060488833"/>
+      </p:ext>
+    </p:extLst>
+  </p:cSld>
+  <p:clrMapOvr>
+    <a:masterClrMapping/>
+  </p:clrMapOvr>
+  <p:timing>
+    <p:tnLst>
+      <p:par>
+        <p:cTn id="1" dur="indefinite" restart="never" nodeType="tmRoot"/>
+      </p:par>
+    </p:tnLst>
+  </p:timing>
+</p:sld>
+</file>
+
+<file path=ppt/slides/slide5.xml><?xml version="1.0" encoding="utf-8"?>
+<p:sld xmlns:a="http://schemas.openxmlformats.org/drawingml/2006/main" xmlns:r="http://schemas.openxmlformats.org/officeDocument/2006/relationships" xmlns:p="http://schemas.openxmlformats.org/presentationml/2006/main">
+  <p:cSld>
+    <p:spTree>
+      <p:nvGrpSpPr>
+        <p:cNvPr id="1" name=""/>
+        <p:cNvGrpSpPr/>
+        <p:nvPr/>
+      </p:nvGrpSpPr>
+      <p:grpSpPr>
+        <a:xfrm>
+          <a:off x="0" y="0"/>
+          <a:ext cx="0" cy="0"/>
+          <a:chOff x="0" y="0"/>
+          <a:chExt cx="0" cy="0"/>
+        </a:xfrm>
+      </p:grpSpPr>
+      <p:grpSp>
+        <p:nvGrpSpPr>
+          <p:cNvPr id="59" name="Group 58"/>
+          <p:cNvGrpSpPr/>
+          <p:nvPr/>
+        </p:nvGrpSpPr>
+        <p:grpSpPr>
+          <a:xfrm>
+            <a:off x="5923790" y="773786"/>
+            <a:ext cx="1993835" cy="2529058"/>
+            <a:chOff x="5923790" y="773786"/>
+            <a:chExt cx="1993835" cy="2529058"/>
+          </a:xfrm>
+        </p:grpSpPr>
+        <p:grpSp>
+          <p:nvGrpSpPr>
+            <p:cNvPr id="50" name="Group 49"/>
+            <p:cNvGrpSpPr/>
+            <p:nvPr/>
+          </p:nvGrpSpPr>
+          <p:grpSpPr>
+            <a:xfrm>
+              <a:off x="5923790" y="773786"/>
+              <a:ext cx="1993835" cy="2529058"/>
+              <a:chOff x="5734219" y="1111921"/>
+              <a:chExt cx="1993835" cy="2529058"/>
+            </a:xfrm>
+          </p:grpSpPr>
+          <p:sp>
+            <p:nvSpPr>
+              <p:cNvPr id="27" name="Oval 26"/>
+              <p:cNvSpPr/>
+              <p:nvPr/>
+            </p:nvSpPr>
+            <p:spPr>
+              <a:xfrm>
+                <a:off x="6784941" y="1777118"/>
+                <a:ext cx="120943" cy="119766"/>
+              </a:xfrm>
+              <a:prstGeom prst="ellipse">
+                <a:avLst/>
+              </a:prstGeom>
+              <a:solidFill>
+                <a:schemeClr val="tx1"/>
+              </a:solidFill>
+              <a:ln w="38100">
+                <a:solidFill>
+                  <a:schemeClr val="tx1"/>
+                </a:solidFill>
+              </a:ln>
+            </p:spPr>
+            <p:style>
+              <a:lnRef idx="2">
+                <a:schemeClr val="accent1">
+                  <a:shade val="50000"/>
+                </a:schemeClr>
+              </a:lnRef>
+              <a:fillRef idx="1">
+                <a:schemeClr val="accent1"/>
+              </a:fillRef>
+              <a:effectRef idx="0">
+                <a:schemeClr val="accent1"/>
+              </a:effectRef>
+              <a:fontRef idx="minor">
+                <a:schemeClr val="lt1"/>
+              </a:fontRef>
+            </p:style>
+            <p:txBody>
+              <a:bodyPr rtlCol="0" anchor="ctr"/>
+              <a:lstStyle/>
+              <a:p>
+                <a:pPr algn="ctr"/>
+                <a:endParaRPr lang="en-US"/>
+              </a:p>
+            </p:txBody>
+          </p:sp>
+          <p:cxnSp>
+            <p:nvCxnSpPr>
+              <p:cNvPr id="28" name="Straight Arrow Connector 27"/>
+              <p:cNvCxnSpPr/>
+              <p:nvPr/>
+            </p:nvCxnSpPr>
+            <p:spPr>
+              <a:xfrm flipH="1" flipV="1">
+                <a:off x="6610988" y="1319442"/>
+                <a:ext cx="212406" cy="472630"/>
+              </a:xfrm>
+              <a:prstGeom prst="straightConnector1">
+                <a:avLst/>
+              </a:prstGeom>
+              <a:ln w="38100">
+                <a:solidFill>
+                  <a:schemeClr val="tx1"/>
+                </a:solidFill>
+                <a:tailEnd type="triangle"/>
+              </a:ln>
+            </p:spPr>
+            <p:style>
+              <a:lnRef idx="1">
+                <a:schemeClr val="accent1"/>
+              </a:lnRef>
+              <a:fillRef idx="0">
+                <a:schemeClr val="accent1"/>
+              </a:fillRef>
+              <a:effectRef idx="0">
+                <a:schemeClr val="accent1"/>
+              </a:effectRef>
+              <a:fontRef idx="minor">
+                <a:schemeClr val="tx1"/>
+              </a:fontRef>
+            </p:style>
+          </p:cxnSp>
+          <p:cxnSp>
+            <p:nvCxnSpPr>
+              <p:cNvPr id="29" name="Straight Arrow Connector 28"/>
+              <p:cNvCxnSpPr/>
+              <p:nvPr/>
+            </p:nvCxnSpPr>
+            <p:spPr>
+              <a:xfrm>
+                <a:off x="6834545" y="1908035"/>
+                <a:ext cx="0" cy="973993"/>
+              </a:xfrm>
+              <a:prstGeom prst="straightConnector1">
+                <a:avLst/>
+              </a:prstGeom>
+              <a:ln w="38100">
+                <a:solidFill>
+                  <a:schemeClr val="tx1"/>
+                </a:solidFill>
+                <a:tailEnd type="triangle"/>
+              </a:ln>
+            </p:spPr>
+            <p:style>
+              <a:lnRef idx="1">
+                <a:schemeClr val="accent1"/>
+              </a:lnRef>
+              <a:fillRef idx="0">
+                <a:schemeClr val="accent1"/>
+              </a:fillRef>
+              <a:effectRef idx="0">
+                <a:schemeClr val="accent1"/>
+              </a:effectRef>
+              <a:fontRef idx="minor">
+                <a:schemeClr val="tx1"/>
+              </a:fontRef>
+            </p:style>
+          </p:cxnSp>
+          <mc:AlternateContent xmlns:mc="http://schemas.openxmlformats.org/markup-compatibility/2006">
+            <mc:Choice xmlns:a14="http://schemas.microsoft.com/office/drawing/2010/main" Requires="a14">
+              <p:sp>
+                <p:nvSpPr>
+                  <p:cNvPr id="30" name="TextBox 29"/>
+                  <p:cNvSpPr txBox="1"/>
+                  <p:nvPr/>
+                </p:nvSpPr>
+                <p:spPr>
+                  <a:xfrm>
+                    <a:off x="6481076" y="2374195"/>
+                    <a:ext cx="303865" cy="377219"/>
+                  </a:xfrm>
+                  <a:prstGeom prst="rect">
+                    <a:avLst/>
+                  </a:prstGeom>
+                  <a:noFill/>
+                </p:spPr>
+                <p:txBody>
+                  <a:bodyPr wrap="none" lIns="0" tIns="0" rIns="0" bIns="0" rtlCol="0">
+                    <a:spAutoFit/>
+                  </a:bodyPr>
+                  <a:lstStyle/>
+                  <a:p>
+                    <a:pPr/>
+                    <a14:m>
+                      <m:oMathPara xmlns:m="http://schemas.openxmlformats.org/officeDocument/2006/math">
+                        <m:oMathParaPr>
+                          <m:jc m:val="centerGroup"/>
+                        </m:oMathParaPr>
+                        <m:oMath xmlns:m="http://schemas.openxmlformats.org/officeDocument/2006/math">
+                          <m:sSub>
+                            <m:sSubPr>
+                              <m:ctrlPr>
+                                <a:rPr lang="en-US" sz="2000" b="0" i="1" smtClean="0">
+                                  <a:latin typeface="Cambria Math" panose="02040503050406030204" pitchFamily="18" charset="0"/>
+                                  <a:cs typeface="Arial" panose="020B0604020202020204" pitchFamily="34" charset="0"/>
+                                </a:rPr>
+                              </m:ctrlPr>
+                            </m:sSubPr>
+                            <m:e>
+                              <m:acc>
+                                <m:accPr>
+                                  <m:chr m:val="⃗"/>
+                                  <m:ctrlPr>
+                                    <a:rPr lang="en-US" sz="2000" b="0" i="1" smtClean="0">
+                                      <a:latin typeface="Cambria Math" panose="02040503050406030204" pitchFamily="18" charset="0"/>
+                                      <a:cs typeface="Arial" panose="020B0604020202020204" pitchFamily="34" charset="0"/>
+                                    </a:rPr>
+                                  </m:ctrlPr>
+                                </m:accPr>
+                                <m:e>
+                                  <m:r>
+                                    <a:rPr lang="en-US" sz="2000" b="0" i="1" smtClean="0">
+                                      <a:latin typeface="Cambria Math" panose="02040503050406030204" pitchFamily="18" charset="0"/>
+                                      <a:cs typeface="Arial" panose="020B0604020202020204" pitchFamily="34" charset="0"/>
+                                    </a:rPr>
+                                    <m:t>𝐹</m:t>
+                                  </m:r>
+                                </m:e>
+                              </m:acc>
+                            </m:e>
+                            <m:sub>
+                              <m:r>
+                                <a:rPr lang="en-US" sz="2000" b="0" i="1" smtClean="0">
+                                  <a:latin typeface="Cambria Math" panose="02040503050406030204" pitchFamily="18" charset="0"/>
+                                  <a:cs typeface="Arial" panose="020B0604020202020204" pitchFamily="34" charset="0"/>
+                                </a:rPr>
+                                <m:t>𝑔</m:t>
+                              </m:r>
+                            </m:sub>
+                          </m:sSub>
+                        </m:oMath>
+                      </m:oMathPara>
+                    </a14:m>
+                    <a:endParaRPr lang="en-US" sz="2000" dirty="0" smtClean="0">
+                      <a:latin typeface="Arial" panose="020B0604020202020204" pitchFamily="34" charset="0"/>
+                      <a:cs typeface="Arial" panose="020B0604020202020204" pitchFamily="34" charset="0"/>
+                    </a:endParaRPr>
+                  </a:p>
+                </p:txBody>
+              </p:sp>
+            </mc:Choice>
+            <mc:Fallback>
+              <p:sp>
+                <p:nvSpPr>
+                  <p:cNvPr id="30" name="TextBox 29"/>
+                  <p:cNvSpPr txBox="1">
+                    <a:spLocks noRot="1" noChangeAspect="1" noMove="1" noResize="1" noEditPoints="1" noAdjustHandles="1" noChangeArrowheads="1" noChangeShapeType="1" noTextEdit="1"/>
+                  </p:cNvSpPr>
+                  <p:nvPr/>
+                </p:nvSpPr>
+                <p:spPr>
+                  <a:xfrm>
+                    <a:off x="6481076" y="2374195"/>
+                    <a:ext cx="303865" cy="377219"/>
+                  </a:xfrm>
+                  <a:prstGeom prst="rect">
+                    <a:avLst/>
+                  </a:prstGeom>
+                  <a:blipFill>
+                    <a:blip r:embed="rId2"/>
+                    <a:stretch>
+                      <a:fillRect l="-16000" t="-30645" r="-72000" b="-17742"/>
+                    </a:stretch>
+                  </a:blipFill>
+                </p:spPr>
+                <p:txBody>
+                  <a:bodyPr/>
+                  <a:lstStyle/>
+                  <a:p>
+                    <a:r>
+                      <a:rPr lang="en-US">
+                        <a:noFill/>
+                      </a:rPr>
+                      <a:t> </a:t>
+                    </a:r>
+                  </a:p>
+                </p:txBody>
+              </p:sp>
+            </mc:Fallback>
+          </mc:AlternateContent>
+          <mc:AlternateContent xmlns:mc="http://schemas.openxmlformats.org/markup-compatibility/2006">
+            <mc:Choice xmlns:a14="http://schemas.microsoft.com/office/drawing/2010/main" Requires="a14">
+              <p:sp>
+                <p:nvSpPr>
+                  <p:cNvPr id="31" name="TextBox 30"/>
+                  <p:cNvSpPr txBox="1"/>
+                  <p:nvPr/>
+                </p:nvSpPr>
+                <p:spPr>
+                  <a:xfrm>
+                    <a:off x="6737664" y="1111921"/>
+                    <a:ext cx="336439" cy="345159"/>
+                  </a:xfrm>
+                  <a:prstGeom prst="rect">
+                    <a:avLst/>
+                  </a:prstGeom>
+                  <a:noFill/>
+                </p:spPr>
+                <p:txBody>
+                  <a:bodyPr wrap="none" lIns="0" tIns="0" rIns="0" bIns="0" rtlCol="0">
+                    <a:spAutoFit/>
+                  </a:bodyPr>
+                  <a:lstStyle/>
+                  <a:p>
+                    <a:pPr/>
+                    <a14:m>
+                      <m:oMathPara xmlns:m="http://schemas.openxmlformats.org/officeDocument/2006/math">
+                        <m:oMathParaPr>
+                          <m:jc m:val="centerGroup"/>
+                        </m:oMathParaPr>
+                        <m:oMath xmlns:m="http://schemas.openxmlformats.org/officeDocument/2006/math">
+                          <m:sSub>
+                            <m:sSubPr>
+                              <m:ctrlPr>
+                                <a:rPr lang="en-US" sz="2000" b="0" i="1" smtClean="0">
+                                  <a:latin typeface="Cambria Math" panose="02040503050406030204" pitchFamily="18" charset="0"/>
+                                  <a:cs typeface="Arial" panose="020B0604020202020204" pitchFamily="34" charset="0"/>
+                                </a:rPr>
+                              </m:ctrlPr>
+                            </m:sSubPr>
+                            <m:e>
+                              <m:acc>
+                                <m:accPr>
+                                  <m:chr m:val="⃗"/>
+                                  <m:ctrlPr>
+                                    <a:rPr lang="en-US" sz="2000" b="0" i="1" smtClean="0">
+                                      <a:latin typeface="Cambria Math" panose="02040503050406030204" pitchFamily="18" charset="0"/>
+                                      <a:cs typeface="Arial" panose="020B0604020202020204" pitchFamily="34" charset="0"/>
+                                    </a:rPr>
+                                  </m:ctrlPr>
+                                </m:accPr>
+                                <m:e>
+                                  <m:r>
+                                    <a:rPr lang="en-US" sz="2000" b="0" i="1" smtClean="0">
+                                      <a:latin typeface="Cambria Math" panose="02040503050406030204" pitchFamily="18" charset="0"/>
+                                      <a:cs typeface="Arial" panose="020B0604020202020204" pitchFamily="34" charset="0"/>
+                                    </a:rPr>
+                                    <m:t>𝐹</m:t>
+                                  </m:r>
+                                </m:e>
+                              </m:acc>
+                            </m:e>
+                            <m:sub>
+                              <m:r>
+                                <a:rPr lang="en-US" sz="2000" b="0" i="1" smtClean="0">
+                                  <a:latin typeface="Cambria Math" panose="02040503050406030204" pitchFamily="18" charset="0"/>
+                                  <a:cs typeface="Arial" panose="020B0604020202020204" pitchFamily="34" charset="0"/>
+                                </a:rPr>
+                                <m:t>𝑑</m:t>
+                              </m:r>
+                            </m:sub>
+                          </m:sSub>
+                        </m:oMath>
+                      </m:oMathPara>
+                    </a14:m>
+                    <a:endParaRPr lang="en-US" sz="2000" dirty="0" smtClean="0">
+                      <a:latin typeface="Arial" panose="020B0604020202020204" pitchFamily="34" charset="0"/>
+                      <a:cs typeface="Arial" panose="020B0604020202020204" pitchFamily="34" charset="0"/>
+                    </a:endParaRPr>
+                  </a:p>
+                </p:txBody>
+              </p:sp>
+            </mc:Choice>
+            <mc:Fallback>
+              <p:sp>
+                <p:nvSpPr>
+                  <p:cNvPr id="31" name="TextBox 30"/>
+                  <p:cNvSpPr txBox="1">
+                    <a:spLocks noRot="1" noChangeAspect="1" noMove="1" noResize="1" noEditPoints="1" noAdjustHandles="1" noChangeArrowheads="1" noChangeShapeType="1" noTextEdit="1"/>
+                  </p:cNvSpPr>
+                  <p:nvPr/>
+                </p:nvSpPr>
+                <p:spPr>
+                  <a:xfrm>
+                    <a:off x="6737664" y="1111921"/>
+                    <a:ext cx="336439" cy="345159"/>
+                  </a:xfrm>
+                  <a:prstGeom prst="rect">
+                    <a:avLst/>
+                  </a:prstGeom>
+                  <a:blipFill>
+                    <a:blip r:embed="rId3"/>
+                    <a:stretch>
+                      <a:fillRect l="-14286" t="-35088" r="-62500" b="-17544"/>
+                    </a:stretch>
+                  </a:blipFill>
+                </p:spPr>
+                <p:txBody>
+                  <a:bodyPr/>
+                  <a:lstStyle/>
+                  <a:p>
+                    <a:r>
+                      <a:rPr lang="en-US">
+                        <a:noFill/>
+                      </a:rPr>
+                      <a:t> </a:t>
+                    </a:r>
+                  </a:p>
+                </p:txBody>
+              </p:sp>
+            </mc:Fallback>
+          </mc:AlternateContent>
+          <p:sp>
+            <p:nvSpPr>
+              <p:cNvPr id="32" name="Right Arrow 31"/>
+              <p:cNvSpPr/>
+              <p:nvPr/>
+            </p:nvSpPr>
+            <p:spPr>
+              <a:xfrm rot="18168707" flipH="1">
+                <a:off x="5718978" y="2196009"/>
+                <a:ext cx="606575" cy="107622"/>
+              </a:xfrm>
+              <a:prstGeom prst="rightArrow">
+                <a:avLst/>
+              </a:prstGeom>
+              <a:solidFill>
+                <a:schemeClr val="tx1"/>
+              </a:solidFill>
+              <a:ln w="38100">
+                <a:solidFill>
+                  <a:schemeClr val="tx1"/>
+                </a:solidFill>
+              </a:ln>
+            </p:spPr>
+            <p:style>
+              <a:lnRef idx="2">
+                <a:schemeClr val="accent1">
+                  <a:shade val="50000"/>
+                </a:schemeClr>
+              </a:lnRef>
+              <a:fillRef idx="1">
+                <a:schemeClr val="accent1"/>
+              </a:fillRef>
+              <a:effectRef idx="0">
+                <a:schemeClr val="accent1"/>
+              </a:effectRef>
+              <a:fontRef idx="minor">
+                <a:schemeClr val="lt1"/>
+              </a:fontRef>
+            </p:style>
+            <p:txBody>
+              <a:bodyPr rtlCol="0" anchor="ctr"/>
+              <a:lstStyle/>
+              <a:p>
+                <a:pPr algn="ctr"/>
+                <a:endParaRPr lang="en-US"/>
+              </a:p>
+            </p:txBody>
+          </p:sp>
+          <mc:AlternateContent xmlns:mc="http://schemas.openxmlformats.org/markup-compatibility/2006">
+            <mc:Choice xmlns:a14="http://schemas.microsoft.com/office/drawing/2010/main" Requires="a14">
+              <p:sp>
+                <p:nvSpPr>
+                  <p:cNvPr id="33" name="TextBox 32"/>
+                  <p:cNvSpPr txBox="1"/>
+                  <p:nvPr/>
+                </p:nvSpPr>
+                <p:spPr>
+                  <a:xfrm>
+                    <a:off x="6022265" y="2294484"/>
+                    <a:ext cx="219483" cy="307777"/>
+                  </a:xfrm>
+                  <a:prstGeom prst="rect">
+                    <a:avLst/>
+                  </a:prstGeom>
+                  <a:noFill/>
+                </p:spPr>
+                <p:txBody>
+                  <a:bodyPr wrap="none" lIns="0" tIns="0" rIns="0" bIns="0" rtlCol="0">
+                    <a:spAutoFit/>
+                  </a:bodyPr>
+                  <a:lstStyle/>
+                  <a:p>
+                    <a:pPr/>
+                    <a14:m>
+                      <m:oMathPara xmlns:m="http://schemas.openxmlformats.org/officeDocument/2006/math">
+                        <m:oMathParaPr>
+                          <m:jc m:val="centerGroup"/>
+                        </m:oMathParaPr>
+                        <m:oMath xmlns:m="http://schemas.openxmlformats.org/officeDocument/2006/math">
+                          <m:acc>
+                            <m:accPr>
+                              <m:chr m:val="⃗"/>
+                              <m:ctrlPr>
+                                <a:rPr lang="en-US" sz="2000" b="0" i="1" smtClean="0">
+                                  <a:latin typeface="Cambria Math" panose="02040503050406030204" pitchFamily="18" charset="0"/>
+                                  <a:cs typeface="Arial" panose="020B0604020202020204" pitchFamily="34" charset="0"/>
+                                </a:rPr>
+                              </m:ctrlPr>
+                            </m:accPr>
+                            <m:e>
+                              <m:r>
+                                <a:rPr lang="en-US" sz="2000" b="0" i="1" smtClean="0">
+                                  <a:latin typeface="Cambria Math" panose="02040503050406030204" pitchFamily="18" charset="0"/>
+                                  <a:cs typeface="Arial" panose="020B0604020202020204" pitchFamily="34" charset="0"/>
+                                </a:rPr>
+                                <m:t>𝑎</m:t>
+                              </m:r>
+                            </m:e>
+                          </m:acc>
+                        </m:oMath>
+                      </m:oMathPara>
+                    </a14:m>
+                    <a:endParaRPr lang="en-US" sz="2000" dirty="0" smtClean="0">
+                      <a:latin typeface="Arial" panose="020B0604020202020204" pitchFamily="34" charset="0"/>
+                      <a:cs typeface="Arial" panose="020B0604020202020204" pitchFamily="34" charset="0"/>
+                    </a:endParaRPr>
+                  </a:p>
+                </p:txBody>
+              </p:sp>
+            </mc:Choice>
+            <mc:Fallback>
+              <p:sp>
+                <p:nvSpPr>
+                  <p:cNvPr id="33" name="TextBox 32"/>
+                  <p:cNvSpPr txBox="1">
+                    <a:spLocks noRot="1" noChangeAspect="1" noMove="1" noResize="1" noEditPoints="1" noAdjustHandles="1" noChangeArrowheads="1" noChangeShapeType="1" noTextEdit="1"/>
+                  </p:cNvSpPr>
+                  <p:nvPr/>
+                </p:nvSpPr>
+                <p:spPr>
+                  <a:xfrm>
+                    <a:off x="6022265" y="2294484"/>
+                    <a:ext cx="219483" cy="307777"/>
+                  </a:xfrm>
+                  <a:prstGeom prst="rect">
+                    <a:avLst/>
+                  </a:prstGeom>
+                  <a:blipFill>
+                    <a:blip r:embed="rId4"/>
+                    <a:stretch>
+                      <a:fillRect l="-19444" t="-36000" r="-94444" b="-6000"/>
+                    </a:stretch>
+                  </a:blipFill>
+                </p:spPr>
+                <p:txBody>
+                  <a:bodyPr/>
+                  <a:lstStyle/>
+                  <a:p>
+                    <a:r>
+                      <a:rPr lang="en-US">
+                        <a:noFill/>
+                      </a:rPr>
+                      <a:t> </a:t>
+                    </a:r>
+                  </a:p>
+                </p:txBody>
+              </p:sp>
+            </mc:Fallback>
+          </mc:AlternateContent>
+          <p:cxnSp>
+            <p:nvCxnSpPr>
+              <p:cNvPr id="39" name="Straight Arrow Connector 38"/>
+              <p:cNvCxnSpPr/>
+              <p:nvPr/>
+            </p:nvCxnSpPr>
+            <p:spPr>
+              <a:xfrm>
+                <a:off x="7058583" y="2195864"/>
+                <a:ext cx="378671" cy="810441"/>
+              </a:xfrm>
+              <a:prstGeom prst="straightConnector1">
+                <a:avLst/>
+              </a:prstGeom>
+              <a:ln w="57150">
+                <a:solidFill>
+                  <a:schemeClr val="tx1"/>
+                </a:solidFill>
+                <a:prstDash val="sysDash"/>
+                <a:tailEnd type="triangle"/>
+              </a:ln>
+            </p:spPr>
+            <p:style>
+              <a:lnRef idx="1">
+                <a:schemeClr val="accent1"/>
+              </a:lnRef>
+              <a:fillRef idx="0">
+                <a:schemeClr val="accent1"/>
+              </a:fillRef>
+              <a:effectRef idx="0">
+                <a:schemeClr val="accent1"/>
+              </a:effectRef>
+              <a:fontRef idx="minor">
+                <a:schemeClr val="tx1"/>
+              </a:fontRef>
+            </p:style>
+          </p:cxnSp>
+          <mc:AlternateContent xmlns:mc="http://schemas.openxmlformats.org/markup-compatibility/2006">
+            <mc:Choice xmlns:a14="http://schemas.microsoft.com/office/drawing/2010/main" Requires="a14">
+              <p:sp>
+                <p:nvSpPr>
+                  <p:cNvPr id="41" name="TextBox 40"/>
+                  <p:cNvSpPr txBox="1"/>
+                  <p:nvPr/>
+                </p:nvSpPr>
+                <p:spPr>
+                  <a:xfrm>
+                    <a:off x="7510559" y="2924626"/>
+                    <a:ext cx="217495" cy="307777"/>
+                  </a:xfrm>
+                  <a:prstGeom prst="rect">
+                    <a:avLst/>
+                  </a:prstGeom>
+                  <a:noFill/>
+                </p:spPr>
+                <p:txBody>
+                  <a:bodyPr wrap="none" lIns="0" tIns="0" rIns="0" bIns="0" rtlCol="0">
+                    <a:spAutoFit/>
+                  </a:bodyPr>
+                  <a:lstStyle/>
+                  <a:p>
+                    <a14:m>
+                      <m:oMathPara xmlns:m="http://schemas.openxmlformats.org/officeDocument/2006/math">
+                        <m:oMathParaPr>
+                          <m:jc m:val="centerGroup"/>
+                        </m:oMathParaPr>
+                        <m:oMath xmlns:m="http://schemas.openxmlformats.org/officeDocument/2006/math">
+                          <m:acc>
+                            <m:accPr>
+                              <m:chr m:val="⃗"/>
+                              <m:ctrlPr>
+                                <a:rPr lang="en-US" sz="2000" b="0" i="1" smtClean="0">
+                                  <a:latin typeface="Cambria Math" panose="02040503050406030204" pitchFamily="18" charset="0"/>
+                                  <a:cs typeface="Arial" panose="020B0604020202020204" pitchFamily="34" charset="0"/>
+                                </a:rPr>
+                              </m:ctrlPr>
+                            </m:accPr>
+                            <m:e>
+                              <m:r>
+                                <a:rPr lang="en-US" sz="2000" b="0" i="1" smtClean="0">
+                                  <a:latin typeface="Cambria Math" panose="02040503050406030204" pitchFamily="18" charset="0"/>
+                                  <a:cs typeface="Arial" panose="020B0604020202020204" pitchFamily="34" charset="0"/>
+                                </a:rPr>
+                                <m:t>𝑣</m:t>
+                              </m:r>
+                            </m:e>
+                          </m:acc>
+                        </m:oMath>
+                      </m:oMathPara>
+                    </a14:m>
+                    <a:endParaRPr lang="en-US" sz="2000" dirty="0" smtClean="0">
+                      <a:latin typeface="Arial" panose="020B0604020202020204" pitchFamily="34" charset="0"/>
+                      <a:cs typeface="Arial" panose="020B0604020202020204" pitchFamily="34" charset="0"/>
+                    </a:endParaRPr>
+                  </a:p>
+                </p:txBody>
+              </p:sp>
+            </mc:Choice>
+            <mc:Fallback>
+              <p:sp>
+                <p:nvSpPr>
+                  <p:cNvPr id="41" name="TextBox 40"/>
+                  <p:cNvSpPr txBox="1">
+                    <a:spLocks noRot="1" noChangeAspect="1" noMove="1" noResize="1" noEditPoints="1" noAdjustHandles="1" noChangeArrowheads="1" noChangeShapeType="1" noTextEdit="1"/>
+                  </p:cNvSpPr>
+                  <p:nvPr/>
+                </p:nvSpPr>
+                <p:spPr>
+                  <a:xfrm>
+                    <a:off x="7510559" y="2924626"/>
+                    <a:ext cx="217495" cy="307777"/>
+                  </a:xfrm>
+                  <a:prstGeom prst="rect">
+                    <a:avLst/>
+                  </a:prstGeom>
+                  <a:blipFill>
+                    <a:blip r:embed="rId5"/>
+                    <a:stretch>
+                      <a:fillRect l="-19444" t="-33333" r="-94444" b="-5882"/>
+                    </a:stretch>
+                  </a:blipFill>
+                </p:spPr>
+                <p:txBody>
+                  <a:bodyPr/>
+                  <a:lstStyle/>
+                  <a:p>
+                    <a:r>
+                      <a:rPr lang="en-US">
+                        <a:noFill/>
+                      </a:rPr>
+                      <a:t> </a:t>
+                    </a:r>
+                  </a:p>
+                </p:txBody>
+              </p:sp>
+            </mc:Fallback>
+          </mc:AlternateContent>
+          <p:grpSp>
+            <p:nvGrpSpPr>
+              <p:cNvPr id="42" name="Group 41"/>
+              <p:cNvGrpSpPr/>
+              <p:nvPr/>
+            </p:nvGrpSpPr>
+            <p:grpSpPr>
+              <a:xfrm>
+                <a:off x="5734219" y="2930984"/>
+                <a:ext cx="898789" cy="709995"/>
+                <a:chOff x="758520" y="708040"/>
+                <a:chExt cx="2596102" cy="2135605"/>
+              </a:xfrm>
+            </p:grpSpPr>
+            <p:grpSp>
+              <p:nvGrpSpPr>
+                <p:cNvPr id="43" name="Group 42"/>
+                <p:cNvGrpSpPr/>
+                <p:nvPr/>
+              </p:nvGrpSpPr>
+              <p:grpSpPr>
+                <a:xfrm>
+                  <a:off x="758520" y="708040"/>
+                  <a:ext cx="2596102" cy="2135605"/>
+                  <a:chOff x="785815" y="680744"/>
+                  <a:chExt cx="2596102" cy="2135605"/>
+                </a:xfrm>
+              </p:grpSpPr>
+              <p:cxnSp>
+                <p:nvCxnSpPr>
+                  <p:cNvPr id="45" name="Straight Arrow Connector 44"/>
+                  <p:cNvCxnSpPr/>
+                  <p:nvPr/>
+                </p:nvCxnSpPr>
+                <p:spPr>
+                  <a:xfrm flipV="1">
+                    <a:off x="1516583" y="680744"/>
+                    <a:ext cx="7683" cy="1859535"/>
+                  </a:xfrm>
+                  <a:prstGeom prst="straightConnector1">
+                    <a:avLst/>
+                  </a:prstGeom>
+                  <a:ln w="38100">
+                    <a:solidFill>
+                      <a:schemeClr val="tx1"/>
+                    </a:solidFill>
+                    <a:tailEnd type="triangle"/>
+                  </a:ln>
+                </p:spPr>
+                <p:style>
+                  <a:lnRef idx="1">
+                    <a:schemeClr val="accent1"/>
+                  </a:lnRef>
+                  <a:fillRef idx="0">
+                    <a:schemeClr val="accent1"/>
+                  </a:fillRef>
+                  <a:effectRef idx="0">
+                    <a:schemeClr val="accent1"/>
+                  </a:effectRef>
+                  <a:fontRef idx="minor">
+                    <a:schemeClr val="tx1"/>
+                  </a:fontRef>
+                </p:style>
+              </p:cxnSp>
+              <p:cxnSp>
+                <p:nvCxnSpPr>
+                  <p:cNvPr id="46" name="Straight Arrow Connector 45"/>
+                  <p:cNvCxnSpPr/>
+                  <p:nvPr/>
+                </p:nvCxnSpPr>
+                <p:spPr>
+                  <a:xfrm flipV="1">
+                    <a:off x="1507013" y="2535259"/>
+                    <a:ext cx="1874904" cy="1"/>
+                  </a:xfrm>
+                  <a:prstGeom prst="straightConnector1">
+                    <a:avLst/>
+                  </a:prstGeom>
+                  <a:ln w="38100">
+                    <a:solidFill>
+                      <a:schemeClr val="tx1"/>
+                    </a:solidFill>
+                    <a:tailEnd type="triangle"/>
+                  </a:ln>
+                </p:spPr>
+                <p:style>
+                  <a:lnRef idx="1">
+                    <a:schemeClr val="accent1"/>
+                  </a:lnRef>
+                  <a:fillRef idx="0">
+                    <a:schemeClr val="accent1"/>
+                  </a:fillRef>
+                  <a:effectRef idx="0">
+                    <a:schemeClr val="accent1"/>
+                  </a:effectRef>
+                  <a:fontRef idx="minor">
+                    <a:schemeClr val="tx1"/>
+                  </a:fontRef>
+                </p:style>
+              </p:cxnSp>
+              <mc:AlternateContent xmlns:mc="http://schemas.openxmlformats.org/markup-compatibility/2006" xmlns:a14="http://schemas.microsoft.com/office/drawing/2010/main">
+                <mc:Choice Requires="a14">
+                  <p:sp>
+                    <p:nvSpPr>
+                      <p:cNvPr id="47" name="Rectangle 46"/>
+                      <p:cNvSpPr/>
+                      <p:nvPr/>
+                    </p:nvSpPr>
+                    <p:spPr>
+                      <a:xfrm>
+                        <a:off x="2697555" y="2447016"/>
+                        <a:ext cx="367985" cy="369333"/>
+                      </a:xfrm>
+                      <a:prstGeom prst="rect">
+                        <a:avLst/>
+                      </a:prstGeom>
+                    </p:spPr>
+                    <p:txBody>
+                      <a:bodyPr wrap="none">
+                        <a:spAutoFit/>
+                      </a:bodyPr>
+                      <a:lstStyle/>
+                      <a:p>
+                        <a:pPr/>
+                        <a14:m>
+                          <m:oMathPara xmlns:m="http://schemas.openxmlformats.org/officeDocument/2006/math">
+                            <m:oMathParaPr>
+                              <m:jc m:val="centerGroup"/>
+                            </m:oMathParaPr>
+                            <m:oMath xmlns:m="http://schemas.openxmlformats.org/officeDocument/2006/math">
+                              <m:r>
+                                <a:rPr lang="en-US" i="1">
+                                  <a:latin typeface="Cambria Math" panose="02040503050406030204" pitchFamily="18" charset="0"/>
+                                  <a:cs typeface="Arial" panose="020B0604020202020204" pitchFamily="34" charset="0"/>
+                                </a:rPr>
+                                <m:t>𝑥</m:t>
+                              </m:r>
+                            </m:oMath>
+                          </m:oMathPara>
+                        </a14:m>
+                        <a:endParaRPr lang="en-CA" dirty="0"/>
+                      </a:p>
+                    </p:txBody>
+                  </p:sp>
+                </mc:Choice>
+                <mc:Fallback xmlns="">
+                  <p:sp>
+                    <p:nvSpPr>
+                      <p:cNvPr id="107" name="Rectangle 106"/>
+                      <p:cNvSpPr>
+                        <a:spLocks noRot="1" noChangeAspect="1" noMove="1" noResize="1" noEditPoints="1" noAdjustHandles="1" noChangeArrowheads="1" noChangeShapeType="1" noTextEdit="1"/>
+                      </p:cNvSpPr>
+                      <p:nvPr/>
+                    </p:nvSpPr>
+                    <p:spPr>
+                      <a:xfrm>
+                        <a:off x="2697555" y="2447016"/>
+                        <a:ext cx="367985" cy="369333"/>
+                      </a:xfrm>
+                      <a:prstGeom prst="rect">
+                        <a:avLst/>
+                      </a:prstGeom>
+                      <a:blipFill>
+                        <a:blip r:embed="rId27"/>
+                        <a:stretch>
+                          <a:fillRect r="-95238" b="-160000"/>
+                        </a:stretch>
+                      </a:blipFill>
+                    </p:spPr>
+                    <p:txBody>
+                      <a:bodyPr/>
+                      <a:lstStyle/>
+                      <a:p>
+                        <a:r>
+                          <a:rPr lang="en-US">
+                            <a:noFill/>
+                          </a:rPr>
+                          <a:t> </a:t>
+                        </a:r>
+                      </a:p>
+                    </p:txBody>
+                  </p:sp>
+                </mc:Fallback>
+              </mc:AlternateContent>
+              <mc:AlternateContent xmlns:mc="http://schemas.openxmlformats.org/markup-compatibility/2006" xmlns:a14="http://schemas.microsoft.com/office/drawing/2010/main">
+                <mc:Choice Requires="a14">
+                  <p:sp>
+                    <p:nvSpPr>
+                      <p:cNvPr id="48" name="Rectangle 47"/>
+                      <p:cNvSpPr/>
+                      <p:nvPr/>
+                    </p:nvSpPr>
+                    <p:spPr>
+                      <a:xfrm>
+                        <a:off x="785815" y="912420"/>
+                        <a:ext cx="371385" cy="369333"/>
+                      </a:xfrm>
+                      <a:prstGeom prst="rect">
+                        <a:avLst/>
+                      </a:prstGeom>
+                    </p:spPr>
+                    <p:txBody>
+                      <a:bodyPr wrap="none">
+                        <a:spAutoFit/>
+                      </a:bodyPr>
+                      <a:lstStyle/>
+                      <a:p>
+                        <a:pPr/>
+                        <a14:m>
+                          <m:oMathPara xmlns:m="http://schemas.openxmlformats.org/officeDocument/2006/math">
+                            <m:oMathParaPr>
+                              <m:jc m:val="centerGroup"/>
+                            </m:oMathParaPr>
+                            <m:oMath xmlns:m="http://schemas.openxmlformats.org/officeDocument/2006/math">
+                              <m:r>
+                                <a:rPr lang="en-US" b="0" i="1" smtClean="0">
+                                  <a:latin typeface="Cambria Math" panose="02040503050406030204" pitchFamily="18" charset="0"/>
+                                </a:rPr>
+                                <m:t>𝑦</m:t>
+                              </m:r>
+                            </m:oMath>
+                          </m:oMathPara>
+                        </a14:m>
+                        <a:endParaRPr lang="en-CA" dirty="0"/>
+                      </a:p>
+                    </p:txBody>
+                  </p:sp>
+                </mc:Choice>
+                <mc:Fallback xmlns="">
+                  <p:sp>
+                    <p:nvSpPr>
+                      <p:cNvPr id="108" name="Rectangle 107"/>
+                      <p:cNvSpPr>
+                        <a:spLocks noRot="1" noChangeAspect="1" noMove="1" noResize="1" noEditPoints="1" noAdjustHandles="1" noChangeArrowheads="1" noChangeShapeType="1" noTextEdit="1"/>
+                      </p:cNvSpPr>
+                      <p:nvPr/>
+                    </p:nvSpPr>
+                    <p:spPr>
+                      <a:xfrm>
+                        <a:off x="785815" y="912420"/>
+                        <a:ext cx="371385" cy="369333"/>
+                      </a:xfrm>
+                      <a:prstGeom prst="rect">
+                        <a:avLst/>
+                      </a:prstGeom>
+                      <a:blipFill>
+                        <a:blip r:embed="rId28"/>
+                        <a:stretch>
+                          <a:fillRect l="-19048" r="-114286" b="-220000"/>
+                        </a:stretch>
+                      </a:blipFill>
+                    </p:spPr>
+                    <p:txBody>
+                      <a:bodyPr/>
+                      <a:lstStyle/>
+                      <a:p>
+                        <a:r>
+                          <a:rPr lang="en-US">
+                            <a:noFill/>
+                          </a:rPr>
+                          <a:t> </a:t>
+                        </a:r>
+                      </a:p>
+                    </p:txBody>
+                  </p:sp>
+                </mc:Fallback>
+              </mc:AlternateContent>
+              <mc:AlternateContent xmlns:mc="http://schemas.openxmlformats.org/markup-compatibility/2006" xmlns:a14="http://schemas.microsoft.com/office/drawing/2010/main">
+                <mc:Choice Requires="a14">
+                  <p:sp>
+                    <p:nvSpPr>
+                      <p:cNvPr id="49" name="Rectangle 48"/>
+                      <p:cNvSpPr/>
+                      <p:nvPr/>
+                    </p:nvSpPr>
+                    <p:spPr>
+                      <a:xfrm>
+                        <a:off x="1006642" y="2350591"/>
+                        <a:ext cx="367985" cy="369333"/>
+                      </a:xfrm>
+                      <a:prstGeom prst="rect">
+                        <a:avLst/>
+                      </a:prstGeom>
+                    </p:spPr>
+                    <p:txBody>
+                      <a:bodyPr wrap="none">
+                        <a:spAutoFit/>
+                      </a:bodyPr>
+                      <a:lstStyle/>
+                      <a:p>
+                        <a:pPr/>
+                        <a14:m>
+                          <m:oMathPara xmlns:m="http://schemas.openxmlformats.org/officeDocument/2006/math">
+                            <m:oMathParaPr>
+                              <m:jc m:val="centerGroup"/>
+                            </m:oMathParaPr>
+                            <m:oMath xmlns:m="http://schemas.openxmlformats.org/officeDocument/2006/math">
+                              <m:r>
+                                <a:rPr lang="en-US" b="0" i="1" smtClean="0">
+                                  <a:latin typeface="Cambria Math" panose="02040503050406030204" pitchFamily="18" charset="0"/>
+                                  <a:cs typeface="Arial" panose="020B0604020202020204" pitchFamily="34" charset="0"/>
+                                </a:rPr>
+                                <m:t>0</m:t>
+                              </m:r>
+                            </m:oMath>
+                          </m:oMathPara>
+                        </a14:m>
+                        <a:endParaRPr lang="en-CA" dirty="0"/>
+                      </a:p>
+                    </p:txBody>
+                  </p:sp>
+                </mc:Choice>
+                <mc:Fallback xmlns="">
+                  <p:sp>
+                    <p:nvSpPr>
+                      <p:cNvPr id="109" name="Rectangle 108"/>
+                      <p:cNvSpPr>
+                        <a:spLocks noRot="1" noChangeAspect="1" noMove="1" noResize="1" noEditPoints="1" noAdjustHandles="1" noChangeArrowheads="1" noChangeShapeType="1" noTextEdit="1"/>
+                      </p:cNvSpPr>
+                      <p:nvPr/>
+                    </p:nvSpPr>
+                    <p:spPr>
+                      <a:xfrm>
+                        <a:off x="1006642" y="2350591"/>
+                        <a:ext cx="367985" cy="369333"/>
+                      </a:xfrm>
+                      <a:prstGeom prst="rect">
+                        <a:avLst/>
+                      </a:prstGeom>
+                      <a:blipFill>
+                        <a:blip r:embed="rId29"/>
+                        <a:stretch>
+                          <a:fillRect l="-14286" r="-114286" b="-180000"/>
+                        </a:stretch>
+                      </a:blipFill>
+                    </p:spPr>
+                    <p:txBody>
+                      <a:bodyPr/>
+                      <a:lstStyle/>
+                      <a:p>
+                        <a:r>
+                          <a:rPr lang="en-US">
+                            <a:noFill/>
+                          </a:rPr>
+                          <a:t> </a:t>
+                        </a:r>
+                      </a:p>
+                    </p:txBody>
+                  </p:sp>
+                </mc:Fallback>
+              </mc:AlternateContent>
+            </p:grpSp>
+            <p:sp>
+              <p:nvSpPr>
+                <p:cNvPr id="44" name="Rectangle 43"/>
+                <p:cNvSpPr/>
+                <p:nvPr/>
+              </p:nvSpPr>
+              <p:spPr>
+                <a:xfrm>
+                  <a:off x="1129904" y="1614682"/>
+                  <a:ext cx="184731" cy="369332"/>
+                </a:xfrm>
+                <a:prstGeom prst="rect">
+                  <a:avLst/>
+                </a:prstGeom>
+              </p:spPr>
+              <p:txBody>
+                <a:bodyPr wrap="none">
+                  <a:spAutoFit/>
+                </a:bodyPr>
+                <a:lstStyle/>
+                <a:p>
+                  <a:endParaRPr lang="en-CA" dirty="0"/>
+                </a:p>
+              </p:txBody>
+            </p:sp>
+          </p:grpSp>
+        </p:grpSp>
+        <p:cxnSp>
+          <p:nvCxnSpPr>
+            <p:cNvPr id="51" name="Straight Connector 50"/>
+            <p:cNvCxnSpPr/>
+            <p:nvPr/>
+          </p:nvCxnSpPr>
+          <p:spPr>
+            <a:xfrm flipV="1">
+              <a:off x="7248154" y="1857729"/>
+              <a:ext cx="669471" cy="9172"/>
+            </a:xfrm>
+            <a:prstGeom prst="line">
+              <a:avLst/>
+            </a:prstGeom>
+            <a:ln w="19050">
+              <a:solidFill>
+                <a:schemeClr val="tx1"/>
+              </a:solidFill>
+              <a:prstDash val="sysDot"/>
+            </a:ln>
+          </p:spPr>
+          <p:style>
+            <a:lnRef idx="1">
+              <a:schemeClr val="accent1"/>
+            </a:lnRef>
+            <a:fillRef idx="0">
+              <a:schemeClr val="accent1"/>
+            </a:fillRef>
+            <a:effectRef idx="0">
+              <a:schemeClr val="accent1"/>
+            </a:effectRef>
+            <a:fontRef idx="minor">
+              <a:schemeClr val="tx1"/>
+            </a:fontRef>
+          </p:style>
+        </p:cxnSp>
+        <p:cxnSp>
+          <p:nvCxnSpPr>
+            <p:cNvPr id="55" name="Straight Connector 54"/>
+            <p:cNvCxnSpPr/>
+            <p:nvPr/>
+          </p:nvCxnSpPr>
+          <p:spPr>
+            <a:xfrm>
+              <a:off x="6649347" y="1512416"/>
+              <a:ext cx="341701" cy="7067"/>
+            </a:xfrm>
+            <a:prstGeom prst="line">
+              <a:avLst/>
+            </a:prstGeom>
+            <a:ln w="19050">
+              <a:solidFill>
+                <a:schemeClr val="tx1"/>
+              </a:solidFill>
+              <a:prstDash val="sysDot"/>
+            </a:ln>
+          </p:spPr>
+          <p:style>
+            <a:lnRef idx="1">
+              <a:schemeClr val="accent1"/>
+            </a:lnRef>
+            <a:fillRef idx="0">
+              <a:schemeClr val="accent1"/>
+            </a:fillRef>
+            <a:effectRef idx="0">
+              <a:schemeClr val="accent1"/>
+            </a:effectRef>
+            <a:fontRef idx="minor">
+              <a:schemeClr val="tx1"/>
+            </a:fontRef>
+          </p:style>
+        </p:cxnSp>
+        <mc:AlternateContent xmlns:mc="http://schemas.openxmlformats.org/markup-compatibility/2006">
+          <mc:Choice xmlns:a14="http://schemas.microsoft.com/office/drawing/2010/main" Requires="a14">
+            <p:sp>
+              <p:nvSpPr>
+                <p:cNvPr id="57" name="TextBox 56"/>
+                <p:cNvSpPr txBox="1"/>
+                <p:nvPr/>
+              </p:nvSpPr>
+              <p:spPr>
+                <a:xfrm>
+                  <a:off x="6670647" y="1221458"/>
+                  <a:ext cx="222304" cy="307777"/>
+                </a:xfrm>
+                <a:prstGeom prst="rect">
+                  <a:avLst/>
+                </a:prstGeom>
+                <a:noFill/>
+              </p:spPr>
+              <p:txBody>
+                <a:bodyPr wrap="none" lIns="0" tIns="0" rIns="0" bIns="0" rtlCol="0">
+                  <a:spAutoFit/>
+                </a:bodyPr>
+                <a:lstStyle/>
+                <a:p>
+                  <a14:m>
+                    <m:oMathPara xmlns:m="http://schemas.openxmlformats.org/officeDocument/2006/math">
+                      <m:oMathParaPr>
+                        <m:jc m:val="centerGroup"/>
+                      </m:oMathParaPr>
+                      <m:oMath xmlns:m="http://schemas.openxmlformats.org/officeDocument/2006/math">
+                        <m:r>
+                          <a:rPr lang="en-US" sz="2000" b="0" i="1" smtClean="0">
+                            <a:latin typeface="Cambria Math" panose="02040503050406030204" pitchFamily="18" charset="0"/>
+                            <a:cs typeface="Arial" panose="020B0604020202020204" pitchFamily="34" charset="0"/>
+                          </a:rPr>
+                          <m:t>𝜃</m:t>
+                        </m:r>
+                      </m:oMath>
+                    </m:oMathPara>
+                  </a14:m>
+                  <a:endParaRPr lang="en-US" sz="2000" dirty="0" smtClean="0">
+                    <a:latin typeface="Arial" panose="020B0604020202020204" pitchFamily="34" charset="0"/>
+                    <a:cs typeface="Arial" panose="020B0604020202020204" pitchFamily="34" charset="0"/>
+                  </a:endParaRPr>
+                </a:p>
+              </p:txBody>
+            </p:sp>
+          </mc:Choice>
+          <mc:Fallback>
+            <p:sp>
+              <p:nvSpPr>
+                <p:cNvPr id="57" name="TextBox 56"/>
+                <p:cNvSpPr txBox="1">
+                  <a:spLocks noRot="1" noChangeAspect="1" noMove="1" noResize="1" noEditPoints="1" noAdjustHandles="1" noChangeArrowheads="1" noChangeShapeType="1" noTextEdit="1"/>
+                </p:cNvSpPr>
+                <p:nvPr/>
+              </p:nvSpPr>
+              <p:spPr>
+                <a:xfrm>
+                  <a:off x="6670647" y="1221458"/>
+                  <a:ext cx="222304" cy="307777"/>
+                </a:xfrm>
+                <a:prstGeom prst="rect">
+                  <a:avLst/>
+                </a:prstGeom>
+                <a:blipFill>
+                  <a:blip r:embed="rId30"/>
+                  <a:stretch>
+                    <a:fillRect l="-24324" r="-21622" b="-9804"/>
+                  </a:stretch>
+                </a:blipFill>
+              </p:spPr>
+              <p:txBody>
+                <a:bodyPr/>
+                <a:lstStyle/>
+                <a:p>
+                  <a:r>
+                    <a:rPr lang="en-US">
+                      <a:noFill/>
+                    </a:rPr>
+                    <a:t> </a:t>
+                  </a:r>
+                </a:p>
+              </p:txBody>
+            </p:sp>
+          </mc:Fallback>
+        </mc:AlternateContent>
+        <mc:AlternateContent xmlns:mc="http://schemas.openxmlformats.org/markup-compatibility/2006">
+          <mc:Choice xmlns:a14="http://schemas.microsoft.com/office/drawing/2010/main" Requires="a14">
+            <p:sp>
+              <p:nvSpPr>
+                <p:cNvPr id="58" name="TextBox 57"/>
+                <p:cNvSpPr txBox="1"/>
+                <p:nvPr/>
+              </p:nvSpPr>
+              <p:spPr>
+                <a:xfrm>
+                  <a:off x="7502354" y="1911611"/>
+                  <a:ext cx="222304" cy="307777"/>
+                </a:xfrm>
+                <a:prstGeom prst="rect">
+                  <a:avLst/>
+                </a:prstGeom>
+                <a:noFill/>
+              </p:spPr>
+              <p:txBody>
+                <a:bodyPr wrap="none" lIns="0" tIns="0" rIns="0" bIns="0" rtlCol="0">
+                  <a:spAutoFit/>
+                </a:bodyPr>
+                <a:lstStyle/>
+                <a:p>
+                  <a14:m>
+                    <m:oMathPara xmlns:m="http://schemas.openxmlformats.org/officeDocument/2006/math">
+                      <m:oMathParaPr>
+                        <m:jc m:val="centerGroup"/>
+                      </m:oMathParaPr>
+                      <m:oMath xmlns:m="http://schemas.openxmlformats.org/officeDocument/2006/math">
+                        <m:r>
+                          <a:rPr lang="en-US" sz="2000" b="0" i="1" smtClean="0">
+                            <a:latin typeface="Cambria Math" panose="02040503050406030204" pitchFamily="18" charset="0"/>
+                            <a:cs typeface="Arial" panose="020B0604020202020204" pitchFamily="34" charset="0"/>
+                          </a:rPr>
+                          <m:t>𝜃</m:t>
+                        </m:r>
+                      </m:oMath>
+                    </m:oMathPara>
+                  </a14:m>
+                  <a:endParaRPr lang="en-US" sz="2000" dirty="0" smtClean="0">
+                    <a:latin typeface="Arial" panose="020B0604020202020204" pitchFamily="34" charset="0"/>
+                    <a:cs typeface="Arial" panose="020B0604020202020204" pitchFamily="34" charset="0"/>
+                  </a:endParaRPr>
+                </a:p>
+              </p:txBody>
+            </p:sp>
+          </mc:Choice>
+          <mc:Fallback>
+            <p:sp>
+              <p:nvSpPr>
+                <p:cNvPr id="58" name="TextBox 57"/>
+                <p:cNvSpPr txBox="1">
+                  <a:spLocks noRot="1" noChangeAspect="1" noMove="1" noResize="1" noEditPoints="1" noAdjustHandles="1" noChangeArrowheads="1" noChangeShapeType="1" noTextEdit="1"/>
+                </p:cNvSpPr>
+                <p:nvPr/>
+              </p:nvSpPr>
+              <p:spPr>
+                <a:xfrm>
+                  <a:off x="7502354" y="1911611"/>
+                  <a:ext cx="222304" cy="307777"/>
+                </a:xfrm>
+                <a:prstGeom prst="rect">
+                  <a:avLst/>
+                </a:prstGeom>
+                <a:blipFill>
+                  <a:blip r:embed="rId31"/>
+                  <a:stretch>
+                    <a:fillRect l="-25000" r="-25000" b="-12000"/>
+                  </a:stretch>
+                </a:blipFill>
+              </p:spPr>
+              <p:txBody>
+                <a:bodyPr/>
+                <a:lstStyle/>
+                <a:p>
+                  <a:r>
+                    <a:rPr lang="en-US">
+                      <a:noFill/>
+                    </a:rPr>
+                    <a:t> </a:t>
+                  </a:r>
+                </a:p>
+              </p:txBody>
+            </p:sp>
+          </mc:Fallback>
+        </mc:AlternateContent>
+      </p:grpSp>
+      <p:grpSp>
+        <p:nvGrpSpPr>
+          <p:cNvPr id="125" name="Group 124"/>
+          <p:cNvGrpSpPr/>
+          <p:nvPr/>
+        </p:nvGrpSpPr>
+        <p:grpSpPr>
+          <a:xfrm>
+            <a:off x="570830" y="763971"/>
+            <a:ext cx="4760667" cy="3429001"/>
+            <a:chOff x="570830" y="763971"/>
+            <a:chExt cx="4760667" cy="3429001"/>
+          </a:xfrm>
+        </p:grpSpPr>
+        <p:grpSp>
+          <p:nvGrpSpPr>
+            <p:cNvPr id="25" name="Group 24"/>
+            <p:cNvGrpSpPr/>
+            <p:nvPr/>
+          </p:nvGrpSpPr>
+          <p:grpSpPr>
+            <a:xfrm>
+              <a:off x="570830" y="763971"/>
+              <a:ext cx="4760667" cy="3429001"/>
+              <a:chOff x="554213" y="763858"/>
+              <a:chExt cx="4760667" cy="3429001"/>
+            </a:xfrm>
+          </p:grpSpPr>
+          <p:grpSp>
+            <p:nvGrpSpPr>
+              <p:cNvPr id="16" name="Group 15"/>
+              <p:cNvGrpSpPr/>
+              <p:nvPr/>
+            </p:nvGrpSpPr>
+            <p:grpSpPr>
+              <a:xfrm>
+                <a:off x="609065" y="763858"/>
+                <a:ext cx="4705815" cy="3429001"/>
+                <a:chOff x="609065" y="763858"/>
+                <a:chExt cx="4705815" cy="3429001"/>
+              </a:xfrm>
+            </p:grpSpPr>
+            <p:grpSp>
+              <p:nvGrpSpPr>
+                <p:cNvPr id="14" name="Group 13"/>
+                <p:cNvGrpSpPr/>
+                <p:nvPr/>
+              </p:nvGrpSpPr>
+              <p:grpSpPr>
+                <a:xfrm>
+                  <a:off x="611857" y="763858"/>
+                  <a:ext cx="3802479" cy="3205110"/>
+                  <a:chOff x="1726979" y="1265663"/>
+                  <a:chExt cx="3802479" cy="3205110"/>
+                </a:xfrm>
+              </p:grpSpPr>
+              <p:sp>
+                <p:nvSpPr>
+                  <p:cNvPr id="4" name="Oval 3"/>
+                  <p:cNvSpPr/>
+                  <p:nvPr/>
+                </p:nvSpPr>
+                <p:spPr>
+                  <a:xfrm>
+                    <a:off x="2007220" y="1483112"/>
+                    <a:ext cx="2352907" cy="189572"/>
+                  </a:xfrm>
+                  <a:prstGeom prst="ellipse">
+                    <a:avLst/>
+                  </a:prstGeom>
+                  <a:solidFill>
+                    <a:schemeClr val="tx1"/>
+                  </a:solidFill>
+                  <a:ln w="38100">
+                    <a:solidFill>
+                      <a:schemeClr val="tx1"/>
+                    </a:solidFill>
+                  </a:ln>
+                </p:spPr>
+                <p:style>
+                  <a:lnRef idx="2">
+                    <a:schemeClr val="accent1">
+                      <a:shade val="50000"/>
+                    </a:schemeClr>
+                  </a:lnRef>
+                  <a:fillRef idx="1">
+                    <a:schemeClr val="accent1"/>
+                  </a:fillRef>
+                  <a:effectRef idx="0">
+                    <a:schemeClr val="accent1"/>
+                  </a:effectRef>
+                  <a:fontRef idx="minor">
+                    <a:schemeClr val="lt1"/>
+                  </a:fontRef>
+                </p:style>
+                <p:txBody>
+                  <a:bodyPr rtlCol="0" anchor="ctr"/>
+                  <a:lstStyle/>
+                  <a:p>
+                    <a:pPr algn="ctr"/>
+                    <a:endParaRPr lang="en-US"/>
+                  </a:p>
+                </p:txBody>
+              </p:sp>
+              <p:sp>
+                <p:nvSpPr>
+                  <p:cNvPr id="5" name="Oval 4"/>
+                  <p:cNvSpPr/>
+                  <p:nvPr/>
+                </p:nvSpPr>
+                <p:spPr>
+                  <a:xfrm rot="20750775">
+                    <a:off x="1872343" y="1662206"/>
+                    <a:ext cx="1445942" cy="221655"/>
+                  </a:xfrm>
+                  <a:prstGeom prst="ellipse">
+                    <a:avLst/>
+                  </a:prstGeom>
+                  <a:solidFill>
+                    <a:schemeClr val="bg1"/>
+                  </a:solidFill>
+                  <a:ln w="38100">
+                    <a:solidFill>
+                      <a:schemeClr val="tx1"/>
+                    </a:solidFill>
+                  </a:ln>
+                </p:spPr>
+                <p:style>
+                  <a:lnRef idx="2">
+                    <a:schemeClr val="accent1">
+                      <a:shade val="50000"/>
+                    </a:schemeClr>
+                  </a:lnRef>
+                  <a:fillRef idx="1">
+                    <a:schemeClr val="accent1"/>
+                  </a:fillRef>
+                  <a:effectRef idx="0">
+                    <a:schemeClr val="accent1"/>
+                  </a:effectRef>
+                  <a:fontRef idx="minor">
+                    <a:schemeClr val="lt1"/>
+                  </a:fontRef>
+                </p:style>
+                <p:txBody>
+                  <a:bodyPr rtlCol="0" anchor="ctr"/>
+                  <a:lstStyle/>
+                  <a:p>
+                    <a:pPr algn="ctr"/>
+                    <a:endParaRPr lang="en-US"/>
+                  </a:p>
+                </p:txBody>
+              </p:sp>
+              <p:sp>
+                <p:nvSpPr>
+                  <p:cNvPr id="6" name="Oval 5"/>
+                  <p:cNvSpPr/>
+                  <p:nvPr/>
+                </p:nvSpPr>
+                <p:spPr>
+                  <a:xfrm>
+                    <a:off x="1996067" y="1265663"/>
+                    <a:ext cx="122663" cy="345687"/>
+                  </a:xfrm>
+                  <a:prstGeom prst="ellipse">
+                    <a:avLst/>
+                  </a:prstGeom>
+                  <a:solidFill>
+                    <a:schemeClr val="tx1"/>
+                  </a:solidFill>
+                  <a:ln w="38100">
+                    <a:solidFill>
+                      <a:schemeClr val="tx1"/>
+                    </a:solidFill>
+                  </a:ln>
+                </p:spPr>
+                <p:style>
+                  <a:lnRef idx="2">
+                    <a:schemeClr val="accent1">
+                      <a:shade val="50000"/>
+                    </a:schemeClr>
+                  </a:lnRef>
+                  <a:fillRef idx="1">
+                    <a:schemeClr val="accent1"/>
+                  </a:fillRef>
+                  <a:effectRef idx="0">
+                    <a:schemeClr val="accent1"/>
+                  </a:effectRef>
+                  <a:fontRef idx="minor">
+                    <a:schemeClr val="lt1"/>
+                  </a:fontRef>
+                </p:style>
+                <p:txBody>
+                  <a:bodyPr rtlCol="0" anchor="ctr"/>
+                  <a:lstStyle/>
+                  <a:p>
+                    <a:pPr algn="ctr"/>
+                    <a:endParaRPr lang="en-US"/>
+                  </a:p>
+                </p:txBody>
+              </p:sp>
+              <p:sp>
+                <p:nvSpPr>
+                  <p:cNvPr id="7" name="Oval 6"/>
+                  <p:cNvSpPr/>
+                  <p:nvPr/>
+                </p:nvSpPr>
+                <p:spPr>
+                  <a:xfrm rot="20673139">
+                    <a:off x="1726979" y="1590502"/>
+                    <a:ext cx="378808" cy="87694"/>
+                  </a:xfrm>
+                  <a:prstGeom prst="ellipse">
+                    <a:avLst/>
+                  </a:prstGeom>
+                  <a:solidFill>
+                    <a:schemeClr val="bg1"/>
+                  </a:solidFill>
+                  <a:ln w="38100">
+                    <a:solidFill>
+                      <a:schemeClr val="tx1"/>
+                    </a:solidFill>
+                  </a:ln>
+                </p:spPr>
+                <p:style>
+                  <a:lnRef idx="2">
+                    <a:schemeClr val="accent1">
+                      <a:shade val="50000"/>
+                    </a:schemeClr>
+                  </a:lnRef>
+                  <a:fillRef idx="1">
+                    <a:schemeClr val="accent1"/>
+                  </a:fillRef>
+                  <a:effectRef idx="0">
+                    <a:schemeClr val="accent1"/>
+                  </a:effectRef>
+                  <a:fontRef idx="minor">
+                    <a:schemeClr val="lt1"/>
+                  </a:fontRef>
+                </p:style>
+                <p:txBody>
+                  <a:bodyPr rtlCol="0" anchor="ctr"/>
+                  <a:lstStyle/>
+                  <a:p>
+                    <a:pPr algn="ctr"/>
+                    <a:endParaRPr lang="en-US"/>
+                  </a:p>
+                </p:txBody>
+              </p:sp>
+              <p:sp>
+                <p:nvSpPr>
+                  <p:cNvPr id="9" name="Oval 8"/>
+                  <p:cNvSpPr/>
+                  <p:nvPr/>
+                </p:nvSpPr>
+                <p:spPr>
+                  <a:xfrm>
+                    <a:off x="3289783" y="1798945"/>
+                    <a:ext cx="120943" cy="119766"/>
+                  </a:xfrm>
+                  <a:prstGeom prst="ellipse">
+                    <a:avLst/>
+                  </a:prstGeom>
+                  <a:solidFill>
+                    <a:schemeClr val="tx1"/>
+                  </a:solidFill>
+                  <a:ln w="38100">
+                    <a:solidFill>
+                      <a:schemeClr val="tx1"/>
+                    </a:solidFill>
+                  </a:ln>
+                </p:spPr>
+                <p:style>
+                  <a:lnRef idx="2">
+                    <a:schemeClr val="accent1">
+                      <a:shade val="50000"/>
+                    </a:schemeClr>
+                  </a:lnRef>
+                  <a:fillRef idx="1">
+                    <a:schemeClr val="accent1"/>
+                  </a:fillRef>
+                  <a:effectRef idx="0">
+                    <a:schemeClr val="accent1"/>
+                  </a:effectRef>
+                  <a:fontRef idx="minor">
+                    <a:schemeClr val="lt1"/>
+                  </a:fontRef>
+                </p:style>
+                <p:txBody>
+                  <a:bodyPr rtlCol="0" anchor="ctr"/>
+                  <a:lstStyle/>
+                  <a:p>
+                    <a:pPr algn="ctr"/>
+                    <a:endParaRPr lang="en-US"/>
+                  </a:p>
+                </p:txBody>
+              </p:sp>
+              <p:sp>
+                <p:nvSpPr>
+                  <p:cNvPr id="10" name="Oval 9"/>
+                  <p:cNvSpPr/>
+                  <p:nvPr/>
+                </p:nvSpPr>
+                <p:spPr>
+                  <a:xfrm>
+                    <a:off x="3832476" y="2083592"/>
+                    <a:ext cx="120943" cy="119766"/>
+                  </a:xfrm>
+                  <a:prstGeom prst="ellipse">
+                    <a:avLst/>
+                  </a:prstGeom>
+                  <a:noFill/>
+                  <a:ln w="38100">
+                    <a:solidFill>
+                      <a:schemeClr val="tx1"/>
+                    </a:solidFill>
+                    <a:prstDash val="sysDot"/>
+                  </a:ln>
+                </p:spPr>
+                <p:style>
+                  <a:lnRef idx="2">
+                    <a:schemeClr val="accent1">
+                      <a:shade val="50000"/>
+                    </a:schemeClr>
+                  </a:lnRef>
+                  <a:fillRef idx="1">
+                    <a:schemeClr val="accent1"/>
+                  </a:fillRef>
+                  <a:effectRef idx="0">
+                    <a:schemeClr val="accent1"/>
+                  </a:effectRef>
+                  <a:fontRef idx="minor">
+                    <a:schemeClr val="lt1"/>
+                  </a:fontRef>
+                </p:style>
+                <p:txBody>
+                  <a:bodyPr rtlCol="0" anchor="ctr"/>
+                  <a:lstStyle/>
+                  <a:p>
+                    <a:pPr algn="ctr"/>
+                    <a:endParaRPr lang="en-US"/>
+                  </a:p>
+                </p:txBody>
+              </p:sp>
+              <p:sp>
+                <p:nvSpPr>
+                  <p:cNvPr id="12" name="Oval 11"/>
+                  <p:cNvSpPr/>
+                  <p:nvPr/>
+                </p:nvSpPr>
+                <p:spPr>
+                  <a:xfrm>
+                    <a:off x="4609344" y="2983124"/>
+                    <a:ext cx="120943" cy="119766"/>
+                  </a:xfrm>
+                  <a:prstGeom prst="ellipse">
+                    <a:avLst/>
+                  </a:prstGeom>
+                  <a:noFill/>
+                  <a:ln w="38100">
+                    <a:solidFill>
+                      <a:schemeClr val="tx1"/>
+                    </a:solidFill>
+                    <a:prstDash val="sysDot"/>
+                  </a:ln>
+                </p:spPr>
+                <p:style>
+                  <a:lnRef idx="2">
+                    <a:schemeClr val="accent1">
+                      <a:shade val="50000"/>
+                    </a:schemeClr>
+                  </a:lnRef>
+                  <a:fillRef idx="1">
+                    <a:schemeClr val="accent1"/>
+                  </a:fillRef>
+                  <a:effectRef idx="0">
+                    <a:schemeClr val="accent1"/>
+                  </a:effectRef>
+                  <a:fontRef idx="minor">
+                    <a:schemeClr val="lt1"/>
+                  </a:fontRef>
+                </p:style>
+                <p:txBody>
+                  <a:bodyPr rtlCol="0" anchor="ctr"/>
+                  <a:lstStyle/>
+                  <a:p>
+                    <a:pPr algn="ctr"/>
+                    <a:endParaRPr lang="en-US"/>
+                  </a:p>
+                </p:txBody>
+              </p:sp>
+              <p:sp>
+                <p:nvSpPr>
+                  <p:cNvPr id="13" name="Oval 12"/>
+                  <p:cNvSpPr/>
+                  <p:nvPr/>
+                </p:nvSpPr>
+                <p:spPr>
+                  <a:xfrm>
+                    <a:off x="5408515" y="4351007"/>
+                    <a:ext cx="120943" cy="119766"/>
+                  </a:xfrm>
+                  <a:prstGeom prst="ellipse">
+                    <a:avLst/>
+                  </a:prstGeom>
+                  <a:noFill/>
+                  <a:ln w="38100">
+                    <a:solidFill>
+                      <a:schemeClr val="tx1"/>
+                    </a:solidFill>
+                    <a:prstDash val="sysDot"/>
+                  </a:ln>
+                </p:spPr>
+                <p:style>
+                  <a:lnRef idx="2">
+                    <a:schemeClr val="accent1">
+                      <a:shade val="50000"/>
+                    </a:schemeClr>
+                  </a:lnRef>
+                  <a:fillRef idx="1">
+                    <a:schemeClr val="accent1"/>
+                  </a:fillRef>
+                  <a:effectRef idx="0">
+                    <a:schemeClr val="accent1"/>
+                  </a:effectRef>
+                  <a:fontRef idx="minor">
+                    <a:schemeClr val="lt1"/>
+                  </a:fontRef>
+                </p:style>
+                <p:txBody>
+                  <a:bodyPr rtlCol="0" anchor="ctr"/>
+                  <a:lstStyle/>
+                  <a:p>
+                    <a:pPr algn="ctr"/>
+                    <a:endParaRPr lang="en-US"/>
+                  </a:p>
+                </p:txBody>
+              </p:sp>
+            </p:grpSp>
+            <p:sp>
+              <p:nvSpPr>
+                <p:cNvPr id="15" name="Rectangle 14"/>
+                <p:cNvSpPr/>
+                <p:nvPr/>
+              </p:nvSpPr>
+              <p:spPr>
+                <a:xfrm>
+                  <a:off x="609065" y="4070195"/>
+                  <a:ext cx="4705815" cy="122664"/>
+                </a:xfrm>
+                <a:prstGeom prst="rect">
+                  <a:avLst/>
+                </a:prstGeom>
+                <a:solidFill>
+                  <a:schemeClr val="bg2">
+                    <a:lumMod val="90000"/>
+                  </a:schemeClr>
+                </a:solidFill>
+                <a:ln w="38100">
+                  <a:solidFill>
+                    <a:schemeClr val="tx1"/>
+                  </a:solidFill>
+                </a:ln>
+              </p:spPr>
+              <p:style>
+                <a:lnRef idx="2">
+                  <a:schemeClr val="accent1">
+                    <a:shade val="50000"/>
+                  </a:schemeClr>
+                </a:lnRef>
+                <a:fillRef idx="1">
+                  <a:schemeClr val="accent1"/>
+                </a:fillRef>
+                <a:effectRef idx="0">
+                  <a:schemeClr val="accent1"/>
+                </a:effectRef>
+                <a:fontRef idx="minor">
+                  <a:schemeClr val="lt1"/>
+                </a:fontRef>
+              </p:style>
+              <p:txBody>
+                <a:bodyPr rtlCol="0" anchor="ctr"/>
+                <a:lstStyle/>
+                <a:p>
+                  <a:pPr algn="ctr"/>
+                  <a:endParaRPr lang="en-US"/>
+                </a:p>
+              </p:txBody>
+            </p:sp>
+          </p:grpSp>
+          <p:grpSp>
+            <p:nvGrpSpPr>
+              <p:cNvPr id="17" name="Group 16"/>
+              <p:cNvGrpSpPr/>
+              <p:nvPr/>
+            </p:nvGrpSpPr>
+            <p:grpSpPr>
+              <a:xfrm>
+                <a:off x="554213" y="3139207"/>
+                <a:ext cx="898789" cy="709995"/>
+                <a:chOff x="758520" y="708040"/>
+                <a:chExt cx="2596102" cy="2135605"/>
+              </a:xfrm>
+            </p:grpSpPr>
+            <p:grpSp>
+              <p:nvGrpSpPr>
+                <p:cNvPr id="18" name="Group 17"/>
+                <p:cNvGrpSpPr/>
+                <p:nvPr/>
+              </p:nvGrpSpPr>
+              <p:grpSpPr>
+                <a:xfrm>
+                  <a:off x="758520" y="708040"/>
+                  <a:ext cx="2596102" cy="2135605"/>
+                  <a:chOff x="785815" y="680744"/>
+                  <a:chExt cx="2596102" cy="2135605"/>
+                </a:xfrm>
+              </p:grpSpPr>
+              <p:cxnSp>
+                <p:nvCxnSpPr>
+                  <p:cNvPr id="20" name="Straight Arrow Connector 19"/>
+                  <p:cNvCxnSpPr/>
+                  <p:nvPr/>
+                </p:nvCxnSpPr>
+                <p:spPr>
+                  <a:xfrm flipV="1">
+                    <a:off x="1516583" y="680744"/>
+                    <a:ext cx="7683" cy="1859535"/>
+                  </a:xfrm>
+                  <a:prstGeom prst="straightConnector1">
+                    <a:avLst/>
+                  </a:prstGeom>
+                  <a:ln w="38100">
+                    <a:solidFill>
+                      <a:schemeClr val="tx1"/>
+                    </a:solidFill>
+                    <a:tailEnd type="triangle"/>
+                  </a:ln>
+                </p:spPr>
+                <p:style>
+                  <a:lnRef idx="1">
+                    <a:schemeClr val="accent1"/>
+                  </a:lnRef>
+                  <a:fillRef idx="0">
+                    <a:schemeClr val="accent1"/>
+                  </a:fillRef>
+                  <a:effectRef idx="0">
+                    <a:schemeClr val="accent1"/>
+                  </a:effectRef>
+                  <a:fontRef idx="minor">
+                    <a:schemeClr val="tx1"/>
+                  </a:fontRef>
+                </p:style>
+              </p:cxnSp>
+              <p:cxnSp>
+                <p:nvCxnSpPr>
+                  <p:cNvPr id="21" name="Straight Arrow Connector 20"/>
+                  <p:cNvCxnSpPr/>
+                  <p:nvPr/>
+                </p:nvCxnSpPr>
+                <p:spPr>
+                  <a:xfrm flipV="1">
+                    <a:off x="1507013" y="2535259"/>
+                    <a:ext cx="1874904" cy="1"/>
+                  </a:xfrm>
+                  <a:prstGeom prst="straightConnector1">
+                    <a:avLst/>
+                  </a:prstGeom>
+                  <a:ln w="38100">
+                    <a:solidFill>
+                      <a:schemeClr val="tx1"/>
+                    </a:solidFill>
+                    <a:tailEnd type="triangle"/>
+                  </a:ln>
+                </p:spPr>
+                <p:style>
+                  <a:lnRef idx="1">
+                    <a:schemeClr val="accent1"/>
+                  </a:lnRef>
+                  <a:fillRef idx="0">
+                    <a:schemeClr val="accent1"/>
+                  </a:fillRef>
+                  <a:effectRef idx="0">
+                    <a:schemeClr val="accent1"/>
+                  </a:effectRef>
+                  <a:fontRef idx="minor">
+                    <a:schemeClr val="tx1"/>
+                  </a:fontRef>
+                </p:style>
+              </p:cxnSp>
+              <mc:AlternateContent xmlns:mc="http://schemas.openxmlformats.org/markup-compatibility/2006" xmlns:a14="http://schemas.microsoft.com/office/drawing/2010/main">
+                <mc:Choice Requires="a14">
+                  <p:sp>
+                    <p:nvSpPr>
+                      <p:cNvPr id="22" name="Rectangle 21"/>
+                      <p:cNvSpPr/>
+                      <p:nvPr/>
+                    </p:nvSpPr>
+                    <p:spPr>
+                      <a:xfrm>
+                        <a:off x="2697555" y="2447016"/>
+                        <a:ext cx="367985" cy="369333"/>
+                      </a:xfrm>
+                      <a:prstGeom prst="rect">
+                        <a:avLst/>
+                      </a:prstGeom>
+                    </p:spPr>
+                    <p:txBody>
+                      <a:bodyPr wrap="none">
+                        <a:spAutoFit/>
+                      </a:bodyPr>
+                      <a:lstStyle/>
+                      <a:p>
+                        <a:pPr/>
+                        <a14:m>
+                          <m:oMathPara xmlns:m="http://schemas.openxmlformats.org/officeDocument/2006/math">
+                            <m:oMathParaPr>
+                              <m:jc m:val="centerGroup"/>
+                            </m:oMathParaPr>
+                            <m:oMath xmlns:m="http://schemas.openxmlformats.org/officeDocument/2006/math">
+                              <m:r>
+                                <a:rPr lang="en-US" i="1">
+                                  <a:latin typeface="Cambria Math" panose="02040503050406030204" pitchFamily="18" charset="0"/>
+                                  <a:cs typeface="Arial" panose="020B0604020202020204" pitchFamily="34" charset="0"/>
+                                </a:rPr>
+                                <m:t>𝑥</m:t>
+                              </m:r>
+                            </m:oMath>
+                          </m:oMathPara>
+                        </a14:m>
+                        <a:endParaRPr lang="en-CA" dirty="0"/>
+                      </a:p>
+                    </p:txBody>
+                  </p:sp>
+                </mc:Choice>
+                <mc:Fallback xmlns="">
+                  <p:sp>
+                    <p:nvSpPr>
+                      <p:cNvPr id="107" name="Rectangle 106"/>
+                      <p:cNvSpPr>
+                        <a:spLocks noRot="1" noChangeAspect="1" noMove="1" noResize="1" noEditPoints="1" noAdjustHandles="1" noChangeArrowheads="1" noChangeShapeType="1" noTextEdit="1"/>
+                      </p:cNvSpPr>
+                      <p:nvPr/>
+                    </p:nvSpPr>
+                    <p:spPr>
+                      <a:xfrm>
+                        <a:off x="2697555" y="2447016"/>
+                        <a:ext cx="367985" cy="369333"/>
+                      </a:xfrm>
+                      <a:prstGeom prst="rect">
+                        <a:avLst/>
+                      </a:prstGeom>
+                      <a:blipFill>
+                        <a:blip r:embed="rId27"/>
+                        <a:stretch>
+                          <a:fillRect r="-95238" b="-160000"/>
+                        </a:stretch>
+                      </a:blipFill>
+                    </p:spPr>
+                    <p:txBody>
+                      <a:bodyPr/>
+                      <a:lstStyle/>
+                      <a:p>
+                        <a:r>
+                          <a:rPr lang="en-US">
+                            <a:noFill/>
+                          </a:rPr>
+                          <a:t> </a:t>
+                        </a:r>
+                      </a:p>
+                    </p:txBody>
+                  </p:sp>
+                </mc:Fallback>
+              </mc:AlternateContent>
+              <mc:AlternateContent xmlns:mc="http://schemas.openxmlformats.org/markup-compatibility/2006" xmlns:a14="http://schemas.microsoft.com/office/drawing/2010/main">
+                <mc:Choice Requires="a14">
+                  <p:sp>
+                    <p:nvSpPr>
+                      <p:cNvPr id="23" name="Rectangle 22"/>
+                      <p:cNvSpPr/>
+                      <p:nvPr/>
+                    </p:nvSpPr>
+                    <p:spPr>
+                      <a:xfrm>
+                        <a:off x="785815" y="912420"/>
+                        <a:ext cx="371385" cy="369333"/>
+                      </a:xfrm>
+                      <a:prstGeom prst="rect">
+                        <a:avLst/>
+                      </a:prstGeom>
+                    </p:spPr>
+                    <p:txBody>
+                      <a:bodyPr wrap="none">
+                        <a:spAutoFit/>
+                      </a:bodyPr>
+                      <a:lstStyle/>
+                      <a:p>
+                        <a:pPr/>
+                        <a14:m>
+                          <m:oMathPara xmlns:m="http://schemas.openxmlformats.org/officeDocument/2006/math">
+                            <m:oMathParaPr>
+                              <m:jc m:val="centerGroup"/>
+                            </m:oMathParaPr>
+                            <m:oMath xmlns:m="http://schemas.openxmlformats.org/officeDocument/2006/math">
+                              <m:r>
+                                <a:rPr lang="en-US" b="0" i="1" smtClean="0">
+                                  <a:latin typeface="Cambria Math" panose="02040503050406030204" pitchFamily="18" charset="0"/>
+                                </a:rPr>
+                                <m:t>𝑦</m:t>
+                              </m:r>
+                            </m:oMath>
+                          </m:oMathPara>
+                        </a14:m>
+                        <a:endParaRPr lang="en-CA" dirty="0"/>
+                      </a:p>
+                    </p:txBody>
+                  </p:sp>
+                </mc:Choice>
+                <mc:Fallback xmlns="">
+                  <p:sp>
+                    <p:nvSpPr>
+                      <p:cNvPr id="108" name="Rectangle 107"/>
+                      <p:cNvSpPr>
+                        <a:spLocks noRot="1" noChangeAspect="1" noMove="1" noResize="1" noEditPoints="1" noAdjustHandles="1" noChangeArrowheads="1" noChangeShapeType="1" noTextEdit="1"/>
+                      </p:cNvSpPr>
+                      <p:nvPr/>
+                    </p:nvSpPr>
+                    <p:spPr>
+                      <a:xfrm>
+                        <a:off x="785815" y="912420"/>
+                        <a:ext cx="371385" cy="369333"/>
+                      </a:xfrm>
+                      <a:prstGeom prst="rect">
+                        <a:avLst/>
+                      </a:prstGeom>
+                      <a:blipFill>
+                        <a:blip r:embed="rId28"/>
+                        <a:stretch>
+                          <a:fillRect l="-19048" r="-114286" b="-220000"/>
+                        </a:stretch>
+                      </a:blipFill>
+                    </p:spPr>
+                    <p:txBody>
+                      <a:bodyPr/>
+                      <a:lstStyle/>
+                      <a:p>
+                        <a:r>
+                          <a:rPr lang="en-US">
+                            <a:noFill/>
+                          </a:rPr>
+                          <a:t> </a:t>
+                        </a:r>
+                      </a:p>
+                    </p:txBody>
+                  </p:sp>
+                </mc:Fallback>
+              </mc:AlternateContent>
+              <mc:AlternateContent xmlns:mc="http://schemas.openxmlformats.org/markup-compatibility/2006" xmlns:a14="http://schemas.microsoft.com/office/drawing/2010/main">
+                <mc:Choice Requires="a14">
+                  <p:sp>
+                    <p:nvSpPr>
+                      <p:cNvPr id="24" name="Rectangle 23"/>
+                      <p:cNvSpPr/>
+                      <p:nvPr/>
+                    </p:nvSpPr>
+                    <p:spPr>
+                      <a:xfrm>
+                        <a:off x="1006642" y="2350591"/>
+                        <a:ext cx="367985" cy="369333"/>
+                      </a:xfrm>
+                      <a:prstGeom prst="rect">
+                        <a:avLst/>
+                      </a:prstGeom>
+                    </p:spPr>
+                    <p:txBody>
+                      <a:bodyPr wrap="none">
+                        <a:spAutoFit/>
+                      </a:bodyPr>
+                      <a:lstStyle/>
+                      <a:p>
+                        <a:pPr/>
+                        <a14:m>
+                          <m:oMathPara xmlns:m="http://schemas.openxmlformats.org/officeDocument/2006/math">
+                            <m:oMathParaPr>
+                              <m:jc m:val="centerGroup"/>
+                            </m:oMathParaPr>
+                            <m:oMath xmlns:m="http://schemas.openxmlformats.org/officeDocument/2006/math">
+                              <m:r>
+                                <a:rPr lang="en-US" b="0" i="1" smtClean="0">
+                                  <a:latin typeface="Cambria Math" panose="02040503050406030204" pitchFamily="18" charset="0"/>
+                                  <a:cs typeface="Arial" panose="020B0604020202020204" pitchFamily="34" charset="0"/>
+                                </a:rPr>
+                                <m:t>0</m:t>
+                              </m:r>
+                            </m:oMath>
+                          </m:oMathPara>
+                        </a14:m>
+                        <a:endParaRPr lang="en-CA" dirty="0"/>
+                      </a:p>
+                    </p:txBody>
+                  </p:sp>
+                </mc:Choice>
+                <mc:Fallback xmlns="">
+                  <p:sp>
+                    <p:nvSpPr>
+                      <p:cNvPr id="109" name="Rectangle 108"/>
+                      <p:cNvSpPr>
+                        <a:spLocks noRot="1" noChangeAspect="1" noMove="1" noResize="1" noEditPoints="1" noAdjustHandles="1" noChangeArrowheads="1" noChangeShapeType="1" noTextEdit="1"/>
+                      </p:cNvSpPr>
+                      <p:nvPr/>
+                    </p:nvSpPr>
+                    <p:spPr>
+                      <a:xfrm>
+                        <a:off x="1006642" y="2350591"/>
+                        <a:ext cx="367985" cy="369333"/>
+                      </a:xfrm>
+                      <a:prstGeom prst="rect">
+                        <a:avLst/>
+                      </a:prstGeom>
+                      <a:blipFill>
+                        <a:blip r:embed="rId29"/>
+                        <a:stretch>
+                          <a:fillRect l="-14286" r="-114286" b="-180000"/>
+                        </a:stretch>
+                      </a:blipFill>
+                    </p:spPr>
+                    <p:txBody>
+                      <a:bodyPr/>
+                      <a:lstStyle/>
+                      <a:p>
+                        <a:r>
+                          <a:rPr lang="en-US">
+                            <a:noFill/>
+                          </a:rPr>
+                          <a:t> </a:t>
+                        </a:r>
+                      </a:p>
+                    </p:txBody>
+                  </p:sp>
+                </mc:Fallback>
+              </mc:AlternateContent>
+            </p:grpSp>
+            <p:sp>
+              <p:nvSpPr>
+                <p:cNvPr id="19" name="Rectangle 18"/>
+                <p:cNvSpPr/>
+                <p:nvPr/>
+              </p:nvSpPr>
+              <p:spPr>
+                <a:xfrm>
+                  <a:off x="1129904" y="1614682"/>
+                  <a:ext cx="184731" cy="369332"/>
+                </a:xfrm>
+                <a:prstGeom prst="rect">
+                  <a:avLst/>
+                </a:prstGeom>
+              </p:spPr>
+              <p:txBody>
+                <a:bodyPr wrap="none">
+                  <a:spAutoFit/>
+                </a:bodyPr>
+                <a:lstStyle/>
+                <a:p>
+                  <a:endParaRPr lang="en-CA" dirty="0"/>
+                </a:p>
+              </p:txBody>
+            </p:sp>
+          </p:grpSp>
+        </p:grpSp>
+        <p:sp>
+          <p:nvSpPr>
+            <p:cNvPr id="60" name="Cross 59"/>
+            <p:cNvSpPr/>
+            <p:nvPr/>
+          </p:nvSpPr>
+          <p:spPr>
+            <a:xfrm>
+              <a:off x="906459" y="863738"/>
+              <a:ext cx="84255" cy="86895"/>
+            </a:xfrm>
+            <a:prstGeom prst="plus">
+              <a:avLst>
+                <a:gd name="adj" fmla="val 36661"/>
+              </a:avLst>
+            </a:prstGeom>
+            <a:solidFill>
+              <a:schemeClr val="bg1"/>
+            </a:solidFill>
+            <a:ln w="9525">
+              <a:noFill/>
+            </a:ln>
+          </p:spPr>
+          <p:style>
+            <a:lnRef idx="2">
+              <a:schemeClr val="accent1">
+                <a:shade val="50000"/>
+              </a:schemeClr>
+            </a:lnRef>
+            <a:fillRef idx="1">
+              <a:schemeClr val="accent1"/>
+            </a:fillRef>
+            <a:effectRef idx="0">
+              <a:schemeClr val="accent1"/>
+            </a:effectRef>
+            <a:fontRef idx="minor">
+              <a:schemeClr val="lt1"/>
+            </a:fontRef>
+          </p:style>
+          <p:txBody>
+            <a:bodyPr rtlCol="0" anchor="ctr"/>
+            <a:lstStyle/>
+            <a:p>
+              <a:pPr algn="ctr"/>
+              <a:endParaRPr lang="en-US"/>
+            </a:p>
+          </p:txBody>
+        </p:sp>
+        <p:sp>
+          <p:nvSpPr>
+            <p:cNvPr id="61" name="Oval 60"/>
+            <p:cNvSpPr/>
+            <p:nvPr/>
+          </p:nvSpPr>
+          <p:spPr>
+            <a:xfrm>
+              <a:off x="1244600" y="1021781"/>
+              <a:ext cx="45719" cy="64070"/>
+            </a:xfrm>
+            <a:prstGeom prst="ellipse">
+              <a:avLst/>
+            </a:prstGeom>
+            <a:solidFill>
+              <a:schemeClr val="bg1"/>
+            </a:solidFill>
+            <a:ln w="38100">
+              <a:noFill/>
+            </a:ln>
+          </p:spPr>
+          <p:style>
+            <a:lnRef idx="2">
+              <a:schemeClr val="accent1">
+                <a:shade val="50000"/>
+              </a:schemeClr>
+            </a:lnRef>
+            <a:fillRef idx="1">
+              <a:schemeClr val="accent1"/>
+            </a:fillRef>
+            <a:effectRef idx="0">
+              <a:schemeClr val="accent1"/>
+            </a:effectRef>
+            <a:fontRef idx="minor">
+              <a:schemeClr val="lt1"/>
+            </a:fontRef>
+          </p:style>
+          <p:txBody>
+            <a:bodyPr rtlCol="0" anchor="ctr"/>
+            <a:lstStyle/>
+            <a:p>
+              <a:pPr algn="ctr"/>
+              <a:endParaRPr lang="en-US"/>
+            </a:p>
+          </p:txBody>
+        </p:sp>
+        <p:sp>
+          <p:nvSpPr>
+            <p:cNvPr id="62" name="Oval 61"/>
+            <p:cNvSpPr/>
+            <p:nvPr/>
+          </p:nvSpPr>
+          <p:spPr>
+            <a:xfrm>
+              <a:off x="1347095" y="1017677"/>
+              <a:ext cx="45719" cy="64070"/>
+            </a:xfrm>
+            <a:prstGeom prst="ellipse">
+              <a:avLst/>
+            </a:prstGeom>
+            <a:solidFill>
+              <a:schemeClr val="bg1"/>
+            </a:solidFill>
+            <a:ln w="38100">
+              <a:noFill/>
+            </a:ln>
+          </p:spPr>
+          <p:style>
+            <a:lnRef idx="2">
+              <a:schemeClr val="accent1">
+                <a:shade val="50000"/>
+              </a:schemeClr>
+            </a:lnRef>
+            <a:fillRef idx="1">
+              <a:schemeClr val="accent1"/>
+            </a:fillRef>
+            <a:effectRef idx="0">
+              <a:schemeClr val="accent1"/>
+            </a:effectRef>
+            <a:fontRef idx="minor">
+              <a:schemeClr val="lt1"/>
+            </a:fontRef>
+          </p:style>
+          <p:txBody>
+            <a:bodyPr rtlCol="0" anchor="ctr"/>
+            <a:lstStyle/>
+            <a:p>
+              <a:pPr algn="ctr"/>
+              <a:endParaRPr lang="en-US"/>
+            </a:p>
+          </p:txBody>
+        </p:sp>
+        <p:sp>
+          <p:nvSpPr>
+            <p:cNvPr id="107" name="Oval 106"/>
+            <p:cNvSpPr/>
+            <p:nvPr/>
+          </p:nvSpPr>
+          <p:spPr>
+            <a:xfrm>
+              <a:off x="1453002" y="1021781"/>
+              <a:ext cx="45719" cy="64070"/>
+            </a:xfrm>
+            <a:prstGeom prst="ellipse">
+              <a:avLst/>
+            </a:prstGeom>
+            <a:solidFill>
+              <a:schemeClr val="bg1"/>
+            </a:solidFill>
+            <a:ln w="38100">
+              <a:noFill/>
+            </a:ln>
+          </p:spPr>
+          <p:style>
+            <a:lnRef idx="2">
+              <a:schemeClr val="accent1">
+                <a:shade val="50000"/>
+              </a:schemeClr>
+            </a:lnRef>
+            <a:fillRef idx="1">
+              <a:schemeClr val="accent1"/>
+            </a:fillRef>
+            <a:effectRef idx="0">
+              <a:schemeClr val="accent1"/>
+            </a:effectRef>
+            <a:fontRef idx="minor">
+              <a:schemeClr val="lt1"/>
+            </a:fontRef>
+          </p:style>
+          <p:txBody>
+            <a:bodyPr rtlCol="0" anchor="ctr"/>
+            <a:lstStyle/>
+            <a:p>
+              <a:pPr algn="ctr"/>
+              <a:endParaRPr lang="en-US"/>
+            </a:p>
+          </p:txBody>
+        </p:sp>
+        <p:sp>
+          <p:nvSpPr>
+            <p:cNvPr id="108" name="Oval 107"/>
+            <p:cNvSpPr/>
+            <p:nvPr/>
+          </p:nvSpPr>
+          <p:spPr>
+            <a:xfrm>
+              <a:off x="1555497" y="1017677"/>
+              <a:ext cx="45719" cy="64070"/>
+            </a:xfrm>
+            <a:prstGeom prst="ellipse">
+              <a:avLst/>
+            </a:prstGeom>
+            <a:solidFill>
+              <a:schemeClr val="bg1"/>
+            </a:solidFill>
+            <a:ln w="38100">
+              <a:noFill/>
+            </a:ln>
+          </p:spPr>
+          <p:style>
+            <a:lnRef idx="2">
+              <a:schemeClr val="accent1">
+                <a:shade val="50000"/>
+              </a:schemeClr>
+            </a:lnRef>
+            <a:fillRef idx="1">
+              <a:schemeClr val="accent1"/>
+            </a:fillRef>
+            <a:effectRef idx="0">
+              <a:schemeClr val="accent1"/>
+            </a:effectRef>
+            <a:fontRef idx="minor">
+              <a:schemeClr val="lt1"/>
+            </a:fontRef>
+          </p:style>
+          <p:txBody>
+            <a:bodyPr rtlCol="0" anchor="ctr"/>
+            <a:lstStyle/>
+            <a:p>
+              <a:pPr algn="ctr"/>
+              <a:endParaRPr lang="en-US"/>
+            </a:p>
+          </p:txBody>
+        </p:sp>
+        <p:sp>
+          <p:nvSpPr>
+            <p:cNvPr id="109" name="Oval 108"/>
+            <p:cNvSpPr/>
+            <p:nvPr/>
+          </p:nvSpPr>
+          <p:spPr>
+            <a:xfrm>
+              <a:off x="1657992" y="1020156"/>
+              <a:ext cx="45719" cy="64070"/>
+            </a:xfrm>
+            <a:prstGeom prst="ellipse">
+              <a:avLst/>
+            </a:prstGeom>
+            <a:solidFill>
+              <a:schemeClr val="bg1"/>
+            </a:solidFill>
+            <a:ln w="38100">
+              <a:noFill/>
+            </a:ln>
+          </p:spPr>
+          <p:style>
+            <a:lnRef idx="2">
+              <a:schemeClr val="accent1">
+                <a:shade val="50000"/>
+              </a:schemeClr>
+            </a:lnRef>
+            <a:fillRef idx="1">
+              <a:schemeClr val="accent1"/>
+            </a:fillRef>
+            <a:effectRef idx="0">
+              <a:schemeClr val="accent1"/>
+            </a:effectRef>
+            <a:fontRef idx="minor">
+              <a:schemeClr val="lt1"/>
+            </a:fontRef>
+          </p:style>
+          <p:txBody>
+            <a:bodyPr rtlCol="0" anchor="ctr"/>
+            <a:lstStyle/>
+            <a:p>
+              <a:pPr algn="ctr"/>
+              <a:endParaRPr lang="en-US"/>
+            </a:p>
+          </p:txBody>
+        </p:sp>
+        <p:sp>
+          <p:nvSpPr>
+            <p:cNvPr id="110" name="Oval 109"/>
+            <p:cNvSpPr/>
+            <p:nvPr/>
+          </p:nvSpPr>
+          <p:spPr>
+            <a:xfrm>
+              <a:off x="1760487" y="1016052"/>
+              <a:ext cx="45719" cy="64070"/>
+            </a:xfrm>
+            <a:prstGeom prst="ellipse">
+              <a:avLst/>
+            </a:prstGeom>
+            <a:solidFill>
+              <a:schemeClr val="bg1"/>
+            </a:solidFill>
+            <a:ln w="38100">
+              <a:noFill/>
+            </a:ln>
+          </p:spPr>
+          <p:style>
+            <a:lnRef idx="2">
+              <a:schemeClr val="accent1">
+                <a:shade val="50000"/>
+              </a:schemeClr>
+            </a:lnRef>
+            <a:fillRef idx="1">
+              <a:schemeClr val="accent1"/>
+            </a:fillRef>
+            <a:effectRef idx="0">
+              <a:schemeClr val="accent1"/>
+            </a:effectRef>
+            <a:fontRef idx="minor">
+              <a:schemeClr val="lt1"/>
+            </a:fontRef>
+          </p:style>
+          <p:txBody>
+            <a:bodyPr rtlCol="0" anchor="ctr"/>
+            <a:lstStyle/>
+            <a:p>
+              <a:pPr algn="ctr"/>
+              <a:endParaRPr lang="en-US"/>
+            </a:p>
+          </p:txBody>
+        </p:sp>
+        <p:sp>
+          <p:nvSpPr>
+            <p:cNvPr id="111" name="Oval 110"/>
+            <p:cNvSpPr/>
+            <p:nvPr/>
+          </p:nvSpPr>
+          <p:spPr>
+            <a:xfrm>
+              <a:off x="1866394" y="1020156"/>
+              <a:ext cx="45719" cy="64070"/>
+            </a:xfrm>
+            <a:prstGeom prst="ellipse">
+              <a:avLst/>
+            </a:prstGeom>
+            <a:solidFill>
+              <a:schemeClr val="bg1"/>
+            </a:solidFill>
+            <a:ln w="38100">
+              <a:noFill/>
+            </a:ln>
+          </p:spPr>
+          <p:style>
+            <a:lnRef idx="2">
+              <a:schemeClr val="accent1">
+                <a:shade val="50000"/>
+              </a:schemeClr>
+            </a:lnRef>
+            <a:fillRef idx="1">
+              <a:schemeClr val="accent1"/>
+            </a:fillRef>
+            <a:effectRef idx="0">
+              <a:schemeClr val="accent1"/>
+            </a:effectRef>
+            <a:fontRef idx="minor">
+              <a:schemeClr val="lt1"/>
+            </a:fontRef>
+          </p:style>
+          <p:txBody>
+            <a:bodyPr rtlCol="0" anchor="ctr"/>
+            <a:lstStyle/>
+            <a:p>
+              <a:pPr algn="ctr"/>
+              <a:endParaRPr lang="en-US"/>
+            </a:p>
+          </p:txBody>
+        </p:sp>
+        <p:sp>
+          <p:nvSpPr>
+            <p:cNvPr id="112" name="Oval 111"/>
+            <p:cNvSpPr/>
+            <p:nvPr/>
+          </p:nvSpPr>
+          <p:spPr>
+            <a:xfrm>
+              <a:off x="1968889" y="1016052"/>
+              <a:ext cx="45719" cy="64070"/>
+            </a:xfrm>
+            <a:prstGeom prst="ellipse">
+              <a:avLst/>
+            </a:prstGeom>
+            <a:solidFill>
+              <a:schemeClr val="bg1"/>
+            </a:solidFill>
+            <a:ln w="38100">
+              <a:noFill/>
+            </a:ln>
+          </p:spPr>
+          <p:style>
+            <a:lnRef idx="2">
+              <a:schemeClr val="accent1">
+                <a:shade val="50000"/>
+              </a:schemeClr>
+            </a:lnRef>
+            <a:fillRef idx="1">
+              <a:schemeClr val="accent1"/>
+            </a:fillRef>
+            <a:effectRef idx="0">
+              <a:schemeClr val="accent1"/>
+            </a:effectRef>
+            <a:fontRef idx="minor">
+              <a:schemeClr val="lt1"/>
+            </a:fontRef>
+          </p:style>
+          <p:txBody>
+            <a:bodyPr rtlCol="0" anchor="ctr"/>
+            <a:lstStyle/>
+            <a:p>
+              <a:pPr algn="ctr"/>
+              <a:endParaRPr lang="en-US"/>
+            </a:p>
+          </p:txBody>
+        </p:sp>
+        <p:sp>
+          <p:nvSpPr>
+            <p:cNvPr id="113" name="Oval 112"/>
+            <p:cNvSpPr/>
+            <p:nvPr/>
+          </p:nvSpPr>
+          <p:spPr>
+            <a:xfrm>
+              <a:off x="2074796" y="1020156"/>
+              <a:ext cx="45719" cy="64070"/>
+            </a:xfrm>
+            <a:prstGeom prst="ellipse">
+              <a:avLst/>
+            </a:prstGeom>
+            <a:solidFill>
+              <a:schemeClr val="bg1"/>
+            </a:solidFill>
+            <a:ln w="38100">
+              <a:noFill/>
+            </a:ln>
+          </p:spPr>
+          <p:style>
+            <a:lnRef idx="2">
+              <a:schemeClr val="accent1">
+                <a:shade val="50000"/>
+              </a:schemeClr>
+            </a:lnRef>
+            <a:fillRef idx="1">
+              <a:schemeClr val="accent1"/>
+            </a:fillRef>
+            <a:effectRef idx="0">
+              <a:schemeClr val="accent1"/>
+            </a:effectRef>
+            <a:fontRef idx="minor">
+              <a:schemeClr val="lt1"/>
+            </a:fontRef>
+          </p:style>
+          <p:txBody>
+            <a:bodyPr rtlCol="0" anchor="ctr"/>
+            <a:lstStyle/>
+            <a:p>
+              <a:pPr algn="ctr"/>
+              <a:endParaRPr lang="en-US"/>
+            </a:p>
+          </p:txBody>
+        </p:sp>
+        <p:sp>
+          <p:nvSpPr>
+            <p:cNvPr id="114" name="Oval 113"/>
+            <p:cNvSpPr/>
+            <p:nvPr/>
+          </p:nvSpPr>
+          <p:spPr>
+            <a:xfrm>
+              <a:off x="2177291" y="1016052"/>
+              <a:ext cx="45719" cy="64070"/>
+            </a:xfrm>
+            <a:prstGeom prst="ellipse">
+              <a:avLst/>
+            </a:prstGeom>
+            <a:solidFill>
+              <a:schemeClr val="bg1"/>
+            </a:solidFill>
+            <a:ln w="38100">
+              <a:noFill/>
+            </a:ln>
+          </p:spPr>
+          <p:style>
+            <a:lnRef idx="2">
+              <a:schemeClr val="accent1">
+                <a:shade val="50000"/>
+              </a:schemeClr>
+            </a:lnRef>
+            <a:fillRef idx="1">
+              <a:schemeClr val="accent1"/>
+            </a:fillRef>
+            <a:effectRef idx="0">
+              <a:schemeClr val="accent1"/>
+            </a:effectRef>
+            <a:fontRef idx="minor">
+              <a:schemeClr val="lt1"/>
+            </a:fontRef>
+          </p:style>
+          <p:txBody>
+            <a:bodyPr rtlCol="0" anchor="ctr"/>
+            <a:lstStyle/>
+            <a:p>
+              <a:pPr algn="ctr"/>
+              <a:endParaRPr lang="en-US"/>
+            </a:p>
+          </p:txBody>
+        </p:sp>
+        <p:sp>
+          <p:nvSpPr>
+            <p:cNvPr id="115" name="Oval 114"/>
+            <p:cNvSpPr/>
+            <p:nvPr/>
+          </p:nvSpPr>
+          <p:spPr>
+            <a:xfrm>
+              <a:off x="2283198" y="1020156"/>
+              <a:ext cx="45719" cy="64070"/>
+            </a:xfrm>
+            <a:prstGeom prst="ellipse">
+              <a:avLst/>
+            </a:prstGeom>
+            <a:solidFill>
+              <a:schemeClr val="bg1"/>
+            </a:solidFill>
+            <a:ln w="38100">
+              <a:noFill/>
+            </a:ln>
+          </p:spPr>
+          <p:style>
+            <a:lnRef idx="2">
+              <a:schemeClr val="accent1">
+                <a:shade val="50000"/>
+              </a:schemeClr>
+            </a:lnRef>
+            <a:fillRef idx="1">
+              <a:schemeClr val="accent1"/>
+            </a:fillRef>
+            <a:effectRef idx="0">
+              <a:schemeClr val="accent1"/>
+            </a:effectRef>
+            <a:fontRef idx="minor">
+              <a:schemeClr val="lt1"/>
+            </a:fontRef>
+          </p:style>
+          <p:txBody>
+            <a:bodyPr rtlCol="0" anchor="ctr"/>
+            <a:lstStyle/>
+            <a:p>
+              <a:pPr algn="ctr"/>
+              <a:endParaRPr lang="en-US"/>
+            </a:p>
+          </p:txBody>
+        </p:sp>
+        <p:sp>
+          <p:nvSpPr>
+            <p:cNvPr id="116" name="Oval 115"/>
+            <p:cNvSpPr/>
+            <p:nvPr/>
+          </p:nvSpPr>
+          <p:spPr>
+            <a:xfrm>
+              <a:off x="2385693" y="1016052"/>
+              <a:ext cx="45719" cy="64070"/>
+            </a:xfrm>
+            <a:prstGeom prst="ellipse">
+              <a:avLst/>
+            </a:prstGeom>
+            <a:solidFill>
+              <a:schemeClr val="bg1"/>
+            </a:solidFill>
+            <a:ln w="38100">
+              <a:noFill/>
+            </a:ln>
+          </p:spPr>
+          <p:style>
+            <a:lnRef idx="2">
+              <a:schemeClr val="accent1">
+                <a:shade val="50000"/>
+              </a:schemeClr>
+            </a:lnRef>
+            <a:fillRef idx="1">
+              <a:schemeClr val="accent1"/>
+            </a:fillRef>
+            <a:effectRef idx="0">
+              <a:schemeClr val="accent1"/>
+            </a:effectRef>
+            <a:fontRef idx="minor">
+              <a:schemeClr val="lt1"/>
+            </a:fontRef>
+          </p:style>
+          <p:txBody>
+            <a:bodyPr rtlCol="0" anchor="ctr"/>
+            <a:lstStyle/>
+            <a:p>
+              <a:pPr algn="ctr"/>
+              <a:endParaRPr lang="en-US"/>
+            </a:p>
+          </p:txBody>
+        </p:sp>
+        <p:sp>
+          <p:nvSpPr>
+            <p:cNvPr id="117" name="Oval 116"/>
+            <p:cNvSpPr/>
+            <p:nvPr/>
+          </p:nvSpPr>
+          <p:spPr>
+            <a:xfrm>
+              <a:off x="2488052" y="1020156"/>
+              <a:ext cx="45719" cy="64070"/>
+            </a:xfrm>
+            <a:prstGeom prst="ellipse">
+              <a:avLst/>
+            </a:prstGeom>
+            <a:solidFill>
+              <a:schemeClr val="bg1"/>
+            </a:solidFill>
+            <a:ln w="38100">
+              <a:noFill/>
+            </a:ln>
+          </p:spPr>
+          <p:style>
+            <a:lnRef idx="2">
+              <a:schemeClr val="accent1">
+                <a:shade val="50000"/>
+              </a:schemeClr>
+            </a:lnRef>
+            <a:fillRef idx="1">
+              <a:schemeClr val="accent1"/>
+            </a:fillRef>
+            <a:effectRef idx="0">
+              <a:schemeClr val="accent1"/>
+            </a:effectRef>
+            <a:fontRef idx="minor">
+              <a:schemeClr val="lt1"/>
+            </a:fontRef>
+          </p:style>
+          <p:txBody>
+            <a:bodyPr rtlCol="0" anchor="ctr"/>
+            <a:lstStyle/>
+            <a:p>
+              <a:pPr algn="ctr"/>
+              <a:endParaRPr lang="en-US"/>
+            </a:p>
+          </p:txBody>
+        </p:sp>
+        <p:sp>
+          <p:nvSpPr>
+            <p:cNvPr id="118" name="Oval 117"/>
+            <p:cNvSpPr/>
+            <p:nvPr/>
+          </p:nvSpPr>
+          <p:spPr>
+            <a:xfrm>
+              <a:off x="2590547" y="1016052"/>
+              <a:ext cx="45719" cy="64070"/>
+            </a:xfrm>
+            <a:prstGeom prst="ellipse">
+              <a:avLst/>
+            </a:prstGeom>
+            <a:solidFill>
+              <a:schemeClr val="bg1"/>
+            </a:solidFill>
+            <a:ln w="38100">
+              <a:noFill/>
+            </a:ln>
+          </p:spPr>
+          <p:style>
+            <a:lnRef idx="2">
+              <a:schemeClr val="accent1">
+                <a:shade val="50000"/>
+              </a:schemeClr>
+            </a:lnRef>
+            <a:fillRef idx="1">
+              <a:schemeClr val="accent1"/>
+            </a:fillRef>
+            <a:effectRef idx="0">
+              <a:schemeClr val="accent1"/>
+            </a:effectRef>
+            <a:fontRef idx="minor">
+              <a:schemeClr val="lt1"/>
+            </a:fontRef>
+          </p:style>
+          <p:txBody>
+            <a:bodyPr rtlCol="0" anchor="ctr"/>
+            <a:lstStyle/>
+            <a:p>
+              <a:pPr algn="ctr"/>
+              <a:endParaRPr lang="en-US"/>
+            </a:p>
+          </p:txBody>
+        </p:sp>
+        <p:sp>
+          <p:nvSpPr>
+            <p:cNvPr id="119" name="Oval 118"/>
+            <p:cNvSpPr/>
+            <p:nvPr/>
+          </p:nvSpPr>
+          <p:spPr>
+            <a:xfrm>
+              <a:off x="2696454" y="1020156"/>
+              <a:ext cx="45719" cy="64070"/>
+            </a:xfrm>
+            <a:prstGeom prst="ellipse">
+              <a:avLst/>
+            </a:prstGeom>
+            <a:solidFill>
+              <a:schemeClr val="bg1"/>
+            </a:solidFill>
+            <a:ln w="38100">
+              <a:noFill/>
+            </a:ln>
+          </p:spPr>
+          <p:style>
+            <a:lnRef idx="2">
+              <a:schemeClr val="accent1">
+                <a:shade val="50000"/>
+              </a:schemeClr>
+            </a:lnRef>
+            <a:fillRef idx="1">
+              <a:schemeClr val="accent1"/>
+            </a:fillRef>
+            <a:effectRef idx="0">
+              <a:schemeClr val="accent1"/>
+            </a:effectRef>
+            <a:fontRef idx="minor">
+              <a:schemeClr val="lt1"/>
+            </a:fontRef>
+          </p:style>
+          <p:txBody>
+            <a:bodyPr rtlCol="0" anchor="ctr"/>
+            <a:lstStyle/>
+            <a:p>
+              <a:pPr algn="ctr"/>
+              <a:endParaRPr lang="en-US"/>
+            </a:p>
+          </p:txBody>
+        </p:sp>
+        <p:sp>
+          <p:nvSpPr>
+            <p:cNvPr id="120" name="Oval 119"/>
+            <p:cNvSpPr/>
+            <p:nvPr/>
+          </p:nvSpPr>
+          <p:spPr>
+            <a:xfrm>
+              <a:off x="2798949" y="1016052"/>
+              <a:ext cx="45719" cy="64070"/>
+            </a:xfrm>
+            <a:prstGeom prst="ellipse">
+              <a:avLst/>
+            </a:prstGeom>
+            <a:solidFill>
+              <a:schemeClr val="bg1"/>
+            </a:solidFill>
+            <a:ln w="38100">
+              <a:noFill/>
+            </a:ln>
+          </p:spPr>
+          <p:style>
+            <a:lnRef idx="2">
+              <a:schemeClr val="accent1">
+                <a:shade val="50000"/>
+              </a:schemeClr>
+            </a:lnRef>
+            <a:fillRef idx="1">
+              <a:schemeClr val="accent1"/>
+            </a:fillRef>
+            <a:effectRef idx="0">
+              <a:schemeClr val="accent1"/>
+            </a:effectRef>
+            <a:fontRef idx="minor">
+              <a:schemeClr val="lt1"/>
+            </a:fontRef>
+          </p:style>
+          <p:txBody>
+            <a:bodyPr rtlCol="0" anchor="ctr"/>
+            <a:lstStyle/>
+            <a:p>
+              <a:pPr algn="ctr"/>
+              <a:endParaRPr lang="en-US"/>
+            </a:p>
+          </p:txBody>
+        </p:sp>
+        <p:sp>
+          <p:nvSpPr>
+            <p:cNvPr id="123" name="Pie 122"/>
+            <p:cNvSpPr/>
+            <p:nvPr/>
+          </p:nvSpPr>
+          <p:spPr>
+            <a:xfrm>
+              <a:off x="2863155" y="1004538"/>
+              <a:ext cx="394397" cy="109645"/>
+            </a:xfrm>
+            <a:prstGeom prst="pie">
+              <a:avLst>
+                <a:gd name="adj1" fmla="val 16220191"/>
+                <a:gd name="adj2" fmla="val 21589803"/>
+              </a:avLst>
+            </a:prstGeom>
+            <a:solidFill>
+              <a:schemeClr val="bg1"/>
+            </a:solidFill>
+            <a:ln w="3175">
+              <a:solidFill>
+                <a:schemeClr val="tx1"/>
+              </a:solidFill>
+            </a:ln>
+          </p:spPr>
+          <p:style>
+            <a:lnRef idx="2">
+              <a:schemeClr val="accent1">
+                <a:shade val="50000"/>
+              </a:schemeClr>
+            </a:lnRef>
+            <a:fillRef idx="1">
+              <a:schemeClr val="accent1"/>
+            </a:fillRef>
+            <a:effectRef idx="0">
+              <a:schemeClr val="accent1"/>
+            </a:effectRef>
+            <a:fontRef idx="minor">
+              <a:schemeClr val="lt1"/>
+            </a:fontRef>
+          </p:style>
+          <p:txBody>
+            <a:bodyPr rtlCol="0" anchor="ctr"/>
+            <a:lstStyle/>
+            <a:p>
+              <a:pPr algn="ctr"/>
+              <a:endParaRPr lang="en-US">
+                <a:solidFill>
+                  <a:schemeClr val="tx1"/>
+                </a:solidFill>
+              </a:endParaRPr>
+            </a:p>
+          </p:txBody>
+        </p:sp>
+      </p:grpSp>
+    </p:spTree>
+    <p:extLst>
+      <p:ext uri="{BB962C8B-B14F-4D97-AF65-F5344CB8AC3E}">
+        <p14:creationId xmlns:p14="http://schemas.microsoft.com/office/powerpoint/2010/main" val="2622503628"/>
+      </p:ext>
+    </p:extLst>
+  </p:cSld>
+  <p:clrMapOvr>
+    <a:masterClrMapping/>
+  </p:clrMapOvr>
+  <p:timing>
+    <p:tnLst>
+      <p:par>
+        <p:cTn id="1" dur="indefinite" restart="never" nodeType="tmRoot"/>
+      </p:par>
+    </p:tnLst>
+  </p:timing>
+</p:sld>
+</file>
+
+<file path=ppt/slides/slide6.xml><?xml version="1.0" encoding="utf-8"?>
+<p:sld xmlns:a="http://schemas.openxmlformats.org/drawingml/2006/main" xmlns:r="http://schemas.openxmlformats.org/officeDocument/2006/relationships" xmlns:p="http://schemas.openxmlformats.org/presentationml/2006/main">
+  <p:cSld>
+    <p:spTree>
+      <p:nvGrpSpPr>
+        <p:cNvPr id="1" name=""/>
+        <p:cNvGrpSpPr/>
+        <p:nvPr/>
+      </p:nvGrpSpPr>
+      <p:grpSpPr>
+        <a:xfrm>
+          <a:off x="0" y="0"/>
+          <a:ext cx="0" cy="0"/>
+          <a:chOff x="0" y="0"/>
+          <a:chExt cx="0" cy="0"/>
+        </a:xfrm>
+      </p:grpSpPr>
+      <p:grpSp>
+        <p:nvGrpSpPr>
+          <p:cNvPr id="37" name="Group 36"/>
+          <p:cNvGrpSpPr/>
+          <p:nvPr/>
+        </p:nvGrpSpPr>
+        <p:grpSpPr>
+          <a:xfrm>
+            <a:off x="7296900" y="73455"/>
+            <a:ext cx="2170483" cy="3277135"/>
+            <a:chOff x="8507789" y="1581444"/>
+            <a:chExt cx="2170483" cy="3277135"/>
+          </a:xfrm>
+        </p:grpSpPr>
+        <p:grpSp>
+          <p:nvGrpSpPr>
+            <p:cNvPr id="12" name="Group 11"/>
+            <p:cNvGrpSpPr/>
+            <p:nvPr/>
+          </p:nvGrpSpPr>
+          <p:grpSpPr>
+            <a:xfrm>
+              <a:off x="8507789" y="1581444"/>
+              <a:ext cx="1897613" cy="3057192"/>
+              <a:chOff x="8558589" y="1940914"/>
+              <a:chExt cx="1897613" cy="3057192"/>
+            </a:xfrm>
+          </p:grpSpPr>
+          <p:sp>
+            <p:nvSpPr>
+              <p:cNvPr id="13" name="Oval 12"/>
+              <p:cNvSpPr/>
+              <p:nvPr/>
+            </p:nvSpPr>
+            <p:spPr>
+              <a:xfrm>
+                <a:off x="9986883" y="3321986"/>
+                <a:ext cx="120943" cy="119766"/>
+              </a:xfrm>
+              <a:prstGeom prst="ellipse">
+                <a:avLst/>
+              </a:prstGeom>
+              <a:solidFill>
+                <a:schemeClr val="tx1"/>
+              </a:solidFill>
+              <a:ln w="38100">
+                <a:solidFill>
+                  <a:schemeClr val="tx1"/>
+                </a:solidFill>
+              </a:ln>
+            </p:spPr>
+            <p:style>
+              <a:lnRef idx="2">
+                <a:schemeClr val="accent1">
+                  <a:shade val="50000"/>
+                </a:schemeClr>
+              </a:lnRef>
+              <a:fillRef idx="1">
+                <a:schemeClr val="accent1"/>
+              </a:fillRef>
+              <a:effectRef idx="0">
+                <a:schemeClr val="accent1"/>
+              </a:effectRef>
+              <a:fontRef idx="minor">
+                <a:schemeClr val="lt1"/>
+              </a:fontRef>
+            </p:style>
+            <p:txBody>
+              <a:bodyPr rtlCol="0" anchor="ctr"/>
+              <a:lstStyle/>
+              <a:p>
+                <a:pPr algn="ctr"/>
+                <a:endParaRPr lang="en-US"/>
+              </a:p>
+            </p:txBody>
+          </p:sp>
+          <p:cxnSp>
+            <p:nvCxnSpPr>
+              <p:cNvPr id="14" name="Straight Arrow Connector 13"/>
+              <p:cNvCxnSpPr/>
+              <p:nvPr/>
+            </p:nvCxnSpPr>
+            <p:spPr>
+              <a:xfrm flipH="1">
+                <a:off x="9412116" y="3371687"/>
+                <a:ext cx="575410" cy="5625"/>
+              </a:xfrm>
+              <a:prstGeom prst="straightConnector1">
+                <a:avLst/>
+              </a:prstGeom>
+              <a:ln w="38100">
+                <a:solidFill>
+                  <a:schemeClr val="tx1"/>
+                </a:solidFill>
+                <a:tailEnd type="triangle"/>
+              </a:ln>
+            </p:spPr>
+            <p:style>
+              <a:lnRef idx="1">
+                <a:schemeClr val="accent1"/>
+              </a:lnRef>
+              <a:fillRef idx="0">
+                <a:schemeClr val="accent1"/>
+              </a:fillRef>
+              <a:effectRef idx="0">
+                <a:schemeClr val="accent1"/>
+              </a:effectRef>
+              <a:fontRef idx="minor">
+                <a:schemeClr val="tx1"/>
+              </a:fontRef>
+            </p:style>
+          </p:cxnSp>
+          <p:cxnSp>
+            <p:nvCxnSpPr>
+              <p:cNvPr id="15" name="Straight Arrow Connector 14"/>
+              <p:cNvCxnSpPr/>
+              <p:nvPr/>
+            </p:nvCxnSpPr>
+            <p:spPr>
+              <a:xfrm flipH="1">
+                <a:off x="10040393" y="3435406"/>
+                <a:ext cx="7135" cy="796601"/>
+              </a:xfrm>
+              <a:prstGeom prst="straightConnector1">
+                <a:avLst/>
+              </a:prstGeom>
+              <a:ln w="38100">
+                <a:solidFill>
+                  <a:schemeClr val="tx1"/>
+                </a:solidFill>
+                <a:tailEnd type="triangle"/>
+              </a:ln>
+            </p:spPr>
+            <p:style>
+              <a:lnRef idx="1">
+                <a:schemeClr val="accent1"/>
+              </a:lnRef>
+              <a:fillRef idx="0">
+                <a:schemeClr val="accent1"/>
+              </a:fillRef>
+              <a:effectRef idx="0">
+                <a:schemeClr val="accent1"/>
+              </a:effectRef>
+              <a:fontRef idx="minor">
+                <a:schemeClr val="tx1"/>
+              </a:fontRef>
+            </p:style>
+          </p:cxnSp>
+          <p:cxnSp>
+            <p:nvCxnSpPr>
+              <p:cNvPr id="16" name="Straight Arrow Connector 15"/>
+              <p:cNvCxnSpPr/>
+              <p:nvPr/>
+            </p:nvCxnSpPr>
+            <p:spPr>
+              <a:xfrm flipH="1" flipV="1">
+                <a:off x="10046515" y="2545106"/>
+                <a:ext cx="3748" cy="769741"/>
+              </a:xfrm>
+              <a:prstGeom prst="straightConnector1">
+                <a:avLst/>
+              </a:prstGeom>
+              <a:ln w="38100">
+                <a:solidFill>
+                  <a:schemeClr val="tx1"/>
+                </a:solidFill>
+                <a:tailEnd type="triangle"/>
+              </a:ln>
+            </p:spPr>
+            <p:style>
+              <a:lnRef idx="1">
+                <a:schemeClr val="accent1"/>
+              </a:lnRef>
+              <a:fillRef idx="0">
+                <a:schemeClr val="accent1"/>
+              </a:fillRef>
+              <a:effectRef idx="0">
+                <a:schemeClr val="accent1"/>
+              </a:effectRef>
+              <a:fontRef idx="minor">
+                <a:schemeClr val="tx1"/>
+              </a:fontRef>
+            </p:style>
+          </p:cxnSp>
+          <mc:AlternateContent xmlns:mc="http://schemas.openxmlformats.org/markup-compatibility/2006">
+            <mc:Choice xmlns:a14="http://schemas.microsoft.com/office/drawing/2010/main" Requires="a14">
+              <p:sp>
+                <p:nvSpPr>
+                  <p:cNvPr id="17" name="TextBox 16"/>
+                  <p:cNvSpPr txBox="1"/>
+                  <p:nvPr/>
+                </p:nvSpPr>
+                <p:spPr>
+                  <a:xfrm>
+                    <a:off x="9412116" y="2828865"/>
+                    <a:ext cx="228460" cy="345159"/>
+                  </a:xfrm>
+                  <a:prstGeom prst="rect">
+                    <a:avLst/>
+                  </a:prstGeom>
+                  <a:noFill/>
+                </p:spPr>
+                <p:txBody>
+                  <a:bodyPr wrap="none" lIns="0" tIns="0" rIns="0" bIns="0" rtlCol="0">
+                    <a:spAutoFit/>
+                  </a:bodyPr>
+                  <a:lstStyle/>
+                  <a:p>
+                    <a:pPr/>
+                    <a14:m>
+                      <m:oMathPara xmlns:m="http://schemas.openxmlformats.org/officeDocument/2006/math">
+                        <m:oMathParaPr>
+                          <m:jc m:val="centerGroup"/>
+                        </m:oMathParaPr>
+                        <m:oMath xmlns:m="http://schemas.openxmlformats.org/officeDocument/2006/math">
+                          <m:acc>
+                            <m:accPr>
+                              <m:chr m:val="⃗"/>
+                              <m:ctrlPr>
+                                <a:rPr lang="en-US" sz="2000" b="0" i="1" smtClean="0">
+                                  <a:latin typeface="Cambria Math" panose="02040503050406030204" pitchFamily="18" charset="0"/>
+                                  <a:cs typeface="Arial" panose="020B0604020202020204" pitchFamily="34" charset="0"/>
+                                </a:rPr>
+                              </m:ctrlPr>
+                            </m:accPr>
+                            <m:e>
+                              <m:r>
+                                <a:rPr lang="en-US" sz="2000" b="0" i="1" smtClean="0">
+                                  <a:latin typeface="Cambria Math" panose="02040503050406030204" pitchFamily="18" charset="0"/>
+                                  <a:cs typeface="Arial" panose="020B0604020202020204" pitchFamily="34" charset="0"/>
+                                </a:rPr>
+                                <m:t>𝑇</m:t>
+                              </m:r>
+                            </m:e>
+                          </m:acc>
+                        </m:oMath>
+                      </m:oMathPara>
+                    </a14:m>
+                    <a:endParaRPr lang="en-US" sz="2000" dirty="0">
+                      <a:latin typeface="Arial" panose="020B0604020202020204" pitchFamily="34" charset="0"/>
+                      <a:cs typeface="Arial" panose="020B0604020202020204" pitchFamily="34" charset="0"/>
+                    </a:endParaRPr>
+                  </a:p>
+                </p:txBody>
+              </p:sp>
+            </mc:Choice>
+            <mc:Fallback>
+              <p:sp>
+                <p:nvSpPr>
+                  <p:cNvPr id="17" name="TextBox 16"/>
+                  <p:cNvSpPr txBox="1">
+                    <a:spLocks noRot="1" noChangeAspect="1" noMove="1" noResize="1" noEditPoints="1" noAdjustHandles="1" noChangeArrowheads="1" noChangeShapeType="1" noTextEdit="1"/>
+                  </p:cNvSpPr>
+                  <p:nvPr/>
+                </p:nvSpPr>
+                <p:spPr>
+                  <a:xfrm>
+                    <a:off x="9412116" y="2828865"/>
+                    <a:ext cx="228460" cy="345159"/>
+                  </a:xfrm>
+                  <a:prstGeom prst="rect">
+                    <a:avLst/>
+                  </a:prstGeom>
+                  <a:blipFill>
+                    <a:blip r:embed="rId2"/>
+                    <a:stretch>
+                      <a:fillRect l="-21622" r="-24324" b="-8929"/>
+                    </a:stretch>
+                  </a:blipFill>
+                </p:spPr>
+                <p:txBody>
+                  <a:bodyPr/>
+                  <a:lstStyle/>
+                  <a:p>
+                    <a:r>
+                      <a:rPr lang="en-US">
+                        <a:noFill/>
+                      </a:rPr>
+                      <a:t> </a:t>
+                    </a:r>
+                  </a:p>
+                </p:txBody>
+              </p:sp>
+            </mc:Fallback>
+          </mc:AlternateContent>
+          <mc:AlternateContent xmlns:mc="http://schemas.openxmlformats.org/markup-compatibility/2006">
+            <mc:Choice xmlns:a14="http://schemas.microsoft.com/office/drawing/2010/main" Requires="a14">
+              <p:sp>
+                <p:nvSpPr>
+                  <p:cNvPr id="18" name="TextBox 17"/>
+                  <p:cNvSpPr txBox="1"/>
+                  <p:nvPr/>
+                </p:nvSpPr>
+                <p:spPr>
+                  <a:xfrm>
+                    <a:off x="10191835" y="2656285"/>
+                    <a:ext cx="264367" cy="345159"/>
+                  </a:xfrm>
+                  <a:prstGeom prst="rect">
+                    <a:avLst/>
+                  </a:prstGeom>
+                  <a:noFill/>
+                </p:spPr>
+                <p:txBody>
+                  <a:bodyPr wrap="none" lIns="0" tIns="0" rIns="0" bIns="0" rtlCol="0">
+                    <a:spAutoFit/>
+                  </a:bodyPr>
+                  <a:lstStyle/>
+                  <a:p>
+                    <a:pPr/>
+                    <a14:m>
+                      <m:oMathPara xmlns:m="http://schemas.openxmlformats.org/officeDocument/2006/math">
+                        <m:oMathParaPr>
+                          <m:jc m:val="centerGroup"/>
+                        </m:oMathParaPr>
+                        <m:oMath xmlns:m="http://schemas.openxmlformats.org/officeDocument/2006/math">
+                          <m:acc>
+                            <m:accPr>
+                              <m:chr m:val="⃗"/>
+                              <m:ctrlPr>
+                                <a:rPr lang="en-US" sz="2000" b="0" i="1" smtClean="0">
+                                  <a:latin typeface="Cambria Math" panose="02040503050406030204" pitchFamily="18" charset="0"/>
+                                  <a:cs typeface="Arial" panose="020B0604020202020204" pitchFamily="34" charset="0"/>
+                                </a:rPr>
+                              </m:ctrlPr>
+                            </m:accPr>
+                            <m:e>
+                              <m:r>
+                                <a:rPr lang="en-US" sz="2000" b="0" i="1" smtClean="0">
+                                  <a:latin typeface="Cambria Math" panose="02040503050406030204" pitchFamily="18" charset="0"/>
+                                  <a:cs typeface="Arial" panose="020B0604020202020204" pitchFamily="34" charset="0"/>
+                                </a:rPr>
+                                <m:t>𝑁</m:t>
+                              </m:r>
+                            </m:e>
+                          </m:acc>
+                        </m:oMath>
+                      </m:oMathPara>
+                    </a14:m>
+                    <a:endParaRPr lang="en-US" sz="2000" dirty="0">
+                      <a:latin typeface="Arial" panose="020B0604020202020204" pitchFamily="34" charset="0"/>
+                      <a:cs typeface="Arial" panose="020B0604020202020204" pitchFamily="34" charset="0"/>
+                    </a:endParaRPr>
+                  </a:p>
+                </p:txBody>
+              </p:sp>
+            </mc:Choice>
+            <mc:Fallback>
+              <p:sp>
+                <p:nvSpPr>
+                  <p:cNvPr id="18" name="TextBox 17"/>
+                  <p:cNvSpPr txBox="1">
+                    <a:spLocks noRot="1" noChangeAspect="1" noMove="1" noResize="1" noEditPoints="1" noAdjustHandles="1" noChangeArrowheads="1" noChangeShapeType="1" noTextEdit="1"/>
+                  </p:cNvSpPr>
+                  <p:nvPr/>
+                </p:nvSpPr>
+                <p:spPr>
+                  <a:xfrm>
+                    <a:off x="10191835" y="2656285"/>
+                    <a:ext cx="264367" cy="345159"/>
+                  </a:xfrm>
+                  <a:prstGeom prst="rect">
+                    <a:avLst/>
+                  </a:prstGeom>
+                  <a:blipFill>
+                    <a:blip r:embed="rId3"/>
+                    <a:stretch>
+                      <a:fillRect l="-20930" r="-18605" b="-8772"/>
+                    </a:stretch>
+                  </a:blipFill>
+                </p:spPr>
+                <p:txBody>
+                  <a:bodyPr/>
+                  <a:lstStyle/>
+                  <a:p>
+                    <a:r>
+                      <a:rPr lang="en-US">
+                        <a:noFill/>
+                      </a:rPr>
+                      <a:t> </a:t>
+                    </a:r>
+                  </a:p>
+                </p:txBody>
+              </p:sp>
+            </mc:Fallback>
+          </mc:AlternateContent>
+          <mc:AlternateContent xmlns:mc="http://schemas.openxmlformats.org/markup-compatibility/2006" xmlns:a14="http://schemas.microsoft.com/office/drawing/2010/main">
+            <mc:Choice Requires="a14">
+              <p:sp>
+                <p:nvSpPr>
+                  <p:cNvPr id="19" name="TextBox 18"/>
+                  <p:cNvSpPr txBox="1"/>
+                  <p:nvPr/>
+                </p:nvSpPr>
+                <p:spPr>
+                  <a:xfrm>
+                    <a:off x="9619569" y="3883778"/>
+                    <a:ext cx="303866" cy="377219"/>
+                  </a:xfrm>
+                  <a:prstGeom prst="rect">
+                    <a:avLst/>
+                  </a:prstGeom>
+                  <a:noFill/>
+                </p:spPr>
+                <p:txBody>
+                  <a:bodyPr wrap="none" lIns="0" tIns="0" rIns="0" bIns="0" rtlCol="0">
+                    <a:spAutoFit/>
+                  </a:bodyPr>
+                  <a:lstStyle/>
+                  <a:p>
+                    <a:pPr/>
+                    <a14:m>
+                      <m:oMathPara xmlns:m="http://schemas.openxmlformats.org/officeDocument/2006/math">
+                        <m:oMathParaPr>
+                          <m:jc m:val="centerGroup"/>
+                        </m:oMathParaPr>
+                        <m:oMath xmlns:m="http://schemas.openxmlformats.org/officeDocument/2006/math">
+                          <m:sSub>
+                            <m:sSubPr>
+                              <m:ctrlPr>
+                                <a:rPr lang="en-US" sz="2000" b="0" i="1" smtClean="0">
+                                  <a:latin typeface="Cambria Math" panose="02040503050406030204" pitchFamily="18" charset="0"/>
+                                  <a:cs typeface="Arial" panose="020B0604020202020204" pitchFamily="34" charset="0"/>
+                                </a:rPr>
+                              </m:ctrlPr>
+                            </m:sSubPr>
+                            <m:e>
+                              <m:acc>
+                                <m:accPr>
+                                  <m:chr m:val="⃗"/>
+                                  <m:ctrlPr>
+                                    <a:rPr lang="en-US" sz="2000" b="0" i="1" smtClean="0">
+                                      <a:latin typeface="Cambria Math" panose="02040503050406030204" pitchFamily="18" charset="0"/>
+                                      <a:cs typeface="Arial" panose="020B0604020202020204" pitchFamily="34" charset="0"/>
+                                    </a:rPr>
+                                  </m:ctrlPr>
+                                </m:accPr>
+                                <m:e>
+                                  <m:r>
+                                    <a:rPr lang="en-US" sz="2000" b="0" i="1" smtClean="0">
+                                      <a:latin typeface="Cambria Math" panose="02040503050406030204" pitchFamily="18" charset="0"/>
+                                      <a:cs typeface="Arial" panose="020B0604020202020204" pitchFamily="34" charset="0"/>
+                                    </a:rPr>
+                                    <m:t>𝐹</m:t>
+                                  </m:r>
+                                </m:e>
+                              </m:acc>
+                            </m:e>
+                            <m:sub>
+                              <m:r>
+                                <a:rPr lang="en-US" sz="2000" b="0" i="1" smtClean="0">
+                                  <a:latin typeface="Cambria Math" panose="02040503050406030204" pitchFamily="18" charset="0"/>
+                                  <a:cs typeface="Arial" panose="020B0604020202020204" pitchFamily="34" charset="0"/>
+                                </a:rPr>
+                                <m:t>𝑔</m:t>
+                              </m:r>
+                            </m:sub>
+                          </m:sSub>
+                        </m:oMath>
+                      </m:oMathPara>
+                    </a14:m>
+                    <a:endParaRPr lang="en-US" sz="2000" dirty="0">
+                      <a:latin typeface="Arial" panose="020B0604020202020204" pitchFamily="34" charset="0"/>
+                      <a:cs typeface="Arial" panose="020B0604020202020204" pitchFamily="34" charset="0"/>
+                    </a:endParaRPr>
+                  </a:p>
+                </p:txBody>
+              </p:sp>
+            </mc:Choice>
+            <mc:Fallback xmlns="">
+              <p:sp>
+                <p:nvSpPr>
+                  <p:cNvPr id="47" name="TextBox 46"/>
+                  <p:cNvSpPr txBox="1">
+                    <a:spLocks noRot="1" noChangeAspect="1" noMove="1" noResize="1" noEditPoints="1" noAdjustHandles="1" noChangeArrowheads="1" noChangeShapeType="1" noTextEdit="1"/>
+                  </p:cNvSpPr>
+                  <p:nvPr/>
+                </p:nvSpPr>
+                <p:spPr>
+                  <a:xfrm>
+                    <a:off x="9619569" y="3883778"/>
+                    <a:ext cx="303866" cy="377219"/>
+                  </a:xfrm>
+                  <a:prstGeom prst="rect">
+                    <a:avLst/>
+                  </a:prstGeom>
+                  <a:blipFill>
+                    <a:blip r:embed="rId42"/>
+                    <a:stretch>
+                      <a:fillRect l="-18000" t="-30645" r="-70000" b="-17742"/>
+                    </a:stretch>
+                  </a:blipFill>
+                </p:spPr>
+                <p:txBody>
+                  <a:bodyPr/>
+                  <a:lstStyle/>
+                  <a:p>
+                    <a:r>
+                      <a:rPr lang="en-US">
+                        <a:noFill/>
+                      </a:rPr>
+                      <a:t> </a:t>
+                    </a:r>
+                  </a:p>
+                </p:txBody>
+              </p:sp>
+            </mc:Fallback>
+          </mc:AlternateContent>
+          <mc:AlternateContent xmlns:mc="http://schemas.openxmlformats.org/markup-compatibility/2006" xmlns:a14="http://schemas.microsoft.com/office/drawing/2010/main">
+            <mc:Choice Requires="a14">
+              <p:sp>
+                <p:nvSpPr>
+                  <p:cNvPr id="20" name="TextBox 19"/>
+                  <p:cNvSpPr txBox="1"/>
+                  <p:nvPr/>
+                </p:nvSpPr>
+                <p:spPr>
+                  <a:xfrm>
+                    <a:off x="9893372" y="4358912"/>
+                    <a:ext cx="289695" cy="307777"/>
+                  </a:xfrm>
+                  <a:prstGeom prst="rect">
+                    <a:avLst/>
+                  </a:prstGeom>
+                  <a:noFill/>
+                </p:spPr>
+                <p:txBody>
+                  <a:bodyPr wrap="none" lIns="0" tIns="0" rIns="0" bIns="0" rtlCol="0">
+                    <a:spAutoFit/>
+                  </a:bodyPr>
+                  <a:lstStyle/>
+                  <a:p>
+                    <a:pPr/>
+                    <a14:m>
+                      <m:oMathPara xmlns:m="http://schemas.openxmlformats.org/officeDocument/2006/math">
+                        <m:oMathParaPr>
+                          <m:jc m:val="centerGroup"/>
+                        </m:oMathParaPr>
+                        <m:oMath xmlns:m="http://schemas.openxmlformats.org/officeDocument/2006/math">
+                          <m:r>
+                            <a:rPr lang="en-US" sz="2000" b="0" i="1" smtClean="0">
+                              <a:latin typeface="Cambria Math" panose="02040503050406030204" pitchFamily="18" charset="0"/>
+                              <a:cs typeface="Arial" panose="020B0604020202020204" pitchFamily="34" charset="0"/>
+                            </a:rPr>
+                            <m:t>𝑚</m:t>
+                          </m:r>
+                        </m:oMath>
+                      </m:oMathPara>
+                    </a14:m>
+                    <a:endParaRPr lang="en-US" sz="2000" dirty="0">
+                      <a:latin typeface="Arial" panose="020B0604020202020204" pitchFamily="34" charset="0"/>
+                      <a:cs typeface="Arial" panose="020B0604020202020204" pitchFamily="34" charset="0"/>
+                    </a:endParaRPr>
+                  </a:p>
+                </p:txBody>
+              </p:sp>
+            </mc:Choice>
+            <mc:Fallback xmlns="">
+              <p:sp>
+                <p:nvSpPr>
+                  <p:cNvPr id="49" name="TextBox 48"/>
+                  <p:cNvSpPr txBox="1">
+                    <a:spLocks noRot="1" noChangeAspect="1" noMove="1" noResize="1" noEditPoints="1" noAdjustHandles="1" noChangeArrowheads="1" noChangeShapeType="1" noTextEdit="1"/>
+                  </p:cNvSpPr>
+                  <p:nvPr/>
+                </p:nvSpPr>
+                <p:spPr>
+                  <a:xfrm>
+                    <a:off x="9893372" y="4358912"/>
+                    <a:ext cx="289695" cy="307777"/>
+                  </a:xfrm>
+                  <a:prstGeom prst="rect">
+                    <a:avLst/>
+                  </a:prstGeom>
+                  <a:blipFill>
+                    <a:blip r:embed="rId43"/>
+                    <a:stretch>
+                      <a:fillRect l="-10638" r="-8511" b="-1961"/>
+                    </a:stretch>
+                  </a:blipFill>
+                </p:spPr>
+                <p:txBody>
+                  <a:bodyPr/>
+                  <a:lstStyle/>
+                  <a:p>
+                    <a:r>
+                      <a:rPr lang="en-US">
+                        <a:noFill/>
+                      </a:rPr>
+                      <a:t> </a:t>
+                    </a:r>
+                  </a:p>
+                </p:txBody>
+              </p:sp>
+            </mc:Fallback>
+          </mc:AlternateContent>
+          <p:sp>
+            <p:nvSpPr>
+              <p:cNvPr id="21" name="Right Arrow 20"/>
+              <p:cNvSpPr/>
+              <p:nvPr/>
+            </p:nvSpPr>
+            <p:spPr>
+              <a:xfrm flipH="1">
+                <a:off x="9625454" y="2274905"/>
+                <a:ext cx="606575" cy="107622"/>
+              </a:xfrm>
+              <a:prstGeom prst="rightArrow">
+                <a:avLst/>
+              </a:prstGeom>
+              <a:solidFill>
+                <a:schemeClr val="tx1"/>
+              </a:solidFill>
+              <a:ln w="38100">
+                <a:solidFill>
+                  <a:schemeClr val="tx1"/>
+                </a:solidFill>
+              </a:ln>
+            </p:spPr>
+            <p:style>
+              <a:lnRef idx="2">
+                <a:schemeClr val="accent1">
+                  <a:shade val="50000"/>
+                </a:schemeClr>
+              </a:lnRef>
+              <a:fillRef idx="1">
+                <a:schemeClr val="accent1"/>
+              </a:fillRef>
+              <a:effectRef idx="0">
+                <a:schemeClr val="accent1"/>
+              </a:effectRef>
+              <a:fontRef idx="minor">
+                <a:schemeClr val="lt1"/>
+              </a:fontRef>
+            </p:style>
+            <p:txBody>
+              <a:bodyPr rtlCol="0" anchor="ctr"/>
+              <a:lstStyle/>
+              <a:p>
+                <a:pPr algn="ctr"/>
+                <a:endParaRPr lang="en-US"/>
+              </a:p>
+            </p:txBody>
+          </p:sp>
+          <mc:AlternateContent xmlns:mc="http://schemas.openxmlformats.org/markup-compatibility/2006">
+            <mc:Choice xmlns:a14="http://schemas.microsoft.com/office/drawing/2010/main" Requires="a14">
+              <p:sp>
+                <p:nvSpPr>
+                  <p:cNvPr id="22" name="TextBox 21"/>
+                  <p:cNvSpPr txBox="1"/>
+                  <p:nvPr/>
+                </p:nvSpPr>
+                <p:spPr>
+                  <a:xfrm>
+                    <a:off x="9893372" y="1940914"/>
+                    <a:ext cx="352917" cy="307777"/>
+                  </a:xfrm>
+                  <a:prstGeom prst="rect">
+                    <a:avLst/>
+                  </a:prstGeom>
+                  <a:noFill/>
+                </p:spPr>
+                <p:txBody>
+                  <a:bodyPr wrap="none" lIns="0" tIns="0" rIns="0" bIns="0" rtlCol="0">
+                    <a:spAutoFit/>
+                  </a:bodyPr>
+                  <a:lstStyle/>
+                  <a:p>
+                    <a:pPr/>
+                    <a14:m>
+                      <m:oMathPara xmlns:m="http://schemas.openxmlformats.org/officeDocument/2006/math">
+                        <m:oMathParaPr>
+                          <m:jc m:val="centerGroup"/>
+                        </m:oMathParaPr>
+                        <m:oMath xmlns:m="http://schemas.openxmlformats.org/officeDocument/2006/math">
+                          <m:sSub>
+                            <m:sSubPr>
+                              <m:ctrlPr>
+                                <a:rPr lang="en-US" sz="2000" b="0" i="1" smtClean="0">
+                                  <a:latin typeface="Cambria Math" panose="02040503050406030204" pitchFamily="18" charset="0"/>
+                                  <a:cs typeface="Arial" panose="020B0604020202020204" pitchFamily="34" charset="0"/>
+                                </a:rPr>
+                              </m:ctrlPr>
+                            </m:sSubPr>
+                            <m:e>
+                              <m:acc>
+                                <m:accPr>
+                                  <m:chr m:val="⃗"/>
+                                  <m:ctrlPr>
+                                    <a:rPr lang="en-US" sz="2000" b="0" i="1" smtClean="0">
+                                      <a:latin typeface="Cambria Math" panose="02040503050406030204" pitchFamily="18" charset="0"/>
+                                      <a:cs typeface="Arial" panose="020B0604020202020204" pitchFamily="34" charset="0"/>
+                                    </a:rPr>
+                                  </m:ctrlPr>
+                                </m:accPr>
+                                <m:e>
+                                  <m:r>
+                                    <a:rPr lang="en-US" sz="2000" b="0" i="1" smtClean="0">
+                                      <a:latin typeface="Cambria Math" panose="02040503050406030204" pitchFamily="18" charset="0"/>
+                                      <a:cs typeface="Arial" panose="020B0604020202020204" pitchFamily="34" charset="0"/>
+                                    </a:rPr>
+                                    <m:t>𝑎</m:t>
+                                  </m:r>
+                                </m:e>
+                              </m:acc>
+                            </m:e>
+                            <m:sub>
+                              <m:r>
+                                <a:rPr lang="en-US" sz="2000" b="0" i="1" smtClean="0">
+                                  <a:latin typeface="Cambria Math" panose="02040503050406030204" pitchFamily="18" charset="0"/>
+                                  <a:cs typeface="Arial" panose="020B0604020202020204" pitchFamily="34" charset="0"/>
+                                </a:rPr>
+                                <m:t>𝑅</m:t>
+                              </m:r>
+                            </m:sub>
+                          </m:sSub>
+                        </m:oMath>
+                      </m:oMathPara>
+                    </a14:m>
+                    <a:endParaRPr lang="en-US" sz="2000" dirty="0">
+                      <a:latin typeface="Arial" panose="020B0604020202020204" pitchFamily="34" charset="0"/>
+                      <a:cs typeface="Arial" panose="020B0604020202020204" pitchFamily="34" charset="0"/>
+                    </a:endParaRPr>
+                  </a:p>
+                </p:txBody>
+              </p:sp>
+            </mc:Choice>
+            <mc:Fallback>
+              <p:sp>
+                <p:nvSpPr>
+                  <p:cNvPr id="22" name="TextBox 21"/>
+                  <p:cNvSpPr txBox="1">
+                    <a:spLocks noRot="1" noChangeAspect="1" noMove="1" noResize="1" noEditPoints="1" noAdjustHandles="1" noChangeArrowheads="1" noChangeShapeType="1" noTextEdit="1"/>
+                  </p:cNvSpPr>
+                  <p:nvPr/>
+                </p:nvSpPr>
+                <p:spPr>
+                  <a:xfrm>
+                    <a:off x="9893372" y="1940914"/>
+                    <a:ext cx="352917" cy="307777"/>
+                  </a:xfrm>
+                  <a:prstGeom prst="rect">
+                    <a:avLst/>
+                  </a:prstGeom>
+                  <a:blipFill>
+                    <a:blip r:embed="rId44"/>
+                    <a:stretch>
+                      <a:fillRect l="-13793" t="-33333" r="-56897" b="-19608"/>
+                    </a:stretch>
+                  </a:blipFill>
+                </p:spPr>
+                <p:txBody>
+                  <a:bodyPr/>
+                  <a:lstStyle/>
+                  <a:p>
+                    <a:r>
+                      <a:rPr lang="en-US">
+                        <a:noFill/>
+                      </a:rPr>
+                      <a:t> </a:t>
+                    </a:r>
+                  </a:p>
+                </p:txBody>
+              </p:sp>
+            </mc:Fallback>
+          </mc:AlternateContent>
+          <p:grpSp>
+            <p:nvGrpSpPr>
+              <p:cNvPr id="23" name="Group 22"/>
+              <p:cNvGrpSpPr/>
+              <p:nvPr/>
+            </p:nvGrpSpPr>
+            <p:grpSpPr>
+              <a:xfrm rot="21415886">
+                <a:off x="8558589" y="4017294"/>
+                <a:ext cx="903735" cy="980812"/>
+                <a:chOff x="-195155" y="509392"/>
+                <a:chExt cx="2610391" cy="2950201"/>
+              </a:xfrm>
+            </p:grpSpPr>
+            <p:grpSp>
+              <p:nvGrpSpPr>
+                <p:cNvPr id="24" name="Group 23"/>
+                <p:cNvGrpSpPr/>
+                <p:nvPr/>
+              </p:nvGrpSpPr>
+              <p:grpSpPr>
+                <a:xfrm>
+                  <a:off x="-195155" y="509392"/>
+                  <a:ext cx="2610391" cy="2950201"/>
+                  <a:chOff x="-167860" y="482096"/>
+                  <a:chExt cx="2610391" cy="2950201"/>
+                </a:xfrm>
+              </p:grpSpPr>
+              <p:cxnSp>
+                <p:nvCxnSpPr>
+                  <p:cNvPr id="26" name="Straight Arrow Connector 25"/>
+                  <p:cNvCxnSpPr/>
+                  <p:nvPr/>
+                </p:nvCxnSpPr>
+                <p:spPr>
+                  <a:xfrm rot="184114" flipH="1" flipV="1">
+                    <a:off x="1547188" y="664938"/>
+                    <a:ext cx="17631" cy="1876197"/>
+                  </a:xfrm>
+                  <a:prstGeom prst="straightConnector1">
+                    <a:avLst/>
+                  </a:prstGeom>
+                  <a:ln w="38100">
+                    <a:solidFill>
+                      <a:schemeClr val="tx1"/>
+                    </a:solidFill>
+                    <a:tailEnd type="triangle"/>
+                  </a:ln>
+                </p:spPr>
+                <p:style>
+                  <a:lnRef idx="1">
+                    <a:schemeClr val="accent1"/>
+                  </a:lnRef>
+                  <a:fillRef idx="0">
+                    <a:schemeClr val="accent1"/>
+                  </a:fillRef>
+                  <a:effectRef idx="0">
+                    <a:schemeClr val="accent1"/>
+                  </a:effectRef>
+                  <a:fontRef idx="minor">
+                    <a:schemeClr val="tx1"/>
+                  </a:fontRef>
+                </p:style>
+              </p:cxnSp>
+              <p:cxnSp>
+                <p:nvCxnSpPr>
+                  <p:cNvPr id="27" name="Straight Arrow Connector 26"/>
+                  <p:cNvCxnSpPr/>
+                  <p:nvPr/>
+                </p:nvCxnSpPr>
+                <p:spPr>
+                  <a:xfrm rot="184114" flipH="1">
+                    <a:off x="-167860" y="2488544"/>
+                    <a:ext cx="1675960" cy="4479"/>
+                  </a:xfrm>
+                  <a:prstGeom prst="straightConnector1">
+                    <a:avLst/>
+                  </a:prstGeom>
+                  <a:ln w="38100">
+                    <a:solidFill>
+                      <a:schemeClr val="tx1"/>
+                    </a:solidFill>
+                    <a:tailEnd type="triangle"/>
+                  </a:ln>
+                </p:spPr>
+                <p:style>
+                  <a:lnRef idx="1">
+                    <a:schemeClr val="accent1"/>
+                  </a:lnRef>
+                  <a:fillRef idx="0">
+                    <a:schemeClr val="accent1"/>
+                  </a:fillRef>
+                  <a:effectRef idx="0">
+                    <a:schemeClr val="accent1"/>
+                  </a:effectRef>
+                  <a:fontRef idx="minor">
+                    <a:schemeClr val="tx1"/>
+                  </a:fontRef>
+                </p:style>
+              </p:cxnSp>
+              <mc:AlternateContent xmlns:mc="http://schemas.openxmlformats.org/markup-compatibility/2006">
+                <mc:Choice xmlns:a14="http://schemas.microsoft.com/office/drawing/2010/main" Requires="a14">
+                  <p:sp>
+                    <p:nvSpPr>
+                      <p:cNvPr id="28" name="Rectangle 27"/>
+                      <p:cNvSpPr/>
+                      <p:nvPr/>
+                    </p:nvSpPr>
+                    <p:spPr>
+                      <a:xfrm>
+                        <a:off x="-159544" y="2321377"/>
+                        <a:ext cx="1010837" cy="1110920"/>
+                      </a:xfrm>
+                      <a:prstGeom prst="rect">
+                        <a:avLst/>
+                      </a:prstGeom>
+                    </p:spPr>
+                    <p:txBody>
+                      <a:bodyPr wrap="square">
+                        <a:spAutoFit/>
+                      </a:bodyPr>
+                      <a:lstStyle/>
+                      <a:p>
+                        <a:pPr/>
+                        <a14:m>
+                          <m:oMathPara xmlns:m="http://schemas.openxmlformats.org/officeDocument/2006/math">
+                            <m:oMathParaPr>
+                              <m:jc m:val="centerGroup"/>
+                            </m:oMathParaPr>
+                            <m:oMath xmlns:m="http://schemas.openxmlformats.org/officeDocument/2006/math">
+                              <m:r>
+                                <a:rPr lang="en-US" i="1">
+                                  <a:latin typeface="Cambria Math" panose="02040503050406030204" pitchFamily="18" charset="0"/>
+                                  <a:cs typeface="Arial" panose="020B0604020202020204" pitchFamily="34" charset="0"/>
+                                </a:rPr>
+                                <m:t>𝑥</m:t>
+                              </m:r>
+                            </m:oMath>
+                          </m:oMathPara>
+                        </a14:m>
+                        <a:endParaRPr lang="en-CA" dirty="0"/>
+                      </a:p>
+                    </p:txBody>
+                  </p:sp>
+                </mc:Choice>
+                <mc:Fallback>
+                  <p:sp>
+                    <p:nvSpPr>
+                      <p:cNvPr id="28" name="Rectangle 27"/>
+                      <p:cNvSpPr>
+                        <a:spLocks noRot="1" noChangeAspect="1" noMove="1" noResize="1" noEditPoints="1" noAdjustHandles="1" noChangeArrowheads="1" noChangeShapeType="1" noTextEdit="1"/>
+                      </p:cNvSpPr>
+                      <p:nvPr/>
+                    </p:nvSpPr>
+                    <p:spPr>
+                      <a:xfrm>
+                        <a:off x="-159544" y="2321377"/>
+                        <a:ext cx="1010837" cy="1110920"/>
+                      </a:xfrm>
+                      <a:prstGeom prst="rect">
+                        <a:avLst/>
+                      </a:prstGeom>
+                      <a:blipFill>
+                        <a:blip r:embed="rId45"/>
+                        <a:stretch>
+                          <a:fillRect/>
+                        </a:stretch>
+                      </a:blipFill>
+                    </p:spPr>
+                    <p:txBody>
+                      <a:bodyPr/>
+                      <a:lstStyle/>
+                      <a:p>
+                        <a:r>
+                          <a:rPr lang="en-US">
+                            <a:noFill/>
+                          </a:rPr>
+                          <a:t> </a:t>
+                        </a:r>
+                      </a:p>
+                    </p:txBody>
+                  </p:sp>
+                </mc:Fallback>
+              </mc:AlternateContent>
+              <mc:AlternateContent xmlns:mc="http://schemas.openxmlformats.org/markup-compatibility/2006">
+                <mc:Choice xmlns:a14="http://schemas.microsoft.com/office/drawing/2010/main" Requires="a14">
+                  <p:sp>
+                    <p:nvSpPr>
+                      <p:cNvPr id="29" name="Rectangle 28"/>
+                      <p:cNvSpPr/>
+                      <p:nvPr/>
+                    </p:nvSpPr>
+                    <p:spPr>
+                      <a:xfrm>
+                        <a:off x="1671664" y="482096"/>
+                        <a:ext cx="658647" cy="1110920"/>
+                      </a:xfrm>
+                      <a:prstGeom prst="rect">
+                        <a:avLst/>
+                      </a:prstGeom>
+                    </p:spPr>
+                    <p:txBody>
+                      <a:bodyPr wrap="square">
+                        <a:spAutoFit/>
+                      </a:bodyPr>
+                      <a:lstStyle/>
+                      <a:p>
+                        <a:pPr/>
+                        <a14:m>
+                          <m:oMathPara xmlns:m="http://schemas.openxmlformats.org/officeDocument/2006/math">
+                            <m:oMathParaPr>
+                              <m:jc m:val="centerGroup"/>
+                            </m:oMathParaPr>
+                            <m:oMath xmlns:m="http://schemas.openxmlformats.org/officeDocument/2006/math">
+                              <m:r>
+                                <a:rPr lang="en-US" b="0" i="1" smtClean="0">
+                                  <a:latin typeface="Cambria Math" panose="02040503050406030204" pitchFamily="18" charset="0"/>
+                                </a:rPr>
+                                <m:t>𝑦</m:t>
+                              </m:r>
+                            </m:oMath>
+                          </m:oMathPara>
+                        </a14:m>
+                        <a:endParaRPr lang="en-CA" dirty="0"/>
+                      </a:p>
+                    </p:txBody>
+                  </p:sp>
+                </mc:Choice>
+                <mc:Fallback>
+                  <p:sp>
+                    <p:nvSpPr>
+                      <p:cNvPr id="29" name="Rectangle 28"/>
+                      <p:cNvSpPr>
+                        <a:spLocks noRot="1" noChangeAspect="1" noMove="1" noResize="1" noEditPoints="1" noAdjustHandles="1" noChangeArrowheads="1" noChangeShapeType="1" noTextEdit="1"/>
+                      </p:cNvSpPr>
+                      <p:nvPr/>
+                    </p:nvSpPr>
+                    <p:spPr>
+                      <a:xfrm>
+                        <a:off x="1671664" y="482096"/>
+                        <a:ext cx="658647" cy="1110920"/>
+                      </a:xfrm>
+                      <a:prstGeom prst="rect">
+                        <a:avLst/>
+                      </a:prstGeom>
+                      <a:blipFill>
+                        <a:blip r:embed="rId46"/>
+                        <a:stretch>
+                          <a:fillRect r="-29268" b="-4762"/>
+                        </a:stretch>
+                      </a:blipFill>
+                    </p:spPr>
+                    <p:txBody>
+                      <a:bodyPr/>
+                      <a:lstStyle/>
+                      <a:p>
+                        <a:r>
+                          <a:rPr lang="en-US">
+                            <a:noFill/>
+                          </a:rPr>
+                          <a:t> </a:t>
+                        </a:r>
+                      </a:p>
+                    </p:txBody>
+                  </p:sp>
+                </mc:Fallback>
+              </mc:AlternateContent>
+              <mc:AlternateContent xmlns:mc="http://schemas.openxmlformats.org/markup-compatibility/2006">
+                <mc:Choice xmlns:a14="http://schemas.microsoft.com/office/drawing/2010/main" Requires="a14">
+                  <p:sp>
+                    <p:nvSpPr>
+                      <p:cNvPr id="30" name="Rectangle 29"/>
+                      <p:cNvSpPr/>
+                      <p:nvPr/>
+                    </p:nvSpPr>
+                    <p:spPr>
+                      <a:xfrm>
+                        <a:off x="1325751" y="2271021"/>
+                        <a:ext cx="1116780" cy="1110919"/>
+                      </a:xfrm>
+                      <a:prstGeom prst="rect">
+                        <a:avLst/>
+                      </a:prstGeom>
+                    </p:spPr>
+                    <p:txBody>
+                      <a:bodyPr wrap="square">
+                        <a:spAutoFit/>
+                      </a:bodyPr>
+                      <a:lstStyle/>
+                      <a:p>
+                        <a:pPr/>
+                        <a14:m>
+                          <m:oMathPara xmlns:m="http://schemas.openxmlformats.org/officeDocument/2006/math">
+                            <m:oMathParaPr>
+                              <m:jc m:val="centerGroup"/>
+                            </m:oMathParaPr>
+                            <m:oMath xmlns:m="http://schemas.openxmlformats.org/officeDocument/2006/math">
+                              <m:r>
+                                <a:rPr lang="en-US" b="0" i="1" smtClean="0">
+                                  <a:latin typeface="Cambria Math" panose="02040503050406030204" pitchFamily="18" charset="0"/>
+                                  <a:cs typeface="Arial" panose="020B0604020202020204" pitchFamily="34" charset="0"/>
+                                </a:rPr>
+                                <m:t>0</m:t>
+                              </m:r>
+                            </m:oMath>
+                          </m:oMathPara>
+                        </a14:m>
+                        <a:endParaRPr lang="en-CA" dirty="0"/>
+                      </a:p>
+                    </p:txBody>
+                  </p:sp>
+                </mc:Choice>
+                <mc:Fallback>
+                  <p:sp>
+                    <p:nvSpPr>
+                      <p:cNvPr id="30" name="Rectangle 29"/>
+                      <p:cNvSpPr>
+                        <a:spLocks noRot="1" noChangeAspect="1" noMove="1" noResize="1" noEditPoints="1" noAdjustHandles="1" noChangeArrowheads="1" noChangeShapeType="1" noTextEdit="1"/>
+                      </p:cNvSpPr>
+                      <p:nvPr/>
+                    </p:nvSpPr>
+                    <p:spPr>
+                      <a:xfrm>
+                        <a:off x="1325751" y="2271021"/>
+                        <a:ext cx="1116780" cy="1110919"/>
+                      </a:xfrm>
+                      <a:prstGeom prst="rect">
+                        <a:avLst/>
+                      </a:prstGeom>
+                      <a:blipFill>
+                        <a:blip r:embed="rId47"/>
+                        <a:stretch>
+                          <a:fillRect/>
+                        </a:stretch>
+                      </a:blipFill>
+                    </p:spPr>
+                    <p:txBody>
+                      <a:bodyPr/>
+                      <a:lstStyle/>
+                      <a:p>
+                        <a:r>
+                          <a:rPr lang="en-US">
+                            <a:noFill/>
+                          </a:rPr>
+                          <a:t> </a:t>
+                        </a:r>
+                      </a:p>
+                    </p:txBody>
+                  </p:sp>
+                </mc:Fallback>
+              </mc:AlternateContent>
+            </p:grpSp>
+            <p:sp>
+              <p:nvSpPr>
+                <p:cNvPr id="25" name="Rectangle 24"/>
+                <p:cNvSpPr/>
+                <p:nvPr/>
+              </p:nvSpPr>
+              <p:spPr>
+                <a:xfrm>
+                  <a:off x="1129904" y="1614682"/>
+                  <a:ext cx="184731" cy="369332"/>
+                </a:xfrm>
+                <a:prstGeom prst="rect">
+                  <a:avLst/>
+                </a:prstGeom>
+              </p:spPr>
+              <p:txBody>
+                <a:bodyPr wrap="none">
+                  <a:spAutoFit/>
+                </a:bodyPr>
+                <a:lstStyle/>
+                <a:p>
+                  <a:endParaRPr lang="en-CA" dirty="0"/>
+                </a:p>
+              </p:txBody>
+            </p:sp>
+          </p:grpSp>
+        </p:grpSp>
+        <mc:AlternateContent xmlns:mc="http://schemas.openxmlformats.org/markup-compatibility/2006">
+          <mc:Choice xmlns:a14="http://schemas.microsoft.com/office/drawing/2010/main" Requires="a14">
+            <p:sp>
+              <p:nvSpPr>
+                <p:cNvPr id="32" name="TextBox 31"/>
+                <p:cNvSpPr txBox="1"/>
+                <p:nvPr/>
+              </p:nvSpPr>
+              <p:spPr>
+                <a:xfrm>
+                  <a:off x="9507759" y="4550802"/>
+                  <a:ext cx="1170513" cy="307777"/>
+                </a:xfrm>
+                <a:prstGeom prst="rect">
+                  <a:avLst/>
+                </a:prstGeom>
+                <a:noFill/>
+              </p:spPr>
+              <p:txBody>
+                <a:bodyPr wrap="none" lIns="0" tIns="0" rIns="0" bIns="0" rtlCol="0">
+                  <a:spAutoFit/>
+                </a:bodyPr>
+                <a:lstStyle/>
+                <a:p>
+                  <a14:m>
+                    <m:oMathPara xmlns:m="http://schemas.openxmlformats.org/officeDocument/2006/math">
+                      <m:oMathParaPr>
+                        <m:jc m:val="centerGroup"/>
+                      </m:oMathParaPr>
+                      <m:oMath xmlns:m="http://schemas.openxmlformats.org/officeDocument/2006/math">
+                        <m:r>
+                          <a:rPr lang="en-US" sz="2000" b="0" i="1" smtClean="0">
+                            <a:latin typeface="Cambria Math" panose="02040503050406030204" pitchFamily="18" charset="0"/>
+                            <a:cs typeface="Arial" panose="020B0604020202020204" pitchFamily="34" charset="0"/>
+                          </a:rPr>
+                          <m:t>𝑆𝑖𝑑𝑒</m:t>
+                        </m:r>
+                        <m:r>
+                          <a:rPr lang="en-US" sz="2000" b="0" i="1" smtClean="0">
+                            <a:latin typeface="Cambria Math" panose="02040503050406030204" pitchFamily="18" charset="0"/>
+                            <a:cs typeface="Arial" panose="020B0604020202020204" pitchFamily="34" charset="0"/>
+                          </a:rPr>
+                          <m:t> </m:t>
+                        </m:r>
+                        <m:r>
+                          <a:rPr lang="en-US" sz="2000" b="0" i="1" smtClean="0">
+                            <a:latin typeface="Cambria Math" panose="02040503050406030204" pitchFamily="18" charset="0"/>
+                            <a:cs typeface="Arial" panose="020B0604020202020204" pitchFamily="34" charset="0"/>
+                          </a:rPr>
+                          <m:t>𝑣𝑖𝑒𝑤</m:t>
+                        </m:r>
+                      </m:oMath>
+                    </m:oMathPara>
+                  </a14:m>
+                  <a:endParaRPr lang="en-US" sz="2000" dirty="0" smtClean="0">
+                    <a:latin typeface="Arial" panose="020B0604020202020204" pitchFamily="34" charset="0"/>
+                    <a:cs typeface="Arial" panose="020B0604020202020204" pitchFamily="34" charset="0"/>
+                  </a:endParaRPr>
+                </a:p>
+              </p:txBody>
+            </p:sp>
+          </mc:Choice>
+          <mc:Fallback>
+            <p:sp>
+              <p:nvSpPr>
+                <p:cNvPr id="32" name="TextBox 31"/>
+                <p:cNvSpPr txBox="1">
+                  <a:spLocks noRot="1" noChangeAspect="1" noMove="1" noResize="1" noEditPoints="1" noAdjustHandles="1" noChangeArrowheads="1" noChangeShapeType="1" noTextEdit="1"/>
+                </p:cNvSpPr>
+                <p:nvPr/>
+              </p:nvSpPr>
+              <p:spPr>
+                <a:xfrm>
+                  <a:off x="9507759" y="4550802"/>
+                  <a:ext cx="1170513" cy="307777"/>
+                </a:xfrm>
+                <a:prstGeom prst="rect">
+                  <a:avLst/>
+                </a:prstGeom>
+                <a:blipFill>
+                  <a:blip r:embed="rId48"/>
+                  <a:stretch>
+                    <a:fillRect l="-4167" r="-4167" b="-9804"/>
+                  </a:stretch>
+                </a:blipFill>
+              </p:spPr>
+              <p:txBody>
+                <a:bodyPr/>
+                <a:lstStyle/>
+                <a:p>
+                  <a:r>
+                    <a:rPr lang="en-US">
+                      <a:noFill/>
+                    </a:rPr>
+                    <a:t> </a:t>
+                  </a:r>
+                </a:p>
+              </p:txBody>
+            </p:sp>
+          </mc:Fallback>
+        </mc:AlternateContent>
+      </p:grpSp>
+      <p:grpSp>
+        <p:nvGrpSpPr>
+          <p:cNvPr id="46" name="Group 45"/>
+          <p:cNvGrpSpPr/>
+          <p:nvPr/>
+        </p:nvGrpSpPr>
+        <p:grpSpPr>
+          <a:xfrm>
+            <a:off x="635619" y="427852"/>
+            <a:ext cx="2776653" cy="2922738"/>
+            <a:chOff x="635619" y="427852"/>
+            <a:chExt cx="2776653" cy="2922738"/>
+          </a:xfrm>
+        </p:grpSpPr>
+        <p:grpSp>
+          <p:nvGrpSpPr>
+            <p:cNvPr id="11" name="Group 10"/>
+            <p:cNvGrpSpPr/>
+            <p:nvPr/>
+          </p:nvGrpSpPr>
+          <p:grpSpPr>
+            <a:xfrm>
+              <a:off x="635619" y="427852"/>
+              <a:ext cx="2776653" cy="2922738"/>
+              <a:chOff x="1694985" y="1694985"/>
+              <a:chExt cx="2776653" cy="2922738"/>
+            </a:xfrm>
+          </p:grpSpPr>
+          <p:sp>
+            <p:nvSpPr>
+              <p:cNvPr id="6" name="Oval 5"/>
+              <p:cNvSpPr/>
+              <p:nvPr/>
+            </p:nvSpPr>
+            <p:spPr>
+              <a:xfrm>
+                <a:off x="1694985" y="1694985"/>
+                <a:ext cx="2642839" cy="2486722"/>
+              </a:xfrm>
+              <a:prstGeom prst="ellipse">
+                <a:avLst/>
+              </a:prstGeom>
+              <a:noFill/>
+              <a:ln w="38100">
+                <a:solidFill>
+                  <a:schemeClr val="tx1"/>
+                </a:solidFill>
+                <a:prstDash val="dash"/>
+              </a:ln>
+            </p:spPr>
+            <p:style>
+              <a:lnRef idx="2">
+                <a:schemeClr val="accent1">
+                  <a:shade val="50000"/>
+                </a:schemeClr>
+              </a:lnRef>
+              <a:fillRef idx="1">
+                <a:schemeClr val="accent1"/>
+              </a:fillRef>
+              <a:effectRef idx="0">
+                <a:schemeClr val="accent1"/>
+              </a:effectRef>
+              <a:fontRef idx="minor">
+                <a:schemeClr val="lt1"/>
+              </a:fontRef>
+            </p:style>
+            <p:txBody>
+              <a:bodyPr rtlCol="0" anchor="ctr"/>
+              <a:lstStyle/>
+              <a:p>
+                <a:pPr algn="ctr"/>
+                <a:endParaRPr lang="en-US"/>
+              </a:p>
+            </p:txBody>
+          </p:sp>
+          <p:sp>
+            <p:nvSpPr>
+              <p:cNvPr id="5" name="Rectangle 4"/>
+              <p:cNvSpPr/>
+              <p:nvPr/>
+            </p:nvSpPr>
+            <p:spPr>
+              <a:xfrm>
+                <a:off x="4204009" y="2810107"/>
+                <a:ext cx="267629" cy="256478"/>
+              </a:xfrm>
+              <a:prstGeom prst="rect">
+                <a:avLst/>
+              </a:prstGeom>
+              <a:solidFill>
+                <a:schemeClr val="bg2">
+                  <a:lumMod val="90000"/>
+                </a:schemeClr>
+              </a:solidFill>
+              <a:ln w="38100">
+                <a:solidFill>
+                  <a:schemeClr val="tx1"/>
+                </a:solidFill>
+              </a:ln>
+            </p:spPr>
+            <p:style>
+              <a:lnRef idx="2">
+                <a:schemeClr val="accent1">
+                  <a:shade val="50000"/>
+                </a:schemeClr>
+              </a:lnRef>
+              <a:fillRef idx="1">
+                <a:schemeClr val="accent1"/>
+              </a:fillRef>
+              <a:effectRef idx="0">
+                <a:schemeClr val="accent1"/>
+              </a:effectRef>
+              <a:fontRef idx="minor">
+                <a:schemeClr val="lt1"/>
+              </a:fontRef>
+            </p:style>
+            <p:txBody>
+              <a:bodyPr rtlCol="0" anchor="ctr"/>
+              <a:lstStyle/>
+              <a:p>
+                <a:pPr algn="ctr"/>
+                <a:endParaRPr lang="en-US"/>
+              </a:p>
+            </p:txBody>
+          </p:sp>
+          <p:cxnSp>
+            <p:nvCxnSpPr>
+              <p:cNvPr id="8" name="Straight Connector 7"/>
+              <p:cNvCxnSpPr>
+                <a:stCxn id="5" idx="1"/>
+              </p:cNvCxnSpPr>
+              <p:nvPr/>
+            </p:nvCxnSpPr>
+            <p:spPr>
+              <a:xfrm flipH="1">
+                <a:off x="3016404" y="2938346"/>
+                <a:ext cx="1187605" cy="0"/>
+              </a:xfrm>
+              <a:prstGeom prst="line">
+                <a:avLst/>
+              </a:prstGeom>
+              <a:ln w="38100">
+                <a:solidFill>
+                  <a:schemeClr val="tx1"/>
+                </a:solidFill>
+              </a:ln>
+            </p:spPr>
+            <p:style>
+              <a:lnRef idx="1">
+                <a:schemeClr val="accent1"/>
+              </a:lnRef>
+              <a:fillRef idx="0">
+                <a:schemeClr val="accent1"/>
+              </a:fillRef>
+              <a:effectRef idx="0">
+                <a:schemeClr val="accent1"/>
+              </a:effectRef>
+              <a:fontRef idx="minor">
+                <a:schemeClr val="tx1"/>
+              </a:fontRef>
+            </p:style>
+          </p:cxnSp>
+          <p:sp>
+            <p:nvSpPr>
+              <p:cNvPr id="9" name="Oval 8"/>
+              <p:cNvSpPr/>
+              <p:nvPr/>
+            </p:nvSpPr>
+            <p:spPr>
+              <a:xfrm>
+                <a:off x="2944781" y="2880624"/>
+                <a:ext cx="120943" cy="119766"/>
+              </a:xfrm>
+              <a:prstGeom prst="ellipse">
+                <a:avLst/>
+              </a:prstGeom>
+              <a:solidFill>
+                <a:schemeClr val="tx1"/>
+              </a:solidFill>
+              <a:ln w="38100">
+                <a:solidFill>
+                  <a:schemeClr val="tx1"/>
+                </a:solidFill>
+              </a:ln>
+            </p:spPr>
+            <p:style>
+              <a:lnRef idx="2">
+                <a:schemeClr val="accent1">
+                  <a:shade val="50000"/>
+                </a:schemeClr>
+              </a:lnRef>
+              <a:fillRef idx="1">
+                <a:schemeClr val="accent1"/>
+              </a:fillRef>
+              <a:effectRef idx="0">
+                <a:schemeClr val="accent1"/>
+              </a:effectRef>
+              <a:fontRef idx="minor">
+                <a:schemeClr val="lt1"/>
+              </a:fontRef>
+            </p:style>
+            <p:txBody>
+              <a:bodyPr rtlCol="0" anchor="ctr"/>
+              <a:lstStyle/>
+              <a:p>
+                <a:pPr algn="ctr"/>
+                <a:endParaRPr lang="en-US"/>
+              </a:p>
+            </p:txBody>
+          </p:sp>
+          <mc:AlternateContent xmlns:mc="http://schemas.openxmlformats.org/markup-compatibility/2006">
+            <mc:Choice xmlns:a14="http://schemas.microsoft.com/office/drawing/2010/main" Requires="a14">
+              <p:sp>
+                <p:nvSpPr>
+                  <p:cNvPr id="10" name="TextBox 9"/>
+                  <p:cNvSpPr txBox="1"/>
+                  <p:nvPr/>
+                </p:nvSpPr>
+                <p:spPr>
+                  <a:xfrm>
+                    <a:off x="2392033" y="4309946"/>
+                    <a:ext cx="1105495" cy="307777"/>
+                  </a:xfrm>
+                  <a:prstGeom prst="rect">
+                    <a:avLst/>
+                  </a:prstGeom>
+                  <a:noFill/>
+                </p:spPr>
+                <p:txBody>
+                  <a:bodyPr wrap="none" lIns="0" tIns="0" rIns="0" bIns="0" rtlCol="0">
+                    <a:spAutoFit/>
+                  </a:bodyPr>
+                  <a:lstStyle/>
+                  <a:p>
+                    <a14:m>
+                      <m:oMathPara xmlns:m="http://schemas.openxmlformats.org/officeDocument/2006/math">
+                        <m:oMathParaPr>
+                          <m:jc m:val="centerGroup"/>
+                        </m:oMathParaPr>
+                        <m:oMath xmlns:m="http://schemas.openxmlformats.org/officeDocument/2006/math">
+                          <m:r>
+                            <a:rPr lang="en-US" sz="2000" b="0" i="1" smtClean="0">
+                              <a:latin typeface="Cambria Math" panose="02040503050406030204" pitchFamily="18" charset="0"/>
+                              <a:cs typeface="Arial" panose="020B0604020202020204" pitchFamily="34" charset="0"/>
+                            </a:rPr>
+                            <m:t>𝑇𝑜𝑝</m:t>
+                          </m:r>
+                          <m:r>
+                            <a:rPr lang="en-US" sz="2000" b="0" i="1" smtClean="0">
+                              <a:latin typeface="Cambria Math" panose="02040503050406030204" pitchFamily="18" charset="0"/>
+                              <a:cs typeface="Arial" panose="020B0604020202020204" pitchFamily="34" charset="0"/>
+                            </a:rPr>
+                            <m:t> </m:t>
+                          </m:r>
+                          <m:r>
+                            <a:rPr lang="en-US" sz="2000" b="0" i="1" smtClean="0">
+                              <a:latin typeface="Cambria Math" panose="02040503050406030204" pitchFamily="18" charset="0"/>
+                              <a:cs typeface="Arial" panose="020B0604020202020204" pitchFamily="34" charset="0"/>
+                            </a:rPr>
+                            <m:t>𝑣𝑖𝑒𝑤</m:t>
+                          </m:r>
+                        </m:oMath>
+                      </m:oMathPara>
+                    </a14:m>
+                    <a:endParaRPr lang="en-US" sz="2000" dirty="0" smtClean="0">
+                      <a:latin typeface="Arial" panose="020B0604020202020204" pitchFamily="34" charset="0"/>
+                      <a:cs typeface="Arial" panose="020B0604020202020204" pitchFamily="34" charset="0"/>
+                    </a:endParaRPr>
+                  </a:p>
+                </p:txBody>
+              </p:sp>
+            </mc:Choice>
+            <mc:Fallback>
+              <p:sp>
+                <p:nvSpPr>
+                  <p:cNvPr id="10" name="TextBox 9"/>
+                  <p:cNvSpPr txBox="1">
+                    <a:spLocks noRot="1" noChangeAspect="1" noMove="1" noResize="1" noEditPoints="1" noAdjustHandles="1" noChangeArrowheads="1" noChangeShapeType="1" noTextEdit="1"/>
+                  </p:cNvSpPr>
+                  <p:nvPr/>
+                </p:nvSpPr>
+                <p:spPr>
+                  <a:xfrm>
+                    <a:off x="2392033" y="4309946"/>
+                    <a:ext cx="1105495" cy="307777"/>
+                  </a:xfrm>
+                  <a:prstGeom prst="rect">
+                    <a:avLst/>
+                  </a:prstGeom>
+                  <a:blipFill>
+                    <a:blip r:embed="rId49"/>
+                    <a:stretch>
+                      <a:fillRect l="-6630" r="-3867" b="-35294"/>
+                    </a:stretch>
+                  </a:blipFill>
+                </p:spPr>
+                <p:txBody>
+                  <a:bodyPr/>
+                  <a:lstStyle/>
+                  <a:p>
+                    <a:r>
+                      <a:rPr lang="en-US">
+                        <a:noFill/>
+                      </a:rPr>
+                      <a:t> </a:t>
+                    </a:r>
+                  </a:p>
+                </p:txBody>
+              </p:sp>
+            </mc:Fallback>
+          </mc:AlternateContent>
+        </p:grpSp>
+        <mc:AlternateContent xmlns:mc="http://schemas.openxmlformats.org/markup-compatibility/2006">
+          <mc:Choice xmlns:a14="http://schemas.microsoft.com/office/drawing/2010/main" Requires="a14">
+            <p:sp>
+              <p:nvSpPr>
+                <p:cNvPr id="44" name="TextBox 43"/>
+                <p:cNvSpPr txBox="1"/>
+                <p:nvPr/>
+              </p:nvSpPr>
+              <p:spPr>
+                <a:xfrm>
+                  <a:off x="2437557" y="1283880"/>
+                  <a:ext cx="241540" cy="307777"/>
+                </a:xfrm>
+                <a:prstGeom prst="rect">
+                  <a:avLst/>
+                </a:prstGeom>
+                <a:noFill/>
+              </p:spPr>
+              <p:txBody>
+                <a:bodyPr wrap="none" lIns="0" tIns="0" rIns="0" bIns="0" rtlCol="0">
+                  <a:spAutoFit/>
+                </a:bodyPr>
+                <a:lstStyle/>
+                <a:p>
+                  <a14:m>
+                    <m:oMathPara xmlns:m="http://schemas.openxmlformats.org/officeDocument/2006/math">
+                      <m:oMathParaPr>
+                        <m:jc m:val="centerGroup"/>
+                      </m:oMathParaPr>
+                      <m:oMath xmlns:m="http://schemas.openxmlformats.org/officeDocument/2006/math">
+                        <m:r>
+                          <a:rPr lang="en-US" sz="2000" b="0" i="1" smtClean="0">
+                            <a:latin typeface="Cambria Math" panose="02040503050406030204" pitchFamily="18" charset="0"/>
+                            <a:cs typeface="Arial" panose="020B0604020202020204" pitchFamily="34" charset="0"/>
+                          </a:rPr>
+                          <m:t>𝑅</m:t>
+                        </m:r>
+                      </m:oMath>
+                    </m:oMathPara>
+                  </a14:m>
+                  <a:endParaRPr lang="en-US" sz="2000" dirty="0" smtClean="0">
+                    <a:latin typeface="Arial" panose="020B0604020202020204" pitchFamily="34" charset="0"/>
+                    <a:cs typeface="Arial" panose="020B0604020202020204" pitchFamily="34" charset="0"/>
+                  </a:endParaRPr>
+                </a:p>
+              </p:txBody>
+            </p:sp>
+          </mc:Choice>
+          <mc:Fallback>
+            <p:sp>
+              <p:nvSpPr>
+                <p:cNvPr id="44" name="TextBox 43"/>
+                <p:cNvSpPr txBox="1">
+                  <a:spLocks noRot="1" noChangeAspect="1" noMove="1" noResize="1" noEditPoints="1" noAdjustHandles="1" noChangeArrowheads="1" noChangeShapeType="1" noTextEdit="1"/>
+                </p:cNvSpPr>
+                <p:nvPr/>
+              </p:nvSpPr>
+              <p:spPr>
+                <a:xfrm>
+                  <a:off x="2437557" y="1283880"/>
+                  <a:ext cx="241540" cy="307777"/>
+                </a:xfrm>
+                <a:prstGeom prst="rect">
+                  <a:avLst/>
+                </a:prstGeom>
+                <a:blipFill>
+                  <a:blip r:embed="rId50"/>
+                  <a:stretch>
+                    <a:fillRect l="-23077" r="-20513" b="-10000"/>
+                  </a:stretch>
+                </a:blipFill>
+              </p:spPr>
+              <p:txBody>
+                <a:bodyPr/>
+                <a:lstStyle/>
+                <a:p>
+                  <a:r>
+                    <a:rPr lang="en-US">
+                      <a:noFill/>
+                    </a:rPr>
+                    <a:t> </a:t>
+                  </a:r>
+                </a:p>
+              </p:txBody>
+            </p:sp>
+          </mc:Fallback>
+        </mc:AlternateContent>
+      </p:grpSp>
+      <p:grpSp>
+        <p:nvGrpSpPr>
+          <p:cNvPr id="47" name="Group 46"/>
+          <p:cNvGrpSpPr/>
+          <p:nvPr/>
+        </p:nvGrpSpPr>
+        <p:grpSpPr>
+          <a:xfrm>
+            <a:off x="557559" y="3680291"/>
+            <a:ext cx="2642839" cy="2922738"/>
+            <a:chOff x="557559" y="3680291"/>
+            <a:chExt cx="2642839" cy="2922738"/>
+          </a:xfrm>
+        </p:grpSpPr>
+        <p:grpSp>
+          <p:nvGrpSpPr>
+            <p:cNvPr id="38" name="Group 37"/>
+            <p:cNvGrpSpPr/>
+            <p:nvPr/>
+          </p:nvGrpSpPr>
+          <p:grpSpPr>
+            <a:xfrm>
+              <a:off x="557559" y="3680291"/>
+              <a:ext cx="2642839" cy="2922738"/>
+              <a:chOff x="1694985" y="1694985"/>
+              <a:chExt cx="2642839" cy="2922738"/>
+            </a:xfrm>
+          </p:grpSpPr>
+          <p:sp>
+            <p:nvSpPr>
+              <p:cNvPr id="39" name="Oval 38"/>
+              <p:cNvSpPr/>
+              <p:nvPr/>
+            </p:nvSpPr>
+            <p:spPr>
+              <a:xfrm>
+                <a:off x="1694985" y="1694985"/>
+                <a:ext cx="2642839" cy="2486722"/>
+              </a:xfrm>
+              <a:prstGeom prst="ellipse">
+                <a:avLst/>
+              </a:prstGeom>
+              <a:noFill/>
+              <a:ln w="38100">
+                <a:solidFill>
+                  <a:schemeClr val="tx1"/>
+                </a:solidFill>
+                <a:prstDash val="dash"/>
+              </a:ln>
+            </p:spPr>
+            <p:style>
+              <a:lnRef idx="2">
+                <a:schemeClr val="accent1">
+                  <a:shade val="50000"/>
+                </a:schemeClr>
+              </a:lnRef>
+              <a:fillRef idx="1">
+                <a:schemeClr val="accent1"/>
+              </a:fillRef>
+              <a:effectRef idx="0">
+                <a:schemeClr val="accent1"/>
+              </a:effectRef>
+              <a:fontRef idx="minor">
+                <a:schemeClr val="lt1"/>
+              </a:fontRef>
+            </p:style>
+            <p:txBody>
+              <a:bodyPr rtlCol="0" anchor="ctr"/>
+              <a:lstStyle/>
+              <a:p>
+                <a:pPr algn="ctr"/>
+                <a:endParaRPr lang="en-US"/>
+              </a:p>
+            </p:txBody>
+          </p:sp>
+          <p:cxnSp>
+            <p:nvCxnSpPr>
+              <p:cNvPr id="41" name="Straight Connector 40"/>
+              <p:cNvCxnSpPr/>
+              <p:nvPr/>
+            </p:nvCxnSpPr>
+            <p:spPr>
+              <a:xfrm flipH="1">
+                <a:off x="3016404" y="2938346"/>
+                <a:ext cx="1187605" cy="0"/>
+              </a:xfrm>
+              <a:prstGeom prst="line">
+                <a:avLst/>
+              </a:prstGeom>
+              <a:ln w="38100">
+                <a:solidFill>
+                  <a:schemeClr val="tx1"/>
+                </a:solidFill>
+              </a:ln>
+            </p:spPr>
+            <p:style>
+              <a:lnRef idx="1">
+                <a:schemeClr val="accent1"/>
+              </a:lnRef>
+              <a:fillRef idx="0">
+                <a:schemeClr val="accent1"/>
+              </a:fillRef>
+              <a:effectRef idx="0">
+                <a:schemeClr val="accent1"/>
+              </a:effectRef>
+              <a:fontRef idx="minor">
+                <a:schemeClr val="tx1"/>
+              </a:fontRef>
+            </p:style>
+          </p:cxnSp>
+          <p:sp>
+            <p:nvSpPr>
+              <p:cNvPr id="42" name="Oval 41"/>
+              <p:cNvSpPr/>
+              <p:nvPr/>
+            </p:nvSpPr>
+            <p:spPr>
+              <a:xfrm>
+                <a:off x="2944781" y="2880624"/>
+                <a:ext cx="120943" cy="119766"/>
+              </a:xfrm>
+              <a:prstGeom prst="ellipse">
+                <a:avLst/>
+              </a:prstGeom>
+              <a:solidFill>
+                <a:schemeClr val="tx1"/>
+              </a:solidFill>
+              <a:ln w="38100">
+                <a:solidFill>
+                  <a:schemeClr val="tx1"/>
+                </a:solidFill>
+              </a:ln>
+            </p:spPr>
+            <p:style>
+              <a:lnRef idx="2">
+                <a:schemeClr val="accent1">
+                  <a:shade val="50000"/>
+                </a:schemeClr>
+              </a:lnRef>
+              <a:fillRef idx="1">
+                <a:schemeClr val="accent1"/>
+              </a:fillRef>
+              <a:effectRef idx="0">
+                <a:schemeClr val="accent1"/>
+              </a:effectRef>
+              <a:fontRef idx="minor">
+                <a:schemeClr val="lt1"/>
+              </a:fontRef>
+            </p:style>
+            <p:txBody>
+              <a:bodyPr rtlCol="0" anchor="ctr"/>
+              <a:lstStyle/>
+              <a:p>
+                <a:pPr algn="ctr"/>
+                <a:endParaRPr lang="en-US"/>
+              </a:p>
+            </p:txBody>
+          </p:sp>
+          <mc:AlternateContent xmlns:mc="http://schemas.openxmlformats.org/markup-compatibility/2006">
+            <mc:Choice xmlns:a14="http://schemas.microsoft.com/office/drawing/2010/main" Requires="a14">
+              <p:sp>
+                <p:nvSpPr>
+                  <p:cNvPr id="43" name="TextBox 42"/>
+                  <p:cNvSpPr txBox="1"/>
+                  <p:nvPr/>
+                </p:nvSpPr>
+                <p:spPr>
+                  <a:xfrm>
+                    <a:off x="2392033" y="4309946"/>
+                    <a:ext cx="1170513" cy="307777"/>
+                  </a:xfrm>
+                  <a:prstGeom prst="rect">
+                    <a:avLst/>
+                  </a:prstGeom>
+                  <a:noFill/>
+                </p:spPr>
+                <p:txBody>
+                  <a:bodyPr wrap="none" lIns="0" tIns="0" rIns="0" bIns="0" rtlCol="0">
+                    <a:spAutoFit/>
+                  </a:bodyPr>
+                  <a:lstStyle/>
+                  <a:p>
+                    <a14:m>
+                      <m:oMathPara xmlns:m="http://schemas.openxmlformats.org/officeDocument/2006/math">
+                        <m:oMathParaPr>
+                          <m:jc m:val="centerGroup"/>
+                        </m:oMathParaPr>
+                        <m:oMath xmlns:m="http://schemas.openxmlformats.org/officeDocument/2006/math">
+                          <m:r>
+                            <a:rPr lang="en-US" sz="2000" b="0" i="1" smtClean="0">
+                              <a:latin typeface="Cambria Math" panose="02040503050406030204" pitchFamily="18" charset="0"/>
+                              <a:cs typeface="Arial" panose="020B0604020202020204" pitchFamily="34" charset="0"/>
+                            </a:rPr>
+                            <m:t>𝑆𝑖𝑑𝑒</m:t>
+                          </m:r>
+                          <m:r>
+                            <a:rPr lang="en-US" sz="2000" b="0" i="1" smtClean="0">
+                              <a:latin typeface="Cambria Math" panose="02040503050406030204" pitchFamily="18" charset="0"/>
+                              <a:cs typeface="Arial" panose="020B0604020202020204" pitchFamily="34" charset="0"/>
+                            </a:rPr>
+                            <m:t> </m:t>
+                          </m:r>
+                          <m:r>
+                            <a:rPr lang="en-US" sz="2000" b="0" i="1" smtClean="0">
+                              <a:latin typeface="Cambria Math" panose="02040503050406030204" pitchFamily="18" charset="0"/>
+                              <a:cs typeface="Arial" panose="020B0604020202020204" pitchFamily="34" charset="0"/>
+                            </a:rPr>
+                            <m:t>𝑣𝑖𝑒𝑤</m:t>
+                          </m:r>
+                        </m:oMath>
+                      </m:oMathPara>
+                    </a14:m>
+                    <a:endParaRPr lang="en-US" sz="2000" dirty="0" smtClean="0">
+                      <a:latin typeface="Arial" panose="020B0604020202020204" pitchFamily="34" charset="0"/>
+                      <a:cs typeface="Arial" panose="020B0604020202020204" pitchFamily="34" charset="0"/>
+                    </a:endParaRPr>
+                  </a:p>
+                </p:txBody>
+              </p:sp>
+            </mc:Choice>
+            <mc:Fallback>
+              <p:sp>
+                <p:nvSpPr>
+                  <p:cNvPr id="43" name="TextBox 42"/>
+                  <p:cNvSpPr txBox="1">
+                    <a:spLocks noRot="1" noChangeAspect="1" noMove="1" noResize="1" noEditPoints="1" noAdjustHandles="1" noChangeArrowheads="1" noChangeShapeType="1" noTextEdit="1"/>
+                  </p:cNvSpPr>
+                  <p:nvPr/>
+                </p:nvSpPr>
+                <p:spPr>
+                  <a:xfrm>
+                    <a:off x="2392033" y="4309946"/>
+                    <a:ext cx="1170513" cy="307777"/>
+                  </a:xfrm>
+                  <a:prstGeom prst="rect">
+                    <a:avLst/>
+                  </a:prstGeom>
+                  <a:blipFill>
+                    <a:blip r:embed="rId51"/>
+                    <a:stretch>
+                      <a:fillRect l="-4167" r="-3646" b="-12000"/>
+                    </a:stretch>
+                  </a:blipFill>
+                </p:spPr>
+                <p:txBody>
+                  <a:bodyPr/>
+                  <a:lstStyle/>
+                  <a:p>
+                    <a:r>
+                      <a:rPr lang="en-US">
+                        <a:noFill/>
+                      </a:rPr>
+                      <a:t> </a:t>
+                    </a:r>
+                  </a:p>
+                </p:txBody>
+              </p:sp>
+            </mc:Fallback>
+          </mc:AlternateContent>
+        </p:grpSp>
+        <mc:AlternateContent xmlns:mc="http://schemas.openxmlformats.org/markup-compatibility/2006">
+          <mc:Choice xmlns:a14="http://schemas.microsoft.com/office/drawing/2010/main" Requires="a14">
+            <p:sp>
+              <p:nvSpPr>
+                <p:cNvPr id="45" name="TextBox 44"/>
+                <p:cNvSpPr txBox="1"/>
+                <p:nvPr/>
+              </p:nvSpPr>
+              <p:spPr>
+                <a:xfrm>
+                  <a:off x="2437557" y="4576467"/>
+                  <a:ext cx="241540" cy="307777"/>
+                </a:xfrm>
+                <a:prstGeom prst="rect">
+                  <a:avLst/>
+                </a:prstGeom>
+                <a:noFill/>
+              </p:spPr>
+              <p:txBody>
+                <a:bodyPr wrap="none" lIns="0" tIns="0" rIns="0" bIns="0" rtlCol="0">
+                  <a:spAutoFit/>
+                </a:bodyPr>
+                <a:lstStyle/>
+                <a:p>
+                  <a14:m>
+                    <m:oMathPara xmlns:m="http://schemas.openxmlformats.org/officeDocument/2006/math">
+                      <m:oMathParaPr>
+                        <m:jc m:val="centerGroup"/>
+                      </m:oMathParaPr>
+                      <m:oMath xmlns:m="http://schemas.openxmlformats.org/officeDocument/2006/math">
+                        <m:r>
+                          <a:rPr lang="en-US" sz="2000" b="0" i="1" smtClean="0">
+                            <a:latin typeface="Cambria Math" panose="02040503050406030204" pitchFamily="18" charset="0"/>
+                            <a:cs typeface="Arial" panose="020B0604020202020204" pitchFamily="34" charset="0"/>
+                          </a:rPr>
+                          <m:t>𝑅</m:t>
+                        </m:r>
+                      </m:oMath>
+                    </m:oMathPara>
+                  </a14:m>
+                  <a:endParaRPr lang="en-US" sz="2000" dirty="0" smtClean="0">
+                    <a:latin typeface="Arial" panose="020B0604020202020204" pitchFamily="34" charset="0"/>
+                    <a:cs typeface="Arial" panose="020B0604020202020204" pitchFamily="34" charset="0"/>
+                  </a:endParaRPr>
+                </a:p>
+              </p:txBody>
+            </p:sp>
+          </mc:Choice>
+          <mc:Fallback>
+            <p:sp>
+              <p:nvSpPr>
+                <p:cNvPr id="45" name="TextBox 44"/>
+                <p:cNvSpPr txBox="1">
+                  <a:spLocks noRot="1" noChangeAspect="1" noMove="1" noResize="1" noEditPoints="1" noAdjustHandles="1" noChangeArrowheads="1" noChangeShapeType="1" noTextEdit="1"/>
+                </p:cNvSpPr>
+                <p:nvPr/>
+              </p:nvSpPr>
+              <p:spPr>
+                <a:xfrm>
+                  <a:off x="2437557" y="4576467"/>
+                  <a:ext cx="241540" cy="307777"/>
+                </a:xfrm>
+                <a:prstGeom prst="rect">
+                  <a:avLst/>
+                </a:prstGeom>
+                <a:blipFill>
+                  <a:blip r:embed="rId52"/>
+                  <a:stretch>
+                    <a:fillRect l="-23077" r="-20513" b="-10000"/>
+                  </a:stretch>
+                </a:blipFill>
+              </p:spPr>
+              <p:txBody>
+                <a:bodyPr/>
+                <a:lstStyle/>
+                <a:p>
+                  <a:r>
+                    <a:rPr lang="en-US">
+                      <a:noFill/>
+                    </a:rPr>
+                    <a:t> </a:t>
+                  </a:r>
+                </a:p>
+              </p:txBody>
+            </p:sp>
+          </mc:Fallback>
+        </mc:AlternateContent>
+      </p:grpSp>
+      <p:grpSp>
+        <p:nvGrpSpPr>
+          <p:cNvPr id="49" name="Group 48"/>
+          <p:cNvGrpSpPr/>
+          <p:nvPr/>
+        </p:nvGrpSpPr>
+        <p:grpSpPr>
+          <a:xfrm>
+            <a:off x="3995732" y="3590522"/>
+            <a:ext cx="2642839" cy="2486722"/>
+            <a:chOff x="1694985" y="1694985"/>
+            <a:chExt cx="2642839" cy="2486722"/>
+          </a:xfrm>
+        </p:grpSpPr>
+        <p:sp>
+          <p:nvSpPr>
+            <p:cNvPr id="51" name="Oval 50"/>
+            <p:cNvSpPr/>
+            <p:nvPr/>
+          </p:nvSpPr>
+          <p:spPr>
+            <a:xfrm>
+              <a:off x="1694985" y="1694985"/>
+              <a:ext cx="2642839" cy="2486722"/>
+            </a:xfrm>
+            <a:prstGeom prst="ellipse">
+              <a:avLst/>
+            </a:prstGeom>
+            <a:noFill/>
+            <a:ln w="38100">
+              <a:solidFill>
+                <a:schemeClr val="tx1"/>
+              </a:solidFill>
+              <a:prstDash val="dash"/>
+            </a:ln>
+          </p:spPr>
+          <p:style>
+            <a:lnRef idx="2">
+              <a:schemeClr val="accent1">
+                <a:shade val="50000"/>
+              </a:schemeClr>
+            </a:lnRef>
+            <a:fillRef idx="1">
+              <a:schemeClr val="accent1"/>
+            </a:fillRef>
+            <a:effectRef idx="0">
+              <a:schemeClr val="accent1"/>
+            </a:effectRef>
+            <a:fontRef idx="minor">
+              <a:schemeClr val="lt1"/>
+            </a:fontRef>
+          </p:style>
+          <p:txBody>
+            <a:bodyPr rtlCol="0" anchor="ctr"/>
+            <a:lstStyle/>
+            <a:p>
+              <a:pPr algn="ctr"/>
+              <a:endParaRPr lang="en-US"/>
+            </a:p>
+          </p:txBody>
+        </p:sp>
+        <p:sp>
+          <p:nvSpPr>
+            <p:cNvPr id="54" name="Oval 53"/>
+            <p:cNvSpPr/>
+            <p:nvPr/>
+          </p:nvSpPr>
+          <p:spPr>
+            <a:xfrm>
+              <a:off x="2944781" y="2880624"/>
+              <a:ext cx="120943" cy="119766"/>
+            </a:xfrm>
+            <a:prstGeom prst="ellipse">
+              <a:avLst/>
+            </a:prstGeom>
+            <a:solidFill>
+              <a:schemeClr val="tx1"/>
+            </a:solidFill>
+            <a:ln w="38100">
+              <a:solidFill>
+                <a:schemeClr val="tx1"/>
+              </a:solidFill>
+            </a:ln>
+          </p:spPr>
+          <p:style>
+            <a:lnRef idx="2">
+              <a:schemeClr val="accent1">
+                <a:shade val="50000"/>
+              </a:schemeClr>
+            </a:lnRef>
+            <a:fillRef idx="1">
+              <a:schemeClr val="accent1"/>
+            </a:fillRef>
+            <a:effectRef idx="0">
+              <a:schemeClr val="accent1"/>
+            </a:effectRef>
+            <a:fontRef idx="minor">
+              <a:schemeClr val="lt1"/>
+            </a:fontRef>
+          </p:style>
+          <p:txBody>
+            <a:bodyPr rtlCol="0" anchor="ctr"/>
+            <a:lstStyle/>
+            <a:p>
+              <a:pPr algn="ctr"/>
+              <a:endParaRPr lang="en-US"/>
+            </a:p>
+          </p:txBody>
+        </p:sp>
+      </p:grpSp>
+      <p:cxnSp>
+        <p:nvCxnSpPr>
+          <p:cNvPr id="61" name="Straight Arrow Connector 60"/>
+          <p:cNvCxnSpPr/>
+          <p:nvPr/>
+        </p:nvCxnSpPr>
+        <p:spPr>
+          <a:xfrm flipH="1">
+            <a:off x="5317150" y="3725159"/>
+            <a:ext cx="1" cy="568061"/>
+          </a:xfrm>
+          <a:prstGeom prst="straightConnector1">
+            <a:avLst/>
+          </a:prstGeom>
+          <a:ln w="38100">
+            <a:solidFill>
+              <a:schemeClr val="tx1"/>
+            </a:solidFill>
+            <a:tailEnd type="triangle"/>
+          </a:ln>
+        </p:spPr>
+        <p:style>
+          <a:lnRef idx="1">
+            <a:schemeClr val="accent1"/>
+          </a:lnRef>
+          <a:fillRef idx="0">
+            <a:schemeClr val="accent1"/>
+          </a:fillRef>
+          <a:effectRef idx="0">
+            <a:schemeClr val="accent1"/>
+          </a:effectRef>
+          <a:fontRef idx="minor">
+            <a:schemeClr val="tx1"/>
+          </a:fontRef>
+        </p:style>
+      </p:cxnSp>
+      <p:cxnSp>
+        <p:nvCxnSpPr>
+          <p:cNvPr id="62" name="Straight Arrow Connector 61"/>
+          <p:cNvCxnSpPr/>
+          <p:nvPr/>
+        </p:nvCxnSpPr>
+        <p:spPr>
+          <a:xfrm flipH="1">
+            <a:off x="6255043" y="4079878"/>
+            <a:ext cx="1" cy="568061"/>
+          </a:xfrm>
+          <a:prstGeom prst="straightConnector1">
+            <a:avLst/>
+          </a:prstGeom>
+          <a:ln w="38100">
+            <a:solidFill>
+              <a:schemeClr val="tx1"/>
+            </a:solidFill>
+            <a:tailEnd type="triangle"/>
+          </a:ln>
+        </p:spPr>
+        <p:style>
+          <a:lnRef idx="1">
+            <a:schemeClr val="accent1"/>
+          </a:lnRef>
+          <a:fillRef idx="0">
+            <a:schemeClr val="accent1"/>
+          </a:fillRef>
+          <a:effectRef idx="0">
+            <a:schemeClr val="accent1"/>
+          </a:effectRef>
+          <a:fontRef idx="minor">
+            <a:schemeClr val="tx1"/>
+          </a:fontRef>
+        </p:style>
+      </p:cxnSp>
+      <p:cxnSp>
+        <p:nvCxnSpPr>
+          <p:cNvPr id="63" name="Straight Arrow Connector 62"/>
+          <p:cNvCxnSpPr/>
+          <p:nvPr/>
+        </p:nvCxnSpPr>
+        <p:spPr>
+          <a:xfrm flipH="1">
+            <a:off x="6638570" y="5013024"/>
+            <a:ext cx="1" cy="568061"/>
+          </a:xfrm>
+          <a:prstGeom prst="straightConnector1">
+            <a:avLst/>
+          </a:prstGeom>
+          <a:ln w="38100">
+            <a:solidFill>
+              <a:schemeClr val="tx1"/>
+            </a:solidFill>
+            <a:tailEnd type="triangle"/>
+          </a:ln>
+        </p:spPr>
+        <p:style>
+          <a:lnRef idx="1">
+            <a:schemeClr val="accent1"/>
+          </a:lnRef>
+          <a:fillRef idx="0">
+            <a:schemeClr val="accent1"/>
+          </a:fillRef>
+          <a:effectRef idx="0">
+            <a:schemeClr val="accent1"/>
+          </a:effectRef>
+          <a:fontRef idx="minor">
+            <a:schemeClr val="tx1"/>
+          </a:fontRef>
+        </p:style>
+      </p:cxnSp>
+      <p:cxnSp>
+        <p:nvCxnSpPr>
+          <p:cNvPr id="64" name="Straight Arrow Connector 63"/>
+          <p:cNvCxnSpPr/>
+          <p:nvPr/>
+        </p:nvCxnSpPr>
+        <p:spPr>
+          <a:xfrm flipH="1">
+            <a:off x="6255042" y="5854134"/>
+            <a:ext cx="1" cy="568061"/>
+          </a:xfrm>
+          <a:prstGeom prst="straightConnector1">
+            <a:avLst/>
+          </a:prstGeom>
+          <a:ln w="38100">
+            <a:solidFill>
+              <a:schemeClr val="tx1"/>
+            </a:solidFill>
+            <a:tailEnd type="triangle"/>
+          </a:ln>
+        </p:spPr>
+        <p:style>
+          <a:lnRef idx="1">
+            <a:schemeClr val="accent1"/>
+          </a:lnRef>
+          <a:fillRef idx="0">
+            <a:schemeClr val="accent1"/>
+          </a:fillRef>
+          <a:effectRef idx="0">
+            <a:schemeClr val="accent1"/>
+          </a:effectRef>
+          <a:fontRef idx="minor">
+            <a:schemeClr val="tx1"/>
+          </a:fontRef>
+        </p:style>
+      </p:cxnSp>
+      <p:cxnSp>
+        <p:nvCxnSpPr>
+          <p:cNvPr id="65" name="Straight Arrow Connector 64"/>
+          <p:cNvCxnSpPr/>
+          <p:nvPr/>
+        </p:nvCxnSpPr>
+        <p:spPr>
+          <a:xfrm flipH="1">
+            <a:off x="5317150" y="6199085"/>
+            <a:ext cx="1" cy="568061"/>
+          </a:xfrm>
+          <a:prstGeom prst="straightConnector1">
+            <a:avLst/>
+          </a:prstGeom>
+          <a:ln w="38100">
+            <a:solidFill>
+              <a:schemeClr val="tx1"/>
+            </a:solidFill>
+            <a:tailEnd type="triangle"/>
+          </a:ln>
+        </p:spPr>
+        <p:style>
+          <a:lnRef idx="1">
+            <a:schemeClr val="accent1"/>
+          </a:lnRef>
+          <a:fillRef idx="0">
+            <a:schemeClr val="accent1"/>
+          </a:fillRef>
+          <a:effectRef idx="0">
+            <a:schemeClr val="accent1"/>
+          </a:effectRef>
+          <a:fontRef idx="minor">
+            <a:schemeClr val="tx1"/>
+          </a:fontRef>
+        </p:style>
+      </p:cxnSp>
+      <p:cxnSp>
+        <p:nvCxnSpPr>
+          <p:cNvPr id="67" name="Straight Arrow Connector 66"/>
+          <p:cNvCxnSpPr/>
+          <p:nvPr/>
+        </p:nvCxnSpPr>
+        <p:spPr>
+          <a:xfrm flipV="1">
+            <a:off x="5305886" y="5214898"/>
+            <a:ext cx="6892" cy="712144"/>
+          </a:xfrm>
+          <a:prstGeom prst="straightConnector1">
+            <a:avLst/>
+          </a:prstGeom>
+          <a:ln w="38100">
+            <a:solidFill>
+              <a:schemeClr val="tx1"/>
+            </a:solidFill>
+            <a:tailEnd type="triangle"/>
+          </a:ln>
+        </p:spPr>
+        <p:style>
+          <a:lnRef idx="1">
+            <a:schemeClr val="accent1"/>
+          </a:lnRef>
+          <a:fillRef idx="0">
+            <a:schemeClr val="accent1"/>
+          </a:fillRef>
+          <a:effectRef idx="0">
+            <a:schemeClr val="accent1"/>
+          </a:effectRef>
+          <a:fontRef idx="minor">
+            <a:schemeClr val="tx1"/>
+          </a:fontRef>
+        </p:style>
+      </p:cxnSp>
+      <p:cxnSp>
+        <p:nvCxnSpPr>
+          <p:cNvPr id="69" name="Straight Arrow Connector 68"/>
+          <p:cNvCxnSpPr/>
+          <p:nvPr/>
+        </p:nvCxnSpPr>
+        <p:spPr>
+          <a:xfrm flipH="1" flipV="1">
+            <a:off x="5771966" y="5199417"/>
+            <a:ext cx="369245" cy="371554"/>
+          </a:xfrm>
+          <a:prstGeom prst="straightConnector1">
+            <a:avLst/>
+          </a:prstGeom>
+          <a:ln w="38100">
+            <a:solidFill>
+              <a:schemeClr val="tx1"/>
+            </a:solidFill>
+            <a:tailEnd type="triangle"/>
+          </a:ln>
+        </p:spPr>
+        <p:style>
+          <a:lnRef idx="1">
+            <a:schemeClr val="accent1"/>
+          </a:lnRef>
+          <a:fillRef idx="0">
+            <a:schemeClr val="accent1"/>
+          </a:fillRef>
+          <a:effectRef idx="0">
+            <a:schemeClr val="accent1"/>
+          </a:effectRef>
+          <a:fontRef idx="minor">
+            <a:schemeClr val="tx1"/>
+          </a:fontRef>
+        </p:style>
+      </p:cxnSp>
+      <p:sp>
+        <p:nvSpPr>
+          <p:cNvPr id="71" name="Oval 70"/>
+          <p:cNvSpPr/>
+          <p:nvPr/>
+        </p:nvSpPr>
+        <p:spPr>
+          <a:xfrm>
+            <a:off x="3041628" y="4779527"/>
+            <a:ext cx="317540" cy="300403"/>
+          </a:xfrm>
+          <a:prstGeom prst="ellipse">
+            <a:avLst/>
+          </a:prstGeom>
+          <a:solidFill>
+            <a:schemeClr val="tx1"/>
+          </a:solidFill>
+          <a:ln w="38100">
+            <a:solidFill>
+              <a:schemeClr val="tx1"/>
+            </a:solidFill>
+          </a:ln>
+        </p:spPr>
+        <p:style>
+          <a:lnRef idx="2">
+            <a:schemeClr val="accent1">
+              <a:shade val="50000"/>
+            </a:schemeClr>
+          </a:lnRef>
+          <a:fillRef idx="1">
+            <a:schemeClr val="accent1"/>
+          </a:fillRef>
+          <a:effectRef idx="0">
+            <a:schemeClr val="accent1"/>
+          </a:effectRef>
+          <a:fontRef idx="minor">
+            <a:schemeClr val="lt1"/>
+          </a:fontRef>
+        </p:style>
+        <p:txBody>
+          <a:bodyPr rtlCol="0" anchor="ctr"/>
+          <a:lstStyle/>
+          <a:p>
+            <a:pPr algn="ctr"/>
+            <a:endParaRPr lang="en-US"/>
+          </a:p>
+        </p:txBody>
+      </p:sp>
+      <p:sp>
+        <p:nvSpPr>
+          <p:cNvPr id="72" name="Oval 71"/>
+          <p:cNvSpPr/>
+          <p:nvPr/>
+        </p:nvSpPr>
+        <p:spPr>
+          <a:xfrm>
+            <a:off x="5167126" y="5927042"/>
+            <a:ext cx="317540" cy="300403"/>
+          </a:xfrm>
+          <a:prstGeom prst="ellipse">
+            <a:avLst/>
+          </a:prstGeom>
+          <a:solidFill>
+            <a:schemeClr val="tx1"/>
+          </a:solidFill>
+          <a:ln w="38100">
+            <a:solidFill>
+              <a:schemeClr val="tx1"/>
+            </a:solidFill>
+          </a:ln>
+        </p:spPr>
+        <p:style>
+          <a:lnRef idx="2">
+            <a:schemeClr val="accent1">
+              <a:shade val="50000"/>
+            </a:schemeClr>
+          </a:lnRef>
+          <a:fillRef idx="1">
+            <a:schemeClr val="accent1"/>
+          </a:fillRef>
+          <a:effectRef idx="0">
+            <a:schemeClr val="accent1"/>
+          </a:effectRef>
+          <a:fontRef idx="minor">
+            <a:schemeClr val="lt1"/>
+          </a:fontRef>
+        </p:style>
+        <p:txBody>
+          <a:bodyPr rtlCol="0" anchor="ctr"/>
+          <a:lstStyle/>
+          <a:p>
+            <a:pPr algn="ctr"/>
+            <a:endParaRPr lang="en-US"/>
+          </a:p>
+        </p:txBody>
+      </p:sp>
+      <p:sp>
+        <p:nvSpPr>
+          <p:cNvPr id="73" name="Oval 72"/>
+          <p:cNvSpPr/>
+          <p:nvPr/>
+        </p:nvSpPr>
+        <p:spPr>
+          <a:xfrm>
+            <a:off x="6096272" y="5544368"/>
+            <a:ext cx="317540" cy="300403"/>
+          </a:xfrm>
+          <a:prstGeom prst="ellipse">
+            <a:avLst/>
+          </a:prstGeom>
+          <a:solidFill>
+            <a:schemeClr val="tx1"/>
+          </a:solidFill>
+          <a:ln w="38100">
+            <a:solidFill>
+              <a:schemeClr val="tx1"/>
+            </a:solidFill>
+          </a:ln>
+        </p:spPr>
+        <p:style>
+          <a:lnRef idx="2">
+            <a:schemeClr val="accent1">
+              <a:shade val="50000"/>
+            </a:schemeClr>
+          </a:lnRef>
+          <a:fillRef idx="1">
+            <a:schemeClr val="accent1"/>
+          </a:fillRef>
+          <a:effectRef idx="0">
+            <a:schemeClr val="accent1"/>
+          </a:effectRef>
+          <a:fontRef idx="minor">
+            <a:schemeClr val="lt1"/>
+          </a:fontRef>
+        </p:style>
+        <p:txBody>
+          <a:bodyPr rtlCol="0" anchor="ctr"/>
+          <a:lstStyle/>
+          <a:p>
+            <a:pPr algn="ctr"/>
+            <a:endParaRPr lang="en-US"/>
+          </a:p>
+        </p:txBody>
+      </p:sp>
+      <p:sp>
+        <p:nvSpPr>
+          <p:cNvPr id="74" name="Oval 73"/>
+          <p:cNvSpPr/>
+          <p:nvPr/>
+        </p:nvSpPr>
+        <p:spPr>
+          <a:xfrm>
+            <a:off x="6096272" y="3825518"/>
+            <a:ext cx="317540" cy="300403"/>
+          </a:xfrm>
+          <a:prstGeom prst="ellipse">
+            <a:avLst/>
+          </a:prstGeom>
+          <a:solidFill>
+            <a:schemeClr val="tx1"/>
+          </a:solidFill>
+          <a:ln w="38100">
+            <a:solidFill>
+              <a:schemeClr val="tx1"/>
+            </a:solidFill>
+          </a:ln>
+        </p:spPr>
+        <p:style>
+          <a:lnRef idx="2">
+            <a:schemeClr val="accent1">
+              <a:shade val="50000"/>
+            </a:schemeClr>
+          </a:lnRef>
+          <a:fillRef idx="1">
+            <a:schemeClr val="accent1"/>
+          </a:fillRef>
+          <a:effectRef idx="0">
+            <a:schemeClr val="accent1"/>
+          </a:effectRef>
+          <a:fontRef idx="minor">
+            <a:schemeClr val="lt1"/>
+          </a:fontRef>
+        </p:style>
+        <p:txBody>
+          <a:bodyPr rtlCol="0" anchor="ctr"/>
+          <a:lstStyle/>
+          <a:p>
+            <a:pPr algn="ctr"/>
+            <a:endParaRPr lang="en-US"/>
+          </a:p>
+        </p:txBody>
+      </p:sp>
+      <p:sp>
+        <p:nvSpPr>
+          <p:cNvPr id="75" name="Oval 74"/>
+          <p:cNvSpPr/>
+          <p:nvPr/>
+        </p:nvSpPr>
+        <p:spPr>
+          <a:xfrm>
+            <a:off x="6479800" y="4712621"/>
+            <a:ext cx="317540" cy="300403"/>
+          </a:xfrm>
+          <a:prstGeom prst="ellipse">
+            <a:avLst/>
+          </a:prstGeom>
+          <a:solidFill>
+            <a:schemeClr val="tx1"/>
+          </a:solidFill>
+          <a:ln w="38100">
+            <a:solidFill>
+              <a:schemeClr val="tx1"/>
+            </a:solidFill>
+          </a:ln>
+        </p:spPr>
+        <p:style>
+          <a:lnRef idx="2">
+            <a:schemeClr val="accent1">
+              <a:shade val="50000"/>
+            </a:schemeClr>
+          </a:lnRef>
+          <a:fillRef idx="1">
+            <a:schemeClr val="accent1"/>
+          </a:fillRef>
+          <a:effectRef idx="0">
+            <a:schemeClr val="accent1"/>
+          </a:effectRef>
+          <a:fontRef idx="minor">
+            <a:schemeClr val="lt1"/>
+          </a:fontRef>
+        </p:style>
+        <p:txBody>
+          <a:bodyPr rtlCol="0" anchor="ctr"/>
+          <a:lstStyle/>
+          <a:p>
+            <a:pPr algn="ctr"/>
+            <a:endParaRPr lang="en-US"/>
+          </a:p>
+        </p:txBody>
+      </p:sp>
+      <p:sp>
+        <p:nvSpPr>
+          <p:cNvPr id="76" name="Oval 75"/>
+          <p:cNvSpPr/>
+          <p:nvPr/>
+        </p:nvSpPr>
+        <p:spPr>
+          <a:xfrm>
+            <a:off x="5167126" y="3405996"/>
+            <a:ext cx="317540" cy="300403"/>
+          </a:xfrm>
+          <a:prstGeom prst="ellipse">
+            <a:avLst/>
+          </a:prstGeom>
+          <a:solidFill>
+            <a:schemeClr val="tx1"/>
+          </a:solidFill>
+          <a:ln w="38100">
+            <a:solidFill>
+              <a:schemeClr val="tx1"/>
+            </a:solidFill>
+          </a:ln>
+        </p:spPr>
+        <p:style>
+          <a:lnRef idx="2">
+            <a:schemeClr val="accent1">
+              <a:shade val="50000"/>
+            </a:schemeClr>
+          </a:lnRef>
+          <a:fillRef idx="1">
+            <a:schemeClr val="accent1"/>
+          </a:fillRef>
+          <a:effectRef idx="0">
+            <a:schemeClr val="accent1"/>
+          </a:effectRef>
+          <a:fontRef idx="minor">
+            <a:schemeClr val="lt1"/>
+          </a:fontRef>
+        </p:style>
+        <p:txBody>
+          <a:bodyPr rtlCol="0" anchor="ctr"/>
+          <a:lstStyle/>
+          <a:p>
+            <a:pPr algn="ctr"/>
+            <a:endParaRPr lang="en-US"/>
+          </a:p>
+        </p:txBody>
+      </p:sp>
+    </p:spTree>
+    <p:extLst>
+      <p:ext uri="{BB962C8B-B14F-4D97-AF65-F5344CB8AC3E}">
+        <p14:creationId xmlns:p14="http://schemas.microsoft.com/office/powerpoint/2010/main" val="2889034374"/>
       </p:ext>
     </p:extLst>
   </p:cSld>

--- a/tex/figures/ApplyingNewtonsLaws/Figures.pptx
+++ b/tex/figures/ApplyingNewtonsLaws/Figures.pptx
@@ -11,6 +11,7 @@
     <p:sldId id="273" r:id="rId5"/>
     <p:sldId id="274" r:id="rId6"/>
     <p:sldId id="275" r:id="rId7"/>
+    <p:sldId id="276" r:id="rId8"/>
   </p:sldIdLst>
   <p:sldSz cx="12192000" cy="6858000"/>
   <p:notesSz cx="6858000" cy="9144000"/>
@@ -248,7 +249,7 @@
           <a:p>
             <a:fld id="{F7249F8D-641B-4CAF-BAE5-10524742F6F1}" type="datetimeFigureOut">
               <a:rPr lang="en-CA" smtClean="0"/>
-              <a:t>2018-05-30</a:t>
+              <a:t>2018-05-31</a:t>
             </a:fld>
             <a:endParaRPr lang="en-CA"/>
           </a:p>
@@ -418,7 +419,7 @@
           <a:p>
             <a:fld id="{F7249F8D-641B-4CAF-BAE5-10524742F6F1}" type="datetimeFigureOut">
               <a:rPr lang="en-CA" smtClean="0"/>
-              <a:t>2018-05-30</a:t>
+              <a:t>2018-05-31</a:t>
             </a:fld>
             <a:endParaRPr lang="en-CA"/>
           </a:p>
@@ -598,7 +599,7 @@
           <a:p>
             <a:fld id="{F7249F8D-641B-4CAF-BAE5-10524742F6F1}" type="datetimeFigureOut">
               <a:rPr lang="en-CA" smtClean="0"/>
-              <a:t>2018-05-30</a:t>
+              <a:t>2018-05-31</a:t>
             </a:fld>
             <a:endParaRPr lang="en-CA"/>
           </a:p>
@@ -768,7 +769,7 @@
           <a:p>
             <a:fld id="{F7249F8D-641B-4CAF-BAE5-10524742F6F1}" type="datetimeFigureOut">
               <a:rPr lang="en-CA" smtClean="0"/>
-              <a:t>2018-05-30</a:t>
+              <a:t>2018-05-31</a:t>
             </a:fld>
             <a:endParaRPr lang="en-CA"/>
           </a:p>
@@ -1014,7 +1015,7 @@
           <a:p>
             <a:fld id="{F7249F8D-641B-4CAF-BAE5-10524742F6F1}" type="datetimeFigureOut">
               <a:rPr lang="en-CA" smtClean="0"/>
-              <a:t>2018-05-30</a:t>
+              <a:t>2018-05-31</a:t>
             </a:fld>
             <a:endParaRPr lang="en-CA"/>
           </a:p>
@@ -1246,7 +1247,7 @@
           <a:p>
             <a:fld id="{F7249F8D-641B-4CAF-BAE5-10524742F6F1}" type="datetimeFigureOut">
               <a:rPr lang="en-CA" smtClean="0"/>
-              <a:t>2018-05-30</a:t>
+              <a:t>2018-05-31</a:t>
             </a:fld>
             <a:endParaRPr lang="en-CA"/>
           </a:p>
@@ -1613,7 +1614,7 @@
           <a:p>
             <a:fld id="{F7249F8D-641B-4CAF-BAE5-10524742F6F1}" type="datetimeFigureOut">
               <a:rPr lang="en-CA" smtClean="0"/>
-              <a:t>2018-05-30</a:t>
+              <a:t>2018-05-31</a:t>
             </a:fld>
             <a:endParaRPr lang="en-CA"/>
           </a:p>
@@ -1731,7 +1732,7 @@
           <a:p>
             <a:fld id="{F7249F8D-641B-4CAF-BAE5-10524742F6F1}" type="datetimeFigureOut">
               <a:rPr lang="en-CA" smtClean="0"/>
-              <a:t>2018-05-30</a:t>
+              <a:t>2018-05-31</a:t>
             </a:fld>
             <a:endParaRPr lang="en-CA"/>
           </a:p>
@@ -1826,7 +1827,7 @@
           <a:p>
             <a:fld id="{F7249F8D-641B-4CAF-BAE5-10524742F6F1}" type="datetimeFigureOut">
               <a:rPr lang="en-CA" smtClean="0"/>
-              <a:t>2018-05-30</a:t>
+              <a:t>2018-05-31</a:t>
             </a:fld>
             <a:endParaRPr lang="en-CA"/>
           </a:p>
@@ -2103,7 +2104,7 @@
           <a:p>
             <a:fld id="{F7249F8D-641B-4CAF-BAE5-10524742F6F1}" type="datetimeFigureOut">
               <a:rPr lang="en-CA" smtClean="0"/>
-              <a:t>2018-05-30</a:t>
+              <a:t>2018-05-31</a:t>
             </a:fld>
             <a:endParaRPr lang="en-CA"/>
           </a:p>
@@ -2356,7 +2357,7 @@
           <a:p>
             <a:fld id="{F7249F8D-641B-4CAF-BAE5-10524742F6F1}" type="datetimeFigureOut">
               <a:rPr lang="en-CA" smtClean="0"/>
-              <a:t>2018-05-30</a:t>
+              <a:t>2018-05-31</a:t>
             </a:fld>
             <a:endParaRPr lang="en-CA"/>
           </a:p>
@@ -2569,7 +2570,7 @@
           <a:p>
             <a:fld id="{F7249F8D-641B-4CAF-BAE5-10524742F6F1}" type="datetimeFigureOut">
               <a:rPr lang="en-CA" smtClean="0"/>
-              <a:t>2018-05-30</a:t>
+              <a:t>2018-05-31</a:t>
             </a:fld>
             <a:endParaRPr lang="en-CA"/>
           </a:p>
@@ -8839,9 +8840,9 @@
         <p:grpSpPr>
           <a:xfrm>
             <a:off x="7935626" y="295492"/>
-            <a:ext cx="1388070" cy="2423815"/>
+            <a:ext cx="1708104" cy="2423815"/>
             <a:chOff x="7935626" y="295492"/>
-            <a:chExt cx="1388070" cy="2423815"/>
+            <a:chExt cx="1708104" cy="2423815"/>
           </a:xfrm>
         </p:grpSpPr>
         <p:sp>
@@ -9223,8 +9224,8 @@
             </p:sp>
           </mc:Fallback>
         </mc:AlternateContent>
-        <mc:AlternateContent xmlns:mc="http://schemas.openxmlformats.org/markup-compatibility/2006" xmlns:a14="http://schemas.microsoft.com/office/drawing/2010/main">
-          <mc:Choice Requires="a14">
+        <mc:AlternateContent xmlns:mc="http://schemas.openxmlformats.org/markup-compatibility/2006">
+          <mc:Choice xmlns:a14="http://schemas.microsoft.com/office/drawing/2010/main" Requires="a14">
             <p:sp>
               <p:nvSpPr>
                 <p:cNvPr id="49" name="TextBox 48"/>
@@ -9234,7 +9235,7 @@
               <p:spPr>
                 <a:xfrm>
                   <a:off x="9050491" y="1156939"/>
-                  <a:ext cx="237629" cy="345159"/>
+                  <a:ext cx="593239" cy="345159"/>
                 </a:xfrm>
                 <a:prstGeom prst="rect">
                   <a:avLst/>
@@ -9274,6 +9275,27 @@
                             </m:r>
                           </m:e>
                         </m:acc>
+                        <m:r>
+                          <a:rPr lang="en-US" sz="2000" b="0" i="1" smtClean="0">
+                            <a:latin typeface="Cambria Math" panose="02040503050406030204" pitchFamily="18" charset="0"/>
+                            <a:cs typeface="Arial" panose="020B0604020202020204" pitchFamily="34" charset="0"/>
+                          </a:rPr>
+                          <m:t>(</m:t>
+                        </m:r>
+                        <m:r>
+                          <a:rPr lang="en-US" sz="2000" b="0" i="1" smtClean="0">
+                            <a:latin typeface="Cambria Math" panose="02040503050406030204" pitchFamily="18" charset="0"/>
+                            <a:cs typeface="Arial" panose="020B0604020202020204" pitchFamily="34" charset="0"/>
+                          </a:rPr>
+                          <m:t>𝑥</m:t>
+                        </m:r>
+                        <m:r>
+                          <a:rPr lang="en-US" sz="2000" b="0" i="1" smtClean="0">
+                            <a:latin typeface="Cambria Math" panose="02040503050406030204" pitchFamily="18" charset="0"/>
+                            <a:cs typeface="Arial" panose="020B0604020202020204" pitchFamily="34" charset="0"/>
+                          </a:rPr>
+                          <m:t>)</m:t>
+                        </m:r>
                       </m:oMath>
                     </m:oMathPara>
                   </a14:m>
@@ -9285,7 +9307,7 @@
               </p:txBody>
             </p:sp>
           </mc:Choice>
-          <mc:Fallback xmlns="">
+          <mc:Fallback>
             <p:sp>
               <p:nvSpPr>
                 <p:cNvPr id="49" name="TextBox 48"/>
@@ -9297,7 +9319,7 @@
               <p:spPr>
                 <a:xfrm>
                   <a:off x="9050491" y="1156939"/>
-                  <a:ext cx="237629" cy="345159"/>
+                  <a:ext cx="593239" cy="345159"/>
                 </a:xfrm>
                 <a:prstGeom prst="rect">
                   <a:avLst/>
@@ -9305,7 +9327,7 @@
                 <a:blipFill>
                   <a:blip r:embed="rId4"/>
                   <a:stretch>
-                    <a:fillRect l="-23077" t="-35714" r="-89744" b="-8929"/>
+                    <a:fillRect l="-9278" t="-35714" r="-14433" b="-35714"/>
                   </a:stretch>
                 </a:blipFill>
               </p:spPr>
@@ -13722,8 +13744,8 @@
             </a:fontRef>
           </p:style>
         </p:cxnSp>
-        <mc:AlternateContent xmlns:mc="http://schemas.openxmlformats.org/markup-compatibility/2006">
-          <mc:Choice xmlns:a14="http://schemas.microsoft.com/office/drawing/2010/main" Requires="a14">
+        <mc:AlternateContent xmlns:mc="http://schemas.openxmlformats.org/markup-compatibility/2006" xmlns:a14="http://schemas.microsoft.com/office/drawing/2010/main">
+          <mc:Choice Requires="a14">
             <p:sp>
               <p:nvSpPr>
                 <p:cNvPr id="86" name="TextBox 85"/>
@@ -13805,7 +13827,7 @@
               </p:txBody>
             </p:sp>
           </mc:Choice>
-          <mc:Fallback>
+          <mc:Fallback xmlns="">
             <p:sp>
               <p:nvSpPr>
                 <p:cNvPr id="86" name="TextBox 85"/>
@@ -13844,8 +13866,8 @@
             </p:sp>
           </mc:Fallback>
         </mc:AlternateContent>
-        <mc:AlternateContent xmlns:mc="http://schemas.openxmlformats.org/markup-compatibility/2006">
-          <mc:Choice xmlns:a14="http://schemas.microsoft.com/office/drawing/2010/main" Requires="a14">
+        <mc:AlternateContent xmlns:mc="http://schemas.openxmlformats.org/markup-compatibility/2006" xmlns:a14="http://schemas.microsoft.com/office/drawing/2010/main">
+          <mc:Choice Requires="a14">
             <p:sp>
               <p:nvSpPr>
                 <p:cNvPr id="96" name="TextBox 95"/>
@@ -13927,7 +13949,7 @@
               </p:txBody>
             </p:sp>
           </mc:Choice>
-          <mc:Fallback>
+          <mc:Fallback xmlns="">
             <p:sp>
               <p:nvSpPr>
                 <p:cNvPr id="96" name="TextBox 95"/>
@@ -14014,8 +14036,8 @@
             </a:p>
           </p:txBody>
         </p:sp>
-        <mc:AlternateContent xmlns:mc="http://schemas.openxmlformats.org/markup-compatibility/2006">
-          <mc:Choice xmlns:a14="http://schemas.microsoft.com/office/drawing/2010/main" Requires="a14">
+        <mc:AlternateContent xmlns:mc="http://schemas.openxmlformats.org/markup-compatibility/2006" xmlns:a14="http://schemas.microsoft.com/office/drawing/2010/main">
+          <mc:Choice Requires="a14">
             <p:sp>
               <p:nvSpPr>
                 <p:cNvPr id="103" name="TextBox 102"/>
@@ -14076,7 +14098,7 @@
               </p:txBody>
             </p:sp>
           </mc:Choice>
-          <mc:Fallback>
+          <mc:Fallback xmlns="">
             <p:sp>
               <p:nvSpPr>
                 <p:cNvPr id="103" name="TextBox 102"/>
@@ -14151,8 +14173,8 @@
             </a:fontRef>
           </p:style>
         </p:cxnSp>
-        <mc:AlternateContent xmlns:mc="http://schemas.openxmlformats.org/markup-compatibility/2006">
-          <mc:Choice xmlns:a14="http://schemas.microsoft.com/office/drawing/2010/main" Requires="a14">
+        <mc:AlternateContent xmlns:mc="http://schemas.openxmlformats.org/markup-compatibility/2006" xmlns:a14="http://schemas.microsoft.com/office/drawing/2010/main">
+          <mc:Choice Requires="a14">
             <p:sp>
               <p:nvSpPr>
                 <p:cNvPr id="40" name="TextBox 39"/>
@@ -14175,6 +14197,7 @@
                 </a:bodyPr>
                 <a:lstStyle/>
                 <a:p>
+                  <a:pPr/>
                   <a14:m>
                     <m:oMathPara xmlns:m="http://schemas.openxmlformats.org/officeDocument/2006/math">
                       <m:oMathParaPr>
@@ -14199,7 +14222,7 @@
               </p:txBody>
             </p:sp>
           </mc:Choice>
-          <mc:Fallback>
+          <mc:Fallback xmlns="">
             <p:sp>
               <p:nvSpPr>
                 <p:cNvPr id="40" name="TextBox 39"/>
@@ -14424,8 +14447,8 @@
               </a:fontRef>
             </p:style>
           </p:cxnSp>
-          <mc:AlternateContent xmlns:mc="http://schemas.openxmlformats.org/markup-compatibility/2006">
-            <mc:Choice xmlns:a14="http://schemas.microsoft.com/office/drawing/2010/main" Requires="a14">
+          <mc:AlternateContent xmlns:mc="http://schemas.openxmlformats.org/markup-compatibility/2006" xmlns:a14="http://schemas.microsoft.com/office/drawing/2010/main">
+            <mc:Choice Requires="a14">
               <p:sp>
                 <p:nvSpPr>
                   <p:cNvPr id="30" name="TextBox 29"/>
@@ -14507,7 +14530,7 @@
                 </p:txBody>
               </p:sp>
             </mc:Choice>
-            <mc:Fallback>
+            <mc:Fallback xmlns="">
               <p:sp>
                 <p:nvSpPr>
                   <p:cNvPr id="30" name="TextBox 29"/>
@@ -14546,8 +14569,8 @@
               </p:sp>
             </mc:Fallback>
           </mc:AlternateContent>
-          <mc:AlternateContent xmlns:mc="http://schemas.openxmlformats.org/markup-compatibility/2006">
-            <mc:Choice xmlns:a14="http://schemas.microsoft.com/office/drawing/2010/main" Requires="a14">
+          <mc:AlternateContent xmlns:mc="http://schemas.openxmlformats.org/markup-compatibility/2006" xmlns:a14="http://schemas.microsoft.com/office/drawing/2010/main">
+            <mc:Choice Requires="a14">
               <p:sp>
                 <p:nvSpPr>
                   <p:cNvPr id="31" name="TextBox 30"/>
@@ -14629,7 +14652,7 @@
                 </p:txBody>
               </p:sp>
             </mc:Choice>
-            <mc:Fallback>
+            <mc:Fallback xmlns="">
               <p:sp>
                 <p:nvSpPr>
                   <p:cNvPr id="31" name="TextBox 30"/>
@@ -14716,8 +14739,8 @@
               </a:p>
             </p:txBody>
           </p:sp>
-          <mc:AlternateContent xmlns:mc="http://schemas.openxmlformats.org/markup-compatibility/2006">
-            <mc:Choice xmlns:a14="http://schemas.microsoft.com/office/drawing/2010/main" Requires="a14">
+          <mc:AlternateContent xmlns:mc="http://schemas.openxmlformats.org/markup-compatibility/2006" xmlns:a14="http://schemas.microsoft.com/office/drawing/2010/main">
+            <mc:Choice Requires="a14">
               <p:sp>
                 <p:nvSpPr>
                   <p:cNvPr id="33" name="TextBox 32"/>
@@ -14778,7 +14801,7 @@
                 </p:txBody>
               </p:sp>
             </mc:Choice>
-            <mc:Fallback>
+            <mc:Fallback xmlns="">
               <p:sp>
                 <p:nvSpPr>
                   <p:cNvPr id="33" name="TextBox 32"/>
@@ -14854,8 +14877,8 @@
               </a:fontRef>
             </p:style>
           </p:cxnSp>
-          <mc:AlternateContent xmlns:mc="http://schemas.openxmlformats.org/markup-compatibility/2006">
-            <mc:Choice xmlns:a14="http://schemas.microsoft.com/office/drawing/2010/main" Requires="a14">
+          <mc:AlternateContent xmlns:mc="http://schemas.openxmlformats.org/markup-compatibility/2006" xmlns:a14="http://schemas.microsoft.com/office/drawing/2010/main">
+            <mc:Choice Requires="a14">
               <p:sp>
                 <p:nvSpPr>
                   <p:cNvPr id="41" name="TextBox 40"/>
@@ -14878,6 +14901,7 @@
                   </a:bodyPr>
                   <a:lstStyle/>
                   <a:p>
+                    <a:pPr/>
                     <a14:m>
                       <m:oMathPara xmlns:m="http://schemas.openxmlformats.org/officeDocument/2006/math">
                         <m:oMathParaPr>
@@ -14915,7 +14939,7 @@
                 </p:txBody>
               </p:sp>
             </mc:Choice>
-            <mc:Fallback>
+            <mc:Fallback xmlns="">
               <p:sp>
                 <p:nvSpPr>
                   <p:cNvPr id="41" name="TextBox 40"/>
@@ -15405,8 +15429,8 @@
             </a:fontRef>
           </p:style>
         </p:cxnSp>
-        <mc:AlternateContent xmlns:mc="http://schemas.openxmlformats.org/markup-compatibility/2006">
-          <mc:Choice xmlns:a14="http://schemas.microsoft.com/office/drawing/2010/main" Requires="a14">
+        <mc:AlternateContent xmlns:mc="http://schemas.openxmlformats.org/markup-compatibility/2006" xmlns:a14="http://schemas.microsoft.com/office/drawing/2010/main">
+          <mc:Choice Requires="a14">
             <p:sp>
               <p:nvSpPr>
                 <p:cNvPr id="57" name="TextBox 56"/>
@@ -15429,6 +15453,7 @@
                 </a:bodyPr>
                 <a:lstStyle/>
                 <a:p>
+                  <a:pPr/>
                   <a14:m>
                     <m:oMathPara xmlns:m="http://schemas.openxmlformats.org/officeDocument/2006/math">
                       <m:oMathParaPr>
@@ -15453,7 +15478,7 @@
               </p:txBody>
             </p:sp>
           </mc:Choice>
-          <mc:Fallback>
+          <mc:Fallback xmlns="">
             <p:sp>
               <p:nvSpPr>
                 <p:cNvPr id="57" name="TextBox 56"/>
@@ -15492,8 +15517,8 @@
             </p:sp>
           </mc:Fallback>
         </mc:AlternateContent>
-        <mc:AlternateContent xmlns:mc="http://schemas.openxmlformats.org/markup-compatibility/2006">
-          <mc:Choice xmlns:a14="http://schemas.microsoft.com/office/drawing/2010/main" Requires="a14">
+        <mc:AlternateContent xmlns:mc="http://schemas.openxmlformats.org/markup-compatibility/2006" xmlns:a14="http://schemas.microsoft.com/office/drawing/2010/main">
+          <mc:Choice Requires="a14">
             <p:sp>
               <p:nvSpPr>
                 <p:cNvPr id="58" name="TextBox 57"/>
@@ -15516,6 +15541,7 @@
                 </a:bodyPr>
                 <a:lstStyle/>
                 <a:p>
+                  <a:pPr/>
                   <a14:m>
                     <m:oMathPara xmlns:m="http://schemas.openxmlformats.org/officeDocument/2006/math">
                       <m:oMathParaPr>
@@ -15540,7 +15566,7 @@
               </p:txBody>
             </p:sp>
           </mc:Choice>
-          <mc:Fallback>
+          <mc:Fallback xmlns="">
             <p:sp>
               <p:nvSpPr>
                 <p:cNvPr id="58" name="TextBox 57"/>
@@ -17333,7 +17359,7 @@
         </p:nvGrpSpPr>
         <p:grpSpPr>
           <a:xfrm>
-            <a:off x="7296900" y="73455"/>
+            <a:off x="4189015" y="106822"/>
             <a:ext cx="2170483" cy="3277135"/>
             <a:chOff x="8507789" y="1581444"/>
             <a:chExt cx="2170483" cy="3277135"/>
@@ -17509,8 +17535,8 @@
               </a:fontRef>
             </p:style>
           </p:cxnSp>
-          <mc:AlternateContent xmlns:mc="http://schemas.openxmlformats.org/markup-compatibility/2006">
-            <mc:Choice xmlns:a14="http://schemas.microsoft.com/office/drawing/2010/main" Requires="a14">
+          <mc:AlternateContent xmlns:mc="http://schemas.openxmlformats.org/markup-compatibility/2006" xmlns:a14="http://schemas.microsoft.com/office/drawing/2010/main">
+            <mc:Choice Requires="a14">
               <p:sp>
                 <p:nvSpPr>
                   <p:cNvPr id="17" name="TextBox 16"/>
@@ -17571,7 +17597,7 @@
                 </p:txBody>
               </p:sp>
             </mc:Choice>
-            <mc:Fallback>
+            <mc:Fallback xmlns="">
               <p:sp>
                 <p:nvSpPr>
                   <p:cNvPr id="17" name="TextBox 16"/>
@@ -17610,8 +17636,8 @@
               </p:sp>
             </mc:Fallback>
           </mc:AlternateContent>
-          <mc:AlternateContent xmlns:mc="http://schemas.openxmlformats.org/markup-compatibility/2006">
-            <mc:Choice xmlns:a14="http://schemas.microsoft.com/office/drawing/2010/main" Requires="a14">
+          <mc:AlternateContent xmlns:mc="http://schemas.openxmlformats.org/markup-compatibility/2006" xmlns:a14="http://schemas.microsoft.com/office/drawing/2010/main">
+            <mc:Choice Requires="a14">
               <p:sp>
                 <p:nvSpPr>
                   <p:cNvPr id="18" name="TextBox 17"/>
@@ -17672,7 +17698,7 @@
                 </p:txBody>
               </p:sp>
             </mc:Choice>
-            <mc:Fallback>
+            <mc:Fallback xmlns="">
               <p:sp>
                 <p:nvSpPr>
                   <p:cNvPr id="18" name="TextBox 17"/>
@@ -17969,8 +17995,8 @@
               </a:p>
             </p:txBody>
           </p:sp>
-          <mc:AlternateContent xmlns:mc="http://schemas.openxmlformats.org/markup-compatibility/2006">
-            <mc:Choice xmlns:a14="http://schemas.microsoft.com/office/drawing/2010/main" Requires="a14">
+          <mc:AlternateContent xmlns:mc="http://schemas.openxmlformats.org/markup-compatibility/2006" xmlns:a14="http://schemas.microsoft.com/office/drawing/2010/main">
+            <mc:Choice Requires="a14">
               <p:sp>
                 <p:nvSpPr>
                   <p:cNvPr id="22" name="TextBox 21"/>
@@ -18052,7 +18078,7 @@
                 </p:txBody>
               </p:sp>
             </mc:Choice>
-            <mc:Fallback>
+            <mc:Fallback xmlns="">
               <p:sp>
                 <p:nvSpPr>
                   <p:cNvPr id="22" name="TextBox 21"/>
@@ -18191,8 +18217,8 @@
                   </a:fontRef>
                 </p:style>
               </p:cxnSp>
-              <mc:AlternateContent xmlns:mc="http://schemas.openxmlformats.org/markup-compatibility/2006">
-                <mc:Choice xmlns:a14="http://schemas.microsoft.com/office/drawing/2010/main" Requires="a14">
+              <mc:AlternateContent xmlns:mc="http://schemas.openxmlformats.org/markup-compatibility/2006" xmlns:a14="http://schemas.microsoft.com/office/drawing/2010/main">
+                <mc:Choice Requires="a14">
                   <p:sp>
                     <p:nvSpPr>
                       <p:cNvPr id="28" name="Rectangle 27"/>
@@ -18236,7 +18262,7 @@
                     </p:txBody>
                   </p:sp>
                 </mc:Choice>
-                <mc:Fallback>
+                <mc:Fallback xmlns="">
                   <p:sp>
                     <p:nvSpPr>
                       <p:cNvPr id="28" name="Rectangle 27"/>
@@ -18275,8 +18301,8 @@
                   </p:sp>
                 </mc:Fallback>
               </mc:AlternateContent>
-              <mc:AlternateContent xmlns:mc="http://schemas.openxmlformats.org/markup-compatibility/2006">
-                <mc:Choice xmlns:a14="http://schemas.microsoft.com/office/drawing/2010/main" Requires="a14">
+              <mc:AlternateContent xmlns:mc="http://schemas.openxmlformats.org/markup-compatibility/2006" xmlns:a14="http://schemas.microsoft.com/office/drawing/2010/main">
+                <mc:Choice Requires="a14">
                   <p:sp>
                     <p:nvSpPr>
                       <p:cNvPr id="29" name="Rectangle 28"/>
@@ -18319,7 +18345,7 @@
                     </p:txBody>
                   </p:sp>
                 </mc:Choice>
-                <mc:Fallback>
+                <mc:Fallback xmlns="">
                   <p:sp>
                     <p:nvSpPr>
                       <p:cNvPr id="29" name="Rectangle 28"/>
@@ -18358,8 +18384,8 @@
                   </p:sp>
                 </mc:Fallback>
               </mc:AlternateContent>
-              <mc:AlternateContent xmlns:mc="http://schemas.openxmlformats.org/markup-compatibility/2006">
-                <mc:Choice xmlns:a14="http://schemas.microsoft.com/office/drawing/2010/main" Requires="a14">
+              <mc:AlternateContent xmlns:mc="http://schemas.openxmlformats.org/markup-compatibility/2006" xmlns:a14="http://schemas.microsoft.com/office/drawing/2010/main">
+                <mc:Choice Requires="a14">
                   <p:sp>
                     <p:nvSpPr>
                       <p:cNvPr id="30" name="Rectangle 29"/>
@@ -18403,7 +18429,7 @@
                     </p:txBody>
                   </p:sp>
                 </mc:Choice>
-                <mc:Fallback>
+                <mc:Fallback xmlns="">
                   <p:sp>
                     <p:nvSpPr>
                       <p:cNvPr id="30" name="Rectangle 29"/>
@@ -18470,8 +18496,8 @@
             </p:sp>
           </p:grpSp>
         </p:grpSp>
-        <mc:AlternateContent xmlns:mc="http://schemas.openxmlformats.org/markup-compatibility/2006">
-          <mc:Choice xmlns:a14="http://schemas.microsoft.com/office/drawing/2010/main" Requires="a14">
+        <mc:AlternateContent xmlns:mc="http://schemas.openxmlformats.org/markup-compatibility/2006" xmlns:a14="http://schemas.microsoft.com/office/drawing/2010/main">
+          <mc:Choice Requires="a14">
             <p:sp>
               <p:nvSpPr>
                 <p:cNvPr id="32" name="TextBox 31"/>
@@ -18494,6 +18520,7 @@
                 </a:bodyPr>
                 <a:lstStyle/>
                 <a:p>
+                  <a:pPr/>
                   <a14:m>
                     <m:oMathPara xmlns:m="http://schemas.openxmlformats.org/officeDocument/2006/math">
                       <m:oMathParaPr>
@@ -18532,7 +18559,7 @@
               </p:txBody>
             </p:sp>
           </mc:Choice>
-          <mc:Fallback>
+          <mc:Fallback xmlns="">
             <p:sp>
               <p:nvSpPr>
                 <p:cNvPr id="32" name="TextBox 31"/>
@@ -18574,21 +18601,21 @@
       </p:grpSp>
       <p:grpSp>
         <p:nvGrpSpPr>
-          <p:cNvPr id="46" name="Group 45"/>
+          <p:cNvPr id="3" name="Group 2"/>
           <p:cNvGrpSpPr/>
           <p:nvPr/>
         </p:nvGrpSpPr>
         <p:grpSpPr>
           <a:xfrm>
-            <a:off x="635619" y="427852"/>
-            <a:ext cx="2776653" cy="2922738"/>
-            <a:chOff x="635619" y="427852"/>
-            <a:chExt cx="2776653" cy="2922738"/>
+            <a:off x="377469" y="330948"/>
+            <a:ext cx="3316786" cy="3019642"/>
+            <a:chOff x="377469" y="330948"/>
+            <a:chExt cx="3316786" cy="3019642"/>
           </a:xfrm>
         </p:grpSpPr>
         <p:grpSp>
           <p:nvGrpSpPr>
-            <p:cNvPr id="11" name="Group 10"/>
+            <p:cNvPr id="46" name="Group 45"/>
             <p:cNvGrpSpPr/>
             <p:nvPr/>
           </p:nvGrpSpPr>
@@ -18596,19 +18623,960 @@
             <a:xfrm>
               <a:off x="635619" y="427852"/>
               <a:ext cx="2776653" cy="2922738"/>
-              <a:chOff x="1694985" y="1694985"/>
+              <a:chOff x="635619" y="427852"/>
               <a:chExt cx="2776653" cy="2922738"/>
             </a:xfrm>
           </p:grpSpPr>
+          <p:grpSp>
+            <p:nvGrpSpPr>
+              <p:cNvPr id="11" name="Group 10"/>
+              <p:cNvGrpSpPr/>
+              <p:nvPr/>
+            </p:nvGrpSpPr>
+            <p:grpSpPr>
+              <a:xfrm>
+                <a:off x="635619" y="427852"/>
+                <a:ext cx="2776653" cy="2922738"/>
+                <a:chOff x="1694985" y="1694985"/>
+                <a:chExt cx="2776653" cy="2922738"/>
+              </a:xfrm>
+            </p:grpSpPr>
+            <p:sp>
+              <p:nvSpPr>
+                <p:cNvPr id="6" name="Oval 5"/>
+                <p:cNvSpPr/>
+                <p:nvPr/>
+              </p:nvSpPr>
+              <p:spPr>
+                <a:xfrm>
+                  <a:off x="1694985" y="1694985"/>
+                  <a:ext cx="2642839" cy="2486722"/>
+                </a:xfrm>
+                <a:prstGeom prst="ellipse">
+                  <a:avLst/>
+                </a:prstGeom>
+                <a:noFill/>
+                <a:ln w="38100">
+                  <a:solidFill>
+                    <a:schemeClr val="tx1"/>
+                  </a:solidFill>
+                  <a:prstDash val="dash"/>
+                </a:ln>
+              </p:spPr>
+              <p:style>
+                <a:lnRef idx="2">
+                  <a:schemeClr val="accent1">
+                    <a:shade val="50000"/>
+                  </a:schemeClr>
+                </a:lnRef>
+                <a:fillRef idx="1">
+                  <a:schemeClr val="accent1"/>
+                </a:fillRef>
+                <a:effectRef idx="0">
+                  <a:schemeClr val="accent1"/>
+                </a:effectRef>
+                <a:fontRef idx="minor">
+                  <a:schemeClr val="lt1"/>
+                </a:fontRef>
+              </p:style>
+              <p:txBody>
+                <a:bodyPr rtlCol="0" anchor="ctr"/>
+                <a:lstStyle/>
+                <a:p>
+                  <a:pPr algn="ctr"/>
+                  <a:endParaRPr lang="en-US"/>
+                </a:p>
+              </p:txBody>
+            </p:sp>
+            <p:sp>
+              <p:nvSpPr>
+                <p:cNvPr id="5" name="Rectangle 4"/>
+                <p:cNvSpPr/>
+                <p:nvPr/>
+              </p:nvSpPr>
+              <p:spPr>
+                <a:xfrm>
+                  <a:off x="4204009" y="2810107"/>
+                  <a:ext cx="267629" cy="256478"/>
+                </a:xfrm>
+                <a:prstGeom prst="rect">
+                  <a:avLst/>
+                </a:prstGeom>
+                <a:solidFill>
+                  <a:schemeClr val="bg2">
+                    <a:lumMod val="90000"/>
+                  </a:schemeClr>
+                </a:solidFill>
+                <a:ln w="38100">
+                  <a:solidFill>
+                    <a:schemeClr val="tx1"/>
+                  </a:solidFill>
+                </a:ln>
+              </p:spPr>
+              <p:style>
+                <a:lnRef idx="2">
+                  <a:schemeClr val="accent1">
+                    <a:shade val="50000"/>
+                  </a:schemeClr>
+                </a:lnRef>
+                <a:fillRef idx="1">
+                  <a:schemeClr val="accent1"/>
+                </a:fillRef>
+                <a:effectRef idx="0">
+                  <a:schemeClr val="accent1"/>
+                </a:effectRef>
+                <a:fontRef idx="minor">
+                  <a:schemeClr val="lt1"/>
+                </a:fontRef>
+              </p:style>
+              <p:txBody>
+                <a:bodyPr rtlCol="0" anchor="ctr"/>
+                <a:lstStyle/>
+                <a:p>
+                  <a:pPr algn="ctr"/>
+                  <a:endParaRPr lang="en-US"/>
+                </a:p>
+              </p:txBody>
+            </p:sp>
+            <p:cxnSp>
+              <p:nvCxnSpPr>
+                <p:cNvPr id="8" name="Straight Connector 7"/>
+                <p:cNvCxnSpPr>
+                  <a:stCxn id="5" idx="1"/>
+                </p:cNvCxnSpPr>
+                <p:nvPr/>
+              </p:nvCxnSpPr>
+              <p:spPr>
+                <a:xfrm flipH="1">
+                  <a:off x="3016404" y="2938346"/>
+                  <a:ext cx="1187605" cy="0"/>
+                </a:xfrm>
+                <a:prstGeom prst="line">
+                  <a:avLst/>
+                </a:prstGeom>
+                <a:ln w="38100">
+                  <a:solidFill>
+                    <a:schemeClr val="tx1"/>
+                  </a:solidFill>
+                </a:ln>
+              </p:spPr>
+              <p:style>
+                <a:lnRef idx="1">
+                  <a:schemeClr val="accent1"/>
+                </a:lnRef>
+                <a:fillRef idx="0">
+                  <a:schemeClr val="accent1"/>
+                </a:fillRef>
+                <a:effectRef idx="0">
+                  <a:schemeClr val="accent1"/>
+                </a:effectRef>
+                <a:fontRef idx="minor">
+                  <a:schemeClr val="tx1"/>
+                </a:fontRef>
+              </p:style>
+            </p:cxnSp>
+            <p:sp>
+              <p:nvSpPr>
+                <p:cNvPr id="9" name="Oval 8"/>
+                <p:cNvSpPr/>
+                <p:nvPr/>
+              </p:nvSpPr>
+              <p:spPr>
+                <a:xfrm>
+                  <a:off x="2944781" y="2880624"/>
+                  <a:ext cx="120943" cy="119766"/>
+                </a:xfrm>
+                <a:prstGeom prst="ellipse">
+                  <a:avLst/>
+                </a:prstGeom>
+                <a:solidFill>
+                  <a:schemeClr val="tx1"/>
+                </a:solidFill>
+                <a:ln w="38100">
+                  <a:solidFill>
+                    <a:schemeClr val="tx1"/>
+                  </a:solidFill>
+                </a:ln>
+              </p:spPr>
+              <p:style>
+                <a:lnRef idx="2">
+                  <a:schemeClr val="accent1">
+                    <a:shade val="50000"/>
+                  </a:schemeClr>
+                </a:lnRef>
+                <a:fillRef idx="1">
+                  <a:schemeClr val="accent1"/>
+                </a:fillRef>
+                <a:effectRef idx="0">
+                  <a:schemeClr val="accent1"/>
+                </a:effectRef>
+                <a:fontRef idx="minor">
+                  <a:schemeClr val="lt1"/>
+                </a:fontRef>
+              </p:style>
+              <p:txBody>
+                <a:bodyPr rtlCol="0" anchor="ctr"/>
+                <a:lstStyle/>
+                <a:p>
+                  <a:pPr algn="ctr"/>
+                  <a:endParaRPr lang="en-US"/>
+                </a:p>
+              </p:txBody>
+            </p:sp>
+            <mc:AlternateContent xmlns:mc="http://schemas.openxmlformats.org/markup-compatibility/2006" xmlns:a14="http://schemas.microsoft.com/office/drawing/2010/main">
+              <mc:Choice Requires="a14">
+                <p:sp>
+                  <p:nvSpPr>
+                    <p:cNvPr id="10" name="TextBox 9"/>
+                    <p:cNvSpPr txBox="1"/>
+                    <p:nvPr/>
+                  </p:nvSpPr>
+                  <p:spPr>
+                    <a:xfrm>
+                      <a:off x="2392033" y="4309946"/>
+                      <a:ext cx="1105495" cy="307777"/>
+                    </a:xfrm>
+                    <a:prstGeom prst="rect">
+                      <a:avLst/>
+                    </a:prstGeom>
+                    <a:noFill/>
+                  </p:spPr>
+                  <p:txBody>
+                    <a:bodyPr wrap="none" lIns="0" tIns="0" rIns="0" bIns="0" rtlCol="0">
+                      <a:spAutoFit/>
+                    </a:bodyPr>
+                    <a:lstStyle/>
+                    <a:p>
+                      <a:pPr/>
+                      <a14:m>
+                        <m:oMathPara xmlns:m="http://schemas.openxmlformats.org/officeDocument/2006/math">
+                          <m:oMathParaPr>
+                            <m:jc m:val="centerGroup"/>
+                          </m:oMathParaPr>
+                          <m:oMath xmlns:m="http://schemas.openxmlformats.org/officeDocument/2006/math">
+                            <m:r>
+                              <a:rPr lang="en-US" sz="2000" b="0" i="1" smtClean="0">
+                                <a:latin typeface="Cambria Math" panose="02040503050406030204" pitchFamily="18" charset="0"/>
+                                <a:cs typeface="Arial" panose="020B0604020202020204" pitchFamily="34" charset="0"/>
+                              </a:rPr>
+                              <m:t>𝑇𝑜𝑝</m:t>
+                            </m:r>
+                            <m:r>
+                              <a:rPr lang="en-US" sz="2000" b="0" i="1" smtClean="0">
+                                <a:latin typeface="Cambria Math" panose="02040503050406030204" pitchFamily="18" charset="0"/>
+                                <a:cs typeface="Arial" panose="020B0604020202020204" pitchFamily="34" charset="0"/>
+                              </a:rPr>
+                              <m:t> </m:t>
+                            </m:r>
+                            <m:r>
+                              <a:rPr lang="en-US" sz="2000" b="0" i="1" smtClean="0">
+                                <a:latin typeface="Cambria Math" panose="02040503050406030204" pitchFamily="18" charset="0"/>
+                                <a:cs typeface="Arial" panose="020B0604020202020204" pitchFamily="34" charset="0"/>
+                              </a:rPr>
+                              <m:t>𝑣𝑖𝑒𝑤</m:t>
+                            </m:r>
+                          </m:oMath>
+                        </m:oMathPara>
+                      </a14:m>
+                      <a:endParaRPr lang="en-US" sz="2000" dirty="0" smtClean="0">
+                        <a:latin typeface="Arial" panose="020B0604020202020204" pitchFamily="34" charset="0"/>
+                        <a:cs typeface="Arial" panose="020B0604020202020204" pitchFamily="34" charset="0"/>
+                      </a:endParaRPr>
+                    </a:p>
+                  </p:txBody>
+                </p:sp>
+              </mc:Choice>
+              <mc:Fallback xmlns="">
+                <p:sp>
+                  <p:nvSpPr>
+                    <p:cNvPr id="10" name="TextBox 9"/>
+                    <p:cNvSpPr txBox="1">
+                      <a:spLocks noRot="1" noChangeAspect="1" noMove="1" noResize="1" noEditPoints="1" noAdjustHandles="1" noChangeArrowheads="1" noChangeShapeType="1" noTextEdit="1"/>
+                    </p:cNvSpPr>
+                    <p:nvPr/>
+                  </p:nvSpPr>
+                  <p:spPr>
+                    <a:xfrm>
+                      <a:off x="2392033" y="4309946"/>
+                      <a:ext cx="1105495" cy="307777"/>
+                    </a:xfrm>
+                    <a:prstGeom prst="rect">
+                      <a:avLst/>
+                    </a:prstGeom>
+                    <a:blipFill>
+                      <a:blip r:embed="rId49"/>
+                      <a:stretch>
+                        <a:fillRect l="-6630" r="-3867" b="-35294"/>
+                      </a:stretch>
+                    </a:blipFill>
+                  </p:spPr>
+                  <p:txBody>
+                    <a:bodyPr/>
+                    <a:lstStyle/>
+                    <a:p>
+                      <a:r>
+                        <a:rPr lang="en-US">
+                          <a:noFill/>
+                        </a:rPr>
+                        <a:t> </a:t>
+                      </a:r>
+                    </a:p>
+                  </p:txBody>
+                </p:sp>
+              </mc:Fallback>
+            </mc:AlternateContent>
+          </p:grpSp>
+          <mc:AlternateContent xmlns:mc="http://schemas.openxmlformats.org/markup-compatibility/2006" xmlns:a14="http://schemas.microsoft.com/office/drawing/2010/main">
+            <mc:Choice Requires="a14">
+              <p:sp>
+                <p:nvSpPr>
+                  <p:cNvPr id="44" name="TextBox 43"/>
+                  <p:cNvSpPr txBox="1"/>
+                  <p:nvPr/>
+                </p:nvSpPr>
+                <p:spPr>
+                  <a:xfrm>
+                    <a:off x="2437557" y="1283880"/>
+                    <a:ext cx="241540" cy="307777"/>
+                  </a:xfrm>
+                  <a:prstGeom prst="rect">
+                    <a:avLst/>
+                  </a:prstGeom>
+                  <a:noFill/>
+                </p:spPr>
+                <p:txBody>
+                  <a:bodyPr wrap="none" lIns="0" tIns="0" rIns="0" bIns="0" rtlCol="0">
+                    <a:spAutoFit/>
+                  </a:bodyPr>
+                  <a:lstStyle/>
+                  <a:p>
+                    <a:pPr/>
+                    <a14:m>
+                      <m:oMathPara xmlns:m="http://schemas.openxmlformats.org/officeDocument/2006/math">
+                        <m:oMathParaPr>
+                          <m:jc m:val="centerGroup"/>
+                        </m:oMathParaPr>
+                        <m:oMath xmlns:m="http://schemas.openxmlformats.org/officeDocument/2006/math">
+                          <m:r>
+                            <a:rPr lang="en-US" sz="2000" b="0" i="1" smtClean="0">
+                              <a:latin typeface="Cambria Math" panose="02040503050406030204" pitchFamily="18" charset="0"/>
+                              <a:cs typeface="Arial" panose="020B0604020202020204" pitchFamily="34" charset="0"/>
+                            </a:rPr>
+                            <m:t>𝑅</m:t>
+                          </m:r>
+                        </m:oMath>
+                      </m:oMathPara>
+                    </a14:m>
+                    <a:endParaRPr lang="en-US" sz="2000" dirty="0" smtClean="0">
+                      <a:latin typeface="Arial" panose="020B0604020202020204" pitchFamily="34" charset="0"/>
+                      <a:cs typeface="Arial" panose="020B0604020202020204" pitchFamily="34" charset="0"/>
+                    </a:endParaRPr>
+                  </a:p>
+                </p:txBody>
+              </p:sp>
+            </mc:Choice>
+            <mc:Fallback xmlns="">
+              <p:sp>
+                <p:nvSpPr>
+                  <p:cNvPr id="44" name="TextBox 43"/>
+                  <p:cNvSpPr txBox="1">
+                    <a:spLocks noRot="1" noChangeAspect="1" noMove="1" noResize="1" noEditPoints="1" noAdjustHandles="1" noChangeArrowheads="1" noChangeShapeType="1" noTextEdit="1"/>
+                  </p:cNvSpPr>
+                  <p:nvPr/>
+                </p:nvSpPr>
+                <p:spPr>
+                  <a:xfrm>
+                    <a:off x="2437557" y="1283880"/>
+                    <a:ext cx="241540" cy="307777"/>
+                  </a:xfrm>
+                  <a:prstGeom prst="rect">
+                    <a:avLst/>
+                  </a:prstGeom>
+                  <a:blipFill>
+                    <a:blip r:embed="rId50"/>
+                    <a:stretch>
+                      <a:fillRect l="-23077" r="-20513" b="-10000"/>
+                    </a:stretch>
+                  </a:blipFill>
+                </p:spPr>
+                <p:txBody>
+                  <a:bodyPr/>
+                  <a:lstStyle/>
+                  <a:p>
+                    <a:r>
+                      <a:rPr lang="en-US">
+                        <a:noFill/>
+                      </a:rPr>
+                      <a:t> </a:t>
+                    </a:r>
+                  </a:p>
+                </p:txBody>
+              </p:sp>
+            </mc:Fallback>
+          </mc:AlternateContent>
+        </p:grpSp>
+        <p:sp>
+          <p:nvSpPr>
+            <p:cNvPr id="2" name="Arc 1"/>
+            <p:cNvSpPr/>
+            <p:nvPr/>
+          </p:nvSpPr>
+          <p:spPr>
+            <a:xfrm>
+              <a:off x="377469" y="330948"/>
+              <a:ext cx="3316786" cy="2680530"/>
+            </a:xfrm>
+            <a:prstGeom prst="arc">
+              <a:avLst>
+                <a:gd name="adj1" fmla="val 20461601"/>
+                <a:gd name="adj2" fmla="val 879025"/>
+              </a:avLst>
+            </a:prstGeom>
+            <a:ln w="38100">
+              <a:solidFill>
+                <a:schemeClr val="tx1"/>
+              </a:solidFill>
+              <a:headEnd type="triangle" w="med" len="med"/>
+              <a:tailEnd type="none" w="med" len="med"/>
+            </a:ln>
+          </p:spPr>
+          <p:style>
+            <a:lnRef idx="1">
+              <a:schemeClr val="accent1"/>
+            </a:lnRef>
+            <a:fillRef idx="0">
+              <a:schemeClr val="accent1"/>
+            </a:fillRef>
+            <a:effectRef idx="0">
+              <a:schemeClr val="accent1"/>
+            </a:effectRef>
+            <a:fontRef idx="minor">
+              <a:schemeClr val="tx1"/>
+            </a:fontRef>
+          </p:style>
+          <p:txBody>
+            <a:bodyPr rtlCol="0" anchor="ctr"/>
+            <a:lstStyle/>
+            <a:p>
+              <a:pPr algn="ctr"/>
+              <a:endParaRPr lang="en-US"/>
+            </a:p>
+          </p:txBody>
+        </p:sp>
+      </p:grpSp>
+      <p:grpSp>
+        <p:nvGrpSpPr>
+          <p:cNvPr id="181" name="Group 180"/>
+          <p:cNvGrpSpPr/>
+          <p:nvPr/>
+        </p:nvGrpSpPr>
+        <p:grpSpPr>
+          <a:xfrm>
+            <a:off x="165791" y="3485388"/>
+            <a:ext cx="3350057" cy="3117641"/>
+            <a:chOff x="165791" y="3485388"/>
+            <a:chExt cx="3350057" cy="3117641"/>
+          </a:xfrm>
+        </p:grpSpPr>
+        <p:sp>
+          <p:nvSpPr>
+            <p:cNvPr id="71" name="Oval 70"/>
+            <p:cNvSpPr/>
+            <p:nvPr/>
+          </p:nvSpPr>
+          <p:spPr>
+            <a:xfrm>
+              <a:off x="3041628" y="4779527"/>
+              <a:ext cx="317540" cy="300403"/>
+            </a:xfrm>
+            <a:prstGeom prst="ellipse">
+              <a:avLst/>
+            </a:prstGeom>
+            <a:solidFill>
+              <a:schemeClr val="tx1"/>
+            </a:solidFill>
+            <a:ln w="38100">
+              <a:solidFill>
+                <a:schemeClr val="tx1"/>
+              </a:solidFill>
+            </a:ln>
+          </p:spPr>
+          <p:style>
+            <a:lnRef idx="2">
+              <a:schemeClr val="accent1">
+                <a:shade val="50000"/>
+              </a:schemeClr>
+            </a:lnRef>
+            <a:fillRef idx="1">
+              <a:schemeClr val="accent1"/>
+            </a:fillRef>
+            <a:effectRef idx="0">
+              <a:schemeClr val="accent1"/>
+            </a:effectRef>
+            <a:fontRef idx="minor">
+              <a:schemeClr val="lt1"/>
+            </a:fontRef>
+          </p:style>
+          <p:txBody>
+            <a:bodyPr rtlCol="0" anchor="ctr"/>
+            <a:lstStyle/>
+            <a:p>
+              <a:pPr algn="ctr"/>
+              <a:endParaRPr lang="en-US"/>
+            </a:p>
+          </p:txBody>
+        </p:sp>
+        <p:grpSp>
+          <p:nvGrpSpPr>
+            <p:cNvPr id="4" name="Group 3"/>
+            <p:cNvGrpSpPr/>
+            <p:nvPr/>
+          </p:nvGrpSpPr>
+          <p:grpSpPr>
+            <a:xfrm>
+              <a:off x="165791" y="3485388"/>
+              <a:ext cx="3350057" cy="3117641"/>
+              <a:chOff x="165791" y="3485388"/>
+              <a:chExt cx="3350057" cy="3117641"/>
+            </a:xfrm>
+          </p:grpSpPr>
+          <p:grpSp>
+            <p:nvGrpSpPr>
+              <p:cNvPr id="47" name="Group 46"/>
+              <p:cNvGrpSpPr/>
+              <p:nvPr/>
+            </p:nvGrpSpPr>
+            <p:grpSpPr>
+              <a:xfrm>
+                <a:off x="557559" y="3680291"/>
+                <a:ext cx="2642839" cy="2922738"/>
+                <a:chOff x="557559" y="3680291"/>
+                <a:chExt cx="2642839" cy="2922738"/>
+              </a:xfrm>
+            </p:grpSpPr>
+            <p:grpSp>
+              <p:nvGrpSpPr>
+                <p:cNvPr id="38" name="Group 37"/>
+                <p:cNvGrpSpPr/>
+                <p:nvPr/>
+              </p:nvGrpSpPr>
+              <p:grpSpPr>
+                <a:xfrm>
+                  <a:off x="557559" y="3680291"/>
+                  <a:ext cx="2642839" cy="2922738"/>
+                  <a:chOff x="1694985" y="1694985"/>
+                  <a:chExt cx="2642839" cy="2922738"/>
+                </a:xfrm>
+              </p:grpSpPr>
+              <p:sp>
+                <p:nvSpPr>
+                  <p:cNvPr id="39" name="Oval 38"/>
+                  <p:cNvSpPr/>
+                  <p:nvPr/>
+                </p:nvSpPr>
+                <p:spPr>
+                  <a:xfrm>
+                    <a:off x="1694985" y="1694985"/>
+                    <a:ext cx="2642839" cy="2486722"/>
+                  </a:xfrm>
+                  <a:prstGeom prst="ellipse">
+                    <a:avLst/>
+                  </a:prstGeom>
+                  <a:noFill/>
+                  <a:ln w="38100">
+                    <a:solidFill>
+                      <a:schemeClr val="tx1"/>
+                    </a:solidFill>
+                    <a:prstDash val="dash"/>
+                  </a:ln>
+                </p:spPr>
+                <p:style>
+                  <a:lnRef idx="2">
+                    <a:schemeClr val="accent1">
+                      <a:shade val="50000"/>
+                    </a:schemeClr>
+                  </a:lnRef>
+                  <a:fillRef idx="1">
+                    <a:schemeClr val="accent1"/>
+                  </a:fillRef>
+                  <a:effectRef idx="0">
+                    <a:schemeClr val="accent1"/>
+                  </a:effectRef>
+                  <a:fontRef idx="minor">
+                    <a:schemeClr val="lt1"/>
+                  </a:fontRef>
+                </p:style>
+                <p:txBody>
+                  <a:bodyPr rtlCol="0" anchor="ctr"/>
+                  <a:lstStyle/>
+                  <a:p>
+                    <a:pPr algn="ctr"/>
+                    <a:endParaRPr lang="en-US"/>
+                  </a:p>
+                </p:txBody>
+              </p:sp>
+              <p:cxnSp>
+                <p:nvCxnSpPr>
+                  <p:cNvPr id="41" name="Straight Connector 40"/>
+                  <p:cNvCxnSpPr/>
+                  <p:nvPr/>
+                </p:nvCxnSpPr>
+                <p:spPr>
+                  <a:xfrm flipH="1">
+                    <a:off x="3016404" y="2938346"/>
+                    <a:ext cx="1187605" cy="0"/>
+                  </a:xfrm>
+                  <a:prstGeom prst="line">
+                    <a:avLst/>
+                  </a:prstGeom>
+                  <a:ln w="38100">
+                    <a:solidFill>
+                      <a:schemeClr val="tx1"/>
+                    </a:solidFill>
+                  </a:ln>
+                </p:spPr>
+                <p:style>
+                  <a:lnRef idx="1">
+                    <a:schemeClr val="accent1"/>
+                  </a:lnRef>
+                  <a:fillRef idx="0">
+                    <a:schemeClr val="accent1"/>
+                  </a:fillRef>
+                  <a:effectRef idx="0">
+                    <a:schemeClr val="accent1"/>
+                  </a:effectRef>
+                  <a:fontRef idx="minor">
+                    <a:schemeClr val="tx1"/>
+                  </a:fontRef>
+                </p:style>
+              </p:cxnSp>
+              <p:sp>
+                <p:nvSpPr>
+                  <p:cNvPr id="42" name="Oval 41"/>
+                  <p:cNvSpPr/>
+                  <p:nvPr/>
+                </p:nvSpPr>
+                <p:spPr>
+                  <a:xfrm>
+                    <a:off x="2944781" y="2880624"/>
+                    <a:ext cx="120943" cy="119766"/>
+                  </a:xfrm>
+                  <a:prstGeom prst="ellipse">
+                    <a:avLst/>
+                  </a:prstGeom>
+                  <a:solidFill>
+                    <a:schemeClr val="tx1"/>
+                  </a:solidFill>
+                  <a:ln w="38100">
+                    <a:solidFill>
+                      <a:schemeClr val="tx1"/>
+                    </a:solidFill>
+                  </a:ln>
+                </p:spPr>
+                <p:style>
+                  <a:lnRef idx="2">
+                    <a:schemeClr val="accent1">
+                      <a:shade val="50000"/>
+                    </a:schemeClr>
+                  </a:lnRef>
+                  <a:fillRef idx="1">
+                    <a:schemeClr val="accent1"/>
+                  </a:fillRef>
+                  <a:effectRef idx="0">
+                    <a:schemeClr val="accent1"/>
+                  </a:effectRef>
+                  <a:fontRef idx="minor">
+                    <a:schemeClr val="lt1"/>
+                  </a:fontRef>
+                </p:style>
+                <p:txBody>
+                  <a:bodyPr rtlCol="0" anchor="ctr"/>
+                  <a:lstStyle/>
+                  <a:p>
+                    <a:pPr algn="ctr"/>
+                    <a:endParaRPr lang="en-US"/>
+                  </a:p>
+                </p:txBody>
+              </p:sp>
+              <mc:AlternateContent xmlns:mc="http://schemas.openxmlformats.org/markup-compatibility/2006" xmlns:a14="http://schemas.microsoft.com/office/drawing/2010/main">
+                <mc:Choice Requires="a14">
+                  <p:sp>
+                    <p:nvSpPr>
+                      <p:cNvPr id="43" name="TextBox 42"/>
+                      <p:cNvSpPr txBox="1"/>
+                      <p:nvPr/>
+                    </p:nvSpPr>
+                    <p:spPr>
+                      <a:xfrm>
+                        <a:off x="2392033" y="4309946"/>
+                        <a:ext cx="1170513" cy="307777"/>
+                      </a:xfrm>
+                      <a:prstGeom prst="rect">
+                        <a:avLst/>
+                      </a:prstGeom>
+                      <a:noFill/>
+                    </p:spPr>
+                    <p:txBody>
+                      <a:bodyPr wrap="none" lIns="0" tIns="0" rIns="0" bIns="0" rtlCol="0">
+                        <a:spAutoFit/>
+                      </a:bodyPr>
+                      <a:lstStyle/>
+                      <a:p>
+                        <a:pPr/>
+                        <a14:m>
+                          <m:oMathPara xmlns:m="http://schemas.openxmlformats.org/officeDocument/2006/math">
+                            <m:oMathParaPr>
+                              <m:jc m:val="centerGroup"/>
+                            </m:oMathParaPr>
+                            <m:oMath xmlns:m="http://schemas.openxmlformats.org/officeDocument/2006/math">
+                              <m:r>
+                                <a:rPr lang="en-US" sz="2000" b="0" i="1" smtClean="0">
+                                  <a:latin typeface="Cambria Math" panose="02040503050406030204" pitchFamily="18" charset="0"/>
+                                  <a:cs typeface="Arial" panose="020B0604020202020204" pitchFamily="34" charset="0"/>
+                                </a:rPr>
+                                <m:t>𝑆𝑖𝑑𝑒</m:t>
+                              </m:r>
+                              <m:r>
+                                <a:rPr lang="en-US" sz="2000" b="0" i="1" smtClean="0">
+                                  <a:latin typeface="Cambria Math" panose="02040503050406030204" pitchFamily="18" charset="0"/>
+                                  <a:cs typeface="Arial" panose="020B0604020202020204" pitchFamily="34" charset="0"/>
+                                </a:rPr>
+                                <m:t> </m:t>
+                              </m:r>
+                              <m:r>
+                                <a:rPr lang="en-US" sz="2000" b="0" i="1" smtClean="0">
+                                  <a:latin typeface="Cambria Math" panose="02040503050406030204" pitchFamily="18" charset="0"/>
+                                  <a:cs typeface="Arial" panose="020B0604020202020204" pitchFamily="34" charset="0"/>
+                                </a:rPr>
+                                <m:t>𝑣𝑖𝑒𝑤</m:t>
+                              </m:r>
+                            </m:oMath>
+                          </m:oMathPara>
+                        </a14:m>
+                        <a:endParaRPr lang="en-US" sz="2000" dirty="0" smtClean="0">
+                          <a:latin typeface="Arial" panose="020B0604020202020204" pitchFamily="34" charset="0"/>
+                          <a:cs typeface="Arial" panose="020B0604020202020204" pitchFamily="34" charset="0"/>
+                        </a:endParaRPr>
+                      </a:p>
+                    </p:txBody>
+                  </p:sp>
+                </mc:Choice>
+                <mc:Fallback xmlns="">
+                  <p:sp>
+                    <p:nvSpPr>
+                      <p:cNvPr id="43" name="TextBox 42"/>
+                      <p:cNvSpPr txBox="1">
+                        <a:spLocks noRot="1" noChangeAspect="1" noMove="1" noResize="1" noEditPoints="1" noAdjustHandles="1" noChangeArrowheads="1" noChangeShapeType="1" noTextEdit="1"/>
+                      </p:cNvSpPr>
+                      <p:nvPr/>
+                    </p:nvSpPr>
+                    <p:spPr>
+                      <a:xfrm>
+                        <a:off x="2392033" y="4309946"/>
+                        <a:ext cx="1170513" cy="307777"/>
+                      </a:xfrm>
+                      <a:prstGeom prst="rect">
+                        <a:avLst/>
+                      </a:prstGeom>
+                      <a:blipFill>
+                        <a:blip r:embed="rId51"/>
+                        <a:stretch>
+                          <a:fillRect l="-4167" r="-3646" b="-12000"/>
+                        </a:stretch>
+                      </a:blipFill>
+                    </p:spPr>
+                    <p:txBody>
+                      <a:bodyPr/>
+                      <a:lstStyle/>
+                      <a:p>
+                        <a:r>
+                          <a:rPr lang="en-US">
+                            <a:noFill/>
+                          </a:rPr>
+                          <a:t> </a:t>
+                        </a:r>
+                      </a:p>
+                    </p:txBody>
+                  </p:sp>
+                </mc:Fallback>
+              </mc:AlternateContent>
+            </p:grpSp>
+            <mc:AlternateContent xmlns:mc="http://schemas.openxmlformats.org/markup-compatibility/2006" xmlns:a14="http://schemas.microsoft.com/office/drawing/2010/main">
+              <mc:Choice Requires="a14">
+                <p:sp>
+                  <p:nvSpPr>
+                    <p:cNvPr id="45" name="TextBox 44"/>
+                    <p:cNvSpPr txBox="1"/>
+                    <p:nvPr/>
+                  </p:nvSpPr>
+                  <p:spPr>
+                    <a:xfrm>
+                      <a:off x="2437557" y="4576467"/>
+                      <a:ext cx="241540" cy="307777"/>
+                    </a:xfrm>
+                    <a:prstGeom prst="rect">
+                      <a:avLst/>
+                    </a:prstGeom>
+                    <a:noFill/>
+                  </p:spPr>
+                  <p:txBody>
+                    <a:bodyPr wrap="none" lIns="0" tIns="0" rIns="0" bIns="0" rtlCol="0">
+                      <a:spAutoFit/>
+                    </a:bodyPr>
+                    <a:lstStyle/>
+                    <a:p>
+                      <a:pPr/>
+                      <a14:m>
+                        <m:oMathPara xmlns:m="http://schemas.openxmlformats.org/officeDocument/2006/math">
+                          <m:oMathParaPr>
+                            <m:jc m:val="centerGroup"/>
+                          </m:oMathParaPr>
+                          <m:oMath xmlns:m="http://schemas.openxmlformats.org/officeDocument/2006/math">
+                            <m:r>
+                              <a:rPr lang="en-US" sz="2000" b="0" i="1" smtClean="0">
+                                <a:latin typeface="Cambria Math" panose="02040503050406030204" pitchFamily="18" charset="0"/>
+                                <a:cs typeface="Arial" panose="020B0604020202020204" pitchFamily="34" charset="0"/>
+                              </a:rPr>
+                              <m:t>𝑅</m:t>
+                            </m:r>
+                          </m:oMath>
+                        </m:oMathPara>
+                      </a14:m>
+                      <a:endParaRPr lang="en-US" sz="2000" dirty="0" smtClean="0">
+                        <a:latin typeface="Arial" panose="020B0604020202020204" pitchFamily="34" charset="0"/>
+                        <a:cs typeface="Arial" panose="020B0604020202020204" pitchFamily="34" charset="0"/>
+                      </a:endParaRPr>
+                    </a:p>
+                  </p:txBody>
+                </p:sp>
+              </mc:Choice>
+              <mc:Fallback xmlns="">
+                <p:sp>
+                  <p:nvSpPr>
+                    <p:cNvPr id="45" name="TextBox 44"/>
+                    <p:cNvSpPr txBox="1">
+                      <a:spLocks noRot="1" noChangeAspect="1" noMove="1" noResize="1" noEditPoints="1" noAdjustHandles="1" noChangeArrowheads="1" noChangeShapeType="1" noTextEdit="1"/>
+                    </p:cNvSpPr>
+                    <p:nvPr/>
+                  </p:nvSpPr>
+                  <p:spPr>
+                    <a:xfrm>
+                      <a:off x="2437557" y="4576467"/>
+                      <a:ext cx="241540" cy="307777"/>
+                    </a:xfrm>
+                    <a:prstGeom prst="rect">
+                      <a:avLst/>
+                    </a:prstGeom>
+                    <a:blipFill>
+                      <a:blip r:embed="rId52"/>
+                      <a:stretch>
+                        <a:fillRect l="-23077" r="-20513" b="-10000"/>
+                      </a:stretch>
+                    </a:blipFill>
+                  </p:spPr>
+                  <p:txBody>
+                    <a:bodyPr/>
+                    <a:lstStyle/>
+                    <a:p>
+                      <a:r>
+                        <a:rPr lang="en-US">
+                          <a:noFill/>
+                        </a:rPr>
+                        <a:t> </a:t>
+                      </a:r>
+                    </a:p>
+                  </p:txBody>
+                </p:sp>
+              </mc:Fallback>
+            </mc:AlternateContent>
+          </p:grpSp>
           <p:sp>
             <p:nvSpPr>
-              <p:cNvPr id="6" name="Oval 5"/>
+              <p:cNvPr id="56" name="Arc 55"/>
               <p:cNvSpPr/>
               <p:nvPr/>
             </p:nvSpPr>
             <p:spPr>
               <a:xfrm>
-                <a:off x="1694985" y="1694985"/>
+                <a:off x="165791" y="3485388"/>
+                <a:ext cx="3350057" cy="2761084"/>
+              </a:xfrm>
+              <a:prstGeom prst="arc">
+                <a:avLst>
+                  <a:gd name="adj1" fmla="val 20461601"/>
+                  <a:gd name="adj2" fmla="val 879025"/>
+                </a:avLst>
+              </a:prstGeom>
+              <a:ln w="38100">
+                <a:solidFill>
+                  <a:schemeClr val="tx1"/>
+                </a:solidFill>
+                <a:headEnd type="triangle" w="med" len="med"/>
+                <a:tailEnd type="none" w="med" len="med"/>
+              </a:ln>
+            </p:spPr>
+            <p:style>
+              <a:lnRef idx="1">
+                <a:schemeClr val="accent1"/>
+              </a:lnRef>
+              <a:fillRef idx="0">
+                <a:schemeClr val="accent1"/>
+              </a:fillRef>
+              <a:effectRef idx="0">
+                <a:schemeClr val="accent1"/>
+              </a:effectRef>
+              <a:fontRef idx="minor">
+                <a:schemeClr val="tx1"/>
+              </a:fontRef>
+            </p:style>
+            <p:txBody>
+              <a:bodyPr rtlCol="0" anchor="ctr"/>
+              <a:lstStyle/>
+              <a:p>
+                <a:pPr algn="ctr"/>
+                <a:endParaRPr lang="en-US"/>
+              </a:p>
+            </p:txBody>
+          </p:sp>
+        </p:grpSp>
+      </p:grpSp>
+      <p:grpSp>
+        <p:nvGrpSpPr>
+          <p:cNvPr id="113" name="Group 112"/>
+          <p:cNvGrpSpPr/>
+          <p:nvPr/>
+        </p:nvGrpSpPr>
+        <p:grpSpPr>
+          <a:xfrm>
+            <a:off x="7247566" y="106822"/>
+            <a:ext cx="3126146" cy="3554953"/>
+            <a:chOff x="3885872" y="2834991"/>
+            <a:chExt cx="3126146" cy="3554953"/>
+          </a:xfrm>
+        </p:grpSpPr>
+        <p:grpSp>
+          <p:nvGrpSpPr>
+            <p:cNvPr id="104" name="Group 103"/>
+            <p:cNvGrpSpPr/>
+            <p:nvPr/>
+          </p:nvGrpSpPr>
+          <p:grpSpPr>
+            <a:xfrm>
+              <a:off x="3988864" y="2834991"/>
+              <a:ext cx="3023154" cy="3554953"/>
+              <a:chOff x="4149848" y="3187647"/>
+              <a:chExt cx="3023154" cy="3554953"/>
+            </a:xfrm>
+          </p:grpSpPr>
+          <p:sp>
+            <p:nvSpPr>
+              <p:cNvPr id="51" name="Oval 50"/>
+              <p:cNvSpPr/>
+              <p:nvPr/>
+            </p:nvSpPr>
+            <p:spPr>
+              <a:xfrm>
+                <a:off x="4149848" y="3583881"/>
                 <a:ext cx="2642839" cy="2486722"/>
               </a:xfrm>
               <a:prstGeom prst="ellipse">
@@ -18647,76 +19615,715 @@
               </a:p>
             </p:txBody>
           </p:sp>
-          <p:sp>
-            <p:nvSpPr>
-              <p:cNvPr id="5" name="Rectangle 4"/>
-              <p:cNvSpPr/>
+          <p:cxnSp>
+            <p:nvCxnSpPr>
+              <p:cNvPr id="61" name="Straight Arrow Connector 60"/>
+              <p:cNvCxnSpPr/>
               <p:nvPr/>
-            </p:nvSpPr>
+            </p:nvCxnSpPr>
             <p:spPr>
-              <a:xfrm>
-                <a:off x="4204009" y="2810107"/>
-                <a:ext cx="267629" cy="256478"/>
+              <a:xfrm flipH="1">
+                <a:off x="5471266" y="3662763"/>
+                <a:ext cx="1" cy="568061"/>
               </a:xfrm>
-              <a:prstGeom prst="rect">
+              <a:prstGeom prst="straightConnector1">
                 <a:avLst/>
               </a:prstGeom>
-              <a:solidFill>
-                <a:schemeClr val="bg2">
-                  <a:lumMod val="90000"/>
-                </a:schemeClr>
-              </a:solidFill>
               <a:ln w="38100">
                 <a:solidFill>
                   <a:schemeClr val="tx1"/>
                 </a:solidFill>
+                <a:tailEnd type="triangle"/>
               </a:ln>
             </p:spPr>
             <p:style>
-              <a:lnRef idx="2">
-                <a:schemeClr val="accent1">
-                  <a:shade val="50000"/>
-                </a:schemeClr>
+              <a:lnRef idx="1">
+                <a:schemeClr val="accent1"/>
               </a:lnRef>
-              <a:fillRef idx="1">
+              <a:fillRef idx="0">
                 <a:schemeClr val="accent1"/>
               </a:fillRef>
               <a:effectRef idx="0">
                 <a:schemeClr val="accent1"/>
               </a:effectRef>
               <a:fontRef idx="minor">
-                <a:schemeClr val="lt1"/>
+                <a:schemeClr val="tx1"/>
               </a:fontRef>
             </p:style>
-            <p:txBody>
-              <a:bodyPr rtlCol="0" anchor="ctr"/>
-              <a:lstStyle/>
-              <a:p>
-                <a:pPr algn="ctr"/>
-                <a:endParaRPr lang="en-US"/>
-              </a:p>
-            </p:txBody>
-          </p:sp>
+          </p:cxnSp>
           <p:cxnSp>
             <p:nvCxnSpPr>
-              <p:cNvPr id="8" name="Straight Connector 7"/>
-              <p:cNvCxnSpPr>
-                <a:stCxn id="5" idx="1"/>
-              </p:cNvCxnSpPr>
+              <p:cNvPr id="62" name="Straight Arrow Connector 61"/>
+              <p:cNvCxnSpPr/>
               <p:nvPr/>
             </p:nvCxnSpPr>
             <p:spPr>
               <a:xfrm flipH="1">
-                <a:off x="3016404" y="2938346"/>
-                <a:ext cx="1187605" cy="0"/>
+                <a:off x="6404149" y="4007330"/>
+                <a:ext cx="1" cy="568061"/>
               </a:xfrm>
-              <a:prstGeom prst="line">
+              <a:prstGeom prst="straightConnector1">
                 <a:avLst/>
               </a:prstGeom>
               <a:ln w="38100">
                 <a:solidFill>
                   <a:schemeClr val="tx1"/>
                 </a:solidFill>
+                <a:tailEnd type="triangle"/>
+              </a:ln>
+            </p:spPr>
+            <p:style>
+              <a:lnRef idx="1">
+                <a:schemeClr val="accent1"/>
+              </a:lnRef>
+              <a:fillRef idx="0">
+                <a:schemeClr val="accent1"/>
+              </a:fillRef>
+              <a:effectRef idx="0">
+                <a:schemeClr val="accent1"/>
+              </a:effectRef>
+              <a:fontRef idx="minor">
+                <a:schemeClr val="tx1"/>
+              </a:fontRef>
+            </p:style>
+          </p:cxnSp>
+          <p:cxnSp>
+            <p:nvCxnSpPr>
+              <p:cNvPr id="63" name="Straight Arrow Connector 62"/>
+              <p:cNvCxnSpPr/>
+              <p:nvPr/>
+            </p:nvCxnSpPr>
+            <p:spPr>
+              <a:xfrm flipH="1">
+                <a:off x="6789329" y="4865511"/>
+                <a:ext cx="1" cy="568061"/>
+              </a:xfrm>
+              <a:prstGeom prst="straightConnector1">
+                <a:avLst/>
+              </a:prstGeom>
+              <a:ln w="38100">
+                <a:solidFill>
+                  <a:schemeClr val="tx1"/>
+                </a:solidFill>
+                <a:tailEnd type="triangle"/>
+              </a:ln>
+            </p:spPr>
+            <p:style>
+              <a:lnRef idx="1">
+                <a:schemeClr val="accent1"/>
+              </a:lnRef>
+              <a:fillRef idx="0">
+                <a:schemeClr val="accent1"/>
+              </a:fillRef>
+              <a:effectRef idx="0">
+                <a:schemeClr val="accent1"/>
+              </a:effectRef>
+              <a:fontRef idx="minor">
+                <a:schemeClr val="tx1"/>
+              </a:fontRef>
+            </p:style>
+          </p:cxnSp>
+          <p:cxnSp>
+            <p:nvCxnSpPr>
+              <p:cNvPr id="64" name="Straight Arrow Connector 63"/>
+              <p:cNvCxnSpPr/>
+              <p:nvPr/>
+            </p:nvCxnSpPr>
+            <p:spPr>
+              <a:xfrm flipH="1">
+                <a:off x="6409158" y="5791738"/>
+                <a:ext cx="1" cy="568061"/>
+              </a:xfrm>
+              <a:prstGeom prst="straightConnector1">
+                <a:avLst/>
+              </a:prstGeom>
+              <a:ln w="38100">
+                <a:solidFill>
+                  <a:schemeClr val="tx1"/>
+                </a:solidFill>
+                <a:tailEnd type="triangle"/>
+              </a:ln>
+            </p:spPr>
+            <p:style>
+              <a:lnRef idx="1">
+                <a:schemeClr val="accent1"/>
+              </a:lnRef>
+              <a:fillRef idx="0">
+                <a:schemeClr val="accent1"/>
+              </a:fillRef>
+              <a:effectRef idx="0">
+                <a:schemeClr val="accent1"/>
+              </a:effectRef>
+              <a:fontRef idx="minor">
+                <a:schemeClr val="tx1"/>
+              </a:fontRef>
+            </p:style>
+          </p:cxnSp>
+          <p:cxnSp>
+            <p:nvCxnSpPr>
+              <p:cNvPr id="65" name="Straight Arrow Connector 64"/>
+              <p:cNvCxnSpPr/>
+              <p:nvPr/>
+            </p:nvCxnSpPr>
+            <p:spPr>
+              <a:xfrm flipH="1">
+                <a:off x="5459708" y="6144711"/>
+                <a:ext cx="1" cy="568061"/>
+              </a:xfrm>
+              <a:prstGeom prst="straightConnector1">
+                <a:avLst/>
+              </a:prstGeom>
+              <a:ln w="38100">
+                <a:solidFill>
+                  <a:schemeClr val="tx1"/>
+                </a:solidFill>
+                <a:tailEnd type="triangle"/>
+              </a:ln>
+            </p:spPr>
+            <p:style>
+              <a:lnRef idx="1">
+                <a:schemeClr val="accent1"/>
+              </a:lnRef>
+              <a:fillRef idx="0">
+                <a:schemeClr val="accent1"/>
+              </a:fillRef>
+              <a:effectRef idx="0">
+                <a:schemeClr val="accent1"/>
+              </a:effectRef>
+              <a:fontRef idx="minor">
+                <a:schemeClr val="tx1"/>
+              </a:fontRef>
+            </p:style>
+          </p:cxnSp>
+          <p:cxnSp>
+            <p:nvCxnSpPr>
+              <p:cNvPr id="67" name="Straight Arrow Connector 66"/>
+              <p:cNvCxnSpPr/>
+              <p:nvPr/>
+            </p:nvCxnSpPr>
+            <p:spPr>
+              <a:xfrm flipV="1">
+                <a:off x="5459708" y="5289247"/>
+                <a:ext cx="6892" cy="712144"/>
+              </a:xfrm>
+              <a:prstGeom prst="straightConnector1">
+                <a:avLst/>
+              </a:prstGeom>
+              <a:ln w="38100">
+                <a:solidFill>
+                  <a:schemeClr val="tx1"/>
+                </a:solidFill>
+                <a:tailEnd type="triangle"/>
+              </a:ln>
+            </p:spPr>
+            <p:style>
+              <a:lnRef idx="1">
+                <a:schemeClr val="accent1"/>
+              </a:lnRef>
+              <a:fillRef idx="0">
+                <a:schemeClr val="accent1"/>
+              </a:fillRef>
+              <a:effectRef idx="0">
+                <a:schemeClr val="accent1"/>
+              </a:effectRef>
+              <a:fontRef idx="minor">
+                <a:schemeClr val="tx1"/>
+              </a:fontRef>
+            </p:style>
+          </p:cxnSp>
+          <p:cxnSp>
+            <p:nvCxnSpPr>
+              <p:cNvPr id="69" name="Straight Arrow Connector 68"/>
+              <p:cNvCxnSpPr/>
+              <p:nvPr/>
+            </p:nvCxnSpPr>
+            <p:spPr>
+              <a:xfrm flipH="1" flipV="1">
+                <a:off x="5903238" y="5252509"/>
+                <a:ext cx="462086" cy="415112"/>
+              </a:xfrm>
+              <a:prstGeom prst="straightConnector1">
+                <a:avLst/>
+              </a:prstGeom>
+              <a:ln w="38100">
+                <a:solidFill>
+                  <a:schemeClr val="tx1"/>
+                </a:solidFill>
+                <a:tailEnd type="triangle"/>
+              </a:ln>
+            </p:spPr>
+            <p:style>
+              <a:lnRef idx="1">
+                <a:schemeClr val="accent1"/>
+              </a:lnRef>
+              <a:fillRef idx="0">
+                <a:schemeClr val="accent1"/>
+              </a:fillRef>
+              <a:effectRef idx="0">
+                <a:schemeClr val="accent1"/>
+              </a:effectRef>
+              <a:fontRef idx="minor">
+                <a:schemeClr val="tx1"/>
+              </a:fontRef>
+            </p:style>
+          </p:cxnSp>
+          <p:cxnSp>
+            <p:nvCxnSpPr>
+              <p:cNvPr id="58" name="Straight Arrow Connector 57"/>
+              <p:cNvCxnSpPr/>
+              <p:nvPr/>
+            </p:nvCxnSpPr>
+            <p:spPr>
+              <a:xfrm flipH="1">
+                <a:off x="6370473" y="4848481"/>
+                <a:ext cx="338590" cy="6831"/>
+              </a:xfrm>
+              <a:prstGeom prst="straightConnector1">
+                <a:avLst/>
+              </a:prstGeom>
+              <a:ln w="38100">
+                <a:solidFill>
+                  <a:schemeClr val="tx1"/>
+                </a:solidFill>
+                <a:tailEnd type="triangle"/>
+              </a:ln>
+            </p:spPr>
+            <p:style>
+              <a:lnRef idx="1">
+                <a:schemeClr val="accent1"/>
+              </a:lnRef>
+              <a:fillRef idx="0">
+                <a:schemeClr val="accent1"/>
+              </a:fillRef>
+              <a:effectRef idx="0">
+                <a:schemeClr val="accent1"/>
+              </a:effectRef>
+              <a:fontRef idx="minor">
+                <a:schemeClr val="tx1"/>
+              </a:fontRef>
+            </p:style>
+          </p:cxnSp>
+          <p:cxnSp>
+            <p:nvCxnSpPr>
+              <p:cNvPr id="60" name="Straight Arrow Connector 59"/>
+              <p:cNvCxnSpPr/>
+              <p:nvPr/>
+            </p:nvCxnSpPr>
+            <p:spPr>
+              <a:xfrm flipH="1">
+                <a:off x="6169115" y="3983856"/>
+                <a:ext cx="204971" cy="246968"/>
+              </a:xfrm>
+              <a:prstGeom prst="straightConnector1">
+                <a:avLst/>
+              </a:prstGeom>
+              <a:ln w="38100">
+                <a:solidFill>
+                  <a:schemeClr val="tx1"/>
+                </a:solidFill>
+                <a:tailEnd type="triangle"/>
+              </a:ln>
+            </p:spPr>
+            <p:style>
+              <a:lnRef idx="1">
+                <a:schemeClr val="accent1"/>
+              </a:lnRef>
+              <a:fillRef idx="0">
+                <a:schemeClr val="accent1"/>
+              </a:fillRef>
+              <a:effectRef idx="0">
+                <a:schemeClr val="accent1"/>
+              </a:effectRef>
+              <a:fontRef idx="minor">
+                <a:schemeClr val="tx1"/>
+              </a:fontRef>
+            </p:style>
+          </p:cxnSp>
+          <mc:AlternateContent xmlns:mc="http://schemas.openxmlformats.org/markup-compatibility/2006">
+            <mc:Choice xmlns:a14="http://schemas.microsoft.com/office/drawing/2010/main" Requires="a14">
+              <p:sp>
+                <p:nvSpPr>
+                  <p:cNvPr id="66" name="TextBox 65"/>
+                  <p:cNvSpPr txBox="1"/>
+                  <p:nvPr/>
+                </p:nvSpPr>
+                <p:spPr>
+                  <a:xfrm>
+                    <a:off x="5109242" y="5557888"/>
+                    <a:ext cx="308931" cy="345159"/>
+                  </a:xfrm>
+                  <a:prstGeom prst="rect">
+                    <a:avLst/>
+                  </a:prstGeom>
+                  <a:noFill/>
+                </p:spPr>
+                <p:txBody>
+                  <a:bodyPr wrap="none" lIns="0" tIns="0" rIns="0" bIns="0" rtlCol="0">
+                    <a:spAutoFit/>
+                  </a:bodyPr>
+                  <a:lstStyle/>
+                  <a:p>
+                    <a:pPr/>
+                    <a14:m>
+                      <m:oMathPara xmlns:m="http://schemas.openxmlformats.org/officeDocument/2006/math">
+                        <m:oMathParaPr>
+                          <m:jc m:val="centerGroup"/>
+                        </m:oMathParaPr>
+                        <m:oMath xmlns:m="http://schemas.openxmlformats.org/officeDocument/2006/math">
+                          <m:sSub>
+                            <m:sSubPr>
+                              <m:ctrlPr>
+                                <a:rPr lang="en-US" sz="2000" b="0" i="1" smtClean="0">
+                                  <a:latin typeface="Cambria Math" panose="02040503050406030204" pitchFamily="18" charset="0"/>
+                                  <a:cs typeface="Arial" panose="020B0604020202020204" pitchFamily="34" charset="0"/>
+                                </a:rPr>
+                              </m:ctrlPr>
+                            </m:sSubPr>
+                            <m:e>
+                              <m:acc>
+                                <m:accPr>
+                                  <m:chr m:val="⃗"/>
+                                  <m:ctrlPr>
+                                    <a:rPr lang="en-US" sz="2000" b="0" i="1" smtClean="0">
+                                      <a:latin typeface="Cambria Math" panose="02040503050406030204" pitchFamily="18" charset="0"/>
+                                      <a:cs typeface="Arial" panose="020B0604020202020204" pitchFamily="34" charset="0"/>
+                                    </a:rPr>
+                                  </m:ctrlPr>
+                                </m:accPr>
+                                <m:e>
+                                  <m:r>
+                                    <a:rPr lang="en-US" sz="2000" b="0" i="1" smtClean="0">
+                                      <a:latin typeface="Cambria Math" panose="02040503050406030204" pitchFamily="18" charset="0"/>
+                                      <a:cs typeface="Arial" panose="020B0604020202020204" pitchFamily="34" charset="0"/>
+                                    </a:rPr>
+                                    <m:t>𝑇</m:t>
+                                  </m:r>
+                                </m:e>
+                              </m:acc>
+                            </m:e>
+                            <m:sub>
+                              <m:r>
+                                <a:rPr lang="en-US" sz="2000" b="0" i="1" smtClean="0">
+                                  <a:latin typeface="Cambria Math" panose="02040503050406030204" pitchFamily="18" charset="0"/>
+                                  <a:cs typeface="Arial" panose="020B0604020202020204" pitchFamily="34" charset="0"/>
+                                </a:rPr>
+                                <m:t>1</m:t>
+                              </m:r>
+                            </m:sub>
+                          </m:sSub>
+                        </m:oMath>
+                      </m:oMathPara>
+                    </a14:m>
+                    <a:endParaRPr lang="en-US" sz="2000" dirty="0">
+                      <a:latin typeface="Arial" panose="020B0604020202020204" pitchFamily="34" charset="0"/>
+                      <a:cs typeface="Arial" panose="020B0604020202020204" pitchFamily="34" charset="0"/>
+                    </a:endParaRPr>
+                  </a:p>
+                </p:txBody>
+              </p:sp>
+            </mc:Choice>
+            <mc:Fallback>
+              <p:sp>
+                <p:nvSpPr>
+                  <p:cNvPr id="66" name="TextBox 65"/>
+                  <p:cNvSpPr txBox="1">
+                    <a:spLocks noRot="1" noChangeAspect="1" noMove="1" noResize="1" noEditPoints="1" noAdjustHandles="1" noChangeArrowheads="1" noChangeShapeType="1" noTextEdit="1"/>
+                  </p:cNvSpPr>
+                  <p:nvPr/>
+                </p:nvSpPr>
+                <p:spPr>
+                  <a:xfrm>
+                    <a:off x="5109242" y="5557888"/>
+                    <a:ext cx="308931" cy="345159"/>
+                  </a:xfrm>
+                  <a:prstGeom prst="rect">
+                    <a:avLst/>
+                  </a:prstGeom>
+                  <a:blipFill>
+                    <a:blip r:embed="rId53"/>
+                    <a:stretch>
+                      <a:fillRect l="-15686" r="-3922" b="-15789"/>
+                    </a:stretch>
+                  </a:blipFill>
+                </p:spPr>
+                <p:txBody>
+                  <a:bodyPr/>
+                  <a:lstStyle/>
+                  <a:p>
+                    <a:r>
+                      <a:rPr lang="en-US">
+                        <a:noFill/>
+                      </a:rPr>
+                      <a:t> </a:t>
+                    </a:r>
+                  </a:p>
+                </p:txBody>
+              </p:sp>
+            </mc:Fallback>
+          </mc:AlternateContent>
+          <mc:AlternateContent xmlns:mc="http://schemas.openxmlformats.org/markup-compatibility/2006">
+            <mc:Choice xmlns:a14="http://schemas.microsoft.com/office/drawing/2010/main" Requires="a14">
+              <p:sp>
+                <p:nvSpPr>
+                  <p:cNvPr id="68" name="TextBox 67"/>
+                  <p:cNvSpPr txBox="1"/>
+                  <p:nvPr/>
+                </p:nvSpPr>
+                <p:spPr>
+                  <a:xfrm>
+                    <a:off x="5895871" y="5446579"/>
+                    <a:ext cx="314893" cy="345159"/>
+                  </a:xfrm>
+                  <a:prstGeom prst="rect">
+                    <a:avLst/>
+                  </a:prstGeom>
+                  <a:noFill/>
+                </p:spPr>
+                <p:txBody>
+                  <a:bodyPr wrap="none" lIns="0" tIns="0" rIns="0" bIns="0" rtlCol="0">
+                    <a:spAutoFit/>
+                  </a:bodyPr>
+                  <a:lstStyle/>
+                  <a:p>
+                    <a:pPr/>
+                    <a14:m>
+                      <m:oMathPara xmlns:m="http://schemas.openxmlformats.org/officeDocument/2006/math">
+                        <m:oMathParaPr>
+                          <m:jc m:val="centerGroup"/>
+                        </m:oMathParaPr>
+                        <m:oMath xmlns:m="http://schemas.openxmlformats.org/officeDocument/2006/math">
+                          <m:sSub>
+                            <m:sSubPr>
+                              <m:ctrlPr>
+                                <a:rPr lang="en-US" sz="2000" b="0" i="1" smtClean="0">
+                                  <a:latin typeface="Cambria Math" panose="02040503050406030204" pitchFamily="18" charset="0"/>
+                                  <a:cs typeface="Arial" panose="020B0604020202020204" pitchFamily="34" charset="0"/>
+                                </a:rPr>
+                              </m:ctrlPr>
+                            </m:sSubPr>
+                            <m:e>
+                              <m:acc>
+                                <m:accPr>
+                                  <m:chr m:val="⃗"/>
+                                  <m:ctrlPr>
+                                    <a:rPr lang="en-US" sz="2000" b="0" i="1" smtClean="0">
+                                      <a:latin typeface="Cambria Math" panose="02040503050406030204" pitchFamily="18" charset="0"/>
+                                      <a:cs typeface="Arial" panose="020B0604020202020204" pitchFamily="34" charset="0"/>
+                                    </a:rPr>
+                                  </m:ctrlPr>
+                                </m:accPr>
+                                <m:e>
+                                  <m:r>
+                                    <a:rPr lang="en-US" sz="2000" b="0" i="1" smtClean="0">
+                                      <a:latin typeface="Cambria Math" panose="02040503050406030204" pitchFamily="18" charset="0"/>
+                                      <a:cs typeface="Arial" panose="020B0604020202020204" pitchFamily="34" charset="0"/>
+                                    </a:rPr>
+                                    <m:t>𝑇</m:t>
+                                  </m:r>
+                                </m:e>
+                              </m:acc>
+                            </m:e>
+                            <m:sub>
+                              <m:r>
+                                <a:rPr lang="en-US" sz="2000" b="0" i="1" smtClean="0">
+                                  <a:latin typeface="Cambria Math" panose="02040503050406030204" pitchFamily="18" charset="0"/>
+                                  <a:cs typeface="Arial" panose="020B0604020202020204" pitchFamily="34" charset="0"/>
+                                </a:rPr>
+                                <m:t>2</m:t>
+                              </m:r>
+                            </m:sub>
+                          </m:sSub>
+                        </m:oMath>
+                      </m:oMathPara>
+                    </a14:m>
+                    <a:endParaRPr lang="en-US" sz="2000" dirty="0">
+                      <a:latin typeface="Arial" panose="020B0604020202020204" pitchFamily="34" charset="0"/>
+                      <a:cs typeface="Arial" panose="020B0604020202020204" pitchFamily="34" charset="0"/>
+                    </a:endParaRPr>
+                  </a:p>
+                </p:txBody>
+              </p:sp>
+            </mc:Choice>
+            <mc:Fallback>
+              <p:sp>
+                <p:nvSpPr>
+                  <p:cNvPr id="68" name="TextBox 67"/>
+                  <p:cNvSpPr txBox="1">
+                    <a:spLocks noRot="1" noChangeAspect="1" noMove="1" noResize="1" noEditPoints="1" noAdjustHandles="1" noChangeArrowheads="1" noChangeShapeType="1" noTextEdit="1"/>
+                  </p:cNvSpPr>
+                  <p:nvPr/>
+                </p:nvSpPr>
+                <p:spPr>
+                  <a:xfrm>
+                    <a:off x="5895871" y="5446579"/>
+                    <a:ext cx="314893" cy="345159"/>
+                  </a:xfrm>
+                  <a:prstGeom prst="rect">
+                    <a:avLst/>
+                  </a:prstGeom>
+                  <a:blipFill>
+                    <a:blip r:embed="rId54"/>
+                    <a:stretch>
+                      <a:fillRect l="-15385" r="-5769" b="-17544"/>
+                    </a:stretch>
+                  </a:blipFill>
+                </p:spPr>
+                <p:txBody>
+                  <a:bodyPr/>
+                  <a:lstStyle/>
+                  <a:p>
+                    <a:r>
+                      <a:rPr lang="en-US">
+                        <a:noFill/>
+                      </a:rPr>
+                      <a:t> </a:t>
+                    </a:r>
+                  </a:p>
+                </p:txBody>
+              </p:sp>
+            </mc:Fallback>
+          </mc:AlternateContent>
+          <mc:AlternateContent xmlns:mc="http://schemas.openxmlformats.org/markup-compatibility/2006">
+            <mc:Choice xmlns:a14="http://schemas.microsoft.com/office/drawing/2010/main" Requires="a14">
+              <p:sp>
+                <p:nvSpPr>
+                  <p:cNvPr id="70" name="TextBox 69"/>
+                  <p:cNvSpPr txBox="1"/>
+                  <p:nvPr/>
+                </p:nvSpPr>
+                <p:spPr>
+                  <a:xfrm>
+                    <a:off x="6337516" y="4878660"/>
+                    <a:ext cx="314893" cy="345159"/>
+                  </a:xfrm>
+                  <a:prstGeom prst="rect">
+                    <a:avLst/>
+                  </a:prstGeom>
+                  <a:noFill/>
+                </p:spPr>
+                <p:txBody>
+                  <a:bodyPr wrap="none" lIns="0" tIns="0" rIns="0" bIns="0" rtlCol="0">
+                    <a:spAutoFit/>
+                  </a:bodyPr>
+                  <a:lstStyle/>
+                  <a:p>
+                    <a:pPr/>
+                    <a14:m>
+                      <m:oMathPara xmlns:m="http://schemas.openxmlformats.org/officeDocument/2006/math">
+                        <m:oMathParaPr>
+                          <m:jc m:val="centerGroup"/>
+                        </m:oMathParaPr>
+                        <m:oMath xmlns:m="http://schemas.openxmlformats.org/officeDocument/2006/math">
+                          <m:sSub>
+                            <m:sSubPr>
+                              <m:ctrlPr>
+                                <a:rPr lang="en-US" sz="2000" b="0" i="1" smtClean="0">
+                                  <a:latin typeface="Cambria Math" panose="02040503050406030204" pitchFamily="18" charset="0"/>
+                                  <a:cs typeface="Arial" panose="020B0604020202020204" pitchFamily="34" charset="0"/>
+                                </a:rPr>
+                              </m:ctrlPr>
+                            </m:sSubPr>
+                            <m:e>
+                              <m:acc>
+                                <m:accPr>
+                                  <m:chr m:val="⃗"/>
+                                  <m:ctrlPr>
+                                    <a:rPr lang="en-US" sz="2000" b="0" i="1" smtClean="0">
+                                      <a:latin typeface="Cambria Math" panose="02040503050406030204" pitchFamily="18" charset="0"/>
+                                      <a:cs typeface="Arial" panose="020B0604020202020204" pitchFamily="34" charset="0"/>
+                                    </a:rPr>
+                                  </m:ctrlPr>
+                                </m:accPr>
+                                <m:e>
+                                  <m:r>
+                                    <a:rPr lang="en-US" sz="2000" b="0" i="1" smtClean="0">
+                                      <a:latin typeface="Cambria Math" panose="02040503050406030204" pitchFamily="18" charset="0"/>
+                                      <a:cs typeface="Arial" panose="020B0604020202020204" pitchFamily="34" charset="0"/>
+                                    </a:rPr>
+                                    <m:t>𝑇</m:t>
+                                  </m:r>
+                                </m:e>
+                              </m:acc>
+                            </m:e>
+                            <m:sub>
+                              <m:r>
+                                <a:rPr lang="en-US" sz="2000" b="0" i="1" smtClean="0">
+                                  <a:latin typeface="Cambria Math" panose="02040503050406030204" pitchFamily="18" charset="0"/>
+                                  <a:cs typeface="Arial" panose="020B0604020202020204" pitchFamily="34" charset="0"/>
+                                </a:rPr>
+                                <m:t>3</m:t>
+                              </m:r>
+                            </m:sub>
+                          </m:sSub>
+                        </m:oMath>
+                      </m:oMathPara>
+                    </a14:m>
+                    <a:endParaRPr lang="en-US" sz="2000" dirty="0">
+                      <a:latin typeface="Arial" panose="020B0604020202020204" pitchFamily="34" charset="0"/>
+                      <a:cs typeface="Arial" panose="020B0604020202020204" pitchFamily="34" charset="0"/>
+                    </a:endParaRPr>
+                  </a:p>
+                </p:txBody>
+              </p:sp>
+            </mc:Choice>
+            <mc:Fallback>
+              <p:sp>
+                <p:nvSpPr>
+                  <p:cNvPr id="70" name="TextBox 69"/>
+                  <p:cNvSpPr txBox="1">
+                    <a:spLocks noRot="1" noChangeAspect="1" noMove="1" noResize="1" noEditPoints="1" noAdjustHandles="1" noChangeArrowheads="1" noChangeShapeType="1" noTextEdit="1"/>
+                  </p:cNvSpPr>
+                  <p:nvPr/>
+                </p:nvSpPr>
+                <p:spPr>
+                  <a:xfrm>
+                    <a:off x="6337516" y="4878660"/>
+                    <a:ext cx="314893" cy="345159"/>
+                  </a:xfrm>
+                  <a:prstGeom prst="rect">
+                    <a:avLst/>
+                  </a:prstGeom>
+                  <a:blipFill>
+                    <a:blip r:embed="rId55"/>
+                    <a:stretch>
+                      <a:fillRect l="-17647" r="-5882" b="-15789"/>
+                    </a:stretch>
+                  </a:blipFill>
+                </p:spPr>
+                <p:txBody>
+                  <a:bodyPr/>
+                  <a:lstStyle/>
+                  <a:p>
+                    <a:r>
+                      <a:rPr lang="en-US">
+                        <a:noFill/>
+                      </a:rPr>
+                      <a:t> </a:t>
+                    </a:r>
+                  </a:p>
+                </p:txBody>
+              </p:sp>
+            </mc:Fallback>
+          </mc:AlternateContent>
+          <p:cxnSp>
+            <p:nvCxnSpPr>
+              <p:cNvPr id="77" name="Straight Arrow Connector 76"/>
+              <p:cNvCxnSpPr/>
+              <p:nvPr/>
+            </p:nvCxnSpPr>
+            <p:spPr>
+              <a:xfrm>
+                <a:off x="5527723" y="3655089"/>
+                <a:ext cx="1" cy="254360"/>
+              </a:xfrm>
+              <a:prstGeom prst="straightConnector1">
+                <a:avLst/>
+              </a:prstGeom>
+              <a:ln w="38100">
+                <a:solidFill>
+                  <a:schemeClr val="tx1"/>
+                </a:solidFill>
+                <a:tailEnd type="triangle"/>
               </a:ln>
             </p:spPr>
             <p:style>
@@ -18736,13 +20343,13 @@
           </p:cxnSp>
           <p:sp>
             <p:nvSpPr>
-              <p:cNvPr id="9" name="Oval 8"/>
+              <p:cNvPr id="78" name="Oval 77"/>
               <p:cNvSpPr/>
               <p:nvPr/>
             </p:nvSpPr>
             <p:spPr>
               <a:xfrm>
-                <a:off x="2944781" y="2880624"/>
+                <a:off x="5427404" y="3518859"/>
                 <a:ext cx="120943" cy="119766"/>
               </a:xfrm>
               <a:prstGeom prst="ellipse">
@@ -18782,17 +20389,6438 @@
               </a:p>
             </p:txBody>
           </p:sp>
+          <p:sp>
+            <p:nvSpPr>
+              <p:cNvPr id="79" name="Oval 78"/>
+              <p:cNvSpPr/>
+              <p:nvPr/>
+            </p:nvSpPr>
+            <p:spPr>
+              <a:xfrm>
+                <a:off x="6343679" y="3875241"/>
+                <a:ext cx="120943" cy="119766"/>
+              </a:xfrm>
+              <a:prstGeom prst="ellipse">
+                <a:avLst/>
+              </a:prstGeom>
+              <a:solidFill>
+                <a:schemeClr val="tx1"/>
+              </a:solidFill>
+              <a:ln w="38100">
+                <a:solidFill>
+                  <a:schemeClr val="tx1"/>
+                </a:solidFill>
+              </a:ln>
+            </p:spPr>
+            <p:style>
+              <a:lnRef idx="2">
+                <a:schemeClr val="accent1">
+                  <a:shade val="50000"/>
+                </a:schemeClr>
+              </a:lnRef>
+              <a:fillRef idx="1">
+                <a:schemeClr val="accent1"/>
+              </a:fillRef>
+              <a:effectRef idx="0">
+                <a:schemeClr val="accent1"/>
+              </a:effectRef>
+              <a:fontRef idx="minor">
+                <a:schemeClr val="lt1"/>
+              </a:fontRef>
+            </p:style>
+            <p:txBody>
+              <a:bodyPr rtlCol="0" anchor="ctr"/>
+              <a:lstStyle/>
+              <a:p>
+                <a:pPr algn="ctr"/>
+                <a:endParaRPr lang="en-US"/>
+              </a:p>
+            </p:txBody>
+          </p:sp>
+          <p:sp>
+            <p:nvSpPr>
+              <p:cNvPr id="80" name="Oval 79"/>
+              <p:cNvSpPr/>
+              <p:nvPr/>
+            </p:nvSpPr>
+            <p:spPr>
+              <a:xfrm>
+                <a:off x="6728858" y="4779527"/>
+                <a:ext cx="120943" cy="119766"/>
+              </a:xfrm>
+              <a:prstGeom prst="ellipse">
+                <a:avLst/>
+              </a:prstGeom>
+              <a:solidFill>
+                <a:schemeClr val="tx1"/>
+              </a:solidFill>
+              <a:ln w="38100">
+                <a:solidFill>
+                  <a:schemeClr val="tx1"/>
+                </a:solidFill>
+              </a:ln>
+            </p:spPr>
+            <p:style>
+              <a:lnRef idx="2">
+                <a:schemeClr val="accent1">
+                  <a:shade val="50000"/>
+                </a:schemeClr>
+              </a:lnRef>
+              <a:fillRef idx="1">
+                <a:schemeClr val="accent1"/>
+              </a:fillRef>
+              <a:effectRef idx="0">
+                <a:schemeClr val="accent1"/>
+              </a:effectRef>
+              <a:fontRef idx="minor">
+                <a:schemeClr val="lt1"/>
+              </a:fontRef>
+            </p:style>
+            <p:txBody>
+              <a:bodyPr rtlCol="0" anchor="ctr"/>
+              <a:lstStyle/>
+              <a:p>
+                <a:pPr algn="ctr"/>
+                <a:endParaRPr lang="en-US"/>
+              </a:p>
+            </p:txBody>
+          </p:sp>
+          <p:sp>
+            <p:nvSpPr>
+              <p:cNvPr id="81" name="Oval 80"/>
+              <p:cNvSpPr/>
+              <p:nvPr/>
+            </p:nvSpPr>
+            <p:spPr>
+              <a:xfrm>
+                <a:off x="6343678" y="5648498"/>
+                <a:ext cx="120943" cy="119766"/>
+              </a:xfrm>
+              <a:prstGeom prst="ellipse">
+                <a:avLst/>
+              </a:prstGeom>
+              <a:solidFill>
+                <a:schemeClr val="tx1"/>
+              </a:solidFill>
+              <a:ln w="38100">
+                <a:solidFill>
+                  <a:schemeClr val="tx1"/>
+                </a:solidFill>
+              </a:ln>
+            </p:spPr>
+            <p:style>
+              <a:lnRef idx="2">
+                <a:schemeClr val="accent1">
+                  <a:shade val="50000"/>
+                </a:schemeClr>
+              </a:lnRef>
+              <a:fillRef idx="1">
+                <a:schemeClr val="accent1"/>
+              </a:fillRef>
+              <a:effectRef idx="0">
+                <a:schemeClr val="accent1"/>
+              </a:effectRef>
+              <a:fontRef idx="minor">
+                <a:schemeClr val="lt1"/>
+              </a:fontRef>
+            </p:style>
+            <p:txBody>
+              <a:bodyPr rtlCol="0" anchor="ctr"/>
+              <a:lstStyle/>
+              <a:p>
+                <a:pPr algn="ctr"/>
+                <a:endParaRPr lang="en-US"/>
+              </a:p>
+            </p:txBody>
+          </p:sp>
+          <p:sp>
+            <p:nvSpPr>
+              <p:cNvPr id="82" name="Oval 81"/>
+              <p:cNvSpPr/>
+              <p:nvPr/>
+            </p:nvSpPr>
+            <p:spPr>
+              <a:xfrm>
+                <a:off x="5404734" y="6014899"/>
+                <a:ext cx="120943" cy="119766"/>
+              </a:xfrm>
+              <a:prstGeom prst="ellipse">
+                <a:avLst/>
+              </a:prstGeom>
+              <a:solidFill>
+                <a:schemeClr val="tx1"/>
+              </a:solidFill>
+              <a:ln w="38100">
+                <a:solidFill>
+                  <a:schemeClr val="tx1"/>
+                </a:solidFill>
+              </a:ln>
+            </p:spPr>
+            <p:style>
+              <a:lnRef idx="2">
+                <a:schemeClr val="accent1">
+                  <a:shade val="50000"/>
+                </a:schemeClr>
+              </a:lnRef>
+              <a:fillRef idx="1">
+                <a:schemeClr val="accent1"/>
+              </a:fillRef>
+              <a:effectRef idx="0">
+                <a:schemeClr val="accent1"/>
+              </a:effectRef>
+              <a:fontRef idx="minor">
+                <a:schemeClr val="lt1"/>
+              </a:fontRef>
+            </p:style>
+            <p:txBody>
+              <a:bodyPr rtlCol="0" anchor="ctr"/>
+              <a:lstStyle/>
+              <a:p>
+                <a:pPr algn="ctr"/>
+                <a:endParaRPr lang="en-US"/>
+              </a:p>
+            </p:txBody>
+          </p:sp>
+          <p:cxnSp>
+            <p:nvCxnSpPr>
+              <p:cNvPr id="83" name="Straight Connector 82"/>
+              <p:cNvCxnSpPr/>
+              <p:nvPr/>
+            </p:nvCxnSpPr>
+            <p:spPr>
+              <a:xfrm>
+                <a:off x="5476602" y="4828259"/>
+                <a:ext cx="948005" cy="911315"/>
+              </a:xfrm>
+              <a:prstGeom prst="line">
+                <a:avLst/>
+              </a:prstGeom>
+              <a:ln w="19050">
+                <a:solidFill>
+                  <a:schemeClr val="tx1"/>
+                </a:solidFill>
+                <a:prstDash val="sysDot"/>
+              </a:ln>
+            </p:spPr>
+            <p:style>
+              <a:lnRef idx="1">
+                <a:schemeClr val="accent1"/>
+              </a:lnRef>
+              <a:fillRef idx="0">
+                <a:schemeClr val="accent1"/>
+              </a:fillRef>
+              <a:effectRef idx="0">
+                <a:schemeClr val="accent1"/>
+              </a:effectRef>
+              <a:fontRef idx="minor">
+                <a:schemeClr val="tx1"/>
+              </a:fontRef>
+            </p:style>
+          </p:cxnSp>
+          <p:cxnSp>
+            <p:nvCxnSpPr>
+              <p:cNvPr id="84" name="Straight Connector 83"/>
+              <p:cNvCxnSpPr/>
+              <p:nvPr/>
+            </p:nvCxnSpPr>
+            <p:spPr>
+              <a:xfrm flipV="1">
+                <a:off x="5481073" y="3995007"/>
+                <a:ext cx="878474" cy="852749"/>
+              </a:xfrm>
+              <a:prstGeom prst="line">
+                <a:avLst/>
+              </a:prstGeom>
+              <a:ln w="19050">
+                <a:solidFill>
+                  <a:schemeClr val="tx1"/>
+                </a:solidFill>
+                <a:prstDash val="sysDot"/>
+              </a:ln>
+            </p:spPr>
+            <p:style>
+              <a:lnRef idx="1">
+                <a:schemeClr val="accent1"/>
+              </a:lnRef>
+              <a:fillRef idx="0">
+                <a:schemeClr val="accent1"/>
+              </a:fillRef>
+              <a:effectRef idx="0">
+                <a:schemeClr val="accent1"/>
+              </a:effectRef>
+              <a:fontRef idx="minor">
+                <a:schemeClr val="tx1"/>
+              </a:fontRef>
+            </p:style>
+          </p:cxnSp>
+          <p:cxnSp>
+            <p:nvCxnSpPr>
+              <p:cNvPr id="85" name="Straight Connector 84"/>
+              <p:cNvCxnSpPr/>
+              <p:nvPr/>
+            </p:nvCxnSpPr>
+            <p:spPr>
+              <a:xfrm>
+                <a:off x="5462094" y="4839410"/>
+                <a:ext cx="23755" cy="1064992"/>
+              </a:xfrm>
+              <a:prstGeom prst="line">
+                <a:avLst/>
+              </a:prstGeom>
+              <a:ln w="19050">
+                <a:solidFill>
+                  <a:schemeClr val="tx1"/>
+                </a:solidFill>
+                <a:prstDash val="sysDot"/>
+              </a:ln>
+            </p:spPr>
+            <p:style>
+              <a:lnRef idx="1">
+                <a:schemeClr val="accent1"/>
+              </a:lnRef>
+              <a:fillRef idx="0">
+                <a:schemeClr val="accent1"/>
+              </a:fillRef>
+              <a:effectRef idx="0">
+                <a:schemeClr val="accent1"/>
+              </a:effectRef>
+              <a:fontRef idx="minor">
+                <a:schemeClr val="tx1"/>
+              </a:fontRef>
+            </p:style>
+          </p:cxnSp>
           <mc:AlternateContent xmlns:mc="http://schemas.openxmlformats.org/markup-compatibility/2006">
             <mc:Choice xmlns:a14="http://schemas.microsoft.com/office/drawing/2010/main" Requires="a14">
               <p:sp>
                 <p:nvSpPr>
-                  <p:cNvPr id="10" name="TextBox 9"/>
+                  <p:cNvPr id="88" name="TextBox 87"/>
                   <p:cNvSpPr txBox="1"/>
                   <p:nvPr/>
                 </p:nvSpPr>
                 <p:spPr>
                   <a:xfrm>
-                    <a:off x="2392033" y="4309946"/>
+                    <a:off x="5512590" y="5100585"/>
+                    <a:ext cx="325409" cy="307777"/>
+                  </a:xfrm>
+                  <a:prstGeom prst="rect">
+                    <a:avLst/>
+                  </a:prstGeom>
+                  <a:noFill/>
+                </p:spPr>
+                <p:txBody>
+                  <a:bodyPr wrap="none" lIns="0" tIns="0" rIns="0" bIns="0" rtlCol="0">
+                    <a:spAutoFit/>
+                  </a:bodyPr>
+                  <a:lstStyle/>
+                  <a:p>
+                    <a14:m>
+                      <m:oMathPara xmlns:m="http://schemas.openxmlformats.org/officeDocument/2006/math">
+                        <m:oMathParaPr>
+                          <m:jc m:val="centerGroup"/>
+                        </m:oMathParaPr>
+                        <m:oMath xmlns:m="http://schemas.openxmlformats.org/officeDocument/2006/math">
+                          <m:sSub>
+                            <m:sSubPr>
+                              <m:ctrlPr>
+                                <a:rPr lang="en-US" sz="2000" b="0" i="1" smtClean="0">
+                                  <a:latin typeface="Cambria Math" panose="02040503050406030204" pitchFamily="18" charset="0"/>
+                                  <a:cs typeface="Arial" panose="020B0604020202020204" pitchFamily="34" charset="0"/>
+                                </a:rPr>
+                              </m:ctrlPr>
+                            </m:sSubPr>
+                            <m:e>
+                              <m:r>
+                                <a:rPr lang="en-US" sz="2000" b="0" i="1" smtClean="0">
+                                  <a:latin typeface="Cambria Math" panose="02040503050406030204" pitchFamily="18" charset="0"/>
+                                  <a:cs typeface="Arial" panose="020B0604020202020204" pitchFamily="34" charset="0"/>
+                                </a:rPr>
+                                <m:t>𝜃</m:t>
+                              </m:r>
+                            </m:e>
+                            <m:sub>
+                              <m:r>
+                                <a:rPr lang="en-US" sz="2000" b="0" i="1" smtClean="0">
+                                  <a:latin typeface="Cambria Math" panose="02040503050406030204" pitchFamily="18" charset="0"/>
+                                  <a:cs typeface="Arial" panose="020B0604020202020204" pitchFamily="34" charset="0"/>
+                                </a:rPr>
+                                <m:t>2</m:t>
+                              </m:r>
+                            </m:sub>
+                          </m:sSub>
+                        </m:oMath>
+                      </m:oMathPara>
+                    </a14:m>
+                    <a:endParaRPr lang="en-US" sz="2000" dirty="0" smtClean="0">
+                      <a:latin typeface="Arial" panose="020B0604020202020204" pitchFamily="34" charset="0"/>
+                      <a:cs typeface="Arial" panose="020B0604020202020204" pitchFamily="34" charset="0"/>
+                    </a:endParaRPr>
+                  </a:p>
+                </p:txBody>
+              </p:sp>
+            </mc:Choice>
+            <mc:Fallback>
+              <p:sp>
+                <p:nvSpPr>
+                  <p:cNvPr id="88" name="TextBox 87"/>
+                  <p:cNvSpPr txBox="1">
+                    <a:spLocks noRot="1" noChangeAspect="1" noMove="1" noResize="1" noEditPoints="1" noAdjustHandles="1" noChangeArrowheads="1" noChangeShapeType="1" noTextEdit="1"/>
+                  </p:cNvSpPr>
+                  <p:nvPr/>
+                </p:nvSpPr>
+                <p:spPr>
+                  <a:xfrm>
+                    <a:off x="5512590" y="5100585"/>
+                    <a:ext cx="325409" cy="307777"/>
+                  </a:xfrm>
+                  <a:prstGeom prst="rect">
+                    <a:avLst/>
+                  </a:prstGeom>
+                  <a:blipFill>
+                    <a:blip r:embed="rId56"/>
+                    <a:stretch>
+                      <a:fillRect l="-16667" r="-7407" b="-19608"/>
+                    </a:stretch>
+                  </a:blipFill>
+                </p:spPr>
+                <p:txBody>
+                  <a:bodyPr/>
+                  <a:lstStyle/>
+                  <a:p>
+                    <a:r>
+                      <a:rPr lang="en-US">
+                        <a:noFill/>
+                      </a:rPr>
+                      <a:t> </a:t>
+                    </a:r>
+                  </a:p>
+                </p:txBody>
+              </p:sp>
+            </mc:Fallback>
+          </mc:AlternateContent>
+          <mc:AlternateContent xmlns:mc="http://schemas.openxmlformats.org/markup-compatibility/2006">
+            <mc:Choice xmlns:a14="http://schemas.microsoft.com/office/drawing/2010/main" Requires="a14">
+              <p:sp>
+                <p:nvSpPr>
+                  <p:cNvPr id="89" name="TextBox 88"/>
+                  <p:cNvSpPr txBox="1"/>
+                  <p:nvPr/>
+                </p:nvSpPr>
+                <p:spPr>
+                  <a:xfrm>
+                    <a:off x="5076180" y="6365381"/>
+                    <a:ext cx="303866" cy="377219"/>
+                  </a:xfrm>
+                  <a:prstGeom prst="rect">
+                    <a:avLst/>
+                  </a:prstGeom>
+                  <a:noFill/>
+                </p:spPr>
+                <p:txBody>
+                  <a:bodyPr wrap="none" lIns="0" tIns="0" rIns="0" bIns="0" rtlCol="0">
+                    <a:spAutoFit/>
+                  </a:bodyPr>
+                  <a:lstStyle/>
+                  <a:p>
+                    <a:pPr/>
+                    <a14:m>
+                      <m:oMathPara xmlns:m="http://schemas.openxmlformats.org/officeDocument/2006/math">
+                        <m:oMathParaPr>
+                          <m:jc m:val="centerGroup"/>
+                        </m:oMathParaPr>
+                        <m:oMath xmlns:m="http://schemas.openxmlformats.org/officeDocument/2006/math">
+                          <m:sSub>
+                            <m:sSubPr>
+                              <m:ctrlPr>
+                                <a:rPr lang="en-US" sz="2000" b="0" i="1" smtClean="0">
+                                  <a:latin typeface="Cambria Math" panose="02040503050406030204" pitchFamily="18" charset="0"/>
+                                  <a:cs typeface="Arial" panose="020B0604020202020204" pitchFamily="34" charset="0"/>
+                                </a:rPr>
+                              </m:ctrlPr>
+                            </m:sSubPr>
+                            <m:e>
+                              <m:acc>
+                                <m:accPr>
+                                  <m:chr m:val="⃗"/>
+                                  <m:ctrlPr>
+                                    <a:rPr lang="en-US" sz="2000" b="0" i="1" smtClean="0">
+                                      <a:latin typeface="Cambria Math" panose="02040503050406030204" pitchFamily="18" charset="0"/>
+                                      <a:cs typeface="Arial" panose="020B0604020202020204" pitchFamily="34" charset="0"/>
+                                    </a:rPr>
+                                  </m:ctrlPr>
+                                </m:accPr>
+                                <m:e>
+                                  <m:r>
+                                    <a:rPr lang="en-US" sz="2000" b="0" i="1" smtClean="0">
+                                      <a:latin typeface="Cambria Math" panose="02040503050406030204" pitchFamily="18" charset="0"/>
+                                      <a:cs typeface="Arial" panose="020B0604020202020204" pitchFamily="34" charset="0"/>
+                                    </a:rPr>
+                                    <m:t>𝐹</m:t>
+                                  </m:r>
+                                </m:e>
+                              </m:acc>
+                            </m:e>
+                            <m:sub>
+                              <m:r>
+                                <a:rPr lang="en-US" sz="2000" b="0" i="1" smtClean="0">
+                                  <a:latin typeface="Cambria Math" panose="02040503050406030204" pitchFamily="18" charset="0"/>
+                                  <a:cs typeface="Arial" panose="020B0604020202020204" pitchFamily="34" charset="0"/>
+                                </a:rPr>
+                                <m:t>𝑔</m:t>
+                              </m:r>
+                            </m:sub>
+                          </m:sSub>
+                        </m:oMath>
+                      </m:oMathPara>
+                    </a14:m>
+                    <a:endParaRPr lang="en-US" sz="2000" dirty="0">
+                      <a:latin typeface="Arial" panose="020B0604020202020204" pitchFamily="34" charset="0"/>
+                      <a:cs typeface="Arial" panose="020B0604020202020204" pitchFamily="34" charset="0"/>
+                    </a:endParaRPr>
+                  </a:p>
+                </p:txBody>
+              </p:sp>
+            </mc:Choice>
+            <mc:Fallback>
+              <p:sp>
+                <p:nvSpPr>
+                  <p:cNvPr id="89" name="TextBox 88"/>
+                  <p:cNvSpPr txBox="1">
+                    <a:spLocks noRot="1" noChangeAspect="1" noMove="1" noResize="1" noEditPoints="1" noAdjustHandles="1" noChangeArrowheads="1" noChangeShapeType="1" noTextEdit="1"/>
+                  </p:cNvSpPr>
+                  <p:nvPr/>
+                </p:nvSpPr>
+                <p:spPr>
+                  <a:xfrm>
+                    <a:off x="5076180" y="6365381"/>
+                    <a:ext cx="303866" cy="377219"/>
+                  </a:xfrm>
+                  <a:prstGeom prst="rect">
+                    <a:avLst/>
+                  </a:prstGeom>
+                  <a:blipFill>
+                    <a:blip r:embed="rId57"/>
+                    <a:stretch>
+                      <a:fillRect l="-18000" t="-32258" r="-70000" b="-17742"/>
+                    </a:stretch>
+                  </a:blipFill>
+                </p:spPr>
+                <p:txBody>
+                  <a:bodyPr/>
+                  <a:lstStyle/>
+                  <a:p>
+                    <a:r>
+                      <a:rPr lang="en-US">
+                        <a:noFill/>
+                      </a:rPr>
+                      <a:t> </a:t>
+                    </a:r>
+                  </a:p>
+                </p:txBody>
+              </p:sp>
+            </mc:Fallback>
+          </mc:AlternateContent>
+          <mc:AlternateContent xmlns:mc="http://schemas.openxmlformats.org/markup-compatibility/2006">
+            <mc:Choice xmlns:a14="http://schemas.microsoft.com/office/drawing/2010/main" Requires="a14">
+              <p:sp>
+                <p:nvSpPr>
+                  <p:cNvPr id="90" name="TextBox 89"/>
+                  <p:cNvSpPr txBox="1"/>
+                  <p:nvPr/>
+                </p:nvSpPr>
+                <p:spPr>
+                  <a:xfrm>
+                    <a:off x="6134281" y="6225810"/>
+                    <a:ext cx="303866" cy="377219"/>
+                  </a:xfrm>
+                  <a:prstGeom prst="rect">
+                    <a:avLst/>
+                  </a:prstGeom>
+                  <a:noFill/>
+                </p:spPr>
+                <p:txBody>
+                  <a:bodyPr wrap="none" lIns="0" tIns="0" rIns="0" bIns="0" rtlCol="0">
+                    <a:spAutoFit/>
+                  </a:bodyPr>
+                  <a:lstStyle/>
+                  <a:p>
+                    <a:pPr/>
+                    <a14:m>
+                      <m:oMathPara xmlns:m="http://schemas.openxmlformats.org/officeDocument/2006/math">
+                        <m:oMathParaPr>
+                          <m:jc m:val="centerGroup"/>
+                        </m:oMathParaPr>
+                        <m:oMath xmlns:m="http://schemas.openxmlformats.org/officeDocument/2006/math">
+                          <m:sSub>
+                            <m:sSubPr>
+                              <m:ctrlPr>
+                                <a:rPr lang="en-US" sz="2000" b="0" i="1" smtClean="0">
+                                  <a:latin typeface="Cambria Math" panose="02040503050406030204" pitchFamily="18" charset="0"/>
+                                  <a:cs typeface="Arial" panose="020B0604020202020204" pitchFamily="34" charset="0"/>
+                                </a:rPr>
+                              </m:ctrlPr>
+                            </m:sSubPr>
+                            <m:e>
+                              <m:acc>
+                                <m:accPr>
+                                  <m:chr m:val="⃗"/>
+                                  <m:ctrlPr>
+                                    <a:rPr lang="en-US" sz="2000" b="0" i="1" smtClean="0">
+                                      <a:latin typeface="Cambria Math" panose="02040503050406030204" pitchFamily="18" charset="0"/>
+                                      <a:cs typeface="Arial" panose="020B0604020202020204" pitchFamily="34" charset="0"/>
+                                    </a:rPr>
+                                  </m:ctrlPr>
+                                </m:accPr>
+                                <m:e>
+                                  <m:r>
+                                    <a:rPr lang="en-US" sz="2000" b="0" i="1" smtClean="0">
+                                      <a:latin typeface="Cambria Math" panose="02040503050406030204" pitchFamily="18" charset="0"/>
+                                      <a:cs typeface="Arial" panose="020B0604020202020204" pitchFamily="34" charset="0"/>
+                                    </a:rPr>
+                                    <m:t>𝐹</m:t>
+                                  </m:r>
+                                </m:e>
+                              </m:acc>
+                            </m:e>
+                            <m:sub>
+                              <m:r>
+                                <a:rPr lang="en-US" sz="2000" b="0" i="1" smtClean="0">
+                                  <a:latin typeface="Cambria Math" panose="02040503050406030204" pitchFamily="18" charset="0"/>
+                                  <a:cs typeface="Arial" panose="020B0604020202020204" pitchFamily="34" charset="0"/>
+                                </a:rPr>
+                                <m:t>𝑔</m:t>
+                              </m:r>
+                            </m:sub>
+                          </m:sSub>
+                        </m:oMath>
+                      </m:oMathPara>
+                    </a14:m>
+                    <a:endParaRPr lang="en-US" sz="2000" dirty="0">
+                      <a:latin typeface="Arial" panose="020B0604020202020204" pitchFamily="34" charset="0"/>
+                      <a:cs typeface="Arial" panose="020B0604020202020204" pitchFamily="34" charset="0"/>
+                    </a:endParaRPr>
+                  </a:p>
+                </p:txBody>
+              </p:sp>
+            </mc:Choice>
+            <mc:Fallback>
+              <p:sp>
+                <p:nvSpPr>
+                  <p:cNvPr id="90" name="TextBox 89"/>
+                  <p:cNvSpPr txBox="1">
+                    <a:spLocks noRot="1" noChangeAspect="1" noMove="1" noResize="1" noEditPoints="1" noAdjustHandles="1" noChangeArrowheads="1" noChangeShapeType="1" noTextEdit="1"/>
+                  </p:cNvSpPr>
+                  <p:nvPr/>
+                </p:nvSpPr>
+                <p:spPr>
+                  <a:xfrm>
+                    <a:off x="6134281" y="6225810"/>
+                    <a:ext cx="303866" cy="377219"/>
+                  </a:xfrm>
+                  <a:prstGeom prst="rect">
+                    <a:avLst/>
+                  </a:prstGeom>
+                  <a:blipFill>
+                    <a:blip r:embed="rId58"/>
+                    <a:stretch>
+                      <a:fillRect l="-16000" t="-32258" r="-72000" b="-17742"/>
+                    </a:stretch>
+                  </a:blipFill>
+                </p:spPr>
+                <p:txBody>
+                  <a:bodyPr/>
+                  <a:lstStyle/>
+                  <a:p>
+                    <a:r>
+                      <a:rPr lang="en-US">
+                        <a:noFill/>
+                      </a:rPr>
+                      <a:t> </a:t>
+                    </a:r>
+                  </a:p>
+                </p:txBody>
+              </p:sp>
+            </mc:Fallback>
+          </mc:AlternateContent>
+          <mc:AlternateContent xmlns:mc="http://schemas.openxmlformats.org/markup-compatibility/2006">
+            <mc:Choice xmlns:a14="http://schemas.microsoft.com/office/drawing/2010/main" Requires="a14">
+              <p:sp>
+                <p:nvSpPr>
+                  <p:cNvPr id="91" name="TextBox 90"/>
+                  <p:cNvSpPr txBox="1"/>
+                  <p:nvPr/>
+                </p:nvSpPr>
+                <p:spPr>
+                  <a:xfrm>
+                    <a:off x="6869136" y="5183296"/>
+                    <a:ext cx="303866" cy="377219"/>
+                  </a:xfrm>
+                  <a:prstGeom prst="rect">
+                    <a:avLst/>
+                  </a:prstGeom>
+                  <a:noFill/>
+                </p:spPr>
+                <p:txBody>
+                  <a:bodyPr wrap="none" lIns="0" tIns="0" rIns="0" bIns="0" rtlCol="0">
+                    <a:spAutoFit/>
+                  </a:bodyPr>
+                  <a:lstStyle/>
+                  <a:p>
+                    <a:pPr/>
+                    <a14:m>
+                      <m:oMathPara xmlns:m="http://schemas.openxmlformats.org/officeDocument/2006/math">
+                        <m:oMathParaPr>
+                          <m:jc m:val="centerGroup"/>
+                        </m:oMathParaPr>
+                        <m:oMath xmlns:m="http://schemas.openxmlformats.org/officeDocument/2006/math">
+                          <m:sSub>
+                            <m:sSubPr>
+                              <m:ctrlPr>
+                                <a:rPr lang="en-US" sz="2000" b="0" i="1" smtClean="0">
+                                  <a:latin typeface="Cambria Math" panose="02040503050406030204" pitchFamily="18" charset="0"/>
+                                  <a:cs typeface="Arial" panose="020B0604020202020204" pitchFamily="34" charset="0"/>
+                                </a:rPr>
+                              </m:ctrlPr>
+                            </m:sSubPr>
+                            <m:e>
+                              <m:acc>
+                                <m:accPr>
+                                  <m:chr m:val="⃗"/>
+                                  <m:ctrlPr>
+                                    <a:rPr lang="en-US" sz="2000" b="0" i="1" smtClean="0">
+                                      <a:latin typeface="Cambria Math" panose="02040503050406030204" pitchFamily="18" charset="0"/>
+                                      <a:cs typeface="Arial" panose="020B0604020202020204" pitchFamily="34" charset="0"/>
+                                    </a:rPr>
+                                  </m:ctrlPr>
+                                </m:accPr>
+                                <m:e>
+                                  <m:r>
+                                    <a:rPr lang="en-US" sz="2000" b="0" i="1" smtClean="0">
+                                      <a:latin typeface="Cambria Math" panose="02040503050406030204" pitchFamily="18" charset="0"/>
+                                      <a:cs typeface="Arial" panose="020B0604020202020204" pitchFamily="34" charset="0"/>
+                                    </a:rPr>
+                                    <m:t>𝐹</m:t>
+                                  </m:r>
+                                </m:e>
+                              </m:acc>
+                            </m:e>
+                            <m:sub>
+                              <m:r>
+                                <a:rPr lang="en-US" sz="2000" b="0" i="1" smtClean="0">
+                                  <a:latin typeface="Cambria Math" panose="02040503050406030204" pitchFamily="18" charset="0"/>
+                                  <a:cs typeface="Arial" panose="020B0604020202020204" pitchFamily="34" charset="0"/>
+                                </a:rPr>
+                                <m:t>𝑔</m:t>
+                              </m:r>
+                            </m:sub>
+                          </m:sSub>
+                        </m:oMath>
+                      </m:oMathPara>
+                    </a14:m>
+                    <a:endParaRPr lang="en-US" sz="2000" dirty="0">
+                      <a:latin typeface="Arial" panose="020B0604020202020204" pitchFamily="34" charset="0"/>
+                      <a:cs typeface="Arial" panose="020B0604020202020204" pitchFamily="34" charset="0"/>
+                    </a:endParaRPr>
+                  </a:p>
+                </p:txBody>
+              </p:sp>
+            </mc:Choice>
+            <mc:Fallback>
+              <p:sp>
+                <p:nvSpPr>
+                  <p:cNvPr id="91" name="TextBox 90"/>
+                  <p:cNvSpPr txBox="1">
+                    <a:spLocks noRot="1" noChangeAspect="1" noMove="1" noResize="1" noEditPoints="1" noAdjustHandles="1" noChangeArrowheads="1" noChangeShapeType="1" noTextEdit="1"/>
+                  </p:cNvSpPr>
+                  <p:nvPr/>
+                </p:nvSpPr>
+                <p:spPr>
+                  <a:xfrm>
+                    <a:off x="6869136" y="5183296"/>
+                    <a:ext cx="303866" cy="377219"/>
+                  </a:xfrm>
+                  <a:prstGeom prst="rect">
+                    <a:avLst/>
+                  </a:prstGeom>
+                  <a:blipFill>
+                    <a:blip r:embed="rId59"/>
+                    <a:stretch>
+                      <a:fillRect l="-18000" t="-32258" r="-70000" b="-17742"/>
+                    </a:stretch>
+                  </a:blipFill>
+                </p:spPr>
+                <p:txBody>
+                  <a:bodyPr/>
+                  <a:lstStyle/>
+                  <a:p>
+                    <a:r>
+                      <a:rPr lang="en-US">
+                        <a:noFill/>
+                      </a:rPr>
+                      <a:t> </a:t>
+                    </a:r>
+                  </a:p>
+                </p:txBody>
+              </p:sp>
+            </mc:Fallback>
+          </mc:AlternateContent>
+          <mc:AlternateContent xmlns:mc="http://schemas.openxmlformats.org/markup-compatibility/2006">
+            <mc:Choice xmlns:a14="http://schemas.microsoft.com/office/drawing/2010/main" Requires="a14">
+              <p:sp>
+                <p:nvSpPr>
+                  <p:cNvPr id="92" name="TextBox 91"/>
+                  <p:cNvSpPr txBox="1"/>
+                  <p:nvPr/>
+                </p:nvSpPr>
+                <p:spPr>
+                  <a:xfrm>
+                    <a:off x="6473963" y="4296139"/>
+                    <a:ext cx="303866" cy="377219"/>
+                  </a:xfrm>
+                  <a:prstGeom prst="rect">
+                    <a:avLst/>
+                  </a:prstGeom>
+                  <a:noFill/>
+                </p:spPr>
+                <p:txBody>
+                  <a:bodyPr wrap="none" lIns="0" tIns="0" rIns="0" bIns="0" rtlCol="0">
+                    <a:spAutoFit/>
+                  </a:bodyPr>
+                  <a:lstStyle/>
+                  <a:p>
+                    <a:pPr/>
+                    <a14:m>
+                      <m:oMathPara xmlns:m="http://schemas.openxmlformats.org/officeDocument/2006/math">
+                        <m:oMathParaPr>
+                          <m:jc m:val="centerGroup"/>
+                        </m:oMathParaPr>
+                        <m:oMath xmlns:m="http://schemas.openxmlformats.org/officeDocument/2006/math">
+                          <m:sSub>
+                            <m:sSubPr>
+                              <m:ctrlPr>
+                                <a:rPr lang="en-US" sz="2000" b="0" i="1" smtClean="0">
+                                  <a:latin typeface="Cambria Math" panose="02040503050406030204" pitchFamily="18" charset="0"/>
+                                  <a:cs typeface="Arial" panose="020B0604020202020204" pitchFamily="34" charset="0"/>
+                                </a:rPr>
+                              </m:ctrlPr>
+                            </m:sSubPr>
+                            <m:e>
+                              <m:acc>
+                                <m:accPr>
+                                  <m:chr m:val="⃗"/>
+                                  <m:ctrlPr>
+                                    <a:rPr lang="en-US" sz="2000" b="0" i="1" smtClean="0">
+                                      <a:latin typeface="Cambria Math" panose="02040503050406030204" pitchFamily="18" charset="0"/>
+                                      <a:cs typeface="Arial" panose="020B0604020202020204" pitchFamily="34" charset="0"/>
+                                    </a:rPr>
+                                  </m:ctrlPr>
+                                </m:accPr>
+                                <m:e>
+                                  <m:r>
+                                    <a:rPr lang="en-US" sz="2000" b="0" i="1" smtClean="0">
+                                      <a:latin typeface="Cambria Math" panose="02040503050406030204" pitchFamily="18" charset="0"/>
+                                      <a:cs typeface="Arial" panose="020B0604020202020204" pitchFamily="34" charset="0"/>
+                                    </a:rPr>
+                                    <m:t>𝐹</m:t>
+                                  </m:r>
+                                </m:e>
+                              </m:acc>
+                            </m:e>
+                            <m:sub>
+                              <m:r>
+                                <a:rPr lang="en-US" sz="2000" b="0" i="1" smtClean="0">
+                                  <a:latin typeface="Cambria Math" panose="02040503050406030204" pitchFamily="18" charset="0"/>
+                                  <a:cs typeface="Arial" panose="020B0604020202020204" pitchFamily="34" charset="0"/>
+                                </a:rPr>
+                                <m:t>𝑔</m:t>
+                              </m:r>
+                            </m:sub>
+                          </m:sSub>
+                        </m:oMath>
+                      </m:oMathPara>
+                    </a14:m>
+                    <a:endParaRPr lang="en-US" sz="2000" dirty="0">
+                      <a:latin typeface="Arial" panose="020B0604020202020204" pitchFamily="34" charset="0"/>
+                      <a:cs typeface="Arial" panose="020B0604020202020204" pitchFamily="34" charset="0"/>
+                    </a:endParaRPr>
+                  </a:p>
+                </p:txBody>
+              </p:sp>
+            </mc:Choice>
+            <mc:Fallback>
+              <p:sp>
+                <p:nvSpPr>
+                  <p:cNvPr id="92" name="TextBox 91"/>
+                  <p:cNvSpPr txBox="1">
+                    <a:spLocks noRot="1" noChangeAspect="1" noMove="1" noResize="1" noEditPoints="1" noAdjustHandles="1" noChangeArrowheads="1" noChangeShapeType="1" noTextEdit="1"/>
+                  </p:cNvSpPr>
+                  <p:nvPr/>
+                </p:nvSpPr>
+                <p:spPr>
+                  <a:xfrm>
+                    <a:off x="6473963" y="4296139"/>
+                    <a:ext cx="303866" cy="377219"/>
+                  </a:xfrm>
+                  <a:prstGeom prst="rect">
+                    <a:avLst/>
+                  </a:prstGeom>
+                  <a:blipFill>
+                    <a:blip r:embed="rId60"/>
+                    <a:stretch>
+                      <a:fillRect l="-16000" t="-30645" r="-72000" b="-17742"/>
+                    </a:stretch>
+                  </a:blipFill>
+                </p:spPr>
+                <p:txBody>
+                  <a:bodyPr/>
+                  <a:lstStyle/>
+                  <a:p>
+                    <a:r>
+                      <a:rPr lang="en-US">
+                        <a:noFill/>
+                      </a:rPr>
+                      <a:t> </a:t>
+                    </a:r>
+                  </a:p>
+                </p:txBody>
+              </p:sp>
+            </mc:Fallback>
+          </mc:AlternateContent>
+          <mc:AlternateContent xmlns:mc="http://schemas.openxmlformats.org/markup-compatibility/2006">
+            <mc:Choice xmlns:a14="http://schemas.microsoft.com/office/drawing/2010/main" Requires="a14">
+              <p:sp>
+                <p:nvSpPr>
+                  <p:cNvPr id="93" name="TextBox 92"/>
+                  <p:cNvSpPr txBox="1"/>
+                  <p:nvPr/>
+                </p:nvSpPr>
+                <p:spPr>
+                  <a:xfrm>
+                    <a:off x="5117470" y="3935124"/>
+                    <a:ext cx="303866" cy="377219"/>
+                  </a:xfrm>
+                  <a:prstGeom prst="rect">
+                    <a:avLst/>
+                  </a:prstGeom>
+                  <a:noFill/>
+                </p:spPr>
+                <p:txBody>
+                  <a:bodyPr wrap="none" lIns="0" tIns="0" rIns="0" bIns="0" rtlCol="0">
+                    <a:spAutoFit/>
+                  </a:bodyPr>
+                  <a:lstStyle/>
+                  <a:p>
+                    <a:pPr/>
+                    <a14:m>
+                      <m:oMathPara xmlns:m="http://schemas.openxmlformats.org/officeDocument/2006/math">
+                        <m:oMathParaPr>
+                          <m:jc m:val="centerGroup"/>
+                        </m:oMathParaPr>
+                        <m:oMath xmlns:m="http://schemas.openxmlformats.org/officeDocument/2006/math">
+                          <m:sSub>
+                            <m:sSubPr>
+                              <m:ctrlPr>
+                                <a:rPr lang="en-US" sz="2000" b="0" i="1" smtClean="0">
+                                  <a:latin typeface="Cambria Math" panose="02040503050406030204" pitchFamily="18" charset="0"/>
+                                  <a:cs typeface="Arial" panose="020B0604020202020204" pitchFamily="34" charset="0"/>
+                                </a:rPr>
+                              </m:ctrlPr>
+                            </m:sSubPr>
+                            <m:e>
+                              <m:acc>
+                                <m:accPr>
+                                  <m:chr m:val="⃗"/>
+                                  <m:ctrlPr>
+                                    <a:rPr lang="en-US" sz="2000" b="0" i="1" smtClean="0">
+                                      <a:latin typeface="Cambria Math" panose="02040503050406030204" pitchFamily="18" charset="0"/>
+                                      <a:cs typeface="Arial" panose="020B0604020202020204" pitchFamily="34" charset="0"/>
+                                    </a:rPr>
+                                  </m:ctrlPr>
+                                </m:accPr>
+                                <m:e>
+                                  <m:r>
+                                    <a:rPr lang="en-US" sz="2000" b="0" i="1" smtClean="0">
+                                      <a:latin typeface="Cambria Math" panose="02040503050406030204" pitchFamily="18" charset="0"/>
+                                      <a:cs typeface="Arial" panose="020B0604020202020204" pitchFamily="34" charset="0"/>
+                                    </a:rPr>
+                                    <m:t>𝐹</m:t>
+                                  </m:r>
+                                </m:e>
+                              </m:acc>
+                            </m:e>
+                            <m:sub>
+                              <m:r>
+                                <a:rPr lang="en-US" sz="2000" b="0" i="1" smtClean="0">
+                                  <a:latin typeface="Cambria Math" panose="02040503050406030204" pitchFamily="18" charset="0"/>
+                                  <a:cs typeface="Arial" panose="020B0604020202020204" pitchFamily="34" charset="0"/>
+                                </a:rPr>
+                                <m:t>𝑔</m:t>
+                              </m:r>
+                            </m:sub>
+                          </m:sSub>
+                        </m:oMath>
+                      </m:oMathPara>
+                    </a14:m>
+                    <a:endParaRPr lang="en-US" sz="2000" dirty="0">
+                      <a:latin typeface="Arial" panose="020B0604020202020204" pitchFamily="34" charset="0"/>
+                      <a:cs typeface="Arial" panose="020B0604020202020204" pitchFamily="34" charset="0"/>
+                    </a:endParaRPr>
+                  </a:p>
+                </p:txBody>
+              </p:sp>
+            </mc:Choice>
+            <mc:Fallback>
+              <p:sp>
+                <p:nvSpPr>
+                  <p:cNvPr id="93" name="TextBox 92"/>
+                  <p:cNvSpPr txBox="1">
+                    <a:spLocks noRot="1" noChangeAspect="1" noMove="1" noResize="1" noEditPoints="1" noAdjustHandles="1" noChangeArrowheads="1" noChangeShapeType="1" noTextEdit="1"/>
+                  </p:cNvSpPr>
+                  <p:nvPr/>
+                </p:nvSpPr>
+                <p:spPr>
+                  <a:xfrm>
+                    <a:off x="5117470" y="3935124"/>
+                    <a:ext cx="303866" cy="377219"/>
+                  </a:xfrm>
+                  <a:prstGeom prst="rect">
+                    <a:avLst/>
+                  </a:prstGeom>
+                  <a:blipFill>
+                    <a:blip r:embed="rId61"/>
+                    <a:stretch>
+                      <a:fillRect l="-18367" t="-30645" r="-73469" b="-17742"/>
+                    </a:stretch>
+                  </a:blipFill>
+                </p:spPr>
+                <p:txBody>
+                  <a:bodyPr/>
+                  <a:lstStyle/>
+                  <a:p>
+                    <a:r>
+                      <a:rPr lang="en-US">
+                        <a:noFill/>
+                      </a:rPr>
+                      <a:t> </a:t>
+                    </a:r>
+                  </a:p>
+                </p:txBody>
+              </p:sp>
+            </mc:Fallback>
+          </mc:AlternateContent>
+          <mc:AlternateContent xmlns:mc="http://schemas.openxmlformats.org/markup-compatibility/2006">
+            <mc:Choice xmlns:a14="http://schemas.microsoft.com/office/drawing/2010/main" Requires="a14">
+              <p:sp>
+                <p:nvSpPr>
+                  <p:cNvPr id="94" name="TextBox 93"/>
+                  <p:cNvSpPr txBox="1"/>
+                  <p:nvPr/>
+                </p:nvSpPr>
+                <p:spPr>
+                  <a:xfrm>
+                    <a:off x="5561149" y="6106642"/>
+                    <a:ext cx="213200" cy="307777"/>
+                  </a:xfrm>
+                  <a:prstGeom prst="rect">
+                    <a:avLst/>
+                  </a:prstGeom>
+                  <a:noFill/>
+                </p:spPr>
+                <p:txBody>
+                  <a:bodyPr wrap="none" lIns="0" tIns="0" rIns="0" bIns="0" rtlCol="0">
+                    <a:spAutoFit/>
+                  </a:bodyPr>
+                  <a:lstStyle/>
+                  <a:p>
+                    <a14:m>
+                      <m:oMathPara xmlns:m="http://schemas.openxmlformats.org/officeDocument/2006/math">
+                        <m:oMathParaPr>
+                          <m:jc m:val="centerGroup"/>
+                        </m:oMathParaPr>
+                        <m:oMath xmlns:m="http://schemas.openxmlformats.org/officeDocument/2006/math">
+                          <m:r>
+                            <a:rPr lang="en-US" sz="2000" b="0" i="1" smtClean="0">
+                              <a:latin typeface="Cambria Math" panose="02040503050406030204" pitchFamily="18" charset="0"/>
+                              <a:cs typeface="Arial" panose="020B0604020202020204" pitchFamily="34" charset="0"/>
+                            </a:rPr>
+                            <m:t>1</m:t>
+                          </m:r>
+                        </m:oMath>
+                      </m:oMathPara>
+                    </a14:m>
+                    <a:endParaRPr lang="en-US" sz="2000" dirty="0" smtClean="0">
+                      <a:latin typeface="Arial" panose="020B0604020202020204" pitchFamily="34" charset="0"/>
+                      <a:cs typeface="Arial" panose="020B0604020202020204" pitchFamily="34" charset="0"/>
+                    </a:endParaRPr>
+                  </a:p>
+                </p:txBody>
+              </p:sp>
+            </mc:Choice>
+            <mc:Fallback>
+              <p:sp>
+                <p:nvSpPr>
+                  <p:cNvPr id="94" name="TextBox 93"/>
+                  <p:cNvSpPr txBox="1">
+                    <a:spLocks noRot="1" noChangeAspect="1" noMove="1" noResize="1" noEditPoints="1" noAdjustHandles="1" noChangeArrowheads="1" noChangeShapeType="1" noTextEdit="1"/>
+                  </p:cNvSpPr>
+                  <p:nvPr/>
+                </p:nvSpPr>
+                <p:spPr>
+                  <a:xfrm>
+                    <a:off x="5561149" y="6106642"/>
+                    <a:ext cx="213200" cy="307777"/>
+                  </a:xfrm>
+                  <a:prstGeom prst="rect">
+                    <a:avLst/>
+                  </a:prstGeom>
+                  <a:blipFill>
+                    <a:blip r:embed="rId62"/>
+                    <a:stretch>
+                      <a:fillRect l="-22857" r="-25714" b="-9804"/>
+                    </a:stretch>
+                  </a:blipFill>
+                </p:spPr>
+                <p:txBody>
+                  <a:bodyPr/>
+                  <a:lstStyle/>
+                  <a:p>
+                    <a:r>
+                      <a:rPr lang="en-US">
+                        <a:noFill/>
+                      </a:rPr>
+                      <a:t> </a:t>
+                    </a:r>
+                  </a:p>
+                </p:txBody>
+              </p:sp>
+            </mc:Fallback>
+          </mc:AlternateContent>
+          <mc:AlternateContent xmlns:mc="http://schemas.openxmlformats.org/markup-compatibility/2006">
+            <mc:Choice xmlns:a14="http://schemas.microsoft.com/office/drawing/2010/main" Requires="a14">
+              <p:sp>
+                <p:nvSpPr>
+                  <p:cNvPr id="95" name="TextBox 94"/>
+                  <p:cNvSpPr txBox="1"/>
+                  <p:nvPr/>
+                </p:nvSpPr>
+                <p:spPr>
+                  <a:xfrm>
+                    <a:off x="6508920" y="5654300"/>
+                    <a:ext cx="213200" cy="307777"/>
+                  </a:xfrm>
+                  <a:prstGeom prst="rect">
+                    <a:avLst/>
+                  </a:prstGeom>
+                  <a:noFill/>
+                </p:spPr>
+                <p:txBody>
+                  <a:bodyPr wrap="none" lIns="0" tIns="0" rIns="0" bIns="0" rtlCol="0">
+                    <a:spAutoFit/>
+                  </a:bodyPr>
+                  <a:lstStyle/>
+                  <a:p>
+                    <a14:m>
+                      <m:oMathPara xmlns:m="http://schemas.openxmlformats.org/officeDocument/2006/math">
+                        <m:oMathParaPr>
+                          <m:jc m:val="centerGroup"/>
+                        </m:oMathParaPr>
+                        <m:oMath xmlns:m="http://schemas.openxmlformats.org/officeDocument/2006/math">
+                          <m:r>
+                            <a:rPr lang="en-US" sz="2000" b="0" i="1" smtClean="0">
+                              <a:latin typeface="Cambria Math" panose="02040503050406030204" pitchFamily="18" charset="0"/>
+                              <a:cs typeface="Arial" panose="020B0604020202020204" pitchFamily="34" charset="0"/>
+                            </a:rPr>
+                            <m:t>2</m:t>
+                          </m:r>
+                        </m:oMath>
+                      </m:oMathPara>
+                    </a14:m>
+                    <a:endParaRPr lang="en-US" sz="2000" dirty="0" smtClean="0">
+                      <a:latin typeface="Arial" panose="020B0604020202020204" pitchFamily="34" charset="0"/>
+                      <a:cs typeface="Arial" panose="020B0604020202020204" pitchFamily="34" charset="0"/>
+                    </a:endParaRPr>
+                  </a:p>
+                </p:txBody>
+              </p:sp>
+            </mc:Choice>
+            <mc:Fallback>
+              <p:sp>
+                <p:nvSpPr>
+                  <p:cNvPr id="95" name="TextBox 94"/>
+                  <p:cNvSpPr txBox="1">
+                    <a:spLocks noRot="1" noChangeAspect="1" noMove="1" noResize="1" noEditPoints="1" noAdjustHandles="1" noChangeArrowheads="1" noChangeShapeType="1" noTextEdit="1"/>
+                  </p:cNvSpPr>
+                  <p:nvPr/>
+                </p:nvSpPr>
+                <p:spPr>
+                  <a:xfrm>
+                    <a:off x="6508920" y="5654300"/>
+                    <a:ext cx="213200" cy="307777"/>
+                  </a:xfrm>
+                  <a:prstGeom prst="rect">
+                    <a:avLst/>
+                  </a:prstGeom>
+                  <a:blipFill>
+                    <a:blip r:embed="rId63"/>
+                    <a:stretch>
+                      <a:fillRect l="-25714" r="-22857" b="-9804"/>
+                    </a:stretch>
+                  </a:blipFill>
+                </p:spPr>
+                <p:txBody>
+                  <a:bodyPr/>
+                  <a:lstStyle/>
+                  <a:p>
+                    <a:r>
+                      <a:rPr lang="en-US">
+                        <a:noFill/>
+                      </a:rPr>
+                      <a:t> </a:t>
+                    </a:r>
+                  </a:p>
+                </p:txBody>
+              </p:sp>
+            </mc:Fallback>
+          </mc:AlternateContent>
+          <mc:AlternateContent xmlns:mc="http://schemas.openxmlformats.org/markup-compatibility/2006">
+            <mc:Choice xmlns:a14="http://schemas.microsoft.com/office/drawing/2010/main" Requires="a14">
+              <p:sp>
+                <p:nvSpPr>
+                  <p:cNvPr id="96" name="TextBox 95"/>
+                  <p:cNvSpPr txBox="1"/>
+                  <p:nvPr/>
+                </p:nvSpPr>
+                <p:spPr>
+                  <a:xfrm>
+                    <a:off x="6914469" y="4685521"/>
+                    <a:ext cx="213200" cy="307777"/>
+                  </a:xfrm>
+                  <a:prstGeom prst="rect">
+                    <a:avLst/>
+                  </a:prstGeom>
+                  <a:noFill/>
+                </p:spPr>
+                <p:txBody>
+                  <a:bodyPr wrap="none" lIns="0" tIns="0" rIns="0" bIns="0" rtlCol="0">
+                    <a:spAutoFit/>
+                  </a:bodyPr>
+                  <a:lstStyle/>
+                  <a:p>
+                    <a14:m>
+                      <m:oMathPara xmlns:m="http://schemas.openxmlformats.org/officeDocument/2006/math">
+                        <m:oMathParaPr>
+                          <m:jc m:val="centerGroup"/>
+                        </m:oMathParaPr>
+                        <m:oMath xmlns:m="http://schemas.openxmlformats.org/officeDocument/2006/math">
+                          <m:r>
+                            <a:rPr lang="en-US" sz="2000" b="0" i="1" smtClean="0">
+                              <a:latin typeface="Cambria Math" panose="02040503050406030204" pitchFamily="18" charset="0"/>
+                              <a:cs typeface="Arial" panose="020B0604020202020204" pitchFamily="34" charset="0"/>
+                            </a:rPr>
+                            <m:t>3</m:t>
+                          </m:r>
+                        </m:oMath>
+                      </m:oMathPara>
+                    </a14:m>
+                    <a:endParaRPr lang="en-US" sz="2000" dirty="0" smtClean="0">
+                      <a:latin typeface="Arial" panose="020B0604020202020204" pitchFamily="34" charset="0"/>
+                      <a:cs typeface="Arial" panose="020B0604020202020204" pitchFamily="34" charset="0"/>
+                    </a:endParaRPr>
+                  </a:p>
+                </p:txBody>
+              </p:sp>
+            </mc:Choice>
+            <mc:Fallback>
+              <p:sp>
+                <p:nvSpPr>
+                  <p:cNvPr id="96" name="TextBox 95"/>
+                  <p:cNvSpPr txBox="1">
+                    <a:spLocks noRot="1" noChangeAspect="1" noMove="1" noResize="1" noEditPoints="1" noAdjustHandles="1" noChangeArrowheads="1" noChangeShapeType="1" noTextEdit="1"/>
+                  </p:cNvSpPr>
+                  <p:nvPr/>
+                </p:nvSpPr>
+                <p:spPr>
+                  <a:xfrm>
+                    <a:off x="6914469" y="4685521"/>
+                    <a:ext cx="213200" cy="307777"/>
+                  </a:xfrm>
+                  <a:prstGeom prst="rect">
+                    <a:avLst/>
+                  </a:prstGeom>
+                  <a:blipFill>
+                    <a:blip r:embed="rId64"/>
+                    <a:stretch>
+                      <a:fillRect l="-22857" r="-25714" b="-9804"/>
+                    </a:stretch>
+                  </a:blipFill>
+                </p:spPr>
+                <p:txBody>
+                  <a:bodyPr/>
+                  <a:lstStyle/>
+                  <a:p>
+                    <a:r>
+                      <a:rPr lang="en-US">
+                        <a:noFill/>
+                      </a:rPr>
+                      <a:t> </a:t>
+                    </a:r>
+                  </a:p>
+                </p:txBody>
+              </p:sp>
+            </mc:Fallback>
+          </mc:AlternateContent>
+          <p:sp>
+            <p:nvSpPr>
+              <p:cNvPr id="97" name="TextBox 96"/>
+              <p:cNvSpPr txBox="1"/>
+              <p:nvPr/>
+            </p:nvSpPr>
+            <p:spPr>
+              <a:xfrm>
+                <a:off x="6485734" y="3661462"/>
+                <a:ext cx="159121" cy="317220"/>
+              </a:xfrm>
+              <a:prstGeom prst="rect">
+                <a:avLst/>
+              </a:prstGeom>
+              <a:noFill/>
+            </p:spPr>
+            <p:txBody>
+              <a:bodyPr wrap="square" lIns="0" tIns="0" rIns="0" bIns="0" rtlCol="0">
+                <a:spAutoFit/>
+              </a:bodyPr>
+              <a:lstStyle/>
+              <a:p>
+                <a:r>
+                  <a:rPr lang="en-US" sz="2000" dirty="0" smtClean="0">
+                    <a:latin typeface="Arial" panose="020B0604020202020204" pitchFamily="34" charset="0"/>
+                    <a:cs typeface="Arial" panose="020B0604020202020204" pitchFamily="34" charset="0"/>
+                  </a:rPr>
+                  <a:t>4</a:t>
+                </a:r>
+                <a:endParaRPr lang="en-US" sz="2000" dirty="0" smtClean="0">
+                  <a:latin typeface="Arial" panose="020B0604020202020204" pitchFamily="34" charset="0"/>
+                  <a:cs typeface="Arial" panose="020B0604020202020204" pitchFamily="34" charset="0"/>
+                </a:endParaRPr>
+              </a:p>
+            </p:txBody>
+          </p:sp>
+          <p:sp>
+            <p:nvSpPr>
+              <p:cNvPr id="98" name="TextBox 97"/>
+              <p:cNvSpPr txBox="1"/>
+              <p:nvPr/>
+            </p:nvSpPr>
+            <p:spPr>
+              <a:xfrm>
+                <a:off x="5499025" y="3187647"/>
+                <a:ext cx="275323" cy="317220"/>
+              </a:xfrm>
+              <a:prstGeom prst="rect">
+                <a:avLst/>
+              </a:prstGeom>
+              <a:noFill/>
+            </p:spPr>
+            <p:txBody>
+              <a:bodyPr wrap="square" lIns="0" tIns="0" rIns="0" bIns="0" rtlCol="0">
+                <a:spAutoFit/>
+              </a:bodyPr>
+              <a:lstStyle/>
+              <a:p>
+                <a:r>
+                  <a:rPr lang="en-US" sz="2000" dirty="0">
+                    <a:latin typeface="Arial" panose="020B0604020202020204" pitchFamily="34" charset="0"/>
+                    <a:cs typeface="Arial" panose="020B0604020202020204" pitchFamily="34" charset="0"/>
+                  </a:rPr>
+                  <a:t>5</a:t>
+                </a:r>
+                <a:endParaRPr lang="en-US" sz="2000" dirty="0" smtClean="0">
+                  <a:latin typeface="Arial" panose="020B0604020202020204" pitchFamily="34" charset="0"/>
+                  <a:cs typeface="Arial" panose="020B0604020202020204" pitchFamily="34" charset="0"/>
+                </a:endParaRPr>
+              </a:p>
+            </p:txBody>
+          </p:sp>
+          <mc:AlternateContent xmlns:mc="http://schemas.openxmlformats.org/markup-compatibility/2006">
+            <mc:Choice xmlns:a14="http://schemas.microsoft.com/office/drawing/2010/main" Requires="a14">
+              <p:sp>
+                <p:nvSpPr>
+                  <p:cNvPr id="99" name="TextBox 98"/>
+                  <p:cNvSpPr txBox="1"/>
+                  <p:nvPr/>
+                </p:nvSpPr>
+                <p:spPr>
+                  <a:xfrm>
+                    <a:off x="5998049" y="3758365"/>
+                    <a:ext cx="254119" cy="345159"/>
+                  </a:xfrm>
+                  <a:prstGeom prst="rect">
+                    <a:avLst/>
+                  </a:prstGeom>
+                  <a:noFill/>
+                </p:spPr>
+                <p:txBody>
+                  <a:bodyPr wrap="square" lIns="0" tIns="0" rIns="0" bIns="0" rtlCol="0">
+                    <a:spAutoFit/>
+                  </a:bodyPr>
+                  <a:lstStyle/>
+                  <a:p>
+                    <a:pPr/>
+                    <a14:m>
+                      <m:oMathPara xmlns:m="http://schemas.openxmlformats.org/officeDocument/2006/math">
+                        <m:oMathParaPr>
+                          <m:jc m:val="centerGroup"/>
+                        </m:oMathParaPr>
+                        <m:oMath xmlns:m="http://schemas.openxmlformats.org/officeDocument/2006/math">
+                          <m:sSub>
+                            <m:sSubPr>
+                              <m:ctrlPr>
+                                <a:rPr lang="en-US" sz="2000" b="0" i="1" smtClean="0">
+                                  <a:latin typeface="Cambria Math" panose="02040503050406030204" pitchFamily="18" charset="0"/>
+                                  <a:cs typeface="Arial" panose="020B0604020202020204" pitchFamily="34" charset="0"/>
+                                </a:rPr>
+                              </m:ctrlPr>
+                            </m:sSubPr>
+                            <m:e>
+                              <m:acc>
+                                <m:accPr>
+                                  <m:chr m:val="⃗"/>
+                                  <m:ctrlPr>
+                                    <a:rPr lang="en-US" sz="2000" b="0" i="1" smtClean="0">
+                                      <a:latin typeface="Cambria Math" panose="02040503050406030204" pitchFamily="18" charset="0"/>
+                                      <a:cs typeface="Arial" panose="020B0604020202020204" pitchFamily="34" charset="0"/>
+                                    </a:rPr>
+                                  </m:ctrlPr>
+                                </m:accPr>
+                                <m:e>
+                                  <m:r>
+                                    <a:rPr lang="en-US" sz="2000" b="0" i="1" smtClean="0">
+                                      <a:latin typeface="Cambria Math" panose="02040503050406030204" pitchFamily="18" charset="0"/>
+                                      <a:cs typeface="Arial" panose="020B0604020202020204" pitchFamily="34" charset="0"/>
+                                    </a:rPr>
+                                    <m:t>𝑇</m:t>
+                                  </m:r>
+                                </m:e>
+                              </m:acc>
+                            </m:e>
+                            <m:sub>
+                              <m:r>
+                                <a:rPr lang="en-US" sz="2000" b="0" i="1" smtClean="0">
+                                  <a:latin typeface="Cambria Math" panose="02040503050406030204" pitchFamily="18" charset="0"/>
+                                  <a:cs typeface="Arial" panose="020B0604020202020204" pitchFamily="34" charset="0"/>
+                                </a:rPr>
+                                <m:t>4</m:t>
+                              </m:r>
+                            </m:sub>
+                          </m:sSub>
+                        </m:oMath>
+                      </m:oMathPara>
+                    </a14:m>
+                    <a:endParaRPr lang="en-US" sz="2000" dirty="0">
+                      <a:latin typeface="Arial" panose="020B0604020202020204" pitchFamily="34" charset="0"/>
+                      <a:cs typeface="Arial" panose="020B0604020202020204" pitchFamily="34" charset="0"/>
+                    </a:endParaRPr>
+                  </a:p>
+                </p:txBody>
+              </p:sp>
+            </mc:Choice>
+            <mc:Fallback>
+              <p:sp>
+                <p:nvSpPr>
+                  <p:cNvPr id="99" name="TextBox 98"/>
+                  <p:cNvSpPr txBox="1">
+                    <a:spLocks noRot="1" noChangeAspect="1" noMove="1" noResize="1" noEditPoints="1" noAdjustHandles="1" noChangeArrowheads="1" noChangeShapeType="1" noTextEdit="1"/>
+                  </p:cNvSpPr>
+                  <p:nvPr/>
+                </p:nvSpPr>
+                <p:spPr>
+                  <a:xfrm>
+                    <a:off x="5998049" y="3758365"/>
+                    <a:ext cx="254119" cy="345159"/>
+                  </a:xfrm>
+                  <a:prstGeom prst="rect">
+                    <a:avLst/>
+                  </a:prstGeom>
+                  <a:blipFill>
+                    <a:blip r:embed="rId65"/>
+                    <a:stretch>
+                      <a:fillRect l="-30952" r="-16667" b="-15789"/>
+                    </a:stretch>
+                  </a:blipFill>
+                </p:spPr>
+                <p:txBody>
+                  <a:bodyPr/>
+                  <a:lstStyle/>
+                  <a:p>
+                    <a:r>
+                      <a:rPr lang="en-US">
+                        <a:noFill/>
+                      </a:rPr>
+                      <a:t> </a:t>
+                    </a:r>
+                  </a:p>
+                </p:txBody>
+              </p:sp>
+            </mc:Fallback>
+          </mc:AlternateContent>
+          <mc:AlternateContent xmlns:mc="http://schemas.openxmlformats.org/markup-compatibility/2006">
+            <mc:Choice xmlns:a14="http://schemas.microsoft.com/office/drawing/2010/main" Requires="a14">
+              <p:sp>
+                <p:nvSpPr>
+                  <p:cNvPr id="100" name="TextBox 99"/>
+                  <p:cNvSpPr txBox="1"/>
+                  <p:nvPr/>
+                </p:nvSpPr>
+                <p:spPr>
+                  <a:xfrm>
+                    <a:off x="5568066" y="3638625"/>
+                    <a:ext cx="314893" cy="345159"/>
+                  </a:xfrm>
+                  <a:prstGeom prst="rect">
+                    <a:avLst/>
+                  </a:prstGeom>
+                  <a:noFill/>
+                </p:spPr>
+                <p:txBody>
+                  <a:bodyPr wrap="none" lIns="0" tIns="0" rIns="0" bIns="0" rtlCol="0">
+                    <a:spAutoFit/>
+                  </a:bodyPr>
+                  <a:lstStyle/>
+                  <a:p>
+                    <a:pPr/>
+                    <a14:m>
+                      <m:oMathPara xmlns:m="http://schemas.openxmlformats.org/officeDocument/2006/math">
+                        <m:oMathParaPr>
+                          <m:jc m:val="centerGroup"/>
+                        </m:oMathParaPr>
+                        <m:oMath xmlns:m="http://schemas.openxmlformats.org/officeDocument/2006/math">
+                          <m:sSub>
+                            <m:sSubPr>
+                              <m:ctrlPr>
+                                <a:rPr lang="en-US" sz="2000" b="0" i="1" smtClean="0">
+                                  <a:latin typeface="Cambria Math" panose="02040503050406030204" pitchFamily="18" charset="0"/>
+                                  <a:cs typeface="Arial" panose="020B0604020202020204" pitchFamily="34" charset="0"/>
+                                </a:rPr>
+                              </m:ctrlPr>
+                            </m:sSubPr>
+                            <m:e>
+                              <m:acc>
+                                <m:accPr>
+                                  <m:chr m:val="⃗"/>
+                                  <m:ctrlPr>
+                                    <a:rPr lang="en-US" sz="2000" b="0" i="1" smtClean="0">
+                                      <a:latin typeface="Cambria Math" panose="02040503050406030204" pitchFamily="18" charset="0"/>
+                                      <a:cs typeface="Arial" panose="020B0604020202020204" pitchFamily="34" charset="0"/>
+                                    </a:rPr>
+                                  </m:ctrlPr>
+                                </m:accPr>
+                                <m:e>
+                                  <m:r>
+                                    <a:rPr lang="en-US" sz="2000" b="0" i="1" smtClean="0">
+                                      <a:latin typeface="Cambria Math" panose="02040503050406030204" pitchFamily="18" charset="0"/>
+                                      <a:cs typeface="Arial" panose="020B0604020202020204" pitchFamily="34" charset="0"/>
+                                    </a:rPr>
+                                    <m:t>𝑇</m:t>
+                                  </m:r>
+                                </m:e>
+                              </m:acc>
+                            </m:e>
+                            <m:sub>
+                              <m:r>
+                                <a:rPr lang="en-US" sz="2000" b="0" i="1" smtClean="0">
+                                  <a:latin typeface="Cambria Math" panose="02040503050406030204" pitchFamily="18" charset="0"/>
+                                  <a:cs typeface="Arial" panose="020B0604020202020204" pitchFamily="34" charset="0"/>
+                                </a:rPr>
+                                <m:t>5</m:t>
+                              </m:r>
+                            </m:sub>
+                          </m:sSub>
+                        </m:oMath>
+                      </m:oMathPara>
+                    </a14:m>
+                    <a:endParaRPr lang="en-US" sz="2000" dirty="0">
+                      <a:latin typeface="Arial" panose="020B0604020202020204" pitchFamily="34" charset="0"/>
+                      <a:cs typeface="Arial" panose="020B0604020202020204" pitchFamily="34" charset="0"/>
+                    </a:endParaRPr>
+                  </a:p>
+                </p:txBody>
+              </p:sp>
+            </mc:Choice>
+            <mc:Fallback>
+              <p:sp>
+                <p:nvSpPr>
+                  <p:cNvPr id="100" name="TextBox 99"/>
+                  <p:cNvSpPr txBox="1">
+                    <a:spLocks noRot="1" noChangeAspect="1" noMove="1" noResize="1" noEditPoints="1" noAdjustHandles="1" noChangeArrowheads="1" noChangeShapeType="1" noTextEdit="1"/>
+                  </p:cNvSpPr>
+                  <p:nvPr/>
+                </p:nvSpPr>
+                <p:spPr>
+                  <a:xfrm>
+                    <a:off x="5568066" y="3638625"/>
+                    <a:ext cx="314893" cy="345159"/>
+                  </a:xfrm>
+                  <a:prstGeom prst="rect">
+                    <a:avLst/>
+                  </a:prstGeom>
+                  <a:blipFill>
+                    <a:blip r:embed="rId66"/>
+                    <a:stretch>
+                      <a:fillRect l="-15385" r="-5769" b="-17857"/>
+                    </a:stretch>
+                  </a:blipFill>
+                </p:spPr>
+                <p:txBody>
+                  <a:bodyPr/>
+                  <a:lstStyle/>
+                  <a:p>
+                    <a:r>
+                      <a:rPr lang="en-US">
+                        <a:noFill/>
+                      </a:rPr>
+                      <a:t> </a:t>
+                    </a:r>
+                  </a:p>
+                </p:txBody>
+              </p:sp>
+            </mc:Fallback>
+          </mc:AlternateContent>
+          <p:sp>
+            <p:nvSpPr>
+              <p:cNvPr id="101" name="Arc 100"/>
+              <p:cNvSpPr/>
+              <p:nvPr/>
+            </p:nvSpPr>
+            <p:spPr>
+              <a:xfrm>
+                <a:off x="5199879" y="4415789"/>
+                <a:ext cx="559398" cy="698548"/>
+              </a:xfrm>
+              <a:prstGeom prst="arc">
+                <a:avLst>
+                  <a:gd name="adj1" fmla="val 3020133"/>
+                  <a:gd name="adj2" fmla="val 5391415"/>
+                </a:avLst>
+              </a:prstGeom>
+              <a:ln w="38100">
+                <a:solidFill>
+                  <a:schemeClr val="tx1"/>
+                </a:solidFill>
+              </a:ln>
+            </p:spPr>
+            <p:style>
+              <a:lnRef idx="1">
+                <a:schemeClr val="accent1"/>
+              </a:lnRef>
+              <a:fillRef idx="0">
+                <a:schemeClr val="accent1"/>
+              </a:fillRef>
+              <a:effectRef idx="0">
+                <a:schemeClr val="accent1"/>
+              </a:effectRef>
+              <a:fontRef idx="minor">
+                <a:schemeClr val="tx1"/>
+              </a:fontRef>
+            </p:style>
+            <p:txBody>
+              <a:bodyPr rtlCol="0" anchor="ctr"/>
+              <a:lstStyle/>
+              <a:p>
+                <a:pPr algn="ctr"/>
+                <a:endParaRPr lang="en-US"/>
+              </a:p>
+            </p:txBody>
+          </p:sp>
+          <p:sp>
+            <p:nvSpPr>
+              <p:cNvPr id="102" name="Arc 101"/>
+              <p:cNvSpPr/>
+              <p:nvPr/>
+            </p:nvSpPr>
+            <p:spPr>
+              <a:xfrm>
+                <a:off x="5307151" y="4557891"/>
+                <a:ext cx="332188" cy="435407"/>
+              </a:xfrm>
+              <a:prstGeom prst="arc">
+                <a:avLst>
+                  <a:gd name="adj1" fmla="val 20052260"/>
+                  <a:gd name="adj2" fmla="val 5391415"/>
+                </a:avLst>
+              </a:prstGeom>
+              <a:ln w="38100">
+                <a:solidFill>
+                  <a:schemeClr val="tx1"/>
+                </a:solidFill>
+              </a:ln>
+            </p:spPr>
+            <p:style>
+              <a:lnRef idx="1">
+                <a:schemeClr val="accent1"/>
+              </a:lnRef>
+              <a:fillRef idx="0">
+                <a:schemeClr val="accent1"/>
+              </a:fillRef>
+              <a:effectRef idx="0">
+                <a:schemeClr val="accent1"/>
+              </a:effectRef>
+              <a:fontRef idx="minor">
+                <a:schemeClr val="tx1"/>
+              </a:fontRef>
+            </p:style>
+            <p:txBody>
+              <a:bodyPr rtlCol="0" anchor="ctr"/>
+              <a:lstStyle/>
+              <a:p>
+                <a:pPr algn="ctr"/>
+                <a:endParaRPr lang="en-US"/>
+              </a:p>
+            </p:txBody>
+          </p:sp>
+          <mc:AlternateContent xmlns:mc="http://schemas.openxmlformats.org/markup-compatibility/2006">
+            <mc:Choice xmlns:a14="http://schemas.microsoft.com/office/drawing/2010/main" Requires="a14">
+              <p:sp>
+                <p:nvSpPr>
+                  <p:cNvPr id="103" name="TextBox 102"/>
+                  <p:cNvSpPr txBox="1"/>
+                  <p:nvPr/>
+                </p:nvSpPr>
+                <p:spPr>
+                  <a:xfrm>
+                    <a:off x="5729058" y="4627590"/>
+                    <a:ext cx="256308" cy="307777"/>
+                  </a:xfrm>
+                  <a:prstGeom prst="rect">
+                    <a:avLst/>
+                  </a:prstGeom>
+                  <a:noFill/>
+                </p:spPr>
+                <p:txBody>
+                  <a:bodyPr wrap="square" lIns="0" tIns="0" rIns="0" bIns="0" rtlCol="0">
+                    <a:spAutoFit/>
+                  </a:bodyPr>
+                  <a:lstStyle/>
+                  <a:p>
+                    <a14:m>
+                      <m:oMathPara xmlns:m="http://schemas.openxmlformats.org/officeDocument/2006/math">
+                        <m:oMathParaPr>
+                          <m:jc m:val="centerGroup"/>
+                        </m:oMathParaPr>
+                        <m:oMath xmlns:m="http://schemas.openxmlformats.org/officeDocument/2006/math">
+                          <m:sSub>
+                            <m:sSubPr>
+                              <m:ctrlPr>
+                                <a:rPr lang="en-US" sz="2000" b="0" i="1" smtClean="0">
+                                  <a:latin typeface="Cambria Math" panose="02040503050406030204" pitchFamily="18" charset="0"/>
+                                  <a:cs typeface="Arial" panose="020B0604020202020204" pitchFamily="34" charset="0"/>
+                                </a:rPr>
+                              </m:ctrlPr>
+                            </m:sSubPr>
+                            <m:e>
+                              <m:r>
+                                <a:rPr lang="en-US" sz="2000" b="0" i="1" smtClean="0">
+                                  <a:latin typeface="Cambria Math" panose="02040503050406030204" pitchFamily="18" charset="0"/>
+                                  <a:cs typeface="Arial" panose="020B0604020202020204" pitchFamily="34" charset="0"/>
+                                </a:rPr>
+                                <m:t>𝜃</m:t>
+                              </m:r>
+                            </m:e>
+                            <m:sub>
+                              <m:r>
+                                <a:rPr lang="en-US" sz="2000" b="0" i="1" smtClean="0">
+                                  <a:latin typeface="Cambria Math" panose="02040503050406030204" pitchFamily="18" charset="0"/>
+                                  <a:cs typeface="Arial" panose="020B0604020202020204" pitchFamily="34" charset="0"/>
+                                </a:rPr>
+                                <m:t>4</m:t>
+                              </m:r>
+                            </m:sub>
+                          </m:sSub>
+                        </m:oMath>
+                      </m:oMathPara>
+                    </a14:m>
+                    <a:endParaRPr lang="en-US" sz="2000" dirty="0" smtClean="0">
+                      <a:latin typeface="Arial" panose="020B0604020202020204" pitchFamily="34" charset="0"/>
+                      <a:cs typeface="Arial" panose="020B0604020202020204" pitchFamily="34" charset="0"/>
+                    </a:endParaRPr>
+                  </a:p>
+                </p:txBody>
+              </p:sp>
+            </mc:Choice>
+            <mc:Fallback>
+              <p:sp>
+                <p:nvSpPr>
+                  <p:cNvPr id="103" name="TextBox 102"/>
+                  <p:cNvSpPr txBox="1">
+                    <a:spLocks noRot="1" noChangeAspect="1" noMove="1" noResize="1" noEditPoints="1" noAdjustHandles="1" noChangeArrowheads="1" noChangeShapeType="1" noTextEdit="1"/>
+                  </p:cNvSpPr>
+                  <p:nvPr/>
+                </p:nvSpPr>
+                <p:spPr>
+                  <a:xfrm>
+                    <a:off x="5729058" y="4627590"/>
+                    <a:ext cx="256308" cy="307777"/>
+                  </a:xfrm>
+                  <a:prstGeom prst="rect">
+                    <a:avLst/>
+                  </a:prstGeom>
+                  <a:blipFill>
+                    <a:blip r:embed="rId67"/>
+                    <a:stretch>
+                      <a:fillRect l="-33333" r="-19048" b="-20000"/>
+                    </a:stretch>
+                  </a:blipFill>
+                </p:spPr>
+                <p:txBody>
+                  <a:bodyPr/>
+                  <a:lstStyle/>
+                  <a:p>
+                    <a:r>
+                      <a:rPr lang="en-US">
+                        <a:noFill/>
+                      </a:rPr>
+                      <a:t> </a:t>
+                    </a:r>
+                  </a:p>
+                </p:txBody>
+              </p:sp>
+            </mc:Fallback>
+          </mc:AlternateContent>
+        </p:grpSp>
+        <p:grpSp>
+          <p:nvGrpSpPr>
+            <p:cNvPr id="105" name="Group 104"/>
+            <p:cNvGrpSpPr/>
+            <p:nvPr/>
+          </p:nvGrpSpPr>
+          <p:grpSpPr>
+            <a:xfrm>
+              <a:off x="3885872" y="5415608"/>
+              <a:ext cx="898789" cy="709995"/>
+              <a:chOff x="758520" y="708040"/>
+              <a:chExt cx="2596102" cy="2135605"/>
+            </a:xfrm>
+          </p:grpSpPr>
+          <p:grpSp>
+            <p:nvGrpSpPr>
+              <p:cNvPr id="106" name="Group 105"/>
+              <p:cNvGrpSpPr/>
+              <p:nvPr/>
+            </p:nvGrpSpPr>
+            <p:grpSpPr>
+              <a:xfrm>
+                <a:off x="758520" y="708040"/>
+                <a:ext cx="2596102" cy="2135605"/>
+                <a:chOff x="785815" y="680744"/>
+                <a:chExt cx="2596102" cy="2135605"/>
+              </a:xfrm>
+            </p:grpSpPr>
+            <p:cxnSp>
+              <p:nvCxnSpPr>
+                <p:cNvPr id="108" name="Straight Arrow Connector 107"/>
+                <p:cNvCxnSpPr/>
+                <p:nvPr/>
+              </p:nvCxnSpPr>
+              <p:spPr>
+                <a:xfrm flipV="1">
+                  <a:off x="1516583" y="680744"/>
+                  <a:ext cx="7683" cy="1859535"/>
+                </a:xfrm>
+                <a:prstGeom prst="straightConnector1">
+                  <a:avLst/>
+                </a:prstGeom>
+                <a:ln w="38100">
+                  <a:solidFill>
+                    <a:schemeClr val="tx1"/>
+                  </a:solidFill>
+                  <a:tailEnd type="triangle"/>
+                </a:ln>
+              </p:spPr>
+              <p:style>
+                <a:lnRef idx="1">
+                  <a:schemeClr val="accent1"/>
+                </a:lnRef>
+                <a:fillRef idx="0">
+                  <a:schemeClr val="accent1"/>
+                </a:fillRef>
+                <a:effectRef idx="0">
+                  <a:schemeClr val="accent1"/>
+                </a:effectRef>
+                <a:fontRef idx="minor">
+                  <a:schemeClr val="tx1"/>
+                </a:fontRef>
+              </p:style>
+            </p:cxnSp>
+            <p:cxnSp>
+              <p:nvCxnSpPr>
+                <p:cNvPr id="109" name="Straight Arrow Connector 108"/>
+                <p:cNvCxnSpPr/>
+                <p:nvPr/>
+              </p:nvCxnSpPr>
+              <p:spPr>
+                <a:xfrm flipV="1">
+                  <a:off x="1507013" y="2535259"/>
+                  <a:ext cx="1874904" cy="1"/>
+                </a:xfrm>
+                <a:prstGeom prst="straightConnector1">
+                  <a:avLst/>
+                </a:prstGeom>
+                <a:ln w="38100">
+                  <a:solidFill>
+                    <a:schemeClr val="tx1"/>
+                  </a:solidFill>
+                  <a:tailEnd type="triangle"/>
+                </a:ln>
+              </p:spPr>
+              <p:style>
+                <a:lnRef idx="1">
+                  <a:schemeClr val="accent1"/>
+                </a:lnRef>
+                <a:fillRef idx="0">
+                  <a:schemeClr val="accent1"/>
+                </a:fillRef>
+                <a:effectRef idx="0">
+                  <a:schemeClr val="accent1"/>
+                </a:effectRef>
+                <a:fontRef idx="minor">
+                  <a:schemeClr val="tx1"/>
+                </a:fontRef>
+              </p:style>
+            </p:cxnSp>
+            <mc:AlternateContent xmlns:mc="http://schemas.openxmlformats.org/markup-compatibility/2006" xmlns:a14="http://schemas.microsoft.com/office/drawing/2010/main">
+              <mc:Choice Requires="a14">
+                <p:sp>
+                  <p:nvSpPr>
+                    <p:cNvPr id="110" name="Rectangle 109"/>
+                    <p:cNvSpPr/>
+                    <p:nvPr/>
+                  </p:nvSpPr>
+                  <p:spPr>
+                    <a:xfrm>
+                      <a:off x="2697555" y="2447016"/>
+                      <a:ext cx="367985" cy="369333"/>
+                    </a:xfrm>
+                    <a:prstGeom prst="rect">
+                      <a:avLst/>
+                    </a:prstGeom>
+                  </p:spPr>
+                  <p:txBody>
+                    <a:bodyPr wrap="none">
+                      <a:spAutoFit/>
+                    </a:bodyPr>
+                    <a:lstStyle/>
+                    <a:p>
+                      <a:pPr/>
+                      <a14:m>
+                        <m:oMathPara xmlns:m="http://schemas.openxmlformats.org/officeDocument/2006/math">
+                          <m:oMathParaPr>
+                            <m:jc m:val="centerGroup"/>
+                          </m:oMathParaPr>
+                          <m:oMath xmlns:m="http://schemas.openxmlformats.org/officeDocument/2006/math">
+                            <m:r>
+                              <a:rPr lang="en-US" i="1">
+                                <a:latin typeface="Cambria Math" panose="02040503050406030204" pitchFamily="18" charset="0"/>
+                                <a:cs typeface="Arial" panose="020B0604020202020204" pitchFamily="34" charset="0"/>
+                              </a:rPr>
+                              <m:t>𝑥</m:t>
+                            </m:r>
+                          </m:oMath>
+                        </m:oMathPara>
+                      </a14:m>
+                      <a:endParaRPr lang="en-CA" dirty="0"/>
+                    </a:p>
+                  </p:txBody>
+                </p:sp>
+              </mc:Choice>
+              <mc:Fallback xmlns="">
+                <p:sp>
+                  <p:nvSpPr>
+                    <p:cNvPr id="107" name="Rectangle 106"/>
+                    <p:cNvSpPr>
+                      <a:spLocks noRot="1" noChangeAspect="1" noMove="1" noResize="1" noEditPoints="1" noAdjustHandles="1" noChangeArrowheads="1" noChangeShapeType="1" noTextEdit="1"/>
+                    </p:cNvSpPr>
+                    <p:nvPr/>
+                  </p:nvSpPr>
+                  <p:spPr>
+                    <a:xfrm>
+                      <a:off x="2697555" y="2447016"/>
+                      <a:ext cx="367985" cy="369333"/>
+                    </a:xfrm>
+                    <a:prstGeom prst="rect">
+                      <a:avLst/>
+                    </a:prstGeom>
+                    <a:blipFill>
+                      <a:blip r:embed="rId27"/>
+                      <a:stretch>
+                        <a:fillRect r="-95238" b="-160000"/>
+                      </a:stretch>
+                    </a:blipFill>
+                  </p:spPr>
+                  <p:txBody>
+                    <a:bodyPr/>
+                    <a:lstStyle/>
+                    <a:p>
+                      <a:r>
+                        <a:rPr lang="en-US">
+                          <a:noFill/>
+                        </a:rPr>
+                        <a:t> </a:t>
+                      </a:r>
+                    </a:p>
+                  </p:txBody>
+                </p:sp>
+              </mc:Fallback>
+            </mc:AlternateContent>
+            <mc:AlternateContent xmlns:mc="http://schemas.openxmlformats.org/markup-compatibility/2006" xmlns:a14="http://schemas.microsoft.com/office/drawing/2010/main">
+              <mc:Choice Requires="a14">
+                <p:sp>
+                  <p:nvSpPr>
+                    <p:cNvPr id="111" name="Rectangle 110"/>
+                    <p:cNvSpPr/>
+                    <p:nvPr/>
+                  </p:nvSpPr>
+                  <p:spPr>
+                    <a:xfrm>
+                      <a:off x="785815" y="912420"/>
+                      <a:ext cx="371385" cy="369333"/>
+                    </a:xfrm>
+                    <a:prstGeom prst="rect">
+                      <a:avLst/>
+                    </a:prstGeom>
+                  </p:spPr>
+                  <p:txBody>
+                    <a:bodyPr wrap="none">
+                      <a:spAutoFit/>
+                    </a:bodyPr>
+                    <a:lstStyle/>
+                    <a:p>
+                      <a:pPr/>
+                      <a14:m>
+                        <m:oMathPara xmlns:m="http://schemas.openxmlformats.org/officeDocument/2006/math">
+                          <m:oMathParaPr>
+                            <m:jc m:val="centerGroup"/>
+                          </m:oMathParaPr>
+                          <m:oMath xmlns:m="http://schemas.openxmlformats.org/officeDocument/2006/math">
+                            <m:r>
+                              <a:rPr lang="en-US" b="0" i="1" smtClean="0">
+                                <a:latin typeface="Cambria Math" panose="02040503050406030204" pitchFamily="18" charset="0"/>
+                              </a:rPr>
+                              <m:t>𝑦</m:t>
+                            </m:r>
+                          </m:oMath>
+                        </m:oMathPara>
+                      </a14:m>
+                      <a:endParaRPr lang="en-CA" dirty="0"/>
+                    </a:p>
+                  </p:txBody>
+                </p:sp>
+              </mc:Choice>
+              <mc:Fallback xmlns="">
+                <p:sp>
+                  <p:nvSpPr>
+                    <p:cNvPr id="108" name="Rectangle 107"/>
+                    <p:cNvSpPr>
+                      <a:spLocks noRot="1" noChangeAspect="1" noMove="1" noResize="1" noEditPoints="1" noAdjustHandles="1" noChangeArrowheads="1" noChangeShapeType="1" noTextEdit="1"/>
+                    </p:cNvSpPr>
+                    <p:nvPr/>
+                  </p:nvSpPr>
+                  <p:spPr>
+                    <a:xfrm>
+                      <a:off x="785815" y="912420"/>
+                      <a:ext cx="371385" cy="369333"/>
+                    </a:xfrm>
+                    <a:prstGeom prst="rect">
+                      <a:avLst/>
+                    </a:prstGeom>
+                    <a:blipFill>
+                      <a:blip r:embed="rId28"/>
+                      <a:stretch>
+                        <a:fillRect l="-19048" r="-114286" b="-220000"/>
+                      </a:stretch>
+                    </a:blipFill>
+                  </p:spPr>
+                  <p:txBody>
+                    <a:bodyPr/>
+                    <a:lstStyle/>
+                    <a:p>
+                      <a:r>
+                        <a:rPr lang="en-US">
+                          <a:noFill/>
+                        </a:rPr>
+                        <a:t> </a:t>
+                      </a:r>
+                    </a:p>
+                  </p:txBody>
+                </p:sp>
+              </mc:Fallback>
+            </mc:AlternateContent>
+            <mc:AlternateContent xmlns:mc="http://schemas.openxmlformats.org/markup-compatibility/2006" xmlns:a14="http://schemas.microsoft.com/office/drawing/2010/main">
+              <mc:Choice Requires="a14">
+                <p:sp>
+                  <p:nvSpPr>
+                    <p:cNvPr id="112" name="Rectangle 111"/>
+                    <p:cNvSpPr/>
+                    <p:nvPr/>
+                  </p:nvSpPr>
+                  <p:spPr>
+                    <a:xfrm>
+                      <a:off x="1006642" y="2350591"/>
+                      <a:ext cx="367985" cy="369333"/>
+                    </a:xfrm>
+                    <a:prstGeom prst="rect">
+                      <a:avLst/>
+                    </a:prstGeom>
+                  </p:spPr>
+                  <p:txBody>
+                    <a:bodyPr wrap="none">
+                      <a:spAutoFit/>
+                    </a:bodyPr>
+                    <a:lstStyle/>
+                    <a:p>
+                      <a:pPr/>
+                      <a14:m>
+                        <m:oMathPara xmlns:m="http://schemas.openxmlformats.org/officeDocument/2006/math">
+                          <m:oMathParaPr>
+                            <m:jc m:val="centerGroup"/>
+                          </m:oMathParaPr>
+                          <m:oMath xmlns:m="http://schemas.openxmlformats.org/officeDocument/2006/math">
+                            <m:r>
+                              <a:rPr lang="en-US" b="0" i="1" smtClean="0">
+                                <a:latin typeface="Cambria Math" panose="02040503050406030204" pitchFamily="18" charset="0"/>
+                                <a:cs typeface="Arial" panose="020B0604020202020204" pitchFamily="34" charset="0"/>
+                              </a:rPr>
+                              <m:t>0</m:t>
+                            </m:r>
+                          </m:oMath>
+                        </m:oMathPara>
+                      </a14:m>
+                      <a:endParaRPr lang="en-CA" dirty="0"/>
+                    </a:p>
+                  </p:txBody>
+                </p:sp>
+              </mc:Choice>
+              <mc:Fallback xmlns="">
+                <p:sp>
+                  <p:nvSpPr>
+                    <p:cNvPr id="109" name="Rectangle 108"/>
+                    <p:cNvSpPr>
+                      <a:spLocks noRot="1" noChangeAspect="1" noMove="1" noResize="1" noEditPoints="1" noAdjustHandles="1" noChangeArrowheads="1" noChangeShapeType="1" noTextEdit="1"/>
+                    </p:cNvSpPr>
+                    <p:nvPr/>
+                  </p:nvSpPr>
+                  <p:spPr>
+                    <a:xfrm>
+                      <a:off x="1006642" y="2350591"/>
+                      <a:ext cx="367985" cy="369333"/>
+                    </a:xfrm>
+                    <a:prstGeom prst="rect">
+                      <a:avLst/>
+                    </a:prstGeom>
+                    <a:blipFill>
+                      <a:blip r:embed="rId29"/>
+                      <a:stretch>
+                        <a:fillRect l="-14286" r="-114286" b="-180000"/>
+                      </a:stretch>
+                    </a:blipFill>
+                  </p:spPr>
+                  <p:txBody>
+                    <a:bodyPr/>
+                    <a:lstStyle/>
+                    <a:p>
+                      <a:r>
+                        <a:rPr lang="en-US">
+                          <a:noFill/>
+                        </a:rPr>
+                        <a:t> </a:t>
+                      </a:r>
+                    </a:p>
+                  </p:txBody>
+                </p:sp>
+              </mc:Fallback>
+            </mc:AlternateContent>
+          </p:grpSp>
+          <p:sp>
+            <p:nvSpPr>
+              <p:cNvPr id="107" name="Rectangle 106"/>
+              <p:cNvSpPr/>
+              <p:nvPr/>
+            </p:nvSpPr>
+            <p:spPr>
+              <a:xfrm>
+                <a:off x="1129904" y="1614682"/>
+                <a:ext cx="184731" cy="369332"/>
+              </a:xfrm>
+              <a:prstGeom prst="rect">
+                <a:avLst/>
+              </a:prstGeom>
+            </p:spPr>
+            <p:txBody>
+              <a:bodyPr wrap="none">
+                <a:spAutoFit/>
+              </a:bodyPr>
+              <a:lstStyle/>
+              <a:p>
+                <a:endParaRPr lang="en-CA" dirty="0"/>
+              </a:p>
+            </p:txBody>
+          </p:sp>
+        </p:grpSp>
+      </p:grpSp>
+      <p:grpSp>
+        <p:nvGrpSpPr>
+          <p:cNvPr id="180" name="Group 179"/>
+          <p:cNvGrpSpPr/>
+          <p:nvPr/>
+        </p:nvGrpSpPr>
+        <p:grpSpPr>
+          <a:xfrm>
+            <a:off x="5101818" y="3218070"/>
+            <a:ext cx="4290850" cy="3554953"/>
+            <a:chOff x="5101818" y="3218070"/>
+            <a:chExt cx="4290850" cy="3554953"/>
+          </a:xfrm>
+        </p:grpSpPr>
+        <p:grpSp>
+          <p:nvGrpSpPr>
+            <p:cNvPr id="167" name="Group 166"/>
+            <p:cNvGrpSpPr/>
+            <p:nvPr/>
+          </p:nvGrpSpPr>
+          <p:grpSpPr>
+            <a:xfrm>
+              <a:off x="5101818" y="3218070"/>
+              <a:ext cx="3116859" cy="3554953"/>
+              <a:chOff x="5092532" y="3274047"/>
+              <a:chExt cx="3116859" cy="3554953"/>
+            </a:xfrm>
+          </p:grpSpPr>
+          <p:grpSp>
+            <p:nvGrpSpPr>
+              <p:cNvPr id="162" name="Group 161"/>
+              <p:cNvGrpSpPr/>
+              <p:nvPr/>
+            </p:nvGrpSpPr>
+            <p:grpSpPr>
+              <a:xfrm>
+                <a:off x="5092532" y="3274047"/>
+                <a:ext cx="3116859" cy="3554953"/>
+                <a:chOff x="5023962" y="3239503"/>
+                <a:chExt cx="3116859" cy="3554953"/>
+              </a:xfrm>
+            </p:grpSpPr>
+            <p:sp>
+              <p:nvSpPr>
+                <p:cNvPr id="124" name="Oval 123"/>
+                <p:cNvSpPr/>
+                <p:nvPr/>
+              </p:nvSpPr>
+              <p:spPr>
+                <a:xfrm>
+                  <a:off x="5126954" y="3635737"/>
+                  <a:ext cx="2642839" cy="2486722"/>
+                </a:xfrm>
+                <a:prstGeom prst="ellipse">
+                  <a:avLst/>
+                </a:prstGeom>
+                <a:noFill/>
+                <a:ln w="38100">
+                  <a:solidFill>
+                    <a:schemeClr val="tx1"/>
+                  </a:solidFill>
+                  <a:prstDash val="dash"/>
+                </a:ln>
+              </p:spPr>
+              <p:style>
+                <a:lnRef idx="2">
+                  <a:schemeClr val="accent1">
+                    <a:shade val="50000"/>
+                  </a:schemeClr>
+                </a:lnRef>
+                <a:fillRef idx="1">
+                  <a:schemeClr val="accent1"/>
+                </a:fillRef>
+                <a:effectRef idx="0">
+                  <a:schemeClr val="accent1"/>
+                </a:effectRef>
+                <a:fontRef idx="minor">
+                  <a:schemeClr val="lt1"/>
+                </a:fontRef>
+              </p:style>
+              <p:txBody>
+                <a:bodyPr rtlCol="0" anchor="ctr"/>
+                <a:lstStyle/>
+                <a:p>
+                  <a:pPr algn="ctr"/>
+                  <a:endParaRPr lang="en-US"/>
+                </a:p>
+              </p:txBody>
+            </p:sp>
+            <p:cxnSp>
+              <p:nvCxnSpPr>
+                <p:cNvPr id="125" name="Straight Arrow Connector 124"/>
+                <p:cNvCxnSpPr/>
+                <p:nvPr/>
+              </p:nvCxnSpPr>
+              <p:spPr>
+                <a:xfrm flipH="1">
+                  <a:off x="6448372" y="3714619"/>
+                  <a:ext cx="1" cy="568061"/>
+                </a:xfrm>
+                <a:prstGeom prst="straightConnector1">
+                  <a:avLst/>
+                </a:prstGeom>
+                <a:ln w="38100">
+                  <a:solidFill>
+                    <a:schemeClr val="tx1"/>
+                  </a:solidFill>
+                  <a:tailEnd type="triangle"/>
+                </a:ln>
+              </p:spPr>
+              <p:style>
+                <a:lnRef idx="1">
+                  <a:schemeClr val="accent1"/>
+                </a:lnRef>
+                <a:fillRef idx="0">
+                  <a:schemeClr val="accent1"/>
+                </a:fillRef>
+                <a:effectRef idx="0">
+                  <a:schemeClr val="accent1"/>
+                </a:effectRef>
+                <a:fontRef idx="minor">
+                  <a:schemeClr val="tx1"/>
+                </a:fontRef>
+              </p:style>
+            </p:cxnSp>
+            <p:cxnSp>
+              <p:nvCxnSpPr>
+                <p:cNvPr id="127" name="Straight Arrow Connector 126"/>
+                <p:cNvCxnSpPr/>
+                <p:nvPr/>
+              </p:nvCxnSpPr>
+              <p:spPr>
+                <a:xfrm flipH="1">
+                  <a:off x="7766435" y="4917367"/>
+                  <a:ext cx="1" cy="568061"/>
+                </a:xfrm>
+                <a:prstGeom prst="straightConnector1">
+                  <a:avLst/>
+                </a:prstGeom>
+                <a:ln w="38100">
+                  <a:solidFill>
+                    <a:schemeClr val="tx1"/>
+                  </a:solidFill>
+                  <a:tailEnd type="triangle"/>
+                </a:ln>
+              </p:spPr>
+              <p:style>
+                <a:lnRef idx="1">
+                  <a:schemeClr val="accent1"/>
+                </a:lnRef>
+                <a:fillRef idx="0">
+                  <a:schemeClr val="accent1"/>
+                </a:fillRef>
+                <a:effectRef idx="0">
+                  <a:schemeClr val="accent1"/>
+                </a:effectRef>
+                <a:fontRef idx="minor">
+                  <a:schemeClr val="tx1"/>
+                </a:fontRef>
+              </p:style>
+            </p:cxnSp>
+            <p:cxnSp>
+              <p:nvCxnSpPr>
+                <p:cNvPr id="129" name="Straight Arrow Connector 128"/>
+                <p:cNvCxnSpPr/>
+                <p:nvPr/>
+              </p:nvCxnSpPr>
+              <p:spPr>
+                <a:xfrm flipH="1">
+                  <a:off x="6436814" y="6196567"/>
+                  <a:ext cx="1" cy="568061"/>
+                </a:xfrm>
+                <a:prstGeom prst="straightConnector1">
+                  <a:avLst/>
+                </a:prstGeom>
+                <a:ln w="38100">
+                  <a:solidFill>
+                    <a:schemeClr val="tx1"/>
+                  </a:solidFill>
+                  <a:tailEnd type="triangle"/>
+                </a:ln>
+              </p:spPr>
+              <p:style>
+                <a:lnRef idx="1">
+                  <a:schemeClr val="accent1"/>
+                </a:lnRef>
+                <a:fillRef idx="0">
+                  <a:schemeClr val="accent1"/>
+                </a:fillRef>
+                <a:effectRef idx="0">
+                  <a:schemeClr val="accent1"/>
+                </a:effectRef>
+                <a:fontRef idx="minor">
+                  <a:schemeClr val="tx1"/>
+                </a:fontRef>
+              </p:style>
+            </p:cxnSp>
+            <p:cxnSp>
+              <p:nvCxnSpPr>
+                <p:cNvPr id="130" name="Straight Arrow Connector 129"/>
+                <p:cNvCxnSpPr/>
+                <p:nvPr/>
+              </p:nvCxnSpPr>
+              <p:spPr>
+                <a:xfrm flipV="1">
+                  <a:off x="6436814" y="5341103"/>
+                  <a:ext cx="6892" cy="712144"/>
+                </a:xfrm>
+                <a:prstGeom prst="straightConnector1">
+                  <a:avLst/>
+                </a:prstGeom>
+                <a:ln w="38100">
+                  <a:solidFill>
+                    <a:schemeClr val="tx1"/>
+                  </a:solidFill>
+                  <a:tailEnd type="triangle"/>
+                </a:ln>
+              </p:spPr>
+              <p:style>
+                <a:lnRef idx="1">
+                  <a:schemeClr val="accent1"/>
+                </a:lnRef>
+                <a:fillRef idx="0">
+                  <a:schemeClr val="accent1"/>
+                </a:fillRef>
+                <a:effectRef idx="0">
+                  <a:schemeClr val="accent1"/>
+                </a:effectRef>
+                <a:fontRef idx="minor">
+                  <a:schemeClr val="tx1"/>
+                </a:fontRef>
+              </p:style>
+            </p:cxnSp>
+            <p:cxnSp>
+              <p:nvCxnSpPr>
+                <p:cNvPr id="132" name="Straight Arrow Connector 131"/>
+                <p:cNvCxnSpPr/>
+                <p:nvPr/>
+              </p:nvCxnSpPr>
+              <p:spPr>
+                <a:xfrm flipH="1">
+                  <a:off x="7347579" y="4900337"/>
+                  <a:ext cx="338590" cy="6831"/>
+                </a:xfrm>
+                <a:prstGeom prst="straightConnector1">
+                  <a:avLst/>
+                </a:prstGeom>
+                <a:ln w="38100">
+                  <a:solidFill>
+                    <a:schemeClr val="tx1"/>
+                  </a:solidFill>
+                  <a:tailEnd type="triangle"/>
+                </a:ln>
+              </p:spPr>
+              <p:style>
+                <a:lnRef idx="1">
+                  <a:schemeClr val="accent1"/>
+                </a:lnRef>
+                <a:fillRef idx="0">
+                  <a:schemeClr val="accent1"/>
+                </a:fillRef>
+                <a:effectRef idx="0">
+                  <a:schemeClr val="accent1"/>
+                </a:effectRef>
+                <a:fontRef idx="minor">
+                  <a:schemeClr val="tx1"/>
+                </a:fontRef>
+              </p:style>
+            </p:cxnSp>
+            <mc:AlternateContent xmlns:mc="http://schemas.openxmlformats.org/markup-compatibility/2006">
+              <mc:Choice xmlns:a14="http://schemas.microsoft.com/office/drawing/2010/main" Requires="a14">
+                <p:sp>
+                  <p:nvSpPr>
+                    <p:cNvPr id="134" name="TextBox 133"/>
+                    <p:cNvSpPr txBox="1"/>
+                    <p:nvPr/>
+                  </p:nvSpPr>
+                  <p:spPr>
+                    <a:xfrm>
+                      <a:off x="6086348" y="5609744"/>
+                      <a:ext cx="308931" cy="345159"/>
+                    </a:xfrm>
+                    <a:prstGeom prst="rect">
+                      <a:avLst/>
+                    </a:prstGeom>
+                    <a:noFill/>
+                  </p:spPr>
+                  <p:txBody>
+                    <a:bodyPr wrap="none" lIns="0" tIns="0" rIns="0" bIns="0" rtlCol="0">
+                      <a:spAutoFit/>
+                    </a:bodyPr>
+                    <a:lstStyle/>
+                    <a:p>
+                      <a:pPr/>
+                      <a14:m>
+                        <m:oMathPara xmlns:m="http://schemas.openxmlformats.org/officeDocument/2006/math">
+                          <m:oMathParaPr>
+                            <m:jc m:val="centerGroup"/>
+                          </m:oMathParaPr>
+                          <m:oMath xmlns:m="http://schemas.openxmlformats.org/officeDocument/2006/math">
+                            <m:sSub>
+                              <m:sSubPr>
+                                <m:ctrlPr>
+                                  <a:rPr lang="en-US" sz="2000" b="0" i="1" smtClean="0">
+                                    <a:latin typeface="Cambria Math" panose="02040503050406030204" pitchFamily="18" charset="0"/>
+                                    <a:cs typeface="Arial" panose="020B0604020202020204" pitchFamily="34" charset="0"/>
+                                  </a:rPr>
+                                </m:ctrlPr>
+                              </m:sSubPr>
+                              <m:e>
+                                <m:acc>
+                                  <m:accPr>
+                                    <m:chr m:val="⃗"/>
+                                    <m:ctrlPr>
+                                      <a:rPr lang="en-US" sz="2000" b="0" i="1" smtClean="0">
+                                        <a:latin typeface="Cambria Math" panose="02040503050406030204" pitchFamily="18" charset="0"/>
+                                        <a:cs typeface="Arial" panose="020B0604020202020204" pitchFamily="34" charset="0"/>
+                                      </a:rPr>
+                                    </m:ctrlPr>
+                                  </m:accPr>
+                                  <m:e>
+                                    <m:r>
+                                      <a:rPr lang="en-US" sz="2000" b="0" i="1" smtClean="0">
+                                        <a:latin typeface="Cambria Math" panose="02040503050406030204" pitchFamily="18" charset="0"/>
+                                        <a:cs typeface="Arial" panose="020B0604020202020204" pitchFamily="34" charset="0"/>
+                                      </a:rPr>
+                                      <m:t>𝑇</m:t>
+                                    </m:r>
+                                  </m:e>
+                                </m:acc>
+                              </m:e>
+                              <m:sub>
+                                <m:r>
+                                  <a:rPr lang="en-US" sz="2000" b="0" i="1" smtClean="0">
+                                    <a:latin typeface="Cambria Math" panose="02040503050406030204" pitchFamily="18" charset="0"/>
+                                    <a:cs typeface="Arial" panose="020B0604020202020204" pitchFamily="34" charset="0"/>
+                                  </a:rPr>
+                                  <m:t>1</m:t>
+                                </m:r>
+                              </m:sub>
+                            </m:sSub>
+                          </m:oMath>
+                        </m:oMathPara>
+                      </a14:m>
+                      <a:endParaRPr lang="en-US" sz="2000" dirty="0">
+                        <a:latin typeface="Arial" panose="020B0604020202020204" pitchFamily="34" charset="0"/>
+                        <a:cs typeface="Arial" panose="020B0604020202020204" pitchFamily="34" charset="0"/>
+                      </a:endParaRPr>
+                    </a:p>
+                  </p:txBody>
+                </p:sp>
+              </mc:Choice>
+              <mc:Fallback>
+                <p:sp>
+                  <p:nvSpPr>
+                    <p:cNvPr id="134" name="TextBox 133"/>
+                    <p:cNvSpPr txBox="1">
+                      <a:spLocks noRot="1" noChangeAspect="1" noMove="1" noResize="1" noEditPoints="1" noAdjustHandles="1" noChangeArrowheads="1" noChangeShapeType="1" noTextEdit="1"/>
+                    </p:cNvSpPr>
+                    <p:nvPr/>
+                  </p:nvSpPr>
+                  <p:spPr>
+                    <a:xfrm>
+                      <a:off x="6086348" y="5609744"/>
+                      <a:ext cx="308931" cy="345159"/>
+                    </a:xfrm>
+                    <a:prstGeom prst="rect">
+                      <a:avLst/>
+                    </a:prstGeom>
+                    <a:blipFill>
+                      <a:blip r:embed="rId68"/>
+                      <a:stretch>
+                        <a:fillRect l="-15686" r="-3922" b="-17857"/>
+                      </a:stretch>
+                    </a:blipFill>
+                  </p:spPr>
+                  <p:txBody>
+                    <a:bodyPr/>
+                    <a:lstStyle/>
+                    <a:p>
+                      <a:r>
+                        <a:rPr lang="en-US">
+                          <a:noFill/>
+                        </a:rPr>
+                        <a:t> </a:t>
+                      </a:r>
+                    </a:p>
+                  </p:txBody>
+                </p:sp>
+              </mc:Fallback>
+            </mc:AlternateContent>
+            <mc:AlternateContent xmlns:mc="http://schemas.openxmlformats.org/markup-compatibility/2006">
+              <mc:Choice xmlns:a14="http://schemas.microsoft.com/office/drawing/2010/main" Requires="a14">
+                <p:sp>
+                  <p:nvSpPr>
+                    <p:cNvPr id="136" name="TextBox 135"/>
+                    <p:cNvSpPr txBox="1"/>
+                    <p:nvPr/>
+                  </p:nvSpPr>
+                  <p:spPr>
+                    <a:xfrm>
+                      <a:off x="7298823" y="4442888"/>
+                      <a:ext cx="314893" cy="345159"/>
+                    </a:xfrm>
+                    <a:prstGeom prst="rect">
+                      <a:avLst/>
+                    </a:prstGeom>
+                    <a:noFill/>
+                  </p:spPr>
+                  <p:txBody>
+                    <a:bodyPr wrap="none" lIns="0" tIns="0" rIns="0" bIns="0" rtlCol="0">
+                      <a:spAutoFit/>
+                    </a:bodyPr>
+                    <a:lstStyle/>
+                    <a:p>
+                      <a:pPr/>
+                      <a14:m>
+                        <m:oMathPara xmlns:m="http://schemas.openxmlformats.org/officeDocument/2006/math">
+                          <m:oMathParaPr>
+                            <m:jc m:val="centerGroup"/>
+                          </m:oMathParaPr>
+                          <m:oMath xmlns:m="http://schemas.openxmlformats.org/officeDocument/2006/math">
+                            <m:sSub>
+                              <m:sSubPr>
+                                <m:ctrlPr>
+                                  <a:rPr lang="en-US" sz="2000" b="0" i="1" smtClean="0">
+                                    <a:latin typeface="Cambria Math" panose="02040503050406030204" pitchFamily="18" charset="0"/>
+                                    <a:cs typeface="Arial" panose="020B0604020202020204" pitchFamily="34" charset="0"/>
+                                  </a:rPr>
+                                </m:ctrlPr>
+                              </m:sSubPr>
+                              <m:e>
+                                <m:acc>
+                                  <m:accPr>
+                                    <m:chr m:val="⃗"/>
+                                    <m:ctrlPr>
+                                      <a:rPr lang="en-US" sz="2000" b="0" i="1" smtClean="0">
+                                        <a:latin typeface="Cambria Math" panose="02040503050406030204" pitchFamily="18" charset="0"/>
+                                        <a:cs typeface="Arial" panose="020B0604020202020204" pitchFamily="34" charset="0"/>
+                                      </a:rPr>
+                                    </m:ctrlPr>
+                                  </m:accPr>
+                                  <m:e>
+                                    <m:r>
+                                      <a:rPr lang="en-US" sz="2000" b="0" i="1" smtClean="0">
+                                        <a:latin typeface="Cambria Math" panose="02040503050406030204" pitchFamily="18" charset="0"/>
+                                        <a:cs typeface="Arial" panose="020B0604020202020204" pitchFamily="34" charset="0"/>
+                                      </a:rPr>
+                                      <m:t>𝑇</m:t>
+                                    </m:r>
+                                  </m:e>
+                                </m:acc>
+                              </m:e>
+                              <m:sub>
+                                <m:r>
+                                  <a:rPr lang="en-US" sz="2000" b="0" i="1" smtClean="0">
+                                    <a:latin typeface="Cambria Math" panose="02040503050406030204" pitchFamily="18" charset="0"/>
+                                    <a:cs typeface="Arial" panose="020B0604020202020204" pitchFamily="34" charset="0"/>
+                                  </a:rPr>
+                                  <m:t>2</m:t>
+                                </m:r>
+                              </m:sub>
+                            </m:sSub>
+                          </m:oMath>
+                        </m:oMathPara>
+                      </a14:m>
+                      <a:endParaRPr lang="en-US" sz="2000" dirty="0">
+                        <a:latin typeface="Arial" panose="020B0604020202020204" pitchFamily="34" charset="0"/>
+                        <a:cs typeface="Arial" panose="020B0604020202020204" pitchFamily="34" charset="0"/>
+                      </a:endParaRPr>
+                    </a:p>
+                  </p:txBody>
+                </p:sp>
+              </mc:Choice>
+              <mc:Fallback>
+                <p:sp>
+                  <p:nvSpPr>
+                    <p:cNvPr id="136" name="TextBox 135"/>
+                    <p:cNvSpPr txBox="1">
+                      <a:spLocks noRot="1" noChangeAspect="1" noMove="1" noResize="1" noEditPoints="1" noAdjustHandles="1" noChangeArrowheads="1" noChangeShapeType="1" noTextEdit="1"/>
+                    </p:cNvSpPr>
+                    <p:nvPr/>
+                  </p:nvSpPr>
+                  <p:spPr>
+                    <a:xfrm>
+                      <a:off x="7298823" y="4442888"/>
+                      <a:ext cx="314893" cy="345159"/>
+                    </a:xfrm>
+                    <a:prstGeom prst="rect">
+                      <a:avLst/>
+                    </a:prstGeom>
+                    <a:blipFill>
+                      <a:blip r:embed="rId69"/>
+                      <a:stretch>
+                        <a:fillRect l="-15385" r="-5769" b="-17544"/>
+                      </a:stretch>
+                    </a:blipFill>
+                  </p:spPr>
+                  <p:txBody>
+                    <a:bodyPr/>
+                    <a:lstStyle/>
+                    <a:p>
+                      <a:r>
+                        <a:rPr lang="en-US">
+                          <a:noFill/>
+                        </a:rPr>
+                        <a:t> </a:t>
+                      </a:r>
+                    </a:p>
+                  </p:txBody>
+                </p:sp>
+              </mc:Fallback>
+            </mc:AlternateContent>
+            <p:cxnSp>
+              <p:nvCxnSpPr>
+                <p:cNvPr id="137" name="Straight Arrow Connector 136"/>
+                <p:cNvCxnSpPr/>
+                <p:nvPr/>
+              </p:nvCxnSpPr>
+              <p:spPr>
+                <a:xfrm>
+                  <a:off x="6504829" y="3706945"/>
+                  <a:ext cx="1" cy="254360"/>
+                </a:xfrm>
+                <a:prstGeom prst="straightConnector1">
+                  <a:avLst/>
+                </a:prstGeom>
+                <a:ln w="38100">
+                  <a:solidFill>
+                    <a:schemeClr val="tx1"/>
+                  </a:solidFill>
+                  <a:tailEnd type="triangle"/>
+                </a:ln>
+              </p:spPr>
+              <p:style>
+                <a:lnRef idx="1">
+                  <a:schemeClr val="accent1"/>
+                </a:lnRef>
+                <a:fillRef idx="0">
+                  <a:schemeClr val="accent1"/>
+                </a:fillRef>
+                <a:effectRef idx="0">
+                  <a:schemeClr val="accent1"/>
+                </a:effectRef>
+                <a:fontRef idx="minor">
+                  <a:schemeClr val="tx1"/>
+                </a:fontRef>
+              </p:style>
+            </p:cxnSp>
+            <p:sp>
+              <p:nvSpPr>
+                <p:cNvPr id="138" name="Oval 137"/>
+                <p:cNvSpPr/>
+                <p:nvPr/>
+              </p:nvSpPr>
+              <p:spPr>
+                <a:xfrm>
+                  <a:off x="6404510" y="3570715"/>
+                  <a:ext cx="120943" cy="119766"/>
+                </a:xfrm>
+                <a:prstGeom prst="ellipse">
+                  <a:avLst/>
+                </a:prstGeom>
+                <a:solidFill>
+                  <a:schemeClr val="tx1"/>
+                </a:solidFill>
+                <a:ln w="38100">
+                  <a:solidFill>
+                    <a:schemeClr val="tx1"/>
+                  </a:solidFill>
+                </a:ln>
+              </p:spPr>
+              <p:style>
+                <a:lnRef idx="2">
+                  <a:schemeClr val="accent1">
+                    <a:shade val="50000"/>
+                  </a:schemeClr>
+                </a:lnRef>
+                <a:fillRef idx="1">
+                  <a:schemeClr val="accent1"/>
+                </a:fillRef>
+                <a:effectRef idx="0">
+                  <a:schemeClr val="accent1"/>
+                </a:effectRef>
+                <a:fontRef idx="minor">
+                  <a:schemeClr val="lt1"/>
+                </a:fontRef>
+              </p:style>
+              <p:txBody>
+                <a:bodyPr rtlCol="0" anchor="ctr"/>
+                <a:lstStyle/>
+                <a:p>
+                  <a:pPr algn="ctr"/>
+                  <a:endParaRPr lang="en-US"/>
+                </a:p>
+              </p:txBody>
+            </p:sp>
+            <p:sp>
+              <p:nvSpPr>
+                <p:cNvPr id="140" name="Oval 139"/>
+                <p:cNvSpPr/>
+                <p:nvPr/>
+              </p:nvSpPr>
+              <p:spPr>
+                <a:xfrm>
+                  <a:off x="7705964" y="4831383"/>
+                  <a:ext cx="120943" cy="119766"/>
+                </a:xfrm>
+                <a:prstGeom prst="ellipse">
+                  <a:avLst/>
+                </a:prstGeom>
+                <a:solidFill>
+                  <a:schemeClr val="tx1"/>
+                </a:solidFill>
+                <a:ln w="38100">
+                  <a:solidFill>
+                    <a:schemeClr val="tx1"/>
+                  </a:solidFill>
+                </a:ln>
+              </p:spPr>
+              <p:style>
+                <a:lnRef idx="2">
+                  <a:schemeClr val="accent1">
+                    <a:shade val="50000"/>
+                  </a:schemeClr>
+                </a:lnRef>
+                <a:fillRef idx="1">
+                  <a:schemeClr val="accent1"/>
+                </a:fillRef>
+                <a:effectRef idx="0">
+                  <a:schemeClr val="accent1"/>
+                </a:effectRef>
+                <a:fontRef idx="minor">
+                  <a:schemeClr val="lt1"/>
+                </a:fontRef>
+              </p:style>
+              <p:txBody>
+                <a:bodyPr rtlCol="0" anchor="ctr"/>
+                <a:lstStyle/>
+                <a:p>
+                  <a:pPr algn="ctr"/>
+                  <a:endParaRPr lang="en-US"/>
+                </a:p>
+              </p:txBody>
+            </p:sp>
+            <p:sp>
+              <p:nvSpPr>
+                <p:cNvPr id="142" name="Oval 141"/>
+                <p:cNvSpPr/>
+                <p:nvPr/>
+              </p:nvSpPr>
+              <p:spPr>
+                <a:xfrm>
+                  <a:off x="6381840" y="6066755"/>
+                  <a:ext cx="120943" cy="119766"/>
+                </a:xfrm>
+                <a:prstGeom prst="ellipse">
+                  <a:avLst/>
+                </a:prstGeom>
+                <a:solidFill>
+                  <a:schemeClr val="tx1"/>
+                </a:solidFill>
+                <a:ln w="38100">
+                  <a:solidFill>
+                    <a:schemeClr val="tx1"/>
+                  </a:solidFill>
+                </a:ln>
+              </p:spPr>
+              <p:style>
+                <a:lnRef idx="2">
+                  <a:schemeClr val="accent1">
+                    <a:shade val="50000"/>
+                  </a:schemeClr>
+                </a:lnRef>
+                <a:fillRef idx="1">
+                  <a:schemeClr val="accent1"/>
+                </a:fillRef>
+                <a:effectRef idx="0">
+                  <a:schemeClr val="accent1"/>
+                </a:effectRef>
+                <a:fontRef idx="minor">
+                  <a:schemeClr val="lt1"/>
+                </a:fontRef>
+              </p:style>
+              <p:txBody>
+                <a:bodyPr rtlCol="0" anchor="ctr"/>
+                <a:lstStyle/>
+                <a:p>
+                  <a:pPr algn="ctr"/>
+                  <a:endParaRPr lang="en-US"/>
+                </a:p>
+              </p:txBody>
+            </p:sp>
+            <mc:AlternateContent xmlns:mc="http://schemas.openxmlformats.org/markup-compatibility/2006">
+              <mc:Choice xmlns:a14="http://schemas.microsoft.com/office/drawing/2010/main" Requires="a14">
+                <p:sp>
+                  <p:nvSpPr>
+                    <p:cNvPr id="147" name="TextBox 146"/>
+                    <p:cNvSpPr txBox="1"/>
+                    <p:nvPr/>
+                  </p:nvSpPr>
+                  <p:spPr>
+                    <a:xfrm>
+                      <a:off x="6053286" y="6417237"/>
+                      <a:ext cx="303866" cy="377219"/>
+                    </a:xfrm>
+                    <a:prstGeom prst="rect">
+                      <a:avLst/>
+                    </a:prstGeom>
+                    <a:noFill/>
+                  </p:spPr>
+                  <p:txBody>
+                    <a:bodyPr wrap="none" lIns="0" tIns="0" rIns="0" bIns="0" rtlCol="0">
+                      <a:spAutoFit/>
+                    </a:bodyPr>
+                    <a:lstStyle/>
+                    <a:p>
+                      <a:pPr/>
+                      <a14:m>
+                        <m:oMathPara xmlns:m="http://schemas.openxmlformats.org/officeDocument/2006/math">
+                          <m:oMathParaPr>
+                            <m:jc m:val="centerGroup"/>
+                          </m:oMathParaPr>
+                          <m:oMath xmlns:m="http://schemas.openxmlformats.org/officeDocument/2006/math">
+                            <m:sSub>
+                              <m:sSubPr>
+                                <m:ctrlPr>
+                                  <a:rPr lang="en-US" sz="2000" b="0" i="1" smtClean="0">
+                                    <a:latin typeface="Cambria Math" panose="02040503050406030204" pitchFamily="18" charset="0"/>
+                                    <a:cs typeface="Arial" panose="020B0604020202020204" pitchFamily="34" charset="0"/>
+                                  </a:rPr>
+                                </m:ctrlPr>
+                              </m:sSubPr>
+                              <m:e>
+                                <m:acc>
+                                  <m:accPr>
+                                    <m:chr m:val="⃗"/>
+                                    <m:ctrlPr>
+                                      <a:rPr lang="en-US" sz="2000" b="0" i="1" smtClean="0">
+                                        <a:latin typeface="Cambria Math" panose="02040503050406030204" pitchFamily="18" charset="0"/>
+                                        <a:cs typeface="Arial" panose="020B0604020202020204" pitchFamily="34" charset="0"/>
+                                      </a:rPr>
+                                    </m:ctrlPr>
+                                  </m:accPr>
+                                  <m:e>
+                                    <m:r>
+                                      <a:rPr lang="en-US" sz="2000" b="0" i="1" smtClean="0">
+                                        <a:latin typeface="Cambria Math" panose="02040503050406030204" pitchFamily="18" charset="0"/>
+                                        <a:cs typeface="Arial" panose="020B0604020202020204" pitchFamily="34" charset="0"/>
+                                      </a:rPr>
+                                      <m:t>𝐹</m:t>
+                                    </m:r>
+                                  </m:e>
+                                </m:acc>
+                              </m:e>
+                              <m:sub>
+                                <m:r>
+                                  <a:rPr lang="en-US" sz="2000" b="0" i="1" smtClean="0">
+                                    <a:latin typeface="Cambria Math" panose="02040503050406030204" pitchFamily="18" charset="0"/>
+                                    <a:cs typeface="Arial" panose="020B0604020202020204" pitchFamily="34" charset="0"/>
+                                  </a:rPr>
+                                  <m:t>𝑔</m:t>
+                                </m:r>
+                              </m:sub>
+                            </m:sSub>
+                          </m:oMath>
+                        </m:oMathPara>
+                      </a14:m>
+                      <a:endParaRPr lang="en-US" sz="2000" dirty="0">
+                        <a:latin typeface="Arial" panose="020B0604020202020204" pitchFamily="34" charset="0"/>
+                        <a:cs typeface="Arial" panose="020B0604020202020204" pitchFamily="34" charset="0"/>
+                      </a:endParaRPr>
+                    </a:p>
+                  </p:txBody>
+                </p:sp>
+              </mc:Choice>
+              <mc:Fallback>
+                <p:sp>
+                  <p:nvSpPr>
+                    <p:cNvPr id="147" name="TextBox 146"/>
+                    <p:cNvSpPr txBox="1">
+                      <a:spLocks noRot="1" noChangeAspect="1" noMove="1" noResize="1" noEditPoints="1" noAdjustHandles="1" noChangeArrowheads="1" noChangeShapeType="1" noTextEdit="1"/>
+                    </p:cNvSpPr>
+                    <p:nvPr/>
+                  </p:nvSpPr>
+                  <p:spPr>
+                    <a:xfrm>
+                      <a:off x="6053286" y="6417237"/>
+                      <a:ext cx="303866" cy="377219"/>
+                    </a:xfrm>
+                    <a:prstGeom prst="rect">
+                      <a:avLst/>
+                    </a:prstGeom>
+                    <a:blipFill>
+                      <a:blip r:embed="rId70"/>
+                      <a:stretch>
+                        <a:fillRect l="-18000" t="-30645" r="-70000" b="-17742"/>
+                      </a:stretch>
+                    </a:blipFill>
+                  </p:spPr>
+                  <p:txBody>
+                    <a:bodyPr/>
+                    <a:lstStyle/>
+                    <a:p>
+                      <a:r>
+                        <a:rPr lang="en-US">
+                          <a:noFill/>
+                        </a:rPr>
+                        <a:t> </a:t>
+                      </a:r>
+                    </a:p>
+                  </p:txBody>
+                </p:sp>
+              </mc:Fallback>
+            </mc:AlternateContent>
+            <mc:AlternateContent xmlns:mc="http://schemas.openxmlformats.org/markup-compatibility/2006">
+              <mc:Choice xmlns:a14="http://schemas.microsoft.com/office/drawing/2010/main" Requires="a14">
+                <p:sp>
+                  <p:nvSpPr>
+                    <p:cNvPr id="149" name="TextBox 148"/>
+                    <p:cNvSpPr txBox="1"/>
+                    <p:nvPr/>
+                  </p:nvSpPr>
+                  <p:spPr>
+                    <a:xfrm>
+                      <a:off x="7836955" y="5270706"/>
+                      <a:ext cx="303866" cy="377219"/>
+                    </a:xfrm>
+                    <a:prstGeom prst="rect">
+                      <a:avLst/>
+                    </a:prstGeom>
+                    <a:noFill/>
+                  </p:spPr>
+                  <p:txBody>
+                    <a:bodyPr wrap="none" lIns="0" tIns="0" rIns="0" bIns="0" rtlCol="0">
+                      <a:spAutoFit/>
+                    </a:bodyPr>
+                    <a:lstStyle/>
+                    <a:p>
+                      <a:pPr/>
+                      <a14:m>
+                        <m:oMathPara xmlns:m="http://schemas.openxmlformats.org/officeDocument/2006/math">
+                          <m:oMathParaPr>
+                            <m:jc m:val="centerGroup"/>
+                          </m:oMathParaPr>
+                          <m:oMath xmlns:m="http://schemas.openxmlformats.org/officeDocument/2006/math">
+                            <m:sSub>
+                              <m:sSubPr>
+                                <m:ctrlPr>
+                                  <a:rPr lang="en-US" sz="2000" b="0" i="1" smtClean="0">
+                                    <a:latin typeface="Cambria Math" panose="02040503050406030204" pitchFamily="18" charset="0"/>
+                                    <a:cs typeface="Arial" panose="020B0604020202020204" pitchFamily="34" charset="0"/>
+                                  </a:rPr>
+                                </m:ctrlPr>
+                              </m:sSubPr>
+                              <m:e>
+                                <m:acc>
+                                  <m:accPr>
+                                    <m:chr m:val="⃗"/>
+                                    <m:ctrlPr>
+                                      <a:rPr lang="en-US" sz="2000" b="0" i="1" smtClean="0">
+                                        <a:latin typeface="Cambria Math" panose="02040503050406030204" pitchFamily="18" charset="0"/>
+                                        <a:cs typeface="Arial" panose="020B0604020202020204" pitchFamily="34" charset="0"/>
+                                      </a:rPr>
+                                    </m:ctrlPr>
+                                  </m:accPr>
+                                  <m:e>
+                                    <m:r>
+                                      <a:rPr lang="en-US" sz="2000" b="0" i="1" smtClean="0">
+                                        <a:latin typeface="Cambria Math" panose="02040503050406030204" pitchFamily="18" charset="0"/>
+                                        <a:cs typeface="Arial" panose="020B0604020202020204" pitchFamily="34" charset="0"/>
+                                      </a:rPr>
+                                      <m:t>𝐹</m:t>
+                                    </m:r>
+                                  </m:e>
+                                </m:acc>
+                              </m:e>
+                              <m:sub>
+                                <m:r>
+                                  <a:rPr lang="en-US" sz="2000" b="0" i="1" smtClean="0">
+                                    <a:latin typeface="Cambria Math" panose="02040503050406030204" pitchFamily="18" charset="0"/>
+                                    <a:cs typeface="Arial" panose="020B0604020202020204" pitchFamily="34" charset="0"/>
+                                  </a:rPr>
+                                  <m:t>𝑔</m:t>
+                                </m:r>
+                              </m:sub>
+                            </m:sSub>
+                          </m:oMath>
+                        </m:oMathPara>
+                      </a14:m>
+                      <a:endParaRPr lang="en-US" sz="2000" dirty="0">
+                        <a:latin typeface="Arial" panose="020B0604020202020204" pitchFamily="34" charset="0"/>
+                        <a:cs typeface="Arial" panose="020B0604020202020204" pitchFamily="34" charset="0"/>
+                      </a:endParaRPr>
+                    </a:p>
+                  </p:txBody>
+                </p:sp>
+              </mc:Choice>
+              <mc:Fallback>
+                <p:sp>
+                  <p:nvSpPr>
+                    <p:cNvPr id="149" name="TextBox 148"/>
+                    <p:cNvSpPr txBox="1">
+                      <a:spLocks noRot="1" noChangeAspect="1" noMove="1" noResize="1" noEditPoints="1" noAdjustHandles="1" noChangeArrowheads="1" noChangeShapeType="1" noTextEdit="1"/>
+                    </p:cNvSpPr>
+                    <p:nvPr/>
+                  </p:nvSpPr>
+                  <p:spPr>
+                    <a:xfrm>
+                      <a:off x="7836955" y="5270706"/>
+                      <a:ext cx="303866" cy="377219"/>
+                    </a:xfrm>
+                    <a:prstGeom prst="rect">
+                      <a:avLst/>
+                    </a:prstGeom>
+                    <a:blipFill>
+                      <a:blip r:embed="rId71"/>
+                      <a:stretch>
+                        <a:fillRect l="-16000" t="-30645" r="-72000" b="-17742"/>
+                      </a:stretch>
+                    </a:blipFill>
+                  </p:spPr>
+                  <p:txBody>
+                    <a:bodyPr/>
+                    <a:lstStyle/>
+                    <a:p>
+                      <a:r>
+                        <a:rPr lang="en-US">
+                          <a:noFill/>
+                        </a:rPr>
+                        <a:t> </a:t>
+                      </a:r>
+                    </a:p>
+                  </p:txBody>
+                </p:sp>
+              </mc:Fallback>
+            </mc:AlternateContent>
+            <mc:AlternateContent xmlns:mc="http://schemas.openxmlformats.org/markup-compatibility/2006">
+              <mc:Choice xmlns:a14="http://schemas.microsoft.com/office/drawing/2010/main" Requires="a14">
+                <p:sp>
+                  <p:nvSpPr>
+                    <p:cNvPr id="151" name="TextBox 150"/>
+                    <p:cNvSpPr txBox="1"/>
+                    <p:nvPr/>
+                  </p:nvSpPr>
+                  <p:spPr>
+                    <a:xfrm>
+                      <a:off x="6094576" y="3986980"/>
+                      <a:ext cx="303866" cy="377219"/>
+                    </a:xfrm>
+                    <a:prstGeom prst="rect">
+                      <a:avLst/>
+                    </a:prstGeom>
+                    <a:noFill/>
+                  </p:spPr>
+                  <p:txBody>
+                    <a:bodyPr wrap="none" lIns="0" tIns="0" rIns="0" bIns="0" rtlCol="0">
+                      <a:spAutoFit/>
+                    </a:bodyPr>
+                    <a:lstStyle/>
+                    <a:p>
+                      <a:pPr/>
+                      <a14:m>
+                        <m:oMathPara xmlns:m="http://schemas.openxmlformats.org/officeDocument/2006/math">
+                          <m:oMathParaPr>
+                            <m:jc m:val="centerGroup"/>
+                          </m:oMathParaPr>
+                          <m:oMath xmlns:m="http://schemas.openxmlformats.org/officeDocument/2006/math">
+                            <m:sSub>
+                              <m:sSubPr>
+                                <m:ctrlPr>
+                                  <a:rPr lang="en-US" sz="2000" b="0" i="1" smtClean="0">
+                                    <a:latin typeface="Cambria Math" panose="02040503050406030204" pitchFamily="18" charset="0"/>
+                                    <a:cs typeface="Arial" panose="020B0604020202020204" pitchFamily="34" charset="0"/>
+                                  </a:rPr>
+                                </m:ctrlPr>
+                              </m:sSubPr>
+                              <m:e>
+                                <m:acc>
+                                  <m:accPr>
+                                    <m:chr m:val="⃗"/>
+                                    <m:ctrlPr>
+                                      <a:rPr lang="en-US" sz="2000" b="0" i="1" smtClean="0">
+                                        <a:latin typeface="Cambria Math" panose="02040503050406030204" pitchFamily="18" charset="0"/>
+                                        <a:cs typeface="Arial" panose="020B0604020202020204" pitchFamily="34" charset="0"/>
+                                      </a:rPr>
+                                    </m:ctrlPr>
+                                  </m:accPr>
+                                  <m:e>
+                                    <m:r>
+                                      <a:rPr lang="en-US" sz="2000" b="0" i="1" smtClean="0">
+                                        <a:latin typeface="Cambria Math" panose="02040503050406030204" pitchFamily="18" charset="0"/>
+                                        <a:cs typeface="Arial" panose="020B0604020202020204" pitchFamily="34" charset="0"/>
+                                      </a:rPr>
+                                      <m:t>𝐹</m:t>
+                                    </m:r>
+                                  </m:e>
+                                </m:acc>
+                              </m:e>
+                              <m:sub>
+                                <m:r>
+                                  <a:rPr lang="en-US" sz="2000" b="0" i="1" smtClean="0">
+                                    <a:latin typeface="Cambria Math" panose="02040503050406030204" pitchFamily="18" charset="0"/>
+                                    <a:cs typeface="Arial" panose="020B0604020202020204" pitchFamily="34" charset="0"/>
+                                  </a:rPr>
+                                  <m:t>𝑔</m:t>
+                                </m:r>
+                              </m:sub>
+                            </m:sSub>
+                          </m:oMath>
+                        </m:oMathPara>
+                      </a14:m>
+                      <a:endParaRPr lang="en-US" sz="2000" dirty="0">
+                        <a:latin typeface="Arial" panose="020B0604020202020204" pitchFamily="34" charset="0"/>
+                        <a:cs typeface="Arial" panose="020B0604020202020204" pitchFamily="34" charset="0"/>
+                      </a:endParaRPr>
+                    </a:p>
+                  </p:txBody>
+                </p:sp>
+              </mc:Choice>
+              <mc:Fallback>
+                <p:sp>
+                  <p:nvSpPr>
+                    <p:cNvPr id="151" name="TextBox 150"/>
+                    <p:cNvSpPr txBox="1">
+                      <a:spLocks noRot="1" noChangeAspect="1" noMove="1" noResize="1" noEditPoints="1" noAdjustHandles="1" noChangeArrowheads="1" noChangeShapeType="1" noTextEdit="1"/>
+                    </p:cNvSpPr>
+                    <p:nvPr/>
+                  </p:nvSpPr>
+                  <p:spPr>
+                    <a:xfrm>
+                      <a:off x="6094576" y="3986980"/>
+                      <a:ext cx="303866" cy="377219"/>
+                    </a:xfrm>
+                    <a:prstGeom prst="rect">
+                      <a:avLst/>
+                    </a:prstGeom>
+                    <a:blipFill>
+                      <a:blip r:embed="rId72"/>
+                      <a:stretch>
+                        <a:fillRect l="-18367" t="-32787" r="-73469" b="-19672"/>
+                      </a:stretch>
+                    </a:blipFill>
+                  </p:spPr>
+                  <p:txBody>
+                    <a:bodyPr/>
+                    <a:lstStyle/>
+                    <a:p>
+                      <a:r>
+                        <a:rPr lang="en-US">
+                          <a:noFill/>
+                        </a:rPr>
+                        <a:t> </a:t>
+                      </a:r>
+                    </a:p>
+                  </p:txBody>
+                </p:sp>
+              </mc:Fallback>
+            </mc:AlternateContent>
+            <mc:AlternateContent xmlns:mc="http://schemas.openxmlformats.org/markup-compatibility/2006">
+              <mc:Choice xmlns:a14="http://schemas.microsoft.com/office/drawing/2010/main" Requires="a14">
+                <p:sp>
+                  <p:nvSpPr>
+                    <p:cNvPr id="152" name="TextBox 151"/>
+                    <p:cNvSpPr txBox="1"/>
+                    <p:nvPr/>
+                  </p:nvSpPr>
+                  <p:spPr>
+                    <a:xfrm>
+                      <a:off x="6538255" y="6158498"/>
+                      <a:ext cx="213200" cy="307777"/>
+                    </a:xfrm>
+                    <a:prstGeom prst="rect">
+                      <a:avLst/>
+                    </a:prstGeom>
+                    <a:noFill/>
+                  </p:spPr>
+                  <p:txBody>
+                    <a:bodyPr wrap="none" lIns="0" tIns="0" rIns="0" bIns="0" rtlCol="0">
+                      <a:spAutoFit/>
+                    </a:bodyPr>
+                    <a:lstStyle/>
+                    <a:p>
+                      <a14:m>
+                        <m:oMathPara xmlns:m="http://schemas.openxmlformats.org/officeDocument/2006/math">
+                          <m:oMathParaPr>
+                            <m:jc m:val="centerGroup"/>
+                          </m:oMathParaPr>
+                          <m:oMath xmlns:m="http://schemas.openxmlformats.org/officeDocument/2006/math">
+                            <m:r>
+                              <a:rPr lang="en-US" sz="2000" b="0" i="1" smtClean="0">
+                                <a:latin typeface="Cambria Math" panose="02040503050406030204" pitchFamily="18" charset="0"/>
+                                <a:cs typeface="Arial" panose="020B0604020202020204" pitchFamily="34" charset="0"/>
+                              </a:rPr>
+                              <m:t>1</m:t>
+                            </m:r>
+                          </m:oMath>
+                        </m:oMathPara>
+                      </a14:m>
+                      <a:endParaRPr lang="en-US" sz="2000" dirty="0" smtClean="0">
+                        <a:latin typeface="Arial" panose="020B0604020202020204" pitchFamily="34" charset="0"/>
+                        <a:cs typeface="Arial" panose="020B0604020202020204" pitchFamily="34" charset="0"/>
+                      </a:endParaRPr>
+                    </a:p>
+                  </p:txBody>
+                </p:sp>
+              </mc:Choice>
+              <mc:Fallback>
+                <p:sp>
+                  <p:nvSpPr>
+                    <p:cNvPr id="152" name="TextBox 151"/>
+                    <p:cNvSpPr txBox="1">
+                      <a:spLocks noRot="1" noChangeAspect="1" noMove="1" noResize="1" noEditPoints="1" noAdjustHandles="1" noChangeArrowheads="1" noChangeShapeType="1" noTextEdit="1"/>
+                    </p:cNvSpPr>
+                    <p:nvPr/>
+                  </p:nvSpPr>
+                  <p:spPr>
+                    <a:xfrm>
+                      <a:off x="6538255" y="6158498"/>
+                      <a:ext cx="213200" cy="307777"/>
+                    </a:xfrm>
+                    <a:prstGeom prst="rect">
+                      <a:avLst/>
+                    </a:prstGeom>
+                    <a:blipFill>
+                      <a:blip r:embed="rId73"/>
+                      <a:stretch>
+                        <a:fillRect l="-22857" r="-25714" b="-10000"/>
+                      </a:stretch>
+                    </a:blipFill>
+                  </p:spPr>
+                  <p:txBody>
+                    <a:bodyPr/>
+                    <a:lstStyle/>
+                    <a:p>
+                      <a:r>
+                        <a:rPr lang="en-US">
+                          <a:noFill/>
+                        </a:rPr>
+                        <a:t> </a:t>
+                      </a:r>
+                    </a:p>
+                  </p:txBody>
+                </p:sp>
+              </mc:Fallback>
+            </mc:AlternateContent>
+            <mc:AlternateContent xmlns:mc="http://schemas.openxmlformats.org/markup-compatibility/2006">
+              <mc:Choice xmlns:a14="http://schemas.microsoft.com/office/drawing/2010/main" Requires="a14">
+                <p:sp>
+                  <p:nvSpPr>
+                    <p:cNvPr id="154" name="TextBox 153"/>
+                    <p:cNvSpPr txBox="1"/>
+                    <p:nvPr/>
+                  </p:nvSpPr>
+                  <p:spPr>
+                    <a:xfrm>
+                      <a:off x="7833695" y="4550959"/>
+                      <a:ext cx="213200" cy="307777"/>
+                    </a:xfrm>
+                    <a:prstGeom prst="rect">
+                      <a:avLst/>
+                    </a:prstGeom>
+                    <a:noFill/>
+                  </p:spPr>
+                  <p:txBody>
+                    <a:bodyPr wrap="none" lIns="0" tIns="0" rIns="0" bIns="0" rtlCol="0">
+                      <a:spAutoFit/>
+                    </a:bodyPr>
+                    <a:lstStyle/>
+                    <a:p>
+                      <a14:m>
+                        <m:oMathPara xmlns:m="http://schemas.openxmlformats.org/officeDocument/2006/math">
+                          <m:oMathParaPr>
+                            <m:jc m:val="centerGroup"/>
+                          </m:oMathParaPr>
+                          <m:oMath xmlns:m="http://schemas.openxmlformats.org/officeDocument/2006/math">
+                            <m:r>
+                              <a:rPr lang="en-US" sz="2000" b="0" i="1" smtClean="0">
+                                <a:latin typeface="Cambria Math" panose="02040503050406030204" pitchFamily="18" charset="0"/>
+                                <a:cs typeface="Arial" panose="020B0604020202020204" pitchFamily="34" charset="0"/>
+                              </a:rPr>
+                              <m:t>2</m:t>
+                            </m:r>
+                          </m:oMath>
+                        </m:oMathPara>
+                      </a14:m>
+                      <a:endParaRPr lang="en-US" sz="2000" dirty="0" smtClean="0">
+                        <a:latin typeface="Arial" panose="020B0604020202020204" pitchFamily="34" charset="0"/>
+                        <a:cs typeface="Arial" panose="020B0604020202020204" pitchFamily="34" charset="0"/>
+                      </a:endParaRPr>
+                    </a:p>
+                  </p:txBody>
+                </p:sp>
+              </mc:Choice>
+              <mc:Fallback>
+                <p:sp>
+                  <p:nvSpPr>
+                    <p:cNvPr id="154" name="TextBox 153"/>
+                    <p:cNvSpPr txBox="1">
+                      <a:spLocks noRot="1" noChangeAspect="1" noMove="1" noResize="1" noEditPoints="1" noAdjustHandles="1" noChangeArrowheads="1" noChangeShapeType="1" noTextEdit="1"/>
+                    </p:cNvSpPr>
+                    <p:nvPr/>
+                  </p:nvSpPr>
+                  <p:spPr>
+                    <a:xfrm>
+                      <a:off x="7833695" y="4550959"/>
+                      <a:ext cx="213200" cy="307777"/>
+                    </a:xfrm>
+                    <a:prstGeom prst="rect">
+                      <a:avLst/>
+                    </a:prstGeom>
+                    <a:blipFill>
+                      <a:blip r:embed="rId74"/>
+                      <a:stretch>
+                        <a:fillRect l="-25714" r="-22857" b="-9804"/>
+                      </a:stretch>
+                    </a:blipFill>
+                  </p:spPr>
+                  <p:txBody>
+                    <a:bodyPr/>
+                    <a:lstStyle/>
+                    <a:p>
+                      <a:r>
+                        <a:rPr lang="en-US">
+                          <a:noFill/>
+                        </a:rPr>
+                        <a:t> </a:t>
+                      </a:r>
+                    </a:p>
+                  </p:txBody>
+                </p:sp>
+              </mc:Fallback>
+            </mc:AlternateContent>
+            <p:sp>
+              <p:nvSpPr>
+                <p:cNvPr id="156" name="TextBox 155"/>
+                <p:cNvSpPr txBox="1"/>
+                <p:nvPr/>
+              </p:nvSpPr>
+              <p:spPr>
+                <a:xfrm>
+                  <a:off x="6476131" y="3239503"/>
+                  <a:ext cx="275323" cy="317220"/>
+                </a:xfrm>
+                <a:prstGeom prst="rect">
+                  <a:avLst/>
+                </a:prstGeom>
+                <a:noFill/>
+              </p:spPr>
+              <p:txBody>
+                <a:bodyPr wrap="square" lIns="0" tIns="0" rIns="0" bIns="0" rtlCol="0">
+                  <a:spAutoFit/>
+                </a:bodyPr>
+                <a:lstStyle/>
+                <a:p>
+                  <a:r>
+                    <a:rPr lang="en-US" sz="2000" dirty="0" smtClean="0">
+                      <a:latin typeface="Arial" panose="020B0604020202020204" pitchFamily="34" charset="0"/>
+                      <a:cs typeface="Arial" panose="020B0604020202020204" pitchFamily="34" charset="0"/>
+                    </a:rPr>
+                    <a:t>3</a:t>
+                  </a:r>
+                  <a:endParaRPr lang="en-US" sz="2000" dirty="0" smtClean="0">
+                    <a:latin typeface="Arial" panose="020B0604020202020204" pitchFamily="34" charset="0"/>
+                    <a:cs typeface="Arial" panose="020B0604020202020204" pitchFamily="34" charset="0"/>
+                  </a:endParaRPr>
+                </a:p>
+              </p:txBody>
+            </p:sp>
+            <mc:AlternateContent xmlns:mc="http://schemas.openxmlformats.org/markup-compatibility/2006">
+              <mc:Choice xmlns:a14="http://schemas.microsoft.com/office/drawing/2010/main" Requires="a14">
+                <p:sp>
+                  <p:nvSpPr>
+                    <p:cNvPr id="158" name="TextBox 157"/>
+                    <p:cNvSpPr txBox="1"/>
+                    <p:nvPr/>
+                  </p:nvSpPr>
+                  <p:spPr>
+                    <a:xfrm>
+                      <a:off x="6545172" y="3690481"/>
+                      <a:ext cx="314893" cy="345159"/>
+                    </a:xfrm>
+                    <a:prstGeom prst="rect">
+                      <a:avLst/>
+                    </a:prstGeom>
+                    <a:noFill/>
+                  </p:spPr>
+                  <p:txBody>
+                    <a:bodyPr wrap="none" lIns="0" tIns="0" rIns="0" bIns="0" rtlCol="0">
+                      <a:spAutoFit/>
+                    </a:bodyPr>
+                    <a:lstStyle/>
+                    <a:p>
+                      <a:pPr/>
+                      <a14:m>
+                        <m:oMathPara xmlns:m="http://schemas.openxmlformats.org/officeDocument/2006/math">
+                          <m:oMathParaPr>
+                            <m:jc m:val="centerGroup"/>
+                          </m:oMathParaPr>
+                          <m:oMath xmlns:m="http://schemas.openxmlformats.org/officeDocument/2006/math">
+                            <m:sSub>
+                              <m:sSubPr>
+                                <m:ctrlPr>
+                                  <a:rPr lang="en-US" sz="2000" b="0" i="1" smtClean="0">
+                                    <a:latin typeface="Cambria Math" panose="02040503050406030204" pitchFamily="18" charset="0"/>
+                                    <a:cs typeface="Arial" panose="020B0604020202020204" pitchFamily="34" charset="0"/>
+                                  </a:rPr>
+                                </m:ctrlPr>
+                              </m:sSubPr>
+                              <m:e>
+                                <m:acc>
+                                  <m:accPr>
+                                    <m:chr m:val="⃗"/>
+                                    <m:ctrlPr>
+                                      <a:rPr lang="en-US" sz="2000" b="0" i="1" smtClean="0">
+                                        <a:latin typeface="Cambria Math" panose="02040503050406030204" pitchFamily="18" charset="0"/>
+                                        <a:cs typeface="Arial" panose="020B0604020202020204" pitchFamily="34" charset="0"/>
+                                      </a:rPr>
+                                    </m:ctrlPr>
+                                  </m:accPr>
+                                  <m:e>
+                                    <m:r>
+                                      <a:rPr lang="en-US" sz="2000" b="0" i="1" smtClean="0">
+                                        <a:latin typeface="Cambria Math" panose="02040503050406030204" pitchFamily="18" charset="0"/>
+                                        <a:cs typeface="Arial" panose="020B0604020202020204" pitchFamily="34" charset="0"/>
+                                      </a:rPr>
+                                      <m:t>𝑇</m:t>
+                                    </m:r>
+                                  </m:e>
+                                </m:acc>
+                              </m:e>
+                              <m:sub>
+                                <m:r>
+                                  <a:rPr lang="en-US" sz="2000" b="0" i="1" smtClean="0">
+                                    <a:latin typeface="Cambria Math" panose="02040503050406030204" pitchFamily="18" charset="0"/>
+                                    <a:cs typeface="Arial" panose="020B0604020202020204" pitchFamily="34" charset="0"/>
+                                  </a:rPr>
+                                  <m:t>3</m:t>
+                                </m:r>
+                              </m:sub>
+                            </m:sSub>
+                          </m:oMath>
+                        </m:oMathPara>
+                      </a14:m>
+                      <a:endParaRPr lang="en-US" sz="2000" dirty="0">
+                        <a:latin typeface="Arial" panose="020B0604020202020204" pitchFamily="34" charset="0"/>
+                        <a:cs typeface="Arial" panose="020B0604020202020204" pitchFamily="34" charset="0"/>
+                      </a:endParaRPr>
+                    </a:p>
+                  </p:txBody>
+                </p:sp>
+              </mc:Choice>
+              <mc:Fallback>
+                <p:sp>
+                  <p:nvSpPr>
+                    <p:cNvPr id="158" name="TextBox 157"/>
+                    <p:cNvSpPr txBox="1">
+                      <a:spLocks noRot="1" noChangeAspect="1" noMove="1" noResize="1" noEditPoints="1" noAdjustHandles="1" noChangeArrowheads="1" noChangeShapeType="1" noTextEdit="1"/>
+                    </p:cNvSpPr>
+                    <p:nvPr/>
+                  </p:nvSpPr>
+                  <p:spPr>
+                    <a:xfrm>
+                      <a:off x="6545172" y="3690481"/>
+                      <a:ext cx="314893" cy="345159"/>
+                    </a:xfrm>
+                    <a:prstGeom prst="rect">
+                      <a:avLst/>
+                    </a:prstGeom>
+                    <a:blipFill>
+                      <a:blip r:embed="rId75"/>
+                      <a:stretch>
+                        <a:fillRect l="-15385" r="-5769" b="-17857"/>
+                      </a:stretch>
+                    </a:blipFill>
+                  </p:spPr>
+                  <p:txBody>
+                    <a:bodyPr/>
+                    <a:lstStyle/>
+                    <a:p>
+                      <a:r>
+                        <a:rPr lang="en-US">
+                          <a:noFill/>
+                        </a:rPr>
+                        <a:t> </a:t>
+                      </a:r>
+                    </a:p>
+                  </p:txBody>
+                </p:sp>
+              </mc:Fallback>
+            </mc:AlternateContent>
+            <p:grpSp>
+              <p:nvGrpSpPr>
+                <p:cNvPr id="117" name="Group 116"/>
+                <p:cNvGrpSpPr/>
+                <p:nvPr/>
+              </p:nvGrpSpPr>
+              <p:grpSpPr>
+                <a:xfrm>
+                  <a:off x="5023962" y="5820120"/>
+                  <a:ext cx="898789" cy="709995"/>
+                  <a:chOff x="785815" y="680744"/>
+                  <a:chExt cx="2596102" cy="2135605"/>
+                </a:xfrm>
+              </p:grpSpPr>
+              <p:cxnSp>
+                <p:nvCxnSpPr>
+                  <p:cNvPr id="119" name="Straight Arrow Connector 118"/>
+                  <p:cNvCxnSpPr/>
+                  <p:nvPr/>
+                </p:nvCxnSpPr>
+                <p:spPr>
+                  <a:xfrm flipV="1">
+                    <a:off x="1516583" y="680744"/>
+                    <a:ext cx="7683" cy="1859535"/>
+                  </a:xfrm>
+                  <a:prstGeom prst="straightConnector1">
+                    <a:avLst/>
+                  </a:prstGeom>
+                  <a:ln w="38100">
+                    <a:solidFill>
+                      <a:schemeClr val="tx1"/>
+                    </a:solidFill>
+                    <a:tailEnd type="triangle"/>
+                  </a:ln>
+                </p:spPr>
+                <p:style>
+                  <a:lnRef idx="1">
+                    <a:schemeClr val="accent1"/>
+                  </a:lnRef>
+                  <a:fillRef idx="0">
+                    <a:schemeClr val="accent1"/>
+                  </a:fillRef>
+                  <a:effectRef idx="0">
+                    <a:schemeClr val="accent1"/>
+                  </a:effectRef>
+                  <a:fontRef idx="minor">
+                    <a:schemeClr val="tx1"/>
+                  </a:fontRef>
+                </p:style>
+              </p:cxnSp>
+              <p:cxnSp>
+                <p:nvCxnSpPr>
+                  <p:cNvPr id="120" name="Straight Arrow Connector 119"/>
+                  <p:cNvCxnSpPr/>
+                  <p:nvPr/>
+                </p:nvCxnSpPr>
+                <p:spPr>
+                  <a:xfrm flipV="1">
+                    <a:off x="1507013" y="2535259"/>
+                    <a:ext cx="1874904" cy="1"/>
+                  </a:xfrm>
+                  <a:prstGeom prst="straightConnector1">
+                    <a:avLst/>
+                  </a:prstGeom>
+                  <a:ln w="38100">
+                    <a:solidFill>
+                      <a:schemeClr val="tx1"/>
+                    </a:solidFill>
+                    <a:tailEnd type="triangle"/>
+                  </a:ln>
+                </p:spPr>
+                <p:style>
+                  <a:lnRef idx="1">
+                    <a:schemeClr val="accent1"/>
+                  </a:lnRef>
+                  <a:fillRef idx="0">
+                    <a:schemeClr val="accent1"/>
+                  </a:fillRef>
+                  <a:effectRef idx="0">
+                    <a:schemeClr val="accent1"/>
+                  </a:effectRef>
+                  <a:fontRef idx="minor">
+                    <a:schemeClr val="tx1"/>
+                  </a:fontRef>
+                </p:style>
+              </p:cxnSp>
+              <mc:AlternateContent xmlns:mc="http://schemas.openxmlformats.org/markup-compatibility/2006" xmlns:a14="http://schemas.microsoft.com/office/drawing/2010/main">
+                <mc:Choice Requires="a14">
+                  <p:sp>
+                    <p:nvSpPr>
+                      <p:cNvPr id="121" name="Rectangle 120"/>
+                      <p:cNvSpPr/>
+                      <p:nvPr/>
+                    </p:nvSpPr>
+                    <p:spPr>
+                      <a:xfrm>
+                        <a:off x="2697555" y="2447016"/>
+                        <a:ext cx="367985" cy="369333"/>
+                      </a:xfrm>
+                      <a:prstGeom prst="rect">
+                        <a:avLst/>
+                      </a:prstGeom>
+                    </p:spPr>
+                    <p:txBody>
+                      <a:bodyPr wrap="none">
+                        <a:spAutoFit/>
+                      </a:bodyPr>
+                      <a:lstStyle/>
+                      <a:p>
+                        <a:pPr/>
+                        <a14:m>
+                          <m:oMathPara xmlns:m="http://schemas.openxmlformats.org/officeDocument/2006/math">
+                            <m:oMathParaPr>
+                              <m:jc m:val="centerGroup"/>
+                            </m:oMathParaPr>
+                            <m:oMath xmlns:m="http://schemas.openxmlformats.org/officeDocument/2006/math">
+                              <m:r>
+                                <a:rPr lang="en-US" i="1">
+                                  <a:latin typeface="Cambria Math" panose="02040503050406030204" pitchFamily="18" charset="0"/>
+                                  <a:cs typeface="Arial" panose="020B0604020202020204" pitchFamily="34" charset="0"/>
+                                </a:rPr>
+                                <m:t>𝑥</m:t>
+                              </m:r>
+                            </m:oMath>
+                          </m:oMathPara>
+                        </a14:m>
+                        <a:endParaRPr lang="en-CA" dirty="0"/>
+                      </a:p>
+                    </p:txBody>
+                  </p:sp>
+                </mc:Choice>
+                <mc:Fallback xmlns="">
+                  <p:sp>
+                    <p:nvSpPr>
+                      <p:cNvPr id="107" name="Rectangle 106"/>
+                      <p:cNvSpPr>
+                        <a:spLocks noRot="1" noChangeAspect="1" noMove="1" noResize="1" noEditPoints="1" noAdjustHandles="1" noChangeArrowheads="1" noChangeShapeType="1" noTextEdit="1"/>
+                      </p:cNvSpPr>
+                      <p:nvPr/>
+                    </p:nvSpPr>
+                    <p:spPr>
+                      <a:xfrm>
+                        <a:off x="2697555" y="2447016"/>
+                        <a:ext cx="367985" cy="369333"/>
+                      </a:xfrm>
+                      <a:prstGeom prst="rect">
+                        <a:avLst/>
+                      </a:prstGeom>
+                      <a:blipFill>
+                        <a:blip r:embed="rId27"/>
+                        <a:stretch>
+                          <a:fillRect r="-95238" b="-160000"/>
+                        </a:stretch>
+                      </a:blipFill>
+                    </p:spPr>
+                    <p:txBody>
+                      <a:bodyPr/>
+                      <a:lstStyle/>
+                      <a:p>
+                        <a:r>
+                          <a:rPr lang="en-US">
+                            <a:noFill/>
+                          </a:rPr>
+                          <a:t> </a:t>
+                        </a:r>
+                      </a:p>
+                    </p:txBody>
+                  </p:sp>
+                </mc:Fallback>
+              </mc:AlternateContent>
+              <mc:AlternateContent xmlns:mc="http://schemas.openxmlformats.org/markup-compatibility/2006" xmlns:a14="http://schemas.microsoft.com/office/drawing/2010/main">
+                <mc:Choice Requires="a14">
+                  <p:sp>
+                    <p:nvSpPr>
+                      <p:cNvPr id="122" name="Rectangle 121"/>
+                      <p:cNvSpPr/>
+                      <p:nvPr/>
+                    </p:nvSpPr>
+                    <p:spPr>
+                      <a:xfrm>
+                        <a:off x="785815" y="912420"/>
+                        <a:ext cx="371385" cy="369333"/>
+                      </a:xfrm>
+                      <a:prstGeom prst="rect">
+                        <a:avLst/>
+                      </a:prstGeom>
+                    </p:spPr>
+                    <p:txBody>
+                      <a:bodyPr wrap="none">
+                        <a:spAutoFit/>
+                      </a:bodyPr>
+                      <a:lstStyle/>
+                      <a:p>
+                        <a:pPr/>
+                        <a14:m>
+                          <m:oMathPara xmlns:m="http://schemas.openxmlformats.org/officeDocument/2006/math">
+                            <m:oMathParaPr>
+                              <m:jc m:val="centerGroup"/>
+                            </m:oMathParaPr>
+                            <m:oMath xmlns:m="http://schemas.openxmlformats.org/officeDocument/2006/math">
+                              <m:r>
+                                <a:rPr lang="en-US" b="0" i="1" smtClean="0">
+                                  <a:latin typeface="Cambria Math" panose="02040503050406030204" pitchFamily="18" charset="0"/>
+                                </a:rPr>
+                                <m:t>𝑦</m:t>
+                              </m:r>
+                            </m:oMath>
+                          </m:oMathPara>
+                        </a14:m>
+                        <a:endParaRPr lang="en-CA" dirty="0"/>
+                      </a:p>
+                    </p:txBody>
+                  </p:sp>
+                </mc:Choice>
+                <mc:Fallback xmlns="">
+                  <p:sp>
+                    <p:nvSpPr>
+                      <p:cNvPr id="108" name="Rectangle 107"/>
+                      <p:cNvSpPr>
+                        <a:spLocks noRot="1" noChangeAspect="1" noMove="1" noResize="1" noEditPoints="1" noAdjustHandles="1" noChangeArrowheads="1" noChangeShapeType="1" noTextEdit="1"/>
+                      </p:cNvSpPr>
+                      <p:nvPr/>
+                    </p:nvSpPr>
+                    <p:spPr>
+                      <a:xfrm>
+                        <a:off x="785815" y="912420"/>
+                        <a:ext cx="371385" cy="369333"/>
+                      </a:xfrm>
+                      <a:prstGeom prst="rect">
+                        <a:avLst/>
+                      </a:prstGeom>
+                      <a:blipFill>
+                        <a:blip r:embed="rId28"/>
+                        <a:stretch>
+                          <a:fillRect l="-19048" r="-114286" b="-220000"/>
+                        </a:stretch>
+                      </a:blipFill>
+                    </p:spPr>
+                    <p:txBody>
+                      <a:bodyPr/>
+                      <a:lstStyle/>
+                      <a:p>
+                        <a:r>
+                          <a:rPr lang="en-US">
+                            <a:noFill/>
+                          </a:rPr>
+                          <a:t> </a:t>
+                        </a:r>
+                      </a:p>
+                    </p:txBody>
+                  </p:sp>
+                </mc:Fallback>
+              </mc:AlternateContent>
+              <mc:AlternateContent xmlns:mc="http://schemas.openxmlformats.org/markup-compatibility/2006" xmlns:a14="http://schemas.microsoft.com/office/drawing/2010/main">
+                <mc:Choice Requires="a14">
+                  <p:sp>
+                    <p:nvSpPr>
+                      <p:cNvPr id="123" name="Rectangle 122"/>
+                      <p:cNvSpPr/>
+                      <p:nvPr/>
+                    </p:nvSpPr>
+                    <p:spPr>
+                      <a:xfrm>
+                        <a:off x="1006642" y="2350591"/>
+                        <a:ext cx="367985" cy="369333"/>
+                      </a:xfrm>
+                      <a:prstGeom prst="rect">
+                        <a:avLst/>
+                      </a:prstGeom>
+                    </p:spPr>
+                    <p:txBody>
+                      <a:bodyPr wrap="none">
+                        <a:spAutoFit/>
+                      </a:bodyPr>
+                      <a:lstStyle/>
+                      <a:p>
+                        <a:pPr/>
+                        <a14:m>
+                          <m:oMathPara xmlns:m="http://schemas.openxmlformats.org/officeDocument/2006/math">
+                            <m:oMathParaPr>
+                              <m:jc m:val="centerGroup"/>
+                            </m:oMathParaPr>
+                            <m:oMath xmlns:m="http://schemas.openxmlformats.org/officeDocument/2006/math">
+                              <m:r>
+                                <a:rPr lang="en-US" b="0" i="1" smtClean="0">
+                                  <a:latin typeface="Cambria Math" panose="02040503050406030204" pitchFamily="18" charset="0"/>
+                                  <a:cs typeface="Arial" panose="020B0604020202020204" pitchFamily="34" charset="0"/>
+                                </a:rPr>
+                                <m:t>0</m:t>
+                              </m:r>
+                            </m:oMath>
+                          </m:oMathPara>
+                        </a14:m>
+                        <a:endParaRPr lang="en-CA" dirty="0"/>
+                      </a:p>
+                    </p:txBody>
+                  </p:sp>
+                </mc:Choice>
+                <mc:Fallback xmlns="">
+                  <p:sp>
+                    <p:nvSpPr>
+                      <p:cNvPr id="109" name="Rectangle 108"/>
+                      <p:cNvSpPr>
+                        <a:spLocks noRot="1" noChangeAspect="1" noMove="1" noResize="1" noEditPoints="1" noAdjustHandles="1" noChangeArrowheads="1" noChangeShapeType="1" noTextEdit="1"/>
+                      </p:cNvSpPr>
+                      <p:nvPr/>
+                    </p:nvSpPr>
+                    <p:spPr>
+                      <a:xfrm>
+                        <a:off x="1006642" y="2350591"/>
+                        <a:ext cx="367985" cy="369333"/>
+                      </a:xfrm>
+                      <a:prstGeom prst="rect">
+                        <a:avLst/>
+                      </a:prstGeom>
+                      <a:blipFill>
+                        <a:blip r:embed="rId29"/>
+                        <a:stretch>
+                          <a:fillRect l="-14286" r="-114286" b="-180000"/>
+                        </a:stretch>
+                      </a:blipFill>
+                    </p:spPr>
+                    <p:txBody>
+                      <a:bodyPr/>
+                      <a:lstStyle/>
+                      <a:p>
+                        <a:r>
+                          <a:rPr lang="en-US">
+                            <a:noFill/>
+                          </a:rPr>
+                          <a:t> </a:t>
+                        </a:r>
+                      </a:p>
+                    </p:txBody>
+                  </p:sp>
+                </mc:Fallback>
+              </mc:AlternateContent>
+            </p:grpSp>
+            <p:sp>
+              <p:nvSpPr>
+                <p:cNvPr id="118" name="Rectangle 117"/>
+                <p:cNvSpPr/>
+                <p:nvPr/>
+              </p:nvSpPr>
+              <p:spPr>
+                <a:xfrm>
+                  <a:off x="5152538" y="6121539"/>
+                  <a:ext cx="63955" cy="122787"/>
+                </a:xfrm>
+                <a:prstGeom prst="rect">
+                  <a:avLst/>
+                </a:prstGeom>
+              </p:spPr>
+              <p:txBody>
+                <a:bodyPr wrap="none">
+                  <a:spAutoFit/>
+                </a:bodyPr>
+                <a:lstStyle/>
+                <a:p>
+                  <a:endParaRPr lang="en-CA" dirty="0"/>
+                </a:p>
+              </p:txBody>
+            </p:sp>
+          </p:grpSp>
+          <p:cxnSp>
+            <p:nvCxnSpPr>
+              <p:cNvPr id="164" name="Straight Arrow Connector 163"/>
+              <p:cNvCxnSpPr/>
+              <p:nvPr/>
+            </p:nvCxnSpPr>
+            <p:spPr>
+              <a:xfrm flipH="1">
+                <a:off x="7373191" y="4983770"/>
+                <a:ext cx="423954" cy="532391"/>
+              </a:xfrm>
+              <a:prstGeom prst="straightConnector1">
+                <a:avLst/>
+              </a:prstGeom>
+              <a:ln w="38100">
+                <a:solidFill>
+                  <a:srgbClr val="FF0000"/>
+                </a:solidFill>
+                <a:tailEnd type="triangle"/>
+              </a:ln>
+            </p:spPr>
+            <p:style>
+              <a:lnRef idx="1">
+                <a:schemeClr val="accent1"/>
+              </a:lnRef>
+              <a:fillRef idx="0">
+                <a:schemeClr val="accent1"/>
+              </a:fillRef>
+              <a:effectRef idx="0">
+                <a:schemeClr val="accent1"/>
+              </a:effectRef>
+              <a:fontRef idx="minor">
+                <a:schemeClr val="tx1"/>
+              </a:fontRef>
+            </p:style>
+          </p:cxnSp>
+          <mc:AlternateContent xmlns:mc="http://schemas.openxmlformats.org/markup-compatibility/2006">
+            <mc:Choice xmlns:a14="http://schemas.microsoft.com/office/drawing/2010/main" Requires="a14">
+              <p:sp>
+                <p:nvSpPr>
+                  <p:cNvPr id="166" name="TextBox 165"/>
+                  <p:cNvSpPr txBox="1"/>
+                  <p:nvPr/>
+                </p:nvSpPr>
+                <p:spPr>
+                  <a:xfrm>
+                    <a:off x="7103728" y="5046269"/>
+                    <a:ext cx="418769" cy="345159"/>
+                  </a:xfrm>
+                  <a:prstGeom prst="rect">
+                    <a:avLst/>
+                  </a:prstGeom>
+                  <a:noFill/>
+                </p:spPr>
+                <p:txBody>
+                  <a:bodyPr wrap="none" lIns="0" tIns="0" rIns="0" bIns="0" rtlCol="0">
+                    <a:spAutoFit/>
+                  </a:bodyPr>
+                  <a:lstStyle/>
+                  <a:p>
+                    <a14:m>
+                      <m:oMathPara xmlns:m="http://schemas.openxmlformats.org/officeDocument/2006/math">
+                        <m:oMathParaPr>
+                          <m:jc m:val="centerGroup"/>
+                        </m:oMathParaPr>
+                        <m:oMath xmlns:m="http://schemas.openxmlformats.org/officeDocument/2006/math">
+                          <m:r>
+                            <a:rPr lang="en-US" sz="2000" b="0" i="1" smtClean="0">
+                              <a:solidFill>
+                                <a:srgbClr val="FF0000"/>
+                              </a:solidFill>
+                              <a:latin typeface="Cambria Math" panose="02040503050406030204" pitchFamily="18" charset="0"/>
+                              <a:cs typeface="Arial" panose="020B0604020202020204" pitchFamily="34" charset="0"/>
+                            </a:rPr>
+                            <m:t>∑</m:t>
+                          </m:r>
+                          <m:acc>
+                            <m:accPr>
+                              <m:chr m:val="⃗"/>
+                              <m:ctrlPr>
+                                <a:rPr lang="en-US" sz="2000" b="0" i="1" smtClean="0">
+                                  <a:solidFill>
+                                    <a:srgbClr val="FF0000"/>
+                                  </a:solidFill>
+                                  <a:latin typeface="Cambria Math" panose="02040503050406030204" pitchFamily="18" charset="0"/>
+                                  <a:cs typeface="Arial" panose="020B0604020202020204" pitchFamily="34" charset="0"/>
+                                </a:rPr>
+                              </m:ctrlPr>
+                            </m:accPr>
+                            <m:e>
+                              <m:r>
+                                <a:rPr lang="en-US" sz="2000" b="0" i="1" smtClean="0">
+                                  <a:solidFill>
+                                    <a:srgbClr val="FF0000"/>
+                                  </a:solidFill>
+                                  <a:latin typeface="Cambria Math" panose="02040503050406030204" pitchFamily="18" charset="0"/>
+                                  <a:cs typeface="Arial" panose="020B0604020202020204" pitchFamily="34" charset="0"/>
+                                </a:rPr>
+                                <m:t>𝐹</m:t>
+                              </m:r>
+                            </m:e>
+                          </m:acc>
+                        </m:oMath>
+                      </m:oMathPara>
+                    </a14:m>
+                    <a:endParaRPr lang="en-US" sz="2000" dirty="0" smtClean="0">
+                      <a:solidFill>
+                        <a:srgbClr val="FF0000"/>
+                      </a:solidFill>
+                      <a:latin typeface="Arial" panose="020B0604020202020204" pitchFamily="34" charset="0"/>
+                      <a:cs typeface="Arial" panose="020B0604020202020204" pitchFamily="34" charset="0"/>
+                    </a:endParaRPr>
+                  </a:p>
+                </p:txBody>
+              </p:sp>
+            </mc:Choice>
+            <mc:Fallback>
+              <p:sp>
+                <p:nvSpPr>
+                  <p:cNvPr id="166" name="TextBox 165"/>
+                  <p:cNvSpPr txBox="1">
+                    <a:spLocks noRot="1" noChangeAspect="1" noMove="1" noResize="1" noEditPoints="1" noAdjustHandles="1" noChangeArrowheads="1" noChangeShapeType="1" noTextEdit="1"/>
+                  </p:cNvSpPr>
+                  <p:nvPr/>
+                </p:nvSpPr>
+                <p:spPr>
+                  <a:xfrm>
+                    <a:off x="7103728" y="5046269"/>
+                    <a:ext cx="418769" cy="345159"/>
+                  </a:xfrm>
+                  <a:prstGeom prst="rect">
+                    <a:avLst/>
+                  </a:prstGeom>
+                  <a:blipFill>
+                    <a:blip r:embed="rId76"/>
+                    <a:stretch>
+                      <a:fillRect l="-20290" t="-35714" r="-86957" b="-33929"/>
+                    </a:stretch>
+                  </a:blipFill>
+                </p:spPr>
+                <p:txBody>
+                  <a:bodyPr/>
+                  <a:lstStyle/>
+                  <a:p>
+                    <a:r>
+                      <a:rPr lang="en-US">
+                        <a:noFill/>
+                      </a:rPr>
+                      <a:t> </a:t>
+                    </a:r>
+                  </a:p>
+                </p:txBody>
+              </p:sp>
+            </mc:Fallback>
+          </mc:AlternateContent>
+        </p:grpSp>
+        <p:sp>
+          <p:nvSpPr>
+            <p:cNvPr id="169" name="Right Arrow 168"/>
+            <p:cNvSpPr/>
+            <p:nvPr/>
+          </p:nvSpPr>
+          <p:spPr>
+            <a:xfrm rot="18397757" flipH="1">
+              <a:off x="8229128" y="4917690"/>
+              <a:ext cx="861514" cy="117443"/>
+            </a:xfrm>
+            <a:prstGeom prst="rightArrow">
+              <a:avLst/>
+            </a:prstGeom>
+            <a:solidFill>
+              <a:schemeClr val="tx1"/>
+            </a:solidFill>
+            <a:ln w="38100">
+              <a:solidFill>
+                <a:schemeClr val="tx1"/>
+              </a:solidFill>
+            </a:ln>
+          </p:spPr>
+          <p:style>
+            <a:lnRef idx="2">
+              <a:schemeClr val="accent1">
+                <a:shade val="50000"/>
+              </a:schemeClr>
+            </a:lnRef>
+            <a:fillRef idx="1">
+              <a:schemeClr val="accent1"/>
+            </a:fillRef>
+            <a:effectRef idx="0">
+              <a:schemeClr val="accent1"/>
+            </a:effectRef>
+            <a:fontRef idx="minor">
+              <a:schemeClr val="lt1"/>
+            </a:fontRef>
+          </p:style>
+          <p:txBody>
+            <a:bodyPr rtlCol="0" anchor="ctr"/>
+            <a:lstStyle/>
+            <a:p>
+              <a:pPr algn="ctr"/>
+              <a:endParaRPr lang="en-US"/>
+            </a:p>
+          </p:txBody>
+        </p:sp>
+        <mc:AlternateContent xmlns:mc="http://schemas.openxmlformats.org/markup-compatibility/2006">
+          <mc:Choice xmlns:a14="http://schemas.microsoft.com/office/drawing/2010/main" Requires="a14">
+            <p:sp>
+              <p:nvSpPr>
+                <p:cNvPr id="170" name="TextBox 169"/>
+                <p:cNvSpPr txBox="1"/>
+                <p:nvPr/>
+              </p:nvSpPr>
+              <p:spPr>
+                <a:xfrm>
+                  <a:off x="8387774" y="4488452"/>
+                  <a:ext cx="332848" cy="307777"/>
+                </a:xfrm>
+                <a:prstGeom prst="rect">
+                  <a:avLst/>
+                </a:prstGeom>
+                <a:noFill/>
+              </p:spPr>
+              <p:txBody>
+                <a:bodyPr wrap="none" lIns="0" tIns="0" rIns="0" bIns="0" rtlCol="0">
+                  <a:spAutoFit/>
+                </a:bodyPr>
+                <a:lstStyle/>
+                <a:p>
+                  <a14:m>
+                    <m:oMathPara xmlns:m="http://schemas.openxmlformats.org/officeDocument/2006/math">
+                      <m:oMathParaPr>
+                        <m:jc m:val="centerGroup"/>
+                      </m:oMathParaPr>
+                      <m:oMath xmlns:m="http://schemas.openxmlformats.org/officeDocument/2006/math">
+                        <m:sSub>
+                          <m:sSubPr>
+                            <m:ctrlPr>
+                              <a:rPr lang="en-US" sz="2000" b="0" i="1" smtClean="0">
+                                <a:latin typeface="Cambria Math" panose="02040503050406030204" pitchFamily="18" charset="0"/>
+                                <a:cs typeface="Arial" panose="020B0604020202020204" pitchFamily="34" charset="0"/>
+                              </a:rPr>
+                            </m:ctrlPr>
+                          </m:sSubPr>
+                          <m:e>
+                            <m:acc>
+                              <m:accPr>
+                                <m:chr m:val="⃗"/>
+                                <m:ctrlPr>
+                                  <a:rPr lang="en-US" sz="2000" b="0" i="1" smtClean="0">
+                                    <a:latin typeface="Cambria Math" panose="02040503050406030204" pitchFamily="18" charset="0"/>
+                                    <a:cs typeface="Arial" panose="020B0604020202020204" pitchFamily="34" charset="0"/>
+                                  </a:rPr>
+                                </m:ctrlPr>
+                              </m:accPr>
+                              <m:e>
+                                <m:r>
+                                  <a:rPr lang="en-US" sz="2000" b="0" i="1" smtClean="0">
+                                    <a:latin typeface="Cambria Math" panose="02040503050406030204" pitchFamily="18" charset="0"/>
+                                    <a:cs typeface="Arial" panose="020B0604020202020204" pitchFamily="34" charset="0"/>
+                                  </a:rPr>
+                                  <m:t>𝑎</m:t>
+                                </m:r>
+                              </m:e>
+                            </m:acc>
+                          </m:e>
+                          <m:sub>
+                            <m:r>
+                              <a:rPr lang="en-US" sz="2000" b="0" i="1" smtClean="0">
+                                <a:latin typeface="Cambria Math" panose="02040503050406030204" pitchFamily="18" charset="0"/>
+                                <a:cs typeface="Arial" panose="020B0604020202020204" pitchFamily="34" charset="0"/>
+                              </a:rPr>
+                              <m:t>2</m:t>
+                            </m:r>
+                          </m:sub>
+                        </m:sSub>
+                      </m:oMath>
+                    </m:oMathPara>
+                  </a14:m>
+                  <a:endParaRPr lang="en-US" sz="2000" dirty="0" smtClean="0">
+                    <a:latin typeface="Arial" panose="020B0604020202020204" pitchFamily="34" charset="0"/>
+                    <a:cs typeface="Arial" panose="020B0604020202020204" pitchFamily="34" charset="0"/>
+                  </a:endParaRPr>
+                </a:p>
+              </p:txBody>
+            </p:sp>
+          </mc:Choice>
+          <mc:Fallback>
+            <p:sp>
+              <p:nvSpPr>
+                <p:cNvPr id="170" name="TextBox 169"/>
+                <p:cNvSpPr txBox="1">
+                  <a:spLocks noRot="1" noChangeAspect="1" noMove="1" noResize="1" noEditPoints="1" noAdjustHandles="1" noChangeArrowheads="1" noChangeShapeType="1" noTextEdit="1"/>
+                </p:cNvSpPr>
+                <p:nvPr/>
+              </p:nvSpPr>
+              <p:spPr>
+                <a:xfrm>
+                  <a:off x="8387774" y="4488452"/>
+                  <a:ext cx="332848" cy="307777"/>
+                </a:xfrm>
+                <a:prstGeom prst="rect">
+                  <a:avLst/>
+                </a:prstGeom>
+                <a:blipFill>
+                  <a:blip r:embed="rId77"/>
+                  <a:stretch>
+                    <a:fillRect l="-14545" t="-33333" r="-58182" b="-19608"/>
+                  </a:stretch>
+                </a:blipFill>
+              </p:spPr>
+              <p:txBody>
+                <a:bodyPr/>
+                <a:lstStyle/>
+                <a:p>
+                  <a:r>
+                    <a:rPr lang="en-US">
+                      <a:noFill/>
+                    </a:rPr>
+                    <a:t> </a:t>
+                  </a:r>
+                </a:p>
+              </p:txBody>
+            </p:sp>
+          </mc:Fallback>
+        </mc:AlternateContent>
+        <p:cxnSp>
+          <p:nvCxnSpPr>
+            <p:cNvPr id="171" name="Straight Connector 170"/>
+            <p:cNvCxnSpPr/>
+            <p:nvPr/>
+          </p:nvCxnSpPr>
+          <p:spPr>
+            <a:xfrm flipH="1">
+              <a:off x="8926222" y="4621376"/>
+              <a:ext cx="1" cy="686407"/>
+            </a:xfrm>
+            <a:prstGeom prst="line">
+              <a:avLst/>
+            </a:prstGeom>
+            <a:ln w="19050">
+              <a:solidFill>
+                <a:schemeClr val="tx1"/>
+              </a:solidFill>
+              <a:prstDash val="sysDot"/>
+            </a:ln>
+          </p:spPr>
+          <p:style>
+            <a:lnRef idx="1">
+              <a:schemeClr val="accent1"/>
+            </a:lnRef>
+            <a:fillRef idx="0">
+              <a:schemeClr val="accent1"/>
+            </a:fillRef>
+            <a:effectRef idx="0">
+              <a:schemeClr val="accent1"/>
+            </a:effectRef>
+            <a:fontRef idx="minor">
+              <a:schemeClr val="tx1"/>
+            </a:fontRef>
+          </p:style>
+        </p:cxnSp>
+        <p:cxnSp>
+          <p:nvCxnSpPr>
+            <p:cNvPr id="173" name="Straight Connector 172"/>
+            <p:cNvCxnSpPr/>
+            <p:nvPr/>
+          </p:nvCxnSpPr>
+          <p:spPr>
+            <a:xfrm>
+              <a:off x="8387774" y="5333471"/>
+              <a:ext cx="538448" cy="0"/>
+            </a:xfrm>
+            <a:prstGeom prst="line">
+              <a:avLst/>
+            </a:prstGeom>
+            <a:ln w="19050">
+              <a:solidFill>
+                <a:schemeClr val="tx1"/>
+              </a:solidFill>
+              <a:prstDash val="sysDot"/>
+            </a:ln>
+          </p:spPr>
+          <p:style>
+            <a:lnRef idx="1">
+              <a:schemeClr val="accent1"/>
+            </a:lnRef>
+            <a:fillRef idx="0">
+              <a:schemeClr val="accent1"/>
+            </a:fillRef>
+            <a:effectRef idx="0">
+              <a:schemeClr val="accent1"/>
+            </a:effectRef>
+            <a:fontRef idx="minor">
+              <a:schemeClr val="tx1"/>
+            </a:fontRef>
+          </p:style>
+        </p:cxnSp>
+        <mc:AlternateContent xmlns:mc="http://schemas.openxmlformats.org/markup-compatibility/2006">
+          <mc:Choice xmlns:a14="http://schemas.microsoft.com/office/drawing/2010/main" Requires="a14">
+            <p:sp>
+              <p:nvSpPr>
+                <p:cNvPr id="175" name="TextBox 174"/>
+                <p:cNvSpPr txBox="1"/>
+                <p:nvPr/>
+              </p:nvSpPr>
+              <p:spPr>
+                <a:xfrm>
+                  <a:off x="9038597" y="4809950"/>
+                  <a:ext cx="354071" cy="307777"/>
+                </a:xfrm>
+                <a:prstGeom prst="rect">
+                  <a:avLst/>
+                </a:prstGeom>
+                <a:noFill/>
+              </p:spPr>
+              <p:txBody>
+                <a:bodyPr wrap="none" lIns="0" tIns="0" rIns="0" bIns="0" rtlCol="0">
+                  <a:spAutoFit/>
+                </a:bodyPr>
+                <a:lstStyle/>
+                <a:p>
+                  <a14:m>
+                    <m:oMathPara xmlns:m="http://schemas.openxmlformats.org/officeDocument/2006/math">
+                      <m:oMathParaPr>
+                        <m:jc m:val="centerGroup"/>
+                      </m:oMathParaPr>
+                      <m:oMath xmlns:m="http://schemas.openxmlformats.org/officeDocument/2006/math">
+                        <m:sSub>
+                          <m:sSubPr>
+                            <m:ctrlPr>
+                              <a:rPr lang="en-US" sz="2000" b="0" i="1" smtClean="0">
+                                <a:latin typeface="Cambria Math" panose="02040503050406030204" pitchFamily="18" charset="0"/>
+                                <a:cs typeface="Arial" panose="020B0604020202020204" pitchFamily="34" charset="0"/>
+                              </a:rPr>
+                            </m:ctrlPr>
+                          </m:sSubPr>
+                          <m:e>
+                            <m:r>
+                              <a:rPr lang="en-US" sz="2000" b="0" i="1" smtClean="0">
+                                <a:latin typeface="Cambria Math" panose="02040503050406030204" pitchFamily="18" charset="0"/>
+                                <a:cs typeface="Arial" panose="020B0604020202020204" pitchFamily="34" charset="0"/>
+                              </a:rPr>
+                              <m:t>𝑎</m:t>
+                            </m:r>
+                          </m:e>
+                          <m:sub>
+                            <m:r>
+                              <a:rPr lang="en-US" sz="2000" b="0" i="1" smtClean="0">
+                                <a:latin typeface="Cambria Math" panose="02040503050406030204" pitchFamily="18" charset="0"/>
+                                <a:cs typeface="Arial" panose="020B0604020202020204" pitchFamily="34" charset="0"/>
+                              </a:rPr>
+                              <m:t>𝑇</m:t>
+                            </m:r>
+                          </m:sub>
+                        </m:sSub>
+                      </m:oMath>
+                    </m:oMathPara>
+                  </a14:m>
+                  <a:endParaRPr lang="en-US" sz="2000" dirty="0" smtClean="0">
+                    <a:latin typeface="Arial" panose="020B0604020202020204" pitchFamily="34" charset="0"/>
+                    <a:cs typeface="Arial" panose="020B0604020202020204" pitchFamily="34" charset="0"/>
+                  </a:endParaRPr>
+                </a:p>
+              </p:txBody>
+            </p:sp>
+          </mc:Choice>
+          <mc:Fallback>
+            <p:sp>
+              <p:nvSpPr>
+                <p:cNvPr id="175" name="TextBox 174"/>
+                <p:cNvSpPr txBox="1">
+                  <a:spLocks noRot="1" noChangeAspect="1" noMove="1" noResize="1" noEditPoints="1" noAdjustHandles="1" noChangeArrowheads="1" noChangeShapeType="1" noTextEdit="1"/>
+                </p:cNvSpPr>
+                <p:nvPr/>
+              </p:nvSpPr>
+              <p:spPr>
+                <a:xfrm>
+                  <a:off x="9038597" y="4809950"/>
+                  <a:ext cx="354071" cy="307777"/>
+                </a:xfrm>
+                <a:prstGeom prst="rect">
+                  <a:avLst/>
+                </a:prstGeom>
+                <a:blipFill>
+                  <a:blip r:embed="rId78"/>
+                  <a:stretch>
+                    <a:fillRect l="-8621" r="-1724" b="-19608"/>
+                  </a:stretch>
+                </a:blipFill>
+              </p:spPr>
+              <p:txBody>
+                <a:bodyPr/>
+                <a:lstStyle/>
+                <a:p>
+                  <a:r>
+                    <a:rPr lang="en-US">
+                      <a:noFill/>
+                    </a:rPr>
+                    <a:t> </a:t>
+                  </a:r>
+                </a:p>
+              </p:txBody>
+            </p:sp>
+          </mc:Fallback>
+        </mc:AlternateContent>
+        <mc:AlternateContent xmlns:mc="http://schemas.openxmlformats.org/markup-compatibility/2006">
+          <mc:Choice xmlns:a14="http://schemas.microsoft.com/office/drawing/2010/main" Requires="a14">
+            <p:sp>
+              <p:nvSpPr>
+                <p:cNvPr id="176" name="TextBox 175"/>
+                <p:cNvSpPr txBox="1"/>
+                <p:nvPr/>
+              </p:nvSpPr>
+              <p:spPr>
+                <a:xfrm>
+                  <a:off x="8503252" y="5267685"/>
+                  <a:ext cx="354071" cy="307777"/>
+                </a:xfrm>
+                <a:prstGeom prst="rect">
+                  <a:avLst/>
+                </a:prstGeom>
+                <a:noFill/>
+              </p:spPr>
+              <p:txBody>
+                <a:bodyPr wrap="none" lIns="0" tIns="0" rIns="0" bIns="0" rtlCol="0">
+                  <a:spAutoFit/>
+                </a:bodyPr>
+                <a:lstStyle/>
+                <a:p>
+                  <a14:m>
+                    <m:oMathPara xmlns:m="http://schemas.openxmlformats.org/officeDocument/2006/math">
+                      <m:oMathParaPr>
+                        <m:jc m:val="centerGroup"/>
+                      </m:oMathParaPr>
+                      <m:oMath xmlns:m="http://schemas.openxmlformats.org/officeDocument/2006/math">
+                        <m:sSub>
+                          <m:sSubPr>
+                            <m:ctrlPr>
+                              <a:rPr lang="en-US" sz="2000" b="0" i="1" smtClean="0">
+                                <a:latin typeface="Cambria Math" panose="02040503050406030204" pitchFamily="18" charset="0"/>
+                                <a:cs typeface="Arial" panose="020B0604020202020204" pitchFamily="34" charset="0"/>
+                              </a:rPr>
+                            </m:ctrlPr>
+                          </m:sSubPr>
+                          <m:e>
+                            <m:r>
+                              <a:rPr lang="en-US" sz="2000" b="0" i="1" smtClean="0">
+                                <a:latin typeface="Cambria Math" panose="02040503050406030204" pitchFamily="18" charset="0"/>
+                                <a:cs typeface="Arial" panose="020B0604020202020204" pitchFamily="34" charset="0"/>
+                              </a:rPr>
+                              <m:t>𝑎</m:t>
+                            </m:r>
+                          </m:e>
+                          <m:sub>
+                            <m:r>
+                              <a:rPr lang="en-US" sz="2000" b="0" i="1" smtClean="0">
+                                <a:latin typeface="Cambria Math" panose="02040503050406030204" pitchFamily="18" charset="0"/>
+                                <a:cs typeface="Arial" panose="020B0604020202020204" pitchFamily="34" charset="0"/>
+                              </a:rPr>
+                              <m:t>𝑅</m:t>
+                            </m:r>
+                          </m:sub>
+                        </m:sSub>
+                      </m:oMath>
+                    </m:oMathPara>
+                  </a14:m>
+                  <a:endParaRPr lang="en-US" sz="2000" dirty="0" smtClean="0">
+                    <a:latin typeface="Arial" panose="020B0604020202020204" pitchFamily="34" charset="0"/>
+                    <a:cs typeface="Arial" panose="020B0604020202020204" pitchFamily="34" charset="0"/>
+                  </a:endParaRPr>
+                </a:p>
+              </p:txBody>
+            </p:sp>
+          </mc:Choice>
+          <mc:Fallback>
+            <p:sp>
+              <p:nvSpPr>
+                <p:cNvPr id="176" name="TextBox 175"/>
+                <p:cNvSpPr txBox="1">
+                  <a:spLocks noRot="1" noChangeAspect="1" noMove="1" noResize="1" noEditPoints="1" noAdjustHandles="1" noChangeArrowheads="1" noChangeShapeType="1" noTextEdit="1"/>
+                </p:cNvSpPr>
+                <p:nvPr/>
+              </p:nvSpPr>
+              <p:spPr>
+                <a:xfrm>
+                  <a:off x="8503252" y="5267685"/>
+                  <a:ext cx="354071" cy="307777"/>
+                </a:xfrm>
+                <a:prstGeom prst="rect">
+                  <a:avLst/>
+                </a:prstGeom>
+                <a:blipFill>
+                  <a:blip r:embed="rId79"/>
+                  <a:stretch>
+                    <a:fillRect l="-8621" r="-1724" b="-19608"/>
+                  </a:stretch>
+                </a:blipFill>
+              </p:spPr>
+              <p:txBody>
+                <a:bodyPr/>
+                <a:lstStyle/>
+                <a:p>
+                  <a:r>
+                    <a:rPr lang="en-US">
+                      <a:noFill/>
+                    </a:rPr>
+                    <a:t> </a:t>
+                  </a:r>
+                </a:p>
+              </p:txBody>
+            </p:sp>
+          </mc:Fallback>
+        </mc:AlternateContent>
+      </p:grpSp>
+    </p:spTree>
+    <p:extLst>
+      <p:ext uri="{BB962C8B-B14F-4D97-AF65-F5344CB8AC3E}">
+        <p14:creationId xmlns:p14="http://schemas.microsoft.com/office/powerpoint/2010/main" val="2889034374"/>
+      </p:ext>
+    </p:extLst>
+  </p:cSld>
+  <p:clrMapOvr>
+    <a:masterClrMapping/>
+  </p:clrMapOvr>
+</p:sld>
+</file>
+
+<file path=ppt/slides/slide7.xml><?xml version="1.0" encoding="utf-8"?>
+<p:sld xmlns:a="http://schemas.openxmlformats.org/drawingml/2006/main" xmlns:r="http://schemas.openxmlformats.org/officeDocument/2006/relationships" xmlns:p="http://schemas.openxmlformats.org/presentationml/2006/main">
+  <p:cSld>
+    <p:spTree>
+      <p:nvGrpSpPr>
+        <p:cNvPr id="1" name=""/>
+        <p:cNvGrpSpPr/>
+        <p:nvPr/>
+      </p:nvGrpSpPr>
+      <p:grpSpPr>
+        <a:xfrm>
+          <a:off x="0" y="0"/>
+          <a:ext cx="0" cy="0"/>
+          <a:chOff x="0" y="0"/>
+          <a:chExt cx="0" cy="0"/>
+        </a:xfrm>
+      </p:grpSpPr>
+      <p:grpSp>
+        <p:nvGrpSpPr>
+          <p:cNvPr id="23" name="Group 22"/>
+          <p:cNvGrpSpPr/>
+          <p:nvPr/>
+        </p:nvGrpSpPr>
+        <p:grpSpPr>
+          <a:xfrm>
+            <a:off x="6495499" y="497201"/>
+            <a:ext cx="2170483" cy="3277135"/>
+            <a:chOff x="8507789" y="1581444"/>
+            <a:chExt cx="2170483" cy="3277135"/>
+          </a:xfrm>
+        </p:grpSpPr>
+        <p:grpSp>
+          <p:nvGrpSpPr>
+            <p:cNvPr id="24" name="Group 23"/>
+            <p:cNvGrpSpPr/>
+            <p:nvPr/>
+          </p:nvGrpSpPr>
+          <p:grpSpPr>
+            <a:xfrm>
+              <a:off x="8507789" y="1581444"/>
+              <a:ext cx="1897613" cy="3057192"/>
+              <a:chOff x="8558589" y="1940914"/>
+              <a:chExt cx="1897613" cy="3057192"/>
+            </a:xfrm>
+          </p:grpSpPr>
+          <p:sp>
+            <p:nvSpPr>
+              <p:cNvPr id="26" name="Oval 25"/>
+              <p:cNvSpPr/>
+              <p:nvPr/>
+            </p:nvSpPr>
+            <p:spPr>
+              <a:xfrm>
+                <a:off x="9986883" y="3321986"/>
+                <a:ext cx="120943" cy="119766"/>
+              </a:xfrm>
+              <a:prstGeom prst="ellipse">
+                <a:avLst/>
+              </a:prstGeom>
+              <a:solidFill>
+                <a:schemeClr val="tx1"/>
+              </a:solidFill>
+              <a:ln w="38100">
+                <a:solidFill>
+                  <a:schemeClr val="tx1"/>
+                </a:solidFill>
+              </a:ln>
+            </p:spPr>
+            <p:style>
+              <a:lnRef idx="2">
+                <a:schemeClr val="accent1">
+                  <a:shade val="50000"/>
+                </a:schemeClr>
+              </a:lnRef>
+              <a:fillRef idx="1">
+                <a:schemeClr val="accent1"/>
+              </a:fillRef>
+              <a:effectRef idx="0">
+                <a:schemeClr val="accent1"/>
+              </a:effectRef>
+              <a:fontRef idx="minor">
+                <a:schemeClr val="lt1"/>
+              </a:fontRef>
+            </p:style>
+            <p:txBody>
+              <a:bodyPr rtlCol="0" anchor="ctr"/>
+              <a:lstStyle/>
+              <a:p>
+                <a:pPr algn="ctr"/>
+                <a:endParaRPr lang="en-US"/>
+              </a:p>
+            </p:txBody>
+          </p:sp>
+          <p:cxnSp>
+            <p:nvCxnSpPr>
+              <p:cNvPr id="27" name="Straight Arrow Connector 26"/>
+              <p:cNvCxnSpPr/>
+              <p:nvPr/>
+            </p:nvCxnSpPr>
+            <p:spPr>
+              <a:xfrm flipH="1">
+                <a:off x="9412116" y="3371687"/>
+                <a:ext cx="575410" cy="5625"/>
+              </a:xfrm>
+              <a:prstGeom prst="straightConnector1">
+                <a:avLst/>
+              </a:prstGeom>
+              <a:ln w="38100">
+                <a:solidFill>
+                  <a:schemeClr val="tx1"/>
+                </a:solidFill>
+                <a:tailEnd type="triangle"/>
+              </a:ln>
+            </p:spPr>
+            <p:style>
+              <a:lnRef idx="1">
+                <a:schemeClr val="accent1"/>
+              </a:lnRef>
+              <a:fillRef idx="0">
+                <a:schemeClr val="accent1"/>
+              </a:fillRef>
+              <a:effectRef idx="0">
+                <a:schemeClr val="accent1"/>
+              </a:effectRef>
+              <a:fontRef idx="minor">
+                <a:schemeClr val="tx1"/>
+              </a:fontRef>
+            </p:style>
+          </p:cxnSp>
+          <p:cxnSp>
+            <p:nvCxnSpPr>
+              <p:cNvPr id="28" name="Straight Arrow Connector 27"/>
+              <p:cNvCxnSpPr/>
+              <p:nvPr/>
+            </p:nvCxnSpPr>
+            <p:spPr>
+              <a:xfrm flipH="1">
+                <a:off x="10040393" y="3435406"/>
+                <a:ext cx="7135" cy="796601"/>
+              </a:xfrm>
+              <a:prstGeom prst="straightConnector1">
+                <a:avLst/>
+              </a:prstGeom>
+              <a:ln w="38100">
+                <a:solidFill>
+                  <a:schemeClr val="tx1"/>
+                </a:solidFill>
+                <a:tailEnd type="triangle"/>
+              </a:ln>
+            </p:spPr>
+            <p:style>
+              <a:lnRef idx="1">
+                <a:schemeClr val="accent1"/>
+              </a:lnRef>
+              <a:fillRef idx="0">
+                <a:schemeClr val="accent1"/>
+              </a:fillRef>
+              <a:effectRef idx="0">
+                <a:schemeClr val="accent1"/>
+              </a:effectRef>
+              <a:fontRef idx="minor">
+                <a:schemeClr val="tx1"/>
+              </a:fontRef>
+            </p:style>
+          </p:cxnSp>
+          <p:cxnSp>
+            <p:nvCxnSpPr>
+              <p:cNvPr id="29" name="Straight Arrow Connector 28"/>
+              <p:cNvCxnSpPr/>
+              <p:nvPr/>
+            </p:nvCxnSpPr>
+            <p:spPr>
+              <a:xfrm flipH="1" flipV="1">
+                <a:off x="10046515" y="2545106"/>
+                <a:ext cx="3748" cy="769741"/>
+              </a:xfrm>
+              <a:prstGeom prst="straightConnector1">
+                <a:avLst/>
+              </a:prstGeom>
+              <a:ln w="38100">
+                <a:solidFill>
+                  <a:schemeClr val="tx1"/>
+                </a:solidFill>
+                <a:tailEnd type="triangle"/>
+              </a:ln>
+            </p:spPr>
+            <p:style>
+              <a:lnRef idx="1">
+                <a:schemeClr val="accent1"/>
+              </a:lnRef>
+              <a:fillRef idx="0">
+                <a:schemeClr val="accent1"/>
+              </a:fillRef>
+              <a:effectRef idx="0">
+                <a:schemeClr val="accent1"/>
+              </a:effectRef>
+              <a:fontRef idx="minor">
+                <a:schemeClr val="tx1"/>
+              </a:fontRef>
+            </p:style>
+          </p:cxnSp>
+          <mc:AlternateContent xmlns:mc="http://schemas.openxmlformats.org/markup-compatibility/2006">
+            <mc:Choice xmlns:a14="http://schemas.microsoft.com/office/drawing/2010/main" Requires="a14">
+              <p:sp>
+                <p:nvSpPr>
+                  <p:cNvPr id="30" name="TextBox 29"/>
+                  <p:cNvSpPr txBox="1"/>
+                  <p:nvPr/>
+                </p:nvSpPr>
+                <p:spPr>
+                  <a:xfrm>
+                    <a:off x="9412116" y="2828865"/>
+                    <a:ext cx="267381" cy="354071"/>
+                  </a:xfrm>
+                  <a:prstGeom prst="rect">
+                    <a:avLst/>
+                  </a:prstGeom>
+                  <a:noFill/>
+                </p:spPr>
+                <p:txBody>
+                  <a:bodyPr wrap="none" lIns="0" tIns="0" rIns="0" bIns="0" rtlCol="0">
+                    <a:spAutoFit/>
+                  </a:bodyPr>
+                  <a:lstStyle/>
+                  <a:p>
+                    <a:pPr/>
+                    <a14:m>
+                      <m:oMathPara xmlns:m="http://schemas.openxmlformats.org/officeDocument/2006/math">
+                        <m:oMathParaPr>
+                          <m:jc m:val="centerGroup"/>
+                        </m:oMathParaPr>
+                        <m:oMath xmlns:m="http://schemas.openxmlformats.org/officeDocument/2006/math">
+                          <m:sSub>
+                            <m:sSubPr>
+                              <m:ctrlPr>
+                                <a:rPr lang="en-US" sz="2000" b="0" i="1" smtClean="0">
+                                  <a:latin typeface="Cambria Math" panose="02040503050406030204" pitchFamily="18" charset="0"/>
+                                  <a:cs typeface="Arial" panose="020B0604020202020204" pitchFamily="34" charset="0"/>
+                                </a:rPr>
+                              </m:ctrlPr>
+                            </m:sSubPr>
+                            <m:e>
+                              <m:acc>
+                                <m:accPr>
+                                  <m:chr m:val="⃗"/>
+                                  <m:ctrlPr>
+                                    <a:rPr lang="en-US" sz="2000" b="0" i="1" smtClean="0">
+                                      <a:latin typeface="Cambria Math" panose="02040503050406030204" pitchFamily="18" charset="0"/>
+                                      <a:cs typeface="Arial" panose="020B0604020202020204" pitchFamily="34" charset="0"/>
+                                    </a:rPr>
+                                  </m:ctrlPr>
+                                </m:accPr>
+                                <m:e>
+                                  <m:r>
+                                    <a:rPr lang="en-US" sz="2000" b="0" i="1" smtClean="0">
+                                      <a:latin typeface="Cambria Math" panose="02040503050406030204" pitchFamily="18" charset="0"/>
+                                      <a:cs typeface="Arial" panose="020B0604020202020204" pitchFamily="34" charset="0"/>
+                                    </a:rPr>
+                                    <m:t>𝑓</m:t>
+                                  </m:r>
+                                </m:e>
+                              </m:acc>
+                            </m:e>
+                            <m:sub>
+                              <m:r>
+                                <a:rPr lang="en-US" sz="2000" b="0" i="1" smtClean="0">
+                                  <a:latin typeface="Cambria Math" panose="02040503050406030204" pitchFamily="18" charset="0"/>
+                                  <a:cs typeface="Arial" panose="020B0604020202020204" pitchFamily="34" charset="0"/>
+                                </a:rPr>
+                                <m:t>𝑠</m:t>
+                              </m:r>
+                            </m:sub>
+                          </m:sSub>
+                        </m:oMath>
+                      </m:oMathPara>
+                    </a14:m>
+                    <a:endParaRPr lang="en-US" sz="2000" dirty="0">
+                      <a:latin typeface="Arial" panose="020B0604020202020204" pitchFamily="34" charset="0"/>
+                      <a:cs typeface="Arial" panose="020B0604020202020204" pitchFamily="34" charset="0"/>
+                    </a:endParaRPr>
+                  </a:p>
+                </p:txBody>
+              </p:sp>
+            </mc:Choice>
+            <mc:Fallback>
+              <p:sp>
+                <p:nvSpPr>
+                  <p:cNvPr id="30" name="TextBox 29"/>
+                  <p:cNvSpPr txBox="1">
+                    <a:spLocks noRot="1" noChangeAspect="1" noMove="1" noResize="1" noEditPoints="1" noAdjustHandles="1" noChangeArrowheads="1" noChangeShapeType="1" noTextEdit="1"/>
+                  </p:cNvSpPr>
+                  <p:nvPr/>
+                </p:nvSpPr>
+                <p:spPr>
+                  <a:xfrm>
+                    <a:off x="9412116" y="2828865"/>
+                    <a:ext cx="267381" cy="354071"/>
+                  </a:xfrm>
+                  <a:prstGeom prst="rect">
+                    <a:avLst/>
+                  </a:prstGeom>
+                  <a:blipFill>
+                    <a:blip r:embed="rId2"/>
+                    <a:stretch>
+                      <a:fillRect l="-32558" t="-32759" r="-86047" b="-32759"/>
+                    </a:stretch>
+                  </a:blipFill>
+                </p:spPr>
+                <p:txBody>
+                  <a:bodyPr/>
+                  <a:lstStyle/>
+                  <a:p>
+                    <a:r>
+                      <a:rPr lang="en-US">
+                        <a:noFill/>
+                      </a:rPr>
+                      <a:t> </a:t>
+                    </a:r>
+                  </a:p>
+                </p:txBody>
+              </p:sp>
+            </mc:Fallback>
+          </mc:AlternateContent>
+          <mc:AlternateContent xmlns:mc="http://schemas.openxmlformats.org/markup-compatibility/2006" xmlns:a14="http://schemas.microsoft.com/office/drawing/2010/main">
+            <mc:Choice Requires="a14">
+              <p:sp>
+                <p:nvSpPr>
+                  <p:cNvPr id="31" name="TextBox 30"/>
+                  <p:cNvSpPr txBox="1"/>
+                  <p:nvPr/>
+                </p:nvSpPr>
+                <p:spPr>
+                  <a:xfrm>
+                    <a:off x="10191835" y="2656285"/>
+                    <a:ext cx="264367" cy="345159"/>
+                  </a:xfrm>
+                  <a:prstGeom prst="rect">
+                    <a:avLst/>
+                  </a:prstGeom>
+                  <a:noFill/>
+                </p:spPr>
+                <p:txBody>
+                  <a:bodyPr wrap="none" lIns="0" tIns="0" rIns="0" bIns="0" rtlCol="0">
+                    <a:spAutoFit/>
+                  </a:bodyPr>
+                  <a:lstStyle/>
+                  <a:p>
+                    <a:pPr/>
+                    <a14:m>
+                      <m:oMathPara xmlns:m="http://schemas.openxmlformats.org/officeDocument/2006/math">
+                        <m:oMathParaPr>
+                          <m:jc m:val="centerGroup"/>
+                        </m:oMathParaPr>
+                        <m:oMath xmlns:m="http://schemas.openxmlformats.org/officeDocument/2006/math">
+                          <m:acc>
+                            <m:accPr>
+                              <m:chr m:val="⃗"/>
+                              <m:ctrlPr>
+                                <a:rPr lang="en-US" sz="2000" b="0" i="1" smtClean="0">
+                                  <a:latin typeface="Cambria Math" panose="02040503050406030204" pitchFamily="18" charset="0"/>
+                                  <a:cs typeface="Arial" panose="020B0604020202020204" pitchFamily="34" charset="0"/>
+                                </a:rPr>
+                              </m:ctrlPr>
+                            </m:accPr>
+                            <m:e>
+                              <m:r>
+                                <a:rPr lang="en-US" sz="2000" b="0" i="1" smtClean="0">
+                                  <a:latin typeface="Cambria Math" panose="02040503050406030204" pitchFamily="18" charset="0"/>
+                                  <a:cs typeface="Arial" panose="020B0604020202020204" pitchFamily="34" charset="0"/>
+                                </a:rPr>
+                                <m:t>𝑁</m:t>
+                              </m:r>
+                            </m:e>
+                          </m:acc>
+                        </m:oMath>
+                      </m:oMathPara>
+                    </a14:m>
+                    <a:endParaRPr lang="en-US" sz="2000" dirty="0">
+                      <a:latin typeface="Arial" panose="020B0604020202020204" pitchFamily="34" charset="0"/>
+                      <a:cs typeface="Arial" panose="020B0604020202020204" pitchFamily="34" charset="0"/>
+                    </a:endParaRPr>
+                  </a:p>
+                </p:txBody>
+              </p:sp>
+            </mc:Choice>
+            <mc:Fallback xmlns="">
+              <p:sp>
+                <p:nvSpPr>
+                  <p:cNvPr id="18" name="TextBox 17"/>
+                  <p:cNvSpPr txBox="1">
+                    <a:spLocks noRot="1" noChangeAspect="1" noMove="1" noResize="1" noEditPoints="1" noAdjustHandles="1" noChangeArrowheads="1" noChangeShapeType="1" noTextEdit="1"/>
+                  </p:cNvSpPr>
+                  <p:nvPr/>
+                </p:nvSpPr>
+                <p:spPr>
+                  <a:xfrm>
+                    <a:off x="10191835" y="2656285"/>
+                    <a:ext cx="264367" cy="345159"/>
+                  </a:xfrm>
+                  <a:prstGeom prst="rect">
+                    <a:avLst/>
+                  </a:prstGeom>
+                  <a:blipFill>
+                    <a:blip r:embed="rId3"/>
+                    <a:stretch>
+                      <a:fillRect l="-20930" r="-18605" b="-8772"/>
+                    </a:stretch>
+                  </a:blipFill>
+                </p:spPr>
+                <p:txBody>
+                  <a:bodyPr/>
+                  <a:lstStyle/>
+                  <a:p>
+                    <a:r>
+                      <a:rPr lang="en-US">
+                        <a:noFill/>
+                      </a:rPr>
+                      <a:t> </a:t>
+                    </a:r>
+                  </a:p>
+                </p:txBody>
+              </p:sp>
+            </mc:Fallback>
+          </mc:AlternateContent>
+          <mc:AlternateContent xmlns:mc="http://schemas.openxmlformats.org/markup-compatibility/2006" xmlns:a14="http://schemas.microsoft.com/office/drawing/2010/main">
+            <mc:Choice Requires="a14">
+              <p:sp>
+                <p:nvSpPr>
+                  <p:cNvPr id="32" name="TextBox 31"/>
+                  <p:cNvSpPr txBox="1"/>
+                  <p:nvPr/>
+                </p:nvSpPr>
+                <p:spPr>
+                  <a:xfrm>
+                    <a:off x="9619569" y="3883778"/>
+                    <a:ext cx="303866" cy="377219"/>
+                  </a:xfrm>
+                  <a:prstGeom prst="rect">
+                    <a:avLst/>
+                  </a:prstGeom>
+                  <a:noFill/>
+                </p:spPr>
+                <p:txBody>
+                  <a:bodyPr wrap="none" lIns="0" tIns="0" rIns="0" bIns="0" rtlCol="0">
+                    <a:spAutoFit/>
+                  </a:bodyPr>
+                  <a:lstStyle/>
+                  <a:p>
+                    <a:pPr/>
+                    <a14:m>
+                      <m:oMathPara xmlns:m="http://schemas.openxmlformats.org/officeDocument/2006/math">
+                        <m:oMathParaPr>
+                          <m:jc m:val="centerGroup"/>
+                        </m:oMathParaPr>
+                        <m:oMath xmlns:m="http://schemas.openxmlformats.org/officeDocument/2006/math">
+                          <m:sSub>
+                            <m:sSubPr>
+                              <m:ctrlPr>
+                                <a:rPr lang="en-US" sz="2000" b="0" i="1" smtClean="0">
+                                  <a:latin typeface="Cambria Math" panose="02040503050406030204" pitchFamily="18" charset="0"/>
+                                  <a:cs typeface="Arial" panose="020B0604020202020204" pitchFamily="34" charset="0"/>
+                                </a:rPr>
+                              </m:ctrlPr>
+                            </m:sSubPr>
+                            <m:e>
+                              <m:acc>
+                                <m:accPr>
+                                  <m:chr m:val="⃗"/>
+                                  <m:ctrlPr>
+                                    <a:rPr lang="en-US" sz="2000" b="0" i="1" smtClean="0">
+                                      <a:latin typeface="Cambria Math" panose="02040503050406030204" pitchFamily="18" charset="0"/>
+                                      <a:cs typeface="Arial" panose="020B0604020202020204" pitchFamily="34" charset="0"/>
+                                    </a:rPr>
+                                  </m:ctrlPr>
+                                </m:accPr>
+                                <m:e>
+                                  <m:r>
+                                    <a:rPr lang="en-US" sz="2000" b="0" i="1" smtClean="0">
+                                      <a:latin typeface="Cambria Math" panose="02040503050406030204" pitchFamily="18" charset="0"/>
+                                      <a:cs typeface="Arial" panose="020B0604020202020204" pitchFamily="34" charset="0"/>
+                                    </a:rPr>
+                                    <m:t>𝐹</m:t>
+                                  </m:r>
+                                </m:e>
+                              </m:acc>
+                            </m:e>
+                            <m:sub>
+                              <m:r>
+                                <a:rPr lang="en-US" sz="2000" b="0" i="1" smtClean="0">
+                                  <a:latin typeface="Cambria Math" panose="02040503050406030204" pitchFamily="18" charset="0"/>
+                                  <a:cs typeface="Arial" panose="020B0604020202020204" pitchFamily="34" charset="0"/>
+                                </a:rPr>
+                                <m:t>𝑔</m:t>
+                              </m:r>
+                            </m:sub>
+                          </m:sSub>
+                        </m:oMath>
+                      </m:oMathPara>
+                    </a14:m>
+                    <a:endParaRPr lang="en-US" sz="2000" dirty="0">
+                      <a:latin typeface="Arial" panose="020B0604020202020204" pitchFamily="34" charset="0"/>
+                      <a:cs typeface="Arial" panose="020B0604020202020204" pitchFamily="34" charset="0"/>
+                    </a:endParaRPr>
+                  </a:p>
+                </p:txBody>
+              </p:sp>
+            </mc:Choice>
+            <mc:Fallback xmlns="">
+              <p:sp>
+                <p:nvSpPr>
+                  <p:cNvPr id="47" name="TextBox 46"/>
+                  <p:cNvSpPr txBox="1">
+                    <a:spLocks noRot="1" noChangeAspect="1" noMove="1" noResize="1" noEditPoints="1" noAdjustHandles="1" noChangeArrowheads="1" noChangeShapeType="1" noTextEdit="1"/>
+                  </p:cNvSpPr>
+                  <p:nvPr/>
+                </p:nvSpPr>
+                <p:spPr>
+                  <a:xfrm>
+                    <a:off x="9619569" y="3883778"/>
+                    <a:ext cx="303866" cy="377219"/>
+                  </a:xfrm>
+                  <a:prstGeom prst="rect">
+                    <a:avLst/>
+                  </a:prstGeom>
+                  <a:blipFill>
+                    <a:blip r:embed="rId42"/>
+                    <a:stretch>
+                      <a:fillRect l="-18000" t="-30645" r="-70000" b="-17742"/>
+                    </a:stretch>
+                  </a:blipFill>
+                </p:spPr>
+                <p:txBody>
+                  <a:bodyPr/>
+                  <a:lstStyle/>
+                  <a:p>
+                    <a:r>
+                      <a:rPr lang="en-US">
+                        <a:noFill/>
+                      </a:rPr>
+                      <a:t> </a:t>
+                    </a:r>
+                  </a:p>
+                </p:txBody>
+              </p:sp>
+            </mc:Fallback>
+          </mc:AlternateContent>
+          <p:sp>
+            <p:nvSpPr>
+              <p:cNvPr id="34" name="Right Arrow 33"/>
+              <p:cNvSpPr/>
+              <p:nvPr/>
+            </p:nvSpPr>
+            <p:spPr>
+              <a:xfrm flipH="1">
+                <a:off x="9625454" y="2274905"/>
+                <a:ext cx="606575" cy="107622"/>
+              </a:xfrm>
+              <a:prstGeom prst="rightArrow">
+                <a:avLst/>
+              </a:prstGeom>
+              <a:solidFill>
+                <a:schemeClr val="tx1"/>
+              </a:solidFill>
+              <a:ln w="38100">
+                <a:solidFill>
+                  <a:schemeClr val="tx1"/>
+                </a:solidFill>
+              </a:ln>
+            </p:spPr>
+            <p:style>
+              <a:lnRef idx="2">
+                <a:schemeClr val="accent1">
+                  <a:shade val="50000"/>
+                </a:schemeClr>
+              </a:lnRef>
+              <a:fillRef idx="1">
+                <a:schemeClr val="accent1"/>
+              </a:fillRef>
+              <a:effectRef idx="0">
+                <a:schemeClr val="accent1"/>
+              </a:effectRef>
+              <a:fontRef idx="minor">
+                <a:schemeClr val="lt1"/>
+              </a:fontRef>
+            </p:style>
+            <p:txBody>
+              <a:bodyPr rtlCol="0" anchor="ctr"/>
+              <a:lstStyle/>
+              <a:p>
+                <a:pPr algn="ctr"/>
+                <a:endParaRPr lang="en-US"/>
+              </a:p>
+            </p:txBody>
+          </p:sp>
+          <mc:AlternateContent xmlns:mc="http://schemas.openxmlformats.org/markup-compatibility/2006" xmlns:a14="http://schemas.microsoft.com/office/drawing/2010/main">
+            <mc:Choice Requires="a14">
+              <p:sp>
+                <p:nvSpPr>
+                  <p:cNvPr id="35" name="TextBox 34"/>
+                  <p:cNvSpPr txBox="1"/>
+                  <p:nvPr/>
+                </p:nvSpPr>
+                <p:spPr>
+                  <a:xfrm>
+                    <a:off x="9893372" y="1940914"/>
+                    <a:ext cx="352917" cy="307777"/>
+                  </a:xfrm>
+                  <a:prstGeom prst="rect">
+                    <a:avLst/>
+                  </a:prstGeom>
+                  <a:noFill/>
+                </p:spPr>
+                <p:txBody>
+                  <a:bodyPr wrap="none" lIns="0" tIns="0" rIns="0" bIns="0" rtlCol="0">
+                    <a:spAutoFit/>
+                  </a:bodyPr>
+                  <a:lstStyle/>
+                  <a:p>
+                    <a:pPr/>
+                    <a14:m>
+                      <m:oMathPara xmlns:m="http://schemas.openxmlformats.org/officeDocument/2006/math">
+                        <m:oMathParaPr>
+                          <m:jc m:val="centerGroup"/>
+                        </m:oMathParaPr>
+                        <m:oMath xmlns:m="http://schemas.openxmlformats.org/officeDocument/2006/math">
+                          <m:sSub>
+                            <m:sSubPr>
+                              <m:ctrlPr>
+                                <a:rPr lang="en-US" sz="2000" b="0" i="1" smtClean="0">
+                                  <a:latin typeface="Cambria Math" panose="02040503050406030204" pitchFamily="18" charset="0"/>
+                                  <a:cs typeface="Arial" panose="020B0604020202020204" pitchFamily="34" charset="0"/>
+                                </a:rPr>
+                              </m:ctrlPr>
+                            </m:sSubPr>
+                            <m:e>
+                              <m:acc>
+                                <m:accPr>
+                                  <m:chr m:val="⃗"/>
+                                  <m:ctrlPr>
+                                    <a:rPr lang="en-US" sz="2000" b="0" i="1" smtClean="0">
+                                      <a:latin typeface="Cambria Math" panose="02040503050406030204" pitchFamily="18" charset="0"/>
+                                      <a:cs typeface="Arial" panose="020B0604020202020204" pitchFamily="34" charset="0"/>
+                                    </a:rPr>
+                                  </m:ctrlPr>
+                                </m:accPr>
+                                <m:e>
+                                  <m:r>
+                                    <a:rPr lang="en-US" sz="2000" b="0" i="1" smtClean="0">
+                                      <a:latin typeface="Cambria Math" panose="02040503050406030204" pitchFamily="18" charset="0"/>
+                                      <a:cs typeface="Arial" panose="020B0604020202020204" pitchFamily="34" charset="0"/>
+                                    </a:rPr>
+                                    <m:t>𝑎</m:t>
+                                  </m:r>
+                                </m:e>
+                              </m:acc>
+                            </m:e>
+                            <m:sub>
+                              <m:r>
+                                <a:rPr lang="en-US" sz="2000" b="0" i="1" smtClean="0">
+                                  <a:latin typeface="Cambria Math" panose="02040503050406030204" pitchFamily="18" charset="0"/>
+                                  <a:cs typeface="Arial" panose="020B0604020202020204" pitchFamily="34" charset="0"/>
+                                </a:rPr>
+                                <m:t>𝑅</m:t>
+                              </m:r>
+                            </m:sub>
+                          </m:sSub>
+                        </m:oMath>
+                      </m:oMathPara>
+                    </a14:m>
+                    <a:endParaRPr lang="en-US" sz="2000" dirty="0">
+                      <a:latin typeface="Arial" panose="020B0604020202020204" pitchFamily="34" charset="0"/>
+                      <a:cs typeface="Arial" panose="020B0604020202020204" pitchFamily="34" charset="0"/>
+                    </a:endParaRPr>
+                  </a:p>
+                </p:txBody>
+              </p:sp>
+            </mc:Choice>
+            <mc:Fallback xmlns="">
+              <p:sp>
+                <p:nvSpPr>
+                  <p:cNvPr id="22" name="TextBox 21"/>
+                  <p:cNvSpPr txBox="1">
+                    <a:spLocks noRot="1" noChangeAspect="1" noMove="1" noResize="1" noEditPoints="1" noAdjustHandles="1" noChangeArrowheads="1" noChangeShapeType="1" noTextEdit="1"/>
+                  </p:cNvSpPr>
+                  <p:nvPr/>
+                </p:nvSpPr>
+                <p:spPr>
+                  <a:xfrm>
+                    <a:off x="9893372" y="1940914"/>
+                    <a:ext cx="352917" cy="307777"/>
+                  </a:xfrm>
+                  <a:prstGeom prst="rect">
+                    <a:avLst/>
+                  </a:prstGeom>
+                  <a:blipFill>
+                    <a:blip r:embed="rId44"/>
+                    <a:stretch>
+                      <a:fillRect l="-13793" t="-33333" r="-56897" b="-19608"/>
+                    </a:stretch>
+                  </a:blipFill>
+                </p:spPr>
+                <p:txBody>
+                  <a:bodyPr/>
+                  <a:lstStyle/>
+                  <a:p>
+                    <a:r>
+                      <a:rPr lang="en-US">
+                        <a:noFill/>
+                      </a:rPr>
+                      <a:t> </a:t>
+                    </a:r>
+                  </a:p>
+                </p:txBody>
+              </p:sp>
+            </mc:Fallback>
+          </mc:AlternateContent>
+          <p:grpSp>
+            <p:nvGrpSpPr>
+              <p:cNvPr id="36" name="Group 35"/>
+              <p:cNvGrpSpPr/>
+              <p:nvPr/>
+            </p:nvGrpSpPr>
+            <p:grpSpPr>
+              <a:xfrm rot="21415886">
+                <a:off x="8558589" y="4017294"/>
+                <a:ext cx="903735" cy="980812"/>
+                <a:chOff x="-195155" y="509392"/>
+                <a:chExt cx="2610391" cy="2950201"/>
+              </a:xfrm>
+            </p:grpSpPr>
+            <p:grpSp>
+              <p:nvGrpSpPr>
+                <p:cNvPr id="37" name="Group 36"/>
+                <p:cNvGrpSpPr/>
+                <p:nvPr/>
+              </p:nvGrpSpPr>
+              <p:grpSpPr>
+                <a:xfrm>
+                  <a:off x="-195155" y="509392"/>
+                  <a:ext cx="2610391" cy="2950201"/>
+                  <a:chOff x="-167860" y="482096"/>
+                  <a:chExt cx="2610391" cy="2950201"/>
+                </a:xfrm>
+              </p:grpSpPr>
+              <p:cxnSp>
+                <p:nvCxnSpPr>
+                  <p:cNvPr id="39" name="Straight Arrow Connector 38"/>
+                  <p:cNvCxnSpPr/>
+                  <p:nvPr/>
+                </p:nvCxnSpPr>
+                <p:spPr>
+                  <a:xfrm rot="184114" flipH="1" flipV="1">
+                    <a:off x="1547188" y="664938"/>
+                    <a:ext cx="17631" cy="1876197"/>
+                  </a:xfrm>
+                  <a:prstGeom prst="straightConnector1">
+                    <a:avLst/>
+                  </a:prstGeom>
+                  <a:ln w="38100">
+                    <a:solidFill>
+                      <a:schemeClr val="tx1"/>
+                    </a:solidFill>
+                    <a:tailEnd type="triangle"/>
+                  </a:ln>
+                </p:spPr>
+                <p:style>
+                  <a:lnRef idx="1">
+                    <a:schemeClr val="accent1"/>
+                  </a:lnRef>
+                  <a:fillRef idx="0">
+                    <a:schemeClr val="accent1"/>
+                  </a:fillRef>
+                  <a:effectRef idx="0">
+                    <a:schemeClr val="accent1"/>
+                  </a:effectRef>
+                  <a:fontRef idx="minor">
+                    <a:schemeClr val="tx1"/>
+                  </a:fontRef>
+                </p:style>
+              </p:cxnSp>
+              <p:cxnSp>
+                <p:nvCxnSpPr>
+                  <p:cNvPr id="40" name="Straight Arrow Connector 39"/>
+                  <p:cNvCxnSpPr/>
+                  <p:nvPr/>
+                </p:nvCxnSpPr>
+                <p:spPr>
+                  <a:xfrm rot="184114" flipH="1">
+                    <a:off x="-167860" y="2488544"/>
+                    <a:ext cx="1675960" cy="4479"/>
+                  </a:xfrm>
+                  <a:prstGeom prst="straightConnector1">
+                    <a:avLst/>
+                  </a:prstGeom>
+                  <a:ln w="38100">
+                    <a:solidFill>
+                      <a:schemeClr val="tx1"/>
+                    </a:solidFill>
+                    <a:tailEnd type="triangle"/>
+                  </a:ln>
+                </p:spPr>
+                <p:style>
+                  <a:lnRef idx="1">
+                    <a:schemeClr val="accent1"/>
+                  </a:lnRef>
+                  <a:fillRef idx="0">
+                    <a:schemeClr val="accent1"/>
+                  </a:fillRef>
+                  <a:effectRef idx="0">
+                    <a:schemeClr val="accent1"/>
+                  </a:effectRef>
+                  <a:fontRef idx="minor">
+                    <a:schemeClr val="tx1"/>
+                  </a:fontRef>
+                </p:style>
+              </p:cxnSp>
+              <mc:AlternateContent xmlns:mc="http://schemas.openxmlformats.org/markup-compatibility/2006" xmlns:a14="http://schemas.microsoft.com/office/drawing/2010/main">
+                <mc:Choice Requires="a14">
+                  <p:sp>
+                    <p:nvSpPr>
+                      <p:cNvPr id="41" name="Rectangle 40"/>
+                      <p:cNvSpPr/>
+                      <p:nvPr/>
+                    </p:nvSpPr>
+                    <p:spPr>
+                      <a:xfrm>
+                        <a:off x="-159544" y="2321377"/>
+                        <a:ext cx="1010837" cy="1110920"/>
+                      </a:xfrm>
+                      <a:prstGeom prst="rect">
+                        <a:avLst/>
+                      </a:prstGeom>
+                    </p:spPr>
+                    <p:txBody>
+                      <a:bodyPr wrap="square">
+                        <a:spAutoFit/>
+                      </a:bodyPr>
+                      <a:lstStyle/>
+                      <a:p>
+                        <a:pPr/>
+                        <a14:m>
+                          <m:oMathPara xmlns:m="http://schemas.openxmlformats.org/officeDocument/2006/math">
+                            <m:oMathParaPr>
+                              <m:jc m:val="centerGroup"/>
+                            </m:oMathParaPr>
+                            <m:oMath xmlns:m="http://schemas.openxmlformats.org/officeDocument/2006/math">
+                              <m:r>
+                                <a:rPr lang="en-US" i="1">
+                                  <a:latin typeface="Cambria Math" panose="02040503050406030204" pitchFamily="18" charset="0"/>
+                                  <a:cs typeface="Arial" panose="020B0604020202020204" pitchFamily="34" charset="0"/>
+                                </a:rPr>
+                                <m:t>𝑥</m:t>
+                              </m:r>
+                            </m:oMath>
+                          </m:oMathPara>
+                        </a14:m>
+                        <a:endParaRPr lang="en-CA" dirty="0"/>
+                      </a:p>
+                    </p:txBody>
+                  </p:sp>
+                </mc:Choice>
+                <mc:Fallback xmlns="">
+                  <p:sp>
+                    <p:nvSpPr>
+                      <p:cNvPr id="28" name="Rectangle 27"/>
+                      <p:cNvSpPr>
+                        <a:spLocks noRot="1" noChangeAspect="1" noMove="1" noResize="1" noEditPoints="1" noAdjustHandles="1" noChangeArrowheads="1" noChangeShapeType="1" noTextEdit="1"/>
+                      </p:cNvSpPr>
+                      <p:nvPr/>
+                    </p:nvSpPr>
+                    <p:spPr>
+                      <a:xfrm>
+                        <a:off x="-159544" y="2321377"/>
+                        <a:ext cx="1010837" cy="1110920"/>
+                      </a:xfrm>
+                      <a:prstGeom prst="rect">
+                        <a:avLst/>
+                      </a:prstGeom>
+                      <a:blipFill>
+                        <a:blip r:embed="rId45"/>
+                        <a:stretch>
+                          <a:fillRect/>
+                        </a:stretch>
+                      </a:blipFill>
+                    </p:spPr>
+                    <p:txBody>
+                      <a:bodyPr/>
+                      <a:lstStyle/>
+                      <a:p>
+                        <a:r>
+                          <a:rPr lang="en-US">
+                            <a:noFill/>
+                          </a:rPr>
+                          <a:t> </a:t>
+                        </a:r>
+                      </a:p>
+                    </p:txBody>
+                  </p:sp>
+                </mc:Fallback>
+              </mc:AlternateContent>
+              <mc:AlternateContent xmlns:mc="http://schemas.openxmlformats.org/markup-compatibility/2006" xmlns:a14="http://schemas.microsoft.com/office/drawing/2010/main">
+                <mc:Choice Requires="a14">
+                  <p:sp>
+                    <p:nvSpPr>
+                      <p:cNvPr id="42" name="Rectangle 41"/>
+                      <p:cNvSpPr/>
+                      <p:nvPr/>
+                    </p:nvSpPr>
+                    <p:spPr>
+                      <a:xfrm>
+                        <a:off x="1671664" y="482096"/>
+                        <a:ext cx="658647" cy="1110920"/>
+                      </a:xfrm>
+                      <a:prstGeom prst="rect">
+                        <a:avLst/>
+                      </a:prstGeom>
+                    </p:spPr>
+                    <p:txBody>
+                      <a:bodyPr wrap="square">
+                        <a:spAutoFit/>
+                      </a:bodyPr>
+                      <a:lstStyle/>
+                      <a:p>
+                        <a:pPr/>
+                        <a14:m>
+                          <m:oMathPara xmlns:m="http://schemas.openxmlformats.org/officeDocument/2006/math">
+                            <m:oMathParaPr>
+                              <m:jc m:val="centerGroup"/>
+                            </m:oMathParaPr>
+                            <m:oMath xmlns:m="http://schemas.openxmlformats.org/officeDocument/2006/math">
+                              <m:r>
+                                <a:rPr lang="en-US" b="0" i="1" smtClean="0">
+                                  <a:latin typeface="Cambria Math" panose="02040503050406030204" pitchFamily="18" charset="0"/>
+                                </a:rPr>
+                                <m:t>𝑦</m:t>
+                              </m:r>
+                            </m:oMath>
+                          </m:oMathPara>
+                        </a14:m>
+                        <a:endParaRPr lang="en-CA" dirty="0"/>
+                      </a:p>
+                    </p:txBody>
+                  </p:sp>
+                </mc:Choice>
+                <mc:Fallback xmlns="">
+                  <p:sp>
+                    <p:nvSpPr>
+                      <p:cNvPr id="29" name="Rectangle 28"/>
+                      <p:cNvSpPr>
+                        <a:spLocks noRot="1" noChangeAspect="1" noMove="1" noResize="1" noEditPoints="1" noAdjustHandles="1" noChangeArrowheads="1" noChangeShapeType="1" noTextEdit="1"/>
+                      </p:cNvSpPr>
+                      <p:nvPr/>
+                    </p:nvSpPr>
+                    <p:spPr>
+                      <a:xfrm>
+                        <a:off x="1671664" y="482096"/>
+                        <a:ext cx="658647" cy="1110920"/>
+                      </a:xfrm>
+                      <a:prstGeom prst="rect">
+                        <a:avLst/>
+                      </a:prstGeom>
+                      <a:blipFill>
+                        <a:blip r:embed="rId46"/>
+                        <a:stretch>
+                          <a:fillRect r="-29268" b="-4762"/>
+                        </a:stretch>
+                      </a:blipFill>
+                    </p:spPr>
+                    <p:txBody>
+                      <a:bodyPr/>
+                      <a:lstStyle/>
+                      <a:p>
+                        <a:r>
+                          <a:rPr lang="en-US">
+                            <a:noFill/>
+                          </a:rPr>
+                          <a:t> </a:t>
+                        </a:r>
+                      </a:p>
+                    </p:txBody>
+                  </p:sp>
+                </mc:Fallback>
+              </mc:AlternateContent>
+              <mc:AlternateContent xmlns:mc="http://schemas.openxmlformats.org/markup-compatibility/2006" xmlns:a14="http://schemas.microsoft.com/office/drawing/2010/main">
+                <mc:Choice Requires="a14">
+                  <p:sp>
+                    <p:nvSpPr>
+                      <p:cNvPr id="43" name="Rectangle 42"/>
+                      <p:cNvSpPr/>
+                      <p:nvPr/>
+                    </p:nvSpPr>
+                    <p:spPr>
+                      <a:xfrm>
+                        <a:off x="1325751" y="2271021"/>
+                        <a:ext cx="1116780" cy="1110919"/>
+                      </a:xfrm>
+                      <a:prstGeom prst="rect">
+                        <a:avLst/>
+                      </a:prstGeom>
+                    </p:spPr>
+                    <p:txBody>
+                      <a:bodyPr wrap="square">
+                        <a:spAutoFit/>
+                      </a:bodyPr>
+                      <a:lstStyle/>
+                      <a:p>
+                        <a:pPr/>
+                        <a14:m>
+                          <m:oMathPara xmlns:m="http://schemas.openxmlformats.org/officeDocument/2006/math">
+                            <m:oMathParaPr>
+                              <m:jc m:val="centerGroup"/>
+                            </m:oMathParaPr>
+                            <m:oMath xmlns:m="http://schemas.openxmlformats.org/officeDocument/2006/math">
+                              <m:r>
+                                <a:rPr lang="en-US" b="0" i="1" smtClean="0">
+                                  <a:latin typeface="Cambria Math" panose="02040503050406030204" pitchFamily="18" charset="0"/>
+                                  <a:cs typeface="Arial" panose="020B0604020202020204" pitchFamily="34" charset="0"/>
+                                </a:rPr>
+                                <m:t>0</m:t>
+                              </m:r>
+                            </m:oMath>
+                          </m:oMathPara>
+                        </a14:m>
+                        <a:endParaRPr lang="en-CA" dirty="0"/>
+                      </a:p>
+                    </p:txBody>
+                  </p:sp>
+                </mc:Choice>
+                <mc:Fallback xmlns="">
+                  <p:sp>
+                    <p:nvSpPr>
+                      <p:cNvPr id="30" name="Rectangle 29"/>
+                      <p:cNvSpPr>
+                        <a:spLocks noRot="1" noChangeAspect="1" noMove="1" noResize="1" noEditPoints="1" noAdjustHandles="1" noChangeArrowheads="1" noChangeShapeType="1" noTextEdit="1"/>
+                      </p:cNvSpPr>
+                      <p:nvPr/>
+                    </p:nvSpPr>
+                    <p:spPr>
+                      <a:xfrm>
+                        <a:off x="1325751" y="2271021"/>
+                        <a:ext cx="1116780" cy="1110919"/>
+                      </a:xfrm>
+                      <a:prstGeom prst="rect">
+                        <a:avLst/>
+                      </a:prstGeom>
+                      <a:blipFill>
+                        <a:blip r:embed="rId47"/>
+                        <a:stretch>
+                          <a:fillRect/>
+                        </a:stretch>
+                      </a:blipFill>
+                    </p:spPr>
+                    <p:txBody>
+                      <a:bodyPr/>
+                      <a:lstStyle/>
+                      <a:p>
+                        <a:r>
+                          <a:rPr lang="en-US">
+                            <a:noFill/>
+                          </a:rPr>
+                          <a:t> </a:t>
+                        </a:r>
+                      </a:p>
+                    </p:txBody>
+                  </p:sp>
+                </mc:Fallback>
+              </mc:AlternateContent>
+            </p:grpSp>
+            <p:sp>
+              <p:nvSpPr>
+                <p:cNvPr id="38" name="Rectangle 37"/>
+                <p:cNvSpPr/>
+                <p:nvPr/>
+              </p:nvSpPr>
+              <p:spPr>
+                <a:xfrm>
+                  <a:off x="1129904" y="1614682"/>
+                  <a:ext cx="184731" cy="369332"/>
+                </a:xfrm>
+                <a:prstGeom prst="rect">
+                  <a:avLst/>
+                </a:prstGeom>
+              </p:spPr>
+              <p:txBody>
+                <a:bodyPr wrap="none">
+                  <a:spAutoFit/>
+                </a:bodyPr>
+                <a:lstStyle/>
+                <a:p>
+                  <a:endParaRPr lang="en-CA" dirty="0"/>
+                </a:p>
+              </p:txBody>
+            </p:sp>
+          </p:grpSp>
+        </p:grpSp>
+        <mc:AlternateContent xmlns:mc="http://schemas.openxmlformats.org/markup-compatibility/2006" xmlns:a14="http://schemas.microsoft.com/office/drawing/2010/main">
+          <mc:Choice Requires="a14">
+            <p:sp>
+              <p:nvSpPr>
+                <p:cNvPr id="25" name="TextBox 24"/>
+                <p:cNvSpPr txBox="1"/>
+                <p:nvPr/>
+              </p:nvSpPr>
+              <p:spPr>
+                <a:xfrm>
+                  <a:off x="9507759" y="4550802"/>
+                  <a:ext cx="1170513" cy="307777"/>
+                </a:xfrm>
+                <a:prstGeom prst="rect">
+                  <a:avLst/>
+                </a:prstGeom>
+                <a:noFill/>
+              </p:spPr>
+              <p:txBody>
+                <a:bodyPr wrap="none" lIns="0" tIns="0" rIns="0" bIns="0" rtlCol="0">
+                  <a:spAutoFit/>
+                </a:bodyPr>
+                <a:lstStyle/>
+                <a:p>
+                  <a:pPr/>
+                  <a14:m>
+                    <m:oMathPara xmlns:m="http://schemas.openxmlformats.org/officeDocument/2006/math">
+                      <m:oMathParaPr>
+                        <m:jc m:val="centerGroup"/>
+                      </m:oMathParaPr>
+                      <m:oMath xmlns:m="http://schemas.openxmlformats.org/officeDocument/2006/math">
+                        <m:r>
+                          <a:rPr lang="en-US" sz="2000" b="0" i="1" smtClean="0">
+                            <a:latin typeface="Cambria Math" panose="02040503050406030204" pitchFamily="18" charset="0"/>
+                            <a:cs typeface="Arial" panose="020B0604020202020204" pitchFamily="34" charset="0"/>
+                          </a:rPr>
+                          <m:t>𝑆𝑖𝑑𝑒</m:t>
+                        </m:r>
+                        <m:r>
+                          <a:rPr lang="en-US" sz="2000" b="0" i="1" smtClean="0">
+                            <a:latin typeface="Cambria Math" panose="02040503050406030204" pitchFamily="18" charset="0"/>
+                            <a:cs typeface="Arial" panose="020B0604020202020204" pitchFamily="34" charset="0"/>
+                          </a:rPr>
+                          <m:t> </m:t>
+                        </m:r>
+                        <m:r>
+                          <a:rPr lang="en-US" sz="2000" b="0" i="1" smtClean="0">
+                            <a:latin typeface="Cambria Math" panose="02040503050406030204" pitchFamily="18" charset="0"/>
+                            <a:cs typeface="Arial" panose="020B0604020202020204" pitchFamily="34" charset="0"/>
+                          </a:rPr>
+                          <m:t>𝑣𝑖𝑒𝑤</m:t>
+                        </m:r>
+                      </m:oMath>
+                    </m:oMathPara>
+                  </a14:m>
+                  <a:endParaRPr lang="en-US" sz="2000" dirty="0" smtClean="0">
+                    <a:latin typeface="Arial" panose="020B0604020202020204" pitchFamily="34" charset="0"/>
+                    <a:cs typeface="Arial" panose="020B0604020202020204" pitchFamily="34" charset="0"/>
+                  </a:endParaRPr>
+                </a:p>
+              </p:txBody>
+            </p:sp>
+          </mc:Choice>
+          <mc:Fallback xmlns="">
+            <p:sp>
+              <p:nvSpPr>
+                <p:cNvPr id="32" name="TextBox 31"/>
+                <p:cNvSpPr txBox="1">
+                  <a:spLocks noRot="1" noChangeAspect="1" noMove="1" noResize="1" noEditPoints="1" noAdjustHandles="1" noChangeArrowheads="1" noChangeShapeType="1" noTextEdit="1"/>
+                </p:cNvSpPr>
+                <p:nvPr/>
+              </p:nvSpPr>
+              <p:spPr>
+                <a:xfrm>
+                  <a:off x="9507759" y="4550802"/>
+                  <a:ext cx="1170513" cy="307777"/>
+                </a:xfrm>
+                <a:prstGeom prst="rect">
+                  <a:avLst/>
+                </a:prstGeom>
+                <a:blipFill>
+                  <a:blip r:embed="rId48"/>
+                  <a:stretch>
+                    <a:fillRect l="-4167" r="-4167" b="-9804"/>
+                  </a:stretch>
+                </a:blipFill>
+              </p:spPr>
+              <p:txBody>
+                <a:bodyPr/>
+                <a:lstStyle/>
+                <a:p>
+                  <a:r>
+                    <a:rPr lang="en-US">
+                      <a:noFill/>
+                    </a:rPr>
+                    <a:t> </a:t>
+                  </a:r>
+                </a:p>
+              </p:txBody>
+            </p:sp>
+          </mc:Fallback>
+        </mc:AlternateContent>
+      </p:grpSp>
+      <p:grpSp>
+        <p:nvGrpSpPr>
+          <p:cNvPr id="47" name="Group 46"/>
+          <p:cNvGrpSpPr/>
+          <p:nvPr/>
+        </p:nvGrpSpPr>
+        <p:grpSpPr>
+          <a:xfrm>
+            <a:off x="1079385" y="885003"/>
+            <a:ext cx="4061493" cy="3921174"/>
+            <a:chOff x="1079385" y="885003"/>
+            <a:chExt cx="4061493" cy="3921174"/>
+          </a:xfrm>
+        </p:grpSpPr>
+        <p:grpSp>
+          <p:nvGrpSpPr>
+            <p:cNvPr id="45" name="Group 44"/>
+            <p:cNvGrpSpPr/>
+            <p:nvPr/>
+          </p:nvGrpSpPr>
+          <p:grpSpPr>
+            <a:xfrm>
+              <a:off x="1293542" y="1182030"/>
+              <a:ext cx="3646449" cy="3624147"/>
+              <a:chOff x="1293542" y="1182030"/>
+              <a:chExt cx="3646449" cy="3624147"/>
+            </a:xfrm>
+          </p:grpSpPr>
+          <p:grpSp>
+            <p:nvGrpSpPr>
+              <p:cNvPr id="21" name="Group 20"/>
+              <p:cNvGrpSpPr/>
+              <p:nvPr/>
+            </p:nvGrpSpPr>
+            <p:grpSpPr>
+              <a:xfrm>
+                <a:off x="1293542" y="1182030"/>
+                <a:ext cx="3646449" cy="3624147"/>
+                <a:chOff x="1538868" y="1616927"/>
+                <a:chExt cx="3646449" cy="3624147"/>
+              </a:xfrm>
+            </p:grpSpPr>
+            <p:sp>
+              <p:nvSpPr>
+                <p:cNvPr id="4" name="Block Arc 3"/>
+                <p:cNvSpPr/>
+                <p:nvPr/>
+              </p:nvSpPr>
+              <p:spPr>
+                <a:xfrm>
+                  <a:off x="1538868" y="1616927"/>
+                  <a:ext cx="3646449" cy="3624147"/>
+                </a:xfrm>
+                <a:prstGeom prst="blockArc">
+                  <a:avLst>
+                    <a:gd name="adj1" fmla="val 10800000"/>
+                    <a:gd name="adj2" fmla="val 21571172"/>
+                    <a:gd name="adj3" fmla="val 13614"/>
+                  </a:avLst>
+                </a:prstGeom>
+                <a:solidFill>
+                  <a:schemeClr val="bg2">
+                    <a:lumMod val="90000"/>
+                  </a:schemeClr>
+                </a:solidFill>
+                <a:ln w="38100">
+                  <a:solidFill>
+                    <a:schemeClr val="tx1"/>
+                  </a:solidFill>
+                </a:ln>
+              </p:spPr>
+              <p:style>
+                <a:lnRef idx="2">
+                  <a:schemeClr val="accent1">
+                    <a:shade val="50000"/>
+                  </a:schemeClr>
+                </a:lnRef>
+                <a:fillRef idx="1">
+                  <a:schemeClr val="accent1"/>
+                </a:fillRef>
+                <a:effectRef idx="0">
+                  <a:schemeClr val="accent1"/>
+                </a:effectRef>
+                <a:fontRef idx="minor">
+                  <a:schemeClr val="lt1"/>
+                </a:fontRef>
+              </p:style>
+              <p:txBody>
+                <a:bodyPr rtlCol="0" anchor="ctr"/>
+                <a:lstStyle/>
+                <a:p>
+                  <a:pPr algn="ctr"/>
+                  <a:endParaRPr lang="en-US">
+                    <a:solidFill>
+                      <a:schemeClr val="tx1"/>
+                    </a:solidFill>
+                  </a:endParaRPr>
+                </a:p>
+              </p:txBody>
+            </p:sp>
+            <p:sp>
+              <p:nvSpPr>
+                <p:cNvPr id="5" name="Arc 4"/>
+                <p:cNvSpPr/>
+                <p:nvPr/>
+              </p:nvSpPr>
+              <p:spPr>
+                <a:xfrm>
+                  <a:off x="1806496" y="1856678"/>
+                  <a:ext cx="3111192" cy="3144643"/>
+                </a:xfrm>
+                <a:prstGeom prst="arc">
+                  <a:avLst>
+                    <a:gd name="adj1" fmla="val 10824154"/>
+                    <a:gd name="adj2" fmla="val 21550719"/>
+                  </a:avLst>
+                </a:prstGeom>
+                <a:ln w="57150">
+                  <a:solidFill>
+                    <a:schemeClr val="bg1"/>
+                  </a:solidFill>
+                  <a:prstDash val="dash"/>
+                </a:ln>
+              </p:spPr>
+              <p:style>
+                <a:lnRef idx="1">
+                  <a:schemeClr val="accent1"/>
+                </a:lnRef>
+                <a:fillRef idx="0">
+                  <a:schemeClr val="accent1"/>
+                </a:fillRef>
+                <a:effectRef idx="0">
+                  <a:schemeClr val="accent1"/>
+                </a:effectRef>
+                <a:fontRef idx="minor">
+                  <a:schemeClr val="tx1"/>
+                </a:fontRef>
+              </p:style>
+              <p:txBody>
+                <a:bodyPr rtlCol="0" anchor="ctr"/>
+                <a:lstStyle/>
+                <a:p>
+                  <a:pPr algn="ctr"/>
+                  <a:endParaRPr lang="en-US"/>
+                </a:p>
+              </p:txBody>
+            </p:sp>
+            <p:grpSp>
+              <p:nvGrpSpPr>
+                <p:cNvPr id="17" name="Group 16"/>
+                <p:cNvGrpSpPr/>
+                <p:nvPr/>
+              </p:nvGrpSpPr>
+              <p:grpSpPr>
+                <a:xfrm rot="2360171">
+                  <a:off x="4259404" y="2030036"/>
+                  <a:ext cx="345689" cy="214843"/>
+                  <a:chOff x="6795038" y="1125159"/>
+                  <a:chExt cx="433826" cy="304053"/>
+                </a:xfrm>
+              </p:grpSpPr>
+              <p:sp>
+                <p:nvSpPr>
+                  <p:cNvPr id="6" name="Rectangle 5"/>
+                  <p:cNvSpPr/>
+                  <p:nvPr/>
+                </p:nvSpPr>
+                <p:spPr>
+                  <a:xfrm>
+                    <a:off x="6824546" y="1170878"/>
+                    <a:ext cx="390293" cy="211873"/>
+                  </a:xfrm>
+                  <a:prstGeom prst="rect">
+                    <a:avLst/>
+                  </a:prstGeom>
+                  <a:solidFill>
+                    <a:schemeClr val="accent1"/>
+                  </a:solidFill>
+                  <a:ln w="38100">
+                    <a:solidFill>
+                      <a:schemeClr val="accent1"/>
+                    </a:solidFill>
+                  </a:ln>
+                </p:spPr>
+                <p:style>
+                  <a:lnRef idx="2">
+                    <a:schemeClr val="accent1">
+                      <a:shade val="50000"/>
+                    </a:schemeClr>
+                  </a:lnRef>
+                  <a:fillRef idx="1">
+                    <a:schemeClr val="accent1"/>
+                  </a:fillRef>
+                  <a:effectRef idx="0">
+                    <a:schemeClr val="accent1"/>
+                  </a:effectRef>
+                  <a:fontRef idx="minor">
+                    <a:schemeClr val="lt1"/>
+                  </a:fontRef>
+                </p:style>
+                <p:txBody>
+                  <a:bodyPr rtlCol="0" anchor="ctr"/>
+                  <a:lstStyle/>
+                  <a:p>
+                    <a:pPr algn="ctr"/>
+                    <a:endParaRPr lang="en-US"/>
+                  </a:p>
+                </p:txBody>
+              </p:sp>
+              <p:sp>
+                <p:nvSpPr>
+                  <p:cNvPr id="7" name="Oval 6"/>
+                  <p:cNvSpPr/>
+                  <p:nvPr/>
+                </p:nvSpPr>
+                <p:spPr>
+                  <a:xfrm>
+                    <a:off x="6848593" y="1125159"/>
+                    <a:ext cx="94786" cy="45719"/>
+                  </a:xfrm>
+                  <a:prstGeom prst="ellipse">
+                    <a:avLst/>
+                  </a:prstGeom>
+                  <a:solidFill>
+                    <a:schemeClr val="tx1"/>
+                  </a:solidFill>
+                  <a:ln w="38100">
+                    <a:solidFill>
+                      <a:schemeClr val="tx1"/>
+                    </a:solidFill>
+                  </a:ln>
+                </p:spPr>
+                <p:style>
+                  <a:lnRef idx="2">
+                    <a:schemeClr val="accent1">
+                      <a:shade val="50000"/>
+                    </a:schemeClr>
+                  </a:lnRef>
+                  <a:fillRef idx="1">
+                    <a:schemeClr val="accent1"/>
+                  </a:fillRef>
+                  <a:effectRef idx="0">
+                    <a:schemeClr val="accent1"/>
+                  </a:effectRef>
+                  <a:fontRef idx="minor">
+                    <a:schemeClr val="lt1"/>
+                  </a:fontRef>
+                </p:style>
+                <p:txBody>
+                  <a:bodyPr rtlCol="0" anchor="ctr"/>
+                  <a:lstStyle/>
+                  <a:p>
+                    <a:pPr algn="ctr"/>
+                    <a:endParaRPr lang="en-US"/>
+                  </a:p>
+                </p:txBody>
+              </p:sp>
+              <p:sp>
+                <p:nvSpPr>
+                  <p:cNvPr id="8" name="Oval 7"/>
+                  <p:cNvSpPr/>
+                  <p:nvPr/>
+                </p:nvSpPr>
+                <p:spPr>
+                  <a:xfrm>
+                    <a:off x="7090750" y="1125320"/>
+                    <a:ext cx="94786" cy="45719"/>
+                  </a:xfrm>
+                  <a:prstGeom prst="ellipse">
+                    <a:avLst/>
+                  </a:prstGeom>
+                  <a:solidFill>
+                    <a:schemeClr val="tx1"/>
+                  </a:solidFill>
+                  <a:ln w="38100">
+                    <a:solidFill>
+                      <a:schemeClr val="tx1"/>
+                    </a:solidFill>
+                  </a:ln>
+                </p:spPr>
+                <p:style>
+                  <a:lnRef idx="2">
+                    <a:schemeClr val="accent1">
+                      <a:shade val="50000"/>
+                    </a:schemeClr>
+                  </a:lnRef>
+                  <a:fillRef idx="1">
+                    <a:schemeClr val="accent1"/>
+                  </a:fillRef>
+                  <a:effectRef idx="0">
+                    <a:schemeClr val="accent1"/>
+                  </a:effectRef>
+                  <a:fontRef idx="minor">
+                    <a:schemeClr val="lt1"/>
+                  </a:fontRef>
+                </p:style>
+                <p:txBody>
+                  <a:bodyPr rtlCol="0" anchor="ctr"/>
+                  <a:lstStyle/>
+                  <a:p>
+                    <a:pPr algn="ctr"/>
+                    <a:endParaRPr lang="en-US"/>
+                  </a:p>
+                </p:txBody>
+              </p:sp>
+              <p:sp>
+                <p:nvSpPr>
+                  <p:cNvPr id="9" name="Oval 8"/>
+                  <p:cNvSpPr/>
+                  <p:nvPr/>
+                </p:nvSpPr>
+                <p:spPr>
+                  <a:xfrm>
+                    <a:off x="6848593" y="1383332"/>
+                    <a:ext cx="94786" cy="45719"/>
+                  </a:xfrm>
+                  <a:prstGeom prst="ellipse">
+                    <a:avLst/>
+                  </a:prstGeom>
+                  <a:solidFill>
+                    <a:schemeClr val="tx1"/>
+                  </a:solidFill>
+                  <a:ln w="38100">
+                    <a:solidFill>
+                      <a:schemeClr val="tx1"/>
+                    </a:solidFill>
+                  </a:ln>
+                </p:spPr>
+                <p:style>
+                  <a:lnRef idx="2">
+                    <a:schemeClr val="accent1">
+                      <a:shade val="50000"/>
+                    </a:schemeClr>
+                  </a:lnRef>
+                  <a:fillRef idx="1">
+                    <a:schemeClr val="accent1"/>
+                  </a:fillRef>
+                  <a:effectRef idx="0">
+                    <a:schemeClr val="accent1"/>
+                  </a:effectRef>
+                  <a:fontRef idx="minor">
+                    <a:schemeClr val="lt1"/>
+                  </a:fontRef>
+                </p:style>
+                <p:txBody>
+                  <a:bodyPr rtlCol="0" anchor="ctr"/>
+                  <a:lstStyle/>
+                  <a:p>
+                    <a:pPr algn="ctr"/>
+                    <a:endParaRPr lang="en-US"/>
+                  </a:p>
+                </p:txBody>
+              </p:sp>
+              <p:sp>
+                <p:nvSpPr>
+                  <p:cNvPr id="10" name="Oval 9"/>
+                  <p:cNvSpPr/>
+                  <p:nvPr/>
+                </p:nvSpPr>
+                <p:spPr>
+                  <a:xfrm>
+                    <a:off x="7090750" y="1383493"/>
+                    <a:ext cx="94786" cy="45719"/>
+                  </a:xfrm>
+                  <a:prstGeom prst="ellipse">
+                    <a:avLst/>
+                  </a:prstGeom>
+                  <a:solidFill>
+                    <a:schemeClr val="tx1"/>
+                  </a:solidFill>
+                  <a:ln w="38100">
+                    <a:solidFill>
+                      <a:schemeClr val="tx1"/>
+                    </a:solidFill>
+                  </a:ln>
+                </p:spPr>
+                <p:style>
+                  <a:lnRef idx="2">
+                    <a:schemeClr val="accent1">
+                      <a:shade val="50000"/>
+                    </a:schemeClr>
+                  </a:lnRef>
+                  <a:fillRef idx="1">
+                    <a:schemeClr val="accent1"/>
+                  </a:fillRef>
+                  <a:effectRef idx="0">
+                    <a:schemeClr val="accent1"/>
+                  </a:effectRef>
+                  <a:fontRef idx="minor">
+                    <a:schemeClr val="lt1"/>
+                  </a:fontRef>
+                </p:style>
+                <p:txBody>
+                  <a:bodyPr rtlCol="0" anchor="ctr"/>
+                  <a:lstStyle/>
+                  <a:p>
+                    <a:pPr algn="ctr"/>
+                    <a:endParaRPr lang="en-US"/>
+                  </a:p>
+                </p:txBody>
+              </p:sp>
+              <p:cxnSp>
+                <p:nvCxnSpPr>
+                  <p:cNvPr id="13" name="Straight Connector 12"/>
+                  <p:cNvCxnSpPr/>
+                  <p:nvPr/>
+                </p:nvCxnSpPr>
+                <p:spPr>
+                  <a:xfrm>
+                    <a:off x="7228864" y="1192477"/>
+                    <a:ext cx="0" cy="66927"/>
+                  </a:xfrm>
+                  <a:prstGeom prst="line">
+                    <a:avLst/>
+                  </a:prstGeom>
+                  <a:ln w="38100">
+                    <a:solidFill>
+                      <a:srgbClr val="FF0000"/>
+                    </a:solidFill>
+                  </a:ln>
+                </p:spPr>
+                <p:style>
+                  <a:lnRef idx="1">
+                    <a:schemeClr val="accent1"/>
+                  </a:lnRef>
+                  <a:fillRef idx="0">
+                    <a:schemeClr val="accent1"/>
+                  </a:fillRef>
+                  <a:effectRef idx="0">
+                    <a:schemeClr val="accent1"/>
+                  </a:effectRef>
+                  <a:fontRef idx="minor">
+                    <a:schemeClr val="tx1"/>
+                  </a:fontRef>
+                </p:style>
+              </p:cxnSp>
+              <p:cxnSp>
+                <p:nvCxnSpPr>
+                  <p:cNvPr id="14" name="Straight Connector 13"/>
+                  <p:cNvCxnSpPr/>
+                  <p:nvPr/>
+                </p:nvCxnSpPr>
+                <p:spPr>
+                  <a:xfrm>
+                    <a:off x="7228864" y="1310214"/>
+                    <a:ext cx="0" cy="66927"/>
+                  </a:xfrm>
+                  <a:prstGeom prst="line">
+                    <a:avLst/>
+                  </a:prstGeom>
+                  <a:ln w="38100">
+                    <a:solidFill>
+                      <a:srgbClr val="FF0000"/>
+                    </a:solidFill>
+                  </a:ln>
+                </p:spPr>
+                <p:style>
+                  <a:lnRef idx="1">
+                    <a:schemeClr val="accent1"/>
+                  </a:lnRef>
+                  <a:fillRef idx="0">
+                    <a:schemeClr val="accent1"/>
+                  </a:fillRef>
+                  <a:effectRef idx="0">
+                    <a:schemeClr val="accent1"/>
+                  </a:effectRef>
+                  <a:fontRef idx="minor">
+                    <a:schemeClr val="tx1"/>
+                  </a:fontRef>
+                </p:style>
+              </p:cxnSp>
+              <p:cxnSp>
+                <p:nvCxnSpPr>
+                  <p:cNvPr id="15" name="Straight Connector 14"/>
+                  <p:cNvCxnSpPr/>
+                  <p:nvPr/>
+                </p:nvCxnSpPr>
+                <p:spPr>
+                  <a:xfrm>
+                    <a:off x="6795038" y="1192477"/>
+                    <a:ext cx="0" cy="66927"/>
+                  </a:xfrm>
+                  <a:prstGeom prst="line">
+                    <a:avLst/>
+                  </a:prstGeom>
+                  <a:ln w="38100">
+                    <a:solidFill>
+                      <a:srgbClr val="FFFF00"/>
+                    </a:solidFill>
+                  </a:ln>
+                </p:spPr>
+                <p:style>
+                  <a:lnRef idx="1">
+                    <a:schemeClr val="accent1"/>
+                  </a:lnRef>
+                  <a:fillRef idx="0">
+                    <a:schemeClr val="accent1"/>
+                  </a:fillRef>
+                  <a:effectRef idx="0">
+                    <a:schemeClr val="accent1"/>
+                  </a:effectRef>
+                  <a:fontRef idx="minor">
+                    <a:schemeClr val="tx1"/>
+                  </a:fontRef>
+                </p:style>
+              </p:cxnSp>
+              <p:cxnSp>
+                <p:nvCxnSpPr>
+                  <p:cNvPr id="16" name="Straight Connector 15"/>
+                  <p:cNvCxnSpPr/>
+                  <p:nvPr/>
+                </p:nvCxnSpPr>
+                <p:spPr>
+                  <a:xfrm>
+                    <a:off x="6795038" y="1310214"/>
+                    <a:ext cx="0" cy="66927"/>
+                  </a:xfrm>
+                  <a:prstGeom prst="line">
+                    <a:avLst/>
+                  </a:prstGeom>
+                  <a:ln w="38100">
+                    <a:solidFill>
+                      <a:srgbClr val="FFFF00"/>
+                    </a:solidFill>
+                  </a:ln>
+                </p:spPr>
+                <p:style>
+                  <a:lnRef idx="1">
+                    <a:schemeClr val="accent1"/>
+                  </a:lnRef>
+                  <a:fillRef idx="0">
+                    <a:schemeClr val="accent1"/>
+                  </a:fillRef>
+                  <a:effectRef idx="0">
+                    <a:schemeClr val="accent1"/>
+                  </a:effectRef>
+                  <a:fontRef idx="minor">
+                    <a:schemeClr val="tx1"/>
+                  </a:fontRef>
+                </p:style>
+              </p:cxnSp>
+            </p:grpSp>
+            <p:cxnSp>
+              <p:nvCxnSpPr>
+                <p:cNvPr id="19" name="Straight Connector 18"/>
+                <p:cNvCxnSpPr/>
+                <p:nvPr/>
+              </p:nvCxnSpPr>
+              <p:spPr>
+                <a:xfrm flipV="1">
+                  <a:off x="3362092" y="2235356"/>
+                  <a:ext cx="974412" cy="1193643"/>
+                </a:xfrm>
+                <a:prstGeom prst="line">
+                  <a:avLst/>
+                </a:prstGeom>
+                <a:ln w="38100">
+                  <a:solidFill>
+                    <a:schemeClr val="tx1"/>
+                  </a:solidFill>
+                  <a:prstDash val="sysDot"/>
+                </a:ln>
+              </p:spPr>
+              <p:style>
+                <a:lnRef idx="1">
+                  <a:schemeClr val="accent1"/>
+                </a:lnRef>
+                <a:fillRef idx="0">
+                  <a:schemeClr val="accent1"/>
+                </a:fillRef>
+                <a:effectRef idx="0">
+                  <a:schemeClr val="accent1"/>
+                </a:effectRef>
+                <a:fontRef idx="minor">
+                  <a:schemeClr val="tx1"/>
+                </a:fontRef>
+              </p:style>
+            </p:cxnSp>
+            <mc:AlternateContent xmlns:mc="http://schemas.openxmlformats.org/markup-compatibility/2006">
+              <mc:Choice xmlns:a14="http://schemas.microsoft.com/office/drawing/2010/main" Requires="a14">
+                <p:sp>
+                  <p:nvSpPr>
+                    <p:cNvPr id="20" name="TextBox 19"/>
+                    <p:cNvSpPr txBox="1"/>
+                    <p:nvPr/>
+                  </p:nvSpPr>
+                  <p:spPr>
+                    <a:xfrm>
+                      <a:off x="3849298" y="2832177"/>
+                      <a:ext cx="241540" cy="307777"/>
+                    </a:xfrm>
+                    <a:prstGeom prst="rect">
+                      <a:avLst/>
+                    </a:prstGeom>
+                    <a:noFill/>
+                  </p:spPr>
+                  <p:txBody>
+                    <a:bodyPr wrap="none" lIns="0" tIns="0" rIns="0" bIns="0" rtlCol="0">
+                      <a:spAutoFit/>
+                    </a:bodyPr>
+                    <a:lstStyle/>
+                    <a:p>
+                      <a14:m>
+                        <m:oMathPara xmlns:m="http://schemas.openxmlformats.org/officeDocument/2006/math">
+                          <m:oMathParaPr>
+                            <m:jc m:val="centerGroup"/>
+                          </m:oMathParaPr>
+                          <m:oMath xmlns:m="http://schemas.openxmlformats.org/officeDocument/2006/math">
+                            <m:r>
+                              <a:rPr lang="en-US" sz="2000" b="0" i="1" smtClean="0">
+                                <a:latin typeface="Cambria Math" panose="02040503050406030204" pitchFamily="18" charset="0"/>
+                                <a:cs typeface="Arial" panose="020B0604020202020204" pitchFamily="34" charset="0"/>
+                              </a:rPr>
+                              <m:t>𝑅</m:t>
+                            </m:r>
+                          </m:oMath>
+                        </m:oMathPara>
+                      </a14:m>
+                      <a:endParaRPr lang="en-US" sz="2000" dirty="0" smtClean="0">
+                        <a:latin typeface="Arial" panose="020B0604020202020204" pitchFamily="34" charset="0"/>
+                        <a:cs typeface="Arial" panose="020B0604020202020204" pitchFamily="34" charset="0"/>
+                      </a:endParaRPr>
+                    </a:p>
+                  </p:txBody>
+                </p:sp>
+              </mc:Choice>
+              <mc:Fallback>
+                <p:sp>
+                  <p:nvSpPr>
+                    <p:cNvPr id="20" name="TextBox 19"/>
+                    <p:cNvSpPr txBox="1">
+                      <a:spLocks noRot="1" noChangeAspect="1" noMove="1" noResize="1" noEditPoints="1" noAdjustHandles="1" noChangeArrowheads="1" noChangeShapeType="1" noTextEdit="1"/>
+                    </p:cNvSpPr>
+                    <p:nvPr/>
+                  </p:nvSpPr>
+                  <p:spPr>
+                    <a:xfrm>
+                      <a:off x="3849298" y="2832177"/>
+                      <a:ext cx="241540" cy="307777"/>
+                    </a:xfrm>
+                    <a:prstGeom prst="rect">
+                      <a:avLst/>
+                    </a:prstGeom>
+                    <a:blipFill>
+                      <a:blip r:embed="rId49"/>
+                      <a:stretch>
+                        <a:fillRect l="-20000" r="-20000" b="-9804"/>
+                      </a:stretch>
+                    </a:blipFill>
+                  </p:spPr>
+                  <p:txBody>
+                    <a:bodyPr/>
+                    <a:lstStyle/>
+                    <a:p>
+                      <a:r>
+                        <a:rPr lang="en-US">
+                          <a:noFill/>
+                        </a:rPr>
+                        <a:t> </a:t>
+                      </a:r>
+                    </a:p>
+                  </p:txBody>
+                </p:sp>
+              </mc:Fallback>
+            </mc:AlternateContent>
+          </p:grpSp>
+          <mc:AlternateContent xmlns:mc="http://schemas.openxmlformats.org/markup-compatibility/2006">
+            <mc:Choice xmlns:a14="http://schemas.microsoft.com/office/drawing/2010/main" Requires="a14">
+              <p:sp>
+                <p:nvSpPr>
+                  <p:cNvPr id="44" name="TextBox 43"/>
+                  <p:cNvSpPr txBox="1"/>
+                  <p:nvPr/>
+                </p:nvSpPr>
+                <p:spPr>
+                  <a:xfrm>
+                    <a:off x="2434943" y="3301878"/>
                     <a:ext cx="1105495" cy="307777"/>
                   </a:xfrm>
                   <a:prstGeom prst="rect">
@@ -18806,6 +26834,7 @@
                   </a:bodyPr>
                   <a:lstStyle/>
                   <a:p>
+                    <a:pPr/>
                     <a14:m>
                       <m:oMathPara xmlns:m="http://schemas.openxmlformats.org/officeDocument/2006/math">
                         <m:oMathParaPr>
@@ -18847,7 +26876,7 @@
             <mc:Fallback>
               <p:sp>
                 <p:nvSpPr>
-                  <p:cNvPr id="10" name="TextBox 9"/>
+                  <p:cNvPr id="44" name="TextBox 43"/>
                   <p:cNvSpPr txBox="1">
                     <a:spLocks noRot="1" noChangeAspect="1" noMove="1" noResize="1" noEditPoints="1" noAdjustHandles="1" noChangeArrowheads="1" noChangeShapeType="1" noTextEdit="1"/>
                   </p:cNvSpPr>
@@ -18855,16 +26884,16 @@
                 </p:nvSpPr>
                 <p:spPr>
                   <a:xfrm>
-                    <a:off x="2392033" y="4309946"/>
+                    <a:off x="2434943" y="3301878"/>
                     <a:ext cx="1105495" cy="307777"/>
                   </a:xfrm>
                   <a:prstGeom prst="rect">
                     <a:avLst/>
                   </a:prstGeom>
                   <a:blipFill>
-                    <a:blip r:embed="rId49"/>
+                    <a:blip r:embed="rId50"/>
                     <a:stretch>
-                      <a:fillRect l="-6630" r="-3867" b="-35294"/>
+                      <a:fillRect l="-6593" r="-3846" b="-38000"/>
                     </a:stretch>
                   </a:blipFill>
                 </p:spPr>
@@ -18884,540 +26913,43 @@
             </mc:Fallback>
           </mc:AlternateContent>
         </p:grpSp>
-        <mc:AlternateContent xmlns:mc="http://schemas.openxmlformats.org/markup-compatibility/2006">
-          <mc:Choice xmlns:a14="http://schemas.microsoft.com/office/drawing/2010/main" Requires="a14">
-            <p:sp>
-              <p:nvSpPr>
-                <p:cNvPr id="44" name="TextBox 43"/>
-                <p:cNvSpPr txBox="1"/>
-                <p:nvPr/>
-              </p:nvSpPr>
-              <p:spPr>
-                <a:xfrm>
-                  <a:off x="2437557" y="1283880"/>
-                  <a:ext cx="241540" cy="307777"/>
-                </a:xfrm>
-                <a:prstGeom prst="rect">
-                  <a:avLst/>
-                </a:prstGeom>
-                <a:noFill/>
-              </p:spPr>
-              <p:txBody>
-                <a:bodyPr wrap="none" lIns="0" tIns="0" rIns="0" bIns="0" rtlCol="0">
-                  <a:spAutoFit/>
-                </a:bodyPr>
-                <a:lstStyle/>
-                <a:p>
-                  <a14:m>
-                    <m:oMathPara xmlns:m="http://schemas.openxmlformats.org/officeDocument/2006/math">
-                      <m:oMathParaPr>
-                        <m:jc m:val="centerGroup"/>
-                      </m:oMathParaPr>
-                      <m:oMath xmlns:m="http://schemas.openxmlformats.org/officeDocument/2006/math">
-                        <m:r>
-                          <a:rPr lang="en-US" sz="2000" b="0" i="1" smtClean="0">
-                            <a:latin typeface="Cambria Math" panose="02040503050406030204" pitchFamily="18" charset="0"/>
-                            <a:cs typeface="Arial" panose="020B0604020202020204" pitchFamily="34" charset="0"/>
-                          </a:rPr>
-                          <m:t>𝑅</m:t>
-                        </m:r>
-                      </m:oMath>
-                    </m:oMathPara>
-                  </a14:m>
-                  <a:endParaRPr lang="en-US" sz="2000" dirty="0" smtClean="0">
-                    <a:latin typeface="Arial" panose="020B0604020202020204" pitchFamily="34" charset="0"/>
-                    <a:cs typeface="Arial" panose="020B0604020202020204" pitchFamily="34" charset="0"/>
-                  </a:endParaRPr>
-                </a:p>
-              </p:txBody>
-            </p:sp>
-          </mc:Choice>
-          <mc:Fallback>
-            <p:sp>
-              <p:nvSpPr>
-                <p:cNvPr id="44" name="TextBox 43"/>
-                <p:cNvSpPr txBox="1">
-                  <a:spLocks noRot="1" noChangeAspect="1" noMove="1" noResize="1" noEditPoints="1" noAdjustHandles="1" noChangeArrowheads="1" noChangeShapeType="1" noTextEdit="1"/>
-                </p:cNvSpPr>
-                <p:nvPr/>
-              </p:nvSpPr>
-              <p:spPr>
-                <a:xfrm>
-                  <a:off x="2437557" y="1283880"/>
-                  <a:ext cx="241540" cy="307777"/>
-                </a:xfrm>
-                <a:prstGeom prst="rect">
-                  <a:avLst/>
-                </a:prstGeom>
-                <a:blipFill>
-                  <a:blip r:embed="rId50"/>
-                  <a:stretch>
-                    <a:fillRect l="-23077" r="-20513" b="-10000"/>
-                  </a:stretch>
-                </a:blipFill>
-              </p:spPr>
-              <p:txBody>
-                <a:bodyPr/>
-                <a:lstStyle/>
-                <a:p>
-                  <a:r>
-                    <a:rPr lang="en-US">
-                      <a:noFill/>
-                    </a:rPr>
-                    <a:t> </a:t>
-                  </a:r>
-                </a:p>
-              </p:txBody>
-            </p:sp>
-          </mc:Fallback>
-        </mc:AlternateContent>
-      </p:grpSp>
-      <p:grpSp>
-        <p:nvGrpSpPr>
-          <p:cNvPr id="47" name="Group 46"/>
-          <p:cNvGrpSpPr/>
-          <p:nvPr/>
-        </p:nvGrpSpPr>
-        <p:grpSpPr>
-          <a:xfrm>
-            <a:off x="557559" y="3680291"/>
-            <a:ext cx="2642839" cy="2922738"/>
-            <a:chOff x="557559" y="3680291"/>
-            <a:chExt cx="2642839" cy="2922738"/>
-          </a:xfrm>
-        </p:grpSpPr>
-        <p:grpSp>
-          <p:nvGrpSpPr>
-            <p:cNvPr id="38" name="Group 37"/>
-            <p:cNvGrpSpPr/>
-            <p:nvPr/>
-          </p:nvGrpSpPr>
-          <p:grpSpPr>
-            <a:xfrm>
-              <a:off x="557559" y="3680291"/>
-              <a:ext cx="2642839" cy="2922738"/>
-              <a:chOff x="1694985" y="1694985"/>
-              <a:chExt cx="2642839" cy="2922738"/>
-            </a:xfrm>
-          </p:grpSpPr>
-          <p:sp>
-            <p:nvSpPr>
-              <p:cNvPr id="39" name="Oval 38"/>
-              <p:cNvSpPr/>
-              <p:nvPr/>
-            </p:nvSpPr>
-            <p:spPr>
-              <a:xfrm>
-                <a:off x="1694985" y="1694985"/>
-                <a:ext cx="2642839" cy="2486722"/>
-              </a:xfrm>
-              <a:prstGeom prst="ellipse">
-                <a:avLst/>
-              </a:prstGeom>
-              <a:noFill/>
-              <a:ln w="38100">
-                <a:solidFill>
-                  <a:schemeClr val="tx1"/>
-                </a:solidFill>
-                <a:prstDash val="dash"/>
-              </a:ln>
-            </p:spPr>
-            <p:style>
-              <a:lnRef idx="2">
-                <a:schemeClr val="accent1">
-                  <a:shade val="50000"/>
-                </a:schemeClr>
-              </a:lnRef>
-              <a:fillRef idx="1">
-                <a:schemeClr val="accent1"/>
-              </a:fillRef>
-              <a:effectRef idx="0">
-                <a:schemeClr val="accent1"/>
-              </a:effectRef>
-              <a:fontRef idx="minor">
-                <a:schemeClr val="lt1"/>
-              </a:fontRef>
-            </p:style>
-            <p:txBody>
-              <a:bodyPr rtlCol="0" anchor="ctr"/>
-              <a:lstStyle/>
-              <a:p>
-                <a:pPr algn="ctr"/>
-                <a:endParaRPr lang="en-US"/>
-              </a:p>
-            </p:txBody>
-          </p:sp>
-          <p:cxnSp>
-            <p:nvCxnSpPr>
-              <p:cNvPr id="41" name="Straight Connector 40"/>
-              <p:cNvCxnSpPr/>
-              <p:nvPr/>
-            </p:nvCxnSpPr>
-            <p:spPr>
-              <a:xfrm flipH="1">
-                <a:off x="3016404" y="2938346"/>
-                <a:ext cx="1187605" cy="0"/>
-              </a:xfrm>
-              <a:prstGeom prst="line">
-                <a:avLst/>
-              </a:prstGeom>
-              <a:ln w="38100">
-                <a:solidFill>
-                  <a:schemeClr val="tx1"/>
-                </a:solidFill>
-              </a:ln>
-            </p:spPr>
-            <p:style>
-              <a:lnRef idx="1">
-                <a:schemeClr val="accent1"/>
-              </a:lnRef>
-              <a:fillRef idx="0">
-                <a:schemeClr val="accent1"/>
-              </a:fillRef>
-              <a:effectRef idx="0">
-                <a:schemeClr val="accent1"/>
-              </a:effectRef>
-              <a:fontRef idx="minor">
-                <a:schemeClr val="tx1"/>
-              </a:fontRef>
-            </p:style>
-          </p:cxnSp>
-          <p:sp>
-            <p:nvSpPr>
-              <p:cNvPr id="42" name="Oval 41"/>
-              <p:cNvSpPr/>
-              <p:nvPr/>
-            </p:nvSpPr>
-            <p:spPr>
-              <a:xfrm>
-                <a:off x="2944781" y="2880624"/>
-                <a:ext cx="120943" cy="119766"/>
-              </a:xfrm>
-              <a:prstGeom prst="ellipse">
-                <a:avLst/>
-              </a:prstGeom>
-              <a:solidFill>
-                <a:schemeClr val="tx1"/>
-              </a:solidFill>
-              <a:ln w="38100">
-                <a:solidFill>
-                  <a:schemeClr val="tx1"/>
-                </a:solidFill>
-              </a:ln>
-            </p:spPr>
-            <p:style>
-              <a:lnRef idx="2">
-                <a:schemeClr val="accent1">
-                  <a:shade val="50000"/>
-                </a:schemeClr>
-              </a:lnRef>
-              <a:fillRef idx="1">
-                <a:schemeClr val="accent1"/>
-              </a:fillRef>
-              <a:effectRef idx="0">
-                <a:schemeClr val="accent1"/>
-              </a:effectRef>
-              <a:fontRef idx="minor">
-                <a:schemeClr val="lt1"/>
-              </a:fontRef>
-            </p:style>
-            <p:txBody>
-              <a:bodyPr rtlCol="0" anchor="ctr"/>
-              <a:lstStyle/>
-              <a:p>
-                <a:pPr algn="ctr"/>
-                <a:endParaRPr lang="en-US"/>
-              </a:p>
-            </p:txBody>
-          </p:sp>
-          <mc:AlternateContent xmlns:mc="http://schemas.openxmlformats.org/markup-compatibility/2006">
-            <mc:Choice xmlns:a14="http://schemas.microsoft.com/office/drawing/2010/main" Requires="a14">
-              <p:sp>
-                <p:nvSpPr>
-                  <p:cNvPr id="43" name="TextBox 42"/>
-                  <p:cNvSpPr txBox="1"/>
-                  <p:nvPr/>
-                </p:nvSpPr>
-                <p:spPr>
-                  <a:xfrm>
-                    <a:off x="2392033" y="4309946"/>
-                    <a:ext cx="1170513" cy="307777"/>
-                  </a:xfrm>
-                  <a:prstGeom prst="rect">
-                    <a:avLst/>
-                  </a:prstGeom>
-                  <a:noFill/>
-                </p:spPr>
-                <p:txBody>
-                  <a:bodyPr wrap="none" lIns="0" tIns="0" rIns="0" bIns="0" rtlCol="0">
-                    <a:spAutoFit/>
-                  </a:bodyPr>
-                  <a:lstStyle/>
-                  <a:p>
-                    <a14:m>
-                      <m:oMathPara xmlns:m="http://schemas.openxmlformats.org/officeDocument/2006/math">
-                        <m:oMathParaPr>
-                          <m:jc m:val="centerGroup"/>
-                        </m:oMathParaPr>
-                        <m:oMath xmlns:m="http://schemas.openxmlformats.org/officeDocument/2006/math">
-                          <m:r>
-                            <a:rPr lang="en-US" sz="2000" b="0" i="1" smtClean="0">
-                              <a:latin typeface="Cambria Math" panose="02040503050406030204" pitchFamily="18" charset="0"/>
-                              <a:cs typeface="Arial" panose="020B0604020202020204" pitchFamily="34" charset="0"/>
-                            </a:rPr>
-                            <m:t>𝑆𝑖𝑑𝑒</m:t>
-                          </m:r>
-                          <m:r>
-                            <a:rPr lang="en-US" sz="2000" b="0" i="1" smtClean="0">
-                              <a:latin typeface="Cambria Math" panose="02040503050406030204" pitchFamily="18" charset="0"/>
-                              <a:cs typeface="Arial" panose="020B0604020202020204" pitchFamily="34" charset="0"/>
-                            </a:rPr>
-                            <m:t> </m:t>
-                          </m:r>
-                          <m:r>
-                            <a:rPr lang="en-US" sz="2000" b="0" i="1" smtClean="0">
-                              <a:latin typeface="Cambria Math" panose="02040503050406030204" pitchFamily="18" charset="0"/>
-                              <a:cs typeface="Arial" panose="020B0604020202020204" pitchFamily="34" charset="0"/>
-                            </a:rPr>
-                            <m:t>𝑣𝑖𝑒𝑤</m:t>
-                          </m:r>
-                        </m:oMath>
-                      </m:oMathPara>
-                    </a14:m>
-                    <a:endParaRPr lang="en-US" sz="2000" dirty="0" smtClean="0">
-                      <a:latin typeface="Arial" panose="020B0604020202020204" pitchFamily="34" charset="0"/>
-                      <a:cs typeface="Arial" panose="020B0604020202020204" pitchFamily="34" charset="0"/>
-                    </a:endParaRPr>
-                  </a:p>
-                </p:txBody>
-              </p:sp>
-            </mc:Choice>
-            <mc:Fallback>
-              <p:sp>
-                <p:nvSpPr>
-                  <p:cNvPr id="43" name="TextBox 42"/>
-                  <p:cNvSpPr txBox="1">
-                    <a:spLocks noRot="1" noChangeAspect="1" noMove="1" noResize="1" noEditPoints="1" noAdjustHandles="1" noChangeArrowheads="1" noChangeShapeType="1" noTextEdit="1"/>
-                  </p:cNvSpPr>
-                  <p:nvPr/>
-                </p:nvSpPr>
-                <p:spPr>
-                  <a:xfrm>
-                    <a:off x="2392033" y="4309946"/>
-                    <a:ext cx="1170513" cy="307777"/>
-                  </a:xfrm>
-                  <a:prstGeom prst="rect">
-                    <a:avLst/>
-                  </a:prstGeom>
-                  <a:blipFill>
-                    <a:blip r:embed="rId51"/>
-                    <a:stretch>
-                      <a:fillRect l="-4167" r="-3646" b="-12000"/>
-                    </a:stretch>
-                  </a:blipFill>
-                </p:spPr>
-                <p:txBody>
-                  <a:bodyPr/>
-                  <a:lstStyle/>
-                  <a:p>
-                    <a:r>
-                      <a:rPr lang="en-US">
-                        <a:noFill/>
-                      </a:rPr>
-                      <a:t> </a:t>
-                    </a:r>
-                  </a:p>
-                </p:txBody>
-              </p:sp>
-            </mc:Fallback>
-          </mc:AlternateContent>
-        </p:grpSp>
-        <mc:AlternateContent xmlns:mc="http://schemas.openxmlformats.org/markup-compatibility/2006">
-          <mc:Choice xmlns:a14="http://schemas.microsoft.com/office/drawing/2010/main" Requires="a14">
-            <p:sp>
-              <p:nvSpPr>
-                <p:cNvPr id="45" name="TextBox 44"/>
-                <p:cNvSpPr txBox="1"/>
-                <p:nvPr/>
-              </p:nvSpPr>
-              <p:spPr>
-                <a:xfrm>
-                  <a:off x="2437557" y="4576467"/>
-                  <a:ext cx="241540" cy="307777"/>
-                </a:xfrm>
-                <a:prstGeom prst="rect">
-                  <a:avLst/>
-                </a:prstGeom>
-                <a:noFill/>
-              </p:spPr>
-              <p:txBody>
-                <a:bodyPr wrap="none" lIns="0" tIns="0" rIns="0" bIns="0" rtlCol="0">
-                  <a:spAutoFit/>
-                </a:bodyPr>
-                <a:lstStyle/>
-                <a:p>
-                  <a14:m>
-                    <m:oMathPara xmlns:m="http://schemas.openxmlformats.org/officeDocument/2006/math">
-                      <m:oMathParaPr>
-                        <m:jc m:val="centerGroup"/>
-                      </m:oMathParaPr>
-                      <m:oMath xmlns:m="http://schemas.openxmlformats.org/officeDocument/2006/math">
-                        <m:r>
-                          <a:rPr lang="en-US" sz="2000" b="0" i="1" smtClean="0">
-                            <a:latin typeface="Cambria Math" panose="02040503050406030204" pitchFamily="18" charset="0"/>
-                            <a:cs typeface="Arial" panose="020B0604020202020204" pitchFamily="34" charset="0"/>
-                          </a:rPr>
-                          <m:t>𝑅</m:t>
-                        </m:r>
-                      </m:oMath>
-                    </m:oMathPara>
-                  </a14:m>
-                  <a:endParaRPr lang="en-US" sz="2000" dirty="0" smtClean="0">
-                    <a:latin typeface="Arial" panose="020B0604020202020204" pitchFamily="34" charset="0"/>
-                    <a:cs typeface="Arial" panose="020B0604020202020204" pitchFamily="34" charset="0"/>
-                  </a:endParaRPr>
-                </a:p>
-              </p:txBody>
-            </p:sp>
-          </mc:Choice>
-          <mc:Fallback>
-            <p:sp>
-              <p:nvSpPr>
-                <p:cNvPr id="45" name="TextBox 44"/>
-                <p:cNvSpPr txBox="1">
-                  <a:spLocks noRot="1" noChangeAspect="1" noMove="1" noResize="1" noEditPoints="1" noAdjustHandles="1" noChangeArrowheads="1" noChangeShapeType="1" noTextEdit="1"/>
-                </p:cNvSpPr>
-                <p:nvPr/>
-              </p:nvSpPr>
-              <p:spPr>
-                <a:xfrm>
-                  <a:off x="2437557" y="4576467"/>
-                  <a:ext cx="241540" cy="307777"/>
-                </a:xfrm>
-                <a:prstGeom prst="rect">
-                  <a:avLst/>
-                </a:prstGeom>
-                <a:blipFill>
-                  <a:blip r:embed="rId52"/>
-                  <a:stretch>
-                    <a:fillRect l="-23077" r="-20513" b="-10000"/>
-                  </a:stretch>
-                </a:blipFill>
-              </p:spPr>
-              <p:txBody>
-                <a:bodyPr/>
-                <a:lstStyle/>
-                <a:p>
-                  <a:r>
-                    <a:rPr lang="en-US">
-                      <a:noFill/>
-                    </a:rPr>
-                    <a:t> </a:t>
-                  </a:r>
-                </a:p>
-              </p:txBody>
-            </p:sp>
-          </mc:Fallback>
-        </mc:AlternateContent>
-      </p:grpSp>
-      <p:grpSp>
-        <p:nvGrpSpPr>
-          <p:cNvPr id="49" name="Group 48"/>
-          <p:cNvGrpSpPr/>
-          <p:nvPr/>
-        </p:nvGrpSpPr>
-        <p:grpSpPr>
-          <a:xfrm>
-            <a:off x="3995732" y="3590522"/>
-            <a:ext cx="2642839" cy="2486722"/>
-            <a:chOff x="1694985" y="1694985"/>
-            <a:chExt cx="2642839" cy="2486722"/>
-          </a:xfrm>
-        </p:grpSpPr>
         <p:sp>
           <p:nvSpPr>
-            <p:cNvPr id="51" name="Oval 50"/>
+            <p:cNvPr id="46" name="Arc 45"/>
             <p:cNvSpPr/>
             <p:nvPr/>
           </p:nvSpPr>
           <p:spPr>
             <a:xfrm>
-              <a:off x="1694985" y="1694985"/>
-              <a:ext cx="2642839" cy="2486722"/>
+              <a:off x="1079385" y="885003"/>
+              <a:ext cx="4061493" cy="3462669"/>
             </a:xfrm>
-            <a:prstGeom prst="ellipse">
-              <a:avLst/>
+            <a:prstGeom prst="arc">
+              <a:avLst>
+                <a:gd name="adj1" fmla="val 17450958"/>
+                <a:gd name="adj2" fmla="val 20413314"/>
+              </a:avLst>
             </a:prstGeom>
-            <a:noFill/>
             <a:ln w="38100">
               <a:solidFill>
                 <a:schemeClr val="tx1"/>
               </a:solidFill>
-              <a:prstDash val="dash"/>
+              <a:headEnd type="triangle" w="med" len="med"/>
+              <a:tailEnd type="none" w="med" len="med"/>
             </a:ln>
           </p:spPr>
           <p:style>
-            <a:lnRef idx="2">
-              <a:schemeClr val="accent1">
-                <a:shade val="50000"/>
-              </a:schemeClr>
+            <a:lnRef idx="1">
+              <a:schemeClr val="accent1"/>
             </a:lnRef>
-            <a:fillRef idx="1">
+            <a:fillRef idx="0">
               <a:schemeClr val="accent1"/>
             </a:fillRef>
             <a:effectRef idx="0">
               <a:schemeClr val="accent1"/>
             </a:effectRef>
             <a:fontRef idx="minor">
-              <a:schemeClr val="lt1"/>
-            </a:fontRef>
-          </p:style>
-          <p:txBody>
-            <a:bodyPr rtlCol="0" anchor="ctr"/>
-            <a:lstStyle/>
-            <a:p>
-              <a:pPr algn="ctr"/>
-              <a:endParaRPr lang="en-US"/>
-            </a:p>
-          </p:txBody>
-        </p:sp>
-        <p:sp>
-          <p:nvSpPr>
-            <p:cNvPr id="54" name="Oval 53"/>
-            <p:cNvSpPr/>
-            <p:nvPr/>
-          </p:nvSpPr>
-          <p:spPr>
-            <a:xfrm>
-              <a:off x="2944781" y="2880624"/>
-              <a:ext cx="120943" cy="119766"/>
-            </a:xfrm>
-            <a:prstGeom prst="ellipse">
-              <a:avLst/>
-            </a:prstGeom>
-            <a:solidFill>
               <a:schemeClr val="tx1"/>
-            </a:solidFill>
-            <a:ln w="38100">
-              <a:solidFill>
-                <a:schemeClr val="tx1"/>
-              </a:solidFill>
-            </a:ln>
-          </p:spPr>
-          <p:style>
-            <a:lnRef idx="2">
-              <a:schemeClr val="accent1">
-                <a:shade val="50000"/>
-              </a:schemeClr>
-            </a:lnRef>
-            <a:fillRef idx="1">
-              <a:schemeClr val="accent1"/>
-            </a:fillRef>
-            <a:effectRef idx="0">
-              <a:schemeClr val="accent1"/>
-            </a:effectRef>
-            <a:fontRef idx="minor">
-              <a:schemeClr val="lt1"/>
             </a:fontRef>
           </p:style>
           <p:txBody>
@@ -19430,550 +26962,10 @@
           </p:txBody>
         </p:sp>
       </p:grpSp>
-      <p:cxnSp>
-        <p:nvCxnSpPr>
-          <p:cNvPr id="61" name="Straight Arrow Connector 60"/>
-          <p:cNvCxnSpPr/>
-          <p:nvPr/>
-        </p:nvCxnSpPr>
-        <p:spPr>
-          <a:xfrm flipH="1">
-            <a:off x="5317150" y="3725159"/>
-            <a:ext cx="1" cy="568061"/>
-          </a:xfrm>
-          <a:prstGeom prst="straightConnector1">
-            <a:avLst/>
-          </a:prstGeom>
-          <a:ln w="38100">
-            <a:solidFill>
-              <a:schemeClr val="tx1"/>
-            </a:solidFill>
-            <a:tailEnd type="triangle"/>
-          </a:ln>
-        </p:spPr>
-        <p:style>
-          <a:lnRef idx="1">
-            <a:schemeClr val="accent1"/>
-          </a:lnRef>
-          <a:fillRef idx="0">
-            <a:schemeClr val="accent1"/>
-          </a:fillRef>
-          <a:effectRef idx="0">
-            <a:schemeClr val="accent1"/>
-          </a:effectRef>
-          <a:fontRef idx="minor">
-            <a:schemeClr val="tx1"/>
-          </a:fontRef>
-        </p:style>
-      </p:cxnSp>
-      <p:cxnSp>
-        <p:nvCxnSpPr>
-          <p:cNvPr id="62" name="Straight Arrow Connector 61"/>
-          <p:cNvCxnSpPr/>
-          <p:nvPr/>
-        </p:nvCxnSpPr>
-        <p:spPr>
-          <a:xfrm flipH="1">
-            <a:off x="6255043" y="4079878"/>
-            <a:ext cx="1" cy="568061"/>
-          </a:xfrm>
-          <a:prstGeom prst="straightConnector1">
-            <a:avLst/>
-          </a:prstGeom>
-          <a:ln w="38100">
-            <a:solidFill>
-              <a:schemeClr val="tx1"/>
-            </a:solidFill>
-            <a:tailEnd type="triangle"/>
-          </a:ln>
-        </p:spPr>
-        <p:style>
-          <a:lnRef idx="1">
-            <a:schemeClr val="accent1"/>
-          </a:lnRef>
-          <a:fillRef idx="0">
-            <a:schemeClr val="accent1"/>
-          </a:fillRef>
-          <a:effectRef idx="0">
-            <a:schemeClr val="accent1"/>
-          </a:effectRef>
-          <a:fontRef idx="minor">
-            <a:schemeClr val="tx1"/>
-          </a:fontRef>
-        </p:style>
-      </p:cxnSp>
-      <p:cxnSp>
-        <p:nvCxnSpPr>
-          <p:cNvPr id="63" name="Straight Arrow Connector 62"/>
-          <p:cNvCxnSpPr/>
-          <p:nvPr/>
-        </p:nvCxnSpPr>
-        <p:spPr>
-          <a:xfrm flipH="1">
-            <a:off x="6638570" y="5013024"/>
-            <a:ext cx="1" cy="568061"/>
-          </a:xfrm>
-          <a:prstGeom prst="straightConnector1">
-            <a:avLst/>
-          </a:prstGeom>
-          <a:ln w="38100">
-            <a:solidFill>
-              <a:schemeClr val="tx1"/>
-            </a:solidFill>
-            <a:tailEnd type="triangle"/>
-          </a:ln>
-        </p:spPr>
-        <p:style>
-          <a:lnRef idx="1">
-            <a:schemeClr val="accent1"/>
-          </a:lnRef>
-          <a:fillRef idx="0">
-            <a:schemeClr val="accent1"/>
-          </a:fillRef>
-          <a:effectRef idx="0">
-            <a:schemeClr val="accent1"/>
-          </a:effectRef>
-          <a:fontRef idx="minor">
-            <a:schemeClr val="tx1"/>
-          </a:fontRef>
-        </p:style>
-      </p:cxnSp>
-      <p:cxnSp>
-        <p:nvCxnSpPr>
-          <p:cNvPr id="64" name="Straight Arrow Connector 63"/>
-          <p:cNvCxnSpPr/>
-          <p:nvPr/>
-        </p:nvCxnSpPr>
-        <p:spPr>
-          <a:xfrm flipH="1">
-            <a:off x="6255042" y="5854134"/>
-            <a:ext cx="1" cy="568061"/>
-          </a:xfrm>
-          <a:prstGeom prst="straightConnector1">
-            <a:avLst/>
-          </a:prstGeom>
-          <a:ln w="38100">
-            <a:solidFill>
-              <a:schemeClr val="tx1"/>
-            </a:solidFill>
-            <a:tailEnd type="triangle"/>
-          </a:ln>
-        </p:spPr>
-        <p:style>
-          <a:lnRef idx="1">
-            <a:schemeClr val="accent1"/>
-          </a:lnRef>
-          <a:fillRef idx="0">
-            <a:schemeClr val="accent1"/>
-          </a:fillRef>
-          <a:effectRef idx="0">
-            <a:schemeClr val="accent1"/>
-          </a:effectRef>
-          <a:fontRef idx="minor">
-            <a:schemeClr val="tx1"/>
-          </a:fontRef>
-        </p:style>
-      </p:cxnSp>
-      <p:cxnSp>
-        <p:nvCxnSpPr>
-          <p:cNvPr id="65" name="Straight Arrow Connector 64"/>
-          <p:cNvCxnSpPr/>
-          <p:nvPr/>
-        </p:nvCxnSpPr>
-        <p:spPr>
-          <a:xfrm flipH="1">
-            <a:off x="5317150" y="6199085"/>
-            <a:ext cx="1" cy="568061"/>
-          </a:xfrm>
-          <a:prstGeom prst="straightConnector1">
-            <a:avLst/>
-          </a:prstGeom>
-          <a:ln w="38100">
-            <a:solidFill>
-              <a:schemeClr val="tx1"/>
-            </a:solidFill>
-            <a:tailEnd type="triangle"/>
-          </a:ln>
-        </p:spPr>
-        <p:style>
-          <a:lnRef idx="1">
-            <a:schemeClr val="accent1"/>
-          </a:lnRef>
-          <a:fillRef idx="0">
-            <a:schemeClr val="accent1"/>
-          </a:fillRef>
-          <a:effectRef idx="0">
-            <a:schemeClr val="accent1"/>
-          </a:effectRef>
-          <a:fontRef idx="minor">
-            <a:schemeClr val="tx1"/>
-          </a:fontRef>
-        </p:style>
-      </p:cxnSp>
-      <p:cxnSp>
-        <p:nvCxnSpPr>
-          <p:cNvPr id="67" name="Straight Arrow Connector 66"/>
-          <p:cNvCxnSpPr/>
-          <p:nvPr/>
-        </p:nvCxnSpPr>
-        <p:spPr>
-          <a:xfrm flipV="1">
-            <a:off x="5305886" y="5214898"/>
-            <a:ext cx="6892" cy="712144"/>
-          </a:xfrm>
-          <a:prstGeom prst="straightConnector1">
-            <a:avLst/>
-          </a:prstGeom>
-          <a:ln w="38100">
-            <a:solidFill>
-              <a:schemeClr val="tx1"/>
-            </a:solidFill>
-            <a:tailEnd type="triangle"/>
-          </a:ln>
-        </p:spPr>
-        <p:style>
-          <a:lnRef idx="1">
-            <a:schemeClr val="accent1"/>
-          </a:lnRef>
-          <a:fillRef idx="0">
-            <a:schemeClr val="accent1"/>
-          </a:fillRef>
-          <a:effectRef idx="0">
-            <a:schemeClr val="accent1"/>
-          </a:effectRef>
-          <a:fontRef idx="minor">
-            <a:schemeClr val="tx1"/>
-          </a:fontRef>
-        </p:style>
-      </p:cxnSp>
-      <p:cxnSp>
-        <p:nvCxnSpPr>
-          <p:cNvPr id="69" name="Straight Arrow Connector 68"/>
-          <p:cNvCxnSpPr/>
-          <p:nvPr/>
-        </p:nvCxnSpPr>
-        <p:spPr>
-          <a:xfrm flipH="1" flipV="1">
-            <a:off x="5771966" y="5199417"/>
-            <a:ext cx="369245" cy="371554"/>
-          </a:xfrm>
-          <a:prstGeom prst="straightConnector1">
-            <a:avLst/>
-          </a:prstGeom>
-          <a:ln w="38100">
-            <a:solidFill>
-              <a:schemeClr val="tx1"/>
-            </a:solidFill>
-            <a:tailEnd type="triangle"/>
-          </a:ln>
-        </p:spPr>
-        <p:style>
-          <a:lnRef idx="1">
-            <a:schemeClr val="accent1"/>
-          </a:lnRef>
-          <a:fillRef idx="0">
-            <a:schemeClr val="accent1"/>
-          </a:fillRef>
-          <a:effectRef idx="0">
-            <a:schemeClr val="accent1"/>
-          </a:effectRef>
-          <a:fontRef idx="minor">
-            <a:schemeClr val="tx1"/>
-          </a:fontRef>
-        </p:style>
-      </p:cxnSp>
-      <p:sp>
-        <p:nvSpPr>
-          <p:cNvPr id="71" name="Oval 70"/>
-          <p:cNvSpPr/>
-          <p:nvPr/>
-        </p:nvSpPr>
-        <p:spPr>
-          <a:xfrm>
-            <a:off x="3041628" y="4779527"/>
-            <a:ext cx="317540" cy="300403"/>
-          </a:xfrm>
-          <a:prstGeom prst="ellipse">
-            <a:avLst/>
-          </a:prstGeom>
-          <a:solidFill>
-            <a:schemeClr val="tx1"/>
-          </a:solidFill>
-          <a:ln w="38100">
-            <a:solidFill>
-              <a:schemeClr val="tx1"/>
-            </a:solidFill>
-          </a:ln>
-        </p:spPr>
-        <p:style>
-          <a:lnRef idx="2">
-            <a:schemeClr val="accent1">
-              <a:shade val="50000"/>
-            </a:schemeClr>
-          </a:lnRef>
-          <a:fillRef idx="1">
-            <a:schemeClr val="accent1"/>
-          </a:fillRef>
-          <a:effectRef idx="0">
-            <a:schemeClr val="accent1"/>
-          </a:effectRef>
-          <a:fontRef idx="minor">
-            <a:schemeClr val="lt1"/>
-          </a:fontRef>
-        </p:style>
-        <p:txBody>
-          <a:bodyPr rtlCol="0" anchor="ctr"/>
-          <a:lstStyle/>
-          <a:p>
-            <a:pPr algn="ctr"/>
-            <a:endParaRPr lang="en-US"/>
-          </a:p>
-        </p:txBody>
-      </p:sp>
-      <p:sp>
-        <p:nvSpPr>
-          <p:cNvPr id="72" name="Oval 71"/>
-          <p:cNvSpPr/>
-          <p:nvPr/>
-        </p:nvSpPr>
-        <p:spPr>
-          <a:xfrm>
-            <a:off x="5167126" y="5927042"/>
-            <a:ext cx="317540" cy="300403"/>
-          </a:xfrm>
-          <a:prstGeom prst="ellipse">
-            <a:avLst/>
-          </a:prstGeom>
-          <a:solidFill>
-            <a:schemeClr val="tx1"/>
-          </a:solidFill>
-          <a:ln w="38100">
-            <a:solidFill>
-              <a:schemeClr val="tx1"/>
-            </a:solidFill>
-          </a:ln>
-        </p:spPr>
-        <p:style>
-          <a:lnRef idx="2">
-            <a:schemeClr val="accent1">
-              <a:shade val="50000"/>
-            </a:schemeClr>
-          </a:lnRef>
-          <a:fillRef idx="1">
-            <a:schemeClr val="accent1"/>
-          </a:fillRef>
-          <a:effectRef idx="0">
-            <a:schemeClr val="accent1"/>
-          </a:effectRef>
-          <a:fontRef idx="minor">
-            <a:schemeClr val="lt1"/>
-          </a:fontRef>
-        </p:style>
-        <p:txBody>
-          <a:bodyPr rtlCol="0" anchor="ctr"/>
-          <a:lstStyle/>
-          <a:p>
-            <a:pPr algn="ctr"/>
-            <a:endParaRPr lang="en-US"/>
-          </a:p>
-        </p:txBody>
-      </p:sp>
-      <p:sp>
-        <p:nvSpPr>
-          <p:cNvPr id="73" name="Oval 72"/>
-          <p:cNvSpPr/>
-          <p:nvPr/>
-        </p:nvSpPr>
-        <p:spPr>
-          <a:xfrm>
-            <a:off x="6096272" y="5544368"/>
-            <a:ext cx="317540" cy="300403"/>
-          </a:xfrm>
-          <a:prstGeom prst="ellipse">
-            <a:avLst/>
-          </a:prstGeom>
-          <a:solidFill>
-            <a:schemeClr val="tx1"/>
-          </a:solidFill>
-          <a:ln w="38100">
-            <a:solidFill>
-              <a:schemeClr val="tx1"/>
-            </a:solidFill>
-          </a:ln>
-        </p:spPr>
-        <p:style>
-          <a:lnRef idx="2">
-            <a:schemeClr val="accent1">
-              <a:shade val="50000"/>
-            </a:schemeClr>
-          </a:lnRef>
-          <a:fillRef idx="1">
-            <a:schemeClr val="accent1"/>
-          </a:fillRef>
-          <a:effectRef idx="0">
-            <a:schemeClr val="accent1"/>
-          </a:effectRef>
-          <a:fontRef idx="minor">
-            <a:schemeClr val="lt1"/>
-          </a:fontRef>
-        </p:style>
-        <p:txBody>
-          <a:bodyPr rtlCol="0" anchor="ctr"/>
-          <a:lstStyle/>
-          <a:p>
-            <a:pPr algn="ctr"/>
-            <a:endParaRPr lang="en-US"/>
-          </a:p>
-        </p:txBody>
-      </p:sp>
-      <p:sp>
-        <p:nvSpPr>
-          <p:cNvPr id="74" name="Oval 73"/>
-          <p:cNvSpPr/>
-          <p:nvPr/>
-        </p:nvSpPr>
-        <p:spPr>
-          <a:xfrm>
-            <a:off x="6096272" y="3825518"/>
-            <a:ext cx="317540" cy="300403"/>
-          </a:xfrm>
-          <a:prstGeom prst="ellipse">
-            <a:avLst/>
-          </a:prstGeom>
-          <a:solidFill>
-            <a:schemeClr val="tx1"/>
-          </a:solidFill>
-          <a:ln w="38100">
-            <a:solidFill>
-              <a:schemeClr val="tx1"/>
-            </a:solidFill>
-          </a:ln>
-        </p:spPr>
-        <p:style>
-          <a:lnRef idx="2">
-            <a:schemeClr val="accent1">
-              <a:shade val="50000"/>
-            </a:schemeClr>
-          </a:lnRef>
-          <a:fillRef idx="1">
-            <a:schemeClr val="accent1"/>
-          </a:fillRef>
-          <a:effectRef idx="0">
-            <a:schemeClr val="accent1"/>
-          </a:effectRef>
-          <a:fontRef idx="minor">
-            <a:schemeClr val="lt1"/>
-          </a:fontRef>
-        </p:style>
-        <p:txBody>
-          <a:bodyPr rtlCol="0" anchor="ctr"/>
-          <a:lstStyle/>
-          <a:p>
-            <a:pPr algn="ctr"/>
-            <a:endParaRPr lang="en-US"/>
-          </a:p>
-        </p:txBody>
-      </p:sp>
-      <p:sp>
-        <p:nvSpPr>
-          <p:cNvPr id="75" name="Oval 74"/>
-          <p:cNvSpPr/>
-          <p:nvPr/>
-        </p:nvSpPr>
-        <p:spPr>
-          <a:xfrm>
-            <a:off x="6479800" y="4712621"/>
-            <a:ext cx="317540" cy="300403"/>
-          </a:xfrm>
-          <a:prstGeom prst="ellipse">
-            <a:avLst/>
-          </a:prstGeom>
-          <a:solidFill>
-            <a:schemeClr val="tx1"/>
-          </a:solidFill>
-          <a:ln w="38100">
-            <a:solidFill>
-              <a:schemeClr val="tx1"/>
-            </a:solidFill>
-          </a:ln>
-        </p:spPr>
-        <p:style>
-          <a:lnRef idx="2">
-            <a:schemeClr val="accent1">
-              <a:shade val="50000"/>
-            </a:schemeClr>
-          </a:lnRef>
-          <a:fillRef idx="1">
-            <a:schemeClr val="accent1"/>
-          </a:fillRef>
-          <a:effectRef idx="0">
-            <a:schemeClr val="accent1"/>
-          </a:effectRef>
-          <a:fontRef idx="minor">
-            <a:schemeClr val="lt1"/>
-          </a:fontRef>
-        </p:style>
-        <p:txBody>
-          <a:bodyPr rtlCol="0" anchor="ctr"/>
-          <a:lstStyle/>
-          <a:p>
-            <a:pPr algn="ctr"/>
-            <a:endParaRPr lang="en-US"/>
-          </a:p>
-        </p:txBody>
-      </p:sp>
-      <p:sp>
-        <p:nvSpPr>
-          <p:cNvPr id="76" name="Oval 75"/>
-          <p:cNvSpPr/>
-          <p:nvPr/>
-        </p:nvSpPr>
-        <p:spPr>
-          <a:xfrm>
-            <a:off x="5167126" y="3405996"/>
-            <a:ext cx="317540" cy="300403"/>
-          </a:xfrm>
-          <a:prstGeom prst="ellipse">
-            <a:avLst/>
-          </a:prstGeom>
-          <a:solidFill>
-            <a:schemeClr val="tx1"/>
-          </a:solidFill>
-          <a:ln w="38100">
-            <a:solidFill>
-              <a:schemeClr val="tx1"/>
-            </a:solidFill>
-          </a:ln>
-        </p:spPr>
-        <p:style>
-          <a:lnRef idx="2">
-            <a:schemeClr val="accent1">
-              <a:shade val="50000"/>
-            </a:schemeClr>
-          </a:lnRef>
-          <a:fillRef idx="1">
-            <a:schemeClr val="accent1"/>
-          </a:fillRef>
-          <a:effectRef idx="0">
-            <a:schemeClr val="accent1"/>
-          </a:effectRef>
-          <a:fontRef idx="minor">
-            <a:schemeClr val="lt1"/>
-          </a:fontRef>
-        </p:style>
-        <p:txBody>
-          <a:bodyPr rtlCol="0" anchor="ctr"/>
-          <a:lstStyle/>
-          <a:p>
-            <a:pPr algn="ctr"/>
-            <a:endParaRPr lang="en-US"/>
-          </a:p>
-        </p:txBody>
-      </p:sp>
     </p:spTree>
     <p:extLst>
       <p:ext uri="{BB962C8B-B14F-4D97-AF65-F5344CB8AC3E}">
-        <p14:creationId xmlns:p14="http://schemas.microsoft.com/office/powerpoint/2010/main" val="2889034374"/>
+        <p14:creationId xmlns:p14="http://schemas.microsoft.com/office/powerpoint/2010/main" val="1725024232"/>
       </p:ext>
     </p:extLst>
   </p:cSld>

--- a/tex/figures/ApplyingNewtonsLaws/Figures.pptx
+++ b/tex/figures/ApplyingNewtonsLaws/Figures.pptx
@@ -12,6 +12,7 @@
     <p:sldId id="274" r:id="rId6"/>
     <p:sldId id="275" r:id="rId7"/>
     <p:sldId id="276" r:id="rId8"/>
+    <p:sldId id="277" r:id="rId9"/>
   </p:sldIdLst>
   <p:sldSz cx="12192000" cy="6858000"/>
   <p:notesSz cx="6858000" cy="9144000"/>
@@ -249,7 +250,7 @@
           <a:p>
             <a:fld id="{F7249F8D-641B-4CAF-BAE5-10524742F6F1}" type="datetimeFigureOut">
               <a:rPr lang="en-CA" smtClean="0"/>
-              <a:t>2018-05-31</a:t>
+              <a:t>2018-06-01</a:t>
             </a:fld>
             <a:endParaRPr lang="en-CA"/>
           </a:p>
@@ -419,7 +420,7 @@
           <a:p>
             <a:fld id="{F7249F8D-641B-4CAF-BAE5-10524742F6F1}" type="datetimeFigureOut">
               <a:rPr lang="en-CA" smtClean="0"/>
-              <a:t>2018-05-31</a:t>
+              <a:t>2018-06-01</a:t>
             </a:fld>
             <a:endParaRPr lang="en-CA"/>
           </a:p>
@@ -599,7 +600,7 @@
           <a:p>
             <a:fld id="{F7249F8D-641B-4CAF-BAE5-10524742F6F1}" type="datetimeFigureOut">
               <a:rPr lang="en-CA" smtClean="0"/>
-              <a:t>2018-05-31</a:t>
+              <a:t>2018-06-01</a:t>
             </a:fld>
             <a:endParaRPr lang="en-CA"/>
           </a:p>
@@ -769,7 +770,7 @@
           <a:p>
             <a:fld id="{F7249F8D-641B-4CAF-BAE5-10524742F6F1}" type="datetimeFigureOut">
               <a:rPr lang="en-CA" smtClean="0"/>
-              <a:t>2018-05-31</a:t>
+              <a:t>2018-06-01</a:t>
             </a:fld>
             <a:endParaRPr lang="en-CA"/>
           </a:p>
@@ -1015,7 +1016,7 @@
           <a:p>
             <a:fld id="{F7249F8D-641B-4CAF-BAE5-10524742F6F1}" type="datetimeFigureOut">
               <a:rPr lang="en-CA" smtClean="0"/>
-              <a:t>2018-05-31</a:t>
+              <a:t>2018-06-01</a:t>
             </a:fld>
             <a:endParaRPr lang="en-CA"/>
           </a:p>
@@ -1247,7 +1248,7 @@
           <a:p>
             <a:fld id="{F7249F8D-641B-4CAF-BAE5-10524742F6F1}" type="datetimeFigureOut">
               <a:rPr lang="en-CA" smtClean="0"/>
-              <a:t>2018-05-31</a:t>
+              <a:t>2018-06-01</a:t>
             </a:fld>
             <a:endParaRPr lang="en-CA"/>
           </a:p>
@@ -1614,7 +1615,7 @@
           <a:p>
             <a:fld id="{F7249F8D-641B-4CAF-BAE5-10524742F6F1}" type="datetimeFigureOut">
               <a:rPr lang="en-CA" smtClean="0"/>
-              <a:t>2018-05-31</a:t>
+              <a:t>2018-06-01</a:t>
             </a:fld>
             <a:endParaRPr lang="en-CA"/>
           </a:p>
@@ -1732,7 +1733,7 @@
           <a:p>
             <a:fld id="{F7249F8D-641B-4CAF-BAE5-10524742F6F1}" type="datetimeFigureOut">
               <a:rPr lang="en-CA" smtClean="0"/>
-              <a:t>2018-05-31</a:t>
+              <a:t>2018-06-01</a:t>
             </a:fld>
             <a:endParaRPr lang="en-CA"/>
           </a:p>
@@ -1827,7 +1828,7 @@
           <a:p>
             <a:fld id="{F7249F8D-641B-4CAF-BAE5-10524742F6F1}" type="datetimeFigureOut">
               <a:rPr lang="en-CA" smtClean="0"/>
-              <a:t>2018-05-31</a:t>
+              <a:t>2018-06-01</a:t>
             </a:fld>
             <a:endParaRPr lang="en-CA"/>
           </a:p>
@@ -2104,7 +2105,7 @@
           <a:p>
             <a:fld id="{F7249F8D-641B-4CAF-BAE5-10524742F6F1}" type="datetimeFigureOut">
               <a:rPr lang="en-CA" smtClean="0"/>
-              <a:t>2018-05-31</a:t>
+              <a:t>2018-06-01</a:t>
             </a:fld>
             <a:endParaRPr lang="en-CA"/>
           </a:p>
@@ -2357,7 +2358,7 @@
           <a:p>
             <a:fld id="{F7249F8D-641B-4CAF-BAE5-10524742F6F1}" type="datetimeFigureOut">
               <a:rPr lang="en-CA" smtClean="0"/>
-              <a:t>2018-05-31</a:t>
+              <a:t>2018-06-01</a:t>
             </a:fld>
             <a:endParaRPr lang="en-CA"/>
           </a:p>
@@ -2570,7 +2571,7 @@
           <a:p>
             <a:fld id="{F7249F8D-641B-4CAF-BAE5-10524742F6F1}" type="datetimeFigureOut">
               <a:rPr lang="en-CA" smtClean="0"/>
-              <a:t>2018-05-31</a:t>
+              <a:t>2018-06-01</a:t>
             </a:fld>
             <a:endParaRPr lang="en-CA"/>
           </a:p>
@@ -9224,8 +9225,8 @@
             </p:sp>
           </mc:Fallback>
         </mc:AlternateContent>
-        <mc:AlternateContent xmlns:mc="http://schemas.openxmlformats.org/markup-compatibility/2006">
-          <mc:Choice xmlns:a14="http://schemas.microsoft.com/office/drawing/2010/main" Requires="a14">
+        <mc:AlternateContent xmlns:mc="http://schemas.openxmlformats.org/markup-compatibility/2006" xmlns:a14="http://schemas.microsoft.com/office/drawing/2010/main">
+          <mc:Choice Requires="a14">
             <p:sp>
               <p:nvSpPr>
                 <p:cNvPr id="49" name="TextBox 48"/>
@@ -9307,7 +9308,7 @@
               </p:txBody>
             </p:sp>
           </mc:Choice>
-          <mc:Fallback>
+          <mc:Fallback xmlns="">
             <p:sp>
               <p:nvSpPr>
                 <p:cNvPr id="49" name="TextBox 48"/>
@@ -19939,8 +19940,8 @@
               </a:fontRef>
             </p:style>
           </p:cxnSp>
-          <mc:AlternateContent xmlns:mc="http://schemas.openxmlformats.org/markup-compatibility/2006">
-            <mc:Choice xmlns:a14="http://schemas.microsoft.com/office/drawing/2010/main" Requires="a14">
+          <mc:AlternateContent xmlns:mc="http://schemas.openxmlformats.org/markup-compatibility/2006" xmlns:a14="http://schemas.microsoft.com/office/drawing/2010/main">
+            <mc:Choice Requires="a14">
               <p:sp>
                 <p:nvSpPr>
                   <p:cNvPr id="66" name="TextBox 65"/>
@@ -20022,7 +20023,7 @@
                 </p:txBody>
               </p:sp>
             </mc:Choice>
-            <mc:Fallback>
+            <mc:Fallback xmlns="">
               <p:sp>
                 <p:nvSpPr>
                   <p:cNvPr id="66" name="TextBox 65"/>
@@ -20061,8 +20062,8 @@
               </p:sp>
             </mc:Fallback>
           </mc:AlternateContent>
-          <mc:AlternateContent xmlns:mc="http://schemas.openxmlformats.org/markup-compatibility/2006">
-            <mc:Choice xmlns:a14="http://schemas.microsoft.com/office/drawing/2010/main" Requires="a14">
+          <mc:AlternateContent xmlns:mc="http://schemas.openxmlformats.org/markup-compatibility/2006" xmlns:a14="http://schemas.microsoft.com/office/drawing/2010/main">
+            <mc:Choice Requires="a14">
               <p:sp>
                 <p:nvSpPr>
                   <p:cNvPr id="68" name="TextBox 67"/>
@@ -20144,7 +20145,7 @@
                 </p:txBody>
               </p:sp>
             </mc:Choice>
-            <mc:Fallback>
+            <mc:Fallback xmlns="">
               <p:sp>
                 <p:nvSpPr>
                   <p:cNvPr id="68" name="TextBox 67"/>
@@ -20183,8 +20184,8 @@
               </p:sp>
             </mc:Fallback>
           </mc:AlternateContent>
-          <mc:AlternateContent xmlns:mc="http://schemas.openxmlformats.org/markup-compatibility/2006">
-            <mc:Choice xmlns:a14="http://schemas.microsoft.com/office/drawing/2010/main" Requires="a14">
+          <mc:AlternateContent xmlns:mc="http://schemas.openxmlformats.org/markup-compatibility/2006" xmlns:a14="http://schemas.microsoft.com/office/drawing/2010/main">
+            <mc:Choice Requires="a14">
               <p:sp>
                 <p:nvSpPr>
                   <p:cNvPr id="70" name="TextBox 69"/>
@@ -20266,7 +20267,7 @@
                 </p:txBody>
               </p:sp>
             </mc:Choice>
-            <mc:Fallback>
+            <mc:Fallback xmlns="">
               <p:sp>
                 <p:nvSpPr>
                   <p:cNvPr id="70" name="TextBox 69"/>
@@ -20689,8 +20690,8 @@
               </a:fontRef>
             </p:style>
           </p:cxnSp>
-          <mc:AlternateContent xmlns:mc="http://schemas.openxmlformats.org/markup-compatibility/2006">
-            <mc:Choice xmlns:a14="http://schemas.microsoft.com/office/drawing/2010/main" Requires="a14">
+          <mc:AlternateContent xmlns:mc="http://schemas.openxmlformats.org/markup-compatibility/2006" xmlns:a14="http://schemas.microsoft.com/office/drawing/2010/main">
+            <mc:Choice Requires="a14">
               <p:sp>
                 <p:nvSpPr>
                   <p:cNvPr id="88" name="TextBox 87"/>
@@ -20713,6 +20714,7 @@
                   </a:bodyPr>
                   <a:lstStyle/>
                   <a:p>
+                    <a:pPr/>
                     <a14:m>
                       <m:oMathPara xmlns:m="http://schemas.openxmlformats.org/officeDocument/2006/math">
                         <m:oMathParaPr>
@@ -20758,7 +20760,7 @@
                 </p:txBody>
               </p:sp>
             </mc:Choice>
-            <mc:Fallback>
+            <mc:Fallback xmlns="">
               <p:sp>
                 <p:nvSpPr>
                   <p:cNvPr id="88" name="TextBox 87"/>
@@ -20797,8 +20799,8 @@
               </p:sp>
             </mc:Fallback>
           </mc:AlternateContent>
-          <mc:AlternateContent xmlns:mc="http://schemas.openxmlformats.org/markup-compatibility/2006">
-            <mc:Choice xmlns:a14="http://schemas.microsoft.com/office/drawing/2010/main" Requires="a14">
+          <mc:AlternateContent xmlns:mc="http://schemas.openxmlformats.org/markup-compatibility/2006" xmlns:a14="http://schemas.microsoft.com/office/drawing/2010/main">
+            <mc:Choice Requires="a14">
               <p:sp>
                 <p:nvSpPr>
                   <p:cNvPr id="89" name="TextBox 88"/>
@@ -20880,7 +20882,7 @@
                 </p:txBody>
               </p:sp>
             </mc:Choice>
-            <mc:Fallback>
+            <mc:Fallback xmlns="">
               <p:sp>
                 <p:nvSpPr>
                   <p:cNvPr id="89" name="TextBox 88"/>
@@ -20919,8 +20921,8 @@
               </p:sp>
             </mc:Fallback>
           </mc:AlternateContent>
-          <mc:AlternateContent xmlns:mc="http://schemas.openxmlformats.org/markup-compatibility/2006">
-            <mc:Choice xmlns:a14="http://schemas.microsoft.com/office/drawing/2010/main" Requires="a14">
+          <mc:AlternateContent xmlns:mc="http://schemas.openxmlformats.org/markup-compatibility/2006" xmlns:a14="http://schemas.microsoft.com/office/drawing/2010/main">
+            <mc:Choice Requires="a14">
               <p:sp>
                 <p:nvSpPr>
                   <p:cNvPr id="90" name="TextBox 89"/>
@@ -21002,7 +21004,7 @@
                 </p:txBody>
               </p:sp>
             </mc:Choice>
-            <mc:Fallback>
+            <mc:Fallback xmlns="">
               <p:sp>
                 <p:nvSpPr>
                   <p:cNvPr id="90" name="TextBox 89"/>
@@ -21041,8 +21043,8 @@
               </p:sp>
             </mc:Fallback>
           </mc:AlternateContent>
-          <mc:AlternateContent xmlns:mc="http://schemas.openxmlformats.org/markup-compatibility/2006">
-            <mc:Choice xmlns:a14="http://schemas.microsoft.com/office/drawing/2010/main" Requires="a14">
+          <mc:AlternateContent xmlns:mc="http://schemas.openxmlformats.org/markup-compatibility/2006" xmlns:a14="http://schemas.microsoft.com/office/drawing/2010/main">
+            <mc:Choice Requires="a14">
               <p:sp>
                 <p:nvSpPr>
                   <p:cNvPr id="91" name="TextBox 90"/>
@@ -21124,7 +21126,7 @@
                 </p:txBody>
               </p:sp>
             </mc:Choice>
-            <mc:Fallback>
+            <mc:Fallback xmlns="">
               <p:sp>
                 <p:nvSpPr>
                   <p:cNvPr id="91" name="TextBox 90"/>
@@ -21163,8 +21165,8 @@
               </p:sp>
             </mc:Fallback>
           </mc:AlternateContent>
-          <mc:AlternateContent xmlns:mc="http://schemas.openxmlformats.org/markup-compatibility/2006">
-            <mc:Choice xmlns:a14="http://schemas.microsoft.com/office/drawing/2010/main" Requires="a14">
+          <mc:AlternateContent xmlns:mc="http://schemas.openxmlformats.org/markup-compatibility/2006" xmlns:a14="http://schemas.microsoft.com/office/drawing/2010/main">
+            <mc:Choice Requires="a14">
               <p:sp>
                 <p:nvSpPr>
                   <p:cNvPr id="92" name="TextBox 91"/>
@@ -21246,7 +21248,7 @@
                 </p:txBody>
               </p:sp>
             </mc:Choice>
-            <mc:Fallback>
+            <mc:Fallback xmlns="">
               <p:sp>
                 <p:nvSpPr>
                   <p:cNvPr id="92" name="TextBox 91"/>
@@ -21285,8 +21287,8 @@
               </p:sp>
             </mc:Fallback>
           </mc:AlternateContent>
-          <mc:AlternateContent xmlns:mc="http://schemas.openxmlformats.org/markup-compatibility/2006">
-            <mc:Choice xmlns:a14="http://schemas.microsoft.com/office/drawing/2010/main" Requires="a14">
+          <mc:AlternateContent xmlns:mc="http://schemas.openxmlformats.org/markup-compatibility/2006" xmlns:a14="http://schemas.microsoft.com/office/drawing/2010/main">
+            <mc:Choice Requires="a14">
               <p:sp>
                 <p:nvSpPr>
                   <p:cNvPr id="93" name="TextBox 92"/>
@@ -21368,7 +21370,7 @@
                 </p:txBody>
               </p:sp>
             </mc:Choice>
-            <mc:Fallback>
+            <mc:Fallback xmlns="">
               <p:sp>
                 <p:nvSpPr>
                   <p:cNvPr id="93" name="TextBox 92"/>
@@ -21407,8 +21409,8 @@
               </p:sp>
             </mc:Fallback>
           </mc:AlternateContent>
-          <mc:AlternateContent xmlns:mc="http://schemas.openxmlformats.org/markup-compatibility/2006">
-            <mc:Choice xmlns:a14="http://schemas.microsoft.com/office/drawing/2010/main" Requires="a14">
+          <mc:AlternateContent xmlns:mc="http://schemas.openxmlformats.org/markup-compatibility/2006" xmlns:a14="http://schemas.microsoft.com/office/drawing/2010/main">
+            <mc:Choice Requires="a14">
               <p:sp>
                 <p:nvSpPr>
                   <p:cNvPr id="94" name="TextBox 93"/>
@@ -21431,6 +21433,7 @@
                   </a:bodyPr>
                   <a:lstStyle/>
                   <a:p>
+                    <a:pPr/>
                     <a14:m>
                       <m:oMathPara xmlns:m="http://schemas.openxmlformats.org/officeDocument/2006/math">
                         <m:oMathParaPr>
@@ -21455,7 +21458,7 @@
                 </p:txBody>
               </p:sp>
             </mc:Choice>
-            <mc:Fallback>
+            <mc:Fallback xmlns="">
               <p:sp>
                 <p:nvSpPr>
                   <p:cNvPr id="94" name="TextBox 93"/>
@@ -21494,8 +21497,8 @@
               </p:sp>
             </mc:Fallback>
           </mc:AlternateContent>
-          <mc:AlternateContent xmlns:mc="http://schemas.openxmlformats.org/markup-compatibility/2006">
-            <mc:Choice xmlns:a14="http://schemas.microsoft.com/office/drawing/2010/main" Requires="a14">
+          <mc:AlternateContent xmlns:mc="http://schemas.openxmlformats.org/markup-compatibility/2006" xmlns:a14="http://schemas.microsoft.com/office/drawing/2010/main">
+            <mc:Choice Requires="a14">
               <p:sp>
                 <p:nvSpPr>
                   <p:cNvPr id="95" name="TextBox 94"/>
@@ -21518,6 +21521,7 @@
                   </a:bodyPr>
                   <a:lstStyle/>
                   <a:p>
+                    <a:pPr/>
                     <a14:m>
                       <m:oMathPara xmlns:m="http://schemas.openxmlformats.org/officeDocument/2006/math">
                         <m:oMathParaPr>
@@ -21542,7 +21546,7 @@
                 </p:txBody>
               </p:sp>
             </mc:Choice>
-            <mc:Fallback>
+            <mc:Fallback xmlns="">
               <p:sp>
                 <p:nvSpPr>
                   <p:cNvPr id="95" name="TextBox 94"/>
@@ -21581,8 +21585,8 @@
               </p:sp>
             </mc:Fallback>
           </mc:AlternateContent>
-          <mc:AlternateContent xmlns:mc="http://schemas.openxmlformats.org/markup-compatibility/2006">
-            <mc:Choice xmlns:a14="http://schemas.microsoft.com/office/drawing/2010/main" Requires="a14">
+          <mc:AlternateContent xmlns:mc="http://schemas.openxmlformats.org/markup-compatibility/2006" xmlns:a14="http://schemas.microsoft.com/office/drawing/2010/main">
+            <mc:Choice Requires="a14">
               <p:sp>
                 <p:nvSpPr>
                   <p:cNvPr id="96" name="TextBox 95"/>
@@ -21605,6 +21609,7 @@
                   </a:bodyPr>
                   <a:lstStyle/>
                   <a:p>
+                    <a:pPr/>
                     <a14:m>
                       <m:oMathPara xmlns:m="http://schemas.openxmlformats.org/officeDocument/2006/math">
                         <m:oMathParaPr>
@@ -21629,7 +21634,7 @@
                 </p:txBody>
               </p:sp>
             </mc:Choice>
-            <mc:Fallback>
+            <mc:Fallback xmlns="">
               <p:sp>
                 <p:nvSpPr>
                   <p:cNvPr id="96" name="TextBox 95"/>
@@ -21697,10 +21702,6 @@
                   </a:rPr>
                   <a:t>4</a:t>
                 </a:r>
-                <a:endParaRPr lang="en-US" sz="2000" dirty="0" smtClean="0">
-                  <a:latin typeface="Arial" panose="020B0604020202020204" pitchFamily="34" charset="0"/>
-                  <a:cs typeface="Arial" panose="020B0604020202020204" pitchFamily="34" charset="0"/>
-                </a:endParaRPr>
               </a:p>
             </p:txBody>
           </p:sp>
@@ -21740,8 +21741,8 @@
               </a:p>
             </p:txBody>
           </p:sp>
-          <mc:AlternateContent xmlns:mc="http://schemas.openxmlformats.org/markup-compatibility/2006">
-            <mc:Choice xmlns:a14="http://schemas.microsoft.com/office/drawing/2010/main" Requires="a14">
+          <mc:AlternateContent xmlns:mc="http://schemas.openxmlformats.org/markup-compatibility/2006" xmlns:a14="http://schemas.microsoft.com/office/drawing/2010/main">
+            <mc:Choice Requires="a14">
               <p:sp>
                 <p:nvSpPr>
                   <p:cNvPr id="99" name="TextBox 98"/>
@@ -21823,7 +21824,7 @@
                 </p:txBody>
               </p:sp>
             </mc:Choice>
-            <mc:Fallback>
+            <mc:Fallback xmlns="">
               <p:sp>
                 <p:nvSpPr>
                   <p:cNvPr id="99" name="TextBox 98"/>
@@ -21862,8 +21863,8 @@
               </p:sp>
             </mc:Fallback>
           </mc:AlternateContent>
-          <mc:AlternateContent xmlns:mc="http://schemas.openxmlformats.org/markup-compatibility/2006">
-            <mc:Choice xmlns:a14="http://schemas.microsoft.com/office/drawing/2010/main" Requires="a14">
+          <mc:AlternateContent xmlns:mc="http://schemas.openxmlformats.org/markup-compatibility/2006" xmlns:a14="http://schemas.microsoft.com/office/drawing/2010/main">
+            <mc:Choice Requires="a14">
               <p:sp>
                 <p:nvSpPr>
                   <p:cNvPr id="100" name="TextBox 99"/>
@@ -21945,7 +21946,7 @@
                 </p:txBody>
               </p:sp>
             </mc:Choice>
-            <mc:Fallback>
+            <mc:Fallback xmlns="">
               <p:sp>
                 <p:nvSpPr>
                   <p:cNvPr id="100" name="TextBox 99"/>
@@ -22076,8 +22077,8 @@
               </a:p>
             </p:txBody>
           </p:sp>
-          <mc:AlternateContent xmlns:mc="http://schemas.openxmlformats.org/markup-compatibility/2006">
-            <mc:Choice xmlns:a14="http://schemas.microsoft.com/office/drawing/2010/main" Requires="a14">
+          <mc:AlternateContent xmlns:mc="http://schemas.openxmlformats.org/markup-compatibility/2006" xmlns:a14="http://schemas.microsoft.com/office/drawing/2010/main">
+            <mc:Choice Requires="a14">
               <p:sp>
                 <p:nvSpPr>
                   <p:cNvPr id="103" name="TextBox 102"/>
@@ -22100,6 +22101,7 @@
                   </a:bodyPr>
                   <a:lstStyle/>
                   <a:p>
+                    <a:pPr/>
                     <a14:m>
                       <m:oMathPara xmlns:m="http://schemas.openxmlformats.org/officeDocument/2006/math">
                         <m:oMathParaPr>
@@ -22145,7 +22147,7 @@
                 </p:txBody>
               </p:sp>
             </mc:Choice>
-            <mc:Fallback>
+            <mc:Fallback xmlns="">
               <p:sp>
                 <p:nvSpPr>
                   <p:cNvPr id="103" name="TextBox 102"/>
@@ -22833,8 +22835,8 @@
                 </a:fontRef>
               </p:style>
             </p:cxnSp>
-            <mc:AlternateContent xmlns:mc="http://schemas.openxmlformats.org/markup-compatibility/2006">
-              <mc:Choice xmlns:a14="http://schemas.microsoft.com/office/drawing/2010/main" Requires="a14">
+            <mc:AlternateContent xmlns:mc="http://schemas.openxmlformats.org/markup-compatibility/2006" xmlns:a14="http://schemas.microsoft.com/office/drawing/2010/main">
+              <mc:Choice Requires="a14">
                 <p:sp>
                   <p:nvSpPr>
                     <p:cNvPr id="134" name="TextBox 133"/>
@@ -22916,7 +22918,7 @@
                   </p:txBody>
                 </p:sp>
               </mc:Choice>
-              <mc:Fallback>
+              <mc:Fallback xmlns="">
                 <p:sp>
                   <p:nvSpPr>
                     <p:cNvPr id="134" name="TextBox 133"/>
@@ -22955,8 +22957,8 @@
                 </p:sp>
               </mc:Fallback>
             </mc:AlternateContent>
-            <mc:AlternateContent xmlns:mc="http://schemas.openxmlformats.org/markup-compatibility/2006">
-              <mc:Choice xmlns:a14="http://schemas.microsoft.com/office/drawing/2010/main" Requires="a14">
+            <mc:AlternateContent xmlns:mc="http://schemas.openxmlformats.org/markup-compatibility/2006" xmlns:a14="http://schemas.microsoft.com/office/drawing/2010/main">
+              <mc:Choice Requires="a14">
                 <p:sp>
                   <p:nvSpPr>
                     <p:cNvPr id="136" name="TextBox 135"/>
@@ -23038,7 +23040,7 @@
                   </p:txBody>
                 </p:sp>
               </mc:Choice>
-              <mc:Fallback>
+              <mc:Fallback xmlns="">
                 <p:sp>
                   <p:nvSpPr>
                     <p:cNvPr id="136" name="TextBox 135"/>
@@ -23257,8 +23259,8 @@
                 </a:p>
               </p:txBody>
             </p:sp>
-            <mc:AlternateContent xmlns:mc="http://schemas.openxmlformats.org/markup-compatibility/2006">
-              <mc:Choice xmlns:a14="http://schemas.microsoft.com/office/drawing/2010/main" Requires="a14">
+            <mc:AlternateContent xmlns:mc="http://schemas.openxmlformats.org/markup-compatibility/2006" xmlns:a14="http://schemas.microsoft.com/office/drawing/2010/main">
+              <mc:Choice Requires="a14">
                 <p:sp>
                   <p:nvSpPr>
                     <p:cNvPr id="147" name="TextBox 146"/>
@@ -23340,7 +23342,7 @@
                   </p:txBody>
                 </p:sp>
               </mc:Choice>
-              <mc:Fallback>
+              <mc:Fallback xmlns="">
                 <p:sp>
                   <p:nvSpPr>
                     <p:cNvPr id="147" name="TextBox 146"/>
@@ -23379,8 +23381,8 @@
                 </p:sp>
               </mc:Fallback>
             </mc:AlternateContent>
-            <mc:AlternateContent xmlns:mc="http://schemas.openxmlformats.org/markup-compatibility/2006">
-              <mc:Choice xmlns:a14="http://schemas.microsoft.com/office/drawing/2010/main" Requires="a14">
+            <mc:AlternateContent xmlns:mc="http://schemas.openxmlformats.org/markup-compatibility/2006" xmlns:a14="http://schemas.microsoft.com/office/drawing/2010/main">
+              <mc:Choice Requires="a14">
                 <p:sp>
                   <p:nvSpPr>
                     <p:cNvPr id="149" name="TextBox 148"/>
@@ -23462,7 +23464,7 @@
                   </p:txBody>
                 </p:sp>
               </mc:Choice>
-              <mc:Fallback>
+              <mc:Fallback xmlns="">
                 <p:sp>
                   <p:nvSpPr>
                     <p:cNvPr id="149" name="TextBox 148"/>
@@ -23501,8 +23503,8 @@
                 </p:sp>
               </mc:Fallback>
             </mc:AlternateContent>
-            <mc:AlternateContent xmlns:mc="http://schemas.openxmlformats.org/markup-compatibility/2006">
-              <mc:Choice xmlns:a14="http://schemas.microsoft.com/office/drawing/2010/main" Requires="a14">
+            <mc:AlternateContent xmlns:mc="http://schemas.openxmlformats.org/markup-compatibility/2006" xmlns:a14="http://schemas.microsoft.com/office/drawing/2010/main">
+              <mc:Choice Requires="a14">
                 <p:sp>
                   <p:nvSpPr>
                     <p:cNvPr id="151" name="TextBox 150"/>
@@ -23584,7 +23586,7 @@
                   </p:txBody>
                 </p:sp>
               </mc:Choice>
-              <mc:Fallback>
+              <mc:Fallback xmlns="">
                 <p:sp>
                   <p:nvSpPr>
                     <p:cNvPr id="151" name="TextBox 150"/>
@@ -23623,8 +23625,8 @@
                 </p:sp>
               </mc:Fallback>
             </mc:AlternateContent>
-            <mc:AlternateContent xmlns:mc="http://schemas.openxmlformats.org/markup-compatibility/2006">
-              <mc:Choice xmlns:a14="http://schemas.microsoft.com/office/drawing/2010/main" Requires="a14">
+            <mc:AlternateContent xmlns:mc="http://schemas.openxmlformats.org/markup-compatibility/2006" xmlns:a14="http://schemas.microsoft.com/office/drawing/2010/main">
+              <mc:Choice Requires="a14">
                 <p:sp>
                   <p:nvSpPr>
                     <p:cNvPr id="152" name="TextBox 151"/>
@@ -23647,6 +23649,7 @@
                     </a:bodyPr>
                     <a:lstStyle/>
                     <a:p>
+                      <a:pPr/>
                       <a14:m>
                         <m:oMathPara xmlns:m="http://schemas.openxmlformats.org/officeDocument/2006/math">
                           <m:oMathParaPr>
@@ -23671,7 +23674,7 @@
                   </p:txBody>
                 </p:sp>
               </mc:Choice>
-              <mc:Fallback>
+              <mc:Fallback xmlns="">
                 <p:sp>
                   <p:nvSpPr>
                     <p:cNvPr id="152" name="TextBox 151"/>
@@ -23710,8 +23713,8 @@
                 </p:sp>
               </mc:Fallback>
             </mc:AlternateContent>
-            <mc:AlternateContent xmlns:mc="http://schemas.openxmlformats.org/markup-compatibility/2006">
-              <mc:Choice xmlns:a14="http://schemas.microsoft.com/office/drawing/2010/main" Requires="a14">
+            <mc:AlternateContent xmlns:mc="http://schemas.openxmlformats.org/markup-compatibility/2006" xmlns:a14="http://schemas.microsoft.com/office/drawing/2010/main">
+              <mc:Choice Requires="a14">
                 <p:sp>
                   <p:nvSpPr>
                     <p:cNvPr id="154" name="TextBox 153"/>
@@ -23734,6 +23737,7 @@
                     </a:bodyPr>
                     <a:lstStyle/>
                     <a:p>
+                      <a:pPr/>
                       <a14:m>
                         <m:oMathPara xmlns:m="http://schemas.openxmlformats.org/officeDocument/2006/math">
                           <m:oMathParaPr>
@@ -23758,7 +23762,7 @@
                   </p:txBody>
                 </p:sp>
               </mc:Choice>
-              <mc:Fallback>
+              <mc:Fallback xmlns="">
                 <p:sp>
                   <p:nvSpPr>
                     <p:cNvPr id="154" name="TextBox 153"/>
@@ -23826,15 +23830,11 @@
                     </a:rPr>
                     <a:t>3</a:t>
                   </a:r>
-                  <a:endParaRPr lang="en-US" sz="2000" dirty="0" smtClean="0">
-                    <a:latin typeface="Arial" panose="020B0604020202020204" pitchFamily="34" charset="0"/>
-                    <a:cs typeface="Arial" panose="020B0604020202020204" pitchFamily="34" charset="0"/>
-                  </a:endParaRPr>
                 </a:p>
               </p:txBody>
             </p:sp>
-            <mc:AlternateContent xmlns:mc="http://schemas.openxmlformats.org/markup-compatibility/2006">
-              <mc:Choice xmlns:a14="http://schemas.microsoft.com/office/drawing/2010/main" Requires="a14">
+            <mc:AlternateContent xmlns:mc="http://schemas.openxmlformats.org/markup-compatibility/2006" xmlns:a14="http://schemas.microsoft.com/office/drawing/2010/main">
+              <mc:Choice Requires="a14">
                 <p:sp>
                   <p:nvSpPr>
                     <p:cNvPr id="158" name="TextBox 157"/>
@@ -23916,7 +23916,7 @@
                   </p:txBody>
                 </p:sp>
               </mc:Choice>
-              <mc:Fallback>
+              <mc:Fallback xmlns="">
                 <p:sp>
                   <p:nvSpPr>
                     <p:cNvPr id="158" name="TextBox 157"/>
@@ -24355,8 +24355,8 @@
               </a:fontRef>
             </p:style>
           </p:cxnSp>
-          <mc:AlternateContent xmlns:mc="http://schemas.openxmlformats.org/markup-compatibility/2006">
-            <mc:Choice xmlns:a14="http://schemas.microsoft.com/office/drawing/2010/main" Requires="a14">
+          <mc:AlternateContent xmlns:mc="http://schemas.openxmlformats.org/markup-compatibility/2006" xmlns:a14="http://schemas.microsoft.com/office/drawing/2010/main">
+            <mc:Choice Requires="a14">
               <p:sp>
                 <p:nvSpPr>
                   <p:cNvPr id="166" name="TextBox 165"/>
@@ -24379,6 +24379,7 @@
                   </a:bodyPr>
                   <a:lstStyle/>
                   <a:p>
+                    <a:pPr/>
                     <a14:m>
                       <m:oMathPara xmlns:m="http://schemas.openxmlformats.org/officeDocument/2006/math">
                         <m:oMathParaPr>
@@ -24435,7 +24436,7 @@
                 </p:txBody>
               </p:sp>
             </mc:Choice>
-            <mc:Fallback>
+            <mc:Fallback xmlns="">
               <p:sp>
                 <p:nvSpPr>
                   <p:cNvPr id="166" name="TextBox 165"/>
@@ -24523,8 +24524,8 @@
             </a:p>
           </p:txBody>
         </p:sp>
-        <mc:AlternateContent xmlns:mc="http://schemas.openxmlformats.org/markup-compatibility/2006">
-          <mc:Choice xmlns:a14="http://schemas.microsoft.com/office/drawing/2010/main" Requires="a14">
+        <mc:AlternateContent xmlns:mc="http://schemas.openxmlformats.org/markup-compatibility/2006" xmlns:a14="http://schemas.microsoft.com/office/drawing/2010/main">
+          <mc:Choice Requires="a14">
             <p:sp>
               <p:nvSpPr>
                 <p:cNvPr id="170" name="TextBox 169"/>
@@ -24547,6 +24548,7 @@
                 </a:bodyPr>
                 <a:lstStyle/>
                 <a:p>
+                  <a:pPr/>
                   <a14:m>
                     <m:oMathPara xmlns:m="http://schemas.openxmlformats.org/officeDocument/2006/math">
                       <m:oMathParaPr>
@@ -24605,7 +24607,7 @@
               </p:txBody>
             </p:sp>
           </mc:Choice>
-          <mc:Fallback>
+          <mc:Fallback xmlns="">
             <p:sp>
               <p:nvSpPr>
                 <p:cNvPr id="170" name="TextBox 169"/>
@@ -24716,8 +24718,8 @@
             </a:fontRef>
           </p:style>
         </p:cxnSp>
-        <mc:AlternateContent xmlns:mc="http://schemas.openxmlformats.org/markup-compatibility/2006">
-          <mc:Choice xmlns:a14="http://schemas.microsoft.com/office/drawing/2010/main" Requires="a14">
+        <mc:AlternateContent xmlns:mc="http://schemas.openxmlformats.org/markup-compatibility/2006" xmlns:a14="http://schemas.microsoft.com/office/drawing/2010/main">
+          <mc:Choice Requires="a14">
             <p:sp>
               <p:nvSpPr>
                 <p:cNvPr id="175" name="TextBox 174"/>
@@ -24740,6 +24742,7 @@
                 </a:bodyPr>
                 <a:lstStyle/>
                 <a:p>
+                  <a:pPr/>
                   <a14:m>
                     <m:oMathPara xmlns:m="http://schemas.openxmlformats.org/officeDocument/2006/math">
                       <m:oMathParaPr>
@@ -24785,7 +24788,7 @@
               </p:txBody>
             </p:sp>
           </mc:Choice>
-          <mc:Fallback>
+          <mc:Fallback xmlns="">
             <p:sp>
               <p:nvSpPr>
                 <p:cNvPr id="175" name="TextBox 174"/>
@@ -24824,8 +24827,8 @@
             </p:sp>
           </mc:Fallback>
         </mc:AlternateContent>
-        <mc:AlternateContent xmlns:mc="http://schemas.openxmlformats.org/markup-compatibility/2006">
-          <mc:Choice xmlns:a14="http://schemas.microsoft.com/office/drawing/2010/main" Requires="a14">
+        <mc:AlternateContent xmlns:mc="http://schemas.openxmlformats.org/markup-compatibility/2006" xmlns:a14="http://schemas.microsoft.com/office/drawing/2010/main">
+          <mc:Choice Requires="a14">
             <p:sp>
               <p:nvSpPr>
                 <p:cNvPr id="176" name="TextBox 175"/>
@@ -24848,6 +24851,7 @@
                 </a:bodyPr>
                 <a:lstStyle/>
                 <a:p>
+                  <a:pPr/>
                   <a14:m>
                     <m:oMathPara xmlns:m="http://schemas.openxmlformats.org/officeDocument/2006/math">
                       <m:oMathParaPr>
@@ -24893,7 +24897,7 @@
               </p:txBody>
             </p:sp>
           </mc:Choice>
-          <mc:Fallback>
+          <mc:Fallback xmlns="">
             <p:sp>
               <p:nvSpPr>
                 <p:cNvPr id="176" name="TextBox 175"/>
@@ -25147,8 +25151,8 @@
               </a:fontRef>
             </p:style>
           </p:cxnSp>
-          <mc:AlternateContent xmlns:mc="http://schemas.openxmlformats.org/markup-compatibility/2006">
-            <mc:Choice xmlns:a14="http://schemas.microsoft.com/office/drawing/2010/main" Requires="a14">
+          <mc:AlternateContent xmlns:mc="http://schemas.openxmlformats.org/markup-compatibility/2006" xmlns:a14="http://schemas.microsoft.com/office/drawing/2010/main">
+            <mc:Choice Requires="a14">
               <p:sp>
                 <p:nvSpPr>
                   <p:cNvPr id="30" name="TextBox 29"/>
@@ -25230,7 +25234,7 @@
                 </p:txBody>
               </p:sp>
             </mc:Choice>
-            <mc:Fallback>
+            <mc:Fallback xmlns="">
               <p:sp>
                 <p:nvSpPr>
                   <p:cNvPr id="30" name="TextBox 29"/>
@@ -26307,54 +26311,6 @@
               </p:grpSpPr>
               <p:sp>
                 <p:nvSpPr>
-                  <p:cNvPr id="6" name="Rectangle 5"/>
-                  <p:cNvSpPr/>
-                  <p:nvPr/>
-                </p:nvSpPr>
-                <p:spPr>
-                  <a:xfrm>
-                    <a:off x="6824546" y="1170878"/>
-                    <a:ext cx="390293" cy="211873"/>
-                  </a:xfrm>
-                  <a:prstGeom prst="rect">
-                    <a:avLst/>
-                  </a:prstGeom>
-                  <a:solidFill>
-                    <a:schemeClr val="accent1"/>
-                  </a:solidFill>
-                  <a:ln w="38100">
-                    <a:solidFill>
-                      <a:schemeClr val="accent1"/>
-                    </a:solidFill>
-                  </a:ln>
-                </p:spPr>
-                <p:style>
-                  <a:lnRef idx="2">
-                    <a:schemeClr val="accent1">
-                      <a:shade val="50000"/>
-                    </a:schemeClr>
-                  </a:lnRef>
-                  <a:fillRef idx="1">
-                    <a:schemeClr val="accent1"/>
-                  </a:fillRef>
-                  <a:effectRef idx="0">
-                    <a:schemeClr val="accent1"/>
-                  </a:effectRef>
-                  <a:fontRef idx="minor">
-                    <a:schemeClr val="lt1"/>
-                  </a:fontRef>
-                </p:style>
-                <p:txBody>
-                  <a:bodyPr rtlCol="0" anchor="ctr"/>
-                  <a:lstStyle/>
-                  <a:p>
-                    <a:pPr algn="ctr"/>
-                    <a:endParaRPr lang="en-US"/>
-                  </a:p>
-                </p:txBody>
-              </p:sp>
-              <p:sp>
-                <p:nvSpPr>
                   <p:cNvPr id="7" name="Oval 6"/>
                   <p:cNvSpPr/>
                   <p:nvPr/>
@@ -26685,6 +26641,54 @@
                   </a:fontRef>
                 </p:style>
               </p:cxnSp>
+              <p:sp>
+                <p:nvSpPr>
+                  <p:cNvPr id="6" name="Rectangle 5"/>
+                  <p:cNvSpPr/>
+                  <p:nvPr/>
+                </p:nvSpPr>
+                <p:spPr>
+                  <a:xfrm>
+                    <a:off x="6824546" y="1170878"/>
+                    <a:ext cx="390293" cy="211873"/>
+                  </a:xfrm>
+                  <a:prstGeom prst="rect">
+                    <a:avLst/>
+                  </a:prstGeom>
+                  <a:solidFill>
+                    <a:schemeClr val="accent1"/>
+                  </a:solidFill>
+                  <a:ln w="38100">
+                    <a:solidFill>
+                      <a:schemeClr val="accent1"/>
+                    </a:solidFill>
+                  </a:ln>
+                </p:spPr>
+                <p:style>
+                  <a:lnRef idx="2">
+                    <a:schemeClr val="accent1">
+                      <a:shade val="50000"/>
+                    </a:schemeClr>
+                  </a:lnRef>
+                  <a:fillRef idx="1">
+                    <a:schemeClr val="accent1"/>
+                  </a:fillRef>
+                  <a:effectRef idx="0">
+                    <a:schemeClr val="accent1"/>
+                  </a:effectRef>
+                  <a:fontRef idx="minor">
+                    <a:schemeClr val="lt1"/>
+                  </a:fontRef>
+                </p:style>
+                <p:txBody>
+                  <a:bodyPr rtlCol="0" anchor="ctr"/>
+                  <a:lstStyle/>
+                  <a:p>
+                    <a:pPr algn="ctr"/>
+                    <a:endParaRPr lang="en-US"/>
+                  </a:p>
+                </p:txBody>
+              </p:sp>
             </p:grpSp>
             <p:cxnSp>
               <p:nvCxnSpPr>
@@ -26722,8 +26726,8 @@
                 </a:fontRef>
               </p:style>
             </p:cxnSp>
-            <mc:AlternateContent xmlns:mc="http://schemas.openxmlformats.org/markup-compatibility/2006">
-              <mc:Choice xmlns:a14="http://schemas.microsoft.com/office/drawing/2010/main" Requires="a14">
+            <mc:AlternateContent xmlns:mc="http://schemas.openxmlformats.org/markup-compatibility/2006" xmlns:a14="http://schemas.microsoft.com/office/drawing/2010/main">
+              <mc:Choice Requires="a14">
                 <p:sp>
                   <p:nvSpPr>
                     <p:cNvPr id="20" name="TextBox 19"/>
@@ -26746,6 +26750,7 @@
                     </a:bodyPr>
                     <a:lstStyle/>
                     <a:p>
+                      <a:pPr/>
                       <a14:m>
                         <m:oMathPara xmlns:m="http://schemas.openxmlformats.org/officeDocument/2006/math">
                           <m:oMathParaPr>
@@ -26770,7 +26775,7 @@
                   </p:txBody>
                 </p:sp>
               </mc:Choice>
-              <mc:Fallback>
+              <mc:Fallback xmlns="">
                 <p:sp>
                   <p:nvSpPr>
                     <p:cNvPr id="20" name="TextBox 19"/>
@@ -26810,8 +26815,8 @@
               </mc:Fallback>
             </mc:AlternateContent>
           </p:grpSp>
-          <mc:AlternateContent xmlns:mc="http://schemas.openxmlformats.org/markup-compatibility/2006">
-            <mc:Choice xmlns:a14="http://schemas.microsoft.com/office/drawing/2010/main" Requires="a14">
+          <mc:AlternateContent xmlns:mc="http://schemas.openxmlformats.org/markup-compatibility/2006" xmlns:a14="http://schemas.microsoft.com/office/drawing/2010/main">
+            <mc:Choice Requires="a14">
               <p:sp>
                 <p:nvSpPr>
                   <p:cNvPr id="44" name="TextBox 43"/>
@@ -26873,7 +26878,7 @@
                 </p:txBody>
               </p:sp>
             </mc:Choice>
-            <mc:Fallback>
+            <mc:Fallback xmlns="">
               <p:sp>
                 <p:nvSpPr>
                   <p:cNvPr id="44" name="TextBox 43"/>
@@ -26962,10 +26967,2401 @@
           </p:txBody>
         </p:sp>
       </p:grpSp>
+      <p:grpSp>
+        <p:nvGrpSpPr>
+          <p:cNvPr id="73" name="Group 72"/>
+          <p:cNvGrpSpPr/>
+          <p:nvPr/>
+        </p:nvGrpSpPr>
+        <p:grpSpPr>
+          <a:xfrm>
+            <a:off x="1634858" y="5002024"/>
+            <a:ext cx="4912640" cy="1178105"/>
+            <a:chOff x="2865863" y="5013576"/>
+            <a:chExt cx="4912640" cy="1178105"/>
+          </a:xfrm>
+        </p:grpSpPr>
+        <p:sp>
+          <p:nvSpPr>
+            <p:cNvPr id="2" name="Right Triangle 1"/>
+            <p:cNvSpPr/>
+            <p:nvPr/>
+          </p:nvSpPr>
+          <p:spPr>
+            <a:xfrm flipH="1">
+              <a:off x="4841755" y="5181359"/>
+              <a:ext cx="2936748" cy="1003609"/>
+            </a:xfrm>
+            <a:prstGeom prst="rtTriangle">
+              <a:avLst/>
+            </a:prstGeom>
+            <a:noFill/>
+            <a:ln w="38100">
+              <a:solidFill>
+                <a:schemeClr val="tx1"/>
+              </a:solidFill>
+            </a:ln>
+          </p:spPr>
+          <p:style>
+            <a:lnRef idx="2">
+              <a:schemeClr val="accent1">
+                <a:shade val="50000"/>
+              </a:schemeClr>
+            </a:lnRef>
+            <a:fillRef idx="1">
+              <a:schemeClr val="accent1"/>
+            </a:fillRef>
+            <a:effectRef idx="0">
+              <a:schemeClr val="accent1"/>
+            </a:effectRef>
+            <a:fontRef idx="minor">
+              <a:schemeClr val="lt1"/>
+            </a:fontRef>
+          </p:style>
+          <p:txBody>
+            <a:bodyPr rtlCol="0" anchor="ctr"/>
+            <a:lstStyle/>
+            <a:p>
+              <a:pPr algn="ctr"/>
+              <a:endParaRPr lang="en-US"/>
+            </a:p>
+          </p:txBody>
+        </p:sp>
+        <p:grpSp>
+          <p:nvGrpSpPr>
+            <p:cNvPr id="68" name="Group 67"/>
+            <p:cNvGrpSpPr/>
+            <p:nvPr/>
+          </p:nvGrpSpPr>
+          <p:grpSpPr>
+            <a:xfrm rot="20473929">
+              <a:off x="5862880" y="5017071"/>
+              <a:ext cx="819913" cy="621315"/>
+              <a:chOff x="7349026" y="5492337"/>
+              <a:chExt cx="819913" cy="621315"/>
+            </a:xfrm>
+          </p:grpSpPr>
+          <p:sp>
+            <p:nvSpPr>
+              <p:cNvPr id="11" name="Oval 10"/>
+              <p:cNvSpPr/>
+              <p:nvPr/>
+            </p:nvSpPr>
+            <p:spPr>
+              <a:xfrm>
+                <a:off x="7401083" y="5915182"/>
+                <a:ext cx="45719" cy="192526"/>
+              </a:xfrm>
+              <a:prstGeom prst="ellipse">
+                <a:avLst/>
+              </a:prstGeom>
+              <a:solidFill>
+                <a:schemeClr val="tx1"/>
+              </a:solidFill>
+              <a:ln w="38100">
+                <a:solidFill>
+                  <a:schemeClr val="tx1"/>
+                </a:solidFill>
+              </a:ln>
+            </p:spPr>
+            <p:style>
+              <a:lnRef idx="2">
+                <a:schemeClr val="accent1">
+                  <a:shade val="50000"/>
+                </a:schemeClr>
+              </a:lnRef>
+              <a:fillRef idx="1">
+                <a:schemeClr val="accent1"/>
+              </a:fillRef>
+              <a:effectRef idx="0">
+                <a:schemeClr val="accent1"/>
+              </a:effectRef>
+              <a:fontRef idx="minor">
+                <a:schemeClr val="lt1"/>
+              </a:fontRef>
+            </p:style>
+            <p:txBody>
+              <a:bodyPr rtlCol="0" anchor="ctr"/>
+              <a:lstStyle/>
+              <a:p>
+                <a:pPr algn="ctr"/>
+                <a:endParaRPr lang="en-US"/>
+              </a:p>
+            </p:txBody>
+          </p:sp>
+          <p:sp>
+            <p:nvSpPr>
+              <p:cNvPr id="48" name="Oval 47"/>
+              <p:cNvSpPr/>
+              <p:nvPr/>
+            </p:nvSpPr>
+            <p:spPr>
+              <a:xfrm>
+                <a:off x="8080725" y="5921126"/>
+                <a:ext cx="45719" cy="192526"/>
+              </a:xfrm>
+              <a:prstGeom prst="ellipse">
+                <a:avLst/>
+              </a:prstGeom>
+              <a:solidFill>
+                <a:schemeClr val="tx1"/>
+              </a:solidFill>
+              <a:ln w="38100">
+                <a:solidFill>
+                  <a:schemeClr val="tx1"/>
+                </a:solidFill>
+              </a:ln>
+            </p:spPr>
+            <p:style>
+              <a:lnRef idx="2">
+                <a:schemeClr val="accent1">
+                  <a:shade val="50000"/>
+                </a:schemeClr>
+              </a:lnRef>
+              <a:fillRef idx="1">
+                <a:schemeClr val="accent1"/>
+              </a:fillRef>
+              <a:effectRef idx="0">
+                <a:schemeClr val="accent1"/>
+              </a:effectRef>
+              <a:fontRef idx="minor">
+                <a:schemeClr val="lt1"/>
+              </a:fontRef>
+            </p:style>
+            <p:txBody>
+              <a:bodyPr rtlCol="0" anchor="ctr"/>
+              <a:lstStyle/>
+              <a:p>
+                <a:pPr algn="ctr"/>
+                <a:endParaRPr lang="en-US"/>
+              </a:p>
+            </p:txBody>
+          </p:sp>
+          <p:sp>
+            <p:nvSpPr>
+              <p:cNvPr id="52" name="Round Same Side Corner Rectangle 51"/>
+              <p:cNvSpPr/>
+              <p:nvPr/>
+            </p:nvSpPr>
+            <p:spPr>
+              <a:xfrm>
+                <a:off x="7349026" y="5683163"/>
+                <a:ext cx="819913" cy="289011"/>
+              </a:xfrm>
+              <a:prstGeom prst="round2SameRect">
+                <a:avLst>
+                  <a:gd name="adj1" fmla="val 36859"/>
+                  <a:gd name="adj2" fmla="val 0"/>
+                </a:avLst>
+              </a:prstGeom>
+              <a:solidFill>
+                <a:schemeClr val="accent1"/>
+              </a:solidFill>
+              <a:ln w="38100">
+                <a:solidFill>
+                  <a:schemeClr val="accent1"/>
+                </a:solidFill>
+              </a:ln>
+            </p:spPr>
+            <p:style>
+              <a:lnRef idx="2">
+                <a:schemeClr val="accent1">
+                  <a:shade val="50000"/>
+                </a:schemeClr>
+              </a:lnRef>
+              <a:fillRef idx="1">
+                <a:schemeClr val="accent1"/>
+              </a:fillRef>
+              <a:effectRef idx="0">
+                <a:schemeClr val="accent1"/>
+              </a:effectRef>
+              <a:fontRef idx="minor">
+                <a:schemeClr val="lt1"/>
+              </a:fontRef>
+            </p:style>
+            <p:txBody>
+              <a:bodyPr rtlCol="0" anchor="ctr"/>
+              <a:lstStyle/>
+              <a:p>
+                <a:pPr algn="ctr"/>
+                <a:endParaRPr lang="en-US"/>
+              </a:p>
+            </p:txBody>
+          </p:sp>
+          <p:sp>
+            <p:nvSpPr>
+              <p:cNvPr id="22" name="Oval 21"/>
+              <p:cNvSpPr/>
+              <p:nvPr/>
+            </p:nvSpPr>
+            <p:spPr>
+              <a:xfrm>
+                <a:off x="7423895" y="5753818"/>
+                <a:ext cx="45719" cy="105617"/>
+              </a:xfrm>
+              <a:prstGeom prst="ellipse">
+                <a:avLst/>
+              </a:prstGeom>
+              <a:solidFill>
+                <a:srgbClr val="FF0000"/>
+              </a:solidFill>
+              <a:ln w="38100">
+                <a:solidFill>
+                  <a:srgbClr val="FF0000"/>
+                </a:solidFill>
+              </a:ln>
+            </p:spPr>
+            <p:style>
+              <a:lnRef idx="2">
+                <a:schemeClr val="accent1">
+                  <a:shade val="50000"/>
+                </a:schemeClr>
+              </a:lnRef>
+              <a:fillRef idx="1">
+                <a:schemeClr val="accent1"/>
+              </a:fillRef>
+              <a:effectRef idx="0">
+                <a:schemeClr val="accent1"/>
+              </a:effectRef>
+              <a:fontRef idx="minor">
+                <a:schemeClr val="lt1"/>
+              </a:fontRef>
+            </p:style>
+            <p:txBody>
+              <a:bodyPr rtlCol="0" anchor="ctr"/>
+              <a:lstStyle/>
+              <a:p>
+                <a:pPr algn="ctr"/>
+                <a:endParaRPr lang="en-US"/>
+              </a:p>
+            </p:txBody>
+          </p:sp>
+          <p:sp>
+            <p:nvSpPr>
+              <p:cNvPr id="49" name="Oval 48"/>
+              <p:cNvSpPr/>
+              <p:nvPr/>
+            </p:nvSpPr>
+            <p:spPr>
+              <a:xfrm>
+                <a:off x="8043464" y="5753818"/>
+                <a:ext cx="45719" cy="105617"/>
+              </a:xfrm>
+              <a:prstGeom prst="ellipse">
+                <a:avLst/>
+              </a:prstGeom>
+              <a:solidFill>
+                <a:srgbClr val="FF0000"/>
+              </a:solidFill>
+              <a:ln w="38100">
+                <a:solidFill>
+                  <a:srgbClr val="FF0000"/>
+                </a:solidFill>
+              </a:ln>
+            </p:spPr>
+            <p:style>
+              <a:lnRef idx="2">
+                <a:schemeClr val="accent1">
+                  <a:shade val="50000"/>
+                </a:schemeClr>
+              </a:lnRef>
+              <a:fillRef idx="1">
+                <a:schemeClr val="accent1"/>
+              </a:fillRef>
+              <a:effectRef idx="0">
+                <a:schemeClr val="accent1"/>
+              </a:effectRef>
+              <a:fontRef idx="minor">
+                <a:schemeClr val="lt1"/>
+              </a:fontRef>
+            </p:style>
+            <p:txBody>
+              <a:bodyPr rtlCol="0" anchor="ctr"/>
+              <a:lstStyle/>
+              <a:p>
+                <a:pPr algn="ctr"/>
+                <a:endParaRPr lang="en-US"/>
+              </a:p>
+            </p:txBody>
+          </p:sp>
+          <p:sp>
+            <p:nvSpPr>
+              <p:cNvPr id="53" name="Trapezoid 52"/>
+              <p:cNvSpPr/>
+              <p:nvPr/>
+            </p:nvSpPr>
+            <p:spPr>
+              <a:xfrm>
+                <a:off x="7427423" y="5492337"/>
+                <a:ext cx="656783" cy="176262"/>
+              </a:xfrm>
+              <a:prstGeom prst="trapezoid">
+                <a:avLst/>
+              </a:prstGeom>
+              <a:noFill/>
+              <a:ln w="38100">
+                <a:solidFill>
+                  <a:schemeClr val="accent1"/>
+                </a:solidFill>
+              </a:ln>
+            </p:spPr>
+            <p:style>
+              <a:lnRef idx="2">
+                <a:schemeClr val="accent1">
+                  <a:shade val="50000"/>
+                </a:schemeClr>
+              </a:lnRef>
+              <a:fillRef idx="1">
+                <a:schemeClr val="accent1"/>
+              </a:fillRef>
+              <a:effectRef idx="0">
+                <a:schemeClr val="accent1"/>
+              </a:effectRef>
+              <a:fontRef idx="minor">
+                <a:schemeClr val="lt1"/>
+              </a:fontRef>
+            </p:style>
+            <p:txBody>
+              <a:bodyPr rtlCol="0" anchor="ctr"/>
+              <a:lstStyle/>
+              <a:p>
+                <a:pPr algn="ctr"/>
+                <a:endParaRPr lang="en-US"/>
+              </a:p>
+            </p:txBody>
+          </p:sp>
+          <p:sp>
+            <p:nvSpPr>
+              <p:cNvPr id="54" name="Rectangle 53"/>
+              <p:cNvSpPr/>
+              <p:nvPr/>
+            </p:nvSpPr>
+            <p:spPr>
+              <a:xfrm>
+                <a:off x="7616407" y="5792216"/>
+                <a:ext cx="215285" cy="97494"/>
+              </a:xfrm>
+              <a:prstGeom prst="rect">
+                <a:avLst/>
+              </a:prstGeom>
+              <a:solidFill>
+                <a:schemeClr val="bg1"/>
+              </a:solidFill>
+              <a:ln w="38100">
+                <a:solidFill>
+                  <a:schemeClr val="bg1"/>
+                </a:solidFill>
+              </a:ln>
+            </p:spPr>
+            <p:style>
+              <a:lnRef idx="2">
+                <a:schemeClr val="accent1">
+                  <a:shade val="50000"/>
+                </a:schemeClr>
+              </a:lnRef>
+              <a:fillRef idx="1">
+                <a:schemeClr val="accent1"/>
+              </a:fillRef>
+              <a:effectRef idx="0">
+                <a:schemeClr val="accent1"/>
+              </a:effectRef>
+              <a:fontRef idx="minor">
+                <a:schemeClr val="lt1"/>
+              </a:fontRef>
+            </p:style>
+            <p:txBody>
+              <a:bodyPr rtlCol="0" anchor="ctr"/>
+              <a:lstStyle/>
+              <a:p>
+                <a:pPr algn="ctr"/>
+                <a:endParaRPr lang="en-US"/>
+              </a:p>
+            </p:txBody>
+          </p:sp>
+          <p:sp>
+            <p:nvSpPr>
+              <p:cNvPr id="18" name="TextBox 17"/>
+              <p:cNvSpPr txBox="1"/>
+              <p:nvPr/>
+            </p:nvSpPr>
+            <p:spPr>
+              <a:xfrm>
+                <a:off x="7556479" y="5733965"/>
+                <a:ext cx="379310" cy="99481"/>
+              </a:xfrm>
+              <a:prstGeom prst="rect">
+                <a:avLst/>
+              </a:prstGeom>
+              <a:noFill/>
+            </p:spPr>
+            <p:txBody>
+              <a:bodyPr wrap="none" rtlCol="0">
+                <a:noAutofit/>
+              </a:bodyPr>
+              <a:lstStyle/>
+              <a:p>
+                <a:r>
+                  <a:rPr lang="en-US" sz="400" dirty="0" smtClean="0">
+                    <a:latin typeface="Arial" panose="020B0604020202020204" pitchFamily="34" charset="0"/>
+                    <a:cs typeface="Arial" panose="020B0604020202020204" pitchFamily="34" charset="0"/>
+                  </a:rPr>
+                  <a:t>   VD</a:t>
+                </a:r>
+              </a:p>
+              <a:p>
+                <a:r>
+                  <a:rPr lang="en-US" sz="400" dirty="0" smtClean="0">
+                    <a:latin typeface="Arial" panose="020B0604020202020204" pitchFamily="34" charset="0"/>
+                    <a:cs typeface="Arial" panose="020B0604020202020204" pitchFamily="34" charset="0"/>
+                  </a:rPr>
+                  <a:t>12345</a:t>
+                </a:r>
+                <a:endParaRPr lang="en-US" sz="400" dirty="0" smtClean="0">
+                  <a:latin typeface="Arial" panose="020B0604020202020204" pitchFamily="34" charset="0"/>
+                  <a:cs typeface="Arial" panose="020B0604020202020204" pitchFamily="34" charset="0"/>
+                </a:endParaRPr>
+              </a:p>
+            </p:txBody>
+          </p:sp>
+          <p:sp>
+            <p:nvSpPr>
+              <p:cNvPr id="64" name="Rectangle 63"/>
+              <p:cNvSpPr/>
+              <p:nvPr/>
+            </p:nvSpPr>
+            <p:spPr>
+              <a:xfrm>
+                <a:off x="7615378" y="5793354"/>
+                <a:ext cx="45719" cy="45719"/>
+              </a:xfrm>
+              <a:prstGeom prst="rect">
+                <a:avLst/>
+              </a:prstGeom>
+              <a:solidFill>
+                <a:srgbClr val="FF0000"/>
+              </a:solidFill>
+              <a:ln w="9525">
+                <a:solidFill>
+                  <a:srgbClr val="FF0000"/>
+                </a:solidFill>
+              </a:ln>
+            </p:spPr>
+            <p:style>
+              <a:lnRef idx="2">
+                <a:schemeClr val="accent1">
+                  <a:shade val="50000"/>
+                </a:schemeClr>
+              </a:lnRef>
+              <a:fillRef idx="1">
+                <a:schemeClr val="accent1"/>
+              </a:fillRef>
+              <a:effectRef idx="0">
+                <a:schemeClr val="accent1"/>
+              </a:effectRef>
+              <a:fontRef idx="minor">
+                <a:schemeClr val="lt1"/>
+              </a:fontRef>
+            </p:style>
+            <p:txBody>
+              <a:bodyPr rtlCol="0" anchor="ctr"/>
+              <a:lstStyle/>
+              <a:p>
+                <a:pPr algn="ctr"/>
+                <a:endParaRPr lang="en-US"/>
+              </a:p>
+            </p:txBody>
+          </p:sp>
+          <p:sp>
+            <p:nvSpPr>
+              <p:cNvPr id="65" name="Plus 64"/>
+              <p:cNvSpPr/>
+              <p:nvPr/>
+            </p:nvSpPr>
+            <p:spPr>
+              <a:xfrm>
+                <a:off x="7612997" y="5792216"/>
+                <a:ext cx="45719" cy="45719"/>
+              </a:xfrm>
+              <a:prstGeom prst="mathPlus">
+                <a:avLst/>
+              </a:prstGeom>
+              <a:solidFill>
+                <a:schemeClr val="bg1"/>
+              </a:solidFill>
+              <a:ln w="6350">
+                <a:solidFill>
+                  <a:schemeClr val="bg1"/>
+                </a:solidFill>
+              </a:ln>
+            </p:spPr>
+            <p:style>
+              <a:lnRef idx="2">
+                <a:schemeClr val="accent1">
+                  <a:shade val="50000"/>
+                </a:schemeClr>
+              </a:lnRef>
+              <a:fillRef idx="1">
+                <a:schemeClr val="accent1"/>
+              </a:fillRef>
+              <a:effectRef idx="0">
+                <a:schemeClr val="accent1"/>
+              </a:effectRef>
+              <a:fontRef idx="minor">
+                <a:schemeClr val="lt1"/>
+              </a:fontRef>
+            </p:style>
+            <p:txBody>
+              <a:bodyPr rtlCol="0" anchor="ctr"/>
+              <a:lstStyle/>
+              <a:p>
+                <a:pPr algn="ctr"/>
+                <a:endParaRPr lang="en-US"/>
+              </a:p>
+            </p:txBody>
+          </p:sp>
+          <p:sp>
+            <p:nvSpPr>
+              <p:cNvPr id="66" name="Rectangle 65"/>
+              <p:cNvSpPr/>
+              <p:nvPr/>
+            </p:nvSpPr>
+            <p:spPr>
+              <a:xfrm>
+                <a:off x="7778049" y="5788881"/>
+                <a:ext cx="48100" cy="52387"/>
+              </a:xfrm>
+              <a:prstGeom prst="rect">
+                <a:avLst/>
+              </a:prstGeom>
+              <a:solidFill>
+                <a:schemeClr val="accent6"/>
+              </a:solidFill>
+              <a:ln w="3175">
+                <a:solidFill>
+                  <a:schemeClr val="accent6"/>
+                </a:solidFill>
+              </a:ln>
+            </p:spPr>
+            <p:style>
+              <a:lnRef idx="2">
+                <a:schemeClr val="accent1">
+                  <a:shade val="50000"/>
+                </a:schemeClr>
+              </a:lnRef>
+              <a:fillRef idx="1">
+                <a:schemeClr val="accent1"/>
+              </a:fillRef>
+              <a:effectRef idx="0">
+                <a:schemeClr val="accent1"/>
+              </a:effectRef>
+              <a:fontRef idx="minor">
+                <a:schemeClr val="lt1"/>
+              </a:fontRef>
+            </p:style>
+            <p:txBody>
+              <a:bodyPr rtlCol="0" anchor="ctr"/>
+              <a:lstStyle/>
+              <a:p>
+                <a:pPr algn="ctr"/>
+                <a:endParaRPr lang="en-US"/>
+              </a:p>
+            </p:txBody>
+          </p:sp>
+          <p:sp>
+            <p:nvSpPr>
+              <p:cNvPr id="67" name="Rectangle 66"/>
+              <p:cNvSpPr/>
+              <p:nvPr/>
+            </p:nvSpPr>
+            <p:spPr>
+              <a:xfrm>
+                <a:off x="7771154" y="5772297"/>
+                <a:ext cx="59758" cy="45719"/>
+              </a:xfrm>
+              <a:prstGeom prst="rect">
+                <a:avLst/>
+              </a:prstGeom>
+              <a:solidFill>
+                <a:schemeClr val="bg1"/>
+              </a:solidFill>
+              <a:ln w="0">
+                <a:solidFill>
+                  <a:schemeClr val="bg1"/>
+                </a:solidFill>
+              </a:ln>
+            </p:spPr>
+            <p:style>
+              <a:lnRef idx="2">
+                <a:schemeClr val="accent1">
+                  <a:shade val="50000"/>
+                </a:schemeClr>
+              </a:lnRef>
+              <a:fillRef idx="1">
+                <a:schemeClr val="accent1"/>
+              </a:fillRef>
+              <a:effectRef idx="0">
+                <a:schemeClr val="accent1"/>
+              </a:effectRef>
+              <a:fontRef idx="minor">
+                <a:schemeClr val="lt1"/>
+              </a:fontRef>
+            </p:style>
+            <p:txBody>
+              <a:bodyPr rtlCol="0" anchor="ctr"/>
+              <a:lstStyle/>
+              <a:p>
+                <a:pPr algn="ctr"/>
+                <a:endParaRPr lang="en-US"/>
+              </a:p>
+            </p:txBody>
+          </p:sp>
+        </p:grpSp>
+        <mc:AlternateContent xmlns:mc="http://schemas.openxmlformats.org/markup-compatibility/2006">
+          <mc:Choice xmlns:a14="http://schemas.microsoft.com/office/drawing/2010/main" Requires="a14">
+            <p:sp>
+              <p:nvSpPr>
+                <p:cNvPr id="69" name="TextBox 68"/>
+                <p:cNvSpPr txBox="1"/>
+                <p:nvPr/>
+              </p:nvSpPr>
+              <p:spPr>
+                <a:xfrm>
+                  <a:off x="5680819" y="5883904"/>
+                  <a:ext cx="222304" cy="307777"/>
+                </a:xfrm>
+                <a:prstGeom prst="rect">
+                  <a:avLst/>
+                </a:prstGeom>
+                <a:noFill/>
+              </p:spPr>
+              <p:txBody>
+                <a:bodyPr wrap="none" lIns="0" tIns="0" rIns="0" bIns="0" rtlCol="0">
+                  <a:spAutoFit/>
+                </a:bodyPr>
+                <a:lstStyle/>
+                <a:p>
+                  <a14:m>
+                    <m:oMathPara xmlns:m="http://schemas.openxmlformats.org/officeDocument/2006/math">
+                      <m:oMathParaPr>
+                        <m:jc m:val="centerGroup"/>
+                      </m:oMathParaPr>
+                      <m:oMath xmlns:m="http://schemas.openxmlformats.org/officeDocument/2006/math">
+                        <m:r>
+                          <a:rPr lang="en-US" sz="2000" b="0" i="1" smtClean="0">
+                            <a:latin typeface="Cambria Math" panose="02040503050406030204" pitchFamily="18" charset="0"/>
+                            <a:cs typeface="Arial" panose="020B0604020202020204" pitchFamily="34" charset="0"/>
+                          </a:rPr>
+                          <m:t>𝜃</m:t>
+                        </m:r>
+                      </m:oMath>
+                    </m:oMathPara>
+                  </a14:m>
+                  <a:endParaRPr lang="en-US" sz="2000" dirty="0" smtClean="0">
+                    <a:latin typeface="Arial" panose="020B0604020202020204" pitchFamily="34" charset="0"/>
+                    <a:cs typeface="Arial" panose="020B0604020202020204" pitchFamily="34" charset="0"/>
+                  </a:endParaRPr>
+                </a:p>
+              </p:txBody>
+            </p:sp>
+          </mc:Choice>
+          <mc:Fallback>
+            <p:sp>
+              <p:nvSpPr>
+                <p:cNvPr id="69" name="TextBox 68"/>
+                <p:cNvSpPr txBox="1">
+                  <a:spLocks noRot="1" noChangeAspect="1" noMove="1" noResize="1" noEditPoints="1" noAdjustHandles="1" noChangeArrowheads="1" noChangeShapeType="1" noTextEdit="1"/>
+                </p:cNvSpPr>
+                <p:nvPr/>
+              </p:nvSpPr>
+              <p:spPr>
+                <a:xfrm>
+                  <a:off x="5680819" y="5883904"/>
+                  <a:ext cx="222304" cy="307777"/>
+                </a:xfrm>
+                <a:prstGeom prst="rect">
+                  <a:avLst/>
+                </a:prstGeom>
+                <a:blipFill>
+                  <a:blip r:embed="rId51"/>
+                  <a:stretch>
+                    <a:fillRect l="-25000" r="-25000" b="-9804"/>
+                  </a:stretch>
+                </a:blipFill>
+              </p:spPr>
+              <p:txBody>
+                <a:bodyPr/>
+                <a:lstStyle/>
+                <a:p>
+                  <a:r>
+                    <a:rPr lang="en-US">
+                      <a:noFill/>
+                    </a:rPr>
+                    <a:t> </a:t>
+                  </a:r>
+                </a:p>
+              </p:txBody>
+            </p:sp>
+          </mc:Fallback>
+        </mc:AlternateContent>
+        <p:cxnSp>
+          <p:nvCxnSpPr>
+            <p:cNvPr id="70" name="Straight Connector 69"/>
+            <p:cNvCxnSpPr/>
+            <p:nvPr/>
+          </p:nvCxnSpPr>
+          <p:spPr>
+            <a:xfrm>
+              <a:off x="2865863" y="5374266"/>
+              <a:ext cx="2973914" cy="4543"/>
+            </a:xfrm>
+            <a:prstGeom prst="line">
+              <a:avLst/>
+            </a:prstGeom>
+            <a:ln w="38100">
+              <a:solidFill>
+                <a:schemeClr val="tx1"/>
+              </a:solidFill>
+              <a:prstDash val="sysDot"/>
+            </a:ln>
+          </p:spPr>
+          <p:style>
+            <a:lnRef idx="1">
+              <a:schemeClr val="accent1"/>
+            </a:lnRef>
+            <a:fillRef idx="0">
+              <a:schemeClr val="accent1"/>
+            </a:fillRef>
+            <a:effectRef idx="0">
+              <a:schemeClr val="accent1"/>
+            </a:effectRef>
+            <a:fontRef idx="minor">
+              <a:schemeClr val="tx1"/>
+            </a:fontRef>
+          </p:style>
+        </p:cxnSp>
+        <mc:AlternateContent xmlns:mc="http://schemas.openxmlformats.org/markup-compatibility/2006">
+          <mc:Choice xmlns:a14="http://schemas.microsoft.com/office/drawing/2010/main" Requires="a14">
+            <p:sp>
+              <p:nvSpPr>
+                <p:cNvPr id="72" name="TextBox 71"/>
+                <p:cNvSpPr txBox="1"/>
+                <p:nvPr/>
+              </p:nvSpPr>
+              <p:spPr>
+                <a:xfrm>
+                  <a:off x="4318570" y="5013576"/>
+                  <a:ext cx="241540" cy="307777"/>
+                </a:xfrm>
+                <a:prstGeom prst="rect">
+                  <a:avLst/>
+                </a:prstGeom>
+                <a:noFill/>
+              </p:spPr>
+              <p:txBody>
+                <a:bodyPr wrap="none" lIns="0" tIns="0" rIns="0" bIns="0" rtlCol="0">
+                  <a:spAutoFit/>
+                </a:bodyPr>
+                <a:lstStyle/>
+                <a:p>
+                  <a:pPr/>
+                  <a14:m>
+                    <m:oMathPara xmlns:m="http://schemas.openxmlformats.org/officeDocument/2006/math">
+                      <m:oMathParaPr>
+                        <m:jc m:val="centerGroup"/>
+                      </m:oMathParaPr>
+                      <m:oMath xmlns:m="http://schemas.openxmlformats.org/officeDocument/2006/math">
+                        <m:r>
+                          <a:rPr lang="en-US" sz="2000" b="0" i="1" smtClean="0">
+                            <a:latin typeface="Cambria Math" panose="02040503050406030204" pitchFamily="18" charset="0"/>
+                            <a:cs typeface="Arial" panose="020B0604020202020204" pitchFamily="34" charset="0"/>
+                          </a:rPr>
+                          <m:t>𝑅</m:t>
+                        </m:r>
+                      </m:oMath>
+                    </m:oMathPara>
+                  </a14:m>
+                  <a:endParaRPr lang="en-US" sz="2000" dirty="0" smtClean="0">
+                    <a:latin typeface="Arial" panose="020B0604020202020204" pitchFamily="34" charset="0"/>
+                    <a:cs typeface="Arial" panose="020B0604020202020204" pitchFamily="34" charset="0"/>
+                  </a:endParaRPr>
+                </a:p>
+              </p:txBody>
+            </p:sp>
+          </mc:Choice>
+          <mc:Fallback>
+            <p:sp>
+              <p:nvSpPr>
+                <p:cNvPr id="72" name="TextBox 71"/>
+                <p:cNvSpPr txBox="1">
+                  <a:spLocks noRot="1" noChangeAspect="1" noMove="1" noResize="1" noEditPoints="1" noAdjustHandles="1" noChangeArrowheads="1" noChangeShapeType="1" noTextEdit="1"/>
+                </p:cNvSpPr>
+                <p:nvPr/>
+              </p:nvSpPr>
+              <p:spPr>
+                <a:xfrm>
+                  <a:off x="4318570" y="5013576"/>
+                  <a:ext cx="241540" cy="307777"/>
+                </a:xfrm>
+                <a:prstGeom prst="rect">
+                  <a:avLst/>
+                </a:prstGeom>
+                <a:blipFill>
+                  <a:blip r:embed="rId52"/>
+                  <a:stretch>
+                    <a:fillRect l="-20000" r="-20000" b="-10000"/>
+                  </a:stretch>
+                </a:blipFill>
+              </p:spPr>
+              <p:txBody>
+                <a:bodyPr/>
+                <a:lstStyle/>
+                <a:p>
+                  <a:r>
+                    <a:rPr lang="en-US">
+                      <a:noFill/>
+                    </a:rPr>
+                    <a:t> </a:t>
+                  </a:r>
+                </a:p>
+              </p:txBody>
+            </p:sp>
+          </mc:Fallback>
+        </mc:AlternateContent>
+      </p:grpSp>
+      <p:grpSp>
+        <p:nvGrpSpPr>
+          <p:cNvPr id="110" name="Group 109"/>
+          <p:cNvGrpSpPr/>
+          <p:nvPr/>
+        </p:nvGrpSpPr>
+        <p:grpSpPr>
+          <a:xfrm>
+            <a:off x="9122960" y="3557386"/>
+            <a:ext cx="2257498" cy="3057192"/>
+            <a:chOff x="9122960" y="3557386"/>
+            <a:chExt cx="2257498" cy="3057192"/>
+          </a:xfrm>
+        </p:grpSpPr>
+        <p:grpSp>
+          <p:nvGrpSpPr>
+            <p:cNvPr id="103" name="Group 102"/>
+            <p:cNvGrpSpPr/>
+            <p:nvPr/>
+          </p:nvGrpSpPr>
+          <p:grpSpPr>
+            <a:xfrm>
+              <a:off x="9122960" y="3557386"/>
+              <a:ext cx="1897613" cy="3057192"/>
+              <a:chOff x="9122960" y="3557386"/>
+              <a:chExt cx="1897613" cy="3057192"/>
+            </a:xfrm>
+          </p:grpSpPr>
+          <p:grpSp>
+            <p:nvGrpSpPr>
+              <p:cNvPr id="75" name="Group 74"/>
+              <p:cNvGrpSpPr/>
+              <p:nvPr/>
+            </p:nvGrpSpPr>
+            <p:grpSpPr>
+              <a:xfrm>
+                <a:off x="9122960" y="3557386"/>
+                <a:ext cx="1897613" cy="3057192"/>
+                <a:chOff x="8558589" y="1940914"/>
+                <a:chExt cx="1897613" cy="3057192"/>
+              </a:xfrm>
+            </p:grpSpPr>
+            <p:sp>
+              <p:nvSpPr>
+                <p:cNvPr id="77" name="Oval 76"/>
+                <p:cNvSpPr/>
+                <p:nvPr/>
+              </p:nvSpPr>
+              <p:spPr>
+                <a:xfrm>
+                  <a:off x="9986883" y="3321986"/>
+                  <a:ext cx="120943" cy="119766"/>
+                </a:xfrm>
+                <a:prstGeom prst="ellipse">
+                  <a:avLst/>
+                </a:prstGeom>
+                <a:solidFill>
+                  <a:schemeClr val="tx1"/>
+                </a:solidFill>
+                <a:ln w="38100">
+                  <a:solidFill>
+                    <a:schemeClr val="tx1"/>
+                  </a:solidFill>
+                </a:ln>
+              </p:spPr>
+              <p:style>
+                <a:lnRef idx="2">
+                  <a:schemeClr val="accent1">
+                    <a:shade val="50000"/>
+                  </a:schemeClr>
+                </a:lnRef>
+                <a:fillRef idx="1">
+                  <a:schemeClr val="accent1"/>
+                </a:fillRef>
+                <a:effectRef idx="0">
+                  <a:schemeClr val="accent1"/>
+                </a:effectRef>
+                <a:fontRef idx="minor">
+                  <a:schemeClr val="lt1"/>
+                </a:fontRef>
+              </p:style>
+              <p:txBody>
+                <a:bodyPr rtlCol="0" anchor="ctr"/>
+                <a:lstStyle/>
+                <a:p>
+                  <a:pPr algn="ctr"/>
+                  <a:endParaRPr lang="en-US"/>
+                </a:p>
+              </p:txBody>
+            </p:sp>
+            <p:cxnSp>
+              <p:nvCxnSpPr>
+                <p:cNvPr id="78" name="Straight Arrow Connector 77"/>
+                <p:cNvCxnSpPr/>
+                <p:nvPr/>
+              </p:nvCxnSpPr>
+              <p:spPr>
+                <a:xfrm flipH="1">
+                  <a:off x="9545682" y="3419706"/>
+                  <a:ext cx="441523" cy="301294"/>
+                </a:xfrm>
+                <a:prstGeom prst="straightConnector1">
+                  <a:avLst/>
+                </a:prstGeom>
+                <a:ln w="38100">
+                  <a:solidFill>
+                    <a:schemeClr val="tx1"/>
+                  </a:solidFill>
+                  <a:prstDash val="sysDot"/>
+                  <a:tailEnd type="triangle"/>
+                </a:ln>
+              </p:spPr>
+              <p:style>
+                <a:lnRef idx="1">
+                  <a:schemeClr val="accent1"/>
+                </a:lnRef>
+                <a:fillRef idx="0">
+                  <a:schemeClr val="accent1"/>
+                </a:fillRef>
+                <a:effectRef idx="0">
+                  <a:schemeClr val="accent1"/>
+                </a:effectRef>
+                <a:fontRef idx="minor">
+                  <a:schemeClr val="tx1"/>
+                </a:fontRef>
+              </p:style>
+            </p:cxnSp>
+            <p:cxnSp>
+              <p:nvCxnSpPr>
+                <p:cNvPr id="79" name="Straight Arrow Connector 78"/>
+                <p:cNvCxnSpPr/>
+                <p:nvPr/>
+              </p:nvCxnSpPr>
+              <p:spPr>
+                <a:xfrm flipH="1">
+                  <a:off x="10040393" y="3435406"/>
+                  <a:ext cx="7135" cy="796601"/>
+                </a:xfrm>
+                <a:prstGeom prst="straightConnector1">
+                  <a:avLst/>
+                </a:prstGeom>
+                <a:ln w="38100">
+                  <a:solidFill>
+                    <a:schemeClr val="tx1"/>
+                  </a:solidFill>
+                  <a:tailEnd type="triangle"/>
+                </a:ln>
+              </p:spPr>
+              <p:style>
+                <a:lnRef idx="1">
+                  <a:schemeClr val="accent1"/>
+                </a:lnRef>
+                <a:fillRef idx="0">
+                  <a:schemeClr val="accent1"/>
+                </a:fillRef>
+                <a:effectRef idx="0">
+                  <a:schemeClr val="accent1"/>
+                </a:effectRef>
+                <a:fontRef idx="minor">
+                  <a:schemeClr val="tx1"/>
+                </a:fontRef>
+              </p:style>
+            </p:cxnSp>
+            <p:cxnSp>
+              <p:nvCxnSpPr>
+                <p:cNvPr id="80" name="Straight Arrow Connector 79"/>
+                <p:cNvCxnSpPr/>
+                <p:nvPr/>
+              </p:nvCxnSpPr>
+              <p:spPr>
+                <a:xfrm flipH="1" flipV="1">
+                  <a:off x="9546003" y="2546408"/>
+                  <a:ext cx="501351" cy="814704"/>
+                </a:xfrm>
+                <a:prstGeom prst="straightConnector1">
+                  <a:avLst/>
+                </a:prstGeom>
+                <a:ln w="38100">
+                  <a:solidFill>
+                    <a:schemeClr val="tx1"/>
+                  </a:solidFill>
+                  <a:tailEnd type="triangle"/>
+                </a:ln>
+              </p:spPr>
+              <p:style>
+                <a:lnRef idx="1">
+                  <a:schemeClr val="accent1"/>
+                </a:lnRef>
+                <a:fillRef idx="0">
+                  <a:schemeClr val="accent1"/>
+                </a:fillRef>
+                <a:effectRef idx="0">
+                  <a:schemeClr val="accent1"/>
+                </a:effectRef>
+                <a:fontRef idx="minor">
+                  <a:schemeClr val="tx1"/>
+                </a:fontRef>
+              </p:style>
+            </p:cxnSp>
+            <mc:AlternateContent xmlns:mc="http://schemas.openxmlformats.org/markup-compatibility/2006">
+              <mc:Choice xmlns:a14="http://schemas.microsoft.com/office/drawing/2010/main" Requires="a14">
+                <p:sp>
+                  <p:nvSpPr>
+                    <p:cNvPr id="81" name="TextBox 80"/>
+                    <p:cNvSpPr txBox="1"/>
+                    <p:nvPr/>
+                  </p:nvSpPr>
+                  <p:spPr>
+                    <a:xfrm>
+                      <a:off x="9148346" y="3463365"/>
+                      <a:ext cx="267381" cy="354071"/>
+                    </a:xfrm>
+                    <a:prstGeom prst="rect">
+                      <a:avLst/>
+                    </a:prstGeom>
+                    <a:noFill/>
+                  </p:spPr>
+                  <p:txBody>
+                    <a:bodyPr wrap="none" lIns="0" tIns="0" rIns="0" bIns="0" rtlCol="0">
+                      <a:spAutoFit/>
+                    </a:bodyPr>
+                    <a:lstStyle/>
+                    <a:p>
+                      <a:pPr/>
+                      <a14:m>
+                        <m:oMathPara xmlns:m="http://schemas.openxmlformats.org/officeDocument/2006/math">
+                          <m:oMathParaPr>
+                            <m:jc m:val="centerGroup"/>
+                          </m:oMathParaPr>
+                          <m:oMath xmlns:m="http://schemas.openxmlformats.org/officeDocument/2006/math">
+                            <m:sSub>
+                              <m:sSubPr>
+                                <m:ctrlPr>
+                                  <a:rPr lang="en-US" sz="2000" b="0" i="1" smtClean="0">
+                                    <a:latin typeface="Cambria Math" panose="02040503050406030204" pitchFamily="18" charset="0"/>
+                                    <a:cs typeface="Arial" panose="020B0604020202020204" pitchFamily="34" charset="0"/>
+                                  </a:rPr>
+                                </m:ctrlPr>
+                              </m:sSubPr>
+                              <m:e>
+                                <m:acc>
+                                  <m:accPr>
+                                    <m:chr m:val="⃗"/>
+                                    <m:ctrlPr>
+                                      <a:rPr lang="en-US" sz="2000" b="0" i="1" smtClean="0">
+                                        <a:latin typeface="Cambria Math" panose="02040503050406030204" pitchFamily="18" charset="0"/>
+                                        <a:cs typeface="Arial" panose="020B0604020202020204" pitchFamily="34" charset="0"/>
+                                      </a:rPr>
+                                    </m:ctrlPr>
+                                  </m:accPr>
+                                  <m:e>
+                                    <m:r>
+                                      <a:rPr lang="en-US" sz="2000" b="0" i="1" smtClean="0">
+                                        <a:latin typeface="Cambria Math" panose="02040503050406030204" pitchFamily="18" charset="0"/>
+                                        <a:cs typeface="Arial" panose="020B0604020202020204" pitchFamily="34" charset="0"/>
+                                      </a:rPr>
+                                      <m:t>𝑓</m:t>
+                                    </m:r>
+                                  </m:e>
+                                </m:acc>
+                              </m:e>
+                              <m:sub>
+                                <m:r>
+                                  <a:rPr lang="en-US" sz="2000" b="0" i="1" smtClean="0">
+                                    <a:latin typeface="Cambria Math" panose="02040503050406030204" pitchFamily="18" charset="0"/>
+                                    <a:cs typeface="Arial" panose="020B0604020202020204" pitchFamily="34" charset="0"/>
+                                  </a:rPr>
+                                  <m:t>𝑠</m:t>
+                                </m:r>
+                              </m:sub>
+                            </m:sSub>
+                          </m:oMath>
+                        </m:oMathPara>
+                      </a14:m>
+                      <a:endParaRPr lang="en-US" sz="2000" dirty="0">
+                        <a:latin typeface="Arial" panose="020B0604020202020204" pitchFamily="34" charset="0"/>
+                        <a:cs typeface="Arial" panose="020B0604020202020204" pitchFamily="34" charset="0"/>
+                      </a:endParaRPr>
+                    </a:p>
+                  </p:txBody>
+                </p:sp>
+              </mc:Choice>
+              <mc:Fallback>
+                <p:sp>
+                  <p:nvSpPr>
+                    <p:cNvPr id="81" name="TextBox 80"/>
+                    <p:cNvSpPr txBox="1">
+                      <a:spLocks noRot="1" noChangeAspect="1" noMove="1" noResize="1" noEditPoints="1" noAdjustHandles="1" noChangeArrowheads="1" noChangeShapeType="1" noTextEdit="1"/>
+                    </p:cNvSpPr>
+                    <p:nvPr/>
+                  </p:nvSpPr>
+                  <p:spPr>
+                    <a:xfrm>
+                      <a:off x="9148346" y="3463365"/>
+                      <a:ext cx="267381" cy="354071"/>
+                    </a:xfrm>
+                    <a:prstGeom prst="rect">
+                      <a:avLst/>
+                    </a:prstGeom>
+                    <a:blipFill>
+                      <a:blip r:embed="rId53"/>
+                      <a:stretch>
+                        <a:fillRect l="-29545" t="-32759" r="-84091" b="-32759"/>
+                      </a:stretch>
+                    </a:blipFill>
+                  </p:spPr>
+                  <p:txBody>
+                    <a:bodyPr/>
+                    <a:lstStyle/>
+                    <a:p>
+                      <a:r>
+                        <a:rPr lang="en-US">
+                          <a:noFill/>
+                        </a:rPr>
+                        <a:t> </a:t>
+                      </a:r>
+                    </a:p>
+                  </p:txBody>
+                </p:sp>
+              </mc:Fallback>
+            </mc:AlternateContent>
+            <mc:AlternateContent xmlns:mc="http://schemas.openxmlformats.org/markup-compatibility/2006" xmlns:a14="http://schemas.microsoft.com/office/drawing/2010/main">
+              <mc:Choice Requires="a14">
+                <p:sp>
+                  <p:nvSpPr>
+                    <p:cNvPr id="82" name="TextBox 81"/>
+                    <p:cNvSpPr txBox="1"/>
+                    <p:nvPr/>
+                  </p:nvSpPr>
+                  <p:spPr>
+                    <a:xfrm>
+                      <a:off x="10191835" y="2656285"/>
+                      <a:ext cx="264367" cy="345159"/>
+                    </a:xfrm>
+                    <a:prstGeom prst="rect">
+                      <a:avLst/>
+                    </a:prstGeom>
+                    <a:noFill/>
+                  </p:spPr>
+                  <p:txBody>
+                    <a:bodyPr wrap="none" lIns="0" tIns="0" rIns="0" bIns="0" rtlCol="0">
+                      <a:spAutoFit/>
+                    </a:bodyPr>
+                    <a:lstStyle/>
+                    <a:p>
+                      <a:pPr/>
+                      <a14:m>
+                        <m:oMathPara xmlns:m="http://schemas.openxmlformats.org/officeDocument/2006/math">
+                          <m:oMathParaPr>
+                            <m:jc m:val="centerGroup"/>
+                          </m:oMathParaPr>
+                          <m:oMath xmlns:m="http://schemas.openxmlformats.org/officeDocument/2006/math">
+                            <m:acc>
+                              <m:accPr>
+                                <m:chr m:val="⃗"/>
+                                <m:ctrlPr>
+                                  <a:rPr lang="en-US" sz="2000" b="0" i="1" smtClean="0">
+                                    <a:latin typeface="Cambria Math" panose="02040503050406030204" pitchFamily="18" charset="0"/>
+                                    <a:cs typeface="Arial" panose="020B0604020202020204" pitchFamily="34" charset="0"/>
+                                  </a:rPr>
+                                </m:ctrlPr>
+                              </m:accPr>
+                              <m:e>
+                                <m:r>
+                                  <a:rPr lang="en-US" sz="2000" b="0" i="1" smtClean="0">
+                                    <a:latin typeface="Cambria Math" panose="02040503050406030204" pitchFamily="18" charset="0"/>
+                                    <a:cs typeface="Arial" panose="020B0604020202020204" pitchFamily="34" charset="0"/>
+                                  </a:rPr>
+                                  <m:t>𝑁</m:t>
+                                </m:r>
+                              </m:e>
+                            </m:acc>
+                          </m:oMath>
+                        </m:oMathPara>
+                      </a14:m>
+                      <a:endParaRPr lang="en-US" sz="2000" dirty="0">
+                        <a:latin typeface="Arial" panose="020B0604020202020204" pitchFamily="34" charset="0"/>
+                        <a:cs typeface="Arial" panose="020B0604020202020204" pitchFamily="34" charset="0"/>
+                      </a:endParaRPr>
+                    </a:p>
+                  </p:txBody>
+                </p:sp>
+              </mc:Choice>
+              <mc:Fallback xmlns="">
+                <p:sp>
+                  <p:nvSpPr>
+                    <p:cNvPr id="18" name="TextBox 17"/>
+                    <p:cNvSpPr txBox="1">
+                      <a:spLocks noRot="1" noChangeAspect="1" noMove="1" noResize="1" noEditPoints="1" noAdjustHandles="1" noChangeArrowheads="1" noChangeShapeType="1" noTextEdit="1"/>
+                    </p:cNvSpPr>
+                    <p:nvPr/>
+                  </p:nvSpPr>
+                  <p:spPr>
+                    <a:xfrm>
+                      <a:off x="10191835" y="2656285"/>
+                      <a:ext cx="264367" cy="345159"/>
+                    </a:xfrm>
+                    <a:prstGeom prst="rect">
+                      <a:avLst/>
+                    </a:prstGeom>
+                    <a:blipFill>
+                      <a:blip r:embed="rId3"/>
+                      <a:stretch>
+                        <a:fillRect l="-20930" r="-18605" b="-8772"/>
+                      </a:stretch>
+                    </a:blipFill>
+                  </p:spPr>
+                  <p:txBody>
+                    <a:bodyPr/>
+                    <a:lstStyle/>
+                    <a:p>
+                      <a:r>
+                        <a:rPr lang="en-US">
+                          <a:noFill/>
+                        </a:rPr>
+                        <a:t> </a:t>
+                      </a:r>
+                    </a:p>
+                  </p:txBody>
+                </p:sp>
+              </mc:Fallback>
+            </mc:AlternateContent>
+            <mc:AlternateContent xmlns:mc="http://schemas.openxmlformats.org/markup-compatibility/2006" xmlns:a14="http://schemas.microsoft.com/office/drawing/2010/main">
+              <mc:Choice Requires="a14">
+                <p:sp>
+                  <p:nvSpPr>
+                    <p:cNvPr id="83" name="TextBox 82"/>
+                    <p:cNvSpPr txBox="1"/>
+                    <p:nvPr/>
+                  </p:nvSpPr>
+                  <p:spPr>
+                    <a:xfrm>
+                      <a:off x="9619569" y="3883778"/>
+                      <a:ext cx="303866" cy="377219"/>
+                    </a:xfrm>
+                    <a:prstGeom prst="rect">
+                      <a:avLst/>
+                    </a:prstGeom>
+                    <a:noFill/>
+                  </p:spPr>
+                  <p:txBody>
+                    <a:bodyPr wrap="none" lIns="0" tIns="0" rIns="0" bIns="0" rtlCol="0">
+                      <a:spAutoFit/>
+                    </a:bodyPr>
+                    <a:lstStyle/>
+                    <a:p>
+                      <a:pPr/>
+                      <a14:m>
+                        <m:oMathPara xmlns:m="http://schemas.openxmlformats.org/officeDocument/2006/math">
+                          <m:oMathParaPr>
+                            <m:jc m:val="centerGroup"/>
+                          </m:oMathParaPr>
+                          <m:oMath xmlns:m="http://schemas.openxmlformats.org/officeDocument/2006/math">
+                            <m:sSub>
+                              <m:sSubPr>
+                                <m:ctrlPr>
+                                  <a:rPr lang="en-US" sz="2000" b="0" i="1" smtClean="0">
+                                    <a:latin typeface="Cambria Math" panose="02040503050406030204" pitchFamily="18" charset="0"/>
+                                    <a:cs typeface="Arial" panose="020B0604020202020204" pitchFamily="34" charset="0"/>
+                                  </a:rPr>
+                                </m:ctrlPr>
+                              </m:sSubPr>
+                              <m:e>
+                                <m:acc>
+                                  <m:accPr>
+                                    <m:chr m:val="⃗"/>
+                                    <m:ctrlPr>
+                                      <a:rPr lang="en-US" sz="2000" b="0" i="1" smtClean="0">
+                                        <a:latin typeface="Cambria Math" panose="02040503050406030204" pitchFamily="18" charset="0"/>
+                                        <a:cs typeface="Arial" panose="020B0604020202020204" pitchFamily="34" charset="0"/>
+                                      </a:rPr>
+                                    </m:ctrlPr>
+                                  </m:accPr>
+                                  <m:e>
+                                    <m:r>
+                                      <a:rPr lang="en-US" sz="2000" b="0" i="1" smtClean="0">
+                                        <a:latin typeface="Cambria Math" panose="02040503050406030204" pitchFamily="18" charset="0"/>
+                                        <a:cs typeface="Arial" panose="020B0604020202020204" pitchFamily="34" charset="0"/>
+                                      </a:rPr>
+                                      <m:t>𝐹</m:t>
+                                    </m:r>
+                                  </m:e>
+                                </m:acc>
+                              </m:e>
+                              <m:sub>
+                                <m:r>
+                                  <a:rPr lang="en-US" sz="2000" b="0" i="1" smtClean="0">
+                                    <a:latin typeface="Cambria Math" panose="02040503050406030204" pitchFamily="18" charset="0"/>
+                                    <a:cs typeface="Arial" panose="020B0604020202020204" pitchFamily="34" charset="0"/>
+                                  </a:rPr>
+                                  <m:t>𝑔</m:t>
+                                </m:r>
+                              </m:sub>
+                            </m:sSub>
+                          </m:oMath>
+                        </m:oMathPara>
+                      </a14:m>
+                      <a:endParaRPr lang="en-US" sz="2000" dirty="0">
+                        <a:latin typeface="Arial" panose="020B0604020202020204" pitchFamily="34" charset="0"/>
+                        <a:cs typeface="Arial" panose="020B0604020202020204" pitchFamily="34" charset="0"/>
+                      </a:endParaRPr>
+                    </a:p>
+                  </p:txBody>
+                </p:sp>
+              </mc:Choice>
+              <mc:Fallback xmlns="">
+                <p:sp>
+                  <p:nvSpPr>
+                    <p:cNvPr id="47" name="TextBox 46"/>
+                    <p:cNvSpPr txBox="1">
+                      <a:spLocks noRot="1" noChangeAspect="1" noMove="1" noResize="1" noEditPoints="1" noAdjustHandles="1" noChangeArrowheads="1" noChangeShapeType="1" noTextEdit="1"/>
+                    </p:cNvSpPr>
+                    <p:nvPr/>
+                  </p:nvSpPr>
+                  <p:spPr>
+                    <a:xfrm>
+                      <a:off x="9619569" y="3883778"/>
+                      <a:ext cx="303866" cy="377219"/>
+                    </a:xfrm>
+                    <a:prstGeom prst="rect">
+                      <a:avLst/>
+                    </a:prstGeom>
+                    <a:blipFill>
+                      <a:blip r:embed="rId42"/>
+                      <a:stretch>
+                        <a:fillRect l="-18000" t="-30645" r="-70000" b="-17742"/>
+                      </a:stretch>
+                    </a:blipFill>
+                  </p:spPr>
+                  <p:txBody>
+                    <a:bodyPr/>
+                    <a:lstStyle/>
+                    <a:p>
+                      <a:r>
+                        <a:rPr lang="en-US">
+                          <a:noFill/>
+                        </a:rPr>
+                        <a:t> </a:t>
+                      </a:r>
+                    </a:p>
+                  </p:txBody>
+                </p:sp>
+              </mc:Fallback>
+            </mc:AlternateContent>
+            <p:sp>
+              <p:nvSpPr>
+                <p:cNvPr id="84" name="Right Arrow 83"/>
+                <p:cNvSpPr/>
+                <p:nvPr/>
+              </p:nvSpPr>
+              <p:spPr>
+                <a:xfrm flipH="1">
+                  <a:off x="9625454" y="2274905"/>
+                  <a:ext cx="606575" cy="107622"/>
+                </a:xfrm>
+                <a:prstGeom prst="rightArrow">
+                  <a:avLst/>
+                </a:prstGeom>
+                <a:solidFill>
+                  <a:schemeClr val="tx1"/>
+                </a:solidFill>
+                <a:ln w="38100">
+                  <a:solidFill>
+                    <a:schemeClr val="tx1"/>
+                  </a:solidFill>
+                </a:ln>
+              </p:spPr>
+              <p:style>
+                <a:lnRef idx="2">
+                  <a:schemeClr val="accent1">
+                    <a:shade val="50000"/>
+                  </a:schemeClr>
+                </a:lnRef>
+                <a:fillRef idx="1">
+                  <a:schemeClr val="accent1"/>
+                </a:fillRef>
+                <a:effectRef idx="0">
+                  <a:schemeClr val="accent1"/>
+                </a:effectRef>
+                <a:fontRef idx="minor">
+                  <a:schemeClr val="lt1"/>
+                </a:fontRef>
+              </p:style>
+              <p:txBody>
+                <a:bodyPr rtlCol="0" anchor="ctr"/>
+                <a:lstStyle/>
+                <a:p>
+                  <a:pPr algn="ctr"/>
+                  <a:endParaRPr lang="en-US"/>
+                </a:p>
+              </p:txBody>
+            </p:sp>
+            <mc:AlternateContent xmlns:mc="http://schemas.openxmlformats.org/markup-compatibility/2006" xmlns:a14="http://schemas.microsoft.com/office/drawing/2010/main">
+              <mc:Choice Requires="a14">
+                <p:sp>
+                  <p:nvSpPr>
+                    <p:cNvPr id="85" name="TextBox 84"/>
+                    <p:cNvSpPr txBox="1"/>
+                    <p:nvPr/>
+                  </p:nvSpPr>
+                  <p:spPr>
+                    <a:xfrm>
+                      <a:off x="9893372" y="1940914"/>
+                      <a:ext cx="352917" cy="307777"/>
+                    </a:xfrm>
+                    <a:prstGeom prst="rect">
+                      <a:avLst/>
+                    </a:prstGeom>
+                    <a:noFill/>
+                  </p:spPr>
+                  <p:txBody>
+                    <a:bodyPr wrap="none" lIns="0" tIns="0" rIns="0" bIns="0" rtlCol="0">
+                      <a:spAutoFit/>
+                    </a:bodyPr>
+                    <a:lstStyle/>
+                    <a:p>
+                      <a:pPr/>
+                      <a14:m>
+                        <m:oMathPara xmlns:m="http://schemas.openxmlformats.org/officeDocument/2006/math">
+                          <m:oMathParaPr>
+                            <m:jc m:val="centerGroup"/>
+                          </m:oMathParaPr>
+                          <m:oMath xmlns:m="http://schemas.openxmlformats.org/officeDocument/2006/math">
+                            <m:sSub>
+                              <m:sSubPr>
+                                <m:ctrlPr>
+                                  <a:rPr lang="en-US" sz="2000" b="0" i="1" smtClean="0">
+                                    <a:latin typeface="Cambria Math" panose="02040503050406030204" pitchFamily="18" charset="0"/>
+                                    <a:cs typeface="Arial" panose="020B0604020202020204" pitchFamily="34" charset="0"/>
+                                  </a:rPr>
+                                </m:ctrlPr>
+                              </m:sSubPr>
+                              <m:e>
+                                <m:acc>
+                                  <m:accPr>
+                                    <m:chr m:val="⃗"/>
+                                    <m:ctrlPr>
+                                      <a:rPr lang="en-US" sz="2000" b="0" i="1" smtClean="0">
+                                        <a:latin typeface="Cambria Math" panose="02040503050406030204" pitchFamily="18" charset="0"/>
+                                        <a:cs typeface="Arial" panose="020B0604020202020204" pitchFamily="34" charset="0"/>
+                                      </a:rPr>
+                                    </m:ctrlPr>
+                                  </m:accPr>
+                                  <m:e>
+                                    <m:r>
+                                      <a:rPr lang="en-US" sz="2000" b="0" i="1" smtClean="0">
+                                        <a:latin typeface="Cambria Math" panose="02040503050406030204" pitchFamily="18" charset="0"/>
+                                        <a:cs typeface="Arial" panose="020B0604020202020204" pitchFamily="34" charset="0"/>
+                                      </a:rPr>
+                                      <m:t>𝑎</m:t>
+                                    </m:r>
+                                  </m:e>
+                                </m:acc>
+                              </m:e>
+                              <m:sub>
+                                <m:r>
+                                  <a:rPr lang="en-US" sz="2000" b="0" i="1" smtClean="0">
+                                    <a:latin typeface="Cambria Math" panose="02040503050406030204" pitchFamily="18" charset="0"/>
+                                    <a:cs typeface="Arial" panose="020B0604020202020204" pitchFamily="34" charset="0"/>
+                                  </a:rPr>
+                                  <m:t>𝑅</m:t>
+                                </m:r>
+                              </m:sub>
+                            </m:sSub>
+                          </m:oMath>
+                        </m:oMathPara>
+                      </a14:m>
+                      <a:endParaRPr lang="en-US" sz="2000" dirty="0">
+                        <a:latin typeface="Arial" panose="020B0604020202020204" pitchFamily="34" charset="0"/>
+                        <a:cs typeface="Arial" panose="020B0604020202020204" pitchFamily="34" charset="0"/>
+                      </a:endParaRPr>
+                    </a:p>
+                  </p:txBody>
+                </p:sp>
+              </mc:Choice>
+              <mc:Fallback xmlns="">
+                <p:sp>
+                  <p:nvSpPr>
+                    <p:cNvPr id="22" name="TextBox 21"/>
+                    <p:cNvSpPr txBox="1">
+                      <a:spLocks noRot="1" noChangeAspect="1" noMove="1" noResize="1" noEditPoints="1" noAdjustHandles="1" noChangeArrowheads="1" noChangeShapeType="1" noTextEdit="1"/>
+                    </p:cNvSpPr>
+                    <p:nvPr/>
+                  </p:nvSpPr>
+                  <p:spPr>
+                    <a:xfrm>
+                      <a:off x="9893372" y="1940914"/>
+                      <a:ext cx="352917" cy="307777"/>
+                    </a:xfrm>
+                    <a:prstGeom prst="rect">
+                      <a:avLst/>
+                    </a:prstGeom>
+                    <a:blipFill>
+                      <a:blip r:embed="rId44"/>
+                      <a:stretch>
+                        <a:fillRect l="-13793" t="-33333" r="-56897" b="-19608"/>
+                      </a:stretch>
+                    </a:blipFill>
+                  </p:spPr>
+                  <p:txBody>
+                    <a:bodyPr/>
+                    <a:lstStyle/>
+                    <a:p>
+                      <a:r>
+                        <a:rPr lang="en-US">
+                          <a:noFill/>
+                        </a:rPr>
+                        <a:t> </a:t>
+                      </a:r>
+                    </a:p>
+                  </p:txBody>
+                </p:sp>
+              </mc:Fallback>
+            </mc:AlternateContent>
+            <p:grpSp>
+              <p:nvGrpSpPr>
+                <p:cNvPr id="86" name="Group 85"/>
+                <p:cNvGrpSpPr/>
+                <p:nvPr/>
+              </p:nvGrpSpPr>
+              <p:grpSpPr>
+                <a:xfrm rot="21415886">
+                  <a:off x="8558589" y="4017294"/>
+                  <a:ext cx="903735" cy="980812"/>
+                  <a:chOff x="-195155" y="509392"/>
+                  <a:chExt cx="2610391" cy="2950201"/>
+                </a:xfrm>
+              </p:grpSpPr>
+              <p:grpSp>
+                <p:nvGrpSpPr>
+                  <p:cNvPr id="87" name="Group 86"/>
+                  <p:cNvGrpSpPr/>
+                  <p:nvPr/>
+                </p:nvGrpSpPr>
+                <p:grpSpPr>
+                  <a:xfrm>
+                    <a:off x="-195155" y="509392"/>
+                    <a:ext cx="2610391" cy="2950201"/>
+                    <a:chOff x="-167860" y="482096"/>
+                    <a:chExt cx="2610391" cy="2950201"/>
+                  </a:xfrm>
+                </p:grpSpPr>
+                <p:cxnSp>
+                  <p:nvCxnSpPr>
+                    <p:cNvPr id="89" name="Straight Arrow Connector 88"/>
+                    <p:cNvCxnSpPr/>
+                    <p:nvPr/>
+                  </p:nvCxnSpPr>
+                  <p:spPr>
+                    <a:xfrm rot="184114" flipH="1" flipV="1">
+                      <a:off x="1547188" y="664938"/>
+                      <a:ext cx="17631" cy="1876197"/>
+                    </a:xfrm>
+                    <a:prstGeom prst="straightConnector1">
+                      <a:avLst/>
+                    </a:prstGeom>
+                    <a:ln w="38100">
+                      <a:solidFill>
+                        <a:schemeClr val="tx1"/>
+                      </a:solidFill>
+                      <a:tailEnd type="triangle"/>
+                    </a:ln>
+                  </p:spPr>
+                  <p:style>
+                    <a:lnRef idx="1">
+                      <a:schemeClr val="accent1"/>
+                    </a:lnRef>
+                    <a:fillRef idx="0">
+                      <a:schemeClr val="accent1"/>
+                    </a:fillRef>
+                    <a:effectRef idx="0">
+                      <a:schemeClr val="accent1"/>
+                    </a:effectRef>
+                    <a:fontRef idx="minor">
+                      <a:schemeClr val="tx1"/>
+                    </a:fontRef>
+                  </p:style>
+                </p:cxnSp>
+                <p:cxnSp>
+                  <p:nvCxnSpPr>
+                    <p:cNvPr id="90" name="Straight Arrow Connector 89"/>
+                    <p:cNvCxnSpPr/>
+                    <p:nvPr/>
+                  </p:nvCxnSpPr>
+                  <p:spPr>
+                    <a:xfrm rot="184114" flipH="1">
+                      <a:off x="-167860" y="2488544"/>
+                      <a:ext cx="1675960" cy="4479"/>
+                    </a:xfrm>
+                    <a:prstGeom prst="straightConnector1">
+                      <a:avLst/>
+                    </a:prstGeom>
+                    <a:ln w="38100">
+                      <a:solidFill>
+                        <a:schemeClr val="tx1"/>
+                      </a:solidFill>
+                      <a:tailEnd type="triangle"/>
+                    </a:ln>
+                  </p:spPr>
+                  <p:style>
+                    <a:lnRef idx="1">
+                      <a:schemeClr val="accent1"/>
+                    </a:lnRef>
+                    <a:fillRef idx="0">
+                      <a:schemeClr val="accent1"/>
+                    </a:fillRef>
+                    <a:effectRef idx="0">
+                      <a:schemeClr val="accent1"/>
+                    </a:effectRef>
+                    <a:fontRef idx="minor">
+                      <a:schemeClr val="tx1"/>
+                    </a:fontRef>
+                  </p:style>
+                </p:cxnSp>
+                <mc:AlternateContent xmlns:mc="http://schemas.openxmlformats.org/markup-compatibility/2006" xmlns:a14="http://schemas.microsoft.com/office/drawing/2010/main">
+                  <mc:Choice Requires="a14">
+                    <p:sp>
+                      <p:nvSpPr>
+                        <p:cNvPr id="91" name="Rectangle 90"/>
+                        <p:cNvSpPr/>
+                        <p:nvPr/>
+                      </p:nvSpPr>
+                      <p:spPr>
+                        <a:xfrm>
+                          <a:off x="-159544" y="2321377"/>
+                          <a:ext cx="1010837" cy="1110920"/>
+                        </a:xfrm>
+                        <a:prstGeom prst="rect">
+                          <a:avLst/>
+                        </a:prstGeom>
+                      </p:spPr>
+                      <p:txBody>
+                        <a:bodyPr wrap="square">
+                          <a:spAutoFit/>
+                        </a:bodyPr>
+                        <a:lstStyle/>
+                        <a:p>
+                          <a:pPr/>
+                          <a14:m>
+                            <m:oMathPara xmlns:m="http://schemas.openxmlformats.org/officeDocument/2006/math">
+                              <m:oMathParaPr>
+                                <m:jc m:val="centerGroup"/>
+                              </m:oMathParaPr>
+                              <m:oMath xmlns:m="http://schemas.openxmlformats.org/officeDocument/2006/math">
+                                <m:r>
+                                  <a:rPr lang="en-US" i="1">
+                                    <a:latin typeface="Cambria Math" panose="02040503050406030204" pitchFamily="18" charset="0"/>
+                                    <a:cs typeface="Arial" panose="020B0604020202020204" pitchFamily="34" charset="0"/>
+                                  </a:rPr>
+                                  <m:t>𝑥</m:t>
+                                </m:r>
+                              </m:oMath>
+                            </m:oMathPara>
+                          </a14:m>
+                          <a:endParaRPr lang="en-CA" dirty="0"/>
+                        </a:p>
+                      </p:txBody>
+                    </p:sp>
+                  </mc:Choice>
+                  <mc:Fallback xmlns="">
+                    <p:sp>
+                      <p:nvSpPr>
+                        <p:cNvPr id="28" name="Rectangle 27"/>
+                        <p:cNvSpPr>
+                          <a:spLocks noRot="1" noChangeAspect="1" noMove="1" noResize="1" noEditPoints="1" noAdjustHandles="1" noChangeArrowheads="1" noChangeShapeType="1" noTextEdit="1"/>
+                        </p:cNvSpPr>
+                        <p:nvPr/>
+                      </p:nvSpPr>
+                      <p:spPr>
+                        <a:xfrm>
+                          <a:off x="-159544" y="2321377"/>
+                          <a:ext cx="1010837" cy="1110920"/>
+                        </a:xfrm>
+                        <a:prstGeom prst="rect">
+                          <a:avLst/>
+                        </a:prstGeom>
+                        <a:blipFill>
+                          <a:blip r:embed="rId45"/>
+                          <a:stretch>
+                            <a:fillRect/>
+                          </a:stretch>
+                        </a:blipFill>
+                      </p:spPr>
+                      <p:txBody>
+                        <a:bodyPr/>
+                        <a:lstStyle/>
+                        <a:p>
+                          <a:r>
+                            <a:rPr lang="en-US">
+                              <a:noFill/>
+                            </a:rPr>
+                            <a:t> </a:t>
+                          </a:r>
+                        </a:p>
+                      </p:txBody>
+                    </p:sp>
+                  </mc:Fallback>
+                </mc:AlternateContent>
+                <mc:AlternateContent xmlns:mc="http://schemas.openxmlformats.org/markup-compatibility/2006" xmlns:a14="http://schemas.microsoft.com/office/drawing/2010/main">
+                  <mc:Choice Requires="a14">
+                    <p:sp>
+                      <p:nvSpPr>
+                        <p:cNvPr id="92" name="Rectangle 91"/>
+                        <p:cNvSpPr/>
+                        <p:nvPr/>
+                      </p:nvSpPr>
+                      <p:spPr>
+                        <a:xfrm>
+                          <a:off x="1671664" y="482096"/>
+                          <a:ext cx="658647" cy="1110920"/>
+                        </a:xfrm>
+                        <a:prstGeom prst="rect">
+                          <a:avLst/>
+                        </a:prstGeom>
+                      </p:spPr>
+                      <p:txBody>
+                        <a:bodyPr wrap="square">
+                          <a:spAutoFit/>
+                        </a:bodyPr>
+                        <a:lstStyle/>
+                        <a:p>
+                          <a:pPr/>
+                          <a14:m>
+                            <m:oMathPara xmlns:m="http://schemas.openxmlformats.org/officeDocument/2006/math">
+                              <m:oMathParaPr>
+                                <m:jc m:val="centerGroup"/>
+                              </m:oMathParaPr>
+                              <m:oMath xmlns:m="http://schemas.openxmlformats.org/officeDocument/2006/math">
+                                <m:r>
+                                  <a:rPr lang="en-US" b="0" i="1" smtClean="0">
+                                    <a:latin typeface="Cambria Math" panose="02040503050406030204" pitchFamily="18" charset="0"/>
+                                  </a:rPr>
+                                  <m:t>𝑦</m:t>
+                                </m:r>
+                              </m:oMath>
+                            </m:oMathPara>
+                          </a14:m>
+                          <a:endParaRPr lang="en-CA" dirty="0"/>
+                        </a:p>
+                      </p:txBody>
+                    </p:sp>
+                  </mc:Choice>
+                  <mc:Fallback xmlns="">
+                    <p:sp>
+                      <p:nvSpPr>
+                        <p:cNvPr id="29" name="Rectangle 28"/>
+                        <p:cNvSpPr>
+                          <a:spLocks noRot="1" noChangeAspect="1" noMove="1" noResize="1" noEditPoints="1" noAdjustHandles="1" noChangeArrowheads="1" noChangeShapeType="1" noTextEdit="1"/>
+                        </p:cNvSpPr>
+                        <p:nvPr/>
+                      </p:nvSpPr>
+                      <p:spPr>
+                        <a:xfrm>
+                          <a:off x="1671664" y="482096"/>
+                          <a:ext cx="658647" cy="1110920"/>
+                        </a:xfrm>
+                        <a:prstGeom prst="rect">
+                          <a:avLst/>
+                        </a:prstGeom>
+                        <a:blipFill>
+                          <a:blip r:embed="rId46"/>
+                          <a:stretch>
+                            <a:fillRect r="-29268" b="-4762"/>
+                          </a:stretch>
+                        </a:blipFill>
+                      </p:spPr>
+                      <p:txBody>
+                        <a:bodyPr/>
+                        <a:lstStyle/>
+                        <a:p>
+                          <a:r>
+                            <a:rPr lang="en-US">
+                              <a:noFill/>
+                            </a:rPr>
+                            <a:t> </a:t>
+                          </a:r>
+                        </a:p>
+                      </p:txBody>
+                    </p:sp>
+                  </mc:Fallback>
+                </mc:AlternateContent>
+                <mc:AlternateContent xmlns:mc="http://schemas.openxmlformats.org/markup-compatibility/2006" xmlns:a14="http://schemas.microsoft.com/office/drawing/2010/main">
+                  <mc:Choice Requires="a14">
+                    <p:sp>
+                      <p:nvSpPr>
+                        <p:cNvPr id="93" name="Rectangle 92"/>
+                        <p:cNvSpPr/>
+                        <p:nvPr/>
+                      </p:nvSpPr>
+                      <p:spPr>
+                        <a:xfrm>
+                          <a:off x="1325751" y="2271021"/>
+                          <a:ext cx="1116780" cy="1110919"/>
+                        </a:xfrm>
+                        <a:prstGeom prst="rect">
+                          <a:avLst/>
+                        </a:prstGeom>
+                      </p:spPr>
+                      <p:txBody>
+                        <a:bodyPr wrap="square">
+                          <a:spAutoFit/>
+                        </a:bodyPr>
+                        <a:lstStyle/>
+                        <a:p>
+                          <a:pPr/>
+                          <a14:m>
+                            <m:oMathPara xmlns:m="http://schemas.openxmlformats.org/officeDocument/2006/math">
+                              <m:oMathParaPr>
+                                <m:jc m:val="centerGroup"/>
+                              </m:oMathParaPr>
+                              <m:oMath xmlns:m="http://schemas.openxmlformats.org/officeDocument/2006/math">
+                                <m:r>
+                                  <a:rPr lang="en-US" b="0" i="1" smtClean="0">
+                                    <a:latin typeface="Cambria Math" panose="02040503050406030204" pitchFamily="18" charset="0"/>
+                                    <a:cs typeface="Arial" panose="020B0604020202020204" pitchFamily="34" charset="0"/>
+                                  </a:rPr>
+                                  <m:t>0</m:t>
+                                </m:r>
+                              </m:oMath>
+                            </m:oMathPara>
+                          </a14:m>
+                          <a:endParaRPr lang="en-CA" dirty="0"/>
+                        </a:p>
+                      </p:txBody>
+                    </p:sp>
+                  </mc:Choice>
+                  <mc:Fallback xmlns="">
+                    <p:sp>
+                      <p:nvSpPr>
+                        <p:cNvPr id="30" name="Rectangle 29"/>
+                        <p:cNvSpPr>
+                          <a:spLocks noRot="1" noChangeAspect="1" noMove="1" noResize="1" noEditPoints="1" noAdjustHandles="1" noChangeArrowheads="1" noChangeShapeType="1" noTextEdit="1"/>
+                        </p:cNvSpPr>
+                        <p:nvPr/>
+                      </p:nvSpPr>
+                      <p:spPr>
+                        <a:xfrm>
+                          <a:off x="1325751" y="2271021"/>
+                          <a:ext cx="1116780" cy="1110919"/>
+                        </a:xfrm>
+                        <a:prstGeom prst="rect">
+                          <a:avLst/>
+                        </a:prstGeom>
+                        <a:blipFill>
+                          <a:blip r:embed="rId47"/>
+                          <a:stretch>
+                            <a:fillRect/>
+                          </a:stretch>
+                        </a:blipFill>
+                      </p:spPr>
+                      <p:txBody>
+                        <a:bodyPr/>
+                        <a:lstStyle/>
+                        <a:p>
+                          <a:r>
+                            <a:rPr lang="en-US">
+                              <a:noFill/>
+                            </a:rPr>
+                            <a:t> </a:t>
+                          </a:r>
+                        </a:p>
+                      </p:txBody>
+                    </p:sp>
+                  </mc:Fallback>
+                </mc:AlternateContent>
+              </p:grpSp>
+              <p:sp>
+                <p:nvSpPr>
+                  <p:cNvPr id="88" name="Rectangle 87"/>
+                  <p:cNvSpPr/>
+                  <p:nvPr/>
+                </p:nvSpPr>
+                <p:spPr>
+                  <a:xfrm>
+                    <a:off x="1129904" y="1614682"/>
+                    <a:ext cx="184731" cy="369332"/>
+                  </a:xfrm>
+                  <a:prstGeom prst="rect">
+                    <a:avLst/>
+                  </a:prstGeom>
+                </p:spPr>
+                <p:txBody>
+                  <a:bodyPr wrap="none">
+                    <a:spAutoFit/>
+                  </a:bodyPr>
+                  <a:lstStyle/>
+                  <a:p>
+                    <a:endParaRPr lang="en-CA" dirty="0"/>
+                  </a:p>
+                </p:txBody>
+              </p:sp>
+            </p:grpSp>
+          </p:grpSp>
+          <p:cxnSp>
+            <p:nvCxnSpPr>
+              <p:cNvPr id="97" name="Straight Connector 96"/>
+              <p:cNvCxnSpPr/>
+              <p:nvPr/>
+            </p:nvCxnSpPr>
+            <p:spPr>
+              <a:xfrm>
+                <a:off x="10619238" y="4272757"/>
+                <a:ext cx="10727" cy="754265"/>
+              </a:xfrm>
+              <a:prstGeom prst="line">
+                <a:avLst/>
+              </a:prstGeom>
+              <a:ln w="19050">
+                <a:solidFill>
+                  <a:schemeClr val="tx1"/>
+                </a:solidFill>
+                <a:prstDash val="sysDot"/>
+              </a:ln>
+            </p:spPr>
+            <p:style>
+              <a:lnRef idx="1">
+                <a:schemeClr val="accent1"/>
+              </a:lnRef>
+              <a:fillRef idx="0">
+                <a:schemeClr val="accent1"/>
+              </a:fillRef>
+              <a:effectRef idx="0">
+                <a:schemeClr val="accent1"/>
+              </a:effectRef>
+              <a:fontRef idx="minor">
+                <a:schemeClr val="tx1"/>
+              </a:fontRef>
+            </p:style>
+          </p:cxnSp>
+          <mc:AlternateContent xmlns:mc="http://schemas.openxmlformats.org/markup-compatibility/2006">
+            <mc:Choice xmlns:a14="http://schemas.microsoft.com/office/drawing/2010/main" Requires="a14">
+              <p:sp>
+                <p:nvSpPr>
+                  <p:cNvPr id="99" name="TextBox 98"/>
+                  <p:cNvSpPr txBox="1"/>
+                  <p:nvPr/>
+                </p:nvSpPr>
+                <p:spPr>
+                  <a:xfrm>
+                    <a:off x="10408054" y="4396781"/>
+                    <a:ext cx="222304" cy="307777"/>
+                  </a:xfrm>
+                  <a:prstGeom prst="rect">
+                    <a:avLst/>
+                  </a:prstGeom>
+                  <a:noFill/>
+                </p:spPr>
+                <p:txBody>
+                  <a:bodyPr wrap="none" lIns="0" tIns="0" rIns="0" bIns="0" rtlCol="0">
+                    <a:spAutoFit/>
+                  </a:bodyPr>
+                  <a:lstStyle/>
+                  <a:p>
+                    <a14:m>
+                      <m:oMathPara xmlns:m="http://schemas.openxmlformats.org/officeDocument/2006/math">
+                        <m:oMathParaPr>
+                          <m:jc m:val="centerGroup"/>
+                        </m:oMathParaPr>
+                        <m:oMath xmlns:m="http://schemas.openxmlformats.org/officeDocument/2006/math">
+                          <m:r>
+                            <a:rPr lang="en-US" sz="2000" b="0" i="1" smtClean="0">
+                              <a:latin typeface="Cambria Math" panose="02040503050406030204" pitchFamily="18" charset="0"/>
+                              <a:cs typeface="Arial" panose="020B0604020202020204" pitchFamily="34" charset="0"/>
+                            </a:rPr>
+                            <m:t>𝜃</m:t>
+                          </m:r>
+                        </m:oMath>
+                      </m:oMathPara>
+                    </a14:m>
+                    <a:endParaRPr lang="en-US" sz="2000" dirty="0" smtClean="0">
+                      <a:latin typeface="Arial" panose="020B0604020202020204" pitchFamily="34" charset="0"/>
+                      <a:cs typeface="Arial" panose="020B0604020202020204" pitchFamily="34" charset="0"/>
+                    </a:endParaRPr>
+                  </a:p>
+                </p:txBody>
+              </p:sp>
+            </mc:Choice>
+            <mc:Fallback>
+              <p:sp>
+                <p:nvSpPr>
+                  <p:cNvPr id="99" name="TextBox 98"/>
+                  <p:cNvSpPr txBox="1">
+                    <a:spLocks noRot="1" noChangeAspect="1" noMove="1" noResize="1" noEditPoints="1" noAdjustHandles="1" noChangeArrowheads="1" noChangeShapeType="1" noTextEdit="1"/>
+                  </p:cNvSpPr>
+                  <p:nvPr/>
+                </p:nvSpPr>
+                <p:spPr>
+                  <a:xfrm>
+                    <a:off x="10408054" y="4396781"/>
+                    <a:ext cx="222304" cy="307777"/>
+                  </a:xfrm>
+                  <a:prstGeom prst="rect">
+                    <a:avLst/>
+                  </a:prstGeom>
+                  <a:blipFill>
+                    <a:blip r:embed="rId54"/>
+                    <a:stretch>
+                      <a:fillRect l="-24324" r="-21622" b="-9804"/>
+                    </a:stretch>
+                  </a:blipFill>
+                </p:spPr>
+                <p:txBody>
+                  <a:bodyPr/>
+                  <a:lstStyle/>
+                  <a:p>
+                    <a:r>
+                      <a:rPr lang="en-US">
+                        <a:noFill/>
+                      </a:rPr>
+                      <a:t> </a:t>
+                    </a:r>
+                  </a:p>
+                </p:txBody>
+              </p:sp>
+            </mc:Fallback>
+          </mc:AlternateContent>
+          <p:cxnSp>
+            <p:nvCxnSpPr>
+              <p:cNvPr id="100" name="Straight Connector 99"/>
+              <p:cNvCxnSpPr/>
+              <p:nvPr/>
+            </p:nvCxnSpPr>
+            <p:spPr>
+              <a:xfrm flipV="1">
+                <a:off x="9934411" y="4989952"/>
+                <a:ext cx="608905" cy="7403"/>
+              </a:xfrm>
+              <a:prstGeom prst="line">
+                <a:avLst/>
+              </a:prstGeom>
+              <a:ln w="19050">
+                <a:solidFill>
+                  <a:schemeClr val="tx1"/>
+                </a:solidFill>
+                <a:prstDash val="sysDot"/>
+              </a:ln>
+            </p:spPr>
+            <p:style>
+              <a:lnRef idx="1">
+                <a:schemeClr val="accent1"/>
+              </a:lnRef>
+              <a:fillRef idx="0">
+                <a:schemeClr val="accent1"/>
+              </a:fillRef>
+              <a:effectRef idx="0">
+                <a:schemeClr val="accent1"/>
+              </a:effectRef>
+              <a:fontRef idx="minor">
+                <a:schemeClr val="tx1"/>
+              </a:fontRef>
+            </p:style>
+          </p:cxnSp>
+          <mc:AlternateContent xmlns:mc="http://schemas.openxmlformats.org/markup-compatibility/2006">
+            <mc:Choice xmlns:a14="http://schemas.microsoft.com/office/drawing/2010/main" Requires="a14">
+              <p:sp>
+                <p:nvSpPr>
+                  <p:cNvPr id="102" name="TextBox 101"/>
+                  <p:cNvSpPr txBox="1"/>
+                  <p:nvPr/>
+                </p:nvSpPr>
+                <p:spPr>
+                  <a:xfrm>
+                    <a:off x="10138717" y="4949009"/>
+                    <a:ext cx="250206" cy="314983"/>
+                  </a:xfrm>
+                  <a:prstGeom prst="rect">
+                    <a:avLst/>
+                  </a:prstGeom>
+                  <a:noFill/>
+                </p:spPr>
+                <p:txBody>
+                  <a:bodyPr wrap="square" lIns="0" tIns="0" rIns="0" bIns="0" rtlCol="0">
+                    <a:spAutoFit/>
+                  </a:bodyPr>
+                  <a:lstStyle/>
+                  <a:p>
+                    <a14:m>
+                      <m:oMathPara xmlns:m="http://schemas.openxmlformats.org/officeDocument/2006/math">
+                        <m:oMathParaPr>
+                          <m:jc m:val="centerGroup"/>
+                        </m:oMathParaPr>
+                        <m:oMath xmlns:m="http://schemas.openxmlformats.org/officeDocument/2006/math">
+                          <m:r>
+                            <a:rPr lang="en-US" sz="2000" b="0" i="1" smtClean="0">
+                              <a:latin typeface="Cambria Math" panose="02040503050406030204" pitchFamily="18" charset="0"/>
+                              <a:cs typeface="Arial" panose="020B0604020202020204" pitchFamily="34" charset="0"/>
+                            </a:rPr>
+                            <m:t>𝜃</m:t>
+                          </m:r>
+                        </m:oMath>
+                      </m:oMathPara>
+                    </a14:m>
+                    <a:endParaRPr lang="en-US" sz="2000" dirty="0" smtClean="0">
+                      <a:latin typeface="Arial" panose="020B0604020202020204" pitchFamily="34" charset="0"/>
+                      <a:cs typeface="Arial" panose="020B0604020202020204" pitchFamily="34" charset="0"/>
+                    </a:endParaRPr>
+                  </a:p>
+                </p:txBody>
+              </p:sp>
+            </mc:Choice>
+            <mc:Fallback>
+              <p:sp>
+                <p:nvSpPr>
+                  <p:cNvPr id="102" name="TextBox 101"/>
+                  <p:cNvSpPr txBox="1">
+                    <a:spLocks noRot="1" noChangeAspect="1" noMove="1" noResize="1" noEditPoints="1" noAdjustHandles="1" noChangeArrowheads="1" noChangeShapeType="1" noTextEdit="1"/>
+                  </p:cNvSpPr>
+                  <p:nvPr/>
+                </p:nvSpPr>
+                <p:spPr>
+                  <a:xfrm>
+                    <a:off x="10138717" y="4949009"/>
+                    <a:ext cx="250206" cy="314983"/>
+                  </a:xfrm>
+                  <a:prstGeom prst="rect">
+                    <a:avLst/>
+                  </a:prstGeom>
+                  <a:blipFill>
+                    <a:blip r:embed="rId55"/>
+                    <a:stretch>
+                      <a:fillRect l="-17073" r="-14634" b="-7692"/>
+                    </a:stretch>
+                  </a:blipFill>
+                </p:spPr>
+                <p:txBody>
+                  <a:bodyPr/>
+                  <a:lstStyle/>
+                  <a:p>
+                    <a:r>
+                      <a:rPr lang="en-US">
+                        <a:noFill/>
+                      </a:rPr>
+                      <a:t> </a:t>
+                    </a:r>
+                  </a:p>
+                </p:txBody>
+              </p:sp>
+            </mc:Fallback>
+          </mc:AlternateContent>
+        </p:grpSp>
+        <p:cxnSp>
+          <p:nvCxnSpPr>
+            <p:cNvPr id="104" name="Straight Arrow Connector 103"/>
+            <p:cNvCxnSpPr/>
+            <p:nvPr/>
+          </p:nvCxnSpPr>
+          <p:spPr>
+            <a:xfrm flipV="1">
+              <a:off x="10672197" y="4678810"/>
+              <a:ext cx="468141" cy="298774"/>
+            </a:xfrm>
+            <a:prstGeom prst="straightConnector1">
+              <a:avLst/>
+            </a:prstGeom>
+            <a:ln w="38100">
+              <a:solidFill>
+                <a:schemeClr val="tx1"/>
+              </a:solidFill>
+              <a:prstDash val="sysDot"/>
+              <a:tailEnd type="triangle"/>
+            </a:ln>
+          </p:spPr>
+          <p:style>
+            <a:lnRef idx="1">
+              <a:schemeClr val="accent1"/>
+            </a:lnRef>
+            <a:fillRef idx="0">
+              <a:schemeClr val="accent1"/>
+            </a:fillRef>
+            <a:effectRef idx="0">
+              <a:schemeClr val="accent1"/>
+            </a:effectRef>
+            <a:fontRef idx="minor">
+              <a:schemeClr val="tx1"/>
+            </a:fontRef>
+          </p:style>
+        </p:cxnSp>
+        <mc:AlternateContent xmlns:mc="http://schemas.openxmlformats.org/markup-compatibility/2006">
+          <mc:Choice xmlns:a14="http://schemas.microsoft.com/office/drawing/2010/main" Requires="a14">
+            <p:sp>
+              <p:nvSpPr>
+                <p:cNvPr id="109" name="TextBox 108"/>
+                <p:cNvSpPr txBox="1"/>
+                <p:nvPr/>
+              </p:nvSpPr>
+              <p:spPr>
+                <a:xfrm>
+                  <a:off x="11113077" y="4672951"/>
+                  <a:ext cx="267381" cy="354071"/>
+                </a:xfrm>
+                <a:prstGeom prst="rect">
+                  <a:avLst/>
+                </a:prstGeom>
+                <a:noFill/>
+              </p:spPr>
+              <p:txBody>
+                <a:bodyPr wrap="none" lIns="0" tIns="0" rIns="0" bIns="0" rtlCol="0">
+                  <a:spAutoFit/>
+                </a:bodyPr>
+                <a:lstStyle/>
+                <a:p>
+                  <a:pPr/>
+                  <a14:m>
+                    <m:oMathPara xmlns:m="http://schemas.openxmlformats.org/officeDocument/2006/math">
+                      <m:oMathParaPr>
+                        <m:jc m:val="centerGroup"/>
+                      </m:oMathParaPr>
+                      <m:oMath xmlns:m="http://schemas.openxmlformats.org/officeDocument/2006/math">
+                        <m:sSub>
+                          <m:sSubPr>
+                            <m:ctrlPr>
+                              <a:rPr lang="en-US" sz="2000" b="0" i="1" smtClean="0">
+                                <a:latin typeface="Cambria Math" panose="02040503050406030204" pitchFamily="18" charset="0"/>
+                                <a:cs typeface="Arial" panose="020B0604020202020204" pitchFamily="34" charset="0"/>
+                              </a:rPr>
+                            </m:ctrlPr>
+                          </m:sSubPr>
+                          <m:e>
+                            <m:acc>
+                              <m:accPr>
+                                <m:chr m:val="⃗"/>
+                                <m:ctrlPr>
+                                  <a:rPr lang="en-US" sz="2000" b="0" i="1" smtClean="0">
+                                    <a:latin typeface="Cambria Math" panose="02040503050406030204" pitchFamily="18" charset="0"/>
+                                    <a:cs typeface="Arial" panose="020B0604020202020204" pitchFamily="34" charset="0"/>
+                                  </a:rPr>
+                                </m:ctrlPr>
+                              </m:accPr>
+                              <m:e>
+                                <m:r>
+                                  <a:rPr lang="en-US" sz="2000" b="0" i="1" smtClean="0">
+                                    <a:latin typeface="Cambria Math" panose="02040503050406030204" pitchFamily="18" charset="0"/>
+                                    <a:cs typeface="Arial" panose="020B0604020202020204" pitchFamily="34" charset="0"/>
+                                  </a:rPr>
+                                  <m:t>𝑓</m:t>
+                                </m:r>
+                              </m:e>
+                            </m:acc>
+                          </m:e>
+                          <m:sub>
+                            <m:r>
+                              <a:rPr lang="en-US" sz="2000" b="0" i="1" smtClean="0">
+                                <a:latin typeface="Cambria Math" panose="02040503050406030204" pitchFamily="18" charset="0"/>
+                                <a:cs typeface="Arial" panose="020B0604020202020204" pitchFamily="34" charset="0"/>
+                              </a:rPr>
+                              <m:t>𝑠</m:t>
+                            </m:r>
+                          </m:sub>
+                        </m:sSub>
+                      </m:oMath>
+                    </m:oMathPara>
+                  </a14:m>
+                  <a:endParaRPr lang="en-US" sz="2000" dirty="0">
+                    <a:latin typeface="Arial" panose="020B0604020202020204" pitchFamily="34" charset="0"/>
+                    <a:cs typeface="Arial" panose="020B0604020202020204" pitchFamily="34" charset="0"/>
+                  </a:endParaRPr>
+                </a:p>
+              </p:txBody>
+            </p:sp>
+          </mc:Choice>
+          <mc:Fallback>
+            <p:sp>
+              <p:nvSpPr>
+                <p:cNvPr id="109" name="TextBox 108"/>
+                <p:cNvSpPr txBox="1">
+                  <a:spLocks noRot="1" noChangeAspect="1" noMove="1" noResize="1" noEditPoints="1" noAdjustHandles="1" noChangeArrowheads="1" noChangeShapeType="1" noTextEdit="1"/>
+                </p:cNvSpPr>
+                <p:nvPr/>
+              </p:nvSpPr>
+              <p:spPr>
+                <a:xfrm>
+                  <a:off x="11113077" y="4672951"/>
+                  <a:ext cx="267381" cy="354071"/>
+                </a:xfrm>
+                <a:prstGeom prst="rect">
+                  <a:avLst/>
+                </a:prstGeom>
+                <a:blipFill>
+                  <a:blip r:embed="rId56"/>
+                  <a:stretch>
+                    <a:fillRect l="-29545" t="-34483" r="-84091" b="-31034"/>
+                  </a:stretch>
+                </a:blipFill>
+              </p:spPr>
+              <p:txBody>
+                <a:bodyPr/>
+                <a:lstStyle/>
+                <a:p>
+                  <a:r>
+                    <a:rPr lang="en-US">
+                      <a:noFill/>
+                    </a:rPr>
+                    <a:t> </a:t>
+                  </a:r>
+                </a:p>
+              </p:txBody>
+            </p:sp>
+          </mc:Fallback>
+        </mc:AlternateContent>
+      </p:grpSp>
     </p:spTree>
     <p:extLst>
       <p:ext uri="{BB962C8B-B14F-4D97-AF65-F5344CB8AC3E}">
         <p14:creationId xmlns:p14="http://schemas.microsoft.com/office/powerpoint/2010/main" val="1725024232"/>
+      </p:ext>
+    </p:extLst>
+  </p:cSld>
+  <p:clrMapOvr>
+    <a:masterClrMapping/>
+  </p:clrMapOvr>
+</p:sld>
+</file>
+
+<file path=ppt/slides/slide8.xml><?xml version="1.0" encoding="utf-8"?>
+<p:sld xmlns:a="http://schemas.openxmlformats.org/drawingml/2006/main" xmlns:r="http://schemas.openxmlformats.org/officeDocument/2006/relationships" xmlns:p="http://schemas.openxmlformats.org/presentationml/2006/main">
+  <p:cSld>
+    <p:spTree>
+      <p:nvGrpSpPr>
+        <p:cNvPr id="1" name=""/>
+        <p:cNvGrpSpPr/>
+        <p:nvPr/>
+      </p:nvGrpSpPr>
+      <p:grpSpPr>
+        <a:xfrm>
+          <a:off x="0" y="0"/>
+          <a:ext cx="0" cy="0"/>
+          <a:chOff x="0" y="0"/>
+          <a:chExt cx="0" cy="0"/>
+        </a:xfrm>
+      </p:grpSpPr>
+    </p:spTree>
+    <p:extLst>
+      <p:ext uri="{BB962C8B-B14F-4D97-AF65-F5344CB8AC3E}">
+        <p14:creationId xmlns:p14="http://schemas.microsoft.com/office/powerpoint/2010/main" val="2974178763"/>
       </p:ext>
     </p:extLst>
   </p:cSld>

--- a/tex/figures/ApplyingNewtonsLaws/Figures.pptx
+++ b/tex/figures/ApplyingNewtonsLaws/Figures.pptx
@@ -250,7 +250,7 @@
           <a:p>
             <a:fld id="{F7249F8D-641B-4CAF-BAE5-10524742F6F1}" type="datetimeFigureOut">
               <a:rPr lang="en-CA" smtClean="0"/>
-              <a:t>2018-06-01</a:t>
+              <a:t>2018-06-04</a:t>
             </a:fld>
             <a:endParaRPr lang="en-CA"/>
           </a:p>
@@ -420,7 +420,7 @@
           <a:p>
             <a:fld id="{F7249F8D-641B-4CAF-BAE5-10524742F6F1}" type="datetimeFigureOut">
               <a:rPr lang="en-CA" smtClean="0"/>
-              <a:t>2018-06-01</a:t>
+              <a:t>2018-06-04</a:t>
             </a:fld>
             <a:endParaRPr lang="en-CA"/>
           </a:p>
@@ -600,7 +600,7 @@
           <a:p>
             <a:fld id="{F7249F8D-641B-4CAF-BAE5-10524742F6F1}" type="datetimeFigureOut">
               <a:rPr lang="en-CA" smtClean="0"/>
-              <a:t>2018-06-01</a:t>
+              <a:t>2018-06-04</a:t>
             </a:fld>
             <a:endParaRPr lang="en-CA"/>
           </a:p>
@@ -770,7 +770,7 @@
           <a:p>
             <a:fld id="{F7249F8D-641B-4CAF-BAE5-10524742F6F1}" type="datetimeFigureOut">
               <a:rPr lang="en-CA" smtClean="0"/>
-              <a:t>2018-06-01</a:t>
+              <a:t>2018-06-04</a:t>
             </a:fld>
             <a:endParaRPr lang="en-CA"/>
           </a:p>
@@ -1016,7 +1016,7 @@
           <a:p>
             <a:fld id="{F7249F8D-641B-4CAF-BAE5-10524742F6F1}" type="datetimeFigureOut">
               <a:rPr lang="en-CA" smtClean="0"/>
-              <a:t>2018-06-01</a:t>
+              <a:t>2018-06-04</a:t>
             </a:fld>
             <a:endParaRPr lang="en-CA"/>
           </a:p>
@@ -1248,7 +1248,7 @@
           <a:p>
             <a:fld id="{F7249F8D-641B-4CAF-BAE5-10524742F6F1}" type="datetimeFigureOut">
               <a:rPr lang="en-CA" smtClean="0"/>
-              <a:t>2018-06-01</a:t>
+              <a:t>2018-06-04</a:t>
             </a:fld>
             <a:endParaRPr lang="en-CA"/>
           </a:p>
@@ -1615,7 +1615,7 @@
           <a:p>
             <a:fld id="{F7249F8D-641B-4CAF-BAE5-10524742F6F1}" type="datetimeFigureOut">
               <a:rPr lang="en-CA" smtClean="0"/>
-              <a:t>2018-06-01</a:t>
+              <a:t>2018-06-04</a:t>
             </a:fld>
             <a:endParaRPr lang="en-CA"/>
           </a:p>
@@ -1733,7 +1733,7 @@
           <a:p>
             <a:fld id="{F7249F8D-641B-4CAF-BAE5-10524742F6F1}" type="datetimeFigureOut">
               <a:rPr lang="en-CA" smtClean="0"/>
-              <a:t>2018-06-01</a:t>
+              <a:t>2018-06-04</a:t>
             </a:fld>
             <a:endParaRPr lang="en-CA"/>
           </a:p>
@@ -1828,7 +1828,7 @@
           <a:p>
             <a:fld id="{F7249F8D-641B-4CAF-BAE5-10524742F6F1}" type="datetimeFigureOut">
               <a:rPr lang="en-CA" smtClean="0"/>
-              <a:t>2018-06-01</a:t>
+              <a:t>2018-06-04</a:t>
             </a:fld>
             <a:endParaRPr lang="en-CA"/>
           </a:p>
@@ -2105,7 +2105,7 @@
           <a:p>
             <a:fld id="{F7249F8D-641B-4CAF-BAE5-10524742F6F1}" type="datetimeFigureOut">
               <a:rPr lang="en-CA" smtClean="0"/>
-              <a:t>2018-06-01</a:t>
+              <a:t>2018-06-04</a:t>
             </a:fld>
             <a:endParaRPr lang="en-CA"/>
           </a:p>
@@ -2358,7 +2358,7 @@
           <a:p>
             <a:fld id="{F7249F8D-641B-4CAF-BAE5-10524742F6F1}" type="datetimeFigureOut">
               <a:rPr lang="en-CA" smtClean="0"/>
-              <a:t>2018-06-01</a:t>
+              <a:t>2018-06-04</a:t>
             </a:fld>
             <a:endParaRPr lang="en-CA"/>
           </a:p>
@@ -2571,7 +2571,7 @@
           <a:p>
             <a:fld id="{F7249F8D-641B-4CAF-BAE5-10524742F6F1}" type="datetimeFigureOut">
               <a:rPr lang="en-CA" smtClean="0"/>
-              <a:t>2018-06-01</a:t>
+              <a:t>2018-06-04</a:t>
             </a:fld>
             <a:endParaRPr lang="en-CA"/>
           </a:p>
@@ -9877,2622 +9877,6 @@
       </p:grpSp>
       <p:grpSp>
         <p:nvGrpSpPr>
-          <p:cNvPr id="75" name="Group 74"/>
-          <p:cNvGrpSpPr/>
-          <p:nvPr/>
-        </p:nvGrpSpPr>
-        <p:grpSpPr>
-          <a:xfrm>
-            <a:off x="524107" y="615322"/>
-            <a:ext cx="7138848" cy="2655517"/>
-            <a:chOff x="524107" y="615322"/>
-            <a:chExt cx="7138848" cy="2655517"/>
-          </a:xfrm>
-        </p:grpSpPr>
-        <p:grpSp>
-          <p:nvGrpSpPr>
-            <p:cNvPr id="64" name="Group 63"/>
-            <p:cNvGrpSpPr/>
-            <p:nvPr/>
-          </p:nvGrpSpPr>
-          <p:grpSpPr>
-            <a:xfrm>
-              <a:off x="524107" y="615322"/>
-              <a:ext cx="7138848" cy="2631429"/>
-              <a:chOff x="524107" y="615322"/>
-              <a:chExt cx="7138848" cy="2631429"/>
-            </a:xfrm>
-          </p:grpSpPr>
-          <p:grpSp>
-            <p:nvGrpSpPr>
-              <p:cNvPr id="38" name="Group 37"/>
-              <p:cNvGrpSpPr/>
-              <p:nvPr/>
-            </p:nvGrpSpPr>
-            <p:grpSpPr>
-              <a:xfrm>
-                <a:off x="524107" y="1083326"/>
-                <a:ext cx="7138848" cy="2163425"/>
-                <a:chOff x="524107" y="1083326"/>
-                <a:chExt cx="7138848" cy="2163425"/>
-              </a:xfrm>
-            </p:grpSpPr>
-            <p:grpSp>
-              <p:nvGrpSpPr>
-                <p:cNvPr id="34" name="Group 33"/>
-                <p:cNvGrpSpPr/>
-                <p:nvPr/>
-              </p:nvGrpSpPr>
-              <p:grpSpPr>
-                <a:xfrm>
-                  <a:off x="524107" y="1083326"/>
-                  <a:ext cx="7138848" cy="2163425"/>
-                  <a:chOff x="524107" y="1083326"/>
-                  <a:chExt cx="7138848" cy="2163425"/>
-                </a:xfrm>
-              </p:grpSpPr>
-              <p:grpSp>
-                <p:nvGrpSpPr>
-                  <p:cNvPr id="22" name="Group 21"/>
-                  <p:cNvGrpSpPr/>
-                  <p:nvPr/>
-                </p:nvGrpSpPr>
-                <p:grpSpPr>
-                  <a:xfrm>
-                    <a:off x="524107" y="1083326"/>
-                    <a:ext cx="6378497" cy="1418455"/>
-                    <a:chOff x="769434" y="1908516"/>
-                    <a:chExt cx="6378497" cy="1418455"/>
-                  </a:xfrm>
-                </p:grpSpPr>
-                <p:sp>
-                  <p:nvSpPr>
-                    <p:cNvPr id="4" name="Rectangle 3"/>
-                    <p:cNvSpPr/>
-                    <p:nvPr/>
-                  </p:nvSpPr>
-                  <p:spPr>
-                    <a:xfrm>
-                      <a:off x="1315844" y="2587084"/>
-                      <a:ext cx="5832087" cy="167268"/>
-                    </a:xfrm>
-                    <a:prstGeom prst="rect">
-                      <a:avLst/>
-                    </a:prstGeom>
-                    <a:solidFill>
-                      <a:schemeClr val="bg2">
-                        <a:lumMod val="90000"/>
-                      </a:schemeClr>
-                    </a:solidFill>
-                    <a:ln w="38100">
-                      <a:solidFill>
-                        <a:schemeClr val="tx1"/>
-                      </a:solidFill>
-                    </a:ln>
-                  </p:spPr>
-                  <p:style>
-                    <a:lnRef idx="2">
-                      <a:schemeClr val="accent1">
-                        <a:shade val="50000"/>
-                      </a:schemeClr>
-                    </a:lnRef>
-                    <a:fillRef idx="1">
-                      <a:schemeClr val="accent1"/>
-                    </a:fillRef>
-                    <a:effectRef idx="0">
-                      <a:schemeClr val="accent1"/>
-                    </a:effectRef>
-                    <a:fontRef idx="minor">
-                      <a:schemeClr val="lt1"/>
-                    </a:fontRef>
-                  </p:style>
-                  <p:txBody>
-                    <a:bodyPr rtlCol="0" anchor="ctr"/>
-                    <a:lstStyle/>
-                    <a:p>
-                      <a:pPr algn="ctr"/>
-                      <a:endParaRPr lang="en-US"/>
-                    </a:p>
-                  </p:txBody>
-                </p:sp>
-                <p:sp>
-                  <p:nvSpPr>
-                    <p:cNvPr id="5" name="Rectangle 4"/>
-                    <p:cNvSpPr/>
-                    <p:nvPr/>
-                  </p:nvSpPr>
-                  <p:spPr>
-                    <a:xfrm>
-                      <a:off x="1315844" y="1984917"/>
-                      <a:ext cx="657922" cy="602166"/>
-                    </a:xfrm>
-                    <a:prstGeom prst="rect">
-                      <a:avLst/>
-                    </a:prstGeom>
-                    <a:solidFill>
-                      <a:schemeClr val="bg2"/>
-                    </a:solidFill>
-                    <a:ln w="38100">
-                      <a:solidFill>
-                        <a:schemeClr val="tx1"/>
-                      </a:solidFill>
-                    </a:ln>
-                  </p:spPr>
-                  <p:style>
-                    <a:lnRef idx="2">
-                      <a:schemeClr val="accent1">
-                        <a:shade val="50000"/>
-                      </a:schemeClr>
-                    </a:lnRef>
-                    <a:fillRef idx="1">
-                      <a:schemeClr val="accent1"/>
-                    </a:fillRef>
-                    <a:effectRef idx="0">
-                      <a:schemeClr val="accent1"/>
-                    </a:effectRef>
-                    <a:fontRef idx="minor">
-                      <a:schemeClr val="lt1"/>
-                    </a:fontRef>
-                  </p:style>
-                  <p:txBody>
-                    <a:bodyPr rtlCol="0" anchor="ctr"/>
-                    <a:lstStyle/>
-                    <a:p>
-                      <a:pPr algn="ctr"/>
-                      <a:endParaRPr lang="en-US"/>
-                    </a:p>
-                  </p:txBody>
-                </p:sp>
-                <p:cxnSp>
-                  <p:nvCxnSpPr>
-                    <p:cNvPr id="7" name="Straight Arrow Connector 6"/>
-                    <p:cNvCxnSpPr/>
-                    <p:nvPr/>
-                  </p:nvCxnSpPr>
-                  <p:spPr>
-                    <a:xfrm flipV="1">
-                      <a:off x="769434" y="2280425"/>
-                      <a:ext cx="546410" cy="11151"/>
-                    </a:xfrm>
-                    <a:prstGeom prst="straightConnector1">
-                      <a:avLst/>
-                    </a:prstGeom>
-                    <a:ln w="38100">
-                      <a:solidFill>
-                        <a:schemeClr val="tx1"/>
-                      </a:solidFill>
-                      <a:tailEnd type="triangle"/>
-                    </a:ln>
-                  </p:spPr>
-                  <p:style>
-                    <a:lnRef idx="1">
-                      <a:schemeClr val="accent1"/>
-                    </a:lnRef>
-                    <a:fillRef idx="0">
-                      <a:schemeClr val="accent1"/>
-                    </a:fillRef>
-                    <a:effectRef idx="0">
-                      <a:schemeClr val="accent1"/>
-                    </a:effectRef>
-                    <a:fontRef idx="minor">
-                      <a:schemeClr val="tx1"/>
-                    </a:fontRef>
-                  </p:style>
-                </p:cxnSp>
-                <p:sp>
-                  <p:nvSpPr>
-                    <p:cNvPr id="8" name="Rectangle 7"/>
-                    <p:cNvSpPr/>
-                    <p:nvPr/>
-                  </p:nvSpPr>
-                  <p:spPr>
-                    <a:xfrm>
-                      <a:off x="3263590" y="1982129"/>
-                      <a:ext cx="657922" cy="602166"/>
-                    </a:xfrm>
-                    <a:prstGeom prst="rect">
-                      <a:avLst/>
-                    </a:prstGeom>
-                    <a:solidFill>
-                      <a:schemeClr val="bg2"/>
-                    </a:solidFill>
-                    <a:ln w="38100">
-                      <a:solidFill>
-                        <a:schemeClr val="tx1"/>
-                      </a:solidFill>
-                    </a:ln>
-                  </p:spPr>
-                  <p:style>
-                    <a:lnRef idx="2">
-                      <a:schemeClr val="accent1">
-                        <a:shade val="50000"/>
-                      </a:schemeClr>
-                    </a:lnRef>
-                    <a:fillRef idx="1">
-                      <a:schemeClr val="accent1"/>
-                    </a:fillRef>
-                    <a:effectRef idx="0">
-                      <a:schemeClr val="accent1"/>
-                    </a:effectRef>
-                    <a:fontRef idx="minor">
-                      <a:schemeClr val="lt1"/>
-                    </a:fontRef>
-                  </p:style>
-                  <p:txBody>
-                    <a:bodyPr rtlCol="0" anchor="ctr"/>
-                    <a:lstStyle/>
-                    <a:p>
-                      <a:pPr algn="ctr"/>
-                      <a:endParaRPr lang="en-US"/>
-                    </a:p>
-                  </p:txBody>
-                </p:sp>
-                <p:cxnSp>
-                  <p:nvCxnSpPr>
-                    <p:cNvPr id="9" name="Straight Arrow Connector 8"/>
-                    <p:cNvCxnSpPr/>
-                    <p:nvPr/>
-                  </p:nvCxnSpPr>
-                  <p:spPr>
-                    <a:xfrm flipV="1">
-                      <a:off x="2448886" y="2277639"/>
-                      <a:ext cx="814704" cy="11149"/>
-                    </a:xfrm>
-                    <a:prstGeom prst="straightConnector1">
-                      <a:avLst/>
-                    </a:prstGeom>
-                    <a:ln w="38100">
-                      <a:solidFill>
-                        <a:schemeClr val="tx1"/>
-                      </a:solidFill>
-                      <a:tailEnd type="triangle"/>
-                    </a:ln>
-                  </p:spPr>
-                  <p:style>
-                    <a:lnRef idx="1">
-                      <a:schemeClr val="accent1"/>
-                    </a:lnRef>
-                    <a:fillRef idx="0">
-                      <a:schemeClr val="accent1"/>
-                    </a:fillRef>
-                    <a:effectRef idx="0">
-                      <a:schemeClr val="accent1"/>
-                    </a:effectRef>
-                    <a:fontRef idx="minor">
-                      <a:schemeClr val="tx1"/>
-                    </a:fontRef>
-                  </p:style>
-                </p:cxnSp>
-                <p:sp>
-                  <p:nvSpPr>
-                    <p:cNvPr id="10" name="Rectangle 9"/>
-                    <p:cNvSpPr/>
-                    <p:nvPr/>
-                  </p:nvSpPr>
-                  <p:spPr>
-                    <a:xfrm>
-                      <a:off x="5211336" y="1987705"/>
-                      <a:ext cx="657922" cy="602166"/>
-                    </a:xfrm>
-                    <a:prstGeom prst="rect">
-                      <a:avLst/>
-                    </a:prstGeom>
-                    <a:solidFill>
-                      <a:schemeClr val="bg2"/>
-                    </a:solidFill>
-                    <a:ln w="38100">
-                      <a:solidFill>
-                        <a:schemeClr val="tx1"/>
-                      </a:solidFill>
-                    </a:ln>
-                  </p:spPr>
-                  <p:style>
-                    <a:lnRef idx="2">
-                      <a:schemeClr val="accent1">
-                        <a:shade val="50000"/>
-                      </a:schemeClr>
-                    </a:lnRef>
-                    <a:fillRef idx="1">
-                      <a:schemeClr val="accent1"/>
-                    </a:fillRef>
-                    <a:effectRef idx="0">
-                      <a:schemeClr val="accent1"/>
-                    </a:effectRef>
-                    <a:fontRef idx="minor">
-                      <a:schemeClr val="lt1"/>
-                    </a:fontRef>
-                  </p:style>
-                  <p:txBody>
-                    <a:bodyPr rtlCol="0" anchor="ctr"/>
-                    <a:lstStyle/>
-                    <a:p>
-                      <a:pPr algn="ctr"/>
-                      <a:endParaRPr lang="en-US"/>
-                    </a:p>
-                  </p:txBody>
-                </p:sp>
-                <p:cxnSp>
-                  <p:nvCxnSpPr>
-                    <p:cNvPr id="11" name="Straight Arrow Connector 10"/>
-                    <p:cNvCxnSpPr/>
-                    <p:nvPr/>
-                  </p:nvCxnSpPr>
-                  <p:spPr>
-                    <a:xfrm flipV="1">
-                      <a:off x="4078294" y="2283214"/>
-                      <a:ext cx="1133042" cy="16181"/>
-                    </a:xfrm>
-                    <a:prstGeom prst="straightConnector1">
-                      <a:avLst/>
-                    </a:prstGeom>
-                    <a:ln w="38100">
-                      <a:solidFill>
-                        <a:schemeClr val="tx1"/>
-                      </a:solidFill>
-                      <a:tailEnd type="triangle"/>
-                    </a:ln>
-                  </p:spPr>
-                  <p:style>
-                    <a:lnRef idx="1">
-                      <a:schemeClr val="accent1"/>
-                    </a:lnRef>
-                    <a:fillRef idx="0">
-                      <a:schemeClr val="accent1"/>
-                    </a:fillRef>
-                    <a:effectRef idx="0">
-                      <a:schemeClr val="accent1"/>
-                    </a:effectRef>
-                    <a:fontRef idx="minor">
-                      <a:schemeClr val="tx1"/>
-                    </a:fontRef>
-                  </p:style>
-                </p:cxnSp>
-                <mc:AlternateContent xmlns:mc="http://schemas.openxmlformats.org/markup-compatibility/2006" xmlns:a14="http://schemas.microsoft.com/office/drawing/2010/main">
-                  <mc:Choice Requires="a14">
-                    <p:sp>
-                      <p:nvSpPr>
-                        <p:cNvPr id="12" name="TextBox 11"/>
-                        <p:cNvSpPr txBox="1"/>
-                        <p:nvPr/>
-                      </p:nvSpPr>
-                      <p:spPr>
-                        <a:xfrm>
-                          <a:off x="845908" y="1910440"/>
-                          <a:ext cx="313291" cy="345159"/>
-                        </a:xfrm>
-                        <a:prstGeom prst="rect">
-                          <a:avLst/>
-                        </a:prstGeom>
-                        <a:noFill/>
-                      </p:spPr>
-                      <p:txBody>
-                        <a:bodyPr wrap="none" lIns="0" tIns="0" rIns="0" bIns="0" rtlCol="0">
-                          <a:spAutoFit/>
-                        </a:bodyPr>
-                        <a:lstStyle/>
-                        <a:p>
-                          <a:pPr/>
-                          <a14:m>
-                            <m:oMathPara xmlns:m="http://schemas.openxmlformats.org/officeDocument/2006/math">
-                              <m:oMathParaPr>
-                                <m:jc m:val="centerGroup"/>
-                              </m:oMathParaPr>
-                              <m:oMath xmlns:m="http://schemas.openxmlformats.org/officeDocument/2006/math">
-                                <m:sSub>
-                                  <m:sSubPr>
-                                    <m:ctrlPr>
-                                      <a:rPr lang="en-US" sz="2000" b="0" i="1" smtClean="0">
-                                        <a:latin typeface="Cambria Math" panose="02040503050406030204" pitchFamily="18" charset="0"/>
-                                        <a:cs typeface="Arial" panose="020B0604020202020204" pitchFamily="34" charset="0"/>
-                                      </a:rPr>
-                                    </m:ctrlPr>
-                                  </m:sSubPr>
-                                  <m:e>
-                                    <m:acc>
-                                      <m:accPr>
-                                        <m:chr m:val="⃗"/>
-                                        <m:ctrlPr>
-                                          <a:rPr lang="en-US" sz="2000" b="0" i="1" smtClean="0">
-                                            <a:latin typeface="Cambria Math" panose="02040503050406030204" pitchFamily="18" charset="0"/>
-                                            <a:cs typeface="Arial" panose="020B0604020202020204" pitchFamily="34" charset="0"/>
-                                          </a:rPr>
-                                        </m:ctrlPr>
-                                      </m:accPr>
-                                      <m:e>
-                                        <m:r>
-                                          <a:rPr lang="en-US" sz="2000" b="0" i="1" smtClean="0">
-                                            <a:latin typeface="Cambria Math" panose="02040503050406030204" pitchFamily="18" charset="0"/>
-                                            <a:cs typeface="Arial" panose="020B0604020202020204" pitchFamily="34" charset="0"/>
-                                          </a:rPr>
-                                          <m:t>𝐹</m:t>
-                                        </m:r>
-                                      </m:e>
-                                    </m:acc>
-                                  </m:e>
-                                  <m:sub>
-                                    <m:r>
-                                      <a:rPr lang="en-US" sz="2000" b="0" i="1" smtClean="0">
-                                        <a:latin typeface="Cambria Math" panose="02040503050406030204" pitchFamily="18" charset="0"/>
-                                        <a:cs typeface="Arial" panose="020B0604020202020204" pitchFamily="34" charset="0"/>
-                                      </a:rPr>
-                                      <m:t>1</m:t>
-                                    </m:r>
-                                  </m:sub>
-                                </m:sSub>
-                              </m:oMath>
-                            </m:oMathPara>
-                          </a14:m>
-                          <a:endParaRPr lang="en-US" sz="2000" dirty="0" smtClean="0">
-                            <a:latin typeface="Arial" panose="020B0604020202020204" pitchFamily="34" charset="0"/>
-                            <a:cs typeface="Arial" panose="020B0604020202020204" pitchFamily="34" charset="0"/>
-                          </a:endParaRPr>
-                        </a:p>
-                      </p:txBody>
-                    </p:sp>
-                  </mc:Choice>
-                  <mc:Fallback xmlns="">
-                    <p:sp>
-                      <p:nvSpPr>
-                        <p:cNvPr id="12" name="TextBox 11"/>
-                        <p:cNvSpPr txBox="1">
-                          <a:spLocks noRot="1" noChangeAspect="1" noMove="1" noResize="1" noEditPoints="1" noAdjustHandles="1" noChangeArrowheads="1" noChangeShapeType="1" noTextEdit="1"/>
-                        </p:cNvSpPr>
-                        <p:nvPr/>
-                      </p:nvSpPr>
-                      <p:spPr>
-                        <a:xfrm>
-                          <a:off x="845908" y="1910440"/>
-                          <a:ext cx="313291" cy="345159"/>
-                        </a:xfrm>
-                        <a:prstGeom prst="rect">
-                          <a:avLst/>
-                        </a:prstGeom>
-                        <a:blipFill>
-                          <a:blip r:embed="rId31"/>
-                          <a:stretch>
-                            <a:fillRect l="-17647" t="-33333" r="-68627" b="-15789"/>
-                          </a:stretch>
-                        </a:blipFill>
-                      </p:spPr>
-                      <p:txBody>
-                        <a:bodyPr/>
-                        <a:lstStyle/>
-                        <a:p>
-                          <a:r>
-                            <a:rPr lang="en-US">
-                              <a:noFill/>
-                            </a:rPr>
-                            <a:t> </a:t>
-                          </a:r>
-                        </a:p>
-                      </p:txBody>
-                    </p:sp>
-                  </mc:Fallback>
-                </mc:AlternateContent>
-                <mc:AlternateContent xmlns:mc="http://schemas.openxmlformats.org/markup-compatibility/2006" xmlns:a14="http://schemas.microsoft.com/office/drawing/2010/main">
-                  <mc:Choice Requires="a14">
-                    <p:sp>
-                      <p:nvSpPr>
-                        <p:cNvPr id="13" name="TextBox 12"/>
-                        <p:cNvSpPr txBox="1"/>
-                        <p:nvPr/>
-                      </p:nvSpPr>
-                      <p:spPr>
-                        <a:xfrm>
-                          <a:off x="2856238" y="1908516"/>
-                          <a:ext cx="319254" cy="345159"/>
-                        </a:xfrm>
-                        <a:prstGeom prst="rect">
-                          <a:avLst/>
-                        </a:prstGeom>
-                        <a:noFill/>
-                      </p:spPr>
-                      <p:txBody>
-                        <a:bodyPr wrap="none" lIns="0" tIns="0" rIns="0" bIns="0" rtlCol="0">
-                          <a:spAutoFit/>
-                        </a:bodyPr>
-                        <a:lstStyle/>
-                        <a:p>
-                          <a:pPr/>
-                          <a14:m>
-                            <m:oMathPara xmlns:m="http://schemas.openxmlformats.org/officeDocument/2006/math">
-                              <m:oMathParaPr>
-                                <m:jc m:val="centerGroup"/>
-                              </m:oMathParaPr>
-                              <m:oMath xmlns:m="http://schemas.openxmlformats.org/officeDocument/2006/math">
-                                <m:sSub>
-                                  <m:sSubPr>
-                                    <m:ctrlPr>
-                                      <a:rPr lang="en-US" sz="2000" b="0" i="1" smtClean="0">
-                                        <a:latin typeface="Cambria Math" panose="02040503050406030204" pitchFamily="18" charset="0"/>
-                                        <a:cs typeface="Arial" panose="020B0604020202020204" pitchFamily="34" charset="0"/>
-                                      </a:rPr>
-                                    </m:ctrlPr>
-                                  </m:sSubPr>
-                                  <m:e>
-                                    <m:acc>
-                                      <m:accPr>
-                                        <m:chr m:val="⃗"/>
-                                        <m:ctrlPr>
-                                          <a:rPr lang="en-US" sz="2000" b="0" i="1" smtClean="0">
-                                            <a:latin typeface="Cambria Math" panose="02040503050406030204" pitchFamily="18" charset="0"/>
-                                            <a:cs typeface="Arial" panose="020B0604020202020204" pitchFamily="34" charset="0"/>
-                                          </a:rPr>
-                                        </m:ctrlPr>
-                                      </m:accPr>
-                                      <m:e>
-                                        <m:r>
-                                          <a:rPr lang="en-US" sz="2000" b="0" i="1" smtClean="0">
-                                            <a:latin typeface="Cambria Math" panose="02040503050406030204" pitchFamily="18" charset="0"/>
-                                            <a:cs typeface="Arial" panose="020B0604020202020204" pitchFamily="34" charset="0"/>
-                                          </a:rPr>
-                                          <m:t>𝐹</m:t>
-                                        </m:r>
-                                      </m:e>
-                                    </m:acc>
-                                  </m:e>
-                                  <m:sub>
-                                    <m:r>
-                                      <a:rPr lang="en-US" sz="2000" b="0" i="1" smtClean="0">
-                                        <a:latin typeface="Cambria Math" panose="02040503050406030204" pitchFamily="18" charset="0"/>
-                                        <a:cs typeface="Arial" panose="020B0604020202020204" pitchFamily="34" charset="0"/>
-                                      </a:rPr>
-                                      <m:t>2</m:t>
-                                    </m:r>
-                                  </m:sub>
-                                </m:sSub>
-                              </m:oMath>
-                            </m:oMathPara>
-                          </a14:m>
-                          <a:endParaRPr lang="en-US" sz="2000" dirty="0" smtClean="0">
-                            <a:latin typeface="Arial" panose="020B0604020202020204" pitchFamily="34" charset="0"/>
-                            <a:cs typeface="Arial" panose="020B0604020202020204" pitchFamily="34" charset="0"/>
-                          </a:endParaRPr>
-                        </a:p>
-                      </p:txBody>
-                    </p:sp>
-                  </mc:Choice>
-                  <mc:Fallback xmlns="">
-                    <p:sp>
-                      <p:nvSpPr>
-                        <p:cNvPr id="13" name="TextBox 12"/>
-                        <p:cNvSpPr txBox="1">
-                          <a:spLocks noRot="1" noChangeAspect="1" noMove="1" noResize="1" noEditPoints="1" noAdjustHandles="1" noChangeArrowheads="1" noChangeShapeType="1" noTextEdit="1"/>
-                        </p:cNvSpPr>
-                        <p:nvPr/>
-                      </p:nvSpPr>
-                      <p:spPr>
-                        <a:xfrm>
-                          <a:off x="2856238" y="1908516"/>
-                          <a:ext cx="319254" cy="345159"/>
-                        </a:xfrm>
-                        <a:prstGeom prst="rect">
-                          <a:avLst/>
-                        </a:prstGeom>
-                        <a:blipFill>
-                          <a:blip r:embed="rId32"/>
-                          <a:stretch>
-                            <a:fillRect l="-15094" t="-35714" r="-66038" b="-17857"/>
-                          </a:stretch>
-                        </a:blipFill>
-                      </p:spPr>
-                      <p:txBody>
-                        <a:bodyPr/>
-                        <a:lstStyle/>
-                        <a:p>
-                          <a:r>
-                            <a:rPr lang="en-US">
-                              <a:noFill/>
-                            </a:rPr>
-                            <a:t> </a:t>
-                          </a:r>
-                        </a:p>
-                      </p:txBody>
-                    </p:sp>
-                  </mc:Fallback>
-                </mc:AlternateContent>
-                <mc:AlternateContent xmlns:mc="http://schemas.openxmlformats.org/markup-compatibility/2006" xmlns:a14="http://schemas.microsoft.com/office/drawing/2010/main">
-                  <mc:Choice Requires="a14">
-                    <p:sp>
-                      <p:nvSpPr>
-                        <p:cNvPr id="14" name="TextBox 13"/>
-                        <p:cNvSpPr txBox="1"/>
-                        <p:nvPr/>
-                      </p:nvSpPr>
-                      <p:spPr>
-                        <a:xfrm>
-                          <a:off x="4781486" y="1908516"/>
-                          <a:ext cx="319254" cy="345159"/>
-                        </a:xfrm>
-                        <a:prstGeom prst="rect">
-                          <a:avLst/>
-                        </a:prstGeom>
-                        <a:noFill/>
-                      </p:spPr>
-                      <p:txBody>
-                        <a:bodyPr wrap="none" lIns="0" tIns="0" rIns="0" bIns="0" rtlCol="0">
-                          <a:spAutoFit/>
-                        </a:bodyPr>
-                        <a:lstStyle/>
-                        <a:p>
-                          <a:pPr/>
-                          <a14:m>
-                            <m:oMathPara xmlns:m="http://schemas.openxmlformats.org/officeDocument/2006/math">
-                              <m:oMathParaPr>
-                                <m:jc m:val="centerGroup"/>
-                              </m:oMathParaPr>
-                              <m:oMath xmlns:m="http://schemas.openxmlformats.org/officeDocument/2006/math">
-                                <m:sSub>
-                                  <m:sSubPr>
-                                    <m:ctrlPr>
-                                      <a:rPr lang="en-US" sz="2000" b="0" i="1" smtClean="0">
-                                        <a:latin typeface="Cambria Math" panose="02040503050406030204" pitchFamily="18" charset="0"/>
-                                        <a:cs typeface="Arial" panose="020B0604020202020204" pitchFamily="34" charset="0"/>
-                                      </a:rPr>
-                                    </m:ctrlPr>
-                                  </m:sSubPr>
-                                  <m:e>
-                                    <m:acc>
-                                      <m:accPr>
-                                        <m:chr m:val="⃗"/>
-                                        <m:ctrlPr>
-                                          <a:rPr lang="en-US" sz="2000" b="0" i="1" smtClean="0">
-                                            <a:latin typeface="Cambria Math" panose="02040503050406030204" pitchFamily="18" charset="0"/>
-                                            <a:cs typeface="Arial" panose="020B0604020202020204" pitchFamily="34" charset="0"/>
-                                          </a:rPr>
-                                        </m:ctrlPr>
-                                      </m:accPr>
-                                      <m:e>
-                                        <m:r>
-                                          <a:rPr lang="en-US" sz="2000" b="0" i="1" smtClean="0">
-                                            <a:latin typeface="Cambria Math" panose="02040503050406030204" pitchFamily="18" charset="0"/>
-                                            <a:cs typeface="Arial" panose="020B0604020202020204" pitchFamily="34" charset="0"/>
-                                          </a:rPr>
-                                          <m:t>𝐹</m:t>
-                                        </m:r>
-                                      </m:e>
-                                    </m:acc>
-                                  </m:e>
-                                  <m:sub>
-                                    <m:r>
-                                      <a:rPr lang="en-US" sz="2000" b="0" i="1" smtClean="0">
-                                        <a:latin typeface="Cambria Math" panose="02040503050406030204" pitchFamily="18" charset="0"/>
-                                        <a:cs typeface="Arial" panose="020B0604020202020204" pitchFamily="34" charset="0"/>
-                                      </a:rPr>
-                                      <m:t>3</m:t>
-                                    </m:r>
-                                  </m:sub>
-                                </m:sSub>
-                              </m:oMath>
-                            </m:oMathPara>
-                          </a14:m>
-                          <a:endParaRPr lang="en-US" sz="2000" dirty="0" smtClean="0">
-                            <a:latin typeface="Arial" panose="020B0604020202020204" pitchFamily="34" charset="0"/>
-                            <a:cs typeface="Arial" panose="020B0604020202020204" pitchFamily="34" charset="0"/>
-                          </a:endParaRPr>
-                        </a:p>
-                      </p:txBody>
-                    </p:sp>
-                  </mc:Choice>
-                  <mc:Fallback xmlns="">
-                    <p:sp>
-                      <p:nvSpPr>
-                        <p:cNvPr id="14" name="TextBox 13"/>
-                        <p:cNvSpPr txBox="1">
-                          <a:spLocks noRot="1" noChangeAspect="1" noMove="1" noResize="1" noEditPoints="1" noAdjustHandles="1" noChangeArrowheads="1" noChangeShapeType="1" noTextEdit="1"/>
-                        </p:cNvSpPr>
-                        <p:nvPr/>
-                      </p:nvSpPr>
-                      <p:spPr>
-                        <a:xfrm>
-                          <a:off x="4781486" y="1908516"/>
-                          <a:ext cx="319254" cy="345159"/>
-                        </a:xfrm>
-                        <a:prstGeom prst="rect">
-                          <a:avLst/>
-                        </a:prstGeom>
-                        <a:blipFill>
-                          <a:blip r:embed="rId33"/>
-                          <a:stretch>
-                            <a:fillRect l="-15385" t="-35714" r="-69231" b="-17857"/>
-                          </a:stretch>
-                        </a:blipFill>
-                      </p:spPr>
-                      <p:txBody>
-                        <a:bodyPr/>
-                        <a:lstStyle/>
-                        <a:p>
-                          <a:r>
-                            <a:rPr lang="en-US">
-                              <a:noFill/>
-                            </a:rPr>
-                            <a:t> </a:t>
-                          </a:r>
-                        </a:p>
-                      </p:txBody>
-                    </p:sp>
-                  </mc:Fallback>
-                </mc:AlternateContent>
-                <p:cxnSp>
-                  <p:nvCxnSpPr>
-                    <p:cNvPr id="16" name="Straight Arrow Connector 15"/>
-                    <p:cNvCxnSpPr/>
-                    <p:nvPr/>
-                  </p:nvCxnSpPr>
-                  <p:spPr>
-                    <a:xfrm flipV="1">
-                      <a:off x="1315844" y="2932771"/>
-                      <a:ext cx="1947746" cy="22302"/>
-                    </a:xfrm>
-                    <a:prstGeom prst="straightConnector1">
-                      <a:avLst/>
-                    </a:prstGeom>
-                    <a:ln w="38100">
-                      <a:solidFill>
-                        <a:schemeClr val="tx1"/>
-                      </a:solidFill>
-                      <a:headEnd type="triangle"/>
-                      <a:tailEnd type="triangle"/>
-                    </a:ln>
-                  </p:spPr>
-                  <p:style>
-                    <a:lnRef idx="1">
-                      <a:schemeClr val="accent1"/>
-                    </a:lnRef>
-                    <a:fillRef idx="0">
-                      <a:schemeClr val="accent1"/>
-                    </a:fillRef>
-                    <a:effectRef idx="0">
-                      <a:schemeClr val="accent1"/>
-                    </a:effectRef>
-                    <a:fontRef idx="minor">
-                      <a:schemeClr val="tx1"/>
-                    </a:fontRef>
-                  </p:style>
-                </p:cxnSp>
-                <p:cxnSp>
-                  <p:nvCxnSpPr>
-                    <p:cNvPr id="17" name="Straight Arrow Connector 16"/>
-                    <p:cNvCxnSpPr/>
-                    <p:nvPr/>
-                  </p:nvCxnSpPr>
-                  <p:spPr>
-                    <a:xfrm flipV="1">
-                      <a:off x="3263590" y="2921620"/>
-                      <a:ext cx="1947746" cy="22302"/>
-                    </a:xfrm>
-                    <a:prstGeom prst="straightConnector1">
-                      <a:avLst/>
-                    </a:prstGeom>
-                    <a:ln w="38100">
-                      <a:solidFill>
-                        <a:schemeClr val="tx1"/>
-                      </a:solidFill>
-                      <a:headEnd type="triangle"/>
-                      <a:tailEnd type="triangle"/>
-                    </a:ln>
-                  </p:spPr>
-                  <p:style>
-                    <a:lnRef idx="1">
-                      <a:schemeClr val="accent1"/>
-                    </a:lnRef>
-                    <a:fillRef idx="0">
-                      <a:schemeClr val="accent1"/>
-                    </a:fillRef>
-                    <a:effectRef idx="0">
-                      <a:schemeClr val="accent1"/>
-                    </a:effectRef>
-                    <a:fontRef idx="minor">
-                      <a:schemeClr val="tx1"/>
-                    </a:fontRef>
-                  </p:style>
-                </p:cxnSp>
-                <p:cxnSp>
-                  <p:nvCxnSpPr>
-                    <p:cNvPr id="18" name="Straight Arrow Connector 17"/>
-                    <p:cNvCxnSpPr/>
-                    <p:nvPr/>
-                  </p:nvCxnSpPr>
-                  <p:spPr>
-                    <a:xfrm flipV="1">
-                      <a:off x="5200185" y="2893743"/>
-                      <a:ext cx="1947746" cy="22302"/>
-                    </a:xfrm>
-                    <a:prstGeom prst="straightConnector1">
-                      <a:avLst/>
-                    </a:prstGeom>
-                    <a:ln w="38100">
-                      <a:solidFill>
-                        <a:schemeClr val="tx1"/>
-                      </a:solidFill>
-                      <a:headEnd type="triangle"/>
-                      <a:tailEnd type="triangle"/>
-                    </a:ln>
-                  </p:spPr>
-                  <p:style>
-                    <a:lnRef idx="1">
-                      <a:schemeClr val="accent1"/>
-                    </a:lnRef>
-                    <a:fillRef idx="0">
-                      <a:schemeClr val="accent1"/>
-                    </a:fillRef>
-                    <a:effectRef idx="0">
-                      <a:schemeClr val="accent1"/>
-                    </a:effectRef>
-                    <a:fontRef idx="minor">
-                      <a:schemeClr val="tx1"/>
-                    </a:fontRef>
-                  </p:style>
-                </p:cxnSp>
-                <mc:AlternateContent xmlns:mc="http://schemas.openxmlformats.org/markup-compatibility/2006" xmlns:a14="http://schemas.microsoft.com/office/drawing/2010/main">
-                  <mc:Choice Requires="a14">
-                    <p:sp>
-                      <p:nvSpPr>
-                        <p:cNvPr id="19" name="TextBox 18"/>
-                        <p:cNvSpPr txBox="1"/>
-                        <p:nvPr/>
-                      </p:nvSpPr>
-                      <p:spPr>
-                        <a:xfrm>
-                          <a:off x="2106301" y="3019194"/>
-                          <a:ext cx="366832" cy="307777"/>
-                        </a:xfrm>
-                        <a:prstGeom prst="rect">
-                          <a:avLst/>
-                        </a:prstGeom>
-                        <a:noFill/>
-                      </p:spPr>
-                      <p:txBody>
-                        <a:bodyPr wrap="none" lIns="0" tIns="0" rIns="0" bIns="0" rtlCol="0">
-                          <a:spAutoFit/>
-                        </a:bodyPr>
-                        <a:lstStyle/>
-                        <a:p>
-                          <a:pPr/>
-                          <a14:m>
-                            <m:oMathPara xmlns:m="http://schemas.openxmlformats.org/officeDocument/2006/math">
-                              <m:oMathParaPr>
-                                <m:jc m:val="centerGroup"/>
-                              </m:oMathParaPr>
-                              <m:oMath xmlns:m="http://schemas.openxmlformats.org/officeDocument/2006/math">
-                                <m:r>
-                                  <m:rPr>
-                                    <m:sty m:val="p"/>
-                                  </m:rPr>
-                                  <a:rPr lang="en-US" sz="2000" b="0" i="0" smtClean="0">
-                                    <a:latin typeface="Cambria Math" panose="02040503050406030204" pitchFamily="18" charset="0"/>
-                                    <a:cs typeface="Arial" panose="020B0604020202020204" pitchFamily="34" charset="0"/>
-                                  </a:rPr>
-                                  <m:t>Δ</m:t>
-                                </m:r>
-                                <m:r>
-                                  <a:rPr lang="en-US" sz="2000" b="0" i="1" smtClean="0">
-                                    <a:latin typeface="Cambria Math" panose="02040503050406030204" pitchFamily="18" charset="0"/>
-                                    <a:cs typeface="Arial" panose="020B0604020202020204" pitchFamily="34" charset="0"/>
-                                  </a:rPr>
-                                  <m:t>𝑥</m:t>
-                                </m:r>
-                              </m:oMath>
-                            </m:oMathPara>
-                          </a14:m>
-                          <a:endParaRPr lang="en-US" sz="2000" dirty="0" smtClean="0">
-                            <a:latin typeface="Arial" panose="020B0604020202020204" pitchFamily="34" charset="0"/>
-                            <a:cs typeface="Arial" panose="020B0604020202020204" pitchFamily="34" charset="0"/>
-                          </a:endParaRPr>
-                        </a:p>
-                      </p:txBody>
-                    </p:sp>
-                  </mc:Choice>
-                  <mc:Fallback xmlns="">
-                    <p:sp>
-                      <p:nvSpPr>
-                        <p:cNvPr id="19" name="TextBox 18"/>
-                        <p:cNvSpPr txBox="1">
-                          <a:spLocks noRot="1" noChangeAspect="1" noMove="1" noResize="1" noEditPoints="1" noAdjustHandles="1" noChangeArrowheads="1" noChangeShapeType="1" noTextEdit="1"/>
-                        </p:cNvSpPr>
-                        <p:nvPr/>
-                      </p:nvSpPr>
-                      <p:spPr>
-                        <a:xfrm>
-                          <a:off x="2106301" y="3019194"/>
-                          <a:ext cx="366832" cy="307777"/>
-                        </a:xfrm>
-                        <a:prstGeom prst="rect">
-                          <a:avLst/>
-                        </a:prstGeom>
-                        <a:blipFill>
-                          <a:blip r:embed="rId34"/>
-                          <a:stretch>
-                            <a:fillRect l="-13333" r="-6667" b="-10000"/>
-                          </a:stretch>
-                        </a:blipFill>
-                      </p:spPr>
-                      <p:txBody>
-                        <a:bodyPr/>
-                        <a:lstStyle/>
-                        <a:p>
-                          <a:r>
-                            <a:rPr lang="en-US">
-                              <a:noFill/>
-                            </a:rPr>
-                            <a:t> </a:t>
-                          </a:r>
-                        </a:p>
-                      </p:txBody>
-                    </p:sp>
-                  </mc:Fallback>
-                </mc:AlternateContent>
-                <mc:AlternateContent xmlns:mc="http://schemas.openxmlformats.org/markup-compatibility/2006" xmlns:a14="http://schemas.microsoft.com/office/drawing/2010/main">
-                  <mc:Choice Requires="a14">
-                    <p:sp>
-                      <p:nvSpPr>
-                        <p:cNvPr id="20" name="TextBox 19"/>
-                        <p:cNvSpPr txBox="1"/>
-                        <p:nvPr/>
-                      </p:nvSpPr>
-                      <p:spPr>
-                        <a:xfrm>
-                          <a:off x="4048471" y="3018636"/>
-                          <a:ext cx="366832" cy="307777"/>
-                        </a:xfrm>
-                        <a:prstGeom prst="rect">
-                          <a:avLst/>
-                        </a:prstGeom>
-                        <a:noFill/>
-                      </p:spPr>
-                      <p:txBody>
-                        <a:bodyPr wrap="none" lIns="0" tIns="0" rIns="0" bIns="0" rtlCol="0">
-                          <a:spAutoFit/>
-                        </a:bodyPr>
-                        <a:lstStyle/>
-                        <a:p>
-                          <a:pPr/>
-                          <a14:m>
-                            <m:oMathPara xmlns:m="http://schemas.openxmlformats.org/officeDocument/2006/math">
-                              <m:oMathParaPr>
-                                <m:jc m:val="centerGroup"/>
-                              </m:oMathParaPr>
-                              <m:oMath xmlns:m="http://schemas.openxmlformats.org/officeDocument/2006/math">
-                                <m:r>
-                                  <m:rPr>
-                                    <m:sty m:val="p"/>
-                                  </m:rPr>
-                                  <a:rPr lang="en-US" sz="2000" b="0" i="0" smtClean="0">
-                                    <a:latin typeface="Cambria Math" panose="02040503050406030204" pitchFamily="18" charset="0"/>
-                                    <a:cs typeface="Arial" panose="020B0604020202020204" pitchFamily="34" charset="0"/>
-                                  </a:rPr>
-                                  <m:t>Δ</m:t>
-                                </m:r>
-                                <m:r>
-                                  <a:rPr lang="en-US" sz="2000" b="0" i="1" smtClean="0">
-                                    <a:latin typeface="Cambria Math" panose="02040503050406030204" pitchFamily="18" charset="0"/>
-                                    <a:cs typeface="Arial" panose="020B0604020202020204" pitchFamily="34" charset="0"/>
-                                  </a:rPr>
-                                  <m:t>𝑥</m:t>
-                                </m:r>
-                              </m:oMath>
-                            </m:oMathPara>
-                          </a14:m>
-                          <a:endParaRPr lang="en-US" sz="2000" dirty="0" smtClean="0">
-                            <a:latin typeface="Arial" panose="020B0604020202020204" pitchFamily="34" charset="0"/>
-                            <a:cs typeface="Arial" panose="020B0604020202020204" pitchFamily="34" charset="0"/>
-                          </a:endParaRPr>
-                        </a:p>
-                      </p:txBody>
-                    </p:sp>
-                  </mc:Choice>
-                  <mc:Fallback xmlns="">
-                    <p:sp>
-                      <p:nvSpPr>
-                        <p:cNvPr id="20" name="TextBox 19"/>
-                        <p:cNvSpPr txBox="1">
-                          <a:spLocks noRot="1" noChangeAspect="1" noMove="1" noResize="1" noEditPoints="1" noAdjustHandles="1" noChangeArrowheads="1" noChangeShapeType="1" noTextEdit="1"/>
-                        </p:cNvSpPr>
-                        <p:nvPr/>
-                      </p:nvSpPr>
-                      <p:spPr>
-                        <a:xfrm>
-                          <a:off x="4048471" y="3018636"/>
-                          <a:ext cx="366832" cy="307777"/>
-                        </a:xfrm>
-                        <a:prstGeom prst="rect">
-                          <a:avLst/>
-                        </a:prstGeom>
-                        <a:blipFill>
-                          <a:blip r:embed="rId35"/>
-                          <a:stretch>
-                            <a:fillRect l="-15000" r="-5000" b="-10000"/>
-                          </a:stretch>
-                        </a:blipFill>
-                      </p:spPr>
-                      <p:txBody>
-                        <a:bodyPr/>
-                        <a:lstStyle/>
-                        <a:p>
-                          <a:r>
-                            <a:rPr lang="en-US">
-                              <a:noFill/>
-                            </a:rPr>
-                            <a:t> </a:t>
-                          </a:r>
-                        </a:p>
-                      </p:txBody>
-                    </p:sp>
-                  </mc:Fallback>
-                </mc:AlternateContent>
-                <mc:AlternateContent xmlns:mc="http://schemas.openxmlformats.org/markup-compatibility/2006" xmlns:a14="http://schemas.microsoft.com/office/drawing/2010/main">
-                  <mc:Choice Requires="a14">
-                    <p:sp>
-                      <p:nvSpPr>
-                        <p:cNvPr id="21" name="TextBox 20"/>
-                        <p:cNvSpPr txBox="1"/>
-                        <p:nvPr/>
-                      </p:nvSpPr>
-                      <p:spPr>
-                        <a:xfrm>
-                          <a:off x="5990642" y="3018636"/>
-                          <a:ext cx="366832" cy="307777"/>
-                        </a:xfrm>
-                        <a:prstGeom prst="rect">
-                          <a:avLst/>
-                        </a:prstGeom>
-                        <a:noFill/>
-                      </p:spPr>
-                      <p:txBody>
-                        <a:bodyPr wrap="none" lIns="0" tIns="0" rIns="0" bIns="0" rtlCol="0">
-                          <a:spAutoFit/>
-                        </a:bodyPr>
-                        <a:lstStyle/>
-                        <a:p>
-                          <a:pPr/>
-                          <a14:m>
-                            <m:oMathPara xmlns:m="http://schemas.openxmlformats.org/officeDocument/2006/math">
-                              <m:oMathParaPr>
-                                <m:jc m:val="centerGroup"/>
-                              </m:oMathParaPr>
-                              <m:oMath xmlns:m="http://schemas.openxmlformats.org/officeDocument/2006/math">
-                                <m:r>
-                                  <m:rPr>
-                                    <m:sty m:val="p"/>
-                                  </m:rPr>
-                                  <a:rPr lang="en-US" sz="2000" b="0" i="0" smtClean="0">
-                                    <a:latin typeface="Cambria Math" panose="02040503050406030204" pitchFamily="18" charset="0"/>
-                                    <a:cs typeface="Arial" panose="020B0604020202020204" pitchFamily="34" charset="0"/>
-                                  </a:rPr>
-                                  <m:t>Δ</m:t>
-                                </m:r>
-                                <m:r>
-                                  <a:rPr lang="en-US" sz="2000" b="0" i="1" smtClean="0">
-                                    <a:latin typeface="Cambria Math" panose="02040503050406030204" pitchFamily="18" charset="0"/>
-                                    <a:cs typeface="Arial" panose="020B0604020202020204" pitchFamily="34" charset="0"/>
-                                  </a:rPr>
-                                  <m:t>𝑥</m:t>
-                                </m:r>
-                              </m:oMath>
-                            </m:oMathPara>
-                          </a14:m>
-                          <a:endParaRPr lang="en-US" sz="2000" dirty="0" smtClean="0">
-                            <a:latin typeface="Arial" panose="020B0604020202020204" pitchFamily="34" charset="0"/>
-                            <a:cs typeface="Arial" panose="020B0604020202020204" pitchFamily="34" charset="0"/>
-                          </a:endParaRPr>
-                        </a:p>
-                      </p:txBody>
-                    </p:sp>
-                  </mc:Choice>
-                  <mc:Fallback xmlns="">
-                    <p:sp>
-                      <p:nvSpPr>
-                        <p:cNvPr id="21" name="TextBox 20"/>
-                        <p:cNvSpPr txBox="1">
-                          <a:spLocks noRot="1" noChangeAspect="1" noMove="1" noResize="1" noEditPoints="1" noAdjustHandles="1" noChangeArrowheads="1" noChangeShapeType="1" noTextEdit="1"/>
-                        </p:cNvSpPr>
-                        <p:nvPr/>
-                      </p:nvSpPr>
-                      <p:spPr>
-                        <a:xfrm>
-                          <a:off x="5990642" y="3018636"/>
-                          <a:ext cx="366832" cy="307777"/>
-                        </a:xfrm>
-                        <a:prstGeom prst="rect">
-                          <a:avLst/>
-                        </a:prstGeom>
-                        <a:blipFill>
-                          <a:blip r:embed="rId36"/>
-                          <a:stretch>
-                            <a:fillRect l="-13115" r="-4918" b="-10000"/>
-                          </a:stretch>
-                        </a:blipFill>
-                      </p:spPr>
-                      <p:txBody>
-                        <a:bodyPr/>
-                        <a:lstStyle/>
-                        <a:p>
-                          <a:r>
-                            <a:rPr lang="en-US">
-                              <a:noFill/>
-                            </a:rPr>
-                            <a:t> </a:t>
-                          </a:r>
-                        </a:p>
-                      </p:txBody>
-                    </p:sp>
-                  </mc:Fallback>
-                </mc:AlternateContent>
-              </p:grpSp>
-              <p:grpSp>
-                <p:nvGrpSpPr>
-                  <p:cNvPr id="26" name="Group 25"/>
-                  <p:cNvGrpSpPr/>
-                  <p:nvPr/>
-                </p:nvGrpSpPr>
-                <p:grpSpPr>
-                  <a:xfrm>
-                    <a:off x="797312" y="2308302"/>
-                    <a:ext cx="6865643" cy="938449"/>
-                    <a:chOff x="758520" y="708040"/>
-                    <a:chExt cx="19831027" cy="2822775"/>
-                  </a:xfrm>
-                </p:grpSpPr>
-                <p:grpSp>
-                  <p:nvGrpSpPr>
-                    <p:cNvPr id="27" name="Group 26"/>
-                    <p:cNvGrpSpPr/>
-                    <p:nvPr/>
-                  </p:nvGrpSpPr>
-                  <p:grpSpPr>
-                    <a:xfrm>
-                      <a:off x="758520" y="708040"/>
-                      <a:ext cx="19831027" cy="2822775"/>
-                      <a:chOff x="785815" y="680744"/>
-                      <a:chExt cx="19831027" cy="2822775"/>
-                    </a:xfrm>
-                  </p:grpSpPr>
-                  <p:cxnSp>
-                    <p:nvCxnSpPr>
-                      <p:cNvPr id="29" name="Straight Arrow Connector 28"/>
-                      <p:cNvCxnSpPr/>
-                      <p:nvPr/>
-                    </p:nvCxnSpPr>
-                    <p:spPr>
-                      <a:xfrm flipV="1">
-                        <a:off x="1516583" y="680744"/>
-                        <a:ext cx="7683" cy="1859535"/>
-                      </a:xfrm>
-                      <a:prstGeom prst="straightConnector1">
-                        <a:avLst/>
-                      </a:prstGeom>
-                      <a:ln w="38100">
-                        <a:solidFill>
-                          <a:schemeClr val="tx1"/>
-                        </a:solidFill>
-                        <a:tailEnd type="triangle"/>
-                      </a:ln>
-                    </p:spPr>
-                    <p:style>
-                      <a:lnRef idx="1">
-                        <a:schemeClr val="accent1"/>
-                      </a:lnRef>
-                      <a:fillRef idx="0">
-                        <a:schemeClr val="accent1"/>
-                      </a:fillRef>
-                      <a:effectRef idx="0">
-                        <a:schemeClr val="accent1"/>
-                      </a:effectRef>
-                      <a:fontRef idx="minor">
-                        <a:schemeClr val="tx1"/>
-                      </a:fontRef>
-                    </p:style>
-                  </p:cxnSp>
-                  <p:cxnSp>
-                    <p:nvCxnSpPr>
-                      <p:cNvPr id="30" name="Straight Arrow Connector 29"/>
-                      <p:cNvCxnSpPr/>
-                      <p:nvPr/>
-                    </p:nvCxnSpPr>
-                    <p:spPr>
-                      <a:xfrm flipV="1">
-                        <a:off x="1507013" y="2473843"/>
-                        <a:ext cx="18491875" cy="61419"/>
-                      </a:xfrm>
-                      <a:prstGeom prst="straightConnector1">
-                        <a:avLst/>
-                      </a:prstGeom>
-                      <a:ln w="38100">
-                        <a:solidFill>
-                          <a:schemeClr val="tx1"/>
-                        </a:solidFill>
-                        <a:tailEnd type="triangle"/>
-                      </a:ln>
-                    </p:spPr>
-                    <p:style>
-                      <a:lnRef idx="1">
-                        <a:schemeClr val="accent1"/>
-                      </a:lnRef>
-                      <a:fillRef idx="0">
-                        <a:schemeClr val="accent1"/>
-                      </a:fillRef>
-                      <a:effectRef idx="0">
-                        <a:schemeClr val="accent1"/>
-                      </a:effectRef>
-                      <a:fontRef idx="minor">
-                        <a:schemeClr val="tx1"/>
-                      </a:fontRef>
-                    </p:style>
-                  </p:cxnSp>
-                  <mc:AlternateContent xmlns:mc="http://schemas.openxmlformats.org/markup-compatibility/2006" xmlns:a14="http://schemas.microsoft.com/office/drawing/2010/main">
-                    <mc:Choice Requires="a14">
-                      <p:sp>
-                        <p:nvSpPr>
-                          <p:cNvPr id="31" name="Rectangle 30"/>
-                          <p:cNvSpPr/>
-                          <p:nvPr/>
-                        </p:nvSpPr>
-                        <p:spPr>
-                          <a:xfrm>
-                            <a:off x="19098251" y="2392600"/>
-                            <a:ext cx="1518591" cy="1110919"/>
-                          </a:xfrm>
-                          <a:prstGeom prst="rect">
-                            <a:avLst/>
-                          </a:prstGeom>
-                        </p:spPr>
-                        <p:txBody>
-                          <a:bodyPr wrap="square">
-                            <a:spAutoFit/>
-                          </a:bodyPr>
-                          <a:lstStyle/>
-                          <a:p>
-                            <a:pPr/>
-                            <a14:m>
-                              <m:oMathPara xmlns:m="http://schemas.openxmlformats.org/officeDocument/2006/math">
-                                <m:oMathParaPr>
-                                  <m:jc m:val="centerGroup"/>
-                                </m:oMathParaPr>
-                                <m:oMath xmlns:m="http://schemas.openxmlformats.org/officeDocument/2006/math">
-                                  <m:r>
-                                    <a:rPr lang="en-US" i="1">
-                                      <a:latin typeface="Cambria Math" panose="02040503050406030204" pitchFamily="18" charset="0"/>
-                                      <a:cs typeface="Arial" panose="020B0604020202020204" pitchFamily="34" charset="0"/>
-                                    </a:rPr>
-                                    <m:t>𝑥</m:t>
-                                  </m:r>
-                                </m:oMath>
-                              </m:oMathPara>
-                            </a14:m>
-                            <a:endParaRPr lang="en-CA" dirty="0"/>
-                          </a:p>
-                        </p:txBody>
-                      </p:sp>
-                    </mc:Choice>
-                    <mc:Fallback xmlns="">
-                      <p:sp>
-                        <p:nvSpPr>
-                          <p:cNvPr id="31" name="Rectangle 30"/>
-                          <p:cNvSpPr>
-                            <a:spLocks noRot="1" noChangeAspect="1" noMove="1" noResize="1" noEditPoints="1" noAdjustHandles="1" noChangeArrowheads="1" noChangeShapeType="1" noTextEdit="1"/>
-                          </p:cNvSpPr>
-                          <p:nvPr/>
-                        </p:nvSpPr>
-                        <p:spPr>
-                          <a:xfrm>
-                            <a:off x="19098251" y="2392600"/>
-                            <a:ext cx="1518591" cy="1110919"/>
-                          </a:xfrm>
-                          <a:prstGeom prst="rect">
-                            <a:avLst/>
-                          </a:prstGeom>
-                          <a:blipFill>
-                            <a:blip r:embed="rId37"/>
-                            <a:stretch>
-                              <a:fillRect/>
-                            </a:stretch>
-                          </a:blipFill>
-                        </p:spPr>
-                        <p:txBody>
-                          <a:bodyPr/>
-                          <a:lstStyle/>
-                          <a:p>
-                            <a:r>
-                              <a:rPr lang="en-US">
-                                <a:noFill/>
-                              </a:rPr>
-                              <a:t> </a:t>
-                            </a:r>
-                          </a:p>
-                        </p:txBody>
-                      </p:sp>
-                    </mc:Fallback>
-                  </mc:AlternateContent>
-                  <mc:AlternateContent xmlns:mc="http://schemas.openxmlformats.org/markup-compatibility/2006" xmlns:a14="http://schemas.microsoft.com/office/drawing/2010/main">
-                    <mc:Choice Requires="a14">
-                      <p:sp>
-                        <p:nvSpPr>
-                          <p:cNvPr id="32" name="Rectangle 31"/>
-                          <p:cNvSpPr/>
-                          <p:nvPr/>
-                        </p:nvSpPr>
-                        <p:spPr>
-                          <a:xfrm>
-                            <a:off x="785815" y="912420"/>
-                            <a:ext cx="371385" cy="369333"/>
-                          </a:xfrm>
-                          <a:prstGeom prst="rect">
-                            <a:avLst/>
-                          </a:prstGeom>
-                        </p:spPr>
-                        <p:txBody>
-                          <a:bodyPr wrap="none">
-                            <a:spAutoFit/>
-                          </a:bodyPr>
-                          <a:lstStyle/>
-                          <a:p>
-                            <a:pPr/>
-                            <a14:m>
-                              <m:oMathPara xmlns:m="http://schemas.openxmlformats.org/officeDocument/2006/math">
-                                <m:oMathParaPr>
-                                  <m:jc m:val="centerGroup"/>
-                                </m:oMathParaPr>
-                                <m:oMath xmlns:m="http://schemas.openxmlformats.org/officeDocument/2006/math">
-                                  <m:r>
-                                    <a:rPr lang="en-US" b="0" i="1" smtClean="0">
-                                      <a:latin typeface="Cambria Math" panose="02040503050406030204" pitchFamily="18" charset="0"/>
-                                    </a:rPr>
-                                    <m:t>𝑦</m:t>
-                                  </m:r>
-                                </m:oMath>
-                              </m:oMathPara>
-                            </a14:m>
-                            <a:endParaRPr lang="en-CA" dirty="0"/>
-                          </a:p>
-                        </p:txBody>
-                      </p:sp>
-                    </mc:Choice>
-                    <mc:Fallback xmlns="">
-                      <p:sp>
-                        <p:nvSpPr>
-                          <p:cNvPr id="108" name="Rectangle 107"/>
-                          <p:cNvSpPr>
-                            <a:spLocks noRot="1" noChangeAspect="1" noMove="1" noResize="1" noEditPoints="1" noAdjustHandles="1" noChangeArrowheads="1" noChangeShapeType="1" noTextEdit="1"/>
-                          </p:cNvSpPr>
-                          <p:nvPr/>
-                        </p:nvSpPr>
-                        <p:spPr>
-                          <a:xfrm>
-                            <a:off x="785815" y="912420"/>
-                            <a:ext cx="371385" cy="369333"/>
-                          </a:xfrm>
-                          <a:prstGeom prst="rect">
-                            <a:avLst/>
-                          </a:prstGeom>
-                          <a:blipFill>
-                            <a:blip r:embed="rId28"/>
-                            <a:stretch>
-                              <a:fillRect l="-19048" r="-114286" b="-220000"/>
-                            </a:stretch>
-                          </a:blipFill>
-                        </p:spPr>
-                        <p:txBody>
-                          <a:bodyPr/>
-                          <a:lstStyle/>
-                          <a:p>
-                            <a:r>
-                              <a:rPr lang="en-US">
-                                <a:noFill/>
-                              </a:rPr>
-                              <a:t> </a:t>
-                            </a:r>
-                          </a:p>
-                        </p:txBody>
-                      </p:sp>
-                    </mc:Fallback>
-                  </mc:AlternateContent>
-                  <mc:AlternateContent xmlns:mc="http://schemas.openxmlformats.org/markup-compatibility/2006" xmlns:a14="http://schemas.microsoft.com/office/drawing/2010/main">
-                    <mc:Choice Requires="a14">
-                      <p:sp>
-                        <p:nvSpPr>
-                          <p:cNvPr id="33" name="Rectangle 32"/>
-                          <p:cNvSpPr/>
-                          <p:nvPr/>
-                        </p:nvSpPr>
-                        <p:spPr>
-                          <a:xfrm>
-                            <a:off x="828630" y="1748951"/>
-                            <a:ext cx="804975" cy="1110919"/>
-                          </a:xfrm>
-                          <a:prstGeom prst="rect">
-                            <a:avLst/>
-                          </a:prstGeom>
-                        </p:spPr>
-                        <p:txBody>
-                          <a:bodyPr wrap="square">
-                            <a:spAutoFit/>
-                          </a:bodyPr>
-                          <a:lstStyle/>
-                          <a:p>
-                            <a:pPr/>
-                            <a14:m>
-                              <m:oMathPara xmlns:m="http://schemas.openxmlformats.org/officeDocument/2006/math">
-                                <m:oMathParaPr>
-                                  <m:jc m:val="centerGroup"/>
-                                </m:oMathParaPr>
-                                <m:oMath xmlns:m="http://schemas.openxmlformats.org/officeDocument/2006/math">
-                                  <m:r>
-                                    <a:rPr lang="en-US" b="0" i="1" smtClean="0">
-                                      <a:latin typeface="Cambria Math" panose="02040503050406030204" pitchFamily="18" charset="0"/>
-                                      <a:cs typeface="Arial" panose="020B0604020202020204" pitchFamily="34" charset="0"/>
-                                    </a:rPr>
-                                    <m:t>0</m:t>
-                                  </m:r>
-                                </m:oMath>
-                              </m:oMathPara>
-                            </a14:m>
-                            <a:endParaRPr lang="en-CA" dirty="0"/>
-                          </a:p>
-                        </p:txBody>
-                      </p:sp>
-                    </mc:Choice>
-                    <mc:Fallback xmlns="">
-                      <p:sp>
-                        <p:nvSpPr>
-                          <p:cNvPr id="33" name="Rectangle 32"/>
-                          <p:cNvSpPr>
-                            <a:spLocks noRot="1" noChangeAspect="1" noMove="1" noResize="1" noEditPoints="1" noAdjustHandles="1" noChangeArrowheads="1" noChangeShapeType="1" noTextEdit="1"/>
-                          </p:cNvSpPr>
-                          <p:nvPr/>
-                        </p:nvSpPr>
-                        <p:spPr>
-                          <a:xfrm>
-                            <a:off x="828630" y="1748951"/>
-                            <a:ext cx="804975" cy="1110919"/>
-                          </a:xfrm>
-                          <a:prstGeom prst="rect">
-                            <a:avLst/>
-                          </a:prstGeom>
-                          <a:blipFill>
-                            <a:blip r:embed="rId38"/>
-                            <a:stretch>
-                              <a:fillRect r="-8696"/>
-                            </a:stretch>
-                          </a:blipFill>
-                        </p:spPr>
-                        <p:txBody>
-                          <a:bodyPr/>
-                          <a:lstStyle/>
-                          <a:p>
-                            <a:r>
-                              <a:rPr lang="en-US">
-                                <a:noFill/>
-                              </a:rPr>
-                              <a:t> </a:t>
-                            </a:r>
-                          </a:p>
-                        </p:txBody>
-                      </p:sp>
-                    </mc:Fallback>
-                  </mc:AlternateContent>
-                </p:grpSp>
-                <p:sp>
-                  <p:nvSpPr>
-                    <p:cNvPr id="28" name="Rectangle 27"/>
-                    <p:cNvSpPr/>
-                    <p:nvPr/>
-                  </p:nvSpPr>
-                  <p:spPr>
-                    <a:xfrm>
-                      <a:off x="1129904" y="1614682"/>
-                      <a:ext cx="184731" cy="369332"/>
-                    </a:xfrm>
-                    <a:prstGeom prst="rect">
-                      <a:avLst/>
-                    </a:prstGeom>
-                  </p:spPr>
-                  <p:txBody>
-                    <a:bodyPr wrap="none">
-                      <a:spAutoFit/>
-                    </a:bodyPr>
-                    <a:lstStyle/>
-                    <a:p>
-                      <a:endParaRPr lang="en-CA" dirty="0"/>
-                    </a:p>
-                  </p:txBody>
-                </p:sp>
-              </p:grpSp>
-            </p:grpSp>
-            <mc:AlternateContent xmlns:mc="http://schemas.openxmlformats.org/markup-compatibility/2006" xmlns:a14="http://schemas.microsoft.com/office/drawing/2010/main">
-              <mc:Choice Requires="a14">
-                <p:sp>
-                  <p:nvSpPr>
-                    <p:cNvPr id="35" name="TextBox 34"/>
-                    <p:cNvSpPr txBox="1"/>
-                    <p:nvPr/>
-                  </p:nvSpPr>
-                  <p:spPr>
-                    <a:xfrm>
-                      <a:off x="1107542" y="1285560"/>
-                      <a:ext cx="562899" cy="307777"/>
-                    </a:xfrm>
-                    <a:prstGeom prst="rect">
-                      <a:avLst/>
-                    </a:prstGeom>
-                    <a:noFill/>
-                  </p:spPr>
-                  <p:txBody>
-                    <a:bodyPr wrap="square" lIns="0" tIns="0" rIns="0" bIns="0" rtlCol="0">
-                      <a:spAutoFit/>
-                    </a:bodyPr>
-                    <a:lstStyle/>
-                    <a:p>
-                      <a:pPr/>
-                      <a14:m>
-                        <m:oMathPara xmlns:m="http://schemas.openxmlformats.org/officeDocument/2006/math">
-                          <m:oMathParaPr>
-                            <m:jc m:val="centerGroup"/>
-                          </m:oMathParaPr>
-                          <m:oMath xmlns:m="http://schemas.openxmlformats.org/officeDocument/2006/math">
-                            <m:r>
-                              <a:rPr lang="en-US" sz="2000" b="0" i="1" smtClean="0">
-                                <a:latin typeface="Cambria Math" panose="02040503050406030204" pitchFamily="18" charset="0"/>
-                                <a:cs typeface="Arial" panose="020B0604020202020204" pitchFamily="34" charset="0"/>
-                              </a:rPr>
-                              <m:t>𝑚</m:t>
-                            </m:r>
-                          </m:oMath>
-                        </m:oMathPara>
-                      </a14:m>
-                      <a:endParaRPr lang="en-US" sz="2000" dirty="0" smtClean="0">
-                        <a:latin typeface="Arial" panose="020B0604020202020204" pitchFamily="34" charset="0"/>
-                        <a:cs typeface="Arial" panose="020B0604020202020204" pitchFamily="34" charset="0"/>
-                      </a:endParaRPr>
-                    </a:p>
-                  </p:txBody>
-                </p:sp>
-              </mc:Choice>
-              <mc:Fallback xmlns="">
-                <p:sp>
-                  <p:nvSpPr>
-                    <p:cNvPr id="35" name="TextBox 34"/>
-                    <p:cNvSpPr txBox="1">
-                      <a:spLocks noRot="1" noChangeAspect="1" noMove="1" noResize="1" noEditPoints="1" noAdjustHandles="1" noChangeArrowheads="1" noChangeShapeType="1" noTextEdit="1"/>
-                    </p:cNvSpPr>
-                    <p:nvPr/>
-                  </p:nvSpPr>
-                  <p:spPr>
-                    <a:xfrm>
-                      <a:off x="1107542" y="1285560"/>
-                      <a:ext cx="562899" cy="307777"/>
-                    </a:xfrm>
-                    <a:prstGeom prst="rect">
-                      <a:avLst/>
-                    </a:prstGeom>
-                    <a:blipFill>
-                      <a:blip r:embed="rId39"/>
-                      <a:stretch>
-                        <a:fillRect b="-2000"/>
-                      </a:stretch>
-                    </a:blipFill>
-                  </p:spPr>
-                  <p:txBody>
-                    <a:bodyPr/>
-                    <a:lstStyle/>
-                    <a:p>
-                      <a:r>
-                        <a:rPr lang="en-US">
-                          <a:noFill/>
-                        </a:rPr>
-                        <a:t> </a:t>
-                      </a:r>
-                    </a:p>
-                  </p:txBody>
-                </p:sp>
-              </mc:Fallback>
-            </mc:AlternateContent>
-            <mc:AlternateContent xmlns:mc="http://schemas.openxmlformats.org/markup-compatibility/2006" xmlns:a14="http://schemas.microsoft.com/office/drawing/2010/main">
-              <mc:Choice Requires="a14">
-                <p:sp>
-                  <p:nvSpPr>
-                    <p:cNvPr id="36" name="TextBox 35"/>
-                    <p:cNvSpPr txBox="1"/>
-                    <p:nvPr/>
-                  </p:nvSpPr>
-                  <p:spPr>
-                    <a:xfrm>
-                      <a:off x="3066490" y="1285559"/>
-                      <a:ext cx="562899" cy="307777"/>
-                    </a:xfrm>
-                    <a:prstGeom prst="rect">
-                      <a:avLst/>
-                    </a:prstGeom>
-                    <a:noFill/>
-                  </p:spPr>
-                  <p:txBody>
-                    <a:bodyPr wrap="square" lIns="0" tIns="0" rIns="0" bIns="0" rtlCol="0">
-                      <a:spAutoFit/>
-                    </a:bodyPr>
-                    <a:lstStyle/>
-                    <a:p>
-                      <a:pPr/>
-                      <a14:m>
-                        <m:oMathPara xmlns:m="http://schemas.openxmlformats.org/officeDocument/2006/math">
-                          <m:oMathParaPr>
-                            <m:jc m:val="centerGroup"/>
-                          </m:oMathParaPr>
-                          <m:oMath xmlns:m="http://schemas.openxmlformats.org/officeDocument/2006/math">
-                            <m:r>
-                              <a:rPr lang="en-US" sz="2000" b="0" i="1" smtClean="0">
-                                <a:latin typeface="Cambria Math" panose="02040503050406030204" pitchFamily="18" charset="0"/>
-                                <a:cs typeface="Arial" panose="020B0604020202020204" pitchFamily="34" charset="0"/>
-                              </a:rPr>
-                              <m:t>𝑚</m:t>
-                            </m:r>
-                          </m:oMath>
-                        </m:oMathPara>
-                      </a14:m>
-                      <a:endParaRPr lang="en-US" sz="2000" dirty="0" smtClean="0">
-                        <a:latin typeface="Arial" panose="020B0604020202020204" pitchFamily="34" charset="0"/>
-                        <a:cs typeface="Arial" panose="020B0604020202020204" pitchFamily="34" charset="0"/>
-                      </a:endParaRPr>
-                    </a:p>
-                  </p:txBody>
-                </p:sp>
-              </mc:Choice>
-              <mc:Fallback xmlns="">
-                <p:sp>
-                  <p:nvSpPr>
-                    <p:cNvPr id="36" name="TextBox 35"/>
-                    <p:cNvSpPr txBox="1">
-                      <a:spLocks noRot="1" noChangeAspect="1" noMove="1" noResize="1" noEditPoints="1" noAdjustHandles="1" noChangeArrowheads="1" noChangeShapeType="1" noTextEdit="1"/>
-                    </p:cNvSpPr>
-                    <p:nvPr/>
-                  </p:nvSpPr>
-                  <p:spPr>
-                    <a:xfrm>
-                      <a:off x="3066490" y="1285559"/>
-                      <a:ext cx="562899" cy="307777"/>
-                    </a:xfrm>
-                    <a:prstGeom prst="rect">
-                      <a:avLst/>
-                    </a:prstGeom>
-                    <a:blipFill>
-                      <a:blip r:embed="rId40"/>
-                      <a:stretch>
-                        <a:fillRect b="-2000"/>
-                      </a:stretch>
-                    </a:blipFill>
-                  </p:spPr>
-                  <p:txBody>
-                    <a:bodyPr/>
-                    <a:lstStyle/>
-                    <a:p>
-                      <a:r>
-                        <a:rPr lang="en-US">
-                          <a:noFill/>
-                        </a:rPr>
-                        <a:t> </a:t>
-                      </a:r>
-                    </a:p>
-                  </p:txBody>
-                </p:sp>
-              </mc:Fallback>
-            </mc:AlternateContent>
-            <mc:AlternateContent xmlns:mc="http://schemas.openxmlformats.org/markup-compatibility/2006" xmlns:a14="http://schemas.microsoft.com/office/drawing/2010/main">
-              <mc:Choice Requires="a14">
-                <p:sp>
-                  <p:nvSpPr>
-                    <p:cNvPr id="37" name="TextBox 36"/>
-                    <p:cNvSpPr txBox="1"/>
-                    <p:nvPr/>
-                  </p:nvSpPr>
-                  <p:spPr>
-                    <a:xfrm>
-                      <a:off x="5013520" y="1285558"/>
-                      <a:ext cx="562899" cy="307777"/>
-                    </a:xfrm>
-                    <a:prstGeom prst="rect">
-                      <a:avLst/>
-                    </a:prstGeom>
-                    <a:noFill/>
-                  </p:spPr>
-                  <p:txBody>
-                    <a:bodyPr wrap="square" lIns="0" tIns="0" rIns="0" bIns="0" rtlCol="0">
-                      <a:spAutoFit/>
-                    </a:bodyPr>
-                    <a:lstStyle/>
-                    <a:p>
-                      <a:pPr/>
-                      <a14:m>
-                        <m:oMathPara xmlns:m="http://schemas.openxmlformats.org/officeDocument/2006/math">
-                          <m:oMathParaPr>
-                            <m:jc m:val="centerGroup"/>
-                          </m:oMathParaPr>
-                          <m:oMath xmlns:m="http://schemas.openxmlformats.org/officeDocument/2006/math">
-                            <m:r>
-                              <a:rPr lang="en-US" sz="2000" b="0" i="1" smtClean="0">
-                                <a:latin typeface="Cambria Math" panose="02040503050406030204" pitchFamily="18" charset="0"/>
-                                <a:cs typeface="Arial" panose="020B0604020202020204" pitchFamily="34" charset="0"/>
-                              </a:rPr>
-                              <m:t>𝑚</m:t>
-                            </m:r>
-                          </m:oMath>
-                        </m:oMathPara>
-                      </a14:m>
-                      <a:endParaRPr lang="en-US" sz="2000" dirty="0" smtClean="0">
-                        <a:latin typeface="Arial" panose="020B0604020202020204" pitchFamily="34" charset="0"/>
-                        <a:cs typeface="Arial" panose="020B0604020202020204" pitchFamily="34" charset="0"/>
-                      </a:endParaRPr>
-                    </a:p>
-                  </p:txBody>
-                </p:sp>
-              </mc:Choice>
-              <mc:Fallback xmlns="">
-                <p:sp>
-                  <p:nvSpPr>
-                    <p:cNvPr id="37" name="TextBox 36"/>
-                    <p:cNvSpPr txBox="1">
-                      <a:spLocks noRot="1" noChangeAspect="1" noMove="1" noResize="1" noEditPoints="1" noAdjustHandles="1" noChangeArrowheads="1" noChangeShapeType="1" noTextEdit="1"/>
-                    </p:cNvSpPr>
-                    <p:nvPr/>
-                  </p:nvSpPr>
-                  <p:spPr>
-                    <a:xfrm>
-                      <a:off x="5013520" y="1285558"/>
-                      <a:ext cx="562899" cy="307777"/>
-                    </a:xfrm>
-                    <a:prstGeom prst="rect">
-                      <a:avLst/>
-                    </a:prstGeom>
-                    <a:blipFill>
-                      <a:blip r:embed="rId41"/>
-                      <a:stretch>
-                        <a:fillRect b="-2000"/>
-                      </a:stretch>
-                    </a:blipFill>
-                  </p:spPr>
-                  <p:txBody>
-                    <a:bodyPr/>
-                    <a:lstStyle/>
-                    <a:p>
-                      <a:r>
-                        <a:rPr lang="en-US">
-                          <a:noFill/>
-                        </a:rPr>
-                        <a:t> </a:t>
-                      </a:r>
-                    </a:p>
-                  </p:txBody>
-                </p:sp>
-              </mc:Fallback>
-            </mc:AlternateContent>
-          </p:grpSp>
-          <mc:AlternateContent xmlns:mc="http://schemas.openxmlformats.org/markup-compatibility/2006" xmlns:a14="http://schemas.microsoft.com/office/drawing/2010/main">
-            <mc:Choice Requires="a14">
-              <p:sp>
-                <p:nvSpPr>
-                  <p:cNvPr id="61" name="TextBox 60"/>
-                  <p:cNvSpPr txBox="1"/>
-                  <p:nvPr/>
-                </p:nvSpPr>
-                <p:spPr>
-                  <a:xfrm>
-                    <a:off x="1415508" y="620266"/>
-                    <a:ext cx="1267848" cy="307777"/>
-                  </a:xfrm>
-                  <a:prstGeom prst="rect">
-                    <a:avLst/>
-                  </a:prstGeom>
-                  <a:noFill/>
-                </p:spPr>
-                <p:txBody>
-                  <a:bodyPr wrap="none" lIns="0" tIns="0" rIns="0" bIns="0" rtlCol="0">
-                    <a:spAutoFit/>
-                  </a:bodyPr>
-                  <a:lstStyle/>
-                  <a:p>
-                    <a:pPr/>
-                    <a14:m>
-                      <m:oMathPara xmlns:m="http://schemas.openxmlformats.org/officeDocument/2006/math">
-                        <m:oMathParaPr>
-                          <m:jc m:val="centerGroup"/>
-                        </m:oMathParaPr>
-                        <m:oMath xmlns:m="http://schemas.openxmlformats.org/officeDocument/2006/math">
-                          <m:r>
-                            <a:rPr lang="en-US" sz="2000" b="0" i="1" smtClean="0">
-                              <a:latin typeface="Cambria Math" panose="02040503050406030204" pitchFamily="18" charset="0"/>
-                              <a:cs typeface="Arial" panose="020B0604020202020204" pitchFamily="34" charset="0"/>
-                            </a:rPr>
-                            <m:t>𝑠𝑒𝑔𝑚𝑒𝑛𝑡</m:t>
-                          </m:r>
-                          <m:r>
-                            <a:rPr lang="en-US" sz="2000" b="0" i="1" smtClean="0">
-                              <a:latin typeface="Cambria Math" panose="02040503050406030204" pitchFamily="18" charset="0"/>
-                              <a:cs typeface="Arial" panose="020B0604020202020204" pitchFamily="34" charset="0"/>
-                            </a:rPr>
-                            <m:t> 1</m:t>
-                          </m:r>
-                        </m:oMath>
-                      </m:oMathPara>
-                    </a14:m>
-                    <a:endParaRPr lang="en-US" sz="2000" dirty="0" smtClean="0">
-                      <a:latin typeface="Arial" panose="020B0604020202020204" pitchFamily="34" charset="0"/>
-                      <a:cs typeface="Arial" panose="020B0604020202020204" pitchFamily="34" charset="0"/>
-                    </a:endParaRPr>
-                  </a:p>
-                </p:txBody>
-              </p:sp>
-            </mc:Choice>
-            <mc:Fallback xmlns="">
-              <p:sp>
-                <p:nvSpPr>
-                  <p:cNvPr id="61" name="TextBox 60"/>
-                  <p:cNvSpPr txBox="1">
-                    <a:spLocks noRot="1" noChangeAspect="1" noMove="1" noResize="1" noEditPoints="1" noAdjustHandles="1" noChangeArrowheads="1" noChangeShapeType="1" noTextEdit="1"/>
-                  </p:cNvSpPr>
-                  <p:nvPr/>
-                </p:nvSpPr>
-                <p:spPr>
-                  <a:xfrm>
-                    <a:off x="1415508" y="620266"/>
-                    <a:ext cx="1267848" cy="307777"/>
-                  </a:xfrm>
-                  <a:prstGeom prst="rect">
-                    <a:avLst/>
-                  </a:prstGeom>
-                  <a:blipFill>
-                    <a:blip r:embed="rId42"/>
-                    <a:stretch>
-                      <a:fillRect l="-4808" r="-3846" b="-34000"/>
-                    </a:stretch>
-                  </a:blipFill>
-                </p:spPr>
-                <p:txBody>
-                  <a:bodyPr/>
-                  <a:lstStyle/>
-                  <a:p>
-                    <a:r>
-                      <a:rPr lang="en-US">
-                        <a:noFill/>
-                      </a:rPr>
-                      <a:t> </a:t>
-                    </a:r>
-                  </a:p>
-                </p:txBody>
-              </p:sp>
-            </mc:Fallback>
-          </mc:AlternateContent>
-          <mc:AlternateContent xmlns:mc="http://schemas.openxmlformats.org/markup-compatibility/2006" xmlns:a14="http://schemas.microsoft.com/office/drawing/2010/main">
-            <mc:Choice Requires="a14">
-              <p:sp>
-                <p:nvSpPr>
-                  <p:cNvPr id="62" name="TextBox 61"/>
-                  <p:cNvSpPr txBox="1"/>
-                  <p:nvPr/>
-                </p:nvSpPr>
-                <p:spPr>
-                  <a:xfrm>
-                    <a:off x="3352636" y="616453"/>
-                    <a:ext cx="1267848" cy="307777"/>
-                  </a:xfrm>
-                  <a:prstGeom prst="rect">
-                    <a:avLst/>
-                  </a:prstGeom>
-                  <a:noFill/>
-                </p:spPr>
-                <p:txBody>
-                  <a:bodyPr wrap="none" lIns="0" tIns="0" rIns="0" bIns="0" rtlCol="0">
-                    <a:spAutoFit/>
-                  </a:bodyPr>
-                  <a:lstStyle/>
-                  <a:p>
-                    <a:pPr/>
-                    <a14:m>
-                      <m:oMathPara xmlns:m="http://schemas.openxmlformats.org/officeDocument/2006/math">
-                        <m:oMathParaPr>
-                          <m:jc m:val="centerGroup"/>
-                        </m:oMathParaPr>
-                        <m:oMath xmlns:m="http://schemas.openxmlformats.org/officeDocument/2006/math">
-                          <m:r>
-                            <a:rPr lang="en-US" sz="2000" b="0" i="1" smtClean="0">
-                              <a:latin typeface="Cambria Math" panose="02040503050406030204" pitchFamily="18" charset="0"/>
-                              <a:cs typeface="Arial" panose="020B0604020202020204" pitchFamily="34" charset="0"/>
-                            </a:rPr>
-                            <m:t>𝑠𝑒𝑔𝑚𝑒𝑛𝑡</m:t>
-                          </m:r>
-                          <m:r>
-                            <a:rPr lang="en-US" sz="2000" b="0" i="1" smtClean="0">
-                              <a:latin typeface="Cambria Math" panose="02040503050406030204" pitchFamily="18" charset="0"/>
-                              <a:cs typeface="Arial" panose="020B0604020202020204" pitchFamily="34" charset="0"/>
-                            </a:rPr>
-                            <m:t> 2</m:t>
-                          </m:r>
-                        </m:oMath>
-                      </m:oMathPara>
-                    </a14:m>
-                    <a:endParaRPr lang="en-US" sz="2000" dirty="0" smtClean="0">
-                      <a:latin typeface="Arial" panose="020B0604020202020204" pitchFamily="34" charset="0"/>
-                      <a:cs typeface="Arial" panose="020B0604020202020204" pitchFamily="34" charset="0"/>
-                    </a:endParaRPr>
-                  </a:p>
-                </p:txBody>
-              </p:sp>
-            </mc:Choice>
-            <mc:Fallback xmlns="">
-              <p:sp>
-                <p:nvSpPr>
-                  <p:cNvPr id="62" name="TextBox 61"/>
-                  <p:cNvSpPr txBox="1">
-                    <a:spLocks noRot="1" noChangeAspect="1" noMove="1" noResize="1" noEditPoints="1" noAdjustHandles="1" noChangeArrowheads="1" noChangeShapeType="1" noTextEdit="1"/>
-                  </p:cNvSpPr>
-                  <p:nvPr/>
-                </p:nvSpPr>
-                <p:spPr>
-                  <a:xfrm>
-                    <a:off x="3352636" y="616453"/>
-                    <a:ext cx="1267848" cy="307777"/>
-                  </a:xfrm>
-                  <a:prstGeom prst="rect">
-                    <a:avLst/>
-                  </a:prstGeom>
-                  <a:blipFill>
-                    <a:blip r:embed="rId43"/>
-                    <a:stretch>
-                      <a:fillRect l="-5288" r="-3365" b="-33333"/>
-                    </a:stretch>
-                  </a:blipFill>
-                </p:spPr>
-                <p:txBody>
-                  <a:bodyPr/>
-                  <a:lstStyle/>
-                  <a:p>
-                    <a:r>
-                      <a:rPr lang="en-US">
-                        <a:noFill/>
-                      </a:rPr>
-                      <a:t> </a:t>
-                    </a:r>
-                  </a:p>
-                </p:txBody>
-              </p:sp>
-            </mc:Fallback>
-          </mc:AlternateContent>
-          <mc:AlternateContent xmlns:mc="http://schemas.openxmlformats.org/markup-compatibility/2006" xmlns:a14="http://schemas.microsoft.com/office/drawing/2010/main">
-            <mc:Choice Requires="a14">
-              <p:sp>
-                <p:nvSpPr>
-                  <p:cNvPr id="63" name="TextBox 62"/>
-                  <p:cNvSpPr txBox="1"/>
-                  <p:nvPr/>
-                </p:nvSpPr>
-                <p:spPr>
-                  <a:xfrm>
-                    <a:off x="5289764" y="615322"/>
-                    <a:ext cx="1267848" cy="307777"/>
-                  </a:xfrm>
-                  <a:prstGeom prst="rect">
-                    <a:avLst/>
-                  </a:prstGeom>
-                  <a:noFill/>
-                </p:spPr>
-                <p:txBody>
-                  <a:bodyPr wrap="none" lIns="0" tIns="0" rIns="0" bIns="0" rtlCol="0">
-                    <a:spAutoFit/>
-                  </a:bodyPr>
-                  <a:lstStyle/>
-                  <a:p>
-                    <a:pPr/>
-                    <a14:m>
-                      <m:oMathPara xmlns:m="http://schemas.openxmlformats.org/officeDocument/2006/math">
-                        <m:oMathParaPr>
-                          <m:jc m:val="centerGroup"/>
-                        </m:oMathParaPr>
-                        <m:oMath xmlns:m="http://schemas.openxmlformats.org/officeDocument/2006/math">
-                          <m:r>
-                            <a:rPr lang="en-US" sz="2000" b="0" i="1" smtClean="0">
-                              <a:latin typeface="Cambria Math" panose="02040503050406030204" pitchFamily="18" charset="0"/>
-                              <a:cs typeface="Arial" panose="020B0604020202020204" pitchFamily="34" charset="0"/>
-                            </a:rPr>
-                            <m:t>𝑠𝑒𝑔𝑚𝑒𝑛𝑡</m:t>
-                          </m:r>
-                          <m:r>
-                            <a:rPr lang="en-US" sz="2000" b="0" i="1" smtClean="0">
-                              <a:latin typeface="Cambria Math" panose="02040503050406030204" pitchFamily="18" charset="0"/>
-                              <a:cs typeface="Arial" panose="020B0604020202020204" pitchFamily="34" charset="0"/>
-                            </a:rPr>
-                            <m:t> 3</m:t>
-                          </m:r>
-                        </m:oMath>
-                      </m:oMathPara>
-                    </a14:m>
-                    <a:endParaRPr lang="en-US" sz="2000" dirty="0" smtClean="0">
-                      <a:latin typeface="Arial" panose="020B0604020202020204" pitchFamily="34" charset="0"/>
-                      <a:cs typeface="Arial" panose="020B0604020202020204" pitchFamily="34" charset="0"/>
-                    </a:endParaRPr>
-                  </a:p>
-                </p:txBody>
-              </p:sp>
-            </mc:Choice>
-            <mc:Fallback xmlns="">
-              <p:sp>
-                <p:nvSpPr>
-                  <p:cNvPr id="63" name="TextBox 62"/>
-                  <p:cNvSpPr txBox="1">
-                    <a:spLocks noRot="1" noChangeAspect="1" noMove="1" noResize="1" noEditPoints="1" noAdjustHandles="1" noChangeArrowheads="1" noChangeShapeType="1" noTextEdit="1"/>
-                  </p:cNvSpPr>
-                  <p:nvPr/>
-                </p:nvSpPr>
-                <p:spPr>
-                  <a:xfrm>
-                    <a:off x="5289764" y="615322"/>
-                    <a:ext cx="1267848" cy="307777"/>
-                  </a:xfrm>
-                  <a:prstGeom prst="rect">
-                    <a:avLst/>
-                  </a:prstGeom>
-                  <a:blipFill>
-                    <a:blip r:embed="rId44"/>
-                    <a:stretch>
-                      <a:fillRect l="-5288" r="-3365" b="-34000"/>
-                    </a:stretch>
-                  </a:blipFill>
-                </p:spPr>
-                <p:txBody>
-                  <a:bodyPr/>
-                  <a:lstStyle/>
-                  <a:p>
-                    <a:r>
-                      <a:rPr lang="en-US">
-                        <a:noFill/>
-                      </a:rPr>
-                      <a:t> </a:t>
-                    </a:r>
-                  </a:p>
-                </p:txBody>
-              </p:sp>
-            </mc:Fallback>
-          </mc:AlternateContent>
-        </p:grpSp>
-        <mc:AlternateContent xmlns:mc="http://schemas.openxmlformats.org/markup-compatibility/2006" xmlns:a14="http://schemas.microsoft.com/office/drawing/2010/main">
-          <mc:Choice Requires="a14">
-            <p:sp>
-              <p:nvSpPr>
-                <p:cNvPr id="65" name="TextBox 64"/>
-                <p:cNvSpPr txBox="1"/>
-                <p:nvPr/>
-              </p:nvSpPr>
-              <p:spPr>
-                <a:xfrm>
-                  <a:off x="951479" y="2953599"/>
-                  <a:ext cx="261343" cy="317240"/>
-                </a:xfrm>
-                <a:prstGeom prst="rect">
-                  <a:avLst/>
-                </a:prstGeom>
-                <a:noFill/>
-              </p:spPr>
-              <p:txBody>
-                <a:bodyPr wrap="square" lIns="0" tIns="0" rIns="0" bIns="0" rtlCol="0">
-                  <a:spAutoFit/>
-                </a:bodyPr>
-                <a:lstStyle/>
-                <a:p>
-                  <a:pPr/>
-                  <a14:m>
-                    <m:oMathPara xmlns:m="http://schemas.openxmlformats.org/officeDocument/2006/math">
-                      <m:oMathParaPr>
-                        <m:jc m:val="centerGroup"/>
-                      </m:oMathParaPr>
-                      <m:oMath xmlns:m="http://schemas.openxmlformats.org/officeDocument/2006/math">
-                        <m:sSub>
-                          <m:sSubPr>
-                            <m:ctrlPr>
-                              <a:rPr lang="en-US" sz="2000" b="0" i="1" smtClean="0">
-                                <a:latin typeface="Cambria Math" panose="02040503050406030204" pitchFamily="18" charset="0"/>
-                                <a:cs typeface="Arial" panose="020B0604020202020204" pitchFamily="34" charset="0"/>
-                              </a:rPr>
-                            </m:ctrlPr>
-                          </m:sSubPr>
-                          <m:e>
-                            <m:r>
-                              <a:rPr lang="en-US" sz="2000" b="0" i="1" smtClean="0">
-                                <a:latin typeface="Cambria Math" panose="02040503050406030204" pitchFamily="18" charset="0"/>
-                                <a:cs typeface="Arial" panose="020B0604020202020204" pitchFamily="34" charset="0"/>
-                              </a:rPr>
-                              <m:t>𝑥</m:t>
-                            </m:r>
-                          </m:e>
-                          <m:sub>
-                            <m:r>
-                              <a:rPr lang="en-US" sz="2000" b="0" i="1" smtClean="0">
-                                <a:latin typeface="Cambria Math" panose="02040503050406030204" pitchFamily="18" charset="0"/>
-                                <a:cs typeface="Arial" panose="020B0604020202020204" pitchFamily="34" charset="0"/>
-                              </a:rPr>
-                              <m:t>0</m:t>
-                            </m:r>
-                          </m:sub>
-                        </m:sSub>
-                      </m:oMath>
-                    </m:oMathPara>
-                  </a14:m>
-                  <a:endParaRPr lang="en-US" sz="2000" dirty="0" smtClean="0">
-                    <a:latin typeface="Arial" panose="020B0604020202020204" pitchFamily="34" charset="0"/>
-                    <a:cs typeface="Arial" panose="020B0604020202020204" pitchFamily="34" charset="0"/>
-                  </a:endParaRPr>
-                </a:p>
-              </p:txBody>
-            </p:sp>
-          </mc:Choice>
-          <mc:Fallback xmlns="">
-            <p:sp>
-              <p:nvSpPr>
-                <p:cNvPr id="65" name="TextBox 64"/>
-                <p:cNvSpPr txBox="1">
-                  <a:spLocks noRot="1" noChangeAspect="1" noMove="1" noResize="1" noEditPoints="1" noAdjustHandles="1" noChangeArrowheads="1" noChangeShapeType="1" noTextEdit="1"/>
-                </p:cNvSpPr>
-                <p:nvPr/>
-              </p:nvSpPr>
-              <p:spPr>
-                <a:xfrm>
-                  <a:off x="951479" y="2953599"/>
-                  <a:ext cx="261343" cy="317240"/>
-                </a:xfrm>
-                <a:prstGeom prst="rect">
-                  <a:avLst/>
-                </a:prstGeom>
-                <a:blipFill>
-                  <a:blip r:embed="rId45"/>
-                  <a:stretch>
-                    <a:fillRect l="-20930" r="-20930" b="-15385"/>
-                  </a:stretch>
-                </a:blipFill>
-              </p:spPr>
-              <p:txBody>
-                <a:bodyPr/>
-                <a:lstStyle/>
-                <a:p>
-                  <a:r>
-                    <a:rPr lang="en-US">
-                      <a:noFill/>
-                    </a:rPr>
-                    <a:t> </a:t>
-                  </a:r>
-                </a:p>
-              </p:txBody>
-            </p:sp>
-          </mc:Fallback>
-        </mc:AlternateContent>
-        <mc:AlternateContent xmlns:mc="http://schemas.openxmlformats.org/markup-compatibility/2006" xmlns:a14="http://schemas.microsoft.com/office/drawing/2010/main">
-          <mc:Choice Requires="a14">
-            <p:sp>
-              <p:nvSpPr>
-                <p:cNvPr id="67" name="TextBox 66"/>
-                <p:cNvSpPr txBox="1"/>
-                <p:nvPr/>
-              </p:nvSpPr>
-              <p:spPr>
-                <a:xfrm>
-                  <a:off x="2930165" y="2958330"/>
-                  <a:ext cx="317972" cy="307777"/>
-                </a:xfrm>
-                <a:prstGeom prst="rect">
-                  <a:avLst/>
-                </a:prstGeom>
-                <a:noFill/>
-              </p:spPr>
-              <p:txBody>
-                <a:bodyPr wrap="none" lIns="0" tIns="0" rIns="0" bIns="0" rtlCol="0">
-                  <a:spAutoFit/>
-                </a:bodyPr>
-                <a:lstStyle/>
-                <a:p>
-                  <a:pPr/>
-                  <a14:m>
-                    <m:oMathPara xmlns:m="http://schemas.openxmlformats.org/officeDocument/2006/math">
-                      <m:oMathParaPr>
-                        <m:jc m:val="centerGroup"/>
-                      </m:oMathParaPr>
-                      <m:oMath xmlns:m="http://schemas.openxmlformats.org/officeDocument/2006/math">
-                        <m:sSub>
-                          <m:sSubPr>
-                            <m:ctrlPr>
-                              <a:rPr lang="en-US" sz="2000" b="0" i="1" smtClean="0">
-                                <a:latin typeface="Cambria Math" panose="02040503050406030204" pitchFamily="18" charset="0"/>
-                                <a:cs typeface="Arial" panose="020B0604020202020204" pitchFamily="34" charset="0"/>
-                              </a:rPr>
-                            </m:ctrlPr>
-                          </m:sSubPr>
-                          <m:e>
-                            <m:r>
-                              <a:rPr lang="en-US" sz="2000" b="0" i="1" smtClean="0">
-                                <a:latin typeface="Cambria Math" panose="02040503050406030204" pitchFamily="18" charset="0"/>
-                                <a:cs typeface="Arial" panose="020B0604020202020204" pitchFamily="34" charset="0"/>
-                              </a:rPr>
-                              <m:t>𝑥</m:t>
-                            </m:r>
-                          </m:e>
-                          <m:sub>
-                            <m:r>
-                              <a:rPr lang="en-US" sz="2000" b="0" i="1" smtClean="0">
-                                <a:latin typeface="Cambria Math" panose="02040503050406030204" pitchFamily="18" charset="0"/>
-                                <a:cs typeface="Arial" panose="020B0604020202020204" pitchFamily="34" charset="0"/>
-                              </a:rPr>
-                              <m:t>1</m:t>
-                            </m:r>
-                          </m:sub>
-                        </m:sSub>
-                      </m:oMath>
-                    </m:oMathPara>
-                  </a14:m>
-                  <a:endParaRPr lang="en-US" sz="2000" dirty="0" smtClean="0">
-                    <a:latin typeface="Arial" panose="020B0604020202020204" pitchFamily="34" charset="0"/>
-                    <a:cs typeface="Arial" panose="020B0604020202020204" pitchFamily="34" charset="0"/>
-                  </a:endParaRPr>
-                </a:p>
-              </p:txBody>
-            </p:sp>
-          </mc:Choice>
-          <mc:Fallback xmlns="">
-            <p:sp>
-              <p:nvSpPr>
-                <p:cNvPr id="67" name="TextBox 66"/>
-                <p:cNvSpPr txBox="1">
-                  <a:spLocks noRot="1" noChangeAspect="1" noMove="1" noResize="1" noEditPoints="1" noAdjustHandles="1" noChangeArrowheads="1" noChangeShapeType="1" noTextEdit="1"/>
-                </p:cNvSpPr>
-                <p:nvPr/>
-              </p:nvSpPr>
-              <p:spPr>
-                <a:xfrm>
-                  <a:off x="2930165" y="2958330"/>
-                  <a:ext cx="317972" cy="307777"/>
-                </a:xfrm>
-                <a:prstGeom prst="rect">
-                  <a:avLst/>
-                </a:prstGeom>
-                <a:blipFill>
-                  <a:blip r:embed="rId46"/>
-                  <a:stretch>
-                    <a:fillRect l="-9615" r="-5769" b="-17647"/>
-                  </a:stretch>
-                </a:blipFill>
-              </p:spPr>
-              <p:txBody>
-                <a:bodyPr/>
-                <a:lstStyle/>
-                <a:p>
-                  <a:r>
-                    <a:rPr lang="en-US">
-                      <a:noFill/>
-                    </a:rPr>
-                    <a:t> </a:t>
-                  </a:r>
-                </a:p>
-              </p:txBody>
-            </p:sp>
-          </mc:Fallback>
-        </mc:AlternateContent>
-        <mc:AlternateContent xmlns:mc="http://schemas.openxmlformats.org/markup-compatibility/2006" xmlns:a14="http://schemas.microsoft.com/office/drawing/2010/main">
-          <mc:Choice Requires="a14">
-            <p:sp>
-              <p:nvSpPr>
-                <p:cNvPr id="68" name="TextBox 67"/>
-                <p:cNvSpPr txBox="1"/>
-                <p:nvPr/>
-              </p:nvSpPr>
-              <p:spPr>
-                <a:xfrm>
-                  <a:off x="4855104" y="2955396"/>
-                  <a:ext cx="323935" cy="307777"/>
-                </a:xfrm>
-                <a:prstGeom prst="rect">
-                  <a:avLst/>
-                </a:prstGeom>
-                <a:noFill/>
-              </p:spPr>
-              <p:txBody>
-                <a:bodyPr wrap="none" lIns="0" tIns="0" rIns="0" bIns="0" rtlCol="0">
-                  <a:spAutoFit/>
-                </a:bodyPr>
-                <a:lstStyle/>
-                <a:p>
-                  <a:pPr/>
-                  <a14:m>
-                    <m:oMathPara xmlns:m="http://schemas.openxmlformats.org/officeDocument/2006/math">
-                      <m:oMathParaPr>
-                        <m:jc m:val="centerGroup"/>
-                      </m:oMathParaPr>
-                      <m:oMath xmlns:m="http://schemas.openxmlformats.org/officeDocument/2006/math">
-                        <m:sSub>
-                          <m:sSubPr>
-                            <m:ctrlPr>
-                              <a:rPr lang="en-US" sz="2000" b="0" i="1" smtClean="0">
-                                <a:latin typeface="Cambria Math" panose="02040503050406030204" pitchFamily="18" charset="0"/>
-                                <a:cs typeface="Arial" panose="020B0604020202020204" pitchFamily="34" charset="0"/>
-                              </a:rPr>
-                            </m:ctrlPr>
-                          </m:sSubPr>
-                          <m:e>
-                            <m:r>
-                              <a:rPr lang="en-US" sz="2000" b="0" i="1" smtClean="0">
-                                <a:latin typeface="Cambria Math" panose="02040503050406030204" pitchFamily="18" charset="0"/>
-                                <a:cs typeface="Arial" panose="020B0604020202020204" pitchFamily="34" charset="0"/>
-                              </a:rPr>
-                              <m:t>𝑥</m:t>
-                            </m:r>
-                          </m:e>
-                          <m:sub>
-                            <m:r>
-                              <a:rPr lang="en-US" sz="2000" b="0" i="1" smtClean="0">
-                                <a:latin typeface="Cambria Math" panose="02040503050406030204" pitchFamily="18" charset="0"/>
-                                <a:cs typeface="Arial" panose="020B0604020202020204" pitchFamily="34" charset="0"/>
-                              </a:rPr>
-                              <m:t>2</m:t>
-                            </m:r>
-                          </m:sub>
-                        </m:sSub>
-                      </m:oMath>
-                    </m:oMathPara>
-                  </a14:m>
-                  <a:endParaRPr lang="en-US" sz="2000" dirty="0" smtClean="0">
-                    <a:latin typeface="Arial" panose="020B0604020202020204" pitchFamily="34" charset="0"/>
-                    <a:cs typeface="Arial" panose="020B0604020202020204" pitchFamily="34" charset="0"/>
-                  </a:endParaRPr>
-                </a:p>
-              </p:txBody>
-            </p:sp>
-          </mc:Choice>
-          <mc:Fallback xmlns="">
-            <p:sp>
-              <p:nvSpPr>
-                <p:cNvPr id="68" name="TextBox 67"/>
-                <p:cNvSpPr txBox="1">
-                  <a:spLocks noRot="1" noChangeAspect="1" noMove="1" noResize="1" noEditPoints="1" noAdjustHandles="1" noChangeArrowheads="1" noChangeShapeType="1" noTextEdit="1"/>
-                </p:cNvSpPr>
-                <p:nvPr/>
-              </p:nvSpPr>
-              <p:spPr>
-                <a:xfrm>
-                  <a:off x="4855104" y="2955396"/>
-                  <a:ext cx="323935" cy="307777"/>
-                </a:xfrm>
-                <a:prstGeom prst="rect">
-                  <a:avLst/>
-                </a:prstGeom>
-                <a:blipFill>
-                  <a:blip r:embed="rId47"/>
-                  <a:stretch>
-                    <a:fillRect l="-7407" r="-5556" b="-20000"/>
-                  </a:stretch>
-                </a:blipFill>
-              </p:spPr>
-              <p:txBody>
-                <a:bodyPr/>
-                <a:lstStyle/>
-                <a:p>
-                  <a:r>
-                    <a:rPr lang="en-US">
-                      <a:noFill/>
-                    </a:rPr>
-                    <a:t> </a:t>
-                  </a:r>
-                </a:p>
-              </p:txBody>
-            </p:sp>
-          </mc:Fallback>
-        </mc:AlternateContent>
-        <mc:AlternateContent xmlns:mc="http://schemas.openxmlformats.org/markup-compatibility/2006" xmlns:a14="http://schemas.microsoft.com/office/drawing/2010/main">
-          <mc:Choice Requires="a14">
-            <p:sp>
-              <p:nvSpPr>
-                <p:cNvPr id="69" name="TextBox 68"/>
-                <p:cNvSpPr txBox="1"/>
-                <p:nvPr/>
-              </p:nvSpPr>
-              <p:spPr>
-                <a:xfrm>
-                  <a:off x="6743056" y="2962844"/>
-                  <a:ext cx="323935" cy="307777"/>
-                </a:xfrm>
-                <a:prstGeom prst="rect">
-                  <a:avLst/>
-                </a:prstGeom>
-                <a:noFill/>
-              </p:spPr>
-              <p:txBody>
-                <a:bodyPr wrap="none" lIns="0" tIns="0" rIns="0" bIns="0" rtlCol="0">
-                  <a:spAutoFit/>
-                </a:bodyPr>
-                <a:lstStyle/>
-                <a:p>
-                  <a:pPr/>
-                  <a14:m>
-                    <m:oMathPara xmlns:m="http://schemas.openxmlformats.org/officeDocument/2006/math">
-                      <m:oMathParaPr>
-                        <m:jc m:val="centerGroup"/>
-                      </m:oMathParaPr>
-                      <m:oMath xmlns:m="http://schemas.openxmlformats.org/officeDocument/2006/math">
-                        <m:sSub>
-                          <m:sSubPr>
-                            <m:ctrlPr>
-                              <a:rPr lang="en-US" sz="2000" b="0" i="1" smtClean="0">
-                                <a:latin typeface="Cambria Math" panose="02040503050406030204" pitchFamily="18" charset="0"/>
-                                <a:cs typeface="Arial" panose="020B0604020202020204" pitchFamily="34" charset="0"/>
-                              </a:rPr>
-                            </m:ctrlPr>
-                          </m:sSubPr>
-                          <m:e>
-                            <m:r>
-                              <a:rPr lang="en-US" sz="2000" b="0" i="1" smtClean="0">
-                                <a:latin typeface="Cambria Math" panose="02040503050406030204" pitchFamily="18" charset="0"/>
-                                <a:cs typeface="Arial" panose="020B0604020202020204" pitchFamily="34" charset="0"/>
-                              </a:rPr>
-                              <m:t>𝑥</m:t>
-                            </m:r>
-                          </m:e>
-                          <m:sub>
-                            <m:r>
-                              <a:rPr lang="en-US" sz="2000" b="0" i="1" smtClean="0">
-                                <a:latin typeface="Cambria Math" panose="02040503050406030204" pitchFamily="18" charset="0"/>
-                                <a:cs typeface="Arial" panose="020B0604020202020204" pitchFamily="34" charset="0"/>
-                              </a:rPr>
-                              <m:t>3</m:t>
-                            </m:r>
-                          </m:sub>
-                        </m:sSub>
-                      </m:oMath>
-                    </m:oMathPara>
-                  </a14:m>
-                  <a:endParaRPr lang="en-US" sz="2000" dirty="0" smtClean="0">
-                    <a:latin typeface="Arial" panose="020B0604020202020204" pitchFamily="34" charset="0"/>
-                    <a:cs typeface="Arial" panose="020B0604020202020204" pitchFamily="34" charset="0"/>
-                  </a:endParaRPr>
-                </a:p>
-              </p:txBody>
-            </p:sp>
-          </mc:Choice>
-          <mc:Fallback xmlns="">
-            <p:sp>
-              <p:nvSpPr>
-                <p:cNvPr id="69" name="TextBox 68"/>
-                <p:cNvSpPr txBox="1">
-                  <a:spLocks noRot="1" noChangeAspect="1" noMove="1" noResize="1" noEditPoints="1" noAdjustHandles="1" noChangeArrowheads="1" noChangeShapeType="1" noTextEdit="1"/>
-                </p:cNvSpPr>
-                <p:nvPr/>
-              </p:nvSpPr>
-              <p:spPr>
-                <a:xfrm>
-                  <a:off x="6743056" y="2962844"/>
-                  <a:ext cx="323935" cy="307777"/>
-                </a:xfrm>
-                <a:prstGeom prst="rect">
-                  <a:avLst/>
-                </a:prstGeom>
-                <a:blipFill>
-                  <a:blip r:embed="rId48"/>
-                  <a:stretch>
-                    <a:fillRect l="-7547" r="-7547" b="-19608"/>
-                  </a:stretch>
-                </a:blipFill>
-              </p:spPr>
-              <p:txBody>
-                <a:bodyPr/>
-                <a:lstStyle/>
-                <a:p>
-                  <a:r>
-                    <a:rPr lang="en-US">
-                      <a:noFill/>
-                    </a:rPr>
-                    <a:t> </a:t>
-                  </a:r>
-                </a:p>
-              </p:txBody>
-            </p:sp>
-          </mc:Fallback>
-        </mc:AlternateContent>
-        <p:cxnSp>
-          <p:nvCxnSpPr>
-            <p:cNvPr id="72" name="Straight Connector 71"/>
-            <p:cNvCxnSpPr/>
-            <p:nvPr/>
-          </p:nvCxnSpPr>
-          <p:spPr>
-            <a:xfrm flipV="1">
-              <a:off x="3044188" y="2819853"/>
-              <a:ext cx="0" cy="189570"/>
-            </a:xfrm>
-            <a:prstGeom prst="line">
-              <a:avLst/>
-            </a:prstGeom>
-            <a:ln w="38100">
-              <a:solidFill>
-                <a:schemeClr val="tx1"/>
-              </a:solidFill>
-            </a:ln>
-          </p:spPr>
-          <p:style>
-            <a:lnRef idx="1">
-              <a:schemeClr val="accent1"/>
-            </a:lnRef>
-            <a:fillRef idx="0">
-              <a:schemeClr val="accent1"/>
-            </a:fillRef>
-            <a:effectRef idx="0">
-              <a:schemeClr val="accent1"/>
-            </a:effectRef>
-            <a:fontRef idx="minor">
-              <a:schemeClr val="tx1"/>
-            </a:fontRef>
-          </p:style>
-        </p:cxnSp>
-        <p:cxnSp>
-          <p:nvCxnSpPr>
-            <p:cNvPr id="73" name="Straight Connector 72"/>
-            <p:cNvCxnSpPr/>
-            <p:nvPr/>
-          </p:nvCxnSpPr>
-          <p:spPr>
-            <a:xfrm flipV="1">
-              <a:off x="4954858" y="2819853"/>
-              <a:ext cx="0" cy="189570"/>
-            </a:xfrm>
-            <a:prstGeom prst="line">
-              <a:avLst/>
-            </a:prstGeom>
-            <a:ln w="38100">
-              <a:solidFill>
-                <a:schemeClr val="tx1"/>
-              </a:solidFill>
-            </a:ln>
-          </p:spPr>
-          <p:style>
-            <a:lnRef idx="1">
-              <a:schemeClr val="accent1"/>
-            </a:lnRef>
-            <a:fillRef idx="0">
-              <a:schemeClr val="accent1"/>
-            </a:fillRef>
-            <a:effectRef idx="0">
-              <a:schemeClr val="accent1"/>
-            </a:effectRef>
-            <a:fontRef idx="minor">
-              <a:schemeClr val="tx1"/>
-            </a:fontRef>
-          </p:style>
-        </p:cxnSp>
-        <p:cxnSp>
-          <p:nvCxnSpPr>
-            <p:cNvPr id="74" name="Straight Connector 73"/>
-            <p:cNvCxnSpPr/>
-            <p:nvPr/>
-          </p:nvCxnSpPr>
-          <p:spPr>
-            <a:xfrm flipV="1">
-              <a:off x="6902042" y="2782634"/>
-              <a:ext cx="0" cy="189570"/>
-            </a:xfrm>
-            <a:prstGeom prst="line">
-              <a:avLst/>
-            </a:prstGeom>
-            <a:ln w="38100">
-              <a:solidFill>
-                <a:schemeClr val="tx1"/>
-              </a:solidFill>
-            </a:ln>
-          </p:spPr>
-          <p:style>
-            <a:lnRef idx="1">
-              <a:schemeClr val="accent1"/>
-            </a:lnRef>
-            <a:fillRef idx="0">
-              <a:schemeClr val="accent1"/>
-            </a:fillRef>
-            <a:effectRef idx="0">
-              <a:schemeClr val="accent1"/>
-            </a:effectRef>
-            <a:fontRef idx="minor">
-              <a:schemeClr val="tx1"/>
-            </a:fontRef>
-          </p:style>
-        </p:cxnSp>
-      </p:grpSp>
-      <p:grpSp>
-        <p:nvGrpSpPr>
           <p:cNvPr id="23" name="Group 22"/>
           <p:cNvGrpSpPr/>
           <p:nvPr/>
@@ -14244,6 +11628,2221 @@
                   <a:blip r:embed="rId56"/>
                   <a:stretch>
                     <a:fillRect l="-11429" r="-11429" b="-1961"/>
+                  </a:stretch>
+                </a:blipFill>
+              </p:spPr>
+              <p:txBody>
+                <a:bodyPr/>
+                <a:lstStyle/>
+                <a:p>
+                  <a:r>
+                    <a:rPr lang="en-US">
+                      <a:noFill/>
+                    </a:rPr>
+                    <a:t> </a:t>
+                  </a:r>
+                </a:p>
+              </p:txBody>
+            </p:sp>
+          </mc:Fallback>
+        </mc:AlternateContent>
+      </p:grpSp>
+      <p:grpSp>
+        <p:nvGrpSpPr>
+          <p:cNvPr id="3" name="Group 2"/>
+          <p:cNvGrpSpPr/>
+          <p:nvPr/>
+        </p:nvGrpSpPr>
+        <p:grpSpPr>
+          <a:xfrm>
+            <a:off x="320110" y="437601"/>
+            <a:ext cx="7505984" cy="2403165"/>
+            <a:chOff x="320110" y="437601"/>
+            <a:chExt cx="7505984" cy="2403165"/>
+          </a:xfrm>
+        </p:grpSpPr>
+        <p:sp>
+          <p:nvSpPr>
+            <p:cNvPr id="98" name="Rectangle 97"/>
+            <p:cNvSpPr/>
+            <p:nvPr/>
+          </p:nvSpPr>
+          <p:spPr>
+            <a:xfrm>
+              <a:off x="496072" y="1772668"/>
+              <a:ext cx="6694407" cy="155528"/>
+            </a:xfrm>
+            <a:prstGeom prst="rect">
+              <a:avLst/>
+            </a:prstGeom>
+            <a:solidFill>
+              <a:schemeClr val="bg2">
+                <a:lumMod val="90000"/>
+              </a:schemeClr>
+            </a:solidFill>
+            <a:ln w="38100">
+              <a:solidFill>
+                <a:schemeClr val="tx1"/>
+              </a:solidFill>
+            </a:ln>
+          </p:spPr>
+          <p:style>
+            <a:lnRef idx="2">
+              <a:schemeClr val="accent1">
+                <a:shade val="50000"/>
+              </a:schemeClr>
+            </a:lnRef>
+            <a:fillRef idx="1">
+              <a:schemeClr val="accent1"/>
+            </a:fillRef>
+            <a:effectRef idx="0">
+              <a:schemeClr val="accent1"/>
+            </a:effectRef>
+            <a:fontRef idx="minor">
+              <a:schemeClr val="lt1"/>
+            </a:fontRef>
+          </p:style>
+          <p:txBody>
+            <a:bodyPr rtlCol="0" anchor="ctr"/>
+            <a:lstStyle/>
+            <a:p>
+              <a:pPr algn="ctr"/>
+              <a:endParaRPr lang="en-US"/>
+            </a:p>
+          </p:txBody>
+        </p:sp>
+        <p:sp>
+          <p:nvSpPr>
+            <p:cNvPr id="104" name="Rectangle 103"/>
+            <p:cNvSpPr/>
+            <p:nvPr/>
+          </p:nvSpPr>
+          <p:spPr>
+            <a:xfrm>
+              <a:off x="924732" y="1166304"/>
+              <a:ext cx="657922" cy="602166"/>
+            </a:xfrm>
+            <a:prstGeom prst="rect">
+              <a:avLst/>
+            </a:prstGeom>
+            <a:solidFill>
+              <a:schemeClr val="bg2"/>
+            </a:solidFill>
+            <a:ln w="38100">
+              <a:solidFill>
+                <a:schemeClr val="tx1"/>
+              </a:solidFill>
+            </a:ln>
+          </p:spPr>
+          <p:style>
+            <a:lnRef idx="2">
+              <a:schemeClr val="accent1">
+                <a:shade val="50000"/>
+              </a:schemeClr>
+            </a:lnRef>
+            <a:fillRef idx="1">
+              <a:schemeClr val="accent1"/>
+            </a:fillRef>
+            <a:effectRef idx="0">
+              <a:schemeClr val="accent1"/>
+            </a:effectRef>
+            <a:fontRef idx="minor">
+              <a:schemeClr val="lt1"/>
+            </a:fontRef>
+          </p:style>
+          <p:txBody>
+            <a:bodyPr rtlCol="0" anchor="ctr"/>
+            <a:lstStyle/>
+            <a:p>
+              <a:pPr algn="ctr"/>
+              <a:endParaRPr lang="en-US" dirty="0"/>
+            </a:p>
+          </p:txBody>
+        </p:sp>
+        <p:grpSp>
+          <p:nvGrpSpPr>
+            <p:cNvPr id="105" name="Group 104"/>
+            <p:cNvGrpSpPr/>
+            <p:nvPr/>
+          </p:nvGrpSpPr>
+          <p:grpSpPr>
+            <a:xfrm>
+              <a:off x="320110" y="2282232"/>
+              <a:ext cx="7505984" cy="558534"/>
+              <a:chOff x="919312" y="3331012"/>
+              <a:chExt cx="7505984" cy="558534"/>
+            </a:xfrm>
+          </p:grpSpPr>
+          <p:cxnSp>
+            <p:nvCxnSpPr>
+              <p:cNvPr id="136" name="Straight Arrow Connector 135"/>
+              <p:cNvCxnSpPr/>
+              <p:nvPr/>
+            </p:nvCxnSpPr>
+            <p:spPr>
+              <a:xfrm flipV="1">
+                <a:off x="1025912" y="3436615"/>
+                <a:ext cx="7031399" cy="2342"/>
+              </a:xfrm>
+              <a:prstGeom prst="straightConnector1">
+                <a:avLst/>
+              </a:prstGeom>
+              <a:ln w="38100">
+                <a:solidFill>
+                  <a:schemeClr val="tx1"/>
+                </a:solidFill>
+                <a:tailEnd type="triangle"/>
+              </a:ln>
+            </p:spPr>
+            <p:style>
+              <a:lnRef idx="1">
+                <a:schemeClr val="accent1"/>
+              </a:lnRef>
+              <a:fillRef idx="0">
+                <a:schemeClr val="accent1"/>
+              </a:fillRef>
+              <a:effectRef idx="0">
+                <a:schemeClr val="accent1"/>
+              </a:effectRef>
+              <a:fontRef idx="minor">
+                <a:schemeClr val="tx1"/>
+              </a:fontRef>
+            </p:style>
+          </p:cxnSp>
+          <mc:AlternateContent xmlns:mc="http://schemas.openxmlformats.org/markup-compatibility/2006" xmlns:a14="http://schemas.microsoft.com/office/drawing/2010/main">
+            <mc:Choice Requires="a14">
+              <p:sp>
+                <p:nvSpPr>
+                  <p:cNvPr id="137" name="Rectangle 136"/>
+                  <p:cNvSpPr/>
+                  <p:nvPr/>
+                </p:nvSpPr>
+                <p:spPr>
+                  <a:xfrm>
+                    <a:off x="8057311" y="3450815"/>
+                    <a:ext cx="367985" cy="369332"/>
+                  </a:xfrm>
+                  <a:prstGeom prst="rect">
+                    <a:avLst/>
+                  </a:prstGeom>
+                </p:spPr>
+                <p:txBody>
+                  <a:bodyPr wrap="square">
+                    <a:spAutoFit/>
+                  </a:bodyPr>
+                  <a:lstStyle/>
+                  <a:p>
+                    <a:pPr/>
+                    <a14:m>
+                      <m:oMathPara xmlns:m="http://schemas.openxmlformats.org/officeDocument/2006/math">
+                        <m:oMathParaPr>
+                          <m:jc m:val="centerGroup"/>
+                        </m:oMathParaPr>
+                        <m:oMath xmlns:m="http://schemas.openxmlformats.org/officeDocument/2006/math">
+                          <m:r>
+                            <a:rPr lang="en-US" i="1">
+                              <a:latin typeface="Cambria Math" panose="02040503050406030204" pitchFamily="18" charset="0"/>
+                              <a:cs typeface="Arial" panose="020B0604020202020204" pitchFamily="34" charset="0"/>
+                            </a:rPr>
+                            <m:t>𝑥</m:t>
+                          </m:r>
+                        </m:oMath>
+                      </m:oMathPara>
+                    </a14:m>
+                    <a:endParaRPr lang="en-CA" dirty="0"/>
+                  </a:p>
+                </p:txBody>
+              </p:sp>
+            </mc:Choice>
+            <mc:Fallback xmlns="">
+              <p:sp>
+                <p:nvSpPr>
+                  <p:cNvPr id="137" name="Rectangle 136"/>
+                  <p:cNvSpPr>
+                    <a:spLocks noRot="1" noChangeAspect="1" noMove="1" noResize="1" noEditPoints="1" noAdjustHandles="1" noChangeArrowheads="1" noChangeShapeType="1" noTextEdit="1"/>
+                  </p:cNvSpPr>
+                  <p:nvPr/>
+                </p:nvSpPr>
+                <p:spPr>
+                  <a:xfrm>
+                    <a:off x="8057311" y="3450815"/>
+                    <a:ext cx="367985" cy="369332"/>
+                  </a:xfrm>
+                  <a:prstGeom prst="rect">
+                    <a:avLst/>
+                  </a:prstGeom>
+                  <a:blipFill>
+                    <a:blip r:embed="rId57"/>
+                    <a:stretch>
+                      <a:fillRect/>
+                    </a:stretch>
+                  </a:blipFill>
+                </p:spPr>
+                <p:txBody>
+                  <a:bodyPr/>
+                  <a:lstStyle/>
+                  <a:p>
+                    <a:r>
+                      <a:rPr lang="en-US">
+                        <a:noFill/>
+                      </a:rPr>
+                      <a:t> </a:t>
+                    </a:r>
+                  </a:p>
+                </p:txBody>
+              </p:sp>
+            </mc:Fallback>
+          </mc:AlternateContent>
+          <mc:AlternateContent xmlns:mc="http://schemas.openxmlformats.org/markup-compatibility/2006" xmlns:a14="http://schemas.microsoft.com/office/drawing/2010/main">
+            <mc:Choice Requires="a14">
+              <p:sp>
+                <p:nvSpPr>
+                  <p:cNvPr id="138" name="TextBox 137"/>
+                  <p:cNvSpPr txBox="1"/>
+                  <p:nvPr/>
+                </p:nvSpPr>
+                <p:spPr>
+                  <a:xfrm>
+                    <a:off x="919312" y="3581769"/>
+                    <a:ext cx="213200" cy="307777"/>
+                  </a:xfrm>
+                  <a:prstGeom prst="rect">
+                    <a:avLst/>
+                  </a:prstGeom>
+                  <a:noFill/>
+                </p:spPr>
+                <p:txBody>
+                  <a:bodyPr wrap="none" lIns="0" tIns="0" rIns="0" bIns="0" rtlCol="0">
+                    <a:spAutoFit/>
+                  </a:bodyPr>
+                  <a:lstStyle/>
+                  <a:p>
+                    <a:pPr/>
+                    <a14:m>
+                      <m:oMathPara xmlns:m="http://schemas.openxmlformats.org/officeDocument/2006/math">
+                        <m:oMathParaPr>
+                          <m:jc m:val="centerGroup"/>
+                        </m:oMathParaPr>
+                        <m:oMath xmlns:m="http://schemas.openxmlformats.org/officeDocument/2006/math">
+                          <m:r>
+                            <a:rPr lang="en-US" sz="2000" b="0" i="1" smtClean="0">
+                              <a:latin typeface="Cambria Math" panose="02040503050406030204" pitchFamily="18" charset="0"/>
+                              <a:cs typeface="Arial" panose="020B0604020202020204" pitchFamily="34" charset="0"/>
+                            </a:rPr>
+                            <m:t>0</m:t>
+                          </m:r>
+                        </m:oMath>
+                      </m:oMathPara>
+                    </a14:m>
+                    <a:endParaRPr lang="en-US" sz="2000" dirty="0" smtClean="0">
+                      <a:latin typeface="Arial" panose="020B0604020202020204" pitchFamily="34" charset="0"/>
+                      <a:cs typeface="Arial" panose="020B0604020202020204" pitchFamily="34" charset="0"/>
+                    </a:endParaRPr>
+                  </a:p>
+                </p:txBody>
+              </p:sp>
+            </mc:Choice>
+            <mc:Fallback xmlns="">
+              <p:sp>
+                <p:nvSpPr>
+                  <p:cNvPr id="138" name="TextBox 137"/>
+                  <p:cNvSpPr txBox="1">
+                    <a:spLocks noRot="1" noChangeAspect="1" noMove="1" noResize="1" noEditPoints="1" noAdjustHandles="1" noChangeArrowheads="1" noChangeShapeType="1" noTextEdit="1"/>
+                  </p:cNvSpPr>
+                  <p:nvPr/>
+                </p:nvSpPr>
+                <p:spPr>
+                  <a:xfrm>
+                    <a:off x="919312" y="3581769"/>
+                    <a:ext cx="213200" cy="307777"/>
+                  </a:xfrm>
+                  <a:prstGeom prst="rect">
+                    <a:avLst/>
+                  </a:prstGeom>
+                  <a:blipFill>
+                    <a:blip r:embed="rId58"/>
+                    <a:stretch>
+                      <a:fillRect l="-26471" r="-26471" b="-10000"/>
+                    </a:stretch>
+                  </a:blipFill>
+                </p:spPr>
+                <p:txBody>
+                  <a:bodyPr/>
+                  <a:lstStyle/>
+                  <a:p>
+                    <a:r>
+                      <a:rPr lang="en-US">
+                        <a:noFill/>
+                      </a:rPr>
+                      <a:t> </a:t>
+                    </a:r>
+                  </a:p>
+                </p:txBody>
+              </p:sp>
+            </mc:Fallback>
+          </mc:AlternateContent>
+          <p:cxnSp>
+            <p:nvCxnSpPr>
+              <p:cNvPr id="139" name="Straight Connector 138"/>
+              <p:cNvCxnSpPr/>
+              <p:nvPr/>
+            </p:nvCxnSpPr>
+            <p:spPr>
+              <a:xfrm flipV="1">
+                <a:off x="1099058" y="3331012"/>
+                <a:ext cx="0" cy="239606"/>
+              </a:xfrm>
+              <a:prstGeom prst="line">
+                <a:avLst/>
+              </a:prstGeom>
+              <a:ln w="38100">
+                <a:solidFill>
+                  <a:schemeClr val="tx1"/>
+                </a:solidFill>
+              </a:ln>
+            </p:spPr>
+            <p:style>
+              <a:lnRef idx="1">
+                <a:schemeClr val="accent1"/>
+              </a:lnRef>
+              <a:fillRef idx="0">
+                <a:schemeClr val="accent1"/>
+              </a:fillRef>
+              <a:effectRef idx="0">
+                <a:schemeClr val="accent1"/>
+              </a:effectRef>
+              <a:fontRef idx="minor">
+                <a:schemeClr val="tx1"/>
+              </a:fontRef>
+            </p:style>
+          </p:cxnSp>
+        </p:grpSp>
+        <p:cxnSp>
+          <p:nvCxnSpPr>
+            <p:cNvPr id="108" name="Straight Arrow Connector 107"/>
+            <p:cNvCxnSpPr/>
+            <p:nvPr/>
+          </p:nvCxnSpPr>
+          <p:spPr>
+            <a:xfrm>
+              <a:off x="327494" y="1478539"/>
+              <a:ext cx="604622" cy="0"/>
+            </a:xfrm>
+            <a:prstGeom prst="straightConnector1">
+              <a:avLst/>
+            </a:prstGeom>
+            <a:ln w="38100">
+              <a:solidFill>
+                <a:schemeClr val="tx1"/>
+              </a:solidFill>
+              <a:tailEnd type="triangle"/>
+            </a:ln>
+          </p:spPr>
+          <p:style>
+            <a:lnRef idx="1">
+              <a:schemeClr val="accent1"/>
+            </a:lnRef>
+            <a:fillRef idx="0">
+              <a:schemeClr val="accent1"/>
+            </a:fillRef>
+            <a:effectRef idx="0">
+              <a:schemeClr val="accent1"/>
+            </a:effectRef>
+            <a:fontRef idx="minor">
+              <a:schemeClr val="tx1"/>
+            </a:fontRef>
+          </p:style>
+        </p:cxnSp>
+        <p:cxnSp>
+          <p:nvCxnSpPr>
+            <p:cNvPr id="109" name="Straight Connector 108"/>
+            <p:cNvCxnSpPr>
+              <a:endCxn id="111" idx="0"/>
+            </p:cNvCxnSpPr>
+            <p:nvPr/>
+          </p:nvCxnSpPr>
+          <p:spPr>
+            <a:xfrm>
+              <a:off x="920966" y="1768470"/>
+              <a:ext cx="11151" cy="583351"/>
+            </a:xfrm>
+            <a:prstGeom prst="line">
+              <a:avLst/>
+            </a:prstGeom>
+            <a:ln w="19050">
+              <a:solidFill>
+                <a:schemeClr val="tx1"/>
+              </a:solidFill>
+              <a:prstDash val="sysDot"/>
+            </a:ln>
+          </p:spPr>
+          <p:style>
+            <a:lnRef idx="1">
+              <a:schemeClr val="accent1"/>
+            </a:lnRef>
+            <a:fillRef idx="0">
+              <a:schemeClr val="accent1"/>
+            </a:fillRef>
+            <a:effectRef idx="0">
+              <a:schemeClr val="accent1"/>
+            </a:effectRef>
+            <a:fontRef idx="minor">
+              <a:schemeClr val="tx1"/>
+            </a:fontRef>
+          </p:style>
+        </p:cxnSp>
+        <p:cxnSp>
+          <p:nvCxnSpPr>
+            <p:cNvPr id="110" name="Straight Connector 109"/>
+            <p:cNvCxnSpPr/>
+            <p:nvPr/>
+          </p:nvCxnSpPr>
+          <p:spPr>
+            <a:xfrm>
+              <a:off x="2746049" y="1793107"/>
+              <a:ext cx="0" cy="581015"/>
+            </a:xfrm>
+            <a:prstGeom prst="line">
+              <a:avLst/>
+            </a:prstGeom>
+            <a:ln w="19050">
+              <a:solidFill>
+                <a:schemeClr val="tx1"/>
+              </a:solidFill>
+              <a:prstDash val="sysDot"/>
+            </a:ln>
+          </p:spPr>
+          <p:style>
+            <a:lnRef idx="1">
+              <a:schemeClr val="accent1"/>
+            </a:lnRef>
+            <a:fillRef idx="0">
+              <a:schemeClr val="accent1"/>
+            </a:fillRef>
+            <a:effectRef idx="0">
+              <a:schemeClr val="accent1"/>
+            </a:effectRef>
+            <a:fontRef idx="minor">
+              <a:schemeClr val="tx1"/>
+            </a:fontRef>
+          </p:style>
+        </p:cxnSp>
+        <mc:AlternateContent xmlns:mc="http://schemas.openxmlformats.org/markup-compatibility/2006" xmlns:a14="http://schemas.microsoft.com/office/drawing/2010/main">
+          <mc:Choice Requires="a14">
+            <p:sp>
+              <p:nvSpPr>
+                <p:cNvPr id="111" name="TextBox 110"/>
+                <p:cNvSpPr txBox="1"/>
+                <p:nvPr/>
+              </p:nvSpPr>
+              <p:spPr>
+                <a:xfrm>
+                  <a:off x="770149" y="2351821"/>
+                  <a:ext cx="323935" cy="307777"/>
+                </a:xfrm>
+                <a:prstGeom prst="rect">
+                  <a:avLst/>
+                </a:prstGeom>
+                <a:noFill/>
+              </p:spPr>
+              <p:txBody>
+                <a:bodyPr wrap="none" lIns="0" tIns="0" rIns="0" bIns="0" rtlCol="0">
+                  <a:spAutoFit/>
+                </a:bodyPr>
+                <a:lstStyle/>
+                <a:p>
+                  <a:pPr/>
+                  <a14:m>
+                    <m:oMathPara xmlns:m="http://schemas.openxmlformats.org/officeDocument/2006/math">
+                      <m:oMathParaPr>
+                        <m:jc m:val="centerGroup"/>
+                      </m:oMathParaPr>
+                      <m:oMath xmlns:m="http://schemas.openxmlformats.org/officeDocument/2006/math">
+                        <m:sSub>
+                          <m:sSubPr>
+                            <m:ctrlPr>
+                              <a:rPr lang="en-US" sz="2000" b="0" i="1" smtClean="0">
+                                <a:latin typeface="Cambria Math" panose="02040503050406030204" pitchFamily="18" charset="0"/>
+                                <a:cs typeface="Arial" panose="020B0604020202020204" pitchFamily="34" charset="0"/>
+                              </a:rPr>
+                            </m:ctrlPr>
+                          </m:sSubPr>
+                          <m:e>
+                            <m:r>
+                              <a:rPr lang="en-US" sz="2000" b="0" i="1" smtClean="0">
+                                <a:latin typeface="Cambria Math" panose="02040503050406030204" pitchFamily="18" charset="0"/>
+                                <a:cs typeface="Arial" panose="020B0604020202020204" pitchFamily="34" charset="0"/>
+                              </a:rPr>
+                              <m:t>𝑥</m:t>
+                            </m:r>
+                          </m:e>
+                          <m:sub>
+                            <m:r>
+                              <a:rPr lang="en-US" sz="2000" b="0" i="1" smtClean="0">
+                                <a:latin typeface="Cambria Math" panose="02040503050406030204" pitchFamily="18" charset="0"/>
+                                <a:cs typeface="Arial" panose="020B0604020202020204" pitchFamily="34" charset="0"/>
+                              </a:rPr>
+                              <m:t>0</m:t>
+                            </m:r>
+                          </m:sub>
+                        </m:sSub>
+                      </m:oMath>
+                    </m:oMathPara>
+                  </a14:m>
+                  <a:endParaRPr lang="en-US" sz="2000" dirty="0" smtClean="0">
+                    <a:latin typeface="Arial" panose="020B0604020202020204" pitchFamily="34" charset="0"/>
+                    <a:cs typeface="Arial" panose="020B0604020202020204" pitchFamily="34" charset="0"/>
+                  </a:endParaRPr>
+                </a:p>
+              </p:txBody>
+            </p:sp>
+          </mc:Choice>
+          <mc:Fallback xmlns="">
+            <p:sp>
+              <p:nvSpPr>
+                <p:cNvPr id="111" name="TextBox 110"/>
+                <p:cNvSpPr txBox="1">
+                  <a:spLocks noRot="1" noChangeAspect="1" noMove="1" noResize="1" noEditPoints="1" noAdjustHandles="1" noChangeArrowheads="1" noChangeShapeType="1" noTextEdit="1"/>
+                </p:cNvSpPr>
+                <p:nvPr/>
+              </p:nvSpPr>
+              <p:spPr>
+                <a:xfrm>
+                  <a:off x="770149" y="2351821"/>
+                  <a:ext cx="323935" cy="307777"/>
+                </a:xfrm>
+                <a:prstGeom prst="rect">
+                  <a:avLst/>
+                </a:prstGeom>
+                <a:blipFill>
+                  <a:blip r:embed="rId59"/>
+                  <a:stretch>
+                    <a:fillRect l="-7547" r="-7547" b="-20000"/>
+                  </a:stretch>
+                </a:blipFill>
+              </p:spPr>
+              <p:txBody>
+                <a:bodyPr/>
+                <a:lstStyle/>
+                <a:p>
+                  <a:r>
+                    <a:rPr lang="en-US">
+                      <a:noFill/>
+                    </a:rPr>
+                    <a:t> </a:t>
+                  </a:r>
+                </a:p>
+              </p:txBody>
+            </p:sp>
+          </mc:Fallback>
+        </mc:AlternateContent>
+        <mc:AlternateContent xmlns:mc="http://schemas.openxmlformats.org/markup-compatibility/2006" xmlns:a14="http://schemas.microsoft.com/office/drawing/2010/main">
+          <mc:Choice Requires="a14">
+            <p:sp>
+              <p:nvSpPr>
+                <p:cNvPr id="112" name="TextBox 111"/>
+                <p:cNvSpPr txBox="1"/>
+                <p:nvPr/>
+              </p:nvSpPr>
+              <p:spPr>
+                <a:xfrm>
+                  <a:off x="2584081" y="2351820"/>
+                  <a:ext cx="323935" cy="307777"/>
+                </a:xfrm>
+                <a:prstGeom prst="rect">
+                  <a:avLst/>
+                </a:prstGeom>
+                <a:noFill/>
+              </p:spPr>
+              <p:txBody>
+                <a:bodyPr wrap="none" lIns="0" tIns="0" rIns="0" bIns="0" rtlCol="0">
+                  <a:spAutoFit/>
+                </a:bodyPr>
+                <a:lstStyle/>
+                <a:p>
+                  <a:pPr/>
+                  <a14:m>
+                    <m:oMathPara xmlns:m="http://schemas.openxmlformats.org/officeDocument/2006/math">
+                      <m:oMathParaPr>
+                        <m:jc m:val="centerGroup"/>
+                      </m:oMathParaPr>
+                      <m:oMath xmlns:m="http://schemas.openxmlformats.org/officeDocument/2006/math">
+                        <m:sSub>
+                          <m:sSubPr>
+                            <m:ctrlPr>
+                              <a:rPr lang="en-US" sz="2000" b="0" i="1" smtClean="0">
+                                <a:latin typeface="Cambria Math" panose="02040503050406030204" pitchFamily="18" charset="0"/>
+                                <a:cs typeface="Arial" panose="020B0604020202020204" pitchFamily="34" charset="0"/>
+                              </a:rPr>
+                            </m:ctrlPr>
+                          </m:sSubPr>
+                          <m:e>
+                            <m:r>
+                              <a:rPr lang="en-US" sz="2000" b="0" i="1" smtClean="0">
+                                <a:latin typeface="Cambria Math" panose="02040503050406030204" pitchFamily="18" charset="0"/>
+                                <a:cs typeface="Arial" panose="020B0604020202020204" pitchFamily="34" charset="0"/>
+                              </a:rPr>
+                              <m:t>𝑥</m:t>
+                            </m:r>
+                          </m:e>
+                          <m:sub>
+                            <m:r>
+                              <a:rPr lang="en-US" sz="2000" b="0" i="1" smtClean="0">
+                                <a:latin typeface="Cambria Math" panose="02040503050406030204" pitchFamily="18" charset="0"/>
+                                <a:cs typeface="Arial" panose="020B0604020202020204" pitchFamily="34" charset="0"/>
+                              </a:rPr>
+                              <m:t>1</m:t>
+                            </m:r>
+                          </m:sub>
+                        </m:sSub>
+                      </m:oMath>
+                    </m:oMathPara>
+                  </a14:m>
+                  <a:endParaRPr lang="en-US" sz="2000" dirty="0" smtClean="0">
+                    <a:latin typeface="Arial" panose="020B0604020202020204" pitchFamily="34" charset="0"/>
+                    <a:cs typeface="Arial" panose="020B0604020202020204" pitchFamily="34" charset="0"/>
+                  </a:endParaRPr>
+                </a:p>
+              </p:txBody>
+            </p:sp>
+          </mc:Choice>
+          <mc:Fallback xmlns="">
+            <p:sp>
+              <p:nvSpPr>
+                <p:cNvPr id="112" name="TextBox 111"/>
+                <p:cNvSpPr txBox="1">
+                  <a:spLocks noRot="1" noChangeAspect="1" noMove="1" noResize="1" noEditPoints="1" noAdjustHandles="1" noChangeArrowheads="1" noChangeShapeType="1" noTextEdit="1"/>
+                </p:cNvSpPr>
+                <p:nvPr/>
+              </p:nvSpPr>
+              <p:spPr>
+                <a:xfrm>
+                  <a:off x="2584081" y="2351820"/>
+                  <a:ext cx="323935" cy="307777"/>
+                </a:xfrm>
+                <a:prstGeom prst="rect">
+                  <a:avLst/>
+                </a:prstGeom>
+                <a:blipFill>
+                  <a:blip r:embed="rId60"/>
+                  <a:stretch>
+                    <a:fillRect l="-9434" r="-3774" b="-20000"/>
+                  </a:stretch>
+                </a:blipFill>
+              </p:spPr>
+              <p:txBody>
+                <a:bodyPr/>
+                <a:lstStyle/>
+                <a:p>
+                  <a:r>
+                    <a:rPr lang="en-US">
+                      <a:noFill/>
+                    </a:rPr>
+                    <a:t> </a:t>
+                  </a:r>
+                </a:p>
+              </p:txBody>
+            </p:sp>
+          </mc:Fallback>
+        </mc:AlternateContent>
+        <p:cxnSp>
+          <p:nvCxnSpPr>
+            <p:cNvPr id="113" name="Straight Arrow Connector 112"/>
+            <p:cNvCxnSpPr/>
+            <p:nvPr/>
+          </p:nvCxnSpPr>
+          <p:spPr>
+            <a:xfrm>
+              <a:off x="920967" y="2084190"/>
+              <a:ext cx="1825082" cy="0"/>
+            </a:xfrm>
+            <a:prstGeom prst="straightConnector1">
+              <a:avLst/>
+            </a:prstGeom>
+            <a:ln w="38100">
+              <a:solidFill>
+                <a:schemeClr val="tx1"/>
+              </a:solidFill>
+              <a:headEnd type="triangle"/>
+              <a:tailEnd type="triangle"/>
+            </a:ln>
+          </p:spPr>
+          <p:style>
+            <a:lnRef idx="1">
+              <a:schemeClr val="accent1"/>
+            </a:lnRef>
+            <a:fillRef idx="0">
+              <a:schemeClr val="accent1"/>
+            </a:fillRef>
+            <a:effectRef idx="0">
+              <a:schemeClr val="accent1"/>
+            </a:effectRef>
+            <a:fontRef idx="minor">
+              <a:schemeClr val="tx1"/>
+            </a:fontRef>
+          </p:style>
+        </p:cxnSp>
+        <mc:AlternateContent xmlns:mc="http://schemas.openxmlformats.org/markup-compatibility/2006" xmlns:a14="http://schemas.microsoft.com/office/drawing/2010/main">
+          <mc:Choice Requires="a14">
+            <p:sp>
+              <p:nvSpPr>
+                <p:cNvPr id="114" name="TextBox 113"/>
+                <p:cNvSpPr txBox="1"/>
+                <p:nvPr/>
+              </p:nvSpPr>
+              <p:spPr>
+                <a:xfrm>
+                  <a:off x="1650092" y="2044795"/>
+                  <a:ext cx="366832" cy="307777"/>
+                </a:xfrm>
+                <a:prstGeom prst="rect">
+                  <a:avLst/>
+                </a:prstGeom>
+                <a:noFill/>
+              </p:spPr>
+              <p:txBody>
+                <a:bodyPr wrap="none" lIns="0" tIns="0" rIns="0" bIns="0" rtlCol="0">
+                  <a:spAutoFit/>
+                </a:bodyPr>
+                <a:lstStyle/>
+                <a:p>
+                  <a:pPr/>
+                  <a14:m>
+                    <m:oMathPara xmlns:m="http://schemas.openxmlformats.org/officeDocument/2006/math">
+                      <m:oMathParaPr>
+                        <m:jc m:val="centerGroup"/>
+                      </m:oMathParaPr>
+                      <m:oMath xmlns:m="http://schemas.openxmlformats.org/officeDocument/2006/math">
+                        <m:r>
+                          <m:rPr>
+                            <m:sty m:val="p"/>
+                          </m:rPr>
+                          <a:rPr lang="en-US" sz="2000" b="0" i="0" smtClean="0">
+                            <a:latin typeface="Cambria Math" panose="02040503050406030204" pitchFamily="18" charset="0"/>
+                            <a:cs typeface="Arial" panose="020B0604020202020204" pitchFamily="34" charset="0"/>
+                          </a:rPr>
+                          <m:t>Δ</m:t>
+                        </m:r>
+                        <m:r>
+                          <a:rPr lang="en-US" sz="2000" b="0" i="1" smtClean="0">
+                            <a:latin typeface="Cambria Math" panose="02040503050406030204" pitchFamily="18" charset="0"/>
+                            <a:cs typeface="Arial" panose="020B0604020202020204" pitchFamily="34" charset="0"/>
+                          </a:rPr>
+                          <m:t>𝑥</m:t>
+                        </m:r>
+                      </m:oMath>
+                    </m:oMathPara>
+                  </a14:m>
+                  <a:endParaRPr lang="en-US" sz="2000" dirty="0" smtClean="0">
+                    <a:latin typeface="Arial" panose="020B0604020202020204" pitchFamily="34" charset="0"/>
+                    <a:cs typeface="Arial" panose="020B0604020202020204" pitchFamily="34" charset="0"/>
+                  </a:endParaRPr>
+                </a:p>
+              </p:txBody>
+            </p:sp>
+          </mc:Choice>
+          <mc:Fallback xmlns="">
+            <p:sp>
+              <p:nvSpPr>
+                <p:cNvPr id="114" name="TextBox 113"/>
+                <p:cNvSpPr txBox="1">
+                  <a:spLocks noRot="1" noChangeAspect="1" noMove="1" noResize="1" noEditPoints="1" noAdjustHandles="1" noChangeArrowheads="1" noChangeShapeType="1" noTextEdit="1"/>
+                </p:cNvSpPr>
+                <p:nvPr/>
+              </p:nvSpPr>
+              <p:spPr>
+                <a:xfrm>
+                  <a:off x="1650092" y="2044795"/>
+                  <a:ext cx="366832" cy="307777"/>
+                </a:xfrm>
+                <a:prstGeom prst="rect">
+                  <a:avLst/>
+                </a:prstGeom>
+                <a:blipFill>
+                  <a:blip r:embed="rId61"/>
+                  <a:stretch>
+                    <a:fillRect l="-15000" r="-5000" b="-9804"/>
+                  </a:stretch>
+                </a:blipFill>
+              </p:spPr>
+              <p:txBody>
+                <a:bodyPr/>
+                <a:lstStyle/>
+                <a:p>
+                  <a:r>
+                    <a:rPr lang="en-US">
+                      <a:noFill/>
+                    </a:rPr>
+                    <a:t> </a:t>
+                  </a:r>
+                </a:p>
+              </p:txBody>
+            </p:sp>
+          </mc:Fallback>
+        </mc:AlternateContent>
+        <mc:AlternateContent xmlns:mc="http://schemas.openxmlformats.org/markup-compatibility/2006" xmlns:a14="http://schemas.microsoft.com/office/drawing/2010/main">
+          <mc:Choice Requires="a14">
+            <p:sp>
+              <p:nvSpPr>
+                <p:cNvPr id="115" name="TextBox 114"/>
+                <p:cNvSpPr txBox="1"/>
+                <p:nvPr/>
+              </p:nvSpPr>
+              <p:spPr>
+                <a:xfrm>
+                  <a:off x="426710" y="1007413"/>
+                  <a:ext cx="313291" cy="345159"/>
+                </a:xfrm>
+                <a:prstGeom prst="rect">
+                  <a:avLst/>
+                </a:prstGeom>
+                <a:noFill/>
+              </p:spPr>
+              <p:txBody>
+                <a:bodyPr wrap="none" lIns="0" tIns="0" rIns="0" bIns="0" rtlCol="0">
+                  <a:spAutoFit/>
+                </a:bodyPr>
+                <a:lstStyle/>
+                <a:p>
+                  <a:pPr/>
+                  <a14:m>
+                    <m:oMathPara xmlns:m="http://schemas.openxmlformats.org/officeDocument/2006/math">
+                      <m:oMathParaPr>
+                        <m:jc m:val="centerGroup"/>
+                      </m:oMathParaPr>
+                      <m:oMath xmlns:m="http://schemas.openxmlformats.org/officeDocument/2006/math">
+                        <m:sSub>
+                          <m:sSubPr>
+                            <m:ctrlPr>
+                              <a:rPr lang="en-US" sz="2000" b="0" i="1" smtClean="0">
+                                <a:latin typeface="Cambria Math" panose="02040503050406030204" pitchFamily="18" charset="0"/>
+                                <a:cs typeface="Arial" panose="020B0604020202020204" pitchFamily="34" charset="0"/>
+                              </a:rPr>
+                            </m:ctrlPr>
+                          </m:sSubPr>
+                          <m:e>
+                            <m:acc>
+                              <m:accPr>
+                                <m:chr m:val="⃗"/>
+                                <m:ctrlPr>
+                                  <a:rPr lang="en-US" sz="2000" b="0" i="1" smtClean="0">
+                                    <a:latin typeface="Cambria Math" panose="02040503050406030204" pitchFamily="18" charset="0"/>
+                                    <a:cs typeface="Arial" panose="020B0604020202020204" pitchFamily="34" charset="0"/>
+                                  </a:rPr>
+                                </m:ctrlPr>
+                              </m:accPr>
+                              <m:e>
+                                <m:r>
+                                  <a:rPr lang="en-US" sz="2000" b="0" i="1" smtClean="0">
+                                    <a:latin typeface="Cambria Math" panose="02040503050406030204" pitchFamily="18" charset="0"/>
+                                    <a:cs typeface="Arial" panose="020B0604020202020204" pitchFamily="34" charset="0"/>
+                                  </a:rPr>
+                                  <m:t>𝐹</m:t>
+                                </m:r>
+                              </m:e>
+                            </m:acc>
+                          </m:e>
+                          <m:sub>
+                            <m:r>
+                              <a:rPr lang="en-US" sz="2000" b="0" i="1" smtClean="0">
+                                <a:latin typeface="Cambria Math" panose="02040503050406030204" pitchFamily="18" charset="0"/>
+                                <a:cs typeface="Arial" panose="020B0604020202020204" pitchFamily="34" charset="0"/>
+                              </a:rPr>
+                              <m:t>1</m:t>
+                            </m:r>
+                          </m:sub>
+                        </m:sSub>
+                      </m:oMath>
+                    </m:oMathPara>
+                  </a14:m>
+                  <a:endParaRPr lang="en-US" sz="2000" dirty="0" smtClean="0">
+                    <a:latin typeface="Arial" panose="020B0604020202020204" pitchFamily="34" charset="0"/>
+                    <a:cs typeface="Arial" panose="020B0604020202020204" pitchFamily="34" charset="0"/>
+                  </a:endParaRPr>
+                </a:p>
+              </p:txBody>
+            </p:sp>
+          </mc:Choice>
+          <mc:Fallback xmlns="">
+            <p:sp>
+              <p:nvSpPr>
+                <p:cNvPr id="115" name="TextBox 114"/>
+                <p:cNvSpPr txBox="1">
+                  <a:spLocks noRot="1" noChangeAspect="1" noMove="1" noResize="1" noEditPoints="1" noAdjustHandles="1" noChangeArrowheads="1" noChangeShapeType="1" noTextEdit="1"/>
+                </p:cNvSpPr>
+                <p:nvPr/>
+              </p:nvSpPr>
+              <p:spPr>
+                <a:xfrm>
+                  <a:off x="426710" y="1007413"/>
+                  <a:ext cx="313291" cy="345159"/>
+                </a:xfrm>
+                <a:prstGeom prst="rect">
+                  <a:avLst/>
+                </a:prstGeom>
+                <a:blipFill>
+                  <a:blip r:embed="rId62"/>
+                  <a:stretch>
+                    <a:fillRect l="-17647" t="-33333" r="-68627" b="-15789"/>
+                  </a:stretch>
+                </a:blipFill>
+              </p:spPr>
+              <p:txBody>
+                <a:bodyPr/>
+                <a:lstStyle/>
+                <a:p>
+                  <a:r>
+                    <a:rPr lang="en-US">
+                      <a:noFill/>
+                    </a:rPr>
+                    <a:t> </a:t>
+                  </a:r>
+                </a:p>
+              </p:txBody>
+            </p:sp>
+          </mc:Fallback>
+        </mc:AlternateContent>
+        <p:cxnSp>
+          <p:nvCxnSpPr>
+            <p:cNvPr id="118" name="Straight Arrow Connector 117"/>
+            <p:cNvCxnSpPr/>
+            <p:nvPr/>
+          </p:nvCxnSpPr>
+          <p:spPr>
+            <a:xfrm>
+              <a:off x="2735751" y="2101822"/>
+              <a:ext cx="1825082" cy="0"/>
+            </a:xfrm>
+            <a:prstGeom prst="straightConnector1">
+              <a:avLst/>
+            </a:prstGeom>
+            <a:ln w="38100">
+              <a:solidFill>
+                <a:schemeClr val="tx1"/>
+              </a:solidFill>
+              <a:headEnd type="triangle"/>
+              <a:tailEnd type="triangle"/>
+            </a:ln>
+          </p:spPr>
+          <p:style>
+            <a:lnRef idx="1">
+              <a:schemeClr val="accent1"/>
+            </a:lnRef>
+            <a:fillRef idx="0">
+              <a:schemeClr val="accent1"/>
+            </a:fillRef>
+            <a:effectRef idx="0">
+              <a:schemeClr val="accent1"/>
+            </a:effectRef>
+            <a:fontRef idx="minor">
+              <a:schemeClr val="tx1"/>
+            </a:fontRef>
+          </p:style>
+        </p:cxnSp>
+        <mc:AlternateContent xmlns:mc="http://schemas.openxmlformats.org/markup-compatibility/2006" xmlns:a14="http://schemas.microsoft.com/office/drawing/2010/main">
+          <mc:Choice Requires="a14">
+            <p:sp>
+              <p:nvSpPr>
+                <p:cNvPr id="119" name="TextBox 118"/>
+                <p:cNvSpPr txBox="1"/>
+                <p:nvPr/>
+              </p:nvSpPr>
+              <p:spPr>
+                <a:xfrm>
+                  <a:off x="3464876" y="2062427"/>
+                  <a:ext cx="366832" cy="307777"/>
+                </a:xfrm>
+                <a:prstGeom prst="rect">
+                  <a:avLst/>
+                </a:prstGeom>
+                <a:noFill/>
+              </p:spPr>
+              <p:txBody>
+                <a:bodyPr wrap="none" lIns="0" tIns="0" rIns="0" bIns="0" rtlCol="0">
+                  <a:spAutoFit/>
+                </a:bodyPr>
+                <a:lstStyle/>
+                <a:p>
+                  <a:pPr/>
+                  <a14:m>
+                    <m:oMathPara xmlns:m="http://schemas.openxmlformats.org/officeDocument/2006/math">
+                      <m:oMathParaPr>
+                        <m:jc m:val="centerGroup"/>
+                      </m:oMathParaPr>
+                      <m:oMath xmlns:m="http://schemas.openxmlformats.org/officeDocument/2006/math">
+                        <m:r>
+                          <m:rPr>
+                            <m:sty m:val="p"/>
+                          </m:rPr>
+                          <a:rPr lang="en-US" sz="2000" b="0" i="0" smtClean="0">
+                            <a:latin typeface="Cambria Math" panose="02040503050406030204" pitchFamily="18" charset="0"/>
+                            <a:cs typeface="Arial" panose="020B0604020202020204" pitchFamily="34" charset="0"/>
+                          </a:rPr>
+                          <m:t>Δ</m:t>
+                        </m:r>
+                        <m:r>
+                          <a:rPr lang="en-US" sz="2000" b="0" i="1" smtClean="0">
+                            <a:latin typeface="Cambria Math" panose="02040503050406030204" pitchFamily="18" charset="0"/>
+                            <a:cs typeface="Arial" panose="020B0604020202020204" pitchFamily="34" charset="0"/>
+                          </a:rPr>
+                          <m:t>𝑥</m:t>
+                        </m:r>
+                      </m:oMath>
+                    </m:oMathPara>
+                  </a14:m>
+                  <a:endParaRPr lang="en-US" sz="2000" dirty="0" smtClean="0">
+                    <a:latin typeface="Arial" panose="020B0604020202020204" pitchFamily="34" charset="0"/>
+                    <a:cs typeface="Arial" panose="020B0604020202020204" pitchFamily="34" charset="0"/>
+                  </a:endParaRPr>
+                </a:p>
+              </p:txBody>
+            </p:sp>
+          </mc:Choice>
+          <mc:Fallback xmlns="">
+            <p:sp>
+              <p:nvSpPr>
+                <p:cNvPr id="119" name="TextBox 118"/>
+                <p:cNvSpPr txBox="1">
+                  <a:spLocks noRot="1" noChangeAspect="1" noMove="1" noResize="1" noEditPoints="1" noAdjustHandles="1" noChangeArrowheads="1" noChangeShapeType="1" noTextEdit="1"/>
+                </p:cNvSpPr>
+                <p:nvPr/>
+              </p:nvSpPr>
+              <p:spPr>
+                <a:xfrm>
+                  <a:off x="3464876" y="2062427"/>
+                  <a:ext cx="366832" cy="307777"/>
+                </a:xfrm>
+                <a:prstGeom prst="rect">
+                  <a:avLst/>
+                </a:prstGeom>
+                <a:blipFill>
+                  <a:blip r:embed="rId63"/>
+                  <a:stretch>
+                    <a:fillRect l="-13115" r="-4918" b="-9804"/>
+                  </a:stretch>
+                </a:blipFill>
+              </p:spPr>
+              <p:txBody>
+                <a:bodyPr/>
+                <a:lstStyle/>
+                <a:p>
+                  <a:r>
+                    <a:rPr lang="en-US">
+                      <a:noFill/>
+                    </a:rPr>
+                    <a:t> </a:t>
+                  </a:r>
+                </a:p>
+              </p:txBody>
+            </p:sp>
+          </mc:Fallback>
+        </mc:AlternateContent>
+        <p:cxnSp>
+          <p:nvCxnSpPr>
+            <p:cNvPr id="120" name="Straight Arrow Connector 119"/>
+            <p:cNvCxnSpPr/>
+            <p:nvPr/>
+          </p:nvCxnSpPr>
+          <p:spPr>
+            <a:xfrm>
+              <a:off x="4553578" y="2097152"/>
+              <a:ext cx="1825082" cy="0"/>
+            </a:xfrm>
+            <a:prstGeom prst="straightConnector1">
+              <a:avLst/>
+            </a:prstGeom>
+            <a:ln w="38100">
+              <a:solidFill>
+                <a:schemeClr val="tx1"/>
+              </a:solidFill>
+              <a:headEnd type="triangle"/>
+              <a:tailEnd type="triangle"/>
+            </a:ln>
+          </p:spPr>
+          <p:style>
+            <a:lnRef idx="1">
+              <a:schemeClr val="accent1"/>
+            </a:lnRef>
+            <a:fillRef idx="0">
+              <a:schemeClr val="accent1"/>
+            </a:fillRef>
+            <a:effectRef idx="0">
+              <a:schemeClr val="accent1"/>
+            </a:effectRef>
+            <a:fontRef idx="minor">
+              <a:schemeClr val="tx1"/>
+            </a:fontRef>
+          </p:style>
+        </p:cxnSp>
+        <mc:AlternateContent xmlns:mc="http://schemas.openxmlformats.org/markup-compatibility/2006" xmlns:a14="http://schemas.microsoft.com/office/drawing/2010/main">
+          <mc:Choice Requires="a14">
+            <p:sp>
+              <p:nvSpPr>
+                <p:cNvPr id="121" name="TextBox 120"/>
+                <p:cNvSpPr txBox="1"/>
+                <p:nvPr/>
+              </p:nvSpPr>
+              <p:spPr>
+                <a:xfrm>
+                  <a:off x="5282703" y="2057757"/>
+                  <a:ext cx="366832" cy="307777"/>
+                </a:xfrm>
+                <a:prstGeom prst="rect">
+                  <a:avLst/>
+                </a:prstGeom>
+                <a:noFill/>
+              </p:spPr>
+              <p:txBody>
+                <a:bodyPr wrap="none" lIns="0" tIns="0" rIns="0" bIns="0" rtlCol="0">
+                  <a:spAutoFit/>
+                </a:bodyPr>
+                <a:lstStyle/>
+                <a:p>
+                  <a:pPr/>
+                  <a14:m>
+                    <m:oMathPara xmlns:m="http://schemas.openxmlformats.org/officeDocument/2006/math">
+                      <m:oMathParaPr>
+                        <m:jc m:val="centerGroup"/>
+                      </m:oMathParaPr>
+                      <m:oMath xmlns:m="http://schemas.openxmlformats.org/officeDocument/2006/math">
+                        <m:r>
+                          <m:rPr>
+                            <m:sty m:val="p"/>
+                          </m:rPr>
+                          <a:rPr lang="en-US" sz="2000" b="0" i="0" smtClean="0">
+                            <a:latin typeface="Cambria Math" panose="02040503050406030204" pitchFamily="18" charset="0"/>
+                            <a:cs typeface="Arial" panose="020B0604020202020204" pitchFamily="34" charset="0"/>
+                          </a:rPr>
+                          <m:t>Δ</m:t>
+                        </m:r>
+                        <m:r>
+                          <a:rPr lang="en-US" sz="2000" b="0" i="1" smtClean="0">
+                            <a:latin typeface="Cambria Math" panose="02040503050406030204" pitchFamily="18" charset="0"/>
+                            <a:cs typeface="Arial" panose="020B0604020202020204" pitchFamily="34" charset="0"/>
+                          </a:rPr>
+                          <m:t>𝑥</m:t>
+                        </m:r>
+                      </m:oMath>
+                    </m:oMathPara>
+                  </a14:m>
+                  <a:endParaRPr lang="en-US" sz="2000" dirty="0" smtClean="0">
+                    <a:latin typeface="Arial" panose="020B0604020202020204" pitchFamily="34" charset="0"/>
+                    <a:cs typeface="Arial" panose="020B0604020202020204" pitchFamily="34" charset="0"/>
+                  </a:endParaRPr>
+                </a:p>
+              </p:txBody>
+            </p:sp>
+          </mc:Choice>
+          <mc:Fallback xmlns="">
+            <p:sp>
+              <p:nvSpPr>
+                <p:cNvPr id="121" name="TextBox 120"/>
+                <p:cNvSpPr txBox="1">
+                  <a:spLocks noRot="1" noChangeAspect="1" noMove="1" noResize="1" noEditPoints="1" noAdjustHandles="1" noChangeArrowheads="1" noChangeShapeType="1" noTextEdit="1"/>
+                </p:cNvSpPr>
+                <p:nvPr/>
+              </p:nvSpPr>
+              <p:spPr>
+                <a:xfrm>
+                  <a:off x="5282703" y="2057757"/>
+                  <a:ext cx="366832" cy="307777"/>
+                </a:xfrm>
+                <a:prstGeom prst="rect">
+                  <a:avLst/>
+                </a:prstGeom>
+                <a:blipFill>
+                  <a:blip r:embed="rId64"/>
+                  <a:stretch>
+                    <a:fillRect l="-15000" r="-5000" b="-10000"/>
+                  </a:stretch>
+                </a:blipFill>
+              </p:spPr>
+              <p:txBody>
+                <a:bodyPr/>
+                <a:lstStyle/>
+                <a:p>
+                  <a:r>
+                    <a:rPr lang="en-US">
+                      <a:noFill/>
+                    </a:rPr>
+                    <a:t> </a:t>
+                  </a:r>
+                </a:p>
+              </p:txBody>
+            </p:sp>
+          </mc:Fallback>
+        </mc:AlternateContent>
+        <p:cxnSp>
+          <p:nvCxnSpPr>
+            <p:cNvPr id="122" name="Straight Connector 121"/>
+            <p:cNvCxnSpPr/>
+            <p:nvPr/>
+          </p:nvCxnSpPr>
+          <p:spPr>
+            <a:xfrm>
+              <a:off x="4573173" y="1805575"/>
+              <a:ext cx="0" cy="581015"/>
+            </a:xfrm>
+            <a:prstGeom prst="line">
+              <a:avLst/>
+            </a:prstGeom>
+            <a:ln w="19050">
+              <a:solidFill>
+                <a:schemeClr val="tx1"/>
+              </a:solidFill>
+              <a:prstDash val="sysDot"/>
+            </a:ln>
+          </p:spPr>
+          <p:style>
+            <a:lnRef idx="1">
+              <a:schemeClr val="accent1"/>
+            </a:lnRef>
+            <a:fillRef idx="0">
+              <a:schemeClr val="accent1"/>
+            </a:fillRef>
+            <a:effectRef idx="0">
+              <a:schemeClr val="accent1"/>
+            </a:effectRef>
+            <a:fontRef idx="minor">
+              <a:schemeClr val="tx1"/>
+            </a:fontRef>
+          </p:style>
+        </p:cxnSp>
+        <p:cxnSp>
+          <p:nvCxnSpPr>
+            <p:cNvPr id="123" name="Straight Connector 122"/>
+            <p:cNvCxnSpPr/>
+            <p:nvPr/>
+          </p:nvCxnSpPr>
+          <p:spPr>
+            <a:xfrm>
+              <a:off x="6378057" y="1809160"/>
+              <a:ext cx="0" cy="581015"/>
+            </a:xfrm>
+            <a:prstGeom prst="line">
+              <a:avLst/>
+            </a:prstGeom>
+            <a:ln w="19050">
+              <a:solidFill>
+                <a:schemeClr val="tx1"/>
+              </a:solidFill>
+              <a:prstDash val="sysDot"/>
+            </a:ln>
+          </p:spPr>
+          <p:style>
+            <a:lnRef idx="1">
+              <a:schemeClr val="accent1"/>
+            </a:lnRef>
+            <a:fillRef idx="0">
+              <a:schemeClr val="accent1"/>
+            </a:fillRef>
+            <a:effectRef idx="0">
+              <a:schemeClr val="accent1"/>
+            </a:effectRef>
+            <a:fontRef idx="minor">
+              <a:schemeClr val="tx1"/>
+            </a:fontRef>
+          </p:style>
+        </p:cxnSp>
+        <mc:AlternateContent xmlns:mc="http://schemas.openxmlformats.org/markup-compatibility/2006" xmlns:a14="http://schemas.microsoft.com/office/drawing/2010/main">
+          <mc:Choice Requires="a14">
+            <p:sp>
+              <p:nvSpPr>
+                <p:cNvPr id="124" name="TextBox 123"/>
+                <p:cNvSpPr txBox="1"/>
+                <p:nvPr/>
+              </p:nvSpPr>
+              <p:spPr>
+                <a:xfrm>
+                  <a:off x="4414982" y="2404813"/>
+                  <a:ext cx="323935" cy="307777"/>
+                </a:xfrm>
+                <a:prstGeom prst="rect">
+                  <a:avLst/>
+                </a:prstGeom>
+                <a:noFill/>
+              </p:spPr>
+              <p:txBody>
+                <a:bodyPr wrap="none" lIns="0" tIns="0" rIns="0" bIns="0" rtlCol="0">
+                  <a:spAutoFit/>
+                </a:bodyPr>
+                <a:lstStyle/>
+                <a:p>
+                  <a:pPr/>
+                  <a14:m>
+                    <m:oMathPara xmlns:m="http://schemas.openxmlformats.org/officeDocument/2006/math">
+                      <m:oMathParaPr>
+                        <m:jc m:val="centerGroup"/>
+                      </m:oMathParaPr>
+                      <m:oMath xmlns:m="http://schemas.openxmlformats.org/officeDocument/2006/math">
+                        <m:sSub>
+                          <m:sSubPr>
+                            <m:ctrlPr>
+                              <a:rPr lang="en-US" sz="2000" b="0" i="1" smtClean="0">
+                                <a:latin typeface="Cambria Math" panose="02040503050406030204" pitchFamily="18" charset="0"/>
+                                <a:cs typeface="Arial" panose="020B0604020202020204" pitchFamily="34" charset="0"/>
+                              </a:rPr>
+                            </m:ctrlPr>
+                          </m:sSubPr>
+                          <m:e>
+                            <m:r>
+                              <a:rPr lang="en-US" sz="2000" b="0" i="1" smtClean="0">
+                                <a:latin typeface="Cambria Math" panose="02040503050406030204" pitchFamily="18" charset="0"/>
+                                <a:cs typeface="Arial" panose="020B0604020202020204" pitchFamily="34" charset="0"/>
+                              </a:rPr>
+                              <m:t>𝑥</m:t>
+                            </m:r>
+                          </m:e>
+                          <m:sub>
+                            <m:r>
+                              <a:rPr lang="en-US" sz="2000" b="0" i="1" smtClean="0">
+                                <a:latin typeface="Cambria Math" panose="02040503050406030204" pitchFamily="18" charset="0"/>
+                                <a:cs typeface="Arial" panose="020B0604020202020204" pitchFamily="34" charset="0"/>
+                              </a:rPr>
+                              <m:t>2</m:t>
+                            </m:r>
+                          </m:sub>
+                        </m:sSub>
+                      </m:oMath>
+                    </m:oMathPara>
+                  </a14:m>
+                  <a:endParaRPr lang="en-US" sz="2000" dirty="0" smtClean="0">
+                    <a:latin typeface="Arial" panose="020B0604020202020204" pitchFamily="34" charset="0"/>
+                    <a:cs typeface="Arial" panose="020B0604020202020204" pitchFamily="34" charset="0"/>
+                  </a:endParaRPr>
+                </a:p>
+              </p:txBody>
+            </p:sp>
+          </mc:Choice>
+          <mc:Fallback xmlns="">
+            <p:sp>
+              <p:nvSpPr>
+                <p:cNvPr id="124" name="TextBox 123"/>
+                <p:cNvSpPr txBox="1">
+                  <a:spLocks noRot="1" noChangeAspect="1" noMove="1" noResize="1" noEditPoints="1" noAdjustHandles="1" noChangeArrowheads="1" noChangeShapeType="1" noTextEdit="1"/>
+                </p:cNvSpPr>
+                <p:nvPr/>
+              </p:nvSpPr>
+              <p:spPr>
+                <a:xfrm>
+                  <a:off x="4414982" y="2404813"/>
+                  <a:ext cx="323935" cy="307777"/>
+                </a:xfrm>
+                <a:prstGeom prst="rect">
+                  <a:avLst/>
+                </a:prstGeom>
+                <a:blipFill>
+                  <a:blip r:embed="rId65"/>
+                  <a:stretch>
+                    <a:fillRect l="-7547" r="-7547" b="-19608"/>
+                  </a:stretch>
+                </a:blipFill>
+              </p:spPr>
+              <p:txBody>
+                <a:bodyPr/>
+                <a:lstStyle/>
+                <a:p>
+                  <a:r>
+                    <a:rPr lang="en-US">
+                      <a:noFill/>
+                    </a:rPr>
+                    <a:t> </a:t>
+                  </a:r>
+                </a:p>
+              </p:txBody>
+            </p:sp>
+          </mc:Fallback>
+        </mc:AlternateContent>
+        <mc:AlternateContent xmlns:mc="http://schemas.openxmlformats.org/markup-compatibility/2006" xmlns:a14="http://schemas.microsoft.com/office/drawing/2010/main">
+          <mc:Choice Requires="a14">
+            <p:sp>
+              <p:nvSpPr>
+                <p:cNvPr id="125" name="TextBox 124"/>
+                <p:cNvSpPr txBox="1"/>
+                <p:nvPr/>
+              </p:nvSpPr>
+              <p:spPr>
+                <a:xfrm>
+                  <a:off x="6216089" y="2425438"/>
+                  <a:ext cx="323935" cy="307777"/>
+                </a:xfrm>
+                <a:prstGeom prst="rect">
+                  <a:avLst/>
+                </a:prstGeom>
+                <a:noFill/>
+              </p:spPr>
+              <p:txBody>
+                <a:bodyPr wrap="none" lIns="0" tIns="0" rIns="0" bIns="0" rtlCol="0">
+                  <a:spAutoFit/>
+                </a:bodyPr>
+                <a:lstStyle/>
+                <a:p>
+                  <a:pPr/>
+                  <a14:m>
+                    <m:oMathPara xmlns:m="http://schemas.openxmlformats.org/officeDocument/2006/math">
+                      <m:oMathParaPr>
+                        <m:jc m:val="centerGroup"/>
+                      </m:oMathParaPr>
+                      <m:oMath xmlns:m="http://schemas.openxmlformats.org/officeDocument/2006/math">
+                        <m:sSub>
+                          <m:sSubPr>
+                            <m:ctrlPr>
+                              <a:rPr lang="en-US" sz="2000" b="0" i="1" smtClean="0">
+                                <a:latin typeface="Cambria Math" panose="02040503050406030204" pitchFamily="18" charset="0"/>
+                                <a:cs typeface="Arial" panose="020B0604020202020204" pitchFamily="34" charset="0"/>
+                              </a:rPr>
+                            </m:ctrlPr>
+                          </m:sSubPr>
+                          <m:e>
+                            <m:r>
+                              <a:rPr lang="en-US" sz="2000" b="0" i="1" smtClean="0">
+                                <a:latin typeface="Cambria Math" panose="02040503050406030204" pitchFamily="18" charset="0"/>
+                                <a:cs typeface="Arial" panose="020B0604020202020204" pitchFamily="34" charset="0"/>
+                              </a:rPr>
+                              <m:t>𝑥</m:t>
+                            </m:r>
+                          </m:e>
+                          <m:sub>
+                            <m:r>
+                              <a:rPr lang="en-US" sz="2000" b="0" i="1" smtClean="0">
+                                <a:latin typeface="Cambria Math" panose="02040503050406030204" pitchFamily="18" charset="0"/>
+                                <a:cs typeface="Arial" panose="020B0604020202020204" pitchFamily="34" charset="0"/>
+                              </a:rPr>
+                              <m:t>3</m:t>
+                            </m:r>
+                          </m:sub>
+                        </m:sSub>
+                      </m:oMath>
+                    </m:oMathPara>
+                  </a14:m>
+                  <a:endParaRPr lang="en-US" sz="2000" dirty="0" smtClean="0">
+                    <a:latin typeface="Arial" panose="020B0604020202020204" pitchFamily="34" charset="0"/>
+                    <a:cs typeface="Arial" panose="020B0604020202020204" pitchFamily="34" charset="0"/>
+                  </a:endParaRPr>
+                </a:p>
+              </p:txBody>
+            </p:sp>
+          </mc:Choice>
+          <mc:Fallback xmlns="">
+            <p:sp>
+              <p:nvSpPr>
+                <p:cNvPr id="125" name="TextBox 124"/>
+                <p:cNvSpPr txBox="1">
+                  <a:spLocks noRot="1" noChangeAspect="1" noMove="1" noResize="1" noEditPoints="1" noAdjustHandles="1" noChangeArrowheads="1" noChangeShapeType="1" noTextEdit="1"/>
+                </p:cNvSpPr>
+                <p:nvPr/>
+              </p:nvSpPr>
+              <p:spPr>
+                <a:xfrm>
+                  <a:off x="6216089" y="2425438"/>
+                  <a:ext cx="323935" cy="307777"/>
+                </a:xfrm>
+                <a:prstGeom prst="rect">
+                  <a:avLst/>
+                </a:prstGeom>
+                <a:blipFill>
+                  <a:blip r:embed="rId66"/>
+                  <a:stretch>
+                    <a:fillRect l="-9434" r="-5660" b="-20000"/>
+                  </a:stretch>
+                </a:blipFill>
+              </p:spPr>
+              <p:txBody>
+                <a:bodyPr/>
+                <a:lstStyle/>
+                <a:p>
+                  <a:r>
+                    <a:rPr lang="en-US">
+                      <a:noFill/>
+                    </a:rPr>
+                    <a:t> </a:t>
+                  </a:r>
+                </a:p>
+              </p:txBody>
+            </p:sp>
+          </mc:Fallback>
+        </mc:AlternateContent>
+        <p:sp>
+          <p:nvSpPr>
+            <p:cNvPr id="126" name="Rectangle 125"/>
+            <p:cNvSpPr/>
+            <p:nvPr/>
+          </p:nvSpPr>
+          <p:spPr>
+            <a:xfrm>
+              <a:off x="2736146" y="1171024"/>
+              <a:ext cx="657922" cy="602166"/>
+            </a:xfrm>
+            <a:prstGeom prst="rect">
+              <a:avLst/>
+            </a:prstGeom>
+            <a:solidFill>
+              <a:schemeClr val="bg2"/>
+            </a:solidFill>
+            <a:ln w="38100">
+              <a:solidFill>
+                <a:schemeClr val="tx1"/>
+              </a:solidFill>
+              <a:prstDash val="sysDot"/>
+            </a:ln>
+          </p:spPr>
+          <p:style>
+            <a:lnRef idx="2">
+              <a:schemeClr val="accent1">
+                <a:shade val="50000"/>
+              </a:schemeClr>
+            </a:lnRef>
+            <a:fillRef idx="1">
+              <a:schemeClr val="accent1"/>
+            </a:fillRef>
+            <a:effectRef idx="0">
+              <a:schemeClr val="accent1"/>
+            </a:effectRef>
+            <a:fontRef idx="minor">
+              <a:schemeClr val="lt1"/>
+            </a:fontRef>
+          </p:style>
+          <p:txBody>
+            <a:bodyPr rtlCol="0" anchor="ctr"/>
+            <a:lstStyle/>
+            <a:p>
+              <a:pPr algn="ctr"/>
+              <a:endParaRPr lang="en-US" dirty="0"/>
+            </a:p>
+          </p:txBody>
+        </p:sp>
+        <p:cxnSp>
+          <p:nvCxnSpPr>
+            <p:cNvPr id="127" name="Straight Arrow Connector 126"/>
+            <p:cNvCxnSpPr/>
+            <p:nvPr/>
+          </p:nvCxnSpPr>
+          <p:spPr>
+            <a:xfrm flipV="1">
+              <a:off x="1956470" y="1483259"/>
+              <a:ext cx="787060" cy="4057"/>
+            </a:xfrm>
+            <a:prstGeom prst="straightConnector1">
+              <a:avLst/>
+            </a:prstGeom>
+            <a:ln w="38100">
+              <a:solidFill>
+                <a:schemeClr val="tx1"/>
+              </a:solidFill>
+              <a:tailEnd type="triangle"/>
+            </a:ln>
+          </p:spPr>
+          <p:style>
+            <a:lnRef idx="1">
+              <a:schemeClr val="accent1"/>
+            </a:lnRef>
+            <a:fillRef idx="0">
+              <a:schemeClr val="accent1"/>
+            </a:fillRef>
+            <a:effectRef idx="0">
+              <a:schemeClr val="accent1"/>
+            </a:effectRef>
+            <a:fontRef idx="minor">
+              <a:schemeClr val="tx1"/>
+            </a:fontRef>
+          </p:style>
+        </p:cxnSp>
+        <mc:AlternateContent xmlns:mc="http://schemas.openxmlformats.org/markup-compatibility/2006" xmlns:a14="http://schemas.microsoft.com/office/drawing/2010/main">
+          <mc:Choice Requires="a14">
+            <p:sp>
+              <p:nvSpPr>
+                <p:cNvPr id="128" name="TextBox 127"/>
+                <p:cNvSpPr txBox="1"/>
+                <p:nvPr/>
+              </p:nvSpPr>
+              <p:spPr>
+                <a:xfrm>
+                  <a:off x="2238124" y="1012133"/>
+                  <a:ext cx="319254" cy="345159"/>
+                </a:xfrm>
+                <a:prstGeom prst="rect">
+                  <a:avLst/>
+                </a:prstGeom>
+                <a:noFill/>
+              </p:spPr>
+              <p:txBody>
+                <a:bodyPr wrap="none" lIns="0" tIns="0" rIns="0" bIns="0" rtlCol="0">
+                  <a:spAutoFit/>
+                </a:bodyPr>
+                <a:lstStyle/>
+                <a:p>
+                  <a:pPr/>
+                  <a14:m>
+                    <m:oMathPara xmlns:m="http://schemas.openxmlformats.org/officeDocument/2006/math">
+                      <m:oMathParaPr>
+                        <m:jc m:val="centerGroup"/>
+                      </m:oMathParaPr>
+                      <m:oMath xmlns:m="http://schemas.openxmlformats.org/officeDocument/2006/math">
+                        <m:sSub>
+                          <m:sSubPr>
+                            <m:ctrlPr>
+                              <a:rPr lang="en-US" sz="2000" b="0" i="1" smtClean="0">
+                                <a:latin typeface="Cambria Math" panose="02040503050406030204" pitchFamily="18" charset="0"/>
+                                <a:cs typeface="Arial" panose="020B0604020202020204" pitchFamily="34" charset="0"/>
+                              </a:rPr>
+                            </m:ctrlPr>
+                          </m:sSubPr>
+                          <m:e>
+                            <m:acc>
+                              <m:accPr>
+                                <m:chr m:val="⃗"/>
+                                <m:ctrlPr>
+                                  <a:rPr lang="en-US" sz="2000" b="0" i="1" smtClean="0">
+                                    <a:latin typeface="Cambria Math" panose="02040503050406030204" pitchFamily="18" charset="0"/>
+                                    <a:cs typeface="Arial" panose="020B0604020202020204" pitchFamily="34" charset="0"/>
+                                  </a:rPr>
+                                </m:ctrlPr>
+                              </m:accPr>
+                              <m:e>
+                                <m:r>
+                                  <a:rPr lang="en-US" sz="2000" b="0" i="1" smtClean="0">
+                                    <a:latin typeface="Cambria Math" panose="02040503050406030204" pitchFamily="18" charset="0"/>
+                                    <a:cs typeface="Arial" panose="020B0604020202020204" pitchFamily="34" charset="0"/>
+                                  </a:rPr>
+                                  <m:t>𝐹</m:t>
+                                </m:r>
+                              </m:e>
+                            </m:acc>
+                          </m:e>
+                          <m:sub>
+                            <m:r>
+                              <a:rPr lang="en-US" sz="2000" b="0" i="1" smtClean="0">
+                                <a:latin typeface="Cambria Math" panose="02040503050406030204" pitchFamily="18" charset="0"/>
+                                <a:cs typeface="Arial" panose="020B0604020202020204" pitchFamily="34" charset="0"/>
+                              </a:rPr>
+                              <m:t>2</m:t>
+                            </m:r>
+                          </m:sub>
+                        </m:sSub>
+                      </m:oMath>
+                    </m:oMathPara>
+                  </a14:m>
+                  <a:endParaRPr lang="en-US" sz="2000" dirty="0" smtClean="0">
+                    <a:latin typeface="Arial" panose="020B0604020202020204" pitchFamily="34" charset="0"/>
+                    <a:cs typeface="Arial" panose="020B0604020202020204" pitchFamily="34" charset="0"/>
+                  </a:endParaRPr>
+                </a:p>
+              </p:txBody>
+            </p:sp>
+          </mc:Choice>
+          <mc:Fallback xmlns="">
+            <p:sp>
+              <p:nvSpPr>
+                <p:cNvPr id="128" name="TextBox 127"/>
+                <p:cNvSpPr txBox="1">
+                  <a:spLocks noRot="1" noChangeAspect="1" noMove="1" noResize="1" noEditPoints="1" noAdjustHandles="1" noChangeArrowheads="1" noChangeShapeType="1" noTextEdit="1"/>
+                </p:cNvSpPr>
+                <p:nvPr/>
+              </p:nvSpPr>
+              <p:spPr>
+                <a:xfrm>
+                  <a:off x="2238124" y="1012133"/>
+                  <a:ext cx="319254" cy="345159"/>
+                </a:xfrm>
+                <a:prstGeom prst="rect">
+                  <a:avLst/>
+                </a:prstGeom>
+                <a:blipFill>
+                  <a:blip r:embed="rId67"/>
+                  <a:stretch>
+                    <a:fillRect l="-15094" t="-33333" r="-66038" b="-17544"/>
+                  </a:stretch>
+                </a:blipFill>
+              </p:spPr>
+              <p:txBody>
+                <a:bodyPr/>
+                <a:lstStyle/>
+                <a:p>
+                  <a:r>
+                    <a:rPr lang="en-US">
+                      <a:noFill/>
+                    </a:rPr>
+                    <a:t> </a:t>
+                  </a:r>
+                </a:p>
+              </p:txBody>
+            </p:sp>
+          </mc:Fallback>
+        </mc:AlternateContent>
+        <p:sp>
+          <p:nvSpPr>
+            <p:cNvPr id="129" name="Rectangle 128"/>
+            <p:cNvSpPr/>
+            <p:nvPr/>
+          </p:nvSpPr>
+          <p:spPr>
+            <a:xfrm>
+              <a:off x="4553568" y="1175081"/>
+              <a:ext cx="657922" cy="602166"/>
+            </a:xfrm>
+            <a:prstGeom prst="rect">
+              <a:avLst/>
+            </a:prstGeom>
+            <a:solidFill>
+              <a:schemeClr val="bg2"/>
+            </a:solidFill>
+            <a:ln w="38100">
+              <a:solidFill>
+                <a:schemeClr val="tx1"/>
+              </a:solidFill>
+              <a:prstDash val="sysDot"/>
+            </a:ln>
+          </p:spPr>
+          <p:style>
+            <a:lnRef idx="2">
+              <a:schemeClr val="accent1">
+                <a:shade val="50000"/>
+              </a:schemeClr>
+            </a:lnRef>
+            <a:fillRef idx="1">
+              <a:schemeClr val="accent1"/>
+            </a:fillRef>
+            <a:effectRef idx="0">
+              <a:schemeClr val="accent1"/>
+            </a:effectRef>
+            <a:fontRef idx="minor">
+              <a:schemeClr val="lt1"/>
+            </a:fontRef>
+          </p:style>
+          <p:txBody>
+            <a:bodyPr rtlCol="0" anchor="ctr"/>
+            <a:lstStyle/>
+            <a:p>
+              <a:pPr algn="ctr"/>
+              <a:endParaRPr lang="en-US" dirty="0"/>
+            </a:p>
+          </p:txBody>
+        </p:sp>
+        <p:cxnSp>
+          <p:nvCxnSpPr>
+            <p:cNvPr id="130" name="Straight Arrow Connector 129"/>
+            <p:cNvCxnSpPr/>
+            <p:nvPr/>
+          </p:nvCxnSpPr>
+          <p:spPr>
+            <a:xfrm>
+              <a:off x="3658590" y="1478539"/>
+              <a:ext cx="902362" cy="8777"/>
+            </a:xfrm>
+            <a:prstGeom prst="straightConnector1">
+              <a:avLst/>
+            </a:prstGeom>
+            <a:ln w="38100">
+              <a:solidFill>
+                <a:schemeClr val="tx1"/>
+              </a:solidFill>
+              <a:tailEnd type="triangle"/>
+            </a:ln>
+          </p:spPr>
+          <p:style>
+            <a:lnRef idx="1">
+              <a:schemeClr val="accent1"/>
+            </a:lnRef>
+            <a:fillRef idx="0">
+              <a:schemeClr val="accent1"/>
+            </a:fillRef>
+            <a:effectRef idx="0">
+              <a:schemeClr val="accent1"/>
+            </a:effectRef>
+            <a:fontRef idx="minor">
+              <a:schemeClr val="tx1"/>
+            </a:fontRef>
+          </p:style>
+        </p:cxnSp>
+        <mc:AlternateContent xmlns:mc="http://schemas.openxmlformats.org/markup-compatibility/2006" xmlns:a14="http://schemas.microsoft.com/office/drawing/2010/main">
+          <mc:Choice Requires="a14">
+            <p:sp>
+              <p:nvSpPr>
+                <p:cNvPr id="131" name="TextBox 130"/>
+                <p:cNvSpPr txBox="1"/>
+                <p:nvPr/>
+              </p:nvSpPr>
+              <p:spPr>
+                <a:xfrm>
+                  <a:off x="4055546" y="1016190"/>
+                  <a:ext cx="319254" cy="345159"/>
+                </a:xfrm>
+                <a:prstGeom prst="rect">
+                  <a:avLst/>
+                </a:prstGeom>
+                <a:noFill/>
+              </p:spPr>
+              <p:txBody>
+                <a:bodyPr wrap="none" lIns="0" tIns="0" rIns="0" bIns="0" rtlCol="0">
+                  <a:spAutoFit/>
+                </a:bodyPr>
+                <a:lstStyle/>
+                <a:p>
+                  <a:pPr/>
+                  <a14:m>
+                    <m:oMathPara xmlns:m="http://schemas.openxmlformats.org/officeDocument/2006/math">
+                      <m:oMathParaPr>
+                        <m:jc m:val="centerGroup"/>
+                      </m:oMathParaPr>
+                      <m:oMath xmlns:m="http://schemas.openxmlformats.org/officeDocument/2006/math">
+                        <m:sSub>
+                          <m:sSubPr>
+                            <m:ctrlPr>
+                              <a:rPr lang="en-US" sz="2000" b="0" i="1" smtClean="0">
+                                <a:latin typeface="Cambria Math" panose="02040503050406030204" pitchFamily="18" charset="0"/>
+                                <a:cs typeface="Arial" panose="020B0604020202020204" pitchFamily="34" charset="0"/>
+                              </a:rPr>
+                            </m:ctrlPr>
+                          </m:sSubPr>
+                          <m:e>
+                            <m:acc>
+                              <m:accPr>
+                                <m:chr m:val="⃗"/>
+                                <m:ctrlPr>
+                                  <a:rPr lang="en-US" sz="2000" b="0" i="1" smtClean="0">
+                                    <a:latin typeface="Cambria Math" panose="02040503050406030204" pitchFamily="18" charset="0"/>
+                                    <a:cs typeface="Arial" panose="020B0604020202020204" pitchFamily="34" charset="0"/>
+                                  </a:rPr>
+                                </m:ctrlPr>
+                              </m:accPr>
+                              <m:e>
+                                <m:r>
+                                  <a:rPr lang="en-US" sz="2000" b="0" i="1" smtClean="0">
+                                    <a:latin typeface="Cambria Math" panose="02040503050406030204" pitchFamily="18" charset="0"/>
+                                    <a:cs typeface="Arial" panose="020B0604020202020204" pitchFamily="34" charset="0"/>
+                                  </a:rPr>
+                                  <m:t>𝐹</m:t>
+                                </m:r>
+                              </m:e>
+                            </m:acc>
+                          </m:e>
+                          <m:sub>
+                            <m:r>
+                              <a:rPr lang="en-US" sz="2000" b="0" i="1" smtClean="0">
+                                <a:latin typeface="Cambria Math" panose="02040503050406030204" pitchFamily="18" charset="0"/>
+                                <a:cs typeface="Arial" panose="020B0604020202020204" pitchFamily="34" charset="0"/>
+                              </a:rPr>
+                              <m:t>3</m:t>
+                            </m:r>
+                          </m:sub>
+                        </m:sSub>
+                      </m:oMath>
+                    </m:oMathPara>
+                  </a14:m>
+                  <a:endParaRPr lang="en-US" sz="2000" dirty="0" smtClean="0">
+                    <a:latin typeface="Arial" panose="020B0604020202020204" pitchFamily="34" charset="0"/>
+                    <a:cs typeface="Arial" panose="020B0604020202020204" pitchFamily="34" charset="0"/>
+                  </a:endParaRPr>
+                </a:p>
+              </p:txBody>
+            </p:sp>
+          </mc:Choice>
+          <mc:Fallback xmlns="">
+            <p:sp>
+              <p:nvSpPr>
+                <p:cNvPr id="131" name="TextBox 130"/>
+                <p:cNvSpPr txBox="1">
+                  <a:spLocks noRot="1" noChangeAspect="1" noMove="1" noResize="1" noEditPoints="1" noAdjustHandles="1" noChangeArrowheads="1" noChangeShapeType="1" noTextEdit="1"/>
+                </p:cNvSpPr>
+                <p:nvPr/>
+              </p:nvSpPr>
+              <p:spPr>
+                <a:xfrm>
+                  <a:off x="4055546" y="1016190"/>
+                  <a:ext cx="319254" cy="345159"/>
+                </a:xfrm>
+                <a:prstGeom prst="rect">
+                  <a:avLst/>
+                </a:prstGeom>
+                <a:blipFill>
+                  <a:blip r:embed="rId68"/>
+                  <a:stretch>
+                    <a:fillRect l="-15094" t="-35714" r="-66038" b="-17857"/>
+                  </a:stretch>
+                </a:blipFill>
+              </p:spPr>
+              <p:txBody>
+                <a:bodyPr/>
+                <a:lstStyle/>
+                <a:p>
+                  <a:r>
+                    <a:rPr lang="en-US">
+                      <a:noFill/>
+                    </a:rPr>
+                    <a:t> </a:t>
+                  </a:r>
+                </a:p>
+              </p:txBody>
+            </p:sp>
+          </mc:Fallback>
+        </mc:AlternateContent>
+        <mc:AlternateContent xmlns:mc="http://schemas.openxmlformats.org/markup-compatibility/2006" xmlns:a14="http://schemas.microsoft.com/office/drawing/2010/main">
+          <mc:Choice Requires="a14">
+            <p:sp>
+              <p:nvSpPr>
+                <p:cNvPr id="140" name="TextBox 139"/>
+                <p:cNvSpPr txBox="1"/>
+                <p:nvPr/>
+              </p:nvSpPr>
+              <p:spPr>
+                <a:xfrm>
+                  <a:off x="1193684" y="442545"/>
+                  <a:ext cx="1267848" cy="307777"/>
+                </a:xfrm>
+                <a:prstGeom prst="rect">
+                  <a:avLst/>
+                </a:prstGeom>
+                <a:noFill/>
+              </p:spPr>
+              <p:txBody>
+                <a:bodyPr wrap="none" lIns="0" tIns="0" rIns="0" bIns="0" rtlCol="0">
+                  <a:spAutoFit/>
+                </a:bodyPr>
+                <a:lstStyle/>
+                <a:p>
+                  <a:pPr/>
+                  <a14:m>
+                    <m:oMathPara xmlns:m="http://schemas.openxmlformats.org/officeDocument/2006/math">
+                      <m:oMathParaPr>
+                        <m:jc m:val="centerGroup"/>
+                      </m:oMathParaPr>
+                      <m:oMath xmlns:m="http://schemas.openxmlformats.org/officeDocument/2006/math">
+                        <m:r>
+                          <a:rPr lang="en-US" sz="2000" b="0" i="1" smtClean="0">
+                            <a:latin typeface="Cambria Math" panose="02040503050406030204" pitchFamily="18" charset="0"/>
+                            <a:cs typeface="Arial" panose="020B0604020202020204" pitchFamily="34" charset="0"/>
+                          </a:rPr>
+                          <m:t>𝑠𝑒𝑔𝑚𝑒𝑛𝑡</m:t>
+                        </m:r>
+                        <m:r>
+                          <a:rPr lang="en-US" sz="2000" b="0" i="1" smtClean="0">
+                            <a:latin typeface="Cambria Math" panose="02040503050406030204" pitchFamily="18" charset="0"/>
+                            <a:cs typeface="Arial" panose="020B0604020202020204" pitchFamily="34" charset="0"/>
+                          </a:rPr>
+                          <m:t> 1</m:t>
+                        </m:r>
+                      </m:oMath>
+                    </m:oMathPara>
+                  </a14:m>
+                  <a:endParaRPr lang="en-US" sz="2000" dirty="0" smtClean="0">
+                    <a:latin typeface="Arial" panose="020B0604020202020204" pitchFamily="34" charset="0"/>
+                    <a:cs typeface="Arial" panose="020B0604020202020204" pitchFamily="34" charset="0"/>
+                  </a:endParaRPr>
+                </a:p>
+              </p:txBody>
+            </p:sp>
+          </mc:Choice>
+          <mc:Fallback xmlns="">
+            <p:sp>
+              <p:nvSpPr>
+                <p:cNvPr id="140" name="TextBox 139"/>
+                <p:cNvSpPr txBox="1">
+                  <a:spLocks noRot="1" noChangeAspect="1" noMove="1" noResize="1" noEditPoints="1" noAdjustHandles="1" noChangeArrowheads="1" noChangeShapeType="1" noTextEdit="1"/>
+                </p:cNvSpPr>
+                <p:nvPr/>
+              </p:nvSpPr>
+              <p:spPr>
+                <a:xfrm>
+                  <a:off x="1193684" y="442545"/>
+                  <a:ext cx="1267848" cy="307777"/>
+                </a:xfrm>
+                <a:prstGeom prst="rect">
+                  <a:avLst/>
+                </a:prstGeom>
+                <a:blipFill>
+                  <a:blip r:embed="rId69"/>
+                  <a:stretch>
+                    <a:fillRect l="-5288" r="-3365" b="-34000"/>
+                  </a:stretch>
+                </a:blipFill>
+              </p:spPr>
+              <p:txBody>
+                <a:bodyPr/>
+                <a:lstStyle/>
+                <a:p>
+                  <a:r>
+                    <a:rPr lang="en-US">
+                      <a:noFill/>
+                    </a:rPr>
+                    <a:t> </a:t>
+                  </a:r>
+                </a:p>
+              </p:txBody>
+            </p:sp>
+          </mc:Fallback>
+        </mc:AlternateContent>
+        <mc:AlternateContent xmlns:mc="http://schemas.openxmlformats.org/markup-compatibility/2006" xmlns:a14="http://schemas.microsoft.com/office/drawing/2010/main">
+          <mc:Choice Requires="a14">
+            <p:sp>
+              <p:nvSpPr>
+                <p:cNvPr id="141" name="TextBox 140"/>
+                <p:cNvSpPr txBox="1"/>
+                <p:nvPr/>
+              </p:nvSpPr>
+              <p:spPr>
+                <a:xfrm>
+                  <a:off x="3130812" y="438732"/>
+                  <a:ext cx="1267848" cy="307777"/>
+                </a:xfrm>
+                <a:prstGeom prst="rect">
+                  <a:avLst/>
+                </a:prstGeom>
+                <a:noFill/>
+              </p:spPr>
+              <p:txBody>
+                <a:bodyPr wrap="none" lIns="0" tIns="0" rIns="0" bIns="0" rtlCol="0">
+                  <a:spAutoFit/>
+                </a:bodyPr>
+                <a:lstStyle/>
+                <a:p>
+                  <a:pPr/>
+                  <a14:m>
+                    <m:oMathPara xmlns:m="http://schemas.openxmlformats.org/officeDocument/2006/math">
+                      <m:oMathParaPr>
+                        <m:jc m:val="centerGroup"/>
+                      </m:oMathParaPr>
+                      <m:oMath xmlns:m="http://schemas.openxmlformats.org/officeDocument/2006/math">
+                        <m:r>
+                          <a:rPr lang="en-US" sz="2000" b="0" i="1" smtClean="0">
+                            <a:latin typeface="Cambria Math" panose="02040503050406030204" pitchFamily="18" charset="0"/>
+                            <a:cs typeface="Arial" panose="020B0604020202020204" pitchFamily="34" charset="0"/>
+                          </a:rPr>
+                          <m:t>𝑠𝑒𝑔𝑚𝑒𝑛𝑡</m:t>
+                        </m:r>
+                        <m:r>
+                          <a:rPr lang="en-US" sz="2000" b="0" i="1" smtClean="0">
+                            <a:latin typeface="Cambria Math" panose="02040503050406030204" pitchFamily="18" charset="0"/>
+                            <a:cs typeface="Arial" panose="020B0604020202020204" pitchFamily="34" charset="0"/>
+                          </a:rPr>
+                          <m:t> 2</m:t>
+                        </m:r>
+                      </m:oMath>
+                    </m:oMathPara>
+                  </a14:m>
+                  <a:endParaRPr lang="en-US" sz="2000" dirty="0" smtClean="0">
+                    <a:latin typeface="Arial" panose="020B0604020202020204" pitchFamily="34" charset="0"/>
+                    <a:cs typeface="Arial" panose="020B0604020202020204" pitchFamily="34" charset="0"/>
+                  </a:endParaRPr>
+                </a:p>
+              </p:txBody>
+            </p:sp>
+          </mc:Choice>
+          <mc:Fallback xmlns="">
+            <p:sp>
+              <p:nvSpPr>
+                <p:cNvPr id="141" name="TextBox 140"/>
+                <p:cNvSpPr txBox="1">
+                  <a:spLocks noRot="1" noChangeAspect="1" noMove="1" noResize="1" noEditPoints="1" noAdjustHandles="1" noChangeArrowheads="1" noChangeShapeType="1" noTextEdit="1"/>
+                </p:cNvSpPr>
+                <p:nvPr/>
+              </p:nvSpPr>
+              <p:spPr>
+                <a:xfrm>
+                  <a:off x="3130812" y="438732"/>
+                  <a:ext cx="1267848" cy="307777"/>
+                </a:xfrm>
+                <a:prstGeom prst="rect">
+                  <a:avLst/>
+                </a:prstGeom>
+                <a:blipFill>
+                  <a:blip r:embed="rId70"/>
+                  <a:stretch>
+                    <a:fillRect l="-5288" r="-3365" b="-34000"/>
+                  </a:stretch>
+                </a:blipFill>
+              </p:spPr>
+              <p:txBody>
+                <a:bodyPr/>
+                <a:lstStyle/>
+                <a:p>
+                  <a:r>
+                    <a:rPr lang="en-US">
+                      <a:noFill/>
+                    </a:rPr>
+                    <a:t> </a:t>
+                  </a:r>
+                </a:p>
+              </p:txBody>
+            </p:sp>
+          </mc:Fallback>
+        </mc:AlternateContent>
+        <mc:AlternateContent xmlns:mc="http://schemas.openxmlformats.org/markup-compatibility/2006" xmlns:a14="http://schemas.microsoft.com/office/drawing/2010/main">
+          <mc:Choice Requires="a14">
+            <p:sp>
+              <p:nvSpPr>
+                <p:cNvPr id="142" name="TextBox 141"/>
+                <p:cNvSpPr txBox="1"/>
+                <p:nvPr/>
+              </p:nvSpPr>
+              <p:spPr>
+                <a:xfrm>
+                  <a:off x="5067940" y="437601"/>
+                  <a:ext cx="1267848" cy="307777"/>
+                </a:xfrm>
+                <a:prstGeom prst="rect">
+                  <a:avLst/>
+                </a:prstGeom>
+                <a:noFill/>
+              </p:spPr>
+              <p:txBody>
+                <a:bodyPr wrap="none" lIns="0" tIns="0" rIns="0" bIns="0" rtlCol="0">
+                  <a:spAutoFit/>
+                </a:bodyPr>
+                <a:lstStyle/>
+                <a:p>
+                  <a:pPr/>
+                  <a14:m>
+                    <m:oMathPara xmlns:m="http://schemas.openxmlformats.org/officeDocument/2006/math">
+                      <m:oMathParaPr>
+                        <m:jc m:val="centerGroup"/>
+                      </m:oMathParaPr>
+                      <m:oMath xmlns:m="http://schemas.openxmlformats.org/officeDocument/2006/math">
+                        <m:r>
+                          <a:rPr lang="en-US" sz="2000" b="0" i="1" smtClean="0">
+                            <a:latin typeface="Cambria Math" panose="02040503050406030204" pitchFamily="18" charset="0"/>
+                            <a:cs typeface="Arial" panose="020B0604020202020204" pitchFamily="34" charset="0"/>
+                          </a:rPr>
+                          <m:t>𝑠𝑒𝑔𝑚𝑒𝑛𝑡</m:t>
+                        </m:r>
+                        <m:r>
+                          <a:rPr lang="en-US" sz="2000" b="0" i="1" smtClean="0">
+                            <a:latin typeface="Cambria Math" panose="02040503050406030204" pitchFamily="18" charset="0"/>
+                            <a:cs typeface="Arial" panose="020B0604020202020204" pitchFamily="34" charset="0"/>
+                          </a:rPr>
+                          <m:t> 3</m:t>
+                        </m:r>
+                      </m:oMath>
+                    </m:oMathPara>
+                  </a14:m>
+                  <a:endParaRPr lang="en-US" sz="2000" dirty="0" smtClean="0">
+                    <a:latin typeface="Arial" panose="020B0604020202020204" pitchFamily="34" charset="0"/>
+                    <a:cs typeface="Arial" panose="020B0604020202020204" pitchFamily="34" charset="0"/>
+                  </a:endParaRPr>
+                </a:p>
+              </p:txBody>
+            </p:sp>
+          </mc:Choice>
+          <mc:Fallback xmlns="">
+            <p:sp>
+              <p:nvSpPr>
+                <p:cNvPr id="142" name="TextBox 141"/>
+                <p:cNvSpPr txBox="1">
+                  <a:spLocks noRot="1" noChangeAspect="1" noMove="1" noResize="1" noEditPoints="1" noAdjustHandles="1" noChangeArrowheads="1" noChangeShapeType="1" noTextEdit="1"/>
+                </p:cNvSpPr>
+                <p:nvPr/>
+              </p:nvSpPr>
+              <p:spPr>
+                <a:xfrm>
+                  <a:off x="5067940" y="437601"/>
+                  <a:ext cx="1267848" cy="307777"/>
+                </a:xfrm>
+                <a:prstGeom prst="rect">
+                  <a:avLst/>
+                </a:prstGeom>
+                <a:blipFill>
+                  <a:blip r:embed="rId71"/>
+                  <a:stretch>
+                    <a:fillRect l="-4808" r="-3846" b="-34000"/>
                   </a:stretch>
                 </a:blipFill>
               </p:spPr>
@@ -27416,10 +27015,6 @@
                   </a:rPr>
                   <a:t>12345</a:t>
                 </a:r>
-                <a:endParaRPr lang="en-US" sz="400" dirty="0" smtClean="0">
-                  <a:latin typeface="Arial" panose="020B0604020202020204" pitchFamily="34" charset="0"/>
-                  <a:cs typeface="Arial" panose="020B0604020202020204" pitchFamily="34" charset="0"/>
-                </a:endParaRPr>
               </a:p>
             </p:txBody>
           </p:sp>
@@ -27616,8 +27211,8 @@
             </p:txBody>
           </p:sp>
         </p:grpSp>
-        <mc:AlternateContent xmlns:mc="http://schemas.openxmlformats.org/markup-compatibility/2006">
-          <mc:Choice xmlns:a14="http://schemas.microsoft.com/office/drawing/2010/main" Requires="a14">
+        <mc:AlternateContent xmlns:mc="http://schemas.openxmlformats.org/markup-compatibility/2006" xmlns:a14="http://schemas.microsoft.com/office/drawing/2010/main">
+          <mc:Choice Requires="a14">
             <p:sp>
               <p:nvSpPr>
                 <p:cNvPr id="69" name="TextBox 68"/>
@@ -27640,6 +27235,7 @@
                 </a:bodyPr>
                 <a:lstStyle/>
                 <a:p>
+                  <a:pPr/>
                   <a14:m>
                     <m:oMathPara xmlns:m="http://schemas.openxmlformats.org/officeDocument/2006/math">
                       <m:oMathParaPr>
@@ -27664,7 +27260,7 @@
               </p:txBody>
             </p:sp>
           </mc:Choice>
-          <mc:Fallback>
+          <mc:Fallback xmlns="">
             <p:sp>
               <p:nvSpPr>
                 <p:cNvPr id="69" name="TextBox 68"/>
@@ -27739,8 +27335,8 @@
             </a:fontRef>
           </p:style>
         </p:cxnSp>
-        <mc:AlternateContent xmlns:mc="http://schemas.openxmlformats.org/markup-compatibility/2006">
-          <mc:Choice xmlns:a14="http://schemas.microsoft.com/office/drawing/2010/main" Requires="a14">
+        <mc:AlternateContent xmlns:mc="http://schemas.openxmlformats.org/markup-compatibility/2006" xmlns:a14="http://schemas.microsoft.com/office/drawing/2010/main">
+          <mc:Choice Requires="a14">
             <p:sp>
               <p:nvSpPr>
                 <p:cNvPr id="72" name="TextBox 71"/>
@@ -27788,7 +27384,7 @@
               </p:txBody>
             </p:sp>
           </mc:Choice>
-          <mc:Fallback>
+          <mc:Fallback xmlns="">
             <p:sp>
               <p:nvSpPr>
                 <p:cNvPr id="72" name="TextBox 71"/>
@@ -28027,8 +27623,8 @@
                 </a:fontRef>
               </p:style>
             </p:cxnSp>
-            <mc:AlternateContent xmlns:mc="http://schemas.openxmlformats.org/markup-compatibility/2006">
-              <mc:Choice xmlns:a14="http://schemas.microsoft.com/office/drawing/2010/main" Requires="a14">
+            <mc:AlternateContent xmlns:mc="http://schemas.openxmlformats.org/markup-compatibility/2006" xmlns:a14="http://schemas.microsoft.com/office/drawing/2010/main">
+              <mc:Choice Requires="a14">
                 <p:sp>
                   <p:nvSpPr>
                     <p:cNvPr id="81" name="TextBox 80"/>
@@ -28110,7 +27706,7 @@
                   </p:txBody>
                 </p:sp>
               </mc:Choice>
-              <mc:Fallback>
+              <mc:Fallback xmlns="">
                 <p:sp>
                   <p:nvSpPr>
                     <p:cNvPr id="81" name="TextBox 80"/>
@@ -28957,8 +28553,8 @@
               </a:fontRef>
             </p:style>
           </p:cxnSp>
-          <mc:AlternateContent xmlns:mc="http://schemas.openxmlformats.org/markup-compatibility/2006">
-            <mc:Choice xmlns:a14="http://schemas.microsoft.com/office/drawing/2010/main" Requires="a14">
+          <mc:AlternateContent xmlns:mc="http://schemas.openxmlformats.org/markup-compatibility/2006" xmlns:a14="http://schemas.microsoft.com/office/drawing/2010/main">
+            <mc:Choice Requires="a14">
               <p:sp>
                 <p:nvSpPr>
                   <p:cNvPr id="99" name="TextBox 98"/>
@@ -28981,6 +28577,7 @@
                   </a:bodyPr>
                   <a:lstStyle/>
                   <a:p>
+                    <a:pPr/>
                     <a14:m>
                       <m:oMathPara xmlns:m="http://schemas.openxmlformats.org/officeDocument/2006/math">
                         <m:oMathParaPr>
@@ -29005,7 +28602,7 @@
                 </p:txBody>
               </p:sp>
             </mc:Choice>
-            <mc:Fallback>
+            <mc:Fallback xmlns="">
               <p:sp>
                 <p:nvSpPr>
                   <p:cNvPr id="99" name="TextBox 98"/>
@@ -29080,8 +28677,8 @@
               </a:fontRef>
             </p:style>
           </p:cxnSp>
-          <mc:AlternateContent xmlns:mc="http://schemas.openxmlformats.org/markup-compatibility/2006">
-            <mc:Choice xmlns:a14="http://schemas.microsoft.com/office/drawing/2010/main" Requires="a14">
+          <mc:AlternateContent xmlns:mc="http://schemas.openxmlformats.org/markup-compatibility/2006" xmlns:a14="http://schemas.microsoft.com/office/drawing/2010/main">
+            <mc:Choice Requires="a14">
               <p:sp>
                 <p:nvSpPr>
                   <p:cNvPr id="102" name="TextBox 101"/>
@@ -29104,6 +28701,7 @@
                   </a:bodyPr>
                   <a:lstStyle/>
                   <a:p>
+                    <a:pPr/>
                     <a14:m>
                       <m:oMathPara xmlns:m="http://schemas.openxmlformats.org/officeDocument/2006/math">
                         <m:oMathParaPr>
@@ -29128,7 +28726,7 @@
                 </p:txBody>
               </p:sp>
             </mc:Choice>
-            <mc:Fallback>
+            <mc:Fallback xmlns="">
               <p:sp>
                 <p:nvSpPr>
                   <p:cNvPr id="102" name="TextBox 101"/>
@@ -29205,8 +28803,8 @@
             </a:fontRef>
           </p:style>
         </p:cxnSp>
-        <mc:AlternateContent xmlns:mc="http://schemas.openxmlformats.org/markup-compatibility/2006">
-          <mc:Choice xmlns:a14="http://schemas.microsoft.com/office/drawing/2010/main" Requires="a14">
+        <mc:AlternateContent xmlns:mc="http://schemas.openxmlformats.org/markup-compatibility/2006" xmlns:a14="http://schemas.microsoft.com/office/drawing/2010/main">
+          <mc:Choice Requires="a14">
             <p:sp>
               <p:nvSpPr>
                 <p:cNvPr id="109" name="TextBox 108"/>
@@ -29288,7 +28886,7 @@
               </p:txBody>
             </p:sp>
           </mc:Choice>
-          <mc:Fallback>
+          <mc:Fallback xmlns="">
             <p:sp>
               <p:nvSpPr>
                 <p:cNvPr id="109" name="TextBox 108"/>

--- a/tex/figures/ApplyingNewtonsLaws/Figures.pptx
+++ b/tex/figures/ApplyingNewtonsLaws/Figures.pptx
@@ -250,7 +250,7 @@
           <a:p>
             <a:fld id="{F7249F8D-641B-4CAF-BAE5-10524742F6F1}" type="datetimeFigureOut">
               <a:rPr lang="en-CA" smtClean="0"/>
-              <a:t>2018-06-04</a:t>
+              <a:t>2018-06-20</a:t>
             </a:fld>
             <a:endParaRPr lang="en-CA"/>
           </a:p>
@@ -420,7 +420,7 @@
           <a:p>
             <a:fld id="{F7249F8D-641B-4CAF-BAE5-10524742F6F1}" type="datetimeFigureOut">
               <a:rPr lang="en-CA" smtClean="0"/>
-              <a:t>2018-06-04</a:t>
+              <a:t>2018-06-20</a:t>
             </a:fld>
             <a:endParaRPr lang="en-CA"/>
           </a:p>
@@ -600,7 +600,7 @@
           <a:p>
             <a:fld id="{F7249F8D-641B-4CAF-BAE5-10524742F6F1}" type="datetimeFigureOut">
               <a:rPr lang="en-CA" smtClean="0"/>
-              <a:t>2018-06-04</a:t>
+              <a:t>2018-06-20</a:t>
             </a:fld>
             <a:endParaRPr lang="en-CA"/>
           </a:p>
@@ -770,7 +770,7 @@
           <a:p>
             <a:fld id="{F7249F8D-641B-4CAF-BAE5-10524742F6F1}" type="datetimeFigureOut">
               <a:rPr lang="en-CA" smtClean="0"/>
-              <a:t>2018-06-04</a:t>
+              <a:t>2018-06-20</a:t>
             </a:fld>
             <a:endParaRPr lang="en-CA"/>
           </a:p>
@@ -1016,7 +1016,7 @@
           <a:p>
             <a:fld id="{F7249F8D-641B-4CAF-BAE5-10524742F6F1}" type="datetimeFigureOut">
               <a:rPr lang="en-CA" smtClean="0"/>
-              <a:t>2018-06-04</a:t>
+              <a:t>2018-06-20</a:t>
             </a:fld>
             <a:endParaRPr lang="en-CA"/>
           </a:p>
@@ -1248,7 +1248,7 @@
           <a:p>
             <a:fld id="{F7249F8D-641B-4CAF-BAE5-10524742F6F1}" type="datetimeFigureOut">
               <a:rPr lang="en-CA" smtClean="0"/>
-              <a:t>2018-06-04</a:t>
+              <a:t>2018-06-20</a:t>
             </a:fld>
             <a:endParaRPr lang="en-CA"/>
           </a:p>
@@ -1615,7 +1615,7 @@
           <a:p>
             <a:fld id="{F7249F8D-641B-4CAF-BAE5-10524742F6F1}" type="datetimeFigureOut">
               <a:rPr lang="en-CA" smtClean="0"/>
-              <a:t>2018-06-04</a:t>
+              <a:t>2018-06-20</a:t>
             </a:fld>
             <a:endParaRPr lang="en-CA"/>
           </a:p>
@@ -1733,7 +1733,7 @@
           <a:p>
             <a:fld id="{F7249F8D-641B-4CAF-BAE5-10524742F6F1}" type="datetimeFigureOut">
               <a:rPr lang="en-CA" smtClean="0"/>
-              <a:t>2018-06-04</a:t>
+              <a:t>2018-06-20</a:t>
             </a:fld>
             <a:endParaRPr lang="en-CA"/>
           </a:p>
@@ -1828,7 +1828,7 @@
           <a:p>
             <a:fld id="{F7249F8D-641B-4CAF-BAE5-10524742F6F1}" type="datetimeFigureOut">
               <a:rPr lang="en-CA" smtClean="0"/>
-              <a:t>2018-06-04</a:t>
+              <a:t>2018-06-20</a:t>
             </a:fld>
             <a:endParaRPr lang="en-CA"/>
           </a:p>
@@ -2105,7 +2105,7 @@
           <a:p>
             <a:fld id="{F7249F8D-641B-4CAF-BAE5-10524742F6F1}" type="datetimeFigureOut">
               <a:rPr lang="en-CA" smtClean="0"/>
-              <a:t>2018-06-04</a:t>
+              <a:t>2018-06-20</a:t>
             </a:fld>
             <a:endParaRPr lang="en-CA"/>
           </a:p>
@@ -2358,7 +2358,7 @@
           <a:p>
             <a:fld id="{F7249F8D-641B-4CAF-BAE5-10524742F6F1}" type="datetimeFigureOut">
               <a:rPr lang="en-CA" smtClean="0"/>
-              <a:t>2018-06-04</a:t>
+              <a:t>2018-06-20</a:t>
             </a:fld>
             <a:endParaRPr lang="en-CA"/>
           </a:p>
@@ -2571,7 +2571,7 @@
           <a:p>
             <a:fld id="{F7249F8D-641B-4CAF-BAE5-10524742F6F1}" type="datetimeFigureOut">
               <a:rPr lang="en-CA" smtClean="0"/>
-              <a:t>2018-06-04</a:t>
+              <a:t>2018-06-20</a:t>
             </a:fld>
             <a:endParaRPr lang="en-CA"/>
           </a:p>
@@ -4352,7 +4352,7 @@
                             <m:chr m:val="⃗"/>
                             <m:ctrlPr>
                               <a:rPr lang="en-US" sz="2000" b="0" i="1" smtClean="0">
-                                <a:latin typeface="Cambria Math" panose="02040503050406030204" pitchFamily="18" charset="0"/>
+                                <a:latin typeface="Cambria Math" charset="0"/>
                                 <a:cs typeface="Arial" panose="020B0604020202020204" pitchFamily="34" charset="0"/>
                               </a:rPr>
                             </m:ctrlPr>
@@ -4566,7 +4566,7 @@
                               <m:chr m:val="⃗"/>
                               <m:ctrlPr>
                                 <a:rPr lang="en-US" sz="2000" b="0" i="1" smtClean="0">
-                                  <a:latin typeface="Cambria Math" panose="02040503050406030204" pitchFamily="18" charset="0"/>
+                                  <a:latin typeface="Cambria Math" charset="0"/>
                                   <a:cs typeface="Arial" panose="020B0604020202020204" pitchFamily="34" charset="0"/>
                                 </a:rPr>
                               </m:ctrlPr>
@@ -4775,7 +4775,7 @@
                               <m:chr m:val="⃗"/>
                               <m:ctrlPr>
                                 <a:rPr lang="en-US" sz="2000" b="0" i="1" smtClean="0">
-                                  <a:latin typeface="Cambria Math" panose="02040503050406030204" pitchFamily="18" charset="0"/>
+                                  <a:latin typeface="Cambria Math" charset="0"/>
                                   <a:cs typeface="Arial" panose="020B0604020202020204" pitchFamily="34" charset="0"/>
                                 </a:rPr>
                               </m:ctrlPr>
@@ -4875,7 +4875,7 @@
                             <m:sSubPr>
                               <m:ctrlPr>
                                 <a:rPr lang="en-US" sz="2000" b="0" i="1" smtClean="0">
-                                  <a:latin typeface="Cambria Math" panose="02040503050406030204" pitchFamily="18" charset="0"/>
+                                  <a:latin typeface="Cambria Math" charset="0"/>
                                   <a:cs typeface="Arial" panose="020B0604020202020204" pitchFamily="34" charset="0"/>
                                 </a:rPr>
                               </m:ctrlPr>
@@ -4886,7 +4886,7 @@
                                   <m:chr m:val="⃗"/>
                                   <m:ctrlPr>
                                     <a:rPr lang="en-US" sz="2000" b="0" i="1" smtClean="0">
-                                      <a:latin typeface="Cambria Math" panose="02040503050406030204" pitchFamily="18" charset="0"/>
+                                      <a:latin typeface="Cambria Math" charset="0"/>
                                       <a:cs typeface="Arial" panose="020B0604020202020204" pitchFamily="34" charset="0"/>
                                     </a:rPr>
                                   </m:ctrlPr>
@@ -4997,7 +4997,7 @@
                             <m:sSubPr>
                               <m:ctrlPr>
                                 <a:rPr lang="en-US" sz="2000" b="0" i="1" smtClean="0">
-                                  <a:latin typeface="Cambria Math" panose="02040503050406030204" pitchFamily="18" charset="0"/>
+                                  <a:latin typeface="Cambria Math" charset="0"/>
                                   <a:cs typeface="Arial" panose="020B0604020202020204" pitchFamily="34" charset="0"/>
                                 </a:rPr>
                               </m:ctrlPr>
@@ -5008,7 +5008,7 @@
                                   <m:chr m:val="⃗"/>
                                   <m:ctrlPr>
                                     <a:rPr lang="en-US" sz="2000" b="0" i="1" smtClean="0">
-                                      <a:latin typeface="Cambria Math" panose="02040503050406030204" pitchFamily="18" charset="0"/>
+                                      <a:latin typeface="Cambria Math" charset="0"/>
                                       <a:cs typeface="Arial" panose="020B0604020202020204" pitchFamily="34" charset="0"/>
                                     </a:rPr>
                                   </m:ctrlPr>
@@ -5870,7 +5870,7 @@
                           <m:sSubPr>
                             <m:ctrlPr>
                               <a:rPr lang="en-US" sz="2000" b="0" i="1" smtClean="0">
-                                <a:latin typeface="Cambria Math" panose="02040503050406030204" pitchFamily="18" charset="0"/>
+                                <a:latin typeface="Cambria Math" charset="0"/>
                                 <a:cs typeface="Arial" panose="020B0604020202020204" pitchFamily="34" charset="0"/>
                               </a:rPr>
                             </m:ctrlPr>
@@ -5881,7 +5881,7 @@
                                 <m:chr m:val="⃗"/>
                                 <m:ctrlPr>
                                   <a:rPr lang="en-US" sz="2000" b="0" i="1" smtClean="0">
-                                    <a:latin typeface="Cambria Math" panose="02040503050406030204" pitchFamily="18" charset="0"/>
+                                    <a:latin typeface="Cambria Math" charset="0"/>
                                     <a:cs typeface="Arial" panose="020B0604020202020204" pitchFamily="34" charset="0"/>
                                   </a:rPr>
                                 </m:ctrlPr>
@@ -5999,7 +5999,7 @@
                           <m:sSubPr>
                             <m:ctrlPr>
                               <a:rPr lang="en-US" sz="2000" b="0" i="1" smtClean="0">
-                                <a:latin typeface="Cambria Math" panose="02040503050406030204" pitchFamily="18" charset="0"/>
+                                <a:latin typeface="Cambria Math" charset="0"/>
                                 <a:cs typeface="Arial" panose="020B0604020202020204" pitchFamily="34" charset="0"/>
                               </a:rPr>
                             </m:ctrlPr>
@@ -6010,7 +6010,7 @@
                                 <m:chr m:val="⃗"/>
                                 <m:ctrlPr>
                                   <a:rPr lang="en-US" sz="2000" b="0" i="1" smtClean="0">
-                                    <a:latin typeface="Cambria Math" panose="02040503050406030204" pitchFamily="18" charset="0"/>
+                                    <a:latin typeface="Cambria Math" charset="0"/>
                                     <a:cs typeface="Arial" panose="020B0604020202020204" pitchFamily="34" charset="0"/>
                                   </a:rPr>
                                 </m:ctrlPr>
@@ -6121,7 +6121,7 @@
                           <m:sSubPr>
                             <m:ctrlPr>
                               <a:rPr lang="en-US" sz="2000" b="0" i="1" smtClean="0">
-                                <a:latin typeface="Cambria Math" panose="02040503050406030204" pitchFamily="18" charset="0"/>
+                                <a:latin typeface="Cambria Math" charset="0"/>
                                 <a:cs typeface="Arial" panose="020B0604020202020204" pitchFamily="34" charset="0"/>
                               </a:rPr>
                             </m:ctrlPr>
@@ -6132,7 +6132,7 @@
                                 <m:chr m:val="⃗"/>
                                 <m:ctrlPr>
                                   <a:rPr lang="en-US" sz="2000" b="0" i="1" smtClean="0">
-                                    <a:latin typeface="Cambria Math" panose="02040503050406030204" pitchFamily="18" charset="0"/>
+                                    <a:latin typeface="Cambria Math" charset="0"/>
                                     <a:cs typeface="Arial" panose="020B0604020202020204" pitchFamily="34" charset="0"/>
                                   </a:rPr>
                                 </m:ctrlPr>
@@ -6379,7 +6379,7 @@
                           <m:sSubPr>
                             <m:ctrlPr>
                               <a:rPr lang="en-US" sz="2000" b="0" i="1" smtClean="0">
-                                <a:latin typeface="Cambria Math" panose="02040503050406030204" pitchFamily="18" charset="0"/>
+                                <a:latin typeface="Cambria Math" charset="0"/>
                                 <a:cs typeface="Arial" panose="020B0604020202020204" pitchFamily="34" charset="0"/>
                               </a:rPr>
                             </m:ctrlPr>
@@ -6390,7 +6390,7 @@
                                 <m:chr m:val="⃗"/>
                                 <m:ctrlPr>
                                   <a:rPr lang="en-US" sz="2000" b="0" i="1" smtClean="0">
-                                    <a:latin typeface="Cambria Math" panose="02040503050406030204" pitchFamily="18" charset="0"/>
+                                    <a:latin typeface="Cambria Math" charset="0"/>
                                     <a:cs typeface="Arial" panose="020B0604020202020204" pitchFamily="34" charset="0"/>
                                   </a:rPr>
                                 </m:ctrlPr>
@@ -7169,7 +7169,7 @@
                           <m:sSubPr>
                             <m:ctrlPr>
                               <a:rPr lang="en-US" sz="2000" b="0" i="1" smtClean="0">
-                                <a:latin typeface="Cambria Math" panose="02040503050406030204" pitchFamily="18" charset="0"/>
+                                <a:latin typeface="Cambria Math" charset="0"/>
                                 <a:cs typeface="Arial" panose="020B0604020202020204" pitchFamily="34" charset="0"/>
                               </a:rPr>
                             </m:ctrlPr>
@@ -7180,7 +7180,7 @@
                                 <m:chr m:val="⃗"/>
                                 <m:ctrlPr>
                                   <a:rPr lang="en-US" sz="2000" b="0" i="1" smtClean="0">
-                                    <a:latin typeface="Cambria Math" panose="02040503050406030204" pitchFamily="18" charset="0"/>
+                                    <a:latin typeface="Cambria Math" charset="0"/>
                                     <a:cs typeface="Arial" panose="020B0604020202020204" pitchFamily="34" charset="0"/>
                                   </a:rPr>
                                 </m:ctrlPr>
@@ -7298,7 +7298,7 @@
                           <m:sSubPr>
                             <m:ctrlPr>
                               <a:rPr lang="en-US" sz="2000" b="0" i="1" smtClean="0">
-                                <a:latin typeface="Cambria Math" panose="02040503050406030204" pitchFamily="18" charset="0"/>
+                                <a:latin typeface="Cambria Math" charset="0"/>
                                 <a:cs typeface="Arial" panose="020B0604020202020204" pitchFamily="34" charset="0"/>
                               </a:rPr>
                             </m:ctrlPr>
@@ -7309,7 +7309,7 @@
                                 <m:chr m:val="⃗"/>
                                 <m:ctrlPr>
                                   <a:rPr lang="en-US" sz="2000" b="0" i="1" smtClean="0">
-                                    <a:latin typeface="Cambria Math" panose="02040503050406030204" pitchFamily="18" charset="0"/>
+                                    <a:latin typeface="Cambria Math" charset="0"/>
                                     <a:cs typeface="Arial" panose="020B0604020202020204" pitchFamily="34" charset="0"/>
                                   </a:rPr>
                                 </m:ctrlPr>
@@ -7420,7 +7420,7 @@
                           <m:sSubPr>
                             <m:ctrlPr>
                               <a:rPr lang="en-US" sz="2000" b="0" i="1" smtClean="0">
-                                <a:latin typeface="Cambria Math" panose="02040503050406030204" pitchFamily="18" charset="0"/>
+                                <a:latin typeface="Cambria Math" charset="0"/>
                                 <a:cs typeface="Arial" panose="020B0604020202020204" pitchFamily="34" charset="0"/>
                               </a:rPr>
                             </m:ctrlPr>
@@ -7431,7 +7431,7 @@
                                 <m:chr m:val="⃗"/>
                                 <m:ctrlPr>
                                   <a:rPr lang="en-US" sz="2000" b="0" i="1" smtClean="0">
-                                    <a:latin typeface="Cambria Math" panose="02040503050406030204" pitchFamily="18" charset="0"/>
+                                    <a:latin typeface="Cambria Math" charset="0"/>
                                     <a:cs typeface="Arial" panose="020B0604020202020204" pitchFamily="34" charset="0"/>
                                   </a:rPr>
                                 </m:ctrlPr>
@@ -7678,7 +7678,7 @@
                           <m:sSubPr>
                             <m:ctrlPr>
                               <a:rPr lang="en-US" sz="2000" b="0" i="1" smtClean="0">
-                                <a:latin typeface="Cambria Math" panose="02040503050406030204" pitchFamily="18" charset="0"/>
+                                <a:latin typeface="Cambria Math" charset="0"/>
                                 <a:cs typeface="Arial" panose="020B0604020202020204" pitchFamily="34" charset="0"/>
                               </a:rPr>
                             </m:ctrlPr>
@@ -7689,7 +7689,7 @@
                                 <m:chr m:val="⃗"/>
                                 <m:ctrlPr>
                                   <a:rPr lang="en-US" sz="2000" b="0" i="1" smtClean="0">
-                                    <a:latin typeface="Cambria Math" panose="02040503050406030204" pitchFamily="18" charset="0"/>
+                                    <a:latin typeface="Cambria Math" charset="0"/>
                                     <a:cs typeface="Arial" panose="020B0604020202020204" pitchFamily="34" charset="0"/>
                                   </a:rPr>
                                 </m:ctrlPr>
@@ -9037,7 +9037,7 @@
                           <m:sSubPr>
                             <m:ctrlPr>
                               <a:rPr lang="en-US" sz="2000" b="0" i="1" smtClean="0">
-                                <a:latin typeface="Cambria Math" panose="02040503050406030204" pitchFamily="18" charset="0"/>
+                                <a:latin typeface="Cambria Math" charset="0"/>
                                 <a:cs typeface="Arial" panose="020B0604020202020204" pitchFamily="34" charset="0"/>
                               </a:rPr>
                             </m:ctrlPr>
@@ -9048,7 +9048,7 @@
                                 <m:chr m:val="⃗"/>
                                 <m:ctrlPr>
                                   <a:rPr lang="en-US" sz="2000" b="0" i="1" smtClean="0">
-                                    <a:latin typeface="Cambria Math" panose="02040503050406030204" pitchFamily="18" charset="0"/>
+                                    <a:latin typeface="Cambria Math" charset="0"/>
                                     <a:cs typeface="Arial" panose="020B0604020202020204" pitchFamily="34" charset="0"/>
                                   </a:rPr>
                                 </m:ctrlPr>
@@ -9160,7 +9160,7 @@
                             <m:chr m:val="⃗"/>
                             <m:ctrlPr>
                               <a:rPr lang="en-US" sz="2000" b="0" i="1" smtClean="0">
-                                <a:latin typeface="Cambria Math" panose="02040503050406030204" pitchFamily="18" charset="0"/>
+                                <a:latin typeface="Cambria Math" charset="0"/>
                                 <a:cs typeface="Arial" panose="020B0604020202020204" pitchFamily="34" charset="0"/>
                               </a:rPr>
                             </m:ctrlPr>
@@ -9261,7 +9261,7 @@
                             <m:chr m:val="⃗"/>
                             <m:ctrlPr>
                               <a:rPr lang="en-US" sz="2000" b="0" i="1" smtClean="0">
-                                <a:latin typeface="Cambria Math" panose="02040503050406030204" pitchFamily="18" charset="0"/>
+                                <a:latin typeface="Cambria Math" charset="0"/>
                                 <a:cs typeface="Arial" panose="020B0604020202020204" pitchFamily="34" charset="0"/>
                               </a:rPr>
                             </m:ctrlPr>
@@ -9809,7 +9809,7 @@
                             <m:chr m:val="⃗"/>
                             <m:ctrlPr>
                               <a:rPr lang="en-US" sz="2000" b="0" i="1" smtClean="0">
-                                <a:latin typeface="Cambria Math" panose="02040503050406030204" pitchFamily="18" charset="0"/>
+                                <a:latin typeface="Cambria Math" charset="0"/>
                                 <a:cs typeface="Arial" panose="020B0604020202020204" pitchFamily="34" charset="0"/>
                               </a:rPr>
                             </m:ctrlPr>
@@ -11164,7 +11164,7 @@
                           <m:sSubPr>
                             <m:ctrlPr>
                               <a:rPr lang="en-US" sz="2000" b="0" i="1" smtClean="0">
-                                <a:latin typeface="Cambria Math" panose="02040503050406030204" pitchFamily="18" charset="0"/>
+                                <a:latin typeface="Cambria Math" charset="0"/>
                                 <a:cs typeface="Arial" panose="020B0604020202020204" pitchFamily="34" charset="0"/>
                               </a:rPr>
                             </m:ctrlPr>
@@ -11175,7 +11175,7 @@
                                 <m:chr m:val="⃗"/>
                                 <m:ctrlPr>
                                   <a:rPr lang="en-US" sz="2000" b="0" i="1" smtClean="0">
-                                    <a:latin typeface="Cambria Math" panose="02040503050406030204" pitchFamily="18" charset="0"/>
+                                    <a:latin typeface="Cambria Math" charset="0"/>
                                     <a:cs typeface="Arial" panose="020B0604020202020204" pitchFamily="34" charset="0"/>
                                   </a:rPr>
                                 </m:ctrlPr>
@@ -11286,7 +11286,7 @@
                           <m:sSubPr>
                             <m:ctrlPr>
                               <a:rPr lang="en-US" sz="2000" b="0" i="1" smtClean="0">
-                                <a:latin typeface="Cambria Math" panose="02040503050406030204" pitchFamily="18" charset="0"/>
+                                <a:latin typeface="Cambria Math" charset="0"/>
                                 <a:cs typeface="Arial" panose="020B0604020202020204" pitchFamily="34" charset="0"/>
                               </a:rPr>
                             </m:ctrlPr>
@@ -11297,7 +11297,7 @@
                                 <m:chr m:val="⃗"/>
                                 <m:ctrlPr>
                                   <a:rPr lang="en-US" sz="2000" b="0" i="1" smtClean="0">
-                                    <a:latin typeface="Cambria Math" panose="02040503050406030204" pitchFamily="18" charset="0"/>
+                                    <a:latin typeface="Cambria Math" charset="0"/>
                                     <a:cs typeface="Arial" panose="020B0604020202020204" pitchFamily="34" charset="0"/>
                                   </a:rPr>
                                 </m:ctrlPr>
@@ -11457,7 +11457,7 @@
                             <m:chr m:val="⃗"/>
                             <m:ctrlPr>
                               <a:rPr lang="en-US" sz="2000" b="0" i="1" smtClean="0">
-                                <a:latin typeface="Cambria Math" panose="02040503050406030204" pitchFamily="18" charset="0"/>
+                                <a:latin typeface="Cambria Math" charset="0"/>
                                 <a:cs typeface="Arial" panose="020B0604020202020204" pitchFamily="34" charset="0"/>
                               </a:rPr>
                             </m:ctrlPr>
@@ -12162,7 +12162,7 @@
                           <m:sSubPr>
                             <m:ctrlPr>
                               <a:rPr lang="en-US" sz="2000" b="0" i="1" smtClean="0">
-                                <a:latin typeface="Cambria Math" panose="02040503050406030204" pitchFamily="18" charset="0"/>
+                                <a:latin typeface="Cambria Math" charset="0"/>
                                 <a:cs typeface="Arial" panose="020B0604020202020204" pitchFamily="34" charset="0"/>
                               </a:rPr>
                             </m:ctrlPr>
@@ -12271,7 +12271,7 @@
                           <m:sSubPr>
                             <m:ctrlPr>
                               <a:rPr lang="en-US" sz="2000" b="0" i="1" smtClean="0">
-                                <a:latin typeface="Cambria Math" panose="02040503050406030204" pitchFamily="18" charset="0"/>
+                                <a:latin typeface="Cambria Math" charset="0"/>
                                 <a:cs typeface="Arial" panose="020B0604020202020204" pitchFamily="34" charset="0"/>
                               </a:rPr>
                             </m:ctrlPr>
@@ -12515,7 +12515,7 @@
                           <m:sSubPr>
                             <m:ctrlPr>
                               <a:rPr lang="en-US" sz="2000" b="0" i="1" smtClean="0">
-                                <a:latin typeface="Cambria Math" panose="02040503050406030204" pitchFamily="18" charset="0"/>
+                                <a:latin typeface="Cambria Math" charset="0"/>
                                 <a:cs typeface="Arial" panose="020B0604020202020204" pitchFamily="34" charset="0"/>
                               </a:rPr>
                             </m:ctrlPr>
@@ -12526,7 +12526,7 @@
                                 <m:chr m:val="⃗"/>
                                 <m:ctrlPr>
                                   <a:rPr lang="en-US" sz="2000" b="0" i="1" smtClean="0">
-                                    <a:latin typeface="Cambria Math" panose="02040503050406030204" pitchFamily="18" charset="0"/>
+                                    <a:latin typeface="Cambria Math" charset="0"/>
                                     <a:cs typeface="Arial" panose="020B0604020202020204" pitchFamily="34" charset="0"/>
                                   </a:rPr>
                                 </m:ctrlPr>
@@ -12979,7 +12979,7 @@
                           <m:sSubPr>
                             <m:ctrlPr>
                               <a:rPr lang="en-US" sz="2000" b="0" i="1" smtClean="0">
-                                <a:latin typeface="Cambria Math" panose="02040503050406030204" pitchFamily="18" charset="0"/>
+                                <a:latin typeface="Cambria Math" charset="0"/>
                                 <a:cs typeface="Arial" panose="020B0604020202020204" pitchFamily="34" charset="0"/>
                               </a:rPr>
                             </m:ctrlPr>
@@ -13088,7 +13088,7 @@
                           <m:sSubPr>
                             <m:ctrlPr>
                               <a:rPr lang="en-US" sz="2000" b="0" i="1" smtClean="0">
-                                <a:latin typeface="Cambria Math" panose="02040503050406030204" pitchFamily="18" charset="0"/>
+                                <a:latin typeface="Cambria Math" charset="0"/>
                                 <a:cs typeface="Arial" panose="020B0604020202020204" pitchFamily="34" charset="0"/>
                               </a:rPr>
                             </m:ctrlPr>
@@ -13282,7 +13282,7 @@
                           <m:sSubPr>
                             <m:ctrlPr>
                               <a:rPr lang="en-US" sz="2000" b="0" i="1" smtClean="0">
-                                <a:latin typeface="Cambria Math" panose="02040503050406030204" pitchFamily="18" charset="0"/>
+                                <a:latin typeface="Cambria Math" charset="0"/>
                                 <a:cs typeface="Arial" panose="020B0604020202020204" pitchFamily="34" charset="0"/>
                               </a:rPr>
                             </m:ctrlPr>
@@ -13293,7 +13293,7 @@
                                 <m:chr m:val="⃗"/>
                                 <m:ctrlPr>
                                   <a:rPr lang="en-US" sz="2000" b="0" i="1" smtClean="0">
-                                    <a:latin typeface="Cambria Math" panose="02040503050406030204" pitchFamily="18" charset="0"/>
+                                    <a:latin typeface="Cambria Math" charset="0"/>
                                     <a:cs typeface="Arial" panose="020B0604020202020204" pitchFamily="34" charset="0"/>
                                   </a:rPr>
                                 </m:ctrlPr>
@@ -13489,7 +13489,7 @@
                           <m:sSubPr>
                             <m:ctrlPr>
                               <a:rPr lang="en-US" sz="2000" b="0" i="1" smtClean="0">
-                                <a:latin typeface="Cambria Math" panose="02040503050406030204" pitchFamily="18" charset="0"/>
+                                <a:latin typeface="Cambria Math" charset="0"/>
                                 <a:cs typeface="Arial" panose="020B0604020202020204" pitchFamily="34" charset="0"/>
                               </a:rPr>
                             </m:ctrlPr>
@@ -13500,7 +13500,7 @@
                                 <m:chr m:val="⃗"/>
                                 <m:ctrlPr>
                                   <a:rPr lang="en-US" sz="2000" b="0" i="1" smtClean="0">
-                                    <a:latin typeface="Cambria Math" panose="02040503050406030204" pitchFamily="18" charset="0"/>
+                                    <a:latin typeface="Cambria Math" charset="0"/>
                                     <a:cs typeface="Arial" panose="020B0604020202020204" pitchFamily="34" charset="0"/>
                                   </a:rPr>
                                 </m:ctrlPr>
@@ -14082,7 +14082,7 @@
                             <m:sSubPr>
                               <m:ctrlPr>
                                 <a:rPr lang="en-US" sz="2000" b="0" i="1" smtClean="0">
-                                  <a:latin typeface="Cambria Math" panose="02040503050406030204" pitchFamily="18" charset="0"/>
+                                  <a:latin typeface="Cambria Math" charset="0"/>
                                   <a:cs typeface="Arial" panose="020B0604020202020204" pitchFamily="34" charset="0"/>
                                 </a:rPr>
                               </m:ctrlPr>
@@ -14093,7 +14093,7 @@
                                   <m:chr m:val="⃗"/>
                                   <m:ctrlPr>
                                     <a:rPr lang="en-US" sz="2000" b="0" i="1" smtClean="0">
-                                      <a:latin typeface="Cambria Math" panose="02040503050406030204" pitchFamily="18" charset="0"/>
+                                      <a:latin typeface="Cambria Math" charset="0"/>
                                       <a:cs typeface="Arial" panose="020B0604020202020204" pitchFamily="34" charset="0"/>
                                     </a:rPr>
                                   </m:ctrlPr>
@@ -14204,7 +14204,7 @@
                             <m:sSubPr>
                               <m:ctrlPr>
                                 <a:rPr lang="en-US" sz="2000" b="0" i="1" smtClean="0">
-                                  <a:latin typeface="Cambria Math" panose="02040503050406030204" pitchFamily="18" charset="0"/>
+                                  <a:latin typeface="Cambria Math" charset="0"/>
                                   <a:cs typeface="Arial" panose="020B0604020202020204" pitchFamily="34" charset="0"/>
                                 </a:rPr>
                               </m:ctrlPr>
@@ -14215,7 +14215,7 @@
                                   <m:chr m:val="⃗"/>
                                   <m:ctrlPr>
                                     <a:rPr lang="en-US" sz="2000" b="0" i="1" smtClean="0">
-                                      <a:latin typeface="Cambria Math" panose="02040503050406030204" pitchFamily="18" charset="0"/>
+                                      <a:latin typeface="Cambria Math" charset="0"/>
                                       <a:cs typeface="Arial" panose="020B0604020202020204" pitchFamily="34" charset="0"/>
                                     </a:rPr>
                                   </m:ctrlPr>
@@ -14375,7 +14375,7 @@
                               <m:chr m:val="⃗"/>
                               <m:ctrlPr>
                                 <a:rPr lang="en-US" sz="2000" b="0" i="1" smtClean="0">
-                                  <a:latin typeface="Cambria Math" panose="02040503050406030204" pitchFamily="18" charset="0"/>
+                                  <a:latin typeface="Cambria Math" charset="0"/>
                                   <a:cs typeface="Arial" panose="020B0604020202020204" pitchFamily="34" charset="0"/>
                                 </a:rPr>
                               </m:ctrlPr>
@@ -14513,7 +14513,7 @@
                               <m:chr m:val="⃗"/>
                               <m:ctrlPr>
                                 <a:rPr lang="en-US" sz="2000" b="0" i="1" smtClean="0">
-                                  <a:latin typeface="Cambria Math" panose="02040503050406030204" pitchFamily="18" charset="0"/>
+                                  <a:latin typeface="Cambria Math" charset="0"/>
                                   <a:cs typeface="Arial" panose="020B0604020202020204" pitchFamily="34" charset="0"/>
                                 </a:rPr>
                               </m:ctrlPr>
@@ -15208,76 +15208,282 @@
       </p:grpSp>
       <p:grpSp>
         <p:nvGrpSpPr>
-          <p:cNvPr id="125" name="Group 124"/>
+          <p:cNvPr id="3" name="Group 2"/>
           <p:cNvGrpSpPr/>
           <p:nvPr/>
         </p:nvGrpSpPr>
         <p:grpSpPr>
           <a:xfrm>
-            <a:off x="570830" y="763971"/>
-            <a:ext cx="4760667" cy="3429001"/>
-            <a:chOff x="570830" y="763971"/>
-            <a:chExt cx="4760667" cy="3429001"/>
+            <a:off x="379638" y="4348"/>
+            <a:ext cx="4951859" cy="4188624"/>
+            <a:chOff x="379638" y="4348"/>
+            <a:chExt cx="4951859" cy="4188624"/>
           </a:xfrm>
         </p:grpSpPr>
         <p:grpSp>
           <p:nvGrpSpPr>
-            <p:cNvPr id="25" name="Group 24"/>
+            <p:cNvPr id="125" name="Group 124"/>
             <p:cNvGrpSpPr/>
             <p:nvPr/>
           </p:nvGrpSpPr>
           <p:grpSpPr>
             <a:xfrm>
-              <a:off x="570830" y="763971"/>
-              <a:ext cx="4760667" cy="3429001"/>
-              <a:chOff x="554213" y="763858"/>
-              <a:chExt cx="4760667" cy="3429001"/>
+              <a:off x="570830" y="1016052"/>
+              <a:ext cx="4760667" cy="3176920"/>
+              <a:chOff x="570830" y="1016052"/>
+              <a:chExt cx="4760667" cy="3176920"/>
             </a:xfrm>
           </p:grpSpPr>
           <p:grpSp>
             <p:nvGrpSpPr>
-              <p:cNvPr id="16" name="Group 15"/>
+              <p:cNvPr id="25" name="Group 24"/>
               <p:cNvGrpSpPr/>
               <p:nvPr/>
             </p:nvGrpSpPr>
             <p:grpSpPr>
               <a:xfrm>
-                <a:off x="609065" y="763858"/>
-                <a:ext cx="4705815" cy="3429001"/>
-                <a:chOff x="609065" y="763858"/>
-                <a:chExt cx="4705815" cy="3429001"/>
+                <a:off x="570830" y="1297253"/>
+                <a:ext cx="4760667" cy="2895719"/>
+                <a:chOff x="554213" y="1297140"/>
+                <a:chExt cx="4760667" cy="2895719"/>
               </a:xfrm>
             </p:grpSpPr>
             <p:grpSp>
               <p:nvGrpSpPr>
-                <p:cNvPr id="14" name="Group 13"/>
+                <p:cNvPr id="16" name="Group 15"/>
                 <p:cNvGrpSpPr/>
                 <p:nvPr/>
               </p:nvGrpSpPr>
               <p:grpSpPr>
                 <a:xfrm>
-                  <a:off x="611857" y="763858"/>
-                  <a:ext cx="3802479" cy="3205110"/>
-                  <a:chOff x="1726979" y="1265663"/>
-                  <a:chExt cx="3802479" cy="3205110"/>
+                  <a:off x="609065" y="1297140"/>
+                  <a:ext cx="4705815" cy="2895719"/>
+                  <a:chOff x="609065" y="1297140"/>
+                  <a:chExt cx="4705815" cy="2895719"/>
                 </a:xfrm>
               </p:grpSpPr>
+              <p:grpSp>
+                <p:nvGrpSpPr>
+                  <p:cNvPr id="14" name="Group 13"/>
+                  <p:cNvGrpSpPr/>
+                  <p:nvPr/>
+                </p:nvGrpSpPr>
+                <p:grpSpPr>
+                  <a:xfrm>
+                    <a:off x="2174661" y="1297140"/>
+                    <a:ext cx="2239675" cy="2671828"/>
+                    <a:chOff x="3289783" y="1798945"/>
+                    <a:chExt cx="2239675" cy="2671828"/>
+                  </a:xfrm>
+                </p:grpSpPr>
+                <p:sp>
+                  <p:nvSpPr>
+                    <p:cNvPr id="9" name="Oval 8"/>
+                    <p:cNvSpPr/>
+                    <p:nvPr/>
+                  </p:nvSpPr>
+                  <p:spPr>
+                    <a:xfrm>
+                      <a:off x="3289783" y="1798945"/>
+                      <a:ext cx="120943" cy="119766"/>
+                    </a:xfrm>
+                    <a:prstGeom prst="ellipse">
+                      <a:avLst/>
+                    </a:prstGeom>
+                    <a:solidFill>
+                      <a:schemeClr val="tx1"/>
+                    </a:solidFill>
+                    <a:ln w="38100">
+                      <a:solidFill>
+                        <a:schemeClr val="tx1"/>
+                      </a:solidFill>
+                    </a:ln>
+                  </p:spPr>
+                  <p:style>
+                    <a:lnRef idx="2">
+                      <a:schemeClr val="accent1">
+                        <a:shade val="50000"/>
+                      </a:schemeClr>
+                    </a:lnRef>
+                    <a:fillRef idx="1">
+                      <a:schemeClr val="accent1"/>
+                    </a:fillRef>
+                    <a:effectRef idx="0">
+                      <a:schemeClr val="accent1"/>
+                    </a:effectRef>
+                    <a:fontRef idx="minor">
+                      <a:schemeClr val="lt1"/>
+                    </a:fontRef>
+                  </p:style>
+                  <p:txBody>
+                    <a:bodyPr rtlCol="0" anchor="ctr"/>
+                    <a:lstStyle/>
+                    <a:p>
+                      <a:pPr algn="ctr"/>
+                      <a:endParaRPr lang="en-US"/>
+                    </a:p>
+                  </p:txBody>
+                </p:sp>
+                <p:sp>
+                  <p:nvSpPr>
+                    <p:cNvPr id="10" name="Oval 9"/>
+                    <p:cNvSpPr/>
+                    <p:nvPr/>
+                  </p:nvSpPr>
+                  <p:spPr>
+                    <a:xfrm>
+                      <a:off x="3832476" y="2083592"/>
+                      <a:ext cx="120943" cy="119766"/>
+                    </a:xfrm>
+                    <a:prstGeom prst="ellipse">
+                      <a:avLst/>
+                    </a:prstGeom>
+                    <a:noFill/>
+                    <a:ln w="38100">
+                      <a:solidFill>
+                        <a:schemeClr val="tx1"/>
+                      </a:solidFill>
+                      <a:prstDash val="sysDot"/>
+                    </a:ln>
+                  </p:spPr>
+                  <p:style>
+                    <a:lnRef idx="2">
+                      <a:schemeClr val="accent1">
+                        <a:shade val="50000"/>
+                      </a:schemeClr>
+                    </a:lnRef>
+                    <a:fillRef idx="1">
+                      <a:schemeClr val="accent1"/>
+                    </a:fillRef>
+                    <a:effectRef idx="0">
+                      <a:schemeClr val="accent1"/>
+                    </a:effectRef>
+                    <a:fontRef idx="minor">
+                      <a:schemeClr val="lt1"/>
+                    </a:fontRef>
+                  </p:style>
+                  <p:txBody>
+                    <a:bodyPr rtlCol="0" anchor="ctr"/>
+                    <a:lstStyle/>
+                    <a:p>
+                      <a:pPr algn="ctr"/>
+                      <a:endParaRPr lang="en-US"/>
+                    </a:p>
+                  </p:txBody>
+                </p:sp>
+                <p:sp>
+                  <p:nvSpPr>
+                    <p:cNvPr id="12" name="Oval 11"/>
+                    <p:cNvSpPr/>
+                    <p:nvPr/>
+                  </p:nvSpPr>
+                  <p:spPr>
+                    <a:xfrm>
+                      <a:off x="4609344" y="2983124"/>
+                      <a:ext cx="120943" cy="119766"/>
+                    </a:xfrm>
+                    <a:prstGeom prst="ellipse">
+                      <a:avLst/>
+                    </a:prstGeom>
+                    <a:noFill/>
+                    <a:ln w="38100">
+                      <a:solidFill>
+                        <a:schemeClr val="tx1"/>
+                      </a:solidFill>
+                      <a:prstDash val="sysDot"/>
+                    </a:ln>
+                  </p:spPr>
+                  <p:style>
+                    <a:lnRef idx="2">
+                      <a:schemeClr val="accent1">
+                        <a:shade val="50000"/>
+                      </a:schemeClr>
+                    </a:lnRef>
+                    <a:fillRef idx="1">
+                      <a:schemeClr val="accent1"/>
+                    </a:fillRef>
+                    <a:effectRef idx="0">
+                      <a:schemeClr val="accent1"/>
+                    </a:effectRef>
+                    <a:fontRef idx="minor">
+                      <a:schemeClr val="lt1"/>
+                    </a:fontRef>
+                  </p:style>
+                  <p:txBody>
+                    <a:bodyPr rtlCol="0" anchor="ctr"/>
+                    <a:lstStyle/>
+                    <a:p>
+                      <a:pPr algn="ctr"/>
+                      <a:endParaRPr lang="en-US"/>
+                    </a:p>
+                  </p:txBody>
+                </p:sp>
+                <p:sp>
+                  <p:nvSpPr>
+                    <p:cNvPr id="13" name="Oval 12"/>
+                    <p:cNvSpPr/>
+                    <p:nvPr/>
+                  </p:nvSpPr>
+                  <p:spPr>
+                    <a:xfrm>
+                      <a:off x="5408515" y="4351007"/>
+                      <a:ext cx="120943" cy="119766"/>
+                    </a:xfrm>
+                    <a:prstGeom prst="ellipse">
+                      <a:avLst/>
+                    </a:prstGeom>
+                    <a:noFill/>
+                    <a:ln w="38100">
+                      <a:solidFill>
+                        <a:schemeClr val="tx1"/>
+                      </a:solidFill>
+                      <a:prstDash val="sysDot"/>
+                    </a:ln>
+                  </p:spPr>
+                  <p:style>
+                    <a:lnRef idx="2">
+                      <a:schemeClr val="accent1">
+                        <a:shade val="50000"/>
+                      </a:schemeClr>
+                    </a:lnRef>
+                    <a:fillRef idx="1">
+                      <a:schemeClr val="accent1"/>
+                    </a:fillRef>
+                    <a:effectRef idx="0">
+                      <a:schemeClr val="accent1"/>
+                    </a:effectRef>
+                    <a:fontRef idx="minor">
+                      <a:schemeClr val="lt1"/>
+                    </a:fontRef>
+                  </p:style>
+                  <p:txBody>
+                    <a:bodyPr rtlCol="0" anchor="ctr"/>
+                    <a:lstStyle/>
+                    <a:p>
+                      <a:pPr algn="ctr"/>
+                      <a:endParaRPr lang="en-US"/>
+                    </a:p>
+                  </p:txBody>
+                </p:sp>
+              </p:grpSp>
               <p:sp>
                 <p:nvSpPr>
-                  <p:cNvPr id="4" name="Oval 3"/>
+                  <p:cNvPr id="15" name="Rectangle 14"/>
                   <p:cNvSpPr/>
                   <p:nvPr/>
                 </p:nvSpPr>
                 <p:spPr>
                   <a:xfrm>
-                    <a:off x="2007220" y="1483112"/>
-                    <a:ext cx="2352907" cy="189572"/>
+                    <a:off x="609065" y="4070195"/>
+                    <a:ext cx="4705815" cy="122664"/>
                   </a:xfrm>
-                  <a:prstGeom prst="ellipse">
+                  <a:prstGeom prst="rect">
                     <a:avLst/>
                   </a:prstGeom>
                   <a:solidFill>
-                    <a:schemeClr val="tx1"/>
+                    <a:schemeClr val="bg2">
+                      <a:lumMod val="90000"/>
+                    </a:schemeClr>
                   </a:solidFill>
                   <a:ln w="38100">
                     <a:solidFill>
@@ -15310,1609 +15516,1152 @@
                   </a:p>
                 </p:txBody>
               </p:sp>
+            </p:grpSp>
+            <p:grpSp>
+              <p:nvGrpSpPr>
+                <p:cNvPr id="17" name="Group 16"/>
+                <p:cNvGrpSpPr/>
+                <p:nvPr/>
+              </p:nvGrpSpPr>
+              <p:grpSpPr>
+                <a:xfrm>
+                  <a:off x="554213" y="3139207"/>
+                  <a:ext cx="898789" cy="709995"/>
+                  <a:chOff x="758520" y="708040"/>
+                  <a:chExt cx="2596102" cy="2135605"/>
+                </a:xfrm>
+              </p:grpSpPr>
+              <p:grpSp>
+                <p:nvGrpSpPr>
+                  <p:cNvPr id="18" name="Group 17"/>
+                  <p:cNvGrpSpPr/>
+                  <p:nvPr/>
+                </p:nvGrpSpPr>
+                <p:grpSpPr>
+                  <a:xfrm>
+                    <a:off x="758520" y="708040"/>
+                    <a:ext cx="2596102" cy="2135605"/>
+                    <a:chOff x="785815" y="680744"/>
+                    <a:chExt cx="2596102" cy="2135605"/>
+                  </a:xfrm>
+                </p:grpSpPr>
+                <p:cxnSp>
+                  <p:nvCxnSpPr>
+                    <p:cNvPr id="20" name="Straight Arrow Connector 19"/>
+                    <p:cNvCxnSpPr/>
+                    <p:nvPr/>
+                  </p:nvCxnSpPr>
+                  <p:spPr>
+                    <a:xfrm flipV="1">
+                      <a:off x="1516583" y="680744"/>
+                      <a:ext cx="7683" cy="1859535"/>
+                    </a:xfrm>
+                    <a:prstGeom prst="straightConnector1">
+                      <a:avLst/>
+                    </a:prstGeom>
+                    <a:ln w="38100">
+                      <a:solidFill>
+                        <a:schemeClr val="tx1"/>
+                      </a:solidFill>
+                      <a:tailEnd type="triangle"/>
+                    </a:ln>
+                  </p:spPr>
+                  <p:style>
+                    <a:lnRef idx="1">
+                      <a:schemeClr val="accent1"/>
+                    </a:lnRef>
+                    <a:fillRef idx="0">
+                      <a:schemeClr val="accent1"/>
+                    </a:fillRef>
+                    <a:effectRef idx="0">
+                      <a:schemeClr val="accent1"/>
+                    </a:effectRef>
+                    <a:fontRef idx="minor">
+                      <a:schemeClr val="tx1"/>
+                    </a:fontRef>
+                  </p:style>
+                </p:cxnSp>
+                <p:cxnSp>
+                  <p:nvCxnSpPr>
+                    <p:cNvPr id="21" name="Straight Arrow Connector 20"/>
+                    <p:cNvCxnSpPr/>
+                    <p:nvPr/>
+                  </p:nvCxnSpPr>
+                  <p:spPr>
+                    <a:xfrm flipV="1">
+                      <a:off x="1507013" y="2535259"/>
+                      <a:ext cx="1874904" cy="1"/>
+                    </a:xfrm>
+                    <a:prstGeom prst="straightConnector1">
+                      <a:avLst/>
+                    </a:prstGeom>
+                    <a:ln w="38100">
+                      <a:solidFill>
+                        <a:schemeClr val="tx1"/>
+                      </a:solidFill>
+                      <a:tailEnd type="triangle"/>
+                    </a:ln>
+                  </p:spPr>
+                  <p:style>
+                    <a:lnRef idx="1">
+                      <a:schemeClr val="accent1"/>
+                    </a:lnRef>
+                    <a:fillRef idx="0">
+                      <a:schemeClr val="accent1"/>
+                    </a:fillRef>
+                    <a:effectRef idx="0">
+                      <a:schemeClr val="accent1"/>
+                    </a:effectRef>
+                    <a:fontRef idx="minor">
+                      <a:schemeClr val="tx1"/>
+                    </a:fontRef>
+                  </p:style>
+                </p:cxnSp>
+                <mc:AlternateContent xmlns:mc="http://schemas.openxmlformats.org/markup-compatibility/2006" xmlns:a14="http://schemas.microsoft.com/office/drawing/2010/main">
+                  <mc:Choice Requires="a14">
+                    <p:sp>
+                      <p:nvSpPr>
+                        <p:cNvPr id="22" name="Rectangle 21"/>
+                        <p:cNvSpPr/>
+                        <p:nvPr/>
+                      </p:nvSpPr>
+                      <p:spPr>
+                        <a:xfrm>
+                          <a:off x="2697555" y="2447016"/>
+                          <a:ext cx="367985" cy="369333"/>
+                        </a:xfrm>
+                        <a:prstGeom prst="rect">
+                          <a:avLst/>
+                        </a:prstGeom>
+                      </p:spPr>
+                      <p:txBody>
+                        <a:bodyPr wrap="none">
+                          <a:spAutoFit/>
+                        </a:bodyPr>
+                        <a:lstStyle/>
+                        <a:p>
+                          <a:pPr/>
+                          <a14:m>
+                            <m:oMathPara xmlns:m="http://schemas.openxmlformats.org/officeDocument/2006/math">
+                              <m:oMathParaPr>
+                                <m:jc m:val="centerGroup"/>
+                              </m:oMathParaPr>
+                              <m:oMath xmlns:m="http://schemas.openxmlformats.org/officeDocument/2006/math">
+                                <m:r>
+                                  <a:rPr lang="en-US" i="1">
+                                    <a:latin typeface="Cambria Math" panose="02040503050406030204" pitchFamily="18" charset="0"/>
+                                    <a:cs typeface="Arial" panose="020B0604020202020204" pitchFamily="34" charset="0"/>
+                                  </a:rPr>
+                                  <m:t>𝑥</m:t>
+                                </m:r>
+                              </m:oMath>
+                            </m:oMathPara>
+                          </a14:m>
+                          <a:endParaRPr lang="en-CA" dirty="0"/>
+                        </a:p>
+                      </p:txBody>
+                    </p:sp>
+                  </mc:Choice>
+                  <mc:Fallback xmlns="">
+                    <p:sp>
+                      <p:nvSpPr>
+                        <p:cNvPr id="107" name="Rectangle 106"/>
+                        <p:cNvSpPr>
+                          <a:spLocks noRot="1" noChangeAspect="1" noMove="1" noResize="1" noEditPoints="1" noAdjustHandles="1" noChangeArrowheads="1" noChangeShapeType="1" noTextEdit="1"/>
+                        </p:cNvSpPr>
+                        <p:nvPr/>
+                      </p:nvSpPr>
+                      <p:spPr>
+                        <a:xfrm>
+                          <a:off x="2697555" y="2447016"/>
+                          <a:ext cx="367985" cy="369333"/>
+                        </a:xfrm>
+                        <a:prstGeom prst="rect">
+                          <a:avLst/>
+                        </a:prstGeom>
+                        <a:blipFill>
+                          <a:blip r:embed="rId27"/>
+                          <a:stretch>
+                            <a:fillRect r="-95238" b="-160000"/>
+                          </a:stretch>
+                        </a:blipFill>
+                      </p:spPr>
+                      <p:txBody>
+                        <a:bodyPr/>
+                        <a:lstStyle/>
+                        <a:p>
+                          <a:r>
+                            <a:rPr lang="en-US">
+                              <a:noFill/>
+                            </a:rPr>
+                            <a:t> </a:t>
+                          </a:r>
+                        </a:p>
+                      </p:txBody>
+                    </p:sp>
+                  </mc:Fallback>
+                </mc:AlternateContent>
+                <mc:AlternateContent xmlns:mc="http://schemas.openxmlformats.org/markup-compatibility/2006" xmlns:a14="http://schemas.microsoft.com/office/drawing/2010/main">
+                  <mc:Choice Requires="a14">
+                    <p:sp>
+                      <p:nvSpPr>
+                        <p:cNvPr id="23" name="Rectangle 22"/>
+                        <p:cNvSpPr/>
+                        <p:nvPr/>
+                      </p:nvSpPr>
+                      <p:spPr>
+                        <a:xfrm>
+                          <a:off x="785815" y="912420"/>
+                          <a:ext cx="371385" cy="369333"/>
+                        </a:xfrm>
+                        <a:prstGeom prst="rect">
+                          <a:avLst/>
+                        </a:prstGeom>
+                      </p:spPr>
+                      <p:txBody>
+                        <a:bodyPr wrap="none">
+                          <a:spAutoFit/>
+                        </a:bodyPr>
+                        <a:lstStyle/>
+                        <a:p>
+                          <a:pPr/>
+                          <a14:m>
+                            <m:oMathPara xmlns:m="http://schemas.openxmlformats.org/officeDocument/2006/math">
+                              <m:oMathParaPr>
+                                <m:jc m:val="centerGroup"/>
+                              </m:oMathParaPr>
+                              <m:oMath xmlns:m="http://schemas.openxmlformats.org/officeDocument/2006/math">
+                                <m:r>
+                                  <a:rPr lang="en-US" b="0" i="1" smtClean="0">
+                                    <a:latin typeface="Cambria Math" panose="02040503050406030204" pitchFamily="18" charset="0"/>
+                                  </a:rPr>
+                                  <m:t>𝑦</m:t>
+                                </m:r>
+                              </m:oMath>
+                            </m:oMathPara>
+                          </a14:m>
+                          <a:endParaRPr lang="en-CA" dirty="0"/>
+                        </a:p>
+                      </p:txBody>
+                    </p:sp>
+                  </mc:Choice>
+                  <mc:Fallback xmlns="">
+                    <p:sp>
+                      <p:nvSpPr>
+                        <p:cNvPr id="108" name="Rectangle 107"/>
+                        <p:cNvSpPr>
+                          <a:spLocks noRot="1" noChangeAspect="1" noMove="1" noResize="1" noEditPoints="1" noAdjustHandles="1" noChangeArrowheads="1" noChangeShapeType="1" noTextEdit="1"/>
+                        </p:cNvSpPr>
+                        <p:nvPr/>
+                      </p:nvSpPr>
+                      <p:spPr>
+                        <a:xfrm>
+                          <a:off x="785815" y="912420"/>
+                          <a:ext cx="371385" cy="369333"/>
+                        </a:xfrm>
+                        <a:prstGeom prst="rect">
+                          <a:avLst/>
+                        </a:prstGeom>
+                        <a:blipFill>
+                          <a:blip r:embed="rId28"/>
+                          <a:stretch>
+                            <a:fillRect l="-19048" r="-114286" b="-220000"/>
+                          </a:stretch>
+                        </a:blipFill>
+                      </p:spPr>
+                      <p:txBody>
+                        <a:bodyPr/>
+                        <a:lstStyle/>
+                        <a:p>
+                          <a:r>
+                            <a:rPr lang="en-US">
+                              <a:noFill/>
+                            </a:rPr>
+                            <a:t> </a:t>
+                          </a:r>
+                        </a:p>
+                      </p:txBody>
+                    </p:sp>
+                  </mc:Fallback>
+                </mc:AlternateContent>
+                <mc:AlternateContent xmlns:mc="http://schemas.openxmlformats.org/markup-compatibility/2006" xmlns:a14="http://schemas.microsoft.com/office/drawing/2010/main">
+                  <mc:Choice Requires="a14">
+                    <p:sp>
+                      <p:nvSpPr>
+                        <p:cNvPr id="24" name="Rectangle 23"/>
+                        <p:cNvSpPr/>
+                        <p:nvPr/>
+                      </p:nvSpPr>
+                      <p:spPr>
+                        <a:xfrm>
+                          <a:off x="1006642" y="2350591"/>
+                          <a:ext cx="367985" cy="369333"/>
+                        </a:xfrm>
+                        <a:prstGeom prst="rect">
+                          <a:avLst/>
+                        </a:prstGeom>
+                      </p:spPr>
+                      <p:txBody>
+                        <a:bodyPr wrap="none">
+                          <a:spAutoFit/>
+                        </a:bodyPr>
+                        <a:lstStyle/>
+                        <a:p>
+                          <a:pPr/>
+                          <a14:m>
+                            <m:oMathPara xmlns:m="http://schemas.openxmlformats.org/officeDocument/2006/math">
+                              <m:oMathParaPr>
+                                <m:jc m:val="centerGroup"/>
+                              </m:oMathParaPr>
+                              <m:oMath xmlns:m="http://schemas.openxmlformats.org/officeDocument/2006/math">
+                                <m:r>
+                                  <a:rPr lang="en-US" b="0" i="1" smtClean="0">
+                                    <a:latin typeface="Cambria Math" panose="02040503050406030204" pitchFamily="18" charset="0"/>
+                                    <a:cs typeface="Arial" panose="020B0604020202020204" pitchFamily="34" charset="0"/>
+                                  </a:rPr>
+                                  <m:t>0</m:t>
+                                </m:r>
+                              </m:oMath>
+                            </m:oMathPara>
+                          </a14:m>
+                          <a:endParaRPr lang="en-CA" dirty="0"/>
+                        </a:p>
+                      </p:txBody>
+                    </p:sp>
+                  </mc:Choice>
+                  <mc:Fallback xmlns="">
+                    <p:sp>
+                      <p:nvSpPr>
+                        <p:cNvPr id="109" name="Rectangle 108"/>
+                        <p:cNvSpPr>
+                          <a:spLocks noRot="1" noChangeAspect="1" noMove="1" noResize="1" noEditPoints="1" noAdjustHandles="1" noChangeArrowheads="1" noChangeShapeType="1" noTextEdit="1"/>
+                        </p:cNvSpPr>
+                        <p:nvPr/>
+                      </p:nvSpPr>
+                      <p:spPr>
+                        <a:xfrm>
+                          <a:off x="1006642" y="2350591"/>
+                          <a:ext cx="367985" cy="369333"/>
+                        </a:xfrm>
+                        <a:prstGeom prst="rect">
+                          <a:avLst/>
+                        </a:prstGeom>
+                        <a:blipFill>
+                          <a:blip r:embed="rId29"/>
+                          <a:stretch>
+                            <a:fillRect l="-14286" r="-114286" b="-180000"/>
+                          </a:stretch>
+                        </a:blipFill>
+                      </p:spPr>
+                      <p:txBody>
+                        <a:bodyPr/>
+                        <a:lstStyle/>
+                        <a:p>
+                          <a:r>
+                            <a:rPr lang="en-US">
+                              <a:noFill/>
+                            </a:rPr>
+                            <a:t> </a:t>
+                          </a:r>
+                        </a:p>
+                      </p:txBody>
+                    </p:sp>
+                  </mc:Fallback>
+                </mc:AlternateContent>
+              </p:grpSp>
               <p:sp>
                 <p:nvSpPr>
-                  <p:cNvPr id="5" name="Oval 4"/>
-                  <p:cNvSpPr/>
-                  <p:nvPr/>
-                </p:nvSpPr>
-                <p:spPr>
-                  <a:xfrm rot="20750775">
-                    <a:off x="1872343" y="1662206"/>
-                    <a:ext cx="1445942" cy="221655"/>
-                  </a:xfrm>
-                  <a:prstGeom prst="ellipse">
-                    <a:avLst/>
-                  </a:prstGeom>
-                  <a:solidFill>
-                    <a:schemeClr val="bg1"/>
-                  </a:solidFill>
-                  <a:ln w="38100">
-                    <a:solidFill>
-                      <a:schemeClr val="tx1"/>
-                    </a:solidFill>
-                  </a:ln>
-                </p:spPr>
-                <p:style>
-                  <a:lnRef idx="2">
-                    <a:schemeClr val="accent1">
-                      <a:shade val="50000"/>
-                    </a:schemeClr>
-                  </a:lnRef>
-                  <a:fillRef idx="1">
-                    <a:schemeClr val="accent1"/>
-                  </a:fillRef>
-                  <a:effectRef idx="0">
-                    <a:schemeClr val="accent1"/>
-                  </a:effectRef>
-                  <a:fontRef idx="minor">
-                    <a:schemeClr val="lt1"/>
-                  </a:fontRef>
-                </p:style>
-                <p:txBody>
-                  <a:bodyPr rtlCol="0" anchor="ctr"/>
-                  <a:lstStyle/>
-                  <a:p>
-                    <a:pPr algn="ctr"/>
-                    <a:endParaRPr lang="en-US"/>
-                  </a:p>
-                </p:txBody>
-              </p:sp>
-              <p:sp>
-                <p:nvSpPr>
-                  <p:cNvPr id="6" name="Oval 5"/>
+                  <p:cNvPr id="19" name="Rectangle 18"/>
                   <p:cNvSpPr/>
                   <p:nvPr/>
                 </p:nvSpPr>
                 <p:spPr>
                   <a:xfrm>
-                    <a:off x="1996067" y="1265663"/>
-                    <a:ext cx="122663" cy="345687"/>
+                    <a:off x="1129904" y="1614682"/>
+                    <a:ext cx="184731" cy="369332"/>
                   </a:xfrm>
-                  <a:prstGeom prst="ellipse">
+                  <a:prstGeom prst="rect">
                     <a:avLst/>
                   </a:prstGeom>
-                  <a:solidFill>
-                    <a:schemeClr val="tx1"/>
-                  </a:solidFill>
-                  <a:ln w="38100">
-                    <a:solidFill>
-                      <a:schemeClr val="tx1"/>
-                    </a:solidFill>
-                  </a:ln>
                 </p:spPr>
-                <p:style>
-                  <a:lnRef idx="2">
-                    <a:schemeClr val="accent1">
-                      <a:shade val="50000"/>
-                    </a:schemeClr>
-                  </a:lnRef>
-                  <a:fillRef idx="1">
-                    <a:schemeClr val="accent1"/>
-                  </a:fillRef>
-                  <a:effectRef idx="0">
-                    <a:schemeClr val="accent1"/>
-                  </a:effectRef>
-                  <a:fontRef idx="minor">
-                    <a:schemeClr val="lt1"/>
-                  </a:fontRef>
-                </p:style>
                 <p:txBody>
-                  <a:bodyPr rtlCol="0" anchor="ctr"/>
+                  <a:bodyPr wrap="none">
+                    <a:spAutoFit/>
+                  </a:bodyPr>
                   <a:lstStyle/>
                   <a:p>
-                    <a:pPr algn="ctr"/>
-                    <a:endParaRPr lang="en-US"/>
-                  </a:p>
-                </p:txBody>
-              </p:sp>
-              <p:sp>
-                <p:nvSpPr>
-                  <p:cNvPr id="7" name="Oval 6"/>
-                  <p:cNvSpPr/>
-                  <p:nvPr/>
-                </p:nvSpPr>
-                <p:spPr>
-                  <a:xfrm rot="20673139">
-                    <a:off x="1726979" y="1590502"/>
-                    <a:ext cx="378808" cy="87694"/>
-                  </a:xfrm>
-                  <a:prstGeom prst="ellipse">
-                    <a:avLst/>
-                  </a:prstGeom>
-                  <a:solidFill>
-                    <a:schemeClr val="bg1"/>
-                  </a:solidFill>
-                  <a:ln w="38100">
-                    <a:solidFill>
-                      <a:schemeClr val="tx1"/>
-                    </a:solidFill>
-                  </a:ln>
-                </p:spPr>
-                <p:style>
-                  <a:lnRef idx="2">
-                    <a:schemeClr val="accent1">
-                      <a:shade val="50000"/>
-                    </a:schemeClr>
-                  </a:lnRef>
-                  <a:fillRef idx="1">
-                    <a:schemeClr val="accent1"/>
-                  </a:fillRef>
-                  <a:effectRef idx="0">
-                    <a:schemeClr val="accent1"/>
-                  </a:effectRef>
-                  <a:fontRef idx="minor">
-                    <a:schemeClr val="lt1"/>
-                  </a:fontRef>
-                </p:style>
-                <p:txBody>
-                  <a:bodyPr rtlCol="0" anchor="ctr"/>
-                  <a:lstStyle/>
-                  <a:p>
-                    <a:pPr algn="ctr"/>
-                    <a:endParaRPr lang="en-US"/>
-                  </a:p>
-                </p:txBody>
-              </p:sp>
-              <p:sp>
-                <p:nvSpPr>
-                  <p:cNvPr id="9" name="Oval 8"/>
-                  <p:cNvSpPr/>
-                  <p:nvPr/>
-                </p:nvSpPr>
-                <p:spPr>
-                  <a:xfrm>
-                    <a:off x="3289783" y="1798945"/>
-                    <a:ext cx="120943" cy="119766"/>
-                  </a:xfrm>
-                  <a:prstGeom prst="ellipse">
-                    <a:avLst/>
-                  </a:prstGeom>
-                  <a:solidFill>
-                    <a:schemeClr val="tx1"/>
-                  </a:solidFill>
-                  <a:ln w="38100">
-                    <a:solidFill>
-                      <a:schemeClr val="tx1"/>
-                    </a:solidFill>
-                  </a:ln>
-                </p:spPr>
-                <p:style>
-                  <a:lnRef idx="2">
-                    <a:schemeClr val="accent1">
-                      <a:shade val="50000"/>
-                    </a:schemeClr>
-                  </a:lnRef>
-                  <a:fillRef idx="1">
-                    <a:schemeClr val="accent1"/>
-                  </a:fillRef>
-                  <a:effectRef idx="0">
-                    <a:schemeClr val="accent1"/>
-                  </a:effectRef>
-                  <a:fontRef idx="minor">
-                    <a:schemeClr val="lt1"/>
-                  </a:fontRef>
-                </p:style>
-                <p:txBody>
-                  <a:bodyPr rtlCol="0" anchor="ctr"/>
-                  <a:lstStyle/>
-                  <a:p>
-                    <a:pPr algn="ctr"/>
-                    <a:endParaRPr lang="en-US"/>
-                  </a:p>
-                </p:txBody>
-              </p:sp>
-              <p:sp>
-                <p:nvSpPr>
-                  <p:cNvPr id="10" name="Oval 9"/>
-                  <p:cNvSpPr/>
-                  <p:nvPr/>
-                </p:nvSpPr>
-                <p:spPr>
-                  <a:xfrm>
-                    <a:off x="3832476" y="2083592"/>
-                    <a:ext cx="120943" cy="119766"/>
-                  </a:xfrm>
-                  <a:prstGeom prst="ellipse">
-                    <a:avLst/>
-                  </a:prstGeom>
-                  <a:noFill/>
-                  <a:ln w="38100">
-                    <a:solidFill>
-                      <a:schemeClr val="tx1"/>
-                    </a:solidFill>
-                    <a:prstDash val="sysDot"/>
-                  </a:ln>
-                </p:spPr>
-                <p:style>
-                  <a:lnRef idx="2">
-                    <a:schemeClr val="accent1">
-                      <a:shade val="50000"/>
-                    </a:schemeClr>
-                  </a:lnRef>
-                  <a:fillRef idx="1">
-                    <a:schemeClr val="accent1"/>
-                  </a:fillRef>
-                  <a:effectRef idx="0">
-                    <a:schemeClr val="accent1"/>
-                  </a:effectRef>
-                  <a:fontRef idx="minor">
-                    <a:schemeClr val="lt1"/>
-                  </a:fontRef>
-                </p:style>
-                <p:txBody>
-                  <a:bodyPr rtlCol="0" anchor="ctr"/>
-                  <a:lstStyle/>
-                  <a:p>
-                    <a:pPr algn="ctr"/>
-                    <a:endParaRPr lang="en-US"/>
-                  </a:p>
-                </p:txBody>
-              </p:sp>
-              <p:sp>
-                <p:nvSpPr>
-                  <p:cNvPr id="12" name="Oval 11"/>
-                  <p:cNvSpPr/>
-                  <p:nvPr/>
-                </p:nvSpPr>
-                <p:spPr>
-                  <a:xfrm>
-                    <a:off x="4609344" y="2983124"/>
-                    <a:ext cx="120943" cy="119766"/>
-                  </a:xfrm>
-                  <a:prstGeom prst="ellipse">
-                    <a:avLst/>
-                  </a:prstGeom>
-                  <a:noFill/>
-                  <a:ln w="38100">
-                    <a:solidFill>
-                      <a:schemeClr val="tx1"/>
-                    </a:solidFill>
-                    <a:prstDash val="sysDot"/>
-                  </a:ln>
-                </p:spPr>
-                <p:style>
-                  <a:lnRef idx="2">
-                    <a:schemeClr val="accent1">
-                      <a:shade val="50000"/>
-                    </a:schemeClr>
-                  </a:lnRef>
-                  <a:fillRef idx="1">
-                    <a:schemeClr val="accent1"/>
-                  </a:fillRef>
-                  <a:effectRef idx="0">
-                    <a:schemeClr val="accent1"/>
-                  </a:effectRef>
-                  <a:fontRef idx="minor">
-                    <a:schemeClr val="lt1"/>
-                  </a:fontRef>
-                </p:style>
-                <p:txBody>
-                  <a:bodyPr rtlCol="0" anchor="ctr"/>
-                  <a:lstStyle/>
-                  <a:p>
-                    <a:pPr algn="ctr"/>
-                    <a:endParaRPr lang="en-US"/>
-                  </a:p>
-                </p:txBody>
-              </p:sp>
-              <p:sp>
-                <p:nvSpPr>
-                  <p:cNvPr id="13" name="Oval 12"/>
-                  <p:cNvSpPr/>
-                  <p:nvPr/>
-                </p:nvSpPr>
-                <p:spPr>
-                  <a:xfrm>
-                    <a:off x="5408515" y="4351007"/>
-                    <a:ext cx="120943" cy="119766"/>
-                  </a:xfrm>
-                  <a:prstGeom prst="ellipse">
-                    <a:avLst/>
-                  </a:prstGeom>
-                  <a:noFill/>
-                  <a:ln w="38100">
-                    <a:solidFill>
-                      <a:schemeClr val="tx1"/>
-                    </a:solidFill>
-                    <a:prstDash val="sysDot"/>
-                  </a:ln>
-                </p:spPr>
-                <p:style>
-                  <a:lnRef idx="2">
-                    <a:schemeClr val="accent1">
-                      <a:shade val="50000"/>
-                    </a:schemeClr>
-                  </a:lnRef>
-                  <a:fillRef idx="1">
-                    <a:schemeClr val="accent1"/>
-                  </a:fillRef>
-                  <a:effectRef idx="0">
-                    <a:schemeClr val="accent1"/>
-                  </a:effectRef>
-                  <a:fontRef idx="minor">
-                    <a:schemeClr val="lt1"/>
-                  </a:fontRef>
-                </p:style>
-                <p:txBody>
-                  <a:bodyPr rtlCol="0" anchor="ctr"/>
-                  <a:lstStyle/>
-                  <a:p>
-                    <a:pPr algn="ctr"/>
-                    <a:endParaRPr lang="en-US"/>
+                    <a:endParaRPr lang="en-CA" dirty="0"/>
                   </a:p>
                 </p:txBody>
               </p:sp>
             </p:grpSp>
-            <p:sp>
-              <p:nvSpPr>
-                <p:cNvPr id="15" name="Rectangle 14"/>
-                <p:cNvSpPr/>
-                <p:nvPr/>
-              </p:nvSpPr>
-              <p:spPr>
-                <a:xfrm>
-                  <a:off x="609065" y="4070195"/>
-                  <a:ext cx="4705815" cy="122664"/>
-                </a:xfrm>
-                <a:prstGeom prst="rect">
-                  <a:avLst/>
-                </a:prstGeom>
-                <a:solidFill>
-                  <a:schemeClr val="bg2">
-                    <a:lumMod val="90000"/>
-                  </a:schemeClr>
-                </a:solidFill>
-                <a:ln w="38100">
-                  <a:solidFill>
-                    <a:schemeClr val="tx1"/>
-                  </a:solidFill>
-                </a:ln>
-              </p:spPr>
-              <p:style>
-                <a:lnRef idx="2">
-                  <a:schemeClr val="accent1">
-                    <a:shade val="50000"/>
-                  </a:schemeClr>
-                </a:lnRef>
-                <a:fillRef idx="1">
-                  <a:schemeClr val="accent1"/>
-                </a:fillRef>
-                <a:effectRef idx="0">
-                  <a:schemeClr val="accent1"/>
-                </a:effectRef>
-                <a:fontRef idx="minor">
-                  <a:schemeClr val="lt1"/>
-                </a:fontRef>
-              </p:style>
-              <p:txBody>
-                <a:bodyPr rtlCol="0" anchor="ctr"/>
-                <a:lstStyle/>
-                <a:p>
-                  <a:pPr algn="ctr"/>
-                  <a:endParaRPr lang="en-US"/>
-                </a:p>
-              </p:txBody>
-            </p:sp>
           </p:grpSp>
-          <p:grpSp>
-            <p:nvGrpSpPr>
-              <p:cNvPr id="17" name="Group 16"/>
-              <p:cNvGrpSpPr/>
+          <p:sp>
+            <p:nvSpPr>
+              <p:cNvPr id="61" name="Oval 60"/>
+              <p:cNvSpPr/>
               <p:nvPr/>
-            </p:nvGrpSpPr>
-            <p:grpSpPr>
+            </p:nvSpPr>
+            <p:spPr>
               <a:xfrm>
-                <a:off x="554213" y="3139207"/>
-                <a:ext cx="898789" cy="709995"/>
-                <a:chOff x="758520" y="708040"/>
-                <a:chExt cx="2596102" cy="2135605"/>
+                <a:off x="1244600" y="1021781"/>
+                <a:ext cx="45719" cy="64070"/>
               </a:xfrm>
-            </p:grpSpPr>
-            <p:grpSp>
-              <p:nvGrpSpPr>
-                <p:cNvPr id="18" name="Group 17"/>
-                <p:cNvGrpSpPr/>
-                <p:nvPr/>
-              </p:nvGrpSpPr>
-              <p:grpSpPr>
-                <a:xfrm>
-                  <a:off x="758520" y="708040"/>
-                  <a:ext cx="2596102" cy="2135605"/>
-                  <a:chOff x="785815" y="680744"/>
-                  <a:chExt cx="2596102" cy="2135605"/>
-                </a:xfrm>
-              </p:grpSpPr>
-              <p:cxnSp>
-                <p:nvCxnSpPr>
-                  <p:cNvPr id="20" name="Straight Arrow Connector 19"/>
-                  <p:cNvCxnSpPr/>
-                  <p:nvPr/>
-                </p:nvCxnSpPr>
-                <p:spPr>
-                  <a:xfrm flipV="1">
-                    <a:off x="1516583" y="680744"/>
-                    <a:ext cx="7683" cy="1859535"/>
-                  </a:xfrm>
-                  <a:prstGeom prst="straightConnector1">
-                    <a:avLst/>
-                  </a:prstGeom>
-                  <a:ln w="38100">
-                    <a:solidFill>
-                      <a:schemeClr val="tx1"/>
-                    </a:solidFill>
-                    <a:tailEnd type="triangle"/>
-                  </a:ln>
-                </p:spPr>
-                <p:style>
-                  <a:lnRef idx="1">
-                    <a:schemeClr val="accent1"/>
-                  </a:lnRef>
-                  <a:fillRef idx="0">
-                    <a:schemeClr val="accent1"/>
-                  </a:fillRef>
-                  <a:effectRef idx="0">
-                    <a:schemeClr val="accent1"/>
-                  </a:effectRef>
-                  <a:fontRef idx="minor">
-                    <a:schemeClr val="tx1"/>
-                  </a:fontRef>
-                </p:style>
-              </p:cxnSp>
-              <p:cxnSp>
-                <p:nvCxnSpPr>
-                  <p:cNvPr id="21" name="Straight Arrow Connector 20"/>
-                  <p:cNvCxnSpPr/>
-                  <p:nvPr/>
-                </p:nvCxnSpPr>
-                <p:spPr>
-                  <a:xfrm flipV="1">
-                    <a:off x="1507013" y="2535259"/>
-                    <a:ext cx="1874904" cy="1"/>
-                  </a:xfrm>
-                  <a:prstGeom prst="straightConnector1">
-                    <a:avLst/>
-                  </a:prstGeom>
-                  <a:ln w="38100">
-                    <a:solidFill>
-                      <a:schemeClr val="tx1"/>
-                    </a:solidFill>
-                    <a:tailEnd type="triangle"/>
-                  </a:ln>
-                </p:spPr>
-                <p:style>
-                  <a:lnRef idx="1">
-                    <a:schemeClr val="accent1"/>
-                  </a:lnRef>
-                  <a:fillRef idx="0">
-                    <a:schemeClr val="accent1"/>
-                  </a:fillRef>
-                  <a:effectRef idx="0">
-                    <a:schemeClr val="accent1"/>
-                  </a:effectRef>
-                  <a:fontRef idx="minor">
-                    <a:schemeClr val="tx1"/>
-                  </a:fontRef>
-                </p:style>
-              </p:cxnSp>
-              <mc:AlternateContent xmlns:mc="http://schemas.openxmlformats.org/markup-compatibility/2006" xmlns:a14="http://schemas.microsoft.com/office/drawing/2010/main">
-                <mc:Choice Requires="a14">
-                  <p:sp>
-                    <p:nvSpPr>
-                      <p:cNvPr id="22" name="Rectangle 21"/>
-                      <p:cNvSpPr/>
-                      <p:nvPr/>
-                    </p:nvSpPr>
-                    <p:spPr>
-                      <a:xfrm>
-                        <a:off x="2697555" y="2447016"/>
-                        <a:ext cx="367985" cy="369333"/>
-                      </a:xfrm>
-                      <a:prstGeom prst="rect">
-                        <a:avLst/>
-                      </a:prstGeom>
-                    </p:spPr>
-                    <p:txBody>
-                      <a:bodyPr wrap="none">
-                        <a:spAutoFit/>
-                      </a:bodyPr>
-                      <a:lstStyle/>
-                      <a:p>
-                        <a:pPr/>
-                        <a14:m>
-                          <m:oMathPara xmlns:m="http://schemas.openxmlformats.org/officeDocument/2006/math">
-                            <m:oMathParaPr>
-                              <m:jc m:val="centerGroup"/>
-                            </m:oMathParaPr>
-                            <m:oMath xmlns:m="http://schemas.openxmlformats.org/officeDocument/2006/math">
-                              <m:r>
-                                <a:rPr lang="en-US" i="1">
-                                  <a:latin typeface="Cambria Math" panose="02040503050406030204" pitchFamily="18" charset="0"/>
-                                  <a:cs typeface="Arial" panose="020B0604020202020204" pitchFamily="34" charset="0"/>
-                                </a:rPr>
-                                <m:t>𝑥</m:t>
-                              </m:r>
-                            </m:oMath>
-                          </m:oMathPara>
-                        </a14:m>
-                        <a:endParaRPr lang="en-CA" dirty="0"/>
-                      </a:p>
-                    </p:txBody>
-                  </p:sp>
-                </mc:Choice>
-                <mc:Fallback xmlns="">
-                  <p:sp>
-                    <p:nvSpPr>
-                      <p:cNvPr id="107" name="Rectangle 106"/>
-                      <p:cNvSpPr>
-                        <a:spLocks noRot="1" noChangeAspect="1" noMove="1" noResize="1" noEditPoints="1" noAdjustHandles="1" noChangeArrowheads="1" noChangeShapeType="1" noTextEdit="1"/>
-                      </p:cNvSpPr>
-                      <p:nvPr/>
-                    </p:nvSpPr>
-                    <p:spPr>
-                      <a:xfrm>
-                        <a:off x="2697555" y="2447016"/>
-                        <a:ext cx="367985" cy="369333"/>
-                      </a:xfrm>
-                      <a:prstGeom prst="rect">
-                        <a:avLst/>
-                      </a:prstGeom>
-                      <a:blipFill>
-                        <a:blip r:embed="rId27"/>
-                        <a:stretch>
-                          <a:fillRect r="-95238" b="-160000"/>
-                        </a:stretch>
-                      </a:blipFill>
-                    </p:spPr>
-                    <p:txBody>
-                      <a:bodyPr/>
-                      <a:lstStyle/>
-                      <a:p>
-                        <a:r>
-                          <a:rPr lang="en-US">
-                            <a:noFill/>
-                          </a:rPr>
-                          <a:t> </a:t>
-                        </a:r>
-                      </a:p>
-                    </p:txBody>
-                  </p:sp>
-                </mc:Fallback>
-              </mc:AlternateContent>
-              <mc:AlternateContent xmlns:mc="http://schemas.openxmlformats.org/markup-compatibility/2006" xmlns:a14="http://schemas.microsoft.com/office/drawing/2010/main">
-                <mc:Choice Requires="a14">
-                  <p:sp>
-                    <p:nvSpPr>
-                      <p:cNvPr id="23" name="Rectangle 22"/>
-                      <p:cNvSpPr/>
-                      <p:nvPr/>
-                    </p:nvSpPr>
-                    <p:spPr>
-                      <a:xfrm>
-                        <a:off x="785815" y="912420"/>
-                        <a:ext cx="371385" cy="369333"/>
-                      </a:xfrm>
-                      <a:prstGeom prst="rect">
-                        <a:avLst/>
-                      </a:prstGeom>
-                    </p:spPr>
-                    <p:txBody>
-                      <a:bodyPr wrap="none">
-                        <a:spAutoFit/>
-                      </a:bodyPr>
-                      <a:lstStyle/>
-                      <a:p>
-                        <a:pPr/>
-                        <a14:m>
-                          <m:oMathPara xmlns:m="http://schemas.openxmlformats.org/officeDocument/2006/math">
-                            <m:oMathParaPr>
-                              <m:jc m:val="centerGroup"/>
-                            </m:oMathParaPr>
-                            <m:oMath xmlns:m="http://schemas.openxmlformats.org/officeDocument/2006/math">
-                              <m:r>
-                                <a:rPr lang="en-US" b="0" i="1" smtClean="0">
-                                  <a:latin typeface="Cambria Math" panose="02040503050406030204" pitchFamily="18" charset="0"/>
-                                </a:rPr>
-                                <m:t>𝑦</m:t>
-                              </m:r>
-                            </m:oMath>
-                          </m:oMathPara>
-                        </a14:m>
-                        <a:endParaRPr lang="en-CA" dirty="0"/>
-                      </a:p>
-                    </p:txBody>
-                  </p:sp>
-                </mc:Choice>
-                <mc:Fallback xmlns="">
-                  <p:sp>
-                    <p:nvSpPr>
-                      <p:cNvPr id="108" name="Rectangle 107"/>
-                      <p:cNvSpPr>
-                        <a:spLocks noRot="1" noChangeAspect="1" noMove="1" noResize="1" noEditPoints="1" noAdjustHandles="1" noChangeArrowheads="1" noChangeShapeType="1" noTextEdit="1"/>
-                      </p:cNvSpPr>
-                      <p:nvPr/>
-                    </p:nvSpPr>
-                    <p:spPr>
-                      <a:xfrm>
-                        <a:off x="785815" y="912420"/>
-                        <a:ext cx="371385" cy="369333"/>
-                      </a:xfrm>
-                      <a:prstGeom prst="rect">
-                        <a:avLst/>
-                      </a:prstGeom>
-                      <a:blipFill>
-                        <a:blip r:embed="rId28"/>
-                        <a:stretch>
-                          <a:fillRect l="-19048" r="-114286" b="-220000"/>
-                        </a:stretch>
-                      </a:blipFill>
-                    </p:spPr>
-                    <p:txBody>
-                      <a:bodyPr/>
-                      <a:lstStyle/>
-                      <a:p>
-                        <a:r>
-                          <a:rPr lang="en-US">
-                            <a:noFill/>
-                          </a:rPr>
-                          <a:t> </a:t>
-                        </a:r>
-                      </a:p>
-                    </p:txBody>
-                  </p:sp>
-                </mc:Fallback>
-              </mc:AlternateContent>
-              <mc:AlternateContent xmlns:mc="http://schemas.openxmlformats.org/markup-compatibility/2006" xmlns:a14="http://schemas.microsoft.com/office/drawing/2010/main">
-                <mc:Choice Requires="a14">
-                  <p:sp>
-                    <p:nvSpPr>
-                      <p:cNvPr id="24" name="Rectangle 23"/>
-                      <p:cNvSpPr/>
-                      <p:nvPr/>
-                    </p:nvSpPr>
-                    <p:spPr>
-                      <a:xfrm>
-                        <a:off x="1006642" y="2350591"/>
-                        <a:ext cx="367985" cy="369333"/>
-                      </a:xfrm>
-                      <a:prstGeom prst="rect">
-                        <a:avLst/>
-                      </a:prstGeom>
-                    </p:spPr>
-                    <p:txBody>
-                      <a:bodyPr wrap="none">
-                        <a:spAutoFit/>
-                      </a:bodyPr>
-                      <a:lstStyle/>
-                      <a:p>
-                        <a:pPr/>
-                        <a14:m>
-                          <m:oMathPara xmlns:m="http://schemas.openxmlformats.org/officeDocument/2006/math">
-                            <m:oMathParaPr>
-                              <m:jc m:val="centerGroup"/>
-                            </m:oMathParaPr>
-                            <m:oMath xmlns:m="http://schemas.openxmlformats.org/officeDocument/2006/math">
-                              <m:r>
-                                <a:rPr lang="en-US" b="0" i="1" smtClean="0">
-                                  <a:latin typeface="Cambria Math" panose="02040503050406030204" pitchFamily="18" charset="0"/>
-                                  <a:cs typeface="Arial" panose="020B0604020202020204" pitchFamily="34" charset="0"/>
-                                </a:rPr>
-                                <m:t>0</m:t>
-                              </m:r>
-                            </m:oMath>
-                          </m:oMathPara>
-                        </a14:m>
-                        <a:endParaRPr lang="en-CA" dirty="0"/>
-                      </a:p>
-                    </p:txBody>
-                  </p:sp>
-                </mc:Choice>
-                <mc:Fallback xmlns="">
-                  <p:sp>
-                    <p:nvSpPr>
-                      <p:cNvPr id="109" name="Rectangle 108"/>
-                      <p:cNvSpPr>
-                        <a:spLocks noRot="1" noChangeAspect="1" noMove="1" noResize="1" noEditPoints="1" noAdjustHandles="1" noChangeArrowheads="1" noChangeShapeType="1" noTextEdit="1"/>
-                      </p:cNvSpPr>
-                      <p:nvPr/>
-                    </p:nvSpPr>
-                    <p:spPr>
-                      <a:xfrm>
-                        <a:off x="1006642" y="2350591"/>
-                        <a:ext cx="367985" cy="369333"/>
-                      </a:xfrm>
-                      <a:prstGeom prst="rect">
-                        <a:avLst/>
-                      </a:prstGeom>
-                      <a:blipFill>
-                        <a:blip r:embed="rId29"/>
-                        <a:stretch>
-                          <a:fillRect l="-14286" r="-114286" b="-180000"/>
-                        </a:stretch>
-                      </a:blipFill>
-                    </p:spPr>
-                    <p:txBody>
-                      <a:bodyPr/>
-                      <a:lstStyle/>
-                      <a:p>
-                        <a:r>
-                          <a:rPr lang="en-US">
-                            <a:noFill/>
-                          </a:rPr>
-                          <a:t> </a:t>
-                        </a:r>
-                      </a:p>
-                    </p:txBody>
-                  </p:sp>
-                </mc:Fallback>
-              </mc:AlternateContent>
-            </p:grpSp>
-            <p:sp>
-              <p:nvSpPr>
-                <p:cNvPr id="19" name="Rectangle 18"/>
-                <p:cNvSpPr/>
-                <p:nvPr/>
-              </p:nvSpPr>
-              <p:spPr>
-                <a:xfrm>
-                  <a:off x="1129904" y="1614682"/>
-                  <a:ext cx="184731" cy="369332"/>
-                </a:xfrm>
-                <a:prstGeom prst="rect">
-                  <a:avLst/>
-                </a:prstGeom>
-              </p:spPr>
-              <p:txBody>
-                <a:bodyPr wrap="none">
-                  <a:spAutoFit/>
-                </a:bodyPr>
-                <a:lstStyle/>
-                <a:p>
-                  <a:endParaRPr lang="en-CA" dirty="0"/>
-                </a:p>
-              </p:txBody>
-            </p:sp>
-          </p:grpSp>
+              <a:prstGeom prst="ellipse">
+                <a:avLst/>
+              </a:prstGeom>
+              <a:solidFill>
+                <a:schemeClr val="bg1"/>
+              </a:solidFill>
+              <a:ln w="38100">
+                <a:noFill/>
+              </a:ln>
+            </p:spPr>
+            <p:style>
+              <a:lnRef idx="2">
+                <a:schemeClr val="accent1">
+                  <a:shade val="50000"/>
+                </a:schemeClr>
+              </a:lnRef>
+              <a:fillRef idx="1">
+                <a:schemeClr val="accent1"/>
+              </a:fillRef>
+              <a:effectRef idx="0">
+                <a:schemeClr val="accent1"/>
+              </a:effectRef>
+              <a:fontRef idx="minor">
+                <a:schemeClr val="lt1"/>
+              </a:fontRef>
+            </p:style>
+            <p:txBody>
+              <a:bodyPr rtlCol="0" anchor="ctr"/>
+              <a:lstStyle/>
+              <a:p>
+                <a:pPr algn="ctr"/>
+                <a:endParaRPr lang="en-US"/>
+              </a:p>
+            </p:txBody>
+          </p:sp>
+          <p:sp>
+            <p:nvSpPr>
+              <p:cNvPr id="62" name="Oval 61"/>
+              <p:cNvSpPr/>
+              <p:nvPr/>
+            </p:nvSpPr>
+            <p:spPr>
+              <a:xfrm>
+                <a:off x="1347095" y="1017677"/>
+                <a:ext cx="45719" cy="64070"/>
+              </a:xfrm>
+              <a:prstGeom prst="ellipse">
+                <a:avLst/>
+              </a:prstGeom>
+              <a:solidFill>
+                <a:schemeClr val="bg1"/>
+              </a:solidFill>
+              <a:ln w="38100">
+                <a:noFill/>
+              </a:ln>
+            </p:spPr>
+            <p:style>
+              <a:lnRef idx="2">
+                <a:schemeClr val="accent1">
+                  <a:shade val="50000"/>
+                </a:schemeClr>
+              </a:lnRef>
+              <a:fillRef idx="1">
+                <a:schemeClr val="accent1"/>
+              </a:fillRef>
+              <a:effectRef idx="0">
+                <a:schemeClr val="accent1"/>
+              </a:effectRef>
+              <a:fontRef idx="minor">
+                <a:schemeClr val="lt1"/>
+              </a:fontRef>
+            </p:style>
+            <p:txBody>
+              <a:bodyPr rtlCol="0" anchor="ctr"/>
+              <a:lstStyle/>
+              <a:p>
+                <a:pPr algn="ctr"/>
+                <a:endParaRPr lang="en-US"/>
+              </a:p>
+            </p:txBody>
+          </p:sp>
+          <p:sp>
+            <p:nvSpPr>
+              <p:cNvPr id="107" name="Oval 106"/>
+              <p:cNvSpPr/>
+              <p:nvPr/>
+            </p:nvSpPr>
+            <p:spPr>
+              <a:xfrm>
+                <a:off x="1453002" y="1021781"/>
+                <a:ext cx="45719" cy="64070"/>
+              </a:xfrm>
+              <a:prstGeom prst="ellipse">
+                <a:avLst/>
+              </a:prstGeom>
+              <a:solidFill>
+                <a:schemeClr val="bg1"/>
+              </a:solidFill>
+              <a:ln w="38100">
+                <a:noFill/>
+              </a:ln>
+            </p:spPr>
+            <p:style>
+              <a:lnRef idx="2">
+                <a:schemeClr val="accent1">
+                  <a:shade val="50000"/>
+                </a:schemeClr>
+              </a:lnRef>
+              <a:fillRef idx="1">
+                <a:schemeClr val="accent1"/>
+              </a:fillRef>
+              <a:effectRef idx="0">
+                <a:schemeClr val="accent1"/>
+              </a:effectRef>
+              <a:fontRef idx="minor">
+                <a:schemeClr val="lt1"/>
+              </a:fontRef>
+            </p:style>
+            <p:txBody>
+              <a:bodyPr rtlCol="0" anchor="ctr"/>
+              <a:lstStyle/>
+              <a:p>
+                <a:pPr algn="ctr"/>
+                <a:endParaRPr lang="en-US"/>
+              </a:p>
+            </p:txBody>
+          </p:sp>
+          <p:sp>
+            <p:nvSpPr>
+              <p:cNvPr id="108" name="Oval 107"/>
+              <p:cNvSpPr/>
+              <p:nvPr/>
+            </p:nvSpPr>
+            <p:spPr>
+              <a:xfrm>
+                <a:off x="1555497" y="1017677"/>
+                <a:ext cx="45719" cy="64070"/>
+              </a:xfrm>
+              <a:prstGeom prst="ellipse">
+                <a:avLst/>
+              </a:prstGeom>
+              <a:solidFill>
+                <a:schemeClr val="bg1"/>
+              </a:solidFill>
+              <a:ln w="38100">
+                <a:noFill/>
+              </a:ln>
+            </p:spPr>
+            <p:style>
+              <a:lnRef idx="2">
+                <a:schemeClr val="accent1">
+                  <a:shade val="50000"/>
+                </a:schemeClr>
+              </a:lnRef>
+              <a:fillRef idx="1">
+                <a:schemeClr val="accent1"/>
+              </a:fillRef>
+              <a:effectRef idx="0">
+                <a:schemeClr val="accent1"/>
+              </a:effectRef>
+              <a:fontRef idx="minor">
+                <a:schemeClr val="lt1"/>
+              </a:fontRef>
+            </p:style>
+            <p:txBody>
+              <a:bodyPr rtlCol="0" anchor="ctr"/>
+              <a:lstStyle/>
+              <a:p>
+                <a:pPr algn="ctr"/>
+                <a:endParaRPr lang="en-US"/>
+              </a:p>
+            </p:txBody>
+          </p:sp>
+          <p:sp>
+            <p:nvSpPr>
+              <p:cNvPr id="109" name="Oval 108"/>
+              <p:cNvSpPr/>
+              <p:nvPr/>
+            </p:nvSpPr>
+            <p:spPr>
+              <a:xfrm>
+                <a:off x="1657992" y="1020156"/>
+                <a:ext cx="45719" cy="64070"/>
+              </a:xfrm>
+              <a:prstGeom prst="ellipse">
+                <a:avLst/>
+              </a:prstGeom>
+              <a:solidFill>
+                <a:schemeClr val="bg1"/>
+              </a:solidFill>
+              <a:ln w="38100">
+                <a:noFill/>
+              </a:ln>
+            </p:spPr>
+            <p:style>
+              <a:lnRef idx="2">
+                <a:schemeClr val="accent1">
+                  <a:shade val="50000"/>
+                </a:schemeClr>
+              </a:lnRef>
+              <a:fillRef idx="1">
+                <a:schemeClr val="accent1"/>
+              </a:fillRef>
+              <a:effectRef idx="0">
+                <a:schemeClr val="accent1"/>
+              </a:effectRef>
+              <a:fontRef idx="minor">
+                <a:schemeClr val="lt1"/>
+              </a:fontRef>
+            </p:style>
+            <p:txBody>
+              <a:bodyPr rtlCol="0" anchor="ctr"/>
+              <a:lstStyle/>
+              <a:p>
+                <a:pPr algn="ctr"/>
+                <a:endParaRPr lang="en-US"/>
+              </a:p>
+            </p:txBody>
+          </p:sp>
+          <p:sp>
+            <p:nvSpPr>
+              <p:cNvPr id="110" name="Oval 109"/>
+              <p:cNvSpPr/>
+              <p:nvPr/>
+            </p:nvSpPr>
+            <p:spPr>
+              <a:xfrm>
+                <a:off x="1760487" y="1016052"/>
+                <a:ext cx="45719" cy="64070"/>
+              </a:xfrm>
+              <a:prstGeom prst="ellipse">
+                <a:avLst/>
+              </a:prstGeom>
+              <a:solidFill>
+                <a:schemeClr val="bg1"/>
+              </a:solidFill>
+              <a:ln w="38100">
+                <a:noFill/>
+              </a:ln>
+            </p:spPr>
+            <p:style>
+              <a:lnRef idx="2">
+                <a:schemeClr val="accent1">
+                  <a:shade val="50000"/>
+                </a:schemeClr>
+              </a:lnRef>
+              <a:fillRef idx="1">
+                <a:schemeClr val="accent1"/>
+              </a:fillRef>
+              <a:effectRef idx="0">
+                <a:schemeClr val="accent1"/>
+              </a:effectRef>
+              <a:fontRef idx="minor">
+                <a:schemeClr val="lt1"/>
+              </a:fontRef>
+            </p:style>
+            <p:txBody>
+              <a:bodyPr rtlCol="0" anchor="ctr"/>
+              <a:lstStyle/>
+              <a:p>
+                <a:pPr algn="ctr"/>
+                <a:endParaRPr lang="en-US"/>
+              </a:p>
+            </p:txBody>
+          </p:sp>
+          <p:sp>
+            <p:nvSpPr>
+              <p:cNvPr id="111" name="Oval 110"/>
+              <p:cNvSpPr/>
+              <p:nvPr/>
+            </p:nvSpPr>
+            <p:spPr>
+              <a:xfrm>
+                <a:off x="1866394" y="1020156"/>
+                <a:ext cx="45719" cy="64070"/>
+              </a:xfrm>
+              <a:prstGeom prst="ellipse">
+                <a:avLst/>
+              </a:prstGeom>
+              <a:solidFill>
+                <a:schemeClr val="bg1"/>
+              </a:solidFill>
+              <a:ln w="38100">
+                <a:noFill/>
+              </a:ln>
+            </p:spPr>
+            <p:style>
+              <a:lnRef idx="2">
+                <a:schemeClr val="accent1">
+                  <a:shade val="50000"/>
+                </a:schemeClr>
+              </a:lnRef>
+              <a:fillRef idx="1">
+                <a:schemeClr val="accent1"/>
+              </a:fillRef>
+              <a:effectRef idx="0">
+                <a:schemeClr val="accent1"/>
+              </a:effectRef>
+              <a:fontRef idx="minor">
+                <a:schemeClr val="lt1"/>
+              </a:fontRef>
+            </p:style>
+            <p:txBody>
+              <a:bodyPr rtlCol="0" anchor="ctr"/>
+              <a:lstStyle/>
+              <a:p>
+                <a:pPr algn="ctr"/>
+                <a:endParaRPr lang="en-US"/>
+              </a:p>
+            </p:txBody>
+          </p:sp>
+          <p:sp>
+            <p:nvSpPr>
+              <p:cNvPr id="112" name="Oval 111"/>
+              <p:cNvSpPr/>
+              <p:nvPr/>
+            </p:nvSpPr>
+            <p:spPr>
+              <a:xfrm>
+                <a:off x="1968889" y="1016052"/>
+                <a:ext cx="45719" cy="64070"/>
+              </a:xfrm>
+              <a:prstGeom prst="ellipse">
+                <a:avLst/>
+              </a:prstGeom>
+              <a:solidFill>
+                <a:schemeClr val="bg1"/>
+              </a:solidFill>
+              <a:ln w="38100">
+                <a:noFill/>
+              </a:ln>
+            </p:spPr>
+            <p:style>
+              <a:lnRef idx="2">
+                <a:schemeClr val="accent1">
+                  <a:shade val="50000"/>
+                </a:schemeClr>
+              </a:lnRef>
+              <a:fillRef idx="1">
+                <a:schemeClr val="accent1"/>
+              </a:fillRef>
+              <a:effectRef idx="0">
+                <a:schemeClr val="accent1"/>
+              </a:effectRef>
+              <a:fontRef idx="minor">
+                <a:schemeClr val="lt1"/>
+              </a:fontRef>
+            </p:style>
+            <p:txBody>
+              <a:bodyPr rtlCol="0" anchor="ctr"/>
+              <a:lstStyle/>
+              <a:p>
+                <a:pPr algn="ctr"/>
+                <a:endParaRPr lang="en-US"/>
+              </a:p>
+            </p:txBody>
+          </p:sp>
+          <p:sp>
+            <p:nvSpPr>
+              <p:cNvPr id="113" name="Oval 112"/>
+              <p:cNvSpPr/>
+              <p:nvPr/>
+            </p:nvSpPr>
+            <p:spPr>
+              <a:xfrm>
+                <a:off x="2074796" y="1020156"/>
+                <a:ext cx="45719" cy="64070"/>
+              </a:xfrm>
+              <a:prstGeom prst="ellipse">
+                <a:avLst/>
+              </a:prstGeom>
+              <a:solidFill>
+                <a:schemeClr val="bg1"/>
+              </a:solidFill>
+              <a:ln w="38100">
+                <a:noFill/>
+              </a:ln>
+            </p:spPr>
+            <p:style>
+              <a:lnRef idx="2">
+                <a:schemeClr val="accent1">
+                  <a:shade val="50000"/>
+                </a:schemeClr>
+              </a:lnRef>
+              <a:fillRef idx="1">
+                <a:schemeClr val="accent1"/>
+              </a:fillRef>
+              <a:effectRef idx="0">
+                <a:schemeClr val="accent1"/>
+              </a:effectRef>
+              <a:fontRef idx="minor">
+                <a:schemeClr val="lt1"/>
+              </a:fontRef>
+            </p:style>
+            <p:txBody>
+              <a:bodyPr rtlCol="0" anchor="ctr"/>
+              <a:lstStyle/>
+              <a:p>
+                <a:pPr algn="ctr"/>
+                <a:endParaRPr lang="en-US"/>
+              </a:p>
+            </p:txBody>
+          </p:sp>
+          <p:sp>
+            <p:nvSpPr>
+              <p:cNvPr id="114" name="Oval 113"/>
+              <p:cNvSpPr/>
+              <p:nvPr/>
+            </p:nvSpPr>
+            <p:spPr>
+              <a:xfrm>
+                <a:off x="2177291" y="1016052"/>
+                <a:ext cx="45719" cy="64070"/>
+              </a:xfrm>
+              <a:prstGeom prst="ellipse">
+                <a:avLst/>
+              </a:prstGeom>
+              <a:solidFill>
+                <a:schemeClr val="bg1"/>
+              </a:solidFill>
+              <a:ln w="38100">
+                <a:noFill/>
+              </a:ln>
+            </p:spPr>
+            <p:style>
+              <a:lnRef idx="2">
+                <a:schemeClr val="accent1">
+                  <a:shade val="50000"/>
+                </a:schemeClr>
+              </a:lnRef>
+              <a:fillRef idx="1">
+                <a:schemeClr val="accent1"/>
+              </a:fillRef>
+              <a:effectRef idx="0">
+                <a:schemeClr val="accent1"/>
+              </a:effectRef>
+              <a:fontRef idx="minor">
+                <a:schemeClr val="lt1"/>
+              </a:fontRef>
+            </p:style>
+            <p:txBody>
+              <a:bodyPr rtlCol="0" anchor="ctr"/>
+              <a:lstStyle/>
+              <a:p>
+                <a:pPr algn="ctr"/>
+                <a:endParaRPr lang="en-US"/>
+              </a:p>
+            </p:txBody>
+          </p:sp>
+          <p:sp>
+            <p:nvSpPr>
+              <p:cNvPr id="115" name="Oval 114"/>
+              <p:cNvSpPr/>
+              <p:nvPr/>
+            </p:nvSpPr>
+            <p:spPr>
+              <a:xfrm>
+                <a:off x="2283198" y="1020156"/>
+                <a:ext cx="45719" cy="64070"/>
+              </a:xfrm>
+              <a:prstGeom prst="ellipse">
+                <a:avLst/>
+              </a:prstGeom>
+              <a:solidFill>
+                <a:schemeClr val="bg1"/>
+              </a:solidFill>
+              <a:ln w="38100">
+                <a:noFill/>
+              </a:ln>
+            </p:spPr>
+            <p:style>
+              <a:lnRef idx="2">
+                <a:schemeClr val="accent1">
+                  <a:shade val="50000"/>
+                </a:schemeClr>
+              </a:lnRef>
+              <a:fillRef idx="1">
+                <a:schemeClr val="accent1"/>
+              </a:fillRef>
+              <a:effectRef idx="0">
+                <a:schemeClr val="accent1"/>
+              </a:effectRef>
+              <a:fontRef idx="minor">
+                <a:schemeClr val="lt1"/>
+              </a:fontRef>
+            </p:style>
+            <p:txBody>
+              <a:bodyPr rtlCol="0" anchor="ctr"/>
+              <a:lstStyle/>
+              <a:p>
+                <a:pPr algn="ctr"/>
+                <a:endParaRPr lang="en-US"/>
+              </a:p>
+            </p:txBody>
+          </p:sp>
+          <p:sp>
+            <p:nvSpPr>
+              <p:cNvPr id="116" name="Oval 115"/>
+              <p:cNvSpPr/>
+              <p:nvPr/>
+            </p:nvSpPr>
+            <p:spPr>
+              <a:xfrm>
+                <a:off x="2385693" y="1016052"/>
+                <a:ext cx="45719" cy="64070"/>
+              </a:xfrm>
+              <a:prstGeom prst="ellipse">
+                <a:avLst/>
+              </a:prstGeom>
+              <a:solidFill>
+                <a:schemeClr val="bg1"/>
+              </a:solidFill>
+              <a:ln w="38100">
+                <a:noFill/>
+              </a:ln>
+            </p:spPr>
+            <p:style>
+              <a:lnRef idx="2">
+                <a:schemeClr val="accent1">
+                  <a:shade val="50000"/>
+                </a:schemeClr>
+              </a:lnRef>
+              <a:fillRef idx="1">
+                <a:schemeClr val="accent1"/>
+              </a:fillRef>
+              <a:effectRef idx="0">
+                <a:schemeClr val="accent1"/>
+              </a:effectRef>
+              <a:fontRef idx="minor">
+                <a:schemeClr val="lt1"/>
+              </a:fontRef>
+            </p:style>
+            <p:txBody>
+              <a:bodyPr rtlCol="0" anchor="ctr"/>
+              <a:lstStyle/>
+              <a:p>
+                <a:pPr algn="ctr"/>
+                <a:endParaRPr lang="en-US"/>
+              </a:p>
+            </p:txBody>
+          </p:sp>
+          <p:sp>
+            <p:nvSpPr>
+              <p:cNvPr id="117" name="Oval 116"/>
+              <p:cNvSpPr/>
+              <p:nvPr/>
+            </p:nvSpPr>
+            <p:spPr>
+              <a:xfrm>
+                <a:off x="2488052" y="1020156"/>
+                <a:ext cx="45719" cy="64070"/>
+              </a:xfrm>
+              <a:prstGeom prst="ellipse">
+                <a:avLst/>
+              </a:prstGeom>
+              <a:solidFill>
+                <a:schemeClr val="bg1"/>
+              </a:solidFill>
+              <a:ln w="38100">
+                <a:noFill/>
+              </a:ln>
+            </p:spPr>
+            <p:style>
+              <a:lnRef idx="2">
+                <a:schemeClr val="accent1">
+                  <a:shade val="50000"/>
+                </a:schemeClr>
+              </a:lnRef>
+              <a:fillRef idx="1">
+                <a:schemeClr val="accent1"/>
+              </a:fillRef>
+              <a:effectRef idx="0">
+                <a:schemeClr val="accent1"/>
+              </a:effectRef>
+              <a:fontRef idx="minor">
+                <a:schemeClr val="lt1"/>
+              </a:fontRef>
+            </p:style>
+            <p:txBody>
+              <a:bodyPr rtlCol="0" anchor="ctr"/>
+              <a:lstStyle/>
+              <a:p>
+                <a:pPr algn="ctr"/>
+                <a:endParaRPr lang="en-US"/>
+              </a:p>
+            </p:txBody>
+          </p:sp>
+          <p:sp>
+            <p:nvSpPr>
+              <p:cNvPr id="118" name="Oval 117"/>
+              <p:cNvSpPr/>
+              <p:nvPr/>
+            </p:nvSpPr>
+            <p:spPr>
+              <a:xfrm>
+                <a:off x="2590547" y="1016052"/>
+                <a:ext cx="45719" cy="64070"/>
+              </a:xfrm>
+              <a:prstGeom prst="ellipse">
+                <a:avLst/>
+              </a:prstGeom>
+              <a:solidFill>
+                <a:schemeClr val="bg1"/>
+              </a:solidFill>
+              <a:ln w="38100">
+                <a:noFill/>
+              </a:ln>
+            </p:spPr>
+            <p:style>
+              <a:lnRef idx="2">
+                <a:schemeClr val="accent1">
+                  <a:shade val="50000"/>
+                </a:schemeClr>
+              </a:lnRef>
+              <a:fillRef idx="1">
+                <a:schemeClr val="accent1"/>
+              </a:fillRef>
+              <a:effectRef idx="0">
+                <a:schemeClr val="accent1"/>
+              </a:effectRef>
+              <a:fontRef idx="minor">
+                <a:schemeClr val="lt1"/>
+              </a:fontRef>
+            </p:style>
+            <p:txBody>
+              <a:bodyPr rtlCol="0" anchor="ctr"/>
+              <a:lstStyle/>
+              <a:p>
+                <a:pPr algn="ctr"/>
+                <a:endParaRPr lang="en-US"/>
+              </a:p>
+            </p:txBody>
+          </p:sp>
+          <p:sp>
+            <p:nvSpPr>
+              <p:cNvPr id="119" name="Oval 118"/>
+              <p:cNvSpPr/>
+              <p:nvPr/>
+            </p:nvSpPr>
+            <p:spPr>
+              <a:xfrm>
+                <a:off x="2696454" y="1020156"/>
+                <a:ext cx="45719" cy="64070"/>
+              </a:xfrm>
+              <a:prstGeom prst="ellipse">
+                <a:avLst/>
+              </a:prstGeom>
+              <a:solidFill>
+                <a:schemeClr val="bg1"/>
+              </a:solidFill>
+              <a:ln w="38100">
+                <a:noFill/>
+              </a:ln>
+            </p:spPr>
+            <p:style>
+              <a:lnRef idx="2">
+                <a:schemeClr val="accent1">
+                  <a:shade val="50000"/>
+                </a:schemeClr>
+              </a:lnRef>
+              <a:fillRef idx="1">
+                <a:schemeClr val="accent1"/>
+              </a:fillRef>
+              <a:effectRef idx="0">
+                <a:schemeClr val="accent1"/>
+              </a:effectRef>
+              <a:fontRef idx="minor">
+                <a:schemeClr val="lt1"/>
+              </a:fontRef>
+            </p:style>
+            <p:txBody>
+              <a:bodyPr rtlCol="0" anchor="ctr"/>
+              <a:lstStyle/>
+              <a:p>
+                <a:pPr algn="ctr"/>
+                <a:endParaRPr lang="en-US"/>
+              </a:p>
+            </p:txBody>
+          </p:sp>
+          <p:sp>
+            <p:nvSpPr>
+              <p:cNvPr id="120" name="Oval 119"/>
+              <p:cNvSpPr/>
+              <p:nvPr/>
+            </p:nvSpPr>
+            <p:spPr>
+              <a:xfrm>
+                <a:off x="2798949" y="1016052"/>
+                <a:ext cx="45719" cy="64070"/>
+              </a:xfrm>
+              <a:prstGeom prst="ellipse">
+                <a:avLst/>
+              </a:prstGeom>
+              <a:solidFill>
+                <a:schemeClr val="bg1"/>
+              </a:solidFill>
+              <a:ln w="38100">
+                <a:noFill/>
+              </a:ln>
+            </p:spPr>
+            <p:style>
+              <a:lnRef idx="2">
+                <a:schemeClr val="accent1">
+                  <a:shade val="50000"/>
+                </a:schemeClr>
+              </a:lnRef>
+              <a:fillRef idx="1">
+                <a:schemeClr val="accent1"/>
+              </a:fillRef>
+              <a:effectRef idx="0">
+                <a:schemeClr val="accent1"/>
+              </a:effectRef>
+              <a:fontRef idx="minor">
+                <a:schemeClr val="lt1"/>
+              </a:fontRef>
+            </p:style>
+            <p:txBody>
+              <a:bodyPr rtlCol="0" anchor="ctr"/>
+              <a:lstStyle/>
+              <a:p>
+                <a:pPr algn="ctr"/>
+                <a:endParaRPr lang="en-US"/>
+              </a:p>
+            </p:txBody>
+          </p:sp>
         </p:grpSp>
-        <p:sp>
-          <p:nvSpPr>
-            <p:cNvPr id="60" name="Cross 59"/>
-            <p:cNvSpPr/>
+        <p:pic>
+          <p:nvPicPr>
+            <p:cNvPr id="2" name="Picture 1"/>
+            <p:cNvPicPr>
+              <a:picLocks noChangeAspect="1"/>
+            </p:cNvPicPr>
             <p:nvPr/>
-          </p:nvSpPr>
+          </p:nvPicPr>
+          <p:blipFill rotWithShape="1">
+            <a:blip r:embed="rId32">
+              <a:extLst>
+                <a:ext uri="{28A0092B-C50C-407E-A947-70E740481C1C}">
+                  <a14:useLocalDpi xmlns:a14="http://schemas.microsoft.com/office/drawing/2010/main" val="0"/>
+                </a:ext>
+              </a:extLst>
+            </a:blip>
+            <a:srcRect l="12451" t="22226" r="12722" b="28846"/>
+            <a:stretch/>
+          </p:blipFill>
           <p:spPr>
-            <a:xfrm>
-              <a:off x="906459" y="863738"/>
-              <a:ext cx="84255" cy="86895"/>
+            <a:xfrm flipH="1">
+              <a:off x="379638" y="4348"/>
+              <a:ext cx="3481754" cy="1291237"/>
             </a:xfrm>
-            <a:prstGeom prst="plus">
-              <a:avLst>
-                <a:gd name="adj" fmla="val 36661"/>
-              </a:avLst>
-            </a:prstGeom>
-            <a:solidFill>
-              <a:schemeClr val="bg1"/>
-            </a:solidFill>
-            <a:ln w="9525">
-              <a:noFill/>
-            </a:ln>
-          </p:spPr>
-          <p:style>
-            <a:lnRef idx="2">
-              <a:schemeClr val="accent1">
-                <a:shade val="50000"/>
-              </a:schemeClr>
-            </a:lnRef>
-            <a:fillRef idx="1">
-              <a:schemeClr val="accent1"/>
-            </a:fillRef>
-            <a:effectRef idx="0">
-              <a:schemeClr val="accent1"/>
-            </a:effectRef>
-            <a:fontRef idx="minor">
-              <a:schemeClr val="lt1"/>
-            </a:fontRef>
-          </p:style>
-          <p:txBody>
-            <a:bodyPr rtlCol="0" anchor="ctr"/>
-            <a:lstStyle/>
-            <a:p>
-              <a:pPr algn="ctr"/>
-              <a:endParaRPr lang="en-US"/>
-            </a:p>
-          </p:txBody>
-        </p:sp>
-        <p:sp>
-          <p:nvSpPr>
-            <p:cNvPr id="61" name="Oval 60"/>
-            <p:cNvSpPr/>
-            <p:nvPr/>
-          </p:nvSpPr>
-          <p:spPr>
-            <a:xfrm>
-              <a:off x="1244600" y="1021781"/>
-              <a:ext cx="45719" cy="64070"/>
-            </a:xfrm>
-            <a:prstGeom prst="ellipse">
+            <a:prstGeom prst="rect">
               <a:avLst/>
             </a:prstGeom>
-            <a:solidFill>
-              <a:schemeClr val="bg1"/>
-            </a:solidFill>
-            <a:ln w="38100">
-              <a:noFill/>
-            </a:ln>
           </p:spPr>
-          <p:style>
-            <a:lnRef idx="2">
-              <a:schemeClr val="accent1">
-                <a:shade val="50000"/>
-              </a:schemeClr>
-            </a:lnRef>
-            <a:fillRef idx="1">
-              <a:schemeClr val="accent1"/>
-            </a:fillRef>
-            <a:effectRef idx="0">
-              <a:schemeClr val="accent1"/>
-            </a:effectRef>
-            <a:fontRef idx="minor">
-              <a:schemeClr val="lt1"/>
-            </a:fontRef>
-          </p:style>
-          <p:txBody>
-            <a:bodyPr rtlCol="0" anchor="ctr"/>
-            <a:lstStyle/>
-            <a:p>
-              <a:pPr algn="ctr"/>
-              <a:endParaRPr lang="en-US"/>
-            </a:p>
-          </p:txBody>
-        </p:sp>
-        <p:sp>
-          <p:nvSpPr>
-            <p:cNvPr id="62" name="Oval 61"/>
-            <p:cNvSpPr/>
-            <p:nvPr/>
-          </p:nvSpPr>
-          <p:spPr>
-            <a:xfrm>
-              <a:off x="1347095" y="1017677"/>
-              <a:ext cx="45719" cy="64070"/>
-            </a:xfrm>
-            <a:prstGeom prst="ellipse">
-              <a:avLst/>
-            </a:prstGeom>
-            <a:solidFill>
-              <a:schemeClr val="bg1"/>
-            </a:solidFill>
-            <a:ln w="38100">
-              <a:noFill/>
-            </a:ln>
-          </p:spPr>
-          <p:style>
-            <a:lnRef idx="2">
-              <a:schemeClr val="accent1">
-                <a:shade val="50000"/>
-              </a:schemeClr>
-            </a:lnRef>
-            <a:fillRef idx="1">
-              <a:schemeClr val="accent1"/>
-            </a:fillRef>
-            <a:effectRef idx="0">
-              <a:schemeClr val="accent1"/>
-            </a:effectRef>
-            <a:fontRef idx="minor">
-              <a:schemeClr val="lt1"/>
-            </a:fontRef>
-          </p:style>
-          <p:txBody>
-            <a:bodyPr rtlCol="0" anchor="ctr"/>
-            <a:lstStyle/>
-            <a:p>
-              <a:pPr algn="ctr"/>
-              <a:endParaRPr lang="en-US"/>
-            </a:p>
-          </p:txBody>
-        </p:sp>
-        <p:sp>
-          <p:nvSpPr>
-            <p:cNvPr id="107" name="Oval 106"/>
-            <p:cNvSpPr/>
-            <p:nvPr/>
-          </p:nvSpPr>
-          <p:spPr>
-            <a:xfrm>
-              <a:off x="1453002" y="1021781"/>
-              <a:ext cx="45719" cy="64070"/>
-            </a:xfrm>
-            <a:prstGeom prst="ellipse">
-              <a:avLst/>
-            </a:prstGeom>
-            <a:solidFill>
-              <a:schemeClr val="bg1"/>
-            </a:solidFill>
-            <a:ln w="38100">
-              <a:noFill/>
-            </a:ln>
-          </p:spPr>
-          <p:style>
-            <a:lnRef idx="2">
-              <a:schemeClr val="accent1">
-                <a:shade val="50000"/>
-              </a:schemeClr>
-            </a:lnRef>
-            <a:fillRef idx="1">
-              <a:schemeClr val="accent1"/>
-            </a:fillRef>
-            <a:effectRef idx="0">
-              <a:schemeClr val="accent1"/>
-            </a:effectRef>
-            <a:fontRef idx="minor">
-              <a:schemeClr val="lt1"/>
-            </a:fontRef>
-          </p:style>
-          <p:txBody>
-            <a:bodyPr rtlCol="0" anchor="ctr"/>
-            <a:lstStyle/>
-            <a:p>
-              <a:pPr algn="ctr"/>
-              <a:endParaRPr lang="en-US"/>
-            </a:p>
-          </p:txBody>
-        </p:sp>
-        <p:sp>
-          <p:nvSpPr>
-            <p:cNvPr id="108" name="Oval 107"/>
-            <p:cNvSpPr/>
-            <p:nvPr/>
-          </p:nvSpPr>
-          <p:spPr>
-            <a:xfrm>
-              <a:off x="1555497" y="1017677"/>
-              <a:ext cx="45719" cy="64070"/>
-            </a:xfrm>
-            <a:prstGeom prst="ellipse">
-              <a:avLst/>
-            </a:prstGeom>
-            <a:solidFill>
-              <a:schemeClr val="bg1"/>
-            </a:solidFill>
-            <a:ln w="38100">
-              <a:noFill/>
-            </a:ln>
-          </p:spPr>
-          <p:style>
-            <a:lnRef idx="2">
-              <a:schemeClr val="accent1">
-                <a:shade val="50000"/>
-              </a:schemeClr>
-            </a:lnRef>
-            <a:fillRef idx="1">
-              <a:schemeClr val="accent1"/>
-            </a:fillRef>
-            <a:effectRef idx="0">
-              <a:schemeClr val="accent1"/>
-            </a:effectRef>
-            <a:fontRef idx="minor">
-              <a:schemeClr val="lt1"/>
-            </a:fontRef>
-          </p:style>
-          <p:txBody>
-            <a:bodyPr rtlCol="0" anchor="ctr"/>
-            <a:lstStyle/>
-            <a:p>
-              <a:pPr algn="ctr"/>
-              <a:endParaRPr lang="en-US"/>
-            </a:p>
-          </p:txBody>
-        </p:sp>
-        <p:sp>
-          <p:nvSpPr>
-            <p:cNvPr id="109" name="Oval 108"/>
-            <p:cNvSpPr/>
-            <p:nvPr/>
-          </p:nvSpPr>
-          <p:spPr>
-            <a:xfrm>
-              <a:off x="1657992" y="1020156"/>
-              <a:ext cx="45719" cy="64070"/>
-            </a:xfrm>
-            <a:prstGeom prst="ellipse">
-              <a:avLst/>
-            </a:prstGeom>
-            <a:solidFill>
-              <a:schemeClr val="bg1"/>
-            </a:solidFill>
-            <a:ln w="38100">
-              <a:noFill/>
-            </a:ln>
-          </p:spPr>
-          <p:style>
-            <a:lnRef idx="2">
-              <a:schemeClr val="accent1">
-                <a:shade val="50000"/>
-              </a:schemeClr>
-            </a:lnRef>
-            <a:fillRef idx="1">
-              <a:schemeClr val="accent1"/>
-            </a:fillRef>
-            <a:effectRef idx="0">
-              <a:schemeClr val="accent1"/>
-            </a:effectRef>
-            <a:fontRef idx="minor">
-              <a:schemeClr val="lt1"/>
-            </a:fontRef>
-          </p:style>
-          <p:txBody>
-            <a:bodyPr rtlCol="0" anchor="ctr"/>
-            <a:lstStyle/>
-            <a:p>
-              <a:pPr algn="ctr"/>
-              <a:endParaRPr lang="en-US"/>
-            </a:p>
-          </p:txBody>
-        </p:sp>
-        <p:sp>
-          <p:nvSpPr>
-            <p:cNvPr id="110" name="Oval 109"/>
-            <p:cNvSpPr/>
-            <p:nvPr/>
-          </p:nvSpPr>
-          <p:spPr>
-            <a:xfrm>
-              <a:off x="1760487" y="1016052"/>
-              <a:ext cx="45719" cy="64070"/>
-            </a:xfrm>
-            <a:prstGeom prst="ellipse">
-              <a:avLst/>
-            </a:prstGeom>
-            <a:solidFill>
-              <a:schemeClr val="bg1"/>
-            </a:solidFill>
-            <a:ln w="38100">
-              <a:noFill/>
-            </a:ln>
-          </p:spPr>
-          <p:style>
-            <a:lnRef idx="2">
-              <a:schemeClr val="accent1">
-                <a:shade val="50000"/>
-              </a:schemeClr>
-            </a:lnRef>
-            <a:fillRef idx="1">
-              <a:schemeClr val="accent1"/>
-            </a:fillRef>
-            <a:effectRef idx="0">
-              <a:schemeClr val="accent1"/>
-            </a:effectRef>
-            <a:fontRef idx="minor">
-              <a:schemeClr val="lt1"/>
-            </a:fontRef>
-          </p:style>
-          <p:txBody>
-            <a:bodyPr rtlCol="0" anchor="ctr"/>
-            <a:lstStyle/>
-            <a:p>
-              <a:pPr algn="ctr"/>
-              <a:endParaRPr lang="en-US"/>
-            </a:p>
-          </p:txBody>
-        </p:sp>
-        <p:sp>
-          <p:nvSpPr>
-            <p:cNvPr id="111" name="Oval 110"/>
-            <p:cNvSpPr/>
-            <p:nvPr/>
-          </p:nvSpPr>
-          <p:spPr>
-            <a:xfrm>
-              <a:off x="1866394" y="1020156"/>
-              <a:ext cx="45719" cy="64070"/>
-            </a:xfrm>
-            <a:prstGeom prst="ellipse">
-              <a:avLst/>
-            </a:prstGeom>
-            <a:solidFill>
-              <a:schemeClr val="bg1"/>
-            </a:solidFill>
-            <a:ln w="38100">
-              <a:noFill/>
-            </a:ln>
-          </p:spPr>
-          <p:style>
-            <a:lnRef idx="2">
-              <a:schemeClr val="accent1">
-                <a:shade val="50000"/>
-              </a:schemeClr>
-            </a:lnRef>
-            <a:fillRef idx="1">
-              <a:schemeClr val="accent1"/>
-            </a:fillRef>
-            <a:effectRef idx="0">
-              <a:schemeClr val="accent1"/>
-            </a:effectRef>
-            <a:fontRef idx="minor">
-              <a:schemeClr val="lt1"/>
-            </a:fontRef>
-          </p:style>
-          <p:txBody>
-            <a:bodyPr rtlCol="0" anchor="ctr"/>
-            <a:lstStyle/>
-            <a:p>
-              <a:pPr algn="ctr"/>
-              <a:endParaRPr lang="en-US"/>
-            </a:p>
-          </p:txBody>
-        </p:sp>
-        <p:sp>
-          <p:nvSpPr>
-            <p:cNvPr id="112" name="Oval 111"/>
-            <p:cNvSpPr/>
-            <p:nvPr/>
-          </p:nvSpPr>
-          <p:spPr>
-            <a:xfrm>
-              <a:off x="1968889" y="1016052"/>
-              <a:ext cx="45719" cy="64070"/>
-            </a:xfrm>
-            <a:prstGeom prst="ellipse">
-              <a:avLst/>
-            </a:prstGeom>
-            <a:solidFill>
-              <a:schemeClr val="bg1"/>
-            </a:solidFill>
-            <a:ln w="38100">
-              <a:noFill/>
-            </a:ln>
-          </p:spPr>
-          <p:style>
-            <a:lnRef idx="2">
-              <a:schemeClr val="accent1">
-                <a:shade val="50000"/>
-              </a:schemeClr>
-            </a:lnRef>
-            <a:fillRef idx="1">
-              <a:schemeClr val="accent1"/>
-            </a:fillRef>
-            <a:effectRef idx="0">
-              <a:schemeClr val="accent1"/>
-            </a:effectRef>
-            <a:fontRef idx="minor">
-              <a:schemeClr val="lt1"/>
-            </a:fontRef>
-          </p:style>
-          <p:txBody>
-            <a:bodyPr rtlCol="0" anchor="ctr"/>
-            <a:lstStyle/>
-            <a:p>
-              <a:pPr algn="ctr"/>
-              <a:endParaRPr lang="en-US"/>
-            </a:p>
-          </p:txBody>
-        </p:sp>
-        <p:sp>
-          <p:nvSpPr>
-            <p:cNvPr id="113" name="Oval 112"/>
-            <p:cNvSpPr/>
-            <p:nvPr/>
-          </p:nvSpPr>
-          <p:spPr>
-            <a:xfrm>
-              <a:off x="2074796" y="1020156"/>
-              <a:ext cx="45719" cy="64070"/>
-            </a:xfrm>
-            <a:prstGeom prst="ellipse">
-              <a:avLst/>
-            </a:prstGeom>
-            <a:solidFill>
-              <a:schemeClr val="bg1"/>
-            </a:solidFill>
-            <a:ln w="38100">
-              <a:noFill/>
-            </a:ln>
-          </p:spPr>
-          <p:style>
-            <a:lnRef idx="2">
-              <a:schemeClr val="accent1">
-                <a:shade val="50000"/>
-              </a:schemeClr>
-            </a:lnRef>
-            <a:fillRef idx="1">
-              <a:schemeClr val="accent1"/>
-            </a:fillRef>
-            <a:effectRef idx="0">
-              <a:schemeClr val="accent1"/>
-            </a:effectRef>
-            <a:fontRef idx="minor">
-              <a:schemeClr val="lt1"/>
-            </a:fontRef>
-          </p:style>
-          <p:txBody>
-            <a:bodyPr rtlCol="0" anchor="ctr"/>
-            <a:lstStyle/>
-            <a:p>
-              <a:pPr algn="ctr"/>
-              <a:endParaRPr lang="en-US"/>
-            </a:p>
-          </p:txBody>
-        </p:sp>
-        <p:sp>
-          <p:nvSpPr>
-            <p:cNvPr id="114" name="Oval 113"/>
-            <p:cNvSpPr/>
-            <p:nvPr/>
-          </p:nvSpPr>
-          <p:spPr>
-            <a:xfrm>
-              <a:off x="2177291" y="1016052"/>
-              <a:ext cx="45719" cy="64070"/>
-            </a:xfrm>
-            <a:prstGeom prst="ellipse">
-              <a:avLst/>
-            </a:prstGeom>
-            <a:solidFill>
-              <a:schemeClr val="bg1"/>
-            </a:solidFill>
-            <a:ln w="38100">
-              <a:noFill/>
-            </a:ln>
-          </p:spPr>
-          <p:style>
-            <a:lnRef idx="2">
-              <a:schemeClr val="accent1">
-                <a:shade val="50000"/>
-              </a:schemeClr>
-            </a:lnRef>
-            <a:fillRef idx="1">
-              <a:schemeClr val="accent1"/>
-            </a:fillRef>
-            <a:effectRef idx="0">
-              <a:schemeClr val="accent1"/>
-            </a:effectRef>
-            <a:fontRef idx="minor">
-              <a:schemeClr val="lt1"/>
-            </a:fontRef>
-          </p:style>
-          <p:txBody>
-            <a:bodyPr rtlCol="0" anchor="ctr"/>
-            <a:lstStyle/>
-            <a:p>
-              <a:pPr algn="ctr"/>
-              <a:endParaRPr lang="en-US"/>
-            </a:p>
-          </p:txBody>
-        </p:sp>
-        <p:sp>
-          <p:nvSpPr>
-            <p:cNvPr id="115" name="Oval 114"/>
-            <p:cNvSpPr/>
-            <p:nvPr/>
-          </p:nvSpPr>
-          <p:spPr>
-            <a:xfrm>
-              <a:off x="2283198" y="1020156"/>
-              <a:ext cx="45719" cy="64070"/>
-            </a:xfrm>
-            <a:prstGeom prst="ellipse">
-              <a:avLst/>
-            </a:prstGeom>
-            <a:solidFill>
-              <a:schemeClr val="bg1"/>
-            </a:solidFill>
-            <a:ln w="38100">
-              <a:noFill/>
-            </a:ln>
-          </p:spPr>
-          <p:style>
-            <a:lnRef idx="2">
-              <a:schemeClr val="accent1">
-                <a:shade val="50000"/>
-              </a:schemeClr>
-            </a:lnRef>
-            <a:fillRef idx="1">
-              <a:schemeClr val="accent1"/>
-            </a:fillRef>
-            <a:effectRef idx="0">
-              <a:schemeClr val="accent1"/>
-            </a:effectRef>
-            <a:fontRef idx="minor">
-              <a:schemeClr val="lt1"/>
-            </a:fontRef>
-          </p:style>
-          <p:txBody>
-            <a:bodyPr rtlCol="0" anchor="ctr"/>
-            <a:lstStyle/>
-            <a:p>
-              <a:pPr algn="ctr"/>
-              <a:endParaRPr lang="en-US"/>
-            </a:p>
-          </p:txBody>
-        </p:sp>
-        <p:sp>
-          <p:nvSpPr>
-            <p:cNvPr id="116" name="Oval 115"/>
-            <p:cNvSpPr/>
-            <p:nvPr/>
-          </p:nvSpPr>
-          <p:spPr>
-            <a:xfrm>
-              <a:off x="2385693" y="1016052"/>
-              <a:ext cx="45719" cy="64070"/>
-            </a:xfrm>
-            <a:prstGeom prst="ellipse">
-              <a:avLst/>
-            </a:prstGeom>
-            <a:solidFill>
-              <a:schemeClr val="bg1"/>
-            </a:solidFill>
-            <a:ln w="38100">
-              <a:noFill/>
-            </a:ln>
-          </p:spPr>
-          <p:style>
-            <a:lnRef idx="2">
-              <a:schemeClr val="accent1">
-                <a:shade val="50000"/>
-              </a:schemeClr>
-            </a:lnRef>
-            <a:fillRef idx="1">
-              <a:schemeClr val="accent1"/>
-            </a:fillRef>
-            <a:effectRef idx="0">
-              <a:schemeClr val="accent1"/>
-            </a:effectRef>
-            <a:fontRef idx="minor">
-              <a:schemeClr val="lt1"/>
-            </a:fontRef>
-          </p:style>
-          <p:txBody>
-            <a:bodyPr rtlCol="0" anchor="ctr"/>
-            <a:lstStyle/>
-            <a:p>
-              <a:pPr algn="ctr"/>
-              <a:endParaRPr lang="en-US"/>
-            </a:p>
-          </p:txBody>
-        </p:sp>
-        <p:sp>
-          <p:nvSpPr>
-            <p:cNvPr id="117" name="Oval 116"/>
-            <p:cNvSpPr/>
-            <p:nvPr/>
-          </p:nvSpPr>
-          <p:spPr>
-            <a:xfrm>
-              <a:off x="2488052" y="1020156"/>
-              <a:ext cx="45719" cy="64070"/>
-            </a:xfrm>
-            <a:prstGeom prst="ellipse">
-              <a:avLst/>
-            </a:prstGeom>
-            <a:solidFill>
-              <a:schemeClr val="bg1"/>
-            </a:solidFill>
-            <a:ln w="38100">
-              <a:noFill/>
-            </a:ln>
-          </p:spPr>
-          <p:style>
-            <a:lnRef idx="2">
-              <a:schemeClr val="accent1">
-                <a:shade val="50000"/>
-              </a:schemeClr>
-            </a:lnRef>
-            <a:fillRef idx="1">
-              <a:schemeClr val="accent1"/>
-            </a:fillRef>
-            <a:effectRef idx="0">
-              <a:schemeClr val="accent1"/>
-            </a:effectRef>
-            <a:fontRef idx="minor">
-              <a:schemeClr val="lt1"/>
-            </a:fontRef>
-          </p:style>
-          <p:txBody>
-            <a:bodyPr rtlCol="0" anchor="ctr"/>
-            <a:lstStyle/>
-            <a:p>
-              <a:pPr algn="ctr"/>
-              <a:endParaRPr lang="en-US"/>
-            </a:p>
-          </p:txBody>
-        </p:sp>
-        <p:sp>
-          <p:nvSpPr>
-            <p:cNvPr id="118" name="Oval 117"/>
-            <p:cNvSpPr/>
-            <p:nvPr/>
-          </p:nvSpPr>
-          <p:spPr>
-            <a:xfrm>
-              <a:off x="2590547" y="1016052"/>
-              <a:ext cx="45719" cy="64070"/>
-            </a:xfrm>
-            <a:prstGeom prst="ellipse">
-              <a:avLst/>
-            </a:prstGeom>
-            <a:solidFill>
-              <a:schemeClr val="bg1"/>
-            </a:solidFill>
-            <a:ln w="38100">
-              <a:noFill/>
-            </a:ln>
-          </p:spPr>
-          <p:style>
-            <a:lnRef idx="2">
-              <a:schemeClr val="accent1">
-                <a:shade val="50000"/>
-              </a:schemeClr>
-            </a:lnRef>
-            <a:fillRef idx="1">
-              <a:schemeClr val="accent1"/>
-            </a:fillRef>
-            <a:effectRef idx="0">
-              <a:schemeClr val="accent1"/>
-            </a:effectRef>
-            <a:fontRef idx="minor">
-              <a:schemeClr val="lt1"/>
-            </a:fontRef>
-          </p:style>
-          <p:txBody>
-            <a:bodyPr rtlCol="0" anchor="ctr"/>
-            <a:lstStyle/>
-            <a:p>
-              <a:pPr algn="ctr"/>
-              <a:endParaRPr lang="en-US"/>
-            </a:p>
-          </p:txBody>
-        </p:sp>
-        <p:sp>
-          <p:nvSpPr>
-            <p:cNvPr id="119" name="Oval 118"/>
-            <p:cNvSpPr/>
-            <p:nvPr/>
-          </p:nvSpPr>
-          <p:spPr>
-            <a:xfrm>
-              <a:off x="2696454" y="1020156"/>
-              <a:ext cx="45719" cy="64070"/>
-            </a:xfrm>
-            <a:prstGeom prst="ellipse">
-              <a:avLst/>
-            </a:prstGeom>
-            <a:solidFill>
-              <a:schemeClr val="bg1"/>
-            </a:solidFill>
-            <a:ln w="38100">
-              <a:noFill/>
-            </a:ln>
-          </p:spPr>
-          <p:style>
-            <a:lnRef idx="2">
-              <a:schemeClr val="accent1">
-                <a:shade val="50000"/>
-              </a:schemeClr>
-            </a:lnRef>
-            <a:fillRef idx="1">
-              <a:schemeClr val="accent1"/>
-            </a:fillRef>
-            <a:effectRef idx="0">
-              <a:schemeClr val="accent1"/>
-            </a:effectRef>
-            <a:fontRef idx="minor">
-              <a:schemeClr val="lt1"/>
-            </a:fontRef>
-          </p:style>
-          <p:txBody>
-            <a:bodyPr rtlCol="0" anchor="ctr"/>
-            <a:lstStyle/>
-            <a:p>
-              <a:pPr algn="ctr"/>
-              <a:endParaRPr lang="en-US"/>
-            </a:p>
-          </p:txBody>
-        </p:sp>
-        <p:sp>
-          <p:nvSpPr>
-            <p:cNvPr id="120" name="Oval 119"/>
-            <p:cNvSpPr/>
-            <p:nvPr/>
-          </p:nvSpPr>
-          <p:spPr>
-            <a:xfrm>
-              <a:off x="2798949" y="1016052"/>
-              <a:ext cx="45719" cy="64070"/>
-            </a:xfrm>
-            <a:prstGeom prst="ellipse">
-              <a:avLst/>
-            </a:prstGeom>
-            <a:solidFill>
-              <a:schemeClr val="bg1"/>
-            </a:solidFill>
-            <a:ln w="38100">
-              <a:noFill/>
-            </a:ln>
-          </p:spPr>
-          <p:style>
-            <a:lnRef idx="2">
-              <a:schemeClr val="accent1">
-                <a:shade val="50000"/>
-              </a:schemeClr>
-            </a:lnRef>
-            <a:fillRef idx="1">
-              <a:schemeClr val="accent1"/>
-            </a:fillRef>
-            <a:effectRef idx="0">
-              <a:schemeClr val="accent1"/>
-            </a:effectRef>
-            <a:fontRef idx="minor">
-              <a:schemeClr val="lt1"/>
-            </a:fontRef>
-          </p:style>
-          <p:txBody>
-            <a:bodyPr rtlCol="0" anchor="ctr"/>
-            <a:lstStyle/>
-            <a:p>
-              <a:pPr algn="ctr"/>
-              <a:endParaRPr lang="en-US"/>
-            </a:p>
-          </p:txBody>
-        </p:sp>
-        <p:sp>
-          <p:nvSpPr>
-            <p:cNvPr id="123" name="Pie 122"/>
-            <p:cNvSpPr/>
-            <p:nvPr/>
-          </p:nvSpPr>
-          <p:spPr>
-            <a:xfrm>
-              <a:off x="2863155" y="1004538"/>
-              <a:ext cx="394397" cy="109645"/>
-            </a:xfrm>
-            <a:prstGeom prst="pie">
-              <a:avLst>
-                <a:gd name="adj1" fmla="val 16220191"/>
-                <a:gd name="adj2" fmla="val 21589803"/>
-              </a:avLst>
-            </a:prstGeom>
-            <a:solidFill>
-              <a:schemeClr val="bg1"/>
-            </a:solidFill>
-            <a:ln w="3175">
-              <a:solidFill>
-                <a:schemeClr val="tx1"/>
-              </a:solidFill>
-            </a:ln>
-          </p:spPr>
-          <p:style>
-            <a:lnRef idx="2">
-              <a:schemeClr val="accent1">
-                <a:shade val="50000"/>
-              </a:schemeClr>
-            </a:lnRef>
-            <a:fillRef idx="1">
-              <a:schemeClr val="accent1"/>
-            </a:fillRef>
-            <a:effectRef idx="0">
-              <a:schemeClr val="accent1"/>
-            </a:effectRef>
-            <a:fontRef idx="minor">
-              <a:schemeClr val="lt1"/>
-            </a:fontRef>
-          </p:style>
-          <p:txBody>
-            <a:bodyPr rtlCol="0" anchor="ctr"/>
-            <a:lstStyle/>
-            <a:p>
-              <a:pPr algn="ctr"/>
-              <a:endParaRPr lang="en-US">
-                <a:solidFill>
-                  <a:schemeClr val="tx1"/>
-                </a:solidFill>
-              </a:endParaRPr>
-            </a:p>
-          </p:txBody>
-        </p:sp>
+        </p:pic>
       </p:grpSp>
     </p:spTree>
     <p:extLst>
@@ -17171,7 +16920,7 @@
                               <m:chr m:val="⃗"/>
                               <m:ctrlPr>
                                 <a:rPr lang="en-US" sz="2000" b="0" i="1" smtClean="0">
-                                  <a:latin typeface="Cambria Math" panose="02040503050406030204" pitchFamily="18" charset="0"/>
+                                  <a:latin typeface="Cambria Math" charset="0"/>
                                   <a:cs typeface="Arial" panose="020B0604020202020204" pitchFamily="34" charset="0"/>
                                 </a:rPr>
                               </m:ctrlPr>
@@ -17272,7 +17021,7 @@
                               <m:chr m:val="⃗"/>
                               <m:ctrlPr>
                                 <a:rPr lang="en-US" sz="2000" b="0" i="1" smtClean="0">
-                                  <a:latin typeface="Cambria Math" panose="02040503050406030204" pitchFamily="18" charset="0"/>
+                                  <a:latin typeface="Cambria Math" charset="0"/>
                                   <a:cs typeface="Arial" panose="020B0604020202020204" pitchFamily="34" charset="0"/>
                                 </a:rPr>
                               </m:ctrlPr>
@@ -17372,7 +17121,7 @@
                             <m:sSubPr>
                               <m:ctrlPr>
                                 <a:rPr lang="en-US" sz="2000" b="0" i="1" smtClean="0">
-                                  <a:latin typeface="Cambria Math" panose="02040503050406030204" pitchFamily="18" charset="0"/>
+                                  <a:latin typeface="Cambria Math" charset="0"/>
                                   <a:cs typeface="Arial" panose="020B0604020202020204" pitchFamily="34" charset="0"/>
                                 </a:rPr>
                               </m:ctrlPr>
@@ -17383,7 +17132,7 @@
                                   <m:chr m:val="⃗"/>
                                   <m:ctrlPr>
                                     <a:rPr lang="en-US" sz="2000" b="0" i="1" smtClean="0">
-                                      <a:latin typeface="Cambria Math" panose="02040503050406030204" pitchFamily="18" charset="0"/>
+                                      <a:latin typeface="Cambria Math" charset="0"/>
                                       <a:cs typeface="Arial" panose="020B0604020202020204" pitchFamily="34" charset="0"/>
                                     </a:rPr>
                                   </m:ctrlPr>
@@ -17630,7 +17379,7 @@
                             <m:sSubPr>
                               <m:ctrlPr>
                                 <a:rPr lang="en-US" sz="2000" b="0" i="1" smtClean="0">
-                                  <a:latin typeface="Cambria Math" panose="02040503050406030204" pitchFamily="18" charset="0"/>
+                                  <a:latin typeface="Cambria Math" charset="0"/>
                                   <a:cs typeface="Arial" panose="020B0604020202020204" pitchFamily="34" charset="0"/>
                                 </a:rPr>
                               </m:ctrlPr>
@@ -17641,7 +17390,7 @@
                                   <m:chr m:val="⃗"/>
                                   <m:ctrlPr>
                                     <a:rPr lang="en-US" sz="2000" b="0" i="1" smtClean="0">
-                                      <a:latin typeface="Cambria Math" panose="02040503050406030204" pitchFamily="18" charset="0"/>
+                                      <a:latin typeface="Cambria Math" charset="0"/>
                                       <a:cs typeface="Arial" panose="020B0604020202020204" pitchFamily="34" charset="0"/>
                                     </a:rPr>
                                   </m:ctrlPr>
@@ -19574,7 +19323,7 @@
                             <m:sSubPr>
                               <m:ctrlPr>
                                 <a:rPr lang="en-US" sz="2000" b="0" i="1" smtClean="0">
-                                  <a:latin typeface="Cambria Math" panose="02040503050406030204" pitchFamily="18" charset="0"/>
+                                  <a:latin typeface="Cambria Math" charset="0"/>
                                   <a:cs typeface="Arial" panose="020B0604020202020204" pitchFamily="34" charset="0"/>
                                 </a:rPr>
                               </m:ctrlPr>
@@ -19585,7 +19334,7 @@
                                   <m:chr m:val="⃗"/>
                                   <m:ctrlPr>
                                     <a:rPr lang="en-US" sz="2000" b="0" i="1" smtClean="0">
-                                      <a:latin typeface="Cambria Math" panose="02040503050406030204" pitchFamily="18" charset="0"/>
+                                      <a:latin typeface="Cambria Math" charset="0"/>
                                       <a:cs typeface="Arial" panose="020B0604020202020204" pitchFamily="34" charset="0"/>
                                     </a:rPr>
                                   </m:ctrlPr>
@@ -19696,7 +19445,7 @@
                             <m:sSubPr>
                               <m:ctrlPr>
                                 <a:rPr lang="en-US" sz="2000" b="0" i="1" smtClean="0">
-                                  <a:latin typeface="Cambria Math" panose="02040503050406030204" pitchFamily="18" charset="0"/>
+                                  <a:latin typeface="Cambria Math" charset="0"/>
                                   <a:cs typeface="Arial" panose="020B0604020202020204" pitchFamily="34" charset="0"/>
                                 </a:rPr>
                               </m:ctrlPr>
@@ -19707,7 +19456,7 @@
                                   <m:chr m:val="⃗"/>
                                   <m:ctrlPr>
                                     <a:rPr lang="en-US" sz="2000" b="0" i="1" smtClean="0">
-                                      <a:latin typeface="Cambria Math" panose="02040503050406030204" pitchFamily="18" charset="0"/>
+                                      <a:latin typeface="Cambria Math" charset="0"/>
                                       <a:cs typeface="Arial" panose="020B0604020202020204" pitchFamily="34" charset="0"/>
                                     </a:rPr>
                                   </m:ctrlPr>
@@ -19818,7 +19567,7 @@
                             <m:sSubPr>
                               <m:ctrlPr>
                                 <a:rPr lang="en-US" sz="2000" b="0" i="1" smtClean="0">
-                                  <a:latin typeface="Cambria Math" panose="02040503050406030204" pitchFamily="18" charset="0"/>
+                                  <a:latin typeface="Cambria Math" charset="0"/>
                                   <a:cs typeface="Arial" panose="020B0604020202020204" pitchFamily="34" charset="0"/>
                                 </a:rPr>
                               </m:ctrlPr>
@@ -19829,7 +19578,7 @@
                                   <m:chr m:val="⃗"/>
                                   <m:ctrlPr>
                                     <a:rPr lang="en-US" sz="2000" b="0" i="1" smtClean="0">
-                                      <a:latin typeface="Cambria Math" panose="02040503050406030204" pitchFamily="18" charset="0"/>
+                                      <a:latin typeface="Cambria Math" charset="0"/>
                                       <a:cs typeface="Arial" panose="020B0604020202020204" pitchFamily="34" charset="0"/>
                                     </a:rPr>
                                   </m:ctrlPr>
@@ -20324,7 +20073,7 @@
                             <m:sSubPr>
                               <m:ctrlPr>
                                 <a:rPr lang="en-US" sz="2000" b="0" i="1" smtClean="0">
-                                  <a:latin typeface="Cambria Math" panose="02040503050406030204" pitchFamily="18" charset="0"/>
+                                  <a:latin typeface="Cambria Math" charset="0"/>
                                   <a:cs typeface="Arial" panose="020B0604020202020204" pitchFamily="34" charset="0"/>
                                 </a:rPr>
                               </m:ctrlPr>
@@ -20433,7 +20182,7 @@
                             <m:sSubPr>
                               <m:ctrlPr>
                                 <a:rPr lang="en-US" sz="2000" b="0" i="1" smtClean="0">
-                                  <a:latin typeface="Cambria Math" panose="02040503050406030204" pitchFamily="18" charset="0"/>
+                                  <a:latin typeface="Cambria Math" charset="0"/>
                                   <a:cs typeface="Arial" panose="020B0604020202020204" pitchFamily="34" charset="0"/>
                                 </a:rPr>
                               </m:ctrlPr>
@@ -20444,7 +20193,7 @@
                                   <m:chr m:val="⃗"/>
                                   <m:ctrlPr>
                                     <a:rPr lang="en-US" sz="2000" b="0" i="1" smtClean="0">
-                                      <a:latin typeface="Cambria Math" panose="02040503050406030204" pitchFamily="18" charset="0"/>
+                                      <a:latin typeface="Cambria Math" charset="0"/>
                                       <a:cs typeface="Arial" panose="020B0604020202020204" pitchFamily="34" charset="0"/>
                                     </a:rPr>
                                   </m:ctrlPr>
@@ -20555,7 +20304,7 @@
                             <m:sSubPr>
                               <m:ctrlPr>
                                 <a:rPr lang="en-US" sz="2000" b="0" i="1" smtClean="0">
-                                  <a:latin typeface="Cambria Math" panose="02040503050406030204" pitchFamily="18" charset="0"/>
+                                  <a:latin typeface="Cambria Math" charset="0"/>
                                   <a:cs typeface="Arial" panose="020B0604020202020204" pitchFamily="34" charset="0"/>
                                 </a:rPr>
                               </m:ctrlPr>
@@ -20566,7 +20315,7 @@
                                   <m:chr m:val="⃗"/>
                                   <m:ctrlPr>
                                     <a:rPr lang="en-US" sz="2000" b="0" i="1" smtClean="0">
-                                      <a:latin typeface="Cambria Math" panose="02040503050406030204" pitchFamily="18" charset="0"/>
+                                      <a:latin typeface="Cambria Math" charset="0"/>
                                       <a:cs typeface="Arial" panose="020B0604020202020204" pitchFamily="34" charset="0"/>
                                     </a:rPr>
                                   </m:ctrlPr>
@@ -20677,7 +20426,7 @@
                             <m:sSubPr>
                               <m:ctrlPr>
                                 <a:rPr lang="en-US" sz="2000" b="0" i="1" smtClean="0">
-                                  <a:latin typeface="Cambria Math" panose="02040503050406030204" pitchFamily="18" charset="0"/>
+                                  <a:latin typeface="Cambria Math" charset="0"/>
                                   <a:cs typeface="Arial" panose="020B0604020202020204" pitchFamily="34" charset="0"/>
                                 </a:rPr>
                               </m:ctrlPr>
@@ -20688,7 +20437,7 @@
                                   <m:chr m:val="⃗"/>
                                   <m:ctrlPr>
                                     <a:rPr lang="en-US" sz="2000" b="0" i="1" smtClean="0">
-                                      <a:latin typeface="Cambria Math" panose="02040503050406030204" pitchFamily="18" charset="0"/>
+                                      <a:latin typeface="Cambria Math" charset="0"/>
                                       <a:cs typeface="Arial" panose="020B0604020202020204" pitchFamily="34" charset="0"/>
                                     </a:rPr>
                                   </m:ctrlPr>
@@ -20799,7 +20548,7 @@
                             <m:sSubPr>
                               <m:ctrlPr>
                                 <a:rPr lang="en-US" sz="2000" b="0" i="1" smtClean="0">
-                                  <a:latin typeface="Cambria Math" panose="02040503050406030204" pitchFamily="18" charset="0"/>
+                                  <a:latin typeface="Cambria Math" charset="0"/>
                                   <a:cs typeface="Arial" panose="020B0604020202020204" pitchFamily="34" charset="0"/>
                                 </a:rPr>
                               </m:ctrlPr>
@@ -20810,7 +20559,7 @@
                                   <m:chr m:val="⃗"/>
                                   <m:ctrlPr>
                                     <a:rPr lang="en-US" sz="2000" b="0" i="1" smtClean="0">
-                                      <a:latin typeface="Cambria Math" panose="02040503050406030204" pitchFamily="18" charset="0"/>
+                                      <a:latin typeface="Cambria Math" charset="0"/>
                                       <a:cs typeface="Arial" panose="020B0604020202020204" pitchFamily="34" charset="0"/>
                                     </a:rPr>
                                   </m:ctrlPr>
@@ -20921,7 +20670,7 @@
                             <m:sSubPr>
                               <m:ctrlPr>
                                 <a:rPr lang="en-US" sz="2000" b="0" i="1" smtClean="0">
-                                  <a:latin typeface="Cambria Math" panose="02040503050406030204" pitchFamily="18" charset="0"/>
+                                  <a:latin typeface="Cambria Math" charset="0"/>
                                   <a:cs typeface="Arial" panose="020B0604020202020204" pitchFamily="34" charset="0"/>
                                 </a:rPr>
                               </m:ctrlPr>
@@ -20932,7 +20681,7 @@
                                   <m:chr m:val="⃗"/>
                                   <m:ctrlPr>
                                     <a:rPr lang="en-US" sz="2000" b="0" i="1" smtClean="0">
-                                      <a:latin typeface="Cambria Math" panose="02040503050406030204" pitchFamily="18" charset="0"/>
+                                      <a:latin typeface="Cambria Math" charset="0"/>
                                       <a:cs typeface="Arial" panose="020B0604020202020204" pitchFamily="34" charset="0"/>
                                     </a:rPr>
                                   </m:ctrlPr>
@@ -21375,7 +21124,7 @@
                             <m:sSubPr>
                               <m:ctrlPr>
                                 <a:rPr lang="en-US" sz="2000" b="0" i="1" smtClean="0">
-                                  <a:latin typeface="Cambria Math" panose="02040503050406030204" pitchFamily="18" charset="0"/>
+                                  <a:latin typeface="Cambria Math" charset="0"/>
                                   <a:cs typeface="Arial" panose="020B0604020202020204" pitchFamily="34" charset="0"/>
                                 </a:rPr>
                               </m:ctrlPr>
@@ -21386,7 +21135,7 @@
                                   <m:chr m:val="⃗"/>
                                   <m:ctrlPr>
                                     <a:rPr lang="en-US" sz="2000" b="0" i="1" smtClean="0">
-                                      <a:latin typeface="Cambria Math" panose="02040503050406030204" pitchFamily="18" charset="0"/>
+                                      <a:latin typeface="Cambria Math" charset="0"/>
                                       <a:cs typeface="Arial" panose="020B0604020202020204" pitchFamily="34" charset="0"/>
                                     </a:rPr>
                                   </m:ctrlPr>
@@ -21497,7 +21246,7 @@
                             <m:sSubPr>
                               <m:ctrlPr>
                                 <a:rPr lang="en-US" sz="2000" b="0" i="1" smtClean="0">
-                                  <a:latin typeface="Cambria Math" panose="02040503050406030204" pitchFamily="18" charset="0"/>
+                                  <a:latin typeface="Cambria Math" charset="0"/>
                                   <a:cs typeface="Arial" panose="020B0604020202020204" pitchFamily="34" charset="0"/>
                                 </a:rPr>
                               </m:ctrlPr>
@@ -21508,7 +21257,7 @@
                                   <m:chr m:val="⃗"/>
                                   <m:ctrlPr>
                                     <a:rPr lang="en-US" sz="2000" b="0" i="1" smtClean="0">
-                                      <a:latin typeface="Cambria Math" panose="02040503050406030204" pitchFamily="18" charset="0"/>
+                                      <a:latin typeface="Cambria Math" charset="0"/>
                                       <a:cs typeface="Arial" panose="020B0604020202020204" pitchFamily="34" charset="0"/>
                                     </a:rPr>
                                   </m:ctrlPr>
@@ -21711,7 +21460,7 @@
                             <m:sSubPr>
                               <m:ctrlPr>
                                 <a:rPr lang="en-US" sz="2000" b="0" i="1" smtClean="0">
-                                  <a:latin typeface="Cambria Math" panose="02040503050406030204" pitchFamily="18" charset="0"/>
+                                  <a:latin typeface="Cambria Math" charset="0"/>
                                   <a:cs typeface="Arial" panose="020B0604020202020204" pitchFamily="34" charset="0"/>
                                 </a:rPr>
                               </m:ctrlPr>
@@ -22469,7 +22218,7 @@
                               <m:sSubPr>
                                 <m:ctrlPr>
                                   <a:rPr lang="en-US" sz="2000" b="0" i="1" smtClean="0">
-                                    <a:latin typeface="Cambria Math" panose="02040503050406030204" pitchFamily="18" charset="0"/>
+                                    <a:latin typeface="Cambria Math" charset="0"/>
                                     <a:cs typeface="Arial" panose="020B0604020202020204" pitchFamily="34" charset="0"/>
                                   </a:rPr>
                                 </m:ctrlPr>
@@ -22480,7 +22229,7 @@
                                     <m:chr m:val="⃗"/>
                                     <m:ctrlPr>
                                       <a:rPr lang="en-US" sz="2000" b="0" i="1" smtClean="0">
-                                        <a:latin typeface="Cambria Math" panose="02040503050406030204" pitchFamily="18" charset="0"/>
+                                        <a:latin typeface="Cambria Math" charset="0"/>
                                         <a:cs typeface="Arial" panose="020B0604020202020204" pitchFamily="34" charset="0"/>
                                       </a:rPr>
                                     </m:ctrlPr>
@@ -22591,7 +22340,7 @@
                               <m:sSubPr>
                                 <m:ctrlPr>
                                   <a:rPr lang="en-US" sz="2000" b="0" i="1" smtClean="0">
-                                    <a:latin typeface="Cambria Math" panose="02040503050406030204" pitchFamily="18" charset="0"/>
+                                    <a:latin typeface="Cambria Math" charset="0"/>
                                     <a:cs typeface="Arial" panose="020B0604020202020204" pitchFamily="34" charset="0"/>
                                   </a:rPr>
                                 </m:ctrlPr>
@@ -22602,7 +22351,7 @@
                                     <m:chr m:val="⃗"/>
                                     <m:ctrlPr>
                                       <a:rPr lang="en-US" sz="2000" b="0" i="1" smtClean="0">
-                                        <a:latin typeface="Cambria Math" panose="02040503050406030204" pitchFamily="18" charset="0"/>
+                                        <a:latin typeface="Cambria Math" charset="0"/>
                                         <a:cs typeface="Arial" panose="020B0604020202020204" pitchFamily="34" charset="0"/>
                                       </a:rPr>
                                     </m:ctrlPr>
@@ -22893,7 +22642,7 @@
                               <m:sSubPr>
                                 <m:ctrlPr>
                                   <a:rPr lang="en-US" sz="2000" b="0" i="1" smtClean="0">
-                                    <a:latin typeface="Cambria Math" panose="02040503050406030204" pitchFamily="18" charset="0"/>
+                                    <a:latin typeface="Cambria Math" charset="0"/>
                                     <a:cs typeface="Arial" panose="020B0604020202020204" pitchFamily="34" charset="0"/>
                                   </a:rPr>
                                 </m:ctrlPr>
@@ -22904,7 +22653,7 @@
                                     <m:chr m:val="⃗"/>
                                     <m:ctrlPr>
                                       <a:rPr lang="en-US" sz="2000" b="0" i="1" smtClean="0">
-                                        <a:latin typeface="Cambria Math" panose="02040503050406030204" pitchFamily="18" charset="0"/>
+                                        <a:latin typeface="Cambria Math" charset="0"/>
                                         <a:cs typeface="Arial" panose="020B0604020202020204" pitchFamily="34" charset="0"/>
                                       </a:rPr>
                                     </m:ctrlPr>
@@ -23015,7 +22764,7 @@
                               <m:sSubPr>
                                 <m:ctrlPr>
                                   <a:rPr lang="en-US" sz="2000" b="0" i="1" smtClean="0">
-                                    <a:latin typeface="Cambria Math" panose="02040503050406030204" pitchFamily="18" charset="0"/>
+                                    <a:latin typeface="Cambria Math" charset="0"/>
                                     <a:cs typeface="Arial" panose="020B0604020202020204" pitchFamily="34" charset="0"/>
                                   </a:rPr>
                                 </m:ctrlPr>
@@ -23026,7 +22775,7 @@
                                     <m:chr m:val="⃗"/>
                                     <m:ctrlPr>
                                       <a:rPr lang="en-US" sz="2000" b="0" i="1" smtClean="0">
-                                        <a:latin typeface="Cambria Math" panose="02040503050406030204" pitchFamily="18" charset="0"/>
+                                        <a:latin typeface="Cambria Math" charset="0"/>
                                         <a:cs typeface="Arial" panose="020B0604020202020204" pitchFamily="34" charset="0"/>
                                       </a:rPr>
                                     </m:ctrlPr>
@@ -23137,7 +22886,7 @@
                               <m:sSubPr>
                                 <m:ctrlPr>
                                   <a:rPr lang="en-US" sz="2000" b="0" i="1" smtClean="0">
-                                    <a:latin typeface="Cambria Math" panose="02040503050406030204" pitchFamily="18" charset="0"/>
+                                    <a:latin typeface="Cambria Math" charset="0"/>
                                     <a:cs typeface="Arial" panose="020B0604020202020204" pitchFamily="34" charset="0"/>
                                   </a:rPr>
                                 </m:ctrlPr>
@@ -23148,7 +22897,7 @@
                                     <m:chr m:val="⃗"/>
                                     <m:ctrlPr>
                                       <a:rPr lang="en-US" sz="2000" b="0" i="1" smtClean="0">
-                                        <a:latin typeface="Cambria Math" panose="02040503050406030204" pitchFamily="18" charset="0"/>
+                                        <a:latin typeface="Cambria Math" charset="0"/>
                                         <a:cs typeface="Arial" panose="020B0604020202020204" pitchFamily="34" charset="0"/>
                                       </a:rPr>
                                     </m:ctrlPr>
@@ -23467,7 +23216,7 @@
                               <m:sSubPr>
                                 <m:ctrlPr>
                                   <a:rPr lang="en-US" sz="2000" b="0" i="1" smtClean="0">
-                                    <a:latin typeface="Cambria Math" panose="02040503050406030204" pitchFamily="18" charset="0"/>
+                                    <a:latin typeface="Cambria Math" charset="0"/>
                                     <a:cs typeface="Arial" panose="020B0604020202020204" pitchFamily="34" charset="0"/>
                                   </a:rPr>
                                 </m:ctrlPr>
@@ -23478,7 +23227,7 @@
                                     <m:chr m:val="⃗"/>
                                     <m:ctrlPr>
                                       <a:rPr lang="en-US" sz="2000" b="0" i="1" smtClean="0">
-                                        <a:latin typeface="Cambria Math" panose="02040503050406030204" pitchFamily="18" charset="0"/>
+                                        <a:latin typeface="Cambria Math" charset="0"/>
                                         <a:cs typeface="Arial" panose="020B0604020202020204" pitchFamily="34" charset="0"/>
                                       </a:rPr>
                                     </m:ctrlPr>
@@ -24003,7 +23752,7 @@
                                   <a:solidFill>
                                     <a:srgbClr val="FF0000"/>
                                   </a:solidFill>
-                                  <a:latin typeface="Cambria Math" panose="02040503050406030204" pitchFamily="18" charset="0"/>
+                                  <a:latin typeface="Cambria Math" charset="0"/>
                                   <a:cs typeface="Arial" panose="020B0604020202020204" pitchFamily="34" charset="0"/>
                                 </a:rPr>
                               </m:ctrlPr>
@@ -24158,7 +23907,7 @@
                           <m:sSubPr>
                             <m:ctrlPr>
                               <a:rPr lang="en-US" sz="2000" b="0" i="1" smtClean="0">
-                                <a:latin typeface="Cambria Math" panose="02040503050406030204" pitchFamily="18" charset="0"/>
+                                <a:latin typeface="Cambria Math" charset="0"/>
                                 <a:cs typeface="Arial" panose="020B0604020202020204" pitchFamily="34" charset="0"/>
                               </a:rPr>
                             </m:ctrlPr>
@@ -24169,7 +23918,7 @@
                                 <m:chr m:val="⃗"/>
                                 <m:ctrlPr>
                                   <a:rPr lang="en-US" sz="2000" b="0" i="1" smtClean="0">
-                                    <a:latin typeface="Cambria Math" panose="02040503050406030204" pitchFamily="18" charset="0"/>
+                                    <a:latin typeface="Cambria Math" charset="0"/>
                                     <a:cs typeface="Arial" panose="020B0604020202020204" pitchFamily="34" charset="0"/>
                                   </a:rPr>
                                 </m:ctrlPr>
@@ -24352,7 +24101,7 @@
                           <m:sSubPr>
                             <m:ctrlPr>
                               <a:rPr lang="en-US" sz="2000" b="0" i="1" smtClean="0">
-                                <a:latin typeface="Cambria Math" panose="02040503050406030204" pitchFamily="18" charset="0"/>
+                                <a:latin typeface="Cambria Math" charset="0"/>
                                 <a:cs typeface="Arial" panose="020B0604020202020204" pitchFamily="34" charset="0"/>
                               </a:rPr>
                             </m:ctrlPr>
@@ -24461,7 +24210,7 @@
                           <m:sSubPr>
                             <m:ctrlPr>
                               <a:rPr lang="en-US" sz="2000" b="0" i="1" smtClean="0">
-                                <a:latin typeface="Cambria Math" panose="02040503050406030204" pitchFamily="18" charset="0"/>
+                                <a:latin typeface="Cambria Math" charset="0"/>
                                 <a:cs typeface="Arial" panose="020B0604020202020204" pitchFamily="34" charset="0"/>
                               </a:rPr>
                             </m:ctrlPr>
@@ -24785,7 +24534,7 @@
                             <m:sSubPr>
                               <m:ctrlPr>
                                 <a:rPr lang="en-US" sz="2000" b="0" i="1" smtClean="0">
-                                  <a:latin typeface="Cambria Math" panose="02040503050406030204" pitchFamily="18" charset="0"/>
+                                  <a:latin typeface="Cambria Math" charset="0"/>
                                   <a:cs typeface="Arial" panose="020B0604020202020204" pitchFamily="34" charset="0"/>
                                 </a:rPr>
                               </m:ctrlPr>
@@ -24796,7 +24545,7 @@
                                   <m:chr m:val="⃗"/>
                                   <m:ctrlPr>
                                     <a:rPr lang="en-US" sz="2000" b="0" i="1" smtClean="0">
-                                      <a:latin typeface="Cambria Math" panose="02040503050406030204" pitchFamily="18" charset="0"/>
+                                      <a:latin typeface="Cambria Math" charset="0"/>
                                       <a:cs typeface="Arial" panose="020B0604020202020204" pitchFamily="34" charset="0"/>
                                     </a:rPr>
                                   </m:ctrlPr>
@@ -24908,7 +24657,7 @@
                               <m:chr m:val="⃗"/>
                               <m:ctrlPr>
                                 <a:rPr lang="en-US" sz="2000" b="0" i="1" smtClean="0">
-                                  <a:latin typeface="Cambria Math" panose="02040503050406030204" pitchFamily="18" charset="0"/>
+                                  <a:latin typeface="Cambria Math" charset="0"/>
                                   <a:cs typeface="Arial" panose="020B0604020202020204" pitchFamily="34" charset="0"/>
                                 </a:rPr>
                               </m:ctrlPr>
@@ -25008,7 +24757,7 @@
                             <m:sSubPr>
                               <m:ctrlPr>
                                 <a:rPr lang="en-US" sz="2000" b="0" i="1" smtClean="0">
-                                  <a:latin typeface="Cambria Math" panose="02040503050406030204" pitchFamily="18" charset="0"/>
+                                  <a:latin typeface="Cambria Math" charset="0"/>
                                   <a:cs typeface="Arial" panose="020B0604020202020204" pitchFamily="34" charset="0"/>
                                 </a:rPr>
                               </m:ctrlPr>
@@ -25019,7 +24768,7 @@
                                   <m:chr m:val="⃗"/>
                                   <m:ctrlPr>
                                     <a:rPr lang="en-US" sz="2000" b="0" i="1" smtClean="0">
-                                      <a:latin typeface="Cambria Math" panose="02040503050406030204" pitchFamily="18" charset="0"/>
+                                      <a:latin typeface="Cambria Math" charset="0"/>
                                       <a:cs typeface="Arial" panose="020B0604020202020204" pitchFamily="34" charset="0"/>
                                     </a:rPr>
                                   </m:ctrlPr>
@@ -25178,7 +24927,7 @@
                             <m:sSubPr>
                               <m:ctrlPr>
                                 <a:rPr lang="en-US" sz="2000" b="0" i="1" smtClean="0">
-                                  <a:latin typeface="Cambria Math" panose="02040503050406030204" pitchFamily="18" charset="0"/>
+                                  <a:latin typeface="Cambria Math" charset="0"/>
                                   <a:cs typeface="Arial" panose="020B0604020202020204" pitchFamily="34" charset="0"/>
                                 </a:rPr>
                               </m:ctrlPr>
@@ -25189,7 +24938,7 @@
                                   <m:chr m:val="⃗"/>
                                   <m:ctrlPr>
                                     <a:rPr lang="en-US" sz="2000" b="0" i="1" smtClean="0">
-                                      <a:latin typeface="Cambria Math" panose="02040503050406030204" pitchFamily="18" charset="0"/>
+                                      <a:latin typeface="Cambria Math" charset="0"/>
                                       <a:cs typeface="Arial" panose="020B0604020202020204" pitchFamily="34" charset="0"/>
                                     </a:rPr>
                                   </m:ctrlPr>
@@ -27658,7 +27407,7 @@
                               <m:sSubPr>
                                 <m:ctrlPr>
                                   <a:rPr lang="en-US" sz="2000" b="0" i="1" smtClean="0">
-                                    <a:latin typeface="Cambria Math" panose="02040503050406030204" pitchFamily="18" charset="0"/>
+                                    <a:latin typeface="Cambria Math" charset="0"/>
                                     <a:cs typeface="Arial" panose="020B0604020202020204" pitchFamily="34" charset="0"/>
                                   </a:rPr>
                                 </m:ctrlPr>
@@ -27669,7 +27418,7 @@
                                     <m:chr m:val="⃗"/>
                                     <m:ctrlPr>
                                       <a:rPr lang="en-US" sz="2000" b="0" i="1" smtClean="0">
-                                        <a:latin typeface="Cambria Math" panose="02040503050406030204" pitchFamily="18" charset="0"/>
+                                        <a:latin typeface="Cambria Math" charset="0"/>
                                         <a:cs typeface="Arial" panose="020B0604020202020204" pitchFamily="34" charset="0"/>
                                       </a:rPr>
                                     </m:ctrlPr>
@@ -27781,7 +27530,7 @@
                                 <m:chr m:val="⃗"/>
                                 <m:ctrlPr>
                                   <a:rPr lang="en-US" sz="2000" b="0" i="1" smtClean="0">
-                                    <a:latin typeface="Cambria Math" panose="02040503050406030204" pitchFamily="18" charset="0"/>
+                                    <a:latin typeface="Cambria Math" charset="0"/>
                                     <a:cs typeface="Arial" panose="020B0604020202020204" pitchFamily="34" charset="0"/>
                                   </a:rPr>
                                 </m:ctrlPr>
@@ -27881,7 +27630,7 @@
                               <m:sSubPr>
                                 <m:ctrlPr>
                                   <a:rPr lang="en-US" sz="2000" b="0" i="1" smtClean="0">
-                                    <a:latin typeface="Cambria Math" panose="02040503050406030204" pitchFamily="18" charset="0"/>
+                                    <a:latin typeface="Cambria Math" charset="0"/>
                                     <a:cs typeface="Arial" panose="020B0604020202020204" pitchFamily="34" charset="0"/>
                                   </a:rPr>
                                 </m:ctrlPr>
@@ -27892,7 +27641,7 @@
                                     <m:chr m:val="⃗"/>
                                     <m:ctrlPr>
                                       <a:rPr lang="en-US" sz="2000" b="0" i="1" smtClean="0">
-                                        <a:latin typeface="Cambria Math" panose="02040503050406030204" pitchFamily="18" charset="0"/>
+                                        <a:latin typeface="Cambria Math" charset="0"/>
                                         <a:cs typeface="Arial" panose="020B0604020202020204" pitchFamily="34" charset="0"/>
                                       </a:rPr>
                                     </m:ctrlPr>
@@ -28051,7 +27800,7 @@
                               <m:sSubPr>
                                 <m:ctrlPr>
                                   <a:rPr lang="en-US" sz="2000" b="0" i="1" smtClean="0">
-                                    <a:latin typeface="Cambria Math" panose="02040503050406030204" pitchFamily="18" charset="0"/>
+                                    <a:latin typeface="Cambria Math" charset="0"/>
                                     <a:cs typeface="Arial" panose="020B0604020202020204" pitchFamily="34" charset="0"/>
                                   </a:rPr>
                                 </m:ctrlPr>
@@ -28062,7 +27811,7 @@
                                     <m:chr m:val="⃗"/>
                                     <m:ctrlPr>
                                       <a:rPr lang="en-US" sz="2000" b="0" i="1" smtClean="0">
-                                        <a:latin typeface="Cambria Math" panose="02040503050406030204" pitchFamily="18" charset="0"/>
+                                        <a:latin typeface="Cambria Math" charset="0"/>
                                         <a:cs typeface="Arial" panose="020B0604020202020204" pitchFamily="34" charset="0"/>
                                       </a:rPr>
                                     </m:ctrlPr>
@@ -28838,7 +28587,7 @@
                           <m:sSubPr>
                             <m:ctrlPr>
                               <a:rPr lang="en-US" sz="2000" b="0" i="1" smtClean="0">
-                                <a:latin typeface="Cambria Math" panose="02040503050406030204" pitchFamily="18" charset="0"/>
+                                <a:latin typeface="Cambria Math" charset="0"/>
                                 <a:cs typeface="Arial" panose="020B0604020202020204" pitchFamily="34" charset="0"/>
                               </a:rPr>
                             </m:ctrlPr>
@@ -28849,7 +28598,7 @@
                                 <m:chr m:val="⃗"/>
                                 <m:ctrlPr>
                                   <a:rPr lang="en-US" sz="2000" b="0" i="1" smtClean="0">
-                                    <a:latin typeface="Cambria Math" panose="02040503050406030204" pitchFamily="18" charset="0"/>
+                                    <a:latin typeface="Cambria Math" charset="0"/>
                                     <a:cs typeface="Arial" panose="020B0604020202020204" pitchFamily="34" charset="0"/>
                                   </a:rPr>
                                 </m:ctrlPr>
@@ -28956,6 +28705,2219 @@
           <a:chExt cx="0" cy="0"/>
         </a:xfrm>
       </p:grpSpPr>
+      <p:grpSp>
+        <p:nvGrpSpPr>
+          <p:cNvPr id="49" name="Group 48"/>
+          <p:cNvGrpSpPr/>
+          <p:nvPr/>
+        </p:nvGrpSpPr>
+        <p:grpSpPr>
+          <a:xfrm>
+            <a:off x="1846529" y="1718927"/>
+            <a:ext cx="5882513" cy="3593927"/>
+            <a:chOff x="1846529" y="1718927"/>
+            <a:chExt cx="5882513" cy="3593927"/>
+          </a:xfrm>
+        </p:grpSpPr>
+        <p:grpSp>
+          <p:nvGrpSpPr>
+            <p:cNvPr id="46" name="Group 45"/>
+            <p:cNvGrpSpPr/>
+            <p:nvPr/>
+          </p:nvGrpSpPr>
+          <p:grpSpPr>
+            <a:xfrm>
+              <a:off x="1846529" y="2122482"/>
+              <a:ext cx="5882513" cy="3190372"/>
+              <a:chOff x="1846529" y="2122482"/>
+              <a:chExt cx="5882513" cy="3190372"/>
+            </a:xfrm>
+          </p:grpSpPr>
+          <p:grpSp>
+            <p:nvGrpSpPr>
+              <p:cNvPr id="2" name="Group 1"/>
+              <p:cNvGrpSpPr/>
+              <p:nvPr/>
+            </p:nvGrpSpPr>
+            <p:grpSpPr>
+              <a:xfrm>
+                <a:off x="3277515" y="2255662"/>
+                <a:ext cx="2010296" cy="3057192"/>
+                <a:chOff x="8507789" y="1581444"/>
+                <a:chExt cx="2010296" cy="3057192"/>
+              </a:xfrm>
+            </p:grpSpPr>
+            <p:grpSp>
+              <p:nvGrpSpPr>
+                <p:cNvPr id="3" name="Group 2"/>
+                <p:cNvGrpSpPr/>
+                <p:nvPr/>
+              </p:nvGrpSpPr>
+              <p:grpSpPr>
+                <a:xfrm>
+                  <a:off x="8507789" y="1581444"/>
+                  <a:ext cx="1897613" cy="3057192"/>
+                  <a:chOff x="8558589" y="1940914"/>
+                  <a:chExt cx="1897613" cy="3057192"/>
+                </a:xfrm>
+              </p:grpSpPr>
+              <p:sp>
+                <p:nvSpPr>
+                  <p:cNvPr id="5" name="Oval 4"/>
+                  <p:cNvSpPr/>
+                  <p:nvPr/>
+                </p:nvSpPr>
+                <p:spPr>
+                  <a:xfrm>
+                    <a:off x="9986883" y="3321986"/>
+                    <a:ext cx="120943" cy="119766"/>
+                  </a:xfrm>
+                  <a:prstGeom prst="ellipse">
+                    <a:avLst/>
+                  </a:prstGeom>
+                  <a:solidFill>
+                    <a:schemeClr val="tx1"/>
+                  </a:solidFill>
+                  <a:ln w="38100">
+                    <a:solidFill>
+                      <a:schemeClr val="tx1"/>
+                    </a:solidFill>
+                  </a:ln>
+                </p:spPr>
+                <p:style>
+                  <a:lnRef idx="2">
+                    <a:schemeClr val="accent1">
+                      <a:shade val="50000"/>
+                    </a:schemeClr>
+                  </a:lnRef>
+                  <a:fillRef idx="1">
+                    <a:schemeClr val="accent1"/>
+                  </a:fillRef>
+                  <a:effectRef idx="0">
+                    <a:schemeClr val="accent1"/>
+                  </a:effectRef>
+                  <a:fontRef idx="minor">
+                    <a:schemeClr val="lt1"/>
+                  </a:fontRef>
+                </p:style>
+                <p:txBody>
+                  <a:bodyPr rtlCol="0" anchor="ctr"/>
+                  <a:lstStyle/>
+                  <a:p>
+                    <a:pPr algn="ctr"/>
+                    <a:endParaRPr lang="en-US"/>
+                  </a:p>
+                </p:txBody>
+              </p:sp>
+              <p:cxnSp>
+                <p:nvCxnSpPr>
+                  <p:cNvPr id="6" name="Straight Arrow Connector 5"/>
+                  <p:cNvCxnSpPr/>
+                  <p:nvPr/>
+                </p:nvCxnSpPr>
+                <p:spPr>
+                  <a:xfrm flipH="1">
+                    <a:off x="9412116" y="3371687"/>
+                    <a:ext cx="575410" cy="5625"/>
+                  </a:xfrm>
+                  <a:prstGeom prst="straightConnector1">
+                    <a:avLst/>
+                  </a:prstGeom>
+                  <a:ln w="38100">
+                    <a:solidFill>
+                      <a:schemeClr val="tx1"/>
+                    </a:solidFill>
+                    <a:tailEnd type="triangle"/>
+                  </a:ln>
+                </p:spPr>
+                <p:style>
+                  <a:lnRef idx="1">
+                    <a:schemeClr val="accent1"/>
+                  </a:lnRef>
+                  <a:fillRef idx="0">
+                    <a:schemeClr val="accent1"/>
+                  </a:fillRef>
+                  <a:effectRef idx="0">
+                    <a:schemeClr val="accent1"/>
+                  </a:effectRef>
+                  <a:fontRef idx="minor">
+                    <a:schemeClr val="tx1"/>
+                  </a:fontRef>
+                </p:style>
+              </p:cxnSp>
+              <p:cxnSp>
+                <p:nvCxnSpPr>
+                  <p:cNvPr id="7" name="Straight Arrow Connector 6"/>
+                  <p:cNvCxnSpPr/>
+                  <p:nvPr/>
+                </p:nvCxnSpPr>
+                <p:spPr>
+                  <a:xfrm flipH="1">
+                    <a:off x="10040393" y="3435406"/>
+                    <a:ext cx="7135" cy="796601"/>
+                  </a:xfrm>
+                  <a:prstGeom prst="straightConnector1">
+                    <a:avLst/>
+                  </a:prstGeom>
+                  <a:ln w="38100">
+                    <a:solidFill>
+                      <a:schemeClr val="tx1"/>
+                    </a:solidFill>
+                    <a:tailEnd type="triangle"/>
+                  </a:ln>
+                </p:spPr>
+                <p:style>
+                  <a:lnRef idx="1">
+                    <a:schemeClr val="accent1"/>
+                  </a:lnRef>
+                  <a:fillRef idx="0">
+                    <a:schemeClr val="accent1"/>
+                  </a:fillRef>
+                  <a:effectRef idx="0">
+                    <a:schemeClr val="accent1"/>
+                  </a:effectRef>
+                  <a:fontRef idx="minor">
+                    <a:schemeClr val="tx1"/>
+                  </a:fontRef>
+                </p:style>
+              </p:cxnSp>
+              <p:cxnSp>
+                <p:nvCxnSpPr>
+                  <p:cNvPr id="8" name="Straight Arrow Connector 7"/>
+                  <p:cNvCxnSpPr/>
+                  <p:nvPr/>
+                </p:nvCxnSpPr>
+                <p:spPr>
+                  <a:xfrm flipH="1" flipV="1">
+                    <a:off x="10046515" y="2545106"/>
+                    <a:ext cx="3748" cy="769741"/>
+                  </a:xfrm>
+                  <a:prstGeom prst="straightConnector1">
+                    <a:avLst/>
+                  </a:prstGeom>
+                  <a:ln w="38100">
+                    <a:solidFill>
+                      <a:schemeClr val="tx1"/>
+                    </a:solidFill>
+                    <a:tailEnd type="triangle"/>
+                  </a:ln>
+                </p:spPr>
+                <p:style>
+                  <a:lnRef idx="1">
+                    <a:schemeClr val="accent1"/>
+                  </a:lnRef>
+                  <a:fillRef idx="0">
+                    <a:schemeClr val="accent1"/>
+                  </a:fillRef>
+                  <a:effectRef idx="0">
+                    <a:schemeClr val="accent1"/>
+                  </a:effectRef>
+                  <a:fontRef idx="minor">
+                    <a:schemeClr val="tx1"/>
+                  </a:fontRef>
+                </p:style>
+              </p:cxnSp>
+              <mc:AlternateContent xmlns:mc="http://schemas.openxmlformats.org/markup-compatibility/2006" xmlns:a14="http://schemas.microsoft.com/office/drawing/2010/main">
+                <mc:Choice Requires="a14">
+                  <p:sp>
+                    <p:nvSpPr>
+                      <p:cNvPr id="9" name="TextBox 8"/>
+                      <p:cNvSpPr txBox="1"/>
+                      <p:nvPr/>
+                    </p:nvSpPr>
+                    <p:spPr>
+                      <a:xfrm>
+                        <a:off x="9412116" y="2828865"/>
+                        <a:ext cx="267381" cy="354071"/>
+                      </a:xfrm>
+                      <a:prstGeom prst="rect">
+                        <a:avLst/>
+                      </a:prstGeom>
+                      <a:noFill/>
+                    </p:spPr>
+                    <p:txBody>
+                      <a:bodyPr wrap="none" lIns="0" tIns="0" rIns="0" bIns="0" rtlCol="0">
+                        <a:spAutoFit/>
+                      </a:bodyPr>
+                      <a:lstStyle/>
+                      <a:p>
+                        <a:pPr/>
+                        <a14:m>
+                          <m:oMathPara xmlns:m="http://schemas.openxmlformats.org/officeDocument/2006/math">
+                            <m:oMathParaPr>
+                              <m:jc m:val="centerGroup"/>
+                            </m:oMathParaPr>
+                            <m:oMath xmlns:m="http://schemas.openxmlformats.org/officeDocument/2006/math">
+                              <m:sSub>
+                                <m:sSubPr>
+                                  <m:ctrlPr>
+                                    <a:rPr lang="en-US" sz="2000" b="0" i="1" smtClean="0">
+                                      <a:latin typeface="Cambria Math" charset="0"/>
+                                      <a:cs typeface="Arial" panose="020B0604020202020204" pitchFamily="34" charset="0"/>
+                                    </a:rPr>
+                                  </m:ctrlPr>
+                                </m:sSubPr>
+                                <m:e>
+                                  <m:acc>
+                                    <m:accPr>
+                                      <m:chr m:val="⃗"/>
+                                      <m:ctrlPr>
+                                        <a:rPr lang="en-US" sz="2000" b="0" i="1" smtClean="0">
+                                          <a:latin typeface="Cambria Math" charset="0"/>
+                                          <a:cs typeface="Arial" panose="020B0604020202020204" pitchFamily="34" charset="0"/>
+                                        </a:rPr>
+                                      </m:ctrlPr>
+                                    </m:accPr>
+                                    <m:e>
+                                      <m:r>
+                                        <a:rPr lang="en-US" sz="2000" b="0" i="1" smtClean="0">
+                                          <a:latin typeface="Cambria Math" panose="02040503050406030204" pitchFamily="18" charset="0"/>
+                                          <a:cs typeface="Arial" panose="020B0604020202020204" pitchFamily="34" charset="0"/>
+                                        </a:rPr>
+                                        <m:t>𝑓</m:t>
+                                      </m:r>
+                                    </m:e>
+                                  </m:acc>
+                                </m:e>
+                                <m:sub>
+                                  <m:r>
+                                    <a:rPr lang="en-US" sz="2000" b="0" i="1" smtClean="0">
+                                      <a:latin typeface="Cambria Math" panose="02040503050406030204" pitchFamily="18" charset="0"/>
+                                      <a:cs typeface="Arial" panose="020B0604020202020204" pitchFamily="34" charset="0"/>
+                                    </a:rPr>
+                                    <m:t>𝑠</m:t>
+                                  </m:r>
+                                </m:sub>
+                              </m:sSub>
+                            </m:oMath>
+                          </m:oMathPara>
+                        </a14:m>
+                        <a:endParaRPr lang="en-US" sz="2000" dirty="0">
+                          <a:latin typeface="Arial" panose="020B0604020202020204" pitchFamily="34" charset="0"/>
+                          <a:cs typeface="Arial" panose="020B0604020202020204" pitchFamily="34" charset="0"/>
+                        </a:endParaRPr>
+                      </a:p>
+                    </p:txBody>
+                  </p:sp>
+                </mc:Choice>
+                <mc:Fallback xmlns="">
+                  <p:sp>
+                    <p:nvSpPr>
+                      <p:cNvPr id="30" name="TextBox 29"/>
+                      <p:cNvSpPr txBox="1">
+                        <a:spLocks noRot="1" noChangeAspect="1" noMove="1" noResize="1" noEditPoints="1" noAdjustHandles="1" noChangeArrowheads="1" noChangeShapeType="1" noTextEdit="1"/>
+                      </p:cNvSpPr>
+                      <p:nvPr/>
+                    </p:nvSpPr>
+                    <p:spPr>
+                      <a:xfrm>
+                        <a:off x="9412116" y="2828865"/>
+                        <a:ext cx="267381" cy="354071"/>
+                      </a:xfrm>
+                      <a:prstGeom prst="rect">
+                        <a:avLst/>
+                      </a:prstGeom>
+                      <a:blipFill>
+                        <a:blip r:embed="rId2"/>
+                        <a:stretch>
+                          <a:fillRect l="-32558" t="-32759" r="-86047" b="-32759"/>
+                        </a:stretch>
+                      </a:blipFill>
+                    </p:spPr>
+                    <p:txBody>
+                      <a:bodyPr/>
+                      <a:lstStyle/>
+                      <a:p>
+                        <a:r>
+                          <a:rPr lang="en-US">
+                            <a:noFill/>
+                          </a:rPr>
+                          <a:t> </a:t>
+                        </a:r>
+                      </a:p>
+                    </p:txBody>
+                  </p:sp>
+                </mc:Fallback>
+              </mc:AlternateContent>
+              <mc:AlternateContent xmlns:mc="http://schemas.openxmlformats.org/markup-compatibility/2006" xmlns:a14="http://schemas.microsoft.com/office/drawing/2010/main">
+                <mc:Choice Requires="a14">
+                  <p:sp>
+                    <p:nvSpPr>
+                      <p:cNvPr id="10" name="TextBox 9"/>
+                      <p:cNvSpPr txBox="1"/>
+                      <p:nvPr/>
+                    </p:nvSpPr>
+                    <p:spPr>
+                      <a:xfrm>
+                        <a:off x="10191835" y="2656285"/>
+                        <a:ext cx="264367" cy="345159"/>
+                      </a:xfrm>
+                      <a:prstGeom prst="rect">
+                        <a:avLst/>
+                      </a:prstGeom>
+                      <a:noFill/>
+                    </p:spPr>
+                    <p:txBody>
+                      <a:bodyPr wrap="none" lIns="0" tIns="0" rIns="0" bIns="0" rtlCol="0">
+                        <a:spAutoFit/>
+                      </a:bodyPr>
+                      <a:lstStyle/>
+                      <a:p>
+                        <a:pPr/>
+                        <a14:m>
+                          <m:oMathPara xmlns:m="http://schemas.openxmlformats.org/officeDocument/2006/math">
+                            <m:oMathParaPr>
+                              <m:jc m:val="centerGroup"/>
+                            </m:oMathParaPr>
+                            <m:oMath xmlns:m="http://schemas.openxmlformats.org/officeDocument/2006/math">
+                              <m:acc>
+                                <m:accPr>
+                                  <m:chr m:val="⃗"/>
+                                  <m:ctrlPr>
+                                    <a:rPr lang="en-US" sz="2000" b="0" i="1" smtClean="0">
+                                      <a:latin typeface="Cambria Math" charset="0"/>
+                                      <a:cs typeface="Arial" panose="020B0604020202020204" pitchFamily="34" charset="0"/>
+                                    </a:rPr>
+                                  </m:ctrlPr>
+                                </m:accPr>
+                                <m:e>
+                                  <m:r>
+                                    <a:rPr lang="en-US" sz="2000" b="0" i="1" smtClean="0">
+                                      <a:latin typeface="Cambria Math" panose="02040503050406030204" pitchFamily="18" charset="0"/>
+                                      <a:cs typeface="Arial" panose="020B0604020202020204" pitchFamily="34" charset="0"/>
+                                    </a:rPr>
+                                    <m:t>𝑁</m:t>
+                                  </m:r>
+                                </m:e>
+                              </m:acc>
+                            </m:oMath>
+                          </m:oMathPara>
+                        </a14:m>
+                        <a:endParaRPr lang="en-US" sz="2000" dirty="0">
+                          <a:latin typeface="Arial" panose="020B0604020202020204" pitchFamily="34" charset="0"/>
+                          <a:cs typeface="Arial" panose="020B0604020202020204" pitchFamily="34" charset="0"/>
+                        </a:endParaRPr>
+                      </a:p>
+                    </p:txBody>
+                  </p:sp>
+                </mc:Choice>
+                <mc:Fallback xmlns="">
+                  <p:sp>
+                    <p:nvSpPr>
+                      <p:cNvPr id="18" name="TextBox 17"/>
+                      <p:cNvSpPr txBox="1">
+                        <a:spLocks noRot="1" noChangeAspect="1" noMove="1" noResize="1" noEditPoints="1" noAdjustHandles="1" noChangeArrowheads="1" noChangeShapeType="1" noTextEdit="1"/>
+                      </p:cNvSpPr>
+                      <p:nvPr/>
+                    </p:nvSpPr>
+                    <p:spPr>
+                      <a:xfrm>
+                        <a:off x="10191835" y="2656285"/>
+                        <a:ext cx="264367" cy="345159"/>
+                      </a:xfrm>
+                      <a:prstGeom prst="rect">
+                        <a:avLst/>
+                      </a:prstGeom>
+                      <a:blipFill>
+                        <a:blip r:embed="rId3"/>
+                        <a:stretch>
+                          <a:fillRect l="-20930" r="-18605" b="-8772"/>
+                        </a:stretch>
+                      </a:blipFill>
+                    </p:spPr>
+                    <p:txBody>
+                      <a:bodyPr/>
+                      <a:lstStyle/>
+                      <a:p>
+                        <a:r>
+                          <a:rPr lang="en-US">
+                            <a:noFill/>
+                          </a:rPr>
+                          <a:t> </a:t>
+                        </a:r>
+                      </a:p>
+                    </p:txBody>
+                  </p:sp>
+                </mc:Fallback>
+              </mc:AlternateContent>
+              <mc:AlternateContent xmlns:mc="http://schemas.openxmlformats.org/markup-compatibility/2006" xmlns:a14="http://schemas.microsoft.com/office/drawing/2010/main">
+                <mc:Choice Requires="a14">
+                  <p:sp>
+                    <p:nvSpPr>
+                      <p:cNvPr id="11" name="TextBox 10"/>
+                      <p:cNvSpPr txBox="1"/>
+                      <p:nvPr/>
+                    </p:nvSpPr>
+                    <p:spPr>
+                      <a:xfrm>
+                        <a:off x="9619569" y="3883778"/>
+                        <a:ext cx="303866" cy="377219"/>
+                      </a:xfrm>
+                      <a:prstGeom prst="rect">
+                        <a:avLst/>
+                      </a:prstGeom>
+                      <a:noFill/>
+                    </p:spPr>
+                    <p:txBody>
+                      <a:bodyPr wrap="none" lIns="0" tIns="0" rIns="0" bIns="0" rtlCol="0">
+                        <a:spAutoFit/>
+                      </a:bodyPr>
+                      <a:lstStyle/>
+                      <a:p>
+                        <a:pPr/>
+                        <a14:m>
+                          <m:oMathPara xmlns:m="http://schemas.openxmlformats.org/officeDocument/2006/math">
+                            <m:oMathParaPr>
+                              <m:jc m:val="centerGroup"/>
+                            </m:oMathParaPr>
+                            <m:oMath xmlns:m="http://schemas.openxmlformats.org/officeDocument/2006/math">
+                              <m:sSub>
+                                <m:sSubPr>
+                                  <m:ctrlPr>
+                                    <a:rPr lang="en-US" sz="2000" b="0" i="1" smtClean="0">
+                                      <a:latin typeface="Cambria Math" charset="0"/>
+                                      <a:cs typeface="Arial" panose="020B0604020202020204" pitchFamily="34" charset="0"/>
+                                    </a:rPr>
+                                  </m:ctrlPr>
+                                </m:sSubPr>
+                                <m:e>
+                                  <m:acc>
+                                    <m:accPr>
+                                      <m:chr m:val="⃗"/>
+                                      <m:ctrlPr>
+                                        <a:rPr lang="en-US" sz="2000" b="0" i="1" smtClean="0">
+                                          <a:latin typeface="Cambria Math" charset="0"/>
+                                          <a:cs typeface="Arial" panose="020B0604020202020204" pitchFamily="34" charset="0"/>
+                                        </a:rPr>
+                                      </m:ctrlPr>
+                                    </m:accPr>
+                                    <m:e>
+                                      <m:r>
+                                        <a:rPr lang="en-US" sz="2000" b="0" i="1" smtClean="0">
+                                          <a:latin typeface="Cambria Math" panose="02040503050406030204" pitchFamily="18" charset="0"/>
+                                          <a:cs typeface="Arial" panose="020B0604020202020204" pitchFamily="34" charset="0"/>
+                                        </a:rPr>
+                                        <m:t>𝐹</m:t>
+                                      </m:r>
+                                    </m:e>
+                                  </m:acc>
+                                </m:e>
+                                <m:sub>
+                                  <m:r>
+                                    <a:rPr lang="en-US" sz="2000" b="0" i="1" smtClean="0">
+                                      <a:latin typeface="Cambria Math" panose="02040503050406030204" pitchFamily="18" charset="0"/>
+                                      <a:cs typeface="Arial" panose="020B0604020202020204" pitchFamily="34" charset="0"/>
+                                    </a:rPr>
+                                    <m:t>𝑔</m:t>
+                                  </m:r>
+                                </m:sub>
+                              </m:sSub>
+                            </m:oMath>
+                          </m:oMathPara>
+                        </a14:m>
+                        <a:endParaRPr lang="en-US" sz="2000" dirty="0">
+                          <a:latin typeface="Arial" panose="020B0604020202020204" pitchFamily="34" charset="0"/>
+                          <a:cs typeface="Arial" panose="020B0604020202020204" pitchFamily="34" charset="0"/>
+                        </a:endParaRPr>
+                      </a:p>
+                    </p:txBody>
+                  </p:sp>
+                </mc:Choice>
+                <mc:Fallback xmlns="">
+                  <p:sp>
+                    <p:nvSpPr>
+                      <p:cNvPr id="47" name="TextBox 46"/>
+                      <p:cNvSpPr txBox="1">
+                        <a:spLocks noRot="1" noChangeAspect="1" noMove="1" noResize="1" noEditPoints="1" noAdjustHandles="1" noChangeArrowheads="1" noChangeShapeType="1" noTextEdit="1"/>
+                      </p:cNvSpPr>
+                      <p:nvPr/>
+                    </p:nvSpPr>
+                    <p:spPr>
+                      <a:xfrm>
+                        <a:off x="9619569" y="3883778"/>
+                        <a:ext cx="303866" cy="377219"/>
+                      </a:xfrm>
+                      <a:prstGeom prst="rect">
+                        <a:avLst/>
+                      </a:prstGeom>
+                      <a:blipFill>
+                        <a:blip r:embed="rId42"/>
+                        <a:stretch>
+                          <a:fillRect l="-18000" t="-30645" r="-70000" b="-17742"/>
+                        </a:stretch>
+                      </a:blipFill>
+                    </p:spPr>
+                    <p:txBody>
+                      <a:bodyPr/>
+                      <a:lstStyle/>
+                      <a:p>
+                        <a:r>
+                          <a:rPr lang="en-US">
+                            <a:noFill/>
+                          </a:rPr>
+                          <a:t> </a:t>
+                        </a:r>
+                      </a:p>
+                    </p:txBody>
+                  </p:sp>
+                </mc:Fallback>
+              </mc:AlternateContent>
+              <p:sp>
+                <p:nvSpPr>
+                  <p:cNvPr id="12" name="Right Arrow 11"/>
+                  <p:cNvSpPr/>
+                  <p:nvPr/>
+                </p:nvSpPr>
+                <p:spPr>
+                  <a:xfrm flipH="1">
+                    <a:off x="9625454" y="2274905"/>
+                    <a:ext cx="606575" cy="107622"/>
+                  </a:xfrm>
+                  <a:prstGeom prst="rightArrow">
+                    <a:avLst/>
+                  </a:prstGeom>
+                  <a:solidFill>
+                    <a:schemeClr val="tx1"/>
+                  </a:solidFill>
+                  <a:ln w="38100">
+                    <a:solidFill>
+                      <a:schemeClr val="tx1"/>
+                    </a:solidFill>
+                  </a:ln>
+                </p:spPr>
+                <p:style>
+                  <a:lnRef idx="2">
+                    <a:schemeClr val="accent1">
+                      <a:shade val="50000"/>
+                    </a:schemeClr>
+                  </a:lnRef>
+                  <a:fillRef idx="1">
+                    <a:schemeClr val="accent1"/>
+                  </a:fillRef>
+                  <a:effectRef idx="0">
+                    <a:schemeClr val="accent1"/>
+                  </a:effectRef>
+                  <a:fontRef idx="minor">
+                    <a:schemeClr val="lt1"/>
+                  </a:fontRef>
+                </p:style>
+                <p:txBody>
+                  <a:bodyPr rtlCol="0" anchor="ctr"/>
+                  <a:lstStyle/>
+                  <a:p>
+                    <a:pPr algn="ctr"/>
+                    <a:endParaRPr lang="en-US"/>
+                  </a:p>
+                </p:txBody>
+              </p:sp>
+              <mc:AlternateContent xmlns:mc="http://schemas.openxmlformats.org/markup-compatibility/2006" xmlns:a14="http://schemas.microsoft.com/office/drawing/2010/main">
+                <mc:Choice Requires="a14">
+                  <p:sp>
+                    <p:nvSpPr>
+                      <p:cNvPr id="13" name="TextBox 12"/>
+                      <p:cNvSpPr txBox="1"/>
+                      <p:nvPr/>
+                    </p:nvSpPr>
+                    <p:spPr>
+                      <a:xfrm>
+                        <a:off x="9893372" y="1940914"/>
+                        <a:ext cx="352917" cy="307777"/>
+                      </a:xfrm>
+                      <a:prstGeom prst="rect">
+                        <a:avLst/>
+                      </a:prstGeom>
+                      <a:noFill/>
+                    </p:spPr>
+                    <p:txBody>
+                      <a:bodyPr wrap="none" lIns="0" tIns="0" rIns="0" bIns="0" rtlCol="0">
+                        <a:spAutoFit/>
+                      </a:bodyPr>
+                      <a:lstStyle/>
+                      <a:p>
+                        <a:pPr/>
+                        <a14:m>
+                          <m:oMathPara xmlns:m="http://schemas.openxmlformats.org/officeDocument/2006/math">
+                            <m:oMathParaPr>
+                              <m:jc m:val="centerGroup"/>
+                            </m:oMathParaPr>
+                            <m:oMath xmlns:m="http://schemas.openxmlformats.org/officeDocument/2006/math">
+                              <m:sSub>
+                                <m:sSubPr>
+                                  <m:ctrlPr>
+                                    <a:rPr lang="en-US" sz="2000" b="0" i="1" smtClean="0">
+                                      <a:latin typeface="Cambria Math" charset="0"/>
+                                      <a:cs typeface="Arial" panose="020B0604020202020204" pitchFamily="34" charset="0"/>
+                                    </a:rPr>
+                                  </m:ctrlPr>
+                                </m:sSubPr>
+                                <m:e>
+                                  <m:acc>
+                                    <m:accPr>
+                                      <m:chr m:val="⃗"/>
+                                      <m:ctrlPr>
+                                        <a:rPr lang="en-US" sz="2000" b="0" i="1" smtClean="0">
+                                          <a:latin typeface="Cambria Math" charset="0"/>
+                                          <a:cs typeface="Arial" panose="020B0604020202020204" pitchFamily="34" charset="0"/>
+                                        </a:rPr>
+                                      </m:ctrlPr>
+                                    </m:accPr>
+                                    <m:e>
+                                      <m:r>
+                                        <a:rPr lang="en-US" sz="2000" b="0" i="1" smtClean="0">
+                                          <a:latin typeface="Cambria Math" panose="02040503050406030204" pitchFamily="18" charset="0"/>
+                                          <a:cs typeface="Arial" panose="020B0604020202020204" pitchFamily="34" charset="0"/>
+                                        </a:rPr>
+                                        <m:t>𝑎</m:t>
+                                      </m:r>
+                                    </m:e>
+                                  </m:acc>
+                                </m:e>
+                                <m:sub>
+                                  <m:r>
+                                    <a:rPr lang="en-US" sz="2000" b="0" i="1" smtClean="0">
+                                      <a:latin typeface="Cambria Math" panose="02040503050406030204" pitchFamily="18" charset="0"/>
+                                      <a:cs typeface="Arial" panose="020B0604020202020204" pitchFamily="34" charset="0"/>
+                                    </a:rPr>
+                                    <m:t>𝑅</m:t>
+                                  </m:r>
+                                </m:sub>
+                              </m:sSub>
+                            </m:oMath>
+                          </m:oMathPara>
+                        </a14:m>
+                        <a:endParaRPr lang="en-US" sz="2000" dirty="0">
+                          <a:latin typeface="Arial" panose="020B0604020202020204" pitchFamily="34" charset="0"/>
+                          <a:cs typeface="Arial" panose="020B0604020202020204" pitchFamily="34" charset="0"/>
+                        </a:endParaRPr>
+                      </a:p>
+                    </p:txBody>
+                  </p:sp>
+                </mc:Choice>
+                <mc:Fallback xmlns="">
+                  <p:sp>
+                    <p:nvSpPr>
+                      <p:cNvPr id="22" name="TextBox 21"/>
+                      <p:cNvSpPr txBox="1">
+                        <a:spLocks noRot="1" noChangeAspect="1" noMove="1" noResize="1" noEditPoints="1" noAdjustHandles="1" noChangeArrowheads="1" noChangeShapeType="1" noTextEdit="1"/>
+                      </p:cNvSpPr>
+                      <p:nvPr/>
+                    </p:nvSpPr>
+                    <p:spPr>
+                      <a:xfrm>
+                        <a:off x="9893372" y="1940914"/>
+                        <a:ext cx="352917" cy="307777"/>
+                      </a:xfrm>
+                      <a:prstGeom prst="rect">
+                        <a:avLst/>
+                      </a:prstGeom>
+                      <a:blipFill>
+                        <a:blip r:embed="rId44"/>
+                        <a:stretch>
+                          <a:fillRect l="-13793" t="-33333" r="-56897" b="-19608"/>
+                        </a:stretch>
+                      </a:blipFill>
+                    </p:spPr>
+                    <p:txBody>
+                      <a:bodyPr/>
+                      <a:lstStyle/>
+                      <a:p>
+                        <a:r>
+                          <a:rPr lang="en-US">
+                            <a:noFill/>
+                          </a:rPr>
+                          <a:t> </a:t>
+                        </a:r>
+                      </a:p>
+                    </p:txBody>
+                  </p:sp>
+                </mc:Fallback>
+              </mc:AlternateContent>
+              <p:grpSp>
+                <p:nvGrpSpPr>
+                  <p:cNvPr id="14" name="Group 13"/>
+                  <p:cNvGrpSpPr/>
+                  <p:nvPr/>
+                </p:nvGrpSpPr>
+                <p:grpSpPr>
+                  <a:xfrm rot="21415886">
+                    <a:off x="8558589" y="4017294"/>
+                    <a:ext cx="903735" cy="980812"/>
+                    <a:chOff x="-195155" y="509392"/>
+                    <a:chExt cx="2610391" cy="2950201"/>
+                  </a:xfrm>
+                </p:grpSpPr>
+                <p:grpSp>
+                  <p:nvGrpSpPr>
+                    <p:cNvPr id="15" name="Group 14"/>
+                    <p:cNvGrpSpPr/>
+                    <p:nvPr/>
+                  </p:nvGrpSpPr>
+                  <p:grpSpPr>
+                    <a:xfrm>
+                      <a:off x="-195155" y="509392"/>
+                      <a:ext cx="2610391" cy="2950201"/>
+                      <a:chOff x="-167860" y="482096"/>
+                      <a:chExt cx="2610391" cy="2950201"/>
+                    </a:xfrm>
+                  </p:grpSpPr>
+                  <p:cxnSp>
+                    <p:nvCxnSpPr>
+                      <p:cNvPr id="17" name="Straight Arrow Connector 16"/>
+                      <p:cNvCxnSpPr/>
+                      <p:nvPr/>
+                    </p:nvCxnSpPr>
+                    <p:spPr>
+                      <a:xfrm rot="184114" flipH="1" flipV="1">
+                        <a:off x="1544470" y="717758"/>
+                        <a:ext cx="17631" cy="1876197"/>
+                      </a:xfrm>
+                      <a:prstGeom prst="straightConnector1">
+                        <a:avLst/>
+                      </a:prstGeom>
+                      <a:ln w="38100">
+                        <a:solidFill>
+                          <a:schemeClr val="tx1"/>
+                        </a:solidFill>
+                        <a:tailEnd type="triangle"/>
+                      </a:ln>
+                    </p:spPr>
+                    <p:style>
+                      <a:lnRef idx="1">
+                        <a:schemeClr val="accent1"/>
+                      </a:lnRef>
+                      <a:fillRef idx="0">
+                        <a:schemeClr val="accent1"/>
+                      </a:fillRef>
+                      <a:effectRef idx="0">
+                        <a:schemeClr val="accent1"/>
+                      </a:effectRef>
+                      <a:fontRef idx="minor">
+                        <a:schemeClr val="tx1"/>
+                      </a:fontRef>
+                    </p:style>
+                  </p:cxnSp>
+                  <p:cxnSp>
+                    <p:nvCxnSpPr>
+                      <p:cNvPr id="18" name="Straight Arrow Connector 17"/>
+                      <p:cNvCxnSpPr/>
+                      <p:nvPr/>
+                    </p:nvCxnSpPr>
+                    <p:spPr>
+                      <a:xfrm rot="184114" flipH="1">
+                        <a:off x="-167860" y="2488544"/>
+                        <a:ext cx="1675960" cy="4479"/>
+                      </a:xfrm>
+                      <a:prstGeom prst="straightConnector1">
+                        <a:avLst/>
+                      </a:prstGeom>
+                      <a:ln w="38100">
+                        <a:solidFill>
+                          <a:schemeClr val="tx1"/>
+                        </a:solidFill>
+                        <a:tailEnd type="triangle"/>
+                      </a:ln>
+                    </p:spPr>
+                    <p:style>
+                      <a:lnRef idx="1">
+                        <a:schemeClr val="accent1"/>
+                      </a:lnRef>
+                      <a:fillRef idx="0">
+                        <a:schemeClr val="accent1"/>
+                      </a:fillRef>
+                      <a:effectRef idx="0">
+                        <a:schemeClr val="accent1"/>
+                      </a:effectRef>
+                      <a:fontRef idx="minor">
+                        <a:schemeClr val="tx1"/>
+                      </a:fontRef>
+                    </p:style>
+                  </p:cxnSp>
+                  <mc:AlternateContent xmlns:mc="http://schemas.openxmlformats.org/markup-compatibility/2006" xmlns:a14="http://schemas.microsoft.com/office/drawing/2010/main">
+                    <mc:Choice Requires="a14">
+                      <p:sp>
+                        <p:nvSpPr>
+                          <p:cNvPr id="19" name="Rectangle 18"/>
+                          <p:cNvSpPr/>
+                          <p:nvPr/>
+                        </p:nvSpPr>
+                        <p:spPr>
+                          <a:xfrm>
+                            <a:off x="-159544" y="2321377"/>
+                            <a:ext cx="1010837" cy="1110920"/>
+                          </a:xfrm>
+                          <a:prstGeom prst="rect">
+                            <a:avLst/>
+                          </a:prstGeom>
+                        </p:spPr>
+                        <p:txBody>
+                          <a:bodyPr wrap="square">
+                            <a:spAutoFit/>
+                          </a:bodyPr>
+                          <a:lstStyle/>
+                          <a:p>
+                            <a:pPr/>
+                            <a14:m>
+                              <m:oMathPara xmlns:m="http://schemas.openxmlformats.org/officeDocument/2006/math">
+                                <m:oMathParaPr>
+                                  <m:jc m:val="centerGroup"/>
+                                </m:oMathParaPr>
+                                <m:oMath xmlns:m="http://schemas.openxmlformats.org/officeDocument/2006/math">
+                                  <m:r>
+                                    <a:rPr lang="en-US" i="1">
+                                      <a:latin typeface="Cambria Math" panose="02040503050406030204" pitchFamily="18" charset="0"/>
+                                      <a:cs typeface="Arial" panose="020B0604020202020204" pitchFamily="34" charset="0"/>
+                                    </a:rPr>
+                                    <m:t>𝑥</m:t>
+                                  </m:r>
+                                </m:oMath>
+                              </m:oMathPara>
+                            </a14:m>
+                            <a:endParaRPr lang="en-CA" dirty="0"/>
+                          </a:p>
+                        </p:txBody>
+                      </p:sp>
+                    </mc:Choice>
+                    <mc:Fallback xmlns="">
+                      <p:sp>
+                        <p:nvSpPr>
+                          <p:cNvPr id="28" name="Rectangle 27"/>
+                          <p:cNvSpPr>
+                            <a:spLocks noRot="1" noChangeAspect="1" noMove="1" noResize="1" noEditPoints="1" noAdjustHandles="1" noChangeArrowheads="1" noChangeShapeType="1" noTextEdit="1"/>
+                          </p:cNvSpPr>
+                          <p:nvPr/>
+                        </p:nvSpPr>
+                        <p:spPr>
+                          <a:xfrm>
+                            <a:off x="-159544" y="2321377"/>
+                            <a:ext cx="1010837" cy="1110920"/>
+                          </a:xfrm>
+                          <a:prstGeom prst="rect">
+                            <a:avLst/>
+                          </a:prstGeom>
+                          <a:blipFill>
+                            <a:blip r:embed="rId45"/>
+                            <a:stretch>
+                              <a:fillRect/>
+                            </a:stretch>
+                          </a:blipFill>
+                        </p:spPr>
+                        <p:txBody>
+                          <a:bodyPr/>
+                          <a:lstStyle/>
+                          <a:p>
+                            <a:r>
+                              <a:rPr lang="en-US">
+                                <a:noFill/>
+                              </a:rPr>
+                              <a:t> </a:t>
+                            </a:r>
+                          </a:p>
+                        </p:txBody>
+                      </p:sp>
+                    </mc:Fallback>
+                  </mc:AlternateContent>
+                  <mc:AlternateContent xmlns:mc="http://schemas.openxmlformats.org/markup-compatibility/2006" xmlns:a14="http://schemas.microsoft.com/office/drawing/2010/main">
+                    <mc:Choice Requires="a14">
+                      <p:sp>
+                        <p:nvSpPr>
+                          <p:cNvPr id="20" name="Rectangle 19"/>
+                          <p:cNvSpPr/>
+                          <p:nvPr/>
+                        </p:nvSpPr>
+                        <p:spPr>
+                          <a:xfrm>
+                            <a:off x="1671664" y="482096"/>
+                            <a:ext cx="658647" cy="1110920"/>
+                          </a:xfrm>
+                          <a:prstGeom prst="rect">
+                            <a:avLst/>
+                          </a:prstGeom>
+                        </p:spPr>
+                        <p:txBody>
+                          <a:bodyPr wrap="square">
+                            <a:spAutoFit/>
+                          </a:bodyPr>
+                          <a:lstStyle/>
+                          <a:p>
+                            <a:pPr/>
+                            <a14:m>
+                              <m:oMathPara xmlns:m="http://schemas.openxmlformats.org/officeDocument/2006/math">
+                                <m:oMathParaPr>
+                                  <m:jc m:val="centerGroup"/>
+                                </m:oMathParaPr>
+                                <m:oMath xmlns:m="http://schemas.openxmlformats.org/officeDocument/2006/math">
+                                  <m:r>
+                                    <a:rPr lang="en-US" b="0" i="1" smtClean="0">
+                                      <a:latin typeface="Cambria Math" panose="02040503050406030204" pitchFamily="18" charset="0"/>
+                                    </a:rPr>
+                                    <m:t>𝑦</m:t>
+                                  </m:r>
+                                </m:oMath>
+                              </m:oMathPara>
+                            </a14:m>
+                            <a:endParaRPr lang="en-CA" dirty="0"/>
+                          </a:p>
+                        </p:txBody>
+                      </p:sp>
+                    </mc:Choice>
+                    <mc:Fallback xmlns="">
+                      <p:sp>
+                        <p:nvSpPr>
+                          <p:cNvPr id="29" name="Rectangle 28"/>
+                          <p:cNvSpPr>
+                            <a:spLocks noRot="1" noChangeAspect="1" noMove="1" noResize="1" noEditPoints="1" noAdjustHandles="1" noChangeArrowheads="1" noChangeShapeType="1" noTextEdit="1"/>
+                          </p:cNvSpPr>
+                          <p:nvPr/>
+                        </p:nvSpPr>
+                        <p:spPr>
+                          <a:xfrm>
+                            <a:off x="1671664" y="482096"/>
+                            <a:ext cx="658647" cy="1110920"/>
+                          </a:xfrm>
+                          <a:prstGeom prst="rect">
+                            <a:avLst/>
+                          </a:prstGeom>
+                          <a:blipFill>
+                            <a:blip r:embed="rId46"/>
+                            <a:stretch>
+                              <a:fillRect r="-29268" b="-4762"/>
+                            </a:stretch>
+                          </a:blipFill>
+                        </p:spPr>
+                        <p:txBody>
+                          <a:bodyPr/>
+                          <a:lstStyle/>
+                          <a:p>
+                            <a:r>
+                              <a:rPr lang="en-US">
+                                <a:noFill/>
+                              </a:rPr>
+                              <a:t> </a:t>
+                            </a:r>
+                          </a:p>
+                        </p:txBody>
+                      </p:sp>
+                    </mc:Fallback>
+                  </mc:AlternateContent>
+                  <mc:AlternateContent xmlns:mc="http://schemas.openxmlformats.org/markup-compatibility/2006" xmlns:a14="http://schemas.microsoft.com/office/drawing/2010/main">
+                    <mc:Choice Requires="a14">
+                      <p:sp>
+                        <p:nvSpPr>
+                          <p:cNvPr id="21" name="Rectangle 20"/>
+                          <p:cNvSpPr/>
+                          <p:nvPr/>
+                        </p:nvSpPr>
+                        <p:spPr>
+                          <a:xfrm>
+                            <a:off x="1325751" y="2271021"/>
+                            <a:ext cx="1116780" cy="1110919"/>
+                          </a:xfrm>
+                          <a:prstGeom prst="rect">
+                            <a:avLst/>
+                          </a:prstGeom>
+                        </p:spPr>
+                        <p:txBody>
+                          <a:bodyPr wrap="square">
+                            <a:spAutoFit/>
+                          </a:bodyPr>
+                          <a:lstStyle/>
+                          <a:p>
+                            <a:pPr/>
+                            <a14:m>
+                              <m:oMathPara xmlns:m="http://schemas.openxmlformats.org/officeDocument/2006/math">
+                                <m:oMathParaPr>
+                                  <m:jc m:val="centerGroup"/>
+                                </m:oMathParaPr>
+                                <m:oMath xmlns:m="http://schemas.openxmlformats.org/officeDocument/2006/math">
+                                  <m:r>
+                                    <a:rPr lang="en-US" b="0" i="1" smtClean="0">
+                                      <a:latin typeface="Cambria Math" panose="02040503050406030204" pitchFamily="18" charset="0"/>
+                                      <a:cs typeface="Arial" panose="020B0604020202020204" pitchFamily="34" charset="0"/>
+                                    </a:rPr>
+                                    <m:t>0</m:t>
+                                  </m:r>
+                                </m:oMath>
+                              </m:oMathPara>
+                            </a14:m>
+                            <a:endParaRPr lang="en-CA" dirty="0"/>
+                          </a:p>
+                        </p:txBody>
+                      </p:sp>
+                    </mc:Choice>
+                    <mc:Fallback xmlns="">
+                      <p:sp>
+                        <p:nvSpPr>
+                          <p:cNvPr id="30" name="Rectangle 29"/>
+                          <p:cNvSpPr>
+                            <a:spLocks noRot="1" noChangeAspect="1" noMove="1" noResize="1" noEditPoints="1" noAdjustHandles="1" noChangeArrowheads="1" noChangeShapeType="1" noTextEdit="1"/>
+                          </p:cNvSpPr>
+                          <p:nvPr/>
+                        </p:nvSpPr>
+                        <p:spPr>
+                          <a:xfrm>
+                            <a:off x="1325751" y="2271021"/>
+                            <a:ext cx="1116780" cy="1110919"/>
+                          </a:xfrm>
+                          <a:prstGeom prst="rect">
+                            <a:avLst/>
+                          </a:prstGeom>
+                          <a:blipFill>
+                            <a:blip r:embed="rId47"/>
+                            <a:stretch>
+                              <a:fillRect/>
+                            </a:stretch>
+                          </a:blipFill>
+                        </p:spPr>
+                        <p:txBody>
+                          <a:bodyPr/>
+                          <a:lstStyle/>
+                          <a:p>
+                            <a:r>
+                              <a:rPr lang="en-US">
+                                <a:noFill/>
+                              </a:rPr>
+                              <a:t> </a:t>
+                            </a:r>
+                          </a:p>
+                        </p:txBody>
+                      </p:sp>
+                    </mc:Fallback>
+                  </mc:AlternateContent>
+                </p:grpSp>
+                <p:sp>
+                  <p:nvSpPr>
+                    <p:cNvPr id="16" name="Rectangle 15"/>
+                    <p:cNvSpPr/>
+                    <p:nvPr/>
+                  </p:nvSpPr>
+                  <p:spPr>
+                    <a:xfrm>
+                      <a:off x="1129904" y="1614682"/>
+                      <a:ext cx="184731" cy="369332"/>
+                    </a:xfrm>
+                    <a:prstGeom prst="rect">
+                      <a:avLst/>
+                    </a:prstGeom>
+                  </p:spPr>
+                  <p:txBody>
+                    <a:bodyPr wrap="none">
+                      <a:spAutoFit/>
+                    </a:bodyPr>
+                    <a:lstStyle/>
+                    <a:p>
+                      <a:endParaRPr lang="en-CA" dirty="0"/>
+                    </a:p>
+                  </p:txBody>
+                </p:sp>
+              </p:grpSp>
+            </p:grpSp>
+            <mc:AlternateContent xmlns:mc="http://schemas.openxmlformats.org/markup-compatibility/2006">
+              <mc:Choice xmlns:a14="http://schemas.microsoft.com/office/drawing/2010/main" Requires="a14">
+                <p:sp>
+                  <p:nvSpPr>
+                    <p:cNvPr id="4" name="TextBox 3"/>
+                    <p:cNvSpPr txBox="1"/>
+                    <p:nvPr/>
+                  </p:nvSpPr>
+                  <p:spPr>
+                    <a:xfrm>
+                      <a:off x="9575391" y="4167794"/>
+                      <a:ext cx="942694" cy="307777"/>
+                    </a:xfrm>
+                    <a:prstGeom prst="rect">
+                      <a:avLst/>
+                    </a:prstGeom>
+                    <a:noFill/>
+                  </p:spPr>
+                  <p:txBody>
+                    <a:bodyPr wrap="none" lIns="0" tIns="0" rIns="0" bIns="0" rtlCol="0">
+                      <a:spAutoFit/>
+                    </a:bodyPr>
+                    <a:lstStyle/>
+                    <a:p>
+                      <a:pPr/>
+                      <a14:m>
+                        <m:oMathPara xmlns:m="http://schemas.openxmlformats.org/officeDocument/2006/math">
+                          <m:oMathParaPr>
+                            <m:jc m:val="centerGroup"/>
+                          </m:oMathParaPr>
+                          <m:oMath xmlns:m="http://schemas.openxmlformats.org/officeDocument/2006/math">
+                            <m:r>
+                              <a:rPr lang="en-CA" sz="2000" b="0" i="1" smtClean="0">
+                                <a:latin typeface="Cambria Math" charset="0"/>
+                                <a:cs typeface="Arial" panose="020B0604020202020204" pitchFamily="34" charset="0"/>
+                              </a:rPr>
+                              <m:t>𝐺𝑟𝑜𝑢𝑛𝑑</m:t>
+                            </m:r>
+                          </m:oMath>
+                        </m:oMathPara>
+                      </a14:m>
+                      <a:endParaRPr lang="en-US" sz="2000" dirty="0" smtClean="0">
+                        <a:latin typeface="Arial" panose="020B0604020202020204" pitchFamily="34" charset="0"/>
+                        <a:cs typeface="Arial" panose="020B0604020202020204" pitchFamily="34" charset="0"/>
+                      </a:endParaRPr>
+                    </a:p>
+                  </p:txBody>
+                </p:sp>
+              </mc:Choice>
+              <mc:Fallback>
+                <p:sp>
+                  <p:nvSpPr>
+                    <p:cNvPr id="4" name="TextBox 3"/>
+                    <p:cNvSpPr txBox="1">
+                      <a:spLocks noRot="1" noChangeAspect="1" noMove="1" noResize="1" noEditPoints="1" noAdjustHandles="1" noChangeArrowheads="1" noChangeShapeType="1" noTextEdit="1"/>
+                    </p:cNvSpPr>
+                    <p:nvPr/>
+                  </p:nvSpPr>
+                  <p:spPr>
+                    <a:xfrm>
+                      <a:off x="9575391" y="4167794"/>
+                      <a:ext cx="942694" cy="307777"/>
+                    </a:xfrm>
+                    <a:prstGeom prst="rect">
+                      <a:avLst/>
+                    </a:prstGeom>
+                    <a:blipFill rotWithShape="0">
+                      <a:blip r:embed="rId48"/>
+                      <a:stretch>
+                        <a:fillRect l="-6494" r="-4545" b="-13725"/>
+                      </a:stretch>
+                    </a:blipFill>
+                  </p:spPr>
+                  <p:txBody>
+                    <a:bodyPr/>
+                    <a:lstStyle/>
+                    <a:p>
+                      <a:r>
+                        <a:rPr lang="en-US">
+                          <a:noFill/>
+                        </a:rPr>
+                        <a:t> </a:t>
+                      </a:r>
+                    </a:p>
+                  </p:txBody>
+                </p:sp>
+              </mc:Fallback>
+            </mc:AlternateContent>
+          </p:grpSp>
+          <p:grpSp>
+            <p:nvGrpSpPr>
+              <p:cNvPr id="44" name="Group 43"/>
+              <p:cNvGrpSpPr/>
+              <p:nvPr/>
+            </p:nvGrpSpPr>
+            <p:grpSpPr>
+              <a:xfrm>
+                <a:off x="5815016" y="2859854"/>
+                <a:ext cx="1914026" cy="2289936"/>
+                <a:chOff x="6270408" y="2859854"/>
+                <a:chExt cx="1914026" cy="2289936"/>
+              </a:xfrm>
+            </p:grpSpPr>
+            <p:grpSp>
+              <p:nvGrpSpPr>
+                <p:cNvPr id="22" name="Group 21"/>
+                <p:cNvGrpSpPr/>
+                <p:nvPr/>
+              </p:nvGrpSpPr>
+              <p:grpSpPr>
+                <a:xfrm>
+                  <a:off x="6270408" y="2859854"/>
+                  <a:ext cx="1442221" cy="2289936"/>
+                  <a:chOff x="8963181" y="2185636"/>
+                  <a:chExt cx="1442221" cy="2289936"/>
+                </a:xfrm>
+              </p:grpSpPr>
+              <p:grpSp>
+                <p:nvGrpSpPr>
+                  <p:cNvPr id="23" name="Group 22"/>
+                  <p:cNvGrpSpPr/>
+                  <p:nvPr/>
+                </p:nvGrpSpPr>
+                <p:grpSpPr>
+                  <a:xfrm>
+                    <a:off x="8963181" y="2185636"/>
+                    <a:ext cx="1442221" cy="1960441"/>
+                    <a:chOff x="9013981" y="2545106"/>
+                    <a:chExt cx="1442221" cy="1960441"/>
+                  </a:xfrm>
+                </p:grpSpPr>
+                <p:sp>
+                  <p:nvSpPr>
+                    <p:cNvPr id="25" name="Oval 24"/>
+                    <p:cNvSpPr/>
+                    <p:nvPr/>
+                  </p:nvSpPr>
+                  <p:spPr>
+                    <a:xfrm>
+                      <a:off x="9986883" y="3321986"/>
+                      <a:ext cx="120943" cy="119766"/>
+                    </a:xfrm>
+                    <a:prstGeom prst="ellipse">
+                      <a:avLst/>
+                    </a:prstGeom>
+                    <a:solidFill>
+                      <a:schemeClr val="tx1"/>
+                    </a:solidFill>
+                    <a:ln w="38100">
+                      <a:solidFill>
+                        <a:schemeClr val="tx1"/>
+                      </a:solidFill>
+                    </a:ln>
+                  </p:spPr>
+                  <p:style>
+                    <a:lnRef idx="2">
+                      <a:schemeClr val="accent1">
+                        <a:shade val="50000"/>
+                      </a:schemeClr>
+                    </a:lnRef>
+                    <a:fillRef idx="1">
+                      <a:schemeClr val="accent1"/>
+                    </a:fillRef>
+                    <a:effectRef idx="0">
+                      <a:schemeClr val="accent1"/>
+                    </a:effectRef>
+                    <a:fontRef idx="minor">
+                      <a:schemeClr val="lt1"/>
+                    </a:fontRef>
+                  </p:style>
+                  <p:txBody>
+                    <a:bodyPr rtlCol="0" anchor="ctr"/>
+                    <a:lstStyle/>
+                    <a:p>
+                      <a:pPr algn="ctr"/>
+                      <a:endParaRPr lang="en-US"/>
+                    </a:p>
+                  </p:txBody>
+                </p:sp>
+                <p:cxnSp>
+                  <p:nvCxnSpPr>
+                    <p:cNvPr id="26" name="Straight Arrow Connector 25"/>
+                    <p:cNvCxnSpPr/>
+                    <p:nvPr/>
+                  </p:nvCxnSpPr>
+                  <p:spPr>
+                    <a:xfrm flipH="1">
+                      <a:off x="9412116" y="3371687"/>
+                      <a:ext cx="575410" cy="5625"/>
+                    </a:xfrm>
+                    <a:prstGeom prst="straightConnector1">
+                      <a:avLst/>
+                    </a:prstGeom>
+                    <a:ln w="38100">
+                      <a:solidFill>
+                        <a:schemeClr val="tx1"/>
+                      </a:solidFill>
+                      <a:tailEnd type="triangle"/>
+                    </a:ln>
+                  </p:spPr>
+                  <p:style>
+                    <a:lnRef idx="1">
+                      <a:schemeClr val="accent1"/>
+                    </a:lnRef>
+                    <a:fillRef idx="0">
+                      <a:schemeClr val="accent1"/>
+                    </a:fillRef>
+                    <a:effectRef idx="0">
+                      <a:schemeClr val="accent1"/>
+                    </a:effectRef>
+                    <a:fontRef idx="minor">
+                      <a:schemeClr val="tx1"/>
+                    </a:fontRef>
+                  </p:style>
+                </p:cxnSp>
+                <p:cxnSp>
+                  <p:nvCxnSpPr>
+                    <p:cNvPr id="27" name="Straight Arrow Connector 26"/>
+                    <p:cNvCxnSpPr/>
+                    <p:nvPr/>
+                  </p:nvCxnSpPr>
+                  <p:spPr>
+                    <a:xfrm flipH="1">
+                      <a:off x="10040393" y="3435406"/>
+                      <a:ext cx="7135" cy="796601"/>
+                    </a:xfrm>
+                    <a:prstGeom prst="straightConnector1">
+                      <a:avLst/>
+                    </a:prstGeom>
+                    <a:ln w="38100">
+                      <a:solidFill>
+                        <a:schemeClr val="tx1"/>
+                      </a:solidFill>
+                      <a:tailEnd type="triangle"/>
+                    </a:ln>
+                  </p:spPr>
+                  <p:style>
+                    <a:lnRef idx="1">
+                      <a:schemeClr val="accent1"/>
+                    </a:lnRef>
+                    <a:fillRef idx="0">
+                      <a:schemeClr val="accent1"/>
+                    </a:fillRef>
+                    <a:effectRef idx="0">
+                      <a:schemeClr val="accent1"/>
+                    </a:effectRef>
+                    <a:fontRef idx="minor">
+                      <a:schemeClr val="tx1"/>
+                    </a:fontRef>
+                  </p:style>
+                </p:cxnSp>
+                <p:cxnSp>
+                  <p:nvCxnSpPr>
+                    <p:cNvPr id="28" name="Straight Arrow Connector 27"/>
+                    <p:cNvCxnSpPr/>
+                    <p:nvPr/>
+                  </p:nvCxnSpPr>
+                  <p:spPr>
+                    <a:xfrm flipH="1" flipV="1">
+                      <a:off x="10046515" y="2545106"/>
+                      <a:ext cx="3748" cy="769741"/>
+                    </a:xfrm>
+                    <a:prstGeom prst="straightConnector1">
+                      <a:avLst/>
+                    </a:prstGeom>
+                    <a:ln w="38100">
+                      <a:solidFill>
+                        <a:schemeClr val="tx1"/>
+                      </a:solidFill>
+                      <a:tailEnd type="triangle"/>
+                    </a:ln>
+                  </p:spPr>
+                  <p:style>
+                    <a:lnRef idx="1">
+                      <a:schemeClr val="accent1"/>
+                    </a:lnRef>
+                    <a:fillRef idx="0">
+                      <a:schemeClr val="accent1"/>
+                    </a:fillRef>
+                    <a:effectRef idx="0">
+                      <a:schemeClr val="accent1"/>
+                    </a:effectRef>
+                    <a:fontRef idx="minor">
+                      <a:schemeClr val="tx1"/>
+                    </a:fontRef>
+                  </p:style>
+                </p:cxnSp>
+                <mc:AlternateContent xmlns:mc="http://schemas.openxmlformats.org/markup-compatibility/2006" xmlns:a14="http://schemas.microsoft.com/office/drawing/2010/main">
+                  <mc:Choice Requires="a14">
+                    <p:sp>
+                      <p:nvSpPr>
+                        <p:cNvPr id="29" name="TextBox 28"/>
+                        <p:cNvSpPr txBox="1"/>
+                        <p:nvPr/>
+                      </p:nvSpPr>
+                      <p:spPr>
+                        <a:xfrm>
+                          <a:off x="9412116" y="2828865"/>
+                          <a:ext cx="267381" cy="354071"/>
+                        </a:xfrm>
+                        <a:prstGeom prst="rect">
+                          <a:avLst/>
+                        </a:prstGeom>
+                        <a:noFill/>
+                      </p:spPr>
+                      <p:txBody>
+                        <a:bodyPr wrap="none" lIns="0" tIns="0" rIns="0" bIns="0" rtlCol="0">
+                          <a:spAutoFit/>
+                        </a:bodyPr>
+                        <a:lstStyle/>
+                        <a:p>
+                          <a:pPr/>
+                          <a14:m>
+                            <m:oMathPara xmlns:m="http://schemas.openxmlformats.org/officeDocument/2006/math">
+                              <m:oMathParaPr>
+                                <m:jc m:val="centerGroup"/>
+                              </m:oMathParaPr>
+                              <m:oMath xmlns:m="http://schemas.openxmlformats.org/officeDocument/2006/math">
+                                <m:sSub>
+                                  <m:sSubPr>
+                                    <m:ctrlPr>
+                                      <a:rPr lang="en-US" sz="2000" b="0" i="1" smtClean="0">
+                                        <a:latin typeface="Cambria Math" charset="0"/>
+                                        <a:cs typeface="Arial" panose="020B0604020202020204" pitchFamily="34" charset="0"/>
+                                      </a:rPr>
+                                    </m:ctrlPr>
+                                  </m:sSubPr>
+                                  <m:e>
+                                    <m:acc>
+                                      <m:accPr>
+                                        <m:chr m:val="⃗"/>
+                                        <m:ctrlPr>
+                                          <a:rPr lang="en-US" sz="2000" b="0" i="1" smtClean="0">
+                                            <a:latin typeface="Cambria Math" charset="0"/>
+                                            <a:cs typeface="Arial" panose="020B0604020202020204" pitchFamily="34" charset="0"/>
+                                          </a:rPr>
+                                        </m:ctrlPr>
+                                      </m:accPr>
+                                      <m:e>
+                                        <m:r>
+                                          <a:rPr lang="en-US" sz="2000" b="0" i="1" smtClean="0">
+                                            <a:latin typeface="Cambria Math" panose="02040503050406030204" pitchFamily="18" charset="0"/>
+                                            <a:cs typeface="Arial" panose="020B0604020202020204" pitchFamily="34" charset="0"/>
+                                          </a:rPr>
+                                          <m:t>𝑓</m:t>
+                                        </m:r>
+                                      </m:e>
+                                    </m:acc>
+                                  </m:e>
+                                  <m:sub>
+                                    <m:r>
+                                      <a:rPr lang="en-US" sz="2000" b="0" i="1" smtClean="0">
+                                        <a:latin typeface="Cambria Math" panose="02040503050406030204" pitchFamily="18" charset="0"/>
+                                        <a:cs typeface="Arial" panose="020B0604020202020204" pitchFamily="34" charset="0"/>
+                                      </a:rPr>
+                                      <m:t>𝑠</m:t>
+                                    </m:r>
+                                  </m:sub>
+                                </m:sSub>
+                              </m:oMath>
+                            </m:oMathPara>
+                          </a14:m>
+                          <a:endParaRPr lang="en-US" sz="2000" dirty="0">
+                            <a:latin typeface="Arial" panose="020B0604020202020204" pitchFamily="34" charset="0"/>
+                            <a:cs typeface="Arial" panose="020B0604020202020204" pitchFamily="34" charset="0"/>
+                          </a:endParaRPr>
+                        </a:p>
+                      </p:txBody>
+                    </p:sp>
+                  </mc:Choice>
+                  <mc:Fallback xmlns="">
+                    <p:sp>
+                      <p:nvSpPr>
+                        <p:cNvPr id="30" name="TextBox 29"/>
+                        <p:cNvSpPr txBox="1">
+                          <a:spLocks noRot="1" noChangeAspect="1" noMove="1" noResize="1" noEditPoints="1" noAdjustHandles="1" noChangeArrowheads="1" noChangeShapeType="1" noTextEdit="1"/>
+                        </p:cNvSpPr>
+                        <p:nvPr/>
+                      </p:nvSpPr>
+                      <p:spPr>
+                        <a:xfrm>
+                          <a:off x="9412116" y="2828865"/>
+                          <a:ext cx="267381" cy="354071"/>
+                        </a:xfrm>
+                        <a:prstGeom prst="rect">
+                          <a:avLst/>
+                        </a:prstGeom>
+                        <a:blipFill>
+                          <a:blip r:embed="rId2"/>
+                          <a:stretch>
+                            <a:fillRect l="-32558" t="-32759" r="-86047" b="-32759"/>
+                          </a:stretch>
+                        </a:blipFill>
+                      </p:spPr>
+                      <p:txBody>
+                        <a:bodyPr/>
+                        <a:lstStyle/>
+                        <a:p>
+                          <a:r>
+                            <a:rPr lang="en-US">
+                              <a:noFill/>
+                            </a:rPr>
+                            <a:t> </a:t>
+                          </a:r>
+                        </a:p>
+                      </p:txBody>
+                    </p:sp>
+                  </mc:Fallback>
+                </mc:AlternateContent>
+                <mc:AlternateContent xmlns:mc="http://schemas.openxmlformats.org/markup-compatibility/2006" xmlns:a14="http://schemas.microsoft.com/office/drawing/2010/main">
+                  <mc:Choice Requires="a14">
+                    <p:sp>
+                      <p:nvSpPr>
+                        <p:cNvPr id="30" name="TextBox 29"/>
+                        <p:cNvSpPr txBox="1"/>
+                        <p:nvPr/>
+                      </p:nvSpPr>
+                      <p:spPr>
+                        <a:xfrm>
+                          <a:off x="10191835" y="2656285"/>
+                          <a:ext cx="264367" cy="345159"/>
+                        </a:xfrm>
+                        <a:prstGeom prst="rect">
+                          <a:avLst/>
+                        </a:prstGeom>
+                        <a:noFill/>
+                      </p:spPr>
+                      <p:txBody>
+                        <a:bodyPr wrap="none" lIns="0" tIns="0" rIns="0" bIns="0" rtlCol="0">
+                          <a:spAutoFit/>
+                        </a:bodyPr>
+                        <a:lstStyle/>
+                        <a:p>
+                          <a:pPr/>
+                          <a14:m>
+                            <m:oMathPara xmlns:m="http://schemas.openxmlformats.org/officeDocument/2006/math">
+                              <m:oMathParaPr>
+                                <m:jc m:val="centerGroup"/>
+                              </m:oMathParaPr>
+                              <m:oMath xmlns:m="http://schemas.openxmlformats.org/officeDocument/2006/math">
+                                <m:acc>
+                                  <m:accPr>
+                                    <m:chr m:val="⃗"/>
+                                    <m:ctrlPr>
+                                      <a:rPr lang="en-US" sz="2000" b="0" i="1" smtClean="0">
+                                        <a:latin typeface="Cambria Math" charset="0"/>
+                                        <a:cs typeface="Arial" panose="020B0604020202020204" pitchFamily="34" charset="0"/>
+                                      </a:rPr>
+                                    </m:ctrlPr>
+                                  </m:accPr>
+                                  <m:e>
+                                    <m:r>
+                                      <a:rPr lang="en-US" sz="2000" b="0" i="1" smtClean="0">
+                                        <a:latin typeface="Cambria Math" panose="02040503050406030204" pitchFamily="18" charset="0"/>
+                                        <a:cs typeface="Arial" panose="020B0604020202020204" pitchFamily="34" charset="0"/>
+                                      </a:rPr>
+                                      <m:t>𝑁</m:t>
+                                    </m:r>
+                                  </m:e>
+                                </m:acc>
+                              </m:oMath>
+                            </m:oMathPara>
+                          </a14:m>
+                          <a:endParaRPr lang="en-US" sz="2000" dirty="0">
+                            <a:latin typeface="Arial" panose="020B0604020202020204" pitchFamily="34" charset="0"/>
+                            <a:cs typeface="Arial" panose="020B0604020202020204" pitchFamily="34" charset="0"/>
+                          </a:endParaRPr>
+                        </a:p>
+                      </p:txBody>
+                    </p:sp>
+                  </mc:Choice>
+                  <mc:Fallback xmlns="">
+                    <p:sp>
+                      <p:nvSpPr>
+                        <p:cNvPr id="18" name="TextBox 17"/>
+                        <p:cNvSpPr txBox="1">
+                          <a:spLocks noRot="1" noChangeAspect="1" noMove="1" noResize="1" noEditPoints="1" noAdjustHandles="1" noChangeArrowheads="1" noChangeShapeType="1" noTextEdit="1"/>
+                        </p:cNvSpPr>
+                        <p:nvPr/>
+                      </p:nvSpPr>
+                      <p:spPr>
+                        <a:xfrm>
+                          <a:off x="10191835" y="2656285"/>
+                          <a:ext cx="264367" cy="345159"/>
+                        </a:xfrm>
+                        <a:prstGeom prst="rect">
+                          <a:avLst/>
+                        </a:prstGeom>
+                        <a:blipFill>
+                          <a:blip r:embed="rId3"/>
+                          <a:stretch>
+                            <a:fillRect l="-20930" r="-18605" b="-8772"/>
+                          </a:stretch>
+                        </a:blipFill>
+                      </p:spPr>
+                      <p:txBody>
+                        <a:bodyPr/>
+                        <a:lstStyle/>
+                        <a:p>
+                          <a:r>
+                            <a:rPr lang="en-US">
+                              <a:noFill/>
+                            </a:rPr>
+                            <a:t> </a:t>
+                          </a:r>
+                        </a:p>
+                      </p:txBody>
+                    </p:sp>
+                  </mc:Fallback>
+                </mc:AlternateContent>
+                <mc:AlternateContent xmlns:mc="http://schemas.openxmlformats.org/markup-compatibility/2006" xmlns:a14="http://schemas.microsoft.com/office/drawing/2010/main">
+                  <mc:Choice Requires="a14">
+                    <p:sp>
+                      <p:nvSpPr>
+                        <p:cNvPr id="31" name="TextBox 30"/>
+                        <p:cNvSpPr txBox="1"/>
+                        <p:nvPr/>
+                      </p:nvSpPr>
+                      <p:spPr>
+                        <a:xfrm>
+                          <a:off x="9619569" y="3883778"/>
+                          <a:ext cx="303866" cy="377219"/>
+                        </a:xfrm>
+                        <a:prstGeom prst="rect">
+                          <a:avLst/>
+                        </a:prstGeom>
+                        <a:noFill/>
+                      </p:spPr>
+                      <p:txBody>
+                        <a:bodyPr wrap="none" lIns="0" tIns="0" rIns="0" bIns="0" rtlCol="0">
+                          <a:spAutoFit/>
+                        </a:bodyPr>
+                        <a:lstStyle/>
+                        <a:p>
+                          <a:pPr/>
+                          <a14:m>
+                            <m:oMathPara xmlns:m="http://schemas.openxmlformats.org/officeDocument/2006/math">
+                              <m:oMathParaPr>
+                                <m:jc m:val="centerGroup"/>
+                              </m:oMathParaPr>
+                              <m:oMath xmlns:m="http://schemas.openxmlformats.org/officeDocument/2006/math">
+                                <m:sSub>
+                                  <m:sSubPr>
+                                    <m:ctrlPr>
+                                      <a:rPr lang="en-US" sz="2000" b="0" i="1" smtClean="0">
+                                        <a:latin typeface="Cambria Math" charset="0"/>
+                                        <a:cs typeface="Arial" panose="020B0604020202020204" pitchFamily="34" charset="0"/>
+                                      </a:rPr>
+                                    </m:ctrlPr>
+                                  </m:sSubPr>
+                                  <m:e>
+                                    <m:acc>
+                                      <m:accPr>
+                                        <m:chr m:val="⃗"/>
+                                        <m:ctrlPr>
+                                          <a:rPr lang="en-US" sz="2000" b="0" i="1" smtClean="0">
+                                            <a:latin typeface="Cambria Math" charset="0"/>
+                                            <a:cs typeface="Arial" panose="020B0604020202020204" pitchFamily="34" charset="0"/>
+                                          </a:rPr>
+                                        </m:ctrlPr>
+                                      </m:accPr>
+                                      <m:e>
+                                        <m:r>
+                                          <a:rPr lang="en-US" sz="2000" b="0" i="1" smtClean="0">
+                                            <a:latin typeface="Cambria Math" panose="02040503050406030204" pitchFamily="18" charset="0"/>
+                                            <a:cs typeface="Arial" panose="020B0604020202020204" pitchFamily="34" charset="0"/>
+                                          </a:rPr>
+                                          <m:t>𝐹</m:t>
+                                        </m:r>
+                                      </m:e>
+                                    </m:acc>
+                                  </m:e>
+                                  <m:sub>
+                                    <m:r>
+                                      <a:rPr lang="en-US" sz="2000" b="0" i="1" smtClean="0">
+                                        <a:latin typeface="Cambria Math" panose="02040503050406030204" pitchFamily="18" charset="0"/>
+                                        <a:cs typeface="Arial" panose="020B0604020202020204" pitchFamily="34" charset="0"/>
+                                      </a:rPr>
+                                      <m:t>𝑔</m:t>
+                                    </m:r>
+                                  </m:sub>
+                                </m:sSub>
+                              </m:oMath>
+                            </m:oMathPara>
+                          </a14:m>
+                          <a:endParaRPr lang="en-US" sz="2000" dirty="0">
+                            <a:latin typeface="Arial" panose="020B0604020202020204" pitchFamily="34" charset="0"/>
+                            <a:cs typeface="Arial" panose="020B0604020202020204" pitchFamily="34" charset="0"/>
+                          </a:endParaRPr>
+                        </a:p>
+                      </p:txBody>
+                    </p:sp>
+                  </mc:Choice>
+                  <mc:Fallback xmlns="">
+                    <p:sp>
+                      <p:nvSpPr>
+                        <p:cNvPr id="47" name="TextBox 46"/>
+                        <p:cNvSpPr txBox="1">
+                          <a:spLocks noRot="1" noChangeAspect="1" noMove="1" noResize="1" noEditPoints="1" noAdjustHandles="1" noChangeArrowheads="1" noChangeShapeType="1" noTextEdit="1"/>
+                        </p:cNvSpPr>
+                        <p:nvPr/>
+                      </p:nvSpPr>
+                      <p:spPr>
+                        <a:xfrm>
+                          <a:off x="9619569" y="3883778"/>
+                          <a:ext cx="303866" cy="377219"/>
+                        </a:xfrm>
+                        <a:prstGeom prst="rect">
+                          <a:avLst/>
+                        </a:prstGeom>
+                        <a:blipFill>
+                          <a:blip r:embed="rId42"/>
+                          <a:stretch>
+                            <a:fillRect l="-18000" t="-30645" r="-70000" b="-17742"/>
+                          </a:stretch>
+                        </a:blipFill>
+                      </p:spPr>
+                      <p:txBody>
+                        <a:bodyPr/>
+                        <a:lstStyle/>
+                        <a:p>
+                          <a:r>
+                            <a:rPr lang="en-US">
+                              <a:noFill/>
+                            </a:rPr>
+                            <a:t> </a:t>
+                          </a:r>
+                        </a:p>
+                      </p:txBody>
+                    </p:sp>
+                  </mc:Fallback>
+                </mc:AlternateContent>
+                <p:sp>
+                  <p:nvSpPr>
+                    <p:cNvPr id="36" name="Rectangle 35"/>
+                    <p:cNvSpPr/>
+                    <p:nvPr/>
+                  </p:nvSpPr>
+                  <p:spPr>
+                    <a:xfrm rot="21415886">
+                      <a:off x="9013981" y="4382761"/>
+                      <a:ext cx="63955" cy="122786"/>
+                    </a:xfrm>
+                    <a:prstGeom prst="rect">
+                      <a:avLst/>
+                    </a:prstGeom>
+                  </p:spPr>
+                  <p:txBody>
+                    <a:bodyPr wrap="none">
+                      <a:spAutoFit/>
+                    </a:bodyPr>
+                    <a:lstStyle/>
+                    <a:p>
+                      <a:endParaRPr lang="en-CA" dirty="0"/>
+                    </a:p>
+                  </p:txBody>
+                </p:sp>
+              </p:grpSp>
+              <mc:AlternateContent xmlns:mc="http://schemas.openxmlformats.org/markup-compatibility/2006">
+                <mc:Choice xmlns:a14="http://schemas.microsoft.com/office/drawing/2010/main" Requires="a14">
+                  <p:sp>
+                    <p:nvSpPr>
+                      <p:cNvPr id="24" name="TextBox 23"/>
+                      <p:cNvSpPr txBox="1"/>
+                      <p:nvPr/>
+                    </p:nvSpPr>
+                    <p:spPr>
+                      <a:xfrm>
+                        <a:off x="9689605" y="4167795"/>
+                        <a:ext cx="492955" cy="307777"/>
+                      </a:xfrm>
+                      <a:prstGeom prst="rect">
+                        <a:avLst/>
+                      </a:prstGeom>
+                      <a:noFill/>
+                    </p:spPr>
+                    <p:txBody>
+                      <a:bodyPr wrap="none" lIns="0" tIns="0" rIns="0" bIns="0" rtlCol="0">
+                        <a:spAutoFit/>
+                      </a:bodyPr>
+                      <a:lstStyle/>
+                      <a:p>
+                        <a:pPr/>
+                        <a14:m>
+                          <m:oMathPara xmlns:m="http://schemas.openxmlformats.org/officeDocument/2006/math">
+                            <m:oMathParaPr>
+                              <m:jc m:val="centerGroup"/>
+                            </m:oMathParaPr>
+                            <m:oMath xmlns:m="http://schemas.openxmlformats.org/officeDocument/2006/math">
+                              <m:r>
+                                <a:rPr lang="en-CA" sz="2000" b="0" i="1" smtClean="0">
+                                  <a:latin typeface="Cambria Math" charset="0"/>
+                                  <a:cs typeface="Arial" panose="020B0604020202020204" pitchFamily="34" charset="0"/>
+                                </a:rPr>
+                                <m:t>𝐶𝑎𝑟</m:t>
+                              </m:r>
+                            </m:oMath>
+                          </m:oMathPara>
+                        </a14:m>
+                        <a:endParaRPr lang="en-US" sz="2000" dirty="0" smtClean="0">
+                          <a:latin typeface="Arial" panose="020B0604020202020204" pitchFamily="34" charset="0"/>
+                          <a:cs typeface="Arial" panose="020B0604020202020204" pitchFamily="34" charset="0"/>
+                        </a:endParaRPr>
+                      </a:p>
+                    </p:txBody>
+                  </p:sp>
+                </mc:Choice>
+                <mc:Fallback>
+                  <p:sp>
+                    <p:nvSpPr>
+                      <p:cNvPr id="24" name="TextBox 23"/>
+                      <p:cNvSpPr txBox="1">
+                        <a:spLocks noRot="1" noChangeAspect="1" noMove="1" noResize="1" noEditPoints="1" noAdjustHandles="1" noChangeArrowheads="1" noChangeShapeType="1" noTextEdit="1"/>
+                      </p:cNvSpPr>
+                      <p:nvPr/>
+                    </p:nvSpPr>
+                    <p:spPr>
+                      <a:xfrm>
+                        <a:off x="9689605" y="4167795"/>
+                        <a:ext cx="492955" cy="307777"/>
+                      </a:xfrm>
+                      <a:prstGeom prst="rect">
+                        <a:avLst/>
+                      </a:prstGeom>
+                      <a:blipFill rotWithShape="0">
+                        <a:blip r:embed="rId49"/>
+                        <a:stretch>
+                          <a:fillRect l="-11111" r="-9877" b="-11765"/>
+                        </a:stretch>
+                      </a:blipFill>
+                    </p:spPr>
+                    <p:txBody>
+                      <a:bodyPr/>
+                      <a:lstStyle/>
+                      <a:p>
+                        <a:r>
+                          <a:rPr lang="en-US">
+                            <a:noFill/>
+                          </a:rPr>
+                          <a:t> </a:t>
+                        </a:r>
+                      </a:p>
+                    </p:txBody>
+                  </p:sp>
+                </mc:Fallback>
+              </mc:AlternateContent>
+            </p:grpSp>
+            <p:cxnSp>
+              <p:nvCxnSpPr>
+                <p:cNvPr id="42" name="Straight Arrow Connector 41"/>
+                <p:cNvCxnSpPr/>
+                <p:nvPr/>
+              </p:nvCxnSpPr>
+              <p:spPr>
+                <a:xfrm>
+                  <a:off x="7295733" y="3698155"/>
+                  <a:ext cx="575410" cy="5625"/>
+                </a:xfrm>
+                <a:prstGeom prst="straightConnector1">
+                  <a:avLst/>
+                </a:prstGeom>
+                <a:ln w="38100">
+                  <a:solidFill>
+                    <a:schemeClr val="tx1"/>
+                  </a:solidFill>
+                  <a:tailEnd type="triangle"/>
+                </a:ln>
+              </p:spPr>
+              <p:style>
+                <a:lnRef idx="1">
+                  <a:schemeClr val="accent1"/>
+                </a:lnRef>
+                <a:fillRef idx="0">
+                  <a:schemeClr val="accent1"/>
+                </a:fillRef>
+                <a:effectRef idx="0">
+                  <a:schemeClr val="accent1"/>
+                </a:effectRef>
+                <a:fontRef idx="minor">
+                  <a:schemeClr val="tx1"/>
+                </a:fontRef>
+              </p:style>
+            </p:cxnSp>
+            <mc:AlternateContent xmlns:mc="http://schemas.openxmlformats.org/markup-compatibility/2006">
+              <mc:Choice xmlns:a14="http://schemas.microsoft.com/office/drawing/2010/main" Requires="a14">
+                <p:sp>
+                  <p:nvSpPr>
+                    <p:cNvPr id="43" name="TextBox 42"/>
+                    <p:cNvSpPr txBox="1"/>
+                    <p:nvPr/>
+                  </p:nvSpPr>
+                  <p:spPr>
+                    <a:xfrm>
+                      <a:off x="7871143" y="3278140"/>
+                      <a:ext cx="313291" cy="345159"/>
+                    </a:xfrm>
+                    <a:prstGeom prst="rect">
+                      <a:avLst/>
+                    </a:prstGeom>
+                    <a:noFill/>
+                  </p:spPr>
+                  <p:txBody>
+                    <a:bodyPr wrap="none" lIns="0" tIns="0" rIns="0" bIns="0" rtlCol="0">
+                      <a:spAutoFit/>
+                    </a:bodyPr>
+                    <a:lstStyle/>
+                    <a:p>
+                      <a:pPr/>
+                      <a14:m>
+                        <m:oMathPara xmlns:m="http://schemas.openxmlformats.org/officeDocument/2006/math">
+                          <m:oMathParaPr>
+                            <m:jc m:val="centerGroup"/>
+                          </m:oMathParaPr>
+                          <m:oMath xmlns:m="http://schemas.openxmlformats.org/officeDocument/2006/math">
+                            <m:sSub>
+                              <m:sSubPr>
+                                <m:ctrlPr>
+                                  <a:rPr lang="en-US" sz="2000" b="0" i="1" smtClean="0">
+                                    <a:latin typeface="Cambria Math" charset="0"/>
+                                    <a:cs typeface="Arial" panose="020B0604020202020204" pitchFamily="34" charset="0"/>
+                                  </a:rPr>
+                                </m:ctrlPr>
+                              </m:sSubPr>
+                              <m:e>
+                                <m:acc>
+                                  <m:accPr>
+                                    <m:chr m:val="⃗"/>
+                                    <m:ctrlPr>
+                                      <a:rPr lang="en-US" sz="2000" b="0" i="1" smtClean="0">
+                                        <a:latin typeface="Cambria Math" charset="0"/>
+                                        <a:cs typeface="Arial" panose="020B0604020202020204" pitchFamily="34" charset="0"/>
+                                      </a:rPr>
+                                    </m:ctrlPr>
+                                  </m:accPr>
+                                  <m:e>
+                                    <m:r>
+                                      <a:rPr lang="en-US" sz="2000" b="0" i="1" smtClean="0">
+                                        <a:latin typeface="Cambria Math" panose="02040503050406030204" pitchFamily="18" charset="0"/>
+                                        <a:cs typeface="Arial" panose="020B0604020202020204" pitchFamily="34" charset="0"/>
+                                      </a:rPr>
+                                      <m:t>𝐹</m:t>
+                                    </m:r>
+                                  </m:e>
+                                </m:acc>
+                              </m:e>
+                              <m:sub>
+                                <m:r>
+                                  <a:rPr lang="en-CA" sz="2000" b="0" i="1" smtClean="0">
+                                    <a:latin typeface="Cambria Math" charset="0"/>
+                                    <a:cs typeface="Arial" panose="020B0604020202020204" pitchFamily="34" charset="0"/>
+                                  </a:rPr>
+                                  <m:t>1</m:t>
+                                </m:r>
+                              </m:sub>
+                            </m:sSub>
+                          </m:oMath>
+                        </m:oMathPara>
+                      </a14:m>
+                      <a:endParaRPr lang="en-US" sz="2000" dirty="0">
+                        <a:latin typeface="Arial" panose="020B0604020202020204" pitchFamily="34" charset="0"/>
+                        <a:cs typeface="Arial" panose="020B0604020202020204" pitchFamily="34" charset="0"/>
+                      </a:endParaRPr>
+                    </a:p>
+                  </p:txBody>
+                </p:sp>
+              </mc:Choice>
+              <mc:Fallback>
+                <p:sp>
+                  <p:nvSpPr>
+                    <p:cNvPr id="43" name="TextBox 42"/>
+                    <p:cNvSpPr txBox="1">
+                      <a:spLocks noRot="1" noChangeAspect="1" noMove="1" noResize="1" noEditPoints="1" noAdjustHandles="1" noChangeArrowheads="1" noChangeShapeType="1" noTextEdit="1"/>
+                    </p:cNvSpPr>
+                    <p:nvPr/>
+                  </p:nvSpPr>
+                  <p:spPr>
+                    <a:xfrm>
+                      <a:off x="7871143" y="3278140"/>
+                      <a:ext cx="313291" cy="345159"/>
+                    </a:xfrm>
+                    <a:prstGeom prst="rect">
+                      <a:avLst/>
+                    </a:prstGeom>
+                    <a:blipFill rotWithShape="0">
+                      <a:blip r:embed="rId50"/>
+                      <a:stretch>
+                        <a:fillRect l="-15385" t="-35714" r="-67308" b="-17857"/>
+                      </a:stretch>
+                    </a:blipFill>
+                  </p:spPr>
+                  <p:txBody>
+                    <a:bodyPr/>
+                    <a:lstStyle/>
+                    <a:p>
+                      <a:r>
+                        <a:rPr lang="en-US">
+                          <a:noFill/>
+                        </a:rPr>
+                        <a:t> </a:t>
+                      </a:r>
+                    </a:p>
+                  </p:txBody>
+                </p:sp>
+              </mc:Fallback>
+            </mc:AlternateContent>
+          </p:grpSp>
+          <p:pic>
+            <p:nvPicPr>
+              <p:cNvPr id="45" name="Picture 44"/>
+              <p:cNvPicPr>
+                <a:picLocks noChangeAspect="1"/>
+              </p:cNvPicPr>
+              <p:nvPr/>
+            </p:nvPicPr>
+            <p:blipFill rotWithShape="1">
+              <a:blip r:embed="rId51">
+                <a:extLst>
+                  <a:ext uri="{28A0092B-C50C-407E-A947-70E740481C1C}">
+                    <a14:useLocalDpi xmlns:a14="http://schemas.microsoft.com/office/drawing/2010/main" val="0"/>
+                  </a:ext>
+                </a:extLst>
+              </a:blip>
+              <a:srcRect l="26909" t="6781" r="52391" b="32139"/>
+              <a:stretch/>
+            </p:blipFill>
+            <p:spPr>
+              <a:xfrm>
+                <a:off x="1846529" y="2122482"/>
+                <a:ext cx="1651220" cy="2763363"/>
+              </a:xfrm>
+              <a:prstGeom prst="rect">
+                <a:avLst/>
+              </a:prstGeom>
+            </p:spPr>
+          </p:pic>
+        </p:grpSp>
+        <p:sp>
+          <p:nvSpPr>
+            <p:cNvPr id="47" name="Right Arrow 46"/>
+            <p:cNvSpPr/>
+            <p:nvPr/>
+          </p:nvSpPr>
+          <p:spPr>
+            <a:xfrm flipH="1">
+              <a:off x="2245949" y="2052918"/>
+              <a:ext cx="606575" cy="107622"/>
+            </a:xfrm>
+            <a:prstGeom prst="rightArrow">
+              <a:avLst/>
+            </a:prstGeom>
+            <a:solidFill>
+              <a:schemeClr val="tx1"/>
+            </a:solidFill>
+            <a:ln w="38100">
+              <a:solidFill>
+                <a:schemeClr val="tx1"/>
+              </a:solidFill>
+            </a:ln>
+          </p:spPr>
+          <p:style>
+            <a:lnRef idx="2">
+              <a:schemeClr val="accent1">
+                <a:shade val="50000"/>
+              </a:schemeClr>
+            </a:lnRef>
+            <a:fillRef idx="1">
+              <a:schemeClr val="accent1"/>
+            </a:fillRef>
+            <a:effectRef idx="0">
+              <a:schemeClr val="accent1"/>
+            </a:effectRef>
+            <a:fontRef idx="minor">
+              <a:schemeClr val="lt1"/>
+            </a:fontRef>
+          </p:style>
+          <p:txBody>
+            <a:bodyPr rtlCol="0" anchor="ctr"/>
+            <a:lstStyle/>
+            <a:p>
+              <a:pPr algn="ctr"/>
+              <a:endParaRPr lang="en-US"/>
+            </a:p>
+          </p:txBody>
+        </p:sp>
+        <mc:AlternateContent xmlns:mc="http://schemas.openxmlformats.org/markup-compatibility/2006">
+          <mc:Choice xmlns:a14="http://schemas.microsoft.com/office/drawing/2010/main" Requires="a14">
+            <p:sp>
+              <p:nvSpPr>
+                <p:cNvPr id="48" name="TextBox 47"/>
+                <p:cNvSpPr txBox="1"/>
+                <p:nvPr/>
+              </p:nvSpPr>
+              <p:spPr>
+                <a:xfrm>
+                  <a:off x="2513867" y="1718927"/>
+                  <a:ext cx="352917" cy="307777"/>
+                </a:xfrm>
+                <a:prstGeom prst="rect">
+                  <a:avLst/>
+                </a:prstGeom>
+                <a:noFill/>
+              </p:spPr>
+              <p:txBody>
+                <a:bodyPr wrap="none" lIns="0" tIns="0" rIns="0" bIns="0" rtlCol="0">
+                  <a:spAutoFit/>
+                </a:bodyPr>
+                <a:lstStyle/>
+                <a:p>
+                  <a:pPr/>
+                  <a14:m>
+                    <m:oMathPara xmlns:m="http://schemas.openxmlformats.org/officeDocument/2006/math">
+                      <m:oMathParaPr>
+                        <m:jc m:val="centerGroup"/>
+                      </m:oMathParaPr>
+                      <m:oMath xmlns:m="http://schemas.openxmlformats.org/officeDocument/2006/math">
+                        <m:sSub>
+                          <m:sSubPr>
+                            <m:ctrlPr>
+                              <a:rPr lang="en-US" sz="2000" b="0" i="1" smtClean="0">
+                                <a:latin typeface="Cambria Math" charset="0"/>
+                                <a:cs typeface="Arial" panose="020B0604020202020204" pitchFamily="34" charset="0"/>
+                              </a:rPr>
+                            </m:ctrlPr>
+                          </m:sSubPr>
+                          <m:e>
+                            <m:acc>
+                              <m:accPr>
+                                <m:chr m:val="⃗"/>
+                                <m:ctrlPr>
+                                  <a:rPr lang="en-US" sz="2000" b="0" i="1" smtClean="0">
+                                    <a:latin typeface="Cambria Math" charset="0"/>
+                                    <a:cs typeface="Arial" panose="020B0604020202020204" pitchFamily="34" charset="0"/>
+                                  </a:rPr>
+                                </m:ctrlPr>
+                              </m:accPr>
+                              <m:e>
+                                <m:r>
+                                  <a:rPr lang="en-US" sz="2000" b="0" i="1" smtClean="0">
+                                    <a:latin typeface="Cambria Math" panose="02040503050406030204" pitchFamily="18" charset="0"/>
+                                    <a:cs typeface="Arial" panose="020B0604020202020204" pitchFamily="34" charset="0"/>
+                                  </a:rPr>
+                                  <m:t>𝑎</m:t>
+                                </m:r>
+                              </m:e>
+                            </m:acc>
+                          </m:e>
+                          <m:sub>
+                            <m:r>
+                              <a:rPr lang="en-US" sz="2000" b="0" i="1" smtClean="0">
+                                <a:latin typeface="Cambria Math" panose="02040503050406030204" pitchFamily="18" charset="0"/>
+                                <a:cs typeface="Arial" panose="020B0604020202020204" pitchFamily="34" charset="0"/>
+                              </a:rPr>
+                              <m:t>𝑅</m:t>
+                            </m:r>
+                          </m:sub>
+                        </m:sSub>
+                      </m:oMath>
+                    </m:oMathPara>
+                  </a14:m>
+                  <a:endParaRPr lang="en-US" sz="2000" dirty="0">
+                    <a:latin typeface="Arial" panose="020B0604020202020204" pitchFamily="34" charset="0"/>
+                    <a:cs typeface="Arial" panose="020B0604020202020204" pitchFamily="34" charset="0"/>
+                  </a:endParaRPr>
+                </a:p>
+              </p:txBody>
+            </p:sp>
+          </mc:Choice>
+          <mc:Fallback>
+            <p:sp>
+              <p:nvSpPr>
+                <p:cNvPr id="48" name="TextBox 47"/>
+                <p:cNvSpPr txBox="1">
+                  <a:spLocks noRot="1" noChangeAspect="1" noMove="1" noResize="1" noEditPoints="1" noAdjustHandles="1" noChangeArrowheads="1" noChangeShapeType="1" noTextEdit="1"/>
+                </p:cNvSpPr>
+                <p:nvPr/>
+              </p:nvSpPr>
+              <p:spPr>
+                <a:xfrm>
+                  <a:off x="2513867" y="1718927"/>
+                  <a:ext cx="352917" cy="307777"/>
+                </a:xfrm>
+                <a:prstGeom prst="rect">
+                  <a:avLst/>
+                </a:prstGeom>
+                <a:blipFill rotWithShape="0">
+                  <a:blip r:embed="rId52"/>
+                  <a:stretch>
+                    <a:fillRect l="-12069" t="-36000" r="-58621" b="-20000"/>
+                  </a:stretch>
+                </a:blipFill>
+              </p:spPr>
+              <p:txBody>
+                <a:bodyPr/>
+                <a:lstStyle/>
+                <a:p>
+                  <a:r>
+                    <a:rPr lang="en-US">
+                      <a:noFill/>
+                    </a:rPr>
+                    <a:t> </a:t>
+                  </a:r>
+                </a:p>
+              </p:txBody>
+            </p:sp>
+          </mc:Fallback>
+        </mc:AlternateContent>
+      </p:grpSp>
     </p:spTree>
     <p:extLst>
       <p:ext uri="{BB962C8B-B14F-4D97-AF65-F5344CB8AC3E}">

--- a/tex/figures/ApplyingNewtonsLaws/Figures.pptx
+++ b/tex/figures/ApplyingNewtonsLaws/Figures.pptx
@@ -250,7 +250,7 @@
           <a:p>
             <a:fld id="{F7249F8D-641B-4CAF-BAE5-10524742F6F1}" type="datetimeFigureOut">
               <a:rPr lang="en-CA" smtClean="0"/>
-              <a:t>2018-06-20</a:t>
+              <a:t>2018-07-05</a:t>
             </a:fld>
             <a:endParaRPr lang="en-CA"/>
           </a:p>
@@ -420,7 +420,7 @@
           <a:p>
             <a:fld id="{F7249F8D-641B-4CAF-BAE5-10524742F6F1}" type="datetimeFigureOut">
               <a:rPr lang="en-CA" smtClean="0"/>
-              <a:t>2018-06-20</a:t>
+              <a:t>2018-07-05</a:t>
             </a:fld>
             <a:endParaRPr lang="en-CA"/>
           </a:p>
@@ -600,7 +600,7 @@
           <a:p>
             <a:fld id="{F7249F8D-641B-4CAF-BAE5-10524742F6F1}" type="datetimeFigureOut">
               <a:rPr lang="en-CA" smtClean="0"/>
-              <a:t>2018-06-20</a:t>
+              <a:t>2018-07-05</a:t>
             </a:fld>
             <a:endParaRPr lang="en-CA"/>
           </a:p>
@@ -770,7 +770,7 @@
           <a:p>
             <a:fld id="{F7249F8D-641B-4CAF-BAE5-10524742F6F1}" type="datetimeFigureOut">
               <a:rPr lang="en-CA" smtClean="0"/>
-              <a:t>2018-06-20</a:t>
+              <a:t>2018-07-05</a:t>
             </a:fld>
             <a:endParaRPr lang="en-CA"/>
           </a:p>
@@ -1016,7 +1016,7 @@
           <a:p>
             <a:fld id="{F7249F8D-641B-4CAF-BAE5-10524742F6F1}" type="datetimeFigureOut">
               <a:rPr lang="en-CA" smtClean="0"/>
-              <a:t>2018-06-20</a:t>
+              <a:t>2018-07-05</a:t>
             </a:fld>
             <a:endParaRPr lang="en-CA"/>
           </a:p>
@@ -1248,7 +1248,7 @@
           <a:p>
             <a:fld id="{F7249F8D-641B-4CAF-BAE5-10524742F6F1}" type="datetimeFigureOut">
               <a:rPr lang="en-CA" smtClean="0"/>
-              <a:t>2018-06-20</a:t>
+              <a:t>2018-07-05</a:t>
             </a:fld>
             <a:endParaRPr lang="en-CA"/>
           </a:p>
@@ -1615,7 +1615,7 @@
           <a:p>
             <a:fld id="{F7249F8D-641B-4CAF-BAE5-10524742F6F1}" type="datetimeFigureOut">
               <a:rPr lang="en-CA" smtClean="0"/>
-              <a:t>2018-06-20</a:t>
+              <a:t>2018-07-05</a:t>
             </a:fld>
             <a:endParaRPr lang="en-CA"/>
           </a:p>
@@ -1733,7 +1733,7 @@
           <a:p>
             <a:fld id="{F7249F8D-641B-4CAF-BAE5-10524742F6F1}" type="datetimeFigureOut">
               <a:rPr lang="en-CA" smtClean="0"/>
-              <a:t>2018-06-20</a:t>
+              <a:t>2018-07-05</a:t>
             </a:fld>
             <a:endParaRPr lang="en-CA"/>
           </a:p>
@@ -1828,7 +1828,7 @@
           <a:p>
             <a:fld id="{F7249F8D-641B-4CAF-BAE5-10524742F6F1}" type="datetimeFigureOut">
               <a:rPr lang="en-CA" smtClean="0"/>
-              <a:t>2018-06-20</a:t>
+              <a:t>2018-07-05</a:t>
             </a:fld>
             <a:endParaRPr lang="en-CA"/>
           </a:p>
@@ -2105,7 +2105,7 @@
           <a:p>
             <a:fld id="{F7249F8D-641B-4CAF-BAE5-10524742F6F1}" type="datetimeFigureOut">
               <a:rPr lang="en-CA" smtClean="0"/>
-              <a:t>2018-06-20</a:t>
+              <a:t>2018-07-05</a:t>
             </a:fld>
             <a:endParaRPr lang="en-CA"/>
           </a:p>
@@ -2358,7 +2358,7 @@
           <a:p>
             <a:fld id="{F7249F8D-641B-4CAF-BAE5-10524742F6F1}" type="datetimeFigureOut">
               <a:rPr lang="en-CA" smtClean="0"/>
-              <a:t>2018-06-20</a:t>
+              <a:t>2018-07-05</a:t>
             </a:fld>
             <a:endParaRPr lang="en-CA"/>
           </a:p>
@@ -2571,7 +2571,7 @@
           <a:p>
             <a:fld id="{F7249F8D-641B-4CAF-BAE5-10524742F6F1}" type="datetimeFigureOut">
               <a:rPr lang="en-CA" smtClean="0"/>
-              <a:t>2018-06-20</a:t>
+              <a:t>2018-07-05</a:t>
             </a:fld>
             <a:endParaRPr lang="en-CA"/>
           </a:p>
@@ -5463,6 +5463,591 @@
             </p:txBody>
           </p:sp>
         </p:grpSp>
+      </p:grpSp>
+      <p:grpSp>
+        <p:nvGrpSpPr>
+          <p:cNvPr id="38" name="Group 37"/>
+          <p:cNvGrpSpPr/>
+          <p:nvPr/>
+        </p:nvGrpSpPr>
+        <p:grpSpPr>
+          <a:xfrm rot="20473929">
+            <a:off x="6292724" y="3549944"/>
+            <a:ext cx="819913" cy="621315"/>
+            <a:chOff x="7349026" y="5492337"/>
+            <a:chExt cx="819913" cy="621315"/>
+          </a:xfrm>
+        </p:grpSpPr>
+        <p:sp>
+          <p:nvSpPr>
+            <p:cNvPr id="42" name="Oval 41"/>
+            <p:cNvSpPr/>
+            <p:nvPr/>
+          </p:nvSpPr>
+          <p:spPr>
+            <a:xfrm>
+              <a:off x="7401083" y="5915182"/>
+              <a:ext cx="45719" cy="192526"/>
+            </a:xfrm>
+            <a:prstGeom prst="ellipse">
+              <a:avLst/>
+            </a:prstGeom>
+            <a:solidFill>
+              <a:schemeClr val="tx1"/>
+            </a:solidFill>
+            <a:ln w="38100">
+              <a:solidFill>
+                <a:schemeClr val="tx1"/>
+              </a:solidFill>
+            </a:ln>
+          </p:spPr>
+          <p:style>
+            <a:lnRef idx="2">
+              <a:schemeClr val="accent1">
+                <a:shade val="50000"/>
+              </a:schemeClr>
+            </a:lnRef>
+            <a:fillRef idx="1">
+              <a:schemeClr val="accent1"/>
+            </a:fillRef>
+            <a:effectRef idx="0">
+              <a:schemeClr val="accent1"/>
+            </a:effectRef>
+            <a:fontRef idx="minor">
+              <a:schemeClr val="lt1"/>
+            </a:fontRef>
+          </p:style>
+          <p:txBody>
+            <a:bodyPr rtlCol="0" anchor="ctr"/>
+            <a:lstStyle/>
+            <a:p>
+              <a:pPr algn="ctr"/>
+              <a:endParaRPr lang="en-US"/>
+            </a:p>
+          </p:txBody>
+        </p:sp>
+        <p:sp>
+          <p:nvSpPr>
+            <p:cNvPr id="43" name="Oval 42"/>
+            <p:cNvSpPr/>
+            <p:nvPr/>
+          </p:nvSpPr>
+          <p:spPr>
+            <a:xfrm>
+              <a:off x="8080725" y="5921126"/>
+              <a:ext cx="45719" cy="192526"/>
+            </a:xfrm>
+            <a:prstGeom prst="ellipse">
+              <a:avLst/>
+            </a:prstGeom>
+            <a:solidFill>
+              <a:schemeClr val="tx1"/>
+            </a:solidFill>
+            <a:ln w="38100">
+              <a:solidFill>
+                <a:schemeClr val="tx1"/>
+              </a:solidFill>
+            </a:ln>
+          </p:spPr>
+          <p:style>
+            <a:lnRef idx="2">
+              <a:schemeClr val="accent1">
+                <a:shade val="50000"/>
+              </a:schemeClr>
+            </a:lnRef>
+            <a:fillRef idx="1">
+              <a:schemeClr val="accent1"/>
+            </a:fillRef>
+            <a:effectRef idx="0">
+              <a:schemeClr val="accent1"/>
+            </a:effectRef>
+            <a:fontRef idx="minor">
+              <a:schemeClr val="lt1"/>
+            </a:fontRef>
+          </p:style>
+          <p:txBody>
+            <a:bodyPr rtlCol="0" anchor="ctr"/>
+            <a:lstStyle/>
+            <a:p>
+              <a:pPr algn="ctr"/>
+              <a:endParaRPr lang="en-US"/>
+            </a:p>
+          </p:txBody>
+        </p:sp>
+        <p:sp>
+          <p:nvSpPr>
+            <p:cNvPr id="44" name="Round Same Side Corner Rectangle 43"/>
+            <p:cNvSpPr/>
+            <p:nvPr/>
+          </p:nvSpPr>
+          <p:spPr>
+            <a:xfrm>
+              <a:off x="7349026" y="5683163"/>
+              <a:ext cx="819913" cy="289011"/>
+            </a:xfrm>
+            <a:prstGeom prst="round2SameRect">
+              <a:avLst>
+                <a:gd name="adj1" fmla="val 36859"/>
+                <a:gd name="adj2" fmla="val 0"/>
+              </a:avLst>
+            </a:prstGeom>
+            <a:solidFill>
+              <a:schemeClr val="accent1"/>
+            </a:solidFill>
+            <a:ln w="38100">
+              <a:solidFill>
+                <a:schemeClr val="accent1"/>
+              </a:solidFill>
+            </a:ln>
+          </p:spPr>
+          <p:style>
+            <a:lnRef idx="2">
+              <a:schemeClr val="accent1">
+                <a:shade val="50000"/>
+              </a:schemeClr>
+            </a:lnRef>
+            <a:fillRef idx="1">
+              <a:schemeClr val="accent1"/>
+            </a:fillRef>
+            <a:effectRef idx="0">
+              <a:schemeClr val="accent1"/>
+            </a:effectRef>
+            <a:fontRef idx="minor">
+              <a:schemeClr val="lt1"/>
+            </a:fontRef>
+          </p:style>
+          <p:txBody>
+            <a:bodyPr rtlCol="0" anchor="ctr"/>
+            <a:lstStyle/>
+            <a:p>
+              <a:pPr algn="ctr"/>
+              <a:endParaRPr lang="en-US"/>
+            </a:p>
+          </p:txBody>
+        </p:sp>
+        <p:sp>
+          <p:nvSpPr>
+            <p:cNvPr id="45" name="Oval 44"/>
+            <p:cNvSpPr/>
+            <p:nvPr/>
+          </p:nvSpPr>
+          <p:spPr>
+            <a:xfrm>
+              <a:off x="7423895" y="5753818"/>
+              <a:ext cx="45719" cy="105617"/>
+            </a:xfrm>
+            <a:prstGeom prst="ellipse">
+              <a:avLst/>
+            </a:prstGeom>
+            <a:solidFill>
+              <a:srgbClr val="FF0000"/>
+            </a:solidFill>
+            <a:ln w="38100">
+              <a:solidFill>
+                <a:srgbClr val="FF0000"/>
+              </a:solidFill>
+            </a:ln>
+          </p:spPr>
+          <p:style>
+            <a:lnRef idx="2">
+              <a:schemeClr val="accent1">
+                <a:shade val="50000"/>
+              </a:schemeClr>
+            </a:lnRef>
+            <a:fillRef idx="1">
+              <a:schemeClr val="accent1"/>
+            </a:fillRef>
+            <a:effectRef idx="0">
+              <a:schemeClr val="accent1"/>
+            </a:effectRef>
+            <a:fontRef idx="minor">
+              <a:schemeClr val="lt1"/>
+            </a:fontRef>
+          </p:style>
+          <p:txBody>
+            <a:bodyPr rtlCol="0" anchor="ctr"/>
+            <a:lstStyle/>
+            <a:p>
+              <a:pPr algn="ctr"/>
+              <a:endParaRPr lang="en-US"/>
+            </a:p>
+          </p:txBody>
+        </p:sp>
+        <p:sp>
+          <p:nvSpPr>
+            <p:cNvPr id="46" name="Oval 45"/>
+            <p:cNvSpPr/>
+            <p:nvPr/>
+          </p:nvSpPr>
+          <p:spPr>
+            <a:xfrm>
+              <a:off x="8043464" y="5753818"/>
+              <a:ext cx="45719" cy="105617"/>
+            </a:xfrm>
+            <a:prstGeom prst="ellipse">
+              <a:avLst/>
+            </a:prstGeom>
+            <a:solidFill>
+              <a:srgbClr val="FF0000"/>
+            </a:solidFill>
+            <a:ln w="38100">
+              <a:solidFill>
+                <a:srgbClr val="FF0000"/>
+              </a:solidFill>
+            </a:ln>
+          </p:spPr>
+          <p:style>
+            <a:lnRef idx="2">
+              <a:schemeClr val="accent1">
+                <a:shade val="50000"/>
+              </a:schemeClr>
+            </a:lnRef>
+            <a:fillRef idx="1">
+              <a:schemeClr val="accent1"/>
+            </a:fillRef>
+            <a:effectRef idx="0">
+              <a:schemeClr val="accent1"/>
+            </a:effectRef>
+            <a:fontRef idx="minor">
+              <a:schemeClr val="lt1"/>
+            </a:fontRef>
+          </p:style>
+          <p:txBody>
+            <a:bodyPr rtlCol="0" anchor="ctr"/>
+            <a:lstStyle/>
+            <a:p>
+              <a:pPr algn="ctr"/>
+              <a:endParaRPr lang="en-US"/>
+            </a:p>
+          </p:txBody>
+        </p:sp>
+        <p:sp>
+          <p:nvSpPr>
+            <p:cNvPr id="47" name="Trapezoid 46"/>
+            <p:cNvSpPr/>
+            <p:nvPr/>
+          </p:nvSpPr>
+          <p:spPr>
+            <a:xfrm>
+              <a:off x="7427423" y="5492337"/>
+              <a:ext cx="656783" cy="176262"/>
+            </a:xfrm>
+            <a:prstGeom prst="trapezoid">
+              <a:avLst/>
+            </a:prstGeom>
+            <a:noFill/>
+            <a:ln w="38100">
+              <a:solidFill>
+                <a:schemeClr val="accent1"/>
+              </a:solidFill>
+            </a:ln>
+          </p:spPr>
+          <p:style>
+            <a:lnRef idx="2">
+              <a:schemeClr val="accent1">
+                <a:shade val="50000"/>
+              </a:schemeClr>
+            </a:lnRef>
+            <a:fillRef idx="1">
+              <a:schemeClr val="accent1"/>
+            </a:fillRef>
+            <a:effectRef idx="0">
+              <a:schemeClr val="accent1"/>
+            </a:effectRef>
+            <a:fontRef idx="minor">
+              <a:schemeClr val="lt1"/>
+            </a:fontRef>
+          </p:style>
+          <p:txBody>
+            <a:bodyPr rtlCol="0" anchor="ctr"/>
+            <a:lstStyle/>
+            <a:p>
+              <a:pPr algn="ctr"/>
+              <a:endParaRPr lang="en-US"/>
+            </a:p>
+          </p:txBody>
+        </p:sp>
+        <p:sp>
+          <p:nvSpPr>
+            <p:cNvPr id="48" name="Rectangle 47"/>
+            <p:cNvSpPr/>
+            <p:nvPr/>
+          </p:nvSpPr>
+          <p:spPr>
+            <a:xfrm>
+              <a:off x="7616407" y="5792216"/>
+              <a:ext cx="215285" cy="97494"/>
+            </a:xfrm>
+            <a:prstGeom prst="rect">
+              <a:avLst/>
+            </a:prstGeom>
+            <a:solidFill>
+              <a:schemeClr val="bg1"/>
+            </a:solidFill>
+            <a:ln w="38100">
+              <a:solidFill>
+                <a:schemeClr val="bg1"/>
+              </a:solidFill>
+            </a:ln>
+          </p:spPr>
+          <p:style>
+            <a:lnRef idx="2">
+              <a:schemeClr val="accent1">
+                <a:shade val="50000"/>
+              </a:schemeClr>
+            </a:lnRef>
+            <a:fillRef idx="1">
+              <a:schemeClr val="accent1"/>
+            </a:fillRef>
+            <a:effectRef idx="0">
+              <a:schemeClr val="accent1"/>
+            </a:effectRef>
+            <a:fontRef idx="minor">
+              <a:schemeClr val="lt1"/>
+            </a:fontRef>
+          </p:style>
+          <p:txBody>
+            <a:bodyPr rtlCol="0" anchor="ctr"/>
+            <a:lstStyle/>
+            <a:p>
+              <a:pPr algn="ctr"/>
+              <a:endParaRPr lang="en-US"/>
+            </a:p>
+          </p:txBody>
+        </p:sp>
+        <p:sp>
+          <p:nvSpPr>
+            <p:cNvPr id="49" name="TextBox 48"/>
+            <p:cNvSpPr txBox="1"/>
+            <p:nvPr/>
+          </p:nvSpPr>
+          <p:spPr>
+            <a:xfrm>
+              <a:off x="7556479" y="5733965"/>
+              <a:ext cx="379310" cy="99481"/>
+            </a:xfrm>
+            <a:prstGeom prst="rect">
+              <a:avLst/>
+            </a:prstGeom>
+            <a:noFill/>
+          </p:spPr>
+          <p:txBody>
+            <a:bodyPr wrap="none" rtlCol="0">
+              <a:noAutofit/>
+            </a:bodyPr>
+            <a:lstStyle/>
+            <a:p>
+              <a:r>
+                <a:rPr lang="en-US" sz="400" dirty="0" smtClean="0">
+                  <a:latin typeface="Arial" panose="020B0604020202020204" pitchFamily="34" charset="0"/>
+                  <a:cs typeface="Arial" panose="020B0604020202020204" pitchFamily="34" charset="0"/>
+                </a:rPr>
+                <a:t>   VD</a:t>
+              </a:r>
+            </a:p>
+            <a:p>
+              <a:r>
+                <a:rPr lang="en-US" sz="400" dirty="0" smtClean="0">
+                  <a:latin typeface="Arial" panose="020B0604020202020204" pitchFamily="34" charset="0"/>
+                  <a:cs typeface="Arial" panose="020B0604020202020204" pitchFamily="34" charset="0"/>
+                </a:rPr>
+                <a:t>12345</a:t>
+              </a:r>
+            </a:p>
+          </p:txBody>
+        </p:sp>
+        <p:sp>
+          <p:nvSpPr>
+            <p:cNvPr id="50" name="Rectangle 49"/>
+            <p:cNvSpPr/>
+            <p:nvPr/>
+          </p:nvSpPr>
+          <p:spPr>
+            <a:xfrm>
+              <a:off x="7615378" y="5793354"/>
+              <a:ext cx="45719" cy="45719"/>
+            </a:xfrm>
+            <a:prstGeom prst="rect">
+              <a:avLst/>
+            </a:prstGeom>
+            <a:solidFill>
+              <a:srgbClr val="FF0000"/>
+            </a:solidFill>
+            <a:ln w="9525">
+              <a:solidFill>
+                <a:srgbClr val="FF0000"/>
+              </a:solidFill>
+            </a:ln>
+          </p:spPr>
+          <p:style>
+            <a:lnRef idx="2">
+              <a:schemeClr val="accent1">
+                <a:shade val="50000"/>
+              </a:schemeClr>
+            </a:lnRef>
+            <a:fillRef idx="1">
+              <a:schemeClr val="accent1"/>
+            </a:fillRef>
+            <a:effectRef idx="0">
+              <a:schemeClr val="accent1"/>
+            </a:effectRef>
+            <a:fontRef idx="minor">
+              <a:schemeClr val="lt1"/>
+            </a:fontRef>
+          </p:style>
+          <p:txBody>
+            <a:bodyPr rtlCol="0" anchor="ctr"/>
+            <a:lstStyle/>
+            <a:p>
+              <a:pPr algn="ctr"/>
+              <a:endParaRPr lang="en-US"/>
+            </a:p>
+          </p:txBody>
+        </p:sp>
+        <p:sp>
+          <p:nvSpPr>
+            <p:cNvPr id="51" name="Plus 50"/>
+            <p:cNvSpPr/>
+            <p:nvPr/>
+          </p:nvSpPr>
+          <p:spPr>
+            <a:xfrm>
+              <a:off x="7612997" y="5792216"/>
+              <a:ext cx="45719" cy="45719"/>
+            </a:xfrm>
+            <a:prstGeom prst="mathPlus">
+              <a:avLst/>
+            </a:prstGeom>
+            <a:solidFill>
+              <a:schemeClr val="bg1"/>
+            </a:solidFill>
+            <a:ln w="6350">
+              <a:solidFill>
+                <a:schemeClr val="bg1"/>
+              </a:solidFill>
+            </a:ln>
+          </p:spPr>
+          <p:style>
+            <a:lnRef idx="2">
+              <a:schemeClr val="accent1">
+                <a:shade val="50000"/>
+              </a:schemeClr>
+            </a:lnRef>
+            <a:fillRef idx="1">
+              <a:schemeClr val="accent1"/>
+            </a:fillRef>
+            <a:effectRef idx="0">
+              <a:schemeClr val="accent1"/>
+            </a:effectRef>
+            <a:fontRef idx="minor">
+              <a:schemeClr val="lt1"/>
+            </a:fontRef>
+          </p:style>
+          <p:txBody>
+            <a:bodyPr rtlCol="0" anchor="ctr"/>
+            <a:lstStyle/>
+            <a:p>
+              <a:pPr algn="ctr"/>
+              <a:endParaRPr lang="en-US"/>
+            </a:p>
+          </p:txBody>
+        </p:sp>
+        <p:sp>
+          <p:nvSpPr>
+            <p:cNvPr id="52" name="Rectangle 51"/>
+            <p:cNvSpPr/>
+            <p:nvPr/>
+          </p:nvSpPr>
+          <p:spPr>
+            <a:xfrm>
+              <a:off x="7778049" y="5788881"/>
+              <a:ext cx="48100" cy="52387"/>
+            </a:xfrm>
+            <a:prstGeom prst="rect">
+              <a:avLst/>
+            </a:prstGeom>
+            <a:solidFill>
+              <a:schemeClr val="accent6"/>
+            </a:solidFill>
+            <a:ln w="3175">
+              <a:solidFill>
+                <a:schemeClr val="accent6"/>
+              </a:solidFill>
+            </a:ln>
+          </p:spPr>
+          <p:style>
+            <a:lnRef idx="2">
+              <a:schemeClr val="accent1">
+                <a:shade val="50000"/>
+              </a:schemeClr>
+            </a:lnRef>
+            <a:fillRef idx="1">
+              <a:schemeClr val="accent1"/>
+            </a:fillRef>
+            <a:effectRef idx="0">
+              <a:schemeClr val="accent1"/>
+            </a:effectRef>
+            <a:fontRef idx="minor">
+              <a:schemeClr val="lt1"/>
+            </a:fontRef>
+          </p:style>
+          <p:txBody>
+            <a:bodyPr rtlCol="0" anchor="ctr"/>
+            <a:lstStyle/>
+            <a:p>
+              <a:pPr algn="ctr"/>
+              <a:endParaRPr lang="en-US"/>
+            </a:p>
+          </p:txBody>
+        </p:sp>
+        <p:sp>
+          <p:nvSpPr>
+            <p:cNvPr id="53" name="Rectangle 52"/>
+            <p:cNvSpPr/>
+            <p:nvPr/>
+          </p:nvSpPr>
+          <p:spPr>
+            <a:xfrm>
+              <a:off x="7771154" y="5772297"/>
+              <a:ext cx="59758" cy="45719"/>
+            </a:xfrm>
+            <a:prstGeom prst="rect">
+              <a:avLst/>
+            </a:prstGeom>
+            <a:solidFill>
+              <a:schemeClr val="bg1"/>
+            </a:solidFill>
+            <a:ln w="0">
+              <a:solidFill>
+                <a:schemeClr val="bg1"/>
+              </a:solidFill>
+            </a:ln>
+          </p:spPr>
+          <p:style>
+            <a:lnRef idx="2">
+              <a:schemeClr val="accent1">
+                <a:shade val="50000"/>
+              </a:schemeClr>
+            </a:lnRef>
+            <a:fillRef idx="1">
+              <a:schemeClr val="accent1"/>
+            </a:fillRef>
+            <a:effectRef idx="0">
+              <a:schemeClr val="accent1"/>
+            </a:effectRef>
+            <a:fontRef idx="minor">
+              <a:schemeClr val="lt1"/>
+            </a:fontRef>
+          </p:style>
+          <p:txBody>
+            <a:bodyPr rtlCol="0" anchor="ctr"/>
+            <a:lstStyle/>
+            <a:p>
+              <a:pPr algn="ctr"/>
+              <a:endParaRPr lang="en-US"/>
+            </a:p>
+          </p:txBody>
+        </p:sp>
       </p:grpSp>
     </p:spTree>
     <p:extLst>
@@ -29811,8 +30396,8 @@
                 </p:sp>
               </p:grpSp>
             </p:grpSp>
-            <mc:AlternateContent xmlns:mc="http://schemas.openxmlformats.org/markup-compatibility/2006">
-              <mc:Choice xmlns:a14="http://schemas.microsoft.com/office/drawing/2010/main" Requires="a14">
+            <mc:AlternateContent xmlns:mc="http://schemas.openxmlformats.org/markup-compatibility/2006" xmlns:a14="http://schemas.microsoft.com/office/drawing/2010/main">
+              <mc:Choice Requires="a14">
                 <p:sp>
                   <p:nvSpPr>
                     <p:cNvPr id="4" name="TextBox 3"/>
@@ -29860,7 +30445,7 @@
                   </p:txBody>
                 </p:sp>
               </mc:Choice>
-              <mc:Fallback>
+              <mc:Fallback xmlns="">
                 <p:sp>
                   <p:nvSpPr>
                     <p:cNvPr id="4" name="TextBox 3"/>
@@ -30469,8 +31054,8 @@
                   </p:txBody>
                 </p:sp>
               </p:grpSp>
-              <mc:AlternateContent xmlns:mc="http://schemas.openxmlformats.org/markup-compatibility/2006">
-                <mc:Choice xmlns:a14="http://schemas.microsoft.com/office/drawing/2010/main" Requires="a14">
+              <mc:AlternateContent xmlns:mc="http://schemas.openxmlformats.org/markup-compatibility/2006" xmlns:a14="http://schemas.microsoft.com/office/drawing/2010/main">
+                <mc:Choice Requires="a14">
                   <p:sp>
                     <p:nvSpPr>
                       <p:cNvPr id="24" name="TextBox 23"/>
@@ -30518,7 +31103,7 @@
                     </p:txBody>
                   </p:sp>
                 </mc:Choice>
-                <mc:Fallback>
+                <mc:Fallback xmlns="">
                   <p:sp>
                     <p:nvSpPr>
                       <p:cNvPr id="24" name="TextBox 23"/>
@@ -30594,8 +31179,8 @@
                 </a:fontRef>
               </p:style>
             </p:cxnSp>
-            <mc:AlternateContent xmlns:mc="http://schemas.openxmlformats.org/markup-compatibility/2006">
-              <mc:Choice xmlns:a14="http://schemas.microsoft.com/office/drawing/2010/main" Requires="a14">
+            <mc:AlternateContent xmlns:mc="http://schemas.openxmlformats.org/markup-compatibility/2006" xmlns:a14="http://schemas.microsoft.com/office/drawing/2010/main">
+              <mc:Choice Requires="a14">
                 <p:sp>
                   <p:nvSpPr>
                     <p:cNvPr id="43" name="TextBox 42"/>
@@ -30677,7 +31262,7 @@
                   </p:txBody>
                 </p:sp>
               </mc:Choice>
-              <mc:Fallback>
+              <mc:Fallback xmlns="">
                 <p:sp>
                   <p:nvSpPr>
                     <p:cNvPr id="43" name="TextBox 42"/>
@@ -30795,8 +31380,8 @@
             </a:p>
           </p:txBody>
         </p:sp>
-        <mc:AlternateContent xmlns:mc="http://schemas.openxmlformats.org/markup-compatibility/2006">
-          <mc:Choice xmlns:a14="http://schemas.microsoft.com/office/drawing/2010/main" Requires="a14">
+        <mc:AlternateContent xmlns:mc="http://schemas.openxmlformats.org/markup-compatibility/2006" xmlns:a14="http://schemas.microsoft.com/office/drawing/2010/main">
+          <mc:Choice Requires="a14">
             <p:sp>
               <p:nvSpPr>
                 <p:cNvPr id="48" name="TextBox 47"/>
@@ -30878,7 +31463,7 @@
               </p:txBody>
             </p:sp>
           </mc:Choice>
-          <mc:Fallback>
+          <mc:Fallback xmlns="">
             <p:sp>
               <p:nvSpPr>
                 <p:cNvPr id="48" name="TextBox 47"/>

--- a/tex/figures/ApplyingNewtonsLaws/Figures.pptx
+++ b/tex/figures/ApplyingNewtonsLaws/Figures.pptx
@@ -250,7 +250,7 @@
           <a:p>
             <a:fld id="{F7249F8D-641B-4CAF-BAE5-10524742F6F1}" type="datetimeFigureOut">
               <a:rPr lang="en-CA" smtClean="0"/>
-              <a:t>2018-07-05</a:t>
+              <a:t>2018-07-06</a:t>
             </a:fld>
             <a:endParaRPr lang="en-CA"/>
           </a:p>
@@ -420,7 +420,7 @@
           <a:p>
             <a:fld id="{F7249F8D-641B-4CAF-BAE5-10524742F6F1}" type="datetimeFigureOut">
               <a:rPr lang="en-CA" smtClean="0"/>
-              <a:t>2018-07-05</a:t>
+              <a:t>2018-07-06</a:t>
             </a:fld>
             <a:endParaRPr lang="en-CA"/>
           </a:p>
@@ -600,7 +600,7 @@
           <a:p>
             <a:fld id="{F7249F8D-641B-4CAF-BAE5-10524742F6F1}" type="datetimeFigureOut">
               <a:rPr lang="en-CA" smtClean="0"/>
-              <a:t>2018-07-05</a:t>
+              <a:t>2018-07-06</a:t>
             </a:fld>
             <a:endParaRPr lang="en-CA"/>
           </a:p>
@@ -770,7 +770,7 @@
           <a:p>
             <a:fld id="{F7249F8D-641B-4CAF-BAE5-10524742F6F1}" type="datetimeFigureOut">
               <a:rPr lang="en-CA" smtClean="0"/>
-              <a:t>2018-07-05</a:t>
+              <a:t>2018-07-06</a:t>
             </a:fld>
             <a:endParaRPr lang="en-CA"/>
           </a:p>
@@ -1016,7 +1016,7 @@
           <a:p>
             <a:fld id="{F7249F8D-641B-4CAF-BAE5-10524742F6F1}" type="datetimeFigureOut">
               <a:rPr lang="en-CA" smtClean="0"/>
-              <a:t>2018-07-05</a:t>
+              <a:t>2018-07-06</a:t>
             </a:fld>
             <a:endParaRPr lang="en-CA"/>
           </a:p>
@@ -1248,7 +1248,7 @@
           <a:p>
             <a:fld id="{F7249F8D-641B-4CAF-BAE5-10524742F6F1}" type="datetimeFigureOut">
               <a:rPr lang="en-CA" smtClean="0"/>
-              <a:t>2018-07-05</a:t>
+              <a:t>2018-07-06</a:t>
             </a:fld>
             <a:endParaRPr lang="en-CA"/>
           </a:p>
@@ -1615,7 +1615,7 @@
           <a:p>
             <a:fld id="{F7249F8D-641B-4CAF-BAE5-10524742F6F1}" type="datetimeFigureOut">
               <a:rPr lang="en-CA" smtClean="0"/>
-              <a:t>2018-07-05</a:t>
+              <a:t>2018-07-06</a:t>
             </a:fld>
             <a:endParaRPr lang="en-CA"/>
           </a:p>
@@ -1733,7 +1733,7 @@
           <a:p>
             <a:fld id="{F7249F8D-641B-4CAF-BAE5-10524742F6F1}" type="datetimeFigureOut">
               <a:rPr lang="en-CA" smtClean="0"/>
-              <a:t>2018-07-05</a:t>
+              <a:t>2018-07-06</a:t>
             </a:fld>
             <a:endParaRPr lang="en-CA"/>
           </a:p>
@@ -1828,7 +1828,7 @@
           <a:p>
             <a:fld id="{F7249F8D-641B-4CAF-BAE5-10524742F6F1}" type="datetimeFigureOut">
               <a:rPr lang="en-CA" smtClean="0"/>
-              <a:t>2018-07-05</a:t>
+              <a:t>2018-07-06</a:t>
             </a:fld>
             <a:endParaRPr lang="en-CA"/>
           </a:p>
@@ -2105,7 +2105,7 @@
           <a:p>
             <a:fld id="{F7249F8D-641B-4CAF-BAE5-10524742F6F1}" type="datetimeFigureOut">
               <a:rPr lang="en-CA" smtClean="0"/>
-              <a:t>2018-07-05</a:t>
+              <a:t>2018-07-06</a:t>
             </a:fld>
             <a:endParaRPr lang="en-CA"/>
           </a:p>
@@ -2358,7 +2358,7 @@
           <a:p>
             <a:fld id="{F7249F8D-641B-4CAF-BAE5-10524742F6F1}" type="datetimeFigureOut">
               <a:rPr lang="en-CA" smtClean="0"/>
-              <a:t>2018-07-05</a:t>
+              <a:t>2018-07-06</a:t>
             </a:fld>
             <a:endParaRPr lang="en-CA"/>
           </a:p>
@@ -2571,7 +2571,7 @@
           <a:p>
             <a:fld id="{F7249F8D-641B-4CAF-BAE5-10524742F6F1}" type="datetimeFigureOut">
               <a:rPr lang="en-CA" smtClean="0"/>
-              <a:t>2018-07-05</a:t>
+              <a:t>2018-07-06</a:t>
             </a:fld>
             <a:endParaRPr lang="en-CA"/>
           </a:p>
@@ -5463,591 +5463,6 @@
             </p:txBody>
           </p:sp>
         </p:grpSp>
-      </p:grpSp>
-      <p:grpSp>
-        <p:nvGrpSpPr>
-          <p:cNvPr id="38" name="Group 37"/>
-          <p:cNvGrpSpPr/>
-          <p:nvPr/>
-        </p:nvGrpSpPr>
-        <p:grpSpPr>
-          <a:xfrm rot="20473929">
-            <a:off x="6292724" y="3549944"/>
-            <a:ext cx="819913" cy="621315"/>
-            <a:chOff x="7349026" y="5492337"/>
-            <a:chExt cx="819913" cy="621315"/>
-          </a:xfrm>
-        </p:grpSpPr>
-        <p:sp>
-          <p:nvSpPr>
-            <p:cNvPr id="42" name="Oval 41"/>
-            <p:cNvSpPr/>
-            <p:nvPr/>
-          </p:nvSpPr>
-          <p:spPr>
-            <a:xfrm>
-              <a:off x="7401083" y="5915182"/>
-              <a:ext cx="45719" cy="192526"/>
-            </a:xfrm>
-            <a:prstGeom prst="ellipse">
-              <a:avLst/>
-            </a:prstGeom>
-            <a:solidFill>
-              <a:schemeClr val="tx1"/>
-            </a:solidFill>
-            <a:ln w="38100">
-              <a:solidFill>
-                <a:schemeClr val="tx1"/>
-              </a:solidFill>
-            </a:ln>
-          </p:spPr>
-          <p:style>
-            <a:lnRef idx="2">
-              <a:schemeClr val="accent1">
-                <a:shade val="50000"/>
-              </a:schemeClr>
-            </a:lnRef>
-            <a:fillRef idx="1">
-              <a:schemeClr val="accent1"/>
-            </a:fillRef>
-            <a:effectRef idx="0">
-              <a:schemeClr val="accent1"/>
-            </a:effectRef>
-            <a:fontRef idx="minor">
-              <a:schemeClr val="lt1"/>
-            </a:fontRef>
-          </p:style>
-          <p:txBody>
-            <a:bodyPr rtlCol="0" anchor="ctr"/>
-            <a:lstStyle/>
-            <a:p>
-              <a:pPr algn="ctr"/>
-              <a:endParaRPr lang="en-US"/>
-            </a:p>
-          </p:txBody>
-        </p:sp>
-        <p:sp>
-          <p:nvSpPr>
-            <p:cNvPr id="43" name="Oval 42"/>
-            <p:cNvSpPr/>
-            <p:nvPr/>
-          </p:nvSpPr>
-          <p:spPr>
-            <a:xfrm>
-              <a:off x="8080725" y="5921126"/>
-              <a:ext cx="45719" cy="192526"/>
-            </a:xfrm>
-            <a:prstGeom prst="ellipse">
-              <a:avLst/>
-            </a:prstGeom>
-            <a:solidFill>
-              <a:schemeClr val="tx1"/>
-            </a:solidFill>
-            <a:ln w="38100">
-              <a:solidFill>
-                <a:schemeClr val="tx1"/>
-              </a:solidFill>
-            </a:ln>
-          </p:spPr>
-          <p:style>
-            <a:lnRef idx="2">
-              <a:schemeClr val="accent1">
-                <a:shade val="50000"/>
-              </a:schemeClr>
-            </a:lnRef>
-            <a:fillRef idx="1">
-              <a:schemeClr val="accent1"/>
-            </a:fillRef>
-            <a:effectRef idx="0">
-              <a:schemeClr val="accent1"/>
-            </a:effectRef>
-            <a:fontRef idx="minor">
-              <a:schemeClr val="lt1"/>
-            </a:fontRef>
-          </p:style>
-          <p:txBody>
-            <a:bodyPr rtlCol="0" anchor="ctr"/>
-            <a:lstStyle/>
-            <a:p>
-              <a:pPr algn="ctr"/>
-              <a:endParaRPr lang="en-US"/>
-            </a:p>
-          </p:txBody>
-        </p:sp>
-        <p:sp>
-          <p:nvSpPr>
-            <p:cNvPr id="44" name="Round Same Side Corner Rectangle 43"/>
-            <p:cNvSpPr/>
-            <p:nvPr/>
-          </p:nvSpPr>
-          <p:spPr>
-            <a:xfrm>
-              <a:off x="7349026" y="5683163"/>
-              <a:ext cx="819913" cy="289011"/>
-            </a:xfrm>
-            <a:prstGeom prst="round2SameRect">
-              <a:avLst>
-                <a:gd name="adj1" fmla="val 36859"/>
-                <a:gd name="adj2" fmla="val 0"/>
-              </a:avLst>
-            </a:prstGeom>
-            <a:solidFill>
-              <a:schemeClr val="accent1"/>
-            </a:solidFill>
-            <a:ln w="38100">
-              <a:solidFill>
-                <a:schemeClr val="accent1"/>
-              </a:solidFill>
-            </a:ln>
-          </p:spPr>
-          <p:style>
-            <a:lnRef idx="2">
-              <a:schemeClr val="accent1">
-                <a:shade val="50000"/>
-              </a:schemeClr>
-            </a:lnRef>
-            <a:fillRef idx="1">
-              <a:schemeClr val="accent1"/>
-            </a:fillRef>
-            <a:effectRef idx="0">
-              <a:schemeClr val="accent1"/>
-            </a:effectRef>
-            <a:fontRef idx="minor">
-              <a:schemeClr val="lt1"/>
-            </a:fontRef>
-          </p:style>
-          <p:txBody>
-            <a:bodyPr rtlCol="0" anchor="ctr"/>
-            <a:lstStyle/>
-            <a:p>
-              <a:pPr algn="ctr"/>
-              <a:endParaRPr lang="en-US"/>
-            </a:p>
-          </p:txBody>
-        </p:sp>
-        <p:sp>
-          <p:nvSpPr>
-            <p:cNvPr id="45" name="Oval 44"/>
-            <p:cNvSpPr/>
-            <p:nvPr/>
-          </p:nvSpPr>
-          <p:spPr>
-            <a:xfrm>
-              <a:off x="7423895" y="5753818"/>
-              <a:ext cx="45719" cy="105617"/>
-            </a:xfrm>
-            <a:prstGeom prst="ellipse">
-              <a:avLst/>
-            </a:prstGeom>
-            <a:solidFill>
-              <a:srgbClr val="FF0000"/>
-            </a:solidFill>
-            <a:ln w="38100">
-              <a:solidFill>
-                <a:srgbClr val="FF0000"/>
-              </a:solidFill>
-            </a:ln>
-          </p:spPr>
-          <p:style>
-            <a:lnRef idx="2">
-              <a:schemeClr val="accent1">
-                <a:shade val="50000"/>
-              </a:schemeClr>
-            </a:lnRef>
-            <a:fillRef idx="1">
-              <a:schemeClr val="accent1"/>
-            </a:fillRef>
-            <a:effectRef idx="0">
-              <a:schemeClr val="accent1"/>
-            </a:effectRef>
-            <a:fontRef idx="minor">
-              <a:schemeClr val="lt1"/>
-            </a:fontRef>
-          </p:style>
-          <p:txBody>
-            <a:bodyPr rtlCol="0" anchor="ctr"/>
-            <a:lstStyle/>
-            <a:p>
-              <a:pPr algn="ctr"/>
-              <a:endParaRPr lang="en-US"/>
-            </a:p>
-          </p:txBody>
-        </p:sp>
-        <p:sp>
-          <p:nvSpPr>
-            <p:cNvPr id="46" name="Oval 45"/>
-            <p:cNvSpPr/>
-            <p:nvPr/>
-          </p:nvSpPr>
-          <p:spPr>
-            <a:xfrm>
-              <a:off x="8043464" y="5753818"/>
-              <a:ext cx="45719" cy="105617"/>
-            </a:xfrm>
-            <a:prstGeom prst="ellipse">
-              <a:avLst/>
-            </a:prstGeom>
-            <a:solidFill>
-              <a:srgbClr val="FF0000"/>
-            </a:solidFill>
-            <a:ln w="38100">
-              <a:solidFill>
-                <a:srgbClr val="FF0000"/>
-              </a:solidFill>
-            </a:ln>
-          </p:spPr>
-          <p:style>
-            <a:lnRef idx="2">
-              <a:schemeClr val="accent1">
-                <a:shade val="50000"/>
-              </a:schemeClr>
-            </a:lnRef>
-            <a:fillRef idx="1">
-              <a:schemeClr val="accent1"/>
-            </a:fillRef>
-            <a:effectRef idx="0">
-              <a:schemeClr val="accent1"/>
-            </a:effectRef>
-            <a:fontRef idx="minor">
-              <a:schemeClr val="lt1"/>
-            </a:fontRef>
-          </p:style>
-          <p:txBody>
-            <a:bodyPr rtlCol="0" anchor="ctr"/>
-            <a:lstStyle/>
-            <a:p>
-              <a:pPr algn="ctr"/>
-              <a:endParaRPr lang="en-US"/>
-            </a:p>
-          </p:txBody>
-        </p:sp>
-        <p:sp>
-          <p:nvSpPr>
-            <p:cNvPr id="47" name="Trapezoid 46"/>
-            <p:cNvSpPr/>
-            <p:nvPr/>
-          </p:nvSpPr>
-          <p:spPr>
-            <a:xfrm>
-              <a:off x="7427423" y="5492337"/>
-              <a:ext cx="656783" cy="176262"/>
-            </a:xfrm>
-            <a:prstGeom prst="trapezoid">
-              <a:avLst/>
-            </a:prstGeom>
-            <a:noFill/>
-            <a:ln w="38100">
-              <a:solidFill>
-                <a:schemeClr val="accent1"/>
-              </a:solidFill>
-            </a:ln>
-          </p:spPr>
-          <p:style>
-            <a:lnRef idx="2">
-              <a:schemeClr val="accent1">
-                <a:shade val="50000"/>
-              </a:schemeClr>
-            </a:lnRef>
-            <a:fillRef idx="1">
-              <a:schemeClr val="accent1"/>
-            </a:fillRef>
-            <a:effectRef idx="0">
-              <a:schemeClr val="accent1"/>
-            </a:effectRef>
-            <a:fontRef idx="minor">
-              <a:schemeClr val="lt1"/>
-            </a:fontRef>
-          </p:style>
-          <p:txBody>
-            <a:bodyPr rtlCol="0" anchor="ctr"/>
-            <a:lstStyle/>
-            <a:p>
-              <a:pPr algn="ctr"/>
-              <a:endParaRPr lang="en-US"/>
-            </a:p>
-          </p:txBody>
-        </p:sp>
-        <p:sp>
-          <p:nvSpPr>
-            <p:cNvPr id="48" name="Rectangle 47"/>
-            <p:cNvSpPr/>
-            <p:nvPr/>
-          </p:nvSpPr>
-          <p:spPr>
-            <a:xfrm>
-              <a:off x="7616407" y="5792216"/>
-              <a:ext cx="215285" cy="97494"/>
-            </a:xfrm>
-            <a:prstGeom prst="rect">
-              <a:avLst/>
-            </a:prstGeom>
-            <a:solidFill>
-              <a:schemeClr val="bg1"/>
-            </a:solidFill>
-            <a:ln w="38100">
-              <a:solidFill>
-                <a:schemeClr val="bg1"/>
-              </a:solidFill>
-            </a:ln>
-          </p:spPr>
-          <p:style>
-            <a:lnRef idx="2">
-              <a:schemeClr val="accent1">
-                <a:shade val="50000"/>
-              </a:schemeClr>
-            </a:lnRef>
-            <a:fillRef idx="1">
-              <a:schemeClr val="accent1"/>
-            </a:fillRef>
-            <a:effectRef idx="0">
-              <a:schemeClr val="accent1"/>
-            </a:effectRef>
-            <a:fontRef idx="minor">
-              <a:schemeClr val="lt1"/>
-            </a:fontRef>
-          </p:style>
-          <p:txBody>
-            <a:bodyPr rtlCol="0" anchor="ctr"/>
-            <a:lstStyle/>
-            <a:p>
-              <a:pPr algn="ctr"/>
-              <a:endParaRPr lang="en-US"/>
-            </a:p>
-          </p:txBody>
-        </p:sp>
-        <p:sp>
-          <p:nvSpPr>
-            <p:cNvPr id="49" name="TextBox 48"/>
-            <p:cNvSpPr txBox="1"/>
-            <p:nvPr/>
-          </p:nvSpPr>
-          <p:spPr>
-            <a:xfrm>
-              <a:off x="7556479" y="5733965"/>
-              <a:ext cx="379310" cy="99481"/>
-            </a:xfrm>
-            <a:prstGeom prst="rect">
-              <a:avLst/>
-            </a:prstGeom>
-            <a:noFill/>
-          </p:spPr>
-          <p:txBody>
-            <a:bodyPr wrap="none" rtlCol="0">
-              <a:noAutofit/>
-            </a:bodyPr>
-            <a:lstStyle/>
-            <a:p>
-              <a:r>
-                <a:rPr lang="en-US" sz="400" dirty="0" smtClean="0">
-                  <a:latin typeface="Arial" panose="020B0604020202020204" pitchFamily="34" charset="0"/>
-                  <a:cs typeface="Arial" panose="020B0604020202020204" pitchFamily="34" charset="0"/>
-                </a:rPr>
-                <a:t>   VD</a:t>
-              </a:r>
-            </a:p>
-            <a:p>
-              <a:r>
-                <a:rPr lang="en-US" sz="400" dirty="0" smtClean="0">
-                  <a:latin typeface="Arial" panose="020B0604020202020204" pitchFamily="34" charset="0"/>
-                  <a:cs typeface="Arial" panose="020B0604020202020204" pitchFamily="34" charset="0"/>
-                </a:rPr>
-                <a:t>12345</a:t>
-              </a:r>
-            </a:p>
-          </p:txBody>
-        </p:sp>
-        <p:sp>
-          <p:nvSpPr>
-            <p:cNvPr id="50" name="Rectangle 49"/>
-            <p:cNvSpPr/>
-            <p:nvPr/>
-          </p:nvSpPr>
-          <p:spPr>
-            <a:xfrm>
-              <a:off x="7615378" y="5793354"/>
-              <a:ext cx="45719" cy="45719"/>
-            </a:xfrm>
-            <a:prstGeom prst="rect">
-              <a:avLst/>
-            </a:prstGeom>
-            <a:solidFill>
-              <a:srgbClr val="FF0000"/>
-            </a:solidFill>
-            <a:ln w="9525">
-              <a:solidFill>
-                <a:srgbClr val="FF0000"/>
-              </a:solidFill>
-            </a:ln>
-          </p:spPr>
-          <p:style>
-            <a:lnRef idx="2">
-              <a:schemeClr val="accent1">
-                <a:shade val="50000"/>
-              </a:schemeClr>
-            </a:lnRef>
-            <a:fillRef idx="1">
-              <a:schemeClr val="accent1"/>
-            </a:fillRef>
-            <a:effectRef idx="0">
-              <a:schemeClr val="accent1"/>
-            </a:effectRef>
-            <a:fontRef idx="minor">
-              <a:schemeClr val="lt1"/>
-            </a:fontRef>
-          </p:style>
-          <p:txBody>
-            <a:bodyPr rtlCol="0" anchor="ctr"/>
-            <a:lstStyle/>
-            <a:p>
-              <a:pPr algn="ctr"/>
-              <a:endParaRPr lang="en-US"/>
-            </a:p>
-          </p:txBody>
-        </p:sp>
-        <p:sp>
-          <p:nvSpPr>
-            <p:cNvPr id="51" name="Plus 50"/>
-            <p:cNvSpPr/>
-            <p:nvPr/>
-          </p:nvSpPr>
-          <p:spPr>
-            <a:xfrm>
-              <a:off x="7612997" y="5792216"/>
-              <a:ext cx="45719" cy="45719"/>
-            </a:xfrm>
-            <a:prstGeom prst="mathPlus">
-              <a:avLst/>
-            </a:prstGeom>
-            <a:solidFill>
-              <a:schemeClr val="bg1"/>
-            </a:solidFill>
-            <a:ln w="6350">
-              <a:solidFill>
-                <a:schemeClr val="bg1"/>
-              </a:solidFill>
-            </a:ln>
-          </p:spPr>
-          <p:style>
-            <a:lnRef idx="2">
-              <a:schemeClr val="accent1">
-                <a:shade val="50000"/>
-              </a:schemeClr>
-            </a:lnRef>
-            <a:fillRef idx="1">
-              <a:schemeClr val="accent1"/>
-            </a:fillRef>
-            <a:effectRef idx="0">
-              <a:schemeClr val="accent1"/>
-            </a:effectRef>
-            <a:fontRef idx="minor">
-              <a:schemeClr val="lt1"/>
-            </a:fontRef>
-          </p:style>
-          <p:txBody>
-            <a:bodyPr rtlCol="0" anchor="ctr"/>
-            <a:lstStyle/>
-            <a:p>
-              <a:pPr algn="ctr"/>
-              <a:endParaRPr lang="en-US"/>
-            </a:p>
-          </p:txBody>
-        </p:sp>
-        <p:sp>
-          <p:nvSpPr>
-            <p:cNvPr id="52" name="Rectangle 51"/>
-            <p:cNvSpPr/>
-            <p:nvPr/>
-          </p:nvSpPr>
-          <p:spPr>
-            <a:xfrm>
-              <a:off x="7778049" y="5788881"/>
-              <a:ext cx="48100" cy="52387"/>
-            </a:xfrm>
-            <a:prstGeom prst="rect">
-              <a:avLst/>
-            </a:prstGeom>
-            <a:solidFill>
-              <a:schemeClr val="accent6"/>
-            </a:solidFill>
-            <a:ln w="3175">
-              <a:solidFill>
-                <a:schemeClr val="accent6"/>
-              </a:solidFill>
-            </a:ln>
-          </p:spPr>
-          <p:style>
-            <a:lnRef idx="2">
-              <a:schemeClr val="accent1">
-                <a:shade val="50000"/>
-              </a:schemeClr>
-            </a:lnRef>
-            <a:fillRef idx="1">
-              <a:schemeClr val="accent1"/>
-            </a:fillRef>
-            <a:effectRef idx="0">
-              <a:schemeClr val="accent1"/>
-            </a:effectRef>
-            <a:fontRef idx="minor">
-              <a:schemeClr val="lt1"/>
-            </a:fontRef>
-          </p:style>
-          <p:txBody>
-            <a:bodyPr rtlCol="0" anchor="ctr"/>
-            <a:lstStyle/>
-            <a:p>
-              <a:pPr algn="ctr"/>
-              <a:endParaRPr lang="en-US"/>
-            </a:p>
-          </p:txBody>
-        </p:sp>
-        <p:sp>
-          <p:nvSpPr>
-            <p:cNvPr id="53" name="Rectangle 52"/>
-            <p:cNvSpPr/>
-            <p:nvPr/>
-          </p:nvSpPr>
-          <p:spPr>
-            <a:xfrm>
-              <a:off x="7771154" y="5772297"/>
-              <a:ext cx="59758" cy="45719"/>
-            </a:xfrm>
-            <a:prstGeom prst="rect">
-              <a:avLst/>
-            </a:prstGeom>
-            <a:solidFill>
-              <a:schemeClr val="bg1"/>
-            </a:solidFill>
-            <a:ln w="0">
-              <a:solidFill>
-                <a:schemeClr val="bg1"/>
-              </a:solidFill>
-            </a:ln>
-          </p:spPr>
-          <p:style>
-            <a:lnRef idx="2">
-              <a:schemeClr val="accent1">
-                <a:shade val="50000"/>
-              </a:schemeClr>
-            </a:lnRef>
-            <a:fillRef idx="1">
-              <a:schemeClr val="accent1"/>
-            </a:fillRef>
-            <a:effectRef idx="0">
-              <a:schemeClr val="accent1"/>
-            </a:effectRef>
-            <a:fontRef idx="minor">
-              <a:schemeClr val="lt1"/>
-            </a:fontRef>
-          </p:style>
-          <p:txBody>
-            <a:bodyPr rtlCol="0" anchor="ctr"/>
-            <a:lstStyle/>
-            <a:p>
-              <a:pPr algn="ctr"/>
-              <a:endParaRPr lang="en-US"/>
-            </a:p>
-          </p:txBody>
-        </p:sp>
       </p:grpSp>
     </p:spTree>
     <p:extLst>
@@ -26083,1683 +25498,6 @@
       </p:grpSp>
       <p:grpSp>
         <p:nvGrpSpPr>
-          <p:cNvPr id="47" name="Group 46"/>
-          <p:cNvGrpSpPr/>
-          <p:nvPr/>
-        </p:nvGrpSpPr>
-        <p:grpSpPr>
-          <a:xfrm>
-            <a:off x="1079385" y="885003"/>
-            <a:ext cx="4061493" cy="3921174"/>
-            <a:chOff x="1079385" y="885003"/>
-            <a:chExt cx="4061493" cy="3921174"/>
-          </a:xfrm>
-        </p:grpSpPr>
-        <p:grpSp>
-          <p:nvGrpSpPr>
-            <p:cNvPr id="45" name="Group 44"/>
-            <p:cNvGrpSpPr/>
-            <p:nvPr/>
-          </p:nvGrpSpPr>
-          <p:grpSpPr>
-            <a:xfrm>
-              <a:off x="1293542" y="1182030"/>
-              <a:ext cx="3646449" cy="3624147"/>
-              <a:chOff x="1293542" y="1182030"/>
-              <a:chExt cx="3646449" cy="3624147"/>
-            </a:xfrm>
-          </p:grpSpPr>
-          <p:grpSp>
-            <p:nvGrpSpPr>
-              <p:cNvPr id="21" name="Group 20"/>
-              <p:cNvGrpSpPr/>
-              <p:nvPr/>
-            </p:nvGrpSpPr>
-            <p:grpSpPr>
-              <a:xfrm>
-                <a:off x="1293542" y="1182030"/>
-                <a:ext cx="3646449" cy="3624147"/>
-                <a:chOff x="1538868" y="1616927"/>
-                <a:chExt cx="3646449" cy="3624147"/>
-              </a:xfrm>
-            </p:grpSpPr>
-            <p:sp>
-              <p:nvSpPr>
-                <p:cNvPr id="4" name="Block Arc 3"/>
-                <p:cNvSpPr/>
-                <p:nvPr/>
-              </p:nvSpPr>
-              <p:spPr>
-                <a:xfrm>
-                  <a:off x="1538868" y="1616927"/>
-                  <a:ext cx="3646449" cy="3624147"/>
-                </a:xfrm>
-                <a:prstGeom prst="blockArc">
-                  <a:avLst>
-                    <a:gd name="adj1" fmla="val 10800000"/>
-                    <a:gd name="adj2" fmla="val 21571172"/>
-                    <a:gd name="adj3" fmla="val 13614"/>
-                  </a:avLst>
-                </a:prstGeom>
-                <a:solidFill>
-                  <a:schemeClr val="bg2">
-                    <a:lumMod val="90000"/>
-                  </a:schemeClr>
-                </a:solidFill>
-                <a:ln w="38100">
-                  <a:solidFill>
-                    <a:schemeClr val="tx1"/>
-                  </a:solidFill>
-                </a:ln>
-              </p:spPr>
-              <p:style>
-                <a:lnRef idx="2">
-                  <a:schemeClr val="accent1">
-                    <a:shade val="50000"/>
-                  </a:schemeClr>
-                </a:lnRef>
-                <a:fillRef idx="1">
-                  <a:schemeClr val="accent1"/>
-                </a:fillRef>
-                <a:effectRef idx="0">
-                  <a:schemeClr val="accent1"/>
-                </a:effectRef>
-                <a:fontRef idx="minor">
-                  <a:schemeClr val="lt1"/>
-                </a:fontRef>
-              </p:style>
-              <p:txBody>
-                <a:bodyPr rtlCol="0" anchor="ctr"/>
-                <a:lstStyle/>
-                <a:p>
-                  <a:pPr algn="ctr"/>
-                  <a:endParaRPr lang="en-US">
-                    <a:solidFill>
-                      <a:schemeClr val="tx1"/>
-                    </a:solidFill>
-                  </a:endParaRPr>
-                </a:p>
-              </p:txBody>
-            </p:sp>
-            <p:sp>
-              <p:nvSpPr>
-                <p:cNvPr id="5" name="Arc 4"/>
-                <p:cNvSpPr/>
-                <p:nvPr/>
-              </p:nvSpPr>
-              <p:spPr>
-                <a:xfrm>
-                  <a:off x="1806496" y="1856678"/>
-                  <a:ext cx="3111192" cy="3144643"/>
-                </a:xfrm>
-                <a:prstGeom prst="arc">
-                  <a:avLst>
-                    <a:gd name="adj1" fmla="val 10824154"/>
-                    <a:gd name="adj2" fmla="val 21550719"/>
-                  </a:avLst>
-                </a:prstGeom>
-                <a:ln w="57150">
-                  <a:solidFill>
-                    <a:schemeClr val="bg1"/>
-                  </a:solidFill>
-                  <a:prstDash val="dash"/>
-                </a:ln>
-              </p:spPr>
-              <p:style>
-                <a:lnRef idx="1">
-                  <a:schemeClr val="accent1"/>
-                </a:lnRef>
-                <a:fillRef idx="0">
-                  <a:schemeClr val="accent1"/>
-                </a:fillRef>
-                <a:effectRef idx="0">
-                  <a:schemeClr val="accent1"/>
-                </a:effectRef>
-                <a:fontRef idx="minor">
-                  <a:schemeClr val="tx1"/>
-                </a:fontRef>
-              </p:style>
-              <p:txBody>
-                <a:bodyPr rtlCol="0" anchor="ctr"/>
-                <a:lstStyle/>
-                <a:p>
-                  <a:pPr algn="ctr"/>
-                  <a:endParaRPr lang="en-US"/>
-                </a:p>
-              </p:txBody>
-            </p:sp>
-            <p:grpSp>
-              <p:nvGrpSpPr>
-                <p:cNvPr id="17" name="Group 16"/>
-                <p:cNvGrpSpPr/>
-                <p:nvPr/>
-              </p:nvGrpSpPr>
-              <p:grpSpPr>
-                <a:xfrm rot="2360171">
-                  <a:off x="4259404" y="2030036"/>
-                  <a:ext cx="345689" cy="214843"/>
-                  <a:chOff x="6795038" y="1125159"/>
-                  <a:chExt cx="433826" cy="304053"/>
-                </a:xfrm>
-              </p:grpSpPr>
-              <p:sp>
-                <p:nvSpPr>
-                  <p:cNvPr id="7" name="Oval 6"/>
-                  <p:cNvSpPr/>
-                  <p:nvPr/>
-                </p:nvSpPr>
-                <p:spPr>
-                  <a:xfrm>
-                    <a:off x="6848593" y="1125159"/>
-                    <a:ext cx="94786" cy="45719"/>
-                  </a:xfrm>
-                  <a:prstGeom prst="ellipse">
-                    <a:avLst/>
-                  </a:prstGeom>
-                  <a:solidFill>
-                    <a:schemeClr val="tx1"/>
-                  </a:solidFill>
-                  <a:ln w="38100">
-                    <a:solidFill>
-                      <a:schemeClr val="tx1"/>
-                    </a:solidFill>
-                  </a:ln>
-                </p:spPr>
-                <p:style>
-                  <a:lnRef idx="2">
-                    <a:schemeClr val="accent1">
-                      <a:shade val="50000"/>
-                    </a:schemeClr>
-                  </a:lnRef>
-                  <a:fillRef idx="1">
-                    <a:schemeClr val="accent1"/>
-                  </a:fillRef>
-                  <a:effectRef idx="0">
-                    <a:schemeClr val="accent1"/>
-                  </a:effectRef>
-                  <a:fontRef idx="minor">
-                    <a:schemeClr val="lt1"/>
-                  </a:fontRef>
-                </p:style>
-                <p:txBody>
-                  <a:bodyPr rtlCol="0" anchor="ctr"/>
-                  <a:lstStyle/>
-                  <a:p>
-                    <a:pPr algn="ctr"/>
-                    <a:endParaRPr lang="en-US"/>
-                  </a:p>
-                </p:txBody>
-              </p:sp>
-              <p:sp>
-                <p:nvSpPr>
-                  <p:cNvPr id="8" name="Oval 7"/>
-                  <p:cNvSpPr/>
-                  <p:nvPr/>
-                </p:nvSpPr>
-                <p:spPr>
-                  <a:xfrm>
-                    <a:off x="7090750" y="1125320"/>
-                    <a:ext cx="94786" cy="45719"/>
-                  </a:xfrm>
-                  <a:prstGeom prst="ellipse">
-                    <a:avLst/>
-                  </a:prstGeom>
-                  <a:solidFill>
-                    <a:schemeClr val="tx1"/>
-                  </a:solidFill>
-                  <a:ln w="38100">
-                    <a:solidFill>
-                      <a:schemeClr val="tx1"/>
-                    </a:solidFill>
-                  </a:ln>
-                </p:spPr>
-                <p:style>
-                  <a:lnRef idx="2">
-                    <a:schemeClr val="accent1">
-                      <a:shade val="50000"/>
-                    </a:schemeClr>
-                  </a:lnRef>
-                  <a:fillRef idx="1">
-                    <a:schemeClr val="accent1"/>
-                  </a:fillRef>
-                  <a:effectRef idx="0">
-                    <a:schemeClr val="accent1"/>
-                  </a:effectRef>
-                  <a:fontRef idx="minor">
-                    <a:schemeClr val="lt1"/>
-                  </a:fontRef>
-                </p:style>
-                <p:txBody>
-                  <a:bodyPr rtlCol="0" anchor="ctr"/>
-                  <a:lstStyle/>
-                  <a:p>
-                    <a:pPr algn="ctr"/>
-                    <a:endParaRPr lang="en-US"/>
-                  </a:p>
-                </p:txBody>
-              </p:sp>
-              <p:sp>
-                <p:nvSpPr>
-                  <p:cNvPr id="9" name="Oval 8"/>
-                  <p:cNvSpPr/>
-                  <p:nvPr/>
-                </p:nvSpPr>
-                <p:spPr>
-                  <a:xfrm>
-                    <a:off x="6848593" y="1383332"/>
-                    <a:ext cx="94786" cy="45719"/>
-                  </a:xfrm>
-                  <a:prstGeom prst="ellipse">
-                    <a:avLst/>
-                  </a:prstGeom>
-                  <a:solidFill>
-                    <a:schemeClr val="tx1"/>
-                  </a:solidFill>
-                  <a:ln w="38100">
-                    <a:solidFill>
-                      <a:schemeClr val="tx1"/>
-                    </a:solidFill>
-                  </a:ln>
-                </p:spPr>
-                <p:style>
-                  <a:lnRef idx="2">
-                    <a:schemeClr val="accent1">
-                      <a:shade val="50000"/>
-                    </a:schemeClr>
-                  </a:lnRef>
-                  <a:fillRef idx="1">
-                    <a:schemeClr val="accent1"/>
-                  </a:fillRef>
-                  <a:effectRef idx="0">
-                    <a:schemeClr val="accent1"/>
-                  </a:effectRef>
-                  <a:fontRef idx="minor">
-                    <a:schemeClr val="lt1"/>
-                  </a:fontRef>
-                </p:style>
-                <p:txBody>
-                  <a:bodyPr rtlCol="0" anchor="ctr"/>
-                  <a:lstStyle/>
-                  <a:p>
-                    <a:pPr algn="ctr"/>
-                    <a:endParaRPr lang="en-US"/>
-                  </a:p>
-                </p:txBody>
-              </p:sp>
-              <p:sp>
-                <p:nvSpPr>
-                  <p:cNvPr id="10" name="Oval 9"/>
-                  <p:cNvSpPr/>
-                  <p:nvPr/>
-                </p:nvSpPr>
-                <p:spPr>
-                  <a:xfrm>
-                    <a:off x="7090750" y="1383493"/>
-                    <a:ext cx="94786" cy="45719"/>
-                  </a:xfrm>
-                  <a:prstGeom prst="ellipse">
-                    <a:avLst/>
-                  </a:prstGeom>
-                  <a:solidFill>
-                    <a:schemeClr val="tx1"/>
-                  </a:solidFill>
-                  <a:ln w="38100">
-                    <a:solidFill>
-                      <a:schemeClr val="tx1"/>
-                    </a:solidFill>
-                  </a:ln>
-                </p:spPr>
-                <p:style>
-                  <a:lnRef idx="2">
-                    <a:schemeClr val="accent1">
-                      <a:shade val="50000"/>
-                    </a:schemeClr>
-                  </a:lnRef>
-                  <a:fillRef idx="1">
-                    <a:schemeClr val="accent1"/>
-                  </a:fillRef>
-                  <a:effectRef idx="0">
-                    <a:schemeClr val="accent1"/>
-                  </a:effectRef>
-                  <a:fontRef idx="minor">
-                    <a:schemeClr val="lt1"/>
-                  </a:fontRef>
-                </p:style>
-                <p:txBody>
-                  <a:bodyPr rtlCol="0" anchor="ctr"/>
-                  <a:lstStyle/>
-                  <a:p>
-                    <a:pPr algn="ctr"/>
-                    <a:endParaRPr lang="en-US"/>
-                  </a:p>
-                </p:txBody>
-              </p:sp>
-              <p:cxnSp>
-                <p:nvCxnSpPr>
-                  <p:cNvPr id="13" name="Straight Connector 12"/>
-                  <p:cNvCxnSpPr/>
-                  <p:nvPr/>
-                </p:nvCxnSpPr>
-                <p:spPr>
-                  <a:xfrm>
-                    <a:off x="7228864" y="1192477"/>
-                    <a:ext cx="0" cy="66927"/>
-                  </a:xfrm>
-                  <a:prstGeom prst="line">
-                    <a:avLst/>
-                  </a:prstGeom>
-                  <a:ln w="38100">
-                    <a:solidFill>
-                      <a:srgbClr val="FF0000"/>
-                    </a:solidFill>
-                  </a:ln>
-                </p:spPr>
-                <p:style>
-                  <a:lnRef idx="1">
-                    <a:schemeClr val="accent1"/>
-                  </a:lnRef>
-                  <a:fillRef idx="0">
-                    <a:schemeClr val="accent1"/>
-                  </a:fillRef>
-                  <a:effectRef idx="0">
-                    <a:schemeClr val="accent1"/>
-                  </a:effectRef>
-                  <a:fontRef idx="minor">
-                    <a:schemeClr val="tx1"/>
-                  </a:fontRef>
-                </p:style>
-              </p:cxnSp>
-              <p:cxnSp>
-                <p:nvCxnSpPr>
-                  <p:cNvPr id="14" name="Straight Connector 13"/>
-                  <p:cNvCxnSpPr/>
-                  <p:nvPr/>
-                </p:nvCxnSpPr>
-                <p:spPr>
-                  <a:xfrm>
-                    <a:off x="7228864" y="1310214"/>
-                    <a:ext cx="0" cy="66927"/>
-                  </a:xfrm>
-                  <a:prstGeom prst="line">
-                    <a:avLst/>
-                  </a:prstGeom>
-                  <a:ln w="38100">
-                    <a:solidFill>
-                      <a:srgbClr val="FF0000"/>
-                    </a:solidFill>
-                  </a:ln>
-                </p:spPr>
-                <p:style>
-                  <a:lnRef idx="1">
-                    <a:schemeClr val="accent1"/>
-                  </a:lnRef>
-                  <a:fillRef idx="0">
-                    <a:schemeClr val="accent1"/>
-                  </a:fillRef>
-                  <a:effectRef idx="0">
-                    <a:schemeClr val="accent1"/>
-                  </a:effectRef>
-                  <a:fontRef idx="minor">
-                    <a:schemeClr val="tx1"/>
-                  </a:fontRef>
-                </p:style>
-              </p:cxnSp>
-              <p:cxnSp>
-                <p:nvCxnSpPr>
-                  <p:cNvPr id="15" name="Straight Connector 14"/>
-                  <p:cNvCxnSpPr/>
-                  <p:nvPr/>
-                </p:nvCxnSpPr>
-                <p:spPr>
-                  <a:xfrm>
-                    <a:off x="6795038" y="1192477"/>
-                    <a:ext cx="0" cy="66927"/>
-                  </a:xfrm>
-                  <a:prstGeom prst="line">
-                    <a:avLst/>
-                  </a:prstGeom>
-                  <a:ln w="38100">
-                    <a:solidFill>
-                      <a:srgbClr val="FFFF00"/>
-                    </a:solidFill>
-                  </a:ln>
-                </p:spPr>
-                <p:style>
-                  <a:lnRef idx="1">
-                    <a:schemeClr val="accent1"/>
-                  </a:lnRef>
-                  <a:fillRef idx="0">
-                    <a:schemeClr val="accent1"/>
-                  </a:fillRef>
-                  <a:effectRef idx="0">
-                    <a:schemeClr val="accent1"/>
-                  </a:effectRef>
-                  <a:fontRef idx="minor">
-                    <a:schemeClr val="tx1"/>
-                  </a:fontRef>
-                </p:style>
-              </p:cxnSp>
-              <p:cxnSp>
-                <p:nvCxnSpPr>
-                  <p:cNvPr id="16" name="Straight Connector 15"/>
-                  <p:cNvCxnSpPr/>
-                  <p:nvPr/>
-                </p:nvCxnSpPr>
-                <p:spPr>
-                  <a:xfrm>
-                    <a:off x="6795038" y="1310214"/>
-                    <a:ext cx="0" cy="66927"/>
-                  </a:xfrm>
-                  <a:prstGeom prst="line">
-                    <a:avLst/>
-                  </a:prstGeom>
-                  <a:ln w="38100">
-                    <a:solidFill>
-                      <a:srgbClr val="FFFF00"/>
-                    </a:solidFill>
-                  </a:ln>
-                </p:spPr>
-                <p:style>
-                  <a:lnRef idx="1">
-                    <a:schemeClr val="accent1"/>
-                  </a:lnRef>
-                  <a:fillRef idx="0">
-                    <a:schemeClr val="accent1"/>
-                  </a:fillRef>
-                  <a:effectRef idx="0">
-                    <a:schemeClr val="accent1"/>
-                  </a:effectRef>
-                  <a:fontRef idx="minor">
-                    <a:schemeClr val="tx1"/>
-                  </a:fontRef>
-                </p:style>
-              </p:cxnSp>
-              <p:sp>
-                <p:nvSpPr>
-                  <p:cNvPr id="6" name="Rectangle 5"/>
-                  <p:cNvSpPr/>
-                  <p:nvPr/>
-                </p:nvSpPr>
-                <p:spPr>
-                  <a:xfrm>
-                    <a:off x="6824546" y="1170878"/>
-                    <a:ext cx="390293" cy="211873"/>
-                  </a:xfrm>
-                  <a:prstGeom prst="rect">
-                    <a:avLst/>
-                  </a:prstGeom>
-                  <a:solidFill>
-                    <a:schemeClr val="accent1"/>
-                  </a:solidFill>
-                  <a:ln w="38100">
-                    <a:solidFill>
-                      <a:schemeClr val="accent1"/>
-                    </a:solidFill>
-                  </a:ln>
-                </p:spPr>
-                <p:style>
-                  <a:lnRef idx="2">
-                    <a:schemeClr val="accent1">
-                      <a:shade val="50000"/>
-                    </a:schemeClr>
-                  </a:lnRef>
-                  <a:fillRef idx="1">
-                    <a:schemeClr val="accent1"/>
-                  </a:fillRef>
-                  <a:effectRef idx="0">
-                    <a:schemeClr val="accent1"/>
-                  </a:effectRef>
-                  <a:fontRef idx="minor">
-                    <a:schemeClr val="lt1"/>
-                  </a:fontRef>
-                </p:style>
-                <p:txBody>
-                  <a:bodyPr rtlCol="0" anchor="ctr"/>
-                  <a:lstStyle/>
-                  <a:p>
-                    <a:pPr algn="ctr"/>
-                    <a:endParaRPr lang="en-US"/>
-                  </a:p>
-                </p:txBody>
-              </p:sp>
-            </p:grpSp>
-            <p:cxnSp>
-              <p:nvCxnSpPr>
-                <p:cNvPr id="19" name="Straight Connector 18"/>
-                <p:cNvCxnSpPr/>
-                <p:nvPr/>
-              </p:nvCxnSpPr>
-              <p:spPr>
-                <a:xfrm flipV="1">
-                  <a:off x="3362092" y="2235356"/>
-                  <a:ext cx="974412" cy="1193643"/>
-                </a:xfrm>
-                <a:prstGeom prst="line">
-                  <a:avLst/>
-                </a:prstGeom>
-                <a:ln w="38100">
-                  <a:solidFill>
-                    <a:schemeClr val="tx1"/>
-                  </a:solidFill>
-                  <a:prstDash val="sysDot"/>
-                </a:ln>
-              </p:spPr>
-              <p:style>
-                <a:lnRef idx="1">
-                  <a:schemeClr val="accent1"/>
-                </a:lnRef>
-                <a:fillRef idx="0">
-                  <a:schemeClr val="accent1"/>
-                </a:fillRef>
-                <a:effectRef idx="0">
-                  <a:schemeClr val="accent1"/>
-                </a:effectRef>
-                <a:fontRef idx="minor">
-                  <a:schemeClr val="tx1"/>
-                </a:fontRef>
-              </p:style>
-            </p:cxnSp>
-            <mc:AlternateContent xmlns:mc="http://schemas.openxmlformats.org/markup-compatibility/2006" xmlns:a14="http://schemas.microsoft.com/office/drawing/2010/main">
-              <mc:Choice Requires="a14">
-                <p:sp>
-                  <p:nvSpPr>
-                    <p:cNvPr id="20" name="TextBox 19"/>
-                    <p:cNvSpPr txBox="1"/>
-                    <p:nvPr/>
-                  </p:nvSpPr>
-                  <p:spPr>
-                    <a:xfrm>
-                      <a:off x="3849298" y="2832177"/>
-                      <a:ext cx="241540" cy="307777"/>
-                    </a:xfrm>
-                    <a:prstGeom prst="rect">
-                      <a:avLst/>
-                    </a:prstGeom>
-                    <a:noFill/>
-                  </p:spPr>
-                  <p:txBody>
-                    <a:bodyPr wrap="none" lIns="0" tIns="0" rIns="0" bIns="0" rtlCol="0">
-                      <a:spAutoFit/>
-                    </a:bodyPr>
-                    <a:lstStyle/>
-                    <a:p>
-                      <a:pPr/>
-                      <a14:m>
-                        <m:oMathPara xmlns:m="http://schemas.openxmlformats.org/officeDocument/2006/math">
-                          <m:oMathParaPr>
-                            <m:jc m:val="centerGroup"/>
-                          </m:oMathParaPr>
-                          <m:oMath xmlns:m="http://schemas.openxmlformats.org/officeDocument/2006/math">
-                            <m:r>
-                              <a:rPr lang="en-US" sz="2000" b="0" i="1" smtClean="0">
-                                <a:latin typeface="Cambria Math" panose="02040503050406030204" pitchFamily="18" charset="0"/>
-                                <a:cs typeface="Arial" panose="020B0604020202020204" pitchFamily="34" charset="0"/>
-                              </a:rPr>
-                              <m:t>𝑅</m:t>
-                            </m:r>
-                          </m:oMath>
-                        </m:oMathPara>
-                      </a14:m>
-                      <a:endParaRPr lang="en-US" sz="2000" dirty="0" smtClean="0">
-                        <a:latin typeface="Arial" panose="020B0604020202020204" pitchFamily="34" charset="0"/>
-                        <a:cs typeface="Arial" panose="020B0604020202020204" pitchFamily="34" charset="0"/>
-                      </a:endParaRPr>
-                    </a:p>
-                  </p:txBody>
-                </p:sp>
-              </mc:Choice>
-              <mc:Fallback xmlns="">
-                <p:sp>
-                  <p:nvSpPr>
-                    <p:cNvPr id="20" name="TextBox 19"/>
-                    <p:cNvSpPr txBox="1">
-                      <a:spLocks noRot="1" noChangeAspect="1" noMove="1" noResize="1" noEditPoints="1" noAdjustHandles="1" noChangeArrowheads="1" noChangeShapeType="1" noTextEdit="1"/>
-                    </p:cNvSpPr>
-                    <p:nvPr/>
-                  </p:nvSpPr>
-                  <p:spPr>
-                    <a:xfrm>
-                      <a:off x="3849298" y="2832177"/>
-                      <a:ext cx="241540" cy="307777"/>
-                    </a:xfrm>
-                    <a:prstGeom prst="rect">
-                      <a:avLst/>
-                    </a:prstGeom>
-                    <a:blipFill>
-                      <a:blip r:embed="rId49"/>
-                      <a:stretch>
-                        <a:fillRect l="-20000" r="-20000" b="-9804"/>
-                      </a:stretch>
-                    </a:blipFill>
-                  </p:spPr>
-                  <p:txBody>
-                    <a:bodyPr/>
-                    <a:lstStyle/>
-                    <a:p>
-                      <a:r>
-                        <a:rPr lang="en-US">
-                          <a:noFill/>
-                        </a:rPr>
-                        <a:t> </a:t>
-                      </a:r>
-                    </a:p>
-                  </p:txBody>
-                </p:sp>
-              </mc:Fallback>
-            </mc:AlternateContent>
-          </p:grpSp>
-          <mc:AlternateContent xmlns:mc="http://schemas.openxmlformats.org/markup-compatibility/2006" xmlns:a14="http://schemas.microsoft.com/office/drawing/2010/main">
-            <mc:Choice Requires="a14">
-              <p:sp>
-                <p:nvSpPr>
-                  <p:cNvPr id="44" name="TextBox 43"/>
-                  <p:cNvSpPr txBox="1"/>
-                  <p:nvPr/>
-                </p:nvSpPr>
-                <p:spPr>
-                  <a:xfrm>
-                    <a:off x="2434943" y="3301878"/>
-                    <a:ext cx="1105495" cy="307777"/>
-                  </a:xfrm>
-                  <a:prstGeom prst="rect">
-                    <a:avLst/>
-                  </a:prstGeom>
-                  <a:noFill/>
-                </p:spPr>
-                <p:txBody>
-                  <a:bodyPr wrap="none" lIns="0" tIns="0" rIns="0" bIns="0" rtlCol="0">
-                    <a:spAutoFit/>
-                  </a:bodyPr>
-                  <a:lstStyle/>
-                  <a:p>
-                    <a:pPr/>
-                    <a14:m>
-                      <m:oMathPara xmlns:m="http://schemas.openxmlformats.org/officeDocument/2006/math">
-                        <m:oMathParaPr>
-                          <m:jc m:val="centerGroup"/>
-                        </m:oMathParaPr>
-                        <m:oMath xmlns:m="http://schemas.openxmlformats.org/officeDocument/2006/math">
-                          <m:r>
-                            <a:rPr lang="en-US" sz="2000" b="0" i="1" smtClean="0">
-                              <a:latin typeface="Cambria Math" panose="02040503050406030204" pitchFamily="18" charset="0"/>
-                              <a:cs typeface="Arial" panose="020B0604020202020204" pitchFamily="34" charset="0"/>
-                            </a:rPr>
-                            <m:t>𝑇𝑜𝑝</m:t>
-                          </m:r>
-                          <m:r>
-                            <a:rPr lang="en-US" sz="2000" b="0" i="1" smtClean="0">
-                              <a:latin typeface="Cambria Math" panose="02040503050406030204" pitchFamily="18" charset="0"/>
-                              <a:cs typeface="Arial" panose="020B0604020202020204" pitchFamily="34" charset="0"/>
-                            </a:rPr>
-                            <m:t> </m:t>
-                          </m:r>
-                          <m:r>
-                            <a:rPr lang="en-US" sz="2000" b="0" i="1" smtClean="0">
-                              <a:latin typeface="Cambria Math" panose="02040503050406030204" pitchFamily="18" charset="0"/>
-                              <a:cs typeface="Arial" panose="020B0604020202020204" pitchFamily="34" charset="0"/>
-                            </a:rPr>
-                            <m:t>𝑣𝑖𝑒𝑤</m:t>
-                          </m:r>
-                        </m:oMath>
-                      </m:oMathPara>
-                    </a14:m>
-                    <a:endParaRPr lang="en-US" sz="2000" dirty="0" smtClean="0">
-                      <a:latin typeface="Arial" panose="020B0604020202020204" pitchFamily="34" charset="0"/>
-                      <a:cs typeface="Arial" panose="020B0604020202020204" pitchFamily="34" charset="0"/>
-                    </a:endParaRPr>
-                  </a:p>
-                </p:txBody>
-              </p:sp>
-            </mc:Choice>
-            <mc:Fallback xmlns="">
-              <p:sp>
-                <p:nvSpPr>
-                  <p:cNvPr id="44" name="TextBox 43"/>
-                  <p:cNvSpPr txBox="1">
-                    <a:spLocks noRot="1" noChangeAspect="1" noMove="1" noResize="1" noEditPoints="1" noAdjustHandles="1" noChangeArrowheads="1" noChangeShapeType="1" noTextEdit="1"/>
-                  </p:cNvSpPr>
-                  <p:nvPr/>
-                </p:nvSpPr>
-                <p:spPr>
-                  <a:xfrm>
-                    <a:off x="2434943" y="3301878"/>
-                    <a:ext cx="1105495" cy="307777"/>
-                  </a:xfrm>
-                  <a:prstGeom prst="rect">
-                    <a:avLst/>
-                  </a:prstGeom>
-                  <a:blipFill>
-                    <a:blip r:embed="rId50"/>
-                    <a:stretch>
-                      <a:fillRect l="-6593" r="-3846" b="-38000"/>
-                    </a:stretch>
-                  </a:blipFill>
-                </p:spPr>
-                <p:txBody>
-                  <a:bodyPr/>
-                  <a:lstStyle/>
-                  <a:p>
-                    <a:r>
-                      <a:rPr lang="en-US">
-                        <a:noFill/>
-                      </a:rPr>
-                      <a:t> </a:t>
-                    </a:r>
-                  </a:p>
-                </p:txBody>
-              </p:sp>
-            </mc:Fallback>
-          </mc:AlternateContent>
-        </p:grpSp>
-        <p:sp>
-          <p:nvSpPr>
-            <p:cNvPr id="46" name="Arc 45"/>
-            <p:cNvSpPr/>
-            <p:nvPr/>
-          </p:nvSpPr>
-          <p:spPr>
-            <a:xfrm>
-              <a:off x="1079385" y="885003"/>
-              <a:ext cx="4061493" cy="3462669"/>
-            </a:xfrm>
-            <a:prstGeom prst="arc">
-              <a:avLst>
-                <a:gd name="adj1" fmla="val 17450958"/>
-                <a:gd name="adj2" fmla="val 20413314"/>
-              </a:avLst>
-            </a:prstGeom>
-            <a:ln w="38100">
-              <a:solidFill>
-                <a:schemeClr val="tx1"/>
-              </a:solidFill>
-              <a:headEnd type="triangle" w="med" len="med"/>
-              <a:tailEnd type="none" w="med" len="med"/>
-            </a:ln>
-          </p:spPr>
-          <p:style>
-            <a:lnRef idx="1">
-              <a:schemeClr val="accent1"/>
-            </a:lnRef>
-            <a:fillRef idx="0">
-              <a:schemeClr val="accent1"/>
-            </a:fillRef>
-            <a:effectRef idx="0">
-              <a:schemeClr val="accent1"/>
-            </a:effectRef>
-            <a:fontRef idx="minor">
-              <a:schemeClr val="tx1"/>
-            </a:fontRef>
-          </p:style>
-          <p:txBody>
-            <a:bodyPr rtlCol="0" anchor="ctr"/>
-            <a:lstStyle/>
-            <a:p>
-              <a:pPr algn="ctr"/>
-              <a:endParaRPr lang="en-US"/>
-            </a:p>
-          </p:txBody>
-        </p:sp>
-      </p:grpSp>
-      <p:grpSp>
-        <p:nvGrpSpPr>
-          <p:cNvPr id="73" name="Group 72"/>
-          <p:cNvGrpSpPr/>
-          <p:nvPr/>
-        </p:nvGrpSpPr>
-        <p:grpSpPr>
-          <a:xfrm>
-            <a:off x="1634858" y="5002024"/>
-            <a:ext cx="4912640" cy="1178105"/>
-            <a:chOff x="2865863" y="5013576"/>
-            <a:chExt cx="4912640" cy="1178105"/>
-          </a:xfrm>
-        </p:grpSpPr>
-        <p:sp>
-          <p:nvSpPr>
-            <p:cNvPr id="2" name="Right Triangle 1"/>
-            <p:cNvSpPr/>
-            <p:nvPr/>
-          </p:nvSpPr>
-          <p:spPr>
-            <a:xfrm flipH="1">
-              <a:off x="4841755" y="5181359"/>
-              <a:ext cx="2936748" cy="1003609"/>
-            </a:xfrm>
-            <a:prstGeom prst="rtTriangle">
-              <a:avLst/>
-            </a:prstGeom>
-            <a:noFill/>
-            <a:ln w="38100">
-              <a:solidFill>
-                <a:schemeClr val="tx1"/>
-              </a:solidFill>
-            </a:ln>
-          </p:spPr>
-          <p:style>
-            <a:lnRef idx="2">
-              <a:schemeClr val="accent1">
-                <a:shade val="50000"/>
-              </a:schemeClr>
-            </a:lnRef>
-            <a:fillRef idx="1">
-              <a:schemeClr val="accent1"/>
-            </a:fillRef>
-            <a:effectRef idx="0">
-              <a:schemeClr val="accent1"/>
-            </a:effectRef>
-            <a:fontRef idx="minor">
-              <a:schemeClr val="lt1"/>
-            </a:fontRef>
-          </p:style>
-          <p:txBody>
-            <a:bodyPr rtlCol="0" anchor="ctr"/>
-            <a:lstStyle/>
-            <a:p>
-              <a:pPr algn="ctr"/>
-              <a:endParaRPr lang="en-US"/>
-            </a:p>
-          </p:txBody>
-        </p:sp>
-        <p:grpSp>
-          <p:nvGrpSpPr>
-            <p:cNvPr id="68" name="Group 67"/>
-            <p:cNvGrpSpPr/>
-            <p:nvPr/>
-          </p:nvGrpSpPr>
-          <p:grpSpPr>
-            <a:xfrm rot="20473929">
-              <a:off x="5862880" y="5017071"/>
-              <a:ext cx="819913" cy="621315"/>
-              <a:chOff x="7349026" y="5492337"/>
-              <a:chExt cx="819913" cy="621315"/>
-            </a:xfrm>
-          </p:grpSpPr>
-          <p:sp>
-            <p:nvSpPr>
-              <p:cNvPr id="11" name="Oval 10"/>
-              <p:cNvSpPr/>
-              <p:nvPr/>
-            </p:nvSpPr>
-            <p:spPr>
-              <a:xfrm>
-                <a:off x="7401083" y="5915182"/>
-                <a:ext cx="45719" cy="192526"/>
-              </a:xfrm>
-              <a:prstGeom prst="ellipse">
-                <a:avLst/>
-              </a:prstGeom>
-              <a:solidFill>
-                <a:schemeClr val="tx1"/>
-              </a:solidFill>
-              <a:ln w="38100">
-                <a:solidFill>
-                  <a:schemeClr val="tx1"/>
-                </a:solidFill>
-              </a:ln>
-            </p:spPr>
-            <p:style>
-              <a:lnRef idx="2">
-                <a:schemeClr val="accent1">
-                  <a:shade val="50000"/>
-                </a:schemeClr>
-              </a:lnRef>
-              <a:fillRef idx="1">
-                <a:schemeClr val="accent1"/>
-              </a:fillRef>
-              <a:effectRef idx="0">
-                <a:schemeClr val="accent1"/>
-              </a:effectRef>
-              <a:fontRef idx="minor">
-                <a:schemeClr val="lt1"/>
-              </a:fontRef>
-            </p:style>
-            <p:txBody>
-              <a:bodyPr rtlCol="0" anchor="ctr"/>
-              <a:lstStyle/>
-              <a:p>
-                <a:pPr algn="ctr"/>
-                <a:endParaRPr lang="en-US"/>
-              </a:p>
-            </p:txBody>
-          </p:sp>
-          <p:sp>
-            <p:nvSpPr>
-              <p:cNvPr id="48" name="Oval 47"/>
-              <p:cNvSpPr/>
-              <p:nvPr/>
-            </p:nvSpPr>
-            <p:spPr>
-              <a:xfrm>
-                <a:off x="8080725" y="5921126"/>
-                <a:ext cx="45719" cy="192526"/>
-              </a:xfrm>
-              <a:prstGeom prst="ellipse">
-                <a:avLst/>
-              </a:prstGeom>
-              <a:solidFill>
-                <a:schemeClr val="tx1"/>
-              </a:solidFill>
-              <a:ln w="38100">
-                <a:solidFill>
-                  <a:schemeClr val="tx1"/>
-                </a:solidFill>
-              </a:ln>
-            </p:spPr>
-            <p:style>
-              <a:lnRef idx="2">
-                <a:schemeClr val="accent1">
-                  <a:shade val="50000"/>
-                </a:schemeClr>
-              </a:lnRef>
-              <a:fillRef idx="1">
-                <a:schemeClr val="accent1"/>
-              </a:fillRef>
-              <a:effectRef idx="0">
-                <a:schemeClr val="accent1"/>
-              </a:effectRef>
-              <a:fontRef idx="minor">
-                <a:schemeClr val="lt1"/>
-              </a:fontRef>
-            </p:style>
-            <p:txBody>
-              <a:bodyPr rtlCol="0" anchor="ctr"/>
-              <a:lstStyle/>
-              <a:p>
-                <a:pPr algn="ctr"/>
-                <a:endParaRPr lang="en-US"/>
-              </a:p>
-            </p:txBody>
-          </p:sp>
-          <p:sp>
-            <p:nvSpPr>
-              <p:cNvPr id="52" name="Round Same Side Corner Rectangle 51"/>
-              <p:cNvSpPr/>
-              <p:nvPr/>
-            </p:nvSpPr>
-            <p:spPr>
-              <a:xfrm>
-                <a:off x="7349026" y="5683163"/>
-                <a:ext cx="819913" cy="289011"/>
-              </a:xfrm>
-              <a:prstGeom prst="round2SameRect">
-                <a:avLst>
-                  <a:gd name="adj1" fmla="val 36859"/>
-                  <a:gd name="adj2" fmla="val 0"/>
-                </a:avLst>
-              </a:prstGeom>
-              <a:solidFill>
-                <a:schemeClr val="accent1"/>
-              </a:solidFill>
-              <a:ln w="38100">
-                <a:solidFill>
-                  <a:schemeClr val="accent1"/>
-                </a:solidFill>
-              </a:ln>
-            </p:spPr>
-            <p:style>
-              <a:lnRef idx="2">
-                <a:schemeClr val="accent1">
-                  <a:shade val="50000"/>
-                </a:schemeClr>
-              </a:lnRef>
-              <a:fillRef idx="1">
-                <a:schemeClr val="accent1"/>
-              </a:fillRef>
-              <a:effectRef idx="0">
-                <a:schemeClr val="accent1"/>
-              </a:effectRef>
-              <a:fontRef idx="minor">
-                <a:schemeClr val="lt1"/>
-              </a:fontRef>
-            </p:style>
-            <p:txBody>
-              <a:bodyPr rtlCol="0" anchor="ctr"/>
-              <a:lstStyle/>
-              <a:p>
-                <a:pPr algn="ctr"/>
-                <a:endParaRPr lang="en-US"/>
-              </a:p>
-            </p:txBody>
-          </p:sp>
-          <p:sp>
-            <p:nvSpPr>
-              <p:cNvPr id="22" name="Oval 21"/>
-              <p:cNvSpPr/>
-              <p:nvPr/>
-            </p:nvSpPr>
-            <p:spPr>
-              <a:xfrm>
-                <a:off x="7423895" y="5753818"/>
-                <a:ext cx="45719" cy="105617"/>
-              </a:xfrm>
-              <a:prstGeom prst="ellipse">
-                <a:avLst/>
-              </a:prstGeom>
-              <a:solidFill>
-                <a:srgbClr val="FF0000"/>
-              </a:solidFill>
-              <a:ln w="38100">
-                <a:solidFill>
-                  <a:srgbClr val="FF0000"/>
-                </a:solidFill>
-              </a:ln>
-            </p:spPr>
-            <p:style>
-              <a:lnRef idx="2">
-                <a:schemeClr val="accent1">
-                  <a:shade val="50000"/>
-                </a:schemeClr>
-              </a:lnRef>
-              <a:fillRef idx="1">
-                <a:schemeClr val="accent1"/>
-              </a:fillRef>
-              <a:effectRef idx="0">
-                <a:schemeClr val="accent1"/>
-              </a:effectRef>
-              <a:fontRef idx="minor">
-                <a:schemeClr val="lt1"/>
-              </a:fontRef>
-            </p:style>
-            <p:txBody>
-              <a:bodyPr rtlCol="0" anchor="ctr"/>
-              <a:lstStyle/>
-              <a:p>
-                <a:pPr algn="ctr"/>
-                <a:endParaRPr lang="en-US"/>
-              </a:p>
-            </p:txBody>
-          </p:sp>
-          <p:sp>
-            <p:nvSpPr>
-              <p:cNvPr id="49" name="Oval 48"/>
-              <p:cNvSpPr/>
-              <p:nvPr/>
-            </p:nvSpPr>
-            <p:spPr>
-              <a:xfrm>
-                <a:off x="8043464" y="5753818"/>
-                <a:ext cx="45719" cy="105617"/>
-              </a:xfrm>
-              <a:prstGeom prst="ellipse">
-                <a:avLst/>
-              </a:prstGeom>
-              <a:solidFill>
-                <a:srgbClr val="FF0000"/>
-              </a:solidFill>
-              <a:ln w="38100">
-                <a:solidFill>
-                  <a:srgbClr val="FF0000"/>
-                </a:solidFill>
-              </a:ln>
-            </p:spPr>
-            <p:style>
-              <a:lnRef idx="2">
-                <a:schemeClr val="accent1">
-                  <a:shade val="50000"/>
-                </a:schemeClr>
-              </a:lnRef>
-              <a:fillRef idx="1">
-                <a:schemeClr val="accent1"/>
-              </a:fillRef>
-              <a:effectRef idx="0">
-                <a:schemeClr val="accent1"/>
-              </a:effectRef>
-              <a:fontRef idx="minor">
-                <a:schemeClr val="lt1"/>
-              </a:fontRef>
-            </p:style>
-            <p:txBody>
-              <a:bodyPr rtlCol="0" anchor="ctr"/>
-              <a:lstStyle/>
-              <a:p>
-                <a:pPr algn="ctr"/>
-                <a:endParaRPr lang="en-US"/>
-              </a:p>
-            </p:txBody>
-          </p:sp>
-          <p:sp>
-            <p:nvSpPr>
-              <p:cNvPr id="53" name="Trapezoid 52"/>
-              <p:cNvSpPr/>
-              <p:nvPr/>
-            </p:nvSpPr>
-            <p:spPr>
-              <a:xfrm>
-                <a:off x="7427423" y="5492337"/>
-                <a:ext cx="656783" cy="176262"/>
-              </a:xfrm>
-              <a:prstGeom prst="trapezoid">
-                <a:avLst/>
-              </a:prstGeom>
-              <a:noFill/>
-              <a:ln w="38100">
-                <a:solidFill>
-                  <a:schemeClr val="accent1"/>
-                </a:solidFill>
-              </a:ln>
-            </p:spPr>
-            <p:style>
-              <a:lnRef idx="2">
-                <a:schemeClr val="accent1">
-                  <a:shade val="50000"/>
-                </a:schemeClr>
-              </a:lnRef>
-              <a:fillRef idx="1">
-                <a:schemeClr val="accent1"/>
-              </a:fillRef>
-              <a:effectRef idx="0">
-                <a:schemeClr val="accent1"/>
-              </a:effectRef>
-              <a:fontRef idx="minor">
-                <a:schemeClr val="lt1"/>
-              </a:fontRef>
-            </p:style>
-            <p:txBody>
-              <a:bodyPr rtlCol="0" anchor="ctr"/>
-              <a:lstStyle/>
-              <a:p>
-                <a:pPr algn="ctr"/>
-                <a:endParaRPr lang="en-US"/>
-              </a:p>
-            </p:txBody>
-          </p:sp>
-          <p:sp>
-            <p:nvSpPr>
-              <p:cNvPr id="54" name="Rectangle 53"/>
-              <p:cNvSpPr/>
-              <p:nvPr/>
-            </p:nvSpPr>
-            <p:spPr>
-              <a:xfrm>
-                <a:off x="7616407" y="5792216"/>
-                <a:ext cx="215285" cy="97494"/>
-              </a:xfrm>
-              <a:prstGeom prst="rect">
-                <a:avLst/>
-              </a:prstGeom>
-              <a:solidFill>
-                <a:schemeClr val="bg1"/>
-              </a:solidFill>
-              <a:ln w="38100">
-                <a:solidFill>
-                  <a:schemeClr val="bg1"/>
-                </a:solidFill>
-              </a:ln>
-            </p:spPr>
-            <p:style>
-              <a:lnRef idx="2">
-                <a:schemeClr val="accent1">
-                  <a:shade val="50000"/>
-                </a:schemeClr>
-              </a:lnRef>
-              <a:fillRef idx="1">
-                <a:schemeClr val="accent1"/>
-              </a:fillRef>
-              <a:effectRef idx="0">
-                <a:schemeClr val="accent1"/>
-              </a:effectRef>
-              <a:fontRef idx="minor">
-                <a:schemeClr val="lt1"/>
-              </a:fontRef>
-            </p:style>
-            <p:txBody>
-              <a:bodyPr rtlCol="0" anchor="ctr"/>
-              <a:lstStyle/>
-              <a:p>
-                <a:pPr algn="ctr"/>
-                <a:endParaRPr lang="en-US"/>
-              </a:p>
-            </p:txBody>
-          </p:sp>
-          <p:sp>
-            <p:nvSpPr>
-              <p:cNvPr id="18" name="TextBox 17"/>
-              <p:cNvSpPr txBox="1"/>
-              <p:nvPr/>
-            </p:nvSpPr>
-            <p:spPr>
-              <a:xfrm>
-                <a:off x="7556479" y="5733965"/>
-                <a:ext cx="379310" cy="99481"/>
-              </a:xfrm>
-              <a:prstGeom prst="rect">
-                <a:avLst/>
-              </a:prstGeom>
-              <a:noFill/>
-            </p:spPr>
-            <p:txBody>
-              <a:bodyPr wrap="none" rtlCol="0">
-                <a:noAutofit/>
-              </a:bodyPr>
-              <a:lstStyle/>
-              <a:p>
-                <a:r>
-                  <a:rPr lang="en-US" sz="400" dirty="0" smtClean="0">
-                    <a:latin typeface="Arial" panose="020B0604020202020204" pitchFamily="34" charset="0"/>
-                    <a:cs typeface="Arial" panose="020B0604020202020204" pitchFamily="34" charset="0"/>
-                  </a:rPr>
-                  <a:t>   VD</a:t>
-                </a:r>
-              </a:p>
-              <a:p>
-                <a:r>
-                  <a:rPr lang="en-US" sz="400" dirty="0" smtClean="0">
-                    <a:latin typeface="Arial" panose="020B0604020202020204" pitchFamily="34" charset="0"/>
-                    <a:cs typeface="Arial" panose="020B0604020202020204" pitchFamily="34" charset="0"/>
-                  </a:rPr>
-                  <a:t>12345</a:t>
-                </a:r>
-              </a:p>
-            </p:txBody>
-          </p:sp>
-          <p:sp>
-            <p:nvSpPr>
-              <p:cNvPr id="64" name="Rectangle 63"/>
-              <p:cNvSpPr/>
-              <p:nvPr/>
-            </p:nvSpPr>
-            <p:spPr>
-              <a:xfrm>
-                <a:off x="7615378" y="5793354"/>
-                <a:ext cx="45719" cy="45719"/>
-              </a:xfrm>
-              <a:prstGeom prst="rect">
-                <a:avLst/>
-              </a:prstGeom>
-              <a:solidFill>
-                <a:srgbClr val="FF0000"/>
-              </a:solidFill>
-              <a:ln w="9525">
-                <a:solidFill>
-                  <a:srgbClr val="FF0000"/>
-                </a:solidFill>
-              </a:ln>
-            </p:spPr>
-            <p:style>
-              <a:lnRef idx="2">
-                <a:schemeClr val="accent1">
-                  <a:shade val="50000"/>
-                </a:schemeClr>
-              </a:lnRef>
-              <a:fillRef idx="1">
-                <a:schemeClr val="accent1"/>
-              </a:fillRef>
-              <a:effectRef idx="0">
-                <a:schemeClr val="accent1"/>
-              </a:effectRef>
-              <a:fontRef idx="minor">
-                <a:schemeClr val="lt1"/>
-              </a:fontRef>
-            </p:style>
-            <p:txBody>
-              <a:bodyPr rtlCol="0" anchor="ctr"/>
-              <a:lstStyle/>
-              <a:p>
-                <a:pPr algn="ctr"/>
-                <a:endParaRPr lang="en-US"/>
-              </a:p>
-            </p:txBody>
-          </p:sp>
-          <p:sp>
-            <p:nvSpPr>
-              <p:cNvPr id="65" name="Plus 64"/>
-              <p:cNvSpPr/>
-              <p:nvPr/>
-            </p:nvSpPr>
-            <p:spPr>
-              <a:xfrm>
-                <a:off x="7612997" y="5792216"/>
-                <a:ext cx="45719" cy="45719"/>
-              </a:xfrm>
-              <a:prstGeom prst="mathPlus">
-                <a:avLst/>
-              </a:prstGeom>
-              <a:solidFill>
-                <a:schemeClr val="bg1"/>
-              </a:solidFill>
-              <a:ln w="6350">
-                <a:solidFill>
-                  <a:schemeClr val="bg1"/>
-                </a:solidFill>
-              </a:ln>
-            </p:spPr>
-            <p:style>
-              <a:lnRef idx="2">
-                <a:schemeClr val="accent1">
-                  <a:shade val="50000"/>
-                </a:schemeClr>
-              </a:lnRef>
-              <a:fillRef idx="1">
-                <a:schemeClr val="accent1"/>
-              </a:fillRef>
-              <a:effectRef idx="0">
-                <a:schemeClr val="accent1"/>
-              </a:effectRef>
-              <a:fontRef idx="minor">
-                <a:schemeClr val="lt1"/>
-              </a:fontRef>
-            </p:style>
-            <p:txBody>
-              <a:bodyPr rtlCol="0" anchor="ctr"/>
-              <a:lstStyle/>
-              <a:p>
-                <a:pPr algn="ctr"/>
-                <a:endParaRPr lang="en-US"/>
-              </a:p>
-            </p:txBody>
-          </p:sp>
-          <p:sp>
-            <p:nvSpPr>
-              <p:cNvPr id="66" name="Rectangle 65"/>
-              <p:cNvSpPr/>
-              <p:nvPr/>
-            </p:nvSpPr>
-            <p:spPr>
-              <a:xfrm>
-                <a:off x="7778049" y="5788881"/>
-                <a:ext cx="48100" cy="52387"/>
-              </a:xfrm>
-              <a:prstGeom prst="rect">
-                <a:avLst/>
-              </a:prstGeom>
-              <a:solidFill>
-                <a:schemeClr val="accent6"/>
-              </a:solidFill>
-              <a:ln w="3175">
-                <a:solidFill>
-                  <a:schemeClr val="accent6"/>
-                </a:solidFill>
-              </a:ln>
-            </p:spPr>
-            <p:style>
-              <a:lnRef idx="2">
-                <a:schemeClr val="accent1">
-                  <a:shade val="50000"/>
-                </a:schemeClr>
-              </a:lnRef>
-              <a:fillRef idx="1">
-                <a:schemeClr val="accent1"/>
-              </a:fillRef>
-              <a:effectRef idx="0">
-                <a:schemeClr val="accent1"/>
-              </a:effectRef>
-              <a:fontRef idx="minor">
-                <a:schemeClr val="lt1"/>
-              </a:fontRef>
-            </p:style>
-            <p:txBody>
-              <a:bodyPr rtlCol="0" anchor="ctr"/>
-              <a:lstStyle/>
-              <a:p>
-                <a:pPr algn="ctr"/>
-                <a:endParaRPr lang="en-US"/>
-              </a:p>
-            </p:txBody>
-          </p:sp>
-          <p:sp>
-            <p:nvSpPr>
-              <p:cNvPr id="67" name="Rectangle 66"/>
-              <p:cNvSpPr/>
-              <p:nvPr/>
-            </p:nvSpPr>
-            <p:spPr>
-              <a:xfrm>
-                <a:off x="7771154" y="5772297"/>
-                <a:ext cx="59758" cy="45719"/>
-              </a:xfrm>
-              <a:prstGeom prst="rect">
-                <a:avLst/>
-              </a:prstGeom>
-              <a:solidFill>
-                <a:schemeClr val="bg1"/>
-              </a:solidFill>
-              <a:ln w="0">
-                <a:solidFill>
-                  <a:schemeClr val="bg1"/>
-                </a:solidFill>
-              </a:ln>
-            </p:spPr>
-            <p:style>
-              <a:lnRef idx="2">
-                <a:schemeClr val="accent1">
-                  <a:shade val="50000"/>
-                </a:schemeClr>
-              </a:lnRef>
-              <a:fillRef idx="1">
-                <a:schemeClr val="accent1"/>
-              </a:fillRef>
-              <a:effectRef idx="0">
-                <a:schemeClr val="accent1"/>
-              </a:effectRef>
-              <a:fontRef idx="minor">
-                <a:schemeClr val="lt1"/>
-              </a:fontRef>
-            </p:style>
-            <p:txBody>
-              <a:bodyPr rtlCol="0" anchor="ctr"/>
-              <a:lstStyle/>
-              <a:p>
-                <a:pPr algn="ctr"/>
-                <a:endParaRPr lang="en-US"/>
-              </a:p>
-            </p:txBody>
-          </p:sp>
-        </p:grpSp>
-        <mc:AlternateContent xmlns:mc="http://schemas.openxmlformats.org/markup-compatibility/2006" xmlns:a14="http://schemas.microsoft.com/office/drawing/2010/main">
-          <mc:Choice Requires="a14">
-            <p:sp>
-              <p:nvSpPr>
-                <p:cNvPr id="69" name="TextBox 68"/>
-                <p:cNvSpPr txBox="1"/>
-                <p:nvPr/>
-              </p:nvSpPr>
-              <p:spPr>
-                <a:xfrm>
-                  <a:off x="5680819" y="5883904"/>
-                  <a:ext cx="222304" cy="307777"/>
-                </a:xfrm>
-                <a:prstGeom prst="rect">
-                  <a:avLst/>
-                </a:prstGeom>
-                <a:noFill/>
-              </p:spPr>
-              <p:txBody>
-                <a:bodyPr wrap="none" lIns="0" tIns="0" rIns="0" bIns="0" rtlCol="0">
-                  <a:spAutoFit/>
-                </a:bodyPr>
-                <a:lstStyle/>
-                <a:p>
-                  <a:pPr/>
-                  <a14:m>
-                    <m:oMathPara xmlns:m="http://schemas.openxmlformats.org/officeDocument/2006/math">
-                      <m:oMathParaPr>
-                        <m:jc m:val="centerGroup"/>
-                      </m:oMathParaPr>
-                      <m:oMath xmlns:m="http://schemas.openxmlformats.org/officeDocument/2006/math">
-                        <m:r>
-                          <a:rPr lang="en-US" sz="2000" b="0" i="1" smtClean="0">
-                            <a:latin typeface="Cambria Math" panose="02040503050406030204" pitchFamily="18" charset="0"/>
-                            <a:cs typeface="Arial" panose="020B0604020202020204" pitchFamily="34" charset="0"/>
-                          </a:rPr>
-                          <m:t>𝜃</m:t>
-                        </m:r>
-                      </m:oMath>
-                    </m:oMathPara>
-                  </a14:m>
-                  <a:endParaRPr lang="en-US" sz="2000" dirty="0" smtClean="0">
-                    <a:latin typeface="Arial" panose="020B0604020202020204" pitchFamily="34" charset="0"/>
-                    <a:cs typeface="Arial" panose="020B0604020202020204" pitchFamily="34" charset="0"/>
-                  </a:endParaRPr>
-                </a:p>
-              </p:txBody>
-            </p:sp>
-          </mc:Choice>
-          <mc:Fallback xmlns="">
-            <p:sp>
-              <p:nvSpPr>
-                <p:cNvPr id="69" name="TextBox 68"/>
-                <p:cNvSpPr txBox="1">
-                  <a:spLocks noRot="1" noChangeAspect="1" noMove="1" noResize="1" noEditPoints="1" noAdjustHandles="1" noChangeArrowheads="1" noChangeShapeType="1" noTextEdit="1"/>
-                </p:cNvSpPr>
-                <p:nvPr/>
-              </p:nvSpPr>
-              <p:spPr>
-                <a:xfrm>
-                  <a:off x="5680819" y="5883904"/>
-                  <a:ext cx="222304" cy="307777"/>
-                </a:xfrm>
-                <a:prstGeom prst="rect">
-                  <a:avLst/>
-                </a:prstGeom>
-                <a:blipFill>
-                  <a:blip r:embed="rId51"/>
-                  <a:stretch>
-                    <a:fillRect l="-25000" r="-25000" b="-9804"/>
-                  </a:stretch>
-                </a:blipFill>
-              </p:spPr>
-              <p:txBody>
-                <a:bodyPr/>
-                <a:lstStyle/>
-                <a:p>
-                  <a:r>
-                    <a:rPr lang="en-US">
-                      <a:noFill/>
-                    </a:rPr>
-                    <a:t> </a:t>
-                  </a:r>
-                </a:p>
-              </p:txBody>
-            </p:sp>
-          </mc:Fallback>
-        </mc:AlternateContent>
-        <p:cxnSp>
-          <p:nvCxnSpPr>
-            <p:cNvPr id="70" name="Straight Connector 69"/>
-            <p:cNvCxnSpPr/>
-            <p:nvPr/>
-          </p:nvCxnSpPr>
-          <p:spPr>
-            <a:xfrm>
-              <a:off x="2865863" y="5374266"/>
-              <a:ext cx="2973914" cy="4543"/>
-            </a:xfrm>
-            <a:prstGeom prst="line">
-              <a:avLst/>
-            </a:prstGeom>
-            <a:ln w="38100">
-              <a:solidFill>
-                <a:schemeClr val="tx1"/>
-              </a:solidFill>
-              <a:prstDash val="sysDot"/>
-            </a:ln>
-          </p:spPr>
-          <p:style>
-            <a:lnRef idx="1">
-              <a:schemeClr val="accent1"/>
-            </a:lnRef>
-            <a:fillRef idx="0">
-              <a:schemeClr val="accent1"/>
-            </a:fillRef>
-            <a:effectRef idx="0">
-              <a:schemeClr val="accent1"/>
-            </a:effectRef>
-            <a:fontRef idx="minor">
-              <a:schemeClr val="tx1"/>
-            </a:fontRef>
-          </p:style>
-        </p:cxnSp>
-        <mc:AlternateContent xmlns:mc="http://schemas.openxmlformats.org/markup-compatibility/2006" xmlns:a14="http://schemas.microsoft.com/office/drawing/2010/main">
-          <mc:Choice Requires="a14">
-            <p:sp>
-              <p:nvSpPr>
-                <p:cNvPr id="72" name="TextBox 71"/>
-                <p:cNvSpPr txBox="1"/>
-                <p:nvPr/>
-              </p:nvSpPr>
-              <p:spPr>
-                <a:xfrm>
-                  <a:off x="4318570" y="5013576"/>
-                  <a:ext cx="241540" cy="307777"/>
-                </a:xfrm>
-                <a:prstGeom prst="rect">
-                  <a:avLst/>
-                </a:prstGeom>
-                <a:noFill/>
-              </p:spPr>
-              <p:txBody>
-                <a:bodyPr wrap="none" lIns="0" tIns="0" rIns="0" bIns="0" rtlCol="0">
-                  <a:spAutoFit/>
-                </a:bodyPr>
-                <a:lstStyle/>
-                <a:p>
-                  <a:pPr/>
-                  <a14:m>
-                    <m:oMathPara xmlns:m="http://schemas.openxmlformats.org/officeDocument/2006/math">
-                      <m:oMathParaPr>
-                        <m:jc m:val="centerGroup"/>
-                      </m:oMathParaPr>
-                      <m:oMath xmlns:m="http://schemas.openxmlformats.org/officeDocument/2006/math">
-                        <m:r>
-                          <a:rPr lang="en-US" sz="2000" b="0" i="1" smtClean="0">
-                            <a:latin typeface="Cambria Math" panose="02040503050406030204" pitchFamily="18" charset="0"/>
-                            <a:cs typeface="Arial" panose="020B0604020202020204" pitchFamily="34" charset="0"/>
-                          </a:rPr>
-                          <m:t>𝑅</m:t>
-                        </m:r>
-                      </m:oMath>
-                    </m:oMathPara>
-                  </a14:m>
-                  <a:endParaRPr lang="en-US" sz="2000" dirty="0" smtClean="0">
-                    <a:latin typeface="Arial" panose="020B0604020202020204" pitchFamily="34" charset="0"/>
-                    <a:cs typeface="Arial" panose="020B0604020202020204" pitchFamily="34" charset="0"/>
-                  </a:endParaRPr>
-                </a:p>
-              </p:txBody>
-            </p:sp>
-          </mc:Choice>
-          <mc:Fallback xmlns="">
-            <p:sp>
-              <p:nvSpPr>
-                <p:cNvPr id="72" name="TextBox 71"/>
-                <p:cNvSpPr txBox="1">
-                  <a:spLocks noRot="1" noChangeAspect="1" noMove="1" noResize="1" noEditPoints="1" noAdjustHandles="1" noChangeArrowheads="1" noChangeShapeType="1" noTextEdit="1"/>
-                </p:cNvSpPr>
-                <p:nvPr/>
-              </p:nvSpPr>
-              <p:spPr>
-                <a:xfrm>
-                  <a:off x="4318570" y="5013576"/>
-                  <a:ext cx="241540" cy="307777"/>
-                </a:xfrm>
-                <a:prstGeom prst="rect">
-                  <a:avLst/>
-                </a:prstGeom>
-                <a:blipFill>
-                  <a:blip r:embed="rId52"/>
-                  <a:stretch>
-                    <a:fillRect l="-20000" r="-20000" b="-10000"/>
-                  </a:stretch>
-                </a:blipFill>
-              </p:spPr>
-              <p:txBody>
-                <a:bodyPr/>
-                <a:lstStyle/>
-                <a:p>
-                  <a:r>
-                    <a:rPr lang="en-US">
-                      <a:noFill/>
-                    </a:rPr>
-                    <a:t> </a:t>
-                  </a:r>
-                </a:p>
-              </p:txBody>
-            </p:sp>
-          </mc:Fallback>
-        </mc:AlternateContent>
-      </p:grpSp>
-      <p:grpSp>
-        <p:nvGrpSpPr>
           <p:cNvPr id="110" name="Group 109"/>
           <p:cNvGrpSpPr/>
           <p:nvPr/>
@@ -29259,6 +26997,731 @@
             </p:sp>
           </mc:Fallback>
         </mc:AlternateContent>
+      </p:grpSp>
+      <p:grpSp>
+        <p:nvGrpSpPr>
+          <p:cNvPr id="55" name="Group 54"/>
+          <p:cNvGrpSpPr/>
+          <p:nvPr/>
+        </p:nvGrpSpPr>
+        <p:grpSpPr>
+          <a:xfrm>
+            <a:off x="1119577" y="885003"/>
+            <a:ext cx="4061493" cy="3921174"/>
+            <a:chOff x="1079385" y="885003"/>
+            <a:chExt cx="4061493" cy="3921174"/>
+          </a:xfrm>
+        </p:grpSpPr>
+        <p:sp>
+          <p:nvSpPr>
+            <p:cNvPr id="4" name="Block Arc 3"/>
+            <p:cNvSpPr/>
+            <p:nvPr/>
+          </p:nvSpPr>
+          <p:spPr>
+            <a:xfrm>
+              <a:off x="1293542" y="1182030"/>
+              <a:ext cx="3646449" cy="3624147"/>
+            </a:xfrm>
+            <a:prstGeom prst="blockArc">
+              <a:avLst>
+                <a:gd name="adj1" fmla="val 10800000"/>
+                <a:gd name="adj2" fmla="val 21571172"/>
+                <a:gd name="adj3" fmla="val 13614"/>
+              </a:avLst>
+            </a:prstGeom>
+            <a:solidFill>
+              <a:schemeClr val="bg2">
+                <a:lumMod val="90000"/>
+              </a:schemeClr>
+            </a:solidFill>
+            <a:ln w="38100">
+              <a:solidFill>
+                <a:schemeClr val="tx1"/>
+              </a:solidFill>
+            </a:ln>
+          </p:spPr>
+          <p:style>
+            <a:lnRef idx="2">
+              <a:schemeClr val="accent1">
+                <a:shade val="50000"/>
+              </a:schemeClr>
+            </a:lnRef>
+            <a:fillRef idx="1">
+              <a:schemeClr val="accent1"/>
+            </a:fillRef>
+            <a:effectRef idx="0">
+              <a:schemeClr val="accent1"/>
+            </a:effectRef>
+            <a:fontRef idx="minor">
+              <a:schemeClr val="lt1"/>
+            </a:fontRef>
+          </p:style>
+          <p:txBody>
+            <a:bodyPr rtlCol="0" anchor="ctr"/>
+            <a:lstStyle/>
+            <a:p>
+              <a:pPr algn="ctr"/>
+              <a:endParaRPr lang="en-US">
+                <a:solidFill>
+                  <a:schemeClr val="tx1"/>
+                </a:solidFill>
+              </a:endParaRPr>
+            </a:p>
+          </p:txBody>
+        </p:sp>
+        <p:sp>
+          <p:nvSpPr>
+            <p:cNvPr id="5" name="Arc 4"/>
+            <p:cNvSpPr/>
+            <p:nvPr/>
+          </p:nvSpPr>
+          <p:spPr>
+            <a:xfrm>
+              <a:off x="1561170" y="1421781"/>
+              <a:ext cx="3111192" cy="3144643"/>
+            </a:xfrm>
+            <a:prstGeom prst="arc">
+              <a:avLst>
+                <a:gd name="adj1" fmla="val 10824154"/>
+                <a:gd name="adj2" fmla="val 21550719"/>
+              </a:avLst>
+            </a:prstGeom>
+            <a:ln w="57150">
+              <a:solidFill>
+                <a:schemeClr val="bg1"/>
+              </a:solidFill>
+              <a:prstDash val="dash"/>
+            </a:ln>
+          </p:spPr>
+          <p:style>
+            <a:lnRef idx="1">
+              <a:schemeClr val="accent1"/>
+            </a:lnRef>
+            <a:fillRef idx="0">
+              <a:schemeClr val="accent1"/>
+            </a:fillRef>
+            <a:effectRef idx="0">
+              <a:schemeClr val="accent1"/>
+            </a:effectRef>
+            <a:fontRef idx="minor">
+              <a:schemeClr val="tx1"/>
+            </a:fontRef>
+          </p:style>
+          <p:txBody>
+            <a:bodyPr rtlCol="0" anchor="ctr"/>
+            <a:lstStyle/>
+            <a:p>
+              <a:pPr algn="ctr"/>
+              <a:endParaRPr lang="en-US"/>
+            </a:p>
+          </p:txBody>
+        </p:sp>
+        <p:cxnSp>
+          <p:nvCxnSpPr>
+            <p:cNvPr id="19" name="Straight Connector 18"/>
+            <p:cNvCxnSpPr/>
+            <p:nvPr/>
+          </p:nvCxnSpPr>
+          <p:spPr>
+            <a:xfrm flipV="1">
+              <a:off x="3116766" y="1800459"/>
+              <a:ext cx="974412" cy="1193643"/>
+            </a:xfrm>
+            <a:prstGeom prst="line">
+              <a:avLst/>
+            </a:prstGeom>
+            <a:ln w="38100">
+              <a:solidFill>
+                <a:schemeClr val="tx1"/>
+              </a:solidFill>
+              <a:prstDash val="sysDot"/>
+            </a:ln>
+          </p:spPr>
+          <p:style>
+            <a:lnRef idx="1">
+              <a:schemeClr val="accent1"/>
+            </a:lnRef>
+            <a:fillRef idx="0">
+              <a:schemeClr val="accent1"/>
+            </a:fillRef>
+            <a:effectRef idx="0">
+              <a:schemeClr val="accent1"/>
+            </a:effectRef>
+            <a:fontRef idx="minor">
+              <a:schemeClr val="tx1"/>
+            </a:fontRef>
+          </p:style>
+        </p:cxnSp>
+        <mc:AlternateContent xmlns:mc="http://schemas.openxmlformats.org/markup-compatibility/2006">
+          <mc:Choice xmlns:a14="http://schemas.microsoft.com/office/drawing/2010/main" Requires="a14">
+            <p:sp>
+              <p:nvSpPr>
+                <p:cNvPr id="20" name="TextBox 19"/>
+                <p:cNvSpPr txBox="1"/>
+                <p:nvPr/>
+              </p:nvSpPr>
+              <p:spPr>
+                <a:xfrm>
+                  <a:off x="3603972" y="2397280"/>
+                  <a:ext cx="241540" cy="307777"/>
+                </a:xfrm>
+                <a:prstGeom prst="rect">
+                  <a:avLst/>
+                </a:prstGeom>
+                <a:noFill/>
+              </p:spPr>
+              <p:txBody>
+                <a:bodyPr wrap="none" lIns="0" tIns="0" rIns="0" bIns="0" rtlCol="0">
+                  <a:spAutoFit/>
+                </a:bodyPr>
+                <a:lstStyle/>
+                <a:p>
+                  <a:pPr/>
+                  <a14:m>
+                    <m:oMathPara xmlns:m="http://schemas.openxmlformats.org/officeDocument/2006/math">
+                      <m:oMathParaPr>
+                        <m:jc m:val="centerGroup"/>
+                      </m:oMathParaPr>
+                      <m:oMath xmlns:m="http://schemas.openxmlformats.org/officeDocument/2006/math">
+                        <m:r>
+                          <a:rPr lang="en-US" sz="2000" b="0" i="1" smtClean="0">
+                            <a:latin typeface="Cambria Math" panose="02040503050406030204" pitchFamily="18" charset="0"/>
+                            <a:cs typeface="Arial" panose="020B0604020202020204" pitchFamily="34" charset="0"/>
+                          </a:rPr>
+                          <m:t>𝑅</m:t>
+                        </m:r>
+                      </m:oMath>
+                    </m:oMathPara>
+                  </a14:m>
+                  <a:endParaRPr lang="en-US" sz="2000" dirty="0" smtClean="0">
+                    <a:latin typeface="Arial" panose="020B0604020202020204" pitchFamily="34" charset="0"/>
+                    <a:cs typeface="Arial" panose="020B0604020202020204" pitchFamily="34" charset="0"/>
+                  </a:endParaRPr>
+                </a:p>
+              </p:txBody>
+            </p:sp>
+          </mc:Choice>
+          <mc:Fallback>
+            <p:sp>
+              <p:nvSpPr>
+                <p:cNvPr id="20" name="TextBox 19"/>
+                <p:cNvSpPr txBox="1">
+                  <a:spLocks noRot="1" noChangeAspect="1" noMove="1" noResize="1" noEditPoints="1" noAdjustHandles="1" noChangeArrowheads="1" noChangeShapeType="1" noTextEdit="1"/>
+                </p:cNvSpPr>
+                <p:nvPr/>
+              </p:nvSpPr>
+              <p:spPr>
+                <a:xfrm>
+                  <a:off x="3603972" y="2397280"/>
+                  <a:ext cx="241540" cy="307777"/>
+                </a:xfrm>
+                <a:prstGeom prst="rect">
+                  <a:avLst/>
+                </a:prstGeom>
+                <a:blipFill rotWithShape="0">
+                  <a:blip r:embed="rId57"/>
+                  <a:stretch>
+                    <a:fillRect l="-23077" r="-20513" b="-9804"/>
+                  </a:stretch>
+                </a:blipFill>
+              </p:spPr>
+              <p:txBody>
+                <a:bodyPr/>
+                <a:lstStyle/>
+                <a:p>
+                  <a:r>
+                    <a:rPr lang="en-US">
+                      <a:noFill/>
+                    </a:rPr>
+                    <a:t> </a:t>
+                  </a:r>
+                </a:p>
+              </p:txBody>
+            </p:sp>
+          </mc:Fallback>
+        </mc:AlternateContent>
+        <mc:AlternateContent xmlns:mc="http://schemas.openxmlformats.org/markup-compatibility/2006">
+          <mc:Choice xmlns:a14="http://schemas.microsoft.com/office/drawing/2010/main" Requires="a14">
+            <p:sp>
+              <p:nvSpPr>
+                <p:cNvPr id="44" name="TextBox 43"/>
+                <p:cNvSpPr txBox="1"/>
+                <p:nvPr/>
+              </p:nvSpPr>
+              <p:spPr>
+                <a:xfrm>
+                  <a:off x="2434943" y="3301878"/>
+                  <a:ext cx="1105495" cy="307777"/>
+                </a:xfrm>
+                <a:prstGeom prst="rect">
+                  <a:avLst/>
+                </a:prstGeom>
+                <a:noFill/>
+              </p:spPr>
+              <p:txBody>
+                <a:bodyPr wrap="none" lIns="0" tIns="0" rIns="0" bIns="0" rtlCol="0">
+                  <a:spAutoFit/>
+                </a:bodyPr>
+                <a:lstStyle/>
+                <a:p>
+                  <a:pPr/>
+                  <a14:m>
+                    <m:oMathPara xmlns:m="http://schemas.openxmlformats.org/officeDocument/2006/math">
+                      <m:oMathParaPr>
+                        <m:jc m:val="centerGroup"/>
+                      </m:oMathParaPr>
+                      <m:oMath xmlns:m="http://schemas.openxmlformats.org/officeDocument/2006/math">
+                        <m:r>
+                          <a:rPr lang="en-US" sz="2000" b="0" i="1" smtClean="0">
+                            <a:latin typeface="Cambria Math" panose="02040503050406030204" pitchFamily="18" charset="0"/>
+                            <a:cs typeface="Arial" panose="020B0604020202020204" pitchFamily="34" charset="0"/>
+                          </a:rPr>
+                          <m:t>𝑇𝑜𝑝</m:t>
+                        </m:r>
+                        <m:r>
+                          <a:rPr lang="en-US" sz="2000" b="0" i="1" smtClean="0">
+                            <a:latin typeface="Cambria Math" panose="02040503050406030204" pitchFamily="18" charset="0"/>
+                            <a:cs typeface="Arial" panose="020B0604020202020204" pitchFamily="34" charset="0"/>
+                          </a:rPr>
+                          <m:t> </m:t>
+                        </m:r>
+                        <m:r>
+                          <a:rPr lang="en-US" sz="2000" b="0" i="1" smtClean="0">
+                            <a:latin typeface="Cambria Math" panose="02040503050406030204" pitchFamily="18" charset="0"/>
+                            <a:cs typeface="Arial" panose="020B0604020202020204" pitchFamily="34" charset="0"/>
+                          </a:rPr>
+                          <m:t>𝑣𝑖𝑒𝑤</m:t>
+                        </m:r>
+                      </m:oMath>
+                    </m:oMathPara>
+                  </a14:m>
+                  <a:endParaRPr lang="en-US" sz="2000" dirty="0" smtClean="0">
+                    <a:latin typeface="Arial" panose="020B0604020202020204" pitchFamily="34" charset="0"/>
+                    <a:cs typeface="Arial" panose="020B0604020202020204" pitchFamily="34" charset="0"/>
+                  </a:endParaRPr>
+                </a:p>
+              </p:txBody>
+            </p:sp>
+          </mc:Choice>
+          <mc:Fallback>
+            <p:sp>
+              <p:nvSpPr>
+                <p:cNvPr id="44" name="TextBox 43"/>
+                <p:cNvSpPr txBox="1">
+                  <a:spLocks noRot="1" noChangeAspect="1" noMove="1" noResize="1" noEditPoints="1" noAdjustHandles="1" noChangeArrowheads="1" noChangeShapeType="1" noTextEdit="1"/>
+                </p:cNvSpPr>
+                <p:nvPr/>
+              </p:nvSpPr>
+              <p:spPr>
+                <a:xfrm>
+                  <a:off x="2434943" y="3301878"/>
+                  <a:ext cx="1105495" cy="307777"/>
+                </a:xfrm>
+                <a:prstGeom prst="rect">
+                  <a:avLst/>
+                </a:prstGeom>
+                <a:blipFill rotWithShape="0">
+                  <a:blip r:embed="rId58"/>
+                  <a:stretch>
+                    <a:fillRect l="-6630" t="-142000" r="-4420" b="-184000"/>
+                  </a:stretch>
+                </a:blipFill>
+              </p:spPr>
+              <p:txBody>
+                <a:bodyPr/>
+                <a:lstStyle/>
+                <a:p>
+                  <a:r>
+                    <a:rPr lang="en-US">
+                      <a:noFill/>
+                    </a:rPr>
+                    <a:t> </a:t>
+                  </a:r>
+                </a:p>
+              </p:txBody>
+            </p:sp>
+          </mc:Fallback>
+        </mc:AlternateContent>
+        <p:sp>
+          <p:nvSpPr>
+            <p:cNvPr id="46" name="Arc 45"/>
+            <p:cNvSpPr/>
+            <p:nvPr/>
+          </p:nvSpPr>
+          <p:spPr>
+            <a:xfrm>
+              <a:off x="1079385" y="885003"/>
+              <a:ext cx="4061493" cy="3462669"/>
+            </a:xfrm>
+            <a:prstGeom prst="arc">
+              <a:avLst>
+                <a:gd name="adj1" fmla="val 17450958"/>
+                <a:gd name="adj2" fmla="val 20413314"/>
+              </a:avLst>
+            </a:prstGeom>
+            <a:ln w="38100">
+              <a:solidFill>
+                <a:schemeClr val="tx1"/>
+              </a:solidFill>
+              <a:headEnd type="triangle" w="med" len="med"/>
+              <a:tailEnd type="none" w="med" len="med"/>
+            </a:ln>
+          </p:spPr>
+          <p:style>
+            <a:lnRef idx="1">
+              <a:schemeClr val="accent1"/>
+            </a:lnRef>
+            <a:fillRef idx="0">
+              <a:schemeClr val="accent1"/>
+            </a:fillRef>
+            <a:effectRef idx="0">
+              <a:schemeClr val="accent1"/>
+            </a:effectRef>
+            <a:fontRef idx="minor">
+              <a:schemeClr val="tx1"/>
+            </a:fontRef>
+          </p:style>
+          <p:txBody>
+            <a:bodyPr rtlCol="0" anchor="ctr"/>
+            <a:lstStyle/>
+            <a:p>
+              <a:pPr algn="ctr"/>
+              <a:endParaRPr lang="en-US"/>
+            </a:p>
+          </p:txBody>
+        </p:sp>
+        <p:pic>
+          <p:nvPicPr>
+            <p:cNvPr id="33" name="Picture 32"/>
+            <p:cNvPicPr>
+              <a:picLocks noChangeAspect="1"/>
+            </p:cNvPicPr>
+            <p:nvPr/>
+          </p:nvPicPr>
+          <p:blipFill rotWithShape="1">
+            <a:blip r:embed="rId59">
+              <a:extLst>
+                <a:ext uri="{28A0092B-C50C-407E-A947-70E740481C1C}">
+                  <a14:useLocalDpi xmlns:a14="http://schemas.microsoft.com/office/drawing/2010/main" val="0"/>
+                </a:ext>
+              </a:extLst>
+            </a:blip>
+            <a:srcRect l="30318" t="13564" r="55903" b="36726"/>
+            <a:stretch/>
+          </p:blipFill>
+          <p:spPr>
+            <a:xfrm rot="18533606">
+              <a:off x="4068001" y="1426330"/>
+              <a:ext cx="270172" cy="552802"/>
+            </a:xfrm>
+            <a:prstGeom prst="rect">
+              <a:avLst/>
+            </a:prstGeom>
+          </p:spPr>
+        </p:pic>
+      </p:grpSp>
+      <p:grpSp>
+        <p:nvGrpSpPr>
+          <p:cNvPr id="51" name="Group 50"/>
+          <p:cNvGrpSpPr/>
+          <p:nvPr/>
+        </p:nvGrpSpPr>
+        <p:grpSpPr>
+          <a:xfrm>
+            <a:off x="1634858" y="4679297"/>
+            <a:ext cx="4912640" cy="1500832"/>
+            <a:chOff x="1634858" y="4679297"/>
+            <a:chExt cx="4912640" cy="1500832"/>
+          </a:xfrm>
+        </p:grpSpPr>
+        <p:sp>
+          <p:nvSpPr>
+            <p:cNvPr id="2" name="Right Triangle 1"/>
+            <p:cNvSpPr/>
+            <p:nvPr/>
+          </p:nvSpPr>
+          <p:spPr>
+            <a:xfrm flipH="1">
+              <a:off x="3610750" y="5169807"/>
+              <a:ext cx="2936748" cy="1003609"/>
+            </a:xfrm>
+            <a:prstGeom prst="rtTriangle">
+              <a:avLst/>
+            </a:prstGeom>
+            <a:noFill/>
+            <a:ln w="38100">
+              <a:solidFill>
+                <a:schemeClr val="tx1"/>
+              </a:solidFill>
+            </a:ln>
+          </p:spPr>
+          <p:style>
+            <a:lnRef idx="2">
+              <a:schemeClr val="accent1">
+                <a:shade val="50000"/>
+              </a:schemeClr>
+            </a:lnRef>
+            <a:fillRef idx="1">
+              <a:schemeClr val="accent1"/>
+            </a:fillRef>
+            <a:effectRef idx="0">
+              <a:schemeClr val="accent1"/>
+            </a:effectRef>
+            <a:fontRef idx="minor">
+              <a:schemeClr val="lt1"/>
+            </a:fontRef>
+          </p:style>
+          <p:txBody>
+            <a:bodyPr rtlCol="0" anchor="ctr"/>
+            <a:lstStyle/>
+            <a:p>
+              <a:pPr algn="ctr"/>
+              <a:endParaRPr lang="en-US"/>
+            </a:p>
+          </p:txBody>
+        </p:sp>
+        <mc:AlternateContent xmlns:mc="http://schemas.openxmlformats.org/markup-compatibility/2006">
+          <mc:Choice xmlns:a14="http://schemas.microsoft.com/office/drawing/2010/main" Requires="a14">
+            <p:sp>
+              <p:nvSpPr>
+                <p:cNvPr id="69" name="TextBox 68"/>
+                <p:cNvSpPr txBox="1"/>
+                <p:nvPr/>
+              </p:nvSpPr>
+              <p:spPr>
+                <a:xfrm>
+                  <a:off x="4449814" y="5872352"/>
+                  <a:ext cx="222304" cy="307777"/>
+                </a:xfrm>
+                <a:prstGeom prst="rect">
+                  <a:avLst/>
+                </a:prstGeom>
+                <a:noFill/>
+              </p:spPr>
+              <p:txBody>
+                <a:bodyPr wrap="none" lIns="0" tIns="0" rIns="0" bIns="0" rtlCol="0">
+                  <a:spAutoFit/>
+                </a:bodyPr>
+                <a:lstStyle/>
+                <a:p>
+                  <a:pPr/>
+                  <a14:m>
+                    <m:oMathPara xmlns:m="http://schemas.openxmlformats.org/officeDocument/2006/math">
+                      <m:oMathParaPr>
+                        <m:jc m:val="centerGroup"/>
+                      </m:oMathParaPr>
+                      <m:oMath xmlns:m="http://schemas.openxmlformats.org/officeDocument/2006/math">
+                        <m:r>
+                          <a:rPr lang="en-US" sz="2000" b="0" i="1" smtClean="0">
+                            <a:latin typeface="Cambria Math" panose="02040503050406030204" pitchFamily="18" charset="0"/>
+                            <a:cs typeface="Arial" panose="020B0604020202020204" pitchFamily="34" charset="0"/>
+                          </a:rPr>
+                          <m:t>𝜃</m:t>
+                        </m:r>
+                      </m:oMath>
+                    </m:oMathPara>
+                  </a14:m>
+                  <a:endParaRPr lang="en-US" sz="2000" dirty="0" smtClean="0">
+                    <a:latin typeface="Arial" panose="020B0604020202020204" pitchFamily="34" charset="0"/>
+                    <a:cs typeface="Arial" panose="020B0604020202020204" pitchFamily="34" charset="0"/>
+                  </a:endParaRPr>
+                </a:p>
+              </p:txBody>
+            </p:sp>
+          </mc:Choice>
+          <mc:Fallback>
+            <p:sp>
+              <p:nvSpPr>
+                <p:cNvPr id="69" name="TextBox 68"/>
+                <p:cNvSpPr txBox="1">
+                  <a:spLocks noRot="1" noChangeAspect="1" noMove="1" noResize="1" noEditPoints="1" noAdjustHandles="1" noChangeArrowheads="1" noChangeShapeType="1" noTextEdit="1"/>
+                </p:cNvSpPr>
+                <p:nvPr/>
+              </p:nvSpPr>
+              <p:spPr>
+                <a:xfrm>
+                  <a:off x="4449814" y="5872352"/>
+                  <a:ext cx="222304" cy="307777"/>
+                </a:xfrm>
+                <a:prstGeom prst="rect">
+                  <a:avLst/>
+                </a:prstGeom>
+                <a:blipFill rotWithShape="0">
+                  <a:blip r:embed="rId60"/>
+                  <a:stretch>
+                    <a:fillRect l="-25000" r="-25000" b="-9804"/>
+                  </a:stretch>
+                </a:blipFill>
+              </p:spPr>
+              <p:txBody>
+                <a:bodyPr/>
+                <a:lstStyle/>
+                <a:p>
+                  <a:r>
+                    <a:rPr lang="en-US">
+                      <a:noFill/>
+                    </a:rPr>
+                    <a:t> </a:t>
+                  </a:r>
+                </a:p>
+              </p:txBody>
+            </p:sp>
+          </mc:Fallback>
+        </mc:AlternateContent>
+        <p:cxnSp>
+          <p:nvCxnSpPr>
+            <p:cNvPr id="70" name="Straight Connector 69"/>
+            <p:cNvCxnSpPr/>
+            <p:nvPr/>
+          </p:nvCxnSpPr>
+          <p:spPr>
+            <a:xfrm>
+              <a:off x="1634858" y="5362714"/>
+              <a:ext cx="2973914" cy="4543"/>
+            </a:xfrm>
+            <a:prstGeom prst="line">
+              <a:avLst/>
+            </a:prstGeom>
+            <a:ln w="38100">
+              <a:solidFill>
+                <a:schemeClr val="tx1"/>
+              </a:solidFill>
+              <a:prstDash val="sysDot"/>
+            </a:ln>
+          </p:spPr>
+          <p:style>
+            <a:lnRef idx="1">
+              <a:schemeClr val="accent1"/>
+            </a:lnRef>
+            <a:fillRef idx="0">
+              <a:schemeClr val="accent1"/>
+            </a:fillRef>
+            <a:effectRef idx="0">
+              <a:schemeClr val="accent1"/>
+            </a:effectRef>
+            <a:fontRef idx="minor">
+              <a:schemeClr val="tx1"/>
+            </a:fontRef>
+          </p:style>
+        </p:cxnSp>
+        <mc:AlternateContent xmlns:mc="http://schemas.openxmlformats.org/markup-compatibility/2006">
+          <mc:Choice xmlns:a14="http://schemas.microsoft.com/office/drawing/2010/main" Requires="a14">
+            <p:sp>
+              <p:nvSpPr>
+                <p:cNvPr id="72" name="TextBox 71"/>
+                <p:cNvSpPr txBox="1"/>
+                <p:nvPr/>
+              </p:nvSpPr>
+              <p:spPr>
+                <a:xfrm>
+                  <a:off x="3087565" y="5002024"/>
+                  <a:ext cx="241540" cy="307777"/>
+                </a:xfrm>
+                <a:prstGeom prst="rect">
+                  <a:avLst/>
+                </a:prstGeom>
+                <a:noFill/>
+              </p:spPr>
+              <p:txBody>
+                <a:bodyPr wrap="none" lIns="0" tIns="0" rIns="0" bIns="0" rtlCol="0">
+                  <a:spAutoFit/>
+                </a:bodyPr>
+                <a:lstStyle/>
+                <a:p>
+                  <a:pPr/>
+                  <a14:m>
+                    <m:oMathPara xmlns:m="http://schemas.openxmlformats.org/officeDocument/2006/math">
+                      <m:oMathParaPr>
+                        <m:jc m:val="centerGroup"/>
+                      </m:oMathParaPr>
+                      <m:oMath xmlns:m="http://schemas.openxmlformats.org/officeDocument/2006/math">
+                        <m:r>
+                          <a:rPr lang="en-US" sz="2000" b="0" i="1" smtClean="0">
+                            <a:latin typeface="Cambria Math" panose="02040503050406030204" pitchFamily="18" charset="0"/>
+                            <a:cs typeface="Arial" panose="020B0604020202020204" pitchFamily="34" charset="0"/>
+                          </a:rPr>
+                          <m:t>𝑅</m:t>
+                        </m:r>
+                      </m:oMath>
+                    </m:oMathPara>
+                  </a14:m>
+                  <a:endParaRPr lang="en-US" sz="2000" dirty="0" smtClean="0">
+                    <a:latin typeface="Arial" panose="020B0604020202020204" pitchFamily="34" charset="0"/>
+                    <a:cs typeface="Arial" panose="020B0604020202020204" pitchFamily="34" charset="0"/>
+                  </a:endParaRPr>
+                </a:p>
+              </p:txBody>
+            </p:sp>
+          </mc:Choice>
+          <mc:Fallback>
+            <p:sp>
+              <p:nvSpPr>
+                <p:cNvPr id="72" name="TextBox 71"/>
+                <p:cNvSpPr txBox="1">
+                  <a:spLocks noRot="1" noChangeAspect="1" noMove="1" noResize="1" noEditPoints="1" noAdjustHandles="1" noChangeArrowheads="1" noChangeShapeType="1" noTextEdit="1"/>
+                </p:cNvSpPr>
+                <p:nvPr/>
+              </p:nvSpPr>
+              <p:spPr>
+                <a:xfrm>
+                  <a:off x="3087565" y="5002024"/>
+                  <a:ext cx="241540" cy="307777"/>
+                </a:xfrm>
+                <a:prstGeom prst="rect">
+                  <a:avLst/>
+                </a:prstGeom>
+                <a:blipFill rotWithShape="0">
+                  <a:blip r:embed="rId61"/>
+                  <a:stretch>
+                    <a:fillRect l="-20000" r="-20000" b="-10000"/>
+                  </a:stretch>
+                </a:blipFill>
+              </p:spPr>
+              <p:txBody>
+                <a:bodyPr/>
+                <a:lstStyle/>
+                <a:p>
+                  <a:r>
+                    <a:rPr lang="en-US">
+                      <a:noFill/>
+                    </a:rPr>
+                    <a:t> </a:t>
+                  </a:r>
+                </a:p>
+              </p:txBody>
+            </p:sp>
+          </mc:Fallback>
+        </mc:AlternateContent>
+        <p:pic>
+          <p:nvPicPr>
+            <p:cNvPr id="50" name="Picture 49"/>
+            <p:cNvPicPr>
+              <a:picLocks noChangeAspect="1"/>
+            </p:cNvPicPr>
+            <p:nvPr/>
+          </p:nvPicPr>
+          <p:blipFill rotWithShape="1">
+            <a:blip r:embed="rId62">
+              <a:extLst>
+                <a:ext uri="{28A0092B-C50C-407E-A947-70E740481C1C}">
+                  <a14:useLocalDpi xmlns:a14="http://schemas.microsoft.com/office/drawing/2010/main" val="0"/>
+                </a:ext>
+              </a:extLst>
+            </a:blip>
+            <a:srcRect l="43579" t="39573" r="43068" b="40510"/>
+            <a:stretch/>
+          </p:blipFill>
+          <p:spPr>
+            <a:xfrm>
+              <a:off x="4519870" y="4679297"/>
+              <a:ext cx="1352609" cy="1144258"/>
+            </a:xfrm>
+            <a:prstGeom prst="rect">
+              <a:avLst/>
+            </a:prstGeom>
+          </p:spPr>
+        </p:pic>
       </p:grpSp>
     </p:spTree>
     <p:extLst>

--- a/tex/figures/ApplyingNewtonsLaws/Figures.pptx
+++ b/tex/figures/ApplyingNewtonsLaws/Figures.pptx
@@ -13,6 +13,8 @@
     <p:sldId id="275" r:id="rId7"/>
     <p:sldId id="276" r:id="rId8"/>
     <p:sldId id="277" r:id="rId9"/>
+    <p:sldId id="278" r:id="rId10"/>
+    <p:sldId id="279" r:id="rId11"/>
   </p:sldIdLst>
   <p:sldSz cx="12192000" cy="6858000"/>
   <p:notesSz cx="6858000" cy="9144000"/>
@@ -250,7 +252,7 @@
           <a:p>
             <a:fld id="{F7249F8D-641B-4CAF-BAE5-10524742F6F1}" type="datetimeFigureOut">
               <a:rPr lang="en-CA" smtClean="0"/>
-              <a:t>2018-07-06</a:t>
+              <a:t>2018-08-20</a:t>
             </a:fld>
             <a:endParaRPr lang="en-CA"/>
           </a:p>
@@ -420,7 +422,7 @@
           <a:p>
             <a:fld id="{F7249F8D-641B-4CAF-BAE5-10524742F6F1}" type="datetimeFigureOut">
               <a:rPr lang="en-CA" smtClean="0"/>
-              <a:t>2018-07-06</a:t>
+              <a:t>2018-08-20</a:t>
             </a:fld>
             <a:endParaRPr lang="en-CA"/>
           </a:p>
@@ -600,7 +602,7 @@
           <a:p>
             <a:fld id="{F7249F8D-641B-4CAF-BAE5-10524742F6F1}" type="datetimeFigureOut">
               <a:rPr lang="en-CA" smtClean="0"/>
-              <a:t>2018-07-06</a:t>
+              <a:t>2018-08-20</a:t>
             </a:fld>
             <a:endParaRPr lang="en-CA"/>
           </a:p>
@@ -770,7 +772,7 @@
           <a:p>
             <a:fld id="{F7249F8D-641B-4CAF-BAE5-10524742F6F1}" type="datetimeFigureOut">
               <a:rPr lang="en-CA" smtClean="0"/>
-              <a:t>2018-07-06</a:t>
+              <a:t>2018-08-20</a:t>
             </a:fld>
             <a:endParaRPr lang="en-CA"/>
           </a:p>
@@ -1016,7 +1018,7 @@
           <a:p>
             <a:fld id="{F7249F8D-641B-4CAF-BAE5-10524742F6F1}" type="datetimeFigureOut">
               <a:rPr lang="en-CA" smtClean="0"/>
-              <a:t>2018-07-06</a:t>
+              <a:t>2018-08-20</a:t>
             </a:fld>
             <a:endParaRPr lang="en-CA"/>
           </a:p>
@@ -1248,7 +1250,7 @@
           <a:p>
             <a:fld id="{F7249F8D-641B-4CAF-BAE5-10524742F6F1}" type="datetimeFigureOut">
               <a:rPr lang="en-CA" smtClean="0"/>
-              <a:t>2018-07-06</a:t>
+              <a:t>2018-08-20</a:t>
             </a:fld>
             <a:endParaRPr lang="en-CA"/>
           </a:p>
@@ -1615,7 +1617,7 @@
           <a:p>
             <a:fld id="{F7249F8D-641B-4CAF-BAE5-10524742F6F1}" type="datetimeFigureOut">
               <a:rPr lang="en-CA" smtClean="0"/>
-              <a:t>2018-07-06</a:t>
+              <a:t>2018-08-20</a:t>
             </a:fld>
             <a:endParaRPr lang="en-CA"/>
           </a:p>
@@ -1733,7 +1735,7 @@
           <a:p>
             <a:fld id="{F7249F8D-641B-4CAF-BAE5-10524742F6F1}" type="datetimeFigureOut">
               <a:rPr lang="en-CA" smtClean="0"/>
-              <a:t>2018-07-06</a:t>
+              <a:t>2018-08-20</a:t>
             </a:fld>
             <a:endParaRPr lang="en-CA"/>
           </a:p>
@@ -1828,7 +1830,7 @@
           <a:p>
             <a:fld id="{F7249F8D-641B-4CAF-BAE5-10524742F6F1}" type="datetimeFigureOut">
               <a:rPr lang="en-CA" smtClean="0"/>
-              <a:t>2018-07-06</a:t>
+              <a:t>2018-08-20</a:t>
             </a:fld>
             <a:endParaRPr lang="en-CA"/>
           </a:p>
@@ -2105,7 +2107,7 @@
           <a:p>
             <a:fld id="{F7249F8D-641B-4CAF-BAE5-10524742F6F1}" type="datetimeFigureOut">
               <a:rPr lang="en-CA" smtClean="0"/>
-              <a:t>2018-07-06</a:t>
+              <a:t>2018-08-20</a:t>
             </a:fld>
             <a:endParaRPr lang="en-CA"/>
           </a:p>
@@ -2358,7 +2360,7 @@
           <a:p>
             <a:fld id="{F7249F8D-641B-4CAF-BAE5-10524742F6F1}" type="datetimeFigureOut">
               <a:rPr lang="en-CA" smtClean="0"/>
-              <a:t>2018-07-06</a:t>
+              <a:t>2018-08-20</a:t>
             </a:fld>
             <a:endParaRPr lang="en-CA"/>
           </a:p>
@@ -2571,7 +2573,7 @@
           <a:p>
             <a:fld id="{F7249F8D-641B-4CAF-BAE5-10524742F6F1}" type="datetimeFigureOut">
               <a:rPr lang="en-CA" smtClean="0"/>
-              <a:t>2018-07-06</a:t>
+              <a:t>2018-08-20</a:t>
             </a:fld>
             <a:endParaRPr lang="en-CA"/>
           </a:p>
@@ -2992,10 +2994,9 @@
           <a:lstStyle/>
           <a:p>
             <a:r>
-              <a:rPr lang="en-US" dirty="0" smtClean="0"/>
+              <a:rPr lang="en-US" dirty="0"/>
               <a:t>Useful components</a:t>
             </a:r>
-            <a:endParaRPr lang="en-US" dirty="0"/>
           </a:p>
         </p:txBody>
       </p:sp>
@@ -4147,6 +4148,324 @@
 </p:sld>
 </file>
 
+<file path=ppt/slides/slide10.xml><?xml version="1.0" encoding="utf-8"?>
+<p:sld xmlns:a="http://schemas.openxmlformats.org/drawingml/2006/main" xmlns:r="http://schemas.openxmlformats.org/officeDocument/2006/relationships" xmlns:p="http://schemas.openxmlformats.org/presentationml/2006/main">
+  <p:cSld>
+    <p:spTree>
+      <p:nvGrpSpPr>
+        <p:cNvPr id="1" name=""/>
+        <p:cNvGrpSpPr/>
+        <p:nvPr/>
+      </p:nvGrpSpPr>
+      <p:grpSpPr>
+        <a:xfrm>
+          <a:off x="0" y="0"/>
+          <a:ext cx="0" cy="0"/>
+          <a:chOff x="0" y="0"/>
+          <a:chExt cx="0" cy="0"/>
+        </a:xfrm>
+      </p:grpSpPr>
+      <p:grpSp>
+        <p:nvGrpSpPr>
+          <p:cNvPr id="21" name="Group 20">
+            <a:extLst>
+              <a:ext uri="{FF2B5EF4-FFF2-40B4-BE49-F238E27FC236}">
+                <a16:creationId xmlns:a16="http://schemas.microsoft.com/office/drawing/2014/main" id="{1FDB41EC-1F7E-5547-9B37-34D48B68E52E}"/>
+              </a:ext>
+            </a:extLst>
+          </p:cNvPr>
+          <p:cNvGrpSpPr/>
+          <p:nvPr/>
+        </p:nvGrpSpPr>
+        <p:grpSpPr>
+          <a:xfrm>
+            <a:off x="2977515" y="388620"/>
+            <a:ext cx="6206490" cy="5486400"/>
+            <a:chOff x="2977515" y="388620"/>
+            <a:chExt cx="6206490" cy="5486400"/>
+          </a:xfrm>
+        </p:grpSpPr>
+        <p:sp>
+          <p:nvSpPr>
+            <p:cNvPr id="8" name="Oval 7">
+              <a:extLst>
+                <a:ext uri="{FF2B5EF4-FFF2-40B4-BE49-F238E27FC236}">
+                  <a16:creationId xmlns:a16="http://schemas.microsoft.com/office/drawing/2014/main" id="{76D7926C-8070-634F-8D93-E2E1C25FD536}"/>
+                </a:ext>
+              </a:extLst>
+            </p:cNvPr>
+            <p:cNvSpPr/>
+            <p:nvPr/>
+          </p:nvSpPr>
+          <p:spPr>
+            <a:xfrm>
+              <a:off x="3634740" y="388620"/>
+              <a:ext cx="4892040" cy="5463540"/>
+            </a:xfrm>
+            <a:prstGeom prst="ellipse">
+              <a:avLst/>
+            </a:prstGeom>
+            <a:noFill/>
+            <a:ln w="38100">
+              <a:solidFill>
+                <a:schemeClr val="tx1"/>
+              </a:solidFill>
+            </a:ln>
+          </p:spPr>
+          <p:style>
+            <a:lnRef idx="2">
+              <a:schemeClr val="accent1">
+                <a:shade val="50000"/>
+              </a:schemeClr>
+            </a:lnRef>
+            <a:fillRef idx="1">
+              <a:schemeClr val="accent1"/>
+            </a:fillRef>
+            <a:effectRef idx="0">
+              <a:schemeClr val="accent1"/>
+            </a:effectRef>
+            <a:fontRef idx="minor">
+              <a:schemeClr val="lt1"/>
+            </a:fontRef>
+          </p:style>
+          <p:txBody>
+            <a:bodyPr rtlCol="0" anchor="ctr"/>
+            <a:lstStyle/>
+            <a:p>
+              <a:pPr algn="ctr"/>
+              <a:endParaRPr lang="en-US"/>
+            </a:p>
+          </p:txBody>
+        </p:sp>
+        <p:cxnSp>
+          <p:nvCxnSpPr>
+            <p:cNvPr id="11" name="Straight Connector 10">
+              <a:extLst>
+                <a:ext uri="{FF2B5EF4-FFF2-40B4-BE49-F238E27FC236}">
+                  <a16:creationId xmlns:a16="http://schemas.microsoft.com/office/drawing/2014/main" id="{30120658-C148-CB4B-8735-D8961786B92A}"/>
+                </a:ext>
+              </a:extLst>
+            </p:cNvPr>
+            <p:cNvCxnSpPr>
+              <a:cxnSpLocks/>
+            </p:cNvCxnSpPr>
+            <p:nvPr/>
+          </p:nvCxnSpPr>
+          <p:spPr>
+            <a:xfrm>
+              <a:off x="2977515" y="5875020"/>
+              <a:ext cx="6206490" cy="0"/>
+            </a:xfrm>
+            <a:prstGeom prst="line">
+              <a:avLst/>
+            </a:prstGeom>
+            <a:ln w="38100">
+              <a:solidFill>
+                <a:schemeClr val="tx1"/>
+              </a:solidFill>
+            </a:ln>
+          </p:spPr>
+          <p:style>
+            <a:lnRef idx="1">
+              <a:schemeClr val="accent1"/>
+            </a:lnRef>
+            <a:fillRef idx="0">
+              <a:schemeClr val="accent1"/>
+            </a:fillRef>
+            <a:effectRef idx="0">
+              <a:schemeClr val="accent1"/>
+            </a:effectRef>
+            <a:fontRef idx="minor">
+              <a:schemeClr val="tx1"/>
+            </a:fontRef>
+          </p:style>
+        </p:cxnSp>
+        <p:sp>
+          <p:nvSpPr>
+            <p:cNvPr id="14" name="Rectangle 13">
+              <a:extLst>
+                <a:ext uri="{FF2B5EF4-FFF2-40B4-BE49-F238E27FC236}">
+                  <a16:creationId xmlns:a16="http://schemas.microsoft.com/office/drawing/2014/main" id="{9B1ACF6A-F646-B248-AF52-E1950560F7BF}"/>
+                </a:ext>
+              </a:extLst>
+            </p:cNvPr>
+            <p:cNvSpPr/>
+            <p:nvPr/>
+          </p:nvSpPr>
+          <p:spPr>
+            <a:xfrm>
+              <a:off x="5634990" y="754380"/>
+              <a:ext cx="891540" cy="525780"/>
+            </a:xfrm>
+            <a:prstGeom prst="rect">
+              <a:avLst/>
+            </a:prstGeom>
+            <a:solidFill>
+              <a:srgbClr val="FF0000"/>
+            </a:solidFill>
+            <a:ln w="38100">
+              <a:solidFill>
+                <a:schemeClr val="tx1"/>
+              </a:solidFill>
+            </a:ln>
+          </p:spPr>
+          <p:style>
+            <a:lnRef idx="2">
+              <a:schemeClr val="accent1">
+                <a:shade val="50000"/>
+              </a:schemeClr>
+            </a:lnRef>
+            <a:fillRef idx="1">
+              <a:schemeClr val="accent1"/>
+            </a:fillRef>
+            <a:effectRef idx="0">
+              <a:schemeClr val="accent1"/>
+            </a:effectRef>
+            <a:fontRef idx="minor">
+              <a:schemeClr val="lt1"/>
+            </a:fontRef>
+          </p:style>
+          <p:txBody>
+            <a:bodyPr rtlCol="0" anchor="ctr"/>
+            <a:lstStyle/>
+            <a:p>
+              <a:pPr algn="ctr"/>
+              <a:endParaRPr lang="en-US" dirty="0">
+                <a:solidFill>
+                  <a:srgbClr val="FF0000">
+                    <a:alpha val="0"/>
+                  </a:srgbClr>
+                </a:solidFill>
+              </a:endParaRPr>
+            </a:p>
+          </p:txBody>
+        </p:sp>
+        <p:sp>
+          <p:nvSpPr>
+            <p:cNvPr id="19" name="Oval 18">
+              <a:extLst>
+                <a:ext uri="{FF2B5EF4-FFF2-40B4-BE49-F238E27FC236}">
+                  <a16:creationId xmlns:a16="http://schemas.microsoft.com/office/drawing/2014/main" id="{E856FD24-9918-9847-86D4-68FB5E9A9587}"/>
+                </a:ext>
+              </a:extLst>
+            </p:cNvPr>
+            <p:cNvSpPr>
+              <a:spLocks noChangeAspect="1"/>
+            </p:cNvSpPr>
+            <p:nvPr/>
+          </p:nvSpPr>
+          <p:spPr>
+            <a:xfrm flipH="1" flipV="1">
+              <a:off x="6247361" y="435864"/>
+              <a:ext cx="279169" cy="307086"/>
+            </a:xfrm>
+            <a:prstGeom prst="ellipse">
+              <a:avLst/>
+            </a:prstGeom>
+            <a:solidFill>
+              <a:schemeClr val="tx1"/>
+            </a:solidFill>
+            <a:ln w="38100">
+              <a:solidFill>
+                <a:schemeClr val="tx1"/>
+              </a:solidFill>
+            </a:ln>
+          </p:spPr>
+          <p:style>
+            <a:lnRef idx="2">
+              <a:schemeClr val="accent1">
+                <a:shade val="50000"/>
+              </a:schemeClr>
+            </a:lnRef>
+            <a:fillRef idx="1">
+              <a:schemeClr val="accent1"/>
+            </a:fillRef>
+            <a:effectRef idx="0">
+              <a:schemeClr val="accent1"/>
+            </a:effectRef>
+            <a:fontRef idx="minor">
+              <a:schemeClr val="lt1"/>
+            </a:fontRef>
+          </p:style>
+          <p:txBody>
+            <a:bodyPr rtlCol="0" anchor="ctr"/>
+            <a:lstStyle/>
+            <a:p>
+              <a:pPr algn="ctr"/>
+              <a:endParaRPr lang="en-US"/>
+            </a:p>
+          </p:txBody>
+        </p:sp>
+        <p:sp>
+          <p:nvSpPr>
+            <p:cNvPr id="20" name="Oval 19">
+              <a:extLst>
+                <a:ext uri="{FF2B5EF4-FFF2-40B4-BE49-F238E27FC236}">
+                  <a16:creationId xmlns:a16="http://schemas.microsoft.com/office/drawing/2014/main" id="{C6ED551E-EF79-204D-B9EA-9A927E44F322}"/>
+                </a:ext>
+              </a:extLst>
+            </p:cNvPr>
+            <p:cNvSpPr>
+              <a:spLocks noChangeAspect="1"/>
+            </p:cNvSpPr>
+            <p:nvPr/>
+          </p:nvSpPr>
+          <p:spPr>
+            <a:xfrm flipH="1" flipV="1">
+              <a:off x="5653001" y="424434"/>
+              <a:ext cx="279169" cy="307086"/>
+            </a:xfrm>
+            <a:prstGeom prst="ellipse">
+              <a:avLst/>
+            </a:prstGeom>
+            <a:solidFill>
+              <a:schemeClr val="tx1"/>
+            </a:solidFill>
+            <a:ln w="38100">
+              <a:solidFill>
+                <a:schemeClr val="tx1"/>
+              </a:solidFill>
+            </a:ln>
+          </p:spPr>
+          <p:style>
+            <a:lnRef idx="2">
+              <a:schemeClr val="accent1">
+                <a:shade val="50000"/>
+              </a:schemeClr>
+            </a:lnRef>
+            <a:fillRef idx="1">
+              <a:schemeClr val="accent1"/>
+            </a:fillRef>
+            <a:effectRef idx="0">
+              <a:schemeClr val="accent1"/>
+            </a:effectRef>
+            <a:fontRef idx="minor">
+              <a:schemeClr val="lt1"/>
+            </a:fontRef>
+          </p:style>
+          <p:txBody>
+            <a:bodyPr rtlCol="0" anchor="ctr"/>
+            <a:lstStyle/>
+            <a:p>
+              <a:pPr algn="ctr"/>
+              <a:endParaRPr lang="en-US"/>
+            </a:p>
+          </p:txBody>
+        </p:sp>
+      </p:grpSp>
+    </p:spTree>
+    <p:extLst>
+      <p:ext uri="{BB962C8B-B14F-4D97-AF65-F5344CB8AC3E}">
+        <p14:creationId xmlns:p14="http://schemas.microsoft.com/office/powerpoint/2010/main" val="197021932"/>
+      </p:ext>
+    </p:extLst>
+  </p:cSld>
+  <p:clrMapOvr>
+    <a:masterClrMapping/>
+  </p:clrMapOvr>
+</p:sld>
+</file>
+
 <file path=ppt/slides/slide2.xml><?xml version="1.0" encoding="utf-8"?>
 <p:sld xmlns:a="http://schemas.openxmlformats.org/drawingml/2006/main" xmlns:r="http://schemas.openxmlformats.org/officeDocument/2006/relationships" xmlns:p="http://schemas.openxmlformats.org/presentationml/2006/main">
   <p:cSld>
@@ -4352,7 +4671,7 @@
                             <m:chr m:val="⃗"/>
                             <m:ctrlPr>
                               <a:rPr lang="en-US" sz="2000" b="0" i="1" smtClean="0">
-                                <a:latin typeface="Cambria Math" charset="0"/>
+                                <a:latin typeface="Cambria Math" panose="02040503050406030204" pitchFamily="18" charset="0"/>
                                 <a:cs typeface="Arial" panose="020B0604020202020204" pitchFamily="34" charset="0"/>
                               </a:rPr>
                             </m:ctrlPr>
@@ -4370,7 +4689,7 @@
                       </m:oMath>
                     </m:oMathPara>
                   </a14:m>
-                  <a:endParaRPr lang="en-US" sz="2000" dirty="0" smtClean="0">
+                  <a:endParaRPr lang="en-US" sz="2000" dirty="0">
                     <a:latin typeface="Arial" panose="020B0604020202020204" pitchFamily="34" charset="0"/>
                     <a:cs typeface="Arial" panose="020B0604020202020204" pitchFamily="34" charset="0"/>
                   </a:endParaRPr>
@@ -4566,7 +4885,7 @@
                               <m:chr m:val="⃗"/>
                               <m:ctrlPr>
                                 <a:rPr lang="en-US" sz="2000" b="0" i="1" smtClean="0">
-                                  <a:latin typeface="Cambria Math" charset="0"/>
+                                  <a:latin typeface="Cambria Math" panose="02040503050406030204" pitchFamily="18" charset="0"/>
                                   <a:cs typeface="Arial" panose="020B0604020202020204" pitchFamily="34" charset="0"/>
                                 </a:rPr>
                               </m:ctrlPr>
@@ -4584,7 +4903,7 @@
                         </m:oMath>
                       </m:oMathPara>
                     </a14:m>
-                    <a:endParaRPr lang="en-US" sz="2000" dirty="0" smtClean="0">
+                    <a:endParaRPr lang="en-US" sz="2000" dirty="0">
                       <a:latin typeface="Arial" panose="020B0604020202020204" pitchFamily="34" charset="0"/>
                       <a:cs typeface="Arial" panose="020B0604020202020204" pitchFamily="34" charset="0"/>
                     </a:endParaRPr>
@@ -4775,7 +5094,7 @@
                               <m:chr m:val="⃗"/>
                               <m:ctrlPr>
                                 <a:rPr lang="en-US" sz="2000" b="0" i="1" smtClean="0">
-                                  <a:latin typeface="Cambria Math" charset="0"/>
+                                  <a:latin typeface="Cambria Math" panose="02040503050406030204" pitchFamily="18" charset="0"/>
                                   <a:cs typeface="Arial" panose="020B0604020202020204" pitchFamily="34" charset="0"/>
                                 </a:rPr>
                               </m:ctrlPr>
@@ -4793,7 +5112,7 @@
                         </m:oMath>
                       </m:oMathPara>
                     </a14:m>
-                    <a:endParaRPr lang="en-US" sz="2000" dirty="0" smtClean="0">
+                    <a:endParaRPr lang="en-US" sz="2000" dirty="0">
                       <a:latin typeface="Arial" panose="020B0604020202020204" pitchFamily="34" charset="0"/>
                       <a:cs typeface="Arial" panose="020B0604020202020204" pitchFamily="34" charset="0"/>
                     </a:endParaRPr>
@@ -4875,7 +5194,7 @@
                             <m:sSubPr>
                               <m:ctrlPr>
                                 <a:rPr lang="en-US" sz="2000" b="0" i="1" smtClean="0">
-                                  <a:latin typeface="Cambria Math" charset="0"/>
+                                  <a:latin typeface="Cambria Math" panose="02040503050406030204" pitchFamily="18" charset="0"/>
                                   <a:cs typeface="Arial" panose="020B0604020202020204" pitchFamily="34" charset="0"/>
                                 </a:rPr>
                               </m:ctrlPr>
@@ -4886,7 +5205,7 @@
                                   <m:chr m:val="⃗"/>
                                   <m:ctrlPr>
                                     <a:rPr lang="en-US" sz="2000" b="0" i="1" smtClean="0">
-                                      <a:latin typeface="Cambria Math" charset="0"/>
+                                      <a:latin typeface="Cambria Math" panose="02040503050406030204" pitchFamily="18" charset="0"/>
                                       <a:cs typeface="Arial" panose="020B0604020202020204" pitchFamily="34" charset="0"/>
                                     </a:rPr>
                                   </m:ctrlPr>
@@ -4915,7 +5234,7 @@
                         </m:oMath>
                       </m:oMathPara>
                     </a14:m>
-                    <a:endParaRPr lang="en-US" sz="2000" dirty="0" smtClean="0">
+                    <a:endParaRPr lang="en-US" sz="2000" dirty="0">
                       <a:latin typeface="Arial" panose="020B0604020202020204" pitchFamily="34" charset="0"/>
                       <a:cs typeface="Arial" panose="020B0604020202020204" pitchFamily="34" charset="0"/>
                     </a:endParaRPr>
@@ -4997,7 +5316,7 @@
                             <m:sSubPr>
                               <m:ctrlPr>
                                 <a:rPr lang="en-US" sz="2000" b="0" i="1" smtClean="0">
-                                  <a:latin typeface="Cambria Math" charset="0"/>
+                                  <a:latin typeface="Cambria Math" panose="02040503050406030204" pitchFamily="18" charset="0"/>
                                   <a:cs typeface="Arial" panose="020B0604020202020204" pitchFamily="34" charset="0"/>
                                 </a:rPr>
                               </m:ctrlPr>
@@ -5008,7 +5327,7 @@
                                   <m:chr m:val="⃗"/>
                                   <m:ctrlPr>
                                     <a:rPr lang="en-US" sz="2000" b="0" i="1" smtClean="0">
-                                      <a:latin typeface="Cambria Math" charset="0"/>
+                                      <a:latin typeface="Cambria Math" panose="02040503050406030204" pitchFamily="18" charset="0"/>
                                       <a:cs typeface="Arial" panose="020B0604020202020204" pitchFamily="34" charset="0"/>
                                     </a:rPr>
                                   </m:ctrlPr>
@@ -5037,7 +5356,7 @@
                         </m:oMath>
                       </m:oMathPara>
                     </a14:m>
-                    <a:endParaRPr lang="en-US" sz="2000" dirty="0" smtClean="0">
+                    <a:endParaRPr lang="en-US" sz="2000" dirty="0">
                       <a:latin typeface="Arial" panose="020B0604020202020204" pitchFamily="34" charset="0"/>
                       <a:cs typeface="Arial" panose="020B0604020202020204" pitchFamily="34" charset="0"/>
                     </a:endParaRPr>
@@ -5870,7 +6189,7 @@
                           <m:sSubPr>
                             <m:ctrlPr>
                               <a:rPr lang="en-US" sz="2000" b="0" i="1" smtClean="0">
-                                <a:latin typeface="Cambria Math" charset="0"/>
+                                <a:latin typeface="Cambria Math" panose="02040503050406030204" pitchFamily="18" charset="0"/>
                                 <a:cs typeface="Arial" panose="020B0604020202020204" pitchFamily="34" charset="0"/>
                               </a:rPr>
                             </m:ctrlPr>
@@ -5881,7 +6200,7 @@
                                 <m:chr m:val="⃗"/>
                                 <m:ctrlPr>
                                   <a:rPr lang="en-US" sz="2000" b="0" i="1" smtClean="0">
-                                    <a:latin typeface="Cambria Math" charset="0"/>
+                                    <a:latin typeface="Cambria Math" panose="02040503050406030204" pitchFamily="18" charset="0"/>
                                     <a:cs typeface="Arial" panose="020B0604020202020204" pitchFamily="34" charset="0"/>
                                   </a:rPr>
                                 </m:ctrlPr>
@@ -5999,7 +6318,7 @@
                           <m:sSubPr>
                             <m:ctrlPr>
                               <a:rPr lang="en-US" sz="2000" b="0" i="1" smtClean="0">
-                                <a:latin typeface="Cambria Math" charset="0"/>
+                                <a:latin typeface="Cambria Math" panose="02040503050406030204" pitchFamily="18" charset="0"/>
                                 <a:cs typeface="Arial" panose="020B0604020202020204" pitchFamily="34" charset="0"/>
                               </a:rPr>
                             </m:ctrlPr>
@@ -6010,7 +6329,7 @@
                                 <m:chr m:val="⃗"/>
                                 <m:ctrlPr>
                                   <a:rPr lang="en-US" sz="2000" b="0" i="1" smtClean="0">
-                                    <a:latin typeface="Cambria Math" charset="0"/>
+                                    <a:latin typeface="Cambria Math" panose="02040503050406030204" pitchFamily="18" charset="0"/>
                                     <a:cs typeface="Arial" panose="020B0604020202020204" pitchFamily="34" charset="0"/>
                                   </a:rPr>
                                 </m:ctrlPr>
@@ -6121,7 +6440,7 @@
                           <m:sSubPr>
                             <m:ctrlPr>
                               <a:rPr lang="en-US" sz="2000" b="0" i="1" smtClean="0">
-                                <a:latin typeface="Cambria Math" charset="0"/>
+                                <a:latin typeface="Cambria Math" panose="02040503050406030204" pitchFamily="18" charset="0"/>
                                 <a:cs typeface="Arial" panose="020B0604020202020204" pitchFamily="34" charset="0"/>
                               </a:rPr>
                             </m:ctrlPr>
@@ -6132,7 +6451,7 @@
                                 <m:chr m:val="⃗"/>
                                 <m:ctrlPr>
                                   <a:rPr lang="en-US" sz="2000" b="0" i="1" smtClean="0">
-                                    <a:latin typeface="Cambria Math" charset="0"/>
+                                    <a:latin typeface="Cambria Math" panose="02040503050406030204" pitchFamily="18" charset="0"/>
                                     <a:cs typeface="Arial" panose="020B0604020202020204" pitchFamily="34" charset="0"/>
                                   </a:rPr>
                                 </m:ctrlPr>
@@ -6379,7 +6698,7 @@
                           <m:sSubPr>
                             <m:ctrlPr>
                               <a:rPr lang="en-US" sz="2000" b="0" i="1" smtClean="0">
-                                <a:latin typeface="Cambria Math" charset="0"/>
+                                <a:latin typeface="Cambria Math" panose="02040503050406030204" pitchFamily="18" charset="0"/>
                                 <a:cs typeface="Arial" panose="020B0604020202020204" pitchFamily="34" charset="0"/>
                               </a:rPr>
                             </m:ctrlPr>
@@ -6390,7 +6709,7 @@
                                 <m:chr m:val="⃗"/>
                                 <m:ctrlPr>
                                   <a:rPr lang="en-US" sz="2000" b="0" i="1" smtClean="0">
-                                    <a:latin typeface="Cambria Math" charset="0"/>
+                                    <a:latin typeface="Cambria Math" panose="02040503050406030204" pitchFamily="18" charset="0"/>
                                     <a:cs typeface="Arial" panose="020B0604020202020204" pitchFamily="34" charset="0"/>
                                   </a:rPr>
                                 </m:ctrlPr>
@@ -7169,7 +7488,7 @@
                           <m:sSubPr>
                             <m:ctrlPr>
                               <a:rPr lang="en-US" sz="2000" b="0" i="1" smtClean="0">
-                                <a:latin typeface="Cambria Math" charset="0"/>
+                                <a:latin typeface="Cambria Math" panose="02040503050406030204" pitchFamily="18" charset="0"/>
                                 <a:cs typeface="Arial" panose="020B0604020202020204" pitchFamily="34" charset="0"/>
                               </a:rPr>
                             </m:ctrlPr>
@@ -7180,7 +7499,7 @@
                                 <m:chr m:val="⃗"/>
                                 <m:ctrlPr>
                                   <a:rPr lang="en-US" sz="2000" b="0" i="1" smtClean="0">
-                                    <a:latin typeface="Cambria Math" charset="0"/>
+                                    <a:latin typeface="Cambria Math" panose="02040503050406030204" pitchFamily="18" charset="0"/>
                                     <a:cs typeface="Arial" panose="020B0604020202020204" pitchFamily="34" charset="0"/>
                                   </a:rPr>
                                 </m:ctrlPr>
@@ -7298,7 +7617,7 @@
                           <m:sSubPr>
                             <m:ctrlPr>
                               <a:rPr lang="en-US" sz="2000" b="0" i="1" smtClean="0">
-                                <a:latin typeface="Cambria Math" charset="0"/>
+                                <a:latin typeface="Cambria Math" panose="02040503050406030204" pitchFamily="18" charset="0"/>
                                 <a:cs typeface="Arial" panose="020B0604020202020204" pitchFamily="34" charset="0"/>
                               </a:rPr>
                             </m:ctrlPr>
@@ -7309,7 +7628,7 @@
                                 <m:chr m:val="⃗"/>
                                 <m:ctrlPr>
                                   <a:rPr lang="en-US" sz="2000" b="0" i="1" smtClean="0">
-                                    <a:latin typeface="Cambria Math" charset="0"/>
+                                    <a:latin typeface="Cambria Math" panose="02040503050406030204" pitchFamily="18" charset="0"/>
                                     <a:cs typeface="Arial" panose="020B0604020202020204" pitchFamily="34" charset="0"/>
                                   </a:rPr>
                                 </m:ctrlPr>
@@ -7420,7 +7739,7 @@
                           <m:sSubPr>
                             <m:ctrlPr>
                               <a:rPr lang="en-US" sz="2000" b="0" i="1" smtClean="0">
-                                <a:latin typeface="Cambria Math" charset="0"/>
+                                <a:latin typeface="Cambria Math" panose="02040503050406030204" pitchFamily="18" charset="0"/>
                                 <a:cs typeface="Arial" panose="020B0604020202020204" pitchFamily="34" charset="0"/>
                               </a:rPr>
                             </m:ctrlPr>
@@ -7431,7 +7750,7 @@
                                 <m:chr m:val="⃗"/>
                                 <m:ctrlPr>
                                   <a:rPr lang="en-US" sz="2000" b="0" i="1" smtClean="0">
-                                    <a:latin typeface="Cambria Math" charset="0"/>
+                                    <a:latin typeface="Cambria Math" panose="02040503050406030204" pitchFamily="18" charset="0"/>
                                     <a:cs typeface="Arial" panose="020B0604020202020204" pitchFamily="34" charset="0"/>
                                   </a:rPr>
                                 </m:ctrlPr>
@@ -7678,7 +7997,7 @@
                           <m:sSubPr>
                             <m:ctrlPr>
                               <a:rPr lang="en-US" sz="2000" b="0" i="1" smtClean="0">
-                                <a:latin typeface="Cambria Math" charset="0"/>
+                                <a:latin typeface="Cambria Math" panose="02040503050406030204" pitchFamily="18" charset="0"/>
                                 <a:cs typeface="Arial" panose="020B0604020202020204" pitchFamily="34" charset="0"/>
                               </a:rPr>
                             </m:ctrlPr>
@@ -7689,7 +8008,7 @@
                                 <m:chr m:val="⃗"/>
                                 <m:ctrlPr>
                                   <a:rPr lang="en-US" sz="2000" b="0" i="1" smtClean="0">
-                                    <a:latin typeface="Cambria Math" charset="0"/>
+                                    <a:latin typeface="Cambria Math" panose="02040503050406030204" pitchFamily="18" charset="0"/>
                                     <a:cs typeface="Arial" panose="020B0604020202020204" pitchFamily="34" charset="0"/>
                                   </a:rPr>
                                 </m:ctrlPr>
@@ -8399,7 +8718,7 @@
                         </m:oMath>
                       </m:oMathPara>
                     </a14:m>
-                    <a:endParaRPr lang="en-US" sz="2000" dirty="0" smtClean="0">
+                    <a:endParaRPr lang="en-US" sz="2000" dirty="0">
                       <a:latin typeface="Arial" panose="020B0604020202020204" pitchFamily="34" charset="0"/>
                       <a:cs typeface="Arial" panose="020B0604020202020204" pitchFamily="34" charset="0"/>
                     </a:endParaRPr>
@@ -8487,7 +8806,7 @@
                         </m:oMath>
                       </m:oMathPara>
                     </a14:m>
-                    <a:endParaRPr lang="en-US" sz="2000" dirty="0" smtClean="0">
+                    <a:endParaRPr lang="en-US" sz="2000" dirty="0">
                       <a:latin typeface="Arial" panose="020B0604020202020204" pitchFamily="34" charset="0"/>
                       <a:cs typeface="Arial" panose="020B0604020202020204" pitchFamily="34" charset="0"/>
                     </a:endParaRPr>
@@ -8627,7 +8946,7 @@
                       </m:oMath>
                     </m:oMathPara>
                   </a14:m>
-                  <a:endParaRPr lang="en-US" sz="2000" dirty="0" smtClean="0">
+                  <a:endParaRPr lang="en-US" sz="2000" dirty="0">
                     <a:latin typeface="Arial" panose="020B0604020202020204" pitchFamily="34" charset="0"/>
                     <a:cs typeface="Arial" panose="020B0604020202020204" pitchFamily="34" charset="0"/>
                   </a:endParaRPr>
@@ -8754,7 +9073,7 @@
                       </m:oMath>
                     </m:oMathPara>
                   </a14:m>
-                  <a:endParaRPr lang="en-US" sz="2000" dirty="0" smtClean="0">
+                  <a:endParaRPr lang="en-US" sz="2000" dirty="0">
                     <a:latin typeface="Arial" panose="020B0604020202020204" pitchFamily="34" charset="0"/>
                     <a:cs typeface="Arial" panose="020B0604020202020204" pitchFamily="34" charset="0"/>
                   </a:endParaRPr>
@@ -9037,7 +9356,7 @@
                           <m:sSubPr>
                             <m:ctrlPr>
                               <a:rPr lang="en-US" sz="2000" b="0" i="1" smtClean="0">
-                                <a:latin typeface="Cambria Math" charset="0"/>
+                                <a:latin typeface="Cambria Math" panose="02040503050406030204" pitchFamily="18" charset="0"/>
                                 <a:cs typeface="Arial" panose="020B0604020202020204" pitchFamily="34" charset="0"/>
                               </a:rPr>
                             </m:ctrlPr>
@@ -9048,7 +9367,7 @@
                                 <m:chr m:val="⃗"/>
                                 <m:ctrlPr>
                                   <a:rPr lang="en-US" sz="2000" b="0" i="1" smtClean="0">
-                                    <a:latin typeface="Cambria Math" charset="0"/>
+                                    <a:latin typeface="Cambria Math" panose="02040503050406030204" pitchFamily="18" charset="0"/>
                                     <a:cs typeface="Arial" panose="020B0604020202020204" pitchFamily="34" charset="0"/>
                                   </a:rPr>
                                 </m:ctrlPr>
@@ -9077,7 +9396,7 @@
                       </m:oMath>
                     </m:oMathPara>
                   </a14:m>
-                  <a:endParaRPr lang="en-US" sz="2000" dirty="0" smtClean="0">
+                  <a:endParaRPr lang="en-US" sz="2000" dirty="0">
                     <a:latin typeface="Arial" panose="020B0604020202020204" pitchFamily="34" charset="0"/>
                     <a:cs typeface="Arial" panose="020B0604020202020204" pitchFamily="34" charset="0"/>
                   </a:endParaRPr>
@@ -9160,7 +9479,7 @@
                             <m:chr m:val="⃗"/>
                             <m:ctrlPr>
                               <a:rPr lang="en-US" sz="2000" b="0" i="1" smtClean="0">
-                                <a:latin typeface="Cambria Math" charset="0"/>
+                                <a:latin typeface="Cambria Math" panose="02040503050406030204" pitchFamily="18" charset="0"/>
                                 <a:cs typeface="Arial" panose="020B0604020202020204" pitchFamily="34" charset="0"/>
                               </a:rPr>
                             </m:ctrlPr>
@@ -9178,7 +9497,7 @@
                       </m:oMath>
                     </m:oMathPara>
                   </a14:m>
-                  <a:endParaRPr lang="en-US" sz="2000" dirty="0" smtClean="0">
+                  <a:endParaRPr lang="en-US" sz="2000" dirty="0">
                     <a:latin typeface="Arial" panose="020B0604020202020204" pitchFamily="34" charset="0"/>
                     <a:cs typeface="Arial" panose="020B0604020202020204" pitchFamily="34" charset="0"/>
                   </a:endParaRPr>
@@ -9261,7 +9580,7 @@
                             <m:chr m:val="⃗"/>
                             <m:ctrlPr>
                               <a:rPr lang="en-US" sz="2000" b="0" i="1" smtClean="0">
-                                <a:latin typeface="Cambria Math" charset="0"/>
+                                <a:latin typeface="Cambria Math" panose="02040503050406030204" pitchFamily="18" charset="0"/>
                                 <a:cs typeface="Arial" panose="020B0604020202020204" pitchFamily="34" charset="0"/>
                               </a:rPr>
                             </m:ctrlPr>
@@ -9300,7 +9619,7 @@
                       </m:oMath>
                     </m:oMathPara>
                   </a14:m>
-                  <a:endParaRPr lang="en-US" sz="2000" dirty="0" smtClean="0">
+                  <a:endParaRPr lang="en-US" sz="2000" dirty="0">
                     <a:latin typeface="Arial" panose="020B0604020202020204" pitchFamily="34" charset="0"/>
                     <a:cs typeface="Arial" panose="020B0604020202020204" pitchFamily="34" charset="0"/>
                   </a:endParaRPr>
@@ -9809,7 +10128,7 @@
                             <m:chr m:val="⃗"/>
                             <m:ctrlPr>
                               <a:rPr lang="en-US" sz="2000" b="0" i="1" smtClean="0">
-                                <a:latin typeface="Cambria Math" charset="0"/>
+                                <a:latin typeface="Cambria Math" panose="02040503050406030204" pitchFamily="18" charset="0"/>
                                 <a:cs typeface="Arial" panose="020B0604020202020204" pitchFamily="34" charset="0"/>
                               </a:rPr>
                             </m:ctrlPr>
@@ -9827,7 +10146,7 @@
                       </m:oMath>
                     </m:oMathPara>
                   </a14:m>
-                  <a:endParaRPr lang="en-US" sz="2000" dirty="0" smtClean="0">
+                  <a:endParaRPr lang="en-US" sz="2000" dirty="0">
                     <a:latin typeface="Arial" panose="020B0604020202020204" pitchFamily="34" charset="0"/>
                     <a:cs typeface="Arial" panose="020B0604020202020204" pitchFamily="34" charset="0"/>
                   </a:endParaRPr>
@@ -10812,7 +11131,7 @@
                           </m:oMath>
                         </m:oMathPara>
                       </a14:m>
-                      <a:endParaRPr lang="en-US" sz="2000" dirty="0" smtClean="0">
+                      <a:endParaRPr lang="en-US" sz="2000" dirty="0">
                         <a:latin typeface="Arial" panose="020B0604020202020204" pitchFamily="34" charset="0"/>
                         <a:cs typeface="Arial" panose="020B0604020202020204" pitchFamily="34" charset="0"/>
                       </a:endParaRPr>
@@ -11164,7 +11483,7 @@
                           <m:sSubPr>
                             <m:ctrlPr>
                               <a:rPr lang="en-US" sz="2000" b="0" i="1" smtClean="0">
-                                <a:latin typeface="Cambria Math" charset="0"/>
+                                <a:latin typeface="Cambria Math" panose="02040503050406030204" pitchFamily="18" charset="0"/>
                                 <a:cs typeface="Arial" panose="020B0604020202020204" pitchFamily="34" charset="0"/>
                               </a:rPr>
                             </m:ctrlPr>
@@ -11175,7 +11494,7 @@
                                 <m:chr m:val="⃗"/>
                                 <m:ctrlPr>
                                   <a:rPr lang="en-US" sz="2000" b="0" i="1" smtClean="0">
-                                    <a:latin typeface="Cambria Math" charset="0"/>
+                                    <a:latin typeface="Cambria Math" panose="02040503050406030204" pitchFamily="18" charset="0"/>
                                     <a:cs typeface="Arial" panose="020B0604020202020204" pitchFamily="34" charset="0"/>
                                   </a:rPr>
                                 </m:ctrlPr>
@@ -11204,7 +11523,7 @@
                       </m:oMath>
                     </m:oMathPara>
                   </a14:m>
-                  <a:endParaRPr lang="en-US" sz="2000" dirty="0" smtClean="0">
+                  <a:endParaRPr lang="en-US" sz="2000" dirty="0">
                     <a:latin typeface="Arial" panose="020B0604020202020204" pitchFamily="34" charset="0"/>
                     <a:cs typeface="Arial" panose="020B0604020202020204" pitchFamily="34" charset="0"/>
                   </a:endParaRPr>
@@ -11286,7 +11605,7 @@
                           <m:sSubPr>
                             <m:ctrlPr>
                               <a:rPr lang="en-US" sz="2000" b="0" i="1" smtClean="0">
-                                <a:latin typeface="Cambria Math" charset="0"/>
+                                <a:latin typeface="Cambria Math" panose="02040503050406030204" pitchFamily="18" charset="0"/>
                                 <a:cs typeface="Arial" panose="020B0604020202020204" pitchFamily="34" charset="0"/>
                               </a:rPr>
                             </m:ctrlPr>
@@ -11297,7 +11616,7 @@
                                 <m:chr m:val="⃗"/>
                                 <m:ctrlPr>
                                   <a:rPr lang="en-US" sz="2000" b="0" i="1" smtClean="0">
-                                    <a:latin typeface="Cambria Math" charset="0"/>
+                                    <a:latin typeface="Cambria Math" panose="02040503050406030204" pitchFamily="18" charset="0"/>
                                     <a:cs typeface="Arial" panose="020B0604020202020204" pitchFamily="34" charset="0"/>
                                   </a:rPr>
                                 </m:ctrlPr>
@@ -11326,7 +11645,7 @@
                       </m:oMath>
                     </m:oMathPara>
                   </a14:m>
-                  <a:endParaRPr lang="en-US" sz="2000" dirty="0" smtClean="0">
+                  <a:endParaRPr lang="en-US" sz="2000" dirty="0">
                     <a:latin typeface="Arial" panose="020B0604020202020204" pitchFamily="34" charset="0"/>
                     <a:cs typeface="Arial" panose="020B0604020202020204" pitchFamily="34" charset="0"/>
                   </a:endParaRPr>
@@ -11457,7 +11776,7 @@
                             <m:chr m:val="⃗"/>
                             <m:ctrlPr>
                               <a:rPr lang="en-US" sz="2000" b="0" i="1" smtClean="0">
-                                <a:latin typeface="Cambria Math" charset="0"/>
+                                <a:latin typeface="Cambria Math" panose="02040503050406030204" pitchFamily="18" charset="0"/>
                                 <a:cs typeface="Arial" panose="020B0604020202020204" pitchFamily="34" charset="0"/>
                               </a:rPr>
                             </m:ctrlPr>
@@ -11475,7 +11794,7 @@
                       </m:oMath>
                     </m:oMathPara>
                   </a14:m>
-                  <a:endParaRPr lang="en-US" sz="2000" dirty="0" smtClean="0">
+                  <a:endParaRPr lang="en-US" sz="2000" dirty="0">
                     <a:latin typeface="Arial" panose="020B0604020202020204" pitchFamily="34" charset="0"/>
                     <a:cs typeface="Arial" panose="020B0604020202020204" pitchFamily="34" charset="0"/>
                   </a:endParaRPr>
@@ -11599,7 +11918,7 @@
                       </m:oMath>
                     </m:oMathPara>
                   </a14:m>
-                  <a:endParaRPr lang="en-US" sz="2000" dirty="0" smtClean="0">
+                  <a:endParaRPr lang="en-US" sz="2000" dirty="0">
                     <a:latin typeface="Arial" panose="020B0604020202020204" pitchFamily="34" charset="0"/>
                     <a:cs typeface="Arial" panose="020B0604020202020204" pitchFamily="34" charset="0"/>
                   </a:endParaRPr>
@@ -11934,7 +12253,7 @@
                         </m:oMath>
                       </m:oMathPara>
                     </a14:m>
-                    <a:endParaRPr lang="en-US" sz="2000" dirty="0" smtClean="0">
+                    <a:endParaRPr lang="en-US" sz="2000" dirty="0">
                       <a:latin typeface="Arial" panose="020B0604020202020204" pitchFamily="34" charset="0"/>
                       <a:cs typeface="Arial" panose="020B0604020202020204" pitchFamily="34" charset="0"/>
                     </a:endParaRPr>
@@ -12162,7 +12481,7 @@
                           <m:sSubPr>
                             <m:ctrlPr>
                               <a:rPr lang="en-US" sz="2000" b="0" i="1" smtClean="0">
-                                <a:latin typeface="Cambria Math" charset="0"/>
+                                <a:latin typeface="Cambria Math" panose="02040503050406030204" pitchFamily="18" charset="0"/>
                                 <a:cs typeface="Arial" panose="020B0604020202020204" pitchFamily="34" charset="0"/>
                               </a:rPr>
                             </m:ctrlPr>
@@ -12189,7 +12508,7 @@
                       </m:oMath>
                     </m:oMathPara>
                   </a14:m>
-                  <a:endParaRPr lang="en-US" sz="2000" dirty="0" smtClean="0">
+                  <a:endParaRPr lang="en-US" sz="2000" dirty="0">
                     <a:latin typeface="Arial" panose="020B0604020202020204" pitchFamily="34" charset="0"/>
                     <a:cs typeface="Arial" panose="020B0604020202020204" pitchFamily="34" charset="0"/>
                   </a:endParaRPr>
@@ -12271,7 +12590,7 @@
                           <m:sSubPr>
                             <m:ctrlPr>
                               <a:rPr lang="en-US" sz="2000" b="0" i="1" smtClean="0">
-                                <a:latin typeface="Cambria Math" charset="0"/>
+                                <a:latin typeface="Cambria Math" panose="02040503050406030204" pitchFamily="18" charset="0"/>
                                 <a:cs typeface="Arial" panose="020B0604020202020204" pitchFamily="34" charset="0"/>
                               </a:rPr>
                             </m:ctrlPr>
@@ -12298,7 +12617,7 @@
                       </m:oMath>
                     </m:oMathPara>
                   </a14:m>
-                  <a:endParaRPr lang="en-US" sz="2000" dirty="0" smtClean="0">
+                  <a:endParaRPr lang="en-US" sz="2000" dirty="0">
                     <a:latin typeface="Arial" panose="020B0604020202020204" pitchFamily="34" charset="0"/>
                     <a:cs typeface="Arial" panose="020B0604020202020204" pitchFamily="34" charset="0"/>
                   </a:endParaRPr>
@@ -12433,7 +12752,7 @@
                       </m:oMath>
                     </m:oMathPara>
                   </a14:m>
-                  <a:endParaRPr lang="en-US" sz="2000" dirty="0" smtClean="0">
+                  <a:endParaRPr lang="en-US" sz="2000" dirty="0">
                     <a:latin typeface="Arial" panose="020B0604020202020204" pitchFamily="34" charset="0"/>
                     <a:cs typeface="Arial" panose="020B0604020202020204" pitchFamily="34" charset="0"/>
                   </a:endParaRPr>
@@ -12515,7 +12834,7 @@
                           <m:sSubPr>
                             <m:ctrlPr>
                               <a:rPr lang="en-US" sz="2000" b="0" i="1" smtClean="0">
-                                <a:latin typeface="Cambria Math" charset="0"/>
+                                <a:latin typeface="Cambria Math" panose="02040503050406030204" pitchFamily="18" charset="0"/>
                                 <a:cs typeface="Arial" panose="020B0604020202020204" pitchFamily="34" charset="0"/>
                               </a:rPr>
                             </m:ctrlPr>
@@ -12526,7 +12845,7 @@
                                 <m:chr m:val="⃗"/>
                                 <m:ctrlPr>
                                   <a:rPr lang="en-US" sz="2000" b="0" i="1" smtClean="0">
-                                    <a:latin typeface="Cambria Math" charset="0"/>
+                                    <a:latin typeface="Cambria Math" panose="02040503050406030204" pitchFamily="18" charset="0"/>
                                     <a:cs typeface="Arial" panose="020B0604020202020204" pitchFamily="34" charset="0"/>
                                   </a:rPr>
                                 </m:ctrlPr>
@@ -12555,7 +12874,7 @@
                       </m:oMath>
                     </m:oMathPara>
                   </a14:m>
-                  <a:endParaRPr lang="en-US" sz="2000" dirty="0" smtClean="0">
+                  <a:endParaRPr lang="en-US" sz="2000" dirty="0">
                     <a:latin typeface="Arial" panose="020B0604020202020204" pitchFamily="34" charset="0"/>
                     <a:cs typeface="Arial" panose="020B0604020202020204" pitchFamily="34" charset="0"/>
                   </a:endParaRPr>
@@ -12690,7 +13009,7 @@
                       </m:oMath>
                     </m:oMathPara>
                   </a14:m>
-                  <a:endParaRPr lang="en-US" sz="2000" dirty="0" smtClean="0">
+                  <a:endParaRPr lang="en-US" sz="2000" dirty="0">
                     <a:latin typeface="Arial" panose="020B0604020202020204" pitchFamily="34" charset="0"/>
                     <a:cs typeface="Arial" panose="020B0604020202020204" pitchFamily="34" charset="0"/>
                   </a:endParaRPr>
@@ -12825,7 +13144,7 @@
                       </m:oMath>
                     </m:oMathPara>
                   </a14:m>
-                  <a:endParaRPr lang="en-US" sz="2000" dirty="0" smtClean="0">
+                  <a:endParaRPr lang="en-US" sz="2000" dirty="0">
                     <a:latin typeface="Arial" panose="020B0604020202020204" pitchFamily="34" charset="0"/>
                     <a:cs typeface="Arial" panose="020B0604020202020204" pitchFamily="34" charset="0"/>
                   </a:endParaRPr>
@@ -12979,7 +13298,7 @@
                           <m:sSubPr>
                             <m:ctrlPr>
                               <a:rPr lang="en-US" sz="2000" b="0" i="1" smtClean="0">
-                                <a:latin typeface="Cambria Math" charset="0"/>
+                                <a:latin typeface="Cambria Math" panose="02040503050406030204" pitchFamily="18" charset="0"/>
                                 <a:cs typeface="Arial" panose="020B0604020202020204" pitchFamily="34" charset="0"/>
                               </a:rPr>
                             </m:ctrlPr>
@@ -13006,7 +13325,7 @@
                       </m:oMath>
                     </m:oMathPara>
                   </a14:m>
-                  <a:endParaRPr lang="en-US" sz="2000" dirty="0" smtClean="0">
+                  <a:endParaRPr lang="en-US" sz="2000" dirty="0">
                     <a:latin typeface="Arial" panose="020B0604020202020204" pitchFamily="34" charset="0"/>
                     <a:cs typeface="Arial" panose="020B0604020202020204" pitchFamily="34" charset="0"/>
                   </a:endParaRPr>
@@ -13088,7 +13407,7 @@
                           <m:sSubPr>
                             <m:ctrlPr>
                               <a:rPr lang="en-US" sz="2000" b="0" i="1" smtClean="0">
-                                <a:latin typeface="Cambria Math" charset="0"/>
+                                <a:latin typeface="Cambria Math" panose="02040503050406030204" pitchFamily="18" charset="0"/>
                                 <a:cs typeface="Arial" panose="020B0604020202020204" pitchFamily="34" charset="0"/>
                               </a:rPr>
                             </m:ctrlPr>
@@ -13115,7 +13434,7 @@
                       </m:oMath>
                     </m:oMathPara>
                   </a14:m>
-                  <a:endParaRPr lang="en-US" sz="2000" dirty="0" smtClean="0">
+                  <a:endParaRPr lang="en-US" sz="2000" dirty="0">
                     <a:latin typeface="Arial" panose="020B0604020202020204" pitchFamily="34" charset="0"/>
                     <a:cs typeface="Arial" panose="020B0604020202020204" pitchFamily="34" charset="0"/>
                   </a:endParaRPr>
@@ -13282,7 +13601,7 @@
                           <m:sSubPr>
                             <m:ctrlPr>
                               <a:rPr lang="en-US" sz="2000" b="0" i="1" smtClean="0">
-                                <a:latin typeface="Cambria Math" charset="0"/>
+                                <a:latin typeface="Cambria Math" panose="02040503050406030204" pitchFamily="18" charset="0"/>
                                 <a:cs typeface="Arial" panose="020B0604020202020204" pitchFamily="34" charset="0"/>
                               </a:rPr>
                             </m:ctrlPr>
@@ -13293,7 +13612,7 @@
                                 <m:chr m:val="⃗"/>
                                 <m:ctrlPr>
                                   <a:rPr lang="en-US" sz="2000" b="0" i="1" smtClean="0">
-                                    <a:latin typeface="Cambria Math" charset="0"/>
+                                    <a:latin typeface="Cambria Math" panose="02040503050406030204" pitchFamily="18" charset="0"/>
                                     <a:cs typeface="Arial" panose="020B0604020202020204" pitchFamily="34" charset="0"/>
                                   </a:rPr>
                                 </m:ctrlPr>
@@ -13322,7 +13641,7 @@
                       </m:oMath>
                     </m:oMathPara>
                   </a14:m>
-                  <a:endParaRPr lang="en-US" sz="2000" dirty="0" smtClean="0">
+                  <a:endParaRPr lang="en-US" sz="2000" dirty="0">
                     <a:latin typeface="Arial" panose="020B0604020202020204" pitchFamily="34" charset="0"/>
                     <a:cs typeface="Arial" panose="020B0604020202020204" pitchFamily="34" charset="0"/>
                   </a:endParaRPr>
@@ -13489,7 +13808,7 @@
                           <m:sSubPr>
                             <m:ctrlPr>
                               <a:rPr lang="en-US" sz="2000" b="0" i="1" smtClean="0">
-                                <a:latin typeface="Cambria Math" charset="0"/>
+                                <a:latin typeface="Cambria Math" panose="02040503050406030204" pitchFamily="18" charset="0"/>
                                 <a:cs typeface="Arial" panose="020B0604020202020204" pitchFamily="34" charset="0"/>
                               </a:rPr>
                             </m:ctrlPr>
@@ -13500,7 +13819,7 @@
                                 <m:chr m:val="⃗"/>
                                 <m:ctrlPr>
                                   <a:rPr lang="en-US" sz="2000" b="0" i="1" smtClean="0">
-                                    <a:latin typeface="Cambria Math" charset="0"/>
+                                    <a:latin typeface="Cambria Math" panose="02040503050406030204" pitchFamily="18" charset="0"/>
                                     <a:cs typeface="Arial" panose="020B0604020202020204" pitchFamily="34" charset="0"/>
                                   </a:rPr>
                                 </m:ctrlPr>
@@ -13529,7 +13848,7 @@
                       </m:oMath>
                     </m:oMathPara>
                   </a14:m>
-                  <a:endParaRPr lang="en-US" sz="2000" dirty="0" smtClean="0">
+                  <a:endParaRPr lang="en-US" sz="2000" dirty="0">
                     <a:latin typeface="Arial" panose="020B0604020202020204" pitchFamily="34" charset="0"/>
                     <a:cs typeface="Arial" panose="020B0604020202020204" pitchFamily="34" charset="0"/>
                   </a:endParaRPr>
@@ -13624,7 +13943,7 @@
                       </m:oMath>
                     </m:oMathPara>
                   </a14:m>
-                  <a:endParaRPr lang="en-US" sz="2000" dirty="0" smtClean="0">
+                  <a:endParaRPr lang="en-US" sz="2000" dirty="0">
                     <a:latin typeface="Arial" panose="020B0604020202020204" pitchFamily="34" charset="0"/>
                     <a:cs typeface="Arial" panose="020B0604020202020204" pitchFamily="34" charset="0"/>
                   </a:endParaRPr>
@@ -13719,7 +14038,7 @@
                       </m:oMath>
                     </m:oMathPara>
                   </a14:m>
-                  <a:endParaRPr lang="en-US" sz="2000" dirty="0" smtClean="0">
+                  <a:endParaRPr lang="en-US" sz="2000" dirty="0">
                     <a:latin typeface="Arial" panose="020B0604020202020204" pitchFamily="34" charset="0"/>
                     <a:cs typeface="Arial" panose="020B0604020202020204" pitchFamily="34" charset="0"/>
                   </a:endParaRPr>
@@ -13814,7 +14133,7 @@
                       </m:oMath>
                     </m:oMathPara>
                   </a14:m>
-                  <a:endParaRPr lang="en-US" sz="2000" dirty="0" smtClean="0">
+                  <a:endParaRPr lang="en-US" sz="2000" dirty="0">
                     <a:latin typeface="Arial" panose="020B0604020202020204" pitchFamily="34" charset="0"/>
                     <a:cs typeface="Arial" panose="020B0604020202020204" pitchFamily="34" charset="0"/>
                   </a:endParaRPr>
@@ -13872,13 +14191,6 @@
   <p:clrMapOvr>
     <a:masterClrMapping/>
   </p:clrMapOvr>
-  <p:timing>
-    <p:tnLst>
-      <p:par>
-        <p:cTn id="1" dur="indefinite" restart="never" nodeType="tmRoot"/>
-      </p:par>
-    </p:tnLst>
-  </p:timing>
 </p:sld>
 </file>
 
@@ -14082,7 +14394,7 @@
                             <m:sSubPr>
                               <m:ctrlPr>
                                 <a:rPr lang="en-US" sz="2000" b="0" i="1" smtClean="0">
-                                  <a:latin typeface="Cambria Math" charset="0"/>
+                                  <a:latin typeface="Cambria Math" panose="02040503050406030204" pitchFamily="18" charset="0"/>
                                   <a:cs typeface="Arial" panose="020B0604020202020204" pitchFamily="34" charset="0"/>
                                 </a:rPr>
                               </m:ctrlPr>
@@ -14093,7 +14405,7 @@
                                   <m:chr m:val="⃗"/>
                                   <m:ctrlPr>
                                     <a:rPr lang="en-US" sz="2000" b="0" i="1" smtClean="0">
-                                      <a:latin typeface="Cambria Math" charset="0"/>
+                                      <a:latin typeface="Cambria Math" panose="02040503050406030204" pitchFamily="18" charset="0"/>
                                       <a:cs typeface="Arial" panose="020B0604020202020204" pitchFamily="34" charset="0"/>
                                     </a:rPr>
                                   </m:ctrlPr>
@@ -14122,7 +14434,7 @@
                         </m:oMath>
                       </m:oMathPara>
                     </a14:m>
-                    <a:endParaRPr lang="en-US" sz="2000" dirty="0" smtClean="0">
+                    <a:endParaRPr lang="en-US" sz="2000" dirty="0">
                       <a:latin typeface="Arial" panose="020B0604020202020204" pitchFamily="34" charset="0"/>
                       <a:cs typeface="Arial" panose="020B0604020202020204" pitchFamily="34" charset="0"/>
                     </a:endParaRPr>
@@ -14204,7 +14516,7 @@
                             <m:sSubPr>
                               <m:ctrlPr>
                                 <a:rPr lang="en-US" sz="2000" b="0" i="1" smtClean="0">
-                                  <a:latin typeface="Cambria Math" charset="0"/>
+                                  <a:latin typeface="Cambria Math" panose="02040503050406030204" pitchFamily="18" charset="0"/>
                                   <a:cs typeface="Arial" panose="020B0604020202020204" pitchFamily="34" charset="0"/>
                                 </a:rPr>
                               </m:ctrlPr>
@@ -14215,7 +14527,7 @@
                                   <m:chr m:val="⃗"/>
                                   <m:ctrlPr>
                                     <a:rPr lang="en-US" sz="2000" b="0" i="1" smtClean="0">
-                                      <a:latin typeface="Cambria Math" charset="0"/>
+                                      <a:latin typeface="Cambria Math" panose="02040503050406030204" pitchFamily="18" charset="0"/>
                                       <a:cs typeface="Arial" panose="020B0604020202020204" pitchFamily="34" charset="0"/>
                                     </a:rPr>
                                   </m:ctrlPr>
@@ -14244,7 +14556,7 @@
                         </m:oMath>
                       </m:oMathPara>
                     </a14:m>
-                    <a:endParaRPr lang="en-US" sz="2000" dirty="0" smtClean="0">
+                    <a:endParaRPr lang="en-US" sz="2000" dirty="0">
                       <a:latin typeface="Arial" panose="020B0604020202020204" pitchFamily="34" charset="0"/>
                       <a:cs typeface="Arial" panose="020B0604020202020204" pitchFamily="34" charset="0"/>
                     </a:endParaRPr>
@@ -14375,7 +14687,7 @@
                               <m:chr m:val="⃗"/>
                               <m:ctrlPr>
                                 <a:rPr lang="en-US" sz="2000" b="0" i="1" smtClean="0">
-                                  <a:latin typeface="Cambria Math" charset="0"/>
+                                  <a:latin typeface="Cambria Math" panose="02040503050406030204" pitchFamily="18" charset="0"/>
                                   <a:cs typeface="Arial" panose="020B0604020202020204" pitchFamily="34" charset="0"/>
                                 </a:rPr>
                               </m:ctrlPr>
@@ -14393,7 +14705,7 @@
                         </m:oMath>
                       </m:oMathPara>
                     </a14:m>
-                    <a:endParaRPr lang="en-US" sz="2000" dirty="0" smtClean="0">
+                    <a:endParaRPr lang="en-US" sz="2000" dirty="0">
                       <a:latin typeface="Arial" panose="020B0604020202020204" pitchFamily="34" charset="0"/>
                       <a:cs typeface="Arial" panose="020B0604020202020204" pitchFamily="34" charset="0"/>
                     </a:endParaRPr>
@@ -14513,7 +14825,7 @@
                               <m:chr m:val="⃗"/>
                               <m:ctrlPr>
                                 <a:rPr lang="en-US" sz="2000" b="0" i="1" smtClean="0">
-                                  <a:latin typeface="Cambria Math" charset="0"/>
+                                  <a:latin typeface="Cambria Math" panose="02040503050406030204" pitchFamily="18" charset="0"/>
                                   <a:cs typeface="Arial" panose="020B0604020202020204" pitchFamily="34" charset="0"/>
                                 </a:rPr>
                               </m:ctrlPr>
@@ -14531,7 +14843,7 @@
                         </m:oMath>
                       </m:oMathPara>
                     </a14:m>
-                    <a:endParaRPr lang="en-US" sz="2000" dirty="0" smtClean="0">
+                    <a:endParaRPr lang="en-US" sz="2000" dirty="0">
                       <a:latin typeface="Arial" panose="020B0604020202020204" pitchFamily="34" charset="0"/>
                       <a:cs typeface="Arial" panose="020B0604020202020204" pitchFamily="34" charset="0"/>
                     </a:endParaRPr>
@@ -15070,7 +15382,7 @@
                       </m:oMath>
                     </m:oMathPara>
                   </a14:m>
-                  <a:endParaRPr lang="en-US" sz="2000" dirty="0" smtClean="0">
+                  <a:endParaRPr lang="en-US" sz="2000" dirty="0">
                     <a:latin typeface="Arial" panose="020B0604020202020204" pitchFamily="34" charset="0"/>
                     <a:cs typeface="Arial" panose="020B0604020202020204" pitchFamily="34" charset="0"/>
                   </a:endParaRPr>
@@ -15158,7 +15470,7 @@
                       </m:oMath>
                     </m:oMathPara>
                   </a14:m>
-                  <a:endParaRPr lang="en-US" sz="2000" dirty="0" smtClean="0">
+                  <a:endParaRPr lang="en-US" sz="2000" dirty="0">
                     <a:latin typeface="Arial" panose="020B0604020202020204" pitchFamily="34" charset="0"/>
                     <a:cs typeface="Arial" panose="020B0604020202020204" pitchFamily="34" charset="0"/>
                   </a:endParaRPr>
@@ -16673,13 +16985,6 @@
   <p:clrMapOvr>
     <a:masterClrMapping/>
   </p:clrMapOvr>
-  <p:timing>
-    <p:tnLst>
-      <p:par>
-        <p:cTn id="1" dur="indefinite" restart="never" nodeType="tmRoot"/>
-      </p:par>
-    </p:tnLst>
-  </p:timing>
 </p:sld>
 </file>
 
@@ -16920,7 +17225,7 @@
                               <m:chr m:val="⃗"/>
                               <m:ctrlPr>
                                 <a:rPr lang="en-US" sz="2000" b="0" i="1" smtClean="0">
-                                  <a:latin typeface="Cambria Math" charset="0"/>
+                                  <a:latin typeface="Cambria Math" panose="02040503050406030204" pitchFamily="18" charset="0"/>
                                   <a:cs typeface="Arial" panose="020B0604020202020204" pitchFamily="34" charset="0"/>
                                 </a:rPr>
                               </m:ctrlPr>
@@ -17021,7 +17326,7 @@
                               <m:chr m:val="⃗"/>
                               <m:ctrlPr>
                                 <a:rPr lang="en-US" sz="2000" b="0" i="1" smtClean="0">
-                                  <a:latin typeface="Cambria Math" charset="0"/>
+                                  <a:latin typeface="Cambria Math" panose="02040503050406030204" pitchFamily="18" charset="0"/>
                                   <a:cs typeface="Arial" panose="020B0604020202020204" pitchFamily="34" charset="0"/>
                                 </a:rPr>
                               </m:ctrlPr>
@@ -17121,7 +17426,7 @@
                             <m:sSubPr>
                               <m:ctrlPr>
                                 <a:rPr lang="en-US" sz="2000" b="0" i="1" smtClean="0">
-                                  <a:latin typeface="Cambria Math" charset="0"/>
+                                  <a:latin typeface="Cambria Math" panose="02040503050406030204" pitchFamily="18" charset="0"/>
                                   <a:cs typeface="Arial" panose="020B0604020202020204" pitchFamily="34" charset="0"/>
                                 </a:rPr>
                               </m:ctrlPr>
@@ -17132,7 +17437,7 @@
                                   <m:chr m:val="⃗"/>
                                   <m:ctrlPr>
                                     <a:rPr lang="en-US" sz="2000" b="0" i="1" smtClean="0">
-                                      <a:latin typeface="Cambria Math" charset="0"/>
+                                      <a:latin typeface="Cambria Math" panose="02040503050406030204" pitchFamily="18" charset="0"/>
                                       <a:cs typeface="Arial" panose="020B0604020202020204" pitchFamily="34" charset="0"/>
                                     </a:rPr>
                                   </m:ctrlPr>
@@ -17379,7 +17684,7 @@
                             <m:sSubPr>
                               <m:ctrlPr>
                                 <a:rPr lang="en-US" sz="2000" b="0" i="1" smtClean="0">
-                                  <a:latin typeface="Cambria Math" charset="0"/>
+                                  <a:latin typeface="Cambria Math" panose="02040503050406030204" pitchFamily="18" charset="0"/>
                                   <a:cs typeface="Arial" panose="020B0604020202020204" pitchFamily="34" charset="0"/>
                                 </a:rPr>
                               </m:ctrlPr>
@@ -17390,7 +17695,7 @@
                                   <m:chr m:val="⃗"/>
                                   <m:ctrlPr>
                                     <a:rPr lang="en-US" sz="2000" b="0" i="1" smtClean="0">
-                                      <a:latin typeface="Cambria Math" charset="0"/>
+                                      <a:latin typeface="Cambria Math" panose="02040503050406030204" pitchFamily="18" charset="0"/>
                                       <a:cs typeface="Arial" panose="020B0604020202020204" pitchFamily="34" charset="0"/>
                                     </a:rPr>
                                   </m:ctrlPr>
@@ -17900,7 +18205,7 @@
                       </m:oMath>
                     </m:oMathPara>
                   </a14:m>
-                  <a:endParaRPr lang="en-US" sz="2000" dirty="0" smtClean="0">
+                  <a:endParaRPr lang="en-US" sz="2000" dirty="0">
                     <a:latin typeface="Arial" panose="020B0604020202020204" pitchFamily="34" charset="0"/>
                     <a:cs typeface="Arial" panose="020B0604020202020204" pitchFamily="34" charset="0"/>
                   </a:endParaRPr>
@@ -18227,7 +18532,7 @@
                           </m:oMath>
                         </m:oMathPara>
                       </a14:m>
-                      <a:endParaRPr lang="en-US" sz="2000" dirty="0" smtClean="0">
+                      <a:endParaRPr lang="en-US" sz="2000" dirty="0">
                         <a:latin typeface="Arial" panose="020B0604020202020204" pitchFamily="34" charset="0"/>
                         <a:cs typeface="Arial" panose="020B0604020202020204" pitchFamily="34" charset="0"/>
                       </a:endParaRPr>
@@ -18316,7 +18621,7 @@
                         </m:oMath>
                       </m:oMathPara>
                     </a14:m>
-                    <a:endParaRPr lang="en-US" sz="2000" dirty="0" smtClean="0">
+                    <a:endParaRPr lang="en-US" sz="2000" dirty="0">
                       <a:latin typeface="Arial" panose="020B0604020202020204" pitchFamily="34" charset="0"/>
                       <a:cs typeface="Arial" panose="020B0604020202020204" pitchFamily="34" charset="0"/>
                     </a:endParaRPr>
@@ -18702,7 +19007,7 @@
                             </m:oMath>
                           </m:oMathPara>
                         </a14:m>
-                        <a:endParaRPr lang="en-US" sz="2000" dirty="0" smtClean="0">
+                        <a:endParaRPr lang="en-US" sz="2000" dirty="0">
                           <a:latin typeface="Arial" panose="020B0604020202020204" pitchFamily="34" charset="0"/>
                           <a:cs typeface="Arial" panose="020B0604020202020204" pitchFamily="34" charset="0"/>
                         </a:endParaRPr>
@@ -18791,7 +19096,7 @@
                           </m:oMath>
                         </m:oMathPara>
                       </a14:m>
-                      <a:endParaRPr lang="en-US" sz="2000" dirty="0" smtClean="0">
+                      <a:endParaRPr lang="en-US" sz="2000" dirty="0">
                         <a:latin typeface="Arial" panose="020B0604020202020204" pitchFamily="34" charset="0"/>
                         <a:cs typeface="Arial" panose="020B0604020202020204" pitchFamily="34" charset="0"/>
                       </a:endParaRPr>
@@ -19323,7 +19628,7 @@
                             <m:sSubPr>
                               <m:ctrlPr>
                                 <a:rPr lang="en-US" sz="2000" b="0" i="1" smtClean="0">
-                                  <a:latin typeface="Cambria Math" charset="0"/>
+                                  <a:latin typeface="Cambria Math" panose="02040503050406030204" pitchFamily="18" charset="0"/>
                                   <a:cs typeface="Arial" panose="020B0604020202020204" pitchFamily="34" charset="0"/>
                                 </a:rPr>
                               </m:ctrlPr>
@@ -19334,7 +19639,7 @@
                                   <m:chr m:val="⃗"/>
                                   <m:ctrlPr>
                                     <a:rPr lang="en-US" sz="2000" b="0" i="1" smtClean="0">
-                                      <a:latin typeface="Cambria Math" charset="0"/>
+                                      <a:latin typeface="Cambria Math" panose="02040503050406030204" pitchFamily="18" charset="0"/>
                                       <a:cs typeface="Arial" panose="020B0604020202020204" pitchFamily="34" charset="0"/>
                                     </a:rPr>
                                   </m:ctrlPr>
@@ -19445,7 +19750,7 @@
                             <m:sSubPr>
                               <m:ctrlPr>
                                 <a:rPr lang="en-US" sz="2000" b="0" i="1" smtClean="0">
-                                  <a:latin typeface="Cambria Math" charset="0"/>
+                                  <a:latin typeface="Cambria Math" panose="02040503050406030204" pitchFamily="18" charset="0"/>
                                   <a:cs typeface="Arial" panose="020B0604020202020204" pitchFamily="34" charset="0"/>
                                 </a:rPr>
                               </m:ctrlPr>
@@ -19456,7 +19761,7 @@
                                   <m:chr m:val="⃗"/>
                                   <m:ctrlPr>
                                     <a:rPr lang="en-US" sz="2000" b="0" i="1" smtClean="0">
-                                      <a:latin typeface="Cambria Math" charset="0"/>
+                                      <a:latin typeface="Cambria Math" panose="02040503050406030204" pitchFamily="18" charset="0"/>
                                       <a:cs typeface="Arial" panose="020B0604020202020204" pitchFamily="34" charset="0"/>
                                     </a:rPr>
                                   </m:ctrlPr>
@@ -19567,7 +19872,7 @@
                             <m:sSubPr>
                               <m:ctrlPr>
                                 <a:rPr lang="en-US" sz="2000" b="0" i="1" smtClean="0">
-                                  <a:latin typeface="Cambria Math" charset="0"/>
+                                  <a:latin typeface="Cambria Math" panose="02040503050406030204" pitchFamily="18" charset="0"/>
                                   <a:cs typeface="Arial" panose="020B0604020202020204" pitchFamily="34" charset="0"/>
                                 </a:rPr>
                               </m:ctrlPr>
@@ -19578,7 +19883,7 @@
                                   <m:chr m:val="⃗"/>
                                   <m:ctrlPr>
                                     <a:rPr lang="en-US" sz="2000" b="0" i="1" smtClean="0">
-                                      <a:latin typeface="Cambria Math" charset="0"/>
+                                      <a:latin typeface="Cambria Math" panose="02040503050406030204" pitchFamily="18" charset="0"/>
                                       <a:cs typeface="Arial" panose="020B0604020202020204" pitchFamily="34" charset="0"/>
                                     </a:rPr>
                                   </m:ctrlPr>
@@ -20073,7 +20378,7 @@
                             <m:sSubPr>
                               <m:ctrlPr>
                                 <a:rPr lang="en-US" sz="2000" b="0" i="1" smtClean="0">
-                                  <a:latin typeface="Cambria Math" charset="0"/>
+                                  <a:latin typeface="Cambria Math" panose="02040503050406030204" pitchFamily="18" charset="0"/>
                                   <a:cs typeface="Arial" panose="020B0604020202020204" pitchFamily="34" charset="0"/>
                                 </a:rPr>
                               </m:ctrlPr>
@@ -20100,7 +20405,7 @@
                         </m:oMath>
                       </m:oMathPara>
                     </a14:m>
-                    <a:endParaRPr lang="en-US" sz="2000" dirty="0" smtClean="0">
+                    <a:endParaRPr lang="en-US" sz="2000" dirty="0">
                       <a:latin typeface="Arial" panose="020B0604020202020204" pitchFamily="34" charset="0"/>
                       <a:cs typeface="Arial" panose="020B0604020202020204" pitchFamily="34" charset="0"/>
                     </a:endParaRPr>
@@ -20182,7 +20487,7 @@
                             <m:sSubPr>
                               <m:ctrlPr>
                                 <a:rPr lang="en-US" sz="2000" b="0" i="1" smtClean="0">
-                                  <a:latin typeface="Cambria Math" charset="0"/>
+                                  <a:latin typeface="Cambria Math" panose="02040503050406030204" pitchFamily="18" charset="0"/>
                                   <a:cs typeface="Arial" panose="020B0604020202020204" pitchFamily="34" charset="0"/>
                                 </a:rPr>
                               </m:ctrlPr>
@@ -20193,7 +20498,7 @@
                                   <m:chr m:val="⃗"/>
                                   <m:ctrlPr>
                                     <a:rPr lang="en-US" sz="2000" b="0" i="1" smtClean="0">
-                                      <a:latin typeface="Cambria Math" charset="0"/>
+                                      <a:latin typeface="Cambria Math" panose="02040503050406030204" pitchFamily="18" charset="0"/>
                                       <a:cs typeface="Arial" panose="020B0604020202020204" pitchFamily="34" charset="0"/>
                                     </a:rPr>
                                   </m:ctrlPr>
@@ -20304,7 +20609,7 @@
                             <m:sSubPr>
                               <m:ctrlPr>
                                 <a:rPr lang="en-US" sz="2000" b="0" i="1" smtClean="0">
-                                  <a:latin typeface="Cambria Math" charset="0"/>
+                                  <a:latin typeface="Cambria Math" panose="02040503050406030204" pitchFamily="18" charset="0"/>
                                   <a:cs typeface="Arial" panose="020B0604020202020204" pitchFamily="34" charset="0"/>
                                 </a:rPr>
                               </m:ctrlPr>
@@ -20315,7 +20620,7 @@
                                   <m:chr m:val="⃗"/>
                                   <m:ctrlPr>
                                     <a:rPr lang="en-US" sz="2000" b="0" i="1" smtClean="0">
-                                      <a:latin typeface="Cambria Math" charset="0"/>
+                                      <a:latin typeface="Cambria Math" panose="02040503050406030204" pitchFamily="18" charset="0"/>
                                       <a:cs typeface="Arial" panose="020B0604020202020204" pitchFamily="34" charset="0"/>
                                     </a:rPr>
                                   </m:ctrlPr>
@@ -20426,7 +20731,7 @@
                             <m:sSubPr>
                               <m:ctrlPr>
                                 <a:rPr lang="en-US" sz="2000" b="0" i="1" smtClean="0">
-                                  <a:latin typeface="Cambria Math" charset="0"/>
+                                  <a:latin typeface="Cambria Math" panose="02040503050406030204" pitchFamily="18" charset="0"/>
                                   <a:cs typeface="Arial" panose="020B0604020202020204" pitchFamily="34" charset="0"/>
                                 </a:rPr>
                               </m:ctrlPr>
@@ -20437,7 +20742,7 @@
                                   <m:chr m:val="⃗"/>
                                   <m:ctrlPr>
                                     <a:rPr lang="en-US" sz="2000" b="0" i="1" smtClean="0">
-                                      <a:latin typeface="Cambria Math" charset="0"/>
+                                      <a:latin typeface="Cambria Math" panose="02040503050406030204" pitchFamily="18" charset="0"/>
                                       <a:cs typeface="Arial" panose="020B0604020202020204" pitchFamily="34" charset="0"/>
                                     </a:rPr>
                                   </m:ctrlPr>
@@ -20548,7 +20853,7 @@
                             <m:sSubPr>
                               <m:ctrlPr>
                                 <a:rPr lang="en-US" sz="2000" b="0" i="1" smtClean="0">
-                                  <a:latin typeface="Cambria Math" charset="0"/>
+                                  <a:latin typeface="Cambria Math" panose="02040503050406030204" pitchFamily="18" charset="0"/>
                                   <a:cs typeface="Arial" panose="020B0604020202020204" pitchFamily="34" charset="0"/>
                                 </a:rPr>
                               </m:ctrlPr>
@@ -20559,7 +20864,7 @@
                                   <m:chr m:val="⃗"/>
                                   <m:ctrlPr>
                                     <a:rPr lang="en-US" sz="2000" b="0" i="1" smtClean="0">
-                                      <a:latin typeface="Cambria Math" charset="0"/>
+                                      <a:latin typeface="Cambria Math" panose="02040503050406030204" pitchFamily="18" charset="0"/>
                                       <a:cs typeface="Arial" panose="020B0604020202020204" pitchFamily="34" charset="0"/>
                                     </a:rPr>
                                   </m:ctrlPr>
@@ -20670,7 +20975,7 @@
                             <m:sSubPr>
                               <m:ctrlPr>
                                 <a:rPr lang="en-US" sz="2000" b="0" i="1" smtClean="0">
-                                  <a:latin typeface="Cambria Math" charset="0"/>
+                                  <a:latin typeface="Cambria Math" panose="02040503050406030204" pitchFamily="18" charset="0"/>
                                   <a:cs typeface="Arial" panose="020B0604020202020204" pitchFamily="34" charset="0"/>
                                 </a:rPr>
                               </m:ctrlPr>
@@ -20681,7 +20986,7 @@
                                   <m:chr m:val="⃗"/>
                                   <m:ctrlPr>
                                     <a:rPr lang="en-US" sz="2000" b="0" i="1" smtClean="0">
-                                      <a:latin typeface="Cambria Math" charset="0"/>
+                                      <a:latin typeface="Cambria Math" panose="02040503050406030204" pitchFamily="18" charset="0"/>
                                       <a:cs typeface="Arial" panose="020B0604020202020204" pitchFamily="34" charset="0"/>
                                     </a:rPr>
                                   </m:ctrlPr>
@@ -20798,7 +21103,7 @@
                         </m:oMath>
                       </m:oMathPara>
                     </a14:m>
-                    <a:endParaRPr lang="en-US" sz="2000" dirty="0" smtClean="0">
+                    <a:endParaRPr lang="en-US" sz="2000" dirty="0">
                       <a:latin typeface="Arial" panose="020B0604020202020204" pitchFamily="34" charset="0"/>
                       <a:cs typeface="Arial" panose="020B0604020202020204" pitchFamily="34" charset="0"/>
                     </a:endParaRPr>
@@ -20886,7 +21191,7 @@
                         </m:oMath>
                       </m:oMathPara>
                     </a14:m>
-                    <a:endParaRPr lang="en-US" sz="2000" dirty="0" smtClean="0">
+                    <a:endParaRPr lang="en-US" sz="2000" dirty="0">
                       <a:latin typeface="Arial" panose="020B0604020202020204" pitchFamily="34" charset="0"/>
                       <a:cs typeface="Arial" panose="020B0604020202020204" pitchFamily="34" charset="0"/>
                     </a:endParaRPr>
@@ -20974,7 +21279,7 @@
                         </m:oMath>
                       </m:oMathPara>
                     </a14:m>
-                    <a:endParaRPr lang="en-US" sz="2000" dirty="0" smtClean="0">
+                    <a:endParaRPr lang="en-US" sz="2000" dirty="0">
                       <a:latin typeface="Arial" panose="020B0604020202020204" pitchFamily="34" charset="0"/>
                       <a:cs typeface="Arial" panose="020B0604020202020204" pitchFamily="34" charset="0"/>
                     </a:endParaRPr>
@@ -21044,7 +21349,7 @@
               <a:lstStyle/>
               <a:p>
                 <a:r>
-                  <a:rPr lang="en-US" sz="2000" dirty="0" smtClean="0">
+                  <a:rPr lang="en-US" sz="2000" dirty="0">
                     <a:latin typeface="Arial" panose="020B0604020202020204" pitchFamily="34" charset="0"/>
                     <a:cs typeface="Arial" panose="020B0604020202020204" pitchFamily="34" charset="0"/>
                   </a:rPr>
@@ -21082,10 +21387,6 @@
                   </a:rPr>
                   <a:t>5</a:t>
                 </a:r>
-                <a:endParaRPr lang="en-US" sz="2000" dirty="0" smtClean="0">
-                  <a:latin typeface="Arial" panose="020B0604020202020204" pitchFamily="34" charset="0"/>
-                  <a:cs typeface="Arial" panose="020B0604020202020204" pitchFamily="34" charset="0"/>
-                </a:endParaRPr>
               </a:p>
             </p:txBody>
           </p:sp>
@@ -21124,7 +21425,7 @@
                             <m:sSubPr>
                               <m:ctrlPr>
                                 <a:rPr lang="en-US" sz="2000" b="0" i="1" smtClean="0">
-                                  <a:latin typeface="Cambria Math" charset="0"/>
+                                  <a:latin typeface="Cambria Math" panose="02040503050406030204" pitchFamily="18" charset="0"/>
                                   <a:cs typeface="Arial" panose="020B0604020202020204" pitchFamily="34" charset="0"/>
                                 </a:rPr>
                               </m:ctrlPr>
@@ -21135,7 +21436,7 @@
                                   <m:chr m:val="⃗"/>
                                   <m:ctrlPr>
                                     <a:rPr lang="en-US" sz="2000" b="0" i="1" smtClean="0">
-                                      <a:latin typeface="Cambria Math" charset="0"/>
+                                      <a:latin typeface="Cambria Math" panose="02040503050406030204" pitchFamily="18" charset="0"/>
                                       <a:cs typeface="Arial" panose="020B0604020202020204" pitchFamily="34" charset="0"/>
                                     </a:rPr>
                                   </m:ctrlPr>
@@ -21246,7 +21547,7 @@
                             <m:sSubPr>
                               <m:ctrlPr>
                                 <a:rPr lang="en-US" sz="2000" b="0" i="1" smtClean="0">
-                                  <a:latin typeface="Cambria Math" charset="0"/>
+                                  <a:latin typeface="Cambria Math" panose="02040503050406030204" pitchFamily="18" charset="0"/>
                                   <a:cs typeface="Arial" panose="020B0604020202020204" pitchFamily="34" charset="0"/>
                                 </a:rPr>
                               </m:ctrlPr>
@@ -21257,7 +21558,7 @@
                                   <m:chr m:val="⃗"/>
                                   <m:ctrlPr>
                                     <a:rPr lang="en-US" sz="2000" b="0" i="1" smtClean="0">
-                                      <a:latin typeface="Cambria Math" charset="0"/>
+                                      <a:latin typeface="Cambria Math" panose="02040503050406030204" pitchFamily="18" charset="0"/>
                                       <a:cs typeface="Arial" panose="020B0604020202020204" pitchFamily="34" charset="0"/>
                                     </a:rPr>
                                   </m:ctrlPr>
@@ -21460,7 +21761,7 @@
                             <m:sSubPr>
                               <m:ctrlPr>
                                 <a:rPr lang="en-US" sz="2000" b="0" i="1" smtClean="0">
-                                  <a:latin typeface="Cambria Math" charset="0"/>
+                                  <a:latin typeface="Cambria Math" panose="02040503050406030204" pitchFamily="18" charset="0"/>
                                   <a:cs typeface="Arial" panose="020B0604020202020204" pitchFamily="34" charset="0"/>
                                 </a:rPr>
                               </m:ctrlPr>
@@ -21487,7 +21788,7 @@
                         </m:oMath>
                       </m:oMathPara>
                     </a14:m>
-                    <a:endParaRPr lang="en-US" sz="2000" dirty="0" smtClean="0">
+                    <a:endParaRPr lang="en-US" sz="2000" dirty="0">
                       <a:latin typeface="Arial" panose="020B0604020202020204" pitchFamily="34" charset="0"/>
                       <a:cs typeface="Arial" panose="020B0604020202020204" pitchFamily="34" charset="0"/>
                     </a:endParaRPr>
@@ -22218,7 +22519,7 @@
                               <m:sSubPr>
                                 <m:ctrlPr>
                                   <a:rPr lang="en-US" sz="2000" b="0" i="1" smtClean="0">
-                                    <a:latin typeface="Cambria Math" charset="0"/>
+                                    <a:latin typeface="Cambria Math" panose="02040503050406030204" pitchFamily="18" charset="0"/>
                                     <a:cs typeface="Arial" panose="020B0604020202020204" pitchFamily="34" charset="0"/>
                                   </a:rPr>
                                 </m:ctrlPr>
@@ -22229,7 +22530,7 @@
                                     <m:chr m:val="⃗"/>
                                     <m:ctrlPr>
                                       <a:rPr lang="en-US" sz="2000" b="0" i="1" smtClean="0">
-                                        <a:latin typeface="Cambria Math" charset="0"/>
+                                        <a:latin typeface="Cambria Math" panose="02040503050406030204" pitchFamily="18" charset="0"/>
                                         <a:cs typeface="Arial" panose="020B0604020202020204" pitchFamily="34" charset="0"/>
                                       </a:rPr>
                                     </m:ctrlPr>
@@ -22340,7 +22641,7 @@
                               <m:sSubPr>
                                 <m:ctrlPr>
                                   <a:rPr lang="en-US" sz="2000" b="0" i="1" smtClean="0">
-                                    <a:latin typeface="Cambria Math" charset="0"/>
+                                    <a:latin typeface="Cambria Math" panose="02040503050406030204" pitchFamily="18" charset="0"/>
                                     <a:cs typeface="Arial" panose="020B0604020202020204" pitchFamily="34" charset="0"/>
                                   </a:rPr>
                                 </m:ctrlPr>
@@ -22351,7 +22652,7 @@
                                     <m:chr m:val="⃗"/>
                                     <m:ctrlPr>
                                       <a:rPr lang="en-US" sz="2000" b="0" i="1" smtClean="0">
-                                        <a:latin typeface="Cambria Math" charset="0"/>
+                                        <a:latin typeface="Cambria Math" panose="02040503050406030204" pitchFamily="18" charset="0"/>
                                         <a:cs typeface="Arial" panose="020B0604020202020204" pitchFamily="34" charset="0"/>
                                       </a:rPr>
                                     </m:ctrlPr>
@@ -22642,7 +22943,7 @@
                               <m:sSubPr>
                                 <m:ctrlPr>
                                   <a:rPr lang="en-US" sz="2000" b="0" i="1" smtClean="0">
-                                    <a:latin typeface="Cambria Math" charset="0"/>
+                                    <a:latin typeface="Cambria Math" panose="02040503050406030204" pitchFamily="18" charset="0"/>
                                     <a:cs typeface="Arial" panose="020B0604020202020204" pitchFamily="34" charset="0"/>
                                   </a:rPr>
                                 </m:ctrlPr>
@@ -22653,7 +22954,7 @@
                                     <m:chr m:val="⃗"/>
                                     <m:ctrlPr>
                                       <a:rPr lang="en-US" sz="2000" b="0" i="1" smtClean="0">
-                                        <a:latin typeface="Cambria Math" charset="0"/>
+                                        <a:latin typeface="Cambria Math" panose="02040503050406030204" pitchFamily="18" charset="0"/>
                                         <a:cs typeface="Arial" panose="020B0604020202020204" pitchFamily="34" charset="0"/>
                                       </a:rPr>
                                     </m:ctrlPr>
@@ -22764,7 +23065,7 @@
                               <m:sSubPr>
                                 <m:ctrlPr>
                                   <a:rPr lang="en-US" sz="2000" b="0" i="1" smtClean="0">
-                                    <a:latin typeface="Cambria Math" charset="0"/>
+                                    <a:latin typeface="Cambria Math" panose="02040503050406030204" pitchFamily="18" charset="0"/>
                                     <a:cs typeface="Arial" panose="020B0604020202020204" pitchFamily="34" charset="0"/>
                                   </a:rPr>
                                 </m:ctrlPr>
@@ -22775,7 +23076,7 @@
                                     <m:chr m:val="⃗"/>
                                     <m:ctrlPr>
                                       <a:rPr lang="en-US" sz="2000" b="0" i="1" smtClean="0">
-                                        <a:latin typeface="Cambria Math" charset="0"/>
+                                        <a:latin typeface="Cambria Math" panose="02040503050406030204" pitchFamily="18" charset="0"/>
                                         <a:cs typeface="Arial" panose="020B0604020202020204" pitchFamily="34" charset="0"/>
                                       </a:rPr>
                                     </m:ctrlPr>
@@ -22886,7 +23187,7 @@
                               <m:sSubPr>
                                 <m:ctrlPr>
                                   <a:rPr lang="en-US" sz="2000" b="0" i="1" smtClean="0">
-                                    <a:latin typeface="Cambria Math" charset="0"/>
+                                    <a:latin typeface="Cambria Math" panose="02040503050406030204" pitchFamily="18" charset="0"/>
                                     <a:cs typeface="Arial" panose="020B0604020202020204" pitchFamily="34" charset="0"/>
                                   </a:rPr>
                                 </m:ctrlPr>
@@ -22897,7 +23198,7 @@
                                     <m:chr m:val="⃗"/>
                                     <m:ctrlPr>
                                       <a:rPr lang="en-US" sz="2000" b="0" i="1" smtClean="0">
-                                        <a:latin typeface="Cambria Math" charset="0"/>
+                                        <a:latin typeface="Cambria Math" panose="02040503050406030204" pitchFamily="18" charset="0"/>
                                         <a:cs typeface="Arial" panose="020B0604020202020204" pitchFamily="34" charset="0"/>
                                       </a:rPr>
                                     </m:ctrlPr>
@@ -23014,7 +23315,7 @@
                           </m:oMath>
                         </m:oMathPara>
                       </a14:m>
-                      <a:endParaRPr lang="en-US" sz="2000" dirty="0" smtClean="0">
+                      <a:endParaRPr lang="en-US" sz="2000" dirty="0">
                         <a:latin typeface="Arial" panose="020B0604020202020204" pitchFamily="34" charset="0"/>
                         <a:cs typeface="Arial" panose="020B0604020202020204" pitchFamily="34" charset="0"/>
                       </a:endParaRPr>
@@ -23102,7 +23403,7 @@
                           </m:oMath>
                         </m:oMathPara>
                       </a14:m>
-                      <a:endParaRPr lang="en-US" sz="2000" dirty="0" smtClean="0">
+                      <a:endParaRPr lang="en-US" sz="2000" dirty="0">
                         <a:latin typeface="Arial" panose="020B0604020202020204" pitchFamily="34" charset="0"/>
                         <a:cs typeface="Arial" panose="020B0604020202020204" pitchFamily="34" charset="0"/>
                       </a:endParaRPr>
@@ -23172,7 +23473,7 @@
                 <a:lstStyle/>
                 <a:p>
                   <a:r>
-                    <a:rPr lang="en-US" sz="2000" dirty="0" smtClean="0">
+                    <a:rPr lang="en-US" sz="2000" dirty="0">
                       <a:latin typeface="Arial" panose="020B0604020202020204" pitchFamily="34" charset="0"/>
                       <a:cs typeface="Arial" panose="020B0604020202020204" pitchFamily="34" charset="0"/>
                     </a:rPr>
@@ -23216,7 +23517,7 @@
                               <m:sSubPr>
                                 <m:ctrlPr>
                                   <a:rPr lang="en-US" sz="2000" b="0" i="1" smtClean="0">
-                                    <a:latin typeface="Cambria Math" charset="0"/>
+                                    <a:latin typeface="Cambria Math" panose="02040503050406030204" pitchFamily="18" charset="0"/>
                                     <a:cs typeface="Arial" panose="020B0604020202020204" pitchFamily="34" charset="0"/>
                                   </a:rPr>
                                 </m:ctrlPr>
@@ -23227,7 +23528,7 @@
                                     <m:chr m:val="⃗"/>
                                     <m:ctrlPr>
                                       <a:rPr lang="en-US" sz="2000" b="0" i="1" smtClean="0">
-                                        <a:latin typeface="Cambria Math" charset="0"/>
+                                        <a:latin typeface="Cambria Math" panose="02040503050406030204" pitchFamily="18" charset="0"/>
                                         <a:cs typeface="Arial" panose="020B0604020202020204" pitchFamily="34" charset="0"/>
                                       </a:rPr>
                                     </m:ctrlPr>
@@ -23752,7 +24053,7 @@
                                   <a:solidFill>
                                     <a:srgbClr val="FF0000"/>
                                   </a:solidFill>
-                                  <a:latin typeface="Cambria Math" charset="0"/>
+                                  <a:latin typeface="Cambria Math" panose="02040503050406030204" pitchFamily="18" charset="0"/>
                                   <a:cs typeface="Arial" panose="020B0604020202020204" pitchFamily="34" charset="0"/>
                                 </a:rPr>
                               </m:ctrlPr>
@@ -23773,7 +24074,7 @@
                         </m:oMath>
                       </m:oMathPara>
                     </a14:m>
-                    <a:endParaRPr lang="en-US" sz="2000" dirty="0" smtClean="0">
+                    <a:endParaRPr lang="en-US" sz="2000" dirty="0">
                       <a:solidFill>
                         <a:srgbClr val="FF0000"/>
                       </a:solidFill>
@@ -23907,7 +24208,7 @@
                           <m:sSubPr>
                             <m:ctrlPr>
                               <a:rPr lang="en-US" sz="2000" b="0" i="1" smtClean="0">
-                                <a:latin typeface="Cambria Math" charset="0"/>
+                                <a:latin typeface="Cambria Math" panose="02040503050406030204" pitchFamily="18" charset="0"/>
                                 <a:cs typeface="Arial" panose="020B0604020202020204" pitchFamily="34" charset="0"/>
                               </a:rPr>
                             </m:ctrlPr>
@@ -23918,7 +24219,7 @@
                                 <m:chr m:val="⃗"/>
                                 <m:ctrlPr>
                                   <a:rPr lang="en-US" sz="2000" b="0" i="1" smtClean="0">
-                                    <a:latin typeface="Cambria Math" charset="0"/>
+                                    <a:latin typeface="Cambria Math" panose="02040503050406030204" pitchFamily="18" charset="0"/>
                                     <a:cs typeface="Arial" panose="020B0604020202020204" pitchFamily="34" charset="0"/>
                                   </a:rPr>
                                 </m:ctrlPr>
@@ -23947,7 +24248,7 @@
                       </m:oMath>
                     </m:oMathPara>
                   </a14:m>
-                  <a:endParaRPr lang="en-US" sz="2000" dirty="0" smtClean="0">
+                  <a:endParaRPr lang="en-US" sz="2000" dirty="0">
                     <a:latin typeface="Arial" panose="020B0604020202020204" pitchFamily="34" charset="0"/>
                     <a:cs typeface="Arial" panose="020B0604020202020204" pitchFamily="34" charset="0"/>
                   </a:endParaRPr>
@@ -24101,7 +24402,7 @@
                           <m:sSubPr>
                             <m:ctrlPr>
                               <a:rPr lang="en-US" sz="2000" b="0" i="1" smtClean="0">
-                                <a:latin typeface="Cambria Math" charset="0"/>
+                                <a:latin typeface="Cambria Math" panose="02040503050406030204" pitchFamily="18" charset="0"/>
                                 <a:cs typeface="Arial" panose="020B0604020202020204" pitchFamily="34" charset="0"/>
                               </a:rPr>
                             </m:ctrlPr>
@@ -24128,7 +24429,7 @@
                       </m:oMath>
                     </m:oMathPara>
                   </a14:m>
-                  <a:endParaRPr lang="en-US" sz="2000" dirty="0" smtClean="0">
+                  <a:endParaRPr lang="en-US" sz="2000" dirty="0">
                     <a:latin typeface="Arial" panose="020B0604020202020204" pitchFamily="34" charset="0"/>
                     <a:cs typeface="Arial" panose="020B0604020202020204" pitchFamily="34" charset="0"/>
                   </a:endParaRPr>
@@ -24210,7 +24511,7 @@
                           <m:sSubPr>
                             <m:ctrlPr>
                               <a:rPr lang="en-US" sz="2000" b="0" i="1" smtClean="0">
-                                <a:latin typeface="Cambria Math" charset="0"/>
+                                <a:latin typeface="Cambria Math" panose="02040503050406030204" pitchFamily="18" charset="0"/>
                                 <a:cs typeface="Arial" panose="020B0604020202020204" pitchFamily="34" charset="0"/>
                               </a:rPr>
                             </m:ctrlPr>
@@ -24237,7 +24538,7 @@
                       </m:oMath>
                     </m:oMathPara>
                   </a14:m>
-                  <a:endParaRPr lang="en-US" sz="2000" dirty="0" smtClean="0">
+                  <a:endParaRPr lang="en-US" sz="2000" dirty="0">
                     <a:latin typeface="Arial" panose="020B0604020202020204" pitchFamily="34" charset="0"/>
                     <a:cs typeface="Arial" panose="020B0604020202020204" pitchFamily="34" charset="0"/>
                   </a:endParaRPr>
@@ -24534,7 +24835,7 @@
                             <m:sSubPr>
                               <m:ctrlPr>
                                 <a:rPr lang="en-US" sz="2000" b="0" i="1" smtClean="0">
-                                  <a:latin typeface="Cambria Math" charset="0"/>
+                                  <a:latin typeface="Cambria Math" panose="02040503050406030204" pitchFamily="18" charset="0"/>
                                   <a:cs typeface="Arial" panose="020B0604020202020204" pitchFamily="34" charset="0"/>
                                 </a:rPr>
                               </m:ctrlPr>
@@ -24545,7 +24846,7 @@
                                   <m:chr m:val="⃗"/>
                                   <m:ctrlPr>
                                     <a:rPr lang="en-US" sz="2000" b="0" i="1" smtClean="0">
-                                      <a:latin typeface="Cambria Math" charset="0"/>
+                                      <a:latin typeface="Cambria Math" panose="02040503050406030204" pitchFamily="18" charset="0"/>
                                       <a:cs typeface="Arial" panose="020B0604020202020204" pitchFamily="34" charset="0"/>
                                     </a:rPr>
                                   </m:ctrlPr>
@@ -24657,7 +24958,7 @@
                               <m:chr m:val="⃗"/>
                               <m:ctrlPr>
                                 <a:rPr lang="en-US" sz="2000" b="0" i="1" smtClean="0">
-                                  <a:latin typeface="Cambria Math" charset="0"/>
+                                  <a:latin typeface="Cambria Math" panose="02040503050406030204" pitchFamily="18" charset="0"/>
                                   <a:cs typeface="Arial" panose="020B0604020202020204" pitchFamily="34" charset="0"/>
                                 </a:rPr>
                               </m:ctrlPr>
@@ -24757,7 +25058,7 @@
                             <m:sSubPr>
                               <m:ctrlPr>
                                 <a:rPr lang="en-US" sz="2000" b="0" i="1" smtClean="0">
-                                  <a:latin typeface="Cambria Math" charset="0"/>
+                                  <a:latin typeface="Cambria Math" panose="02040503050406030204" pitchFamily="18" charset="0"/>
                                   <a:cs typeface="Arial" panose="020B0604020202020204" pitchFamily="34" charset="0"/>
                                 </a:rPr>
                               </m:ctrlPr>
@@ -24768,7 +25069,7 @@
                                   <m:chr m:val="⃗"/>
                                   <m:ctrlPr>
                                     <a:rPr lang="en-US" sz="2000" b="0" i="1" smtClean="0">
-                                      <a:latin typeface="Cambria Math" charset="0"/>
+                                      <a:latin typeface="Cambria Math" panose="02040503050406030204" pitchFamily="18" charset="0"/>
                                       <a:cs typeface="Arial" panose="020B0604020202020204" pitchFamily="34" charset="0"/>
                                     </a:rPr>
                                   </m:ctrlPr>
@@ -24927,7 +25228,7 @@
                             <m:sSubPr>
                               <m:ctrlPr>
                                 <a:rPr lang="en-US" sz="2000" b="0" i="1" smtClean="0">
-                                  <a:latin typeface="Cambria Math" charset="0"/>
+                                  <a:latin typeface="Cambria Math" panose="02040503050406030204" pitchFamily="18" charset="0"/>
                                   <a:cs typeface="Arial" panose="020B0604020202020204" pitchFamily="34" charset="0"/>
                                 </a:rPr>
                               </m:ctrlPr>
@@ -24938,7 +25239,7 @@
                                   <m:chr m:val="⃗"/>
                                   <m:ctrlPr>
                                     <a:rPr lang="en-US" sz="2000" b="0" i="1" smtClean="0">
-                                      <a:latin typeface="Cambria Math" charset="0"/>
+                                      <a:latin typeface="Cambria Math" panose="02040503050406030204" pitchFamily="18" charset="0"/>
                                       <a:cs typeface="Arial" panose="020B0604020202020204" pitchFamily="34" charset="0"/>
                                     </a:rPr>
                                   </m:ctrlPr>
@@ -25448,7 +25749,7 @@
                       </m:oMath>
                     </m:oMathPara>
                   </a14:m>
-                  <a:endParaRPr lang="en-US" sz="2000" dirty="0" smtClean="0">
+                  <a:endParaRPr lang="en-US" sz="2000" dirty="0">
                     <a:latin typeface="Arial" panose="020B0604020202020204" pitchFamily="34" charset="0"/>
                     <a:cs typeface="Arial" panose="020B0604020202020204" pitchFamily="34" charset="0"/>
                   </a:endParaRPr>
@@ -25730,7 +26031,7 @@
                               <m:sSubPr>
                                 <m:ctrlPr>
                                   <a:rPr lang="en-US" sz="2000" b="0" i="1" smtClean="0">
-                                    <a:latin typeface="Cambria Math" charset="0"/>
+                                    <a:latin typeface="Cambria Math" panose="02040503050406030204" pitchFamily="18" charset="0"/>
                                     <a:cs typeface="Arial" panose="020B0604020202020204" pitchFamily="34" charset="0"/>
                                   </a:rPr>
                                 </m:ctrlPr>
@@ -25741,7 +26042,7 @@
                                     <m:chr m:val="⃗"/>
                                     <m:ctrlPr>
                                       <a:rPr lang="en-US" sz="2000" b="0" i="1" smtClean="0">
-                                        <a:latin typeface="Cambria Math" charset="0"/>
+                                        <a:latin typeface="Cambria Math" panose="02040503050406030204" pitchFamily="18" charset="0"/>
                                         <a:cs typeface="Arial" panose="020B0604020202020204" pitchFamily="34" charset="0"/>
                                       </a:rPr>
                                     </m:ctrlPr>
@@ -25853,7 +26154,7 @@
                                 <m:chr m:val="⃗"/>
                                 <m:ctrlPr>
                                   <a:rPr lang="en-US" sz="2000" b="0" i="1" smtClean="0">
-                                    <a:latin typeface="Cambria Math" charset="0"/>
+                                    <a:latin typeface="Cambria Math" panose="02040503050406030204" pitchFamily="18" charset="0"/>
                                     <a:cs typeface="Arial" panose="020B0604020202020204" pitchFamily="34" charset="0"/>
                                   </a:rPr>
                                 </m:ctrlPr>
@@ -25953,7 +26254,7 @@
                               <m:sSubPr>
                                 <m:ctrlPr>
                                   <a:rPr lang="en-US" sz="2000" b="0" i="1" smtClean="0">
-                                    <a:latin typeface="Cambria Math" charset="0"/>
+                                    <a:latin typeface="Cambria Math" panose="02040503050406030204" pitchFamily="18" charset="0"/>
                                     <a:cs typeface="Arial" panose="020B0604020202020204" pitchFamily="34" charset="0"/>
                                   </a:rPr>
                                 </m:ctrlPr>
@@ -25964,7 +26265,7 @@
                                     <m:chr m:val="⃗"/>
                                     <m:ctrlPr>
                                       <a:rPr lang="en-US" sz="2000" b="0" i="1" smtClean="0">
-                                        <a:latin typeface="Cambria Math" charset="0"/>
+                                        <a:latin typeface="Cambria Math" panose="02040503050406030204" pitchFamily="18" charset="0"/>
                                         <a:cs typeface="Arial" panose="020B0604020202020204" pitchFamily="34" charset="0"/>
                                       </a:rPr>
                                     </m:ctrlPr>
@@ -26123,7 +26424,7 @@
                               <m:sSubPr>
                                 <m:ctrlPr>
                                   <a:rPr lang="en-US" sz="2000" b="0" i="1" smtClean="0">
-                                    <a:latin typeface="Cambria Math" charset="0"/>
+                                    <a:latin typeface="Cambria Math" panose="02040503050406030204" pitchFamily="18" charset="0"/>
                                     <a:cs typeface="Arial" panose="020B0604020202020204" pitchFamily="34" charset="0"/>
                                   </a:rPr>
                                 </m:ctrlPr>
@@ -26134,7 +26435,7 @@
                                     <m:chr m:val="⃗"/>
                                     <m:ctrlPr>
                                       <a:rPr lang="en-US" sz="2000" b="0" i="1" smtClean="0">
-                                        <a:latin typeface="Cambria Math" charset="0"/>
+                                        <a:latin typeface="Cambria Math" panose="02040503050406030204" pitchFamily="18" charset="0"/>
                                         <a:cs typeface="Arial" panose="020B0604020202020204" pitchFamily="34" charset="0"/>
                                       </a:rPr>
                                     </m:ctrlPr>
@@ -26666,7 +26967,7 @@
                         </m:oMath>
                       </m:oMathPara>
                     </a14:m>
-                    <a:endParaRPr lang="en-US" sz="2000" dirty="0" smtClean="0">
+                    <a:endParaRPr lang="en-US" sz="2000" dirty="0">
                       <a:latin typeface="Arial" panose="020B0604020202020204" pitchFamily="34" charset="0"/>
                       <a:cs typeface="Arial" panose="020B0604020202020204" pitchFamily="34" charset="0"/>
                     </a:endParaRPr>
@@ -26790,7 +27091,7 @@
                         </m:oMath>
                       </m:oMathPara>
                     </a14:m>
-                    <a:endParaRPr lang="en-US" sz="2000" dirty="0" smtClean="0">
+                    <a:endParaRPr lang="en-US" sz="2000" dirty="0">
                       <a:latin typeface="Arial" panose="020B0604020202020204" pitchFamily="34" charset="0"/>
                       <a:cs typeface="Arial" panose="020B0604020202020204" pitchFamily="34" charset="0"/>
                     </a:endParaRPr>
@@ -26910,7 +27211,7 @@
                           <m:sSubPr>
                             <m:ctrlPr>
                               <a:rPr lang="en-US" sz="2000" b="0" i="1" smtClean="0">
-                                <a:latin typeface="Cambria Math" charset="0"/>
+                                <a:latin typeface="Cambria Math" panose="02040503050406030204" pitchFamily="18" charset="0"/>
                                 <a:cs typeface="Arial" panose="020B0604020202020204" pitchFamily="34" charset="0"/>
                               </a:rPr>
                             </m:ctrlPr>
@@ -26921,7 +27222,7 @@
                                 <m:chr m:val="⃗"/>
                                 <m:ctrlPr>
                                   <a:rPr lang="en-US" sz="2000" b="0" i="1" smtClean="0">
-                                    <a:latin typeface="Cambria Math" charset="0"/>
+                                    <a:latin typeface="Cambria Math" panose="02040503050406030204" pitchFamily="18" charset="0"/>
                                     <a:cs typeface="Arial" panose="020B0604020202020204" pitchFamily="34" charset="0"/>
                                   </a:rPr>
                                 </m:ctrlPr>
@@ -27153,8 +27454,8 @@
             </a:fontRef>
           </p:style>
         </p:cxnSp>
-        <mc:AlternateContent xmlns:mc="http://schemas.openxmlformats.org/markup-compatibility/2006">
-          <mc:Choice xmlns:a14="http://schemas.microsoft.com/office/drawing/2010/main" Requires="a14">
+        <mc:AlternateContent xmlns:mc="http://schemas.openxmlformats.org/markup-compatibility/2006" xmlns:a14="http://schemas.microsoft.com/office/drawing/2010/main">
+          <mc:Choice Requires="a14">
             <p:sp>
               <p:nvSpPr>
                 <p:cNvPr id="20" name="TextBox 19"/>
@@ -27194,7 +27495,7 @@
                       </m:oMath>
                     </m:oMathPara>
                   </a14:m>
-                  <a:endParaRPr lang="en-US" sz="2000" dirty="0" smtClean="0">
+                  <a:endParaRPr lang="en-US" sz="2000" dirty="0">
                     <a:latin typeface="Arial" panose="020B0604020202020204" pitchFamily="34" charset="0"/>
                     <a:cs typeface="Arial" panose="020B0604020202020204" pitchFamily="34" charset="0"/>
                   </a:endParaRPr>
@@ -27202,7 +27503,7 @@
               </p:txBody>
             </p:sp>
           </mc:Choice>
-          <mc:Fallback>
+          <mc:Fallback xmlns="">
             <p:sp>
               <p:nvSpPr>
                 <p:cNvPr id="20" name="TextBox 19"/>
@@ -27241,8 +27542,8 @@
             </p:sp>
           </mc:Fallback>
         </mc:AlternateContent>
-        <mc:AlternateContent xmlns:mc="http://schemas.openxmlformats.org/markup-compatibility/2006">
-          <mc:Choice xmlns:a14="http://schemas.microsoft.com/office/drawing/2010/main" Requires="a14">
+        <mc:AlternateContent xmlns:mc="http://schemas.openxmlformats.org/markup-compatibility/2006" xmlns:a14="http://schemas.microsoft.com/office/drawing/2010/main">
+          <mc:Choice Requires="a14">
             <p:sp>
               <p:nvSpPr>
                 <p:cNvPr id="44" name="TextBox 43"/>
@@ -27296,7 +27597,7 @@
                       </m:oMath>
                     </m:oMathPara>
                   </a14:m>
-                  <a:endParaRPr lang="en-US" sz="2000" dirty="0" smtClean="0">
+                  <a:endParaRPr lang="en-US" sz="2000" dirty="0">
                     <a:latin typeface="Arial" panose="020B0604020202020204" pitchFamily="34" charset="0"/>
                     <a:cs typeface="Arial" panose="020B0604020202020204" pitchFamily="34" charset="0"/>
                   </a:endParaRPr>
@@ -27304,7 +27605,7 @@
               </p:txBody>
             </p:sp>
           </mc:Choice>
-          <mc:Fallback>
+          <mc:Fallback xmlns="">
             <p:sp>
               <p:nvSpPr>
                 <p:cNvPr id="44" name="TextBox 43"/>
@@ -27481,8 +27782,8 @@
             </a:p>
           </p:txBody>
         </p:sp>
-        <mc:AlternateContent xmlns:mc="http://schemas.openxmlformats.org/markup-compatibility/2006">
-          <mc:Choice xmlns:a14="http://schemas.microsoft.com/office/drawing/2010/main" Requires="a14">
+        <mc:AlternateContent xmlns:mc="http://schemas.openxmlformats.org/markup-compatibility/2006" xmlns:a14="http://schemas.microsoft.com/office/drawing/2010/main">
+          <mc:Choice Requires="a14">
             <p:sp>
               <p:nvSpPr>
                 <p:cNvPr id="69" name="TextBox 68"/>
@@ -27522,7 +27823,7 @@
                       </m:oMath>
                     </m:oMathPara>
                   </a14:m>
-                  <a:endParaRPr lang="en-US" sz="2000" dirty="0" smtClean="0">
+                  <a:endParaRPr lang="en-US" sz="2000" dirty="0">
                     <a:latin typeface="Arial" panose="020B0604020202020204" pitchFamily="34" charset="0"/>
                     <a:cs typeface="Arial" panose="020B0604020202020204" pitchFamily="34" charset="0"/>
                   </a:endParaRPr>
@@ -27530,7 +27831,7 @@
               </p:txBody>
             </p:sp>
           </mc:Choice>
-          <mc:Fallback>
+          <mc:Fallback xmlns="">
             <p:sp>
               <p:nvSpPr>
                 <p:cNvPr id="69" name="TextBox 68"/>
@@ -27605,8 +27906,8 @@
             </a:fontRef>
           </p:style>
         </p:cxnSp>
-        <mc:AlternateContent xmlns:mc="http://schemas.openxmlformats.org/markup-compatibility/2006">
-          <mc:Choice xmlns:a14="http://schemas.microsoft.com/office/drawing/2010/main" Requires="a14">
+        <mc:AlternateContent xmlns:mc="http://schemas.openxmlformats.org/markup-compatibility/2006" xmlns:a14="http://schemas.microsoft.com/office/drawing/2010/main">
+          <mc:Choice Requires="a14">
             <p:sp>
               <p:nvSpPr>
                 <p:cNvPr id="72" name="TextBox 71"/>
@@ -27646,7 +27947,7 @@
                       </m:oMath>
                     </m:oMathPara>
                   </a14:m>
-                  <a:endParaRPr lang="en-US" sz="2000" dirty="0" smtClean="0">
+                  <a:endParaRPr lang="en-US" sz="2000" dirty="0">
                     <a:latin typeface="Arial" panose="020B0604020202020204" pitchFamily="34" charset="0"/>
                     <a:cs typeface="Arial" panose="020B0604020202020204" pitchFamily="34" charset="0"/>
                   </a:endParaRPr>
@@ -27654,7 +27955,7 @@
               </p:txBody>
             </p:sp>
           </mc:Choice>
-          <mc:Fallback>
+          <mc:Fallback xmlns="">
             <p:sp>
               <p:nvSpPr>
                 <p:cNvPr id="72" name="TextBox 71"/>
@@ -28000,7 +28301,7 @@
                                 <m:sSubPr>
                                   <m:ctrlPr>
                                     <a:rPr lang="en-US" sz="2000" b="0" i="1" smtClean="0">
-                                      <a:latin typeface="Cambria Math" charset="0"/>
+                                      <a:latin typeface="Cambria Math" panose="02040503050406030204" pitchFamily="18" charset="0"/>
                                       <a:cs typeface="Arial" panose="020B0604020202020204" pitchFamily="34" charset="0"/>
                                     </a:rPr>
                                   </m:ctrlPr>
@@ -28011,7 +28312,7 @@
                                       <m:chr m:val="⃗"/>
                                       <m:ctrlPr>
                                         <a:rPr lang="en-US" sz="2000" b="0" i="1" smtClean="0">
-                                          <a:latin typeface="Cambria Math" charset="0"/>
+                                          <a:latin typeface="Cambria Math" panose="02040503050406030204" pitchFamily="18" charset="0"/>
                                           <a:cs typeface="Arial" panose="020B0604020202020204" pitchFamily="34" charset="0"/>
                                         </a:rPr>
                                       </m:ctrlPr>
@@ -28123,7 +28424,7 @@
                                   <m:chr m:val="⃗"/>
                                   <m:ctrlPr>
                                     <a:rPr lang="en-US" sz="2000" b="0" i="1" smtClean="0">
-                                      <a:latin typeface="Cambria Math" charset="0"/>
+                                      <a:latin typeface="Cambria Math" panose="02040503050406030204" pitchFamily="18" charset="0"/>
                                       <a:cs typeface="Arial" panose="020B0604020202020204" pitchFamily="34" charset="0"/>
                                     </a:rPr>
                                   </m:ctrlPr>
@@ -28223,7 +28524,7 @@
                                 <m:sSubPr>
                                   <m:ctrlPr>
                                     <a:rPr lang="en-US" sz="2000" b="0" i="1" smtClean="0">
-                                      <a:latin typeface="Cambria Math" charset="0"/>
+                                      <a:latin typeface="Cambria Math" panose="02040503050406030204" pitchFamily="18" charset="0"/>
                                       <a:cs typeface="Arial" panose="020B0604020202020204" pitchFamily="34" charset="0"/>
                                     </a:rPr>
                                   </m:ctrlPr>
@@ -28234,7 +28535,7 @@
                                       <m:chr m:val="⃗"/>
                                       <m:ctrlPr>
                                         <a:rPr lang="en-US" sz="2000" b="0" i="1" smtClean="0">
-                                          <a:latin typeface="Cambria Math" charset="0"/>
+                                          <a:latin typeface="Cambria Math" panose="02040503050406030204" pitchFamily="18" charset="0"/>
                                           <a:cs typeface="Arial" panose="020B0604020202020204" pitchFamily="34" charset="0"/>
                                         </a:rPr>
                                       </m:ctrlPr>
@@ -28393,7 +28694,7 @@
                                 <m:sSubPr>
                                   <m:ctrlPr>
                                     <a:rPr lang="en-US" sz="2000" b="0" i="1" smtClean="0">
-                                      <a:latin typeface="Cambria Math" charset="0"/>
+                                      <a:latin typeface="Cambria Math" panose="02040503050406030204" pitchFamily="18" charset="0"/>
                                       <a:cs typeface="Arial" panose="020B0604020202020204" pitchFamily="34" charset="0"/>
                                     </a:rPr>
                                   </m:ctrlPr>
@@ -28404,7 +28705,7 @@
                                       <m:chr m:val="⃗"/>
                                       <m:ctrlPr>
                                         <a:rPr lang="en-US" sz="2000" b="0" i="1" smtClean="0">
-                                          <a:latin typeface="Cambria Math" charset="0"/>
+                                          <a:latin typeface="Cambria Math" panose="02040503050406030204" pitchFamily="18" charset="0"/>
                                           <a:cs typeface="Arial" panose="020B0604020202020204" pitchFamily="34" charset="0"/>
                                         </a:rPr>
                                       </m:ctrlPr>
@@ -28900,7 +29201,7 @@
                           </m:oMath>
                         </m:oMathPara>
                       </a14:m>
-                      <a:endParaRPr lang="en-US" sz="2000" dirty="0" smtClean="0">
+                      <a:endParaRPr lang="en-US" sz="2000" dirty="0">
                         <a:latin typeface="Arial" panose="020B0604020202020204" pitchFamily="34" charset="0"/>
                         <a:cs typeface="Arial" panose="020B0604020202020204" pitchFamily="34" charset="0"/>
                       </a:endParaRPr>
@@ -29181,7 +29482,7 @@
                                   <m:sSubPr>
                                     <m:ctrlPr>
                                       <a:rPr lang="en-US" sz="2000" b="0" i="1" smtClean="0">
-                                        <a:latin typeface="Cambria Math" charset="0"/>
+                                        <a:latin typeface="Cambria Math" panose="02040503050406030204" pitchFamily="18" charset="0"/>
                                         <a:cs typeface="Arial" panose="020B0604020202020204" pitchFamily="34" charset="0"/>
                                       </a:rPr>
                                     </m:ctrlPr>
@@ -29192,7 +29493,7 @@
                                         <m:chr m:val="⃗"/>
                                         <m:ctrlPr>
                                           <a:rPr lang="en-US" sz="2000" b="0" i="1" smtClean="0">
-                                            <a:latin typeface="Cambria Math" charset="0"/>
+                                            <a:latin typeface="Cambria Math" panose="02040503050406030204" pitchFamily="18" charset="0"/>
                                             <a:cs typeface="Arial" panose="020B0604020202020204" pitchFamily="34" charset="0"/>
                                           </a:rPr>
                                         </m:ctrlPr>
@@ -29304,7 +29605,7 @@
                                     <m:chr m:val="⃗"/>
                                     <m:ctrlPr>
                                       <a:rPr lang="en-US" sz="2000" b="0" i="1" smtClean="0">
-                                        <a:latin typeface="Cambria Math" charset="0"/>
+                                        <a:latin typeface="Cambria Math" panose="02040503050406030204" pitchFamily="18" charset="0"/>
                                         <a:cs typeface="Arial" panose="020B0604020202020204" pitchFamily="34" charset="0"/>
                                       </a:rPr>
                                     </m:ctrlPr>
@@ -29404,7 +29705,7 @@
                                   <m:sSubPr>
                                     <m:ctrlPr>
                                       <a:rPr lang="en-US" sz="2000" b="0" i="1" smtClean="0">
-                                        <a:latin typeface="Cambria Math" charset="0"/>
+                                        <a:latin typeface="Cambria Math" panose="02040503050406030204" pitchFamily="18" charset="0"/>
                                         <a:cs typeface="Arial" panose="020B0604020202020204" pitchFamily="34" charset="0"/>
                                       </a:rPr>
                                     </m:ctrlPr>
@@ -29415,7 +29716,7 @@
                                         <m:chr m:val="⃗"/>
                                         <m:ctrlPr>
                                           <a:rPr lang="en-US" sz="2000" b="0" i="1" smtClean="0">
-                                            <a:latin typeface="Cambria Math" charset="0"/>
+                                            <a:latin typeface="Cambria Math" panose="02040503050406030204" pitchFamily="18" charset="0"/>
                                             <a:cs typeface="Arial" panose="020B0604020202020204" pitchFamily="34" charset="0"/>
                                           </a:rPr>
                                         </m:ctrlPr>
@@ -29558,7 +29859,7 @@
                             </m:oMath>
                           </m:oMathPara>
                         </a14:m>
-                        <a:endParaRPr lang="en-US" sz="2000" dirty="0" smtClean="0">
+                        <a:endParaRPr lang="en-US" sz="2000" dirty="0">
                           <a:latin typeface="Arial" panose="020B0604020202020204" pitchFamily="34" charset="0"/>
                           <a:cs typeface="Arial" panose="020B0604020202020204" pitchFamily="34" charset="0"/>
                         </a:endParaRPr>
@@ -29677,7 +29978,7 @@
                               <m:sSubPr>
                                 <m:ctrlPr>
                                   <a:rPr lang="en-US" sz="2000" b="0" i="1" smtClean="0">
-                                    <a:latin typeface="Cambria Math" charset="0"/>
+                                    <a:latin typeface="Cambria Math" panose="02040503050406030204" pitchFamily="18" charset="0"/>
                                     <a:cs typeface="Arial" panose="020B0604020202020204" pitchFamily="34" charset="0"/>
                                   </a:rPr>
                                 </m:ctrlPr>
@@ -29688,7 +29989,7 @@
                                     <m:chr m:val="⃗"/>
                                     <m:ctrlPr>
                                       <a:rPr lang="en-US" sz="2000" b="0" i="1" smtClean="0">
-                                        <a:latin typeface="Cambria Math" charset="0"/>
+                                        <a:latin typeface="Cambria Math" panose="02040503050406030204" pitchFamily="18" charset="0"/>
                                         <a:cs typeface="Arial" panose="020B0604020202020204" pitchFamily="34" charset="0"/>
                                       </a:rPr>
                                     </m:ctrlPr>
@@ -29878,7 +30179,7 @@
                           <m:sSubPr>
                             <m:ctrlPr>
                               <a:rPr lang="en-US" sz="2000" b="0" i="1" smtClean="0">
-                                <a:latin typeface="Cambria Math" charset="0"/>
+                                <a:latin typeface="Cambria Math" panose="02040503050406030204" pitchFamily="18" charset="0"/>
                                 <a:cs typeface="Arial" panose="020B0604020202020204" pitchFamily="34" charset="0"/>
                               </a:rPr>
                             </m:ctrlPr>
@@ -29889,7 +30190,7 @@
                                 <m:chr m:val="⃗"/>
                                 <m:ctrlPr>
                                   <a:rPr lang="en-US" sz="2000" b="0" i="1" smtClean="0">
-                                    <a:latin typeface="Cambria Math" charset="0"/>
+                                    <a:latin typeface="Cambria Math" panose="02040503050406030204" pitchFamily="18" charset="0"/>
                                     <a:cs typeface="Arial" panose="020B0604020202020204" pitchFamily="34" charset="0"/>
                                   </a:rPr>
                                 </m:ctrlPr>
@@ -29970,6 +30271,1622 @@
     <p:extLst>
       <p:ext uri="{BB962C8B-B14F-4D97-AF65-F5344CB8AC3E}">
         <p14:creationId xmlns:p14="http://schemas.microsoft.com/office/powerpoint/2010/main" val="2974178763"/>
+      </p:ext>
+    </p:extLst>
+  </p:cSld>
+  <p:clrMapOvr>
+    <a:masterClrMapping/>
+  </p:clrMapOvr>
+</p:sld>
+</file>
+
+<file path=ppt/slides/slide9.xml><?xml version="1.0" encoding="utf-8"?>
+<p:sld xmlns:a="http://schemas.openxmlformats.org/drawingml/2006/main" xmlns:r="http://schemas.openxmlformats.org/officeDocument/2006/relationships" xmlns:p="http://schemas.openxmlformats.org/presentationml/2006/main">
+  <p:cSld>
+    <p:spTree>
+      <p:nvGrpSpPr>
+        <p:cNvPr id="1" name=""/>
+        <p:cNvGrpSpPr/>
+        <p:nvPr/>
+      </p:nvGrpSpPr>
+      <p:grpSpPr>
+        <a:xfrm>
+          <a:off x="0" y="0"/>
+          <a:ext cx="0" cy="0"/>
+          <a:chOff x="0" y="0"/>
+          <a:chExt cx="0" cy="0"/>
+        </a:xfrm>
+      </p:grpSpPr>
+      <p:grpSp>
+        <p:nvGrpSpPr>
+          <p:cNvPr id="46" name="Group 45">
+            <a:extLst>
+              <a:ext uri="{FF2B5EF4-FFF2-40B4-BE49-F238E27FC236}">
+                <a16:creationId xmlns:a16="http://schemas.microsoft.com/office/drawing/2014/main" id="{90C6933A-2B7B-494A-80FA-7B63B599054D}"/>
+              </a:ext>
+            </a:extLst>
+          </p:cNvPr>
+          <p:cNvGrpSpPr/>
+          <p:nvPr/>
+        </p:nvGrpSpPr>
+        <p:grpSpPr>
+          <a:xfrm>
+            <a:off x="6420796" y="3109359"/>
+            <a:ext cx="2978508" cy="3154262"/>
+            <a:chOff x="4798002" y="2875900"/>
+            <a:chExt cx="2978508" cy="3154262"/>
+          </a:xfrm>
+        </p:grpSpPr>
+        <p:sp>
+          <p:nvSpPr>
+            <p:cNvPr id="36" name="Arc 35">
+              <a:extLst>
+                <a:ext uri="{FF2B5EF4-FFF2-40B4-BE49-F238E27FC236}">
+                  <a16:creationId xmlns:a16="http://schemas.microsoft.com/office/drawing/2014/main" id="{6B46CB82-C21D-1B42-9B51-7C662ADFE93E}"/>
+                </a:ext>
+              </a:extLst>
+            </p:cNvPr>
+            <p:cNvSpPr/>
+            <p:nvPr/>
+          </p:nvSpPr>
+          <p:spPr>
+            <a:xfrm rot="557745">
+              <a:off x="4798002" y="2875900"/>
+              <a:ext cx="2914693" cy="2680530"/>
+            </a:xfrm>
+            <a:prstGeom prst="arc">
+              <a:avLst>
+                <a:gd name="adj1" fmla="val 18251605"/>
+                <a:gd name="adj2" fmla="val 486838"/>
+              </a:avLst>
+            </a:prstGeom>
+            <a:ln w="76200">
+              <a:solidFill>
+                <a:srgbClr val="FF0000"/>
+              </a:solidFill>
+              <a:headEnd type="triangle" w="med" len="med"/>
+              <a:tailEnd type="none" w="med" len="med"/>
+            </a:ln>
+          </p:spPr>
+          <p:style>
+            <a:lnRef idx="1">
+              <a:schemeClr val="accent1"/>
+            </a:lnRef>
+            <a:fillRef idx="0">
+              <a:schemeClr val="accent1"/>
+            </a:fillRef>
+            <a:effectRef idx="0">
+              <a:schemeClr val="accent1"/>
+            </a:effectRef>
+            <a:fontRef idx="minor">
+              <a:schemeClr val="tx1"/>
+            </a:fontRef>
+          </p:style>
+          <p:txBody>
+            <a:bodyPr rtlCol="0" anchor="ctr"/>
+            <a:lstStyle/>
+            <a:p>
+              <a:pPr algn="ctr"/>
+              <a:endParaRPr lang="en-US" dirty="0">
+                <a:solidFill>
+                  <a:srgbClr val="FF0000"/>
+                </a:solidFill>
+              </a:endParaRPr>
+            </a:p>
+          </p:txBody>
+        </p:sp>
+        <p:grpSp>
+          <p:nvGrpSpPr>
+            <p:cNvPr id="19" name="Group 18">
+              <a:extLst>
+                <a:ext uri="{FF2B5EF4-FFF2-40B4-BE49-F238E27FC236}">
+                  <a16:creationId xmlns:a16="http://schemas.microsoft.com/office/drawing/2014/main" id="{0FA5B191-1FCC-AD4E-BECE-B369DF374359}"/>
+                </a:ext>
+              </a:extLst>
+            </p:cNvPr>
+            <p:cNvGrpSpPr/>
+            <p:nvPr/>
+          </p:nvGrpSpPr>
+          <p:grpSpPr>
+            <a:xfrm>
+              <a:off x="4994401" y="3543440"/>
+              <a:ext cx="2782109" cy="2486722"/>
+              <a:chOff x="684938" y="427852"/>
+              <a:chExt cx="2782109" cy="2486722"/>
+            </a:xfrm>
+          </p:grpSpPr>
+          <p:sp>
+            <p:nvSpPr>
+              <p:cNvPr id="20" name="Oval 19">
+                <a:extLst>
+                  <a:ext uri="{FF2B5EF4-FFF2-40B4-BE49-F238E27FC236}">
+                    <a16:creationId xmlns:a16="http://schemas.microsoft.com/office/drawing/2014/main" id="{768EDBF6-4237-5442-B091-8258521203E8}"/>
+                  </a:ext>
+                </a:extLst>
+              </p:cNvPr>
+              <p:cNvSpPr/>
+              <p:nvPr/>
+            </p:nvSpPr>
+            <p:spPr>
+              <a:xfrm>
+                <a:off x="684938" y="427852"/>
+                <a:ext cx="2642839" cy="2486722"/>
+              </a:xfrm>
+              <a:prstGeom prst="ellipse">
+                <a:avLst/>
+              </a:prstGeom>
+              <a:noFill/>
+              <a:ln w="38100">
+                <a:solidFill>
+                  <a:schemeClr val="tx1"/>
+                </a:solidFill>
+                <a:prstDash val="dash"/>
+              </a:ln>
+            </p:spPr>
+            <p:style>
+              <a:lnRef idx="2">
+                <a:schemeClr val="accent1">
+                  <a:shade val="50000"/>
+                </a:schemeClr>
+              </a:lnRef>
+              <a:fillRef idx="1">
+                <a:schemeClr val="accent1"/>
+              </a:fillRef>
+              <a:effectRef idx="0">
+                <a:schemeClr val="accent1"/>
+              </a:effectRef>
+              <a:fontRef idx="minor">
+                <a:schemeClr val="lt1"/>
+              </a:fontRef>
+            </p:style>
+            <p:txBody>
+              <a:bodyPr rtlCol="0" anchor="ctr"/>
+              <a:lstStyle/>
+              <a:p>
+                <a:pPr algn="ctr"/>
+                <a:endParaRPr lang="en-US"/>
+              </a:p>
+            </p:txBody>
+          </p:sp>
+          <mc:AlternateContent xmlns:mc="http://schemas.openxmlformats.org/markup-compatibility/2006">
+            <mc:Choice xmlns:a14="http://schemas.microsoft.com/office/drawing/2010/main" Requires="a14">
+              <p:sp>
+                <p:nvSpPr>
+                  <p:cNvPr id="21" name="TextBox 20">
+                    <a:extLst>
+                      <a:ext uri="{FF2B5EF4-FFF2-40B4-BE49-F238E27FC236}">
+                        <a16:creationId xmlns:a16="http://schemas.microsoft.com/office/drawing/2014/main" id="{76F3576D-8B1A-004F-A2A5-D6322748C683}"/>
+                      </a:ext>
+                    </a:extLst>
+                  </p:cNvPr>
+                  <p:cNvSpPr txBox="1"/>
+                  <p:nvPr/>
+                </p:nvSpPr>
+                <p:spPr>
+                  <a:xfrm>
+                    <a:off x="2512353" y="1299316"/>
+                    <a:ext cx="241540" cy="307777"/>
+                  </a:xfrm>
+                  <a:prstGeom prst="rect">
+                    <a:avLst/>
+                  </a:prstGeom>
+                  <a:noFill/>
+                </p:spPr>
+                <p:txBody>
+                  <a:bodyPr wrap="none" lIns="0" tIns="0" rIns="0" bIns="0" rtlCol="0">
+                    <a:spAutoFit/>
+                  </a:bodyPr>
+                  <a:lstStyle/>
+                  <a:p>
+                    <a:pPr/>
+                    <a14:m>
+                      <m:oMathPara xmlns:m="http://schemas.openxmlformats.org/officeDocument/2006/math">
+                        <m:oMathParaPr>
+                          <m:jc m:val="centerGroup"/>
+                        </m:oMathParaPr>
+                        <m:oMath xmlns:m="http://schemas.openxmlformats.org/officeDocument/2006/math">
+                          <m:r>
+                            <a:rPr lang="en-US" sz="2000" b="0" i="1" smtClean="0">
+                              <a:latin typeface="Cambria Math" panose="02040503050406030204" pitchFamily="18" charset="0"/>
+                              <a:cs typeface="Arial" panose="020B0604020202020204" pitchFamily="34" charset="0"/>
+                            </a:rPr>
+                            <m:t>𝑅</m:t>
+                          </m:r>
+                        </m:oMath>
+                      </m:oMathPara>
+                    </a14:m>
+                    <a:endParaRPr lang="en-US" sz="2000" dirty="0">
+                      <a:latin typeface="Arial" panose="020B0604020202020204" pitchFamily="34" charset="0"/>
+                      <a:cs typeface="Arial" panose="020B0604020202020204" pitchFamily="34" charset="0"/>
+                    </a:endParaRPr>
+                  </a:p>
+                </p:txBody>
+              </p:sp>
+            </mc:Choice>
+            <mc:Fallback>
+              <p:sp>
+                <p:nvSpPr>
+                  <p:cNvPr id="21" name="TextBox 20">
+                    <a:extLst>
+                      <a:ext uri="{FF2B5EF4-FFF2-40B4-BE49-F238E27FC236}">
+                        <a16:creationId xmlns:a16="http://schemas.microsoft.com/office/drawing/2014/main" id="{76F3576D-8B1A-004F-A2A5-D6322748C683}"/>
+                      </a:ext>
+                    </a:extLst>
+                  </p:cNvPr>
+                  <p:cNvSpPr txBox="1">
+                    <a:spLocks noRot="1" noChangeAspect="1" noMove="1" noResize="1" noEditPoints="1" noAdjustHandles="1" noChangeArrowheads="1" noChangeShapeType="1" noTextEdit="1"/>
+                  </p:cNvSpPr>
+                  <p:nvPr/>
+                </p:nvSpPr>
+                <p:spPr>
+                  <a:xfrm>
+                    <a:off x="2512353" y="1299316"/>
+                    <a:ext cx="241540" cy="307777"/>
+                  </a:xfrm>
+                  <a:prstGeom prst="rect">
+                    <a:avLst/>
+                  </a:prstGeom>
+                  <a:blipFill>
+                    <a:blip r:embed="rId2"/>
+                    <a:stretch>
+                      <a:fillRect l="-20000" r="-15000" b="-4000"/>
+                    </a:stretch>
+                  </a:blipFill>
+                </p:spPr>
+                <p:txBody>
+                  <a:bodyPr/>
+                  <a:lstStyle/>
+                  <a:p>
+                    <a:r>
+                      <a:rPr lang="en-US">
+                        <a:noFill/>
+                      </a:rPr>
+                      <a:t> </a:t>
+                    </a:r>
+                  </a:p>
+                </p:txBody>
+              </p:sp>
+            </mc:Fallback>
+          </mc:AlternateContent>
+          <p:cxnSp>
+            <p:nvCxnSpPr>
+              <p:cNvPr id="22" name="Straight Connector 21">
+                <a:extLst>
+                  <a:ext uri="{FF2B5EF4-FFF2-40B4-BE49-F238E27FC236}">
+                    <a16:creationId xmlns:a16="http://schemas.microsoft.com/office/drawing/2014/main" id="{54D3DE5D-24A9-9A45-A977-2206F56E295E}"/>
+                  </a:ext>
+                </a:extLst>
+              </p:cNvPr>
+              <p:cNvCxnSpPr/>
+              <p:nvPr/>
+            </p:nvCxnSpPr>
+            <p:spPr>
+              <a:xfrm flipH="1">
+                <a:off x="2006356" y="1671213"/>
+                <a:ext cx="1187605" cy="0"/>
+              </a:xfrm>
+              <a:prstGeom prst="line">
+                <a:avLst/>
+              </a:prstGeom>
+              <a:ln w="38100">
+                <a:solidFill>
+                  <a:schemeClr val="tx1"/>
+                </a:solidFill>
+              </a:ln>
+            </p:spPr>
+            <p:style>
+              <a:lnRef idx="1">
+                <a:schemeClr val="accent1"/>
+              </a:lnRef>
+              <a:fillRef idx="0">
+                <a:schemeClr val="accent1"/>
+              </a:fillRef>
+              <a:effectRef idx="0">
+                <a:schemeClr val="accent1"/>
+              </a:effectRef>
+              <a:fontRef idx="minor">
+                <a:schemeClr val="tx1"/>
+              </a:fontRef>
+            </p:style>
+          </p:cxnSp>
+          <p:sp>
+            <p:nvSpPr>
+              <p:cNvPr id="23" name="Rectangle 22">
+                <a:extLst>
+                  <a:ext uri="{FF2B5EF4-FFF2-40B4-BE49-F238E27FC236}">
+                    <a16:creationId xmlns:a16="http://schemas.microsoft.com/office/drawing/2014/main" id="{02C7F67E-C069-F24C-9CB7-3B09ADF5BA4B}"/>
+                  </a:ext>
+                </a:extLst>
+              </p:cNvPr>
+              <p:cNvSpPr/>
+              <p:nvPr/>
+            </p:nvSpPr>
+            <p:spPr>
+              <a:xfrm>
+                <a:off x="3199418" y="1542974"/>
+                <a:ext cx="267629" cy="256478"/>
+              </a:xfrm>
+              <a:prstGeom prst="rect">
+                <a:avLst/>
+              </a:prstGeom>
+              <a:solidFill>
+                <a:schemeClr val="bg2">
+                  <a:lumMod val="90000"/>
+                </a:schemeClr>
+              </a:solidFill>
+              <a:ln w="38100">
+                <a:solidFill>
+                  <a:schemeClr val="tx1"/>
+                </a:solidFill>
+              </a:ln>
+            </p:spPr>
+            <p:style>
+              <a:lnRef idx="2">
+                <a:schemeClr val="accent1">
+                  <a:shade val="50000"/>
+                </a:schemeClr>
+              </a:lnRef>
+              <a:fillRef idx="1">
+                <a:schemeClr val="accent1"/>
+              </a:fillRef>
+              <a:effectRef idx="0">
+                <a:schemeClr val="accent1"/>
+              </a:effectRef>
+              <a:fontRef idx="minor">
+                <a:schemeClr val="lt1"/>
+              </a:fontRef>
+            </p:style>
+            <p:txBody>
+              <a:bodyPr rtlCol="0" anchor="ctr"/>
+              <a:lstStyle/>
+              <a:p>
+                <a:pPr algn="ctr"/>
+                <a:endParaRPr lang="en-US"/>
+              </a:p>
+            </p:txBody>
+          </p:sp>
+          <p:sp>
+            <p:nvSpPr>
+              <p:cNvPr id="24" name="Oval 23">
+                <a:extLst>
+                  <a:ext uri="{FF2B5EF4-FFF2-40B4-BE49-F238E27FC236}">
+                    <a16:creationId xmlns:a16="http://schemas.microsoft.com/office/drawing/2014/main" id="{8D6CF925-503E-0D4C-8A37-DFA63E4F6A19}"/>
+                  </a:ext>
+                </a:extLst>
+              </p:cNvPr>
+              <p:cNvSpPr/>
+              <p:nvPr/>
+            </p:nvSpPr>
+            <p:spPr>
+              <a:xfrm>
+                <a:off x="1945885" y="1616950"/>
+                <a:ext cx="120943" cy="119766"/>
+              </a:xfrm>
+              <a:prstGeom prst="ellipse">
+                <a:avLst/>
+              </a:prstGeom>
+              <a:solidFill>
+                <a:schemeClr val="tx1"/>
+              </a:solidFill>
+              <a:ln w="38100">
+                <a:solidFill>
+                  <a:schemeClr val="tx1"/>
+                </a:solidFill>
+              </a:ln>
+            </p:spPr>
+            <p:style>
+              <a:lnRef idx="2">
+                <a:schemeClr val="accent1">
+                  <a:shade val="50000"/>
+                </a:schemeClr>
+              </a:lnRef>
+              <a:fillRef idx="1">
+                <a:schemeClr val="accent1"/>
+              </a:fillRef>
+              <a:effectRef idx="0">
+                <a:schemeClr val="accent1"/>
+              </a:effectRef>
+              <a:fontRef idx="minor">
+                <a:schemeClr val="lt1"/>
+              </a:fontRef>
+            </p:style>
+            <p:txBody>
+              <a:bodyPr rtlCol="0" anchor="ctr"/>
+              <a:lstStyle/>
+              <a:p>
+                <a:pPr algn="ctr"/>
+                <a:endParaRPr lang="en-US"/>
+              </a:p>
+            </p:txBody>
+          </p:sp>
+        </p:grpSp>
+      </p:grpSp>
+      <p:grpSp>
+        <p:nvGrpSpPr>
+          <p:cNvPr id="35" name="Group 34">
+            <a:extLst>
+              <a:ext uri="{FF2B5EF4-FFF2-40B4-BE49-F238E27FC236}">
+                <a16:creationId xmlns:a16="http://schemas.microsoft.com/office/drawing/2014/main" id="{E82AF449-35F5-C14F-8997-6F76CF3C5E48}"/>
+              </a:ext>
+            </a:extLst>
+          </p:cNvPr>
+          <p:cNvGrpSpPr/>
+          <p:nvPr/>
+        </p:nvGrpSpPr>
+        <p:grpSpPr>
+          <a:xfrm>
+            <a:off x="6226883" y="555185"/>
+            <a:ext cx="2782109" cy="2562263"/>
+            <a:chOff x="4956684" y="352311"/>
+            <a:chExt cx="2782109" cy="2562263"/>
+          </a:xfrm>
+        </p:grpSpPr>
+        <p:grpSp>
+          <p:nvGrpSpPr>
+            <p:cNvPr id="13" name="Group 12">
+              <a:extLst>
+                <a:ext uri="{FF2B5EF4-FFF2-40B4-BE49-F238E27FC236}">
+                  <a16:creationId xmlns:a16="http://schemas.microsoft.com/office/drawing/2014/main" id="{3A10FE8F-6D6F-9942-A3E7-A659E85FAFCE}"/>
+                </a:ext>
+              </a:extLst>
+            </p:cNvPr>
+            <p:cNvGrpSpPr/>
+            <p:nvPr/>
+          </p:nvGrpSpPr>
+          <p:grpSpPr>
+            <a:xfrm>
+              <a:off x="4956684" y="427852"/>
+              <a:ext cx="2782109" cy="2486722"/>
+              <a:chOff x="684938" y="427852"/>
+              <a:chExt cx="2782109" cy="2486722"/>
+            </a:xfrm>
+          </p:grpSpPr>
+          <p:sp>
+            <p:nvSpPr>
+              <p:cNvPr id="14" name="Oval 13">
+                <a:extLst>
+                  <a:ext uri="{FF2B5EF4-FFF2-40B4-BE49-F238E27FC236}">
+                    <a16:creationId xmlns:a16="http://schemas.microsoft.com/office/drawing/2014/main" id="{CA90CA04-490B-9543-8FFE-82CB3327E59D}"/>
+                  </a:ext>
+                </a:extLst>
+              </p:cNvPr>
+              <p:cNvSpPr/>
+              <p:nvPr/>
+            </p:nvSpPr>
+            <p:spPr>
+              <a:xfrm>
+                <a:off x="684938" y="427852"/>
+                <a:ext cx="2642839" cy="2486722"/>
+              </a:xfrm>
+              <a:prstGeom prst="ellipse">
+                <a:avLst/>
+      